--- a/Презентация.pptx
+++ b/Презентация.pptx
@@ -6,12 +6,33 @@
     <p:sldMasterId id="2147483648" r:id="rId2"/>
   </p:sldMasterIdLst>
   <p:notesMasterIdLst>
-    <p:notesMasterId r:id="rId6"/>
+    <p:notesMasterId r:id="rId27"/>
   </p:notesMasterIdLst>
   <p:sldIdLst>
     <p:sldId id="258" r:id="rId3"/>
     <p:sldId id="261" r:id="rId4"/>
     <p:sldId id="262" r:id="rId5"/>
+    <p:sldId id="263" r:id="rId6"/>
+    <p:sldId id="264" r:id="rId7"/>
+    <p:sldId id="265" r:id="rId8"/>
+    <p:sldId id="266" r:id="rId9"/>
+    <p:sldId id="267" r:id="rId10"/>
+    <p:sldId id="268" r:id="rId11"/>
+    <p:sldId id="269" r:id="rId12"/>
+    <p:sldId id="270" r:id="rId13"/>
+    <p:sldId id="271" r:id="rId14"/>
+    <p:sldId id="272" r:id="rId15"/>
+    <p:sldId id="274" r:id="rId16"/>
+    <p:sldId id="275" r:id="rId17"/>
+    <p:sldId id="273" r:id="rId18"/>
+    <p:sldId id="276" r:id="rId19"/>
+    <p:sldId id="277" r:id="rId20"/>
+    <p:sldId id="278" r:id="rId21"/>
+    <p:sldId id="279" r:id="rId22"/>
+    <p:sldId id="280" r:id="rId23"/>
+    <p:sldId id="281" r:id="rId24"/>
+    <p:sldId id="282" r:id="rId25"/>
+    <p:sldId id="283" r:id="rId26"/>
   </p:sldIdLst>
   <p:sldSz cx="12192000" cy="6858000"/>
   <p:notesSz cx="6858000" cy="9144000"/>
@@ -588,6 +609,2148 @@
     <p:extLst>
       <p:ext uri="{BB962C8B-B14F-4D97-AF65-F5344CB8AC3E}">
         <p14:creationId xmlns:p14="http://schemas.microsoft.com/office/powerpoint/2010/main" val="2200989939"/>
+      </p:ext>
+    </p:extLst>
+  </p:cSld>
+  <p:clrMapOvr>
+    <a:masterClrMapping/>
+  </p:clrMapOvr>
+</p:notes>
+</file>
+
+<file path=ppt/notesSlides/notesSlide10.xml><?xml version="1.0" encoding="utf-8"?>
+<p:notes xmlns:a="http://schemas.openxmlformats.org/drawingml/2006/main" xmlns:r="http://schemas.openxmlformats.org/officeDocument/2006/relationships" xmlns:p="http://schemas.openxmlformats.org/presentationml/2006/main">
+  <p:cSld>
+    <p:spTree>
+      <p:nvGrpSpPr>
+        <p:cNvPr id="1" name=""/>
+        <p:cNvGrpSpPr/>
+        <p:nvPr/>
+      </p:nvGrpSpPr>
+      <p:grpSpPr>
+        <a:xfrm>
+          <a:off x="0" y="0"/>
+          <a:ext cx="0" cy="0"/>
+          <a:chOff x="0" y="0"/>
+          <a:chExt cx="0" cy="0"/>
+        </a:xfrm>
+      </p:grpSpPr>
+      <p:sp>
+        <p:nvSpPr>
+          <p:cNvPr id="2" name="Образ слайда 1"/>
+          <p:cNvSpPr>
+            <a:spLocks noGrp="1" noRot="1" noChangeAspect="1"/>
+          </p:cNvSpPr>
+          <p:nvPr>
+            <p:ph type="sldImg"/>
+          </p:nvPr>
+        </p:nvSpPr>
+        <p:spPr/>
+      </p:sp>
+      <p:sp>
+        <p:nvSpPr>
+          <p:cNvPr id="3" name="Заметки 2"/>
+          <p:cNvSpPr>
+            <a:spLocks noGrp="1"/>
+          </p:cNvSpPr>
+          <p:nvPr>
+            <p:ph type="body" idx="1"/>
+          </p:nvPr>
+        </p:nvSpPr>
+        <p:spPr/>
+        <p:txBody>
+          <a:bodyPr/>
+          <a:lstStyle/>
+          <a:p>
+            <a:r>
+              <a:rPr lang="ru-RU" dirty="0" smtClean="0"/>
+              <a:t>Мало влияния на поведения. Существует</a:t>
+            </a:r>
+            <a:r>
+              <a:rPr lang="ru-RU" baseline="0" dirty="0" smtClean="0"/>
+              <a:t> много проектов с рабочей системой но плохой </a:t>
+            </a:r>
+            <a:r>
+              <a:rPr lang="ru-RU" baseline="0" dirty="0" err="1" smtClean="0"/>
+              <a:t>архитеткурой</a:t>
+            </a:r>
+            <a:endParaRPr lang="ru-RU" dirty="0"/>
+          </a:p>
+        </p:txBody>
+      </p:sp>
+      <p:sp>
+        <p:nvSpPr>
+          <p:cNvPr id="4" name="Номер слайда 3"/>
+          <p:cNvSpPr>
+            <a:spLocks noGrp="1"/>
+          </p:cNvSpPr>
+          <p:nvPr>
+            <p:ph type="sldNum" sz="quarter" idx="10"/>
+          </p:nvPr>
+        </p:nvSpPr>
+        <p:spPr/>
+        <p:txBody>
+          <a:bodyPr/>
+          <a:lstStyle/>
+          <a:p>
+            <a:fld id="{158157BE-13C9-4B69-8B03-B7B56862D10D}" type="slidenum">
+              <a:rPr lang="ru-RU" smtClean="0"/>
+              <a:t>10</a:t>
+            </a:fld>
+            <a:endParaRPr lang="ru-RU"/>
+          </a:p>
+        </p:txBody>
+      </p:sp>
+    </p:spTree>
+    <p:extLst>
+      <p:ext uri="{BB962C8B-B14F-4D97-AF65-F5344CB8AC3E}">
+        <p14:creationId xmlns:p14="http://schemas.microsoft.com/office/powerpoint/2010/main" val="1165882122"/>
+      </p:ext>
+    </p:extLst>
+  </p:cSld>
+  <p:clrMapOvr>
+    <a:masterClrMapping/>
+  </p:clrMapOvr>
+</p:notes>
+</file>
+
+<file path=ppt/notesSlides/notesSlide11.xml><?xml version="1.0" encoding="utf-8"?>
+<p:notes xmlns:a="http://schemas.openxmlformats.org/drawingml/2006/main" xmlns:r="http://schemas.openxmlformats.org/officeDocument/2006/relationships" xmlns:p="http://schemas.openxmlformats.org/presentationml/2006/main">
+  <p:cSld>
+    <p:spTree>
+      <p:nvGrpSpPr>
+        <p:cNvPr id="1" name=""/>
+        <p:cNvGrpSpPr/>
+        <p:nvPr/>
+      </p:nvGrpSpPr>
+      <p:grpSpPr>
+        <a:xfrm>
+          <a:off x="0" y="0"/>
+          <a:ext cx="0" cy="0"/>
+          <a:chOff x="0" y="0"/>
+          <a:chExt cx="0" cy="0"/>
+        </a:xfrm>
+      </p:grpSpPr>
+      <p:sp>
+        <p:nvSpPr>
+          <p:cNvPr id="2" name="Образ слайда 1"/>
+          <p:cNvSpPr>
+            <a:spLocks noGrp="1" noRot="1" noChangeAspect="1"/>
+          </p:cNvSpPr>
+          <p:nvPr>
+            <p:ph type="sldImg"/>
+          </p:nvPr>
+        </p:nvSpPr>
+        <p:spPr/>
+      </p:sp>
+      <p:sp>
+        <p:nvSpPr>
+          <p:cNvPr id="3" name="Заметки 2"/>
+          <p:cNvSpPr>
+            <a:spLocks noGrp="1"/>
+          </p:cNvSpPr>
+          <p:nvPr>
+            <p:ph type="body" idx="1"/>
+          </p:nvPr>
+        </p:nvSpPr>
+        <p:spPr/>
+        <p:txBody>
+          <a:bodyPr/>
+          <a:lstStyle/>
+          <a:p>
+            <a:r>
+              <a:rPr lang="ru-RU" dirty="0" smtClean="0"/>
+              <a:t>Главная проблема таких проектов</a:t>
+            </a:r>
+            <a:endParaRPr lang="ru-RU" dirty="0"/>
+          </a:p>
+        </p:txBody>
+      </p:sp>
+      <p:sp>
+        <p:nvSpPr>
+          <p:cNvPr id="4" name="Номер слайда 3"/>
+          <p:cNvSpPr>
+            <a:spLocks noGrp="1"/>
+          </p:cNvSpPr>
+          <p:nvPr>
+            <p:ph type="sldNum" sz="quarter" idx="10"/>
+          </p:nvPr>
+        </p:nvSpPr>
+        <p:spPr/>
+        <p:txBody>
+          <a:bodyPr/>
+          <a:lstStyle/>
+          <a:p>
+            <a:fld id="{158157BE-13C9-4B69-8B03-B7B56862D10D}" type="slidenum">
+              <a:rPr lang="ru-RU" smtClean="0"/>
+              <a:t>11</a:t>
+            </a:fld>
+            <a:endParaRPr lang="ru-RU"/>
+          </a:p>
+        </p:txBody>
+      </p:sp>
+    </p:spTree>
+    <p:extLst>
+      <p:ext uri="{BB962C8B-B14F-4D97-AF65-F5344CB8AC3E}">
+        <p14:creationId xmlns:p14="http://schemas.microsoft.com/office/powerpoint/2010/main" val="3282760362"/>
+      </p:ext>
+    </p:extLst>
+  </p:cSld>
+  <p:clrMapOvr>
+    <a:masterClrMapping/>
+  </p:clrMapOvr>
+</p:notes>
+</file>
+
+<file path=ppt/notesSlides/notesSlide12.xml><?xml version="1.0" encoding="utf-8"?>
+<p:notes xmlns:a="http://schemas.openxmlformats.org/drawingml/2006/main" xmlns:r="http://schemas.openxmlformats.org/officeDocument/2006/relationships" xmlns:p="http://schemas.openxmlformats.org/presentationml/2006/main">
+  <p:cSld>
+    <p:spTree>
+      <p:nvGrpSpPr>
+        <p:cNvPr id="1" name=""/>
+        <p:cNvGrpSpPr/>
+        <p:nvPr/>
+      </p:nvGrpSpPr>
+      <p:grpSpPr>
+        <a:xfrm>
+          <a:off x="0" y="0"/>
+          <a:ext cx="0" cy="0"/>
+          <a:chOff x="0" y="0"/>
+          <a:chExt cx="0" cy="0"/>
+        </a:xfrm>
+      </p:grpSpPr>
+      <p:sp>
+        <p:nvSpPr>
+          <p:cNvPr id="2" name="Образ слайда 1"/>
+          <p:cNvSpPr>
+            <a:spLocks noGrp="1" noRot="1" noChangeAspect="1"/>
+          </p:cNvSpPr>
+          <p:nvPr>
+            <p:ph type="sldImg"/>
+          </p:nvPr>
+        </p:nvSpPr>
+        <p:spPr/>
+      </p:sp>
+      <p:sp>
+        <p:nvSpPr>
+          <p:cNvPr id="3" name="Заметки 2"/>
+          <p:cNvSpPr>
+            <a:spLocks noGrp="1"/>
+          </p:cNvSpPr>
+          <p:nvPr>
+            <p:ph type="body" idx="1"/>
+          </p:nvPr>
+        </p:nvSpPr>
+        <p:spPr/>
+        <p:txBody>
+          <a:bodyPr/>
+          <a:lstStyle/>
+          <a:p>
+            <a:r>
+              <a:rPr lang="ru-RU" dirty="0" smtClean="0"/>
+              <a:t>Как </a:t>
+            </a:r>
+            <a:r>
+              <a:rPr lang="ru-RU" dirty="0" err="1" smtClean="0"/>
+              <a:t>арх</a:t>
+            </a:r>
+            <a:r>
+              <a:rPr lang="ru-RU" dirty="0" smtClean="0"/>
+              <a:t> влияет</a:t>
+            </a:r>
+            <a:r>
+              <a:rPr lang="ru-RU" baseline="0" dirty="0" smtClean="0"/>
+              <a:t> на </a:t>
+            </a:r>
+            <a:r>
+              <a:rPr lang="ru-RU" baseline="0" dirty="0" err="1" smtClean="0"/>
+              <a:t>произв</a:t>
+            </a:r>
+            <a:endParaRPr lang="ru-RU" dirty="0"/>
+          </a:p>
+        </p:txBody>
+      </p:sp>
+      <p:sp>
+        <p:nvSpPr>
+          <p:cNvPr id="4" name="Номер слайда 3"/>
+          <p:cNvSpPr>
+            <a:spLocks noGrp="1"/>
+          </p:cNvSpPr>
+          <p:nvPr>
+            <p:ph type="sldNum" sz="quarter" idx="10"/>
+          </p:nvPr>
+        </p:nvSpPr>
+        <p:spPr/>
+        <p:txBody>
+          <a:bodyPr/>
+          <a:lstStyle/>
+          <a:p>
+            <a:fld id="{158157BE-13C9-4B69-8B03-B7B56862D10D}" type="slidenum">
+              <a:rPr lang="ru-RU" smtClean="0"/>
+              <a:t>12</a:t>
+            </a:fld>
+            <a:endParaRPr lang="ru-RU"/>
+          </a:p>
+        </p:txBody>
+      </p:sp>
+    </p:spTree>
+    <p:extLst>
+      <p:ext uri="{BB962C8B-B14F-4D97-AF65-F5344CB8AC3E}">
+        <p14:creationId xmlns:p14="http://schemas.microsoft.com/office/powerpoint/2010/main" val="2597183599"/>
+      </p:ext>
+    </p:extLst>
+  </p:cSld>
+  <p:clrMapOvr>
+    <a:masterClrMapping/>
+  </p:clrMapOvr>
+</p:notes>
+</file>
+
+<file path=ppt/notesSlides/notesSlide13.xml><?xml version="1.0" encoding="utf-8"?>
+<p:notes xmlns:a="http://schemas.openxmlformats.org/drawingml/2006/main" xmlns:r="http://schemas.openxmlformats.org/officeDocument/2006/relationships" xmlns:p="http://schemas.openxmlformats.org/presentationml/2006/main">
+  <p:cSld>
+    <p:spTree>
+      <p:nvGrpSpPr>
+        <p:cNvPr id="1" name=""/>
+        <p:cNvGrpSpPr/>
+        <p:nvPr/>
+      </p:nvGrpSpPr>
+      <p:grpSpPr>
+        <a:xfrm>
+          <a:off x="0" y="0"/>
+          <a:ext cx="0" cy="0"/>
+          <a:chOff x="0" y="0"/>
+          <a:chExt cx="0" cy="0"/>
+        </a:xfrm>
+      </p:grpSpPr>
+      <p:sp>
+        <p:nvSpPr>
+          <p:cNvPr id="2" name="Образ слайда 1"/>
+          <p:cNvSpPr>
+            <a:spLocks noGrp="1" noRot="1" noChangeAspect="1"/>
+          </p:cNvSpPr>
+          <p:nvPr>
+            <p:ph type="sldImg"/>
+          </p:nvPr>
+        </p:nvSpPr>
+        <p:spPr/>
+      </p:sp>
+      <p:sp>
+        <p:nvSpPr>
+          <p:cNvPr id="3" name="Заметки 2"/>
+          <p:cNvSpPr>
+            <a:spLocks noGrp="1"/>
+          </p:cNvSpPr>
+          <p:nvPr>
+            <p:ph type="body" idx="1"/>
+          </p:nvPr>
+        </p:nvSpPr>
+        <p:spPr/>
+        <p:txBody>
+          <a:bodyPr/>
+          <a:lstStyle/>
+          <a:p>
+            <a:pPr marL="0" marR="0" indent="0" algn="l" defTabSz="914400" rtl="0" eaLnBrk="1" fontAlgn="auto" latinLnBrk="0" hangingPunct="1">
+              <a:lnSpc>
+                <a:spcPct val="100000"/>
+              </a:lnSpc>
+              <a:spcBef>
+                <a:spcPts val="0"/>
+              </a:spcBef>
+              <a:spcAft>
+                <a:spcPts val="0"/>
+              </a:spcAft>
+              <a:buClrTx/>
+              <a:buSzTx/>
+              <a:buFontTx/>
+              <a:buNone/>
+              <a:tabLst/>
+              <a:defRPr/>
+            </a:pPr>
+            <a:r>
+              <a:rPr lang="ru-RU" dirty="0" smtClean="0"/>
+              <a:t>Две ценности</a:t>
+            </a:r>
+            <a:r>
+              <a:rPr lang="en-US" dirty="0" smtClean="0"/>
+              <a:t>, </a:t>
+            </a:r>
+            <a:r>
+              <a:rPr lang="ru-RU" dirty="0" smtClean="0"/>
+              <a:t>поведение</a:t>
+            </a:r>
+            <a:r>
+              <a:rPr lang="en-US" dirty="0" smtClean="0"/>
+              <a:t>,</a:t>
+            </a:r>
+            <a:r>
+              <a:rPr lang="en-US" baseline="0" dirty="0" smtClean="0"/>
+              <a:t> </a:t>
+            </a:r>
+            <a:r>
+              <a:rPr lang="ru-RU" baseline="0" dirty="0" smtClean="0"/>
+              <a:t>то за что платят</a:t>
+            </a:r>
+            <a:r>
+              <a:rPr lang="en-US" baseline="0" dirty="0" smtClean="0"/>
+              <a:t> (</a:t>
+            </a:r>
+            <a:r>
+              <a:rPr lang="ru-RU" baseline="0" dirty="0" smtClean="0"/>
+              <a:t>потреб ценность</a:t>
+            </a:r>
+            <a:r>
+              <a:rPr lang="en-US" baseline="0" dirty="0" smtClean="0"/>
+              <a:t>)</a:t>
+            </a:r>
+            <a:r>
+              <a:rPr lang="ru-RU" baseline="0" dirty="0" smtClean="0"/>
+              <a:t>. Причина существования</a:t>
+            </a:r>
+            <a:endParaRPr lang="ru-RU" dirty="0" smtClean="0"/>
+          </a:p>
+          <a:p>
+            <a:endParaRPr lang="ru-RU" dirty="0"/>
+          </a:p>
+        </p:txBody>
+      </p:sp>
+      <p:sp>
+        <p:nvSpPr>
+          <p:cNvPr id="4" name="Номер слайда 3"/>
+          <p:cNvSpPr>
+            <a:spLocks noGrp="1"/>
+          </p:cNvSpPr>
+          <p:nvPr>
+            <p:ph type="sldNum" sz="quarter" idx="10"/>
+          </p:nvPr>
+        </p:nvSpPr>
+        <p:spPr/>
+        <p:txBody>
+          <a:bodyPr/>
+          <a:lstStyle/>
+          <a:p>
+            <a:fld id="{158157BE-13C9-4B69-8B03-B7B56862D10D}" type="slidenum">
+              <a:rPr lang="ru-RU" smtClean="0"/>
+              <a:t>13</a:t>
+            </a:fld>
+            <a:endParaRPr lang="ru-RU"/>
+          </a:p>
+        </p:txBody>
+      </p:sp>
+    </p:spTree>
+    <p:extLst>
+      <p:ext uri="{BB962C8B-B14F-4D97-AF65-F5344CB8AC3E}">
+        <p14:creationId xmlns:p14="http://schemas.microsoft.com/office/powerpoint/2010/main" val="2334542189"/>
+      </p:ext>
+    </p:extLst>
+  </p:cSld>
+  <p:clrMapOvr>
+    <a:masterClrMapping/>
+  </p:clrMapOvr>
+</p:notes>
+</file>
+
+<file path=ppt/notesSlides/notesSlide14.xml><?xml version="1.0" encoding="utf-8"?>
+<p:notes xmlns:a="http://schemas.openxmlformats.org/drawingml/2006/main" xmlns:r="http://schemas.openxmlformats.org/officeDocument/2006/relationships" xmlns:p="http://schemas.openxmlformats.org/presentationml/2006/main">
+  <p:cSld>
+    <p:spTree>
+      <p:nvGrpSpPr>
+        <p:cNvPr id="1" name=""/>
+        <p:cNvGrpSpPr/>
+        <p:nvPr/>
+      </p:nvGrpSpPr>
+      <p:grpSpPr>
+        <a:xfrm>
+          <a:off x="0" y="0"/>
+          <a:ext cx="0" cy="0"/>
+          <a:chOff x="0" y="0"/>
+          <a:chExt cx="0" cy="0"/>
+        </a:xfrm>
+      </p:grpSpPr>
+      <p:sp>
+        <p:nvSpPr>
+          <p:cNvPr id="2" name="Образ слайда 1"/>
+          <p:cNvSpPr>
+            <a:spLocks noGrp="1" noRot="1" noChangeAspect="1"/>
+          </p:cNvSpPr>
+          <p:nvPr>
+            <p:ph type="sldImg"/>
+          </p:nvPr>
+        </p:nvSpPr>
+        <p:spPr/>
+      </p:sp>
+      <p:sp>
+        <p:nvSpPr>
+          <p:cNvPr id="3" name="Заметки 2"/>
+          <p:cNvSpPr>
+            <a:spLocks noGrp="1"/>
+          </p:cNvSpPr>
+          <p:nvPr>
+            <p:ph type="body" idx="1"/>
+          </p:nvPr>
+        </p:nvSpPr>
+        <p:spPr/>
+        <p:txBody>
+          <a:bodyPr/>
+          <a:lstStyle/>
+          <a:p>
+            <a:r>
+              <a:rPr lang="ru-RU" dirty="0" smtClean="0"/>
+              <a:t>Наблюдаемое</a:t>
+            </a:r>
+            <a:r>
+              <a:rPr lang="ru-RU" baseline="0" dirty="0" smtClean="0"/>
+              <a:t> поведение</a:t>
+            </a:r>
+            <a:endParaRPr lang="ru-RU" dirty="0"/>
+          </a:p>
+        </p:txBody>
+      </p:sp>
+      <p:sp>
+        <p:nvSpPr>
+          <p:cNvPr id="4" name="Номер слайда 3"/>
+          <p:cNvSpPr>
+            <a:spLocks noGrp="1"/>
+          </p:cNvSpPr>
+          <p:nvPr>
+            <p:ph type="sldNum" sz="quarter" idx="10"/>
+          </p:nvPr>
+        </p:nvSpPr>
+        <p:spPr/>
+        <p:txBody>
+          <a:bodyPr/>
+          <a:lstStyle/>
+          <a:p>
+            <a:fld id="{158157BE-13C9-4B69-8B03-B7B56862D10D}" type="slidenum">
+              <a:rPr lang="ru-RU" smtClean="0"/>
+              <a:t>14</a:t>
+            </a:fld>
+            <a:endParaRPr lang="ru-RU"/>
+          </a:p>
+        </p:txBody>
+      </p:sp>
+    </p:spTree>
+    <p:extLst>
+      <p:ext uri="{BB962C8B-B14F-4D97-AF65-F5344CB8AC3E}">
+        <p14:creationId xmlns:p14="http://schemas.microsoft.com/office/powerpoint/2010/main" val="3503512161"/>
+      </p:ext>
+    </p:extLst>
+  </p:cSld>
+  <p:clrMapOvr>
+    <a:masterClrMapping/>
+  </p:clrMapOvr>
+</p:notes>
+</file>
+
+<file path=ppt/notesSlides/notesSlide15.xml><?xml version="1.0" encoding="utf-8"?>
+<p:notes xmlns:a="http://schemas.openxmlformats.org/drawingml/2006/main" xmlns:r="http://schemas.openxmlformats.org/officeDocument/2006/relationships" xmlns:p="http://schemas.openxmlformats.org/presentationml/2006/main">
+  <p:cSld>
+    <p:spTree>
+      <p:nvGrpSpPr>
+        <p:cNvPr id="1" name=""/>
+        <p:cNvGrpSpPr/>
+        <p:nvPr/>
+      </p:nvGrpSpPr>
+      <p:grpSpPr>
+        <a:xfrm>
+          <a:off x="0" y="0"/>
+          <a:ext cx="0" cy="0"/>
+          <a:chOff x="0" y="0"/>
+          <a:chExt cx="0" cy="0"/>
+        </a:xfrm>
+      </p:grpSpPr>
+      <p:sp>
+        <p:nvSpPr>
+          <p:cNvPr id="2" name="Образ слайда 1"/>
+          <p:cNvSpPr>
+            <a:spLocks noGrp="1" noRot="1" noChangeAspect="1"/>
+          </p:cNvSpPr>
+          <p:nvPr>
+            <p:ph type="sldImg"/>
+          </p:nvPr>
+        </p:nvSpPr>
+        <p:spPr/>
+      </p:sp>
+      <p:sp>
+        <p:nvSpPr>
+          <p:cNvPr id="3" name="Заметки 2"/>
+          <p:cNvSpPr>
+            <a:spLocks noGrp="1"/>
+          </p:cNvSpPr>
+          <p:nvPr>
+            <p:ph type="body" idx="1"/>
+          </p:nvPr>
+        </p:nvSpPr>
+        <p:spPr/>
+        <p:txBody>
+          <a:bodyPr/>
+          <a:lstStyle/>
+          <a:p>
+            <a:r>
+              <a:rPr lang="ru-RU" dirty="0" smtClean="0"/>
+              <a:t>Если</a:t>
+            </a:r>
+            <a:r>
+              <a:rPr lang="ru-RU" baseline="0" dirty="0" smtClean="0"/>
+              <a:t> нарушено</a:t>
+            </a:r>
+            <a:r>
+              <a:rPr lang="en-US" baseline="0" dirty="0" smtClean="0"/>
+              <a:t>, </a:t>
+            </a:r>
+            <a:r>
+              <a:rPr lang="ru-RU" baseline="0" dirty="0" smtClean="0"/>
+              <a:t>то и вся ценность нарушена</a:t>
+            </a:r>
+            <a:endParaRPr lang="ru-RU" dirty="0"/>
+          </a:p>
+        </p:txBody>
+      </p:sp>
+      <p:sp>
+        <p:nvSpPr>
+          <p:cNvPr id="4" name="Номер слайда 3"/>
+          <p:cNvSpPr>
+            <a:spLocks noGrp="1"/>
+          </p:cNvSpPr>
+          <p:nvPr>
+            <p:ph type="sldNum" sz="quarter" idx="10"/>
+          </p:nvPr>
+        </p:nvSpPr>
+        <p:spPr/>
+        <p:txBody>
+          <a:bodyPr/>
+          <a:lstStyle/>
+          <a:p>
+            <a:fld id="{158157BE-13C9-4B69-8B03-B7B56862D10D}" type="slidenum">
+              <a:rPr lang="ru-RU" smtClean="0"/>
+              <a:t>15</a:t>
+            </a:fld>
+            <a:endParaRPr lang="ru-RU"/>
+          </a:p>
+        </p:txBody>
+      </p:sp>
+    </p:spTree>
+    <p:extLst>
+      <p:ext uri="{BB962C8B-B14F-4D97-AF65-F5344CB8AC3E}">
+        <p14:creationId xmlns:p14="http://schemas.microsoft.com/office/powerpoint/2010/main" val="2874997984"/>
+      </p:ext>
+    </p:extLst>
+  </p:cSld>
+  <p:clrMapOvr>
+    <a:masterClrMapping/>
+  </p:clrMapOvr>
+</p:notes>
+</file>
+
+<file path=ppt/notesSlides/notesSlide16.xml><?xml version="1.0" encoding="utf-8"?>
+<p:notes xmlns:a="http://schemas.openxmlformats.org/drawingml/2006/main" xmlns:r="http://schemas.openxmlformats.org/officeDocument/2006/relationships" xmlns:p="http://schemas.openxmlformats.org/presentationml/2006/main">
+  <p:cSld>
+    <p:spTree>
+      <p:nvGrpSpPr>
+        <p:cNvPr id="1" name=""/>
+        <p:cNvGrpSpPr/>
+        <p:nvPr/>
+      </p:nvGrpSpPr>
+      <p:grpSpPr>
+        <a:xfrm>
+          <a:off x="0" y="0"/>
+          <a:ext cx="0" cy="0"/>
+          <a:chOff x="0" y="0"/>
+          <a:chExt cx="0" cy="0"/>
+        </a:xfrm>
+      </p:grpSpPr>
+      <p:sp>
+        <p:nvSpPr>
+          <p:cNvPr id="2" name="Образ слайда 1"/>
+          <p:cNvSpPr>
+            <a:spLocks noGrp="1" noRot="1" noChangeAspect="1"/>
+          </p:cNvSpPr>
+          <p:nvPr>
+            <p:ph type="sldImg"/>
+          </p:nvPr>
+        </p:nvSpPr>
+        <p:spPr/>
+      </p:sp>
+      <p:sp>
+        <p:nvSpPr>
+          <p:cNvPr id="3" name="Заметки 2"/>
+          <p:cNvSpPr>
+            <a:spLocks noGrp="1"/>
+          </p:cNvSpPr>
+          <p:nvPr>
+            <p:ph type="body" idx="1"/>
+          </p:nvPr>
+        </p:nvSpPr>
+        <p:spPr/>
+        <p:txBody>
+          <a:bodyPr/>
+          <a:lstStyle/>
+          <a:p>
+            <a:r>
+              <a:rPr lang="ru-RU" dirty="0" smtClean="0"/>
+              <a:t>любая программа обладающая поведением, также содержит в себе и структуру</a:t>
+            </a:r>
+            <a:endParaRPr lang="ru-RU" dirty="0"/>
+          </a:p>
+        </p:txBody>
+      </p:sp>
+      <p:sp>
+        <p:nvSpPr>
+          <p:cNvPr id="4" name="Номер слайда 3"/>
+          <p:cNvSpPr>
+            <a:spLocks noGrp="1"/>
+          </p:cNvSpPr>
+          <p:nvPr>
+            <p:ph type="sldNum" sz="quarter" idx="10"/>
+          </p:nvPr>
+        </p:nvSpPr>
+        <p:spPr/>
+        <p:txBody>
+          <a:bodyPr/>
+          <a:lstStyle/>
+          <a:p>
+            <a:fld id="{158157BE-13C9-4B69-8B03-B7B56862D10D}" type="slidenum">
+              <a:rPr lang="ru-RU" smtClean="0"/>
+              <a:t>17</a:t>
+            </a:fld>
+            <a:endParaRPr lang="ru-RU"/>
+          </a:p>
+        </p:txBody>
+      </p:sp>
+    </p:spTree>
+    <p:extLst>
+      <p:ext uri="{BB962C8B-B14F-4D97-AF65-F5344CB8AC3E}">
+        <p14:creationId xmlns:p14="http://schemas.microsoft.com/office/powerpoint/2010/main" val="1155717196"/>
+      </p:ext>
+    </p:extLst>
+  </p:cSld>
+  <p:clrMapOvr>
+    <a:masterClrMapping/>
+  </p:clrMapOvr>
+</p:notes>
+</file>
+
+<file path=ppt/notesSlides/notesSlide17.xml><?xml version="1.0" encoding="utf-8"?>
+<p:notes xmlns:a="http://schemas.openxmlformats.org/drawingml/2006/main" xmlns:r="http://schemas.openxmlformats.org/officeDocument/2006/relationships" xmlns:p="http://schemas.openxmlformats.org/presentationml/2006/main">
+  <p:cSld>
+    <p:spTree>
+      <p:nvGrpSpPr>
+        <p:cNvPr id="1" name=""/>
+        <p:cNvGrpSpPr/>
+        <p:nvPr/>
+      </p:nvGrpSpPr>
+      <p:grpSpPr>
+        <a:xfrm>
+          <a:off x="0" y="0"/>
+          <a:ext cx="0" cy="0"/>
+          <a:chOff x="0" y="0"/>
+          <a:chExt cx="0" cy="0"/>
+        </a:xfrm>
+      </p:grpSpPr>
+      <p:sp>
+        <p:nvSpPr>
+          <p:cNvPr id="2" name="Образ слайда 1"/>
+          <p:cNvSpPr>
+            <a:spLocks noGrp="1" noRot="1" noChangeAspect="1"/>
+          </p:cNvSpPr>
+          <p:nvPr>
+            <p:ph type="sldImg"/>
+          </p:nvPr>
+        </p:nvSpPr>
+        <p:spPr/>
+      </p:sp>
+      <p:sp>
+        <p:nvSpPr>
+          <p:cNvPr id="3" name="Заметки 2"/>
+          <p:cNvSpPr>
+            <a:spLocks noGrp="1"/>
+          </p:cNvSpPr>
+          <p:nvPr>
+            <p:ph type="body" idx="1"/>
+          </p:nvPr>
+        </p:nvSpPr>
+        <p:spPr/>
+        <p:txBody>
+          <a:bodyPr/>
+          <a:lstStyle/>
+          <a:p>
+            <a:r>
+              <a:rPr lang="ru-RU" dirty="0" smtClean="0"/>
+              <a:t>может быть реализовано с использованием совершено разных структур</a:t>
+            </a:r>
+            <a:endParaRPr lang="ru-RU" dirty="0"/>
+          </a:p>
+        </p:txBody>
+      </p:sp>
+      <p:sp>
+        <p:nvSpPr>
+          <p:cNvPr id="4" name="Номер слайда 3"/>
+          <p:cNvSpPr>
+            <a:spLocks noGrp="1"/>
+          </p:cNvSpPr>
+          <p:nvPr>
+            <p:ph type="sldNum" sz="quarter" idx="10"/>
+          </p:nvPr>
+        </p:nvSpPr>
+        <p:spPr/>
+        <p:txBody>
+          <a:bodyPr/>
+          <a:lstStyle/>
+          <a:p>
+            <a:fld id="{158157BE-13C9-4B69-8B03-B7B56862D10D}" type="slidenum">
+              <a:rPr lang="ru-RU" smtClean="0"/>
+              <a:t>18</a:t>
+            </a:fld>
+            <a:endParaRPr lang="ru-RU"/>
+          </a:p>
+        </p:txBody>
+      </p:sp>
+    </p:spTree>
+    <p:extLst>
+      <p:ext uri="{BB962C8B-B14F-4D97-AF65-F5344CB8AC3E}">
+        <p14:creationId xmlns:p14="http://schemas.microsoft.com/office/powerpoint/2010/main" val="2185625237"/>
+      </p:ext>
+    </p:extLst>
+  </p:cSld>
+  <p:clrMapOvr>
+    <a:masterClrMapping/>
+  </p:clrMapOvr>
+</p:notes>
+</file>
+
+<file path=ppt/notesSlides/notesSlide18.xml><?xml version="1.0" encoding="utf-8"?>
+<p:notes xmlns:a="http://schemas.openxmlformats.org/drawingml/2006/main" xmlns:r="http://schemas.openxmlformats.org/officeDocument/2006/relationships" xmlns:p="http://schemas.openxmlformats.org/presentationml/2006/main">
+  <p:cSld>
+    <p:spTree>
+      <p:nvGrpSpPr>
+        <p:cNvPr id="1" name=""/>
+        <p:cNvGrpSpPr/>
+        <p:nvPr/>
+      </p:nvGrpSpPr>
+      <p:grpSpPr>
+        <a:xfrm>
+          <a:off x="0" y="0"/>
+          <a:ext cx="0" cy="0"/>
+          <a:chOff x="0" y="0"/>
+          <a:chExt cx="0" cy="0"/>
+        </a:xfrm>
+      </p:grpSpPr>
+      <p:sp>
+        <p:nvSpPr>
+          <p:cNvPr id="2" name="Образ слайда 1"/>
+          <p:cNvSpPr>
+            <a:spLocks noGrp="1" noRot="1" noChangeAspect="1"/>
+          </p:cNvSpPr>
+          <p:nvPr>
+            <p:ph type="sldImg"/>
+          </p:nvPr>
+        </p:nvSpPr>
+        <p:spPr/>
+      </p:sp>
+      <p:sp>
+        <p:nvSpPr>
+          <p:cNvPr id="3" name="Заметки 2"/>
+          <p:cNvSpPr>
+            <a:spLocks noGrp="1"/>
+          </p:cNvSpPr>
+          <p:nvPr>
+            <p:ph type="body" idx="1"/>
+          </p:nvPr>
+        </p:nvSpPr>
+        <p:spPr/>
+        <p:txBody>
+          <a:bodyPr/>
+          <a:lstStyle/>
+          <a:p>
+            <a:r>
+              <a:rPr lang="ru-RU" dirty="0" smtClean="0"/>
+              <a:t>Но что заставляет инженеров отдавать предпочтения одному дизайну, игнорируя другие?</a:t>
+            </a:r>
+            <a:endParaRPr lang="ru-RU" b="1" dirty="0"/>
+          </a:p>
+        </p:txBody>
+      </p:sp>
+      <p:sp>
+        <p:nvSpPr>
+          <p:cNvPr id="4" name="Номер слайда 3"/>
+          <p:cNvSpPr>
+            <a:spLocks noGrp="1"/>
+          </p:cNvSpPr>
+          <p:nvPr>
+            <p:ph type="sldNum" sz="quarter" idx="10"/>
+          </p:nvPr>
+        </p:nvSpPr>
+        <p:spPr/>
+        <p:txBody>
+          <a:bodyPr/>
+          <a:lstStyle/>
+          <a:p>
+            <a:fld id="{158157BE-13C9-4B69-8B03-B7B56862D10D}" type="slidenum">
+              <a:rPr lang="ru-RU" smtClean="0"/>
+              <a:t>19</a:t>
+            </a:fld>
+            <a:endParaRPr lang="ru-RU"/>
+          </a:p>
+        </p:txBody>
+      </p:sp>
+    </p:spTree>
+    <p:extLst>
+      <p:ext uri="{BB962C8B-B14F-4D97-AF65-F5344CB8AC3E}">
+        <p14:creationId xmlns:p14="http://schemas.microsoft.com/office/powerpoint/2010/main" val="756150607"/>
+      </p:ext>
+    </p:extLst>
+  </p:cSld>
+  <p:clrMapOvr>
+    <a:masterClrMapping/>
+  </p:clrMapOvr>
+</p:notes>
+</file>
+
+<file path=ppt/notesSlides/notesSlide19.xml><?xml version="1.0" encoding="utf-8"?>
+<p:notes xmlns:a="http://schemas.openxmlformats.org/drawingml/2006/main" xmlns:r="http://schemas.openxmlformats.org/officeDocument/2006/relationships" xmlns:p="http://schemas.openxmlformats.org/presentationml/2006/main">
+  <p:cSld>
+    <p:spTree>
+      <p:nvGrpSpPr>
+        <p:cNvPr id="1" name=""/>
+        <p:cNvGrpSpPr/>
+        <p:nvPr/>
+      </p:nvGrpSpPr>
+      <p:grpSpPr>
+        <a:xfrm>
+          <a:off x="0" y="0"/>
+          <a:ext cx="0" cy="0"/>
+          <a:chOff x="0" y="0"/>
+          <a:chExt cx="0" cy="0"/>
+        </a:xfrm>
+      </p:grpSpPr>
+      <p:sp>
+        <p:nvSpPr>
+          <p:cNvPr id="2" name="Образ слайда 1"/>
+          <p:cNvSpPr>
+            <a:spLocks noGrp="1" noRot="1" noChangeAspect="1"/>
+          </p:cNvSpPr>
+          <p:nvPr>
+            <p:ph type="sldImg"/>
+          </p:nvPr>
+        </p:nvSpPr>
+        <p:spPr/>
+      </p:sp>
+      <p:sp>
+        <p:nvSpPr>
+          <p:cNvPr id="3" name="Заметки 2"/>
+          <p:cNvSpPr>
+            <a:spLocks noGrp="1"/>
+          </p:cNvSpPr>
+          <p:nvPr>
+            <p:ph type="body" idx="1"/>
+          </p:nvPr>
+        </p:nvSpPr>
+        <p:spPr/>
+        <p:txBody>
+          <a:bodyPr/>
+          <a:lstStyle/>
+          <a:p>
+            <a:r>
+              <a:rPr lang="ru-RU" dirty="0" smtClean="0"/>
+              <a:t>являясь неотъемлемой её частью оказывает </a:t>
+            </a:r>
+            <a:r>
+              <a:rPr lang="ru-RU" sz="1200" kern="1200" dirty="0" smtClean="0">
+                <a:solidFill>
+                  <a:schemeClr val="tx1"/>
+                </a:solidFill>
+                <a:effectLst/>
+                <a:latin typeface="+mn-lt"/>
+                <a:ea typeface="+mn-ea"/>
+                <a:cs typeface="+mn-cs"/>
+              </a:rPr>
+              <a:t>*</a:t>
+            </a:r>
+            <a:r>
+              <a:rPr lang="ru-RU" dirty="0" smtClean="0"/>
+              <a:t>прямое</a:t>
+            </a:r>
+            <a:r>
+              <a:rPr lang="ru-RU" sz="1200" kern="1200" dirty="0" smtClean="0">
+                <a:solidFill>
+                  <a:schemeClr val="tx1"/>
+                </a:solidFill>
+                <a:effectLst/>
+                <a:latin typeface="+mn-lt"/>
+                <a:ea typeface="+mn-ea"/>
+                <a:cs typeface="+mn-cs"/>
+              </a:rPr>
+              <a:t>* </a:t>
+            </a:r>
+            <a:r>
+              <a:rPr lang="ru-RU" dirty="0" smtClean="0"/>
+              <a:t>влияние на степень осуществимости самой идеи в целом.</a:t>
+            </a:r>
+            <a:endParaRPr lang="ru-RU" dirty="0"/>
+          </a:p>
+        </p:txBody>
+      </p:sp>
+      <p:sp>
+        <p:nvSpPr>
+          <p:cNvPr id="4" name="Номер слайда 3"/>
+          <p:cNvSpPr>
+            <a:spLocks noGrp="1"/>
+          </p:cNvSpPr>
+          <p:nvPr>
+            <p:ph type="sldNum" sz="quarter" idx="10"/>
+          </p:nvPr>
+        </p:nvSpPr>
+        <p:spPr/>
+        <p:txBody>
+          <a:bodyPr/>
+          <a:lstStyle/>
+          <a:p>
+            <a:fld id="{158157BE-13C9-4B69-8B03-B7B56862D10D}" type="slidenum">
+              <a:rPr lang="ru-RU" smtClean="0"/>
+              <a:t>20</a:t>
+            </a:fld>
+            <a:endParaRPr lang="ru-RU"/>
+          </a:p>
+        </p:txBody>
+      </p:sp>
+    </p:spTree>
+    <p:extLst>
+      <p:ext uri="{BB962C8B-B14F-4D97-AF65-F5344CB8AC3E}">
+        <p14:creationId xmlns:p14="http://schemas.microsoft.com/office/powerpoint/2010/main" val="1498933275"/>
+      </p:ext>
+    </p:extLst>
+  </p:cSld>
+  <p:clrMapOvr>
+    <a:masterClrMapping/>
+  </p:clrMapOvr>
+</p:notes>
+</file>
+
+<file path=ppt/notesSlides/notesSlide2.xml><?xml version="1.0" encoding="utf-8"?>
+<p:notes xmlns:a="http://schemas.openxmlformats.org/drawingml/2006/main" xmlns:r="http://schemas.openxmlformats.org/officeDocument/2006/relationships" xmlns:p="http://schemas.openxmlformats.org/presentationml/2006/main">
+  <p:cSld>
+    <p:spTree>
+      <p:nvGrpSpPr>
+        <p:cNvPr id="1" name=""/>
+        <p:cNvGrpSpPr/>
+        <p:nvPr/>
+      </p:nvGrpSpPr>
+      <p:grpSpPr>
+        <a:xfrm>
+          <a:off x="0" y="0"/>
+          <a:ext cx="0" cy="0"/>
+          <a:chOff x="0" y="0"/>
+          <a:chExt cx="0" cy="0"/>
+        </a:xfrm>
+      </p:grpSpPr>
+      <p:sp>
+        <p:nvSpPr>
+          <p:cNvPr id="2" name="Образ слайда 1"/>
+          <p:cNvSpPr>
+            <a:spLocks noGrp="1" noRot="1" noChangeAspect="1"/>
+          </p:cNvSpPr>
+          <p:nvPr>
+            <p:ph type="sldImg"/>
+          </p:nvPr>
+        </p:nvSpPr>
+        <p:spPr/>
+      </p:sp>
+      <p:sp>
+        <p:nvSpPr>
+          <p:cNvPr id="3" name="Заметки 2"/>
+          <p:cNvSpPr>
+            <a:spLocks noGrp="1"/>
+          </p:cNvSpPr>
+          <p:nvPr>
+            <p:ph type="body" idx="1"/>
+          </p:nvPr>
+        </p:nvSpPr>
+        <p:spPr/>
+        <p:txBody>
+          <a:bodyPr/>
+          <a:lstStyle/>
+          <a:p>
+            <a:r>
+              <a:rPr lang="ru-RU" dirty="0" smtClean="0"/>
+              <a:t>форма, описывающая строение программы</a:t>
+            </a:r>
+            <a:endParaRPr lang="ru-RU" dirty="0"/>
+          </a:p>
+        </p:txBody>
+      </p:sp>
+      <p:sp>
+        <p:nvSpPr>
+          <p:cNvPr id="4" name="Номер слайда 3"/>
+          <p:cNvSpPr>
+            <a:spLocks noGrp="1"/>
+          </p:cNvSpPr>
+          <p:nvPr>
+            <p:ph type="sldNum" sz="quarter" idx="10"/>
+          </p:nvPr>
+        </p:nvSpPr>
+        <p:spPr/>
+        <p:txBody>
+          <a:bodyPr/>
+          <a:lstStyle/>
+          <a:p>
+            <a:fld id="{158157BE-13C9-4B69-8B03-B7B56862D10D}" type="slidenum">
+              <a:rPr lang="ru-RU" smtClean="0"/>
+              <a:t>2</a:t>
+            </a:fld>
+            <a:endParaRPr lang="ru-RU"/>
+          </a:p>
+        </p:txBody>
+      </p:sp>
+    </p:spTree>
+    <p:extLst>
+      <p:ext uri="{BB962C8B-B14F-4D97-AF65-F5344CB8AC3E}">
+        <p14:creationId xmlns:p14="http://schemas.microsoft.com/office/powerpoint/2010/main" val="393759400"/>
+      </p:ext>
+    </p:extLst>
+  </p:cSld>
+  <p:clrMapOvr>
+    <a:masterClrMapping/>
+  </p:clrMapOvr>
+</p:notes>
+</file>
+
+<file path=ppt/notesSlides/notesSlide20.xml><?xml version="1.0" encoding="utf-8"?>
+<p:notes xmlns:a="http://schemas.openxmlformats.org/drawingml/2006/main" xmlns:r="http://schemas.openxmlformats.org/officeDocument/2006/relationships" xmlns:p="http://schemas.openxmlformats.org/presentationml/2006/main">
+  <p:cSld>
+    <p:spTree>
+      <p:nvGrpSpPr>
+        <p:cNvPr id="1" name=""/>
+        <p:cNvGrpSpPr/>
+        <p:nvPr/>
+      </p:nvGrpSpPr>
+      <p:grpSpPr>
+        <a:xfrm>
+          <a:off x="0" y="0"/>
+          <a:ext cx="0" cy="0"/>
+          <a:chOff x="0" y="0"/>
+          <a:chExt cx="0" cy="0"/>
+        </a:xfrm>
+      </p:grpSpPr>
+      <p:sp>
+        <p:nvSpPr>
+          <p:cNvPr id="2" name="Образ слайда 1"/>
+          <p:cNvSpPr>
+            <a:spLocks noGrp="1" noRot="1" noChangeAspect="1"/>
+          </p:cNvSpPr>
+          <p:nvPr>
+            <p:ph type="sldImg"/>
+          </p:nvPr>
+        </p:nvSpPr>
+        <p:spPr/>
+      </p:sp>
+      <p:sp>
+        <p:nvSpPr>
+          <p:cNvPr id="3" name="Заметки 2"/>
+          <p:cNvSpPr>
+            <a:spLocks noGrp="1"/>
+          </p:cNvSpPr>
+          <p:nvPr>
+            <p:ph type="body" idx="1"/>
+          </p:nvPr>
+        </p:nvSpPr>
+        <p:spPr/>
+        <p:txBody>
+          <a:bodyPr/>
+          <a:lstStyle/>
+          <a:p>
+            <a:r>
+              <a:rPr lang="ru-RU" dirty="0" smtClean="0"/>
+              <a:t>всякая структура </a:t>
+            </a:r>
+            <a:r>
+              <a:rPr lang="ru-RU" sz="1200" kern="1200" dirty="0" smtClean="0">
+                <a:solidFill>
+                  <a:schemeClr val="tx1"/>
+                </a:solidFill>
+                <a:effectLst/>
+                <a:latin typeface="+mn-lt"/>
+                <a:ea typeface="+mn-ea"/>
+                <a:cs typeface="+mn-cs"/>
+              </a:rPr>
+              <a:t>*</a:t>
+            </a:r>
+            <a:r>
+              <a:rPr lang="ru-RU" dirty="0" smtClean="0"/>
+              <a:t>постоянно стремится к усложнению</a:t>
+            </a:r>
+            <a:r>
+              <a:rPr lang="ru-RU" sz="1200" kern="1200" dirty="0" smtClean="0">
+                <a:solidFill>
+                  <a:schemeClr val="tx1"/>
+                </a:solidFill>
+                <a:effectLst/>
+                <a:latin typeface="+mn-lt"/>
+                <a:ea typeface="+mn-ea"/>
+                <a:cs typeface="+mn-cs"/>
+              </a:rPr>
+              <a:t>*</a:t>
+            </a:r>
+            <a:r>
+              <a:rPr lang="ru-RU" dirty="0" smtClean="0"/>
+              <a:t>, т. е. к постоянному</a:t>
+            </a:r>
+            <a:br>
+              <a:rPr lang="ru-RU" dirty="0" smtClean="0"/>
+            </a:br>
+            <a:r>
+              <a:rPr lang="ru-RU" dirty="0" smtClean="0"/>
+              <a:t>снижению эффективность труда. Это зачастую обусловлено человеческим фактором.</a:t>
+            </a:r>
+            <a:endParaRPr lang="ru-RU" dirty="0"/>
+          </a:p>
+        </p:txBody>
+      </p:sp>
+      <p:sp>
+        <p:nvSpPr>
+          <p:cNvPr id="4" name="Номер слайда 3"/>
+          <p:cNvSpPr>
+            <a:spLocks noGrp="1"/>
+          </p:cNvSpPr>
+          <p:nvPr>
+            <p:ph type="sldNum" sz="quarter" idx="10"/>
+          </p:nvPr>
+        </p:nvSpPr>
+        <p:spPr/>
+        <p:txBody>
+          <a:bodyPr/>
+          <a:lstStyle/>
+          <a:p>
+            <a:fld id="{158157BE-13C9-4B69-8B03-B7B56862D10D}" type="slidenum">
+              <a:rPr lang="ru-RU" smtClean="0"/>
+              <a:t>21</a:t>
+            </a:fld>
+            <a:endParaRPr lang="ru-RU"/>
+          </a:p>
+        </p:txBody>
+      </p:sp>
+    </p:spTree>
+    <p:extLst>
+      <p:ext uri="{BB962C8B-B14F-4D97-AF65-F5344CB8AC3E}">
+        <p14:creationId xmlns:p14="http://schemas.microsoft.com/office/powerpoint/2010/main" val="369227363"/>
+      </p:ext>
+    </p:extLst>
+  </p:cSld>
+  <p:clrMapOvr>
+    <a:masterClrMapping/>
+  </p:clrMapOvr>
+</p:notes>
+</file>
+
+<file path=ppt/notesSlides/notesSlide21.xml><?xml version="1.0" encoding="utf-8"?>
+<p:notes xmlns:a="http://schemas.openxmlformats.org/drawingml/2006/main" xmlns:r="http://schemas.openxmlformats.org/officeDocument/2006/relationships" xmlns:p="http://schemas.openxmlformats.org/presentationml/2006/main">
+  <p:cSld>
+    <p:spTree>
+      <p:nvGrpSpPr>
+        <p:cNvPr id="1" name=""/>
+        <p:cNvGrpSpPr/>
+        <p:nvPr/>
+      </p:nvGrpSpPr>
+      <p:grpSpPr>
+        <a:xfrm>
+          <a:off x="0" y="0"/>
+          <a:ext cx="0" cy="0"/>
+          <a:chOff x="0" y="0"/>
+          <a:chExt cx="0" cy="0"/>
+        </a:xfrm>
+      </p:grpSpPr>
+      <p:sp>
+        <p:nvSpPr>
+          <p:cNvPr id="2" name="Образ слайда 1"/>
+          <p:cNvSpPr>
+            <a:spLocks noGrp="1" noRot="1" noChangeAspect="1"/>
+          </p:cNvSpPr>
+          <p:nvPr>
+            <p:ph type="sldImg"/>
+          </p:nvPr>
+        </p:nvSpPr>
+        <p:spPr/>
+      </p:sp>
+      <p:sp>
+        <p:nvSpPr>
+          <p:cNvPr id="3" name="Заметки 2"/>
+          <p:cNvSpPr>
+            <a:spLocks noGrp="1"/>
+          </p:cNvSpPr>
+          <p:nvPr>
+            <p:ph type="body" idx="1"/>
+          </p:nvPr>
+        </p:nvSpPr>
+        <p:spPr/>
+        <p:txBody>
+          <a:bodyPr/>
+          <a:lstStyle/>
+          <a:p>
+            <a:endParaRPr lang="ru-RU" dirty="0"/>
+          </a:p>
+        </p:txBody>
+      </p:sp>
+      <p:sp>
+        <p:nvSpPr>
+          <p:cNvPr id="4" name="Номер слайда 3"/>
+          <p:cNvSpPr>
+            <a:spLocks noGrp="1"/>
+          </p:cNvSpPr>
+          <p:nvPr>
+            <p:ph type="sldNum" sz="quarter" idx="10"/>
+          </p:nvPr>
+        </p:nvSpPr>
+        <p:spPr/>
+        <p:txBody>
+          <a:bodyPr/>
+          <a:lstStyle/>
+          <a:p>
+            <a:fld id="{158157BE-13C9-4B69-8B03-B7B56862D10D}" type="slidenum">
+              <a:rPr lang="ru-RU" smtClean="0"/>
+              <a:t>22</a:t>
+            </a:fld>
+            <a:endParaRPr lang="ru-RU"/>
+          </a:p>
+        </p:txBody>
+      </p:sp>
+    </p:spTree>
+    <p:extLst>
+      <p:ext uri="{BB962C8B-B14F-4D97-AF65-F5344CB8AC3E}">
+        <p14:creationId xmlns:p14="http://schemas.microsoft.com/office/powerpoint/2010/main" val="1276588017"/>
+      </p:ext>
+    </p:extLst>
+  </p:cSld>
+  <p:clrMapOvr>
+    <a:masterClrMapping/>
+  </p:clrMapOvr>
+</p:notes>
+</file>
+
+<file path=ppt/notesSlides/notesSlide22.xml><?xml version="1.0" encoding="utf-8"?>
+<p:notes xmlns:a="http://schemas.openxmlformats.org/drawingml/2006/main" xmlns:r="http://schemas.openxmlformats.org/officeDocument/2006/relationships" xmlns:p="http://schemas.openxmlformats.org/presentationml/2006/main">
+  <p:cSld>
+    <p:spTree>
+      <p:nvGrpSpPr>
+        <p:cNvPr id="1" name=""/>
+        <p:cNvGrpSpPr/>
+        <p:nvPr/>
+      </p:nvGrpSpPr>
+      <p:grpSpPr>
+        <a:xfrm>
+          <a:off x="0" y="0"/>
+          <a:ext cx="0" cy="0"/>
+          <a:chOff x="0" y="0"/>
+          <a:chExt cx="0" cy="0"/>
+        </a:xfrm>
+      </p:grpSpPr>
+      <p:sp>
+        <p:nvSpPr>
+          <p:cNvPr id="2" name="Образ слайда 1"/>
+          <p:cNvSpPr>
+            <a:spLocks noGrp="1" noRot="1" noChangeAspect="1"/>
+          </p:cNvSpPr>
+          <p:nvPr>
+            <p:ph type="sldImg"/>
+          </p:nvPr>
+        </p:nvSpPr>
+        <p:spPr/>
+      </p:sp>
+      <p:sp>
+        <p:nvSpPr>
+          <p:cNvPr id="3" name="Заметки 2"/>
+          <p:cNvSpPr>
+            <a:spLocks noGrp="1"/>
+          </p:cNvSpPr>
+          <p:nvPr>
+            <p:ph type="body" idx="1"/>
+          </p:nvPr>
+        </p:nvSpPr>
+        <p:spPr/>
+        <p:txBody>
+          <a:bodyPr/>
+          <a:lstStyle/>
+          <a:p>
+            <a:endParaRPr lang="ru-RU" dirty="0"/>
+          </a:p>
+        </p:txBody>
+      </p:sp>
+      <p:sp>
+        <p:nvSpPr>
+          <p:cNvPr id="4" name="Номер слайда 3"/>
+          <p:cNvSpPr>
+            <a:spLocks noGrp="1"/>
+          </p:cNvSpPr>
+          <p:nvPr>
+            <p:ph type="sldNum" sz="quarter" idx="10"/>
+          </p:nvPr>
+        </p:nvSpPr>
+        <p:spPr/>
+        <p:txBody>
+          <a:bodyPr/>
+          <a:lstStyle/>
+          <a:p>
+            <a:fld id="{158157BE-13C9-4B69-8B03-B7B56862D10D}" type="slidenum">
+              <a:rPr lang="ru-RU" smtClean="0"/>
+              <a:t>23</a:t>
+            </a:fld>
+            <a:endParaRPr lang="ru-RU"/>
+          </a:p>
+        </p:txBody>
+      </p:sp>
+    </p:spTree>
+    <p:extLst>
+      <p:ext uri="{BB962C8B-B14F-4D97-AF65-F5344CB8AC3E}">
+        <p14:creationId xmlns:p14="http://schemas.microsoft.com/office/powerpoint/2010/main" val="3932465783"/>
+      </p:ext>
+    </p:extLst>
+  </p:cSld>
+  <p:clrMapOvr>
+    <a:masterClrMapping/>
+  </p:clrMapOvr>
+</p:notes>
+</file>
+
+<file path=ppt/notesSlides/notesSlide23.xml><?xml version="1.0" encoding="utf-8"?>
+<p:notes xmlns:a="http://schemas.openxmlformats.org/drawingml/2006/main" xmlns:r="http://schemas.openxmlformats.org/officeDocument/2006/relationships" xmlns:p="http://schemas.openxmlformats.org/presentationml/2006/main">
+  <p:cSld>
+    <p:spTree>
+      <p:nvGrpSpPr>
+        <p:cNvPr id="1" name=""/>
+        <p:cNvGrpSpPr/>
+        <p:nvPr/>
+      </p:nvGrpSpPr>
+      <p:grpSpPr>
+        <a:xfrm>
+          <a:off x="0" y="0"/>
+          <a:ext cx="0" cy="0"/>
+          <a:chOff x="0" y="0"/>
+          <a:chExt cx="0" cy="0"/>
+        </a:xfrm>
+      </p:grpSpPr>
+      <p:sp>
+        <p:nvSpPr>
+          <p:cNvPr id="2" name="Образ слайда 1"/>
+          <p:cNvSpPr>
+            <a:spLocks noGrp="1" noRot="1" noChangeAspect="1"/>
+          </p:cNvSpPr>
+          <p:nvPr>
+            <p:ph type="sldImg"/>
+          </p:nvPr>
+        </p:nvSpPr>
+        <p:spPr/>
+      </p:sp>
+      <p:sp>
+        <p:nvSpPr>
+          <p:cNvPr id="3" name="Заметки 2"/>
+          <p:cNvSpPr>
+            <a:spLocks noGrp="1"/>
+          </p:cNvSpPr>
+          <p:nvPr>
+            <p:ph type="body" idx="1"/>
+          </p:nvPr>
+        </p:nvSpPr>
+        <p:spPr/>
+        <p:txBody>
+          <a:bodyPr/>
+          <a:lstStyle/>
+          <a:p>
+            <a:r>
+              <a:rPr lang="ru-RU" dirty="0" smtClean="0"/>
+              <a:t>Для того чтобы разобраться, каким образом определять качество дизайна, необходимо рассмотреть признаки, через которые</a:t>
+            </a:r>
+            <a:br>
+              <a:rPr lang="ru-RU" dirty="0" smtClean="0"/>
+            </a:br>
+            <a:r>
+              <a:rPr lang="ru-RU" dirty="0" smtClean="0"/>
+              <a:t>могут проявляться характеристики неэффективной архитектуры проекта.</a:t>
+            </a:r>
+            <a:endParaRPr lang="ru-RU" dirty="0"/>
+          </a:p>
+        </p:txBody>
+      </p:sp>
+      <p:sp>
+        <p:nvSpPr>
+          <p:cNvPr id="4" name="Номер слайда 3"/>
+          <p:cNvSpPr>
+            <a:spLocks noGrp="1"/>
+          </p:cNvSpPr>
+          <p:nvPr>
+            <p:ph type="sldNum" sz="quarter" idx="10"/>
+          </p:nvPr>
+        </p:nvSpPr>
+        <p:spPr/>
+        <p:txBody>
+          <a:bodyPr/>
+          <a:lstStyle/>
+          <a:p>
+            <a:fld id="{158157BE-13C9-4B69-8B03-B7B56862D10D}" type="slidenum">
+              <a:rPr lang="ru-RU" smtClean="0"/>
+              <a:t>24</a:t>
+            </a:fld>
+            <a:endParaRPr lang="ru-RU"/>
+          </a:p>
+        </p:txBody>
+      </p:sp>
+    </p:spTree>
+    <p:extLst>
+      <p:ext uri="{BB962C8B-B14F-4D97-AF65-F5344CB8AC3E}">
+        <p14:creationId xmlns:p14="http://schemas.microsoft.com/office/powerpoint/2010/main" val="220941084"/>
+      </p:ext>
+    </p:extLst>
+  </p:cSld>
+  <p:clrMapOvr>
+    <a:masterClrMapping/>
+  </p:clrMapOvr>
+</p:notes>
+</file>
+
+<file path=ppt/notesSlides/notesSlide3.xml><?xml version="1.0" encoding="utf-8"?>
+<p:notes xmlns:a="http://schemas.openxmlformats.org/drawingml/2006/main" xmlns:r="http://schemas.openxmlformats.org/officeDocument/2006/relationships" xmlns:p="http://schemas.openxmlformats.org/presentationml/2006/main">
+  <p:cSld>
+    <p:spTree>
+      <p:nvGrpSpPr>
+        <p:cNvPr id="1" name=""/>
+        <p:cNvGrpSpPr/>
+        <p:nvPr/>
+      </p:nvGrpSpPr>
+      <p:grpSpPr>
+        <a:xfrm>
+          <a:off x="0" y="0"/>
+          <a:ext cx="0" cy="0"/>
+          <a:chOff x="0" y="0"/>
+          <a:chExt cx="0" cy="0"/>
+        </a:xfrm>
+      </p:grpSpPr>
+      <p:sp>
+        <p:nvSpPr>
+          <p:cNvPr id="2" name="Образ слайда 1"/>
+          <p:cNvSpPr>
+            <a:spLocks noGrp="1" noRot="1" noChangeAspect="1"/>
+          </p:cNvSpPr>
+          <p:nvPr>
+            <p:ph type="sldImg"/>
+          </p:nvPr>
+        </p:nvSpPr>
+        <p:spPr/>
+      </p:sp>
+      <p:sp>
+        <p:nvSpPr>
+          <p:cNvPr id="3" name="Заметки 2"/>
+          <p:cNvSpPr>
+            <a:spLocks noGrp="1"/>
+          </p:cNvSpPr>
+          <p:nvPr>
+            <p:ph type="body" idx="1"/>
+          </p:nvPr>
+        </p:nvSpPr>
+        <p:spPr/>
+        <p:txBody>
+          <a:bodyPr/>
+          <a:lstStyle/>
+          <a:p>
+            <a:r>
+              <a:rPr lang="ru-RU" dirty="0" smtClean="0"/>
+              <a:t>набор ответственностей какие</a:t>
+            </a:r>
+            <a:r>
+              <a:rPr lang="ru-RU" baseline="0" dirty="0" smtClean="0"/>
+              <a:t> элементы содержать</a:t>
+            </a:r>
+            <a:endParaRPr lang="ru-RU" dirty="0"/>
+          </a:p>
+        </p:txBody>
+      </p:sp>
+      <p:sp>
+        <p:nvSpPr>
+          <p:cNvPr id="4" name="Номер слайда 3"/>
+          <p:cNvSpPr>
+            <a:spLocks noGrp="1"/>
+          </p:cNvSpPr>
+          <p:nvPr>
+            <p:ph type="sldNum" sz="quarter" idx="10"/>
+          </p:nvPr>
+        </p:nvSpPr>
+        <p:spPr/>
+        <p:txBody>
+          <a:bodyPr/>
+          <a:lstStyle/>
+          <a:p>
+            <a:fld id="{158157BE-13C9-4B69-8B03-B7B56862D10D}" type="slidenum">
+              <a:rPr lang="ru-RU" smtClean="0"/>
+              <a:t>3</a:t>
+            </a:fld>
+            <a:endParaRPr lang="ru-RU"/>
+          </a:p>
+        </p:txBody>
+      </p:sp>
+    </p:spTree>
+    <p:extLst>
+      <p:ext uri="{BB962C8B-B14F-4D97-AF65-F5344CB8AC3E}">
+        <p14:creationId xmlns:p14="http://schemas.microsoft.com/office/powerpoint/2010/main" val="2030257308"/>
+      </p:ext>
+    </p:extLst>
+  </p:cSld>
+  <p:clrMapOvr>
+    <a:masterClrMapping/>
+  </p:clrMapOvr>
+</p:notes>
+</file>
+
+<file path=ppt/notesSlides/notesSlide4.xml><?xml version="1.0" encoding="utf-8"?>
+<p:notes xmlns:a="http://schemas.openxmlformats.org/drawingml/2006/main" xmlns:r="http://schemas.openxmlformats.org/officeDocument/2006/relationships" xmlns:p="http://schemas.openxmlformats.org/presentationml/2006/main">
+  <p:cSld>
+    <p:spTree>
+      <p:nvGrpSpPr>
+        <p:cNvPr id="1" name=""/>
+        <p:cNvGrpSpPr/>
+        <p:nvPr/>
+      </p:nvGrpSpPr>
+      <p:grpSpPr>
+        <a:xfrm>
+          <a:off x="0" y="0"/>
+          <a:ext cx="0" cy="0"/>
+          <a:chOff x="0" y="0"/>
+          <a:chExt cx="0" cy="0"/>
+        </a:xfrm>
+      </p:grpSpPr>
+      <p:sp>
+        <p:nvSpPr>
+          <p:cNvPr id="2" name="Образ слайда 1"/>
+          <p:cNvSpPr>
+            <a:spLocks noGrp="1" noRot="1" noChangeAspect="1"/>
+          </p:cNvSpPr>
+          <p:nvPr>
+            <p:ph type="sldImg"/>
+          </p:nvPr>
+        </p:nvSpPr>
+        <p:spPr/>
+      </p:sp>
+      <p:sp>
+        <p:nvSpPr>
+          <p:cNvPr id="3" name="Заметки 2"/>
+          <p:cNvSpPr>
+            <a:spLocks noGrp="1"/>
+          </p:cNvSpPr>
+          <p:nvPr>
+            <p:ph type="body" idx="1"/>
+          </p:nvPr>
+        </p:nvSpPr>
+        <p:spPr/>
+        <p:txBody>
+          <a:bodyPr/>
+          <a:lstStyle/>
+          <a:p>
+            <a:r>
+              <a:rPr lang="ru-RU" dirty="0" smtClean="0"/>
+              <a:t>отношение между компонентами системы</a:t>
+            </a:r>
+            <a:r>
+              <a:rPr lang="en-US" dirty="0" smtClean="0"/>
+              <a:t>, </a:t>
+            </a:r>
+            <a:r>
+              <a:rPr lang="ru-RU" dirty="0" smtClean="0"/>
+              <a:t>присутствие и отсутствие</a:t>
+            </a:r>
+            <a:endParaRPr lang="ru-RU" dirty="0"/>
+          </a:p>
+        </p:txBody>
+      </p:sp>
+      <p:sp>
+        <p:nvSpPr>
+          <p:cNvPr id="4" name="Номер слайда 3"/>
+          <p:cNvSpPr>
+            <a:spLocks noGrp="1"/>
+          </p:cNvSpPr>
+          <p:nvPr>
+            <p:ph type="sldNum" sz="quarter" idx="10"/>
+          </p:nvPr>
+        </p:nvSpPr>
+        <p:spPr/>
+        <p:txBody>
+          <a:bodyPr/>
+          <a:lstStyle/>
+          <a:p>
+            <a:fld id="{158157BE-13C9-4B69-8B03-B7B56862D10D}" type="slidenum">
+              <a:rPr lang="ru-RU" smtClean="0"/>
+              <a:t>4</a:t>
+            </a:fld>
+            <a:endParaRPr lang="ru-RU"/>
+          </a:p>
+        </p:txBody>
+      </p:sp>
+    </p:spTree>
+    <p:extLst>
+      <p:ext uri="{BB962C8B-B14F-4D97-AF65-F5344CB8AC3E}">
+        <p14:creationId xmlns:p14="http://schemas.microsoft.com/office/powerpoint/2010/main" val="63835285"/>
+      </p:ext>
+    </p:extLst>
+  </p:cSld>
+  <p:clrMapOvr>
+    <a:masterClrMapping/>
+  </p:clrMapOvr>
+</p:notes>
+</file>
+
+<file path=ppt/notesSlides/notesSlide5.xml><?xml version="1.0" encoding="utf-8"?>
+<p:notes xmlns:a="http://schemas.openxmlformats.org/drawingml/2006/main" xmlns:r="http://schemas.openxmlformats.org/officeDocument/2006/relationships" xmlns:p="http://schemas.openxmlformats.org/presentationml/2006/main">
+  <p:cSld>
+    <p:spTree>
+      <p:nvGrpSpPr>
+        <p:cNvPr id="1" name=""/>
+        <p:cNvGrpSpPr/>
+        <p:nvPr/>
+      </p:nvGrpSpPr>
+      <p:grpSpPr>
+        <a:xfrm>
+          <a:off x="0" y="0"/>
+          <a:ext cx="0" cy="0"/>
+          <a:chOff x="0" y="0"/>
+          <a:chExt cx="0" cy="0"/>
+        </a:xfrm>
+      </p:grpSpPr>
+      <p:sp>
+        <p:nvSpPr>
+          <p:cNvPr id="2" name="Образ слайда 1"/>
+          <p:cNvSpPr>
+            <a:spLocks noGrp="1" noRot="1" noChangeAspect="1"/>
+          </p:cNvSpPr>
+          <p:nvPr>
+            <p:ph type="sldImg"/>
+          </p:nvPr>
+        </p:nvSpPr>
+        <p:spPr/>
+      </p:sp>
+      <p:sp>
+        <p:nvSpPr>
+          <p:cNvPr id="3" name="Заметки 2"/>
+          <p:cNvSpPr>
+            <a:spLocks noGrp="1"/>
+          </p:cNvSpPr>
+          <p:nvPr>
+            <p:ph type="body" idx="1"/>
+          </p:nvPr>
+        </p:nvSpPr>
+        <p:spPr/>
+        <p:txBody>
+          <a:bodyPr/>
+          <a:lstStyle/>
+          <a:p>
+            <a:endParaRPr lang="ru-RU" dirty="0"/>
+          </a:p>
+        </p:txBody>
+      </p:sp>
+      <p:sp>
+        <p:nvSpPr>
+          <p:cNvPr id="4" name="Номер слайда 3"/>
+          <p:cNvSpPr>
+            <a:spLocks noGrp="1"/>
+          </p:cNvSpPr>
+          <p:nvPr>
+            <p:ph type="sldNum" sz="quarter" idx="10"/>
+          </p:nvPr>
+        </p:nvSpPr>
+        <p:spPr/>
+        <p:txBody>
+          <a:bodyPr/>
+          <a:lstStyle/>
+          <a:p>
+            <a:fld id="{158157BE-13C9-4B69-8B03-B7B56862D10D}" type="slidenum">
+              <a:rPr lang="ru-RU" smtClean="0"/>
+              <a:t>5</a:t>
+            </a:fld>
+            <a:endParaRPr lang="ru-RU"/>
+          </a:p>
+        </p:txBody>
+      </p:sp>
+    </p:spTree>
+    <p:extLst>
+      <p:ext uri="{BB962C8B-B14F-4D97-AF65-F5344CB8AC3E}">
+        <p14:creationId xmlns:p14="http://schemas.microsoft.com/office/powerpoint/2010/main" val="2215694828"/>
+      </p:ext>
+    </p:extLst>
+  </p:cSld>
+  <p:clrMapOvr>
+    <a:masterClrMapping/>
+  </p:clrMapOvr>
+</p:notes>
+</file>
+
+<file path=ppt/notesSlides/notesSlide6.xml><?xml version="1.0" encoding="utf-8"?>
+<p:notes xmlns:a="http://schemas.openxmlformats.org/drawingml/2006/main" xmlns:r="http://schemas.openxmlformats.org/officeDocument/2006/relationships" xmlns:p="http://schemas.openxmlformats.org/presentationml/2006/main">
+  <p:cSld>
+    <p:spTree>
+      <p:nvGrpSpPr>
+        <p:cNvPr id="1" name=""/>
+        <p:cNvGrpSpPr/>
+        <p:nvPr/>
+      </p:nvGrpSpPr>
+      <p:grpSpPr>
+        <a:xfrm>
+          <a:off x="0" y="0"/>
+          <a:ext cx="0" cy="0"/>
+          <a:chOff x="0" y="0"/>
+          <a:chExt cx="0" cy="0"/>
+        </a:xfrm>
+      </p:grpSpPr>
+      <p:sp>
+        <p:nvSpPr>
+          <p:cNvPr id="2" name="Образ слайда 1"/>
+          <p:cNvSpPr>
+            <a:spLocks noGrp="1" noRot="1" noChangeAspect="1"/>
+          </p:cNvSpPr>
+          <p:nvPr>
+            <p:ph type="sldImg"/>
+          </p:nvPr>
+        </p:nvSpPr>
+        <p:spPr/>
+      </p:sp>
+      <p:sp>
+        <p:nvSpPr>
+          <p:cNvPr id="3" name="Заметки 2"/>
+          <p:cNvSpPr>
+            <a:spLocks noGrp="1"/>
+          </p:cNvSpPr>
+          <p:nvPr>
+            <p:ph type="body" idx="1"/>
+          </p:nvPr>
+        </p:nvSpPr>
+        <p:spPr/>
+        <p:txBody>
+          <a:bodyPr/>
+          <a:lstStyle/>
+          <a:p>
+            <a:r>
+              <a:rPr lang="ru-RU" dirty="0" smtClean="0"/>
+              <a:t>архитектура, но на меньшем масштабе</a:t>
+            </a:r>
+          </a:p>
+          <a:p>
+            <a:r>
+              <a:rPr lang="ru-RU" dirty="0" smtClean="0"/>
+              <a:t>Высокоуровневые существуют благодаря низкоуровневым деталям.</a:t>
+            </a:r>
+            <a:r>
+              <a:rPr lang="ru-RU" baseline="0" dirty="0" smtClean="0"/>
+              <a:t> </a:t>
+            </a:r>
+            <a:r>
+              <a:rPr lang="ru-RU" dirty="0" smtClean="0"/>
+              <a:t>Верно и обратное</a:t>
+            </a:r>
+          </a:p>
+          <a:p>
+            <a:r>
+              <a:rPr lang="ru-RU" dirty="0" smtClean="0"/>
+              <a:t>Далее тождественно</a:t>
+            </a:r>
+            <a:endParaRPr lang="ru-RU" dirty="0"/>
+          </a:p>
+        </p:txBody>
+      </p:sp>
+      <p:sp>
+        <p:nvSpPr>
+          <p:cNvPr id="4" name="Номер слайда 3"/>
+          <p:cNvSpPr>
+            <a:spLocks noGrp="1"/>
+          </p:cNvSpPr>
+          <p:nvPr>
+            <p:ph type="sldNum" sz="quarter" idx="10"/>
+          </p:nvPr>
+        </p:nvSpPr>
+        <p:spPr/>
+        <p:txBody>
+          <a:bodyPr/>
+          <a:lstStyle/>
+          <a:p>
+            <a:fld id="{158157BE-13C9-4B69-8B03-B7B56862D10D}" type="slidenum">
+              <a:rPr lang="ru-RU" smtClean="0"/>
+              <a:t>6</a:t>
+            </a:fld>
+            <a:endParaRPr lang="ru-RU"/>
+          </a:p>
+        </p:txBody>
+      </p:sp>
+    </p:spTree>
+    <p:extLst>
+      <p:ext uri="{BB962C8B-B14F-4D97-AF65-F5344CB8AC3E}">
+        <p14:creationId xmlns:p14="http://schemas.microsoft.com/office/powerpoint/2010/main" val="851819764"/>
+      </p:ext>
+    </p:extLst>
+  </p:cSld>
+  <p:clrMapOvr>
+    <a:masterClrMapping/>
+  </p:clrMapOvr>
+</p:notes>
+</file>
+
+<file path=ppt/notesSlides/notesSlide7.xml><?xml version="1.0" encoding="utf-8"?>
+<p:notes xmlns:a="http://schemas.openxmlformats.org/drawingml/2006/main" xmlns:r="http://schemas.openxmlformats.org/officeDocument/2006/relationships" xmlns:p="http://schemas.openxmlformats.org/presentationml/2006/main">
+  <p:cSld>
+    <p:spTree>
+      <p:nvGrpSpPr>
+        <p:cNvPr id="1" name=""/>
+        <p:cNvGrpSpPr/>
+        <p:nvPr/>
+      </p:nvGrpSpPr>
+      <p:grpSpPr>
+        <a:xfrm>
+          <a:off x="0" y="0"/>
+          <a:ext cx="0" cy="0"/>
+          <a:chOff x="0" y="0"/>
+          <a:chExt cx="0" cy="0"/>
+        </a:xfrm>
+      </p:grpSpPr>
+      <p:sp>
+        <p:nvSpPr>
+          <p:cNvPr id="2" name="Образ слайда 1"/>
+          <p:cNvSpPr>
+            <a:spLocks noGrp="1" noRot="1" noChangeAspect="1"/>
+          </p:cNvSpPr>
+          <p:nvPr>
+            <p:ph type="sldImg"/>
+          </p:nvPr>
+        </p:nvSpPr>
+        <p:spPr/>
+      </p:sp>
+      <p:sp>
+        <p:nvSpPr>
+          <p:cNvPr id="3" name="Заметки 2"/>
+          <p:cNvSpPr>
+            <a:spLocks noGrp="1"/>
+          </p:cNvSpPr>
+          <p:nvPr>
+            <p:ph type="body" idx="1"/>
+          </p:nvPr>
+        </p:nvSpPr>
+        <p:spPr/>
+        <p:txBody>
+          <a:bodyPr/>
+          <a:lstStyle/>
+          <a:p>
+            <a:r>
+              <a:rPr lang="ru-RU" dirty="0" smtClean="0"/>
+              <a:t>Является</a:t>
+            </a:r>
+            <a:r>
+              <a:rPr lang="ru-RU" baseline="0" dirty="0" smtClean="0"/>
+              <a:t> формирование решений который трудно изменить в будущем</a:t>
+            </a:r>
+            <a:endParaRPr lang="ru-RU" dirty="0"/>
+          </a:p>
+        </p:txBody>
+      </p:sp>
+      <p:sp>
+        <p:nvSpPr>
+          <p:cNvPr id="4" name="Номер слайда 3"/>
+          <p:cNvSpPr>
+            <a:spLocks noGrp="1"/>
+          </p:cNvSpPr>
+          <p:nvPr>
+            <p:ph type="sldNum" sz="quarter" idx="10"/>
+          </p:nvPr>
+        </p:nvSpPr>
+        <p:spPr/>
+        <p:txBody>
+          <a:bodyPr/>
+          <a:lstStyle/>
+          <a:p>
+            <a:fld id="{158157BE-13C9-4B69-8B03-B7B56862D10D}" type="slidenum">
+              <a:rPr lang="ru-RU" smtClean="0"/>
+              <a:t>7</a:t>
+            </a:fld>
+            <a:endParaRPr lang="ru-RU"/>
+          </a:p>
+        </p:txBody>
+      </p:sp>
+    </p:spTree>
+    <p:extLst>
+      <p:ext uri="{BB962C8B-B14F-4D97-AF65-F5344CB8AC3E}">
+        <p14:creationId xmlns:p14="http://schemas.microsoft.com/office/powerpoint/2010/main" val="2894243410"/>
+      </p:ext>
+    </p:extLst>
+  </p:cSld>
+  <p:clrMapOvr>
+    <a:masterClrMapping/>
+  </p:clrMapOvr>
+</p:notes>
+</file>
+
+<file path=ppt/notesSlides/notesSlide8.xml><?xml version="1.0" encoding="utf-8"?>
+<p:notes xmlns:a="http://schemas.openxmlformats.org/drawingml/2006/main" xmlns:r="http://schemas.openxmlformats.org/officeDocument/2006/relationships" xmlns:p="http://schemas.openxmlformats.org/presentationml/2006/main">
+  <p:cSld>
+    <p:spTree>
+      <p:nvGrpSpPr>
+        <p:cNvPr id="1" name=""/>
+        <p:cNvGrpSpPr/>
+        <p:nvPr/>
+      </p:nvGrpSpPr>
+      <p:grpSpPr>
+        <a:xfrm>
+          <a:off x="0" y="0"/>
+          <a:ext cx="0" cy="0"/>
+          <a:chOff x="0" y="0"/>
+          <a:chExt cx="0" cy="0"/>
+        </a:xfrm>
+      </p:grpSpPr>
+      <p:sp>
+        <p:nvSpPr>
+          <p:cNvPr id="2" name="Образ слайда 1"/>
+          <p:cNvSpPr>
+            <a:spLocks noGrp="1" noRot="1" noChangeAspect="1"/>
+          </p:cNvSpPr>
+          <p:nvPr>
+            <p:ph type="sldImg"/>
+          </p:nvPr>
+        </p:nvSpPr>
+        <p:spPr/>
+      </p:sp>
+      <p:sp>
+        <p:nvSpPr>
+          <p:cNvPr id="3" name="Заметки 2"/>
+          <p:cNvSpPr>
+            <a:spLocks noGrp="1"/>
+          </p:cNvSpPr>
+          <p:nvPr>
+            <p:ph type="body" idx="1"/>
+          </p:nvPr>
+        </p:nvSpPr>
+        <p:spPr/>
+        <p:txBody>
+          <a:bodyPr/>
+          <a:lstStyle/>
+          <a:p>
+            <a:r>
+              <a:rPr lang="ru-RU" dirty="0" smtClean="0"/>
+              <a:t>Обеспечение гибкости</a:t>
+            </a:r>
+            <a:r>
+              <a:rPr lang="ru-RU" baseline="0" dirty="0" smtClean="0"/>
+              <a:t> с сохранением высокой эффективности труда</a:t>
+            </a:r>
+            <a:endParaRPr lang="ru-RU" dirty="0"/>
+          </a:p>
+        </p:txBody>
+      </p:sp>
+      <p:sp>
+        <p:nvSpPr>
+          <p:cNvPr id="4" name="Номер слайда 3"/>
+          <p:cNvSpPr>
+            <a:spLocks noGrp="1"/>
+          </p:cNvSpPr>
+          <p:nvPr>
+            <p:ph type="sldNum" sz="quarter" idx="10"/>
+          </p:nvPr>
+        </p:nvSpPr>
+        <p:spPr/>
+        <p:txBody>
+          <a:bodyPr/>
+          <a:lstStyle/>
+          <a:p>
+            <a:fld id="{158157BE-13C9-4B69-8B03-B7B56862D10D}" type="slidenum">
+              <a:rPr lang="ru-RU" smtClean="0"/>
+              <a:t>8</a:t>
+            </a:fld>
+            <a:endParaRPr lang="ru-RU"/>
+          </a:p>
+        </p:txBody>
+      </p:sp>
+    </p:spTree>
+    <p:extLst>
+      <p:ext uri="{BB962C8B-B14F-4D97-AF65-F5344CB8AC3E}">
+        <p14:creationId xmlns:p14="http://schemas.microsoft.com/office/powerpoint/2010/main" val="798424157"/>
+      </p:ext>
+    </p:extLst>
+  </p:cSld>
+  <p:clrMapOvr>
+    <a:masterClrMapping/>
+  </p:clrMapOvr>
+</p:notes>
+</file>
+
+<file path=ppt/notesSlides/notesSlide9.xml><?xml version="1.0" encoding="utf-8"?>
+<p:notes xmlns:a="http://schemas.openxmlformats.org/drawingml/2006/main" xmlns:r="http://schemas.openxmlformats.org/officeDocument/2006/relationships" xmlns:p="http://schemas.openxmlformats.org/presentationml/2006/main">
+  <p:cSld>
+    <p:spTree>
+      <p:nvGrpSpPr>
+        <p:cNvPr id="1" name=""/>
+        <p:cNvGrpSpPr/>
+        <p:nvPr/>
+      </p:nvGrpSpPr>
+      <p:grpSpPr>
+        <a:xfrm>
+          <a:off x="0" y="0"/>
+          <a:ext cx="0" cy="0"/>
+          <a:chOff x="0" y="0"/>
+          <a:chExt cx="0" cy="0"/>
+        </a:xfrm>
+      </p:grpSpPr>
+      <p:sp>
+        <p:nvSpPr>
+          <p:cNvPr id="2" name="Образ слайда 1"/>
+          <p:cNvSpPr>
+            <a:spLocks noGrp="1" noRot="1" noChangeAspect="1"/>
+          </p:cNvSpPr>
+          <p:nvPr>
+            <p:ph type="sldImg"/>
+          </p:nvPr>
+        </p:nvSpPr>
+        <p:spPr/>
+      </p:sp>
+      <p:sp>
+        <p:nvSpPr>
+          <p:cNvPr id="3" name="Заметки 2"/>
+          <p:cNvSpPr>
+            <a:spLocks noGrp="1"/>
+          </p:cNvSpPr>
+          <p:nvPr>
+            <p:ph type="body" idx="1"/>
+          </p:nvPr>
+        </p:nvSpPr>
+        <p:spPr/>
+        <p:txBody>
+          <a:bodyPr/>
+          <a:lstStyle/>
+          <a:p>
+            <a:r>
+              <a:rPr lang="ru-RU" dirty="0" smtClean="0"/>
+              <a:t>Обеспечение</a:t>
+            </a:r>
+            <a:r>
+              <a:rPr lang="ru-RU" baseline="0" dirty="0" smtClean="0"/>
+              <a:t> поведения. Никто не исключает важности. Есть причина существования</a:t>
+            </a:r>
+            <a:endParaRPr lang="ru-RU" dirty="0"/>
+          </a:p>
+        </p:txBody>
+      </p:sp>
+      <p:sp>
+        <p:nvSpPr>
+          <p:cNvPr id="4" name="Номер слайда 3"/>
+          <p:cNvSpPr>
+            <a:spLocks noGrp="1"/>
+          </p:cNvSpPr>
+          <p:nvPr>
+            <p:ph type="sldNum" sz="quarter" idx="10"/>
+          </p:nvPr>
+        </p:nvSpPr>
+        <p:spPr/>
+        <p:txBody>
+          <a:bodyPr/>
+          <a:lstStyle/>
+          <a:p>
+            <a:fld id="{158157BE-13C9-4B69-8B03-B7B56862D10D}" type="slidenum">
+              <a:rPr lang="ru-RU" smtClean="0"/>
+              <a:t>9</a:t>
+            </a:fld>
+            <a:endParaRPr lang="ru-RU"/>
+          </a:p>
+        </p:txBody>
+      </p:sp>
+    </p:spTree>
+    <p:extLst>
+      <p:ext uri="{BB962C8B-B14F-4D97-AF65-F5344CB8AC3E}">
+        <p14:creationId xmlns:p14="http://schemas.microsoft.com/office/powerpoint/2010/main" val="2047724358"/>
       </p:ext>
     </p:extLst>
   </p:cSld>
@@ -6304,7 +8467,7 @@
 </p:sld>
 </file>
 
-<file path=ppt/slides/slide2.xml><?xml version="1.0" encoding="utf-8"?>
+<file path=ppt/slides/slide10.xml><?xml version="1.0" encoding="utf-8"?>
 <p:sld xmlns:a="http://schemas.openxmlformats.org/drawingml/2006/main" xmlns:r="http://schemas.openxmlformats.org/officeDocument/2006/relationships" xmlns:p="http://schemas.openxmlformats.org/presentationml/2006/main">
   <p:cSld>
     <p:spTree>
@@ -6329,8 +8492,8 @@
         </p:nvSpPr>
         <p:spPr>
           <a:xfrm>
-            <a:off x="3739425" y="468854"/>
-            <a:ext cx="4713150" cy="1085041"/>
+            <a:off x="3909464" y="3734569"/>
+            <a:ext cx="4453463" cy="1085041"/>
           </a:xfrm>
           <a:prstGeom prst="rect">
             <a:avLst/>
@@ -6349,47 +8512,56 @@
               </a:lnSpc>
             </a:pPr>
             <a:r>
-              <a:rPr lang="en-US" sz="4800" dirty="0">
+              <a:rPr lang="ru-RU" sz="4800" dirty="0" smtClean="0">
                 <a:latin typeface="Open Sans SemiBold"/>
                 <a:ea typeface="Open Sans SemiBold"/>
                 <a:cs typeface="Open Sans SemiBold"/>
               </a:rPr>
-              <a:t>ОПРЕДЕЛЕНИЕ</a:t>
+              <a:t>АРХИТЕКТУРА</a:t>
             </a:r>
             <a:endParaRPr lang="ru-RU" dirty="0"/>
           </a:p>
         </p:txBody>
       </p:sp>
-      <p:pic>
-        <p:nvPicPr>
-          <p:cNvPr id="5" name="Рисунок 4"/>
-          <p:cNvPicPr>
-            <a:picLocks noChangeAspect="1"/>
-          </p:cNvPicPr>
+      <p:sp>
+        <p:nvSpPr>
+          <p:cNvPr id="5" name="TextBox 4"/>
+          <p:cNvSpPr txBox="1"/>
           <p:nvPr/>
-        </p:nvPicPr>
-        <p:blipFill>
-          <a:blip r:embed="rId2" cstate="print">
-            <a:extLst>
-              <a:ext uri="{28A0092B-C50C-407E-A947-70E740481C1C}">
-                <a14:useLocalDpi xmlns:a14="http://schemas.microsoft.com/office/drawing/2010/main" val="0"/>
-              </a:ext>
-            </a:extLst>
-          </a:blip>
-          <a:stretch>
-            <a:fillRect/>
-          </a:stretch>
-        </p:blipFill>
+        </p:nvSpPr>
         <p:spPr>
           <a:xfrm>
-            <a:off x="5452773" y="2060894"/>
-            <a:ext cx="968953" cy="968953"/>
+            <a:off x="4159533" y="1194010"/>
+            <a:ext cx="3953326" cy="1085041"/>
           </a:xfrm>
           <a:prstGeom prst="rect">
             <a:avLst/>
           </a:prstGeom>
-        </p:spPr>
-      </p:pic>
+          <a:noFill/>
+        </p:spPr>
+        <p:txBody>
+          <a:bodyPr wrap="none" lIns="91440" tIns="45720" rIns="91440" bIns="45720" rtlCol="0" anchor="t">
+            <a:spAutoFit/>
+          </a:bodyPr>
+          <a:lstStyle/>
+          <a:p>
+            <a:pPr algn="ctr">
+              <a:lnSpc>
+                <a:spcPct val="150000"/>
+              </a:lnSpc>
+            </a:pPr>
+            <a:r>
+              <a:rPr lang="ru-RU" sz="4800" dirty="0" smtClean="0">
+                <a:latin typeface="Open Sans SemiBold"/>
+                <a:ea typeface="Open Sans SemiBold"/>
+                <a:cs typeface="Open Sans SemiBold"/>
+              </a:rPr>
+              <a:t>ПОВЕДЕНИЕ</a:t>
+            </a:r>
+            <a:endParaRPr lang="ru-RU" dirty="0"/>
+          </a:p>
+        </p:txBody>
+      </p:sp>
       <p:pic>
         <p:nvPicPr>
           <p:cNvPr id="6" name="Рисунок 5"/>
@@ -6412,17 +8584,366 @@
         </p:blipFill>
         <p:spPr>
           <a:xfrm>
-            <a:off x="4166119" y="3532098"/>
-            <a:ext cx="968953" cy="968953"/>
+            <a:off x="5838092" y="2826285"/>
+            <a:ext cx="669268" cy="669268"/>
           </a:xfrm>
           <a:prstGeom prst="rect">
             <a:avLst/>
           </a:prstGeom>
         </p:spPr>
       </p:pic>
+    </p:spTree>
+    <p:extLst>
+      <p:ext uri="{BB962C8B-B14F-4D97-AF65-F5344CB8AC3E}">
+        <p14:creationId xmlns:p14="http://schemas.microsoft.com/office/powerpoint/2010/main" val="1529984870"/>
+      </p:ext>
+    </p:extLst>
+  </p:cSld>
+  <p:clrMapOvr>
+    <a:masterClrMapping/>
+  </p:clrMapOvr>
+</p:sld>
+</file>
+
+<file path=ppt/slides/slide11.xml><?xml version="1.0" encoding="utf-8"?>
+<p:sld xmlns:a="http://schemas.openxmlformats.org/drawingml/2006/main" xmlns:r="http://schemas.openxmlformats.org/officeDocument/2006/relationships" xmlns:p="http://schemas.openxmlformats.org/presentationml/2006/main">
+  <p:cSld>
+    <p:spTree>
+      <p:nvGrpSpPr>
+        <p:cNvPr id="1" name=""/>
+        <p:cNvGrpSpPr/>
+        <p:nvPr/>
+      </p:nvGrpSpPr>
+      <p:grpSpPr>
+        <a:xfrm>
+          <a:off x="0" y="0"/>
+          <a:ext cx="0" cy="0"/>
+          <a:chOff x="0" y="0"/>
+          <a:chExt cx="0" cy="0"/>
+        </a:xfrm>
+      </p:grpSpPr>
+      <p:sp>
+        <p:nvSpPr>
+          <p:cNvPr id="7" name="TextBox 6"/>
+          <p:cNvSpPr txBox="1"/>
+          <p:nvPr/>
+        </p:nvSpPr>
+        <p:spPr>
+          <a:xfrm>
+            <a:off x="2196535" y="2886480"/>
+            <a:ext cx="7798930" cy="1085041"/>
+          </a:xfrm>
+          <a:prstGeom prst="rect">
+            <a:avLst/>
+          </a:prstGeom>
+          <a:noFill/>
+        </p:spPr>
+        <p:txBody>
+          <a:bodyPr wrap="none" lIns="91440" tIns="45720" rIns="91440" bIns="45720" rtlCol="0" anchor="t">
+            <a:spAutoFit/>
+          </a:bodyPr>
+          <a:lstStyle/>
+          <a:p>
+            <a:pPr algn="ctr">
+              <a:lnSpc>
+                <a:spcPct val="150000"/>
+              </a:lnSpc>
+            </a:pPr>
+            <a:r>
+              <a:rPr lang="ru-RU" sz="4800" dirty="0" smtClean="0">
+                <a:latin typeface="Open Sans SemiBold"/>
+                <a:ea typeface="Open Sans SemiBold"/>
+                <a:cs typeface="Open Sans SemiBold"/>
+              </a:rPr>
+              <a:t>ПРОИЗВОДИТЕЛЬНОСТЬ</a:t>
+            </a:r>
+            <a:endParaRPr lang="ru-RU" dirty="0"/>
+          </a:p>
+        </p:txBody>
+      </p:sp>
+    </p:spTree>
+    <p:extLst>
+      <p:ext uri="{BB962C8B-B14F-4D97-AF65-F5344CB8AC3E}">
+        <p14:creationId xmlns:p14="http://schemas.microsoft.com/office/powerpoint/2010/main" val="836041027"/>
+      </p:ext>
+    </p:extLst>
+  </p:cSld>
+  <p:clrMapOvr>
+    <a:masterClrMapping/>
+  </p:clrMapOvr>
+</p:sld>
+</file>
+
+<file path=ppt/slides/slide12.xml><?xml version="1.0" encoding="utf-8"?>
+<p:sld xmlns:a="http://schemas.openxmlformats.org/drawingml/2006/main" xmlns:r="http://schemas.openxmlformats.org/officeDocument/2006/relationships" xmlns:p="http://schemas.openxmlformats.org/presentationml/2006/main">
+  <p:cSld>
+    <p:spTree>
+      <p:nvGrpSpPr>
+        <p:cNvPr id="1" name=""/>
+        <p:cNvGrpSpPr/>
+        <p:nvPr/>
+      </p:nvGrpSpPr>
+      <p:grpSpPr>
+        <a:xfrm>
+          <a:off x="0" y="0"/>
+          <a:ext cx="0" cy="0"/>
+          <a:chOff x="0" y="0"/>
+          <a:chExt cx="0" cy="0"/>
+        </a:xfrm>
+      </p:grpSpPr>
+      <p:sp>
+        <p:nvSpPr>
+          <p:cNvPr id="7" name="TextBox 6"/>
+          <p:cNvSpPr txBox="1"/>
+          <p:nvPr/>
+        </p:nvSpPr>
+        <p:spPr>
+          <a:xfrm>
+            <a:off x="2297018" y="3991799"/>
+            <a:ext cx="7798930" cy="1085041"/>
+          </a:xfrm>
+          <a:prstGeom prst="rect">
+            <a:avLst/>
+          </a:prstGeom>
+          <a:noFill/>
+        </p:spPr>
+        <p:txBody>
+          <a:bodyPr wrap="none" lIns="91440" tIns="45720" rIns="91440" bIns="45720" rtlCol="0" anchor="t">
+            <a:spAutoFit/>
+          </a:bodyPr>
+          <a:lstStyle/>
+          <a:p>
+            <a:pPr algn="ctr">
+              <a:lnSpc>
+                <a:spcPct val="150000"/>
+              </a:lnSpc>
+            </a:pPr>
+            <a:r>
+              <a:rPr lang="ru-RU" sz="4800" dirty="0" smtClean="0">
+                <a:latin typeface="Open Sans SemiBold"/>
+                <a:ea typeface="Open Sans SemiBold"/>
+                <a:cs typeface="Open Sans SemiBold"/>
+              </a:rPr>
+              <a:t>ПРОИЗВОДИТЕЛЬНОСТЬ</a:t>
+            </a:r>
+            <a:endParaRPr lang="ru-RU" dirty="0"/>
+          </a:p>
+        </p:txBody>
+      </p:sp>
+      <p:sp>
+        <p:nvSpPr>
+          <p:cNvPr id="3" name="TextBox 2"/>
+          <p:cNvSpPr txBox="1"/>
+          <p:nvPr/>
+        </p:nvSpPr>
+        <p:spPr>
+          <a:xfrm>
+            <a:off x="3969751" y="1513883"/>
+            <a:ext cx="4453463" cy="1085041"/>
+          </a:xfrm>
+          <a:prstGeom prst="rect">
+            <a:avLst/>
+          </a:prstGeom>
+          <a:noFill/>
+        </p:spPr>
+        <p:txBody>
+          <a:bodyPr wrap="none" lIns="91440" tIns="45720" rIns="91440" bIns="45720" rtlCol="0" anchor="t">
+            <a:spAutoFit/>
+          </a:bodyPr>
+          <a:lstStyle/>
+          <a:p>
+            <a:pPr algn="ctr">
+              <a:lnSpc>
+                <a:spcPct val="150000"/>
+              </a:lnSpc>
+            </a:pPr>
+            <a:r>
+              <a:rPr lang="ru-RU" sz="4800" dirty="0" smtClean="0">
+                <a:latin typeface="Open Sans SemiBold"/>
+                <a:ea typeface="Open Sans SemiBold"/>
+                <a:cs typeface="Open Sans SemiBold"/>
+              </a:rPr>
+              <a:t>АРХИТЕКТУРА</a:t>
+            </a:r>
+            <a:endParaRPr lang="ru-RU" dirty="0"/>
+          </a:p>
+        </p:txBody>
+      </p:sp>
       <p:pic>
         <p:nvPicPr>
-          <p:cNvPr id="7" name="Рисунок 6"/>
+          <p:cNvPr id="4" name="Рисунок 3"/>
+          <p:cNvPicPr>
+            <a:picLocks noChangeAspect="1"/>
+          </p:cNvPicPr>
+          <p:nvPr/>
+        </p:nvPicPr>
+        <p:blipFill>
+          <a:blip r:embed="rId3" cstate="print">
+            <a:extLst>
+              <a:ext uri="{28A0092B-C50C-407E-A947-70E740481C1C}">
+                <a14:useLocalDpi xmlns:a14="http://schemas.microsoft.com/office/drawing/2010/main" val="0"/>
+              </a:ext>
+            </a:extLst>
+          </a:blip>
+          <a:stretch>
+            <a:fillRect/>
+          </a:stretch>
+        </p:blipFill>
+        <p:spPr>
+          <a:xfrm>
+            <a:off x="5613152" y="2826285"/>
+            <a:ext cx="1165514" cy="1165514"/>
+          </a:xfrm>
+          <a:prstGeom prst="rect">
+            <a:avLst/>
+          </a:prstGeom>
+        </p:spPr>
+      </p:pic>
+      <p:sp>
+        <p:nvSpPr>
+          <p:cNvPr id="5" name="TextBox 4"/>
+          <p:cNvSpPr txBox="1"/>
+          <p:nvPr/>
+        </p:nvSpPr>
+        <p:spPr>
+          <a:xfrm>
+            <a:off x="6458733" y="2826285"/>
+            <a:ext cx="463588" cy="1085041"/>
+          </a:xfrm>
+          <a:prstGeom prst="rect">
+            <a:avLst/>
+          </a:prstGeom>
+          <a:noFill/>
+        </p:spPr>
+        <p:txBody>
+          <a:bodyPr wrap="none" lIns="91440" tIns="45720" rIns="91440" bIns="45720" rtlCol="0" anchor="t">
+            <a:spAutoFit/>
+          </a:bodyPr>
+          <a:lstStyle/>
+          <a:p>
+            <a:pPr algn="ctr">
+              <a:lnSpc>
+                <a:spcPct val="150000"/>
+              </a:lnSpc>
+            </a:pPr>
+            <a:r>
+              <a:rPr lang="ru-RU" sz="4800" dirty="0">
+                <a:latin typeface="Open Sans SemiBold"/>
+                <a:ea typeface="Open Sans SemiBold"/>
+                <a:cs typeface="Open Sans SemiBold"/>
+              </a:rPr>
+              <a:t>?</a:t>
+            </a:r>
+            <a:endParaRPr lang="ru-RU" dirty="0"/>
+          </a:p>
+        </p:txBody>
+      </p:sp>
+    </p:spTree>
+    <p:extLst>
+      <p:ext uri="{BB962C8B-B14F-4D97-AF65-F5344CB8AC3E}">
+        <p14:creationId xmlns:p14="http://schemas.microsoft.com/office/powerpoint/2010/main" val="2853186901"/>
+      </p:ext>
+    </p:extLst>
+  </p:cSld>
+  <p:clrMapOvr>
+    <a:masterClrMapping/>
+  </p:clrMapOvr>
+</p:sld>
+</file>
+
+<file path=ppt/slides/slide13.xml><?xml version="1.0" encoding="utf-8"?>
+<p:sld xmlns:a="http://schemas.openxmlformats.org/drawingml/2006/main" xmlns:r="http://schemas.openxmlformats.org/officeDocument/2006/relationships" xmlns:p="http://schemas.openxmlformats.org/presentationml/2006/main">
+  <p:cSld>
+    <p:spTree>
+      <p:nvGrpSpPr>
+        <p:cNvPr id="1" name=""/>
+        <p:cNvGrpSpPr/>
+        <p:nvPr/>
+      </p:nvGrpSpPr>
+      <p:grpSpPr>
+        <a:xfrm>
+          <a:off x="0" y="0"/>
+          <a:ext cx="0" cy="0"/>
+          <a:chOff x="0" y="0"/>
+          <a:chExt cx="0" cy="0"/>
+        </a:xfrm>
+      </p:grpSpPr>
+      <p:sp>
+        <p:nvSpPr>
+          <p:cNvPr id="4" name="TextBox 3"/>
+          <p:cNvSpPr txBox="1"/>
+          <p:nvPr/>
+        </p:nvSpPr>
+        <p:spPr>
+          <a:xfrm>
+            <a:off x="4119340" y="786859"/>
+            <a:ext cx="3953326" cy="1082284"/>
+          </a:xfrm>
+          <a:prstGeom prst="rect">
+            <a:avLst/>
+          </a:prstGeom>
+          <a:noFill/>
+        </p:spPr>
+        <p:txBody>
+          <a:bodyPr wrap="none" rtlCol="0" anchor="t">
+            <a:spAutoFit/>
+          </a:bodyPr>
+          <a:lstStyle/>
+          <a:p>
+            <a:pPr algn="ctr">
+              <a:lnSpc>
+                <a:spcPct val="150000"/>
+              </a:lnSpc>
+            </a:pPr>
+            <a:r>
+              <a:rPr lang="ru-RU" sz="4800" dirty="0" smtClean="0">
+                <a:latin typeface="Open Sans SemiBold" panose="020B0706030804020204" pitchFamily="34" charset="0"/>
+                <a:ea typeface="Open Sans SemiBold" panose="020B0706030804020204" pitchFamily="34" charset="0"/>
+                <a:cs typeface="Open Sans SemiBold" panose="020B0706030804020204" pitchFamily="34" charset="0"/>
+              </a:rPr>
+              <a:t>ПОВЕДЕНИЕ</a:t>
+            </a:r>
+            <a:endParaRPr lang="ru-RU" sz="4800" dirty="0">
+              <a:latin typeface="Open Sans SemiBold" panose="020B0706030804020204" pitchFamily="34" charset="0"/>
+              <a:ea typeface="Open Sans SemiBold" panose="020B0706030804020204" pitchFamily="34" charset="0"/>
+              <a:cs typeface="Open Sans SemiBold" panose="020B0706030804020204" pitchFamily="34" charset="0"/>
+            </a:endParaRPr>
+          </a:p>
+        </p:txBody>
+      </p:sp>
+      <p:pic>
+        <p:nvPicPr>
+          <p:cNvPr id="2" name="Рисунок 1"/>
+          <p:cNvPicPr>
+            <a:picLocks noChangeAspect="1"/>
+          </p:cNvPicPr>
+          <p:nvPr/>
+        </p:nvPicPr>
+        <p:blipFill>
+          <a:blip r:embed="rId3">
+            <a:extLst>
+              <a:ext uri="{28A0092B-C50C-407E-A947-70E740481C1C}">
+                <a14:useLocalDpi xmlns:a14="http://schemas.microsoft.com/office/drawing/2010/main" val="0"/>
+              </a:ext>
+            </a:extLst>
+          </a:blip>
+          <a:stretch>
+            <a:fillRect/>
+          </a:stretch>
+        </p:blipFill>
+        <p:spPr>
+          <a:xfrm>
+            <a:off x="3426402" y="3731194"/>
+            <a:ext cx="2914130" cy="2914130"/>
+          </a:xfrm>
+          <a:prstGeom prst="rect">
+            <a:avLst/>
+          </a:prstGeom>
+        </p:spPr>
+      </p:pic>
+      <p:pic>
+        <p:nvPicPr>
+          <p:cNvPr id="3" name="Рисунок 2"/>
           <p:cNvPicPr>
             <a:picLocks noChangeAspect="1"/>
           </p:cNvPicPr>
@@ -6442,8 +8963,364 @@
         </p:blipFill>
         <p:spPr>
           <a:xfrm>
-            <a:off x="6726439" y="3532098"/>
-            <a:ext cx="968953" cy="968953"/>
+            <a:off x="3670935" y="2113675"/>
+            <a:ext cx="2425065" cy="2425065"/>
+          </a:xfrm>
+          <a:prstGeom prst="rect">
+            <a:avLst/>
+          </a:prstGeom>
+        </p:spPr>
+      </p:pic>
+      <p:pic>
+        <p:nvPicPr>
+          <p:cNvPr id="8" name="Рисунок 7"/>
+          <p:cNvPicPr>
+            <a:picLocks noChangeAspect="1"/>
+          </p:cNvPicPr>
+          <p:nvPr/>
+        </p:nvPicPr>
+        <p:blipFill>
+          <a:blip r:embed="rId5" cstate="print">
+            <a:extLst>
+              <a:ext uri="{28A0092B-C50C-407E-A947-70E740481C1C}">
+                <a14:useLocalDpi xmlns:a14="http://schemas.microsoft.com/office/drawing/2010/main" val="0"/>
+              </a:ext>
+            </a:extLst>
+          </a:blip>
+          <a:stretch>
+            <a:fillRect/>
+          </a:stretch>
+        </p:blipFill>
+        <p:spPr>
+          <a:xfrm>
+            <a:off x="5680540" y="2145383"/>
+            <a:ext cx="2314392" cy="2314392"/>
+          </a:xfrm>
+          <a:prstGeom prst="rect">
+            <a:avLst/>
+          </a:prstGeom>
+        </p:spPr>
+      </p:pic>
+      <p:pic>
+        <p:nvPicPr>
+          <p:cNvPr id="9" name="Рисунок 8"/>
+          <p:cNvPicPr>
+            <a:picLocks noChangeAspect="1"/>
+          </p:cNvPicPr>
+          <p:nvPr/>
+        </p:nvPicPr>
+        <p:blipFill>
+          <a:blip r:embed="rId6" cstate="print">
+            <a:extLst>
+              <a:ext uri="{28A0092B-C50C-407E-A947-70E740481C1C}">
+                <a14:useLocalDpi xmlns:a14="http://schemas.microsoft.com/office/drawing/2010/main" val="0"/>
+              </a:ext>
+            </a:extLst>
+          </a:blip>
+          <a:stretch>
+            <a:fillRect/>
+          </a:stretch>
+        </p:blipFill>
+        <p:spPr>
+          <a:xfrm>
+            <a:off x="5584944" y="3857104"/>
+            <a:ext cx="2455187" cy="2455187"/>
+          </a:xfrm>
+          <a:prstGeom prst="rect">
+            <a:avLst/>
+          </a:prstGeom>
+        </p:spPr>
+      </p:pic>
+    </p:spTree>
+    <p:extLst>
+      <p:ext uri="{BB962C8B-B14F-4D97-AF65-F5344CB8AC3E}">
+        <p14:creationId xmlns:p14="http://schemas.microsoft.com/office/powerpoint/2010/main" val="2509631052"/>
+      </p:ext>
+    </p:extLst>
+  </p:cSld>
+  <p:clrMapOvr>
+    <a:masterClrMapping/>
+  </p:clrMapOvr>
+  <mc:AlternateContent xmlns:mc="http://schemas.openxmlformats.org/markup-compatibility/2006" xmlns:p14="http://schemas.microsoft.com/office/powerpoint/2010/main">
+    <mc:Choice Requires="p14">
+      <p:transition p14:dur="0"/>
+    </mc:Choice>
+    <mc:Fallback xmlns="">
+      <p:transition/>
+    </mc:Fallback>
+  </mc:AlternateContent>
+  <p:timing>
+    <p:tnLst>
+      <p:par>
+        <p:cTn id="1" dur="indefinite" restart="never" nodeType="tmRoot"/>
+      </p:par>
+    </p:tnLst>
+  </p:timing>
+</p:sld>
+</file>
+
+<file path=ppt/slides/slide14.xml><?xml version="1.0" encoding="utf-8"?>
+<p:sld xmlns:a="http://schemas.openxmlformats.org/drawingml/2006/main" xmlns:r="http://schemas.openxmlformats.org/officeDocument/2006/relationships" xmlns:p="http://schemas.openxmlformats.org/presentationml/2006/main">
+  <p:cSld>
+    <p:spTree>
+      <p:nvGrpSpPr>
+        <p:cNvPr id="1" name=""/>
+        <p:cNvGrpSpPr/>
+        <p:nvPr/>
+      </p:nvGrpSpPr>
+      <p:grpSpPr>
+        <a:xfrm>
+          <a:off x="0" y="0"/>
+          <a:ext cx="0" cy="0"/>
+          <a:chOff x="0" y="0"/>
+          <a:chExt cx="0" cy="0"/>
+        </a:xfrm>
+      </p:grpSpPr>
+      <p:sp>
+        <p:nvSpPr>
+          <p:cNvPr id="4" name="TextBox 3"/>
+          <p:cNvSpPr txBox="1"/>
+          <p:nvPr/>
+        </p:nvSpPr>
+        <p:spPr>
+          <a:xfrm>
+            <a:off x="4751725" y="786859"/>
+            <a:ext cx="2688558" cy="1082284"/>
+          </a:xfrm>
+          <a:prstGeom prst="rect">
+            <a:avLst/>
+          </a:prstGeom>
+          <a:noFill/>
+        </p:spPr>
+        <p:txBody>
+          <a:bodyPr wrap="none" rtlCol="0" anchor="t">
+            <a:spAutoFit/>
+          </a:bodyPr>
+          <a:lstStyle/>
+          <a:p>
+            <a:pPr algn="ctr">
+              <a:lnSpc>
+                <a:spcPct val="150000"/>
+              </a:lnSpc>
+            </a:pPr>
+            <a:r>
+              <a:rPr lang="ru-RU" sz="4800" dirty="0" smtClean="0">
+                <a:latin typeface="Open Sans SemiBold" panose="020B0706030804020204" pitchFamily="34" charset="0"/>
+                <a:ea typeface="Open Sans SemiBold" panose="020B0706030804020204" pitchFamily="34" charset="0"/>
+                <a:cs typeface="Open Sans SemiBold" panose="020B0706030804020204" pitchFamily="34" charset="0"/>
+              </a:rPr>
+              <a:t>ЭФФЕКТ</a:t>
+            </a:r>
+            <a:endParaRPr lang="ru-RU" sz="4800" dirty="0">
+              <a:latin typeface="Open Sans SemiBold" panose="020B0706030804020204" pitchFamily="34" charset="0"/>
+              <a:ea typeface="Open Sans SemiBold" panose="020B0706030804020204" pitchFamily="34" charset="0"/>
+              <a:cs typeface="Open Sans SemiBold" panose="020B0706030804020204" pitchFamily="34" charset="0"/>
+            </a:endParaRPr>
+          </a:p>
+        </p:txBody>
+      </p:sp>
+      <p:pic>
+        <p:nvPicPr>
+          <p:cNvPr id="6" name="Рисунок 5"/>
+          <p:cNvPicPr>
+            <a:picLocks noChangeAspect="1"/>
+          </p:cNvPicPr>
+          <p:nvPr/>
+        </p:nvPicPr>
+        <p:blipFill>
+          <a:blip r:embed="rId3">
+            <a:extLst>
+              <a:ext uri="{28A0092B-C50C-407E-A947-70E740481C1C}">
+                <a14:useLocalDpi xmlns:a14="http://schemas.microsoft.com/office/drawing/2010/main" val="0"/>
+              </a:ext>
+            </a:extLst>
+          </a:blip>
+          <a:stretch>
+            <a:fillRect/>
+          </a:stretch>
+        </p:blipFill>
+        <p:spPr>
+          <a:xfrm>
+            <a:off x="7054708" y="2582310"/>
+            <a:ext cx="2885563" cy="2885563"/>
+          </a:xfrm>
+          <a:prstGeom prst="rect">
+            <a:avLst/>
+          </a:prstGeom>
+        </p:spPr>
+      </p:pic>
+      <p:pic>
+        <p:nvPicPr>
+          <p:cNvPr id="7" name="Рисунок 6"/>
+          <p:cNvPicPr>
+            <a:picLocks noChangeAspect="1"/>
+          </p:cNvPicPr>
+          <p:nvPr/>
+        </p:nvPicPr>
+        <p:blipFill>
+          <a:blip r:embed="rId4">
+            <a:extLst>
+              <a:ext uri="{28A0092B-C50C-407E-A947-70E740481C1C}">
+                <a14:useLocalDpi xmlns:a14="http://schemas.microsoft.com/office/drawing/2010/main" val="0"/>
+              </a:ext>
+            </a:extLst>
+          </a:blip>
+          <a:stretch>
+            <a:fillRect/>
+          </a:stretch>
+        </p:blipFill>
+        <p:spPr>
+          <a:xfrm>
+            <a:off x="1324034" y="2451797"/>
+            <a:ext cx="3427691" cy="3427691"/>
+          </a:xfrm>
+          <a:prstGeom prst="rect">
+            <a:avLst/>
+          </a:prstGeom>
+        </p:spPr>
+      </p:pic>
+    </p:spTree>
+    <p:extLst>
+      <p:ext uri="{BB962C8B-B14F-4D97-AF65-F5344CB8AC3E}">
+        <p14:creationId xmlns:p14="http://schemas.microsoft.com/office/powerpoint/2010/main" val="2752850228"/>
+      </p:ext>
+    </p:extLst>
+  </p:cSld>
+  <p:clrMapOvr>
+    <a:masterClrMapping/>
+  </p:clrMapOvr>
+  <mc:AlternateContent xmlns:mc="http://schemas.openxmlformats.org/markup-compatibility/2006" xmlns:p14="http://schemas.microsoft.com/office/powerpoint/2010/main">
+    <mc:Choice Requires="p14">
+      <p:transition p14:dur="0"/>
+    </mc:Choice>
+    <mc:Fallback xmlns="">
+      <p:transition/>
+    </mc:Fallback>
+  </mc:AlternateContent>
+  <p:timing>
+    <p:tnLst>
+      <p:par>
+        <p:cTn id="1" dur="indefinite" restart="never" nodeType="tmRoot"/>
+      </p:par>
+    </p:tnLst>
+  </p:timing>
+</p:sld>
+</file>
+
+<file path=ppt/slides/slide15.xml><?xml version="1.0" encoding="utf-8"?>
+<p:sld xmlns:a="http://schemas.openxmlformats.org/drawingml/2006/main" xmlns:r="http://schemas.openxmlformats.org/officeDocument/2006/relationships" xmlns:p="http://schemas.openxmlformats.org/presentationml/2006/main">
+  <p:cSld>
+    <p:spTree>
+      <p:nvGrpSpPr>
+        <p:cNvPr id="1" name=""/>
+        <p:cNvGrpSpPr/>
+        <p:nvPr/>
+      </p:nvGrpSpPr>
+      <p:grpSpPr>
+        <a:xfrm>
+          <a:off x="0" y="0"/>
+          <a:ext cx="0" cy="0"/>
+          <a:chOff x="0" y="0"/>
+          <a:chExt cx="0" cy="0"/>
+        </a:xfrm>
+      </p:grpSpPr>
+      <p:sp>
+        <p:nvSpPr>
+          <p:cNvPr id="4" name="TextBox 3"/>
+          <p:cNvSpPr txBox="1"/>
+          <p:nvPr/>
+        </p:nvSpPr>
+        <p:spPr>
+          <a:xfrm>
+            <a:off x="4751725" y="786859"/>
+            <a:ext cx="2688558" cy="1082284"/>
+          </a:xfrm>
+          <a:prstGeom prst="rect">
+            <a:avLst/>
+          </a:prstGeom>
+          <a:noFill/>
+        </p:spPr>
+        <p:txBody>
+          <a:bodyPr wrap="none" rtlCol="0" anchor="t">
+            <a:spAutoFit/>
+          </a:bodyPr>
+          <a:lstStyle/>
+          <a:p>
+            <a:pPr algn="ctr">
+              <a:lnSpc>
+                <a:spcPct val="150000"/>
+              </a:lnSpc>
+            </a:pPr>
+            <a:r>
+              <a:rPr lang="ru-RU" sz="4800" dirty="0" smtClean="0">
+                <a:latin typeface="Open Sans SemiBold" panose="020B0706030804020204" pitchFamily="34" charset="0"/>
+                <a:ea typeface="Open Sans SemiBold" panose="020B0706030804020204" pitchFamily="34" charset="0"/>
+                <a:cs typeface="Open Sans SemiBold" panose="020B0706030804020204" pitchFamily="34" charset="0"/>
+              </a:rPr>
+              <a:t>ЭФФЕКТ</a:t>
+            </a:r>
+            <a:endParaRPr lang="ru-RU" sz="4800" dirty="0">
+              <a:latin typeface="Open Sans SemiBold" panose="020B0706030804020204" pitchFamily="34" charset="0"/>
+              <a:ea typeface="Open Sans SemiBold" panose="020B0706030804020204" pitchFamily="34" charset="0"/>
+              <a:cs typeface="Open Sans SemiBold" panose="020B0706030804020204" pitchFamily="34" charset="0"/>
+            </a:endParaRPr>
+          </a:p>
+        </p:txBody>
+      </p:sp>
+      <p:pic>
+        <p:nvPicPr>
+          <p:cNvPr id="6" name="Рисунок 5"/>
+          <p:cNvPicPr>
+            <a:picLocks noChangeAspect="1"/>
+          </p:cNvPicPr>
+          <p:nvPr/>
+        </p:nvPicPr>
+        <p:blipFill>
+          <a:blip r:embed="rId3">
+            <a:extLst>
+              <a:ext uri="{28A0092B-C50C-407E-A947-70E740481C1C}">
+                <a14:useLocalDpi xmlns:a14="http://schemas.microsoft.com/office/drawing/2010/main" val="0"/>
+              </a:ext>
+            </a:extLst>
+          </a:blip>
+          <a:stretch>
+            <a:fillRect/>
+          </a:stretch>
+        </p:blipFill>
+        <p:spPr>
+          <a:xfrm>
+            <a:off x="7054708" y="2582310"/>
+            <a:ext cx="2885563" cy="2885563"/>
+          </a:xfrm>
+          <a:prstGeom prst="rect">
+            <a:avLst/>
+          </a:prstGeom>
+        </p:spPr>
+      </p:pic>
+      <p:pic>
+        <p:nvPicPr>
+          <p:cNvPr id="7" name="Рисунок 6"/>
+          <p:cNvPicPr>
+            <a:picLocks noChangeAspect="1"/>
+          </p:cNvPicPr>
+          <p:nvPr/>
+        </p:nvPicPr>
+        <p:blipFill>
+          <a:blip r:embed="rId4">
+            <a:extLst>
+              <a:ext uri="{28A0092B-C50C-407E-A947-70E740481C1C}">
+                <a14:useLocalDpi xmlns:a14="http://schemas.microsoft.com/office/drawing/2010/main" val="0"/>
+              </a:ext>
+            </a:extLst>
+          </a:blip>
+          <a:stretch>
+            <a:fillRect/>
+          </a:stretch>
+        </p:blipFill>
+        <p:spPr>
+          <a:xfrm>
+            <a:off x="1324034" y="2451797"/>
+            <a:ext cx="3427691" cy="3427691"/>
           </a:xfrm>
           <a:prstGeom prst="rect">
             <a:avLst/>
@@ -6471,9 +9348,753 @@
           </a:stretch>
         </p:blipFill>
         <p:spPr>
-          <a:xfrm rot="13380000">
-            <a:off x="4725811" y="2753220"/>
-            <a:ext cx="1003589" cy="1003589"/>
+          <a:xfrm>
+            <a:off x="2238408" y="3517239"/>
+            <a:ext cx="1598942" cy="1598942"/>
+          </a:xfrm>
+          <a:prstGeom prst="rect">
+            <a:avLst/>
+          </a:prstGeom>
+        </p:spPr>
+      </p:pic>
+    </p:spTree>
+    <p:extLst>
+      <p:ext uri="{BB962C8B-B14F-4D97-AF65-F5344CB8AC3E}">
+        <p14:creationId xmlns:p14="http://schemas.microsoft.com/office/powerpoint/2010/main" val="403482745"/>
+      </p:ext>
+    </p:extLst>
+  </p:cSld>
+  <p:clrMapOvr>
+    <a:masterClrMapping/>
+  </p:clrMapOvr>
+  <mc:AlternateContent xmlns:mc="http://schemas.openxmlformats.org/markup-compatibility/2006" xmlns:p14="http://schemas.microsoft.com/office/powerpoint/2010/main">
+    <mc:Choice Requires="p14">
+      <p:transition p14:dur="0"/>
+    </mc:Choice>
+    <mc:Fallback xmlns="">
+      <p:transition/>
+    </mc:Fallback>
+  </mc:AlternateContent>
+  <p:timing>
+    <p:tnLst>
+      <p:par>
+        <p:cTn id="1" dur="indefinite" restart="never" nodeType="tmRoot"/>
+      </p:par>
+    </p:tnLst>
+  </p:timing>
+</p:sld>
+</file>
+
+<file path=ppt/slides/slide16.xml><?xml version="1.0" encoding="utf-8"?>
+<p:sld xmlns:a="http://schemas.openxmlformats.org/drawingml/2006/main" xmlns:r="http://schemas.openxmlformats.org/officeDocument/2006/relationships" xmlns:p="http://schemas.openxmlformats.org/presentationml/2006/main">
+  <p:cSld>
+    <p:spTree>
+      <p:nvGrpSpPr>
+        <p:cNvPr id="1" name=""/>
+        <p:cNvGrpSpPr/>
+        <p:nvPr/>
+      </p:nvGrpSpPr>
+      <p:grpSpPr>
+        <a:xfrm>
+          <a:off x="0" y="0"/>
+          <a:ext cx="0" cy="0"/>
+          <a:chOff x="0" y="0"/>
+          <a:chExt cx="0" cy="0"/>
+        </a:xfrm>
+      </p:grpSpPr>
+      <p:sp>
+        <p:nvSpPr>
+          <p:cNvPr id="4" name="TextBox 3"/>
+          <p:cNvSpPr txBox="1"/>
+          <p:nvPr/>
+        </p:nvSpPr>
+        <p:spPr>
+          <a:xfrm>
+            <a:off x="4288462" y="786859"/>
+            <a:ext cx="3615093" cy="1082284"/>
+          </a:xfrm>
+          <a:prstGeom prst="rect">
+            <a:avLst/>
+          </a:prstGeom>
+          <a:noFill/>
+        </p:spPr>
+        <p:txBody>
+          <a:bodyPr wrap="none" rtlCol="0" anchor="t">
+            <a:spAutoFit/>
+          </a:bodyPr>
+          <a:lstStyle/>
+          <a:p>
+            <a:pPr algn="ctr">
+              <a:lnSpc>
+                <a:spcPct val="150000"/>
+              </a:lnSpc>
+            </a:pPr>
+            <a:r>
+              <a:rPr lang="ru-RU" sz="4800" dirty="0" smtClean="0">
+                <a:latin typeface="Open Sans SemiBold" panose="020B0706030804020204" pitchFamily="34" charset="0"/>
+                <a:ea typeface="Open Sans SemiBold" panose="020B0706030804020204" pitchFamily="34" charset="0"/>
+                <a:cs typeface="Open Sans SemiBold" panose="020B0706030804020204" pitchFamily="34" charset="0"/>
+              </a:rPr>
+              <a:t>СТРУКТУРА</a:t>
+            </a:r>
+            <a:endParaRPr lang="ru-RU" sz="4800" dirty="0">
+              <a:latin typeface="Open Sans SemiBold" panose="020B0706030804020204" pitchFamily="34" charset="0"/>
+              <a:ea typeface="Open Sans SemiBold" panose="020B0706030804020204" pitchFamily="34" charset="0"/>
+              <a:cs typeface="Open Sans SemiBold" panose="020B0706030804020204" pitchFamily="34" charset="0"/>
+            </a:endParaRPr>
+          </a:p>
+        </p:txBody>
+      </p:sp>
+      <p:grpSp>
+        <p:nvGrpSpPr>
+          <p:cNvPr id="5" name="Группа 4"/>
+          <p:cNvGrpSpPr/>
+          <p:nvPr/>
+        </p:nvGrpSpPr>
+        <p:grpSpPr>
+          <a:xfrm>
+            <a:off x="3244210" y="2351115"/>
+            <a:ext cx="5703580" cy="3804978"/>
+            <a:chOff x="3244210" y="2351115"/>
+            <a:chExt cx="5703580" cy="3804978"/>
+          </a:xfrm>
+        </p:grpSpPr>
+        <p:grpSp>
+          <p:nvGrpSpPr>
+            <p:cNvPr id="7" name="Группа 6"/>
+            <p:cNvGrpSpPr/>
+            <p:nvPr/>
+          </p:nvGrpSpPr>
+          <p:grpSpPr>
+            <a:xfrm>
+              <a:off x="3244210" y="2351115"/>
+              <a:ext cx="5703580" cy="3804978"/>
+              <a:chOff x="2986520" y="2351115"/>
+              <a:chExt cx="5703580" cy="3804978"/>
+            </a:xfrm>
+          </p:grpSpPr>
+          <p:pic>
+            <p:nvPicPr>
+              <p:cNvPr id="2" name="Рисунок 1"/>
+              <p:cNvPicPr>
+                <a:picLocks noChangeAspect="1"/>
+              </p:cNvPicPr>
+              <p:nvPr/>
+            </p:nvPicPr>
+            <p:blipFill>
+              <a:blip r:embed="rId2" cstate="print">
+                <a:extLst>
+                  <a:ext uri="{28A0092B-C50C-407E-A947-70E740481C1C}">
+                    <a14:useLocalDpi xmlns:a14="http://schemas.microsoft.com/office/drawing/2010/main" val="0"/>
+                  </a:ext>
+                </a:extLst>
+              </a:blip>
+              <a:stretch>
+                <a:fillRect/>
+              </a:stretch>
+            </p:blipFill>
+            <p:spPr>
+              <a:xfrm>
+                <a:off x="2986520" y="4146664"/>
+                <a:ext cx="2009429" cy="2009429"/>
+              </a:xfrm>
+              <a:prstGeom prst="rect">
+                <a:avLst/>
+              </a:prstGeom>
+            </p:spPr>
+          </p:pic>
+          <p:pic>
+            <p:nvPicPr>
+              <p:cNvPr id="3" name="Рисунок 2"/>
+              <p:cNvPicPr>
+                <a:picLocks noChangeAspect="1"/>
+              </p:cNvPicPr>
+              <p:nvPr/>
+            </p:nvPicPr>
+            <p:blipFill>
+              <a:blip r:embed="rId3" cstate="print">
+                <a:extLst>
+                  <a:ext uri="{28A0092B-C50C-407E-A947-70E740481C1C}">
+                    <a14:useLocalDpi xmlns:a14="http://schemas.microsoft.com/office/drawing/2010/main" val="0"/>
+                  </a:ext>
+                </a:extLst>
+              </a:blip>
+              <a:stretch>
+                <a:fillRect/>
+              </a:stretch>
+            </p:blipFill>
+            <p:spPr>
+              <a:xfrm>
+                <a:off x="4833596" y="2351115"/>
+                <a:ext cx="2009428" cy="2009428"/>
+              </a:xfrm>
+              <a:prstGeom prst="rect">
+                <a:avLst/>
+              </a:prstGeom>
+            </p:spPr>
+          </p:pic>
+          <p:pic>
+            <p:nvPicPr>
+              <p:cNvPr id="6" name="Рисунок 5"/>
+              <p:cNvPicPr>
+                <a:picLocks noChangeAspect="1"/>
+              </p:cNvPicPr>
+              <p:nvPr/>
+            </p:nvPicPr>
+            <p:blipFill>
+              <a:blip r:embed="rId4" cstate="print">
+                <a:extLst>
+                  <a:ext uri="{28A0092B-C50C-407E-A947-70E740481C1C}">
+                    <a14:useLocalDpi xmlns:a14="http://schemas.microsoft.com/office/drawing/2010/main" val="0"/>
+                  </a:ext>
+                </a:extLst>
+              </a:blip>
+              <a:stretch>
+                <a:fillRect/>
+              </a:stretch>
+            </p:blipFill>
+            <p:spPr>
+              <a:xfrm>
+                <a:off x="6614387" y="4080380"/>
+                <a:ext cx="2075713" cy="2075713"/>
+              </a:xfrm>
+              <a:prstGeom prst="rect">
+                <a:avLst/>
+              </a:prstGeom>
+            </p:spPr>
+          </p:pic>
+        </p:grpSp>
+        <p:pic>
+          <p:nvPicPr>
+            <p:cNvPr id="8" name="Рисунок 7"/>
+            <p:cNvPicPr>
+              <a:picLocks noChangeAspect="1"/>
+            </p:cNvPicPr>
+            <p:nvPr/>
+          </p:nvPicPr>
+          <p:blipFill>
+            <a:blip r:embed="rId5" cstate="print">
+              <a:extLst>
+                <a:ext uri="{28A0092B-C50C-407E-A947-70E740481C1C}">
+                  <a14:useLocalDpi xmlns:a14="http://schemas.microsoft.com/office/drawing/2010/main" val="0"/>
+                </a:ext>
+              </a:extLst>
+            </a:blip>
+            <a:stretch>
+              <a:fillRect/>
+            </a:stretch>
+          </p:blipFill>
+          <p:spPr>
+            <a:xfrm rot="2558235">
+              <a:off x="4632177" y="3734679"/>
+              <a:ext cx="918219" cy="918219"/>
+            </a:xfrm>
+            <a:prstGeom prst="rect">
+              <a:avLst/>
+            </a:prstGeom>
+          </p:spPr>
+        </p:pic>
+        <p:pic>
+          <p:nvPicPr>
+            <p:cNvPr id="9" name="Рисунок 8"/>
+            <p:cNvPicPr>
+              <a:picLocks noChangeAspect="1"/>
+            </p:cNvPicPr>
+            <p:nvPr/>
+          </p:nvPicPr>
+          <p:blipFill>
+            <a:blip r:embed="rId5" cstate="print">
+              <a:extLst>
+                <a:ext uri="{28A0092B-C50C-407E-A947-70E740481C1C}">
+                  <a14:useLocalDpi xmlns:a14="http://schemas.microsoft.com/office/drawing/2010/main" val="0"/>
+                </a:ext>
+              </a:extLst>
+            </a:blip>
+            <a:stretch>
+              <a:fillRect/>
+            </a:stretch>
+          </p:blipFill>
+          <p:spPr>
+            <a:xfrm rot="19041765" flipH="1">
+              <a:off x="6641605" y="3621271"/>
+              <a:ext cx="918219" cy="918219"/>
+            </a:xfrm>
+            <a:prstGeom prst="rect">
+              <a:avLst/>
+            </a:prstGeom>
+          </p:spPr>
+        </p:pic>
+        <p:pic>
+          <p:nvPicPr>
+            <p:cNvPr id="10" name="Рисунок 9"/>
+            <p:cNvPicPr>
+              <a:picLocks noChangeAspect="1"/>
+            </p:cNvPicPr>
+            <p:nvPr/>
+          </p:nvPicPr>
+          <p:blipFill>
+            <a:blip r:embed="rId5" cstate="print">
+              <a:extLst>
+                <a:ext uri="{28A0092B-C50C-407E-A947-70E740481C1C}">
+                  <a14:useLocalDpi xmlns:a14="http://schemas.microsoft.com/office/drawing/2010/main" val="0"/>
+                </a:ext>
+              </a:extLst>
+            </a:blip>
+            <a:stretch>
+              <a:fillRect/>
+            </a:stretch>
+          </p:blipFill>
+          <p:spPr>
+            <a:xfrm rot="16200000" flipH="1">
+              <a:off x="5662419" y="4891427"/>
+              <a:ext cx="918219" cy="918219"/>
+            </a:xfrm>
+            <a:prstGeom prst="rect">
+              <a:avLst/>
+            </a:prstGeom>
+          </p:spPr>
+        </p:pic>
+      </p:grpSp>
+    </p:spTree>
+    <p:extLst>
+      <p:ext uri="{BB962C8B-B14F-4D97-AF65-F5344CB8AC3E}">
+        <p14:creationId xmlns:p14="http://schemas.microsoft.com/office/powerpoint/2010/main" val="858396962"/>
+      </p:ext>
+    </p:extLst>
+  </p:cSld>
+  <p:clrMapOvr>
+    <a:masterClrMapping/>
+  </p:clrMapOvr>
+  <p:timing>
+    <p:tnLst>
+      <p:par>
+        <p:cTn id="1" dur="indefinite" restart="never" nodeType="tmRoot"/>
+      </p:par>
+    </p:tnLst>
+  </p:timing>
+</p:sld>
+</file>
+
+<file path=ppt/slides/slide17.xml><?xml version="1.0" encoding="utf-8"?>
+<p:sld xmlns:a="http://schemas.openxmlformats.org/drawingml/2006/main" xmlns:r="http://schemas.openxmlformats.org/officeDocument/2006/relationships" xmlns:p="http://schemas.openxmlformats.org/presentationml/2006/main">
+  <p:cSld>
+    <p:spTree>
+      <p:nvGrpSpPr>
+        <p:cNvPr id="1" name=""/>
+        <p:cNvGrpSpPr/>
+        <p:nvPr/>
+      </p:nvGrpSpPr>
+      <p:grpSpPr>
+        <a:xfrm>
+          <a:off x="0" y="0"/>
+          <a:ext cx="0" cy="0"/>
+          <a:chOff x="0" y="0"/>
+          <a:chExt cx="0" cy="0"/>
+        </a:xfrm>
+      </p:grpSpPr>
+      <p:sp>
+        <p:nvSpPr>
+          <p:cNvPr id="4" name="TextBox 3"/>
+          <p:cNvSpPr txBox="1"/>
+          <p:nvPr/>
+        </p:nvSpPr>
+        <p:spPr>
+          <a:xfrm>
+            <a:off x="7624516" y="2717818"/>
+            <a:ext cx="3615093" cy="1082284"/>
+          </a:xfrm>
+          <a:prstGeom prst="rect">
+            <a:avLst/>
+          </a:prstGeom>
+          <a:noFill/>
+        </p:spPr>
+        <p:txBody>
+          <a:bodyPr wrap="none" rtlCol="0" anchor="t">
+            <a:spAutoFit/>
+          </a:bodyPr>
+          <a:lstStyle/>
+          <a:p>
+            <a:pPr algn="ctr">
+              <a:lnSpc>
+                <a:spcPct val="150000"/>
+              </a:lnSpc>
+            </a:pPr>
+            <a:r>
+              <a:rPr lang="ru-RU" sz="4800" dirty="0" smtClean="0">
+                <a:latin typeface="Open Sans SemiBold" panose="020B0706030804020204" pitchFamily="34" charset="0"/>
+                <a:ea typeface="Open Sans SemiBold" panose="020B0706030804020204" pitchFamily="34" charset="0"/>
+                <a:cs typeface="Open Sans SemiBold" panose="020B0706030804020204" pitchFamily="34" charset="0"/>
+              </a:rPr>
+              <a:t>СТРУКТУРА</a:t>
+            </a:r>
+            <a:endParaRPr lang="ru-RU" sz="4800" dirty="0">
+              <a:latin typeface="Open Sans SemiBold" panose="020B0706030804020204" pitchFamily="34" charset="0"/>
+              <a:ea typeface="Open Sans SemiBold" panose="020B0706030804020204" pitchFamily="34" charset="0"/>
+              <a:cs typeface="Open Sans SemiBold" panose="020B0706030804020204" pitchFamily="34" charset="0"/>
+            </a:endParaRPr>
+          </a:p>
+        </p:txBody>
+      </p:sp>
+      <p:sp>
+        <p:nvSpPr>
+          <p:cNvPr id="11" name="TextBox 10"/>
+          <p:cNvSpPr txBox="1"/>
+          <p:nvPr/>
+        </p:nvSpPr>
+        <p:spPr>
+          <a:xfrm>
+            <a:off x="905551" y="2717818"/>
+            <a:ext cx="3953326" cy="1082284"/>
+          </a:xfrm>
+          <a:prstGeom prst="rect">
+            <a:avLst/>
+          </a:prstGeom>
+          <a:noFill/>
+        </p:spPr>
+        <p:txBody>
+          <a:bodyPr wrap="none" rtlCol="0" anchor="t">
+            <a:spAutoFit/>
+          </a:bodyPr>
+          <a:lstStyle/>
+          <a:p>
+            <a:pPr algn="ctr">
+              <a:lnSpc>
+                <a:spcPct val="150000"/>
+              </a:lnSpc>
+            </a:pPr>
+            <a:r>
+              <a:rPr lang="ru-RU" sz="4800" dirty="0" smtClean="0">
+                <a:latin typeface="Open Sans SemiBold" panose="020B0706030804020204" pitchFamily="34" charset="0"/>
+                <a:ea typeface="Open Sans SemiBold" panose="020B0706030804020204" pitchFamily="34" charset="0"/>
+                <a:cs typeface="Open Sans SemiBold" panose="020B0706030804020204" pitchFamily="34" charset="0"/>
+              </a:rPr>
+              <a:t>ПОВЕДЕНИЕ</a:t>
+            </a:r>
+            <a:endParaRPr lang="ru-RU" sz="4800" dirty="0">
+              <a:latin typeface="Open Sans SemiBold" panose="020B0706030804020204" pitchFamily="34" charset="0"/>
+              <a:ea typeface="Open Sans SemiBold" panose="020B0706030804020204" pitchFamily="34" charset="0"/>
+              <a:cs typeface="Open Sans SemiBold" panose="020B0706030804020204" pitchFamily="34" charset="0"/>
+            </a:endParaRPr>
+          </a:p>
+        </p:txBody>
+      </p:sp>
+      <p:pic>
+        <p:nvPicPr>
+          <p:cNvPr id="12" name="Рисунок 11"/>
+          <p:cNvPicPr>
+            <a:picLocks noChangeAspect="1"/>
+          </p:cNvPicPr>
+          <p:nvPr/>
+        </p:nvPicPr>
+        <p:blipFill>
+          <a:blip r:embed="rId3" cstate="print">
+            <a:extLst>
+              <a:ext uri="{28A0092B-C50C-407E-A947-70E740481C1C}">
+                <a14:useLocalDpi xmlns:a14="http://schemas.microsoft.com/office/drawing/2010/main" val="0"/>
+              </a:ext>
+            </a:extLst>
+          </a:blip>
+          <a:stretch>
+            <a:fillRect/>
+          </a:stretch>
+        </p:blipFill>
+        <p:spPr>
+          <a:xfrm rot="5400000">
+            <a:off x="5613152" y="2826285"/>
+            <a:ext cx="1165514" cy="1165514"/>
+          </a:xfrm>
+          <a:prstGeom prst="rect">
+            <a:avLst/>
+          </a:prstGeom>
+        </p:spPr>
+      </p:pic>
+    </p:spTree>
+    <p:extLst>
+      <p:ext uri="{BB962C8B-B14F-4D97-AF65-F5344CB8AC3E}">
+        <p14:creationId xmlns:p14="http://schemas.microsoft.com/office/powerpoint/2010/main" val="2469183999"/>
+      </p:ext>
+    </p:extLst>
+  </p:cSld>
+  <p:clrMapOvr>
+    <a:masterClrMapping/>
+  </p:clrMapOvr>
+  <p:timing>
+    <p:tnLst>
+      <p:par>
+        <p:cTn id="1" dur="indefinite" restart="never" nodeType="tmRoot"/>
+      </p:par>
+    </p:tnLst>
+  </p:timing>
+</p:sld>
+</file>
+
+<file path=ppt/slides/slide18.xml><?xml version="1.0" encoding="utf-8"?>
+<p:sld xmlns:a="http://schemas.openxmlformats.org/drawingml/2006/main" xmlns:r="http://schemas.openxmlformats.org/officeDocument/2006/relationships" xmlns:p="http://schemas.openxmlformats.org/presentationml/2006/main">
+  <p:cSld>
+    <p:spTree>
+      <p:nvGrpSpPr>
+        <p:cNvPr id="1" name=""/>
+        <p:cNvGrpSpPr/>
+        <p:nvPr/>
+      </p:nvGrpSpPr>
+      <p:grpSpPr>
+        <a:xfrm>
+          <a:off x="0" y="0"/>
+          <a:ext cx="0" cy="0"/>
+          <a:chOff x="0" y="0"/>
+          <a:chExt cx="0" cy="0"/>
+        </a:xfrm>
+      </p:grpSpPr>
+      <p:sp>
+        <p:nvSpPr>
+          <p:cNvPr id="4" name="TextBox 3"/>
+          <p:cNvSpPr txBox="1"/>
+          <p:nvPr/>
+        </p:nvSpPr>
+        <p:spPr>
+          <a:xfrm>
+            <a:off x="7075581" y="637809"/>
+            <a:ext cx="4230645" cy="1082284"/>
+          </a:xfrm>
+          <a:prstGeom prst="rect">
+            <a:avLst/>
+          </a:prstGeom>
+          <a:noFill/>
+        </p:spPr>
+        <p:txBody>
+          <a:bodyPr wrap="none" rtlCol="0" anchor="t">
+            <a:spAutoFit/>
+          </a:bodyPr>
+          <a:lstStyle/>
+          <a:p>
+            <a:pPr algn="ctr">
+              <a:lnSpc>
+                <a:spcPct val="150000"/>
+              </a:lnSpc>
+            </a:pPr>
+            <a:r>
+              <a:rPr lang="ru-RU" sz="4800" smtClean="0">
+                <a:latin typeface="Open Sans SemiBold" panose="020B0706030804020204" pitchFamily="34" charset="0"/>
+                <a:ea typeface="Open Sans SemiBold" panose="020B0706030804020204" pitchFamily="34" charset="0"/>
+                <a:cs typeface="Open Sans SemiBold" panose="020B0706030804020204" pitchFamily="34" charset="0"/>
+              </a:rPr>
+              <a:t>СТРУКТУРА</a:t>
+            </a:r>
+            <a:r>
+              <a:rPr lang="en-US" sz="4800" dirty="0" smtClean="0">
+                <a:latin typeface="Open Sans SemiBold" panose="020B0706030804020204" pitchFamily="34" charset="0"/>
+                <a:ea typeface="Open Sans SemiBold" panose="020B0706030804020204" pitchFamily="34" charset="0"/>
+                <a:cs typeface="Open Sans SemiBold" panose="020B0706030804020204" pitchFamily="34" charset="0"/>
+              </a:rPr>
+              <a:t>_0</a:t>
+            </a:r>
+            <a:endParaRPr lang="ru-RU" sz="4800" dirty="0">
+              <a:latin typeface="Open Sans SemiBold" panose="020B0706030804020204" pitchFamily="34" charset="0"/>
+              <a:ea typeface="Open Sans SemiBold" panose="020B0706030804020204" pitchFamily="34" charset="0"/>
+              <a:cs typeface="Open Sans SemiBold" panose="020B0706030804020204" pitchFamily="34" charset="0"/>
+            </a:endParaRPr>
+          </a:p>
+        </p:txBody>
+      </p:sp>
+      <p:sp>
+        <p:nvSpPr>
+          <p:cNvPr id="11" name="TextBox 10"/>
+          <p:cNvSpPr txBox="1"/>
+          <p:nvPr/>
+        </p:nvSpPr>
+        <p:spPr>
+          <a:xfrm>
+            <a:off x="905551" y="2717818"/>
+            <a:ext cx="3953326" cy="1082284"/>
+          </a:xfrm>
+          <a:prstGeom prst="rect">
+            <a:avLst/>
+          </a:prstGeom>
+          <a:noFill/>
+        </p:spPr>
+        <p:txBody>
+          <a:bodyPr wrap="none" rtlCol="0" anchor="t">
+            <a:spAutoFit/>
+          </a:bodyPr>
+          <a:lstStyle/>
+          <a:p>
+            <a:pPr algn="ctr">
+              <a:lnSpc>
+                <a:spcPct val="150000"/>
+              </a:lnSpc>
+            </a:pPr>
+            <a:r>
+              <a:rPr lang="ru-RU" sz="4800" dirty="0" smtClean="0">
+                <a:latin typeface="Open Sans SemiBold" panose="020B0706030804020204" pitchFamily="34" charset="0"/>
+                <a:ea typeface="Open Sans SemiBold" panose="020B0706030804020204" pitchFamily="34" charset="0"/>
+                <a:cs typeface="Open Sans SemiBold" panose="020B0706030804020204" pitchFamily="34" charset="0"/>
+              </a:rPr>
+              <a:t>ПОВЕДЕНИЕ</a:t>
+            </a:r>
+            <a:endParaRPr lang="ru-RU" sz="4800" dirty="0">
+              <a:latin typeface="Open Sans SemiBold" panose="020B0706030804020204" pitchFamily="34" charset="0"/>
+              <a:ea typeface="Open Sans SemiBold" panose="020B0706030804020204" pitchFamily="34" charset="0"/>
+              <a:cs typeface="Open Sans SemiBold" panose="020B0706030804020204" pitchFamily="34" charset="0"/>
+            </a:endParaRPr>
+          </a:p>
+        </p:txBody>
+      </p:sp>
+      <p:pic>
+        <p:nvPicPr>
+          <p:cNvPr id="12" name="Рисунок 11"/>
+          <p:cNvPicPr>
+            <a:picLocks noChangeAspect="1"/>
+          </p:cNvPicPr>
+          <p:nvPr/>
+        </p:nvPicPr>
+        <p:blipFill>
+          <a:blip r:embed="rId3" cstate="print">
+            <a:extLst>
+              <a:ext uri="{28A0092B-C50C-407E-A947-70E740481C1C}">
+                <a14:useLocalDpi xmlns:a14="http://schemas.microsoft.com/office/drawing/2010/main" val="0"/>
+              </a:ext>
+            </a:extLst>
+          </a:blip>
+          <a:stretch>
+            <a:fillRect/>
+          </a:stretch>
+        </p:blipFill>
+        <p:spPr>
+          <a:xfrm rot="5400000">
+            <a:off x="5384471" y="2826285"/>
+            <a:ext cx="1165514" cy="1165514"/>
+          </a:xfrm>
+          <a:prstGeom prst="rect">
+            <a:avLst/>
+          </a:prstGeom>
+        </p:spPr>
+      </p:pic>
+      <p:sp>
+        <p:nvSpPr>
+          <p:cNvPr id="5" name="TextBox 4"/>
+          <p:cNvSpPr txBox="1"/>
+          <p:nvPr/>
+        </p:nvSpPr>
+        <p:spPr>
+          <a:xfrm>
+            <a:off x="7075580" y="2717818"/>
+            <a:ext cx="4230645" cy="1082284"/>
+          </a:xfrm>
+          <a:prstGeom prst="rect">
+            <a:avLst/>
+          </a:prstGeom>
+          <a:noFill/>
+        </p:spPr>
+        <p:txBody>
+          <a:bodyPr wrap="none" rtlCol="0" anchor="t">
+            <a:spAutoFit/>
+          </a:bodyPr>
+          <a:lstStyle/>
+          <a:p>
+            <a:pPr algn="ctr">
+              <a:lnSpc>
+                <a:spcPct val="150000"/>
+              </a:lnSpc>
+            </a:pPr>
+            <a:r>
+              <a:rPr lang="ru-RU" sz="4800" dirty="0" smtClean="0">
+                <a:latin typeface="Open Sans SemiBold" panose="020B0706030804020204" pitchFamily="34" charset="0"/>
+                <a:ea typeface="Open Sans SemiBold" panose="020B0706030804020204" pitchFamily="34" charset="0"/>
+                <a:cs typeface="Open Sans SemiBold" panose="020B0706030804020204" pitchFamily="34" charset="0"/>
+              </a:rPr>
+              <a:t>СТРУКТУРА</a:t>
+            </a:r>
+            <a:r>
+              <a:rPr lang="en-US" sz="4800" dirty="0" smtClean="0">
+                <a:latin typeface="Open Sans SemiBold" panose="020B0706030804020204" pitchFamily="34" charset="0"/>
+                <a:ea typeface="Open Sans SemiBold" panose="020B0706030804020204" pitchFamily="34" charset="0"/>
+                <a:cs typeface="Open Sans SemiBold" panose="020B0706030804020204" pitchFamily="34" charset="0"/>
+              </a:rPr>
+              <a:t>_1</a:t>
+            </a:r>
+            <a:endParaRPr lang="ru-RU" sz="4800" dirty="0">
+              <a:latin typeface="Open Sans SemiBold" panose="020B0706030804020204" pitchFamily="34" charset="0"/>
+              <a:ea typeface="Open Sans SemiBold" panose="020B0706030804020204" pitchFamily="34" charset="0"/>
+              <a:cs typeface="Open Sans SemiBold" panose="020B0706030804020204" pitchFamily="34" charset="0"/>
+            </a:endParaRPr>
+          </a:p>
+        </p:txBody>
+      </p:sp>
+      <p:sp>
+        <p:nvSpPr>
+          <p:cNvPr id="6" name="TextBox 5"/>
+          <p:cNvSpPr txBox="1"/>
+          <p:nvPr/>
+        </p:nvSpPr>
+        <p:spPr>
+          <a:xfrm>
+            <a:off x="7075579" y="4797827"/>
+            <a:ext cx="4230645" cy="1082284"/>
+          </a:xfrm>
+          <a:prstGeom prst="rect">
+            <a:avLst/>
+          </a:prstGeom>
+          <a:noFill/>
+        </p:spPr>
+        <p:txBody>
+          <a:bodyPr wrap="none" rtlCol="0" anchor="t">
+            <a:spAutoFit/>
+          </a:bodyPr>
+          <a:lstStyle/>
+          <a:p>
+            <a:pPr algn="ctr">
+              <a:lnSpc>
+                <a:spcPct val="150000"/>
+              </a:lnSpc>
+            </a:pPr>
+            <a:r>
+              <a:rPr lang="ru-RU" sz="4800" dirty="0" smtClean="0">
+                <a:latin typeface="Open Sans SemiBold" panose="020B0706030804020204" pitchFamily="34" charset="0"/>
+                <a:ea typeface="Open Sans SemiBold" panose="020B0706030804020204" pitchFamily="34" charset="0"/>
+                <a:cs typeface="Open Sans SemiBold" panose="020B0706030804020204" pitchFamily="34" charset="0"/>
+              </a:rPr>
+              <a:t>СТРУКТУРА</a:t>
+            </a:r>
+            <a:r>
+              <a:rPr lang="en-US" sz="4800" dirty="0" smtClean="0">
+                <a:latin typeface="Open Sans SemiBold" panose="020B0706030804020204" pitchFamily="34" charset="0"/>
+                <a:ea typeface="Open Sans SemiBold" panose="020B0706030804020204" pitchFamily="34" charset="0"/>
+                <a:cs typeface="Open Sans SemiBold" panose="020B0706030804020204" pitchFamily="34" charset="0"/>
+              </a:rPr>
+              <a:t>_2</a:t>
+            </a:r>
+            <a:endParaRPr lang="ru-RU" sz="4800" dirty="0">
+              <a:latin typeface="Open Sans SemiBold" panose="020B0706030804020204" pitchFamily="34" charset="0"/>
+              <a:ea typeface="Open Sans SemiBold" panose="020B0706030804020204" pitchFamily="34" charset="0"/>
+              <a:cs typeface="Open Sans SemiBold" panose="020B0706030804020204" pitchFamily="34" charset="0"/>
+            </a:endParaRPr>
+          </a:p>
+        </p:txBody>
+      </p:sp>
+      <p:pic>
+        <p:nvPicPr>
+          <p:cNvPr id="7" name="Рисунок 6"/>
+          <p:cNvPicPr>
+            <a:picLocks noChangeAspect="1"/>
+          </p:cNvPicPr>
+          <p:nvPr/>
+        </p:nvPicPr>
+        <p:blipFill>
+          <a:blip r:embed="rId3" cstate="print">
+            <a:extLst>
+              <a:ext uri="{28A0092B-C50C-407E-A947-70E740481C1C}">
+                <a14:useLocalDpi xmlns:a14="http://schemas.microsoft.com/office/drawing/2010/main" val="0"/>
+              </a:ext>
+            </a:extLst>
+          </a:blip>
+          <a:stretch>
+            <a:fillRect/>
+          </a:stretch>
+        </p:blipFill>
+        <p:spPr>
+          <a:xfrm rot="3600000">
+            <a:off x="5384471" y="1653373"/>
+            <a:ext cx="1165514" cy="1165514"/>
           </a:xfrm>
           <a:prstGeom prst="rect">
             <a:avLst/>
@@ -6483,6 +10104,504 @@
       <p:pic>
         <p:nvPicPr>
           <p:cNvPr id="8" name="Рисунок 7"/>
+          <p:cNvPicPr>
+            <a:picLocks noChangeAspect="1"/>
+          </p:cNvPicPr>
+          <p:nvPr/>
+        </p:nvPicPr>
+        <p:blipFill>
+          <a:blip r:embed="rId3" cstate="print">
+            <a:extLst>
+              <a:ext uri="{28A0092B-C50C-407E-A947-70E740481C1C}">
+                <a14:useLocalDpi xmlns:a14="http://schemas.microsoft.com/office/drawing/2010/main" val="0"/>
+              </a:ext>
+            </a:extLst>
+          </a:blip>
+          <a:stretch>
+            <a:fillRect/>
+          </a:stretch>
+        </p:blipFill>
+        <p:spPr>
+          <a:xfrm rot="6300000">
+            <a:off x="5384470" y="4122771"/>
+            <a:ext cx="1165514" cy="1165514"/>
+          </a:xfrm>
+          <a:prstGeom prst="rect">
+            <a:avLst/>
+          </a:prstGeom>
+        </p:spPr>
+      </p:pic>
+    </p:spTree>
+    <p:extLst>
+      <p:ext uri="{BB962C8B-B14F-4D97-AF65-F5344CB8AC3E}">
+        <p14:creationId xmlns:p14="http://schemas.microsoft.com/office/powerpoint/2010/main" val="4066948216"/>
+      </p:ext>
+    </p:extLst>
+  </p:cSld>
+  <p:clrMapOvr>
+    <a:masterClrMapping/>
+  </p:clrMapOvr>
+  <p:timing>
+    <p:tnLst>
+      <p:par>
+        <p:cTn id="1" dur="indefinite" restart="never" nodeType="tmRoot"/>
+      </p:par>
+    </p:tnLst>
+  </p:timing>
+</p:sld>
+</file>
+
+<file path=ppt/slides/slide19.xml><?xml version="1.0" encoding="utf-8"?>
+<p:sld xmlns:a="http://schemas.openxmlformats.org/drawingml/2006/main" xmlns:r="http://schemas.openxmlformats.org/officeDocument/2006/relationships" xmlns:p="http://schemas.openxmlformats.org/presentationml/2006/main">
+  <p:cSld>
+    <p:spTree>
+      <p:nvGrpSpPr>
+        <p:cNvPr id="1" name=""/>
+        <p:cNvGrpSpPr/>
+        <p:nvPr/>
+      </p:nvGrpSpPr>
+      <p:grpSpPr>
+        <a:xfrm>
+          <a:off x="0" y="0"/>
+          <a:ext cx="0" cy="0"/>
+          <a:chOff x="0" y="0"/>
+          <a:chExt cx="0" cy="0"/>
+        </a:xfrm>
+      </p:grpSpPr>
+      <p:sp>
+        <p:nvSpPr>
+          <p:cNvPr id="4" name="TextBox 3"/>
+          <p:cNvSpPr txBox="1"/>
+          <p:nvPr/>
+        </p:nvSpPr>
+        <p:spPr>
+          <a:xfrm>
+            <a:off x="7075581" y="637809"/>
+            <a:ext cx="4230645" cy="1082284"/>
+          </a:xfrm>
+          <a:prstGeom prst="rect">
+            <a:avLst/>
+          </a:prstGeom>
+          <a:noFill/>
+        </p:spPr>
+        <p:txBody>
+          <a:bodyPr wrap="none" rtlCol="0" anchor="t">
+            <a:spAutoFit/>
+          </a:bodyPr>
+          <a:lstStyle/>
+          <a:p>
+            <a:pPr algn="ctr">
+              <a:lnSpc>
+                <a:spcPct val="150000"/>
+              </a:lnSpc>
+            </a:pPr>
+            <a:r>
+              <a:rPr lang="ru-RU" sz="4800" smtClean="0">
+                <a:latin typeface="Open Sans SemiBold" panose="020B0706030804020204" pitchFamily="34" charset="0"/>
+                <a:ea typeface="Open Sans SemiBold" panose="020B0706030804020204" pitchFamily="34" charset="0"/>
+                <a:cs typeface="Open Sans SemiBold" panose="020B0706030804020204" pitchFamily="34" charset="0"/>
+              </a:rPr>
+              <a:t>СТРУКТУРА</a:t>
+            </a:r>
+            <a:r>
+              <a:rPr lang="en-US" sz="4800" dirty="0" smtClean="0">
+                <a:latin typeface="Open Sans SemiBold" panose="020B0706030804020204" pitchFamily="34" charset="0"/>
+                <a:ea typeface="Open Sans SemiBold" panose="020B0706030804020204" pitchFamily="34" charset="0"/>
+                <a:cs typeface="Open Sans SemiBold" panose="020B0706030804020204" pitchFamily="34" charset="0"/>
+              </a:rPr>
+              <a:t>_0</a:t>
+            </a:r>
+            <a:endParaRPr lang="ru-RU" sz="4800" dirty="0">
+              <a:latin typeface="Open Sans SemiBold" panose="020B0706030804020204" pitchFamily="34" charset="0"/>
+              <a:ea typeface="Open Sans SemiBold" panose="020B0706030804020204" pitchFamily="34" charset="0"/>
+              <a:cs typeface="Open Sans SemiBold" panose="020B0706030804020204" pitchFamily="34" charset="0"/>
+            </a:endParaRPr>
+          </a:p>
+        </p:txBody>
+      </p:sp>
+      <p:sp>
+        <p:nvSpPr>
+          <p:cNvPr id="11" name="TextBox 10"/>
+          <p:cNvSpPr txBox="1"/>
+          <p:nvPr/>
+        </p:nvSpPr>
+        <p:spPr>
+          <a:xfrm>
+            <a:off x="905551" y="2717818"/>
+            <a:ext cx="3953326" cy="1082284"/>
+          </a:xfrm>
+          <a:prstGeom prst="rect">
+            <a:avLst/>
+          </a:prstGeom>
+          <a:noFill/>
+        </p:spPr>
+        <p:txBody>
+          <a:bodyPr wrap="none" rtlCol="0" anchor="t">
+            <a:spAutoFit/>
+          </a:bodyPr>
+          <a:lstStyle/>
+          <a:p>
+            <a:pPr algn="ctr">
+              <a:lnSpc>
+                <a:spcPct val="150000"/>
+              </a:lnSpc>
+            </a:pPr>
+            <a:r>
+              <a:rPr lang="ru-RU" sz="4800" dirty="0" smtClean="0">
+                <a:latin typeface="Open Sans SemiBold" panose="020B0706030804020204" pitchFamily="34" charset="0"/>
+                <a:ea typeface="Open Sans SemiBold" panose="020B0706030804020204" pitchFamily="34" charset="0"/>
+                <a:cs typeface="Open Sans SemiBold" panose="020B0706030804020204" pitchFamily="34" charset="0"/>
+              </a:rPr>
+              <a:t>ПОВЕДЕНИЕ</a:t>
+            </a:r>
+            <a:endParaRPr lang="ru-RU" sz="4800" dirty="0">
+              <a:latin typeface="Open Sans SemiBold" panose="020B0706030804020204" pitchFamily="34" charset="0"/>
+              <a:ea typeface="Open Sans SemiBold" panose="020B0706030804020204" pitchFamily="34" charset="0"/>
+              <a:cs typeface="Open Sans SemiBold" panose="020B0706030804020204" pitchFamily="34" charset="0"/>
+            </a:endParaRPr>
+          </a:p>
+        </p:txBody>
+      </p:sp>
+      <p:pic>
+        <p:nvPicPr>
+          <p:cNvPr id="12" name="Рисунок 11"/>
+          <p:cNvPicPr>
+            <a:picLocks noChangeAspect="1"/>
+          </p:cNvPicPr>
+          <p:nvPr/>
+        </p:nvPicPr>
+        <p:blipFill>
+          <a:blip r:embed="rId3" cstate="print">
+            <a:extLst>
+              <a:ext uri="{28A0092B-C50C-407E-A947-70E740481C1C}">
+                <a14:useLocalDpi xmlns:a14="http://schemas.microsoft.com/office/drawing/2010/main" val="0"/>
+              </a:ext>
+            </a:extLst>
+          </a:blip>
+          <a:stretch>
+            <a:fillRect/>
+          </a:stretch>
+        </p:blipFill>
+        <p:spPr>
+          <a:xfrm rot="5400000">
+            <a:off x="5384471" y="2826285"/>
+            <a:ext cx="1165514" cy="1165514"/>
+          </a:xfrm>
+          <a:prstGeom prst="rect">
+            <a:avLst/>
+          </a:prstGeom>
+        </p:spPr>
+      </p:pic>
+      <p:sp>
+        <p:nvSpPr>
+          <p:cNvPr id="5" name="TextBox 4"/>
+          <p:cNvSpPr txBox="1"/>
+          <p:nvPr/>
+        </p:nvSpPr>
+        <p:spPr>
+          <a:xfrm>
+            <a:off x="7075580" y="2717818"/>
+            <a:ext cx="4230645" cy="1082284"/>
+          </a:xfrm>
+          <a:prstGeom prst="rect">
+            <a:avLst/>
+          </a:prstGeom>
+          <a:noFill/>
+        </p:spPr>
+        <p:txBody>
+          <a:bodyPr wrap="none" rtlCol="0" anchor="t">
+            <a:spAutoFit/>
+          </a:bodyPr>
+          <a:lstStyle/>
+          <a:p>
+            <a:pPr algn="ctr">
+              <a:lnSpc>
+                <a:spcPct val="150000"/>
+              </a:lnSpc>
+            </a:pPr>
+            <a:r>
+              <a:rPr lang="ru-RU" sz="4800" dirty="0" smtClean="0">
+                <a:solidFill>
+                  <a:srgbClr val="FF0000"/>
+                </a:solidFill>
+                <a:latin typeface="Open Sans SemiBold" panose="020B0706030804020204" pitchFamily="34" charset="0"/>
+                <a:ea typeface="Open Sans SemiBold" panose="020B0706030804020204" pitchFamily="34" charset="0"/>
+                <a:cs typeface="Open Sans SemiBold" panose="020B0706030804020204" pitchFamily="34" charset="0"/>
+              </a:rPr>
+              <a:t>СТРУКТУРА</a:t>
+            </a:r>
+            <a:r>
+              <a:rPr lang="en-US" sz="4800" dirty="0" smtClean="0">
+                <a:solidFill>
+                  <a:srgbClr val="FF0000"/>
+                </a:solidFill>
+                <a:latin typeface="Open Sans SemiBold" panose="020B0706030804020204" pitchFamily="34" charset="0"/>
+                <a:ea typeface="Open Sans SemiBold" panose="020B0706030804020204" pitchFamily="34" charset="0"/>
+                <a:cs typeface="Open Sans SemiBold" panose="020B0706030804020204" pitchFamily="34" charset="0"/>
+              </a:rPr>
+              <a:t>_1</a:t>
+            </a:r>
+            <a:endParaRPr lang="ru-RU" sz="4800" dirty="0">
+              <a:solidFill>
+                <a:srgbClr val="FF0000"/>
+              </a:solidFill>
+              <a:latin typeface="Open Sans SemiBold" panose="020B0706030804020204" pitchFamily="34" charset="0"/>
+              <a:ea typeface="Open Sans SemiBold" panose="020B0706030804020204" pitchFamily="34" charset="0"/>
+              <a:cs typeface="Open Sans SemiBold" panose="020B0706030804020204" pitchFamily="34" charset="0"/>
+            </a:endParaRPr>
+          </a:p>
+        </p:txBody>
+      </p:sp>
+      <p:sp>
+        <p:nvSpPr>
+          <p:cNvPr id="6" name="TextBox 5"/>
+          <p:cNvSpPr txBox="1"/>
+          <p:nvPr/>
+        </p:nvSpPr>
+        <p:spPr>
+          <a:xfrm>
+            <a:off x="7075579" y="4797827"/>
+            <a:ext cx="4230645" cy="1082284"/>
+          </a:xfrm>
+          <a:prstGeom prst="rect">
+            <a:avLst/>
+          </a:prstGeom>
+          <a:noFill/>
+        </p:spPr>
+        <p:txBody>
+          <a:bodyPr wrap="none" rtlCol="0" anchor="t">
+            <a:spAutoFit/>
+          </a:bodyPr>
+          <a:lstStyle/>
+          <a:p>
+            <a:pPr algn="ctr">
+              <a:lnSpc>
+                <a:spcPct val="150000"/>
+              </a:lnSpc>
+            </a:pPr>
+            <a:r>
+              <a:rPr lang="ru-RU" sz="4800" dirty="0" smtClean="0">
+                <a:latin typeface="Open Sans SemiBold" panose="020B0706030804020204" pitchFamily="34" charset="0"/>
+                <a:ea typeface="Open Sans SemiBold" panose="020B0706030804020204" pitchFamily="34" charset="0"/>
+                <a:cs typeface="Open Sans SemiBold" panose="020B0706030804020204" pitchFamily="34" charset="0"/>
+              </a:rPr>
+              <a:t>СТРУКТУРА</a:t>
+            </a:r>
+            <a:r>
+              <a:rPr lang="en-US" sz="4800" dirty="0" smtClean="0">
+                <a:latin typeface="Open Sans SemiBold" panose="020B0706030804020204" pitchFamily="34" charset="0"/>
+                <a:ea typeface="Open Sans SemiBold" panose="020B0706030804020204" pitchFamily="34" charset="0"/>
+                <a:cs typeface="Open Sans SemiBold" panose="020B0706030804020204" pitchFamily="34" charset="0"/>
+              </a:rPr>
+              <a:t>_2</a:t>
+            </a:r>
+            <a:endParaRPr lang="ru-RU" sz="4800" dirty="0">
+              <a:latin typeface="Open Sans SemiBold" panose="020B0706030804020204" pitchFamily="34" charset="0"/>
+              <a:ea typeface="Open Sans SemiBold" panose="020B0706030804020204" pitchFamily="34" charset="0"/>
+              <a:cs typeface="Open Sans SemiBold" panose="020B0706030804020204" pitchFamily="34" charset="0"/>
+            </a:endParaRPr>
+          </a:p>
+        </p:txBody>
+      </p:sp>
+      <p:pic>
+        <p:nvPicPr>
+          <p:cNvPr id="7" name="Рисунок 6"/>
+          <p:cNvPicPr>
+            <a:picLocks noChangeAspect="1"/>
+          </p:cNvPicPr>
+          <p:nvPr/>
+        </p:nvPicPr>
+        <p:blipFill>
+          <a:blip r:embed="rId3" cstate="print">
+            <a:extLst>
+              <a:ext uri="{28A0092B-C50C-407E-A947-70E740481C1C}">
+                <a14:useLocalDpi xmlns:a14="http://schemas.microsoft.com/office/drawing/2010/main" val="0"/>
+              </a:ext>
+            </a:extLst>
+          </a:blip>
+          <a:stretch>
+            <a:fillRect/>
+          </a:stretch>
+        </p:blipFill>
+        <p:spPr>
+          <a:xfrm rot="3600000">
+            <a:off x="5384471" y="1653373"/>
+            <a:ext cx="1165514" cy="1165514"/>
+          </a:xfrm>
+          <a:prstGeom prst="rect">
+            <a:avLst/>
+          </a:prstGeom>
+        </p:spPr>
+      </p:pic>
+      <p:pic>
+        <p:nvPicPr>
+          <p:cNvPr id="8" name="Рисунок 7"/>
+          <p:cNvPicPr>
+            <a:picLocks noChangeAspect="1"/>
+          </p:cNvPicPr>
+          <p:nvPr/>
+        </p:nvPicPr>
+        <p:blipFill>
+          <a:blip r:embed="rId3" cstate="print">
+            <a:extLst>
+              <a:ext uri="{28A0092B-C50C-407E-A947-70E740481C1C}">
+                <a14:useLocalDpi xmlns:a14="http://schemas.microsoft.com/office/drawing/2010/main" val="0"/>
+              </a:ext>
+            </a:extLst>
+          </a:blip>
+          <a:stretch>
+            <a:fillRect/>
+          </a:stretch>
+        </p:blipFill>
+        <p:spPr>
+          <a:xfrm rot="6300000">
+            <a:off x="5384470" y="4122771"/>
+            <a:ext cx="1165514" cy="1165514"/>
+          </a:xfrm>
+          <a:prstGeom prst="rect">
+            <a:avLst/>
+          </a:prstGeom>
+        </p:spPr>
+      </p:pic>
+    </p:spTree>
+    <p:extLst>
+      <p:ext uri="{BB962C8B-B14F-4D97-AF65-F5344CB8AC3E}">
+        <p14:creationId xmlns:p14="http://schemas.microsoft.com/office/powerpoint/2010/main" val="1511945851"/>
+      </p:ext>
+    </p:extLst>
+  </p:cSld>
+  <p:clrMapOvr>
+    <a:masterClrMapping/>
+  </p:clrMapOvr>
+  <p:timing>
+    <p:tnLst>
+      <p:par>
+        <p:cTn id="1" dur="indefinite" restart="never" nodeType="tmRoot"/>
+      </p:par>
+    </p:tnLst>
+  </p:timing>
+</p:sld>
+</file>
+
+<file path=ppt/slides/slide2.xml><?xml version="1.0" encoding="utf-8"?>
+<p:sld xmlns:a="http://schemas.openxmlformats.org/drawingml/2006/main" xmlns:r="http://schemas.openxmlformats.org/officeDocument/2006/relationships" xmlns:p="http://schemas.openxmlformats.org/presentationml/2006/main">
+  <p:cSld>
+    <p:spTree>
+      <p:nvGrpSpPr>
+        <p:cNvPr id="1" name=""/>
+        <p:cNvGrpSpPr/>
+        <p:nvPr/>
+      </p:nvGrpSpPr>
+      <p:grpSpPr>
+        <a:xfrm>
+          <a:off x="0" y="0"/>
+          <a:ext cx="0" cy="0"/>
+          <a:chOff x="0" y="0"/>
+          <a:chExt cx="0" cy="0"/>
+        </a:xfrm>
+      </p:grpSpPr>
+      <p:sp>
+        <p:nvSpPr>
+          <p:cNvPr id="4" name="TextBox 3"/>
+          <p:cNvSpPr txBox="1"/>
+          <p:nvPr/>
+        </p:nvSpPr>
+        <p:spPr>
+          <a:xfrm>
+            <a:off x="3869269" y="468854"/>
+            <a:ext cx="4453462" cy="1085041"/>
+          </a:xfrm>
+          <a:prstGeom prst="rect">
+            <a:avLst/>
+          </a:prstGeom>
+          <a:noFill/>
+        </p:spPr>
+        <p:txBody>
+          <a:bodyPr wrap="none" lIns="91440" tIns="45720" rIns="91440" bIns="45720" rtlCol="0" anchor="t">
+            <a:spAutoFit/>
+          </a:bodyPr>
+          <a:lstStyle/>
+          <a:p>
+            <a:pPr algn="ctr">
+              <a:lnSpc>
+                <a:spcPct val="150000"/>
+              </a:lnSpc>
+            </a:pPr>
+            <a:r>
+              <a:rPr lang="en-US" sz="4800" dirty="0">
+                <a:latin typeface="Open Sans SemiBold"/>
+                <a:ea typeface="Open Sans SemiBold"/>
+                <a:cs typeface="Open Sans SemiBold"/>
+              </a:rPr>
+              <a:t>АРХИТЕКТУРА</a:t>
+            </a:r>
+            <a:endParaRPr lang="ru-RU" dirty="0"/>
+          </a:p>
+        </p:txBody>
+      </p:sp>
+      <p:pic>
+        <p:nvPicPr>
+          <p:cNvPr id="5" name="Рисунок 4"/>
+          <p:cNvPicPr>
+            <a:picLocks noChangeAspect="1"/>
+          </p:cNvPicPr>
+          <p:nvPr/>
+        </p:nvPicPr>
+        <p:blipFill>
+          <a:blip r:embed="rId3" cstate="print">
+            <a:extLst>
+              <a:ext uri="{28A0092B-C50C-407E-A947-70E740481C1C}">
+                <a14:useLocalDpi xmlns:a14="http://schemas.microsoft.com/office/drawing/2010/main" val="0"/>
+              </a:ext>
+            </a:extLst>
+          </a:blip>
+          <a:stretch>
+            <a:fillRect/>
+          </a:stretch>
+        </p:blipFill>
+        <p:spPr>
+          <a:xfrm>
+            <a:off x="5452773" y="2060894"/>
+            <a:ext cx="968953" cy="968953"/>
+          </a:xfrm>
+          <a:prstGeom prst="rect">
+            <a:avLst/>
+          </a:prstGeom>
+        </p:spPr>
+      </p:pic>
+      <p:pic>
+        <p:nvPicPr>
+          <p:cNvPr id="6" name="Рисунок 5"/>
+          <p:cNvPicPr>
+            <a:picLocks noChangeAspect="1"/>
+          </p:cNvPicPr>
+          <p:nvPr/>
+        </p:nvPicPr>
+        <p:blipFill>
+          <a:blip r:embed="rId4" cstate="print">
+            <a:extLst>
+              <a:ext uri="{28A0092B-C50C-407E-A947-70E740481C1C}">
+                <a14:useLocalDpi xmlns:a14="http://schemas.microsoft.com/office/drawing/2010/main" val="0"/>
+              </a:ext>
+            </a:extLst>
+          </a:blip>
+          <a:stretch>
+            <a:fillRect/>
+          </a:stretch>
+        </p:blipFill>
+        <p:spPr>
+          <a:xfrm>
+            <a:off x="4166119" y="3532098"/>
+            <a:ext cx="968953" cy="968953"/>
+          </a:xfrm>
+          <a:prstGeom prst="rect">
+            <a:avLst/>
+          </a:prstGeom>
+        </p:spPr>
+      </p:pic>
+      <p:pic>
+        <p:nvPicPr>
+          <p:cNvPr id="7" name="Рисунок 6"/>
           <p:cNvPicPr>
             <a:picLocks noChangeAspect="1"/>
           </p:cNvPicPr>
@@ -6501,9 +10620,9 @@
           </a:stretch>
         </p:blipFill>
         <p:spPr>
-          <a:xfrm rot="18903016" flipH="1">
-            <a:off x="6145099" y="2753219"/>
-            <a:ext cx="1003589" cy="1003589"/>
+          <a:xfrm>
+            <a:off x="6726439" y="3532098"/>
+            <a:ext cx="968953" cy="968953"/>
           </a:xfrm>
           <a:prstGeom prst="rect">
             <a:avLst/>
@@ -6512,7 +10631,7 @@
       </p:pic>
       <p:pic>
         <p:nvPicPr>
-          <p:cNvPr id="9" name="Рисунок 8"/>
+          <p:cNvPr id="2" name="Рисунок 1"/>
           <p:cNvPicPr>
             <a:picLocks noChangeAspect="1"/>
           </p:cNvPicPr>
@@ -6531,9 +10650,9 @@
           </a:stretch>
         </p:blipFill>
         <p:spPr>
-          <a:xfrm>
-            <a:off x="3197166" y="5003302"/>
-            <a:ext cx="968953" cy="968953"/>
+          <a:xfrm rot="13380000">
+            <a:off x="4725811" y="2753220"/>
+            <a:ext cx="1003589" cy="1003589"/>
           </a:xfrm>
           <a:prstGeom prst="rect">
             <a:avLst/>
@@ -6542,7 +10661,37 @@
       </p:pic>
       <p:pic>
         <p:nvPicPr>
-          <p:cNvPr id="10" name="Рисунок 9"/>
+          <p:cNvPr id="8" name="Рисунок 7"/>
+          <p:cNvPicPr>
+            <a:picLocks noChangeAspect="1"/>
+          </p:cNvPicPr>
+          <p:nvPr/>
+        </p:nvPicPr>
+        <p:blipFill>
+          <a:blip r:embed="rId6" cstate="print">
+            <a:extLst>
+              <a:ext uri="{28A0092B-C50C-407E-A947-70E740481C1C}">
+                <a14:useLocalDpi xmlns:a14="http://schemas.microsoft.com/office/drawing/2010/main" val="0"/>
+              </a:ext>
+            </a:extLst>
+          </a:blip>
+          <a:stretch>
+            <a:fillRect/>
+          </a:stretch>
+        </p:blipFill>
+        <p:spPr>
+          <a:xfrm rot="18903016" flipH="1">
+            <a:off x="6145099" y="2753219"/>
+            <a:ext cx="1003589" cy="1003589"/>
+          </a:xfrm>
+          <a:prstGeom prst="rect">
+            <a:avLst/>
+          </a:prstGeom>
+        </p:spPr>
+      </p:pic>
+      <p:pic>
+        <p:nvPicPr>
+          <p:cNvPr id="9" name="Рисунок 8"/>
           <p:cNvPicPr>
             <a:picLocks noChangeAspect="1"/>
           </p:cNvPicPr>
@@ -6562,7 +10711,7 @@
         </p:blipFill>
         <p:spPr>
           <a:xfrm>
-            <a:off x="7960659" y="5013951"/>
+            <a:off x="3197166" y="5003302"/>
             <a:ext cx="968953" cy="968953"/>
           </a:xfrm>
           <a:prstGeom prst="rect">
@@ -6572,7 +10721,7 @@
       </p:pic>
       <p:pic>
         <p:nvPicPr>
-          <p:cNvPr id="11" name="Рисунок 10"/>
+          <p:cNvPr id="10" name="Рисунок 9"/>
           <p:cNvPicPr>
             <a:picLocks noChangeAspect="1"/>
           </p:cNvPicPr>
@@ -6592,6 +10741,36 @@
         </p:blipFill>
         <p:spPr>
           <a:xfrm>
+            <a:off x="7960659" y="5013951"/>
+            <a:ext cx="968953" cy="968953"/>
+          </a:xfrm>
+          <a:prstGeom prst="rect">
+            <a:avLst/>
+          </a:prstGeom>
+        </p:spPr>
+      </p:pic>
+      <p:pic>
+        <p:nvPicPr>
+          <p:cNvPr id="11" name="Рисунок 10"/>
+          <p:cNvPicPr>
+            <a:picLocks noChangeAspect="1"/>
+          </p:cNvPicPr>
+          <p:nvPr/>
+        </p:nvPicPr>
+        <p:blipFill>
+          <a:blip r:embed="rId9" cstate="print">
+            <a:extLst>
+              <a:ext uri="{28A0092B-C50C-407E-A947-70E740481C1C}">
+                <a14:useLocalDpi xmlns:a14="http://schemas.microsoft.com/office/drawing/2010/main" val="0"/>
+              </a:ext>
+            </a:extLst>
+          </a:blip>
+          <a:stretch>
+            <a:fillRect/>
+          </a:stretch>
+        </p:blipFill>
+        <p:spPr>
+          <a:xfrm>
             <a:off x="5452773" y="5003302"/>
             <a:ext cx="968953" cy="968953"/>
           </a:xfrm>
@@ -6609,7 +10788,7 @@
           <p:nvPr/>
         </p:nvPicPr>
         <p:blipFill>
-          <a:blip r:embed="rId5" cstate="print">
+          <a:blip r:embed="rId6" cstate="print">
             <a:extLst>
               <a:ext uri="{28A0092B-C50C-407E-A947-70E740481C1C}">
                 <a14:useLocalDpi xmlns:a14="http://schemas.microsoft.com/office/drawing/2010/main" val="0"/>
@@ -6639,7 +10818,7 @@
           <p:nvPr/>
         </p:nvPicPr>
         <p:blipFill>
-          <a:blip r:embed="rId5" cstate="print">
+          <a:blip r:embed="rId6" cstate="print">
             <a:extLst>
               <a:ext uri="{28A0092B-C50C-407E-A947-70E740481C1C}">
                 <a14:useLocalDpi xmlns:a14="http://schemas.microsoft.com/office/drawing/2010/main" val="0"/>
@@ -6669,7 +10848,7 @@
           <p:nvPr/>
         </p:nvPicPr>
         <p:blipFill>
-          <a:blip r:embed="rId5" cstate="print">
+          <a:blip r:embed="rId6" cstate="print">
             <a:extLst>
               <a:ext uri="{28A0092B-C50C-407E-A947-70E740481C1C}">
                 <a14:useLocalDpi xmlns:a14="http://schemas.microsoft.com/office/drawing/2010/main" val="0"/>
@@ -6700,6 +10879,626 @@
   <p:clrMapOvr>
     <a:masterClrMapping/>
   </p:clrMapOvr>
+</p:sld>
+</file>
+
+<file path=ppt/slides/slide20.xml><?xml version="1.0" encoding="utf-8"?>
+<p:sld xmlns:a="http://schemas.openxmlformats.org/drawingml/2006/main" xmlns:r="http://schemas.openxmlformats.org/officeDocument/2006/relationships" xmlns:p="http://schemas.openxmlformats.org/presentationml/2006/main">
+  <p:cSld>
+    <p:spTree>
+      <p:nvGrpSpPr>
+        <p:cNvPr id="1" name=""/>
+        <p:cNvGrpSpPr/>
+        <p:nvPr/>
+      </p:nvGrpSpPr>
+      <p:grpSpPr>
+        <a:xfrm>
+          <a:off x="0" y="0"/>
+          <a:ext cx="0" cy="0"/>
+          <a:chOff x="0" y="0"/>
+          <a:chExt cx="0" cy="0"/>
+        </a:xfrm>
+      </p:grpSpPr>
+      <p:sp>
+        <p:nvSpPr>
+          <p:cNvPr id="4" name="TextBox 3"/>
+          <p:cNvSpPr txBox="1"/>
+          <p:nvPr/>
+        </p:nvSpPr>
+        <p:spPr>
+          <a:xfrm>
+            <a:off x="4751725" y="786859"/>
+            <a:ext cx="2688558" cy="1082284"/>
+          </a:xfrm>
+          <a:prstGeom prst="rect">
+            <a:avLst/>
+          </a:prstGeom>
+          <a:noFill/>
+        </p:spPr>
+        <p:txBody>
+          <a:bodyPr wrap="none" rtlCol="0" anchor="t">
+            <a:spAutoFit/>
+          </a:bodyPr>
+          <a:lstStyle/>
+          <a:p>
+            <a:pPr algn="ctr">
+              <a:lnSpc>
+                <a:spcPct val="150000"/>
+              </a:lnSpc>
+            </a:pPr>
+            <a:r>
+              <a:rPr lang="ru-RU" sz="4800" dirty="0" smtClean="0">
+                <a:latin typeface="Open Sans SemiBold" panose="020B0706030804020204" pitchFamily="34" charset="0"/>
+                <a:ea typeface="Open Sans SemiBold" panose="020B0706030804020204" pitchFamily="34" charset="0"/>
+                <a:cs typeface="Open Sans SemiBold" panose="020B0706030804020204" pitchFamily="34" charset="0"/>
+              </a:rPr>
+              <a:t>ЭФФЕКТ</a:t>
+            </a:r>
+            <a:endParaRPr lang="ru-RU" sz="4800" dirty="0">
+              <a:latin typeface="Open Sans SemiBold" panose="020B0706030804020204" pitchFamily="34" charset="0"/>
+              <a:ea typeface="Open Sans SemiBold" panose="020B0706030804020204" pitchFamily="34" charset="0"/>
+              <a:cs typeface="Open Sans SemiBold" panose="020B0706030804020204" pitchFamily="34" charset="0"/>
+            </a:endParaRPr>
+          </a:p>
+        </p:txBody>
+      </p:sp>
+      <p:sp>
+        <p:nvSpPr>
+          <p:cNvPr id="16" name="TextBox 15"/>
+          <p:cNvSpPr txBox="1"/>
+          <p:nvPr/>
+        </p:nvSpPr>
+        <p:spPr>
+          <a:xfrm>
+            <a:off x="1147387" y="3051281"/>
+            <a:ext cx="9897261" cy="1085041"/>
+          </a:xfrm>
+          <a:prstGeom prst="rect">
+            <a:avLst/>
+          </a:prstGeom>
+          <a:noFill/>
+        </p:spPr>
+        <p:txBody>
+          <a:bodyPr wrap="none" lIns="91440" tIns="45720" rIns="91440" bIns="45720" rtlCol="0" anchor="t">
+            <a:spAutoFit/>
+          </a:bodyPr>
+          <a:lstStyle/>
+          <a:p>
+            <a:pPr algn="ctr">
+              <a:lnSpc>
+                <a:spcPct val="150000"/>
+              </a:lnSpc>
+            </a:pPr>
+            <a:r>
+              <a:rPr lang="ru-RU" sz="4800" dirty="0" smtClean="0">
+                <a:solidFill>
+                  <a:srgbClr val="FF0000"/>
+                </a:solidFill>
+                <a:latin typeface="Open Sans SemiBold"/>
+                <a:ea typeface="Open Sans SemiBold"/>
+                <a:cs typeface="Open Sans SemiBold"/>
+              </a:rPr>
+              <a:t>Степень</a:t>
+            </a:r>
+            <a:r>
+              <a:rPr lang="ru-RU" sz="4800" dirty="0" smtClean="0">
+                <a:latin typeface="Open Sans SemiBold"/>
+                <a:ea typeface="Open Sans SemiBold"/>
+                <a:cs typeface="Open Sans SemiBold"/>
+              </a:rPr>
+              <a:t> осуществимости идеи</a:t>
+            </a:r>
+            <a:endParaRPr lang="ru-RU" dirty="0"/>
+          </a:p>
+        </p:txBody>
+      </p:sp>
+    </p:spTree>
+    <p:extLst>
+      <p:ext uri="{BB962C8B-B14F-4D97-AF65-F5344CB8AC3E}">
+        <p14:creationId xmlns:p14="http://schemas.microsoft.com/office/powerpoint/2010/main" val="110531513"/>
+      </p:ext>
+    </p:extLst>
+  </p:cSld>
+  <p:clrMapOvr>
+    <a:masterClrMapping/>
+  </p:clrMapOvr>
+  <mc:AlternateContent xmlns:mc="http://schemas.openxmlformats.org/markup-compatibility/2006" xmlns:p14="http://schemas.microsoft.com/office/powerpoint/2010/main">
+    <mc:Choice Requires="p14">
+      <p:transition p14:dur="0"/>
+    </mc:Choice>
+    <mc:Fallback xmlns="">
+      <p:transition/>
+    </mc:Fallback>
+  </mc:AlternateContent>
+  <p:timing>
+    <p:tnLst>
+      <p:par>
+        <p:cTn id="1" dur="indefinite" restart="never" nodeType="tmRoot"/>
+      </p:par>
+    </p:tnLst>
+  </p:timing>
+</p:sld>
+</file>
+
+<file path=ppt/slides/slide21.xml><?xml version="1.0" encoding="utf-8"?>
+<p:sld xmlns:a="http://schemas.openxmlformats.org/drawingml/2006/main" xmlns:r="http://schemas.openxmlformats.org/officeDocument/2006/relationships" xmlns:p="http://schemas.openxmlformats.org/presentationml/2006/main">
+  <p:cSld>
+    <p:spTree>
+      <p:nvGrpSpPr>
+        <p:cNvPr id="1" name=""/>
+        <p:cNvGrpSpPr/>
+        <p:nvPr/>
+      </p:nvGrpSpPr>
+      <p:grpSpPr>
+        <a:xfrm>
+          <a:off x="0" y="0"/>
+          <a:ext cx="0" cy="0"/>
+          <a:chOff x="0" y="0"/>
+          <a:chExt cx="0" cy="0"/>
+        </a:xfrm>
+      </p:grpSpPr>
+      <p:sp>
+        <p:nvSpPr>
+          <p:cNvPr id="4" name="TextBox 3"/>
+          <p:cNvSpPr txBox="1"/>
+          <p:nvPr/>
+        </p:nvSpPr>
+        <p:spPr>
+          <a:xfrm>
+            <a:off x="3824391" y="786859"/>
+            <a:ext cx="4543231" cy="1082284"/>
+          </a:xfrm>
+          <a:prstGeom prst="rect">
+            <a:avLst/>
+          </a:prstGeom>
+          <a:noFill/>
+        </p:spPr>
+        <p:txBody>
+          <a:bodyPr wrap="none" rtlCol="0" anchor="t">
+            <a:spAutoFit/>
+          </a:bodyPr>
+          <a:lstStyle/>
+          <a:p>
+            <a:pPr algn="ctr">
+              <a:lnSpc>
+                <a:spcPct val="150000"/>
+              </a:lnSpc>
+            </a:pPr>
+            <a:r>
+              <a:rPr lang="ru-RU" sz="4800" dirty="0" smtClean="0">
+                <a:latin typeface="Open Sans SemiBold" panose="020B0706030804020204" pitchFamily="34" charset="0"/>
+                <a:ea typeface="Open Sans SemiBold" panose="020B0706030804020204" pitchFamily="34" charset="0"/>
+                <a:cs typeface="Open Sans SemiBold" panose="020B0706030804020204" pitchFamily="34" charset="0"/>
+              </a:rPr>
+              <a:t>УСЛОЖНЕНИЕ</a:t>
+            </a:r>
+            <a:endParaRPr lang="ru-RU" sz="4800" dirty="0">
+              <a:latin typeface="Open Sans SemiBold" panose="020B0706030804020204" pitchFamily="34" charset="0"/>
+              <a:ea typeface="Open Sans SemiBold" panose="020B0706030804020204" pitchFamily="34" charset="0"/>
+              <a:cs typeface="Open Sans SemiBold" panose="020B0706030804020204" pitchFamily="34" charset="0"/>
+            </a:endParaRPr>
+          </a:p>
+        </p:txBody>
+      </p:sp>
+      <p:pic>
+        <p:nvPicPr>
+          <p:cNvPr id="2" name="Рисунок 1"/>
+          <p:cNvPicPr>
+            <a:picLocks noChangeAspect="1"/>
+          </p:cNvPicPr>
+          <p:nvPr/>
+        </p:nvPicPr>
+        <p:blipFill>
+          <a:blip r:embed="rId3">
+            <a:extLst>
+              <a:ext uri="{28A0092B-C50C-407E-A947-70E740481C1C}">
+                <a14:useLocalDpi xmlns:a14="http://schemas.microsoft.com/office/drawing/2010/main" val="0"/>
+              </a:ext>
+            </a:extLst>
+          </a:blip>
+          <a:stretch>
+            <a:fillRect/>
+          </a:stretch>
+        </p:blipFill>
+        <p:spPr>
+          <a:xfrm>
+            <a:off x="4030283" y="2009669"/>
+            <a:ext cx="4131443" cy="4131443"/>
+          </a:xfrm>
+          <a:prstGeom prst="rect">
+            <a:avLst/>
+          </a:prstGeom>
+        </p:spPr>
+      </p:pic>
+    </p:spTree>
+    <p:extLst>
+      <p:ext uri="{BB962C8B-B14F-4D97-AF65-F5344CB8AC3E}">
+        <p14:creationId xmlns:p14="http://schemas.microsoft.com/office/powerpoint/2010/main" val="245579762"/>
+      </p:ext>
+    </p:extLst>
+  </p:cSld>
+  <p:clrMapOvr>
+    <a:masterClrMapping/>
+  </p:clrMapOvr>
+  <mc:AlternateContent xmlns:mc="http://schemas.openxmlformats.org/markup-compatibility/2006" xmlns:p14="http://schemas.microsoft.com/office/powerpoint/2010/main">
+    <mc:Choice Requires="p14">
+      <p:transition p14:dur="0"/>
+    </mc:Choice>
+    <mc:Fallback xmlns="">
+      <p:transition/>
+    </mc:Fallback>
+  </mc:AlternateContent>
+  <p:timing>
+    <p:tnLst>
+      <p:par>
+        <p:cTn id="1" dur="indefinite" restart="never" nodeType="tmRoot"/>
+      </p:par>
+    </p:tnLst>
+  </p:timing>
+</p:sld>
+</file>
+
+<file path=ppt/slides/slide22.xml><?xml version="1.0" encoding="utf-8"?>
+<p:sld xmlns:a="http://schemas.openxmlformats.org/drawingml/2006/main" xmlns:r="http://schemas.openxmlformats.org/officeDocument/2006/relationships" xmlns:p="http://schemas.openxmlformats.org/presentationml/2006/main">
+  <p:cSld>
+    <p:spTree>
+      <p:nvGrpSpPr>
+        <p:cNvPr id="1" name=""/>
+        <p:cNvGrpSpPr/>
+        <p:nvPr/>
+      </p:nvGrpSpPr>
+      <p:grpSpPr>
+        <a:xfrm>
+          <a:off x="0" y="0"/>
+          <a:ext cx="0" cy="0"/>
+          <a:chOff x="0" y="0"/>
+          <a:chExt cx="0" cy="0"/>
+        </a:xfrm>
+      </p:grpSpPr>
+      <p:sp>
+        <p:nvSpPr>
+          <p:cNvPr id="4" name="TextBox 3"/>
+          <p:cNvSpPr txBox="1"/>
+          <p:nvPr/>
+        </p:nvSpPr>
+        <p:spPr>
+          <a:xfrm>
+            <a:off x="2086741" y="786859"/>
+            <a:ext cx="8018542" cy="1082284"/>
+          </a:xfrm>
+          <a:prstGeom prst="rect">
+            <a:avLst/>
+          </a:prstGeom>
+          <a:noFill/>
+        </p:spPr>
+        <p:txBody>
+          <a:bodyPr wrap="none" rtlCol="0" anchor="t">
+            <a:spAutoFit/>
+          </a:bodyPr>
+          <a:lstStyle/>
+          <a:p>
+            <a:pPr algn="ctr">
+              <a:lnSpc>
+                <a:spcPct val="150000"/>
+              </a:lnSpc>
+            </a:pPr>
+            <a:r>
+              <a:rPr lang="ru-RU" sz="4800" dirty="0" smtClean="0">
+                <a:solidFill>
+                  <a:srgbClr val="FF0000"/>
+                </a:solidFill>
+                <a:latin typeface="Open Sans SemiBold" panose="020B0706030804020204" pitchFamily="34" charset="0"/>
+                <a:ea typeface="Open Sans SemiBold" panose="020B0706030804020204" pitchFamily="34" charset="0"/>
+                <a:cs typeface="Open Sans SemiBold" panose="020B0706030804020204" pitchFamily="34" charset="0"/>
+              </a:rPr>
+              <a:t>ПРАВИЛЬНАЯ</a:t>
+            </a:r>
+            <a:r>
+              <a:rPr lang="ru-RU" sz="4800" dirty="0" smtClean="0">
+                <a:latin typeface="Open Sans SemiBold" panose="020B0706030804020204" pitchFamily="34" charset="0"/>
+                <a:ea typeface="Open Sans SemiBold" panose="020B0706030804020204" pitchFamily="34" charset="0"/>
+                <a:cs typeface="Open Sans SemiBold" panose="020B0706030804020204" pitchFamily="34" charset="0"/>
+              </a:rPr>
+              <a:t> СТРУКТУРА</a:t>
+            </a:r>
+            <a:endParaRPr lang="ru-RU" sz="4800" dirty="0">
+              <a:latin typeface="Open Sans SemiBold" panose="020B0706030804020204" pitchFamily="34" charset="0"/>
+              <a:ea typeface="Open Sans SemiBold" panose="020B0706030804020204" pitchFamily="34" charset="0"/>
+              <a:cs typeface="Open Sans SemiBold" panose="020B0706030804020204" pitchFamily="34" charset="0"/>
+            </a:endParaRPr>
+          </a:p>
+        </p:txBody>
+      </p:sp>
+      <p:sp>
+        <p:nvSpPr>
+          <p:cNvPr id="5" name="TextBox 4"/>
+          <p:cNvSpPr txBox="1"/>
+          <p:nvPr/>
+        </p:nvSpPr>
+        <p:spPr>
+          <a:xfrm>
+            <a:off x="1324525" y="3051281"/>
+            <a:ext cx="9542997" cy="1200329"/>
+          </a:xfrm>
+          <a:prstGeom prst="rect">
+            <a:avLst/>
+          </a:prstGeom>
+          <a:noFill/>
+        </p:spPr>
+        <p:txBody>
+          <a:bodyPr wrap="none" lIns="91440" tIns="45720" rIns="91440" bIns="45720" rtlCol="0" anchor="t">
+            <a:spAutoFit/>
+          </a:bodyPr>
+          <a:lstStyle/>
+          <a:p>
+            <a:pPr algn="ctr">
+              <a:lnSpc>
+                <a:spcPct val="150000"/>
+              </a:lnSpc>
+            </a:pPr>
+            <a:r>
+              <a:rPr lang="ru-RU" sz="4800" dirty="0" smtClean="0">
+                <a:latin typeface="Open Sans SemiBold"/>
+                <a:ea typeface="Open Sans SemiBold"/>
+                <a:cs typeface="Open Sans SemiBold"/>
+              </a:rPr>
+              <a:t>Ускорять и не противоречить</a:t>
+            </a:r>
+            <a:endParaRPr lang="ru-RU" dirty="0"/>
+          </a:p>
+        </p:txBody>
+      </p:sp>
+    </p:spTree>
+    <p:extLst>
+      <p:ext uri="{BB962C8B-B14F-4D97-AF65-F5344CB8AC3E}">
+        <p14:creationId xmlns:p14="http://schemas.microsoft.com/office/powerpoint/2010/main" val="914687673"/>
+      </p:ext>
+    </p:extLst>
+  </p:cSld>
+  <p:clrMapOvr>
+    <a:masterClrMapping/>
+  </p:clrMapOvr>
+  <mc:AlternateContent xmlns:mc="http://schemas.openxmlformats.org/markup-compatibility/2006" xmlns:p14="http://schemas.microsoft.com/office/powerpoint/2010/main">
+    <mc:Choice Requires="p14">
+      <p:transition p14:dur="0"/>
+    </mc:Choice>
+    <mc:Fallback xmlns="">
+      <p:transition/>
+    </mc:Fallback>
+  </mc:AlternateContent>
+  <p:timing>
+    <p:tnLst>
+      <p:par>
+        <p:cTn id="1" dur="indefinite" restart="never" nodeType="tmRoot"/>
+      </p:par>
+    </p:tnLst>
+  </p:timing>
+</p:sld>
+</file>
+
+<file path=ppt/slides/slide23.xml><?xml version="1.0" encoding="utf-8"?>
+<p:sld xmlns:a="http://schemas.openxmlformats.org/drawingml/2006/main" xmlns:r="http://schemas.openxmlformats.org/officeDocument/2006/relationships" xmlns:p="http://schemas.openxmlformats.org/presentationml/2006/main">
+  <p:cSld>
+    <p:spTree>
+      <p:nvGrpSpPr>
+        <p:cNvPr id="1" name=""/>
+        <p:cNvGrpSpPr/>
+        <p:nvPr/>
+      </p:nvGrpSpPr>
+      <p:grpSpPr>
+        <a:xfrm>
+          <a:off x="0" y="0"/>
+          <a:ext cx="0" cy="0"/>
+          <a:chOff x="0" y="0"/>
+          <a:chExt cx="0" cy="0"/>
+        </a:xfrm>
+      </p:grpSpPr>
+      <p:sp>
+        <p:nvSpPr>
+          <p:cNvPr id="4" name="TextBox 3"/>
+          <p:cNvSpPr txBox="1"/>
+          <p:nvPr/>
+        </p:nvSpPr>
+        <p:spPr>
+          <a:xfrm>
+            <a:off x="1684391" y="786859"/>
+            <a:ext cx="8823249" cy="1200329"/>
+          </a:xfrm>
+          <a:prstGeom prst="rect">
+            <a:avLst/>
+          </a:prstGeom>
+          <a:noFill/>
+        </p:spPr>
+        <p:txBody>
+          <a:bodyPr wrap="none" rtlCol="0" anchor="t">
+            <a:spAutoFit/>
+          </a:bodyPr>
+          <a:lstStyle/>
+          <a:p>
+            <a:pPr algn="ctr">
+              <a:lnSpc>
+                <a:spcPct val="150000"/>
+              </a:lnSpc>
+            </a:pPr>
+            <a:r>
+              <a:rPr lang="ru-RU" sz="4800" dirty="0" smtClean="0">
+                <a:solidFill>
+                  <a:srgbClr val="FF0000"/>
+                </a:solidFill>
+                <a:latin typeface="Open Sans SemiBold" panose="020B0706030804020204" pitchFamily="34" charset="0"/>
+                <a:ea typeface="Open Sans SemiBold" panose="020B0706030804020204" pitchFamily="34" charset="0"/>
+                <a:cs typeface="Open Sans SemiBold" panose="020B0706030804020204" pitchFamily="34" charset="0"/>
+              </a:rPr>
+              <a:t>НЕПРАВИЛЬНАЯ</a:t>
+            </a:r>
+            <a:r>
+              <a:rPr lang="ru-RU" sz="4800" dirty="0" smtClean="0">
+                <a:latin typeface="Open Sans SemiBold" panose="020B0706030804020204" pitchFamily="34" charset="0"/>
+                <a:ea typeface="Open Sans SemiBold" panose="020B0706030804020204" pitchFamily="34" charset="0"/>
+                <a:cs typeface="Open Sans SemiBold" panose="020B0706030804020204" pitchFamily="34" charset="0"/>
+              </a:rPr>
+              <a:t> СТРУКТУРА</a:t>
+            </a:r>
+            <a:endParaRPr lang="ru-RU" sz="4800" dirty="0">
+              <a:latin typeface="Open Sans SemiBold" panose="020B0706030804020204" pitchFamily="34" charset="0"/>
+              <a:ea typeface="Open Sans SemiBold" panose="020B0706030804020204" pitchFamily="34" charset="0"/>
+              <a:cs typeface="Open Sans SemiBold" panose="020B0706030804020204" pitchFamily="34" charset="0"/>
+            </a:endParaRPr>
+          </a:p>
+        </p:txBody>
+      </p:sp>
+      <p:sp>
+        <p:nvSpPr>
+          <p:cNvPr id="5" name="TextBox 4"/>
+          <p:cNvSpPr txBox="1"/>
+          <p:nvPr/>
+        </p:nvSpPr>
+        <p:spPr>
+          <a:xfrm>
+            <a:off x="1916838" y="3051281"/>
+            <a:ext cx="8358378" cy="1085041"/>
+          </a:xfrm>
+          <a:prstGeom prst="rect">
+            <a:avLst/>
+          </a:prstGeom>
+          <a:noFill/>
+        </p:spPr>
+        <p:txBody>
+          <a:bodyPr wrap="none" lIns="91440" tIns="45720" rIns="91440" bIns="45720" rtlCol="0" anchor="t">
+            <a:spAutoFit/>
+          </a:bodyPr>
+          <a:lstStyle/>
+          <a:p>
+            <a:pPr algn="ctr">
+              <a:lnSpc>
+                <a:spcPct val="150000"/>
+              </a:lnSpc>
+            </a:pPr>
+            <a:r>
+              <a:rPr lang="ru-RU" sz="4800" dirty="0" smtClean="0">
+                <a:latin typeface="Open Sans SemiBold"/>
+                <a:ea typeface="Open Sans SemiBold"/>
+                <a:cs typeface="Open Sans SemiBold"/>
+              </a:rPr>
+              <a:t>Замедлять и блокировать</a:t>
+            </a:r>
+            <a:endParaRPr lang="ru-RU" dirty="0"/>
+          </a:p>
+        </p:txBody>
+      </p:sp>
+    </p:spTree>
+    <p:extLst>
+      <p:ext uri="{BB962C8B-B14F-4D97-AF65-F5344CB8AC3E}">
+        <p14:creationId xmlns:p14="http://schemas.microsoft.com/office/powerpoint/2010/main" val="1844505909"/>
+      </p:ext>
+    </p:extLst>
+  </p:cSld>
+  <p:clrMapOvr>
+    <a:masterClrMapping/>
+  </p:clrMapOvr>
+  <mc:AlternateContent xmlns:mc="http://schemas.openxmlformats.org/markup-compatibility/2006" xmlns:p14="http://schemas.microsoft.com/office/powerpoint/2010/main">
+    <mc:Choice Requires="p14">
+      <p:transition p14:dur="0"/>
+    </mc:Choice>
+    <mc:Fallback xmlns="">
+      <p:transition/>
+    </mc:Fallback>
+  </mc:AlternateContent>
+  <p:timing>
+    <p:tnLst>
+      <p:par>
+        <p:cTn id="1" dur="indefinite" restart="never" nodeType="tmRoot"/>
+      </p:par>
+    </p:tnLst>
+  </p:timing>
+</p:sld>
+</file>
+
+<file path=ppt/slides/slide24.xml><?xml version="1.0" encoding="utf-8"?>
+<p:sld xmlns:a="http://schemas.openxmlformats.org/drawingml/2006/main" xmlns:r="http://schemas.openxmlformats.org/officeDocument/2006/relationships" xmlns:p="http://schemas.openxmlformats.org/presentationml/2006/main">
+  <p:cSld>
+    <p:spTree>
+      <p:nvGrpSpPr>
+        <p:cNvPr id="1" name=""/>
+        <p:cNvGrpSpPr/>
+        <p:nvPr/>
+      </p:nvGrpSpPr>
+      <p:grpSpPr>
+        <a:xfrm>
+          <a:off x="0" y="0"/>
+          <a:ext cx="0" cy="0"/>
+          <a:chOff x="0" y="0"/>
+          <a:chExt cx="0" cy="0"/>
+        </a:xfrm>
+      </p:grpSpPr>
+      <p:sp>
+        <p:nvSpPr>
+          <p:cNvPr id="4" name="TextBox 3"/>
+          <p:cNvSpPr txBox="1"/>
+          <p:nvPr/>
+        </p:nvSpPr>
+        <p:spPr>
+          <a:xfrm>
+            <a:off x="2164494" y="2887858"/>
+            <a:ext cx="7863050" cy="1082284"/>
+          </a:xfrm>
+          <a:prstGeom prst="rect">
+            <a:avLst/>
+          </a:prstGeom>
+          <a:noFill/>
+        </p:spPr>
+        <p:txBody>
+          <a:bodyPr wrap="none" rtlCol="0" anchor="t">
+            <a:spAutoFit/>
+          </a:bodyPr>
+          <a:lstStyle/>
+          <a:p>
+            <a:pPr algn="ctr">
+              <a:lnSpc>
+                <a:spcPct val="150000"/>
+              </a:lnSpc>
+            </a:pPr>
+            <a:r>
+              <a:rPr lang="ru-RU" sz="4800" dirty="0" smtClean="0">
+                <a:latin typeface="Open Sans SemiBold" panose="020B0706030804020204" pitchFamily="34" charset="0"/>
+                <a:ea typeface="Open Sans SemiBold" panose="020B0706030804020204" pitchFamily="34" charset="0"/>
+                <a:cs typeface="Open Sans SemiBold" panose="020B0706030804020204" pitchFamily="34" charset="0"/>
+              </a:rPr>
+              <a:t>ПРИЗНАКИ НАРУШЕНИЙ</a:t>
+            </a:r>
+            <a:endParaRPr lang="ru-RU" sz="4800" dirty="0">
+              <a:latin typeface="Open Sans SemiBold" panose="020B0706030804020204" pitchFamily="34" charset="0"/>
+              <a:ea typeface="Open Sans SemiBold" panose="020B0706030804020204" pitchFamily="34" charset="0"/>
+              <a:cs typeface="Open Sans SemiBold" panose="020B0706030804020204" pitchFamily="34" charset="0"/>
+            </a:endParaRPr>
+          </a:p>
+        </p:txBody>
+      </p:sp>
+    </p:spTree>
+    <p:extLst>
+      <p:ext uri="{BB962C8B-B14F-4D97-AF65-F5344CB8AC3E}">
+        <p14:creationId xmlns:p14="http://schemas.microsoft.com/office/powerpoint/2010/main" val="4172348022"/>
+      </p:ext>
+    </p:extLst>
+  </p:cSld>
+  <p:clrMapOvr>
+    <a:masterClrMapping/>
+  </p:clrMapOvr>
+  <mc:AlternateContent xmlns:mc="http://schemas.openxmlformats.org/markup-compatibility/2006" xmlns:p14="http://schemas.microsoft.com/office/powerpoint/2010/main">
+    <mc:Choice Requires="p14">
+      <p:transition p14:dur="0"/>
+    </mc:Choice>
+    <mc:Fallback xmlns="">
+      <p:transition/>
+    </mc:Fallback>
+  </mc:AlternateContent>
+  <p:timing>
+    <p:tnLst>
+      <p:par>
+        <p:cTn id="1" dur="indefinite" restart="never" nodeType="tmRoot"/>
+      </p:par>
+    </p:tnLst>
+  </p:timing>
 </p:sld>
 </file>
 
@@ -6728,8 +11527,8 @@
         </p:nvSpPr>
         <p:spPr>
           <a:xfrm>
-            <a:off x="3739425" y="468854"/>
-            <a:ext cx="4713150" cy="1085041"/>
+            <a:off x="3869268" y="468854"/>
+            <a:ext cx="4453463" cy="1085041"/>
           </a:xfrm>
           <a:prstGeom prst="rect">
             <a:avLst/>
@@ -6753,7 +11552,7 @@
                 <a:ea typeface="Open Sans SemiBold"/>
                 <a:cs typeface="Open Sans SemiBold"/>
               </a:rPr>
-              <a:t>ОПРЕДЕЛЕНИЕ</a:t>
+              <a:t>АРХИТЕКТУРА</a:t>
             </a:r>
             <a:endParaRPr lang="ru-RU" dirty="0"/>
           </a:p>
@@ -6768,7 +11567,7 @@
           <p:nvPr/>
         </p:nvPicPr>
         <p:blipFill>
-          <a:blip r:embed="rId2" cstate="print">
+          <a:blip r:embed="rId3" cstate="print">
             <a:extLst>
               <a:ext uri="{28A0092B-C50C-407E-A947-70E740481C1C}">
                 <a14:useLocalDpi xmlns:a14="http://schemas.microsoft.com/office/drawing/2010/main" val="0"/>
@@ -6789,6 +11588,1556 @@
           </a:prstGeom>
         </p:spPr>
       </p:pic>
+      <p:pic>
+        <p:nvPicPr>
+          <p:cNvPr id="6" name="Рисунок 5"/>
+          <p:cNvPicPr>
+            <a:picLocks noChangeAspect="1"/>
+          </p:cNvPicPr>
+          <p:nvPr/>
+        </p:nvPicPr>
+        <p:blipFill>
+          <a:blip r:embed="rId4" cstate="print">
+            <a:duotone>
+              <a:schemeClr val="bg2">
+                <a:shade val="45000"/>
+                <a:satMod val="135000"/>
+              </a:schemeClr>
+              <a:prstClr val="white"/>
+            </a:duotone>
+            <a:extLst>
+              <a:ext uri="{28A0092B-C50C-407E-A947-70E740481C1C}">
+                <a14:useLocalDpi xmlns:a14="http://schemas.microsoft.com/office/drawing/2010/main" val="0"/>
+              </a:ext>
+            </a:extLst>
+          </a:blip>
+          <a:stretch>
+            <a:fillRect/>
+          </a:stretch>
+        </p:blipFill>
+        <p:spPr>
+          <a:xfrm>
+            <a:off x="4166119" y="3532098"/>
+            <a:ext cx="968953" cy="968953"/>
+          </a:xfrm>
+          <a:prstGeom prst="rect">
+            <a:avLst/>
+          </a:prstGeom>
+        </p:spPr>
+      </p:pic>
+      <p:pic>
+        <p:nvPicPr>
+          <p:cNvPr id="7" name="Рисунок 6"/>
+          <p:cNvPicPr>
+            <a:picLocks noChangeAspect="1"/>
+          </p:cNvPicPr>
+          <p:nvPr/>
+        </p:nvPicPr>
+        <p:blipFill>
+          <a:blip r:embed="rId5" cstate="print">
+            <a:duotone>
+              <a:schemeClr val="bg2">
+                <a:shade val="45000"/>
+                <a:satMod val="135000"/>
+              </a:schemeClr>
+              <a:prstClr val="white"/>
+            </a:duotone>
+            <a:extLst>
+              <a:ext uri="{28A0092B-C50C-407E-A947-70E740481C1C}">
+                <a14:useLocalDpi xmlns:a14="http://schemas.microsoft.com/office/drawing/2010/main" val="0"/>
+              </a:ext>
+            </a:extLst>
+          </a:blip>
+          <a:stretch>
+            <a:fillRect/>
+          </a:stretch>
+        </p:blipFill>
+        <p:spPr>
+          <a:xfrm>
+            <a:off x="6726439" y="3532098"/>
+            <a:ext cx="968953" cy="968953"/>
+          </a:xfrm>
+          <a:prstGeom prst="rect">
+            <a:avLst/>
+          </a:prstGeom>
+        </p:spPr>
+      </p:pic>
+      <p:pic>
+        <p:nvPicPr>
+          <p:cNvPr id="2" name="Рисунок 1"/>
+          <p:cNvPicPr>
+            <a:picLocks noChangeAspect="1"/>
+          </p:cNvPicPr>
+          <p:nvPr/>
+        </p:nvPicPr>
+        <p:blipFill>
+          <a:blip r:embed="rId6" cstate="print">
+            <a:duotone>
+              <a:schemeClr val="bg2">
+                <a:shade val="45000"/>
+                <a:satMod val="135000"/>
+              </a:schemeClr>
+              <a:prstClr val="white"/>
+            </a:duotone>
+            <a:extLst>
+              <a:ext uri="{28A0092B-C50C-407E-A947-70E740481C1C}">
+                <a14:useLocalDpi xmlns:a14="http://schemas.microsoft.com/office/drawing/2010/main" val="0"/>
+              </a:ext>
+            </a:extLst>
+          </a:blip>
+          <a:stretch>
+            <a:fillRect/>
+          </a:stretch>
+        </p:blipFill>
+        <p:spPr>
+          <a:xfrm rot="13380000">
+            <a:off x="4725811" y="2753220"/>
+            <a:ext cx="1003589" cy="1003589"/>
+          </a:xfrm>
+          <a:prstGeom prst="rect">
+            <a:avLst/>
+          </a:prstGeom>
+        </p:spPr>
+      </p:pic>
+      <p:pic>
+        <p:nvPicPr>
+          <p:cNvPr id="8" name="Рисунок 7"/>
+          <p:cNvPicPr>
+            <a:picLocks noChangeAspect="1"/>
+          </p:cNvPicPr>
+          <p:nvPr/>
+        </p:nvPicPr>
+        <p:blipFill>
+          <a:blip r:embed="rId6" cstate="print">
+            <a:duotone>
+              <a:schemeClr val="bg2">
+                <a:shade val="45000"/>
+                <a:satMod val="135000"/>
+              </a:schemeClr>
+              <a:prstClr val="white"/>
+            </a:duotone>
+            <a:extLst>
+              <a:ext uri="{28A0092B-C50C-407E-A947-70E740481C1C}">
+                <a14:useLocalDpi xmlns:a14="http://schemas.microsoft.com/office/drawing/2010/main" val="0"/>
+              </a:ext>
+            </a:extLst>
+          </a:blip>
+          <a:stretch>
+            <a:fillRect/>
+          </a:stretch>
+        </p:blipFill>
+        <p:spPr>
+          <a:xfrm rot="18903016" flipH="1">
+            <a:off x="6145099" y="2753219"/>
+            <a:ext cx="1003589" cy="1003589"/>
+          </a:xfrm>
+          <a:prstGeom prst="rect">
+            <a:avLst/>
+          </a:prstGeom>
+        </p:spPr>
+      </p:pic>
+      <p:pic>
+        <p:nvPicPr>
+          <p:cNvPr id="9" name="Рисунок 8"/>
+          <p:cNvPicPr>
+            <a:picLocks noChangeAspect="1"/>
+          </p:cNvPicPr>
+          <p:nvPr/>
+        </p:nvPicPr>
+        <p:blipFill>
+          <a:blip r:embed="rId7" cstate="print">
+            <a:duotone>
+              <a:schemeClr val="bg2">
+                <a:shade val="45000"/>
+                <a:satMod val="135000"/>
+              </a:schemeClr>
+              <a:prstClr val="white"/>
+            </a:duotone>
+            <a:extLst>
+              <a:ext uri="{28A0092B-C50C-407E-A947-70E740481C1C}">
+                <a14:useLocalDpi xmlns:a14="http://schemas.microsoft.com/office/drawing/2010/main" val="0"/>
+              </a:ext>
+            </a:extLst>
+          </a:blip>
+          <a:stretch>
+            <a:fillRect/>
+          </a:stretch>
+        </p:blipFill>
+        <p:spPr>
+          <a:xfrm>
+            <a:off x="3197166" y="5003302"/>
+            <a:ext cx="968953" cy="968953"/>
+          </a:xfrm>
+          <a:prstGeom prst="rect">
+            <a:avLst/>
+          </a:prstGeom>
+        </p:spPr>
+      </p:pic>
+      <p:pic>
+        <p:nvPicPr>
+          <p:cNvPr id="10" name="Рисунок 9"/>
+          <p:cNvPicPr>
+            <a:picLocks noChangeAspect="1"/>
+          </p:cNvPicPr>
+          <p:nvPr/>
+        </p:nvPicPr>
+        <p:blipFill>
+          <a:blip r:embed="rId8" cstate="print">
+            <a:duotone>
+              <a:schemeClr val="bg2">
+                <a:shade val="45000"/>
+                <a:satMod val="135000"/>
+              </a:schemeClr>
+              <a:prstClr val="white"/>
+            </a:duotone>
+            <a:extLst>
+              <a:ext uri="{28A0092B-C50C-407E-A947-70E740481C1C}">
+                <a14:useLocalDpi xmlns:a14="http://schemas.microsoft.com/office/drawing/2010/main" val="0"/>
+              </a:ext>
+            </a:extLst>
+          </a:blip>
+          <a:stretch>
+            <a:fillRect/>
+          </a:stretch>
+        </p:blipFill>
+        <p:spPr>
+          <a:xfrm>
+            <a:off x="7960659" y="5013951"/>
+            <a:ext cx="968953" cy="968953"/>
+          </a:xfrm>
+          <a:prstGeom prst="rect">
+            <a:avLst/>
+          </a:prstGeom>
+        </p:spPr>
+      </p:pic>
+      <p:pic>
+        <p:nvPicPr>
+          <p:cNvPr id="11" name="Рисунок 10"/>
+          <p:cNvPicPr>
+            <a:picLocks noChangeAspect="1"/>
+          </p:cNvPicPr>
+          <p:nvPr/>
+        </p:nvPicPr>
+        <p:blipFill>
+          <a:blip r:embed="rId9" cstate="print">
+            <a:duotone>
+              <a:schemeClr val="bg2">
+                <a:shade val="45000"/>
+                <a:satMod val="135000"/>
+              </a:schemeClr>
+              <a:prstClr val="white"/>
+            </a:duotone>
+            <a:extLst>
+              <a:ext uri="{28A0092B-C50C-407E-A947-70E740481C1C}">
+                <a14:useLocalDpi xmlns:a14="http://schemas.microsoft.com/office/drawing/2010/main" val="0"/>
+              </a:ext>
+            </a:extLst>
+          </a:blip>
+          <a:stretch>
+            <a:fillRect/>
+          </a:stretch>
+        </p:blipFill>
+        <p:spPr>
+          <a:xfrm>
+            <a:off x="5452773" y="5003302"/>
+            <a:ext cx="968953" cy="968953"/>
+          </a:xfrm>
+          <a:prstGeom prst="rect">
+            <a:avLst/>
+          </a:prstGeom>
+        </p:spPr>
+      </p:pic>
+      <p:pic>
+        <p:nvPicPr>
+          <p:cNvPr id="12" name="Рисунок 11"/>
+          <p:cNvPicPr>
+            <a:picLocks noChangeAspect="1"/>
+          </p:cNvPicPr>
+          <p:nvPr/>
+        </p:nvPicPr>
+        <p:blipFill>
+          <a:blip r:embed="rId6" cstate="print">
+            <a:duotone>
+              <a:schemeClr val="bg2">
+                <a:shade val="45000"/>
+                <a:satMod val="135000"/>
+              </a:schemeClr>
+              <a:prstClr val="white"/>
+            </a:duotone>
+            <a:extLst>
+              <a:ext uri="{28A0092B-C50C-407E-A947-70E740481C1C}">
+                <a14:useLocalDpi xmlns:a14="http://schemas.microsoft.com/office/drawing/2010/main" val="0"/>
+              </a:ext>
+            </a:extLst>
+          </a:blip>
+          <a:stretch>
+            <a:fillRect/>
+          </a:stretch>
+        </p:blipFill>
+        <p:spPr>
+          <a:xfrm rot="2696984">
+            <a:off x="3531690" y="4176736"/>
+            <a:ext cx="1003589" cy="1003589"/>
+          </a:xfrm>
+          <a:prstGeom prst="rect">
+            <a:avLst/>
+          </a:prstGeom>
+        </p:spPr>
+      </p:pic>
+      <p:pic>
+        <p:nvPicPr>
+          <p:cNvPr id="13" name="Рисунок 12"/>
+          <p:cNvPicPr>
+            <a:picLocks noChangeAspect="1"/>
+          </p:cNvPicPr>
+          <p:nvPr/>
+        </p:nvPicPr>
+        <p:blipFill>
+          <a:blip r:embed="rId6" cstate="print">
+            <a:duotone>
+              <a:schemeClr val="bg2">
+                <a:shade val="45000"/>
+                <a:satMod val="135000"/>
+              </a:schemeClr>
+              <a:prstClr val="white"/>
+            </a:duotone>
+            <a:extLst>
+              <a:ext uri="{28A0092B-C50C-407E-A947-70E740481C1C}">
+                <a14:useLocalDpi xmlns:a14="http://schemas.microsoft.com/office/drawing/2010/main" val="0"/>
+              </a:ext>
+            </a:extLst>
+          </a:blip>
+          <a:stretch>
+            <a:fillRect/>
+          </a:stretch>
+        </p:blipFill>
+        <p:spPr>
+          <a:xfrm rot="18903016" flipH="1">
+            <a:off x="7326231" y="4172508"/>
+            <a:ext cx="1003589" cy="1003589"/>
+          </a:xfrm>
+          <a:prstGeom prst="rect">
+            <a:avLst/>
+          </a:prstGeom>
+        </p:spPr>
+      </p:pic>
+      <p:pic>
+        <p:nvPicPr>
+          <p:cNvPr id="14" name="Рисунок 13"/>
+          <p:cNvPicPr>
+            <a:picLocks noChangeAspect="1"/>
+          </p:cNvPicPr>
+          <p:nvPr/>
+        </p:nvPicPr>
+        <p:blipFill>
+          <a:blip r:embed="rId6" cstate="print">
+            <a:duotone>
+              <a:schemeClr val="bg2">
+                <a:shade val="45000"/>
+                <a:satMod val="135000"/>
+              </a:schemeClr>
+              <a:prstClr val="white"/>
+            </a:duotone>
+            <a:extLst>
+              <a:ext uri="{28A0092B-C50C-407E-A947-70E740481C1C}">
+                <a14:useLocalDpi xmlns:a14="http://schemas.microsoft.com/office/drawing/2010/main" val="0"/>
+              </a:ext>
+            </a:extLst>
+          </a:blip>
+          <a:stretch>
+            <a:fillRect/>
+          </a:stretch>
+        </p:blipFill>
+        <p:spPr>
+          <a:xfrm rot="18903016" flipH="1">
+            <a:off x="4915287" y="4172506"/>
+            <a:ext cx="1003589" cy="1003589"/>
+          </a:xfrm>
+          <a:prstGeom prst="rect">
+            <a:avLst/>
+          </a:prstGeom>
+        </p:spPr>
+      </p:pic>
+    </p:spTree>
+    <p:extLst>
+      <p:ext uri="{BB962C8B-B14F-4D97-AF65-F5344CB8AC3E}">
+        <p14:creationId xmlns:p14="http://schemas.microsoft.com/office/powerpoint/2010/main" val="442575277"/>
+      </p:ext>
+    </p:extLst>
+  </p:cSld>
+  <p:clrMapOvr>
+    <a:masterClrMapping/>
+  </p:clrMapOvr>
+</p:sld>
+</file>
+
+<file path=ppt/slides/slide4.xml><?xml version="1.0" encoding="utf-8"?>
+<p:sld xmlns:a="http://schemas.openxmlformats.org/drawingml/2006/main" xmlns:r="http://schemas.openxmlformats.org/officeDocument/2006/relationships" xmlns:p="http://schemas.openxmlformats.org/presentationml/2006/main">
+  <p:cSld>
+    <p:spTree>
+      <p:nvGrpSpPr>
+        <p:cNvPr id="1" name=""/>
+        <p:cNvGrpSpPr/>
+        <p:nvPr/>
+      </p:nvGrpSpPr>
+      <p:grpSpPr>
+        <a:xfrm>
+          <a:off x="0" y="0"/>
+          <a:ext cx="0" cy="0"/>
+          <a:chOff x="0" y="0"/>
+          <a:chExt cx="0" cy="0"/>
+        </a:xfrm>
+      </p:grpSpPr>
+      <p:sp>
+        <p:nvSpPr>
+          <p:cNvPr id="4" name="TextBox 3"/>
+          <p:cNvSpPr txBox="1"/>
+          <p:nvPr/>
+        </p:nvSpPr>
+        <p:spPr>
+          <a:xfrm>
+            <a:off x="3869269" y="468854"/>
+            <a:ext cx="4453462" cy="1085041"/>
+          </a:xfrm>
+          <a:prstGeom prst="rect">
+            <a:avLst/>
+          </a:prstGeom>
+          <a:noFill/>
+        </p:spPr>
+        <p:txBody>
+          <a:bodyPr wrap="none" lIns="91440" tIns="45720" rIns="91440" bIns="45720" rtlCol="0" anchor="t">
+            <a:spAutoFit/>
+          </a:bodyPr>
+          <a:lstStyle/>
+          <a:p>
+            <a:pPr algn="ctr">
+              <a:lnSpc>
+                <a:spcPct val="150000"/>
+              </a:lnSpc>
+            </a:pPr>
+            <a:r>
+              <a:rPr lang="en-US" sz="4800" dirty="0">
+                <a:latin typeface="Open Sans SemiBold"/>
+                <a:ea typeface="Open Sans SemiBold"/>
+                <a:cs typeface="Open Sans SemiBold"/>
+              </a:rPr>
+              <a:t>АРХИТЕКТУРА</a:t>
+            </a:r>
+            <a:endParaRPr lang="ru-RU" dirty="0"/>
+          </a:p>
+        </p:txBody>
+      </p:sp>
+      <p:pic>
+        <p:nvPicPr>
+          <p:cNvPr id="5" name="Рисунок 4"/>
+          <p:cNvPicPr>
+            <a:picLocks noChangeAspect="1"/>
+          </p:cNvPicPr>
+          <p:nvPr/>
+        </p:nvPicPr>
+        <p:blipFill>
+          <a:blip r:embed="rId3" cstate="print">
+            <a:duotone>
+              <a:schemeClr val="bg2">
+                <a:shade val="45000"/>
+                <a:satMod val="135000"/>
+              </a:schemeClr>
+              <a:prstClr val="white"/>
+            </a:duotone>
+            <a:extLst>
+              <a:ext uri="{28A0092B-C50C-407E-A947-70E740481C1C}">
+                <a14:useLocalDpi xmlns:a14="http://schemas.microsoft.com/office/drawing/2010/main" val="0"/>
+              </a:ext>
+            </a:extLst>
+          </a:blip>
+          <a:stretch>
+            <a:fillRect/>
+          </a:stretch>
+        </p:blipFill>
+        <p:spPr>
+          <a:xfrm>
+            <a:off x="5452773" y="2060894"/>
+            <a:ext cx="968953" cy="968953"/>
+          </a:xfrm>
+          <a:prstGeom prst="rect">
+            <a:avLst/>
+          </a:prstGeom>
+        </p:spPr>
+      </p:pic>
+      <p:pic>
+        <p:nvPicPr>
+          <p:cNvPr id="6" name="Рисунок 5"/>
+          <p:cNvPicPr>
+            <a:picLocks noChangeAspect="1"/>
+          </p:cNvPicPr>
+          <p:nvPr/>
+        </p:nvPicPr>
+        <p:blipFill>
+          <a:blip r:embed="rId4" cstate="print">
+            <a:duotone>
+              <a:schemeClr val="bg2">
+                <a:shade val="45000"/>
+                <a:satMod val="135000"/>
+              </a:schemeClr>
+              <a:prstClr val="white"/>
+            </a:duotone>
+            <a:extLst>
+              <a:ext uri="{28A0092B-C50C-407E-A947-70E740481C1C}">
+                <a14:useLocalDpi xmlns:a14="http://schemas.microsoft.com/office/drawing/2010/main" val="0"/>
+              </a:ext>
+            </a:extLst>
+          </a:blip>
+          <a:stretch>
+            <a:fillRect/>
+          </a:stretch>
+        </p:blipFill>
+        <p:spPr>
+          <a:xfrm>
+            <a:off x="4166119" y="3532098"/>
+            <a:ext cx="968953" cy="968953"/>
+          </a:xfrm>
+          <a:prstGeom prst="rect">
+            <a:avLst/>
+          </a:prstGeom>
+        </p:spPr>
+      </p:pic>
+      <p:pic>
+        <p:nvPicPr>
+          <p:cNvPr id="7" name="Рисунок 6"/>
+          <p:cNvPicPr>
+            <a:picLocks noChangeAspect="1"/>
+          </p:cNvPicPr>
+          <p:nvPr/>
+        </p:nvPicPr>
+        <p:blipFill>
+          <a:blip r:embed="rId5" cstate="print">
+            <a:duotone>
+              <a:schemeClr val="bg2">
+                <a:shade val="45000"/>
+                <a:satMod val="135000"/>
+              </a:schemeClr>
+              <a:prstClr val="white"/>
+            </a:duotone>
+            <a:extLst>
+              <a:ext uri="{28A0092B-C50C-407E-A947-70E740481C1C}">
+                <a14:useLocalDpi xmlns:a14="http://schemas.microsoft.com/office/drawing/2010/main" val="0"/>
+              </a:ext>
+            </a:extLst>
+          </a:blip>
+          <a:stretch>
+            <a:fillRect/>
+          </a:stretch>
+        </p:blipFill>
+        <p:spPr>
+          <a:xfrm>
+            <a:off x="6726439" y="3532098"/>
+            <a:ext cx="968953" cy="968953"/>
+          </a:xfrm>
+          <a:prstGeom prst="rect">
+            <a:avLst/>
+          </a:prstGeom>
+        </p:spPr>
+      </p:pic>
+      <p:pic>
+        <p:nvPicPr>
+          <p:cNvPr id="2" name="Рисунок 1"/>
+          <p:cNvPicPr>
+            <a:picLocks noChangeAspect="1"/>
+          </p:cNvPicPr>
+          <p:nvPr/>
+        </p:nvPicPr>
+        <p:blipFill>
+          <a:blip r:embed="rId6" cstate="print">
+            <a:extLst>
+              <a:ext uri="{28A0092B-C50C-407E-A947-70E740481C1C}">
+                <a14:useLocalDpi xmlns:a14="http://schemas.microsoft.com/office/drawing/2010/main" val="0"/>
+              </a:ext>
+            </a:extLst>
+          </a:blip>
+          <a:stretch>
+            <a:fillRect/>
+          </a:stretch>
+        </p:blipFill>
+        <p:spPr>
+          <a:xfrm rot="13380000">
+            <a:off x="4725811" y="2753220"/>
+            <a:ext cx="1003589" cy="1003589"/>
+          </a:xfrm>
+          <a:prstGeom prst="rect">
+            <a:avLst/>
+          </a:prstGeom>
+        </p:spPr>
+      </p:pic>
+      <p:pic>
+        <p:nvPicPr>
+          <p:cNvPr id="8" name="Рисунок 7"/>
+          <p:cNvPicPr>
+            <a:picLocks noChangeAspect="1"/>
+          </p:cNvPicPr>
+          <p:nvPr/>
+        </p:nvPicPr>
+        <p:blipFill>
+          <a:blip r:embed="rId6" cstate="print">
+            <a:extLst>
+              <a:ext uri="{28A0092B-C50C-407E-A947-70E740481C1C}">
+                <a14:useLocalDpi xmlns:a14="http://schemas.microsoft.com/office/drawing/2010/main" val="0"/>
+              </a:ext>
+            </a:extLst>
+          </a:blip>
+          <a:stretch>
+            <a:fillRect/>
+          </a:stretch>
+        </p:blipFill>
+        <p:spPr>
+          <a:xfrm rot="18903016" flipH="1">
+            <a:off x="6145099" y="2753219"/>
+            <a:ext cx="1003589" cy="1003589"/>
+          </a:xfrm>
+          <a:prstGeom prst="rect">
+            <a:avLst/>
+          </a:prstGeom>
+        </p:spPr>
+      </p:pic>
+      <p:pic>
+        <p:nvPicPr>
+          <p:cNvPr id="9" name="Рисунок 8"/>
+          <p:cNvPicPr>
+            <a:picLocks noChangeAspect="1"/>
+          </p:cNvPicPr>
+          <p:nvPr/>
+        </p:nvPicPr>
+        <p:blipFill>
+          <a:blip r:embed="rId7" cstate="print">
+            <a:duotone>
+              <a:schemeClr val="bg2">
+                <a:shade val="45000"/>
+                <a:satMod val="135000"/>
+              </a:schemeClr>
+              <a:prstClr val="white"/>
+            </a:duotone>
+            <a:extLst>
+              <a:ext uri="{28A0092B-C50C-407E-A947-70E740481C1C}">
+                <a14:useLocalDpi xmlns:a14="http://schemas.microsoft.com/office/drawing/2010/main" val="0"/>
+              </a:ext>
+            </a:extLst>
+          </a:blip>
+          <a:stretch>
+            <a:fillRect/>
+          </a:stretch>
+        </p:blipFill>
+        <p:spPr>
+          <a:xfrm>
+            <a:off x="3197166" y="5003302"/>
+            <a:ext cx="968953" cy="968953"/>
+          </a:xfrm>
+          <a:prstGeom prst="rect">
+            <a:avLst/>
+          </a:prstGeom>
+        </p:spPr>
+      </p:pic>
+      <p:pic>
+        <p:nvPicPr>
+          <p:cNvPr id="10" name="Рисунок 9"/>
+          <p:cNvPicPr>
+            <a:picLocks noChangeAspect="1"/>
+          </p:cNvPicPr>
+          <p:nvPr/>
+        </p:nvPicPr>
+        <p:blipFill>
+          <a:blip r:embed="rId8" cstate="print">
+            <a:duotone>
+              <a:schemeClr val="bg2">
+                <a:shade val="45000"/>
+                <a:satMod val="135000"/>
+              </a:schemeClr>
+              <a:prstClr val="white"/>
+            </a:duotone>
+            <a:extLst>
+              <a:ext uri="{28A0092B-C50C-407E-A947-70E740481C1C}">
+                <a14:useLocalDpi xmlns:a14="http://schemas.microsoft.com/office/drawing/2010/main" val="0"/>
+              </a:ext>
+            </a:extLst>
+          </a:blip>
+          <a:stretch>
+            <a:fillRect/>
+          </a:stretch>
+        </p:blipFill>
+        <p:spPr>
+          <a:xfrm>
+            <a:off x="7960659" y="5013951"/>
+            <a:ext cx="968953" cy="968953"/>
+          </a:xfrm>
+          <a:prstGeom prst="rect">
+            <a:avLst/>
+          </a:prstGeom>
+        </p:spPr>
+      </p:pic>
+      <p:pic>
+        <p:nvPicPr>
+          <p:cNvPr id="11" name="Рисунок 10"/>
+          <p:cNvPicPr>
+            <a:picLocks noChangeAspect="1"/>
+          </p:cNvPicPr>
+          <p:nvPr/>
+        </p:nvPicPr>
+        <p:blipFill>
+          <a:blip r:embed="rId9" cstate="print">
+            <a:duotone>
+              <a:schemeClr val="bg2">
+                <a:shade val="45000"/>
+                <a:satMod val="135000"/>
+              </a:schemeClr>
+              <a:prstClr val="white"/>
+            </a:duotone>
+            <a:extLst>
+              <a:ext uri="{28A0092B-C50C-407E-A947-70E740481C1C}">
+                <a14:useLocalDpi xmlns:a14="http://schemas.microsoft.com/office/drawing/2010/main" val="0"/>
+              </a:ext>
+            </a:extLst>
+          </a:blip>
+          <a:stretch>
+            <a:fillRect/>
+          </a:stretch>
+        </p:blipFill>
+        <p:spPr>
+          <a:xfrm>
+            <a:off x="5452773" y="5003302"/>
+            <a:ext cx="968953" cy="968953"/>
+          </a:xfrm>
+          <a:prstGeom prst="rect">
+            <a:avLst/>
+          </a:prstGeom>
+        </p:spPr>
+      </p:pic>
+      <p:pic>
+        <p:nvPicPr>
+          <p:cNvPr id="12" name="Рисунок 11"/>
+          <p:cNvPicPr>
+            <a:picLocks noChangeAspect="1"/>
+          </p:cNvPicPr>
+          <p:nvPr/>
+        </p:nvPicPr>
+        <p:blipFill>
+          <a:blip r:embed="rId6" cstate="print">
+            <a:extLst>
+              <a:ext uri="{28A0092B-C50C-407E-A947-70E740481C1C}">
+                <a14:useLocalDpi xmlns:a14="http://schemas.microsoft.com/office/drawing/2010/main" val="0"/>
+              </a:ext>
+            </a:extLst>
+          </a:blip>
+          <a:stretch>
+            <a:fillRect/>
+          </a:stretch>
+        </p:blipFill>
+        <p:spPr>
+          <a:xfrm rot="2696984">
+            <a:off x="3531690" y="4176736"/>
+            <a:ext cx="1003589" cy="1003589"/>
+          </a:xfrm>
+          <a:prstGeom prst="rect">
+            <a:avLst/>
+          </a:prstGeom>
+        </p:spPr>
+      </p:pic>
+      <p:pic>
+        <p:nvPicPr>
+          <p:cNvPr id="13" name="Рисунок 12"/>
+          <p:cNvPicPr>
+            <a:picLocks noChangeAspect="1"/>
+          </p:cNvPicPr>
+          <p:nvPr/>
+        </p:nvPicPr>
+        <p:blipFill>
+          <a:blip r:embed="rId6" cstate="print">
+            <a:extLst>
+              <a:ext uri="{28A0092B-C50C-407E-A947-70E740481C1C}">
+                <a14:useLocalDpi xmlns:a14="http://schemas.microsoft.com/office/drawing/2010/main" val="0"/>
+              </a:ext>
+            </a:extLst>
+          </a:blip>
+          <a:stretch>
+            <a:fillRect/>
+          </a:stretch>
+        </p:blipFill>
+        <p:spPr>
+          <a:xfrm rot="18903016" flipH="1">
+            <a:off x="7326231" y="4172508"/>
+            <a:ext cx="1003589" cy="1003589"/>
+          </a:xfrm>
+          <a:prstGeom prst="rect">
+            <a:avLst/>
+          </a:prstGeom>
+        </p:spPr>
+      </p:pic>
+      <p:pic>
+        <p:nvPicPr>
+          <p:cNvPr id="14" name="Рисунок 13"/>
+          <p:cNvPicPr>
+            <a:picLocks noChangeAspect="1"/>
+          </p:cNvPicPr>
+          <p:nvPr/>
+        </p:nvPicPr>
+        <p:blipFill>
+          <a:blip r:embed="rId6" cstate="print">
+            <a:extLst>
+              <a:ext uri="{28A0092B-C50C-407E-A947-70E740481C1C}">
+                <a14:useLocalDpi xmlns:a14="http://schemas.microsoft.com/office/drawing/2010/main" val="0"/>
+              </a:ext>
+            </a:extLst>
+          </a:blip>
+          <a:stretch>
+            <a:fillRect/>
+          </a:stretch>
+        </p:blipFill>
+        <p:spPr>
+          <a:xfrm rot="18903016" flipH="1">
+            <a:off x="4915287" y="4172506"/>
+            <a:ext cx="1003589" cy="1003589"/>
+          </a:xfrm>
+          <a:prstGeom prst="rect">
+            <a:avLst/>
+          </a:prstGeom>
+        </p:spPr>
+      </p:pic>
+    </p:spTree>
+    <p:extLst>
+      <p:ext uri="{BB962C8B-B14F-4D97-AF65-F5344CB8AC3E}">
+        <p14:creationId xmlns:p14="http://schemas.microsoft.com/office/powerpoint/2010/main" val="769405668"/>
+      </p:ext>
+    </p:extLst>
+  </p:cSld>
+  <p:clrMapOvr>
+    <a:masterClrMapping/>
+  </p:clrMapOvr>
+</p:sld>
+</file>
+
+<file path=ppt/slides/slide5.xml><?xml version="1.0" encoding="utf-8"?>
+<p:sld xmlns:a="http://schemas.openxmlformats.org/drawingml/2006/main" xmlns:r="http://schemas.openxmlformats.org/officeDocument/2006/relationships" xmlns:p="http://schemas.openxmlformats.org/presentationml/2006/main">
+  <p:cSld>
+    <p:spTree>
+      <p:nvGrpSpPr>
+        <p:cNvPr id="1" name=""/>
+        <p:cNvGrpSpPr/>
+        <p:nvPr/>
+      </p:nvGrpSpPr>
+      <p:grpSpPr>
+        <a:xfrm>
+          <a:off x="0" y="0"/>
+          <a:ext cx="0" cy="0"/>
+          <a:chOff x="0" y="0"/>
+          <a:chExt cx="0" cy="0"/>
+        </a:xfrm>
+      </p:grpSpPr>
+      <p:sp>
+        <p:nvSpPr>
+          <p:cNvPr id="4" name="TextBox 3"/>
+          <p:cNvSpPr txBox="1"/>
+          <p:nvPr/>
+        </p:nvSpPr>
+        <p:spPr>
+          <a:xfrm>
+            <a:off x="4669969" y="468854"/>
+            <a:ext cx="2852064" cy="1085041"/>
+          </a:xfrm>
+          <a:prstGeom prst="rect">
+            <a:avLst/>
+          </a:prstGeom>
+          <a:noFill/>
+        </p:spPr>
+        <p:txBody>
+          <a:bodyPr wrap="none" lIns="91440" tIns="45720" rIns="91440" bIns="45720" rtlCol="0" anchor="t">
+            <a:spAutoFit/>
+          </a:bodyPr>
+          <a:lstStyle/>
+          <a:p>
+            <a:pPr algn="ctr">
+              <a:lnSpc>
+                <a:spcPct val="150000"/>
+              </a:lnSpc>
+            </a:pPr>
+            <a:r>
+              <a:rPr lang="ru-RU" sz="4800" dirty="0" smtClean="0">
+                <a:latin typeface="Open Sans SemiBold"/>
+                <a:ea typeface="Open Sans SemiBold"/>
+                <a:cs typeface="Open Sans SemiBold"/>
+              </a:rPr>
+              <a:t>ДИЗАЙН</a:t>
+            </a:r>
+            <a:endParaRPr lang="ru-RU" dirty="0"/>
+          </a:p>
+        </p:txBody>
+      </p:sp>
+    </p:spTree>
+    <p:extLst>
+      <p:ext uri="{BB962C8B-B14F-4D97-AF65-F5344CB8AC3E}">
+        <p14:creationId xmlns:p14="http://schemas.microsoft.com/office/powerpoint/2010/main" val="1063549445"/>
+      </p:ext>
+    </p:extLst>
+  </p:cSld>
+  <p:clrMapOvr>
+    <a:masterClrMapping/>
+  </p:clrMapOvr>
+</p:sld>
+</file>
+
+<file path=ppt/slides/slide6.xml><?xml version="1.0" encoding="utf-8"?>
+<p:sld xmlns:a="http://schemas.openxmlformats.org/drawingml/2006/main" xmlns:r="http://schemas.openxmlformats.org/officeDocument/2006/relationships" xmlns:p="http://schemas.openxmlformats.org/presentationml/2006/main">
+  <p:cSld>
+    <p:spTree>
+      <p:nvGrpSpPr>
+        <p:cNvPr id="1" name=""/>
+        <p:cNvGrpSpPr/>
+        <p:nvPr/>
+      </p:nvGrpSpPr>
+      <p:grpSpPr>
+        <a:xfrm>
+          <a:off x="0" y="0"/>
+          <a:ext cx="0" cy="0"/>
+          <a:chOff x="0" y="0"/>
+          <a:chExt cx="0" cy="0"/>
+        </a:xfrm>
+      </p:grpSpPr>
+      <p:sp>
+        <p:nvSpPr>
+          <p:cNvPr id="4" name="TextBox 3"/>
+          <p:cNvSpPr txBox="1"/>
+          <p:nvPr/>
+        </p:nvSpPr>
+        <p:spPr>
+          <a:xfrm>
+            <a:off x="4669969" y="468854"/>
+            <a:ext cx="2852064" cy="1085041"/>
+          </a:xfrm>
+          <a:prstGeom prst="rect">
+            <a:avLst/>
+          </a:prstGeom>
+          <a:noFill/>
+        </p:spPr>
+        <p:txBody>
+          <a:bodyPr wrap="none" lIns="91440" tIns="45720" rIns="91440" bIns="45720" rtlCol="0" anchor="t">
+            <a:spAutoFit/>
+          </a:bodyPr>
+          <a:lstStyle/>
+          <a:p>
+            <a:pPr algn="ctr">
+              <a:lnSpc>
+                <a:spcPct val="150000"/>
+              </a:lnSpc>
+            </a:pPr>
+            <a:r>
+              <a:rPr lang="ru-RU" sz="4800" dirty="0" smtClean="0">
+                <a:latin typeface="Open Sans SemiBold"/>
+                <a:ea typeface="Open Sans SemiBold"/>
+                <a:cs typeface="Open Sans SemiBold"/>
+              </a:rPr>
+              <a:t>ДИЗАЙН</a:t>
+            </a:r>
+            <a:endParaRPr lang="ru-RU" dirty="0"/>
+          </a:p>
+        </p:txBody>
+      </p:sp>
+      <p:grpSp>
+        <p:nvGrpSpPr>
+          <p:cNvPr id="3" name="Группа 2"/>
+          <p:cNvGrpSpPr/>
+          <p:nvPr/>
+        </p:nvGrpSpPr>
+        <p:grpSpPr>
+          <a:xfrm>
+            <a:off x="3657192" y="1737710"/>
+            <a:ext cx="4877618" cy="4877618"/>
+            <a:chOff x="3657192" y="1839066"/>
+            <a:chExt cx="4877618" cy="4877618"/>
+          </a:xfrm>
+        </p:grpSpPr>
+        <p:pic>
+          <p:nvPicPr>
+            <p:cNvPr id="15" name="Рисунок 14"/>
+            <p:cNvPicPr>
+              <a:picLocks noChangeAspect="1"/>
+            </p:cNvPicPr>
+            <p:nvPr/>
+          </p:nvPicPr>
+          <p:blipFill>
+            <a:blip r:embed="rId3">
+              <a:extLst>
+                <a:ext uri="{28A0092B-C50C-407E-A947-70E740481C1C}">
+                  <a14:useLocalDpi xmlns:a14="http://schemas.microsoft.com/office/drawing/2010/main" val="0"/>
+                </a:ext>
+              </a:extLst>
+            </a:blip>
+            <a:stretch>
+              <a:fillRect/>
+            </a:stretch>
+          </p:blipFill>
+          <p:spPr>
+            <a:xfrm>
+              <a:off x="3657192" y="1839066"/>
+              <a:ext cx="4877618" cy="4877618"/>
+            </a:xfrm>
+            <a:prstGeom prst="rect">
+              <a:avLst/>
+            </a:prstGeom>
+          </p:spPr>
+        </p:pic>
+        <p:grpSp>
+          <p:nvGrpSpPr>
+            <p:cNvPr id="16" name="Группа 15"/>
+            <p:cNvGrpSpPr/>
+            <p:nvPr/>
+          </p:nvGrpSpPr>
+          <p:grpSpPr>
+            <a:xfrm>
+              <a:off x="4823633" y="3204769"/>
+              <a:ext cx="2192309" cy="2244741"/>
+              <a:chOff x="3875982" y="2485652"/>
+              <a:chExt cx="3121949" cy="3196615"/>
+            </a:xfrm>
+          </p:grpSpPr>
+          <p:pic>
+            <p:nvPicPr>
+              <p:cNvPr id="17" name="Рисунок 16"/>
+              <p:cNvPicPr>
+                <a:picLocks noChangeAspect="1"/>
+              </p:cNvPicPr>
+              <p:nvPr/>
+            </p:nvPicPr>
+            <p:blipFill>
+              <a:blip r:embed="rId4" cstate="print">
+                <a:extLst>
+                  <a:ext uri="{28A0092B-C50C-407E-A947-70E740481C1C}">
+                    <a14:useLocalDpi xmlns:a14="http://schemas.microsoft.com/office/drawing/2010/main" val="0"/>
+                  </a:ext>
+                </a:extLst>
+              </a:blip>
+              <a:stretch>
+                <a:fillRect/>
+              </a:stretch>
+            </p:blipFill>
+            <p:spPr>
+              <a:xfrm>
+                <a:off x="5711277" y="2485652"/>
+                <a:ext cx="968953" cy="968953"/>
+              </a:xfrm>
+              <a:prstGeom prst="rect">
+                <a:avLst/>
+              </a:prstGeom>
+            </p:spPr>
+          </p:pic>
+          <p:pic>
+            <p:nvPicPr>
+              <p:cNvPr id="18" name="Рисунок 17"/>
+              <p:cNvPicPr>
+                <a:picLocks noChangeAspect="1"/>
+              </p:cNvPicPr>
+              <p:nvPr/>
+            </p:nvPicPr>
+            <p:blipFill>
+              <a:blip r:embed="rId5" cstate="print">
+                <a:extLst>
+                  <a:ext uri="{28A0092B-C50C-407E-A947-70E740481C1C}">
+                    <a14:useLocalDpi xmlns:a14="http://schemas.microsoft.com/office/drawing/2010/main" val="0"/>
+                  </a:ext>
+                </a:extLst>
+              </a:blip>
+              <a:stretch>
+                <a:fillRect/>
+              </a:stretch>
+            </p:blipFill>
+            <p:spPr>
+              <a:xfrm>
+                <a:off x="3875982" y="3898666"/>
+                <a:ext cx="968953" cy="968953"/>
+              </a:xfrm>
+              <a:prstGeom prst="rect">
+                <a:avLst/>
+              </a:prstGeom>
+            </p:spPr>
+          </p:pic>
+          <p:pic>
+            <p:nvPicPr>
+              <p:cNvPr id="19" name="Рисунок 18"/>
+              <p:cNvPicPr>
+                <a:picLocks noChangeAspect="1"/>
+              </p:cNvPicPr>
+              <p:nvPr/>
+            </p:nvPicPr>
+            <p:blipFill>
+              <a:blip r:embed="rId6" cstate="print">
+                <a:extLst>
+                  <a:ext uri="{28A0092B-C50C-407E-A947-70E740481C1C}">
+                    <a14:useLocalDpi xmlns:a14="http://schemas.microsoft.com/office/drawing/2010/main" val="0"/>
+                  </a:ext>
+                </a:extLst>
+              </a:blip>
+              <a:stretch>
+                <a:fillRect/>
+              </a:stretch>
+            </p:blipFill>
+            <p:spPr>
+              <a:xfrm>
+                <a:off x="6028978" y="4713314"/>
+                <a:ext cx="968953" cy="968953"/>
+              </a:xfrm>
+              <a:prstGeom prst="rect">
+                <a:avLst/>
+              </a:prstGeom>
+            </p:spPr>
+          </p:pic>
+          <p:pic>
+            <p:nvPicPr>
+              <p:cNvPr id="20" name="Рисунок 19"/>
+              <p:cNvPicPr>
+                <a:picLocks noChangeAspect="1"/>
+              </p:cNvPicPr>
+              <p:nvPr/>
+            </p:nvPicPr>
+            <p:blipFill>
+              <a:blip r:embed="rId7" cstate="print">
+                <a:extLst>
+                  <a:ext uri="{28A0092B-C50C-407E-A947-70E740481C1C}">
+                    <a14:useLocalDpi xmlns:a14="http://schemas.microsoft.com/office/drawing/2010/main" val="0"/>
+                  </a:ext>
+                </a:extLst>
+              </a:blip>
+              <a:stretch>
+                <a:fillRect/>
+              </a:stretch>
+            </p:blipFill>
+            <p:spPr>
+              <a:xfrm rot="2700000">
+                <a:off x="4802509" y="3123557"/>
+                <a:ext cx="918219" cy="918219"/>
+              </a:xfrm>
+              <a:prstGeom prst="rect">
+                <a:avLst/>
+              </a:prstGeom>
+            </p:spPr>
+          </p:pic>
+          <p:pic>
+            <p:nvPicPr>
+              <p:cNvPr id="21" name="Рисунок 20"/>
+              <p:cNvPicPr>
+                <a:picLocks noChangeAspect="1"/>
+              </p:cNvPicPr>
+              <p:nvPr/>
+            </p:nvPicPr>
+            <p:blipFill>
+              <a:blip r:embed="rId8" cstate="print">
+                <a:extLst>
+                  <a:ext uri="{28A0092B-C50C-407E-A947-70E740481C1C}">
+                    <a14:useLocalDpi xmlns:a14="http://schemas.microsoft.com/office/drawing/2010/main" val="0"/>
+                  </a:ext>
+                </a:extLst>
+              </a:blip>
+              <a:stretch>
+                <a:fillRect/>
+              </a:stretch>
+            </p:blipFill>
+            <p:spPr>
+              <a:xfrm rot="7200000">
+                <a:off x="4935163" y="4346861"/>
+                <a:ext cx="1003589" cy="1003589"/>
+              </a:xfrm>
+              <a:prstGeom prst="rect">
+                <a:avLst/>
+              </a:prstGeom>
+            </p:spPr>
+          </p:pic>
+          <p:pic>
+            <p:nvPicPr>
+              <p:cNvPr id="22" name="Рисунок 21"/>
+              <p:cNvPicPr>
+                <a:picLocks noChangeAspect="1"/>
+              </p:cNvPicPr>
+              <p:nvPr/>
+            </p:nvPicPr>
+            <p:blipFill>
+              <a:blip r:embed="rId7" cstate="print">
+                <a:extLst>
+                  <a:ext uri="{28A0092B-C50C-407E-A947-70E740481C1C}">
+                    <a14:useLocalDpi xmlns:a14="http://schemas.microsoft.com/office/drawing/2010/main" val="0"/>
+                  </a:ext>
+                </a:extLst>
+              </a:blip>
+              <a:stretch>
+                <a:fillRect/>
+              </a:stretch>
+            </p:blipFill>
+            <p:spPr>
+              <a:xfrm>
+                <a:off x="6028978" y="3624850"/>
+                <a:ext cx="918219" cy="918219"/>
+              </a:xfrm>
+              <a:prstGeom prst="rect">
+                <a:avLst/>
+              </a:prstGeom>
+            </p:spPr>
+          </p:pic>
+        </p:grpSp>
+      </p:grpSp>
+    </p:spTree>
+    <p:extLst>
+      <p:ext uri="{BB962C8B-B14F-4D97-AF65-F5344CB8AC3E}">
+        <p14:creationId xmlns:p14="http://schemas.microsoft.com/office/powerpoint/2010/main" val="2874515018"/>
+      </p:ext>
+    </p:extLst>
+  </p:cSld>
+  <p:clrMapOvr>
+    <a:masterClrMapping/>
+  </p:clrMapOvr>
+</p:sld>
+</file>
+
+<file path=ppt/slides/slide7.xml><?xml version="1.0" encoding="utf-8"?>
+<p:sld xmlns:a="http://schemas.openxmlformats.org/drawingml/2006/main" xmlns:r="http://schemas.openxmlformats.org/officeDocument/2006/relationships" xmlns:p="http://schemas.openxmlformats.org/presentationml/2006/main">
+  <p:cSld>
+    <p:spTree>
+      <p:nvGrpSpPr>
+        <p:cNvPr id="1" name=""/>
+        <p:cNvGrpSpPr/>
+        <p:nvPr/>
+      </p:nvGrpSpPr>
+      <p:grpSpPr>
+        <a:xfrm>
+          <a:off x="0" y="0"/>
+          <a:ext cx="0" cy="0"/>
+          <a:chOff x="0" y="0"/>
+          <a:chExt cx="0" cy="0"/>
+        </a:xfrm>
+      </p:grpSpPr>
+      <p:sp>
+        <p:nvSpPr>
+          <p:cNvPr id="4" name="TextBox 3"/>
+          <p:cNvSpPr txBox="1"/>
+          <p:nvPr/>
+        </p:nvSpPr>
+        <p:spPr>
+          <a:xfrm>
+            <a:off x="5152474" y="468854"/>
+            <a:ext cx="1887055" cy="1085041"/>
+          </a:xfrm>
+          <a:prstGeom prst="rect">
+            <a:avLst/>
+          </a:prstGeom>
+          <a:noFill/>
+        </p:spPr>
+        <p:txBody>
+          <a:bodyPr wrap="none" lIns="91440" tIns="45720" rIns="91440" bIns="45720" rtlCol="0" anchor="t">
+            <a:spAutoFit/>
+          </a:bodyPr>
+          <a:lstStyle/>
+          <a:p>
+            <a:pPr algn="ctr">
+              <a:lnSpc>
+                <a:spcPct val="150000"/>
+              </a:lnSpc>
+            </a:pPr>
+            <a:r>
+              <a:rPr lang="ru-RU" sz="4800" dirty="0" smtClean="0">
+                <a:latin typeface="Open Sans SemiBold"/>
+                <a:ea typeface="Open Sans SemiBold"/>
+                <a:cs typeface="Open Sans SemiBold"/>
+              </a:rPr>
+              <a:t>РОЛЬ</a:t>
+            </a:r>
+            <a:endParaRPr lang="ru-RU" dirty="0"/>
+          </a:p>
+        </p:txBody>
+      </p:sp>
+      <p:sp>
+        <p:nvSpPr>
+          <p:cNvPr id="12" name="TextBox 11"/>
+          <p:cNvSpPr txBox="1"/>
+          <p:nvPr/>
+        </p:nvSpPr>
+        <p:spPr>
+          <a:xfrm>
+            <a:off x="3276163" y="3051281"/>
+            <a:ext cx="5639685" cy="1085041"/>
+          </a:xfrm>
+          <a:prstGeom prst="rect">
+            <a:avLst/>
+          </a:prstGeom>
+          <a:noFill/>
+        </p:spPr>
+        <p:txBody>
+          <a:bodyPr wrap="none" lIns="91440" tIns="45720" rIns="91440" bIns="45720" rtlCol="0" anchor="t">
+            <a:spAutoFit/>
+          </a:bodyPr>
+          <a:lstStyle/>
+          <a:p>
+            <a:pPr algn="ctr">
+              <a:lnSpc>
+                <a:spcPct val="150000"/>
+              </a:lnSpc>
+            </a:pPr>
+            <a:r>
+              <a:rPr lang="ru-RU" sz="4800" dirty="0" smtClean="0">
+                <a:solidFill>
+                  <a:srgbClr val="FF0000"/>
+                </a:solidFill>
+                <a:latin typeface="Open Sans SemiBold"/>
+                <a:ea typeface="Open Sans SemiBold"/>
+                <a:cs typeface="Open Sans SemiBold"/>
+              </a:rPr>
+              <a:t>Трудно</a:t>
+            </a:r>
+            <a:r>
+              <a:rPr lang="ru-RU" sz="4800" dirty="0" smtClean="0">
+                <a:latin typeface="Open Sans SemiBold"/>
+                <a:ea typeface="Open Sans SemiBold"/>
+                <a:cs typeface="Open Sans SemiBold"/>
+              </a:rPr>
+              <a:t> изменить</a:t>
+            </a:r>
+            <a:endParaRPr lang="ru-RU" dirty="0"/>
+          </a:p>
+        </p:txBody>
+      </p:sp>
+    </p:spTree>
+    <p:extLst>
+      <p:ext uri="{BB962C8B-B14F-4D97-AF65-F5344CB8AC3E}">
+        <p14:creationId xmlns:p14="http://schemas.microsoft.com/office/powerpoint/2010/main" val="176813376"/>
+      </p:ext>
+    </p:extLst>
+  </p:cSld>
+  <p:clrMapOvr>
+    <a:masterClrMapping/>
+  </p:clrMapOvr>
+</p:sld>
+</file>
+
+<file path=ppt/slides/slide8.xml><?xml version="1.0" encoding="utf-8"?>
+<p:sld xmlns:a="http://schemas.openxmlformats.org/drawingml/2006/main" xmlns:r="http://schemas.openxmlformats.org/officeDocument/2006/relationships" xmlns:p="http://schemas.openxmlformats.org/presentationml/2006/main">
+  <p:cSld>
+    <p:spTree>
+      <p:nvGrpSpPr>
+        <p:cNvPr id="1" name=""/>
+        <p:cNvGrpSpPr/>
+        <p:nvPr/>
+      </p:nvGrpSpPr>
+      <p:grpSpPr>
+        <a:xfrm>
+          <a:off x="0" y="0"/>
+          <a:ext cx="0" cy="0"/>
+          <a:chOff x="0" y="0"/>
+          <a:chExt cx="0" cy="0"/>
+        </a:xfrm>
+      </p:grpSpPr>
+      <p:sp>
+        <p:nvSpPr>
+          <p:cNvPr id="4" name="TextBox 3"/>
+          <p:cNvSpPr txBox="1"/>
+          <p:nvPr/>
+        </p:nvSpPr>
+        <p:spPr>
+          <a:xfrm>
+            <a:off x="5152474" y="468854"/>
+            <a:ext cx="1887055" cy="1085041"/>
+          </a:xfrm>
+          <a:prstGeom prst="rect">
+            <a:avLst/>
+          </a:prstGeom>
+          <a:noFill/>
+        </p:spPr>
+        <p:txBody>
+          <a:bodyPr wrap="none" lIns="91440" tIns="45720" rIns="91440" bIns="45720" rtlCol="0" anchor="t">
+            <a:spAutoFit/>
+          </a:bodyPr>
+          <a:lstStyle/>
+          <a:p>
+            <a:pPr algn="ctr">
+              <a:lnSpc>
+                <a:spcPct val="150000"/>
+              </a:lnSpc>
+            </a:pPr>
+            <a:r>
+              <a:rPr lang="ru-RU" sz="4800" dirty="0" smtClean="0">
+                <a:latin typeface="Open Sans SemiBold"/>
+                <a:ea typeface="Open Sans SemiBold"/>
+                <a:cs typeface="Open Sans SemiBold"/>
+              </a:rPr>
+              <a:t>РОЛЬ</a:t>
+            </a:r>
+            <a:endParaRPr lang="ru-RU" dirty="0"/>
+          </a:p>
+        </p:txBody>
+      </p:sp>
+      <p:sp>
+        <p:nvSpPr>
+          <p:cNvPr id="12" name="TextBox 11"/>
+          <p:cNvSpPr txBox="1"/>
+          <p:nvPr/>
+        </p:nvSpPr>
+        <p:spPr>
+          <a:xfrm>
+            <a:off x="1689996" y="3051281"/>
+            <a:ext cx="8812028" cy="1085041"/>
+          </a:xfrm>
+          <a:prstGeom prst="rect">
+            <a:avLst/>
+          </a:prstGeom>
+          <a:noFill/>
+        </p:spPr>
+        <p:txBody>
+          <a:bodyPr wrap="none" lIns="91440" tIns="45720" rIns="91440" bIns="45720" rtlCol="0" anchor="t">
+            <a:spAutoFit/>
+          </a:bodyPr>
+          <a:lstStyle/>
+          <a:p>
+            <a:pPr algn="ctr">
+              <a:lnSpc>
+                <a:spcPct val="150000"/>
+              </a:lnSpc>
+            </a:pPr>
+            <a:r>
+              <a:rPr lang="ru-RU" sz="4800" dirty="0" smtClean="0">
+                <a:solidFill>
+                  <a:srgbClr val="FF0000"/>
+                </a:solidFill>
+                <a:latin typeface="Open Sans SemiBold"/>
+                <a:ea typeface="Open Sans SemiBold"/>
+                <a:cs typeface="Open Sans SemiBold"/>
+              </a:rPr>
+              <a:t>Легко</a:t>
+            </a:r>
+            <a:r>
+              <a:rPr lang="ru-RU" sz="4800" dirty="0" smtClean="0">
+                <a:latin typeface="Open Sans SemiBold"/>
+                <a:ea typeface="Open Sans SemiBold"/>
+                <a:cs typeface="Open Sans SemiBold"/>
+              </a:rPr>
+              <a:t> изменить и </a:t>
+            </a:r>
+            <a:r>
+              <a:rPr lang="ru-RU" sz="4800" dirty="0" smtClean="0">
+                <a:solidFill>
+                  <a:srgbClr val="FF0000"/>
+                </a:solidFill>
+                <a:latin typeface="Open Sans SemiBold"/>
+                <a:ea typeface="Open Sans SemiBold"/>
+                <a:cs typeface="Open Sans SemiBold"/>
+              </a:rPr>
+              <a:t>ускорить</a:t>
+            </a:r>
+            <a:endParaRPr lang="ru-RU" dirty="0">
+              <a:solidFill>
+                <a:srgbClr val="FF0000"/>
+              </a:solidFill>
+            </a:endParaRPr>
+          </a:p>
+        </p:txBody>
+      </p:sp>
+    </p:spTree>
+    <p:extLst>
+      <p:ext uri="{BB962C8B-B14F-4D97-AF65-F5344CB8AC3E}">
+        <p14:creationId xmlns:p14="http://schemas.microsoft.com/office/powerpoint/2010/main" val="4149150526"/>
+      </p:ext>
+    </p:extLst>
+  </p:cSld>
+  <p:clrMapOvr>
+    <a:masterClrMapping/>
+  </p:clrMapOvr>
+</p:sld>
+</file>
+
+<file path=ppt/slides/slide9.xml><?xml version="1.0" encoding="utf-8"?>
+<p:sld xmlns:a="http://schemas.openxmlformats.org/drawingml/2006/main" xmlns:r="http://schemas.openxmlformats.org/officeDocument/2006/relationships" xmlns:p="http://schemas.openxmlformats.org/presentationml/2006/main">
+  <p:cSld>
+    <p:spTree>
+      <p:nvGrpSpPr>
+        <p:cNvPr id="1" name=""/>
+        <p:cNvGrpSpPr/>
+        <p:nvPr/>
+      </p:nvGrpSpPr>
+      <p:grpSpPr>
+        <a:xfrm>
+          <a:off x="0" y="0"/>
+          <a:ext cx="0" cy="0"/>
+          <a:chOff x="0" y="0"/>
+          <a:chExt cx="0" cy="0"/>
+        </a:xfrm>
+      </p:grpSpPr>
+      <p:sp>
+        <p:nvSpPr>
+          <p:cNvPr id="4" name="TextBox 3"/>
+          <p:cNvSpPr txBox="1"/>
+          <p:nvPr/>
+        </p:nvSpPr>
+        <p:spPr>
+          <a:xfrm>
+            <a:off x="3909464" y="3734569"/>
+            <a:ext cx="4453463" cy="1085041"/>
+          </a:xfrm>
+          <a:prstGeom prst="rect">
+            <a:avLst/>
+          </a:prstGeom>
+          <a:noFill/>
+        </p:spPr>
+        <p:txBody>
+          <a:bodyPr wrap="none" lIns="91440" tIns="45720" rIns="91440" bIns="45720" rtlCol="0" anchor="t">
+            <a:spAutoFit/>
+          </a:bodyPr>
+          <a:lstStyle/>
+          <a:p>
+            <a:pPr algn="ctr">
+              <a:lnSpc>
+                <a:spcPct val="150000"/>
+              </a:lnSpc>
+            </a:pPr>
+            <a:r>
+              <a:rPr lang="ru-RU" sz="4800" dirty="0" smtClean="0">
+                <a:latin typeface="Open Sans SemiBold"/>
+                <a:ea typeface="Open Sans SemiBold"/>
+                <a:cs typeface="Open Sans SemiBold"/>
+              </a:rPr>
+              <a:t>АРХИТЕКТУРА</a:t>
+            </a:r>
+            <a:endParaRPr lang="ru-RU" dirty="0"/>
+          </a:p>
+        </p:txBody>
+      </p:sp>
+      <p:sp>
+        <p:nvSpPr>
+          <p:cNvPr id="5" name="TextBox 4"/>
+          <p:cNvSpPr txBox="1"/>
+          <p:nvPr/>
+        </p:nvSpPr>
+        <p:spPr>
+          <a:xfrm>
+            <a:off x="4159533" y="1194010"/>
+            <a:ext cx="3953326" cy="1085041"/>
+          </a:xfrm>
+          <a:prstGeom prst="rect">
+            <a:avLst/>
+          </a:prstGeom>
+          <a:noFill/>
+        </p:spPr>
+        <p:txBody>
+          <a:bodyPr wrap="none" lIns="91440" tIns="45720" rIns="91440" bIns="45720" rtlCol="0" anchor="t">
+            <a:spAutoFit/>
+          </a:bodyPr>
+          <a:lstStyle/>
+          <a:p>
+            <a:pPr algn="ctr">
+              <a:lnSpc>
+                <a:spcPct val="150000"/>
+              </a:lnSpc>
+            </a:pPr>
+            <a:r>
+              <a:rPr lang="ru-RU" sz="4800" dirty="0" smtClean="0">
+                <a:latin typeface="Open Sans SemiBold"/>
+                <a:ea typeface="Open Sans SemiBold"/>
+                <a:cs typeface="Open Sans SemiBold"/>
+              </a:rPr>
+              <a:t>ПОВЕДЕНИЕ</a:t>
+            </a:r>
+            <a:endParaRPr lang="ru-RU" dirty="0"/>
+          </a:p>
+        </p:txBody>
+      </p:sp>
       <p:pic>
         <p:nvPicPr>
           <p:cNvPr id="6" name="Рисунок 5"/>
@@ -6811,277 +13160,7 @@
         </p:blipFill>
         <p:spPr>
           <a:xfrm>
-            <a:off x="4166119" y="3532098"/>
-            <a:ext cx="968953" cy="968953"/>
-          </a:xfrm>
-          <a:prstGeom prst="rect">
-            <a:avLst/>
-          </a:prstGeom>
-        </p:spPr>
-      </p:pic>
-      <p:pic>
-        <p:nvPicPr>
-          <p:cNvPr id="7" name="Рисунок 6"/>
-          <p:cNvPicPr>
-            <a:picLocks noChangeAspect="1"/>
-          </p:cNvPicPr>
-          <p:nvPr/>
-        </p:nvPicPr>
-        <p:blipFill>
-          <a:blip r:embed="rId4" cstate="print">
-            <a:extLst>
-              <a:ext uri="{28A0092B-C50C-407E-A947-70E740481C1C}">
-                <a14:useLocalDpi xmlns:a14="http://schemas.microsoft.com/office/drawing/2010/main" val="0"/>
-              </a:ext>
-            </a:extLst>
-          </a:blip>
-          <a:stretch>
-            <a:fillRect/>
-          </a:stretch>
-        </p:blipFill>
-        <p:spPr>
-          <a:xfrm>
-            <a:off x="6726439" y="3532098"/>
-            <a:ext cx="968953" cy="968953"/>
-          </a:xfrm>
-          <a:prstGeom prst="rect">
-            <a:avLst/>
-          </a:prstGeom>
-        </p:spPr>
-      </p:pic>
-      <p:pic>
-        <p:nvPicPr>
-          <p:cNvPr id="2" name="Рисунок 1"/>
-          <p:cNvPicPr>
-            <a:picLocks noChangeAspect="1"/>
-          </p:cNvPicPr>
-          <p:nvPr/>
-        </p:nvPicPr>
-        <p:blipFill>
-          <a:blip r:embed="rId5" cstate="print">
-            <a:extLst>
-              <a:ext uri="{28A0092B-C50C-407E-A947-70E740481C1C}">
-                <a14:useLocalDpi xmlns:a14="http://schemas.microsoft.com/office/drawing/2010/main" val="0"/>
-              </a:ext>
-            </a:extLst>
-          </a:blip>
-          <a:stretch>
-            <a:fillRect/>
-          </a:stretch>
-        </p:blipFill>
-        <p:spPr>
-          <a:xfrm rot="13380000">
-            <a:off x="4725811" y="2753220"/>
-            <a:ext cx="1003589" cy="1003589"/>
-          </a:xfrm>
-          <a:prstGeom prst="rect">
-            <a:avLst/>
-          </a:prstGeom>
-        </p:spPr>
-      </p:pic>
-      <p:pic>
-        <p:nvPicPr>
-          <p:cNvPr id="8" name="Рисунок 7"/>
-          <p:cNvPicPr>
-            <a:picLocks noChangeAspect="1"/>
-          </p:cNvPicPr>
-          <p:nvPr/>
-        </p:nvPicPr>
-        <p:blipFill>
-          <a:blip r:embed="rId5" cstate="print">
-            <a:extLst>
-              <a:ext uri="{28A0092B-C50C-407E-A947-70E740481C1C}">
-                <a14:useLocalDpi xmlns:a14="http://schemas.microsoft.com/office/drawing/2010/main" val="0"/>
-              </a:ext>
-            </a:extLst>
-          </a:blip>
-          <a:stretch>
-            <a:fillRect/>
-          </a:stretch>
-        </p:blipFill>
-        <p:spPr>
-          <a:xfrm rot="18903016" flipH="1">
-            <a:off x="6145099" y="2753219"/>
-            <a:ext cx="1003589" cy="1003589"/>
-          </a:xfrm>
-          <a:prstGeom prst="rect">
-            <a:avLst/>
-          </a:prstGeom>
-        </p:spPr>
-      </p:pic>
-      <p:pic>
-        <p:nvPicPr>
-          <p:cNvPr id="9" name="Рисунок 8"/>
-          <p:cNvPicPr>
-            <a:picLocks noChangeAspect="1"/>
-          </p:cNvPicPr>
-          <p:nvPr/>
-        </p:nvPicPr>
-        <p:blipFill>
-          <a:blip r:embed="rId6" cstate="print">
-            <a:extLst>
-              <a:ext uri="{28A0092B-C50C-407E-A947-70E740481C1C}">
-                <a14:useLocalDpi xmlns:a14="http://schemas.microsoft.com/office/drawing/2010/main" val="0"/>
-              </a:ext>
-            </a:extLst>
-          </a:blip>
-          <a:stretch>
-            <a:fillRect/>
-          </a:stretch>
-        </p:blipFill>
-        <p:spPr>
-          <a:xfrm>
-            <a:off x="3197166" y="5003302"/>
-            <a:ext cx="968953" cy="968953"/>
-          </a:xfrm>
-          <a:prstGeom prst="rect">
-            <a:avLst/>
-          </a:prstGeom>
-        </p:spPr>
-      </p:pic>
-      <p:pic>
-        <p:nvPicPr>
-          <p:cNvPr id="10" name="Рисунок 9"/>
-          <p:cNvPicPr>
-            <a:picLocks noChangeAspect="1"/>
-          </p:cNvPicPr>
-          <p:nvPr/>
-        </p:nvPicPr>
-        <p:blipFill>
-          <a:blip r:embed="rId7" cstate="print">
-            <a:extLst>
-              <a:ext uri="{28A0092B-C50C-407E-A947-70E740481C1C}">
-                <a14:useLocalDpi xmlns:a14="http://schemas.microsoft.com/office/drawing/2010/main" val="0"/>
-              </a:ext>
-            </a:extLst>
-          </a:blip>
-          <a:stretch>
-            <a:fillRect/>
-          </a:stretch>
-        </p:blipFill>
-        <p:spPr>
-          <a:xfrm>
-            <a:off x="7960659" y="5013951"/>
-            <a:ext cx="968953" cy="968953"/>
-          </a:xfrm>
-          <a:prstGeom prst="rect">
-            <a:avLst/>
-          </a:prstGeom>
-        </p:spPr>
-      </p:pic>
-      <p:pic>
-        <p:nvPicPr>
-          <p:cNvPr id="11" name="Рисунок 10"/>
-          <p:cNvPicPr>
-            <a:picLocks noChangeAspect="1"/>
-          </p:cNvPicPr>
-          <p:nvPr/>
-        </p:nvPicPr>
-        <p:blipFill>
-          <a:blip r:embed="rId8" cstate="print">
-            <a:extLst>
-              <a:ext uri="{28A0092B-C50C-407E-A947-70E740481C1C}">
-                <a14:useLocalDpi xmlns:a14="http://schemas.microsoft.com/office/drawing/2010/main" val="0"/>
-              </a:ext>
-            </a:extLst>
-          </a:blip>
-          <a:stretch>
-            <a:fillRect/>
-          </a:stretch>
-        </p:blipFill>
-        <p:spPr>
-          <a:xfrm>
-            <a:off x="5452773" y="5003302"/>
-            <a:ext cx="968953" cy="968953"/>
-          </a:xfrm>
-          <a:prstGeom prst="rect">
-            <a:avLst/>
-          </a:prstGeom>
-        </p:spPr>
-      </p:pic>
-      <p:pic>
-        <p:nvPicPr>
-          <p:cNvPr id="12" name="Рисунок 11"/>
-          <p:cNvPicPr>
-            <a:picLocks noChangeAspect="1"/>
-          </p:cNvPicPr>
-          <p:nvPr/>
-        </p:nvPicPr>
-        <p:blipFill>
-          <a:blip r:embed="rId5" cstate="print">
-            <a:extLst>
-              <a:ext uri="{28A0092B-C50C-407E-A947-70E740481C1C}">
-                <a14:useLocalDpi xmlns:a14="http://schemas.microsoft.com/office/drawing/2010/main" val="0"/>
-              </a:ext>
-            </a:extLst>
-          </a:blip>
-          <a:stretch>
-            <a:fillRect/>
-          </a:stretch>
-        </p:blipFill>
-        <p:spPr>
-          <a:xfrm rot="2696984">
-            <a:off x="3531690" y="4176736"/>
-            <a:ext cx="1003589" cy="1003589"/>
-          </a:xfrm>
-          <a:prstGeom prst="rect">
-            <a:avLst/>
-          </a:prstGeom>
-        </p:spPr>
-      </p:pic>
-      <p:pic>
-        <p:nvPicPr>
-          <p:cNvPr id="13" name="Рисунок 12"/>
-          <p:cNvPicPr>
-            <a:picLocks noChangeAspect="1"/>
-          </p:cNvPicPr>
-          <p:nvPr/>
-        </p:nvPicPr>
-        <p:blipFill>
-          <a:blip r:embed="rId5" cstate="print">
-            <a:extLst>
-              <a:ext uri="{28A0092B-C50C-407E-A947-70E740481C1C}">
-                <a14:useLocalDpi xmlns:a14="http://schemas.microsoft.com/office/drawing/2010/main" val="0"/>
-              </a:ext>
-            </a:extLst>
-          </a:blip>
-          <a:stretch>
-            <a:fillRect/>
-          </a:stretch>
-        </p:blipFill>
-        <p:spPr>
-          <a:xfrm rot="18903016" flipH="1">
-            <a:off x="7326231" y="4172508"/>
-            <a:ext cx="1003589" cy="1003589"/>
-          </a:xfrm>
-          <a:prstGeom prst="rect">
-            <a:avLst/>
-          </a:prstGeom>
-        </p:spPr>
-      </p:pic>
-      <p:pic>
-        <p:nvPicPr>
-          <p:cNvPr id="14" name="Рисунок 13"/>
-          <p:cNvPicPr>
-            <a:picLocks noChangeAspect="1"/>
-          </p:cNvPicPr>
-          <p:nvPr/>
-        </p:nvPicPr>
-        <p:blipFill>
-          <a:blip r:embed="rId5" cstate="print">
-            <a:extLst>
-              <a:ext uri="{28A0092B-C50C-407E-A947-70E740481C1C}">
-                <a14:useLocalDpi xmlns:a14="http://schemas.microsoft.com/office/drawing/2010/main" val="0"/>
-              </a:ext>
-            </a:extLst>
-          </a:blip>
-          <a:stretch>
-            <a:fillRect/>
-          </a:stretch>
-        </p:blipFill>
-        <p:spPr>
-          <a:xfrm rot="18903016" flipH="1">
-            <a:off x="4915287" y="4172506"/>
+            <a:off x="5634400" y="2642689"/>
             <a:ext cx="1003589" cy="1003589"/>
           </a:xfrm>
           <a:prstGeom prst="rect">
@@ -7092,7 +13171,7 @@
     </p:spTree>
     <p:extLst>
       <p:ext uri="{BB962C8B-B14F-4D97-AF65-F5344CB8AC3E}">
-        <p14:creationId xmlns:p14="http://schemas.microsoft.com/office/powerpoint/2010/main" val="442575277"/>
+        <p14:creationId xmlns:p14="http://schemas.microsoft.com/office/powerpoint/2010/main" val="506544602"/>
       </p:ext>
     </p:extLst>
   </p:cSld>

--- a/Презентация.pptx
+++ b/Презентация.pptx
@@ -6,7 +6,7 @@
     <p:sldMasterId id="2147483648" r:id="rId2"/>
   </p:sldMasterIdLst>
   <p:notesMasterIdLst>
-    <p:notesMasterId r:id="rId97"/>
+    <p:notesMasterId r:id="rId94"/>
   </p:notesMasterIdLst>
   <p:sldIdLst>
     <p:sldId id="258" r:id="rId3"/>
@@ -37,18 +37,18 @@
     <p:sldId id="292" r:id="rId28"/>
     <p:sldId id="293" r:id="rId29"/>
     <p:sldId id="294" r:id="rId30"/>
-    <p:sldId id="296" r:id="rId31"/>
-    <p:sldId id="297" r:id="rId32"/>
-    <p:sldId id="298" r:id="rId33"/>
-    <p:sldId id="301" r:id="rId34"/>
-    <p:sldId id="300" r:id="rId35"/>
-    <p:sldId id="299" r:id="rId36"/>
-    <p:sldId id="302" r:id="rId37"/>
-    <p:sldId id="303" r:id="rId38"/>
-    <p:sldId id="304" r:id="rId39"/>
-    <p:sldId id="305" r:id="rId40"/>
-    <p:sldId id="306" r:id="rId41"/>
-    <p:sldId id="307" r:id="rId42"/>
+    <p:sldId id="297" r:id="rId31"/>
+    <p:sldId id="298" r:id="rId32"/>
+    <p:sldId id="301" r:id="rId33"/>
+    <p:sldId id="300" r:id="rId34"/>
+    <p:sldId id="299" r:id="rId35"/>
+    <p:sldId id="302" r:id="rId36"/>
+    <p:sldId id="303" r:id="rId37"/>
+    <p:sldId id="371" r:id="rId38"/>
+    <p:sldId id="305" r:id="rId39"/>
+    <p:sldId id="306" r:id="rId40"/>
+    <p:sldId id="307" r:id="rId41"/>
+    <p:sldId id="372" r:id="rId42"/>
     <p:sldId id="308" r:id="rId43"/>
     <p:sldId id="309" r:id="rId44"/>
     <p:sldId id="310" r:id="rId45"/>
@@ -84,25 +84,22 @@
     <p:sldId id="347" r:id="rId75"/>
     <p:sldId id="348" r:id="rId76"/>
     <p:sldId id="349" r:id="rId77"/>
-    <p:sldId id="350" r:id="rId78"/>
-    <p:sldId id="351" r:id="rId79"/>
+    <p:sldId id="351" r:id="rId78"/>
+    <p:sldId id="374" r:id="rId79"/>
     <p:sldId id="352" r:id="rId80"/>
     <p:sldId id="353" r:id="rId81"/>
-    <p:sldId id="354" r:id="rId82"/>
-    <p:sldId id="355" r:id="rId83"/>
-    <p:sldId id="356" r:id="rId84"/>
-    <p:sldId id="357" r:id="rId85"/>
-    <p:sldId id="358" r:id="rId86"/>
+    <p:sldId id="373" r:id="rId82"/>
+    <p:sldId id="354" r:id="rId83"/>
+    <p:sldId id="355" r:id="rId84"/>
+    <p:sldId id="356" r:id="rId85"/>
+    <p:sldId id="361" r:id="rId86"/>
     <p:sldId id="359" r:id="rId87"/>
-    <p:sldId id="360" r:id="rId88"/>
-    <p:sldId id="361" r:id="rId89"/>
-    <p:sldId id="362" r:id="rId90"/>
-    <p:sldId id="363" r:id="rId91"/>
-    <p:sldId id="365" r:id="rId92"/>
-    <p:sldId id="364" r:id="rId93"/>
-    <p:sldId id="368" r:id="rId94"/>
-    <p:sldId id="366" r:id="rId95"/>
-    <p:sldId id="367" r:id="rId96"/>
+    <p:sldId id="363" r:id="rId88"/>
+    <p:sldId id="365" r:id="rId89"/>
+    <p:sldId id="364" r:id="rId90"/>
+    <p:sldId id="368" r:id="rId91"/>
+    <p:sldId id="366" r:id="rId92"/>
+    <p:sldId id="367" r:id="rId93"/>
   </p:sldIdLst>
   <p:sldSz cx="12192000" cy="6858000"/>
   <p:notesSz cx="6858000" cy="9144000"/>
@@ -1645,17 +1642,6 @@
           <a:bodyPr/>
           <a:lstStyle/>
           <a:p>
-            <a:r>
-              <a:rPr lang="ru-RU" dirty="0" smtClean="0"/>
-              <a:t>Программа называется жесткой,</a:t>
-            </a:r>
-            <a:br>
-              <a:rPr lang="ru-RU" dirty="0" smtClean="0"/>
-            </a:br>
-            <a:r>
-              <a:rPr lang="ru-RU" dirty="0" smtClean="0"/>
-              <a:t>если одно изменение в модуле вызывает за собой каскад изменений в других модулях.</a:t>
-            </a:r>
             <a:endParaRPr lang="ru-RU" dirty="0"/>
           </a:p>
         </p:txBody>
@@ -2118,129 +2104,6 @@
           <a:bodyPr/>
           <a:lstStyle/>
           <a:p>
-            <a:r>
-              <a:rPr lang="ru-RU" sz="1200" b="0" i="0" kern="1200" dirty="0" smtClean="0">
-                <a:solidFill>
-                  <a:schemeClr val="tx1"/>
-                </a:solidFill>
-                <a:effectLst/>
-                <a:latin typeface="+mn-lt"/>
-                <a:ea typeface="+mn-ea"/>
-                <a:cs typeface="+mn-cs"/>
-              </a:rPr>
-              <a:t>Обязательный</a:t>
-            </a:r>
-            <a:r>
-              <a:rPr lang="ru-RU" sz="1200" b="0" i="0" kern="1200" baseline="0" dirty="0" smtClean="0">
-                <a:solidFill>
-                  <a:schemeClr val="tx1"/>
-                </a:solidFill>
-                <a:effectLst/>
-                <a:latin typeface="+mn-lt"/>
-                <a:ea typeface="+mn-ea"/>
-                <a:cs typeface="+mn-cs"/>
-              </a:rPr>
-              <a:t> атрибут</a:t>
-            </a:r>
-            <a:r>
-              <a:rPr lang="en-US" sz="1200" b="0" i="0" kern="1200" baseline="0" dirty="0" smtClean="0">
-                <a:solidFill>
-                  <a:schemeClr val="tx1"/>
-                </a:solidFill>
-                <a:effectLst/>
-                <a:latin typeface="+mn-lt"/>
-                <a:ea typeface="+mn-ea"/>
-                <a:cs typeface="+mn-cs"/>
-              </a:rPr>
-              <a:t>:</a:t>
-            </a:r>
-          </a:p>
-          <a:p>
-            <a:pPr marL="228600" indent="-228600">
-              <a:buAutoNum type="arabicPeriod"/>
-            </a:pPr>
-            <a:r>
-              <a:rPr lang="ru-RU" sz="1200" b="0" i="0" kern="1200" baseline="0" dirty="0" smtClean="0">
-                <a:solidFill>
-                  <a:schemeClr val="tx1"/>
-                </a:solidFill>
-                <a:effectLst/>
-                <a:latin typeface="+mn-lt"/>
-                <a:ea typeface="+mn-ea"/>
-                <a:cs typeface="+mn-cs"/>
-              </a:rPr>
-              <a:t>Нарушит обратную совместимость</a:t>
-            </a:r>
-          </a:p>
-          <a:p>
-            <a:pPr marL="228600" indent="-228600">
-              <a:buAutoNum type="arabicPeriod"/>
-            </a:pPr>
-            <a:r>
-              <a:rPr lang="ru-RU" sz="1200" b="0" i="0" kern="1200" baseline="0" dirty="0" smtClean="0">
-                <a:solidFill>
-                  <a:schemeClr val="tx1"/>
-                </a:solidFill>
-                <a:effectLst/>
-                <a:latin typeface="+mn-lt"/>
-                <a:ea typeface="+mn-ea"/>
-                <a:cs typeface="+mn-cs"/>
-              </a:rPr>
-              <a:t>Изменения связанные </a:t>
-            </a:r>
-            <a:r>
-              <a:rPr lang="en-US" sz="1200" b="0" i="0" kern="1200" baseline="0" dirty="0" smtClean="0">
-                <a:solidFill>
-                  <a:schemeClr val="tx1"/>
-                </a:solidFill>
-                <a:effectLst/>
-                <a:latin typeface="+mn-lt"/>
-                <a:ea typeface="+mn-ea"/>
-                <a:cs typeface="+mn-cs"/>
-              </a:rPr>
-              <a:t>guard </a:t>
-            </a:r>
-            <a:r>
-              <a:rPr lang="ru-RU" sz="1200" b="0" i="0" kern="1200" baseline="0" dirty="0" smtClean="0">
-                <a:solidFill>
-                  <a:schemeClr val="tx1"/>
-                </a:solidFill>
-                <a:effectLst/>
-                <a:latin typeface="+mn-lt"/>
-                <a:ea typeface="+mn-ea"/>
-                <a:cs typeface="+mn-cs"/>
-              </a:rPr>
-              <a:t>повлекут изменения в модулях где не используется</a:t>
-            </a:r>
-          </a:p>
-          <a:p>
-            <a:pPr marL="228600" indent="-228600">
-              <a:buAutoNum type="arabicPeriod"/>
-            </a:pPr>
-            <a:r>
-              <a:rPr lang="ru-RU" sz="1200" b="0" i="0" kern="1200" baseline="0" dirty="0" err="1" smtClean="0">
-                <a:solidFill>
-                  <a:schemeClr val="tx1"/>
-                </a:solidFill>
-                <a:effectLst/>
-                <a:latin typeface="+mn-lt"/>
-                <a:ea typeface="+mn-ea"/>
-                <a:cs typeface="+mn-cs"/>
-              </a:rPr>
-              <a:t>Доп</a:t>
-            </a:r>
-            <a:r>
-              <a:rPr lang="ru-RU" sz="1200" b="0" i="0" kern="1200" baseline="0" dirty="0" smtClean="0">
-                <a:solidFill>
-                  <a:schemeClr val="tx1"/>
-                </a:solidFill>
-                <a:effectLst/>
-                <a:latin typeface="+mn-lt"/>
-                <a:ea typeface="+mn-ea"/>
-                <a:cs typeface="+mn-cs"/>
-              </a:rPr>
-              <a:t> работы при купировании сайд эффектов (тестирование)</a:t>
-            </a:r>
             <a:endParaRPr lang="ru-RU" dirty="0"/>
           </a:p>
         </p:txBody>
@@ -2335,7 +2198,156 @@
                 <a:ea typeface="+mn-ea"/>
                 <a:cs typeface="+mn-cs"/>
               </a:rPr>
-              <a:t>В общем случае, указанные проблемы ведут за собой изменения во всех зависимых от </a:t>
+              <a:t>Обязательный</a:t>
+            </a:r>
+            <a:r>
+              <a:rPr lang="ru-RU" sz="1200" b="0" i="0" kern="1200" baseline="0" dirty="0" smtClean="0">
+                <a:solidFill>
+                  <a:schemeClr val="tx1"/>
+                </a:solidFill>
+                <a:effectLst/>
+                <a:latin typeface="+mn-lt"/>
+                <a:ea typeface="+mn-ea"/>
+                <a:cs typeface="+mn-cs"/>
+              </a:rPr>
+              <a:t> атрибут</a:t>
+            </a:r>
+            <a:r>
+              <a:rPr lang="en-US" sz="1200" b="0" i="0" kern="1200" baseline="0" dirty="0" smtClean="0">
+                <a:solidFill>
+                  <a:schemeClr val="tx1"/>
+                </a:solidFill>
+                <a:effectLst/>
+                <a:latin typeface="+mn-lt"/>
+                <a:ea typeface="+mn-ea"/>
+                <a:cs typeface="+mn-cs"/>
+              </a:rPr>
+              <a:t>:</a:t>
+            </a:r>
+          </a:p>
+          <a:p>
+            <a:pPr marL="228600" indent="-228600">
+              <a:buAutoNum type="arabicPeriod"/>
+            </a:pPr>
+            <a:r>
+              <a:rPr lang="ru-RU" sz="1200" b="0" i="0" kern="1200" baseline="0" dirty="0" smtClean="0">
+                <a:solidFill>
+                  <a:schemeClr val="tx1"/>
+                </a:solidFill>
+                <a:effectLst/>
+                <a:latin typeface="+mn-lt"/>
+                <a:ea typeface="+mn-ea"/>
+                <a:cs typeface="+mn-cs"/>
+              </a:rPr>
+              <a:t>Нарушит обратную совместимость</a:t>
+            </a:r>
+          </a:p>
+          <a:p>
+            <a:pPr marL="228600" indent="-228600">
+              <a:buAutoNum type="arabicPeriod"/>
+            </a:pPr>
+            <a:r>
+              <a:rPr lang="ru-RU" sz="1200" b="0" i="0" kern="1200" baseline="0" dirty="0" smtClean="0">
+                <a:solidFill>
+                  <a:schemeClr val="tx1"/>
+                </a:solidFill>
+                <a:effectLst/>
+                <a:latin typeface="+mn-lt"/>
+                <a:ea typeface="+mn-ea"/>
+                <a:cs typeface="+mn-cs"/>
+              </a:rPr>
+              <a:t>Изменения связанные </a:t>
+            </a:r>
+            <a:r>
+              <a:rPr lang="en-US" sz="1200" b="0" i="0" kern="1200" baseline="0" dirty="0" smtClean="0">
+                <a:solidFill>
+                  <a:schemeClr val="tx1"/>
+                </a:solidFill>
+                <a:effectLst/>
+                <a:latin typeface="+mn-lt"/>
+                <a:ea typeface="+mn-ea"/>
+                <a:cs typeface="+mn-cs"/>
+              </a:rPr>
+              <a:t>guard </a:t>
+            </a:r>
+            <a:r>
+              <a:rPr lang="ru-RU" sz="1200" b="0" i="0" kern="1200" baseline="0" dirty="0" smtClean="0">
+                <a:solidFill>
+                  <a:schemeClr val="tx1"/>
+                </a:solidFill>
+                <a:effectLst/>
+                <a:latin typeface="+mn-lt"/>
+                <a:ea typeface="+mn-ea"/>
+                <a:cs typeface="+mn-cs"/>
+              </a:rPr>
+              <a:t>повлекут изменения в модулях где не используется</a:t>
+            </a:r>
+          </a:p>
+          <a:p>
+            <a:pPr marL="228600" indent="-228600">
+              <a:buAutoNum type="arabicPeriod"/>
+            </a:pPr>
+            <a:r>
+              <a:rPr lang="ru-RU" sz="1200" b="0" i="0" kern="1200" baseline="0" dirty="0" err="1" smtClean="0">
+                <a:solidFill>
+                  <a:schemeClr val="tx1"/>
+                </a:solidFill>
+                <a:effectLst/>
+                <a:latin typeface="+mn-lt"/>
+                <a:ea typeface="+mn-ea"/>
+                <a:cs typeface="+mn-cs"/>
+              </a:rPr>
+              <a:t>Доп</a:t>
+            </a:r>
+            <a:r>
+              <a:rPr lang="ru-RU" sz="1200" b="0" i="0" kern="1200" baseline="0" dirty="0" smtClean="0">
+                <a:solidFill>
+                  <a:schemeClr val="tx1"/>
+                </a:solidFill>
+                <a:effectLst/>
+                <a:latin typeface="+mn-lt"/>
+                <a:ea typeface="+mn-ea"/>
+                <a:cs typeface="+mn-cs"/>
+              </a:rPr>
+              <a:t> работы при купировании сайд эффектов (тестирование)</a:t>
+            </a:r>
+            <a:endParaRPr lang="ru-RU" dirty="0" smtClean="0"/>
+          </a:p>
+          <a:p>
+            <a:endParaRPr lang="en-US" sz="1200" b="0" i="0" kern="1200" dirty="0" smtClean="0">
+              <a:solidFill>
+                <a:schemeClr val="tx1"/>
+              </a:solidFill>
+              <a:effectLst/>
+              <a:latin typeface="+mn-lt"/>
+              <a:ea typeface="+mn-ea"/>
+              <a:cs typeface="+mn-cs"/>
+            </a:endParaRPr>
+          </a:p>
+          <a:p>
+            <a:r>
+              <a:rPr lang="ru-RU" sz="1200" b="0" i="0" kern="1200" dirty="0" smtClean="0">
+                <a:solidFill>
+                  <a:schemeClr val="tx1"/>
+                </a:solidFill>
+                <a:effectLst/>
+                <a:latin typeface="+mn-lt"/>
+                <a:ea typeface="+mn-ea"/>
+                <a:cs typeface="+mn-cs"/>
+              </a:rPr>
+              <a:t>В</a:t>
+            </a:r>
+            <a:r>
+              <a:rPr lang="ru-RU" sz="1200" b="0" i="0" kern="1200" dirty="0" smtClean="0">
+                <a:solidFill>
+                  <a:schemeClr val="tx1"/>
+                </a:solidFill>
+                <a:effectLst/>
+                <a:latin typeface="+mn-lt"/>
+                <a:ea typeface="+mn-ea"/>
+                <a:cs typeface="+mn-cs"/>
+              </a:rPr>
+              <a:t> общем случае, указанные проблемы ведут за собой изменения во всех зависимых от </a:t>
             </a:r>
             <a:r>
               <a:rPr lang="ru-RU" dirty="0" err="1" smtClean="0"/>
@@ -2367,16 +2379,15 @@
           </a:p>
           <a:p>
             <a:r>
-              <a:rPr lang="ru-RU" sz="1200" b="0" i="0" kern="1200" dirty="0" smtClean="0">
-                <a:solidFill>
-                  <a:schemeClr val="tx1"/>
-                </a:solidFill>
-                <a:effectLst/>
-                <a:latin typeface="+mn-lt"/>
-                <a:ea typeface="+mn-ea"/>
-                <a:cs typeface="+mn-cs"/>
-              </a:rPr>
-              <a:t>Именно такая ситуация называется жесткостью</a:t>
+              <a:rPr lang="ru-RU" dirty="0" smtClean="0"/>
+              <a:t>Программа называется жесткой,</a:t>
+            </a:r>
+            <a:br>
+              <a:rPr lang="ru-RU" dirty="0" smtClean="0"/>
+            </a:br>
+            <a:r>
+              <a:rPr lang="ru-RU" dirty="0" smtClean="0"/>
+              <a:t>если одно изменение в модуле вызывает за собой каскад изменений в других модулях.</a:t>
             </a:r>
             <a:endParaRPr lang="ru-RU" dirty="0"/>
           </a:p>
@@ -2972,8 +2983,73 @@
                 <a:ea typeface="+mn-ea"/>
                 <a:cs typeface="+mn-cs"/>
               </a:rPr>
-              <a:t> страниц.</a:t>
-            </a:r>
+              <a:t> страниц</a:t>
+            </a:r>
+            <a:r>
+              <a:rPr lang="ru-RU" sz="1200" b="0" i="0" kern="1200" dirty="0" smtClean="0">
+                <a:solidFill>
+                  <a:schemeClr val="tx1"/>
+                </a:solidFill>
+                <a:effectLst/>
+                <a:latin typeface="+mn-lt"/>
+                <a:ea typeface="+mn-ea"/>
+                <a:cs typeface="+mn-cs"/>
+              </a:rPr>
+              <a:t>.</a:t>
+            </a:r>
+            <a:endParaRPr lang="en-US" sz="1200" b="0" i="0" kern="1200" dirty="0" smtClean="0">
+              <a:solidFill>
+                <a:schemeClr val="tx1"/>
+              </a:solidFill>
+              <a:effectLst/>
+              <a:latin typeface="+mn-lt"/>
+              <a:ea typeface="+mn-ea"/>
+              <a:cs typeface="+mn-cs"/>
+            </a:endParaRPr>
+          </a:p>
+          <a:p>
+            <a:endParaRPr lang="en-US" sz="1200" b="0" i="0" kern="1200" dirty="0" smtClean="0">
+              <a:solidFill>
+                <a:schemeClr val="tx1"/>
+              </a:solidFill>
+              <a:effectLst/>
+              <a:latin typeface="+mn-lt"/>
+              <a:ea typeface="+mn-ea"/>
+              <a:cs typeface="+mn-cs"/>
+            </a:endParaRPr>
+          </a:p>
+          <a:p>
+            <a:pPr marL="0" marR="0" indent="0" algn="l" defTabSz="914400" rtl="0" eaLnBrk="1" fontAlgn="auto" latinLnBrk="0" hangingPunct="1">
+              <a:lnSpc>
+                <a:spcPct val="100000"/>
+              </a:lnSpc>
+              <a:spcBef>
+                <a:spcPts val="0"/>
+              </a:spcBef>
+              <a:spcAft>
+                <a:spcPts val="0"/>
+              </a:spcAft>
+              <a:buClrTx/>
+              <a:buSzTx/>
+              <a:buFontTx/>
+              <a:buNone/>
+              <a:tabLst/>
+              <a:defRPr/>
+            </a:pPr>
+            <a:r>
+              <a:rPr lang="ru-RU" sz="1200" b="0" i="0" kern="1200" dirty="0" smtClean="0">
+                <a:solidFill>
+                  <a:schemeClr val="tx1"/>
+                </a:solidFill>
+                <a:effectLst/>
+                <a:latin typeface="+mn-lt"/>
+                <a:ea typeface="+mn-ea"/>
+                <a:cs typeface="+mn-cs"/>
+              </a:rPr>
+              <a:t>Любое изменение в деталях реализации поведения, имеет все шансы оказать на него негативный эффект. То что работало раньше, может сломаться после казалось бы, не относящихся напрямую модификаций.</a:t>
+            </a:r>
+          </a:p>
+          <a:p>
             <a:endParaRPr lang="ru-RU" dirty="0"/>
           </a:p>
         </p:txBody>
@@ -3068,7 +3144,43 @@
                 <a:ea typeface="+mn-ea"/>
                 <a:cs typeface="+mn-cs"/>
               </a:rPr>
-              <a:t>Любое изменение в деталях реализации поведения, имеет все шансы оказать на него негативный эффект. То что работало раньше, может сломаться после казалось бы, не относящихся напрямую модификаций.</a:t>
+              <a:t>Затрагивается</a:t>
+            </a:r>
+            <a:r>
+              <a:rPr lang="ru-RU" sz="1200" b="0" i="0" kern="1200" baseline="0" dirty="0" smtClean="0">
+                <a:solidFill>
+                  <a:schemeClr val="tx1"/>
+                </a:solidFill>
+                <a:effectLst/>
+                <a:latin typeface="+mn-lt"/>
+                <a:ea typeface="+mn-ea"/>
+                <a:cs typeface="+mn-cs"/>
+              </a:rPr>
+              <a:t> много </a:t>
+            </a:r>
+            <a:r>
+              <a:rPr lang="ru-RU" sz="1200" b="0" i="0" kern="1200" baseline="0" dirty="0" err="1" smtClean="0">
+                <a:solidFill>
+                  <a:schemeClr val="tx1"/>
+                </a:solidFill>
+                <a:effectLst/>
+                <a:latin typeface="+mn-lt"/>
+                <a:ea typeface="+mn-ea"/>
+                <a:cs typeface="+mn-cs"/>
+              </a:rPr>
+              <a:t>комопнентов</a:t>
+            </a:r>
+            <a:r>
+              <a:rPr lang="ru-RU" sz="1200" b="0" i="0" kern="1200" baseline="0" dirty="0" smtClean="0">
+                <a:solidFill>
+                  <a:schemeClr val="tx1"/>
+                </a:solidFill>
+                <a:effectLst/>
+                <a:latin typeface="+mn-lt"/>
+                <a:ea typeface="+mn-ea"/>
+                <a:cs typeface="+mn-cs"/>
+              </a:rPr>
+              <a:t>. Эффекты зачастую неочевидны. Человек не будет проверять все каждый раз</a:t>
             </a:r>
             <a:endParaRPr lang="ru-RU" sz="1200" b="0" i="0" kern="1200" dirty="0">
               <a:solidFill>
@@ -3108,7 +3220,7 @@
     </p:spTree>
     <p:extLst>
       <p:ext uri="{BB962C8B-B14F-4D97-AF65-F5344CB8AC3E}">
-        <p14:creationId xmlns:p14="http://schemas.microsoft.com/office/powerpoint/2010/main" val="1070620848"/>
+        <p14:creationId xmlns:p14="http://schemas.microsoft.com/office/powerpoint/2010/main" val="2407128100"/>
       </p:ext>
     </p:extLst>
   </p:cSld>
@@ -3264,7 +3376,7 @@
                 <a:ea typeface="+mn-ea"/>
                 <a:cs typeface="+mn-cs"/>
               </a:rPr>
-              <a:t>Затрагивается</a:t>
+              <a:t>Поведение</a:t>
             </a:r>
             <a:r>
               <a:rPr lang="ru-RU" sz="1200" b="0" i="0" kern="1200" baseline="0" dirty="0" smtClean="0">
@@ -3276,10 +3388,12 @@
                 <a:ea typeface="+mn-ea"/>
                 <a:cs typeface="+mn-cs"/>
               </a:rPr>
-              <a:t> много </a:t>
-            </a:r>
-            <a:r>
-              <a:rPr lang="ru-RU" sz="1200" b="0" i="0" kern="1200" baseline="0" dirty="0" err="1" smtClean="0">
+              <a:t> усложнилось</a:t>
+            </a:r>
+          </a:p>
+          <a:p>
+            <a:r>
+              <a:rPr lang="ru-RU" sz="1200" b="0" i="0" kern="1200" baseline="0" dirty="0" smtClean="0">
                 <a:solidFill>
                   <a:schemeClr val="tx1"/>
                 </a:solidFill>
@@ -3288,8 +3402,10 @@
                 <a:ea typeface="+mn-ea"/>
                 <a:cs typeface="+mn-cs"/>
               </a:rPr>
-              <a:t>комопнентов</a:t>
-            </a:r>
+              <a:t>Компонент будет меняться чаще</a:t>
+            </a:r>
+          </a:p>
+          <a:p>
             <a:r>
               <a:rPr lang="ru-RU" sz="1200" b="0" i="0" kern="1200" baseline="0" dirty="0" smtClean="0">
                 <a:solidFill>
@@ -3300,8 +3416,50 @@
                 <a:ea typeface="+mn-ea"/>
                 <a:cs typeface="+mn-cs"/>
               </a:rPr>
-              <a:t>. Эффекты зачастую неочевидны. Человек не будет проверять все каждый раз</a:t>
-            </a:r>
+              <a:t>тяжело изменять перепроверок</a:t>
+            </a:r>
+          </a:p>
+          <a:p>
+            <a:pPr marL="0" marR="0" indent="0" algn="l" defTabSz="914400" rtl="0" eaLnBrk="1" fontAlgn="auto" latinLnBrk="0" hangingPunct="1">
+              <a:lnSpc>
+                <a:spcPct val="100000"/>
+              </a:lnSpc>
+              <a:spcBef>
+                <a:spcPts val="0"/>
+              </a:spcBef>
+              <a:spcAft>
+                <a:spcPts val="0"/>
+              </a:spcAft>
+              <a:buClrTx/>
+              <a:buSzTx/>
+              <a:buFontTx/>
+              <a:buNone/>
+              <a:tabLst/>
+              <a:defRPr/>
+            </a:pPr>
+            <a:r>
+              <a:rPr lang="ru-RU" sz="1200" b="0" i="0" kern="1200" baseline="0" dirty="0" smtClean="0">
+                <a:solidFill>
+                  <a:schemeClr val="tx1"/>
+                </a:solidFill>
+                <a:effectLst/>
+                <a:latin typeface="+mn-lt"/>
+                <a:ea typeface="+mn-ea"/>
+                <a:cs typeface="+mn-cs"/>
+              </a:rPr>
+              <a:t>тяжело изменять усложнения</a:t>
+            </a:r>
+            <a:endParaRPr lang="ru-RU" sz="1200" b="0" i="0" kern="1200" dirty="0" smtClean="0">
+              <a:solidFill>
+                <a:schemeClr val="tx1"/>
+              </a:solidFill>
+              <a:effectLst/>
+              <a:latin typeface="+mn-lt"/>
+              <a:ea typeface="+mn-ea"/>
+              <a:cs typeface="+mn-cs"/>
+            </a:endParaRPr>
+          </a:p>
+          <a:p>
             <a:endParaRPr lang="ru-RU" sz="1200" b="0" i="0" kern="1200" dirty="0">
               <a:solidFill>
                 <a:schemeClr val="tx1"/>
@@ -3340,7 +3498,7 @@
     </p:spTree>
     <p:extLst>
       <p:ext uri="{BB962C8B-B14F-4D97-AF65-F5344CB8AC3E}">
-        <p14:creationId xmlns:p14="http://schemas.microsoft.com/office/powerpoint/2010/main" val="2407128100"/>
+        <p14:creationId xmlns:p14="http://schemas.microsoft.com/office/powerpoint/2010/main" val="2189481705"/>
       </p:ext>
     </p:extLst>
   </p:cSld>
@@ -3394,109 +3552,7 @@
           <a:bodyPr/>
           <a:lstStyle/>
           <a:p>
-            <a:r>
-              <a:rPr lang="ru-RU" sz="1200" b="0" i="0" kern="1200" dirty="0" smtClean="0">
-                <a:solidFill>
-                  <a:schemeClr val="tx1"/>
-                </a:solidFill>
-                <a:effectLst/>
-                <a:latin typeface="+mn-lt"/>
-                <a:ea typeface="+mn-ea"/>
-                <a:cs typeface="+mn-cs"/>
-              </a:rPr>
-              <a:t>Поведение</a:t>
-            </a:r>
-            <a:r>
-              <a:rPr lang="ru-RU" sz="1200" b="0" i="0" kern="1200" baseline="0" dirty="0" smtClean="0">
-                <a:solidFill>
-                  <a:schemeClr val="tx1"/>
-                </a:solidFill>
-                <a:effectLst/>
-                <a:latin typeface="+mn-lt"/>
-                <a:ea typeface="+mn-ea"/>
-                <a:cs typeface="+mn-cs"/>
-              </a:rPr>
-              <a:t> усложнилось</a:t>
-            </a:r>
-          </a:p>
-          <a:p>
-            <a:r>
-              <a:rPr lang="ru-RU" sz="1200" b="0" i="0" kern="1200" baseline="0" dirty="0" smtClean="0">
-                <a:solidFill>
-                  <a:schemeClr val="tx1"/>
-                </a:solidFill>
-                <a:effectLst/>
-                <a:latin typeface="+mn-lt"/>
-                <a:ea typeface="+mn-ea"/>
-                <a:cs typeface="+mn-cs"/>
-              </a:rPr>
-              <a:t>Компонент будет меняться чаще</a:t>
-            </a:r>
-          </a:p>
-          <a:p>
-            <a:r>
-              <a:rPr lang="ru-RU" sz="1200" b="0" i="0" kern="1200" baseline="0" dirty="0" smtClean="0">
-                <a:solidFill>
-                  <a:schemeClr val="tx1"/>
-                </a:solidFill>
-                <a:effectLst/>
-                <a:latin typeface="+mn-lt"/>
-                <a:ea typeface="+mn-ea"/>
-                <a:cs typeface="+mn-cs"/>
-              </a:rPr>
-              <a:t>тяжело изменять перепроверок</a:t>
-            </a:r>
-          </a:p>
-          <a:p>
-            <a:pPr marL="0" marR="0" indent="0" algn="l" defTabSz="914400" rtl="0" eaLnBrk="1" fontAlgn="auto" latinLnBrk="0" hangingPunct="1">
-              <a:lnSpc>
-                <a:spcPct val="100000"/>
-              </a:lnSpc>
-              <a:spcBef>
-                <a:spcPts val="0"/>
-              </a:spcBef>
-              <a:spcAft>
-                <a:spcPts val="0"/>
-              </a:spcAft>
-              <a:buClrTx/>
-              <a:buSzTx/>
-              <a:buFontTx/>
-              <a:buNone/>
-              <a:tabLst/>
-              <a:defRPr/>
-            </a:pPr>
-            <a:r>
-              <a:rPr lang="ru-RU" sz="1200" b="0" i="0" kern="1200" baseline="0" dirty="0" smtClean="0">
-                <a:solidFill>
-                  <a:schemeClr val="tx1"/>
-                </a:solidFill>
-                <a:effectLst/>
-                <a:latin typeface="+mn-lt"/>
-                <a:ea typeface="+mn-ea"/>
-                <a:cs typeface="+mn-cs"/>
-              </a:rPr>
-              <a:t>тяжело изменять усложнения</a:t>
-            </a:r>
-            <a:endParaRPr lang="ru-RU" sz="1200" b="0" i="0" kern="1200" dirty="0" smtClean="0">
-              <a:solidFill>
-                <a:schemeClr val="tx1"/>
-              </a:solidFill>
-              <a:effectLst/>
-              <a:latin typeface="+mn-lt"/>
-              <a:ea typeface="+mn-ea"/>
-              <a:cs typeface="+mn-cs"/>
-            </a:endParaRPr>
-          </a:p>
-          <a:p>
-            <a:endParaRPr lang="ru-RU" sz="1200" b="0" i="0" kern="1200" dirty="0">
-              <a:solidFill>
-                <a:schemeClr val="tx1"/>
-              </a:solidFill>
-              <a:effectLst/>
-              <a:latin typeface="+mn-lt"/>
-              <a:ea typeface="+mn-ea"/>
-              <a:cs typeface="+mn-cs"/>
-            </a:endParaRPr>
+            <a:endParaRPr lang="ru-RU" dirty="0"/>
           </a:p>
         </p:txBody>
       </p:sp>
@@ -3526,7 +3582,7 @@
     </p:spTree>
     <p:extLst>
       <p:ext uri="{BB962C8B-B14F-4D97-AF65-F5344CB8AC3E}">
-        <p14:creationId xmlns:p14="http://schemas.microsoft.com/office/powerpoint/2010/main" val="2189481705"/>
+        <p14:creationId xmlns:p14="http://schemas.microsoft.com/office/powerpoint/2010/main" val="569085961"/>
       </p:ext>
     </p:extLst>
   </p:cSld>
@@ -3580,6 +3636,32 @@
           <a:bodyPr/>
           <a:lstStyle/>
           <a:p>
+            <a:r>
+              <a:rPr lang="ru-RU" sz="1200" b="0" i="0" kern="1200" dirty="0" smtClean="0">
+                <a:solidFill>
+                  <a:schemeClr val="tx1"/>
+                </a:solidFill>
+                <a:effectLst/>
+                <a:latin typeface="+mn-lt"/>
+                <a:ea typeface="+mn-ea"/>
+                <a:cs typeface="+mn-cs"/>
+              </a:rPr>
+              <a:t>Добавить тесты</a:t>
+            </a:r>
+          </a:p>
+          <a:p>
+            <a:r>
+              <a:rPr lang="ru-RU" sz="1200" b="0" i="0" kern="1200" dirty="0" smtClean="0">
+                <a:solidFill>
+                  <a:schemeClr val="tx1"/>
+                </a:solidFill>
+                <a:effectLst/>
+                <a:latin typeface="+mn-lt"/>
+                <a:ea typeface="+mn-ea"/>
+                <a:cs typeface="+mn-cs"/>
+              </a:rPr>
+              <a:t>Для обоих вариантов должен быть подвижным или расширяемым</a:t>
+            </a:r>
             <a:endParaRPr lang="ru-RU" dirty="0"/>
           </a:p>
         </p:txBody>
@@ -3610,7 +3692,7 @@
     </p:spTree>
     <p:extLst>
       <p:ext uri="{BB962C8B-B14F-4D97-AF65-F5344CB8AC3E}">
-        <p14:creationId xmlns:p14="http://schemas.microsoft.com/office/powerpoint/2010/main" val="569085961"/>
+        <p14:creationId xmlns:p14="http://schemas.microsoft.com/office/powerpoint/2010/main" val="2660959568"/>
       </p:ext>
     </p:extLst>
   </p:cSld>
@@ -3674,12 +3756,10 @@
                 <a:ea typeface="+mn-ea"/>
                 <a:cs typeface="+mn-cs"/>
               </a:rPr>
-              <a:t>Добавить тесты</a:t>
-            </a:r>
-          </a:p>
-          <a:p>
-            <a:r>
-              <a:rPr lang="ru-RU" sz="1200" b="0" i="0" kern="1200" dirty="0" smtClean="0">
+              <a:t>Модуль является неподвижным в случае если его элементы, полезные в других модулях или поведениях, тяжело </a:t>
+            </a:r>
+            <a:r>
+              <a:rPr lang="ru-RU" sz="1200" b="0" i="0" kern="1200" dirty="0" err="1" smtClean="0">
                 <a:solidFill>
                   <a:schemeClr val="tx1"/>
                 </a:solidFill>
@@ -3688,9 +3768,118 @@
                 <a:ea typeface="+mn-ea"/>
                 <a:cs typeface="+mn-cs"/>
               </a:rPr>
-              <a:t>Для обоих вариантов должен быть подвижным или расширяемым</a:t>
-            </a:r>
-            <a:endParaRPr lang="ru-RU" dirty="0"/>
+              <a:t>переиспользовать</a:t>
+            </a:r>
+            <a:r>
+              <a:rPr lang="ru-RU" sz="1200" b="0" i="0" kern="1200" dirty="0" smtClean="0">
+                <a:solidFill>
+                  <a:schemeClr val="tx1"/>
+                </a:solidFill>
+                <a:effectLst/>
+                <a:latin typeface="+mn-lt"/>
+                <a:ea typeface="+mn-ea"/>
+                <a:cs typeface="+mn-cs"/>
+              </a:rPr>
+              <a:t>.</a:t>
+            </a:r>
+          </a:p>
+          <a:p>
+            <a:endParaRPr lang="ru-RU" sz="1200" b="0" i="0" kern="1200" dirty="0" smtClean="0">
+              <a:solidFill>
+                <a:schemeClr val="tx1"/>
+              </a:solidFill>
+              <a:effectLst/>
+              <a:latin typeface="+mn-lt"/>
+              <a:ea typeface="+mn-ea"/>
+              <a:cs typeface="+mn-cs"/>
+            </a:endParaRPr>
+          </a:p>
+          <a:p>
+            <a:r>
+              <a:rPr lang="ru-RU" sz="1200" b="0" i="0" kern="1200" dirty="0" smtClean="0">
+                <a:solidFill>
+                  <a:schemeClr val="tx1"/>
+                </a:solidFill>
+                <a:effectLst/>
+                <a:latin typeface="+mn-lt"/>
+                <a:ea typeface="+mn-ea"/>
+                <a:cs typeface="+mn-cs"/>
+              </a:rPr>
+              <a:t>Из примера с </a:t>
+            </a:r>
+            <a:r>
+              <a:rPr lang="ru-RU" dirty="0" err="1" smtClean="0"/>
+              <a:t>Button</a:t>
+            </a:r>
+            <a:r>
+              <a:rPr lang="ru-RU" sz="1200" b="0" i="0" kern="1200" dirty="0" smtClean="0">
+                <a:solidFill>
+                  <a:schemeClr val="tx1"/>
+                </a:solidFill>
+                <a:effectLst/>
+                <a:latin typeface="+mn-lt"/>
+                <a:ea typeface="+mn-ea"/>
+                <a:cs typeface="+mn-cs"/>
+              </a:rPr>
+              <a:t> ясно, что недостаточная подвижность элемента может выразиться в дальнейшем в большей </a:t>
+            </a:r>
+            <a:r>
+              <a:rPr lang="ru-RU" sz="1200" b="0" i="1" kern="1200" dirty="0" smtClean="0">
+                <a:solidFill>
+                  <a:schemeClr val="tx1"/>
+                </a:solidFill>
+                <a:effectLst/>
+                <a:latin typeface="+mn-lt"/>
+                <a:ea typeface="+mn-ea"/>
+                <a:cs typeface="+mn-cs"/>
+              </a:rPr>
+              <a:t>жесткости</a:t>
+            </a:r>
+            <a:r>
+              <a:rPr lang="ru-RU" sz="1200" b="0" i="0" kern="1200" dirty="0" smtClean="0">
+                <a:solidFill>
+                  <a:schemeClr val="tx1"/>
+                </a:solidFill>
+                <a:effectLst/>
+                <a:latin typeface="+mn-lt"/>
+                <a:ea typeface="+mn-ea"/>
+                <a:cs typeface="+mn-cs"/>
+              </a:rPr>
+              <a:t> и </a:t>
+            </a:r>
+            <a:r>
+              <a:rPr lang="ru-RU" sz="1200" b="0" i="1" kern="1200" dirty="0" smtClean="0">
+                <a:solidFill>
+                  <a:schemeClr val="tx1"/>
+                </a:solidFill>
+                <a:effectLst/>
+                <a:latin typeface="+mn-lt"/>
+                <a:ea typeface="+mn-ea"/>
+                <a:cs typeface="+mn-cs"/>
+              </a:rPr>
+              <a:t>хрупкости</a:t>
+            </a:r>
+            <a:r>
+              <a:rPr lang="ru-RU" sz="1200" b="0" i="0" kern="1200" dirty="0" smtClean="0">
+                <a:solidFill>
+                  <a:schemeClr val="tx1"/>
+                </a:solidFill>
+                <a:effectLst/>
+                <a:latin typeface="+mn-lt"/>
+                <a:ea typeface="+mn-ea"/>
+                <a:cs typeface="+mn-cs"/>
+              </a:rPr>
+              <a:t> системы.</a:t>
+            </a:r>
+            <a:endParaRPr lang="ru-RU" sz="1200" b="0" i="0" kern="1200" dirty="0">
+              <a:solidFill>
+                <a:schemeClr val="tx1"/>
+              </a:solidFill>
+              <a:effectLst/>
+              <a:latin typeface="+mn-lt"/>
+              <a:ea typeface="+mn-ea"/>
+              <a:cs typeface="+mn-cs"/>
+            </a:endParaRPr>
           </a:p>
         </p:txBody>
       </p:sp>
@@ -3720,7 +3909,7 @@
     </p:spTree>
     <p:extLst>
       <p:ext uri="{BB962C8B-B14F-4D97-AF65-F5344CB8AC3E}">
-        <p14:creationId xmlns:p14="http://schemas.microsoft.com/office/powerpoint/2010/main" val="2660959568"/>
+        <p14:creationId xmlns:p14="http://schemas.microsoft.com/office/powerpoint/2010/main" val="1336349759"/>
       </p:ext>
     </p:extLst>
   </p:cSld>
@@ -3784,10 +3973,10 @@
                 <a:ea typeface="+mn-ea"/>
                 <a:cs typeface="+mn-cs"/>
               </a:rPr>
-              <a:t>Модуль является неподвижным в случае если его элементы, полезные в других модулях или поведениях, тяжело </a:t>
-            </a:r>
-            <a:r>
-              <a:rPr lang="ru-RU" sz="1200" b="0" i="0" kern="1200" dirty="0" err="1" smtClean="0">
+              <a:t>реализовать модуль, контролирующий работу проигрывателя. При этом сказано, что только </a:t>
+            </a:r>
+            <a:r>
+              <a:rPr lang="ru-RU" sz="1200" b="0" i="1" kern="1200" dirty="0" smtClean="0">
                 <a:solidFill>
                   <a:schemeClr val="tx1"/>
                 </a:solidFill>
@@ -3796,7 +3985,7 @@
                 <a:ea typeface="+mn-ea"/>
                 <a:cs typeface="+mn-cs"/>
               </a:rPr>
-              <a:t>переиспользовать</a:t>
+              <a:t>один</a:t>
             </a:r>
             <a:r>
               <a:rPr lang="ru-RU" sz="1200" b="0" i="0" kern="1200" dirty="0" smtClean="0">
@@ -3808,7 +3997,7 @@
                 <a:ea typeface="+mn-ea"/>
                 <a:cs typeface="+mn-cs"/>
               </a:rPr>
-              <a:t>.</a:t>
+              <a:t> плеер может присутствовать на странице во взятый момент времени.</a:t>
             </a:r>
           </a:p>
           <a:p>
@@ -3833,81 +4022,9 @@
                 <a:ea typeface="+mn-ea"/>
                 <a:cs typeface="+mn-cs"/>
               </a:rPr>
-              <a:t>Из примера с </a:t>
-            </a:r>
-            <a:r>
-              <a:rPr lang="ru-RU" dirty="0" err="1" smtClean="0"/>
-              <a:t>Button</a:t>
-            </a:r>
-            <a:r>
-              <a:rPr lang="ru-RU" sz="1200" b="0" i="0" kern="1200" dirty="0" smtClean="0">
-                <a:solidFill>
-                  <a:schemeClr val="tx1"/>
-                </a:solidFill>
-                <a:effectLst/>
-                <a:latin typeface="+mn-lt"/>
-                <a:ea typeface="+mn-ea"/>
-                <a:cs typeface="+mn-cs"/>
-              </a:rPr>
-              <a:t> ясно, что недостаточная подвижность элемента может выразиться в дальнейшем в большей </a:t>
-            </a:r>
-            <a:r>
-              <a:rPr lang="ru-RU" sz="1200" b="0" i="1" kern="1200" dirty="0" smtClean="0">
-                <a:solidFill>
-                  <a:schemeClr val="tx1"/>
-                </a:solidFill>
-                <a:effectLst/>
-                <a:latin typeface="+mn-lt"/>
-                <a:ea typeface="+mn-ea"/>
-                <a:cs typeface="+mn-cs"/>
-              </a:rPr>
-              <a:t>жесткости</a:t>
-            </a:r>
-            <a:r>
-              <a:rPr lang="ru-RU" sz="1200" b="0" i="0" kern="1200" dirty="0" smtClean="0">
-                <a:solidFill>
-                  <a:schemeClr val="tx1"/>
-                </a:solidFill>
-                <a:effectLst/>
-                <a:latin typeface="+mn-lt"/>
-                <a:ea typeface="+mn-ea"/>
-                <a:cs typeface="+mn-cs"/>
-              </a:rPr>
-              <a:t> и </a:t>
-            </a:r>
-            <a:r>
-              <a:rPr lang="ru-RU" sz="1200" b="0" i="1" kern="1200" dirty="0" smtClean="0">
-                <a:solidFill>
-                  <a:schemeClr val="tx1"/>
-                </a:solidFill>
-                <a:effectLst/>
-                <a:latin typeface="+mn-lt"/>
-                <a:ea typeface="+mn-ea"/>
-                <a:cs typeface="+mn-cs"/>
-              </a:rPr>
-              <a:t>хрупкости</a:t>
-            </a:r>
-            <a:r>
-              <a:rPr lang="ru-RU" sz="1200" b="0" i="0" kern="1200" dirty="0" smtClean="0">
-                <a:solidFill>
-                  <a:schemeClr val="tx1"/>
-                </a:solidFill>
-                <a:effectLst/>
-                <a:latin typeface="+mn-lt"/>
-                <a:ea typeface="+mn-ea"/>
-                <a:cs typeface="+mn-cs"/>
-              </a:rPr>
-              <a:t> системы.</a:t>
-            </a:r>
-            <a:endParaRPr lang="ru-RU" sz="1200" b="0" i="0" kern="1200" dirty="0">
-              <a:solidFill>
-                <a:schemeClr val="tx1"/>
-              </a:solidFill>
-              <a:effectLst/>
-              <a:latin typeface="+mn-lt"/>
-              <a:ea typeface="+mn-ea"/>
-              <a:cs typeface="+mn-cs"/>
-            </a:endParaRPr>
+              <a:t>До боли известный паттерн</a:t>
+            </a:r>
+            <a:endParaRPr lang="ru-RU" dirty="0"/>
           </a:p>
         </p:txBody>
       </p:sp>
@@ -3937,7 +4054,7 @@
     </p:spTree>
     <p:extLst>
       <p:ext uri="{BB962C8B-B14F-4D97-AF65-F5344CB8AC3E}">
-        <p14:creationId xmlns:p14="http://schemas.microsoft.com/office/powerpoint/2010/main" val="1336349759"/>
+        <p14:creationId xmlns:p14="http://schemas.microsoft.com/office/powerpoint/2010/main" val="1903912830"/>
       </p:ext>
     </p:extLst>
   </p:cSld>
@@ -4001,56 +4118,7 @@
                 <a:ea typeface="+mn-ea"/>
                 <a:cs typeface="+mn-cs"/>
               </a:rPr>
-              <a:t>реализовать модуль, контролирующий работу проигрывателя. При этом сказано, что только </a:t>
-            </a:r>
-            <a:r>
-              <a:rPr lang="ru-RU" sz="1200" b="0" i="1" kern="1200" dirty="0" smtClean="0">
-                <a:solidFill>
-                  <a:schemeClr val="tx1"/>
-                </a:solidFill>
-                <a:effectLst/>
-                <a:latin typeface="+mn-lt"/>
-                <a:ea typeface="+mn-ea"/>
-                <a:cs typeface="+mn-cs"/>
-              </a:rPr>
-              <a:t>один</a:t>
-            </a:r>
-            <a:r>
-              <a:rPr lang="ru-RU" sz="1200" b="0" i="0" kern="1200" dirty="0" smtClean="0">
-                <a:solidFill>
-                  <a:schemeClr val="tx1"/>
-                </a:solidFill>
-                <a:effectLst/>
-                <a:latin typeface="+mn-lt"/>
-                <a:ea typeface="+mn-ea"/>
-                <a:cs typeface="+mn-cs"/>
-              </a:rPr>
-              <a:t> плеер может присутствовать на странице во взятый момент времени.</a:t>
-            </a:r>
-          </a:p>
-          <a:p>
-            <a:endParaRPr lang="ru-RU" sz="1200" b="0" i="0" kern="1200" dirty="0" smtClean="0">
-              <a:solidFill>
-                <a:schemeClr val="tx1"/>
-              </a:solidFill>
-              <a:effectLst/>
-              <a:latin typeface="+mn-lt"/>
-              <a:ea typeface="+mn-ea"/>
-              <a:cs typeface="+mn-cs"/>
-            </a:endParaRPr>
-          </a:p>
-          <a:p>
-            <a:r>
-              <a:rPr lang="ru-RU" sz="1200" b="0" i="0" kern="1200" dirty="0" smtClean="0">
-                <a:solidFill>
-                  <a:schemeClr val="tx1"/>
-                </a:solidFill>
-                <a:effectLst/>
-                <a:latin typeface="+mn-lt"/>
-                <a:ea typeface="+mn-ea"/>
-                <a:cs typeface="+mn-cs"/>
-              </a:rPr>
-              <a:t>До боли известный паттерн</a:t>
+              <a:t>теперь нужно отображать не один плеер, а все, которые открыл пользователь.</a:t>
             </a:r>
             <a:endParaRPr lang="ru-RU" dirty="0"/>
           </a:p>
@@ -4082,7 +4150,7 @@
     </p:spTree>
     <p:extLst>
       <p:ext uri="{BB962C8B-B14F-4D97-AF65-F5344CB8AC3E}">
-        <p14:creationId xmlns:p14="http://schemas.microsoft.com/office/powerpoint/2010/main" val="1903912830"/>
+        <p14:creationId xmlns:p14="http://schemas.microsoft.com/office/powerpoint/2010/main" val="1094558986"/>
       </p:ext>
     </p:extLst>
   </p:cSld>
@@ -4136,18 +4204,6 @@
           <a:bodyPr/>
           <a:lstStyle/>
           <a:p>
-            <a:r>
-              <a:rPr lang="ru-RU" sz="1200" b="0" i="0" kern="1200" dirty="0" smtClean="0">
-                <a:solidFill>
-                  <a:schemeClr val="tx1"/>
-                </a:solidFill>
-                <a:effectLst/>
-                <a:latin typeface="+mn-lt"/>
-                <a:ea typeface="+mn-ea"/>
-                <a:cs typeface="+mn-cs"/>
-              </a:rPr>
-              <a:t>теперь нужно отображать не один плеер, а все, которые открыл пользователь.</a:t>
-            </a:r>
             <a:endParaRPr lang="ru-RU" dirty="0"/>
           </a:p>
         </p:txBody>
@@ -4178,7 +4234,7 @@
     </p:spTree>
     <p:extLst>
       <p:ext uri="{BB962C8B-B14F-4D97-AF65-F5344CB8AC3E}">
-        <p14:creationId xmlns:p14="http://schemas.microsoft.com/office/powerpoint/2010/main" val="1094558986"/>
+        <p14:creationId xmlns:p14="http://schemas.microsoft.com/office/powerpoint/2010/main" val="2987180180"/>
       </p:ext>
     </p:extLst>
   </p:cSld>
@@ -4233,54 +4289,8 @@
           <a:lstStyle/>
           <a:p>
             <a:r>
-              <a:rPr lang="ru-RU" sz="1200" b="0" i="0" kern="1200" dirty="0" smtClean="0">
-                <a:solidFill>
-                  <a:schemeClr val="tx1"/>
-                </a:solidFill>
-                <a:effectLst/>
-                <a:latin typeface="+mn-lt"/>
-                <a:ea typeface="+mn-ea"/>
-                <a:cs typeface="+mn-cs"/>
-              </a:rPr>
-              <a:t>Изначальное оказалось неподвижным</a:t>
-            </a:r>
-          </a:p>
-          <a:p>
-            <a:r>
-              <a:rPr lang="ru-RU" sz="1200" b="0" i="0" kern="1200" dirty="0" smtClean="0">
-                <a:solidFill>
-                  <a:schemeClr val="tx1"/>
-                </a:solidFill>
-                <a:effectLst/>
-                <a:latin typeface="+mn-lt"/>
-                <a:ea typeface="+mn-ea"/>
-                <a:cs typeface="+mn-cs"/>
-              </a:rPr>
-              <a:t>Вызвало изменения в остальных модулях (жесткости</a:t>
-            </a:r>
-            <a:r>
-              <a:rPr lang="ru-RU" sz="1200" b="0" i="0" kern="1200" baseline="0" dirty="0" smtClean="0">
-                <a:solidFill>
-                  <a:schemeClr val="tx1"/>
-                </a:solidFill>
-                <a:effectLst/>
-                <a:latin typeface="+mn-lt"/>
-                <a:ea typeface="+mn-ea"/>
-                <a:cs typeface="+mn-cs"/>
-              </a:rPr>
-              <a:t> и хрупкости</a:t>
-            </a:r>
-            <a:r>
-              <a:rPr lang="ru-RU" sz="1200" b="0" i="0" kern="1200" dirty="0" smtClean="0">
-                <a:solidFill>
-                  <a:schemeClr val="tx1"/>
-                </a:solidFill>
-                <a:effectLst/>
-                <a:latin typeface="+mn-lt"/>
-                <a:ea typeface="+mn-ea"/>
-                <a:cs typeface="+mn-cs"/>
-              </a:rPr>
-              <a:t>)</a:t>
+              <a:rPr lang="ru-RU" dirty="0" smtClean="0"/>
+              <a:t>Каким образом можно преобразовать на подвижный?</a:t>
             </a:r>
             <a:endParaRPr lang="ru-RU" dirty="0"/>
           </a:p>
@@ -4312,7 +4322,7 @@
     </p:spTree>
     <p:extLst>
       <p:ext uri="{BB962C8B-B14F-4D97-AF65-F5344CB8AC3E}">
-        <p14:creationId xmlns:p14="http://schemas.microsoft.com/office/powerpoint/2010/main" val="2309090482"/>
+        <p14:creationId xmlns:p14="http://schemas.microsoft.com/office/powerpoint/2010/main" val="3568510352"/>
       </p:ext>
     </p:extLst>
   </p:cSld>
@@ -4367,10 +4377,25 @@
           <a:lstStyle/>
           <a:p>
             <a:r>
-              <a:rPr lang="ru-RU" dirty="0" smtClean="0"/>
-              <a:t>Каким образом можно преобразовать на подвижный?</a:t>
-            </a:r>
-            <a:endParaRPr lang="ru-RU" dirty="0"/>
+              <a:rPr lang="ru-RU" sz="1200" b="0" i="0" kern="1200" dirty="0" smtClean="0">
+                <a:solidFill>
+                  <a:schemeClr val="tx1"/>
+                </a:solidFill>
+                <a:effectLst/>
+                <a:latin typeface="+mn-lt"/>
+                <a:ea typeface="+mn-ea"/>
+                <a:cs typeface="+mn-cs"/>
+              </a:rPr>
+              <a:t>абстрагирования данной детали реализации от клиентов </a:t>
+            </a:r>
+            <a:r>
+              <a:rPr lang="ru-RU" dirty="0" err="1" smtClean="0"/>
+              <a:t>Player</a:t>
+            </a:r>
+            <a:endParaRPr lang="en-US" dirty="0" smtClean="0"/>
+          </a:p>
+          <a:p>
+            <a:endParaRPr lang="en-US" dirty="0" smtClean="0"/>
           </a:p>
         </p:txBody>
       </p:sp>
@@ -4400,7 +4425,7 @@
     </p:spTree>
     <p:extLst>
       <p:ext uri="{BB962C8B-B14F-4D97-AF65-F5344CB8AC3E}">
-        <p14:creationId xmlns:p14="http://schemas.microsoft.com/office/powerpoint/2010/main" val="3568510352"/>
+        <p14:creationId xmlns:p14="http://schemas.microsoft.com/office/powerpoint/2010/main" val="3770057986"/>
       </p:ext>
     </p:extLst>
   </p:cSld>
@@ -4464,11 +4489,56 @@
                 <a:ea typeface="+mn-ea"/>
                 <a:cs typeface="+mn-cs"/>
               </a:rPr>
-              <a:t>абстрагирования данной детали реализации от клиентов </a:t>
-            </a:r>
-            <a:r>
-              <a:rPr lang="ru-RU" dirty="0" err="1" smtClean="0"/>
-              <a:t>Player</a:t>
+              <a:t>Помогло</a:t>
+            </a:r>
+            <a:r>
+              <a:rPr lang="ru-RU" sz="1200" b="0" i="0" kern="1200" baseline="0" dirty="0" smtClean="0">
+                <a:solidFill>
+                  <a:schemeClr val="tx1"/>
+                </a:solidFill>
+                <a:effectLst/>
+                <a:latin typeface="+mn-lt"/>
+                <a:ea typeface="+mn-ea"/>
+                <a:cs typeface="+mn-cs"/>
+              </a:rPr>
+              <a:t> защититься от жесткости</a:t>
+            </a:r>
+          </a:p>
+          <a:p>
+            <a:r>
+              <a:rPr lang="ru-RU" sz="1200" b="0" i="0" kern="1200" baseline="0" dirty="0" smtClean="0">
+                <a:solidFill>
+                  <a:schemeClr val="tx1"/>
+                </a:solidFill>
+                <a:effectLst/>
+                <a:latin typeface="+mn-lt"/>
+                <a:ea typeface="+mn-ea"/>
+                <a:cs typeface="+mn-cs"/>
+              </a:rPr>
+              <a:t>Хрупкость остается</a:t>
+            </a:r>
+            <a:endParaRPr lang="ru-RU" sz="1200" b="0" i="0" kern="1200" dirty="0" smtClean="0">
+              <a:solidFill>
+                <a:schemeClr val="tx1"/>
+              </a:solidFill>
+              <a:effectLst/>
+              <a:latin typeface="+mn-lt"/>
+              <a:ea typeface="+mn-ea"/>
+              <a:cs typeface="+mn-cs"/>
+            </a:endParaRPr>
+          </a:p>
+          <a:p>
+            <a:r>
+              <a:rPr lang="ru-RU" sz="1200" b="0" i="0" kern="1200" dirty="0" smtClean="0">
+                <a:solidFill>
+                  <a:schemeClr val="tx1"/>
+                </a:solidFill>
+                <a:effectLst/>
+                <a:latin typeface="+mn-lt"/>
+                <a:ea typeface="+mn-ea"/>
+                <a:cs typeface="+mn-cs"/>
+              </a:rPr>
+              <a:t>Даст нам защиту от подобных изменений в будущем.</a:t>
             </a:r>
             <a:endParaRPr lang="en-US" dirty="0" smtClean="0"/>
           </a:p>
@@ -4503,7 +4573,7 @@
     </p:spTree>
     <p:extLst>
       <p:ext uri="{BB962C8B-B14F-4D97-AF65-F5344CB8AC3E}">
-        <p14:creationId xmlns:p14="http://schemas.microsoft.com/office/powerpoint/2010/main" val="3770057986"/>
+        <p14:creationId xmlns:p14="http://schemas.microsoft.com/office/powerpoint/2010/main" val="1385211836"/>
       </p:ext>
     </p:extLst>
   </p:cSld>
@@ -4747,7 +4817,7 @@
     </p:spTree>
     <p:extLst>
       <p:ext uri="{BB962C8B-B14F-4D97-AF65-F5344CB8AC3E}">
-        <p14:creationId xmlns:p14="http://schemas.microsoft.com/office/powerpoint/2010/main" val="1385211836"/>
+        <p14:creationId xmlns:p14="http://schemas.microsoft.com/office/powerpoint/2010/main" val="698892123"/>
       </p:ext>
     </p:extLst>
   </p:cSld>
@@ -6906,7 +6976,54 @@
                 <a:ea typeface="+mn-ea"/>
                 <a:cs typeface="+mn-cs"/>
               </a:rPr>
-              <a:t>Донести до специалиста</a:t>
+              <a:t>Донести до </a:t>
+            </a:r>
+            <a:r>
+              <a:rPr lang="ru-RU" sz="1200" b="0" i="0" kern="1200" dirty="0" smtClean="0">
+                <a:solidFill>
+                  <a:schemeClr val="tx1"/>
+                </a:solidFill>
+                <a:effectLst/>
+                <a:latin typeface="+mn-lt"/>
+                <a:ea typeface="+mn-ea"/>
+                <a:cs typeface="+mn-cs"/>
+              </a:rPr>
+              <a:t>специалиста</a:t>
+            </a:r>
+            <a:endParaRPr lang="en-US" sz="1200" b="0" i="0" kern="1200" dirty="0" smtClean="0">
+              <a:solidFill>
+                <a:schemeClr val="tx1"/>
+              </a:solidFill>
+              <a:effectLst/>
+              <a:latin typeface="+mn-lt"/>
+              <a:ea typeface="+mn-ea"/>
+              <a:cs typeface="+mn-cs"/>
+            </a:endParaRPr>
+          </a:p>
+          <a:p>
+            <a:r>
+              <a:rPr lang="ru-RU" sz="1200" b="0" i="0" kern="1200" dirty="0" smtClean="0">
+                <a:solidFill>
+                  <a:schemeClr val="tx1"/>
+                </a:solidFill>
+                <a:effectLst/>
+                <a:latin typeface="+mn-lt"/>
+                <a:ea typeface="+mn-ea"/>
+                <a:cs typeface="+mn-cs"/>
+              </a:rPr>
+              <a:t>Написать</a:t>
+            </a:r>
+            <a:r>
+              <a:rPr lang="ru-RU" sz="1200" b="0" i="0" kern="1200" baseline="0" dirty="0" smtClean="0">
+                <a:solidFill>
+                  <a:schemeClr val="tx1"/>
+                </a:solidFill>
+                <a:effectLst/>
+                <a:latin typeface="+mn-lt"/>
+                <a:ea typeface="+mn-ea"/>
+                <a:cs typeface="+mn-cs"/>
+              </a:rPr>
+              <a:t> тесты (стат. дин. анализ)</a:t>
             </a:r>
             <a:endParaRPr lang="en-US" dirty="0" smtClean="0"/>
           </a:p>
@@ -9774,7 +9891,7 @@
     </p:spTree>
     <p:extLst>
       <p:ext uri="{BB962C8B-B14F-4D97-AF65-F5344CB8AC3E}">
-        <p14:creationId xmlns:p14="http://schemas.microsoft.com/office/powerpoint/2010/main" val="492564401"/>
+        <p14:creationId xmlns:p14="http://schemas.microsoft.com/office/powerpoint/2010/main" val="247142888"/>
       </p:ext>
     </p:extLst>
   </p:cSld>
@@ -9866,7 +9983,7 @@
     </p:spTree>
     <p:extLst>
       <p:ext uri="{BB962C8B-B14F-4D97-AF65-F5344CB8AC3E}">
-        <p14:creationId xmlns:p14="http://schemas.microsoft.com/office/powerpoint/2010/main" val="247142888"/>
+        <p14:creationId xmlns:p14="http://schemas.microsoft.com/office/powerpoint/2010/main" val="3821530118"/>
       </p:ext>
     </p:extLst>
   </p:cSld>
@@ -10012,67 +10129,6 @@
           <a:bodyPr/>
           <a:lstStyle/>
           <a:p>
-            <a:r>
-              <a:rPr lang="ru-RU" sz="1200" b="0" i="0" kern="1200" dirty="0" err="1" smtClean="0">
-                <a:solidFill>
-                  <a:schemeClr val="tx1"/>
-                </a:solidFill>
-                <a:effectLst/>
-                <a:latin typeface="+mn-lt"/>
-                <a:ea typeface="+mn-ea"/>
-                <a:cs typeface="+mn-cs"/>
-              </a:rPr>
-              <a:t>Рефакторинг</a:t>
-            </a:r>
-            <a:endParaRPr lang="ru-RU" sz="1200" b="0" i="0" kern="1200" dirty="0" smtClean="0">
-              <a:solidFill>
-                <a:schemeClr val="tx1"/>
-              </a:solidFill>
-              <a:effectLst/>
-              <a:latin typeface="+mn-lt"/>
-              <a:ea typeface="+mn-ea"/>
-              <a:cs typeface="+mn-cs"/>
-            </a:endParaRPr>
-          </a:p>
-          <a:p>
-            <a:r>
-              <a:rPr lang="ru-RU" sz="1200" b="0" i="0" kern="1200" dirty="0" smtClean="0">
-                <a:solidFill>
-                  <a:schemeClr val="tx1"/>
-                </a:solidFill>
-                <a:effectLst/>
-                <a:latin typeface="+mn-lt"/>
-                <a:ea typeface="+mn-ea"/>
-                <a:cs typeface="+mn-cs"/>
-              </a:rPr>
-              <a:t>Еще одним важным свойством проектирования является то, что процесс затрагивает </a:t>
-            </a:r>
-            <a:r>
-              <a:rPr lang="ru-RU" sz="1200" b="0" i="1" kern="1200" dirty="0" smtClean="0">
-                <a:solidFill>
-                  <a:schemeClr val="tx1"/>
-                </a:solidFill>
-                <a:effectLst/>
-                <a:latin typeface="+mn-lt"/>
-                <a:ea typeface="+mn-ea"/>
-                <a:cs typeface="+mn-cs"/>
-              </a:rPr>
-              <a:t>только структуру</a:t>
-            </a:r>
-            <a:r>
-              <a:rPr lang="ru-RU" sz="1200" b="0" i="0" kern="1200" dirty="0" smtClean="0">
-                <a:solidFill>
-                  <a:schemeClr val="tx1"/>
-                </a:solidFill>
-                <a:effectLst/>
-                <a:latin typeface="+mn-lt"/>
-                <a:ea typeface="+mn-ea"/>
-                <a:cs typeface="+mn-cs"/>
-              </a:rPr>
-              <a:t> и ничего более</a:t>
-            </a:r>
-          </a:p>
-          <a:p>
             <a:endParaRPr lang="ru-RU" sz="1200" b="0" i="0" kern="1200" dirty="0" smtClean="0">
               <a:solidFill>
                 <a:schemeClr val="tx1"/>
@@ -10290,7 +10346,7 @@
           <a:lstStyle/>
           <a:p>
             <a:r>
-              <a:rPr lang="ru-RU" sz="1200" b="0" i="1" kern="1200" dirty="0" smtClean="0">
+              <a:rPr lang="ru-RU" sz="1200" b="0" i="0" kern="1200" dirty="0" err="1" smtClean="0">
                 <a:solidFill>
                   <a:schemeClr val="tx1"/>
                 </a:solidFill>
@@ -10299,70 +10355,8 @@
                 <a:ea typeface="+mn-ea"/>
                 <a:cs typeface="+mn-cs"/>
               </a:rPr>
-              <a:t>Архитектура</a:t>
-            </a:r>
-            <a:r>
-              <a:rPr lang="ru-RU" sz="1200" b="0" i="0" kern="1200" dirty="0" smtClean="0">
-                <a:solidFill>
-                  <a:schemeClr val="tx1"/>
-                </a:solidFill>
-                <a:effectLst/>
-                <a:latin typeface="+mn-lt"/>
-                <a:ea typeface="+mn-ea"/>
-                <a:cs typeface="+mn-cs"/>
-              </a:rPr>
-              <a:t>/</a:t>
-            </a:r>
-            <a:r>
-              <a:rPr lang="ru-RU" sz="1200" b="0" i="1" kern="1200" dirty="0" smtClean="0">
-                <a:solidFill>
-                  <a:schemeClr val="tx1"/>
-                </a:solidFill>
-                <a:effectLst/>
-                <a:latin typeface="+mn-lt"/>
-                <a:ea typeface="+mn-ea"/>
-                <a:cs typeface="+mn-cs"/>
-              </a:rPr>
-              <a:t>Структура</a:t>
-            </a:r>
-            <a:r>
-              <a:rPr lang="ru-RU" sz="1200" b="0" i="0" kern="1200" dirty="0" smtClean="0">
-                <a:solidFill>
-                  <a:schemeClr val="tx1"/>
-                </a:solidFill>
-                <a:effectLst/>
-                <a:latin typeface="+mn-lt"/>
-                <a:ea typeface="+mn-ea"/>
-                <a:cs typeface="+mn-cs"/>
-              </a:rPr>
-              <a:t>/</a:t>
-            </a:r>
-            <a:r>
-              <a:rPr lang="ru-RU" sz="1200" b="0" i="1" kern="1200" dirty="0" smtClean="0">
-                <a:solidFill>
-                  <a:schemeClr val="tx1"/>
-                </a:solidFill>
-                <a:effectLst/>
-                <a:latin typeface="+mn-lt"/>
-                <a:ea typeface="+mn-ea"/>
-                <a:cs typeface="+mn-cs"/>
-              </a:rPr>
-              <a:t>Дизайн</a:t>
-            </a:r>
-            <a:r>
-              <a:rPr lang="ru-RU" sz="1200" b="0" i="0" kern="1200" dirty="0" smtClean="0">
-                <a:solidFill>
-                  <a:schemeClr val="tx1"/>
-                </a:solidFill>
-                <a:effectLst/>
-                <a:latin typeface="+mn-lt"/>
-                <a:ea typeface="+mn-ea"/>
-                <a:cs typeface="+mn-cs"/>
-              </a:rPr>
-              <a:t> есть результат проектирования, качество которой выражается в определенном состоянии данных признаков.</a:t>
-            </a:r>
-          </a:p>
-          <a:p>
+              <a:t>Рефакторинг</a:t>
+            </a:r>
             <a:endParaRPr lang="ru-RU" sz="1200" b="0" i="0" kern="1200" dirty="0" smtClean="0">
               <a:solidFill>
                 <a:schemeClr val="tx1"/>
@@ -10384,8 +10378,43 @@
                 <a:ea typeface="+mn-ea"/>
                 <a:cs typeface="+mn-cs"/>
               </a:rPr>
-              <a:t>Признаки в данном случае выполняют роль параметров, с помощью которых можно измерить применимость того или иного дизайна в рамках конкретного случая.</a:t>
-            </a:r>
+              <a:t>Еще одним важным свойством проектирования является то, что процесс затрагивает </a:t>
+            </a:r>
+            <a:r>
+              <a:rPr lang="ru-RU" sz="1200" b="0" i="1" kern="1200" dirty="0" smtClean="0">
+                <a:solidFill>
+                  <a:schemeClr val="tx1"/>
+                </a:solidFill>
+                <a:effectLst/>
+                <a:latin typeface="+mn-lt"/>
+                <a:ea typeface="+mn-ea"/>
+                <a:cs typeface="+mn-cs"/>
+              </a:rPr>
+              <a:t>только структуру</a:t>
+            </a:r>
+            <a:r>
+              <a:rPr lang="ru-RU" sz="1200" b="0" i="0" kern="1200" dirty="0" smtClean="0">
+                <a:solidFill>
+                  <a:schemeClr val="tx1"/>
+                </a:solidFill>
+                <a:effectLst/>
+                <a:latin typeface="+mn-lt"/>
+                <a:ea typeface="+mn-ea"/>
+                <a:cs typeface="+mn-cs"/>
+              </a:rPr>
+              <a:t> и ничего более</a:t>
+            </a:r>
+          </a:p>
+          <a:p>
+            <a:endParaRPr lang="ru-RU" sz="1200" b="0" i="0" kern="1200" dirty="0" smtClean="0">
+              <a:solidFill>
+                <a:schemeClr val="tx1"/>
+              </a:solidFill>
+              <a:effectLst/>
+              <a:latin typeface="+mn-lt"/>
+              <a:ea typeface="+mn-ea"/>
+              <a:cs typeface="+mn-cs"/>
+            </a:endParaRPr>
           </a:p>
         </p:txBody>
       </p:sp>
@@ -10415,7 +10444,7 @@
     </p:spTree>
     <p:extLst>
       <p:ext uri="{BB962C8B-B14F-4D97-AF65-F5344CB8AC3E}">
-        <p14:creationId xmlns:p14="http://schemas.microsoft.com/office/powerpoint/2010/main" val="2314136492"/>
+        <p14:creationId xmlns:p14="http://schemas.microsoft.com/office/powerpoint/2010/main" val="2144856917"/>
       </p:ext>
     </p:extLst>
   </p:cSld>
@@ -10470,7 +10499,7 @@
           <a:lstStyle/>
           <a:p>
             <a:r>
-              <a:rPr lang="ru-RU" sz="1200" b="0" i="0" kern="1200" dirty="0" smtClean="0">
+              <a:rPr lang="ru-RU" sz="1200" b="0" i="1" kern="1200" dirty="0" smtClean="0">
                 <a:solidFill>
                   <a:schemeClr val="tx1"/>
                 </a:solidFill>
@@ -10479,7 +10508,92 @@
                 <a:ea typeface="+mn-ea"/>
                 <a:cs typeface="+mn-cs"/>
               </a:rPr>
-              <a:t>они не являются дефектами или недоработками в прямом смысле.</a:t>
+              <a:t>Архитектура</a:t>
+            </a:r>
+            <a:r>
+              <a:rPr lang="ru-RU" sz="1200" b="0" i="0" kern="1200" dirty="0" smtClean="0">
+                <a:solidFill>
+                  <a:schemeClr val="tx1"/>
+                </a:solidFill>
+                <a:effectLst/>
+                <a:latin typeface="+mn-lt"/>
+                <a:ea typeface="+mn-ea"/>
+                <a:cs typeface="+mn-cs"/>
+              </a:rPr>
+              <a:t>/</a:t>
+            </a:r>
+            <a:r>
+              <a:rPr lang="ru-RU" sz="1200" b="0" i="1" kern="1200" dirty="0" smtClean="0">
+                <a:solidFill>
+                  <a:schemeClr val="tx1"/>
+                </a:solidFill>
+                <a:effectLst/>
+                <a:latin typeface="+mn-lt"/>
+                <a:ea typeface="+mn-ea"/>
+                <a:cs typeface="+mn-cs"/>
+              </a:rPr>
+              <a:t>Структура</a:t>
+            </a:r>
+            <a:r>
+              <a:rPr lang="ru-RU" sz="1200" b="0" i="0" kern="1200" dirty="0" smtClean="0">
+                <a:solidFill>
+                  <a:schemeClr val="tx1"/>
+                </a:solidFill>
+                <a:effectLst/>
+                <a:latin typeface="+mn-lt"/>
+                <a:ea typeface="+mn-ea"/>
+                <a:cs typeface="+mn-cs"/>
+              </a:rPr>
+              <a:t>/</a:t>
+            </a:r>
+            <a:r>
+              <a:rPr lang="ru-RU" sz="1200" b="0" i="1" kern="1200" dirty="0" smtClean="0">
+                <a:solidFill>
+                  <a:schemeClr val="tx1"/>
+                </a:solidFill>
+                <a:effectLst/>
+                <a:latin typeface="+mn-lt"/>
+                <a:ea typeface="+mn-ea"/>
+                <a:cs typeface="+mn-cs"/>
+              </a:rPr>
+              <a:t>Дизайн</a:t>
+            </a:r>
+            <a:r>
+              <a:rPr lang="ru-RU" sz="1200" b="0" i="0" kern="1200" dirty="0" smtClean="0">
+                <a:solidFill>
+                  <a:schemeClr val="tx1"/>
+                </a:solidFill>
+                <a:effectLst/>
+                <a:latin typeface="+mn-lt"/>
+                <a:ea typeface="+mn-ea"/>
+                <a:cs typeface="+mn-cs"/>
+              </a:rPr>
+              <a:t> есть результат проектирования, качество которой выражается в определенном состоянии данных признаков.</a:t>
+            </a:r>
+          </a:p>
+          <a:p>
+            <a:endParaRPr lang="ru-RU" sz="1200" b="0" i="0" kern="1200" dirty="0" smtClean="0">
+              <a:solidFill>
+                <a:schemeClr val="tx1"/>
+              </a:solidFill>
+              <a:effectLst/>
+              <a:latin typeface="+mn-lt"/>
+              <a:ea typeface="+mn-ea"/>
+              <a:cs typeface="+mn-cs"/>
+            </a:endParaRPr>
+          </a:p>
+          <a:p>
+            <a:r>
+              <a:rPr lang="ru-RU" sz="1200" b="0" i="0" kern="1200" dirty="0" smtClean="0">
+                <a:solidFill>
+                  <a:schemeClr val="tx1"/>
+                </a:solidFill>
+                <a:effectLst/>
+                <a:latin typeface="+mn-lt"/>
+                <a:ea typeface="+mn-ea"/>
+                <a:cs typeface="+mn-cs"/>
+              </a:rPr>
+              <a:t>Признаки в данном случае выполняют роль параметров, с помощью которых можно измерить применимость того или иного дизайна в рамках конкретного случая.</a:t>
             </a:r>
           </a:p>
         </p:txBody>
@@ -10510,7 +10624,7 @@
     </p:spTree>
     <p:extLst>
       <p:ext uri="{BB962C8B-B14F-4D97-AF65-F5344CB8AC3E}">
-        <p14:creationId xmlns:p14="http://schemas.microsoft.com/office/powerpoint/2010/main" val="2681447224"/>
+        <p14:creationId xmlns:p14="http://schemas.microsoft.com/office/powerpoint/2010/main" val="2314136492"/>
       </p:ext>
     </p:extLst>
   </p:cSld>
@@ -10564,23 +10678,6 @@
           <a:bodyPr/>
           <a:lstStyle/>
           <a:p>
-            <a:pPr marL="0" marR="0" indent="0" algn="l" defTabSz="914400" rtl="0" eaLnBrk="1" fontAlgn="auto" latinLnBrk="0" hangingPunct="1">
-              <a:lnSpc>
-                <a:spcPct val="100000"/>
-              </a:lnSpc>
-              <a:spcBef>
-                <a:spcPts val="0"/>
-              </a:spcBef>
-              <a:spcAft>
-                <a:spcPts val="0"/>
-              </a:spcAft>
-              <a:buClrTx/>
-              <a:buSzTx/>
-              <a:buFontTx/>
-              <a:buNone/>
-              <a:tabLst/>
-              <a:defRPr/>
-            </a:pPr>
             <a:r>
               <a:rPr lang="ru-RU" sz="1200" b="0" i="0" kern="1200" dirty="0" smtClean="0">
                 <a:solidFill>
@@ -10591,19 +10688,8 @@
                 <a:ea typeface="+mn-ea"/>
                 <a:cs typeface="+mn-cs"/>
               </a:rPr>
-              <a:t>Вместо этого, каждый из них, при нарушении будет замедлять процесс разработки за счет его усложнения. Т. е. снижать производительность труда.</a:t>
-            </a:r>
-          </a:p>
-          <a:p>
-            <a:endParaRPr lang="ru-RU" sz="1200" b="0" i="0" kern="1200" dirty="0" smtClean="0">
-              <a:solidFill>
-                <a:schemeClr val="tx1"/>
-              </a:solidFill>
-              <a:effectLst/>
-              <a:latin typeface="+mn-lt"/>
-              <a:ea typeface="+mn-ea"/>
-              <a:cs typeface="+mn-cs"/>
-            </a:endParaRPr>
+              <a:t>они не являются дефектами или недоработками в прямом смысле.</a:t>
+            </a:r>
           </a:p>
         </p:txBody>
       </p:sp>
@@ -10633,7 +10719,7 @@
     </p:spTree>
     <p:extLst>
       <p:ext uri="{BB962C8B-B14F-4D97-AF65-F5344CB8AC3E}">
-        <p14:creationId xmlns:p14="http://schemas.microsoft.com/office/powerpoint/2010/main" val="2097845220"/>
+        <p14:creationId xmlns:p14="http://schemas.microsoft.com/office/powerpoint/2010/main" val="2681447224"/>
       </p:ext>
     </p:extLst>
   </p:cSld>
@@ -10705,7 +10791,7 @@
               <a:defRPr/>
             </a:pPr>
             <a:r>
-              <a:rPr lang="ru-RU" sz="1200" b="0" i="1" kern="1200" dirty="0" smtClean="0">
+              <a:rPr lang="ru-RU" sz="1200" b="0" i="0" kern="1200" dirty="0" smtClean="0">
                 <a:solidFill>
                   <a:schemeClr val="tx1"/>
                 </a:solidFill>
@@ -10714,20 +10800,19 @@
                 <a:ea typeface="+mn-ea"/>
                 <a:cs typeface="+mn-cs"/>
               </a:rPr>
-              <a:t>Производительность труда</a:t>
-            </a:r>
-            <a:r>
-              <a:rPr lang="ru-RU" sz="1200" b="0" i="0" kern="1200" dirty="0" smtClean="0">
-                <a:solidFill>
-                  <a:schemeClr val="tx1"/>
-                </a:solidFill>
-                <a:effectLst/>
-                <a:latin typeface="+mn-lt"/>
-                <a:ea typeface="+mn-ea"/>
-                <a:cs typeface="+mn-cs"/>
-              </a:rPr>
-              <a:t> - это количество задач выполняемых специалистом за данный промежуток времени. Чем этот показатель выше, тем разработка эффективней</a:t>
-            </a:r>
+              <a:t>Вместо этого, каждый из них, при нарушении будет замедлять процесс разработки за счет его усложнения. Т. е. снижать производительность труда.</a:t>
+            </a:r>
+          </a:p>
+          <a:p>
+            <a:endParaRPr lang="ru-RU" sz="1200" b="0" i="0" kern="1200" dirty="0" smtClean="0">
+              <a:solidFill>
+                <a:schemeClr val="tx1"/>
+              </a:solidFill>
+              <a:effectLst/>
+              <a:latin typeface="+mn-lt"/>
+              <a:ea typeface="+mn-ea"/>
+              <a:cs typeface="+mn-cs"/>
+            </a:endParaRPr>
           </a:p>
         </p:txBody>
       </p:sp>
@@ -10757,7 +10842,7 @@
     </p:spTree>
     <p:extLst>
       <p:ext uri="{BB962C8B-B14F-4D97-AF65-F5344CB8AC3E}">
-        <p14:creationId xmlns:p14="http://schemas.microsoft.com/office/powerpoint/2010/main" val="347760324"/>
+        <p14:creationId xmlns:p14="http://schemas.microsoft.com/office/powerpoint/2010/main" val="2097845220"/>
       </p:ext>
     </p:extLst>
   </p:cSld>
@@ -10829,7 +10914,7 @@
               <a:defRPr/>
             </a:pPr>
             <a:r>
-              <a:rPr lang="ru-RU" sz="1200" b="0" i="0" kern="1200" dirty="0" smtClean="0">
+              <a:rPr lang="ru-RU" sz="1200" b="0" i="1" kern="1200" dirty="0" smtClean="0">
                 <a:solidFill>
                   <a:schemeClr val="tx1"/>
                 </a:solidFill>
@@ -10838,10 +10923,10 @@
                 <a:ea typeface="+mn-ea"/>
                 <a:cs typeface="+mn-cs"/>
               </a:rPr>
-              <a:t>Снижение эффективности разработки приводит к её удорожанию, что негативно влияет не только на отношение с заказчиком, но и на </a:t>
-            </a:r>
-            <a:r>
-              <a:rPr lang="ru-RU" sz="1200" b="0" i="0" kern="1200" dirty="0" err="1" smtClean="0">
+              <a:t>архитектура</a:t>
+            </a:r>
+            <a:r>
+              <a:rPr lang="ru-RU" sz="1200" b="0" i="0" kern="1200" dirty="0" smtClean="0">
                 <a:solidFill>
                   <a:schemeClr val="tx1"/>
                 </a:solidFill>
@@ -10850,29 +10935,8 @@
                 <a:ea typeface="+mn-ea"/>
                 <a:cs typeface="+mn-cs"/>
               </a:rPr>
-              <a:t>конкурентноспособность</a:t>
-            </a:r>
-            <a:r>
-              <a:rPr lang="ru-RU" sz="1200" b="0" i="0" kern="1200" dirty="0" smtClean="0">
-                <a:solidFill>
-                  <a:schemeClr val="tx1"/>
-                </a:solidFill>
-                <a:effectLst/>
-                <a:latin typeface="+mn-lt"/>
-                <a:ea typeface="+mn-ea"/>
-                <a:cs typeface="+mn-cs"/>
-              </a:rPr>
-              <a:t> в целом.</a:t>
-            </a:r>
-            <a:endParaRPr lang="en-US" sz="1200" b="0" i="0" kern="1200" dirty="0" smtClean="0">
-              <a:solidFill>
-                <a:schemeClr val="tx1"/>
-              </a:solidFill>
-              <a:effectLst/>
-              <a:latin typeface="+mn-lt"/>
-              <a:ea typeface="+mn-ea"/>
-              <a:cs typeface="+mn-cs"/>
-            </a:endParaRPr>
+              <a:t> оказывает непосредственное влияние на производительность труда.</a:t>
+            </a:r>
           </a:p>
           <a:p>
             <a:pPr marL="0" marR="0" indent="0" algn="l" defTabSz="914400" rtl="0" eaLnBrk="1" fontAlgn="auto" latinLnBrk="0" hangingPunct="1">
@@ -10892,17 +10956,6 @@
               <a:tabLst/>
               <a:defRPr/>
             </a:pPr>
-            <a:endParaRPr lang="en-US" sz="1200" b="0" i="0" kern="1200" dirty="0" smtClean="0">
-              <a:solidFill>
-                <a:schemeClr val="tx1"/>
-              </a:solidFill>
-              <a:effectLst/>
-              <a:latin typeface="+mn-lt"/>
-              <a:ea typeface="+mn-ea"/>
-              <a:cs typeface="+mn-cs"/>
-            </a:endParaRPr>
-          </a:p>
-          <a:p>
             <a:r>
               <a:rPr lang="ru-RU" sz="1200" b="0" i="0" kern="1200" dirty="0" smtClean="0">
                 <a:solidFill>
@@ -10913,12 +10966,10 @@
                 <a:ea typeface="+mn-ea"/>
                 <a:cs typeface="+mn-cs"/>
               </a:rPr>
-              <a:t>Намеренное упрощение реализации за счет недоработок явно противоречащих бизнесу</a:t>
-            </a:r>
-          </a:p>
-          <a:p>
-            <a:r>
-              <a:rPr lang="ru-RU" sz="1200" b="0" i="0" kern="1200" dirty="0" smtClean="0">
+              <a:t>производительность труда –</a:t>
+            </a:r>
+            <a:r>
+              <a:rPr lang="en-US" sz="1200" b="0" i="0" kern="1200" dirty="0" smtClean="0">
                 <a:solidFill>
                   <a:schemeClr val="tx1"/>
                 </a:solidFill>
@@ -10927,12 +10978,10 @@
                 <a:ea typeface="+mn-ea"/>
                 <a:cs typeface="+mn-cs"/>
               </a:rPr>
-              <a:t>Расширение штата разработчиков, для восстановления скорости, что приводит к усложнению и удорожанию процесса</a:t>
-            </a:r>
-          </a:p>
-          <a:p>
-            <a:r>
-              <a:rPr lang="ru-RU" sz="1200" b="0" i="0" kern="1200" dirty="0" smtClean="0">
+              <a:t>&gt;</a:t>
+            </a:r>
+            <a:r>
+              <a:rPr lang="en-US" sz="1200" b="0" i="0" kern="1200" baseline="0" dirty="0" smtClean="0">
                 <a:solidFill>
                   <a:schemeClr val="tx1"/>
                 </a:solidFill>
@@ -10941,32 +10990,10 @@
                 <a:ea typeface="+mn-ea"/>
                 <a:cs typeface="+mn-cs"/>
               </a:rPr>
-              <a:t>Сверхурочные работы, снижающие способность к труду в перспективе</a:t>
-            </a:r>
-            <a:endParaRPr lang="en-US" sz="1200" b="0" i="0" kern="1200" dirty="0" smtClean="0">
-              <a:solidFill>
-                <a:schemeClr val="tx1"/>
-              </a:solidFill>
-              <a:effectLst/>
-              <a:latin typeface="+mn-lt"/>
-              <a:ea typeface="+mn-ea"/>
-              <a:cs typeface="+mn-cs"/>
-            </a:endParaRPr>
-          </a:p>
-          <a:p>
-            <a:endParaRPr lang="en-US" sz="1200" b="0" i="0" kern="1200" dirty="0" smtClean="0">
-              <a:solidFill>
-                <a:schemeClr val="tx1"/>
-              </a:solidFill>
-              <a:effectLst/>
-              <a:latin typeface="+mn-lt"/>
-              <a:ea typeface="+mn-ea"/>
-              <a:cs typeface="+mn-cs"/>
-            </a:endParaRPr>
-          </a:p>
-          <a:p>
-            <a:r>
-              <a:rPr lang="ru-RU" sz="1200" b="0" i="0" kern="1200" dirty="0" smtClean="0">
+              <a:t> </a:t>
+            </a:r>
+            <a:r>
+              <a:rPr lang="ru-RU" sz="1200" b="0" i="0" kern="1200" baseline="0" dirty="0" smtClean="0">
                 <a:solidFill>
                   <a:schemeClr val="tx1"/>
                 </a:solidFill>
@@ -10975,7 +11002,134 @@
                 <a:ea typeface="+mn-ea"/>
                 <a:cs typeface="+mn-cs"/>
               </a:rPr>
-              <a:t>намерение о полном переписывании проекта</a:t>
+              <a:t>деньги</a:t>
+            </a:r>
+            <a:r>
+              <a:rPr lang="en-US" sz="1200" b="0" i="0" kern="1200" baseline="0" dirty="0" smtClean="0">
+                <a:solidFill>
+                  <a:schemeClr val="tx1"/>
+                </a:solidFill>
+                <a:effectLst/>
+                <a:latin typeface="+mn-lt"/>
+                <a:ea typeface="+mn-ea"/>
+                <a:cs typeface="+mn-cs"/>
+              </a:rPr>
+              <a:t>, </a:t>
+            </a:r>
+            <a:r>
+              <a:rPr lang="ru-RU" sz="1200" b="0" i="0" kern="1200" baseline="0" dirty="0" smtClean="0">
+                <a:solidFill>
+                  <a:schemeClr val="tx1"/>
+                </a:solidFill>
+                <a:effectLst/>
+                <a:latin typeface="+mn-lt"/>
+                <a:ea typeface="+mn-ea"/>
+                <a:cs typeface="+mn-cs"/>
+              </a:rPr>
+              <a:t>главный интерес </a:t>
+            </a:r>
+            <a:r>
+              <a:rPr lang="ru-RU" sz="1200" b="0" i="0" kern="1200" baseline="0" dirty="0" smtClean="0">
+                <a:solidFill>
+                  <a:schemeClr val="tx1"/>
+                </a:solidFill>
+                <a:effectLst/>
+                <a:latin typeface="+mn-lt"/>
+                <a:ea typeface="+mn-ea"/>
+                <a:cs typeface="+mn-cs"/>
+              </a:rPr>
+              <a:t>рынка</a:t>
+            </a:r>
+          </a:p>
+          <a:p>
+            <a:pPr marL="0" marR="0" indent="0" algn="l" defTabSz="914400" rtl="0" eaLnBrk="1" fontAlgn="auto" latinLnBrk="0" hangingPunct="1">
+              <a:lnSpc>
+                <a:spcPct val="100000"/>
+              </a:lnSpc>
+              <a:spcBef>
+                <a:spcPts val="0"/>
+              </a:spcBef>
+              <a:spcAft>
+                <a:spcPts val="0"/>
+              </a:spcAft>
+              <a:buClrTx/>
+              <a:buSzTx/>
+              <a:buFontTx/>
+              <a:buNone/>
+              <a:tabLst/>
+              <a:defRPr/>
+            </a:pPr>
+            <a:r>
+              <a:rPr lang="ru-RU" sz="1200" b="0" i="1" kern="1200" dirty="0" smtClean="0">
+                <a:solidFill>
+                  <a:schemeClr val="tx1"/>
+                </a:solidFill>
+                <a:effectLst/>
+                <a:latin typeface="+mn-lt"/>
+                <a:ea typeface="+mn-ea"/>
+                <a:cs typeface="+mn-cs"/>
+              </a:rPr>
+              <a:t>Ролью архитектуры</a:t>
+            </a:r>
+            <a:r>
+              <a:rPr lang="ru-RU" sz="1200" b="0" i="0" kern="1200" dirty="0" smtClean="0">
+                <a:solidFill>
+                  <a:schemeClr val="tx1"/>
+                </a:solidFill>
+                <a:effectLst/>
+                <a:latin typeface="+mn-lt"/>
+                <a:ea typeface="+mn-ea"/>
+                <a:cs typeface="+mn-cs"/>
+              </a:rPr>
+              <a:t> является обеспечение </a:t>
+            </a:r>
+            <a:r>
+              <a:rPr lang="ru-RU" sz="1200" b="0" i="1" kern="1200" dirty="0" smtClean="0">
+                <a:solidFill>
+                  <a:schemeClr val="tx1"/>
+                </a:solidFill>
+                <a:effectLst/>
+                <a:latin typeface="+mn-lt"/>
+                <a:ea typeface="+mn-ea"/>
+                <a:cs typeface="+mn-cs"/>
+              </a:rPr>
+              <a:t>высокой</a:t>
+            </a:r>
+            <a:r>
+              <a:rPr lang="ru-RU" sz="1200" b="0" i="0" kern="1200" dirty="0" smtClean="0">
+                <a:solidFill>
+                  <a:schemeClr val="tx1"/>
+                </a:solidFill>
+                <a:effectLst/>
+                <a:latin typeface="+mn-lt"/>
+                <a:ea typeface="+mn-ea"/>
+                <a:cs typeface="+mn-cs"/>
+              </a:rPr>
+              <a:t>/</a:t>
+            </a:r>
+            <a:r>
+              <a:rPr lang="ru-RU" sz="1200" b="0" i="1" kern="1200" dirty="0" smtClean="0">
+                <a:solidFill>
+                  <a:schemeClr val="tx1"/>
+                </a:solidFill>
+                <a:effectLst/>
+                <a:latin typeface="+mn-lt"/>
+                <a:ea typeface="+mn-ea"/>
+                <a:cs typeface="+mn-cs"/>
+              </a:rPr>
+              <a:t>достаточной</a:t>
+            </a:r>
+            <a:r>
+              <a:rPr lang="ru-RU" sz="1200" b="0" i="0" kern="1200" dirty="0" smtClean="0">
+                <a:solidFill>
+                  <a:schemeClr val="tx1"/>
+                </a:solidFill>
+                <a:effectLst/>
+                <a:latin typeface="+mn-lt"/>
+                <a:ea typeface="+mn-ea"/>
+                <a:cs typeface="+mn-cs"/>
+              </a:rPr>
+              <a:t> производительности труда.</a:t>
             </a:r>
           </a:p>
           <a:p>
@@ -11034,7 +11188,7 @@
     </p:spTree>
     <p:extLst>
       <p:ext uri="{BB962C8B-B14F-4D97-AF65-F5344CB8AC3E}">
-        <p14:creationId xmlns:p14="http://schemas.microsoft.com/office/powerpoint/2010/main" val="3858630198"/>
+        <p14:creationId xmlns:p14="http://schemas.microsoft.com/office/powerpoint/2010/main" val="613512132"/>
       </p:ext>
     </p:extLst>
   </p:cSld>
@@ -11227,7 +11381,398 @@
                 <a:ea typeface="+mn-ea"/>
                 <a:cs typeface="+mn-cs"/>
               </a:rPr>
-              <a:t>что производительность труда увеличилась на 25%</a:t>
+              <a:t>Дело в том, что каждый из признаков не образуется сам по себе. В этом ему помогают различные </a:t>
+            </a:r>
+            <a:r>
+              <a:rPr lang="ru-RU" sz="1200" b="0" i="1" kern="1200" dirty="0" smtClean="0">
+                <a:solidFill>
+                  <a:schemeClr val="tx1"/>
+                </a:solidFill>
+                <a:effectLst/>
+                <a:latin typeface="+mn-lt"/>
+                <a:ea typeface="+mn-ea"/>
+                <a:cs typeface="+mn-cs"/>
+              </a:rPr>
+              <a:t>условия проекта</a:t>
+            </a:r>
+            <a:r>
+              <a:rPr lang="ru-RU" sz="1200" b="0" i="0" kern="1200" dirty="0" smtClean="0">
+                <a:solidFill>
+                  <a:schemeClr val="tx1"/>
+                </a:solidFill>
+                <a:effectLst/>
+                <a:latin typeface="+mn-lt"/>
+                <a:ea typeface="+mn-ea"/>
+                <a:cs typeface="+mn-cs"/>
+              </a:rPr>
+              <a:t>.</a:t>
+            </a:r>
+          </a:p>
+        </p:txBody>
+      </p:sp>
+      <p:sp>
+        <p:nvSpPr>
+          <p:cNvPr id="4" name="Номер слайда 3"/>
+          <p:cNvSpPr>
+            <a:spLocks noGrp="1"/>
+          </p:cNvSpPr>
+          <p:nvPr>
+            <p:ph type="sldNum" sz="quarter" idx="10"/>
+          </p:nvPr>
+        </p:nvSpPr>
+        <p:spPr/>
+        <p:txBody>
+          <a:bodyPr/>
+          <a:lstStyle/>
+          <a:p>
+            <a:fld id="{158157BE-13C9-4B69-8B03-B7B56862D10D}" type="slidenum">
+              <a:rPr lang="ru-RU" smtClean="0"/>
+              <a:t>86</a:t>
+            </a:fld>
+            <a:endParaRPr lang="ru-RU"/>
+          </a:p>
+        </p:txBody>
+      </p:sp>
+    </p:spTree>
+    <p:extLst>
+      <p:ext uri="{BB962C8B-B14F-4D97-AF65-F5344CB8AC3E}">
+        <p14:creationId xmlns:p14="http://schemas.microsoft.com/office/powerpoint/2010/main" val="3261199445"/>
+      </p:ext>
+    </p:extLst>
+  </p:cSld>
+  <p:clrMapOvr>
+    <a:masterClrMapping/>
+  </p:clrMapOvr>
+</p:notes>
+</file>
+
+<file path=ppt/notesSlides/notesSlide87.xml><?xml version="1.0" encoding="utf-8"?>
+<p:notes xmlns:a="http://schemas.openxmlformats.org/drawingml/2006/main" xmlns:r="http://schemas.openxmlformats.org/officeDocument/2006/relationships" xmlns:p="http://schemas.openxmlformats.org/presentationml/2006/main">
+  <p:cSld>
+    <p:spTree>
+      <p:nvGrpSpPr>
+        <p:cNvPr id="1" name=""/>
+        <p:cNvGrpSpPr/>
+        <p:nvPr/>
+      </p:nvGrpSpPr>
+      <p:grpSpPr>
+        <a:xfrm>
+          <a:off x="0" y="0"/>
+          <a:ext cx="0" cy="0"/>
+          <a:chOff x="0" y="0"/>
+          <a:chExt cx="0" cy="0"/>
+        </a:xfrm>
+      </p:grpSpPr>
+      <p:sp>
+        <p:nvSpPr>
+          <p:cNvPr id="2" name="Образ слайда 1"/>
+          <p:cNvSpPr>
+            <a:spLocks noGrp="1" noRot="1" noChangeAspect="1"/>
+          </p:cNvSpPr>
+          <p:nvPr>
+            <p:ph type="sldImg"/>
+          </p:nvPr>
+        </p:nvSpPr>
+        <p:spPr/>
+      </p:sp>
+      <p:sp>
+        <p:nvSpPr>
+          <p:cNvPr id="3" name="Заметки 2"/>
+          <p:cNvSpPr>
+            <a:spLocks noGrp="1"/>
+          </p:cNvSpPr>
+          <p:nvPr>
+            <p:ph type="body" idx="1"/>
+          </p:nvPr>
+        </p:nvSpPr>
+        <p:spPr/>
+        <p:txBody>
+          <a:bodyPr/>
+          <a:lstStyle/>
+          <a:p>
+            <a:r>
+              <a:rPr lang="ru-RU" sz="1200" b="0" i="0" kern="1200" dirty="0" smtClean="0">
+                <a:solidFill>
+                  <a:schemeClr val="tx1"/>
+                </a:solidFill>
+                <a:effectLst/>
+                <a:latin typeface="+mn-lt"/>
+                <a:ea typeface="+mn-ea"/>
+                <a:cs typeface="+mn-cs"/>
+              </a:rPr>
+              <a:t>Компетенция разработки</a:t>
+            </a:r>
+            <a:endParaRPr lang="en-US" sz="1200" b="0" i="0" kern="1200" dirty="0" smtClean="0">
+              <a:solidFill>
+                <a:schemeClr val="tx1"/>
+              </a:solidFill>
+              <a:effectLst/>
+              <a:latin typeface="+mn-lt"/>
+              <a:ea typeface="+mn-ea"/>
+              <a:cs typeface="+mn-cs"/>
+            </a:endParaRPr>
+          </a:p>
+          <a:p>
+            <a:pPr marL="0" marR="0" indent="0" algn="l" defTabSz="914400" rtl="0" eaLnBrk="1" fontAlgn="auto" latinLnBrk="0" hangingPunct="1">
+              <a:lnSpc>
+                <a:spcPct val="100000"/>
+              </a:lnSpc>
+              <a:spcBef>
+                <a:spcPts val="0"/>
+              </a:spcBef>
+              <a:spcAft>
+                <a:spcPts val="0"/>
+              </a:spcAft>
+              <a:buClrTx/>
+              <a:buSzTx/>
+              <a:buFontTx/>
+              <a:buNone/>
+              <a:tabLst/>
+              <a:defRPr/>
+            </a:pPr>
+            <a:r>
+              <a:rPr lang="ru-RU" sz="1200" b="0" i="0" kern="1200" dirty="0" smtClean="0">
+                <a:solidFill>
+                  <a:schemeClr val="tx1"/>
+                </a:solidFill>
+                <a:effectLst/>
+                <a:latin typeface="+mn-lt"/>
+                <a:ea typeface="+mn-ea"/>
+                <a:cs typeface="+mn-cs"/>
+              </a:rPr>
+              <a:t>Частота показов</a:t>
+            </a:r>
+          </a:p>
+          <a:p>
+            <a:pPr marL="0" marR="0" indent="0" algn="l" defTabSz="914400" rtl="0" eaLnBrk="1" fontAlgn="auto" latinLnBrk="0" hangingPunct="1">
+              <a:lnSpc>
+                <a:spcPct val="100000"/>
+              </a:lnSpc>
+              <a:spcBef>
+                <a:spcPts val="0"/>
+              </a:spcBef>
+              <a:spcAft>
+                <a:spcPts val="0"/>
+              </a:spcAft>
+              <a:buClrTx/>
+              <a:buSzTx/>
+              <a:buFontTx/>
+              <a:buNone/>
+              <a:tabLst/>
+              <a:defRPr/>
+            </a:pPr>
+            <a:r>
+              <a:rPr lang="ru-RU" sz="1200" b="0" i="0" kern="1200" dirty="0" smtClean="0">
+                <a:solidFill>
+                  <a:schemeClr val="tx1"/>
+                </a:solidFill>
+                <a:effectLst/>
+                <a:latin typeface="+mn-lt"/>
+                <a:ea typeface="+mn-ea"/>
+                <a:cs typeface="+mn-cs"/>
+              </a:rPr>
+              <a:t>Стабильность требований</a:t>
+            </a:r>
+            <a:endParaRPr lang="en-US" sz="1200" b="0" i="0" kern="1200" dirty="0" smtClean="0">
+              <a:solidFill>
+                <a:schemeClr val="tx1"/>
+              </a:solidFill>
+              <a:effectLst/>
+              <a:latin typeface="+mn-lt"/>
+              <a:ea typeface="+mn-ea"/>
+              <a:cs typeface="+mn-cs"/>
+            </a:endParaRPr>
+          </a:p>
+          <a:p>
+            <a:pPr marL="0" marR="0" indent="0" algn="l" defTabSz="914400" rtl="0" eaLnBrk="1" fontAlgn="auto" latinLnBrk="0" hangingPunct="1">
+              <a:lnSpc>
+                <a:spcPct val="100000"/>
+              </a:lnSpc>
+              <a:spcBef>
+                <a:spcPts val="0"/>
+              </a:spcBef>
+              <a:spcAft>
+                <a:spcPts val="0"/>
+              </a:spcAft>
+              <a:buClrTx/>
+              <a:buSzTx/>
+              <a:buFontTx/>
+              <a:buNone/>
+              <a:tabLst/>
+              <a:defRPr/>
+            </a:pPr>
+            <a:endParaRPr lang="en-US" sz="1200" b="0" i="0" kern="1200" dirty="0" smtClean="0">
+              <a:solidFill>
+                <a:schemeClr val="tx1"/>
+              </a:solidFill>
+              <a:effectLst/>
+              <a:latin typeface="+mn-lt"/>
+              <a:ea typeface="+mn-ea"/>
+              <a:cs typeface="+mn-cs"/>
+            </a:endParaRPr>
+          </a:p>
+          <a:p>
+            <a:pPr marL="0" marR="0" indent="0" algn="l" defTabSz="914400" rtl="0" eaLnBrk="1" fontAlgn="auto" latinLnBrk="0" hangingPunct="1">
+              <a:lnSpc>
+                <a:spcPct val="100000"/>
+              </a:lnSpc>
+              <a:spcBef>
+                <a:spcPts val="0"/>
+              </a:spcBef>
+              <a:spcAft>
+                <a:spcPts val="0"/>
+              </a:spcAft>
+              <a:buClrTx/>
+              <a:buSzTx/>
+              <a:buFontTx/>
+              <a:buNone/>
+              <a:tabLst/>
+              <a:defRPr/>
+            </a:pPr>
+            <a:r>
+              <a:rPr lang="ru-RU" sz="1200" b="0" i="0" kern="1200" dirty="0" smtClean="0">
+                <a:solidFill>
+                  <a:schemeClr val="tx1"/>
+                </a:solidFill>
+                <a:effectLst/>
+                <a:latin typeface="+mn-lt"/>
+                <a:ea typeface="+mn-ea"/>
+                <a:cs typeface="+mn-cs"/>
+              </a:rPr>
+              <a:t>С</a:t>
+            </a:r>
+            <a:r>
+              <a:rPr lang="ru-RU" sz="1200" b="0" i="0" kern="1200" baseline="0" dirty="0" smtClean="0">
+                <a:solidFill>
+                  <a:schemeClr val="tx1"/>
+                </a:solidFill>
+                <a:effectLst/>
+                <a:latin typeface="+mn-lt"/>
+                <a:ea typeface="+mn-ea"/>
+                <a:cs typeface="+mn-cs"/>
+              </a:rPr>
+              <a:t> низкой компетенцией отдаваться решениям с высокой прозрачностью в жертву дублирования. Меньше абстракций</a:t>
+            </a:r>
+            <a:endParaRPr lang="ru-RU" sz="1200" b="0" i="0" kern="1200" dirty="0">
+              <a:solidFill>
+                <a:schemeClr val="tx1"/>
+              </a:solidFill>
+              <a:effectLst/>
+              <a:latin typeface="+mn-lt"/>
+              <a:ea typeface="+mn-ea"/>
+              <a:cs typeface="+mn-cs"/>
+            </a:endParaRPr>
+          </a:p>
+        </p:txBody>
+      </p:sp>
+      <p:sp>
+        <p:nvSpPr>
+          <p:cNvPr id="4" name="Номер слайда 3"/>
+          <p:cNvSpPr>
+            <a:spLocks noGrp="1"/>
+          </p:cNvSpPr>
+          <p:nvPr>
+            <p:ph type="sldNum" sz="quarter" idx="10"/>
+          </p:nvPr>
+        </p:nvSpPr>
+        <p:spPr/>
+        <p:txBody>
+          <a:bodyPr/>
+          <a:lstStyle/>
+          <a:p>
+            <a:fld id="{158157BE-13C9-4B69-8B03-B7B56862D10D}" type="slidenum">
+              <a:rPr lang="ru-RU" smtClean="0"/>
+              <a:t>87</a:t>
+            </a:fld>
+            <a:endParaRPr lang="ru-RU"/>
+          </a:p>
+        </p:txBody>
+      </p:sp>
+    </p:spTree>
+    <p:extLst>
+      <p:ext uri="{BB962C8B-B14F-4D97-AF65-F5344CB8AC3E}">
+        <p14:creationId xmlns:p14="http://schemas.microsoft.com/office/powerpoint/2010/main" val="939257043"/>
+      </p:ext>
+    </p:extLst>
+  </p:cSld>
+  <p:clrMapOvr>
+    <a:masterClrMapping/>
+  </p:clrMapOvr>
+</p:notes>
+</file>
+
+<file path=ppt/notesSlides/notesSlide88.xml><?xml version="1.0" encoding="utf-8"?>
+<p:notes xmlns:a="http://schemas.openxmlformats.org/drawingml/2006/main" xmlns:r="http://schemas.openxmlformats.org/officeDocument/2006/relationships" xmlns:p="http://schemas.openxmlformats.org/presentationml/2006/main">
+  <p:cSld>
+    <p:spTree>
+      <p:nvGrpSpPr>
+        <p:cNvPr id="1" name=""/>
+        <p:cNvGrpSpPr/>
+        <p:nvPr/>
+      </p:nvGrpSpPr>
+      <p:grpSpPr>
+        <a:xfrm>
+          <a:off x="0" y="0"/>
+          <a:ext cx="0" cy="0"/>
+          <a:chOff x="0" y="0"/>
+          <a:chExt cx="0" cy="0"/>
+        </a:xfrm>
+      </p:grpSpPr>
+      <p:sp>
+        <p:nvSpPr>
+          <p:cNvPr id="2" name="Образ слайда 1"/>
+          <p:cNvSpPr>
+            <a:spLocks noGrp="1" noRot="1" noChangeAspect="1"/>
+          </p:cNvSpPr>
+          <p:nvPr>
+            <p:ph type="sldImg"/>
+          </p:nvPr>
+        </p:nvSpPr>
+        <p:spPr/>
+      </p:sp>
+      <p:sp>
+        <p:nvSpPr>
+          <p:cNvPr id="3" name="Заметки 2"/>
+          <p:cNvSpPr>
+            <a:spLocks noGrp="1"/>
+          </p:cNvSpPr>
+          <p:nvPr>
+            <p:ph type="body" idx="1"/>
+          </p:nvPr>
+        </p:nvSpPr>
+        <p:spPr/>
+        <p:txBody>
+          <a:bodyPr/>
+          <a:lstStyle/>
+          <a:p>
+            <a:pPr marL="0" marR="0" indent="0" algn="l" defTabSz="914400" rtl="0" eaLnBrk="1" fontAlgn="auto" latinLnBrk="0" hangingPunct="1">
+              <a:lnSpc>
+                <a:spcPct val="100000"/>
+              </a:lnSpc>
+              <a:spcBef>
+                <a:spcPts val="0"/>
+              </a:spcBef>
+              <a:spcAft>
+                <a:spcPts val="0"/>
+              </a:spcAft>
+              <a:buClrTx/>
+              <a:buSzTx/>
+              <a:buFontTx/>
+              <a:buNone/>
+              <a:tabLst/>
+              <a:defRPr/>
+            </a:pPr>
+            <a:r>
+              <a:rPr lang="ru-RU" sz="1200" b="0" i="0" kern="1200" dirty="0" smtClean="0">
+                <a:solidFill>
+                  <a:schemeClr val="tx1"/>
+                </a:solidFill>
+                <a:effectLst/>
+                <a:latin typeface="+mn-lt"/>
+                <a:ea typeface="+mn-ea"/>
+                <a:cs typeface="+mn-cs"/>
+              </a:rPr>
+              <a:t>Проектирование, должно учитывать не только сам признак, но и условия проекта, т. к. именно они являются причиной появления проблемы в первую очередь и они же, будут являться причинами появления многих других в будущем.</a:t>
             </a:r>
           </a:p>
           <a:p>
@@ -11259,6 +11804,23 @@
             </a:endParaRPr>
           </a:p>
           <a:p>
+            <a:pPr marL="0" marR="0" indent="0" algn="l" defTabSz="914400" rtl="0" eaLnBrk="1" fontAlgn="auto" latinLnBrk="0" hangingPunct="1">
+              <a:lnSpc>
+                <a:spcPct val="100000"/>
+              </a:lnSpc>
+              <a:spcBef>
+                <a:spcPts val="0"/>
+              </a:spcBef>
+              <a:spcAft>
+                <a:spcPts val="0"/>
+              </a:spcAft>
+              <a:buClrTx/>
+              <a:buSzTx/>
+              <a:buFontTx/>
+              <a:buNone/>
+              <a:tabLst/>
+              <a:defRPr/>
+            </a:pPr>
             <a:r>
               <a:rPr lang="ru-RU" sz="1200" b="0" i="0" kern="1200" dirty="0" smtClean="0">
                 <a:solidFill>
@@ -11269,10 +11831,108 @@
                 <a:ea typeface="+mn-ea"/>
                 <a:cs typeface="+mn-cs"/>
               </a:rPr>
-              <a:t>На другие задачи, тем самым быстрее приблизив выполнение плана</a:t>
-            </a:r>
-          </a:p>
-          <a:p>
+              <a:t>Необходимо подобрать такое решение, которое взамен на избавление или ослабление признака, предоставит архитектуру, учитывающую тенденции в будущем и настоящем.</a:t>
+            </a:r>
+          </a:p>
+        </p:txBody>
+      </p:sp>
+      <p:sp>
+        <p:nvSpPr>
+          <p:cNvPr id="4" name="Номер слайда 3"/>
+          <p:cNvSpPr>
+            <a:spLocks noGrp="1"/>
+          </p:cNvSpPr>
+          <p:nvPr>
+            <p:ph type="sldNum" sz="quarter" idx="10"/>
+          </p:nvPr>
+        </p:nvSpPr>
+        <p:spPr/>
+        <p:txBody>
+          <a:bodyPr/>
+          <a:lstStyle/>
+          <a:p>
+            <a:fld id="{158157BE-13C9-4B69-8B03-B7B56862D10D}" type="slidenum">
+              <a:rPr lang="ru-RU" smtClean="0"/>
+              <a:t>88</a:t>
+            </a:fld>
+            <a:endParaRPr lang="ru-RU"/>
+          </a:p>
+        </p:txBody>
+      </p:sp>
+    </p:spTree>
+    <p:extLst>
+      <p:ext uri="{BB962C8B-B14F-4D97-AF65-F5344CB8AC3E}">
+        <p14:creationId xmlns:p14="http://schemas.microsoft.com/office/powerpoint/2010/main" val="3325682309"/>
+      </p:ext>
+    </p:extLst>
+  </p:cSld>
+  <p:clrMapOvr>
+    <a:masterClrMapping/>
+  </p:clrMapOvr>
+</p:notes>
+</file>
+
+<file path=ppt/notesSlides/notesSlide89.xml><?xml version="1.0" encoding="utf-8"?>
+<p:notes xmlns:a="http://schemas.openxmlformats.org/drawingml/2006/main" xmlns:r="http://schemas.openxmlformats.org/officeDocument/2006/relationships" xmlns:p="http://schemas.openxmlformats.org/presentationml/2006/main">
+  <p:cSld>
+    <p:spTree>
+      <p:nvGrpSpPr>
+        <p:cNvPr id="1" name=""/>
+        <p:cNvGrpSpPr/>
+        <p:nvPr/>
+      </p:nvGrpSpPr>
+      <p:grpSpPr>
+        <a:xfrm>
+          <a:off x="0" y="0"/>
+          <a:ext cx="0" cy="0"/>
+          <a:chOff x="0" y="0"/>
+          <a:chExt cx="0" cy="0"/>
+        </a:xfrm>
+      </p:grpSpPr>
+      <p:sp>
+        <p:nvSpPr>
+          <p:cNvPr id="2" name="Образ слайда 1"/>
+          <p:cNvSpPr>
+            <a:spLocks noGrp="1" noRot="1" noChangeAspect="1"/>
+          </p:cNvSpPr>
+          <p:nvPr>
+            <p:ph type="sldImg"/>
+          </p:nvPr>
+        </p:nvSpPr>
+        <p:spPr/>
+      </p:sp>
+      <p:sp>
+        <p:nvSpPr>
+          <p:cNvPr id="3" name="Заметки 2"/>
+          <p:cNvSpPr>
+            <a:spLocks noGrp="1"/>
+          </p:cNvSpPr>
+          <p:nvPr>
+            <p:ph type="body" idx="1"/>
+          </p:nvPr>
+        </p:nvSpPr>
+        <p:spPr/>
+        <p:txBody>
+          <a:bodyPr/>
+          <a:lstStyle/>
+          <a:p>
+            <a:pPr marL="0" marR="0" indent="0" algn="l" defTabSz="914400" rtl="0" eaLnBrk="1" fontAlgn="auto" latinLnBrk="0" hangingPunct="1">
+              <a:lnSpc>
+                <a:spcPct val="100000"/>
+              </a:lnSpc>
+              <a:spcBef>
+                <a:spcPts val="0"/>
+              </a:spcBef>
+              <a:spcAft>
+                <a:spcPts val="0"/>
+              </a:spcAft>
+              <a:buClrTx/>
+              <a:buSzTx/>
+              <a:buFontTx/>
+              <a:buNone/>
+              <a:tabLst/>
+              <a:defRPr/>
+            </a:pPr>
             <a:r>
               <a:rPr lang="ru-RU" sz="1200" b="0" i="0" kern="1200" dirty="0" smtClean="0">
                 <a:solidFill>
@@ -11283,10 +11943,29 @@
                 <a:ea typeface="+mn-ea"/>
                 <a:cs typeface="+mn-cs"/>
               </a:rPr>
-              <a:t>На </a:t>
-            </a:r>
-            <a:r>
-              <a:rPr lang="ru-RU" sz="1200" b="0" i="0" kern="1200" dirty="0" err="1" smtClean="0">
+              <a:t>проектов могут обладать одинаковыми условиями и признаками</a:t>
+            </a:r>
+          </a:p>
+          <a:p>
+            <a:pPr marL="0" marR="0" indent="0" algn="l" defTabSz="914400" rtl="0" eaLnBrk="1" fontAlgn="auto" latinLnBrk="0" hangingPunct="1">
+              <a:lnSpc>
+                <a:spcPct val="100000"/>
+              </a:lnSpc>
+              <a:spcBef>
+                <a:spcPts val="0"/>
+              </a:spcBef>
+              <a:spcAft>
+                <a:spcPts val="0"/>
+              </a:spcAft>
+              <a:buClrTx/>
+              <a:buSzTx/>
+              <a:buFontTx/>
+              <a:buNone/>
+              <a:tabLst/>
+              <a:defRPr/>
+            </a:pPr>
+            <a:r>
+              <a:rPr lang="ru-RU" sz="1200" b="0" i="0" kern="1200" dirty="0" smtClean="0">
                 <a:solidFill>
                   <a:schemeClr val="tx1"/>
                 </a:solidFill>
@@ -11295,10 +11974,10 @@
                 <a:ea typeface="+mn-ea"/>
                 <a:cs typeface="+mn-cs"/>
               </a:rPr>
-              <a:t>рефакторинг</a:t>
-            </a:r>
-            <a:r>
-              <a:rPr lang="ru-RU" sz="1200" b="0" i="0" kern="1200" dirty="0" smtClean="0">
+              <a:t>Такие универсальные рецепты называются </a:t>
+            </a:r>
+            <a:r>
+              <a:rPr lang="ru-RU" sz="1200" b="0" i="1" kern="1200" dirty="0" smtClean="0">
                 <a:solidFill>
                   <a:schemeClr val="tx1"/>
                 </a:solidFill>
@@ -11307,10 +11986,8 @@
                 <a:ea typeface="+mn-ea"/>
                 <a:cs typeface="+mn-cs"/>
               </a:rPr>
-              <a:t>, для исправления найденных признаков и контроля тенденции структуры к деградации</a:t>
-            </a:r>
-          </a:p>
-          <a:p>
+              <a:t>паттернами</a:t>
+            </a:r>
             <a:r>
               <a:rPr lang="ru-RU" sz="1200" b="0" i="0" kern="1200" dirty="0" smtClean="0">
                 <a:solidFill>
@@ -11321,7 +11998,31 @@
                 <a:ea typeface="+mn-ea"/>
                 <a:cs typeface="+mn-cs"/>
               </a:rPr>
-              <a:t>На самообучение, для повышения компетенции и сложности труда как следствие. Труд более высокого порядка оплачивается больше.</a:t>
+              <a:t> (или </a:t>
+            </a:r>
+            <a:r>
+              <a:rPr lang="ru-RU" sz="1200" b="0" i="1" kern="1200" dirty="0" smtClean="0">
+                <a:solidFill>
+                  <a:schemeClr val="tx1"/>
+                </a:solidFill>
+                <a:effectLst/>
+                <a:latin typeface="+mn-lt"/>
+                <a:ea typeface="+mn-ea"/>
+                <a:cs typeface="+mn-cs"/>
+              </a:rPr>
+              <a:t>принципами</a:t>
+            </a:r>
+            <a:r>
+              <a:rPr lang="ru-RU" sz="1200" b="0" i="0" kern="1200" dirty="0" smtClean="0">
+                <a:solidFill>
+                  <a:schemeClr val="tx1"/>
+                </a:solidFill>
+                <a:effectLst/>
+                <a:latin typeface="+mn-lt"/>
+                <a:ea typeface="+mn-ea"/>
+                <a:cs typeface="+mn-cs"/>
+              </a:rPr>
+              <a:t> в более широком смысле)</a:t>
             </a:r>
           </a:p>
           <a:p>
@@ -11352,87 +12053,6 @@
               <a:cs typeface="+mn-cs"/>
             </a:endParaRPr>
           </a:p>
-        </p:txBody>
-      </p:sp>
-      <p:sp>
-        <p:nvSpPr>
-          <p:cNvPr id="4" name="Номер слайда 3"/>
-          <p:cNvSpPr>
-            <a:spLocks noGrp="1"/>
-          </p:cNvSpPr>
-          <p:nvPr>
-            <p:ph type="sldNum" sz="quarter" idx="10"/>
-          </p:nvPr>
-        </p:nvSpPr>
-        <p:spPr/>
-        <p:txBody>
-          <a:bodyPr/>
-          <a:lstStyle/>
-          <a:p>
-            <a:fld id="{158157BE-13C9-4B69-8B03-B7B56862D10D}" type="slidenum">
-              <a:rPr lang="ru-RU" smtClean="0"/>
-              <a:t>86</a:t>
-            </a:fld>
-            <a:endParaRPr lang="ru-RU"/>
-          </a:p>
-        </p:txBody>
-      </p:sp>
-    </p:spTree>
-    <p:extLst>
-      <p:ext uri="{BB962C8B-B14F-4D97-AF65-F5344CB8AC3E}">
-        <p14:creationId xmlns:p14="http://schemas.microsoft.com/office/powerpoint/2010/main" val="1068230550"/>
-      </p:ext>
-    </p:extLst>
-  </p:cSld>
-  <p:clrMapOvr>
-    <a:masterClrMapping/>
-  </p:clrMapOvr>
-</p:notes>
-</file>
-
-<file path=ppt/notesSlides/notesSlide87.xml><?xml version="1.0" encoding="utf-8"?>
-<p:notes xmlns:a="http://schemas.openxmlformats.org/drawingml/2006/main" xmlns:r="http://schemas.openxmlformats.org/officeDocument/2006/relationships" xmlns:p="http://schemas.openxmlformats.org/presentationml/2006/main">
-  <p:cSld>
-    <p:spTree>
-      <p:nvGrpSpPr>
-        <p:cNvPr id="1" name=""/>
-        <p:cNvGrpSpPr/>
-        <p:nvPr/>
-      </p:nvGrpSpPr>
-      <p:grpSpPr>
-        <a:xfrm>
-          <a:off x="0" y="0"/>
-          <a:ext cx="0" cy="0"/>
-          <a:chOff x="0" y="0"/>
-          <a:chExt cx="0" cy="0"/>
-        </a:xfrm>
-      </p:grpSpPr>
-      <p:sp>
-        <p:nvSpPr>
-          <p:cNvPr id="2" name="Образ слайда 1"/>
-          <p:cNvSpPr>
-            <a:spLocks noGrp="1" noRot="1" noChangeAspect="1"/>
-          </p:cNvSpPr>
-          <p:nvPr>
-            <p:ph type="sldImg"/>
-          </p:nvPr>
-        </p:nvSpPr>
-        <p:spPr/>
-      </p:sp>
-      <p:sp>
-        <p:nvSpPr>
-          <p:cNvPr id="3" name="Заметки 2"/>
-          <p:cNvSpPr>
-            <a:spLocks noGrp="1"/>
-          </p:cNvSpPr>
-          <p:nvPr>
-            <p:ph type="body" idx="1"/>
-          </p:nvPr>
-        </p:nvSpPr>
-        <p:spPr/>
-        <p:txBody>
-          <a:bodyPr/>
-          <a:lstStyle/>
           <a:p>
             <a:pPr marL="0" marR="0" indent="0" algn="l" defTabSz="914400" rtl="0" eaLnBrk="1" fontAlgn="auto" latinLnBrk="0" hangingPunct="1">
               <a:lnSpc>
@@ -11452,7 +12072,7 @@
               <a:defRPr/>
             </a:pPr>
             <a:r>
-              <a:rPr lang="ru-RU" sz="1200" b="0" i="1" kern="1200" dirty="0" smtClean="0">
+              <a:rPr lang="ru-RU" sz="1200" b="0" i="0" kern="1200" dirty="0" smtClean="0">
                 <a:solidFill>
                   <a:schemeClr val="tx1"/>
                 </a:solidFill>
@@ -11461,10 +12081,10 @@
                 <a:ea typeface="+mn-ea"/>
                 <a:cs typeface="+mn-cs"/>
               </a:rPr>
-              <a:t>архитектура</a:t>
-            </a:r>
-            <a:r>
-              <a:rPr lang="ru-RU" sz="1200" b="0" i="0" kern="1200" dirty="0" smtClean="0">
+              <a:t>Для их грамотного применения необходима способность к идентификации решаемых паттерном проблем, требуемых им условий и его недостатков. В противном случае велик риск только ухудшить имеющуюся структуру в сторону </a:t>
+            </a:r>
+            <a:r>
+              <a:rPr lang="ru-RU" sz="1200" b="0" i="1" kern="1200" dirty="0" smtClean="0">
                 <a:solidFill>
                   <a:schemeClr val="tx1"/>
                 </a:solidFill>
@@ -11473,27 +12093,8 @@
                 <a:ea typeface="+mn-ea"/>
                 <a:cs typeface="+mn-cs"/>
               </a:rPr>
-              <a:t> оказывает непосредственное влияние на производительность труда.</a:t>
-            </a:r>
-          </a:p>
-          <a:p>
-            <a:pPr marL="0" marR="0" indent="0" algn="l" defTabSz="914400" rtl="0" eaLnBrk="1" fontAlgn="auto" latinLnBrk="0" hangingPunct="1">
-              <a:lnSpc>
-                <a:spcPct val="100000"/>
-              </a:lnSpc>
-              <a:spcBef>
-                <a:spcPts val="0"/>
-              </a:spcBef>
-              <a:spcAft>
-                <a:spcPts val="0"/>
-              </a:spcAft>
-              <a:buClrTx/>
-              <a:buSzTx/>
-              <a:buFontTx/>
-              <a:buNone/>
-              <a:tabLst/>
-              <a:defRPr/>
-            </a:pPr>
+              <a:t>избыточной сложности</a:t>
+            </a:r>
             <a:r>
               <a:rPr lang="ru-RU" sz="1200" b="0" i="0" kern="1200" dirty="0" smtClean="0">
                 <a:solidFill>
@@ -11504,10 +12105,10 @@
                 <a:ea typeface="+mn-ea"/>
                 <a:cs typeface="+mn-cs"/>
               </a:rPr>
-              <a:t>производительность труда –</a:t>
-            </a:r>
-            <a:r>
-              <a:rPr lang="en-US" sz="1200" b="0" i="0" kern="1200" dirty="0" smtClean="0">
+              <a:t> и </a:t>
+            </a:r>
+            <a:r>
+              <a:rPr lang="ru-RU" sz="1200" b="0" i="1" kern="1200" dirty="0" smtClean="0">
                 <a:solidFill>
                   <a:schemeClr val="tx1"/>
                 </a:solidFill>
@@ -11516,10 +12117,10 @@
                 <a:ea typeface="+mn-ea"/>
                 <a:cs typeface="+mn-cs"/>
               </a:rPr>
-              <a:t>&gt;</a:t>
-            </a:r>
-            <a:r>
-              <a:rPr lang="en-US" sz="1200" b="0" i="0" kern="1200" baseline="0" dirty="0" smtClean="0">
+              <a:t>непрозрачности</a:t>
+            </a:r>
+            <a:r>
+              <a:rPr lang="ru-RU" sz="1200" b="0" i="0" kern="1200" dirty="0" smtClean="0">
                 <a:solidFill>
                   <a:schemeClr val="tx1"/>
                 </a:solidFill>
@@ -11528,53 +12129,8 @@
                 <a:ea typeface="+mn-ea"/>
                 <a:cs typeface="+mn-cs"/>
               </a:rPr>
-              <a:t> </a:t>
-            </a:r>
-            <a:r>
-              <a:rPr lang="ru-RU" sz="1200" b="0" i="0" kern="1200" baseline="0" dirty="0" smtClean="0">
-                <a:solidFill>
-                  <a:schemeClr val="tx1"/>
-                </a:solidFill>
-                <a:effectLst/>
-                <a:latin typeface="+mn-lt"/>
-                <a:ea typeface="+mn-ea"/>
-                <a:cs typeface="+mn-cs"/>
-              </a:rPr>
-              <a:t>деньги</a:t>
-            </a:r>
-            <a:r>
-              <a:rPr lang="en-US" sz="1200" b="0" i="0" kern="1200" baseline="0" dirty="0" smtClean="0">
-                <a:solidFill>
-                  <a:schemeClr val="tx1"/>
-                </a:solidFill>
-                <a:effectLst/>
-                <a:latin typeface="+mn-lt"/>
-                <a:ea typeface="+mn-ea"/>
-                <a:cs typeface="+mn-cs"/>
-              </a:rPr>
-              <a:t>, </a:t>
-            </a:r>
-            <a:r>
-              <a:rPr lang="ru-RU" sz="1200" b="0" i="0" kern="1200" baseline="0" dirty="0" smtClean="0">
-                <a:solidFill>
-                  <a:schemeClr val="tx1"/>
-                </a:solidFill>
-                <a:effectLst/>
-                <a:latin typeface="+mn-lt"/>
-                <a:ea typeface="+mn-ea"/>
-                <a:cs typeface="+mn-cs"/>
-              </a:rPr>
-              <a:t>главный интерес рынка</a:t>
-            </a:r>
-            <a:endParaRPr lang="ru-RU" sz="1200" b="0" i="0" kern="1200" dirty="0" smtClean="0">
-              <a:solidFill>
-                <a:schemeClr val="tx1"/>
-              </a:solidFill>
-              <a:effectLst/>
-              <a:latin typeface="+mn-lt"/>
-              <a:ea typeface="+mn-ea"/>
-              <a:cs typeface="+mn-cs"/>
-            </a:endParaRPr>
+              <a:t>.</a:t>
+            </a:r>
           </a:p>
         </p:txBody>
       </p:sp>
@@ -11595,7 +12151,7 @@
           <a:p>
             <a:fld id="{158157BE-13C9-4B69-8B03-B7B56862D10D}" type="slidenum">
               <a:rPr lang="ru-RU" smtClean="0"/>
-              <a:t>87</a:t>
+              <a:t>89</a:t>
             </a:fld>
             <a:endParaRPr lang="ru-RU"/>
           </a:p>
@@ -11604,343 +12160,7 @@
     </p:spTree>
     <p:extLst>
       <p:ext uri="{BB962C8B-B14F-4D97-AF65-F5344CB8AC3E}">
-        <p14:creationId xmlns:p14="http://schemas.microsoft.com/office/powerpoint/2010/main" val="613512132"/>
-      </p:ext>
-    </p:extLst>
-  </p:cSld>
-  <p:clrMapOvr>
-    <a:masterClrMapping/>
-  </p:clrMapOvr>
-</p:notes>
-</file>
-
-<file path=ppt/notesSlides/notesSlide88.xml><?xml version="1.0" encoding="utf-8"?>
-<p:notes xmlns:a="http://schemas.openxmlformats.org/drawingml/2006/main" xmlns:r="http://schemas.openxmlformats.org/officeDocument/2006/relationships" xmlns:p="http://schemas.openxmlformats.org/presentationml/2006/main">
-  <p:cSld>
-    <p:spTree>
-      <p:nvGrpSpPr>
-        <p:cNvPr id="1" name=""/>
-        <p:cNvGrpSpPr/>
-        <p:nvPr/>
-      </p:nvGrpSpPr>
-      <p:grpSpPr>
-        <a:xfrm>
-          <a:off x="0" y="0"/>
-          <a:ext cx="0" cy="0"/>
-          <a:chOff x="0" y="0"/>
-          <a:chExt cx="0" cy="0"/>
-        </a:xfrm>
-      </p:grpSpPr>
-      <p:sp>
-        <p:nvSpPr>
-          <p:cNvPr id="2" name="Образ слайда 1"/>
-          <p:cNvSpPr>
-            <a:spLocks noGrp="1" noRot="1" noChangeAspect="1"/>
-          </p:cNvSpPr>
-          <p:nvPr>
-            <p:ph type="sldImg"/>
-          </p:nvPr>
-        </p:nvSpPr>
-        <p:spPr/>
-      </p:sp>
-      <p:sp>
-        <p:nvSpPr>
-          <p:cNvPr id="3" name="Заметки 2"/>
-          <p:cNvSpPr>
-            <a:spLocks noGrp="1"/>
-          </p:cNvSpPr>
-          <p:nvPr>
-            <p:ph type="body" idx="1"/>
-          </p:nvPr>
-        </p:nvSpPr>
-        <p:spPr/>
-        <p:txBody>
-          <a:bodyPr/>
-          <a:lstStyle/>
-          <a:p>
-            <a:pPr marL="0" marR="0" indent="0" algn="l" defTabSz="914400" rtl="0" eaLnBrk="1" fontAlgn="auto" latinLnBrk="0" hangingPunct="1">
-              <a:lnSpc>
-                <a:spcPct val="100000"/>
-              </a:lnSpc>
-              <a:spcBef>
-                <a:spcPts val="0"/>
-              </a:spcBef>
-              <a:spcAft>
-                <a:spcPts val="0"/>
-              </a:spcAft>
-              <a:buClrTx/>
-              <a:buSzTx/>
-              <a:buFontTx/>
-              <a:buNone/>
-              <a:tabLst/>
-              <a:defRPr/>
-            </a:pPr>
-            <a:r>
-              <a:rPr lang="ru-RU" sz="1200" b="0" i="1" kern="1200" dirty="0" smtClean="0">
-                <a:solidFill>
-                  <a:schemeClr val="tx1"/>
-                </a:solidFill>
-                <a:effectLst/>
-                <a:latin typeface="+mn-lt"/>
-                <a:ea typeface="+mn-ea"/>
-                <a:cs typeface="+mn-cs"/>
-              </a:rPr>
-              <a:t>Ролью архитектуры</a:t>
-            </a:r>
-            <a:r>
-              <a:rPr lang="ru-RU" sz="1200" b="0" i="0" kern="1200" dirty="0" smtClean="0">
-                <a:solidFill>
-                  <a:schemeClr val="tx1"/>
-                </a:solidFill>
-                <a:effectLst/>
-                <a:latin typeface="+mn-lt"/>
-                <a:ea typeface="+mn-ea"/>
-                <a:cs typeface="+mn-cs"/>
-              </a:rPr>
-              <a:t> является обеспечение </a:t>
-            </a:r>
-            <a:r>
-              <a:rPr lang="ru-RU" sz="1200" b="0" i="1" kern="1200" dirty="0" smtClean="0">
-                <a:solidFill>
-                  <a:schemeClr val="tx1"/>
-                </a:solidFill>
-                <a:effectLst/>
-                <a:latin typeface="+mn-lt"/>
-                <a:ea typeface="+mn-ea"/>
-                <a:cs typeface="+mn-cs"/>
-              </a:rPr>
-              <a:t>высокой</a:t>
-            </a:r>
-            <a:r>
-              <a:rPr lang="ru-RU" sz="1200" b="0" i="0" kern="1200" dirty="0" smtClean="0">
-                <a:solidFill>
-                  <a:schemeClr val="tx1"/>
-                </a:solidFill>
-                <a:effectLst/>
-                <a:latin typeface="+mn-lt"/>
-                <a:ea typeface="+mn-ea"/>
-                <a:cs typeface="+mn-cs"/>
-              </a:rPr>
-              <a:t>/</a:t>
-            </a:r>
-            <a:r>
-              <a:rPr lang="ru-RU" sz="1200" b="0" i="1" kern="1200" dirty="0" smtClean="0">
-                <a:solidFill>
-                  <a:schemeClr val="tx1"/>
-                </a:solidFill>
-                <a:effectLst/>
-                <a:latin typeface="+mn-lt"/>
-                <a:ea typeface="+mn-ea"/>
-                <a:cs typeface="+mn-cs"/>
-              </a:rPr>
-              <a:t>достаточной</a:t>
-            </a:r>
-            <a:r>
-              <a:rPr lang="ru-RU" sz="1200" b="0" i="0" kern="1200" dirty="0" smtClean="0">
-                <a:solidFill>
-                  <a:schemeClr val="tx1"/>
-                </a:solidFill>
-                <a:effectLst/>
-                <a:latin typeface="+mn-lt"/>
-                <a:ea typeface="+mn-ea"/>
-                <a:cs typeface="+mn-cs"/>
-              </a:rPr>
-              <a:t> производительности труда.</a:t>
-            </a:r>
-          </a:p>
-          <a:p>
-            <a:pPr marL="0" marR="0" indent="0" algn="l" defTabSz="914400" rtl="0" eaLnBrk="1" fontAlgn="auto" latinLnBrk="0" hangingPunct="1">
-              <a:lnSpc>
-                <a:spcPct val="100000"/>
-              </a:lnSpc>
-              <a:spcBef>
-                <a:spcPts val="0"/>
-              </a:spcBef>
-              <a:spcAft>
-                <a:spcPts val="0"/>
-              </a:spcAft>
-              <a:buClrTx/>
-              <a:buSzTx/>
-              <a:buFontTx/>
-              <a:buNone/>
-              <a:tabLst/>
-              <a:defRPr/>
-            </a:pPr>
-            <a:endParaRPr lang="ru-RU" sz="1200" b="0" i="0" kern="1200" dirty="0" smtClean="0">
-              <a:solidFill>
-                <a:schemeClr val="tx1"/>
-              </a:solidFill>
-              <a:effectLst/>
-              <a:latin typeface="+mn-lt"/>
-              <a:ea typeface="+mn-ea"/>
-              <a:cs typeface="+mn-cs"/>
-            </a:endParaRPr>
-          </a:p>
-        </p:txBody>
-      </p:sp>
-      <p:sp>
-        <p:nvSpPr>
-          <p:cNvPr id="4" name="Номер слайда 3"/>
-          <p:cNvSpPr>
-            <a:spLocks noGrp="1"/>
-          </p:cNvSpPr>
-          <p:nvPr>
-            <p:ph type="sldNum" sz="quarter" idx="10"/>
-          </p:nvPr>
-        </p:nvSpPr>
-        <p:spPr/>
-        <p:txBody>
-          <a:bodyPr/>
-          <a:lstStyle/>
-          <a:p>
-            <a:fld id="{158157BE-13C9-4B69-8B03-B7B56862D10D}" type="slidenum">
-              <a:rPr lang="ru-RU" smtClean="0"/>
-              <a:t>88</a:t>
-            </a:fld>
-            <a:endParaRPr lang="ru-RU"/>
-          </a:p>
-        </p:txBody>
-      </p:sp>
-    </p:spTree>
-    <p:extLst>
-      <p:ext uri="{BB962C8B-B14F-4D97-AF65-F5344CB8AC3E}">
-        <p14:creationId xmlns:p14="http://schemas.microsoft.com/office/powerpoint/2010/main" val="3602808706"/>
-      </p:ext>
-    </p:extLst>
-  </p:cSld>
-  <p:clrMapOvr>
-    <a:masterClrMapping/>
-  </p:clrMapOvr>
-</p:notes>
-</file>
-
-<file path=ppt/notesSlides/notesSlide89.xml><?xml version="1.0" encoding="utf-8"?>
-<p:notes xmlns:a="http://schemas.openxmlformats.org/drawingml/2006/main" xmlns:r="http://schemas.openxmlformats.org/officeDocument/2006/relationships" xmlns:p="http://schemas.openxmlformats.org/presentationml/2006/main">
-  <p:cSld>
-    <p:spTree>
-      <p:nvGrpSpPr>
-        <p:cNvPr id="1" name=""/>
-        <p:cNvGrpSpPr/>
-        <p:nvPr/>
-      </p:nvGrpSpPr>
-      <p:grpSpPr>
-        <a:xfrm>
-          <a:off x="0" y="0"/>
-          <a:ext cx="0" cy="0"/>
-          <a:chOff x="0" y="0"/>
-          <a:chExt cx="0" cy="0"/>
-        </a:xfrm>
-      </p:grpSpPr>
-      <p:sp>
-        <p:nvSpPr>
-          <p:cNvPr id="2" name="Образ слайда 1"/>
-          <p:cNvSpPr>
-            <a:spLocks noGrp="1" noRot="1" noChangeAspect="1"/>
-          </p:cNvSpPr>
-          <p:nvPr>
-            <p:ph type="sldImg"/>
-          </p:nvPr>
-        </p:nvSpPr>
-        <p:spPr/>
-      </p:sp>
-      <p:sp>
-        <p:nvSpPr>
-          <p:cNvPr id="3" name="Заметки 2"/>
-          <p:cNvSpPr>
-            <a:spLocks noGrp="1"/>
-          </p:cNvSpPr>
-          <p:nvPr>
-            <p:ph type="body" idx="1"/>
-          </p:nvPr>
-        </p:nvSpPr>
-        <p:spPr/>
-        <p:txBody>
-          <a:bodyPr/>
-          <a:lstStyle/>
-          <a:p>
-            <a:pPr marL="0" marR="0" indent="0" algn="l" defTabSz="914400" rtl="0" eaLnBrk="1" fontAlgn="auto" latinLnBrk="0" hangingPunct="1">
-              <a:lnSpc>
-                <a:spcPct val="100000"/>
-              </a:lnSpc>
-              <a:spcBef>
-                <a:spcPts val="0"/>
-              </a:spcBef>
-              <a:spcAft>
-                <a:spcPts val="0"/>
-              </a:spcAft>
-              <a:buClrTx/>
-              <a:buSzTx/>
-              <a:buFontTx/>
-              <a:buNone/>
-              <a:tabLst/>
-              <a:defRPr/>
-            </a:pPr>
-            <a:r>
-              <a:rPr lang="ru-RU" sz="1200" b="0" i="0" kern="1200" dirty="0" smtClean="0">
-                <a:solidFill>
-                  <a:schemeClr val="tx1"/>
-                </a:solidFill>
-                <a:effectLst/>
-                <a:latin typeface="+mn-lt"/>
-                <a:ea typeface="+mn-ea"/>
-                <a:cs typeface="+mn-cs"/>
-              </a:rPr>
-              <a:t>Дело в том, что каждый из признаков не образуется сам по себе. В этом ему помогают различные </a:t>
-            </a:r>
-            <a:r>
-              <a:rPr lang="ru-RU" sz="1200" b="0" i="1" kern="1200" dirty="0" smtClean="0">
-                <a:solidFill>
-                  <a:schemeClr val="tx1"/>
-                </a:solidFill>
-                <a:effectLst/>
-                <a:latin typeface="+mn-lt"/>
-                <a:ea typeface="+mn-ea"/>
-                <a:cs typeface="+mn-cs"/>
-              </a:rPr>
-              <a:t>условия проекта</a:t>
-            </a:r>
-            <a:r>
-              <a:rPr lang="ru-RU" sz="1200" b="0" i="0" kern="1200" dirty="0" smtClean="0">
-                <a:solidFill>
-                  <a:schemeClr val="tx1"/>
-                </a:solidFill>
-                <a:effectLst/>
-                <a:latin typeface="+mn-lt"/>
-                <a:ea typeface="+mn-ea"/>
-                <a:cs typeface="+mn-cs"/>
-              </a:rPr>
-              <a:t>.</a:t>
-            </a:r>
-          </a:p>
-        </p:txBody>
-      </p:sp>
-      <p:sp>
-        <p:nvSpPr>
-          <p:cNvPr id="4" name="Номер слайда 3"/>
-          <p:cNvSpPr>
-            <a:spLocks noGrp="1"/>
-          </p:cNvSpPr>
-          <p:nvPr>
-            <p:ph type="sldNum" sz="quarter" idx="10"/>
-          </p:nvPr>
-        </p:nvSpPr>
-        <p:spPr/>
-        <p:txBody>
-          <a:bodyPr/>
-          <a:lstStyle/>
-          <a:p>
-            <a:fld id="{158157BE-13C9-4B69-8B03-B7B56862D10D}" type="slidenum">
-              <a:rPr lang="ru-RU" smtClean="0"/>
-              <a:t>89</a:t>
-            </a:fld>
-            <a:endParaRPr lang="ru-RU"/>
-          </a:p>
-        </p:txBody>
-      </p:sp>
-    </p:spTree>
-    <p:extLst>
-      <p:ext uri="{BB962C8B-B14F-4D97-AF65-F5344CB8AC3E}">
-        <p14:creationId xmlns:p14="http://schemas.microsoft.com/office/powerpoint/2010/main" val="3261199445"/>
+        <p14:creationId xmlns:p14="http://schemas.microsoft.com/office/powerpoint/2010/main" val="953762355"/>
       </p:ext>
     </p:extLst>
   </p:cSld>
@@ -12138,29 +12358,6 @@
           <a:bodyPr/>
           <a:lstStyle/>
           <a:p>
-            <a:r>
-              <a:rPr lang="ru-RU" sz="1200" b="0" i="0" kern="1200" dirty="0" smtClean="0">
-                <a:solidFill>
-                  <a:schemeClr val="tx1"/>
-                </a:solidFill>
-                <a:effectLst/>
-                <a:latin typeface="+mn-lt"/>
-                <a:ea typeface="+mn-ea"/>
-                <a:cs typeface="+mn-cs"/>
-              </a:rPr>
-              <a:t>Компетенция разработки</a:t>
-            </a:r>
-            <a:endParaRPr lang="en-US" sz="1200" b="0" i="0" kern="1200" dirty="0" smtClean="0">
-              <a:solidFill>
-                <a:schemeClr val="tx1"/>
-              </a:solidFill>
-              <a:effectLst/>
-              <a:latin typeface="+mn-lt"/>
-              <a:ea typeface="+mn-ea"/>
-              <a:cs typeface="+mn-cs"/>
-            </a:endParaRPr>
-          </a:p>
-          <a:p>
             <a:pPr marL="0" marR="0" indent="0" algn="l" defTabSz="914400" rtl="0" eaLnBrk="1" fontAlgn="auto" latinLnBrk="0" hangingPunct="1">
               <a:lnSpc>
                 <a:spcPct val="100000"/>
@@ -12179,7 +12376,7 @@
               <a:defRPr/>
             </a:pPr>
             <a:r>
-              <a:rPr lang="ru-RU" sz="1200" b="0" i="0" kern="1200" dirty="0" smtClean="0">
+              <a:rPr lang="ru-RU" sz="1200" b="0" i="1" kern="1200" dirty="0" smtClean="0">
                 <a:solidFill>
                   <a:schemeClr val="tx1"/>
                 </a:solidFill>
@@ -12188,8 +12385,29 @@
                 <a:ea typeface="+mn-ea"/>
                 <a:cs typeface="+mn-cs"/>
               </a:rPr>
-              <a:t>Частота показов</a:t>
-            </a:r>
+              <a:t>Архитектура должна</a:t>
+            </a:r>
+            <a:r>
+              <a:rPr lang="ru-RU" sz="1200" b="0" i="1" kern="1200" baseline="0" dirty="0" smtClean="0">
+                <a:solidFill>
+                  <a:schemeClr val="tx1"/>
+                </a:solidFill>
+                <a:effectLst/>
+                <a:latin typeface="+mn-lt"/>
+                <a:ea typeface="+mn-ea"/>
+                <a:cs typeface="+mn-cs"/>
+              </a:rPr>
+              <a:t> учитывать тек. Признаки и условия проекта</a:t>
+            </a:r>
+            <a:endParaRPr lang="ru-RU" sz="1200" b="0" i="1" kern="1200" dirty="0" smtClean="0">
+              <a:solidFill>
+                <a:schemeClr val="tx1"/>
+              </a:solidFill>
+              <a:effectLst/>
+              <a:latin typeface="+mn-lt"/>
+              <a:ea typeface="+mn-ea"/>
+              <a:cs typeface="+mn-cs"/>
+            </a:endParaRPr>
           </a:p>
           <a:p>
             <a:pPr marL="0" marR="0" indent="0" algn="l" defTabSz="914400" rtl="0" eaLnBrk="1" fontAlgn="auto" latinLnBrk="0" hangingPunct="1">
@@ -12210,7 +12428,7 @@
               <a:defRPr/>
             </a:pPr>
             <a:r>
-              <a:rPr lang="ru-RU" sz="1200" b="0" i="0" kern="1200" dirty="0" smtClean="0">
+              <a:rPr lang="ru-RU" sz="1200" b="0" i="1" kern="1200" dirty="0" smtClean="0">
                 <a:solidFill>
                   <a:schemeClr val="tx1"/>
                 </a:solidFill>
@@ -12219,64 +12437,8 @@
                 <a:ea typeface="+mn-ea"/>
                 <a:cs typeface="+mn-cs"/>
               </a:rPr>
-              <a:t>Стабильность требований</a:t>
-            </a:r>
-            <a:endParaRPr lang="en-US" sz="1200" b="0" i="0" kern="1200" dirty="0" smtClean="0">
-              <a:solidFill>
-                <a:schemeClr val="tx1"/>
-              </a:solidFill>
-              <a:effectLst/>
-              <a:latin typeface="+mn-lt"/>
-              <a:ea typeface="+mn-ea"/>
-              <a:cs typeface="+mn-cs"/>
-            </a:endParaRPr>
-          </a:p>
-          <a:p>
-            <a:pPr marL="0" marR="0" indent="0" algn="l" defTabSz="914400" rtl="0" eaLnBrk="1" fontAlgn="auto" latinLnBrk="0" hangingPunct="1">
-              <a:lnSpc>
-                <a:spcPct val="100000"/>
-              </a:lnSpc>
-              <a:spcBef>
-                <a:spcPts val="0"/>
-              </a:spcBef>
-              <a:spcAft>
-                <a:spcPts val="0"/>
-              </a:spcAft>
-              <a:buClrTx/>
-              <a:buSzTx/>
-              <a:buFontTx/>
-              <a:buNone/>
-              <a:tabLst/>
-              <a:defRPr/>
-            </a:pPr>
-            <a:endParaRPr lang="en-US" sz="1200" b="0" i="0" kern="1200" dirty="0" smtClean="0">
-              <a:solidFill>
-                <a:schemeClr val="tx1"/>
-              </a:solidFill>
-              <a:effectLst/>
-              <a:latin typeface="+mn-lt"/>
-              <a:ea typeface="+mn-ea"/>
-              <a:cs typeface="+mn-cs"/>
-            </a:endParaRPr>
-          </a:p>
-          <a:p>
-            <a:pPr marL="0" marR="0" indent="0" algn="l" defTabSz="914400" rtl="0" eaLnBrk="1" fontAlgn="auto" latinLnBrk="0" hangingPunct="1">
-              <a:lnSpc>
-                <a:spcPct val="100000"/>
-              </a:lnSpc>
-              <a:spcBef>
-                <a:spcPts val="0"/>
-              </a:spcBef>
-              <a:spcAft>
-                <a:spcPts val="0"/>
-              </a:spcAft>
-              <a:buClrTx/>
-              <a:buSzTx/>
-              <a:buFontTx/>
-              <a:buNone/>
-              <a:tabLst/>
-              <a:defRPr/>
-            </a:pPr>
+              <a:t>архитектура</a:t>
+            </a:r>
             <a:r>
               <a:rPr lang="ru-RU" sz="1200" b="0" i="0" kern="1200" dirty="0" smtClean="0">
                 <a:solidFill>
@@ -12287,10 +12449,10 @@
                 <a:ea typeface="+mn-ea"/>
                 <a:cs typeface="+mn-cs"/>
               </a:rPr>
-              <a:t>С</a:t>
-            </a:r>
-            <a:r>
-              <a:rPr lang="ru-RU" sz="1200" b="0" i="0" kern="1200" baseline="0" dirty="0" smtClean="0">
+              <a:t> также должна предугадывать и возможные векторы развития условий проекта</a:t>
+            </a:r>
+            <a:r>
+              <a:rPr lang="en-US" sz="1200" b="0" i="0" kern="1200" dirty="0" smtClean="0">
                 <a:solidFill>
                   <a:schemeClr val="tx1"/>
                 </a:solidFill>
@@ -12299,17 +12461,20 @@
                 <a:ea typeface="+mn-ea"/>
                 <a:cs typeface="+mn-cs"/>
               </a:rPr>
-              <a:t> низкой компетенцией отдаваться решениям с высокой прозрачностью в жертву дублирования. Меньше абстракций</a:t>
-            </a:r>
-            <a:endParaRPr lang="ru-RU" sz="1200" b="0" i="0" kern="1200" dirty="0">
-              <a:solidFill>
-                <a:schemeClr val="tx1"/>
-              </a:solidFill>
-              <a:effectLst/>
-              <a:latin typeface="+mn-lt"/>
-              <a:ea typeface="+mn-ea"/>
-              <a:cs typeface="+mn-cs"/>
-            </a:endParaRPr>
+              <a:t>, </a:t>
+            </a:r>
+            <a:r>
+              <a:rPr lang="ru-RU" sz="1200" b="0" i="0" kern="1200" dirty="0" smtClean="0">
+                <a:solidFill>
+                  <a:schemeClr val="tx1"/>
+                </a:solidFill>
+                <a:effectLst/>
+                <a:latin typeface="+mn-lt"/>
+                <a:ea typeface="+mn-ea"/>
+                <a:cs typeface="+mn-cs"/>
+              </a:rPr>
+              <a:t>для построения адаптивной архитектуры</a:t>
+            </a:r>
           </a:p>
         </p:txBody>
       </p:sp>
@@ -12339,7 +12504,7 @@
     </p:spTree>
     <p:extLst>
       <p:ext uri="{BB962C8B-B14F-4D97-AF65-F5344CB8AC3E}">
-        <p14:creationId xmlns:p14="http://schemas.microsoft.com/office/powerpoint/2010/main" val="939257043"/>
+        <p14:creationId xmlns:p14="http://schemas.microsoft.com/office/powerpoint/2010/main" val="1948214236"/>
       </p:ext>
     </p:extLst>
   </p:cSld>
@@ -12393,675 +12558,6 @@
           <a:bodyPr/>
           <a:lstStyle/>
           <a:p>
-            <a:pPr marL="0" marR="0" indent="0" algn="l" defTabSz="914400" rtl="0" eaLnBrk="1" fontAlgn="auto" latinLnBrk="0" hangingPunct="1">
-              <a:lnSpc>
-                <a:spcPct val="100000"/>
-              </a:lnSpc>
-              <a:spcBef>
-                <a:spcPts val="0"/>
-              </a:spcBef>
-              <a:spcAft>
-                <a:spcPts val="0"/>
-              </a:spcAft>
-              <a:buClrTx/>
-              <a:buSzTx/>
-              <a:buFontTx/>
-              <a:buNone/>
-              <a:tabLst/>
-              <a:defRPr/>
-            </a:pPr>
-            <a:r>
-              <a:rPr lang="ru-RU" sz="1200" b="0" i="0" kern="1200" dirty="0" smtClean="0">
-                <a:solidFill>
-                  <a:schemeClr val="tx1"/>
-                </a:solidFill>
-                <a:effectLst/>
-                <a:latin typeface="+mn-lt"/>
-                <a:ea typeface="+mn-ea"/>
-                <a:cs typeface="+mn-cs"/>
-              </a:rPr>
-              <a:t>Проектирование, должно учитывать не только сам признак, но и условия проекта, т. к. именно они являются причиной появления проблемы в первую очередь и они же, будут являться причинами появления многих других в будущем.</a:t>
-            </a:r>
-          </a:p>
-          <a:p>
-            <a:pPr marL="0" marR="0" indent="0" algn="l" defTabSz="914400" rtl="0" eaLnBrk="1" fontAlgn="auto" latinLnBrk="0" hangingPunct="1">
-              <a:lnSpc>
-                <a:spcPct val="100000"/>
-              </a:lnSpc>
-              <a:spcBef>
-                <a:spcPts val="0"/>
-              </a:spcBef>
-              <a:spcAft>
-                <a:spcPts val="0"/>
-              </a:spcAft>
-              <a:buClrTx/>
-              <a:buSzTx/>
-              <a:buFontTx/>
-              <a:buNone/>
-              <a:tabLst/>
-              <a:defRPr/>
-            </a:pPr>
-            <a:endParaRPr lang="ru-RU" sz="1200" b="0" i="0" kern="1200" dirty="0" smtClean="0">
-              <a:solidFill>
-                <a:schemeClr val="tx1"/>
-              </a:solidFill>
-              <a:effectLst/>
-              <a:latin typeface="+mn-lt"/>
-              <a:ea typeface="+mn-ea"/>
-              <a:cs typeface="+mn-cs"/>
-            </a:endParaRPr>
-          </a:p>
-          <a:p>
-            <a:pPr marL="0" marR="0" indent="0" algn="l" defTabSz="914400" rtl="0" eaLnBrk="1" fontAlgn="auto" latinLnBrk="0" hangingPunct="1">
-              <a:lnSpc>
-                <a:spcPct val="100000"/>
-              </a:lnSpc>
-              <a:spcBef>
-                <a:spcPts val="0"/>
-              </a:spcBef>
-              <a:spcAft>
-                <a:spcPts val="0"/>
-              </a:spcAft>
-              <a:buClrTx/>
-              <a:buSzTx/>
-              <a:buFontTx/>
-              <a:buNone/>
-              <a:tabLst/>
-              <a:defRPr/>
-            </a:pPr>
-            <a:r>
-              <a:rPr lang="ru-RU" sz="1200" b="0" i="0" kern="1200" dirty="0" smtClean="0">
-                <a:solidFill>
-                  <a:schemeClr val="tx1"/>
-                </a:solidFill>
-                <a:effectLst/>
-                <a:latin typeface="+mn-lt"/>
-                <a:ea typeface="+mn-ea"/>
-                <a:cs typeface="+mn-cs"/>
-              </a:rPr>
-              <a:t>Необходимо подобрать такое решение, которое взамен на избавление или ослабление признака, предоставит архитектуру, учитывающую тенденции в будущем и настоящем.</a:t>
-            </a:r>
-          </a:p>
-        </p:txBody>
-      </p:sp>
-      <p:sp>
-        <p:nvSpPr>
-          <p:cNvPr id="4" name="Номер слайда 3"/>
-          <p:cNvSpPr>
-            <a:spLocks noGrp="1"/>
-          </p:cNvSpPr>
-          <p:nvPr>
-            <p:ph type="sldNum" sz="quarter" idx="10"/>
-          </p:nvPr>
-        </p:nvSpPr>
-        <p:spPr/>
-        <p:txBody>
-          <a:bodyPr/>
-          <a:lstStyle/>
-          <a:p>
-            <a:fld id="{158157BE-13C9-4B69-8B03-B7B56862D10D}" type="slidenum">
-              <a:rPr lang="ru-RU" smtClean="0"/>
-              <a:t>91</a:t>
-            </a:fld>
-            <a:endParaRPr lang="ru-RU"/>
-          </a:p>
-        </p:txBody>
-      </p:sp>
-    </p:spTree>
-    <p:extLst>
-      <p:ext uri="{BB962C8B-B14F-4D97-AF65-F5344CB8AC3E}">
-        <p14:creationId xmlns:p14="http://schemas.microsoft.com/office/powerpoint/2010/main" val="3325682309"/>
-      </p:ext>
-    </p:extLst>
-  </p:cSld>
-  <p:clrMapOvr>
-    <a:masterClrMapping/>
-  </p:clrMapOvr>
-</p:notes>
-</file>
-
-<file path=ppt/notesSlides/notesSlide92.xml><?xml version="1.0" encoding="utf-8"?>
-<p:notes xmlns:a="http://schemas.openxmlformats.org/drawingml/2006/main" xmlns:r="http://schemas.openxmlformats.org/officeDocument/2006/relationships" xmlns:p="http://schemas.openxmlformats.org/presentationml/2006/main">
-  <p:cSld>
-    <p:spTree>
-      <p:nvGrpSpPr>
-        <p:cNvPr id="1" name=""/>
-        <p:cNvGrpSpPr/>
-        <p:nvPr/>
-      </p:nvGrpSpPr>
-      <p:grpSpPr>
-        <a:xfrm>
-          <a:off x="0" y="0"/>
-          <a:ext cx="0" cy="0"/>
-          <a:chOff x="0" y="0"/>
-          <a:chExt cx="0" cy="0"/>
-        </a:xfrm>
-      </p:grpSpPr>
-      <p:sp>
-        <p:nvSpPr>
-          <p:cNvPr id="2" name="Образ слайда 1"/>
-          <p:cNvSpPr>
-            <a:spLocks noGrp="1" noRot="1" noChangeAspect="1"/>
-          </p:cNvSpPr>
-          <p:nvPr>
-            <p:ph type="sldImg"/>
-          </p:nvPr>
-        </p:nvSpPr>
-        <p:spPr/>
-      </p:sp>
-      <p:sp>
-        <p:nvSpPr>
-          <p:cNvPr id="3" name="Заметки 2"/>
-          <p:cNvSpPr>
-            <a:spLocks noGrp="1"/>
-          </p:cNvSpPr>
-          <p:nvPr>
-            <p:ph type="body" idx="1"/>
-          </p:nvPr>
-        </p:nvSpPr>
-        <p:spPr/>
-        <p:txBody>
-          <a:bodyPr/>
-          <a:lstStyle/>
-          <a:p>
-            <a:pPr marL="0" marR="0" indent="0" algn="l" defTabSz="914400" rtl="0" eaLnBrk="1" fontAlgn="auto" latinLnBrk="0" hangingPunct="1">
-              <a:lnSpc>
-                <a:spcPct val="100000"/>
-              </a:lnSpc>
-              <a:spcBef>
-                <a:spcPts val="0"/>
-              </a:spcBef>
-              <a:spcAft>
-                <a:spcPts val="0"/>
-              </a:spcAft>
-              <a:buClrTx/>
-              <a:buSzTx/>
-              <a:buFontTx/>
-              <a:buNone/>
-              <a:tabLst/>
-              <a:defRPr/>
-            </a:pPr>
-            <a:r>
-              <a:rPr lang="ru-RU" sz="1200" b="0" i="0" kern="1200" dirty="0" smtClean="0">
-                <a:solidFill>
-                  <a:schemeClr val="tx1"/>
-                </a:solidFill>
-                <a:effectLst/>
-                <a:latin typeface="+mn-lt"/>
-                <a:ea typeface="+mn-ea"/>
-                <a:cs typeface="+mn-cs"/>
-              </a:rPr>
-              <a:t>проектов могут обладать одинаковыми условиями и признаками</a:t>
-            </a:r>
-          </a:p>
-          <a:p>
-            <a:pPr marL="0" marR="0" indent="0" algn="l" defTabSz="914400" rtl="0" eaLnBrk="1" fontAlgn="auto" latinLnBrk="0" hangingPunct="1">
-              <a:lnSpc>
-                <a:spcPct val="100000"/>
-              </a:lnSpc>
-              <a:spcBef>
-                <a:spcPts val="0"/>
-              </a:spcBef>
-              <a:spcAft>
-                <a:spcPts val="0"/>
-              </a:spcAft>
-              <a:buClrTx/>
-              <a:buSzTx/>
-              <a:buFontTx/>
-              <a:buNone/>
-              <a:tabLst/>
-              <a:defRPr/>
-            </a:pPr>
-            <a:r>
-              <a:rPr lang="ru-RU" sz="1200" b="0" i="0" kern="1200" dirty="0" smtClean="0">
-                <a:solidFill>
-                  <a:schemeClr val="tx1"/>
-                </a:solidFill>
-                <a:effectLst/>
-                <a:latin typeface="+mn-lt"/>
-                <a:ea typeface="+mn-ea"/>
-                <a:cs typeface="+mn-cs"/>
-              </a:rPr>
-              <a:t>Такие универсальные рецепты называются </a:t>
-            </a:r>
-            <a:r>
-              <a:rPr lang="ru-RU" sz="1200" b="0" i="1" kern="1200" dirty="0" smtClean="0">
-                <a:solidFill>
-                  <a:schemeClr val="tx1"/>
-                </a:solidFill>
-                <a:effectLst/>
-                <a:latin typeface="+mn-lt"/>
-                <a:ea typeface="+mn-ea"/>
-                <a:cs typeface="+mn-cs"/>
-              </a:rPr>
-              <a:t>паттернами</a:t>
-            </a:r>
-            <a:r>
-              <a:rPr lang="ru-RU" sz="1200" b="0" i="0" kern="1200" dirty="0" smtClean="0">
-                <a:solidFill>
-                  <a:schemeClr val="tx1"/>
-                </a:solidFill>
-                <a:effectLst/>
-                <a:latin typeface="+mn-lt"/>
-                <a:ea typeface="+mn-ea"/>
-                <a:cs typeface="+mn-cs"/>
-              </a:rPr>
-              <a:t> (или </a:t>
-            </a:r>
-            <a:r>
-              <a:rPr lang="ru-RU" sz="1200" b="0" i="1" kern="1200" dirty="0" smtClean="0">
-                <a:solidFill>
-                  <a:schemeClr val="tx1"/>
-                </a:solidFill>
-                <a:effectLst/>
-                <a:latin typeface="+mn-lt"/>
-                <a:ea typeface="+mn-ea"/>
-                <a:cs typeface="+mn-cs"/>
-              </a:rPr>
-              <a:t>принципами</a:t>
-            </a:r>
-            <a:r>
-              <a:rPr lang="ru-RU" sz="1200" b="0" i="0" kern="1200" dirty="0" smtClean="0">
-                <a:solidFill>
-                  <a:schemeClr val="tx1"/>
-                </a:solidFill>
-                <a:effectLst/>
-                <a:latin typeface="+mn-lt"/>
-                <a:ea typeface="+mn-ea"/>
-                <a:cs typeface="+mn-cs"/>
-              </a:rPr>
-              <a:t> в более широком смысле)</a:t>
-            </a:r>
-          </a:p>
-          <a:p>
-            <a:pPr marL="0" marR="0" indent="0" algn="l" defTabSz="914400" rtl="0" eaLnBrk="1" fontAlgn="auto" latinLnBrk="0" hangingPunct="1">
-              <a:lnSpc>
-                <a:spcPct val="100000"/>
-              </a:lnSpc>
-              <a:spcBef>
-                <a:spcPts val="0"/>
-              </a:spcBef>
-              <a:spcAft>
-                <a:spcPts val="0"/>
-              </a:spcAft>
-              <a:buClrTx/>
-              <a:buSzTx/>
-              <a:buFontTx/>
-              <a:buNone/>
-              <a:tabLst/>
-              <a:defRPr/>
-            </a:pPr>
-            <a:endParaRPr lang="ru-RU" sz="1200" b="0" i="0" kern="1200" dirty="0" smtClean="0">
-              <a:solidFill>
-                <a:schemeClr val="tx1"/>
-              </a:solidFill>
-              <a:effectLst/>
-              <a:latin typeface="+mn-lt"/>
-              <a:ea typeface="+mn-ea"/>
-              <a:cs typeface="+mn-cs"/>
-            </a:endParaRPr>
-          </a:p>
-          <a:p>
-            <a:pPr marL="0" marR="0" indent="0" algn="l" defTabSz="914400" rtl="0" eaLnBrk="1" fontAlgn="auto" latinLnBrk="0" hangingPunct="1">
-              <a:lnSpc>
-                <a:spcPct val="100000"/>
-              </a:lnSpc>
-              <a:spcBef>
-                <a:spcPts val="0"/>
-              </a:spcBef>
-              <a:spcAft>
-                <a:spcPts val="0"/>
-              </a:spcAft>
-              <a:buClrTx/>
-              <a:buSzTx/>
-              <a:buFontTx/>
-              <a:buNone/>
-              <a:tabLst/>
-              <a:defRPr/>
-            </a:pPr>
-            <a:r>
-              <a:rPr lang="ru-RU" sz="1200" b="0" i="0" kern="1200" dirty="0" smtClean="0">
-                <a:solidFill>
-                  <a:schemeClr val="tx1"/>
-                </a:solidFill>
-                <a:effectLst/>
-                <a:latin typeface="+mn-lt"/>
-                <a:ea typeface="+mn-ea"/>
-                <a:cs typeface="+mn-cs"/>
-              </a:rPr>
-              <a:t>Для их грамотного применения необходима способность к идентификации решаемых паттерном проблем, требуемых им условий и его недостатков. В противном случае велик риск только ухудшить имеющуюся структуру в сторону </a:t>
-            </a:r>
-            <a:r>
-              <a:rPr lang="ru-RU" sz="1200" b="0" i="1" kern="1200" dirty="0" smtClean="0">
-                <a:solidFill>
-                  <a:schemeClr val="tx1"/>
-                </a:solidFill>
-                <a:effectLst/>
-                <a:latin typeface="+mn-lt"/>
-                <a:ea typeface="+mn-ea"/>
-                <a:cs typeface="+mn-cs"/>
-              </a:rPr>
-              <a:t>избыточной сложности</a:t>
-            </a:r>
-            <a:r>
-              <a:rPr lang="ru-RU" sz="1200" b="0" i="0" kern="1200" dirty="0" smtClean="0">
-                <a:solidFill>
-                  <a:schemeClr val="tx1"/>
-                </a:solidFill>
-                <a:effectLst/>
-                <a:latin typeface="+mn-lt"/>
-                <a:ea typeface="+mn-ea"/>
-                <a:cs typeface="+mn-cs"/>
-              </a:rPr>
-              <a:t> и </a:t>
-            </a:r>
-            <a:r>
-              <a:rPr lang="ru-RU" sz="1200" b="0" i="1" kern="1200" dirty="0" smtClean="0">
-                <a:solidFill>
-                  <a:schemeClr val="tx1"/>
-                </a:solidFill>
-                <a:effectLst/>
-                <a:latin typeface="+mn-lt"/>
-                <a:ea typeface="+mn-ea"/>
-                <a:cs typeface="+mn-cs"/>
-              </a:rPr>
-              <a:t>непрозрачности</a:t>
-            </a:r>
-            <a:r>
-              <a:rPr lang="ru-RU" sz="1200" b="0" i="0" kern="1200" dirty="0" smtClean="0">
-                <a:solidFill>
-                  <a:schemeClr val="tx1"/>
-                </a:solidFill>
-                <a:effectLst/>
-                <a:latin typeface="+mn-lt"/>
-                <a:ea typeface="+mn-ea"/>
-                <a:cs typeface="+mn-cs"/>
-              </a:rPr>
-              <a:t>.</a:t>
-            </a:r>
-          </a:p>
-        </p:txBody>
-      </p:sp>
-      <p:sp>
-        <p:nvSpPr>
-          <p:cNvPr id="4" name="Номер слайда 3"/>
-          <p:cNvSpPr>
-            <a:spLocks noGrp="1"/>
-          </p:cNvSpPr>
-          <p:nvPr>
-            <p:ph type="sldNum" sz="quarter" idx="10"/>
-          </p:nvPr>
-        </p:nvSpPr>
-        <p:spPr/>
-        <p:txBody>
-          <a:bodyPr/>
-          <a:lstStyle/>
-          <a:p>
-            <a:fld id="{158157BE-13C9-4B69-8B03-B7B56862D10D}" type="slidenum">
-              <a:rPr lang="ru-RU" smtClean="0"/>
-              <a:t>92</a:t>
-            </a:fld>
-            <a:endParaRPr lang="ru-RU"/>
-          </a:p>
-        </p:txBody>
-      </p:sp>
-    </p:spTree>
-    <p:extLst>
-      <p:ext uri="{BB962C8B-B14F-4D97-AF65-F5344CB8AC3E}">
-        <p14:creationId xmlns:p14="http://schemas.microsoft.com/office/powerpoint/2010/main" val="953762355"/>
-      </p:ext>
-    </p:extLst>
-  </p:cSld>
-  <p:clrMapOvr>
-    <a:masterClrMapping/>
-  </p:clrMapOvr>
-</p:notes>
-</file>
-
-<file path=ppt/notesSlides/notesSlide93.xml><?xml version="1.0" encoding="utf-8"?>
-<p:notes xmlns:a="http://schemas.openxmlformats.org/drawingml/2006/main" xmlns:r="http://schemas.openxmlformats.org/officeDocument/2006/relationships" xmlns:p="http://schemas.openxmlformats.org/presentationml/2006/main">
-  <p:cSld>
-    <p:spTree>
-      <p:nvGrpSpPr>
-        <p:cNvPr id="1" name=""/>
-        <p:cNvGrpSpPr/>
-        <p:nvPr/>
-      </p:nvGrpSpPr>
-      <p:grpSpPr>
-        <a:xfrm>
-          <a:off x="0" y="0"/>
-          <a:ext cx="0" cy="0"/>
-          <a:chOff x="0" y="0"/>
-          <a:chExt cx="0" cy="0"/>
-        </a:xfrm>
-      </p:grpSpPr>
-      <p:sp>
-        <p:nvSpPr>
-          <p:cNvPr id="2" name="Образ слайда 1"/>
-          <p:cNvSpPr>
-            <a:spLocks noGrp="1" noRot="1" noChangeAspect="1"/>
-          </p:cNvSpPr>
-          <p:nvPr>
-            <p:ph type="sldImg"/>
-          </p:nvPr>
-        </p:nvSpPr>
-        <p:spPr/>
-      </p:sp>
-      <p:sp>
-        <p:nvSpPr>
-          <p:cNvPr id="3" name="Заметки 2"/>
-          <p:cNvSpPr>
-            <a:spLocks noGrp="1"/>
-          </p:cNvSpPr>
-          <p:nvPr>
-            <p:ph type="body" idx="1"/>
-          </p:nvPr>
-        </p:nvSpPr>
-        <p:spPr/>
-        <p:txBody>
-          <a:bodyPr/>
-          <a:lstStyle/>
-          <a:p>
-            <a:pPr marL="0" marR="0" indent="0" algn="l" defTabSz="914400" rtl="0" eaLnBrk="1" fontAlgn="auto" latinLnBrk="0" hangingPunct="1">
-              <a:lnSpc>
-                <a:spcPct val="100000"/>
-              </a:lnSpc>
-              <a:spcBef>
-                <a:spcPts val="0"/>
-              </a:spcBef>
-              <a:spcAft>
-                <a:spcPts val="0"/>
-              </a:spcAft>
-              <a:buClrTx/>
-              <a:buSzTx/>
-              <a:buFontTx/>
-              <a:buNone/>
-              <a:tabLst/>
-              <a:defRPr/>
-            </a:pPr>
-            <a:r>
-              <a:rPr lang="ru-RU" sz="1200" b="0" i="1" kern="1200" dirty="0" smtClean="0">
-                <a:solidFill>
-                  <a:schemeClr val="tx1"/>
-                </a:solidFill>
-                <a:effectLst/>
-                <a:latin typeface="+mn-lt"/>
-                <a:ea typeface="+mn-ea"/>
-                <a:cs typeface="+mn-cs"/>
-              </a:rPr>
-              <a:t>Архитектура должна</a:t>
-            </a:r>
-            <a:r>
-              <a:rPr lang="ru-RU" sz="1200" b="0" i="1" kern="1200" baseline="0" dirty="0" smtClean="0">
-                <a:solidFill>
-                  <a:schemeClr val="tx1"/>
-                </a:solidFill>
-                <a:effectLst/>
-                <a:latin typeface="+mn-lt"/>
-                <a:ea typeface="+mn-ea"/>
-                <a:cs typeface="+mn-cs"/>
-              </a:rPr>
-              <a:t> учитывать тек. Признаки и условия проекта</a:t>
-            </a:r>
-            <a:endParaRPr lang="ru-RU" sz="1200" b="0" i="1" kern="1200" dirty="0" smtClean="0">
-              <a:solidFill>
-                <a:schemeClr val="tx1"/>
-              </a:solidFill>
-              <a:effectLst/>
-              <a:latin typeface="+mn-lt"/>
-              <a:ea typeface="+mn-ea"/>
-              <a:cs typeface="+mn-cs"/>
-            </a:endParaRPr>
-          </a:p>
-          <a:p>
-            <a:pPr marL="0" marR="0" indent="0" algn="l" defTabSz="914400" rtl="0" eaLnBrk="1" fontAlgn="auto" latinLnBrk="0" hangingPunct="1">
-              <a:lnSpc>
-                <a:spcPct val="100000"/>
-              </a:lnSpc>
-              <a:spcBef>
-                <a:spcPts val="0"/>
-              </a:spcBef>
-              <a:spcAft>
-                <a:spcPts val="0"/>
-              </a:spcAft>
-              <a:buClrTx/>
-              <a:buSzTx/>
-              <a:buFontTx/>
-              <a:buNone/>
-              <a:tabLst/>
-              <a:defRPr/>
-            </a:pPr>
-            <a:r>
-              <a:rPr lang="ru-RU" sz="1200" b="0" i="1" kern="1200" dirty="0" smtClean="0">
-                <a:solidFill>
-                  <a:schemeClr val="tx1"/>
-                </a:solidFill>
-                <a:effectLst/>
-                <a:latin typeface="+mn-lt"/>
-                <a:ea typeface="+mn-ea"/>
-                <a:cs typeface="+mn-cs"/>
-              </a:rPr>
-              <a:t>архитектура</a:t>
-            </a:r>
-            <a:r>
-              <a:rPr lang="ru-RU" sz="1200" b="0" i="0" kern="1200" dirty="0" smtClean="0">
-                <a:solidFill>
-                  <a:schemeClr val="tx1"/>
-                </a:solidFill>
-                <a:effectLst/>
-                <a:latin typeface="+mn-lt"/>
-                <a:ea typeface="+mn-ea"/>
-                <a:cs typeface="+mn-cs"/>
-              </a:rPr>
-              <a:t> также должна предугадывать и возможные векторы развития условий проекта</a:t>
-            </a:r>
-            <a:r>
-              <a:rPr lang="en-US" sz="1200" b="0" i="0" kern="1200" dirty="0" smtClean="0">
-                <a:solidFill>
-                  <a:schemeClr val="tx1"/>
-                </a:solidFill>
-                <a:effectLst/>
-                <a:latin typeface="+mn-lt"/>
-                <a:ea typeface="+mn-ea"/>
-                <a:cs typeface="+mn-cs"/>
-              </a:rPr>
-              <a:t>, </a:t>
-            </a:r>
-            <a:r>
-              <a:rPr lang="ru-RU" sz="1200" b="0" i="0" kern="1200" dirty="0" smtClean="0">
-                <a:solidFill>
-                  <a:schemeClr val="tx1"/>
-                </a:solidFill>
-                <a:effectLst/>
-                <a:latin typeface="+mn-lt"/>
-                <a:ea typeface="+mn-ea"/>
-                <a:cs typeface="+mn-cs"/>
-              </a:rPr>
-              <a:t>для построения адаптивной архитектуры</a:t>
-            </a:r>
-          </a:p>
-        </p:txBody>
-      </p:sp>
-      <p:sp>
-        <p:nvSpPr>
-          <p:cNvPr id="4" name="Номер слайда 3"/>
-          <p:cNvSpPr>
-            <a:spLocks noGrp="1"/>
-          </p:cNvSpPr>
-          <p:nvPr>
-            <p:ph type="sldNum" sz="quarter" idx="10"/>
-          </p:nvPr>
-        </p:nvSpPr>
-        <p:spPr/>
-        <p:txBody>
-          <a:bodyPr/>
-          <a:lstStyle/>
-          <a:p>
-            <a:fld id="{158157BE-13C9-4B69-8B03-B7B56862D10D}" type="slidenum">
-              <a:rPr lang="ru-RU" smtClean="0"/>
-              <a:t>93</a:t>
-            </a:fld>
-            <a:endParaRPr lang="ru-RU"/>
-          </a:p>
-        </p:txBody>
-      </p:sp>
-    </p:spTree>
-    <p:extLst>
-      <p:ext uri="{BB962C8B-B14F-4D97-AF65-F5344CB8AC3E}">
-        <p14:creationId xmlns:p14="http://schemas.microsoft.com/office/powerpoint/2010/main" val="1948214236"/>
-      </p:ext>
-    </p:extLst>
-  </p:cSld>
-  <p:clrMapOvr>
-    <a:masterClrMapping/>
-  </p:clrMapOvr>
-</p:notes>
-</file>
-
-<file path=ppt/notesSlides/notesSlide94.xml><?xml version="1.0" encoding="utf-8"?>
-<p:notes xmlns:a="http://schemas.openxmlformats.org/drawingml/2006/main" xmlns:r="http://schemas.openxmlformats.org/officeDocument/2006/relationships" xmlns:p="http://schemas.openxmlformats.org/presentationml/2006/main">
-  <p:cSld>
-    <p:spTree>
-      <p:nvGrpSpPr>
-        <p:cNvPr id="1" name=""/>
-        <p:cNvGrpSpPr/>
-        <p:nvPr/>
-      </p:nvGrpSpPr>
-      <p:grpSpPr>
-        <a:xfrm>
-          <a:off x="0" y="0"/>
-          <a:ext cx="0" cy="0"/>
-          <a:chOff x="0" y="0"/>
-          <a:chExt cx="0" cy="0"/>
-        </a:xfrm>
-      </p:grpSpPr>
-      <p:sp>
-        <p:nvSpPr>
-          <p:cNvPr id="2" name="Образ слайда 1"/>
-          <p:cNvSpPr>
-            <a:spLocks noGrp="1" noRot="1" noChangeAspect="1"/>
-          </p:cNvSpPr>
-          <p:nvPr>
-            <p:ph type="sldImg"/>
-          </p:nvPr>
-        </p:nvSpPr>
-        <p:spPr/>
-      </p:sp>
-      <p:sp>
-        <p:nvSpPr>
-          <p:cNvPr id="3" name="Заметки 2"/>
-          <p:cNvSpPr>
-            <a:spLocks noGrp="1"/>
-          </p:cNvSpPr>
-          <p:nvPr>
-            <p:ph type="body" idx="1"/>
-          </p:nvPr>
-        </p:nvSpPr>
-        <p:spPr/>
-        <p:txBody>
-          <a:bodyPr/>
-          <a:lstStyle/>
-          <a:p>
             <a:r>
               <a:rPr lang="ru-RU" sz="1200" b="0" i="0" kern="1200" dirty="0" smtClean="0">
                 <a:solidFill>
@@ -13169,7 +12665,7 @@
           <a:p>
             <a:fld id="{158157BE-13C9-4B69-8B03-B7B56862D10D}" type="slidenum">
               <a:rPr lang="ru-RU" smtClean="0"/>
-              <a:t>94</a:t>
+              <a:t>91</a:t>
             </a:fld>
             <a:endParaRPr lang="ru-RU"/>
           </a:p>
@@ -25537,8 +25033,8 @@
         </p:nvSpPr>
         <p:spPr>
           <a:xfrm>
-            <a:off x="601473" y="2099582"/>
-            <a:ext cx="10968067" cy="2308324"/>
+            <a:off x="2150780" y="2887858"/>
+            <a:ext cx="7869463" cy="1082284"/>
           </a:xfrm>
           <a:prstGeom prst="rect">
             <a:avLst/>
@@ -25558,58 +25054,22 @@
             </a:pPr>
             <a:r>
               <a:rPr lang="ru-RU" sz="4800" dirty="0" smtClean="0">
+                <a:solidFill>
+                  <a:srgbClr val="FF0000"/>
+                </a:solidFill>
                 <a:latin typeface="Open Sans SemiBold" panose="020B0706030804020204" pitchFamily="34" charset="0"/>
                 <a:ea typeface="Open Sans SemiBold" panose="020B0706030804020204" pitchFamily="34" charset="0"/>
                 <a:cs typeface="Open Sans SemiBold" panose="020B0706030804020204" pitchFamily="34" charset="0"/>
               </a:rPr>
-              <a:t>ПОВЕДЕНИЕ</a:t>
-            </a:r>
-          </a:p>
-          <a:p>
-            <a:pPr algn="ctr">
-              <a:lnSpc>
-                <a:spcPct val="150000"/>
-              </a:lnSpc>
-            </a:pPr>
+              <a:t>ЧЕЛОВЕЧЕСКИЙ</a:t>
+            </a:r>
             <a:r>
               <a:rPr lang="ru-RU" sz="4800" dirty="0" smtClean="0">
                 <a:latin typeface="Open Sans SemiBold" panose="020B0706030804020204" pitchFamily="34" charset="0"/>
                 <a:ea typeface="Open Sans SemiBold" panose="020B0706030804020204" pitchFamily="34" charset="0"/>
                 <a:cs typeface="Open Sans SemiBold" panose="020B0706030804020204" pitchFamily="34" charset="0"/>
               </a:rPr>
-              <a:t>= (поведение_0 </a:t>
-            </a:r>
-            <a:r>
-              <a:rPr lang="ru-RU" sz="4800" dirty="0">
-                <a:latin typeface="Open Sans SemiBold" panose="020B0706030804020204" pitchFamily="34" charset="0"/>
-                <a:ea typeface="Open Sans SemiBold" panose="020B0706030804020204" pitchFamily="34" charset="0"/>
-                <a:cs typeface="Open Sans SemiBold" panose="020B0706030804020204" pitchFamily="34" charset="0"/>
-              </a:rPr>
-              <a:t>+</a:t>
-            </a:r>
-            <a:r>
-              <a:rPr lang="ru-RU" sz="4800" dirty="0" smtClean="0">
-                <a:latin typeface="Open Sans SemiBold" panose="020B0706030804020204" pitchFamily="34" charset="0"/>
-                <a:ea typeface="Open Sans SemiBold" panose="020B0706030804020204" pitchFamily="34" charset="0"/>
-                <a:cs typeface="Open Sans SemiBold" panose="020B0706030804020204" pitchFamily="34" charset="0"/>
-              </a:rPr>
-              <a:t> поведение_1 + </a:t>
-            </a:r>
-            <a:r>
-              <a:rPr lang="en-US" sz="4800" dirty="0" smtClean="0">
-                <a:latin typeface="Open Sans SemiBold" panose="020B0706030804020204" pitchFamily="34" charset="0"/>
-                <a:ea typeface="Open Sans SemiBold" panose="020B0706030804020204" pitchFamily="34" charset="0"/>
-                <a:cs typeface="Open Sans SemiBold" panose="020B0706030804020204" pitchFamily="34" charset="0"/>
-              </a:rPr>
-              <a:t>…</a:t>
-            </a:r>
-            <a:r>
-              <a:rPr lang="ru-RU" sz="4800" dirty="0" smtClean="0">
-                <a:latin typeface="Open Sans SemiBold" panose="020B0706030804020204" pitchFamily="34" charset="0"/>
-                <a:ea typeface="Open Sans SemiBold" panose="020B0706030804020204" pitchFamily="34" charset="0"/>
-                <a:cs typeface="Open Sans SemiBold" panose="020B0706030804020204" pitchFamily="34" charset="0"/>
-              </a:rPr>
-              <a:t>)</a:t>
+              <a:t> ФАКТОР</a:t>
             </a:r>
             <a:endParaRPr lang="ru-RU" sz="4800" dirty="0">
               <a:latin typeface="Open Sans SemiBold" panose="020B0706030804020204" pitchFamily="34" charset="0"/>
@@ -25622,7 +25082,7 @@
     </p:spTree>
     <p:extLst>
       <p:ext uri="{BB962C8B-B14F-4D97-AF65-F5344CB8AC3E}">
-        <p14:creationId xmlns:p14="http://schemas.microsoft.com/office/powerpoint/2010/main" val="2573039848"/>
+        <p14:creationId xmlns:p14="http://schemas.microsoft.com/office/powerpoint/2010/main" val="3338172634"/>
       </p:ext>
     </p:extLst>
   </p:cSld>
@@ -26148,8 +25608,8 @@
         </p:nvSpPr>
         <p:spPr>
           <a:xfrm>
-            <a:off x="2150780" y="2887858"/>
-            <a:ext cx="7869463" cy="1082284"/>
+            <a:off x="1854230" y="2887858"/>
+            <a:ext cx="8462573" cy="1082284"/>
           </a:xfrm>
           <a:prstGeom prst="rect">
             <a:avLst/>
@@ -26176,7 +25636,7 @@
                 <a:ea typeface="Open Sans SemiBold" panose="020B0706030804020204" pitchFamily="34" charset="0"/>
                 <a:cs typeface="Open Sans SemiBold" panose="020B0706030804020204" pitchFamily="34" charset="0"/>
               </a:rPr>
-              <a:t>ЧЕЛОВЕЧЕСКИЙ</a:t>
+              <a:t>НОВАЯ </a:t>
             </a:r>
             <a:r>
               <a:rPr lang="ru-RU" sz="4800" dirty="0" smtClean="0">
@@ -26184,7 +25644,7 @@
                 <a:ea typeface="Open Sans SemiBold" panose="020B0706030804020204" pitchFamily="34" charset="0"/>
                 <a:cs typeface="Open Sans SemiBold" panose="020B0706030804020204" pitchFamily="34" charset="0"/>
               </a:rPr>
-              <a:t> ФАКТОР</a:t>
+              <a:t>ОТВЕТСТВЕННОСТЬ</a:t>
             </a:r>
             <a:endParaRPr lang="ru-RU" sz="4800" dirty="0">
               <a:latin typeface="Open Sans SemiBold" panose="020B0706030804020204" pitchFamily="34" charset="0"/>
@@ -26197,7 +25657,7 @@
     </p:spTree>
     <p:extLst>
       <p:ext uri="{BB962C8B-B14F-4D97-AF65-F5344CB8AC3E}">
-        <p14:creationId xmlns:p14="http://schemas.microsoft.com/office/powerpoint/2010/main" val="3338172634"/>
+        <p14:creationId xmlns:p14="http://schemas.microsoft.com/office/powerpoint/2010/main" val="1095733048"/>
       </p:ext>
     </p:extLst>
   </p:cSld>
@@ -26247,8 +25707,8 @@
         </p:nvSpPr>
         <p:spPr>
           <a:xfrm>
-            <a:off x="1854230" y="2887858"/>
-            <a:ext cx="8462573" cy="1082284"/>
+            <a:off x="4500856" y="214996"/>
+            <a:ext cx="3190297" cy="1082284"/>
           </a:xfrm>
           <a:prstGeom prst="rect">
             <a:avLst/>
@@ -26268,22 +25728,11 @@
             </a:pPr>
             <a:r>
               <a:rPr lang="ru-RU" sz="4800" dirty="0" smtClean="0">
-                <a:solidFill>
-                  <a:srgbClr val="FF0000"/>
-                </a:solidFill>
                 <a:latin typeface="Open Sans SemiBold" panose="020B0706030804020204" pitchFamily="34" charset="0"/>
                 <a:ea typeface="Open Sans SemiBold" panose="020B0706030804020204" pitchFamily="34" charset="0"/>
                 <a:cs typeface="Open Sans SemiBold" panose="020B0706030804020204" pitchFamily="34" charset="0"/>
               </a:rPr>
-              <a:t>НОВАЯ </a:t>
-            </a:r>
-            <a:r>
-              <a:rPr lang="ru-RU" sz="4800" dirty="0" smtClean="0">
-                <a:latin typeface="Open Sans SemiBold" panose="020B0706030804020204" pitchFamily="34" charset="0"/>
-                <a:ea typeface="Open Sans SemiBold" panose="020B0706030804020204" pitchFamily="34" charset="0"/>
-                <a:cs typeface="Open Sans SemiBold" panose="020B0706030804020204" pitchFamily="34" charset="0"/>
-              </a:rPr>
-              <a:t>ОТВЕТСТВЕННОСТЬ</a:t>
+              <a:t>РЕШЕНИЕ</a:t>
             </a:r>
             <a:endParaRPr lang="ru-RU" sz="4800" dirty="0">
               <a:latin typeface="Open Sans SemiBold" panose="020B0706030804020204" pitchFamily="34" charset="0"/>
@@ -26293,10 +25742,472 @@
           </a:p>
         </p:txBody>
       </p:sp>
+      <p:sp>
+        <p:nvSpPr>
+          <p:cNvPr id="7" name="Прямоугольник 6"/>
+          <p:cNvSpPr/>
+          <p:nvPr/>
+        </p:nvSpPr>
+        <p:spPr>
+          <a:xfrm>
+            <a:off x="1413163" y="1704107"/>
+            <a:ext cx="1995055" cy="997527"/>
+          </a:xfrm>
+          <a:prstGeom prst="rect">
+            <a:avLst/>
+          </a:prstGeom>
+          <a:solidFill>
+            <a:schemeClr val="accent4">
+              <a:lumMod val="40000"/>
+              <a:lumOff val="60000"/>
+            </a:schemeClr>
+          </a:solidFill>
+          <a:ln w="19050">
+            <a:solidFill>
+              <a:schemeClr val="tx1"/>
+            </a:solidFill>
+          </a:ln>
+        </p:spPr>
+        <p:style>
+          <a:lnRef idx="2">
+            <a:schemeClr val="accent1">
+              <a:shade val="50000"/>
+            </a:schemeClr>
+          </a:lnRef>
+          <a:fillRef idx="1">
+            <a:schemeClr val="accent1"/>
+          </a:fillRef>
+          <a:effectRef idx="0">
+            <a:schemeClr val="accent1"/>
+          </a:effectRef>
+          <a:fontRef idx="minor">
+            <a:schemeClr val="lt1"/>
+          </a:fontRef>
+        </p:style>
+        <p:txBody>
+          <a:bodyPr rtlCol="0" anchor="ctr"/>
+          <a:lstStyle/>
+          <a:p>
+            <a:pPr algn="ctr"/>
+            <a:r>
+              <a:rPr lang="ru-RU" dirty="0" smtClean="0">
+                <a:solidFill>
+                  <a:schemeClr val="tx1"/>
+                </a:solidFill>
+              </a:rPr>
+              <a:t>Редактирование пользователя</a:t>
+            </a:r>
+            <a:endParaRPr lang="ru-RU" dirty="0">
+              <a:solidFill>
+                <a:schemeClr val="tx1"/>
+              </a:solidFill>
+            </a:endParaRPr>
+          </a:p>
+        </p:txBody>
+      </p:sp>
+      <p:sp>
+        <p:nvSpPr>
+          <p:cNvPr id="8" name="Прямоугольник 7"/>
+          <p:cNvSpPr/>
+          <p:nvPr/>
+        </p:nvSpPr>
+        <p:spPr>
+          <a:xfrm>
+            <a:off x="4911198" y="1704108"/>
+            <a:ext cx="1995055" cy="997527"/>
+          </a:xfrm>
+          <a:prstGeom prst="rect">
+            <a:avLst/>
+          </a:prstGeom>
+          <a:solidFill>
+            <a:schemeClr val="bg1"/>
+          </a:solidFill>
+          <a:ln w="19050">
+            <a:solidFill>
+              <a:schemeClr val="tx1"/>
+            </a:solidFill>
+          </a:ln>
+        </p:spPr>
+        <p:style>
+          <a:lnRef idx="2">
+            <a:schemeClr val="accent1">
+              <a:shade val="50000"/>
+            </a:schemeClr>
+          </a:lnRef>
+          <a:fillRef idx="1">
+            <a:schemeClr val="accent1"/>
+          </a:fillRef>
+          <a:effectRef idx="0">
+            <a:schemeClr val="accent1"/>
+          </a:effectRef>
+          <a:fontRef idx="minor">
+            <a:schemeClr val="lt1"/>
+          </a:fontRef>
+        </p:style>
+        <p:txBody>
+          <a:bodyPr rtlCol="0" anchor="ctr"/>
+          <a:lstStyle/>
+          <a:p>
+            <a:pPr algn="ctr"/>
+            <a:r>
+              <a:rPr lang="ru-RU" dirty="0" smtClean="0">
+                <a:solidFill>
+                  <a:schemeClr val="tx1"/>
+                </a:solidFill>
+              </a:rPr>
+              <a:t>Список ролей</a:t>
+            </a:r>
+            <a:endParaRPr lang="ru-RU" dirty="0">
+              <a:solidFill>
+                <a:schemeClr val="tx1"/>
+              </a:solidFill>
+            </a:endParaRPr>
+          </a:p>
+        </p:txBody>
+      </p:sp>
+      <p:sp>
+        <p:nvSpPr>
+          <p:cNvPr id="9" name="Прямоугольник 8"/>
+          <p:cNvSpPr/>
+          <p:nvPr/>
+        </p:nvSpPr>
+        <p:spPr>
+          <a:xfrm>
+            <a:off x="8451273" y="1704108"/>
+            <a:ext cx="1995055" cy="997527"/>
+          </a:xfrm>
+          <a:prstGeom prst="rect">
+            <a:avLst/>
+          </a:prstGeom>
+          <a:solidFill>
+            <a:schemeClr val="bg1"/>
+          </a:solidFill>
+          <a:ln w="19050">
+            <a:solidFill>
+              <a:schemeClr val="tx1"/>
+            </a:solidFill>
+          </a:ln>
+        </p:spPr>
+        <p:style>
+          <a:lnRef idx="2">
+            <a:schemeClr val="accent1">
+              <a:shade val="50000"/>
+            </a:schemeClr>
+          </a:lnRef>
+          <a:fillRef idx="1">
+            <a:schemeClr val="accent1"/>
+          </a:fillRef>
+          <a:effectRef idx="0">
+            <a:schemeClr val="accent1"/>
+          </a:effectRef>
+          <a:fontRef idx="minor">
+            <a:schemeClr val="lt1"/>
+          </a:fontRef>
+        </p:style>
+        <p:txBody>
+          <a:bodyPr rtlCol="0" anchor="ctr"/>
+          <a:lstStyle/>
+          <a:p>
+            <a:pPr algn="ctr"/>
+            <a:r>
+              <a:rPr lang="ru-RU" dirty="0" smtClean="0">
+                <a:solidFill>
+                  <a:schemeClr val="tx1"/>
+                </a:solidFill>
+              </a:rPr>
+              <a:t>Создание продукта</a:t>
+            </a:r>
+            <a:endParaRPr lang="ru-RU" dirty="0">
+              <a:solidFill>
+                <a:schemeClr val="tx1"/>
+              </a:solidFill>
+            </a:endParaRPr>
+          </a:p>
+        </p:txBody>
+      </p:sp>
+      <p:sp>
+        <p:nvSpPr>
+          <p:cNvPr id="10" name="Прямоугольник 9"/>
+          <p:cNvSpPr/>
+          <p:nvPr/>
+        </p:nvSpPr>
+        <p:spPr>
+          <a:xfrm>
+            <a:off x="4932218" y="4794093"/>
+            <a:ext cx="1995055" cy="997527"/>
+          </a:xfrm>
+          <a:prstGeom prst="rect">
+            <a:avLst/>
+          </a:prstGeom>
+          <a:solidFill>
+            <a:schemeClr val="bg1"/>
+          </a:solidFill>
+          <a:ln w="19050">
+            <a:solidFill>
+              <a:schemeClr val="tx1"/>
+            </a:solidFill>
+          </a:ln>
+        </p:spPr>
+        <p:style>
+          <a:lnRef idx="2">
+            <a:schemeClr val="accent1">
+              <a:shade val="50000"/>
+            </a:schemeClr>
+          </a:lnRef>
+          <a:fillRef idx="1">
+            <a:schemeClr val="accent1"/>
+          </a:fillRef>
+          <a:effectRef idx="0">
+            <a:schemeClr val="accent1"/>
+          </a:effectRef>
+          <a:fontRef idx="minor">
+            <a:schemeClr val="lt1"/>
+          </a:fontRef>
+        </p:style>
+        <p:txBody>
+          <a:bodyPr rtlCol="0" anchor="ctr"/>
+          <a:lstStyle/>
+          <a:p>
+            <a:pPr algn="ctr"/>
+            <a:r>
+              <a:rPr lang="en-US" dirty="0" smtClean="0">
+                <a:solidFill>
+                  <a:schemeClr val="tx1"/>
+                </a:solidFill>
+              </a:rPr>
+              <a:t>Button</a:t>
+            </a:r>
+            <a:endParaRPr lang="ru-RU" dirty="0">
+              <a:solidFill>
+                <a:schemeClr val="tx1"/>
+              </a:solidFill>
+            </a:endParaRPr>
+          </a:p>
+        </p:txBody>
+      </p:sp>
+      <p:cxnSp>
+        <p:nvCxnSpPr>
+          <p:cNvPr id="24" name="Прямая со стрелкой 23"/>
+          <p:cNvCxnSpPr>
+            <a:stCxn id="8" idx="2"/>
+            <a:endCxn id="10" idx="0"/>
+          </p:cNvCxnSpPr>
+          <p:nvPr/>
+        </p:nvCxnSpPr>
+        <p:spPr>
+          <a:xfrm>
+            <a:off x="5908726" y="2701635"/>
+            <a:ext cx="21020" cy="2092458"/>
+          </a:xfrm>
+          <a:prstGeom prst="straightConnector1">
+            <a:avLst/>
+          </a:prstGeom>
+          <a:ln w="15875">
+            <a:solidFill>
+              <a:schemeClr val="tx1"/>
+            </a:solidFill>
+            <a:tailEnd type="triangle" w="lg" len="lg"/>
+          </a:ln>
+        </p:spPr>
+        <p:style>
+          <a:lnRef idx="1">
+            <a:schemeClr val="accent1"/>
+          </a:lnRef>
+          <a:fillRef idx="0">
+            <a:schemeClr val="accent1"/>
+          </a:fillRef>
+          <a:effectRef idx="0">
+            <a:schemeClr val="accent1"/>
+          </a:effectRef>
+          <a:fontRef idx="minor">
+            <a:schemeClr val="tx1"/>
+          </a:fontRef>
+        </p:style>
+      </p:cxnSp>
+      <p:cxnSp>
+        <p:nvCxnSpPr>
+          <p:cNvPr id="28" name="Соединительная линия уступом 27"/>
+          <p:cNvCxnSpPr>
+            <a:stCxn id="9" idx="2"/>
+            <a:endCxn id="10" idx="3"/>
+          </p:cNvCxnSpPr>
+          <p:nvPr/>
+        </p:nvCxnSpPr>
+        <p:spPr>
+          <a:xfrm rot="5400000">
+            <a:off x="6892426" y="2736482"/>
+            <a:ext cx="2591222" cy="2521528"/>
+          </a:xfrm>
+          <a:prstGeom prst="bentConnector2">
+            <a:avLst/>
+          </a:prstGeom>
+          <a:ln w="15875">
+            <a:solidFill>
+              <a:schemeClr val="tx1"/>
+            </a:solidFill>
+            <a:tailEnd type="triangle" w="lg" len="lg"/>
+          </a:ln>
+        </p:spPr>
+        <p:style>
+          <a:lnRef idx="1">
+            <a:schemeClr val="accent1"/>
+          </a:lnRef>
+          <a:fillRef idx="0">
+            <a:schemeClr val="accent1"/>
+          </a:fillRef>
+          <a:effectRef idx="0">
+            <a:schemeClr val="accent1"/>
+          </a:effectRef>
+          <a:fontRef idx="minor">
+            <a:schemeClr val="tx1"/>
+          </a:fontRef>
+        </p:style>
+      </p:cxnSp>
+      <p:sp>
+        <p:nvSpPr>
+          <p:cNvPr id="11" name="Прямоугольник 10"/>
+          <p:cNvSpPr/>
+          <p:nvPr/>
+        </p:nvSpPr>
+        <p:spPr>
+          <a:xfrm>
+            <a:off x="1413163" y="4794092"/>
+            <a:ext cx="1995055" cy="997527"/>
+          </a:xfrm>
+          <a:prstGeom prst="rect">
+            <a:avLst/>
+          </a:prstGeom>
+          <a:solidFill>
+            <a:schemeClr val="accent6">
+              <a:lumMod val="40000"/>
+              <a:lumOff val="60000"/>
+            </a:schemeClr>
+          </a:solidFill>
+          <a:ln w="19050">
+            <a:solidFill>
+              <a:schemeClr val="tx1"/>
+            </a:solidFill>
+          </a:ln>
+        </p:spPr>
+        <p:style>
+          <a:lnRef idx="2">
+            <a:schemeClr val="accent1">
+              <a:shade val="50000"/>
+            </a:schemeClr>
+          </a:lnRef>
+          <a:fillRef idx="1">
+            <a:schemeClr val="accent1"/>
+          </a:fillRef>
+          <a:effectRef idx="0">
+            <a:schemeClr val="accent1"/>
+          </a:effectRef>
+          <a:fontRef idx="minor">
+            <a:schemeClr val="lt1"/>
+          </a:fontRef>
+        </p:style>
+        <p:txBody>
+          <a:bodyPr rtlCol="0" anchor="ctr"/>
+          <a:lstStyle/>
+          <a:p>
+            <a:pPr algn="ctr"/>
+            <a:r>
+              <a:rPr lang="en-US" dirty="0" err="1" smtClean="0">
+                <a:solidFill>
+                  <a:schemeClr val="tx1"/>
+                </a:solidFill>
+              </a:rPr>
+              <a:t>RoleGuardButton</a:t>
+            </a:r>
+            <a:endParaRPr lang="ru-RU" dirty="0">
+              <a:solidFill>
+                <a:schemeClr val="tx1"/>
+              </a:solidFill>
+            </a:endParaRPr>
+          </a:p>
+        </p:txBody>
+      </p:sp>
+      <p:cxnSp>
+        <p:nvCxnSpPr>
+          <p:cNvPr id="12" name="Прямая со стрелкой 11"/>
+          <p:cNvCxnSpPr>
+            <a:stCxn id="7" idx="2"/>
+            <a:endCxn id="11" idx="0"/>
+          </p:cNvCxnSpPr>
+          <p:nvPr/>
+        </p:nvCxnSpPr>
+        <p:spPr>
+          <a:xfrm>
+            <a:off x="2410691" y="2701634"/>
+            <a:ext cx="0" cy="2092458"/>
+          </a:xfrm>
+          <a:prstGeom prst="straightConnector1">
+            <a:avLst/>
+          </a:prstGeom>
+          <a:ln w="15875">
+            <a:solidFill>
+              <a:schemeClr val="tx1"/>
+            </a:solidFill>
+            <a:tailEnd type="triangle" w="lg" len="lg"/>
+          </a:ln>
+        </p:spPr>
+        <p:style>
+          <a:lnRef idx="1">
+            <a:schemeClr val="accent1"/>
+          </a:lnRef>
+          <a:fillRef idx="0">
+            <a:schemeClr val="accent1"/>
+          </a:fillRef>
+          <a:effectRef idx="0">
+            <a:schemeClr val="accent1"/>
+          </a:effectRef>
+          <a:fontRef idx="minor">
+            <a:schemeClr val="tx1"/>
+          </a:fontRef>
+        </p:style>
+      </p:cxnSp>
+      <p:cxnSp>
+        <p:nvCxnSpPr>
+          <p:cNvPr id="15" name="Прямая со стрелкой 14"/>
+          <p:cNvCxnSpPr>
+            <a:stCxn id="11" idx="3"/>
+            <a:endCxn id="10" idx="1"/>
+          </p:cNvCxnSpPr>
+          <p:nvPr/>
+        </p:nvCxnSpPr>
+        <p:spPr>
+          <a:xfrm>
+            <a:off x="3408218" y="5292856"/>
+            <a:ext cx="1524000" cy="1"/>
+          </a:xfrm>
+          <a:prstGeom prst="straightConnector1">
+            <a:avLst/>
+          </a:prstGeom>
+          <a:ln w="15875">
+            <a:solidFill>
+              <a:schemeClr val="tx1"/>
+            </a:solidFill>
+            <a:tailEnd type="triangle" w="lg" len="lg"/>
+          </a:ln>
+        </p:spPr>
+        <p:style>
+          <a:lnRef idx="1">
+            <a:schemeClr val="accent1"/>
+          </a:lnRef>
+          <a:fillRef idx="0">
+            <a:schemeClr val="accent1"/>
+          </a:fillRef>
+          <a:effectRef idx="0">
+            <a:schemeClr val="accent1"/>
+          </a:effectRef>
+          <a:fontRef idx="minor">
+            <a:schemeClr val="tx1"/>
+          </a:fontRef>
+        </p:style>
+      </p:cxnSp>
     </p:spTree>
     <p:extLst>
       <p:ext uri="{BB962C8B-B14F-4D97-AF65-F5344CB8AC3E}">
-        <p14:creationId xmlns:p14="http://schemas.microsoft.com/office/powerpoint/2010/main" val="1095733048"/>
+        <p14:creationId xmlns:p14="http://schemas.microsoft.com/office/powerpoint/2010/main" val="1610834437"/>
       </p:ext>
     </p:extLst>
   </p:cSld>
@@ -26346,7 +26257,7 @@
         </p:nvSpPr>
         <p:spPr>
           <a:xfrm>
-            <a:off x="4500856" y="214996"/>
+            <a:off x="4500857" y="214996"/>
             <a:ext cx="3190297" cy="1082284"/>
           </a:xfrm>
           <a:prstGeom prst="rect">
@@ -26396,7 +26307,67 @@
             <a:avLst/>
           </a:prstGeom>
           <a:solidFill>
-            <a:schemeClr val="accent4">
+            <a:schemeClr val="bg1"/>
+          </a:solidFill>
+          <a:ln w="19050">
+            <a:solidFill>
+              <a:schemeClr val="tx1"/>
+            </a:solidFill>
+          </a:ln>
+        </p:spPr>
+        <p:style>
+          <a:lnRef idx="2">
+            <a:schemeClr val="accent1">
+              <a:shade val="50000"/>
+            </a:schemeClr>
+          </a:lnRef>
+          <a:fillRef idx="1">
+            <a:schemeClr val="accent1"/>
+          </a:fillRef>
+          <a:effectRef idx="0">
+            <a:schemeClr val="accent1"/>
+          </a:effectRef>
+          <a:fontRef idx="minor">
+            <a:schemeClr val="lt1"/>
+          </a:fontRef>
+        </p:style>
+        <p:txBody>
+          <a:bodyPr rtlCol="0" anchor="ctr"/>
+          <a:lstStyle/>
+          <a:p>
+            <a:pPr algn="ctr"/>
+            <a:r>
+              <a:rPr lang="ru-RU" dirty="0" smtClean="0">
+                <a:solidFill>
+                  <a:schemeClr val="tx1"/>
+                </a:solidFill>
+              </a:rPr>
+              <a:t>Редактирование пользователя</a:t>
+            </a:r>
+            <a:endParaRPr lang="ru-RU" dirty="0">
+              <a:solidFill>
+                <a:schemeClr val="tx1"/>
+              </a:solidFill>
+            </a:endParaRPr>
+          </a:p>
+        </p:txBody>
+      </p:sp>
+      <p:sp>
+        <p:nvSpPr>
+          <p:cNvPr id="9" name="Прямоугольник 8"/>
+          <p:cNvSpPr/>
+          <p:nvPr/>
+        </p:nvSpPr>
+        <p:spPr>
+          <a:xfrm>
+            <a:off x="8451273" y="1704108"/>
+            <a:ext cx="1995055" cy="997527"/>
+          </a:xfrm>
+          <a:prstGeom prst="rect">
+            <a:avLst/>
+          </a:prstGeom>
+          <a:solidFill>
+            <a:schemeClr val="accent6">
               <a:lumMod val="40000"/>
               <a:lumOff val="60000"/>
             </a:schemeClr>
@@ -26429,12 +26400,20 @@
           <a:p>
             <a:pPr algn="ctr"/>
             <a:r>
+              <a:rPr lang="en-US" dirty="0" smtClean="0">
+                <a:solidFill>
+                  <a:schemeClr val="tx1"/>
+                </a:solidFill>
+              </a:rPr>
+              <a:t>UI </a:t>
+            </a:r>
+            <a:r>
               <a:rPr lang="ru-RU" dirty="0" smtClean="0">
                 <a:solidFill>
                   <a:schemeClr val="tx1"/>
                 </a:solidFill>
               </a:rPr>
-              <a:t>Редактирование пользователя</a:t>
+              <a:t>тесты</a:t>
             </a:r>
             <a:endParaRPr lang="ru-RU" dirty="0">
               <a:solidFill>
@@ -26446,13 +26425,13 @@
       </p:sp>
       <p:sp>
         <p:nvSpPr>
-          <p:cNvPr id="8" name="Прямоугольник 7"/>
+          <p:cNvPr id="10" name="Прямоугольник 9"/>
           <p:cNvSpPr/>
           <p:nvPr/>
         </p:nvSpPr>
         <p:spPr>
           <a:xfrm>
-            <a:off x="4911198" y="1704108"/>
+            <a:off x="4932218" y="4794093"/>
             <a:ext cx="1995055" cy="997527"/>
           </a:xfrm>
           <a:prstGeom prst="rect">
@@ -26489,12 +26468,12 @@
           <a:p>
             <a:pPr algn="ctr"/>
             <a:r>
-              <a:rPr lang="ru-RU" dirty="0" smtClean="0">
+              <a:rPr lang="en-US" dirty="0" smtClean="0">
                 <a:solidFill>
                   <a:schemeClr val="tx1"/>
                 </a:solidFill>
               </a:rPr>
-              <a:t>Список ролей</a:t>
+              <a:t>Button</a:t>
             </a:r>
             <a:endParaRPr lang="ru-RU" dirty="0">
               <a:solidFill>
@@ -26504,141 +26483,21 @@
           </a:p>
         </p:txBody>
       </p:sp>
-      <p:sp>
-        <p:nvSpPr>
-          <p:cNvPr id="9" name="Прямоугольник 8"/>
-          <p:cNvSpPr/>
-          <p:nvPr/>
-        </p:nvSpPr>
-        <p:spPr>
-          <a:xfrm>
-            <a:off x="8451273" y="1704108"/>
-            <a:ext cx="1995055" cy="997527"/>
-          </a:xfrm>
-          <a:prstGeom prst="rect">
-            <a:avLst/>
-          </a:prstGeom>
-          <a:solidFill>
-            <a:schemeClr val="bg1"/>
-          </a:solidFill>
-          <a:ln w="19050">
-            <a:solidFill>
-              <a:schemeClr val="tx1"/>
-            </a:solidFill>
-          </a:ln>
-        </p:spPr>
-        <p:style>
-          <a:lnRef idx="2">
-            <a:schemeClr val="accent1">
-              <a:shade val="50000"/>
-            </a:schemeClr>
-          </a:lnRef>
-          <a:fillRef idx="1">
-            <a:schemeClr val="accent1"/>
-          </a:fillRef>
-          <a:effectRef idx="0">
-            <a:schemeClr val="accent1"/>
-          </a:effectRef>
-          <a:fontRef idx="minor">
-            <a:schemeClr val="lt1"/>
-          </a:fontRef>
-        </p:style>
-        <p:txBody>
-          <a:bodyPr rtlCol="0" anchor="ctr"/>
-          <a:lstStyle/>
-          <a:p>
-            <a:pPr algn="ctr"/>
-            <a:r>
-              <a:rPr lang="ru-RU" dirty="0" smtClean="0">
-                <a:solidFill>
-                  <a:schemeClr val="tx1"/>
-                </a:solidFill>
-              </a:rPr>
-              <a:t>Создание продукта</a:t>
-            </a:r>
-            <a:endParaRPr lang="ru-RU" dirty="0">
-              <a:solidFill>
-                <a:schemeClr val="tx1"/>
-              </a:solidFill>
-            </a:endParaRPr>
-          </a:p>
-        </p:txBody>
-      </p:sp>
-      <p:sp>
-        <p:nvSpPr>
-          <p:cNvPr id="10" name="Прямоугольник 9"/>
-          <p:cNvSpPr/>
-          <p:nvPr/>
-        </p:nvSpPr>
-        <p:spPr>
-          <a:xfrm>
-            <a:off x="4932218" y="4794093"/>
-            <a:ext cx="1995055" cy="997527"/>
-          </a:xfrm>
-          <a:prstGeom prst="rect">
-            <a:avLst/>
-          </a:prstGeom>
-          <a:solidFill>
-            <a:schemeClr val="bg1"/>
-          </a:solidFill>
-          <a:ln w="19050">
-            <a:solidFill>
-              <a:schemeClr val="tx1"/>
-            </a:solidFill>
-          </a:ln>
-        </p:spPr>
-        <p:style>
-          <a:lnRef idx="2">
-            <a:schemeClr val="accent1">
-              <a:shade val="50000"/>
-            </a:schemeClr>
-          </a:lnRef>
-          <a:fillRef idx="1">
-            <a:schemeClr val="accent1"/>
-          </a:fillRef>
-          <a:effectRef idx="0">
-            <a:schemeClr val="accent1"/>
-          </a:effectRef>
-          <a:fontRef idx="minor">
-            <a:schemeClr val="lt1"/>
-          </a:fontRef>
-        </p:style>
-        <p:txBody>
-          <a:bodyPr rtlCol="0" anchor="ctr"/>
-          <a:lstStyle/>
-          <a:p>
-            <a:pPr algn="ctr"/>
-            <a:r>
-              <a:rPr lang="en-US" dirty="0" smtClean="0">
-                <a:solidFill>
-                  <a:schemeClr val="tx1"/>
-                </a:solidFill>
-              </a:rPr>
-              <a:t>Button</a:t>
-            </a:r>
-            <a:endParaRPr lang="ru-RU" dirty="0">
-              <a:solidFill>
-                <a:schemeClr val="tx1"/>
-              </a:solidFill>
-            </a:endParaRPr>
-          </a:p>
-        </p:txBody>
-      </p:sp>
       <p:cxnSp>
         <p:nvCxnSpPr>
-          <p:cNvPr id="24" name="Прямая со стрелкой 23"/>
+          <p:cNvPr id="14" name="Соединительная линия уступом 13"/>
           <p:cNvCxnSpPr>
-            <a:stCxn id="8" idx="2"/>
-            <a:endCxn id="10" idx="0"/>
+            <a:stCxn id="7" idx="2"/>
+            <a:endCxn id="10" idx="1"/>
           </p:cNvCxnSpPr>
           <p:nvPr/>
         </p:nvCxnSpPr>
         <p:spPr>
-          <a:xfrm>
-            <a:off x="5908726" y="2701635"/>
-            <a:ext cx="21020" cy="2092458"/>
-          </a:xfrm>
-          <a:prstGeom prst="straightConnector1">
+          <a:xfrm rot="16200000" flipH="1">
+            <a:off x="2375843" y="2736481"/>
+            <a:ext cx="2591223" cy="2521527"/>
+          </a:xfrm>
+          <a:prstGeom prst="bentConnector2">
             <a:avLst/>
           </a:prstGeom>
           <a:ln w="15875">
@@ -26702,151 +26561,10 @@
           </a:fontRef>
         </p:style>
       </p:cxnSp>
-      <p:sp>
-        <p:nvSpPr>
-          <p:cNvPr id="11" name="Прямоугольник 10"/>
-          <p:cNvSpPr/>
-          <p:nvPr/>
-        </p:nvSpPr>
-        <p:spPr>
-          <a:xfrm>
-            <a:off x="1413163" y="4794092"/>
-            <a:ext cx="1995055" cy="997527"/>
-          </a:xfrm>
-          <a:prstGeom prst="rect">
-            <a:avLst/>
-          </a:prstGeom>
-          <a:solidFill>
-            <a:schemeClr val="accent6">
-              <a:lumMod val="40000"/>
-              <a:lumOff val="60000"/>
-            </a:schemeClr>
-          </a:solidFill>
-          <a:ln w="19050">
-            <a:solidFill>
-              <a:schemeClr val="tx1"/>
-            </a:solidFill>
-          </a:ln>
-        </p:spPr>
-        <p:style>
-          <a:lnRef idx="2">
-            <a:schemeClr val="accent1">
-              <a:shade val="50000"/>
-            </a:schemeClr>
-          </a:lnRef>
-          <a:fillRef idx="1">
-            <a:schemeClr val="accent1"/>
-          </a:fillRef>
-          <a:effectRef idx="0">
-            <a:schemeClr val="accent1"/>
-          </a:effectRef>
-          <a:fontRef idx="minor">
-            <a:schemeClr val="lt1"/>
-          </a:fontRef>
-        </p:style>
-        <p:txBody>
-          <a:bodyPr rtlCol="0" anchor="ctr"/>
-          <a:lstStyle/>
-          <a:p>
-            <a:pPr algn="ctr"/>
-            <a:r>
-              <a:rPr lang="en-US" dirty="0" err="1" smtClean="0">
-                <a:solidFill>
-                  <a:schemeClr val="tx1"/>
-                </a:solidFill>
-              </a:rPr>
-              <a:t>RoleGuardButton</a:t>
-            </a:r>
-            <a:endParaRPr lang="ru-RU" dirty="0">
-              <a:solidFill>
-                <a:schemeClr val="tx1"/>
-              </a:solidFill>
-            </a:endParaRPr>
-          </a:p>
-        </p:txBody>
-      </p:sp>
-      <p:cxnSp>
-        <p:nvCxnSpPr>
-          <p:cNvPr id="12" name="Прямая со стрелкой 11"/>
-          <p:cNvCxnSpPr>
-            <a:stCxn id="7" idx="2"/>
-            <a:endCxn id="11" idx="0"/>
-          </p:cNvCxnSpPr>
-          <p:nvPr/>
-        </p:nvCxnSpPr>
-        <p:spPr>
-          <a:xfrm>
-            <a:off x="2410691" y="2701634"/>
-            <a:ext cx="0" cy="2092458"/>
-          </a:xfrm>
-          <a:prstGeom prst="straightConnector1">
-            <a:avLst/>
-          </a:prstGeom>
-          <a:ln w="15875">
-            <a:solidFill>
-              <a:schemeClr val="tx1"/>
-            </a:solidFill>
-            <a:tailEnd type="triangle" w="lg" len="lg"/>
-          </a:ln>
-        </p:spPr>
-        <p:style>
-          <a:lnRef idx="1">
-            <a:schemeClr val="accent1"/>
-          </a:lnRef>
-          <a:fillRef idx="0">
-            <a:schemeClr val="accent1"/>
-          </a:fillRef>
-          <a:effectRef idx="0">
-            <a:schemeClr val="accent1"/>
-          </a:effectRef>
-          <a:fontRef idx="minor">
-            <a:schemeClr val="tx1"/>
-          </a:fontRef>
-        </p:style>
-      </p:cxnSp>
-      <p:cxnSp>
-        <p:nvCxnSpPr>
-          <p:cNvPr id="15" name="Прямая со стрелкой 14"/>
-          <p:cNvCxnSpPr>
-            <a:stCxn id="11" idx="3"/>
-            <a:endCxn id="10" idx="1"/>
-          </p:cNvCxnSpPr>
-          <p:nvPr/>
-        </p:nvCxnSpPr>
-        <p:spPr>
-          <a:xfrm>
-            <a:off x="3408218" y="5292856"/>
-            <a:ext cx="1524000" cy="1"/>
-          </a:xfrm>
-          <a:prstGeom prst="straightConnector1">
-            <a:avLst/>
-          </a:prstGeom>
-          <a:ln w="15875">
-            <a:solidFill>
-              <a:schemeClr val="tx1"/>
-            </a:solidFill>
-            <a:tailEnd type="triangle" w="lg" len="lg"/>
-          </a:ln>
-        </p:spPr>
-        <p:style>
-          <a:lnRef idx="1">
-            <a:schemeClr val="accent1"/>
-          </a:lnRef>
-          <a:fillRef idx="0">
-            <a:schemeClr val="accent1"/>
-          </a:fillRef>
-          <a:effectRef idx="0">
-            <a:schemeClr val="accent1"/>
-          </a:effectRef>
-          <a:fontRef idx="minor">
-            <a:schemeClr val="tx1"/>
-          </a:fontRef>
-        </p:style>
-      </p:cxnSp>
     </p:spTree>
     <p:extLst>
       <p:ext uri="{BB962C8B-B14F-4D97-AF65-F5344CB8AC3E}">
-        <p14:creationId xmlns:p14="http://schemas.microsoft.com/office/powerpoint/2010/main" val="1610834437"/>
+        <p14:creationId xmlns:p14="http://schemas.microsoft.com/office/powerpoint/2010/main" val="295548564"/>
       </p:ext>
     </p:extLst>
   </p:cSld>
@@ -26896,8 +26614,8 @@
         </p:nvSpPr>
         <p:spPr>
           <a:xfrm>
-            <a:off x="4500857" y="214996"/>
-            <a:ext cx="3190297" cy="1082284"/>
+            <a:off x="3148724" y="2887858"/>
+            <a:ext cx="5894562" cy="1082284"/>
           </a:xfrm>
           <a:prstGeom prst="rect">
             <a:avLst/>
@@ -26921,7 +26639,7 @@
                 <a:ea typeface="Open Sans SemiBold" panose="020B0706030804020204" pitchFamily="34" charset="0"/>
                 <a:cs typeface="Open Sans SemiBold" panose="020B0706030804020204" pitchFamily="34" charset="0"/>
               </a:rPr>
-              <a:t>РЕШЕНИЕ</a:t>
+              <a:t>НЕПОДВИЖНОСТЬ</a:t>
             </a:r>
             <a:endParaRPr lang="ru-RU" sz="4800" dirty="0">
               <a:latin typeface="Open Sans SemiBold" panose="020B0706030804020204" pitchFamily="34" charset="0"/>
@@ -26931,279 +26649,10 @@
           </a:p>
         </p:txBody>
       </p:sp>
-      <p:sp>
-        <p:nvSpPr>
-          <p:cNvPr id="7" name="Прямоугольник 6"/>
-          <p:cNvSpPr/>
-          <p:nvPr/>
-        </p:nvSpPr>
-        <p:spPr>
-          <a:xfrm>
-            <a:off x="1413163" y="1704107"/>
-            <a:ext cx="1995055" cy="997527"/>
-          </a:xfrm>
-          <a:prstGeom prst="rect">
-            <a:avLst/>
-          </a:prstGeom>
-          <a:solidFill>
-            <a:schemeClr val="bg1"/>
-          </a:solidFill>
-          <a:ln w="19050">
-            <a:solidFill>
-              <a:schemeClr val="tx1"/>
-            </a:solidFill>
-          </a:ln>
-        </p:spPr>
-        <p:style>
-          <a:lnRef idx="2">
-            <a:schemeClr val="accent1">
-              <a:shade val="50000"/>
-            </a:schemeClr>
-          </a:lnRef>
-          <a:fillRef idx="1">
-            <a:schemeClr val="accent1"/>
-          </a:fillRef>
-          <a:effectRef idx="0">
-            <a:schemeClr val="accent1"/>
-          </a:effectRef>
-          <a:fontRef idx="minor">
-            <a:schemeClr val="lt1"/>
-          </a:fontRef>
-        </p:style>
-        <p:txBody>
-          <a:bodyPr rtlCol="0" anchor="ctr"/>
-          <a:lstStyle/>
-          <a:p>
-            <a:pPr algn="ctr"/>
-            <a:r>
-              <a:rPr lang="ru-RU" dirty="0" smtClean="0">
-                <a:solidFill>
-                  <a:schemeClr val="tx1"/>
-                </a:solidFill>
-              </a:rPr>
-              <a:t>Редактирование пользователя</a:t>
-            </a:r>
-            <a:endParaRPr lang="ru-RU" dirty="0">
-              <a:solidFill>
-                <a:schemeClr val="tx1"/>
-              </a:solidFill>
-            </a:endParaRPr>
-          </a:p>
-        </p:txBody>
-      </p:sp>
-      <p:sp>
-        <p:nvSpPr>
-          <p:cNvPr id="9" name="Прямоугольник 8"/>
-          <p:cNvSpPr/>
-          <p:nvPr/>
-        </p:nvSpPr>
-        <p:spPr>
-          <a:xfrm>
-            <a:off x="8451273" y="1704108"/>
-            <a:ext cx="1995055" cy="997527"/>
-          </a:xfrm>
-          <a:prstGeom prst="rect">
-            <a:avLst/>
-          </a:prstGeom>
-          <a:solidFill>
-            <a:schemeClr val="accent6">
-              <a:lumMod val="40000"/>
-              <a:lumOff val="60000"/>
-            </a:schemeClr>
-          </a:solidFill>
-          <a:ln w="19050">
-            <a:solidFill>
-              <a:schemeClr val="tx1"/>
-            </a:solidFill>
-          </a:ln>
-        </p:spPr>
-        <p:style>
-          <a:lnRef idx="2">
-            <a:schemeClr val="accent1">
-              <a:shade val="50000"/>
-            </a:schemeClr>
-          </a:lnRef>
-          <a:fillRef idx="1">
-            <a:schemeClr val="accent1"/>
-          </a:fillRef>
-          <a:effectRef idx="0">
-            <a:schemeClr val="accent1"/>
-          </a:effectRef>
-          <a:fontRef idx="minor">
-            <a:schemeClr val="lt1"/>
-          </a:fontRef>
-        </p:style>
-        <p:txBody>
-          <a:bodyPr rtlCol="0" anchor="ctr"/>
-          <a:lstStyle/>
-          <a:p>
-            <a:pPr algn="ctr"/>
-            <a:r>
-              <a:rPr lang="en-US" dirty="0" smtClean="0">
-                <a:solidFill>
-                  <a:schemeClr val="tx1"/>
-                </a:solidFill>
-              </a:rPr>
-              <a:t>UI </a:t>
-            </a:r>
-            <a:r>
-              <a:rPr lang="ru-RU" dirty="0" smtClean="0">
-                <a:solidFill>
-                  <a:schemeClr val="tx1"/>
-                </a:solidFill>
-              </a:rPr>
-              <a:t>тесты</a:t>
-            </a:r>
-            <a:endParaRPr lang="ru-RU" dirty="0">
-              <a:solidFill>
-                <a:schemeClr val="tx1"/>
-              </a:solidFill>
-            </a:endParaRPr>
-          </a:p>
-        </p:txBody>
-      </p:sp>
-      <p:sp>
-        <p:nvSpPr>
-          <p:cNvPr id="10" name="Прямоугольник 9"/>
-          <p:cNvSpPr/>
-          <p:nvPr/>
-        </p:nvSpPr>
-        <p:spPr>
-          <a:xfrm>
-            <a:off x="4932218" y="4794093"/>
-            <a:ext cx="1995055" cy="997527"/>
-          </a:xfrm>
-          <a:prstGeom prst="rect">
-            <a:avLst/>
-          </a:prstGeom>
-          <a:solidFill>
-            <a:schemeClr val="bg1"/>
-          </a:solidFill>
-          <a:ln w="19050">
-            <a:solidFill>
-              <a:schemeClr val="tx1"/>
-            </a:solidFill>
-          </a:ln>
-        </p:spPr>
-        <p:style>
-          <a:lnRef idx="2">
-            <a:schemeClr val="accent1">
-              <a:shade val="50000"/>
-            </a:schemeClr>
-          </a:lnRef>
-          <a:fillRef idx="1">
-            <a:schemeClr val="accent1"/>
-          </a:fillRef>
-          <a:effectRef idx="0">
-            <a:schemeClr val="accent1"/>
-          </a:effectRef>
-          <a:fontRef idx="minor">
-            <a:schemeClr val="lt1"/>
-          </a:fontRef>
-        </p:style>
-        <p:txBody>
-          <a:bodyPr rtlCol="0" anchor="ctr"/>
-          <a:lstStyle/>
-          <a:p>
-            <a:pPr algn="ctr"/>
-            <a:r>
-              <a:rPr lang="en-US" dirty="0" smtClean="0">
-                <a:solidFill>
-                  <a:schemeClr val="tx1"/>
-                </a:solidFill>
-              </a:rPr>
-              <a:t>Button</a:t>
-            </a:r>
-            <a:endParaRPr lang="ru-RU" dirty="0">
-              <a:solidFill>
-                <a:schemeClr val="tx1"/>
-              </a:solidFill>
-            </a:endParaRPr>
-          </a:p>
-        </p:txBody>
-      </p:sp>
-      <p:cxnSp>
-        <p:nvCxnSpPr>
-          <p:cNvPr id="14" name="Соединительная линия уступом 13"/>
-          <p:cNvCxnSpPr>
-            <a:stCxn id="7" idx="2"/>
-            <a:endCxn id="10" idx="1"/>
-          </p:cNvCxnSpPr>
-          <p:nvPr/>
-        </p:nvCxnSpPr>
-        <p:spPr>
-          <a:xfrm rot="16200000" flipH="1">
-            <a:off x="2375843" y="2736481"/>
-            <a:ext cx="2591223" cy="2521527"/>
-          </a:xfrm>
-          <a:prstGeom prst="bentConnector2">
-            <a:avLst/>
-          </a:prstGeom>
-          <a:ln w="15875">
-            <a:solidFill>
-              <a:schemeClr val="tx1"/>
-            </a:solidFill>
-            <a:tailEnd type="triangle" w="lg" len="lg"/>
-          </a:ln>
-        </p:spPr>
-        <p:style>
-          <a:lnRef idx="1">
-            <a:schemeClr val="accent1"/>
-          </a:lnRef>
-          <a:fillRef idx="0">
-            <a:schemeClr val="accent1"/>
-          </a:fillRef>
-          <a:effectRef idx="0">
-            <a:schemeClr val="accent1"/>
-          </a:effectRef>
-          <a:fontRef idx="minor">
-            <a:schemeClr val="tx1"/>
-          </a:fontRef>
-        </p:style>
-      </p:cxnSp>
-      <p:cxnSp>
-        <p:nvCxnSpPr>
-          <p:cNvPr id="28" name="Соединительная линия уступом 27"/>
-          <p:cNvCxnSpPr>
-            <a:stCxn id="9" idx="2"/>
-            <a:endCxn id="10" idx="3"/>
-          </p:cNvCxnSpPr>
-          <p:nvPr/>
-        </p:nvCxnSpPr>
-        <p:spPr>
-          <a:xfrm rot="5400000">
-            <a:off x="6892426" y="2736482"/>
-            <a:ext cx="2591222" cy="2521528"/>
-          </a:xfrm>
-          <a:prstGeom prst="bentConnector2">
-            <a:avLst/>
-          </a:prstGeom>
-          <a:ln w="15875">
-            <a:solidFill>
-              <a:schemeClr val="tx1"/>
-            </a:solidFill>
-            <a:tailEnd type="triangle" w="lg" len="lg"/>
-          </a:ln>
-        </p:spPr>
-        <p:style>
-          <a:lnRef idx="1">
-            <a:schemeClr val="accent1"/>
-          </a:lnRef>
-          <a:fillRef idx="0">
-            <a:schemeClr val="accent1"/>
-          </a:fillRef>
-          <a:effectRef idx="0">
-            <a:schemeClr val="accent1"/>
-          </a:effectRef>
-          <a:fontRef idx="minor">
-            <a:schemeClr val="tx1"/>
-          </a:fontRef>
-        </p:style>
-      </p:cxnSp>
     </p:spTree>
     <p:extLst>
       <p:ext uri="{BB962C8B-B14F-4D97-AF65-F5344CB8AC3E}">
-        <p14:creationId xmlns:p14="http://schemas.microsoft.com/office/powerpoint/2010/main" val="295548564"/>
+        <p14:creationId xmlns:p14="http://schemas.microsoft.com/office/powerpoint/2010/main" val="3271797072"/>
       </p:ext>
     </p:extLst>
   </p:cSld>
@@ -27253,8 +26702,8 @@
         </p:nvSpPr>
         <p:spPr>
           <a:xfrm>
-            <a:off x="3148724" y="2887858"/>
-            <a:ext cx="5894562" cy="1082284"/>
+            <a:off x="4271626" y="214996"/>
+            <a:ext cx="3648756" cy="1082284"/>
           </a:xfrm>
           <a:prstGeom prst="rect">
             <a:avLst/>
@@ -27278,7 +26727,7 @@
                 <a:ea typeface="Open Sans SemiBold" panose="020B0706030804020204" pitchFamily="34" charset="0"/>
                 <a:cs typeface="Open Sans SemiBold" panose="020B0706030804020204" pitchFamily="34" charset="0"/>
               </a:rPr>
-              <a:t>НЕПОДВИЖНОСТЬ</a:t>
+              <a:t>ПРОБЛЕМА</a:t>
             </a:r>
             <a:endParaRPr lang="ru-RU" sz="4800" dirty="0">
               <a:latin typeface="Open Sans SemiBold" panose="020B0706030804020204" pitchFamily="34" charset="0"/>
@@ -27288,10 +26737,367 @@
           </a:p>
         </p:txBody>
       </p:sp>
+      <p:sp>
+        <p:nvSpPr>
+          <p:cNvPr id="7" name="Прямоугольник 6"/>
+          <p:cNvSpPr/>
+          <p:nvPr/>
+        </p:nvSpPr>
+        <p:spPr>
+          <a:xfrm>
+            <a:off x="1413163" y="1704107"/>
+            <a:ext cx="1995055" cy="997527"/>
+          </a:xfrm>
+          <a:prstGeom prst="rect">
+            <a:avLst/>
+          </a:prstGeom>
+          <a:solidFill>
+            <a:schemeClr val="bg1"/>
+          </a:solidFill>
+          <a:ln w="19050">
+            <a:solidFill>
+              <a:schemeClr val="tx1"/>
+            </a:solidFill>
+          </a:ln>
+        </p:spPr>
+        <p:style>
+          <a:lnRef idx="2">
+            <a:schemeClr val="accent1">
+              <a:shade val="50000"/>
+            </a:schemeClr>
+          </a:lnRef>
+          <a:fillRef idx="1">
+            <a:schemeClr val="accent1"/>
+          </a:fillRef>
+          <a:effectRef idx="0">
+            <a:schemeClr val="accent1"/>
+          </a:effectRef>
+          <a:fontRef idx="minor">
+            <a:schemeClr val="lt1"/>
+          </a:fontRef>
+        </p:style>
+        <p:txBody>
+          <a:bodyPr rtlCol="0" anchor="ctr"/>
+          <a:lstStyle/>
+          <a:p>
+            <a:pPr algn="ctr"/>
+            <a:r>
+              <a:rPr lang="ru-RU" dirty="0" smtClean="0">
+                <a:solidFill>
+                  <a:schemeClr val="tx1"/>
+                </a:solidFill>
+              </a:rPr>
+              <a:t>Список композиций</a:t>
+            </a:r>
+            <a:endParaRPr lang="ru-RU" dirty="0">
+              <a:solidFill>
+                <a:schemeClr val="tx1"/>
+              </a:solidFill>
+            </a:endParaRPr>
+          </a:p>
+        </p:txBody>
+      </p:sp>
+      <p:sp>
+        <p:nvSpPr>
+          <p:cNvPr id="8" name="Прямоугольник 7"/>
+          <p:cNvSpPr/>
+          <p:nvPr/>
+        </p:nvSpPr>
+        <p:spPr>
+          <a:xfrm>
+            <a:off x="4911198" y="1704108"/>
+            <a:ext cx="1995055" cy="997527"/>
+          </a:xfrm>
+          <a:prstGeom prst="rect">
+            <a:avLst/>
+          </a:prstGeom>
+          <a:solidFill>
+            <a:schemeClr val="bg1"/>
+          </a:solidFill>
+          <a:ln w="19050">
+            <a:solidFill>
+              <a:schemeClr val="tx1"/>
+            </a:solidFill>
+          </a:ln>
+        </p:spPr>
+        <p:style>
+          <a:lnRef idx="2">
+            <a:schemeClr val="accent1">
+              <a:shade val="50000"/>
+            </a:schemeClr>
+          </a:lnRef>
+          <a:fillRef idx="1">
+            <a:schemeClr val="accent1"/>
+          </a:fillRef>
+          <a:effectRef idx="0">
+            <a:schemeClr val="accent1"/>
+          </a:effectRef>
+          <a:fontRef idx="minor">
+            <a:schemeClr val="lt1"/>
+          </a:fontRef>
+        </p:style>
+        <p:txBody>
+          <a:bodyPr rtlCol="0" anchor="ctr"/>
+          <a:lstStyle/>
+          <a:p>
+            <a:pPr algn="ctr"/>
+            <a:r>
+              <a:rPr lang="ru-RU" dirty="0" smtClean="0">
+                <a:solidFill>
+                  <a:schemeClr val="tx1"/>
+                </a:solidFill>
+              </a:rPr>
+              <a:t>Радио</a:t>
+            </a:r>
+            <a:endParaRPr lang="ru-RU" dirty="0">
+              <a:solidFill>
+                <a:schemeClr val="tx1"/>
+              </a:solidFill>
+            </a:endParaRPr>
+          </a:p>
+        </p:txBody>
+      </p:sp>
+      <p:sp>
+        <p:nvSpPr>
+          <p:cNvPr id="9" name="Прямоугольник 8"/>
+          <p:cNvSpPr/>
+          <p:nvPr/>
+        </p:nvSpPr>
+        <p:spPr>
+          <a:xfrm>
+            <a:off x="8451273" y="1704108"/>
+            <a:ext cx="1995055" cy="997527"/>
+          </a:xfrm>
+          <a:prstGeom prst="rect">
+            <a:avLst/>
+          </a:prstGeom>
+          <a:solidFill>
+            <a:schemeClr val="bg1"/>
+          </a:solidFill>
+          <a:ln w="19050">
+            <a:solidFill>
+              <a:schemeClr val="tx1"/>
+            </a:solidFill>
+          </a:ln>
+        </p:spPr>
+        <p:style>
+          <a:lnRef idx="2">
+            <a:schemeClr val="accent1">
+              <a:shade val="50000"/>
+            </a:schemeClr>
+          </a:lnRef>
+          <a:fillRef idx="1">
+            <a:schemeClr val="accent1"/>
+          </a:fillRef>
+          <a:effectRef idx="0">
+            <a:schemeClr val="accent1"/>
+          </a:effectRef>
+          <a:fontRef idx="minor">
+            <a:schemeClr val="lt1"/>
+          </a:fontRef>
+        </p:style>
+        <p:txBody>
+          <a:bodyPr rtlCol="0" anchor="ctr"/>
+          <a:lstStyle/>
+          <a:p>
+            <a:pPr algn="ctr"/>
+            <a:r>
+              <a:rPr lang="ru-RU" dirty="0" smtClean="0">
+                <a:solidFill>
+                  <a:schemeClr val="tx1"/>
+                </a:solidFill>
+              </a:rPr>
+              <a:t>Страница автора</a:t>
+            </a:r>
+            <a:endParaRPr lang="ru-RU" dirty="0">
+              <a:solidFill>
+                <a:schemeClr val="tx1"/>
+              </a:solidFill>
+            </a:endParaRPr>
+          </a:p>
+        </p:txBody>
+      </p:sp>
+      <p:sp>
+        <p:nvSpPr>
+          <p:cNvPr id="10" name="Прямоугольник 9"/>
+          <p:cNvSpPr/>
+          <p:nvPr/>
+        </p:nvSpPr>
+        <p:spPr>
+          <a:xfrm>
+            <a:off x="4932218" y="4794093"/>
+            <a:ext cx="1995055" cy="997527"/>
+          </a:xfrm>
+          <a:prstGeom prst="rect">
+            <a:avLst/>
+          </a:prstGeom>
+          <a:solidFill>
+            <a:schemeClr val="bg1"/>
+          </a:solidFill>
+          <a:ln w="19050">
+            <a:solidFill>
+              <a:schemeClr val="tx1"/>
+            </a:solidFill>
+          </a:ln>
+        </p:spPr>
+        <p:style>
+          <a:lnRef idx="2">
+            <a:schemeClr val="accent1">
+              <a:shade val="50000"/>
+            </a:schemeClr>
+          </a:lnRef>
+          <a:fillRef idx="1">
+            <a:schemeClr val="accent1"/>
+          </a:fillRef>
+          <a:effectRef idx="0">
+            <a:schemeClr val="accent1"/>
+          </a:effectRef>
+          <a:fontRef idx="minor">
+            <a:schemeClr val="lt1"/>
+          </a:fontRef>
+        </p:style>
+        <p:txBody>
+          <a:bodyPr rtlCol="0" anchor="ctr"/>
+          <a:lstStyle/>
+          <a:p>
+            <a:pPr algn="ctr"/>
+            <a:r>
+              <a:rPr lang="en-US" dirty="0" err="1" smtClean="0">
+                <a:solidFill>
+                  <a:schemeClr val="tx1"/>
+                </a:solidFill>
+              </a:rPr>
+              <a:t>SingletonPlayer</a:t>
+            </a:r>
+            <a:endParaRPr lang="ru-RU" dirty="0">
+              <a:solidFill>
+                <a:schemeClr val="tx1"/>
+              </a:solidFill>
+            </a:endParaRPr>
+          </a:p>
+        </p:txBody>
+      </p:sp>
+      <p:cxnSp>
+        <p:nvCxnSpPr>
+          <p:cNvPr id="14" name="Соединительная линия уступом 13"/>
+          <p:cNvCxnSpPr>
+            <a:stCxn id="7" idx="2"/>
+            <a:endCxn id="10" idx="1"/>
+          </p:cNvCxnSpPr>
+          <p:nvPr/>
+        </p:nvCxnSpPr>
+        <p:spPr>
+          <a:xfrm rot="16200000" flipH="1">
+            <a:off x="2375843" y="2736481"/>
+            <a:ext cx="2591223" cy="2521527"/>
+          </a:xfrm>
+          <a:prstGeom prst="bentConnector2">
+            <a:avLst/>
+          </a:prstGeom>
+          <a:ln w="15875">
+            <a:solidFill>
+              <a:schemeClr val="tx1"/>
+            </a:solidFill>
+            <a:tailEnd type="triangle" w="lg" len="lg"/>
+          </a:ln>
+        </p:spPr>
+        <p:style>
+          <a:lnRef idx="1">
+            <a:schemeClr val="accent1"/>
+          </a:lnRef>
+          <a:fillRef idx="0">
+            <a:schemeClr val="accent1"/>
+          </a:fillRef>
+          <a:effectRef idx="0">
+            <a:schemeClr val="accent1"/>
+          </a:effectRef>
+          <a:fontRef idx="minor">
+            <a:schemeClr val="tx1"/>
+          </a:fontRef>
+        </p:style>
+      </p:cxnSp>
+      <p:cxnSp>
+        <p:nvCxnSpPr>
+          <p:cNvPr id="24" name="Прямая со стрелкой 23"/>
+          <p:cNvCxnSpPr>
+            <a:stCxn id="8" idx="2"/>
+            <a:endCxn id="10" idx="0"/>
+          </p:cNvCxnSpPr>
+          <p:nvPr/>
+        </p:nvCxnSpPr>
+        <p:spPr>
+          <a:xfrm>
+            <a:off x="5908726" y="2701635"/>
+            <a:ext cx="21020" cy="2092458"/>
+          </a:xfrm>
+          <a:prstGeom prst="straightConnector1">
+            <a:avLst/>
+          </a:prstGeom>
+          <a:ln w="15875">
+            <a:solidFill>
+              <a:schemeClr val="tx1"/>
+            </a:solidFill>
+            <a:tailEnd type="triangle" w="lg" len="lg"/>
+          </a:ln>
+        </p:spPr>
+        <p:style>
+          <a:lnRef idx="1">
+            <a:schemeClr val="accent1"/>
+          </a:lnRef>
+          <a:fillRef idx="0">
+            <a:schemeClr val="accent1"/>
+          </a:fillRef>
+          <a:effectRef idx="0">
+            <a:schemeClr val="accent1"/>
+          </a:effectRef>
+          <a:fontRef idx="minor">
+            <a:schemeClr val="tx1"/>
+          </a:fontRef>
+        </p:style>
+      </p:cxnSp>
+      <p:cxnSp>
+        <p:nvCxnSpPr>
+          <p:cNvPr id="28" name="Соединительная линия уступом 27"/>
+          <p:cNvCxnSpPr>
+            <a:stCxn id="9" idx="2"/>
+            <a:endCxn id="10" idx="3"/>
+          </p:cNvCxnSpPr>
+          <p:nvPr/>
+        </p:nvCxnSpPr>
+        <p:spPr>
+          <a:xfrm rot="5400000">
+            <a:off x="6892426" y="2736482"/>
+            <a:ext cx="2591222" cy="2521528"/>
+          </a:xfrm>
+          <a:prstGeom prst="bentConnector2">
+            <a:avLst/>
+          </a:prstGeom>
+          <a:ln w="15875">
+            <a:solidFill>
+              <a:schemeClr val="tx1"/>
+            </a:solidFill>
+            <a:tailEnd type="triangle" w="lg" len="lg"/>
+          </a:ln>
+        </p:spPr>
+        <p:style>
+          <a:lnRef idx="1">
+            <a:schemeClr val="accent1"/>
+          </a:lnRef>
+          <a:fillRef idx="0">
+            <a:schemeClr val="accent1"/>
+          </a:fillRef>
+          <a:effectRef idx="0">
+            <a:schemeClr val="accent1"/>
+          </a:effectRef>
+          <a:fontRef idx="minor">
+            <a:schemeClr val="tx1"/>
+          </a:fontRef>
+        </p:style>
+      </p:cxnSp>
     </p:spTree>
     <p:extLst>
       <p:ext uri="{BB962C8B-B14F-4D97-AF65-F5344CB8AC3E}">
-        <p14:creationId xmlns:p14="http://schemas.microsoft.com/office/powerpoint/2010/main" val="3271797072"/>
+        <p14:creationId xmlns:p14="http://schemas.microsoft.com/office/powerpoint/2010/main" val="3535187621"/>
       </p:ext>
     </p:extLst>
   </p:cSld>
@@ -27601,12 +27407,12 @@
           <a:p>
             <a:pPr algn="ctr"/>
             <a:r>
-              <a:rPr lang="en-US" dirty="0" err="1" smtClean="0">
+              <a:rPr lang="en-US" dirty="0" smtClean="0">
                 <a:solidFill>
                   <a:schemeClr val="tx1"/>
                 </a:solidFill>
               </a:rPr>
-              <a:t>SingletonPlayer</a:t>
+              <a:t>Player</a:t>
             </a:r>
             <a:endParaRPr lang="ru-RU" dirty="0">
               <a:solidFill>
@@ -27616,45 +27422,6 @@
           </a:p>
         </p:txBody>
       </p:sp>
-      <p:cxnSp>
-        <p:nvCxnSpPr>
-          <p:cNvPr id="14" name="Соединительная линия уступом 13"/>
-          <p:cNvCxnSpPr>
-            <a:stCxn id="7" idx="2"/>
-            <a:endCxn id="10" idx="1"/>
-          </p:cNvCxnSpPr>
-          <p:nvPr/>
-        </p:nvCxnSpPr>
-        <p:spPr>
-          <a:xfrm rot="16200000" flipH="1">
-            <a:off x="2375843" y="2736481"/>
-            <a:ext cx="2591223" cy="2521527"/>
-          </a:xfrm>
-          <a:prstGeom prst="bentConnector2">
-            <a:avLst/>
-          </a:prstGeom>
-          <a:ln w="15875">
-            <a:solidFill>
-              <a:schemeClr val="tx1"/>
-            </a:solidFill>
-            <a:tailEnd type="triangle" w="lg" len="lg"/>
-          </a:ln>
-        </p:spPr>
-        <p:style>
-          <a:lnRef idx="1">
-            <a:schemeClr val="accent1"/>
-          </a:lnRef>
-          <a:fillRef idx="0">
-            <a:schemeClr val="accent1"/>
-          </a:fillRef>
-          <a:effectRef idx="0">
-            <a:schemeClr val="accent1"/>
-          </a:effectRef>
-          <a:fontRef idx="minor">
-            <a:schemeClr val="tx1"/>
-          </a:fontRef>
-        </p:style>
-      </p:cxnSp>
       <p:cxnSp>
         <p:nvCxnSpPr>
           <p:cNvPr id="24" name="Прямая со стрелкой 23"/>
@@ -27696,20 +27463,22 @@
       </p:cxnSp>
       <p:cxnSp>
         <p:nvCxnSpPr>
-          <p:cNvPr id="28" name="Соединительная линия уступом 27"/>
+          <p:cNvPr id="14" name="Соединительная линия уступом 13"/>
           <p:cNvCxnSpPr>
-            <a:stCxn id="9" idx="2"/>
-            <a:endCxn id="10" idx="3"/>
+            <a:stCxn id="7" idx="2"/>
+            <a:endCxn id="10" idx="0"/>
           </p:cNvCxnSpPr>
           <p:nvPr/>
         </p:nvCxnSpPr>
         <p:spPr>
-          <a:xfrm rot="5400000">
-            <a:off x="6892426" y="2736482"/>
-            <a:ext cx="2591222" cy="2521528"/>
-          </a:xfrm>
-          <a:prstGeom prst="bentConnector2">
-            <a:avLst/>
+          <a:xfrm rot="16200000" flipH="1">
+            <a:off x="3123989" y="1988335"/>
+            <a:ext cx="2092459" cy="3519055"/>
+          </a:xfrm>
+          <a:prstGeom prst="bentConnector3">
+            <a:avLst>
+              <a:gd name="adj1" fmla="val 50000"/>
+            </a:avLst>
           </a:prstGeom>
           <a:ln w="15875">
             <a:solidFill>
@@ -27733,10 +27502,231 @@
           </a:fontRef>
         </p:style>
       </p:cxnSp>
+      <p:cxnSp>
+        <p:nvCxnSpPr>
+          <p:cNvPr id="16" name="Соединительная линия уступом 15"/>
+          <p:cNvCxnSpPr>
+            <a:stCxn id="9" idx="2"/>
+            <a:endCxn id="10" idx="0"/>
+          </p:cNvCxnSpPr>
+          <p:nvPr/>
+        </p:nvCxnSpPr>
+        <p:spPr>
+          <a:xfrm rot="5400000">
+            <a:off x="6643045" y="1988337"/>
+            <a:ext cx="2092458" cy="3519055"/>
+          </a:xfrm>
+          <a:prstGeom prst="bentConnector3">
+            <a:avLst>
+              <a:gd name="adj1" fmla="val 50000"/>
+            </a:avLst>
+          </a:prstGeom>
+          <a:ln w="15875">
+            <a:solidFill>
+              <a:schemeClr val="tx1"/>
+            </a:solidFill>
+            <a:tailEnd type="triangle" w="lg" len="lg"/>
+          </a:ln>
+        </p:spPr>
+        <p:style>
+          <a:lnRef idx="1">
+            <a:schemeClr val="accent1"/>
+          </a:lnRef>
+          <a:fillRef idx="0">
+            <a:schemeClr val="accent1"/>
+          </a:fillRef>
+          <a:effectRef idx="0">
+            <a:schemeClr val="accent1"/>
+          </a:effectRef>
+          <a:fontRef idx="minor">
+            <a:schemeClr val="tx1"/>
+          </a:fontRef>
+        </p:style>
+      </p:cxnSp>
+      <p:sp>
+        <p:nvSpPr>
+          <p:cNvPr id="21" name="Прямоугольник 20"/>
+          <p:cNvSpPr/>
+          <p:nvPr/>
+        </p:nvSpPr>
+        <p:spPr>
+          <a:xfrm>
+            <a:off x="5084618" y="4946493"/>
+            <a:ext cx="1995055" cy="997527"/>
+          </a:xfrm>
+          <a:prstGeom prst="rect">
+            <a:avLst/>
+          </a:prstGeom>
+          <a:solidFill>
+            <a:schemeClr val="bg1"/>
+          </a:solidFill>
+          <a:ln w="19050">
+            <a:solidFill>
+              <a:schemeClr val="tx1"/>
+            </a:solidFill>
+          </a:ln>
+        </p:spPr>
+        <p:style>
+          <a:lnRef idx="2">
+            <a:schemeClr val="accent1">
+              <a:shade val="50000"/>
+            </a:schemeClr>
+          </a:lnRef>
+          <a:fillRef idx="1">
+            <a:schemeClr val="accent1"/>
+          </a:fillRef>
+          <a:effectRef idx="0">
+            <a:schemeClr val="accent1"/>
+          </a:effectRef>
+          <a:fontRef idx="minor">
+            <a:schemeClr val="lt1"/>
+          </a:fontRef>
+        </p:style>
+        <p:txBody>
+          <a:bodyPr rtlCol="0" anchor="ctr"/>
+          <a:lstStyle/>
+          <a:p>
+            <a:pPr algn="ctr"/>
+            <a:r>
+              <a:rPr lang="en-US" dirty="0" smtClean="0">
+                <a:solidFill>
+                  <a:schemeClr val="tx1"/>
+                </a:solidFill>
+              </a:rPr>
+              <a:t>Player</a:t>
+            </a:r>
+            <a:endParaRPr lang="ru-RU" dirty="0">
+              <a:solidFill>
+                <a:schemeClr val="tx1"/>
+              </a:solidFill>
+            </a:endParaRPr>
+          </a:p>
+        </p:txBody>
+      </p:sp>
+      <p:sp>
+        <p:nvSpPr>
+          <p:cNvPr id="22" name="Прямоугольник 21"/>
+          <p:cNvSpPr/>
+          <p:nvPr/>
+        </p:nvSpPr>
+        <p:spPr>
+          <a:xfrm>
+            <a:off x="5237018" y="5098893"/>
+            <a:ext cx="1995055" cy="997527"/>
+          </a:xfrm>
+          <a:prstGeom prst="rect">
+            <a:avLst/>
+          </a:prstGeom>
+          <a:solidFill>
+            <a:schemeClr val="bg1"/>
+          </a:solidFill>
+          <a:ln w="19050">
+            <a:solidFill>
+              <a:schemeClr val="tx1"/>
+            </a:solidFill>
+          </a:ln>
+        </p:spPr>
+        <p:style>
+          <a:lnRef idx="2">
+            <a:schemeClr val="accent1">
+              <a:shade val="50000"/>
+            </a:schemeClr>
+          </a:lnRef>
+          <a:fillRef idx="1">
+            <a:schemeClr val="accent1"/>
+          </a:fillRef>
+          <a:effectRef idx="0">
+            <a:schemeClr val="accent1"/>
+          </a:effectRef>
+          <a:fontRef idx="minor">
+            <a:schemeClr val="lt1"/>
+          </a:fontRef>
+        </p:style>
+        <p:txBody>
+          <a:bodyPr rtlCol="0" anchor="ctr"/>
+          <a:lstStyle/>
+          <a:p>
+            <a:pPr algn="ctr"/>
+            <a:r>
+              <a:rPr lang="en-US" dirty="0" smtClean="0">
+                <a:solidFill>
+                  <a:schemeClr val="tx1"/>
+                </a:solidFill>
+              </a:rPr>
+              <a:t>Player</a:t>
+            </a:r>
+            <a:endParaRPr lang="ru-RU" dirty="0">
+              <a:solidFill>
+                <a:schemeClr val="tx1"/>
+              </a:solidFill>
+            </a:endParaRPr>
+          </a:p>
+        </p:txBody>
+      </p:sp>
+      <p:sp>
+        <p:nvSpPr>
+          <p:cNvPr id="23" name="Прямоугольник 22"/>
+          <p:cNvSpPr/>
+          <p:nvPr/>
+        </p:nvSpPr>
+        <p:spPr>
+          <a:xfrm>
+            <a:off x="5389418" y="5251293"/>
+            <a:ext cx="1995055" cy="997527"/>
+          </a:xfrm>
+          <a:prstGeom prst="rect">
+            <a:avLst/>
+          </a:prstGeom>
+          <a:solidFill>
+            <a:schemeClr val="bg1"/>
+          </a:solidFill>
+          <a:ln w="19050">
+            <a:solidFill>
+              <a:schemeClr val="tx1"/>
+            </a:solidFill>
+          </a:ln>
+        </p:spPr>
+        <p:style>
+          <a:lnRef idx="2">
+            <a:schemeClr val="accent1">
+              <a:shade val="50000"/>
+            </a:schemeClr>
+          </a:lnRef>
+          <a:fillRef idx="1">
+            <a:schemeClr val="accent1"/>
+          </a:fillRef>
+          <a:effectRef idx="0">
+            <a:schemeClr val="accent1"/>
+          </a:effectRef>
+          <a:fontRef idx="minor">
+            <a:schemeClr val="lt1"/>
+          </a:fontRef>
+        </p:style>
+        <p:txBody>
+          <a:bodyPr rtlCol="0" anchor="ctr"/>
+          <a:lstStyle/>
+          <a:p>
+            <a:pPr algn="ctr"/>
+            <a:r>
+              <a:rPr lang="en-US" dirty="0" smtClean="0">
+                <a:solidFill>
+                  <a:schemeClr val="tx1"/>
+                </a:solidFill>
+              </a:rPr>
+              <a:t>Player</a:t>
+            </a:r>
+            <a:endParaRPr lang="ru-RU" dirty="0">
+              <a:solidFill>
+                <a:schemeClr val="tx1"/>
+              </a:solidFill>
+            </a:endParaRPr>
+          </a:p>
+        </p:txBody>
+      </p:sp>
     </p:spTree>
     <p:extLst>
       <p:ext uri="{BB962C8B-B14F-4D97-AF65-F5344CB8AC3E}">
-        <p14:creationId xmlns:p14="http://schemas.microsoft.com/office/powerpoint/2010/main" val="3535187621"/>
+        <p14:creationId xmlns:p14="http://schemas.microsoft.com/office/powerpoint/2010/main" val="3566724051"/>
       </p:ext>
     </p:extLst>
   </p:cSld>
@@ -27836,7 +27826,10 @@
             <a:avLst/>
           </a:prstGeom>
           <a:solidFill>
-            <a:schemeClr val="bg1"/>
+            <a:schemeClr val="accent4">
+              <a:lumMod val="40000"/>
+              <a:lumOff val="60000"/>
+            </a:schemeClr>
           </a:solidFill>
           <a:ln w="19050">
             <a:solidFill>
@@ -27896,7 +27889,10 @@
             <a:avLst/>
           </a:prstGeom>
           <a:solidFill>
-            <a:schemeClr val="bg1"/>
+            <a:schemeClr val="accent4">
+              <a:lumMod val="40000"/>
+              <a:lumOff val="60000"/>
+            </a:schemeClr>
           </a:solidFill>
           <a:ln w="19050">
             <a:solidFill>
@@ -27956,7 +27952,10 @@
             <a:avLst/>
           </a:prstGeom>
           <a:solidFill>
-            <a:schemeClr val="bg1"/>
+            <a:schemeClr val="accent4">
+              <a:lumMod val="40000"/>
+              <a:lumOff val="60000"/>
+            </a:schemeClr>
           </a:solidFill>
           <a:ln w="19050">
             <a:solidFill>
@@ -28016,7 +28015,10 @@
             <a:avLst/>
           </a:prstGeom>
           <a:solidFill>
-            <a:schemeClr val="bg1"/>
+            <a:schemeClr val="accent6">
+              <a:lumMod val="40000"/>
+              <a:lumOff val="60000"/>
+            </a:schemeClr>
           </a:solidFill>
           <a:ln w="19050">
             <a:solidFill>
@@ -28100,22 +28102,107 @@
           </a:fontRef>
         </p:style>
       </p:cxnSp>
-      <p:sp>
-        <p:nvSpPr>
-          <p:cNvPr id="11" name="Прямоугольник 10"/>
+      <p:cxnSp>
+        <p:nvCxnSpPr>
+          <p:cNvPr id="14" name="Соединительная линия уступом 13"/>
+          <p:cNvCxnSpPr>
+            <a:stCxn id="7" idx="2"/>
+            <a:endCxn id="10" idx="0"/>
+          </p:cNvCxnSpPr>
+          <p:nvPr/>
+        </p:nvCxnSpPr>
+        <p:spPr>
+          <a:xfrm rot="16200000" flipH="1">
+            <a:off x="3123989" y="1988335"/>
+            <a:ext cx="2092459" cy="3519055"/>
+          </a:xfrm>
+          <a:prstGeom prst="bentConnector3">
+            <a:avLst>
+              <a:gd name="adj1" fmla="val 50000"/>
+            </a:avLst>
+          </a:prstGeom>
+          <a:ln w="15875">
+            <a:solidFill>
+              <a:schemeClr val="tx1"/>
+            </a:solidFill>
+            <a:tailEnd type="triangle" w="lg" len="lg"/>
+          </a:ln>
+        </p:spPr>
+        <p:style>
+          <a:lnRef idx="1">
+            <a:schemeClr val="accent1"/>
+          </a:lnRef>
+          <a:fillRef idx="0">
+            <a:schemeClr val="accent1"/>
+          </a:fillRef>
+          <a:effectRef idx="0">
+            <a:schemeClr val="accent1"/>
+          </a:effectRef>
+          <a:fontRef idx="minor">
+            <a:schemeClr val="tx1"/>
+          </a:fontRef>
+        </p:style>
+      </p:cxnSp>
+      <p:cxnSp>
+        <p:nvCxnSpPr>
+          <p:cNvPr id="16" name="Соединительная линия уступом 15"/>
+          <p:cNvCxnSpPr>
+            <a:stCxn id="9" idx="2"/>
+            <a:endCxn id="10" idx="0"/>
+          </p:cNvCxnSpPr>
+          <p:nvPr/>
+        </p:nvCxnSpPr>
+        <p:spPr>
+          <a:xfrm rot="5400000">
+            <a:off x="6643045" y="1988337"/>
+            <a:ext cx="2092458" cy="3519055"/>
+          </a:xfrm>
+          <a:prstGeom prst="bentConnector3">
+            <a:avLst>
+              <a:gd name="adj1" fmla="val 50000"/>
+            </a:avLst>
+          </a:prstGeom>
+          <a:ln w="15875">
+            <a:solidFill>
+              <a:schemeClr val="tx1"/>
+            </a:solidFill>
+            <a:tailEnd type="triangle" w="lg" len="lg"/>
+          </a:ln>
+        </p:spPr>
+        <p:style>
+          <a:lnRef idx="1">
+            <a:schemeClr val="accent1"/>
+          </a:lnRef>
+          <a:fillRef idx="0">
+            <a:schemeClr val="accent1"/>
+          </a:fillRef>
+          <a:effectRef idx="0">
+            <a:schemeClr val="accent1"/>
+          </a:effectRef>
+          <a:fontRef idx="minor">
+            <a:schemeClr val="tx1"/>
+          </a:fontRef>
+        </p:style>
+      </p:cxnSp>
+      <p:sp>
+        <p:nvSpPr>
+          <p:cNvPr id="21" name="Прямоугольник 20"/>
           <p:cNvSpPr/>
           <p:nvPr/>
         </p:nvSpPr>
         <p:spPr>
           <a:xfrm>
-            <a:off x="8409233" y="4794093"/>
+            <a:off x="5084618" y="4946493"/>
             <a:ext cx="1995055" cy="997527"/>
           </a:xfrm>
           <a:prstGeom prst="rect">
             <a:avLst/>
           </a:prstGeom>
           <a:solidFill>
-            <a:schemeClr val="bg1"/>
+            <a:schemeClr val="accent6">
+              <a:lumMod val="40000"/>
+              <a:lumOff val="60000"/>
+            </a:schemeClr>
           </a:solidFill>
           <a:ln w="19050">
             <a:solidFill>
@@ -28160,60 +28247,25 @@
           </a:p>
         </p:txBody>
       </p:sp>
-      <p:cxnSp>
-        <p:nvCxnSpPr>
-          <p:cNvPr id="12" name="Прямая со стрелкой 11"/>
-          <p:cNvCxnSpPr>
-            <a:endCxn id="11" idx="0"/>
-          </p:cNvCxnSpPr>
-          <p:nvPr/>
-        </p:nvCxnSpPr>
-        <p:spPr>
-          <a:xfrm>
-            <a:off x="9385741" y="2701635"/>
-            <a:ext cx="21020" cy="2092458"/>
-          </a:xfrm>
-          <a:prstGeom prst="straightConnector1">
-            <a:avLst/>
-          </a:prstGeom>
-          <a:ln w="15875">
-            <a:solidFill>
-              <a:schemeClr val="tx1"/>
-            </a:solidFill>
-            <a:tailEnd type="triangle" w="lg" len="lg"/>
-          </a:ln>
-        </p:spPr>
-        <p:style>
-          <a:lnRef idx="1">
-            <a:schemeClr val="accent1"/>
-          </a:lnRef>
-          <a:fillRef idx="0">
-            <a:schemeClr val="accent1"/>
-          </a:fillRef>
-          <a:effectRef idx="0">
-            <a:schemeClr val="accent1"/>
-          </a:effectRef>
-          <a:fontRef idx="minor">
-            <a:schemeClr val="tx1"/>
-          </a:fontRef>
-        </p:style>
-      </p:cxnSp>
-      <p:sp>
-        <p:nvSpPr>
-          <p:cNvPr id="13" name="Прямоугольник 12"/>
+      <p:sp>
+        <p:nvSpPr>
+          <p:cNvPr id="22" name="Прямоугольник 21"/>
           <p:cNvSpPr/>
           <p:nvPr/>
         </p:nvSpPr>
         <p:spPr>
           <a:xfrm>
-            <a:off x="1413163" y="4794092"/>
+            <a:off x="5237018" y="5098893"/>
             <a:ext cx="1995055" cy="997527"/>
           </a:xfrm>
           <a:prstGeom prst="rect">
             <a:avLst/>
           </a:prstGeom>
           <a:solidFill>
-            <a:schemeClr val="bg1"/>
+            <a:schemeClr val="accent6">
+              <a:lumMod val="40000"/>
+              <a:lumOff val="60000"/>
+            </a:schemeClr>
           </a:solidFill>
           <a:ln w="19050">
             <a:solidFill>
@@ -28258,48 +28310,73 @@
           </a:p>
         </p:txBody>
       </p:sp>
-      <p:cxnSp>
-        <p:nvCxnSpPr>
-          <p:cNvPr id="15" name="Прямая со стрелкой 14"/>
-          <p:cNvCxnSpPr>
-            <a:endCxn id="13" idx="0"/>
-          </p:cNvCxnSpPr>
+      <p:sp>
+        <p:nvSpPr>
+          <p:cNvPr id="23" name="Прямоугольник 22"/>
+          <p:cNvSpPr/>
           <p:nvPr/>
-        </p:nvCxnSpPr>
+        </p:nvSpPr>
         <p:spPr>
           <a:xfrm>
-            <a:off x="2389671" y="2701634"/>
-            <a:ext cx="21020" cy="2092458"/>
-          </a:xfrm>
-          <a:prstGeom prst="straightConnector1">
+            <a:off x="5389418" y="5251293"/>
+            <a:ext cx="1995055" cy="997527"/>
+          </a:xfrm>
+          <a:prstGeom prst="rect">
             <a:avLst/>
           </a:prstGeom>
-          <a:ln w="15875">
+          <a:solidFill>
+            <a:schemeClr val="accent6">
+              <a:lumMod val="40000"/>
+              <a:lumOff val="60000"/>
+            </a:schemeClr>
+          </a:solidFill>
+          <a:ln w="19050">
             <a:solidFill>
               <a:schemeClr val="tx1"/>
             </a:solidFill>
-            <a:tailEnd type="triangle" w="lg" len="lg"/>
           </a:ln>
         </p:spPr>
         <p:style>
-          <a:lnRef idx="1">
-            <a:schemeClr val="accent1"/>
+          <a:lnRef idx="2">
+            <a:schemeClr val="accent1">
+              <a:shade val="50000"/>
+            </a:schemeClr>
           </a:lnRef>
-          <a:fillRef idx="0">
+          <a:fillRef idx="1">
             <a:schemeClr val="accent1"/>
           </a:fillRef>
           <a:effectRef idx="0">
             <a:schemeClr val="accent1"/>
           </a:effectRef>
           <a:fontRef idx="minor">
-            <a:schemeClr val="tx1"/>
+            <a:schemeClr val="lt1"/>
           </a:fontRef>
         </p:style>
-      </p:cxnSp>
+        <p:txBody>
+          <a:bodyPr rtlCol="0" anchor="ctr"/>
+          <a:lstStyle/>
+          <a:p>
+            <a:pPr algn="ctr"/>
+            <a:r>
+              <a:rPr lang="en-US" dirty="0" smtClean="0">
+                <a:solidFill>
+                  <a:schemeClr val="tx1"/>
+                </a:solidFill>
+              </a:rPr>
+              <a:t>Player</a:t>
+            </a:r>
+            <a:endParaRPr lang="ru-RU" dirty="0">
+              <a:solidFill>
+                <a:schemeClr val="tx1"/>
+              </a:solidFill>
+            </a:endParaRPr>
+          </a:p>
+        </p:txBody>
+      </p:sp>
     </p:spTree>
     <p:extLst>
       <p:ext uri="{BB962C8B-B14F-4D97-AF65-F5344CB8AC3E}">
-        <p14:creationId xmlns:p14="http://schemas.microsoft.com/office/powerpoint/2010/main" val="3566724051"/>
+        <p14:creationId xmlns:p14="http://schemas.microsoft.com/office/powerpoint/2010/main" val="2609473009"/>
       </p:ext>
     </p:extLst>
   </p:cSld>
@@ -28349,8 +28426,8 @@
         </p:nvSpPr>
         <p:spPr>
           <a:xfrm>
-            <a:off x="4271626" y="214996"/>
-            <a:ext cx="3648756" cy="1082284"/>
+            <a:off x="4500856" y="214996"/>
+            <a:ext cx="3190297" cy="1082284"/>
           </a:xfrm>
           <a:prstGeom prst="rect">
             <a:avLst/>
@@ -28374,7 +28451,7 @@
                 <a:ea typeface="Open Sans SemiBold" panose="020B0706030804020204" pitchFamily="34" charset="0"/>
                 <a:cs typeface="Open Sans SemiBold" panose="020B0706030804020204" pitchFamily="34" charset="0"/>
               </a:rPr>
-              <a:t>ПРОБЛЕМА</a:t>
+              <a:t>РЕШЕНИЕ</a:t>
             </a:r>
             <a:endParaRPr lang="ru-RU" sz="4800" dirty="0">
               <a:latin typeface="Open Sans SemiBold" panose="020B0706030804020204" pitchFamily="34" charset="0"/>
@@ -28399,10 +28476,7 @@
             <a:avLst/>
           </a:prstGeom>
           <a:solidFill>
-            <a:schemeClr val="accent4">
-              <a:lumMod val="40000"/>
-              <a:lumOff val="60000"/>
-            </a:schemeClr>
+            <a:schemeClr val="bg1"/>
           </a:solidFill>
           <a:ln w="19050">
             <a:solidFill>
@@ -28462,10 +28536,7 @@
             <a:avLst/>
           </a:prstGeom>
           <a:solidFill>
-            <a:schemeClr val="accent4">
-              <a:lumMod val="40000"/>
-              <a:lumOff val="60000"/>
-            </a:schemeClr>
+            <a:schemeClr val="bg1"/>
           </a:solidFill>
           <a:ln w="19050">
             <a:solidFill>
@@ -28525,10 +28596,7 @@
             <a:avLst/>
           </a:prstGeom>
           <a:solidFill>
-            <a:schemeClr val="accent4">
-              <a:lumMod val="40000"/>
-              <a:lumOff val="60000"/>
-            </a:schemeClr>
+            <a:schemeClr val="bg1"/>
           </a:solidFill>
           <a:ln w="19050">
             <a:solidFill>
@@ -28581,17 +28649,14 @@
         </p:nvSpPr>
         <p:spPr>
           <a:xfrm>
-            <a:off x="4932218" y="4794093"/>
+            <a:off x="4932218" y="3796566"/>
             <a:ext cx="1995055" cy="997527"/>
           </a:xfrm>
           <a:prstGeom prst="rect">
             <a:avLst/>
           </a:prstGeom>
           <a:solidFill>
-            <a:schemeClr val="accent6">
-              <a:lumMod val="40000"/>
-              <a:lumOff val="60000"/>
-            </a:schemeClr>
+            <a:schemeClr val="bg1"/>
           </a:solidFill>
           <a:ln w="19050">
             <a:solidFill>
@@ -28621,12 +28686,12 @@
           <a:p>
             <a:pPr algn="ctr"/>
             <a:r>
-              <a:rPr lang="en-US" dirty="0" smtClean="0">
+              <a:rPr lang="en-US" dirty="0" err="1" smtClean="0">
                 <a:solidFill>
                   <a:schemeClr val="tx1"/>
                 </a:solidFill>
               </a:rPr>
-              <a:t>Player</a:t>
+              <a:t>SingletonPlayer</a:t>
             </a:r>
             <a:endParaRPr lang="ru-RU" dirty="0">
               <a:solidFill>
@@ -28636,6 +28701,45 @@
           </a:p>
         </p:txBody>
       </p:sp>
+      <p:cxnSp>
+        <p:nvCxnSpPr>
+          <p:cNvPr id="14" name="Соединительная линия уступом 13"/>
+          <p:cNvCxnSpPr>
+            <a:stCxn id="7" idx="2"/>
+            <a:endCxn id="10" idx="1"/>
+          </p:cNvCxnSpPr>
+          <p:nvPr/>
+        </p:nvCxnSpPr>
+        <p:spPr>
+          <a:xfrm rot="16200000" flipH="1">
+            <a:off x="2874606" y="2237718"/>
+            <a:ext cx="1593696" cy="2521527"/>
+          </a:xfrm>
+          <a:prstGeom prst="bentConnector2">
+            <a:avLst/>
+          </a:prstGeom>
+          <a:ln w="15875">
+            <a:solidFill>
+              <a:schemeClr val="tx1"/>
+            </a:solidFill>
+            <a:tailEnd type="triangle" w="lg" len="lg"/>
+          </a:ln>
+        </p:spPr>
+        <p:style>
+          <a:lnRef idx="1">
+            <a:schemeClr val="accent1"/>
+          </a:lnRef>
+          <a:fillRef idx="0">
+            <a:schemeClr val="accent1"/>
+          </a:fillRef>
+          <a:effectRef idx="0">
+            <a:schemeClr val="accent1"/>
+          </a:effectRef>
+          <a:fontRef idx="minor">
+            <a:schemeClr val="tx1"/>
+          </a:fontRef>
+        </p:style>
+      </p:cxnSp>
       <p:cxnSp>
         <p:nvCxnSpPr>
           <p:cNvPr id="24" name="Прямая со стрелкой 23"/>
@@ -28648,7 +28752,7 @@
         <p:spPr>
           <a:xfrm>
             <a:off x="5908726" y="2701635"/>
-            <a:ext cx="21020" cy="2092458"/>
+            <a:ext cx="21020" cy="1094931"/>
           </a:xfrm>
           <a:prstGeom prst="straightConnector1">
             <a:avLst/>
@@ -28675,184 +28779,21 @@
           </a:fontRef>
         </p:style>
       </p:cxnSp>
-      <p:sp>
-        <p:nvSpPr>
-          <p:cNvPr id="11" name="Прямоугольник 10"/>
-          <p:cNvSpPr/>
-          <p:nvPr/>
-        </p:nvSpPr>
-        <p:spPr>
-          <a:xfrm>
-            <a:off x="8409233" y="4794093"/>
-            <a:ext cx="1995055" cy="997527"/>
-          </a:xfrm>
-          <a:prstGeom prst="rect">
-            <a:avLst/>
-          </a:prstGeom>
-          <a:solidFill>
-            <a:schemeClr val="accent6">
-              <a:lumMod val="40000"/>
-              <a:lumOff val="60000"/>
-            </a:schemeClr>
-          </a:solidFill>
-          <a:ln w="19050">
-            <a:solidFill>
-              <a:schemeClr val="tx1"/>
-            </a:solidFill>
-          </a:ln>
-        </p:spPr>
-        <p:style>
-          <a:lnRef idx="2">
-            <a:schemeClr val="accent1">
-              <a:shade val="50000"/>
-            </a:schemeClr>
-          </a:lnRef>
-          <a:fillRef idx="1">
-            <a:schemeClr val="accent1"/>
-          </a:fillRef>
-          <a:effectRef idx="0">
-            <a:schemeClr val="accent1"/>
-          </a:effectRef>
-          <a:fontRef idx="minor">
-            <a:schemeClr val="lt1"/>
-          </a:fontRef>
-        </p:style>
-        <p:txBody>
-          <a:bodyPr rtlCol="0" anchor="ctr"/>
-          <a:lstStyle/>
-          <a:p>
-            <a:pPr algn="ctr"/>
-            <a:r>
-              <a:rPr lang="en-US" dirty="0" smtClean="0">
-                <a:solidFill>
-                  <a:schemeClr val="tx1"/>
-                </a:solidFill>
-              </a:rPr>
-              <a:t>Player</a:t>
-            </a:r>
-            <a:endParaRPr lang="ru-RU" dirty="0">
-              <a:solidFill>
-                <a:schemeClr val="tx1"/>
-              </a:solidFill>
-            </a:endParaRPr>
-          </a:p>
-        </p:txBody>
-      </p:sp>
       <p:cxnSp>
         <p:nvCxnSpPr>
-          <p:cNvPr id="12" name="Прямая со стрелкой 11"/>
+          <p:cNvPr id="28" name="Соединительная линия уступом 27"/>
           <p:cNvCxnSpPr>
-            <a:endCxn id="11" idx="0"/>
+            <a:stCxn id="9" idx="2"/>
+            <a:endCxn id="10" idx="3"/>
           </p:cNvCxnSpPr>
           <p:nvPr/>
         </p:nvCxnSpPr>
         <p:spPr>
-          <a:xfrm>
-            <a:off x="9385741" y="2701635"/>
-            <a:ext cx="21020" cy="2092458"/>
-          </a:xfrm>
-          <a:prstGeom prst="straightConnector1">
-            <a:avLst/>
-          </a:prstGeom>
-          <a:ln w="15875">
-            <a:solidFill>
-              <a:schemeClr val="tx1"/>
-            </a:solidFill>
-            <a:tailEnd type="triangle" w="lg" len="lg"/>
-          </a:ln>
-        </p:spPr>
-        <p:style>
-          <a:lnRef idx="1">
-            <a:schemeClr val="accent1"/>
-          </a:lnRef>
-          <a:fillRef idx="0">
-            <a:schemeClr val="accent1"/>
-          </a:fillRef>
-          <a:effectRef idx="0">
-            <a:schemeClr val="accent1"/>
-          </a:effectRef>
-          <a:fontRef idx="minor">
-            <a:schemeClr val="tx1"/>
-          </a:fontRef>
-        </p:style>
-      </p:cxnSp>
-      <p:sp>
-        <p:nvSpPr>
-          <p:cNvPr id="13" name="Прямоугольник 12"/>
-          <p:cNvSpPr/>
-          <p:nvPr/>
-        </p:nvSpPr>
-        <p:spPr>
-          <a:xfrm>
-            <a:off x="1413163" y="4794092"/>
-            <a:ext cx="1995055" cy="997527"/>
-          </a:xfrm>
-          <a:prstGeom prst="rect">
-            <a:avLst/>
-          </a:prstGeom>
-          <a:solidFill>
-            <a:schemeClr val="accent6">
-              <a:lumMod val="40000"/>
-              <a:lumOff val="60000"/>
-            </a:schemeClr>
-          </a:solidFill>
-          <a:ln w="19050">
-            <a:solidFill>
-              <a:schemeClr val="tx1"/>
-            </a:solidFill>
-          </a:ln>
-        </p:spPr>
-        <p:style>
-          <a:lnRef idx="2">
-            <a:schemeClr val="accent1">
-              <a:shade val="50000"/>
-            </a:schemeClr>
-          </a:lnRef>
-          <a:fillRef idx="1">
-            <a:schemeClr val="accent1"/>
-          </a:fillRef>
-          <a:effectRef idx="0">
-            <a:schemeClr val="accent1"/>
-          </a:effectRef>
-          <a:fontRef idx="minor">
-            <a:schemeClr val="lt1"/>
-          </a:fontRef>
-        </p:style>
-        <p:txBody>
-          <a:bodyPr rtlCol="0" anchor="ctr"/>
-          <a:lstStyle/>
-          <a:p>
-            <a:pPr algn="ctr"/>
-            <a:r>
-              <a:rPr lang="en-US" dirty="0" smtClean="0">
-                <a:solidFill>
-                  <a:schemeClr val="tx1"/>
-                </a:solidFill>
-              </a:rPr>
-              <a:t>Player</a:t>
-            </a:r>
-            <a:endParaRPr lang="ru-RU" dirty="0">
-              <a:solidFill>
-                <a:schemeClr val="tx1"/>
-              </a:solidFill>
-            </a:endParaRPr>
-          </a:p>
-        </p:txBody>
-      </p:sp>
-      <p:cxnSp>
-        <p:nvCxnSpPr>
-          <p:cNvPr id="15" name="Прямая со стрелкой 14"/>
-          <p:cNvCxnSpPr>
-            <a:endCxn id="13" idx="0"/>
-          </p:cNvCxnSpPr>
-          <p:nvPr/>
-        </p:nvCxnSpPr>
-        <p:spPr>
-          <a:xfrm>
-            <a:off x="2389671" y="2701634"/>
-            <a:ext cx="21020" cy="2092458"/>
-          </a:xfrm>
-          <a:prstGeom prst="straightConnector1">
+          <a:xfrm rot="5400000">
+            <a:off x="7391190" y="2237718"/>
+            <a:ext cx="1593695" cy="2521528"/>
+          </a:xfrm>
+          <a:prstGeom prst="bentConnector2">
             <a:avLst/>
           </a:prstGeom>
           <a:ln w="15875">
@@ -28880,7 +28821,7 @@
     </p:spTree>
     <p:extLst>
       <p:ext uri="{BB962C8B-B14F-4D97-AF65-F5344CB8AC3E}">
-        <p14:creationId xmlns:p14="http://schemas.microsoft.com/office/powerpoint/2010/main" val="3091528688"/>
+        <p14:creationId xmlns:p14="http://schemas.microsoft.com/office/powerpoint/2010/main" val="119844469"/>
       </p:ext>
     </p:extLst>
   </p:cSld>
@@ -28980,7 +28921,10 @@
             <a:avLst/>
           </a:prstGeom>
           <a:solidFill>
-            <a:schemeClr val="bg1"/>
+            <a:schemeClr val="accent4">
+              <a:lumMod val="40000"/>
+              <a:lumOff val="60000"/>
+            </a:schemeClr>
           </a:solidFill>
           <a:ln w="19050">
             <a:solidFill>
@@ -29033,14 +28977,17 @@
         </p:nvSpPr>
         <p:spPr>
           <a:xfrm>
-            <a:off x="4911198" y="1704108"/>
+            <a:off x="4932217" y="1698637"/>
             <a:ext cx="1995055" cy="997527"/>
           </a:xfrm>
           <a:prstGeom prst="rect">
             <a:avLst/>
           </a:prstGeom>
           <a:solidFill>
-            <a:schemeClr val="bg1"/>
+            <a:schemeClr val="accent4">
+              <a:lumMod val="40000"/>
+              <a:lumOff val="60000"/>
+            </a:schemeClr>
           </a:solidFill>
           <a:ln w="19050">
             <a:solidFill>
@@ -29100,7 +29047,10 @@
             <a:avLst/>
           </a:prstGeom>
           <a:solidFill>
-            <a:schemeClr val="bg1"/>
+            <a:schemeClr val="accent4">
+              <a:lumMod val="40000"/>
+              <a:lumOff val="60000"/>
+            </a:schemeClr>
           </a:solidFill>
           <a:ln w="19050">
             <a:solidFill>
@@ -29160,7 +29110,10 @@
             <a:avLst/>
           </a:prstGeom>
           <a:solidFill>
-            <a:schemeClr val="bg1"/>
+            <a:schemeClr val="accent6">
+              <a:lumMod val="40000"/>
+              <a:lumOff val="60000"/>
+            </a:schemeClr>
           </a:solidFill>
           <a:ln w="19050">
             <a:solidFill>
@@ -29195,7 +29148,7 @@
                   <a:schemeClr val="tx1"/>
                 </a:solidFill>
               </a:rPr>
-              <a:t>SingletonPlayer</a:t>
+              <a:t>createPlayer</a:t>
             </a:r>
             <a:endParaRPr lang="ru-RU" dirty="0">
               <a:solidFill>
@@ -29322,10 +29275,109 @@
           </a:fontRef>
         </p:style>
       </p:cxnSp>
+      <p:sp>
+        <p:nvSpPr>
+          <p:cNvPr id="11" name="Прямоугольник 10"/>
+          <p:cNvSpPr/>
+          <p:nvPr/>
+        </p:nvSpPr>
+        <p:spPr>
+          <a:xfrm>
+            <a:off x="4932217" y="5298325"/>
+            <a:ext cx="1995055" cy="997527"/>
+          </a:xfrm>
+          <a:prstGeom prst="rect">
+            <a:avLst/>
+          </a:prstGeom>
+          <a:solidFill>
+            <a:schemeClr val="bg1"/>
+          </a:solidFill>
+          <a:ln w="19050">
+            <a:solidFill>
+              <a:schemeClr val="tx1"/>
+            </a:solidFill>
+          </a:ln>
+        </p:spPr>
+        <p:style>
+          <a:lnRef idx="2">
+            <a:schemeClr val="accent1">
+              <a:shade val="50000"/>
+            </a:schemeClr>
+          </a:lnRef>
+          <a:fillRef idx="1">
+            <a:schemeClr val="accent1"/>
+          </a:fillRef>
+          <a:effectRef idx="0">
+            <a:schemeClr val="accent1"/>
+          </a:effectRef>
+          <a:fontRef idx="minor">
+            <a:schemeClr val="lt1"/>
+          </a:fontRef>
+        </p:style>
+        <p:txBody>
+          <a:bodyPr rtlCol="0" anchor="ctr"/>
+          <a:lstStyle/>
+          <a:p>
+            <a:pPr algn="ctr"/>
+            <a:r>
+              <a:rPr lang="en-US" dirty="0" err="1" smtClean="0">
+                <a:solidFill>
+                  <a:schemeClr val="tx1"/>
+                </a:solidFill>
+              </a:rPr>
+              <a:t>SingletonPlayer</a:t>
+            </a:r>
+            <a:endParaRPr lang="ru-RU" dirty="0">
+              <a:solidFill>
+                <a:schemeClr val="tx1"/>
+              </a:solidFill>
+            </a:endParaRPr>
+          </a:p>
+        </p:txBody>
+      </p:sp>
+      <p:cxnSp>
+        <p:nvCxnSpPr>
+          <p:cNvPr id="12" name="Прямая со стрелкой 11"/>
+          <p:cNvCxnSpPr>
+            <a:stCxn id="10" idx="2"/>
+            <a:endCxn id="11" idx="0"/>
+          </p:cNvCxnSpPr>
+          <p:nvPr/>
+        </p:nvCxnSpPr>
+        <p:spPr>
+          <a:xfrm flipH="1">
+            <a:off x="5929745" y="4794093"/>
+            <a:ext cx="1" cy="504232"/>
+          </a:xfrm>
+          <a:prstGeom prst="straightConnector1">
+            <a:avLst/>
+          </a:prstGeom>
+          <a:ln w="15875">
+            <a:solidFill>
+              <a:schemeClr val="tx1"/>
+            </a:solidFill>
+            <a:tailEnd type="triangle" w="lg" len="lg"/>
+          </a:ln>
+        </p:spPr>
+        <p:style>
+          <a:lnRef idx="1">
+            <a:schemeClr val="accent1"/>
+          </a:lnRef>
+          <a:fillRef idx="0">
+            <a:schemeClr val="accent1"/>
+          </a:fillRef>
+          <a:effectRef idx="0">
+            <a:schemeClr val="accent1"/>
+          </a:effectRef>
+          <a:fontRef idx="minor">
+            <a:schemeClr val="tx1"/>
+          </a:fontRef>
+        </p:style>
+      </p:cxnSp>
     </p:spTree>
     <p:extLst>
       <p:ext uri="{BB962C8B-B14F-4D97-AF65-F5344CB8AC3E}">
-        <p14:creationId xmlns:p14="http://schemas.microsoft.com/office/powerpoint/2010/main" val="119844469"/>
+        <p14:creationId xmlns:p14="http://schemas.microsoft.com/office/powerpoint/2010/main" val="3229173620"/>
       </p:ext>
     </p:extLst>
   </p:cSld>
@@ -29425,10 +29477,7 @@
             <a:avLst/>
           </a:prstGeom>
           <a:solidFill>
-            <a:schemeClr val="accent4">
-              <a:lumMod val="40000"/>
-              <a:lumOff val="60000"/>
-            </a:schemeClr>
+            <a:schemeClr val="bg1"/>
           </a:solidFill>
           <a:ln w="19050">
             <a:solidFill>
@@ -29488,10 +29537,7 @@
             <a:avLst/>
           </a:prstGeom>
           <a:solidFill>
-            <a:schemeClr val="accent4">
-              <a:lumMod val="40000"/>
-              <a:lumOff val="60000"/>
-            </a:schemeClr>
+            <a:schemeClr val="bg1"/>
           </a:solidFill>
           <a:ln w="19050">
             <a:solidFill>
@@ -29551,10 +29597,7 @@
             <a:avLst/>
           </a:prstGeom>
           <a:solidFill>
-            <a:schemeClr val="accent4">
-              <a:lumMod val="40000"/>
-              <a:lumOff val="60000"/>
-            </a:schemeClr>
+            <a:schemeClr val="bg1"/>
           </a:solidFill>
           <a:ln w="19050">
             <a:solidFill>
@@ -29614,7 +29657,7 @@
             <a:avLst/>
           </a:prstGeom>
           <a:solidFill>
-            <a:schemeClr val="accent6">
+            <a:schemeClr val="accent4">
               <a:lumMod val="40000"/>
               <a:lumOff val="60000"/>
             </a:schemeClr>
@@ -29794,7 +29837,10 @@
             <a:avLst/>
           </a:prstGeom>
           <a:solidFill>
-            <a:schemeClr val="bg1"/>
+            <a:schemeClr val="accent6">
+              <a:lumMod val="40000"/>
+              <a:lumOff val="60000"/>
+            </a:schemeClr>
           </a:solidFill>
           <a:ln w="19050">
             <a:solidFill>
@@ -29824,12 +29870,12 @@
           <a:p>
             <a:pPr algn="ctr"/>
             <a:r>
-              <a:rPr lang="en-US" dirty="0" err="1" smtClean="0">
+              <a:rPr lang="en-US" dirty="0" smtClean="0">
                 <a:solidFill>
                   <a:schemeClr val="tx1"/>
                 </a:solidFill>
               </a:rPr>
-              <a:t>SingletonPlayer</a:t>
+              <a:t>Player_1</a:t>
             </a:r>
             <a:endParaRPr lang="ru-RU" dirty="0">
               <a:solidFill>
@@ -29878,10 +29924,218 @@
           </a:fontRef>
         </p:style>
       </p:cxnSp>
+      <p:sp>
+        <p:nvSpPr>
+          <p:cNvPr id="13" name="Прямоугольник 12"/>
+          <p:cNvSpPr/>
+          <p:nvPr/>
+        </p:nvSpPr>
+        <p:spPr>
+          <a:xfrm>
+            <a:off x="2438399" y="5298324"/>
+            <a:ext cx="1995055" cy="997527"/>
+          </a:xfrm>
+          <a:prstGeom prst="rect">
+            <a:avLst/>
+          </a:prstGeom>
+          <a:solidFill>
+            <a:schemeClr val="accent6">
+              <a:lumMod val="40000"/>
+              <a:lumOff val="60000"/>
+            </a:schemeClr>
+          </a:solidFill>
+          <a:ln w="19050">
+            <a:solidFill>
+              <a:schemeClr val="tx1"/>
+            </a:solidFill>
+          </a:ln>
+        </p:spPr>
+        <p:style>
+          <a:lnRef idx="2">
+            <a:schemeClr val="accent1">
+              <a:shade val="50000"/>
+            </a:schemeClr>
+          </a:lnRef>
+          <a:fillRef idx="1">
+            <a:schemeClr val="accent1"/>
+          </a:fillRef>
+          <a:effectRef idx="0">
+            <a:schemeClr val="accent1"/>
+          </a:effectRef>
+          <a:fontRef idx="minor">
+            <a:schemeClr val="lt1"/>
+          </a:fontRef>
+        </p:style>
+        <p:txBody>
+          <a:bodyPr rtlCol="0" anchor="ctr"/>
+          <a:lstStyle/>
+          <a:p>
+            <a:pPr algn="ctr"/>
+            <a:r>
+              <a:rPr lang="en-US" dirty="0" smtClean="0">
+                <a:solidFill>
+                  <a:schemeClr val="tx1"/>
+                </a:solidFill>
+              </a:rPr>
+              <a:t>Player_0</a:t>
+            </a:r>
+            <a:endParaRPr lang="ru-RU" dirty="0">
+              <a:solidFill>
+                <a:schemeClr val="tx1"/>
+              </a:solidFill>
+            </a:endParaRPr>
+          </a:p>
+        </p:txBody>
+      </p:sp>
+      <p:sp>
+        <p:nvSpPr>
+          <p:cNvPr id="15" name="Прямоугольник 14"/>
+          <p:cNvSpPr/>
+          <p:nvPr/>
+        </p:nvSpPr>
+        <p:spPr>
+          <a:xfrm>
+            <a:off x="7426035" y="5298324"/>
+            <a:ext cx="1995055" cy="997527"/>
+          </a:xfrm>
+          <a:prstGeom prst="rect">
+            <a:avLst/>
+          </a:prstGeom>
+          <a:solidFill>
+            <a:schemeClr val="accent6">
+              <a:lumMod val="40000"/>
+              <a:lumOff val="60000"/>
+            </a:schemeClr>
+          </a:solidFill>
+          <a:ln w="19050">
+            <a:solidFill>
+              <a:schemeClr val="tx1"/>
+            </a:solidFill>
+          </a:ln>
+        </p:spPr>
+        <p:style>
+          <a:lnRef idx="2">
+            <a:schemeClr val="accent1">
+              <a:shade val="50000"/>
+            </a:schemeClr>
+          </a:lnRef>
+          <a:fillRef idx="1">
+            <a:schemeClr val="accent1"/>
+          </a:fillRef>
+          <a:effectRef idx="0">
+            <a:schemeClr val="accent1"/>
+          </a:effectRef>
+          <a:fontRef idx="minor">
+            <a:schemeClr val="lt1"/>
+          </a:fontRef>
+        </p:style>
+        <p:txBody>
+          <a:bodyPr rtlCol="0" anchor="ctr"/>
+          <a:lstStyle/>
+          <a:p>
+            <a:pPr algn="ctr"/>
+            <a:r>
+              <a:rPr lang="en-US" dirty="0" smtClean="0">
+                <a:solidFill>
+                  <a:schemeClr val="tx1"/>
+                </a:solidFill>
+              </a:rPr>
+              <a:t>Player_2</a:t>
+            </a:r>
+            <a:endParaRPr lang="ru-RU" dirty="0">
+              <a:solidFill>
+                <a:schemeClr val="tx1"/>
+              </a:solidFill>
+            </a:endParaRPr>
+          </a:p>
+        </p:txBody>
+      </p:sp>
+      <p:cxnSp>
+        <p:nvCxnSpPr>
+          <p:cNvPr id="16" name="Соединительная линия уступом 15"/>
+          <p:cNvCxnSpPr>
+            <a:stCxn id="10" idx="2"/>
+            <a:endCxn id="13" idx="0"/>
+          </p:cNvCxnSpPr>
+          <p:nvPr/>
+        </p:nvCxnSpPr>
+        <p:spPr>
+          <a:xfrm rot="5400000">
+            <a:off x="4430722" y="3799299"/>
+            <a:ext cx="504231" cy="2493819"/>
+          </a:xfrm>
+          <a:prstGeom prst="bentConnector3">
+            <a:avLst>
+              <a:gd name="adj1" fmla="val 50000"/>
+            </a:avLst>
+          </a:prstGeom>
+          <a:ln w="15875">
+            <a:solidFill>
+              <a:schemeClr val="tx1"/>
+            </a:solidFill>
+            <a:tailEnd type="triangle" w="lg" len="lg"/>
+          </a:ln>
+        </p:spPr>
+        <p:style>
+          <a:lnRef idx="1">
+            <a:schemeClr val="accent1"/>
+          </a:lnRef>
+          <a:fillRef idx="0">
+            <a:schemeClr val="accent1"/>
+          </a:fillRef>
+          <a:effectRef idx="0">
+            <a:schemeClr val="accent1"/>
+          </a:effectRef>
+          <a:fontRef idx="minor">
+            <a:schemeClr val="tx1"/>
+          </a:fontRef>
+        </p:style>
+      </p:cxnSp>
+      <p:cxnSp>
+        <p:nvCxnSpPr>
+          <p:cNvPr id="17" name="Соединительная линия уступом 16"/>
+          <p:cNvCxnSpPr>
+            <a:stCxn id="10" idx="2"/>
+            <a:endCxn id="15" idx="0"/>
+          </p:cNvCxnSpPr>
+          <p:nvPr/>
+        </p:nvCxnSpPr>
+        <p:spPr>
+          <a:xfrm rot="16200000" flipH="1">
+            <a:off x="6924539" y="3799299"/>
+            <a:ext cx="504231" cy="2493817"/>
+          </a:xfrm>
+          <a:prstGeom prst="bentConnector3">
+            <a:avLst>
+              <a:gd name="adj1" fmla="val 50000"/>
+            </a:avLst>
+          </a:prstGeom>
+          <a:ln w="15875">
+            <a:solidFill>
+              <a:schemeClr val="tx1"/>
+            </a:solidFill>
+            <a:tailEnd type="triangle" w="lg" len="lg"/>
+          </a:ln>
+        </p:spPr>
+        <p:style>
+          <a:lnRef idx="1">
+            <a:schemeClr val="accent1"/>
+          </a:lnRef>
+          <a:fillRef idx="0">
+            <a:schemeClr val="accent1"/>
+          </a:fillRef>
+          <a:effectRef idx="0">
+            <a:schemeClr val="accent1"/>
+          </a:effectRef>
+          <a:fontRef idx="minor">
+            <a:schemeClr val="tx1"/>
+          </a:fontRef>
+        </p:style>
+      </p:cxnSp>
     </p:spTree>
     <p:extLst>
       <p:ext uri="{BB962C8B-B14F-4D97-AF65-F5344CB8AC3E}">
-        <p14:creationId xmlns:p14="http://schemas.microsoft.com/office/powerpoint/2010/main" val="3229173620"/>
+        <p14:creationId xmlns:p14="http://schemas.microsoft.com/office/powerpoint/2010/main" val="4114479268"/>
       </p:ext>
     </p:extLst>
   </p:cSld>
@@ -30429,7 +30683,7 @@
             <a:avLst/>
           </a:prstGeom>
           <a:solidFill>
-            <a:schemeClr val="bg1"/>
+            <a:srgbClr val="F8AEAE"/>
           </a:solidFill>
           <a:ln w="19050">
             <a:solidFill>
@@ -30489,7 +30743,7 @@
             <a:avLst/>
           </a:prstGeom>
           <a:solidFill>
-            <a:schemeClr val="bg1"/>
+            <a:srgbClr val="F8AEAE"/>
           </a:solidFill>
           <a:ln w="19050">
             <a:solidFill>
@@ -30549,7 +30803,7 @@
             <a:avLst/>
           </a:prstGeom>
           <a:solidFill>
-            <a:schemeClr val="bg1"/>
+            <a:srgbClr val="F8AEAE"/>
           </a:solidFill>
           <a:ln w="19050">
             <a:solidFill>
@@ -31087,7 +31341,7 @@
     </p:spTree>
     <p:extLst>
       <p:ext uri="{BB962C8B-B14F-4D97-AF65-F5344CB8AC3E}">
-        <p14:creationId xmlns:p14="http://schemas.microsoft.com/office/powerpoint/2010/main" val="4114479268"/>
+        <p14:creationId xmlns:p14="http://schemas.microsoft.com/office/powerpoint/2010/main" val="2311370518"/>
       </p:ext>
     </p:extLst>
   </p:cSld>
@@ -38525,7 +38779,7 @@
         <p:spPr bwMode="auto">
           <a:xfrm>
             <a:off x="646049" y="2556412"/>
-            <a:ext cx="11027378" cy="3416320"/>
+            <a:ext cx="11617283" cy="3416320"/>
           </a:xfrm>
           <a:prstGeom prst="rect">
             <a:avLst/>
@@ -38904,20 +39158,16 @@
                 <a:effectLst/>
                 <a:latin typeface="JetBrains Mono"/>
               </a:rPr>
-              <a:t>'</a:t>
-            </a:r>
-            <a:r>
-              <a:rPr kumimoji="0" lang="ru-RU" altLang="ru-RU" sz="2400" b="0" i="0" u="none" strike="noStrike" cap="none" normalizeH="0" baseline="0" dirty="0" err="1" smtClean="0">
-                <a:ln>
-                  <a:noFill/>
-                </a:ln>
+              <a:t>‘</a:t>
+            </a:r>
+            <a:r>
+              <a:rPr lang="en-US" altLang="ru-RU" sz="2400" dirty="0" smtClean="0">
                 <a:solidFill>
                   <a:srgbClr val="0033B3"/>
                 </a:solidFill>
-                <a:effectLst/>
                 <a:latin typeface="JetBrains Mono"/>
               </a:rPr>
-              <a:t>div</a:t>
+              <a:t>.u-form</a:t>
             </a:r>
             <a:r>
               <a:rPr kumimoji="0" lang="ru-RU" altLang="ru-RU" sz="2400" b="0" i="0" u="none" strike="noStrike" cap="none" normalizeH="0" baseline="0" dirty="0" smtClean="0">
@@ -41848,8 +42098,8 @@
         </p:nvSpPr>
         <p:spPr>
           <a:xfrm>
-            <a:off x="4271626" y="214996"/>
-            <a:ext cx="3648756" cy="1082284"/>
+            <a:off x="4500857" y="214996"/>
+            <a:ext cx="3190297" cy="1082284"/>
           </a:xfrm>
           <a:prstGeom prst="rect">
             <a:avLst/>
@@ -41873,7 +42123,7 @@
                 <a:ea typeface="Open Sans SemiBold" panose="020B0706030804020204" pitchFamily="34" charset="0"/>
                 <a:cs typeface="Open Sans SemiBold" panose="020B0706030804020204" pitchFamily="34" charset="0"/>
               </a:rPr>
-              <a:t>ПРОБЛЕМА</a:t>
+              <a:t>РЕШЕНИЕ</a:t>
             </a:r>
             <a:endParaRPr lang="ru-RU" sz="4800" dirty="0">
               <a:latin typeface="Open Sans SemiBold" panose="020B0706030804020204" pitchFamily="34" charset="0"/>
@@ -42405,8 +42655,8 @@
         </p:nvSpPr>
         <p:spPr>
           <a:xfrm>
-            <a:off x="4271626" y="214996"/>
-            <a:ext cx="3648756" cy="1082284"/>
+            <a:off x="4500855" y="214996"/>
+            <a:ext cx="3190297" cy="1082284"/>
           </a:xfrm>
           <a:prstGeom prst="rect">
             <a:avLst/>
@@ -42425,12 +42675,12 @@
               </a:lnSpc>
             </a:pPr>
             <a:r>
-              <a:rPr lang="ru-RU" sz="4800" dirty="0" smtClean="0">
+              <a:rPr lang="ru-RU" sz="4800" dirty="0">
                 <a:latin typeface="Open Sans SemiBold" panose="020B0706030804020204" pitchFamily="34" charset="0"/>
                 <a:ea typeface="Open Sans SemiBold" panose="020B0706030804020204" pitchFamily="34" charset="0"/>
                 <a:cs typeface="Open Sans SemiBold" panose="020B0706030804020204" pitchFamily="34" charset="0"/>
               </a:rPr>
-              <a:t>ПРОБЛЕМА</a:t>
+              <a:t>РЕШЕНИЕ</a:t>
             </a:r>
             <a:endParaRPr lang="ru-RU" sz="4800" dirty="0">
               <a:latin typeface="Open Sans SemiBold" panose="020B0706030804020204" pitchFamily="34" charset="0"/>
@@ -43011,53 +43261,10 @@
           <a:chExt cx="0" cy="0"/>
         </a:xfrm>
       </p:grpSpPr>
-      <p:sp>
-        <p:nvSpPr>
-          <p:cNvPr id="4" name="TextBox 3"/>
-          <p:cNvSpPr txBox="1"/>
-          <p:nvPr/>
-        </p:nvSpPr>
-        <p:spPr>
-          <a:xfrm>
-            <a:off x="3074210" y="2887858"/>
-            <a:ext cx="6043642" cy="1082284"/>
-          </a:xfrm>
-          <a:prstGeom prst="rect">
-            <a:avLst/>
-          </a:prstGeom>
-          <a:noFill/>
-        </p:spPr>
-        <p:txBody>
-          <a:bodyPr wrap="none" rtlCol="0" anchor="t">
-            <a:spAutoFit/>
-          </a:bodyPr>
-          <a:lstStyle/>
-          <a:p>
-            <a:pPr algn="ctr">
-              <a:lnSpc>
-                <a:spcPct val="150000"/>
-              </a:lnSpc>
-            </a:pPr>
-            <a:r>
-              <a:rPr lang="ru-RU" sz="4800" dirty="0" smtClean="0">
-                <a:latin typeface="Open Sans SemiBold" panose="020B0706030804020204" pitchFamily="34" charset="0"/>
-                <a:ea typeface="Open Sans SemiBold" panose="020B0706030804020204" pitchFamily="34" charset="0"/>
-                <a:cs typeface="Open Sans SemiBold" panose="020B0706030804020204" pitchFamily="34" charset="0"/>
-              </a:rPr>
-              <a:t>ПРОЕКТИРОВАНИЕ</a:t>
-            </a:r>
-            <a:endParaRPr lang="ru-RU" sz="4800" dirty="0">
-              <a:latin typeface="Open Sans SemiBold" panose="020B0706030804020204" pitchFamily="34" charset="0"/>
-              <a:ea typeface="Open Sans SemiBold" panose="020B0706030804020204" pitchFamily="34" charset="0"/>
-              <a:cs typeface="Open Sans SemiBold" panose="020B0706030804020204" pitchFamily="34" charset="0"/>
-            </a:endParaRPr>
-          </a:p>
-        </p:txBody>
-      </p:sp>
     </p:spTree>
     <p:extLst>
       <p:ext uri="{BB962C8B-B14F-4D97-AF65-F5344CB8AC3E}">
-        <p14:creationId xmlns:p14="http://schemas.microsoft.com/office/powerpoint/2010/main" val="2639285946"/>
+        <p14:creationId xmlns:p14="http://schemas.microsoft.com/office/powerpoint/2010/main" val="940521576"/>
       </p:ext>
     </p:extLst>
   </p:cSld>
@@ -43099,49 +43306,6 @@
           <a:chExt cx="0" cy="0"/>
         </a:xfrm>
       </p:grpSpPr>
-      <p:sp>
-        <p:nvSpPr>
-          <p:cNvPr id="4" name="TextBox 3"/>
-          <p:cNvSpPr txBox="1"/>
-          <p:nvPr/>
-        </p:nvSpPr>
-        <p:spPr>
-          <a:xfrm>
-            <a:off x="3074210" y="2887858"/>
-            <a:ext cx="6043642" cy="1082284"/>
-          </a:xfrm>
-          <a:prstGeom prst="rect">
-            <a:avLst/>
-          </a:prstGeom>
-          <a:noFill/>
-        </p:spPr>
-        <p:txBody>
-          <a:bodyPr wrap="none" rtlCol="0" anchor="t">
-            <a:spAutoFit/>
-          </a:bodyPr>
-          <a:lstStyle/>
-          <a:p>
-            <a:pPr algn="ctr">
-              <a:lnSpc>
-                <a:spcPct val="150000"/>
-              </a:lnSpc>
-            </a:pPr>
-            <a:r>
-              <a:rPr lang="ru-RU" sz="4800" dirty="0" smtClean="0">
-                <a:latin typeface="Open Sans SemiBold" panose="020B0706030804020204" pitchFamily="34" charset="0"/>
-                <a:ea typeface="Open Sans SemiBold" panose="020B0706030804020204" pitchFamily="34" charset="0"/>
-                <a:cs typeface="Open Sans SemiBold" panose="020B0706030804020204" pitchFamily="34" charset="0"/>
-              </a:rPr>
-              <a:t>ПРОЕКТИРОВАНИЕ</a:t>
-            </a:r>
-            <a:endParaRPr lang="ru-RU" sz="4800" dirty="0">
-              <a:latin typeface="Open Sans SemiBold" panose="020B0706030804020204" pitchFamily="34" charset="0"/>
-              <a:ea typeface="Open Sans SemiBold" panose="020B0706030804020204" pitchFamily="34" charset="0"/>
-              <a:cs typeface="Open Sans SemiBold" panose="020B0706030804020204" pitchFamily="34" charset="0"/>
-            </a:endParaRPr>
-          </a:p>
-        </p:txBody>
-      </p:sp>
       <p:pic>
         <p:nvPicPr>
           <p:cNvPr id="2" name="Рисунок 1"/>
@@ -43175,7 +43339,7 @@
     </p:spTree>
     <p:extLst>
       <p:ext uri="{BB962C8B-B14F-4D97-AF65-F5344CB8AC3E}">
-        <p14:creationId xmlns:p14="http://schemas.microsoft.com/office/powerpoint/2010/main" val="940521576"/>
+        <p14:creationId xmlns:p14="http://schemas.microsoft.com/office/powerpoint/2010/main" val="2672243415"/>
       </p:ext>
     </p:extLst>
   </p:cSld>
@@ -43217,49 +43381,6 @@
           <a:chExt cx="0" cy="0"/>
         </a:xfrm>
       </p:grpSpPr>
-      <p:sp>
-        <p:nvSpPr>
-          <p:cNvPr id="4" name="TextBox 3"/>
-          <p:cNvSpPr txBox="1"/>
-          <p:nvPr/>
-        </p:nvSpPr>
-        <p:spPr>
-          <a:xfrm>
-            <a:off x="3074210" y="2887858"/>
-            <a:ext cx="6043642" cy="1082284"/>
-          </a:xfrm>
-          <a:prstGeom prst="rect">
-            <a:avLst/>
-          </a:prstGeom>
-          <a:noFill/>
-        </p:spPr>
-        <p:txBody>
-          <a:bodyPr wrap="none" rtlCol="0" anchor="t">
-            <a:spAutoFit/>
-          </a:bodyPr>
-          <a:lstStyle/>
-          <a:p>
-            <a:pPr algn="ctr">
-              <a:lnSpc>
-                <a:spcPct val="150000"/>
-              </a:lnSpc>
-            </a:pPr>
-            <a:r>
-              <a:rPr lang="ru-RU" sz="4800" dirty="0" smtClean="0">
-                <a:latin typeface="Open Sans SemiBold" panose="020B0706030804020204" pitchFamily="34" charset="0"/>
-                <a:ea typeface="Open Sans SemiBold" panose="020B0706030804020204" pitchFamily="34" charset="0"/>
-                <a:cs typeface="Open Sans SemiBold" panose="020B0706030804020204" pitchFamily="34" charset="0"/>
-              </a:rPr>
-              <a:t>ПРОЕКТИРОВАНИЕ</a:t>
-            </a:r>
-            <a:endParaRPr lang="ru-RU" sz="4800" dirty="0">
-              <a:latin typeface="Open Sans SemiBold" panose="020B0706030804020204" pitchFamily="34" charset="0"/>
-              <a:ea typeface="Open Sans SemiBold" panose="020B0706030804020204" pitchFamily="34" charset="0"/>
-              <a:cs typeface="Open Sans SemiBold" panose="020B0706030804020204" pitchFamily="34" charset="0"/>
-            </a:endParaRPr>
-          </a:p>
-        </p:txBody>
-      </p:sp>
       <p:pic>
         <p:nvPicPr>
           <p:cNvPr id="2" name="Рисунок 1"/>
@@ -43365,49 +43486,6 @@
           <a:chExt cx="0" cy="0"/>
         </a:xfrm>
       </p:grpSpPr>
-      <p:sp>
-        <p:nvSpPr>
-          <p:cNvPr id="4" name="TextBox 3"/>
-          <p:cNvSpPr txBox="1"/>
-          <p:nvPr/>
-        </p:nvSpPr>
-        <p:spPr>
-          <a:xfrm>
-            <a:off x="3074210" y="2887858"/>
-            <a:ext cx="6043642" cy="1082284"/>
-          </a:xfrm>
-          <a:prstGeom prst="rect">
-            <a:avLst/>
-          </a:prstGeom>
-          <a:noFill/>
-        </p:spPr>
-        <p:txBody>
-          <a:bodyPr wrap="none" rtlCol="0" anchor="t">
-            <a:spAutoFit/>
-          </a:bodyPr>
-          <a:lstStyle/>
-          <a:p>
-            <a:pPr algn="ctr">
-              <a:lnSpc>
-                <a:spcPct val="150000"/>
-              </a:lnSpc>
-            </a:pPr>
-            <a:r>
-              <a:rPr lang="ru-RU" sz="4800" dirty="0" smtClean="0">
-                <a:latin typeface="Open Sans SemiBold" panose="020B0706030804020204" pitchFamily="34" charset="0"/>
-                <a:ea typeface="Open Sans SemiBold" panose="020B0706030804020204" pitchFamily="34" charset="0"/>
-                <a:cs typeface="Open Sans SemiBold" panose="020B0706030804020204" pitchFamily="34" charset="0"/>
-              </a:rPr>
-              <a:t>ПРОЕКТИРОВАНИЕ</a:t>
-            </a:r>
-            <a:endParaRPr lang="ru-RU" sz="4800" dirty="0">
-              <a:latin typeface="Open Sans SemiBold" panose="020B0706030804020204" pitchFamily="34" charset="0"/>
-              <a:ea typeface="Open Sans SemiBold" panose="020B0706030804020204" pitchFamily="34" charset="0"/>
-              <a:cs typeface="Open Sans SemiBold" panose="020B0706030804020204" pitchFamily="34" charset="0"/>
-            </a:endParaRPr>
-          </a:p>
-        </p:txBody>
-      </p:sp>
       <p:pic>
         <p:nvPicPr>
           <p:cNvPr id="2" name="Рисунок 1"/>
@@ -43699,8 +43777,8 @@
         </p:nvSpPr>
         <p:spPr>
           <a:xfrm>
-            <a:off x="3827260" y="3802258"/>
-            <a:ext cx="4453463" cy="1082284"/>
+            <a:off x="3074179" y="2887858"/>
+            <a:ext cx="6043642" cy="1082284"/>
           </a:xfrm>
           <a:prstGeom prst="rect">
             <a:avLst/>
@@ -43724,7 +43802,7 @@
                 <a:ea typeface="Open Sans SemiBold" panose="020B0706030804020204" pitchFamily="34" charset="0"/>
                 <a:cs typeface="Open Sans SemiBold" panose="020B0706030804020204" pitchFamily="34" charset="0"/>
               </a:rPr>
-              <a:t>АРХИТЕКТУРА</a:t>
+              <a:t>ПРОЕКТИРОВАНИЕ</a:t>
             </a:r>
             <a:endParaRPr lang="ru-RU" sz="4800" dirty="0">
               <a:latin typeface="Open Sans SemiBold" panose="020B0706030804020204" pitchFamily="34" charset="0"/>
@@ -43734,52 +43812,9 @@
           </a:p>
         </p:txBody>
       </p:sp>
-      <p:sp>
-        <p:nvSpPr>
-          <p:cNvPr id="3" name="TextBox 2"/>
-          <p:cNvSpPr txBox="1"/>
-          <p:nvPr/>
-        </p:nvSpPr>
-        <p:spPr>
-          <a:xfrm>
-            <a:off x="3032170" y="1321816"/>
-            <a:ext cx="6043642" cy="1082284"/>
-          </a:xfrm>
-          <a:prstGeom prst="rect">
-            <a:avLst/>
-          </a:prstGeom>
-          <a:noFill/>
-        </p:spPr>
-        <p:txBody>
-          <a:bodyPr wrap="none" rtlCol="0" anchor="t">
-            <a:spAutoFit/>
-          </a:bodyPr>
-          <a:lstStyle/>
-          <a:p>
-            <a:pPr algn="ctr">
-              <a:lnSpc>
-                <a:spcPct val="150000"/>
-              </a:lnSpc>
-            </a:pPr>
-            <a:r>
-              <a:rPr lang="ru-RU" sz="4800" dirty="0" smtClean="0">
-                <a:latin typeface="Open Sans SemiBold" panose="020B0706030804020204" pitchFamily="34" charset="0"/>
-                <a:ea typeface="Open Sans SemiBold" panose="020B0706030804020204" pitchFamily="34" charset="0"/>
-                <a:cs typeface="Open Sans SemiBold" panose="020B0706030804020204" pitchFamily="34" charset="0"/>
-              </a:rPr>
-              <a:t>ПРОЕКТИРОВАНИЕ</a:t>
-            </a:r>
-            <a:endParaRPr lang="ru-RU" sz="4800" dirty="0">
-              <a:latin typeface="Open Sans SemiBold" panose="020B0706030804020204" pitchFamily="34" charset="0"/>
-              <a:ea typeface="Open Sans SemiBold" panose="020B0706030804020204" pitchFamily="34" charset="0"/>
-              <a:cs typeface="Open Sans SemiBold" panose="020B0706030804020204" pitchFamily="34" charset="0"/>
-            </a:endParaRPr>
-          </a:p>
-        </p:txBody>
-      </p:sp>
       <p:pic>
         <p:nvPicPr>
-          <p:cNvPr id="5" name="Рисунок 4"/>
+          <p:cNvPr id="2" name="Рисунок 1"/>
           <p:cNvPicPr>
             <a:picLocks noChangeAspect="1"/>
           </p:cNvPicPr>
@@ -43798,9 +43833,69 @@
           </a:stretch>
         </p:blipFill>
         <p:spPr>
-          <a:xfrm rot="10800000">
-            <a:off x="5471234" y="2636744"/>
-            <a:ext cx="1165514" cy="1165514"/>
+          <a:xfrm>
+            <a:off x="672127" y="3970141"/>
+            <a:ext cx="2402083" cy="2402083"/>
+          </a:xfrm>
+          <a:prstGeom prst="rect">
+            <a:avLst/>
+          </a:prstGeom>
+        </p:spPr>
+      </p:pic>
+      <p:pic>
+        <p:nvPicPr>
+          <p:cNvPr id="3" name="Рисунок 2"/>
+          <p:cNvPicPr>
+            <a:picLocks noChangeAspect="1"/>
+          </p:cNvPicPr>
+          <p:nvPr/>
+        </p:nvPicPr>
+        <p:blipFill>
+          <a:blip r:embed="rId4" cstate="print">
+            <a:extLst>
+              <a:ext uri="{28A0092B-C50C-407E-A947-70E740481C1C}">
+                <a14:useLocalDpi xmlns:a14="http://schemas.microsoft.com/office/drawing/2010/main" val="0"/>
+              </a:ext>
+            </a:extLst>
+          </a:blip>
+          <a:stretch>
+            <a:fillRect/>
+          </a:stretch>
+        </p:blipFill>
+        <p:spPr>
+          <a:xfrm>
+            <a:off x="4713554" y="3970141"/>
+            <a:ext cx="2402083" cy="2402083"/>
+          </a:xfrm>
+          <a:prstGeom prst="rect">
+            <a:avLst/>
+          </a:prstGeom>
+        </p:spPr>
+      </p:pic>
+      <p:pic>
+        <p:nvPicPr>
+          <p:cNvPr id="5" name="Рисунок 4"/>
+          <p:cNvPicPr>
+            <a:picLocks noChangeAspect="1"/>
+          </p:cNvPicPr>
+          <p:nvPr/>
+        </p:nvPicPr>
+        <p:blipFill>
+          <a:blip r:embed="rId5" cstate="print">
+            <a:extLst>
+              <a:ext uri="{28A0092B-C50C-407E-A947-70E740481C1C}">
+                <a14:useLocalDpi xmlns:a14="http://schemas.microsoft.com/office/drawing/2010/main" val="0"/>
+              </a:ext>
+            </a:extLst>
+          </a:blip>
+          <a:stretch>
+            <a:fillRect/>
+          </a:stretch>
+        </p:blipFill>
+        <p:spPr>
+          <a:xfrm>
+            <a:off x="8754981" y="3970140"/>
+            <a:ext cx="2402083" cy="2402083"/>
           </a:xfrm>
           <a:prstGeom prst="rect">
             <a:avLst/>
@@ -43810,7 +43905,7 @@
     </p:spTree>
     <p:extLst>
       <p:ext uri="{BB962C8B-B14F-4D97-AF65-F5344CB8AC3E}">
-        <p14:creationId xmlns:p14="http://schemas.microsoft.com/office/powerpoint/2010/main" val="139026598"/>
+        <p14:creationId xmlns:p14="http://schemas.microsoft.com/office/powerpoint/2010/main" val="3778618973"/>
       </p:ext>
     </p:extLst>
   </p:cSld>
@@ -43854,14 +43949,14 @@
       </p:grpSpPr>
       <p:sp>
         <p:nvSpPr>
-          <p:cNvPr id="3" name="TextBox 2"/>
+          <p:cNvPr id="4" name="TextBox 3"/>
           <p:cNvSpPr txBox="1"/>
           <p:nvPr/>
         </p:nvSpPr>
         <p:spPr>
           <a:xfrm>
-            <a:off x="4236832" y="1321816"/>
-            <a:ext cx="3634328" cy="1082284"/>
+            <a:off x="3827260" y="3802258"/>
+            <a:ext cx="4453463" cy="1082284"/>
           </a:xfrm>
           <a:prstGeom prst="rect">
             <a:avLst/>
@@ -43885,7 +43980,7 @@
                 <a:ea typeface="Open Sans SemiBold" panose="020B0706030804020204" pitchFamily="34" charset="0"/>
                 <a:cs typeface="Open Sans SemiBold" panose="020B0706030804020204" pitchFamily="34" charset="0"/>
               </a:rPr>
-              <a:t>ПРИЗНАКИ</a:t>
+              <a:t>АРХИТЕКТУРА</a:t>
             </a:r>
             <a:endParaRPr lang="ru-RU" sz="4800" dirty="0">
               <a:latin typeface="Open Sans SemiBold" panose="020B0706030804020204" pitchFamily="34" charset="0"/>
@@ -43895,10 +43990,83 @@
           </a:p>
         </p:txBody>
       </p:sp>
+      <p:sp>
+        <p:nvSpPr>
+          <p:cNvPr id="3" name="TextBox 2"/>
+          <p:cNvSpPr txBox="1"/>
+          <p:nvPr/>
+        </p:nvSpPr>
+        <p:spPr>
+          <a:xfrm>
+            <a:off x="3032170" y="1321816"/>
+            <a:ext cx="6043642" cy="1082284"/>
+          </a:xfrm>
+          <a:prstGeom prst="rect">
+            <a:avLst/>
+          </a:prstGeom>
+          <a:noFill/>
+        </p:spPr>
+        <p:txBody>
+          <a:bodyPr wrap="none" rtlCol="0" anchor="t">
+            <a:spAutoFit/>
+          </a:bodyPr>
+          <a:lstStyle/>
+          <a:p>
+            <a:pPr algn="ctr">
+              <a:lnSpc>
+                <a:spcPct val="150000"/>
+              </a:lnSpc>
+            </a:pPr>
+            <a:r>
+              <a:rPr lang="ru-RU" sz="4800" dirty="0" smtClean="0">
+                <a:latin typeface="Open Sans SemiBold" panose="020B0706030804020204" pitchFamily="34" charset="0"/>
+                <a:ea typeface="Open Sans SemiBold" panose="020B0706030804020204" pitchFamily="34" charset="0"/>
+                <a:cs typeface="Open Sans SemiBold" panose="020B0706030804020204" pitchFamily="34" charset="0"/>
+              </a:rPr>
+              <a:t>ПРОЕКТИРОВАНИЕ</a:t>
+            </a:r>
+            <a:endParaRPr lang="ru-RU" sz="4800" dirty="0">
+              <a:latin typeface="Open Sans SemiBold" panose="020B0706030804020204" pitchFamily="34" charset="0"/>
+              <a:ea typeface="Open Sans SemiBold" panose="020B0706030804020204" pitchFamily="34" charset="0"/>
+              <a:cs typeface="Open Sans SemiBold" panose="020B0706030804020204" pitchFamily="34" charset="0"/>
+            </a:endParaRPr>
+          </a:p>
+        </p:txBody>
+      </p:sp>
+      <p:pic>
+        <p:nvPicPr>
+          <p:cNvPr id="5" name="Рисунок 4"/>
+          <p:cNvPicPr>
+            <a:picLocks noChangeAspect="1"/>
+          </p:cNvPicPr>
+          <p:nvPr/>
+        </p:nvPicPr>
+        <p:blipFill>
+          <a:blip r:embed="rId3" cstate="print">
+            <a:extLst>
+              <a:ext uri="{28A0092B-C50C-407E-A947-70E740481C1C}">
+                <a14:useLocalDpi xmlns:a14="http://schemas.microsoft.com/office/drawing/2010/main" val="0"/>
+              </a:ext>
+            </a:extLst>
+          </a:blip>
+          <a:stretch>
+            <a:fillRect/>
+          </a:stretch>
+        </p:blipFill>
+        <p:spPr>
+          <a:xfrm rot="10800000">
+            <a:off x="5471234" y="2636744"/>
+            <a:ext cx="1165514" cy="1165514"/>
+          </a:xfrm>
+          <a:prstGeom prst="rect">
+            <a:avLst/>
+          </a:prstGeom>
+        </p:spPr>
+      </p:pic>
     </p:spTree>
     <p:extLst>
       <p:ext uri="{BB962C8B-B14F-4D97-AF65-F5344CB8AC3E}">
-        <p14:creationId xmlns:p14="http://schemas.microsoft.com/office/powerpoint/2010/main" val="785148274"/>
+        <p14:creationId xmlns:p14="http://schemas.microsoft.com/office/powerpoint/2010/main" val="139026598"/>
       </p:ext>
     </p:extLst>
   </p:cSld>
@@ -43942,14 +44110,14 @@
       </p:grpSpPr>
       <p:sp>
         <p:nvSpPr>
-          <p:cNvPr id="4" name="TextBox 3"/>
+          <p:cNvPr id="3" name="TextBox 2"/>
           <p:cNvSpPr txBox="1"/>
           <p:nvPr/>
         </p:nvSpPr>
         <p:spPr>
           <a:xfrm>
-            <a:off x="2154531" y="3802258"/>
-            <a:ext cx="7798930" cy="1082284"/>
+            <a:off x="4236832" y="1321816"/>
+            <a:ext cx="3634328" cy="1082284"/>
           </a:xfrm>
           <a:prstGeom prst="rect">
             <a:avLst/>
@@ -43973,7 +44141,7 @@
                 <a:ea typeface="Open Sans SemiBold" panose="020B0706030804020204" pitchFamily="34" charset="0"/>
                 <a:cs typeface="Open Sans SemiBold" panose="020B0706030804020204" pitchFamily="34" charset="0"/>
               </a:rPr>
-              <a:t>ПРОИЗВОДИТЕЛЬНОСТЬ</a:t>
+              <a:t>ПРИЗНАКИ</a:t>
             </a:r>
             <a:endParaRPr lang="ru-RU" sz="4800" dirty="0">
               <a:latin typeface="Open Sans SemiBold" panose="020B0706030804020204" pitchFamily="34" charset="0"/>
@@ -43983,83 +44151,10 @@
           </a:p>
         </p:txBody>
       </p:sp>
-      <p:sp>
-        <p:nvSpPr>
-          <p:cNvPr id="3" name="TextBox 2"/>
-          <p:cNvSpPr txBox="1"/>
-          <p:nvPr/>
-        </p:nvSpPr>
-        <p:spPr>
-          <a:xfrm>
-            <a:off x="4236832" y="1321816"/>
-            <a:ext cx="3634328" cy="1082284"/>
-          </a:xfrm>
-          <a:prstGeom prst="rect">
-            <a:avLst/>
-          </a:prstGeom>
-          <a:noFill/>
-        </p:spPr>
-        <p:txBody>
-          <a:bodyPr wrap="none" rtlCol="0" anchor="t">
-            <a:spAutoFit/>
-          </a:bodyPr>
-          <a:lstStyle/>
-          <a:p>
-            <a:pPr algn="ctr">
-              <a:lnSpc>
-                <a:spcPct val="150000"/>
-              </a:lnSpc>
-            </a:pPr>
-            <a:r>
-              <a:rPr lang="ru-RU" sz="4800" dirty="0" smtClean="0">
-                <a:latin typeface="Open Sans SemiBold" panose="020B0706030804020204" pitchFamily="34" charset="0"/>
-                <a:ea typeface="Open Sans SemiBold" panose="020B0706030804020204" pitchFamily="34" charset="0"/>
-                <a:cs typeface="Open Sans SemiBold" panose="020B0706030804020204" pitchFamily="34" charset="0"/>
-              </a:rPr>
-              <a:t>ПРИЗНАКИ</a:t>
-            </a:r>
-            <a:endParaRPr lang="ru-RU" sz="4800" dirty="0">
-              <a:latin typeface="Open Sans SemiBold" panose="020B0706030804020204" pitchFamily="34" charset="0"/>
-              <a:ea typeface="Open Sans SemiBold" panose="020B0706030804020204" pitchFamily="34" charset="0"/>
-              <a:cs typeface="Open Sans SemiBold" panose="020B0706030804020204" pitchFamily="34" charset="0"/>
-            </a:endParaRPr>
-          </a:p>
-        </p:txBody>
-      </p:sp>
-      <p:pic>
-        <p:nvPicPr>
-          <p:cNvPr id="5" name="Рисунок 4"/>
-          <p:cNvPicPr>
-            <a:picLocks noChangeAspect="1"/>
-          </p:cNvPicPr>
-          <p:nvPr/>
-        </p:nvPicPr>
-        <p:blipFill>
-          <a:blip r:embed="rId3" cstate="print">
-            <a:extLst>
-              <a:ext uri="{28A0092B-C50C-407E-A947-70E740481C1C}">
-                <a14:useLocalDpi xmlns:a14="http://schemas.microsoft.com/office/drawing/2010/main" val="0"/>
-              </a:ext>
-            </a:extLst>
-          </a:blip>
-          <a:stretch>
-            <a:fillRect/>
-          </a:stretch>
-        </p:blipFill>
-        <p:spPr>
-          <a:xfrm rot="10800000">
-            <a:off x="5471239" y="2636744"/>
-            <a:ext cx="1165514" cy="1165514"/>
-          </a:xfrm>
-          <a:prstGeom prst="rect">
-            <a:avLst/>
-          </a:prstGeom>
-        </p:spPr>
-      </p:pic>
     </p:spTree>
     <p:extLst>
       <p:ext uri="{BB962C8B-B14F-4D97-AF65-F5344CB8AC3E}">
-        <p14:creationId xmlns:p14="http://schemas.microsoft.com/office/powerpoint/2010/main" val="885335810"/>
+        <p14:creationId xmlns:p14="http://schemas.microsoft.com/office/powerpoint/2010/main" val="785148274"/>
       </p:ext>
     </p:extLst>
   </p:cSld>
@@ -44109,7 +44204,7 @@
         </p:nvSpPr>
         <p:spPr>
           <a:xfrm>
-            <a:off x="2154531" y="2887858"/>
+            <a:off x="2154531" y="3802258"/>
             <a:ext cx="7798930" cy="1082284"/>
           </a:xfrm>
           <a:prstGeom prst="rect">
@@ -44144,10 +44239,83 @@
           </a:p>
         </p:txBody>
       </p:sp>
+      <p:sp>
+        <p:nvSpPr>
+          <p:cNvPr id="3" name="TextBox 2"/>
+          <p:cNvSpPr txBox="1"/>
+          <p:nvPr/>
+        </p:nvSpPr>
+        <p:spPr>
+          <a:xfrm>
+            <a:off x="4236832" y="1321816"/>
+            <a:ext cx="3634328" cy="1082284"/>
+          </a:xfrm>
+          <a:prstGeom prst="rect">
+            <a:avLst/>
+          </a:prstGeom>
+          <a:noFill/>
+        </p:spPr>
+        <p:txBody>
+          <a:bodyPr wrap="none" rtlCol="0" anchor="t">
+            <a:spAutoFit/>
+          </a:bodyPr>
+          <a:lstStyle/>
+          <a:p>
+            <a:pPr algn="ctr">
+              <a:lnSpc>
+                <a:spcPct val="150000"/>
+              </a:lnSpc>
+            </a:pPr>
+            <a:r>
+              <a:rPr lang="ru-RU" sz="4800" dirty="0" smtClean="0">
+                <a:latin typeface="Open Sans SemiBold" panose="020B0706030804020204" pitchFamily="34" charset="0"/>
+                <a:ea typeface="Open Sans SemiBold" panose="020B0706030804020204" pitchFamily="34" charset="0"/>
+                <a:cs typeface="Open Sans SemiBold" panose="020B0706030804020204" pitchFamily="34" charset="0"/>
+              </a:rPr>
+              <a:t>ПРИЗНАКИ</a:t>
+            </a:r>
+            <a:endParaRPr lang="ru-RU" sz="4800" dirty="0">
+              <a:latin typeface="Open Sans SemiBold" panose="020B0706030804020204" pitchFamily="34" charset="0"/>
+              <a:ea typeface="Open Sans SemiBold" panose="020B0706030804020204" pitchFamily="34" charset="0"/>
+              <a:cs typeface="Open Sans SemiBold" panose="020B0706030804020204" pitchFamily="34" charset="0"/>
+            </a:endParaRPr>
+          </a:p>
+        </p:txBody>
+      </p:sp>
+      <p:pic>
+        <p:nvPicPr>
+          <p:cNvPr id="5" name="Рисунок 4"/>
+          <p:cNvPicPr>
+            <a:picLocks noChangeAspect="1"/>
+          </p:cNvPicPr>
+          <p:nvPr/>
+        </p:nvPicPr>
+        <p:blipFill>
+          <a:blip r:embed="rId3" cstate="print">
+            <a:extLst>
+              <a:ext uri="{28A0092B-C50C-407E-A947-70E740481C1C}">
+                <a14:useLocalDpi xmlns:a14="http://schemas.microsoft.com/office/drawing/2010/main" val="0"/>
+              </a:ext>
+            </a:extLst>
+          </a:blip>
+          <a:stretch>
+            <a:fillRect/>
+          </a:stretch>
+        </p:blipFill>
+        <p:spPr>
+          <a:xfrm rot="10800000">
+            <a:off x="5471239" y="2636744"/>
+            <a:ext cx="1165514" cy="1165514"/>
+          </a:xfrm>
+          <a:prstGeom prst="rect">
+            <a:avLst/>
+          </a:prstGeom>
+        </p:spPr>
+      </p:pic>
     </p:spTree>
     <p:extLst>
       <p:ext uri="{BB962C8B-B14F-4D97-AF65-F5344CB8AC3E}">
-        <p14:creationId xmlns:p14="http://schemas.microsoft.com/office/powerpoint/2010/main" val="1115170807"/>
+        <p14:creationId xmlns:p14="http://schemas.microsoft.com/office/powerpoint/2010/main" val="885335810"/>
       </p:ext>
     </p:extLst>
   </p:cSld>
@@ -44197,8 +44365,8 @@
         </p:nvSpPr>
         <p:spPr>
           <a:xfrm>
-            <a:off x="2154531" y="2887858"/>
-            <a:ext cx="7798930" cy="1082284"/>
+            <a:off x="2828594" y="2887858"/>
+            <a:ext cx="6450805" cy="1082284"/>
           </a:xfrm>
           <a:prstGeom prst="rect">
             <a:avLst/>
@@ -44222,7 +44390,7 @@
                 <a:ea typeface="Open Sans SemiBold" panose="020B0706030804020204" pitchFamily="34" charset="0"/>
                 <a:cs typeface="Open Sans SemiBold" panose="020B0706030804020204" pitchFamily="34" charset="0"/>
               </a:rPr>
-              <a:t>ПРОИЗВОДИТЕЛЬНОСТЬ</a:t>
+              <a:t>РОЛЬ АРХИТЕКТУРЫ</a:t>
             </a:r>
             <a:endParaRPr lang="ru-RU" sz="4800" dirty="0">
               <a:latin typeface="Open Sans SemiBold" panose="020B0706030804020204" pitchFamily="34" charset="0"/>
@@ -44232,40 +44400,10 @@
           </a:p>
         </p:txBody>
       </p:sp>
-      <p:pic>
-        <p:nvPicPr>
-          <p:cNvPr id="5" name="Рисунок 4"/>
-          <p:cNvPicPr>
-            <a:picLocks noChangeAspect="1"/>
-          </p:cNvPicPr>
-          <p:nvPr/>
-        </p:nvPicPr>
-        <p:blipFill>
-          <a:blip r:embed="rId3">
-            <a:extLst>
-              <a:ext uri="{28A0092B-C50C-407E-A947-70E740481C1C}">
-                <a14:useLocalDpi xmlns:a14="http://schemas.microsoft.com/office/drawing/2010/main" val="0"/>
-              </a:ext>
-            </a:extLst>
-          </a:blip>
-          <a:stretch>
-            <a:fillRect/>
-          </a:stretch>
-        </p:blipFill>
-        <p:spPr>
-          <a:xfrm>
-            <a:off x="4527331" y="641131"/>
-            <a:ext cx="3177080" cy="3177080"/>
-          </a:xfrm>
-          <a:prstGeom prst="rect">
-            <a:avLst/>
-          </a:prstGeom>
-        </p:spPr>
-      </p:pic>
     </p:spTree>
     <p:extLst>
       <p:ext uri="{BB962C8B-B14F-4D97-AF65-F5344CB8AC3E}">
-        <p14:creationId xmlns:p14="http://schemas.microsoft.com/office/powerpoint/2010/main" val="118963345"/>
+        <p14:creationId xmlns:p14="http://schemas.microsoft.com/office/powerpoint/2010/main" val="2974028484"/>
       </p:ext>
     </p:extLst>
   </p:cSld>
@@ -44422,8 +44560,8 @@
         </p:nvSpPr>
         <p:spPr>
           <a:xfrm>
-            <a:off x="2154531" y="2887858"/>
-            <a:ext cx="7798930" cy="1082284"/>
+            <a:off x="2972869" y="1763252"/>
+            <a:ext cx="6162264" cy="1082284"/>
           </a:xfrm>
           <a:prstGeom prst="rect">
             <a:avLst/>
@@ -44447,7 +44585,7 @@
                 <a:ea typeface="Open Sans SemiBold" panose="020B0706030804020204" pitchFamily="34" charset="0"/>
                 <a:cs typeface="Open Sans SemiBold" panose="020B0706030804020204" pitchFamily="34" charset="0"/>
               </a:rPr>
-              <a:t>ПРОИЗВОДИТЕЛЬНОСТЬ</a:t>
+              <a:t>УСЛОВИЯ ПРОЕКТА</a:t>
             </a:r>
             <a:endParaRPr lang="ru-RU" sz="4800" dirty="0">
               <a:latin typeface="Open Sans SemiBold" panose="020B0706030804020204" pitchFamily="34" charset="0"/>
@@ -44457,40 +44595,10 @@
           </a:p>
         </p:txBody>
       </p:sp>
-      <p:pic>
-        <p:nvPicPr>
-          <p:cNvPr id="3" name="Рисунок 2"/>
-          <p:cNvPicPr>
-            <a:picLocks noChangeAspect="1"/>
-          </p:cNvPicPr>
-          <p:nvPr/>
-        </p:nvPicPr>
-        <p:blipFill>
-          <a:blip r:embed="rId3">
-            <a:extLst>
-              <a:ext uri="{28A0092B-C50C-407E-A947-70E740481C1C}">
-                <a14:useLocalDpi xmlns:a14="http://schemas.microsoft.com/office/drawing/2010/main" val="0"/>
-              </a:ext>
-            </a:extLst>
-          </a:blip>
-          <a:stretch>
-            <a:fillRect/>
-          </a:stretch>
-        </p:blipFill>
-        <p:spPr>
-          <a:xfrm>
-            <a:off x="4527331" y="641131"/>
-            <a:ext cx="3177080" cy="3177080"/>
-          </a:xfrm>
-          <a:prstGeom prst="rect">
-            <a:avLst/>
-          </a:prstGeom>
-        </p:spPr>
-      </p:pic>
     </p:spTree>
     <p:extLst>
       <p:ext uri="{BB962C8B-B14F-4D97-AF65-F5344CB8AC3E}">
-        <p14:creationId xmlns:p14="http://schemas.microsoft.com/office/powerpoint/2010/main" val="2676618594"/>
+        <p14:creationId xmlns:p14="http://schemas.microsoft.com/office/powerpoint/2010/main" val="2533673622"/>
       </p:ext>
     </p:extLst>
   </p:cSld>
@@ -44540,8 +44648,8 @@
         </p:nvSpPr>
         <p:spPr>
           <a:xfrm>
-            <a:off x="2828594" y="1763252"/>
-            <a:ext cx="6450805" cy="1082284"/>
+            <a:off x="2972869" y="1763252"/>
+            <a:ext cx="6162264" cy="1082284"/>
           </a:xfrm>
           <a:prstGeom prst="rect">
             <a:avLst/>
@@ -44565,7 +44673,7 @@
                 <a:ea typeface="Open Sans SemiBold" panose="020B0706030804020204" pitchFamily="34" charset="0"/>
                 <a:cs typeface="Open Sans SemiBold" panose="020B0706030804020204" pitchFamily="34" charset="0"/>
               </a:rPr>
-              <a:t>РОЛЬ АРХИТЕКТУРЫ</a:t>
+              <a:t>УСЛОВИЯ ПРОЕКТА</a:t>
             </a:r>
             <a:endParaRPr lang="ru-RU" sz="4800" dirty="0">
               <a:latin typeface="Open Sans SemiBold" panose="020B0706030804020204" pitchFamily="34" charset="0"/>
@@ -44575,10 +44683,100 @@
           </a:p>
         </p:txBody>
       </p:sp>
+      <p:pic>
+        <p:nvPicPr>
+          <p:cNvPr id="2" name="Рисунок 1"/>
+          <p:cNvPicPr>
+            <a:picLocks noChangeAspect="1"/>
+          </p:cNvPicPr>
+          <p:nvPr/>
+        </p:nvPicPr>
+        <p:blipFill>
+          <a:blip r:embed="rId3" cstate="print">
+            <a:extLst>
+              <a:ext uri="{28A0092B-C50C-407E-A947-70E740481C1C}">
+                <a14:useLocalDpi xmlns:a14="http://schemas.microsoft.com/office/drawing/2010/main" val="0"/>
+              </a:ext>
+            </a:extLst>
+          </a:blip>
+          <a:stretch>
+            <a:fillRect/>
+          </a:stretch>
+        </p:blipFill>
+        <p:spPr>
+          <a:xfrm flipH="1">
+            <a:off x="2398917" y="4038931"/>
+            <a:ext cx="1932074" cy="1932074"/>
+          </a:xfrm>
+          <a:prstGeom prst="rect">
+            <a:avLst/>
+          </a:prstGeom>
+        </p:spPr>
+      </p:pic>
+      <p:pic>
+        <p:nvPicPr>
+          <p:cNvPr id="3" name="Рисунок 2"/>
+          <p:cNvPicPr>
+            <a:picLocks noChangeAspect="1"/>
+          </p:cNvPicPr>
+          <p:nvPr/>
+        </p:nvPicPr>
+        <p:blipFill>
+          <a:blip r:embed="rId4" cstate="print">
+            <a:extLst>
+              <a:ext uri="{28A0092B-C50C-407E-A947-70E740481C1C}">
+                <a14:useLocalDpi xmlns:a14="http://schemas.microsoft.com/office/drawing/2010/main" val="0"/>
+              </a:ext>
+            </a:extLst>
+          </a:blip>
+          <a:stretch>
+            <a:fillRect/>
+          </a:stretch>
+        </p:blipFill>
+        <p:spPr>
+          <a:xfrm flipH="1">
+            <a:off x="7777011" y="3917591"/>
+            <a:ext cx="1932074" cy="1932074"/>
+          </a:xfrm>
+          <a:prstGeom prst="rect">
+            <a:avLst/>
+          </a:prstGeom>
+        </p:spPr>
+      </p:pic>
+      <p:pic>
+        <p:nvPicPr>
+          <p:cNvPr id="6" name="Рисунок 5"/>
+          <p:cNvPicPr>
+            <a:picLocks noChangeAspect="1"/>
+          </p:cNvPicPr>
+          <p:nvPr/>
+        </p:nvPicPr>
+        <p:blipFill>
+          <a:blip r:embed="rId5" cstate="print">
+            <a:extLst>
+              <a:ext uri="{28A0092B-C50C-407E-A947-70E740481C1C}">
+                <a14:useLocalDpi xmlns:a14="http://schemas.microsoft.com/office/drawing/2010/main" val="0"/>
+              </a:ext>
+            </a:extLst>
+          </a:blip>
+          <a:stretch>
+            <a:fillRect/>
+          </a:stretch>
+        </p:blipFill>
+        <p:spPr>
+          <a:xfrm flipH="1">
+            <a:off x="5087964" y="4038931"/>
+            <a:ext cx="1932074" cy="1932074"/>
+          </a:xfrm>
+          <a:prstGeom prst="rect">
+            <a:avLst/>
+          </a:prstGeom>
+        </p:spPr>
+      </p:pic>
     </p:spTree>
     <p:extLst>
       <p:ext uri="{BB962C8B-B14F-4D97-AF65-F5344CB8AC3E}">
-        <p14:creationId xmlns:p14="http://schemas.microsoft.com/office/powerpoint/2010/main" val="2974028484"/>
+        <p14:creationId xmlns:p14="http://schemas.microsoft.com/office/powerpoint/2010/main" val="1010623004"/>
       </p:ext>
     </p:extLst>
   </p:cSld>
@@ -44628,8 +44826,8 @@
         </p:nvSpPr>
         <p:spPr>
           <a:xfrm>
-            <a:off x="2828594" y="1763252"/>
-            <a:ext cx="6450805" cy="1082284"/>
+            <a:off x="2972869" y="1763252"/>
+            <a:ext cx="6162264" cy="1082284"/>
           </a:xfrm>
           <a:prstGeom prst="rect">
             <a:avLst/>
@@ -44653,7 +44851,7 @@
                 <a:ea typeface="Open Sans SemiBold" panose="020B0706030804020204" pitchFamily="34" charset="0"/>
                 <a:cs typeface="Open Sans SemiBold" panose="020B0706030804020204" pitchFamily="34" charset="0"/>
               </a:rPr>
-              <a:t>РОЛЬ АРХИТЕКТУРЫ</a:t>
+              <a:t>УСЛОВИЯ ПРОЕКТА</a:t>
             </a:r>
             <a:endParaRPr lang="ru-RU" sz="4800" dirty="0">
               <a:latin typeface="Open Sans SemiBold" panose="020B0706030804020204" pitchFamily="34" charset="0"/>
@@ -44671,8 +44869,8 @@
         </p:nvSpPr>
         <p:spPr>
           <a:xfrm>
-            <a:off x="2154531" y="4474920"/>
-            <a:ext cx="7798930" cy="1082284"/>
+            <a:off x="3032178" y="4474920"/>
+            <a:ext cx="6043642" cy="1082284"/>
           </a:xfrm>
           <a:prstGeom prst="rect">
             <a:avLst/>
@@ -44696,7 +44894,7 @@
                 <a:ea typeface="Open Sans SemiBold" panose="020B0706030804020204" pitchFamily="34" charset="0"/>
                 <a:cs typeface="Open Sans SemiBold" panose="020B0706030804020204" pitchFamily="34" charset="0"/>
               </a:rPr>
-              <a:t>ПРОИЗВОДИТЕЛЬНОСТЬ</a:t>
+              <a:t>ПРОЕКТИРОВАНИЕ</a:t>
             </a:r>
             <a:endParaRPr lang="ru-RU" sz="4800" dirty="0">
               <a:latin typeface="Open Sans SemiBold" panose="020B0706030804020204" pitchFamily="34" charset="0"/>
@@ -44736,40 +44934,10 @@
           </a:prstGeom>
         </p:spPr>
       </p:pic>
-      <p:pic>
-        <p:nvPicPr>
-          <p:cNvPr id="8" name="Рисунок 7"/>
-          <p:cNvPicPr>
-            <a:picLocks noChangeAspect="1"/>
-          </p:cNvPicPr>
-          <p:nvPr/>
-        </p:nvPicPr>
-        <p:blipFill>
-          <a:blip r:embed="rId4" cstate="print">
-            <a:extLst>
-              <a:ext uri="{28A0092B-C50C-407E-A947-70E740481C1C}">
-                <a14:useLocalDpi xmlns:a14="http://schemas.microsoft.com/office/drawing/2010/main" val="0"/>
-              </a:ext>
-            </a:extLst>
-          </a:blip>
-          <a:stretch>
-            <a:fillRect/>
-          </a:stretch>
-        </p:blipFill>
-        <p:spPr>
-          <a:xfrm rot="16200000">
-            <a:off x="9551276" y="3588814"/>
-            <a:ext cx="1968390" cy="1968390"/>
-          </a:xfrm>
-          <a:prstGeom prst="rect">
-            <a:avLst/>
-          </a:prstGeom>
-        </p:spPr>
-      </p:pic>
     </p:spTree>
     <p:extLst>
       <p:ext uri="{BB962C8B-B14F-4D97-AF65-F5344CB8AC3E}">
-        <p14:creationId xmlns:p14="http://schemas.microsoft.com/office/powerpoint/2010/main" val="136240387"/>
+        <p14:creationId xmlns:p14="http://schemas.microsoft.com/office/powerpoint/2010/main" val="1475672239"/>
       </p:ext>
     </p:extLst>
   </p:cSld>
@@ -44819,8 +44987,8 @@
         </p:nvSpPr>
         <p:spPr>
           <a:xfrm>
-            <a:off x="2972869" y="1763252"/>
-            <a:ext cx="6162264" cy="1082284"/>
+            <a:off x="4320992" y="2887858"/>
+            <a:ext cx="3466013" cy="1082284"/>
           </a:xfrm>
           <a:prstGeom prst="rect">
             <a:avLst/>
@@ -44844,7 +45012,7 @@
                 <a:ea typeface="Open Sans SemiBold" panose="020B0706030804020204" pitchFamily="34" charset="0"/>
                 <a:cs typeface="Open Sans SemiBold" panose="020B0706030804020204" pitchFamily="34" charset="0"/>
               </a:rPr>
-              <a:t>УСЛОВИЯ ПРОЕКТА</a:t>
+              <a:t>ПАТТЕРНЫ</a:t>
             </a:r>
             <a:endParaRPr lang="ru-RU" sz="4800" dirty="0">
               <a:latin typeface="Open Sans SemiBold" panose="020B0706030804020204" pitchFamily="34" charset="0"/>
@@ -44857,7 +45025,7 @@
     </p:spTree>
     <p:extLst>
       <p:ext uri="{BB962C8B-B14F-4D97-AF65-F5344CB8AC3E}">
-        <p14:creationId xmlns:p14="http://schemas.microsoft.com/office/powerpoint/2010/main" val="2533673622"/>
+        <p14:creationId xmlns:p14="http://schemas.microsoft.com/office/powerpoint/2010/main" val="841572684"/>
       </p:ext>
     </p:extLst>
   </p:cSld>
@@ -45085,8 +45253,8 @@
         </p:nvSpPr>
         <p:spPr>
           <a:xfrm>
-            <a:off x="2972869" y="1763252"/>
-            <a:ext cx="6162264" cy="1082284"/>
+            <a:off x="408873" y="2887858"/>
+            <a:ext cx="11290270" cy="1200329"/>
           </a:xfrm>
           <a:prstGeom prst="rect">
             <a:avLst/>
@@ -45110,445 +45278,18 @@
                 <a:ea typeface="Open Sans SemiBold" panose="020B0706030804020204" pitchFamily="34" charset="0"/>
                 <a:cs typeface="Open Sans SemiBold" panose="020B0706030804020204" pitchFamily="34" charset="0"/>
               </a:rPr>
-              <a:t>УСЛОВИЯ ПРОЕКТА</a:t>
-            </a:r>
-            <a:endParaRPr lang="ru-RU" sz="4800" dirty="0">
-              <a:latin typeface="Open Sans SemiBold" panose="020B0706030804020204" pitchFamily="34" charset="0"/>
-              <a:ea typeface="Open Sans SemiBold" panose="020B0706030804020204" pitchFamily="34" charset="0"/>
-              <a:cs typeface="Open Sans SemiBold" panose="020B0706030804020204" pitchFamily="34" charset="0"/>
-            </a:endParaRPr>
-          </a:p>
-        </p:txBody>
-      </p:sp>
-      <p:pic>
-        <p:nvPicPr>
-          <p:cNvPr id="2" name="Рисунок 1"/>
-          <p:cNvPicPr>
-            <a:picLocks noChangeAspect="1"/>
-          </p:cNvPicPr>
-          <p:nvPr/>
-        </p:nvPicPr>
-        <p:blipFill>
-          <a:blip r:embed="rId3" cstate="print">
-            <a:extLst>
-              <a:ext uri="{28A0092B-C50C-407E-A947-70E740481C1C}">
-                <a14:useLocalDpi xmlns:a14="http://schemas.microsoft.com/office/drawing/2010/main" val="0"/>
-              </a:ext>
-            </a:extLst>
-          </a:blip>
-          <a:stretch>
-            <a:fillRect/>
-          </a:stretch>
-        </p:blipFill>
-        <p:spPr>
-          <a:xfrm flipH="1">
-            <a:off x="2398917" y="4038931"/>
-            <a:ext cx="1932074" cy="1932074"/>
-          </a:xfrm>
-          <a:prstGeom prst="rect">
-            <a:avLst/>
-          </a:prstGeom>
-        </p:spPr>
-      </p:pic>
-      <p:pic>
-        <p:nvPicPr>
-          <p:cNvPr id="3" name="Рисунок 2"/>
-          <p:cNvPicPr>
-            <a:picLocks noChangeAspect="1"/>
-          </p:cNvPicPr>
-          <p:nvPr/>
-        </p:nvPicPr>
-        <p:blipFill>
-          <a:blip r:embed="rId4" cstate="print">
-            <a:extLst>
-              <a:ext uri="{28A0092B-C50C-407E-A947-70E740481C1C}">
-                <a14:useLocalDpi xmlns:a14="http://schemas.microsoft.com/office/drawing/2010/main" val="0"/>
-              </a:ext>
-            </a:extLst>
-          </a:blip>
-          <a:stretch>
-            <a:fillRect/>
-          </a:stretch>
-        </p:blipFill>
-        <p:spPr>
-          <a:xfrm flipH="1">
-            <a:off x="7777011" y="3917591"/>
-            <a:ext cx="1932074" cy="1932074"/>
-          </a:xfrm>
-          <a:prstGeom prst="rect">
-            <a:avLst/>
-          </a:prstGeom>
-        </p:spPr>
-      </p:pic>
-      <p:pic>
-        <p:nvPicPr>
-          <p:cNvPr id="6" name="Рисунок 5"/>
-          <p:cNvPicPr>
-            <a:picLocks noChangeAspect="1"/>
-          </p:cNvPicPr>
-          <p:nvPr/>
-        </p:nvPicPr>
-        <p:blipFill>
-          <a:blip r:embed="rId5" cstate="print">
-            <a:extLst>
-              <a:ext uri="{28A0092B-C50C-407E-A947-70E740481C1C}">
-                <a14:useLocalDpi xmlns:a14="http://schemas.microsoft.com/office/drawing/2010/main" val="0"/>
-              </a:ext>
-            </a:extLst>
-          </a:blip>
-          <a:stretch>
-            <a:fillRect/>
-          </a:stretch>
-        </p:blipFill>
-        <p:spPr>
-          <a:xfrm flipH="1">
-            <a:off x="5087964" y="4038931"/>
-            <a:ext cx="1932074" cy="1932074"/>
-          </a:xfrm>
-          <a:prstGeom prst="rect">
-            <a:avLst/>
-          </a:prstGeom>
-        </p:spPr>
-      </p:pic>
-    </p:spTree>
-    <p:extLst>
-      <p:ext uri="{BB962C8B-B14F-4D97-AF65-F5344CB8AC3E}">
-        <p14:creationId xmlns:p14="http://schemas.microsoft.com/office/powerpoint/2010/main" val="1010623004"/>
-      </p:ext>
-    </p:extLst>
-  </p:cSld>
-  <p:clrMapOvr>
-    <a:masterClrMapping/>
-  </p:clrMapOvr>
-  <mc:AlternateContent xmlns:mc="http://schemas.openxmlformats.org/markup-compatibility/2006" xmlns:p14="http://schemas.microsoft.com/office/powerpoint/2010/main">
-    <mc:Choice Requires="p14">
-      <p:transition p14:dur="0"/>
-    </mc:Choice>
-    <mc:Fallback xmlns="">
-      <p:transition/>
-    </mc:Fallback>
-  </mc:AlternateContent>
-  <p:timing>
-    <p:tnLst>
-      <p:par>
-        <p:cTn id="1" dur="indefinite" restart="never" nodeType="tmRoot"/>
-      </p:par>
-    </p:tnLst>
-  </p:timing>
-</p:sld>
-</file>
-
-<file path=ppt/slides/slide91.xml><?xml version="1.0" encoding="utf-8"?>
-<p:sld xmlns:a="http://schemas.openxmlformats.org/drawingml/2006/main" xmlns:r="http://schemas.openxmlformats.org/officeDocument/2006/relationships" xmlns:p="http://schemas.openxmlformats.org/presentationml/2006/main">
-  <p:cSld>
-    <p:spTree>
-      <p:nvGrpSpPr>
-        <p:cNvPr id="1" name=""/>
-        <p:cNvGrpSpPr/>
-        <p:nvPr/>
-      </p:nvGrpSpPr>
-      <p:grpSpPr>
-        <a:xfrm>
-          <a:off x="0" y="0"/>
-          <a:ext cx="0" cy="0"/>
-          <a:chOff x="0" y="0"/>
-          <a:chExt cx="0" cy="0"/>
-        </a:xfrm>
-      </p:grpSpPr>
-      <p:sp>
-        <p:nvSpPr>
-          <p:cNvPr id="4" name="TextBox 3"/>
-          <p:cNvSpPr txBox="1"/>
-          <p:nvPr/>
-        </p:nvSpPr>
-        <p:spPr>
-          <a:xfrm>
-            <a:off x="2972869" y="1763252"/>
-            <a:ext cx="6162264" cy="1082284"/>
-          </a:xfrm>
-          <a:prstGeom prst="rect">
-            <a:avLst/>
-          </a:prstGeom>
-          <a:noFill/>
-        </p:spPr>
-        <p:txBody>
-          <a:bodyPr wrap="none" rtlCol="0" anchor="t">
-            <a:spAutoFit/>
-          </a:bodyPr>
-          <a:lstStyle/>
-          <a:p>
-            <a:pPr algn="ctr">
-              <a:lnSpc>
-                <a:spcPct val="150000"/>
-              </a:lnSpc>
-            </a:pPr>
+              <a:t>ПРОЕКТИРОВАНИЕ ЭТО </a:t>
+            </a:r>
             <a:r>
               <a:rPr lang="ru-RU" sz="4800" dirty="0" smtClean="0">
+                <a:solidFill>
+                  <a:srgbClr val="FF0000"/>
+                </a:solidFill>
                 <a:latin typeface="Open Sans SemiBold" panose="020B0706030804020204" pitchFamily="34" charset="0"/>
                 <a:ea typeface="Open Sans SemiBold" panose="020B0706030804020204" pitchFamily="34" charset="0"/>
                 <a:cs typeface="Open Sans SemiBold" panose="020B0706030804020204" pitchFamily="34" charset="0"/>
               </a:rPr>
-              <a:t>УСЛОВИЯ ПРОЕКТА</a:t>
-            </a:r>
-            <a:endParaRPr lang="ru-RU" sz="4800" dirty="0">
-              <a:latin typeface="Open Sans SemiBold" panose="020B0706030804020204" pitchFamily="34" charset="0"/>
-              <a:ea typeface="Open Sans SemiBold" panose="020B0706030804020204" pitchFamily="34" charset="0"/>
-              <a:cs typeface="Open Sans SemiBold" panose="020B0706030804020204" pitchFamily="34" charset="0"/>
-            </a:endParaRPr>
-          </a:p>
-        </p:txBody>
-      </p:sp>
-      <p:sp>
-        <p:nvSpPr>
-          <p:cNvPr id="5" name="TextBox 4"/>
-          <p:cNvSpPr txBox="1"/>
-          <p:nvPr/>
-        </p:nvSpPr>
-        <p:spPr>
-          <a:xfrm>
-            <a:off x="3032178" y="4474920"/>
-            <a:ext cx="6043642" cy="1082284"/>
-          </a:xfrm>
-          <a:prstGeom prst="rect">
-            <a:avLst/>
-          </a:prstGeom>
-          <a:noFill/>
-        </p:spPr>
-        <p:txBody>
-          <a:bodyPr wrap="none" rtlCol="0" anchor="t">
-            <a:spAutoFit/>
-          </a:bodyPr>
-          <a:lstStyle/>
-          <a:p>
-            <a:pPr algn="ctr">
-              <a:lnSpc>
-                <a:spcPct val="150000"/>
-              </a:lnSpc>
-            </a:pPr>
-            <a:r>
-              <a:rPr lang="ru-RU" sz="4800" dirty="0" smtClean="0">
-                <a:latin typeface="Open Sans SemiBold" panose="020B0706030804020204" pitchFamily="34" charset="0"/>
-                <a:ea typeface="Open Sans SemiBold" panose="020B0706030804020204" pitchFamily="34" charset="0"/>
-                <a:cs typeface="Open Sans SemiBold" panose="020B0706030804020204" pitchFamily="34" charset="0"/>
-              </a:rPr>
-              <a:t>ПРОЕКТИРОВАНИЕ</a:t>
-            </a:r>
-            <a:endParaRPr lang="ru-RU" sz="4800" dirty="0">
-              <a:latin typeface="Open Sans SemiBold" panose="020B0706030804020204" pitchFamily="34" charset="0"/>
-              <a:ea typeface="Open Sans SemiBold" panose="020B0706030804020204" pitchFamily="34" charset="0"/>
-              <a:cs typeface="Open Sans SemiBold" panose="020B0706030804020204" pitchFamily="34" charset="0"/>
-            </a:endParaRPr>
-          </a:p>
-        </p:txBody>
-      </p:sp>
-      <p:pic>
-        <p:nvPicPr>
-          <p:cNvPr id="7" name="Рисунок 6"/>
-          <p:cNvPicPr>
-            <a:picLocks noChangeAspect="1"/>
-          </p:cNvPicPr>
-          <p:nvPr/>
-        </p:nvPicPr>
-        <p:blipFill>
-          <a:blip r:embed="rId3" cstate="print">
-            <a:extLst>
-              <a:ext uri="{28A0092B-C50C-407E-A947-70E740481C1C}">
-                <a14:useLocalDpi xmlns:a14="http://schemas.microsoft.com/office/drawing/2010/main" val="0"/>
-              </a:ext>
-            </a:extLst>
-          </a:blip>
-          <a:stretch>
-            <a:fillRect/>
-          </a:stretch>
-        </p:blipFill>
-        <p:spPr>
-          <a:xfrm rot="10800000">
-            <a:off x="5471239" y="3148886"/>
-            <a:ext cx="1165514" cy="1165514"/>
-          </a:xfrm>
-          <a:prstGeom prst="rect">
-            <a:avLst/>
-          </a:prstGeom>
-        </p:spPr>
-      </p:pic>
-    </p:spTree>
-    <p:extLst>
-      <p:ext uri="{BB962C8B-B14F-4D97-AF65-F5344CB8AC3E}">
-        <p14:creationId xmlns:p14="http://schemas.microsoft.com/office/powerpoint/2010/main" val="1475672239"/>
-      </p:ext>
-    </p:extLst>
-  </p:cSld>
-  <p:clrMapOvr>
-    <a:masterClrMapping/>
-  </p:clrMapOvr>
-  <mc:AlternateContent xmlns:mc="http://schemas.openxmlformats.org/markup-compatibility/2006" xmlns:p14="http://schemas.microsoft.com/office/powerpoint/2010/main">
-    <mc:Choice Requires="p14">
-      <p:transition p14:dur="0"/>
-    </mc:Choice>
-    <mc:Fallback xmlns="">
-      <p:transition/>
-    </mc:Fallback>
-  </mc:AlternateContent>
-  <p:timing>
-    <p:tnLst>
-      <p:par>
-        <p:cTn id="1" dur="indefinite" restart="never" nodeType="tmRoot"/>
-      </p:par>
-    </p:tnLst>
-  </p:timing>
-</p:sld>
-</file>
-
-<file path=ppt/slides/slide92.xml><?xml version="1.0" encoding="utf-8"?>
-<p:sld xmlns:a="http://schemas.openxmlformats.org/drawingml/2006/main" xmlns:r="http://schemas.openxmlformats.org/officeDocument/2006/relationships" xmlns:p="http://schemas.openxmlformats.org/presentationml/2006/main">
-  <p:cSld>
-    <p:spTree>
-      <p:nvGrpSpPr>
-        <p:cNvPr id="1" name=""/>
-        <p:cNvGrpSpPr/>
-        <p:nvPr/>
-      </p:nvGrpSpPr>
-      <p:grpSpPr>
-        <a:xfrm>
-          <a:off x="0" y="0"/>
-          <a:ext cx="0" cy="0"/>
-          <a:chOff x="0" y="0"/>
-          <a:chExt cx="0" cy="0"/>
-        </a:xfrm>
-      </p:grpSpPr>
-      <p:sp>
-        <p:nvSpPr>
-          <p:cNvPr id="4" name="TextBox 3"/>
-          <p:cNvSpPr txBox="1"/>
-          <p:nvPr/>
-        </p:nvSpPr>
-        <p:spPr>
-          <a:xfrm>
-            <a:off x="4320992" y="2887858"/>
-            <a:ext cx="3466013" cy="1082284"/>
-          </a:xfrm>
-          <a:prstGeom prst="rect">
-            <a:avLst/>
-          </a:prstGeom>
-          <a:noFill/>
-        </p:spPr>
-        <p:txBody>
-          <a:bodyPr wrap="none" rtlCol="0" anchor="t">
-            <a:spAutoFit/>
-          </a:bodyPr>
-          <a:lstStyle/>
-          <a:p>
-            <a:pPr algn="ctr">
-              <a:lnSpc>
-                <a:spcPct val="150000"/>
-              </a:lnSpc>
-            </a:pPr>
-            <a:r>
-              <a:rPr lang="ru-RU" sz="4800" dirty="0" smtClean="0">
-                <a:latin typeface="Open Sans SemiBold" panose="020B0706030804020204" pitchFamily="34" charset="0"/>
-                <a:ea typeface="Open Sans SemiBold" panose="020B0706030804020204" pitchFamily="34" charset="0"/>
-                <a:cs typeface="Open Sans SemiBold" panose="020B0706030804020204" pitchFamily="34" charset="0"/>
-              </a:rPr>
-              <a:t>ПАТТЕРНЫ</a:t>
-            </a:r>
-            <a:endParaRPr lang="ru-RU" sz="4800" dirty="0">
-              <a:latin typeface="Open Sans SemiBold" panose="020B0706030804020204" pitchFamily="34" charset="0"/>
-              <a:ea typeface="Open Sans SemiBold" panose="020B0706030804020204" pitchFamily="34" charset="0"/>
-              <a:cs typeface="Open Sans SemiBold" panose="020B0706030804020204" pitchFamily="34" charset="0"/>
-            </a:endParaRPr>
-          </a:p>
-        </p:txBody>
-      </p:sp>
-    </p:spTree>
-    <p:extLst>
-      <p:ext uri="{BB962C8B-B14F-4D97-AF65-F5344CB8AC3E}">
-        <p14:creationId xmlns:p14="http://schemas.microsoft.com/office/powerpoint/2010/main" val="841572684"/>
-      </p:ext>
-    </p:extLst>
-  </p:cSld>
-  <p:clrMapOvr>
-    <a:masterClrMapping/>
-  </p:clrMapOvr>
-  <mc:AlternateContent xmlns:mc="http://schemas.openxmlformats.org/markup-compatibility/2006" xmlns:p14="http://schemas.microsoft.com/office/powerpoint/2010/main">
-    <mc:Choice Requires="p14">
-      <p:transition p14:dur="0"/>
-    </mc:Choice>
-    <mc:Fallback xmlns="">
-      <p:transition/>
-    </mc:Fallback>
-  </mc:AlternateContent>
-  <p:timing>
-    <p:tnLst>
-      <p:par>
-        <p:cTn id="1" dur="indefinite" restart="never" nodeType="tmRoot"/>
-      </p:par>
-    </p:tnLst>
-  </p:timing>
-</p:sld>
-</file>
-
-<file path=ppt/slides/slide93.xml><?xml version="1.0" encoding="utf-8"?>
-<p:sld xmlns:a="http://schemas.openxmlformats.org/drawingml/2006/main" xmlns:r="http://schemas.openxmlformats.org/officeDocument/2006/relationships" xmlns:p="http://schemas.openxmlformats.org/presentationml/2006/main">
-  <p:cSld>
-    <p:spTree>
-      <p:nvGrpSpPr>
-        <p:cNvPr id="1" name=""/>
-        <p:cNvGrpSpPr/>
-        <p:nvPr/>
-      </p:nvGrpSpPr>
-      <p:grpSpPr>
-        <a:xfrm>
-          <a:off x="0" y="0"/>
-          <a:ext cx="0" cy="0"/>
-          <a:chOff x="0" y="0"/>
-          <a:chExt cx="0" cy="0"/>
-        </a:xfrm>
-      </p:grpSpPr>
-      <p:sp>
-        <p:nvSpPr>
-          <p:cNvPr id="4" name="TextBox 3"/>
-          <p:cNvSpPr txBox="1"/>
-          <p:nvPr/>
-        </p:nvSpPr>
-        <p:spPr>
-          <a:xfrm>
-            <a:off x="586002" y="2887858"/>
-            <a:ext cx="10936007" cy="1200329"/>
-          </a:xfrm>
-          <a:prstGeom prst="rect">
-            <a:avLst/>
-          </a:prstGeom>
-          <a:noFill/>
-        </p:spPr>
-        <p:txBody>
-          <a:bodyPr wrap="none" rtlCol="0" anchor="t">
-            <a:spAutoFit/>
-          </a:bodyPr>
-          <a:lstStyle/>
-          <a:p>
-            <a:pPr algn="ctr">
-              <a:lnSpc>
-                <a:spcPct val="150000"/>
-              </a:lnSpc>
-            </a:pPr>
-            <a:r>
-              <a:rPr lang="ru-RU" sz="4800" dirty="0" smtClean="0">
-                <a:latin typeface="Open Sans SemiBold" panose="020B0706030804020204" pitchFamily="34" charset="0"/>
-                <a:ea typeface="Open Sans SemiBold" panose="020B0706030804020204" pitchFamily="34" charset="0"/>
-                <a:cs typeface="Open Sans SemiBold" panose="020B0706030804020204" pitchFamily="34" charset="0"/>
-              </a:rPr>
-              <a:t>ПРОЕКТИРОВАНИЕ ЭТО </a:t>
-            </a:r>
-            <a:r>
-              <a:rPr lang="ru-RU" sz="4800" dirty="0" smtClean="0">
-                <a:solidFill>
-                  <a:srgbClr val="FF0000"/>
-                </a:solidFill>
-                <a:latin typeface="Open Sans SemiBold" panose="020B0706030804020204" pitchFamily="34" charset="0"/>
-                <a:ea typeface="Open Sans SemiBold" panose="020B0706030804020204" pitchFamily="34" charset="0"/>
-                <a:cs typeface="Open Sans SemiBold" panose="020B0706030804020204" pitchFamily="34" charset="0"/>
-              </a:rPr>
-              <a:t>НЕПРОСТО</a:t>
+              <a:t>ИНТЕРЕСНО</a:t>
             </a:r>
             <a:endParaRPr lang="ru-RU" sz="4800" dirty="0">
               <a:solidFill>
@@ -45589,7 +45330,7 @@
 </p:sld>
 </file>
 
-<file path=ppt/slides/slide94.xml><?xml version="1.0" encoding="utf-8"?>
+<file path=ppt/slides/slide91.xml><?xml version="1.0" encoding="utf-8"?>
 <p:sld xmlns:a="http://schemas.openxmlformats.org/drawingml/2006/main" xmlns:r="http://schemas.openxmlformats.org/officeDocument/2006/relationships" xmlns:p="http://schemas.openxmlformats.org/presentationml/2006/main">
   <p:cSld>
     <p:spTree>

--- a/Презентация.pptx
+++ b/Презентация.pptx
@@ -255,11 +255,13 @@
           <a:bodyPr vert="horz" lIns="91440" tIns="45720" rIns="91440" bIns="45720" rtlCol="0"/>
           <a:lstStyle>
             <a:lvl1pPr algn="l">
-              <a:defRPr sz="1200"/>
+              <a:defRPr sz="1200">
+                <a:latin typeface="Roboto" panose="02000000000000000000" pitchFamily="2" charset="0"/>
+              </a:defRPr>
             </a:lvl1pPr>
           </a:lstStyle>
           <a:p>
-            <a:endParaRPr lang="ru-RU"/>
+            <a:endParaRPr lang="ru-RU" dirty="0"/>
           </a:p>
         </p:txBody>
       </p:sp>
@@ -286,14 +288,18 @@
           <a:bodyPr vert="horz" lIns="91440" tIns="45720" rIns="91440" bIns="45720" rtlCol="0"/>
           <a:lstStyle>
             <a:lvl1pPr algn="r">
-              <a:defRPr sz="1200"/>
+              <a:defRPr sz="1200">
+                <a:latin typeface="Roboto" panose="02000000000000000000" pitchFamily="2" charset="0"/>
+              </a:defRPr>
             </a:lvl1pPr>
           </a:lstStyle>
           <a:p>
             <a:fld id="{875DBB85-D788-41AB-9EA9-46E819F72DBE}" type="datetimeFigureOut">
+              <a:rPr lang="en-US" smtClean="0"/>
+              <a:pPr/>
               <a:t>10/13/2022</a:t>
             </a:fld>
-            <a:endParaRPr lang="ru-RU"/>
+            <a:endParaRPr lang="en-US" dirty="0"/>
           </a:p>
         </p:txBody>
       </p:sp>
@@ -326,7 +332,7 @@
           <a:bodyPr vert="horz" lIns="91440" tIns="45720" rIns="91440" bIns="45720" rtlCol="0" anchor="ctr"/>
           <a:lstStyle/>
           <a:p>
-            <a:endParaRPr lang="ru-RU"/>
+            <a:endParaRPr lang="ru-RU" dirty="0"/>
           </a:p>
         </p:txBody>
       </p:sp>
@@ -355,35 +361,35 @@
           <a:p>
             <a:pPr lvl="0"/>
             <a:r>
-              <a:rPr lang="ru-RU"/>
+              <a:rPr lang="ru-RU" dirty="0"/>
               <a:t>Образец текста</a:t>
             </a:r>
           </a:p>
           <a:p>
             <a:pPr lvl="1"/>
             <a:r>
-              <a:rPr lang="ru-RU"/>
+              <a:rPr lang="ru-RU" dirty="0"/>
               <a:t>Второй уровень</a:t>
             </a:r>
           </a:p>
           <a:p>
             <a:pPr lvl="2"/>
             <a:r>
-              <a:rPr lang="ru-RU"/>
+              <a:rPr lang="ru-RU" dirty="0"/>
               <a:t>Третий уровень</a:t>
             </a:r>
           </a:p>
           <a:p>
             <a:pPr lvl="3"/>
             <a:r>
-              <a:rPr lang="ru-RU"/>
+              <a:rPr lang="ru-RU" dirty="0"/>
               <a:t>Четвертый уровень</a:t>
             </a:r>
           </a:p>
           <a:p>
             <a:pPr lvl="4"/>
             <a:r>
-              <a:rPr lang="ru-RU"/>
+              <a:rPr lang="ru-RU" dirty="0"/>
               <a:t>Пятый уровень</a:t>
             </a:r>
           </a:p>
@@ -412,11 +418,13 @@
           <a:bodyPr vert="horz" lIns="91440" tIns="45720" rIns="91440" bIns="45720" rtlCol="0" anchor="b"/>
           <a:lstStyle>
             <a:lvl1pPr algn="l">
-              <a:defRPr sz="1200"/>
+              <a:defRPr sz="1200">
+                <a:latin typeface="Roboto" panose="02000000000000000000" pitchFamily="2" charset="0"/>
+              </a:defRPr>
             </a:lvl1pPr>
           </a:lstStyle>
           <a:p>
-            <a:endParaRPr lang="ru-RU"/>
+            <a:endParaRPr lang="ru-RU" dirty="0"/>
           </a:p>
         </p:txBody>
       </p:sp>
@@ -443,14 +451,18 @@
           <a:bodyPr vert="horz" lIns="91440" tIns="45720" rIns="91440" bIns="45720" rtlCol="0" anchor="b"/>
           <a:lstStyle>
             <a:lvl1pPr algn="r">
-              <a:defRPr sz="1200"/>
+              <a:defRPr sz="1200">
+                <a:latin typeface="Roboto" panose="02000000000000000000" pitchFamily="2" charset="0"/>
+              </a:defRPr>
             </a:lvl1pPr>
           </a:lstStyle>
           <a:p>
             <a:fld id="{158157BE-13C9-4B69-8B03-B7B56862D10D}" type="slidenum">
+              <a:rPr lang="en-US" smtClean="0"/>
+              <a:pPr/>
               <a:t>‹#›</a:t>
             </a:fld>
-            <a:endParaRPr lang="ru-RU"/>
+            <a:endParaRPr lang="en-US" dirty="0"/>
           </a:p>
         </p:txBody>
       </p:sp>
@@ -468,7 +480,7 @@
         <a:solidFill>
           <a:schemeClr val="tx1"/>
         </a:solidFill>
-        <a:latin typeface="+mn-lt"/>
+        <a:latin typeface="Roboto" panose="02000000000000000000" pitchFamily="2" charset="0"/>
         <a:ea typeface="+mn-ea"/>
         <a:cs typeface="+mn-cs"/>
       </a:defRPr>
@@ -478,7 +490,7 @@
         <a:solidFill>
           <a:schemeClr val="tx1"/>
         </a:solidFill>
-        <a:latin typeface="+mn-lt"/>
+        <a:latin typeface="Roboto" panose="02000000000000000000" pitchFamily="2" charset="0"/>
         <a:ea typeface="+mn-ea"/>
         <a:cs typeface="+mn-cs"/>
       </a:defRPr>
@@ -488,7 +500,7 @@
         <a:solidFill>
           <a:schemeClr val="tx1"/>
         </a:solidFill>
-        <a:latin typeface="+mn-lt"/>
+        <a:latin typeface="Roboto" panose="02000000000000000000" pitchFamily="2" charset="0"/>
         <a:ea typeface="+mn-ea"/>
         <a:cs typeface="+mn-cs"/>
       </a:defRPr>
@@ -498,7 +510,7 @@
         <a:solidFill>
           <a:schemeClr val="tx1"/>
         </a:solidFill>
-        <a:latin typeface="+mn-lt"/>
+        <a:latin typeface="Roboto" panose="02000000000000000000" pitchFamily="2" charset="0"/>
         <a:ea typeface="+mn-ea"/>
         <a:cs typeface="+mn-cs"/>
       </a:defRPr>
@@ -508,7 +520,7 @@
         <a:solidFill>
           <a:schemeClr val="tx1"/>
         </a:solidFill>
-        <a:latin typeface="+mn-lt"/>
+        <a:latin typeface="Roboto" panose="02000000000000000000" pitchFamily="2" charset="0"/>
         <a:ea typeface="+mn-ea"/>
         <a:cs typeface="+mn-cs"/>
       </a:defRPr>
@@ -659,7 +671,6 @@
                   <a:schemeClr val="tx1"/>
                 </a:solidFill>
                 <a:effectLst/>
-                <a:latin typeface="+mn-lt"/>
                 <a:ea typeface="+mn-ea"/>
                 <a:cs typeface="+mn-cs"/>
               </a:rPr>
@@ -1718,7 +1729,6 @@
                   <a:schemeClr val="tx1"/>
                 </a:solidFill>
                 <a:effectLst/>
-                <a:latin typeface="+mn-lt"/>
                 <a:ea typeface="+mn-ea"/>
                 <a:cs typeface="+mn-cs"/>
               </a:rPr>
@@ -1730,7 +1740,6 @@
                   <a:schemeClr val="tx1"/>
                 </a:solidFill>
                 <a:effectLst/>
-                <a:latin typeface="+mn-lt"/>
                 <a:ea typeface="+mn-ea"/>
                 <a:cs typeface="+mn-cs"/>
               </a:rPr>
@@ -1742,7 +1751,6 @@
                   <a:schemeClr val="tx1"/>
                 </a:solidFill>
                 <a:effectLst/>
-                <a:latin typeface="+mn-lt"/>
                 <a:ea typeface="+mn-ea"/>
                 <a:cs typeface="+mn-cs"/>
               </a:rPr>
@@ -1754,7 +1762,6 @@
                   <a:schemeClr val="tx1"/>
                 </a:solidFill>
                 <a:effectLst/>
-                <a:latin typeface="+mn-lt"/>
                 <a:ea typeface="+mn-ea"/>
                 <a:cs typeface="+mn-cs"/>
               </a:rPr>
@@ -1766,7 +1773,6 @@
                   <a:schemeClr val="tx1"/>
                 </a:solidFill>
                 <a:effectLst/>
-                <a:latin typeface="+mn-lt"/>
                 <a:ea typeface="+mn-ea"/>
                 <a:cs typeface="+mn-cs"/>
               </a:rPr>
@@ -1866,7 +1872,6 @@
                   <a:schemeClr val="tx1"/>
                 </a:solidFill>
                 <a:effectLst/>
-                <a:latin typeface="+mn-lt"/>
                 <a:ea typeface="+mn-ea"/>
                 <a:cs typeface="+mn-cs"/>
               </a:rPr>
@@ -1878,7 +1883,6 @@
                   <a:schemeClr val="tx1"/>
                 </a:solidFill>
                 <a:effectLst/>
-                <a:latin typeface="+mn-lt"/>
                 <a:ea typeface="+mn-ea"/>
                 <a:cs typeface="+mn-cs"/>
               </a:rPr>
@@ -1890,7 +1894,6 @@
                   <a:schemeClr val="tx1"/>
                 </a:solidFill>
                 <a:effectLst/>
-                <a:latin typeface="+mn-lt"/>
                 <a:ea typeface="+mn-ea"/>
                 <a:cs typeface="+mn-cs"/>
               </a:rPr>
@@ -1986,7 +1989,6 @@
                   <a:schemeClr val="tx1"/>
                 </a:solidFill>
                 <a:effectLst/>
-                <a:latin typeface="+mn-lt"/>
                 <a:ea typeface="+mn-ea"/>
                 <a:cs typeface="+mn-cs"/>
               </a:rPr>
@@ -2166,7 +2168,6 @@
                   <a:schemeClr val="tx1"/>
                 </a:solidFill>
                 <a:effectLst/>
-                <a:latin typeface="+mn-lt"/>
                 <a:ea typeface="+mn-ea"/>
                 <a:cs typeface="+mn-cs"/>
               </a:rPr>
@@ -2178,7 +2179,6 @@
                   <a:schemeClr val="tx1"/>
                 </a:solidFill>
                 <a:effectLst/>
-                <a:latin typeface="+mn-lt"/>
                 <a:ea typeface="+mn-ea"/>
                 <a:cs typeface="+mn-cs"/>
               </a:rPr>
@@ -2190,7 +2190,6 @@
                   <a:schemeClr val="tx1"/>
                 </a:solidFill>
                 <a:effectLst/>
-                <a:latin typeface="+mn-lt"/>
                 <a:ea typeface="+mn-ea"/>
                 <a:cs typeface="+mn-cs"/>
               </a:rPr>
@@ -2207,7 +2206,6 @@
                   <a:schemeClr val="tx1"/>
                 </a:solidFill>
                 <a:effectLst/>
-                <a:latin typeface="+mn-lt"/>
                 <a:ea typeface="+mn-ea"/>
                 <a:cs typeface="+mn-cs"/>
               </a:rPr>
@@ -2224,7 +2222,6 @@
                   <a:schemeClr val="tx1"/>
                 </a:solidFill>
                 <a:effectLst/>
-                <a:latin typeface="+mn-lt"/>
                 <a:ea typeface="+mn-ea"/>
                 <a:cs typeface="+mn-cs"/>
               </a:rPr>
@@ -2236,7 +2233,6 @@
                   <a:schemeClr val="tx1"/>
                 </a:solidFill>
                 <a:effectLst/>
-                <a:latin typeface="+mn-lt"/>
                 <a:ea typeface="+mn-ea"/>
                 <a:cs typeface="+mn-cs"/>
               </a:rPr>
@@ -2248,7 +2244,6 @@
                   <a:schemeClr val="tx1"/>
                 </a:solidFill>
                 <a:effectLst/>
-                <a:latin typeface="+mn-lt"/>
                 <a:ea typeface="+mn-ea"/>
                 <a:cs typeface="+mn-cs"/>
               </a:rPr>
@@ -2265,7 +2260,6 @@
                   <a:schemeClr val="tx1"/>
                 </a:solidFill>
                 <a:effectLst/>
-                <a:latin typeface="+mn-lt"/>
                 <a:ea typeface="+mn-ea"/>
                 <a:cs typeface="+mn-cs"/>
               </a:rPr>
@@ -2277,7 +2271,6 @@
                   <a:schemeClr val="tx1"/>
                 </a:solidFill>
                 <a:effectLst/>
-                <a:latin typeface="+mn-lt"/>
                 <a:ea typeface="+mn-ea"/>
                 <a:cs typeface="+mn-cs"/>
               </a:rPr>
@@ -2291,7 +2284,6 @@
                 <a:schemeClr val="tx1"/>
               </a:solidFill>
               <a:effectLst/>
-              <a:latin typeface="+mn-lt"/>
               <a:ea typeface="+mn-ea"/>
               <a:cs typeface="+mn-cs"/>
             </a:endParaRPr>
@@ -2303,7 +2295,6 @@
                   <a:schemeClr val="tx1"/>
                 </a:solidFill>
                 <a:effectLst/>
-                <a:latin typeface="+mn-lt"/>
                 <a:ea typeface="+mn-ea"/>
                 <a:cs typeface="+mn-cs"/>
               </a:rPr>
@@ -2319,7 +2310,6 @@
                   <a:schemeClr val="tx1"/>
                 </a:solidFill>
                 <a:effectLst/>
-                <a:latin typeface="+mn-lt"/>
                 <a:ea typeface="+mn-ea"/>
                 <a:cs typeface="+mn-cs"/>
               </a:rPr>
@@ -2332,7 +2322,6 @@
                 <a:schemeClr val="tx1"/>
               </a:solidFill>
               <a:effectLst/>
-              <a:latin typeface="+mn-lt"/>
               <a:ea typeface="+mn-ea"/>
               <a:cs typeface="+mn-cs"/>
             </a:endParaRPr>
@@ -2439,7 +2428,6 @@
                   <a:schemeClr val="tx1"/>
                 </a:solidFill>
                 <a:effectLst/>
-                <a:latin typeface="+mn-lt"/>
                 <a:ea typeface="+mn-ea"/>
                 <a:cs typeface="+mn-cs"/>
               </a:rPr>
@@ -2535,7 +2523,6 @@
                   <a:schemeClr val="tx1"/>
                 </a:solidFill>
                 <a:effectLst/>
-                <a:latin typeface="+mn-lt"/>
                 <a:ea typeface="+mn-ea"/>
                 <a:cs typeface="+mn-cs"/>
               </a:rPr>
@@ -2547,7 +2534,6 @@
                   <a:schemeClr val="tx1"/>
                 </a:solidFill>
                 <a:effectLst/>
-                <a:latin typeface="+mn-lt"/>
                 <a:ea typeface="+mn-ea"/>
                 <a:cs typeface="+mn-cs"/>
               </a:rPr>
@@ -2559,7 +2545,6 @@
                   <a:schemeClr val="tx1"/>
                 </a:solidFill>
                 <a:effectLst/>
-                <a:latin typeface="+mn-lt"/>
                 <a:ea typeface="+mn-ea"/>
                 <a:cs typeface="+mn-cs"/>
               </a:rPr>
@@ -2655,7 +2640,6 @@
                   <a:schemeClr val="tx1"/>
                 </a:solidFill>
                 <a:effectLst/>
-                <a:latin typeface="+mn-lt"/>
                 <a:ea typeface="+mn-ea"/>
                 <a:cs typeface="+mn-cs"/>
               </a:rPr>
@@ -2669,7 +2653,6 @@
                   <a:schemeClr val="tx1"/>
                 </a:solidFill>
                 <a:effectLst/>
-                <a:latin typeface="+mn-lt"/>
                 <a:ea typeface="+mn-ea"/>
                 <a:cs typeface="+mn-cs"/>
               </a:rPr>
@@ -2683,7 +2666,6 @@
                   <a:schemeClr val="tx1"/>
                 </a:solidFill>
                 <a:effectLst/>
-                <a:latin typeface="+mn-lt"/>
                 <a:ea typeface="+mn-ea"/>
                 <a:cs typeface="+mn-cs"/>
               </a:rPr>
@@ -2694,7 +2676,6 @@
                 <a:schemeClr val="tx1"/>
               </a:solidFill>
               <a:effectLst/>
-              <a:latin typeface="+mn-lt"/>
               <a:ea typeface="+mn-ea"/>
               <a:cs typeface="+mn-cs"/>
             </a:endParaRPr>
@@ -2787,7 +2768,6 @@
                   <a:schemeClr val="tx1"/>
                 </a:solidFill>
                 <a:effectLst/>
-                <a:latin typeface="+mn-lt"/>
                 <a:ea typeface="+mn-ea"/>
                 <a:cs typeface="+mn-cs"/>
               </a:rPr>
@@ -2803,7 +2783,6 @@
                   <a:schemeClr val="tx1"/>
                 </a:solidFill>
                 <a:effectLst/>
-                <a:latin typeface="+mn-lt"/>
                 <a:ea typeface="+mn-ea"/>
                 <a:cs typeface="+mn-cs"/>
               </a:rPr>
@@ -2899,7 +2878,6 @@
                   <a:schemeClr val="tx1"/>
                 </a:solidFill>
                 <a:effectLst/>
-                <a:latin typeface="+mn-lt"/>
                 <a:ea typeface="+mn-ea"/>
                 <a:cs typeface="+mn-cs"/>
               </a:rPr>
@@ -2911,7 +2889,6 @@
                   <a:schemeClr val="tx1"/>
                 </a:solidFill>
                 <a:effectLst/>
-                <a:latin typeface="+mn-lt"/>
                 <a:ea typeface="+mn-ea"/>
                 <a:cs typeface="+mn-cs"/>
               </a:rPr>
@@ -2923,7 +2900,6 @@
                   <a:schemeClr val="tx1"/>
                 </a:solidFill>
                 <a:effectLst/>
-                <a:latin typeface="+mn-lt"/>
                 <a:ea typeface="+mn-ea"/>
                 <a:cs typeface="+mn-cs"/>
               </a:rPr>
@@ -2939,7 +2915,6 @@
                   <a:schemeClr val="tx1"/>
                 </a:solidFill>
                 <a:effectLst/>
-                <a:latin typeface="+mn-lt"/>
                 <a:ea typeface="+mn-ea"/>
                 <a:cs typeface="+mn-cs"/>
               </a:rPr>
@@ -2950,7 +2925,6 @@
                 <a:schemeClr val="tx1"/>
               </a:solidFill>
               <a:effectLst/>
-              <a:latin typeface="+mn-lt"/>
               <a:ea typeface="+mn-ea"/>
               <a:cs typeface="+mn-cs"/>
             </a:endParaRPr>
@@ -2961,7 +2935,6 @@
                 <a:schemeClr val="tx1"/>
               </a:solidFill>
               <a:effectLst/>
-              <a:latin typeface="+mn-lt"/>
               <a:ea typeface="+mn-ea"/>
               <a:cs typeface="+mn-cs"/>
             </a:endParaRPr>
@@ -2990,7 +2963,6 @@
                   <a:schemeClr val="tx1"/>
                 </a:solidFill>
                 <a:effectLst/>
-                <a:latin typeface="+mn-lt"/>
                 <a:ea typeface="+mn-ea"/>
                 <a:cs typeface="+mn-cs"/>
               </a:rPr>
@@ -3088,7 +3060,6 @@
                   <a:schemeClr val="tx1"/>
                 </a:solidFill>
                 <a:effectLst/>
-                <a:latin typeface="+mn-lt"/>
                 <a:ea typeface="+mn-ea"/>
                 <a:cs typeface="+mn-cs"/>
               </a:rPr>
@@ -3100,7 +3071,6 @@
                   <a:schemeClr val="tx1"/>
                 </a:solidFill>
                 <a:effectLst/>
-                <a:latin typeface="+mn-lt"/>
                 <a:ea typeface="+mn-ea"/>
                 <a:cs typeface="+mn-cs"/>
               </a:rPr>
@@ -3112,7 +3082,6 @@
                   <a:schemeClr val="tx1"/>
                 </a:solidFill>
                 <a:effectLst/>
-                <a:latin typeface="+mn-lt"/>
                 <a:ea typeface="+mn-ea"/>
                 <a:cs typeface="+mn-cs"/>
               </a:rPr>
@@ -3124,7 +3093,6 @@
                   <a:schemeClr val="tx1"/>
                 </a:solidFill>
                 <a:effectLst/>
-                <a:latin typeface="+mn-lt"/>
                 <a:ea typeface="+mn-ea"/>
                 <a:cs typeface="+mn-cs"/>
               </a:rPr>
@@ -3135,7 +3103,6 @@
                 <a:schemeClr val="tx1"/>
               </a:solidFill>
               <a:effectLst/>
-              <a:latin typeface="+mn-lt"/>
               <a:ea typeface="+mn-ea"/>
               <a:cs typeface="+mn-cs"/>
             </a:endParaRPr>
@@ -3320,7 +3287,6 @@
                   <a:schemeClr val="tx1"/>
                 </a:solidFill>
                 <a:effectLst/>
-                <a:latin typeface="+mn-lt"/>
                 <a:ea typeface="+mn-ea"/>
                 <a:cs typeface="+mn-cs"/>
               </a:rPr>
@@ -3332,7 +3298,6 @@
                   <a:schemeClr val="tx1"/>
                 </a:solidFill>
                 <a:effectLst/>
-                <a:latin typeface="+mn-lt"/>
                 <a:ea typeface="+mn-ea"/>
                 <a:cs typeface="+mn-cs"/>
               </a:rPr>
@@ -3346,7 +3311,6 @@
                   <a:schemeClr val="tx1"/>
                 </a:solidFill>
                 <a:effectLst/>
-                <a:latin typeface="+mn-lt"/>
                 <a:ea typeface="+mn-ea"/>
                 <a:cs typeface="+mn-cs"/>
               </a:rPr>
@@ -3360,7 +3324,6 @@
                   <a:schemeClr val="tx1"/>
                 </a:solidFill>
                 <a:effectLst/>
-                <a:latin typeface="+mn-lt"/>
                 <a:ea typeface="+mn-ea"/>
                 <a:cs typeface="+mn-cs"/>
               </a:rPr>
@@ -3391,7 +3354,6 @@
                   <a:schemeClr val="tx1"/>
                 </a:solidFill>
                 <a:effectLst/>
-                <a:latin typeface="+mn-lt"/>
                 <a:ea typeface="+mn-ea"/>
                 <a:cs typeface="+mn-cs"/>
               </a:rPr>
@@ -3402,7 +3364,6 @@
                 <a:schemeClr val="tx1"/>
               </a:solidFill>
               <a:effectLst/>
-              <a:latin typeface="+mn-lt"/>
               <a:ea typeface="+mn-ea"/>
               <a:cs typeface="+mn-cs"/>
             </a:endParaRPr>
@@ -3413,7 +3374,6 @@
                 <a:schemeClr val="tx1"/>
               </a:solidFill>
               <a:effectLst/>
-              <a:latin typeface="+mn-lt"/>
               <a:ea typeface="+mn-ea"/>
               <a:cs typeface="+mn-cs"/>
             </a:endParaRPr>
@@ -3590,7 +3550,6 @@
                   <a:schemeClr val="tx1"/>
                 </a:solidFill>
                 <a:effectLst/>
-                <a:latin typeface="+mn-lt"/>
                 <a:ea typeface="+mn-ea"/>
                 <a:cs typeface="+mn-cs"/>
               </a:rPr>
@@ -3604,7 +3563,6 @@
                   <a:schemeClr val="tx1"/>
                 </a:solidFill>
                 <a:effectLst/>
-                <a:latin typeface="+mn-lt"/>
                 <a:ea typeface="+mn-ea"/>
                 <a:cs typeface="+mn-cs"/>
               </a:rPr>
@@ -3700,7 +3658,6 @@
                   <a:schemeClr val="tx1"/>
                 </a:solidFill>
                 <a:effectLst/>
-                <a:latin typeface="+mn-lt"/>
                 <a:ea typeface="+mn-ea"/>
                 <a:cs typeface="+mn-cs"/>
               </a:rPr>
@@ -3712,7 +3669,6 @@
                   <a:schemeClr val="tx1"/>
                 </a:solidFill>
                 <a:effectLst/>
-                <a:latin typeface="+mn-lt"/>
                 <a:ea typeface="+mn-ea"/>
                 <a:cs typeface="+mn-cs"/>
               </a:rPr>
@@ -3724,7 +3680,6 @@
                   <a:schemeClr val="tx1"/>
                 </a:solidFill>
                 <a:effectLst/>
-                <a:latin typeface="+mn-lt"/>
                 <a:ea typeface="+mn-ea"/>
                 <a:cs typeface="+mn-cs"/>
               </a:rPr>
@@ -3737,7 +3692,6 @@
                 <a:schemeClr val="tx1"/>
               </a:solidFill>
               <a:effectLst/>
-              <a:latin typeface="+mn-lt"/>
               <a:ea typeface="+mn-ea"/>
               <a:cs typeface="+mn-cs"/>
             </a:endParaRPr>
@@ -3749,7 +3703,6 @@
                   <a:schemeClr val="tx1"/>
                 </a:solidFill>
                 <a:effectLst/>
-                <a:latin typeface="+mn-lt"/>
                 <a:ea typeface="+mn-ea"/>
                 <a:cs typeface="+mn-cs"/>
               </a:rPr>
@@ -3765,7 +3718,6 @@
                   <a:schemeClr val="tx1"/>
                 </a:solidFill>
                 <a:effectLst/>
-                <a:latin typeface="+mn-lt"/>
                 <a:ea typeface="+mn-ea"/>
                 <a:cs typeface="+mn-cs"/>
               </a:rPr>
@@ -3777,7 +3729,6 @@
                   <a:schemeClr val="tx1"/>
                 </a:solidFill>
                 <a:effectLst/>
-                <a:latin typeface="+mn-lt"/>
                 <a:ea typeface="+mn-ea"/>
                 <a:cs typeface="+mn-cs"/>
               </a:rPr>
@@ -3789,7 +3740,6 @@
                   <a:schemeClr val="tx1"/>
                 </a:solidFill>
                 <a:effectLst/>
-                <a:latin typeface="+mn-lt"/>
                 <a:ea typeface="+mn-ea"/>
                 <a:cs typeface="+mn-cs"/>
               </a:rPr>
@@ -3801,7 +3751,6 @@
                   <a:schemeClr val="tx1"/>
                 </a:solidFill>
                 <a:effectLst/>
-                <a:latin typeface="+mn-lt"/>
                 <a:ea typeface="+mn-ea"/>
                 <a:cs typeface="+mn-cs"/>
               </a:rPr>
@@ -3813,7 +3762,6 @@
                   <a:schemeClr val="tx1"/>
                 </a:solidFill>
                 <a:effectLst/>
-                <a:latin typeface="+mn-lt"/>
                 <a:ea typeface="+mn-ea"/>
                 <a:cs typeface="+mn-cs"/>
               </a:rPr>
@@ -3824,7 +3772,6 @@
                 <a:schemeClr val="tx1"/>
               </a:solidFill>
               <a:effectLst/>
-              <a:latin typeface="+mn-lt"/>
               <a:ea typeface="+mn-ea"/>
               <a:cs typeface="+mn-cs"/>
             </a:endParaRPr>
@@ -3917,7 +3864,6 @@
                   <a:schemeClr val="tx1"/>
                 </a:solidFill>
                 <a:effectLst/>
-                <a:latin typeface="+mn-lt"/>
                 <a:ea typeface="+mn-ea"/>
                 <a:cs typeface="+mn-cs"/>
               </a:rPr>
@@ -3929,7 +3875,6 @@
                   <a:schemeClr val="tx1"/>
                 </a:solidFill>
                 <a:effectLst/>
-                <a:latin typeface="+mn-lt"/>
                 <a:ea typeface="+mn-ea"/>
                 <a:cs typeface="+mn-cs"/>
               </a:rPr>
@@ -3941,7 +3886,6 @@
                   <a:schemeClr val="tx1"/>
                 </a:solidFill>
                 <a:effectLst/>
-                <a:latin typeface="+mn-lt"/>
                 <a:ea typeface="+mn-ea"/>
                 <a:cs typeface="+mn-cs"/>
               </a:rPr>
@@ -3954,7 +3898,6 @@
                 <a:schemeClr val="tx1"/>
               </a:solidFill>
               <a:effectLst/>
-              <a:latin typeface="+mn-lt"/>
               <a:ea typeface="+mn-ea"/>
               <a:cs typeface="+mn-cs"/>
             </a:endParaRPr>
@@ -3966,7 +3909,6 @@
                   <a:schemeClr val="tx1"/>
                 </a:solidFill>
                 <a:effectLst/>
-                <a:latin typeface="+mn-lt"/>
                 <a:ea typeface="+mn-ea"/>
                 <a:cs typeface="+mn-cs"/>
               </a:rPr>
@@ -4062,7 +4004,6 @@
                   <a:schemeClr val="tx1"/>
                 </a:solidFill>
                 <a:effectLst/>
-                <a:latin typeface="+mn-lt"/>
                 <a:ea typeface="+mn-ea"/>
                 <a:cs typeface="+mn-cs"/>
               </a:rPr>
@@ -4330,7 +4271,6 @@
                   <a:schemeClr val="tx1"/>
                 </a:solidFill>
                 <a:effectLst/>
-                <a:latin typeface="+mn-lt"/>
                 <a:ea typeface="+mn-ea"/>
                 <a:cs typeface="+mn-cs"/>
               </a:rPr>
@@ -4433,7 +4373,6 @@
                   <a:schemeClr val="tx1"/>
                 </a:solidFill>
                 <a:effectLst/>
-                <a:latin typeface="+mn-lt"/>
                 <a:ea typeface="+mn-ea"/>
                 <a:cs typeface="+mn-cs"/>
               </a:rPr>
@@ -4445,7 +4384,6 @@
                   <a:schemeClr val="tx1"/>
                 </a:solidFill>
                 <a:effectLst/>
-                <a:latin typeface="+mn-lt"/>
                 <a:ea typeface="+mn-ea"/>
                 <a:cs typeface="+mn-cs"/>
               </a:rPr>
@@ -4459,7 +4397,6 @@
                   <a:schemeClr val="tx1"/>
                 </a:solidFill>
                 <a:effectLst/>
-                <a:latin typeface="+mn-lt"/>
                 <a:ea typeface="+mn-ea"/>
                 <a:cs typeface="+mn-cs"/>
               </a:rPr>
@@ -4470,7 +4407,6 @@
                 <a:schemeClr val="tx1"/>
               </a:solidFill>
               <a:effectLst/>
-              <a:latin typeface="+mn-lt"/>
               <a:ea typeface="+mn-ea"/>
               <a:cs typeface="+mn-cs"/>
             </a:endParaRPr>
@@ -4482,7 +4418,6 @@
                   <a:schemeClr val="tx1"/>
                 </a:solidFill>
                 <a:effectLst/>
-                <a:latin typeface="+mn-lt"/>
                 <a:ea typeface="+mn-ea"/>
                 <a:cs typeface="+mn-cs"/>
               </a:rPr>
@@ -4677,7 +4612,6 @@
                   <a:schemeClr val="tx1"/>
                 </a:solidFill>
                 <a:effectLst/>
-                <a:latin typeface="+mn-lt"/>
                 <a:ea typeface="+mn-ea"/>
                 <a:cs typeface="+mn-cs"/>
               </a:rPr>
@@ -4689,7 +4623,6 @@
                   <a:schemeClr val="tx1"/>
                 </a:solidFill>
                 <a:effectLst/>
-                <a:latin typeface="+mn-lt"/>
                 <a:ea typeface="+mn-ea"/>
                 <a:cs typeface="+mn-cs"/>
               </a:rPr>
@@ -4703,7 +4636,6 @@
                   <a:schemeClr val="tx1"/>
                 </a:solidFill>
                 <a:effectLst/>
-                <a:latin typeface="+mn-lt"/>
                 <a:ea typeface="+mn-ea"/>
                 <a:cs typeface="+mn-cs"/>
               </a:rPr>
@@ -4714,7 +4646,6 @@
                 <a:schemeClr val="tx1"/>
               </a:solidFill>
               <a:effectLst/>
-              <a:latin typeface="+mn-lt"/>
               <a:ea typeface="+mn-ea"/>
               <a:cs typeface="+mn-cs"/>
             </a:endParaRPr>
@@ -4726,7 +4657,6 @@
                   <a:schemeClr val="tx1"/>
                 </a:solidFill>
                 <a:effectLst/>
-                <a:latin typeface="+mn-lt"/>
                 <a:ea typeface="+mn-ea"/>
                 <a:cs typeface="+mn-cs"/>
               </a:rPr>
@@ -4825,7 +4755,6 @@
                   <a:schemeClr val="tx1"/>
                 </a:solidFill>
                 <a:effectLst/>
-                <a:latin typeface="+mn-lt"/>
                 <a:ea typeface="+mn-ea"/>
                 <a:cs typeface="+mn-cs"/>
               </a:rPr>
@@ -4836,7 +4765,6 @@
                 <a:schemeClr val="tx1"/>
               </a:solidFill>
               <a:effectLst/>
-              <a:latin typeface="+mn-lt"/>
               <a:ea typeface="+mn-ea"/>
               <a:cs typeface="+mn-cs"/>
             </a:endParaRPr>
@@ -4929,7 +4857,6 @@
                   <a:schemeClr val="tx1"/>
                 </a:solidFill>
                 <a:effectLst/>
-                <a:latin typeface="+mn-lt"/>
                 <a:ea typeface="+mn-ea"/>
                 <a:cs typeface="+mn-cs"/>
               </a:rPr>
@@ -4942,7 +4869,6 @@
                 <a:schemeClr val="tx1"/>
               </a:solidFill>
               <a:effectLst/>
-              <a:latin typeface="+mn-lt"/>
               <a:ea typeface="+mn-ea"/>
               <a:cs typeface="+mn-cs"/>
             </a:endParaRPr>
@@ -4954,7 +4880,6 @@
                   <a:schemeClr val="tx1"/>
                 </a:solidFill>
                 <a:effectLst/>
-                <a:latin typeface="+mn-lt"/>
                 <a:ea typeface="+mn-ea"/>
                 <a:cs typeface="+mn-cs"/>
               </a:rPr>
@@ -4966,7 +4891,6 @@
                   <a:schemeClr val="tx1"/>
                 </a:solidFill>
                 <a:effectLst/>
-                <a:latin typeface="+mn-lt"/>
                 <a:ea typeface="+mn-ea"/>
                 <a:cs typeface="+mn-cs"/>
               </a:rPr>
@@ -4977,7 +4901,6 @@
                 <a:schemeClr val="tx1"/>
               </a:solidFill>
               <a:effectLst/>
-              <a:latin typeface="+mn-lt"/>
               <a:ea typeface="+mn-ea"/>
               <a:cs typeface="+mn-cs"/>
             </a:endParaRPr>
@@ -5070,7 +4993,6 @@
                   <a:schemeClr val="tx1"/>
                 </a:solidFill>
                 <a:effectLst/>
-                <a:latin typeface="+mn-lt"/>
                 <a:ea typeface="+mn-ea"/>
                 <a:cs typeface="+mn-cs"/>
               </a:rPr>
@@ -5081,7 +5003,6 @@
                 <a:schemeClr val="tx1"/>
               </a:solidFill>
               <a:effectLst/>
-              <a:latin typeface="+mn-lt"/>
               <a:ea typeface="+mn-ea"/>
               <a:cs typeface="+mn-cs"/>
             </a:endParaRPr>
@@ -5174,7 +5095,6 @@
                   <a:schemeClr val="tx1"/>
                 </a:solidFill>
                 <a:effectLst/>
-                <a:latin typeface="+mn-lt"/>
                 <a:ea typeface="+mn-ea"/>
                 <a:cs typeface="+mn-cs"/>
               </a:rPr>
@@ -5188,7 +5108,6 @@
                   <a:schemeClr val="tx1"/>
                 </a:solidFill>
                 <a:effectLst/>
-                <a:latin typeface="+mn-lt"/>
                 <a:ea typeface="+mn-ea"/>
                 <a:cs typeface="+mn-cs"/>
               </a:rPr>
@@ -5202,7 +5121,6 @@
                   <a:schemeClr val="tx1"/>
                 </a:solidFill>
                 <a:effectLst/>
-                <a:latin typeface="+mn-lt"/>
                 <a:ea typeface="+mn-ea"/>
                 <a:cs typeface="+mn-cs"/>
               </a:rPr>
@@ -5216,7 +5134,6 @@
                   <a:schemeClr val="tx1"/>
                 </a:solidFill>
                 <a:effectLst/>
-                <a:latin typeface="+mn-lt"/>
                 <a:ea typeface="+mn-ea"/>
                 <a:cs typeface="+mn-cs"/>
               </a:rPr>
@@ -5230,7 +5147,6 @@
                   <a:schemeClr val="tx1"/>
                 </a:solidFill>
                 <a:effectLst/>
-                <a:latin typeface="+mn-lt"/>
                 <a:ea typeface="+mn-ea"/>
                 <a:cs typeface="+mn-cs"/>
               </a:rPr>
@@ -5329,7 +5245,6 @@
                   <a:schemeClr val="tx1"/>
                 </a:solidFill>
                 <a:effectLst/>
-                <a:latin typeface="+mn-lt"/>
                 <a:ea typeface="+mn-ea"/>
                 <a:cs typeface="+mn-cs"/>
               </a:rPr>
@@ -5343,7 +5258,6 @@
                   <a:schemeClr val="tx1"/>
                 </a:solidFill>
                 <a:effectLst/>
-                <a:latin typeface="+mn-lt"/>
                 <a:ea typeface="+mn-ea"/>
                 <a:cs typeface="+mn-cs"/>
               </a:rPr>
@@ -5439,7 +5353,6 @@
                   <a:schemeClr val="tx1"/>
                 </a:solidFill>
                 <a:effectLst/>
-                <a:latin typeface="+mn-lt"/>
                 <a:ea typeface="+mn-ea"/>
                 <a:cs typeface="+mn-cs"/>
               </a:rPr>
@@ -5451,7 +5364,6 @@
                   <a:schemeClr val="tx1"/>
                 </a:solidFill>
                 <a:effectLst/>
-                <a:latin typeface="+mn-lt"/>
                 <a:ea typeface="+mn-ea"/>
                 <a:cs typeface="+mn-cs"/>
               </a:rPr>
@@ -5463,7 +5375,6 @@
                   <a:schemeClr val="tx1"/>
                 </a:solidFill>
                 <a:effectLst/>
-                <a:latin typeface="+mn-lt"/>
                 <a:ea typeface="+mn-ea"/>
                 <a:cs typeface="+mn-cs"/>
               </a:rPr>
@@ -5575,7 +5486,6 @@
                   <a:schemeClr val="tx1"/>
                 </a:solidFill>
                 <a:effectLst/>
-                <a:latin typeface="+mn-lt"/>
                 <a:ea typeface="+mn-ea"/>
                 <a:cs typeface="+mn-cs"/>
               </a:rPr>
@@ -5587,7 +5497,6 @@
                   <a:schemeClr val="tx1"/>
                 </a:solidFill>
                 <a:effectLst/>
-                <a:latin typeface="+mn-lt"/>
                 <a:ea typeface="+mn-ea"/>
                 <a:cs typeface="+mn-cs"/>
               </a:rPr>
@@ -5599,7 +5508,6 @@
                   <a:schemeClr val="tx1"/>
                 </a:solidFill>
                 <a:effectLst/>
-                <a:latin typeface="+mn-lt"/>
                 <a:ea typeface="+mn-ea"/>
                 <a:cs typeface="+mn-cs"/>
               </a:rPr>
@@ -5611,7 +5519,6 @@
                   <a:schemeClr val="tx1"/>
                 </a:solidFill>
                 <a:effectLst/>
-                <a:latin typeface="+mn-lt"/>
                 <a:ea typeface="+mn-ea"/>
                 <a:cs typeface="+mn-cs"/>
               </a:rPr>
@@ -5623,7 +5530,6 @@
                   <a:schemeClr val="tx1"/>
                 </a:solidFill>
                 <a:effectLst/>
-                <a:latin typeface="+mn-lt"/>
                 <a:ea typeface="+mn-ea"/>
                 <a:cs typeface="+mn-cs"/>
               </a:rPr>
@@ -5635,7 +5541,6 @@
                   <a:schemeClr val="tx1"/>
                 </a:solidFill>
                 <a:effectLst/>
-                <a:latin typeface="+mn-lt"/>
                 <a:ea typeface="+mn-ea"/>
                 <a:cs typeface="+mn-cs"/>
               </a:rPr>
@@ -5647,7 +5552,6 @@
                   <a:schemeClr val="tx1"/>
                 </a:solidFill>
                 <a:effectLst/>
-                <a:latin typeface="+mn-lt"/>
                 <a:ea typeface="+mn-ea"/>
                 <a:cs typeface="+mn-cs"/>
               </a:rPr>
@@ -5742,7 +5646,6 @@
                   <a:schemeClr val="tx1"/>
                 </a:solidFill>
                 <a:effectLst/>
-                <a:latin typeface="+mn-lt"/>
                 <a:ea typeface="+mn-ea"/>
                 <a:cs typeface="+mn-cs"/>
               </a:rPr>
@@ -5753,7 +5656,6 @@
                 <a:schemeClr val="tx1"/>
               </a:solidFill>
               <a:effectLst/>
-              <a:latin typeface="+mn-lt"/>
               <a:ea typeface="+mn-ea"/>
               <a:cs typeface="+mn-cs"/>
             </a:endParaRPr>
@@ -5846,7 +5748,6 @@
                   <a:schemeClr val="tx1"/>
                 </a:solidFill>
                 <a:effectLst/>
-                <a:latin typeface="+mn-lt"/>
                 <a:ea typeface="+mn-ea"/>
                 <a:cs typeface="+mn-cs"/>
               </a:rPr>
@@ -5858,7 +5759,6 @@
                   <a:schemeClr val="tx1"/>
                 </a:solidFill>
                 <a:effectLst/>
-                <a:latin typeface="+mn-lt"/>
                 <a:ea typeface="+mn-ea"/>
                 <a:cs typeface="+mn-cs"/>
               </a:rPr>
@@ -6046,7 +5946,6 @@
                   <a:schemeClr val="tx1"/>
                 </a:solidFill>
                 <a:effectLst/>
-                <a:latin typeface="+mn-lt"/>
                 <a:ea typeface="+mn-ea"/>
                 <a:cs typeface="+mn-cs"/>
               </a:rPr>
@@ -6057,7 +5956,6 @@
                 <a:schemeClr val="tx1"/>
               </a:solidFill>
               <a:effectLst/>
-              <a:latin typeface="+mn-lt"/>
               <a:ea typeface="+mn-ea"/>
               <a:cs typeface="+mn-cs"/>
             </a:endParaRPr>
@@ -6069,7 +5967,6 @@
                   <a:schemeClr val="tx1"/>
                 </a:solidFill>
                 <a:effectLst/>
-                <a:latin typeface="+mn-lt"/>
                 <a:ea typeface="+mn-ea"/>
                 <a:cs typeface="+mn-cs"/>
               </a:rPr>
@@ -6165,7 +6062,6 @@
                   <a:schemeClr val="tx1"/>
                 </a:solidFill>
                 <a:effectLst/>
-                <a:latin typeface="+mn-lt"/>
                 <a:ea typeface="+mn-ea"/>
                 <a:cs typeface="+mn-cs"/>
               </a:rPr>
@@ -6177,7 +6073,6 @@
                   <a:schemeClr val="tx1"/>
                 </a:solidFill>
                 <a:effectLst/>
-                <a:latin typeface="+mn-lt"/>
                 <a:ea typeface="+mn-ea"/>
                 <a:cs typeface="+mn-cs"/>
               </a:rPr>
@@ -6189,7 +6084,6 @@
                   <a:schemeClr val="tx1"/>
                 </a:solidFill>
                 <a:effectLst/>
-                <a:latin typeface="+mn-lt"/>
                 <a:ea typeface="+mn-ea"/>
                 <a:cs typeface="+mn-cs"/>
               </a:rPr>
@@ -6285,7 +6179,6 @@
                   <a:schemeClr val="tx1"/>
                 </a:solidFill>
                 <a:effectLst/>
-                <a:latin typeface="+mn-lt"/>
                 <a:ea typeface="+mn-ea"/>
                 <a:cs typeface="+mn-cs"/>
               </a:rPr>
@@ -6296,7 +6189,6 @@
                 <a:schemeClr val="tx1"/>
               </a:solidFill>
               <a:effectLst/>
-              <a:latin typeface="+mn-lt"/>
               <a:ea typeface="+mn-ea"/>
               <a:cs typeface="+mn-cs"/>
             </a:endParaRPr>
@@ -6389,7 +6281,6 @@
                   <a:schemeClr val="tx1"/>
                 </a:solidFill>
                 <a:effectLst/>
-                <a:latin typeface="+mn-lt"/>
                 <a:ea typeface="+mn-ea"/>
                 <a:cs typeface="+mn-cs"/>
               </a:rPr>
@@ -6400,7 +6291,6 @@
                 <a:schemeClr val="tx1"/>
               </a:solidFill>
               <a:effectLst/>
-              <a:latin typeface="+mn-lt"/>
               <a:ea typeface="+mn-ea"/>
               <a:cs typeface="+mn-cs"/>
             </a:endParaRPr>
@@ -6412,7 +6302,6 @@
                   <a:schemeClr val="tx1"/>
                 </a:solidFill>
                 <a:effectLst/>
-                <a:latin typeface="+mn-lt"/>
                 <a:ea typeface="+mn-ea"/>
                 <a:cs typeface="+mn-cs"/>
               </a:rPr>
@@ -6508,7 +6397,6 @@
                   <a:schemeClr val="tx1"/>
                 </a:solidFill>
                 <a:effectLst/>
-                <a:latin typeface="+mn-lt"/>
                 <a:ea typeface="+mn-ea"/>
                 <a:cs typeface="+mn-cs"/>
               </a:rPr>
@@ -6604,7 +6492,6 @@
                   <a:schemeClr val="tx1"/>
                 </a:solidFill>
                 <a:effectLst/>
-                <a:latin typeface="+mn-lt"/>
                 <a:ea typeface="+mn-ea"/>
                 <a:cs typeface="+mn-cs"/>
               </a:rPr>
@@ -6618,7 +6505,6 @@
                   <a:schemeClr val="tx1"/>
                 </a:solidFill>
                 <a:effectLst/>
-                <a:latin typeface="+mn-lt"/>
                 <a:ea typeface="+mn-ea"/>
                 <a:cs typeface="+mn-cs"/>
               </a:rPr>
@@ -6632,7 +6518,6 @@
                   <a:schemeClr val="tx1"/>
                 </a:solidFill>
                 <a:effectLst/>
-                <a:latin typeface="+mn-lt"/>
                 <a:ea typeface="+mn-ea"/>
                 <a:cs typeface="+mn-cs"/>
               </a:rPr>
@@ -6646,7 +6531,6 @@
                   <a:schemeClr val="tx1"/>
                 </a:solidFill>
                 <a:effectLst/>
-                <a:latin typeface="+mn-lt"/>
                 <a:ea typeface="+mn-ea"/>
                 <a:cs typeface="+mn-cs"/>
               </a:rPr>
@@ -6759,7 +6643,6 @@
                   <a:schemeClr val="tx1"/>
                 </a:solidFill>
                 <a:effectLst/>
-                <a:latin typeface="+mn-lt"/>
                 <a:ea typeface="+mn-ea"/>
                 <a:cs typeface="+mn-cs"/>
               </a:rPr>
@@ -6773,7 +6656,6 @@
                   <a:schemeClr val="tx1"/>
                 </a:solidFill>
                 <a:effectLst/>
-                <a:latin typeface="+mn-lt"/>
                 <a:ea typeface="+mn-ea"/>
                 <a:cs typeface="+mn-cs"/>
               </a:rPr>
@@ -6787,7 +6669,6 @@
                   <a:schemeClr val="tx1"/>
                 </a:solidFill>
                 <a:effectLst/>
-                <a:latin typeface="+mn-lt"/>
                 <a:ea typeface="+mn-ea"/>
                 <a:cs typeface="+mn-cs"/>
               </a:rPr>
@@ -6882,7 +6763,6 @@
                   <a:schemeClr val="tx1"/>
                 </a:solidFill>
                 <a:effectLst/>
-                <a:latin typeface="+mn-lt"/>
                 <a:ea typeface="+mn-ea"/>
                 <a:cs typeface="+mn-cs"/>
               </a:rPr>
@@ -6894,7 +6774,6 @@
                   <a:schemeClr val="tx1"/>
                 </a:solidFill>
                 <a:effectLst/>
-                <a:latin typeface="+mn-lt"/>
                 <a:ea typeface="+mn-ea"/>
                 <a:cs typeface="+mn-cs"/>
               </a:rPr>
@@ -6906,7 +6785,6 @@
                   <a:schemeClr val="tx1"/>
                 </a:solidFill>
                 <a:effectLst/>
-                <a:latin typeface="+mn-lt"/>
                 <a:ea typeface="+mn-ea"/>
                 <a:cs typeface="+mn-cs"/>
               </a:rPr>
@@ -6920,7 +6798,6 @@
                   <a:schemeClr val="tx1"/>
                 </a:solidFill>
                 <a:effectLst/>
-                <a:latin typeface="+mn-lt"/>
                 <a:ea typeface="+mn-ea"/>
                 <a:cs typeface="+mn-cs"/>
               </a:rPr>
@@ -6931,7 +6808,6 @@
                 <a:schemeClr val="tx1"/>
               </a:solidFill>
               <a:effectLst/>
-              <a:latin typeface="+mn-lt"/>
               <a:ea typeface="+mn-ea"/>
               <a:cs typeface="+mn-cs"/>
             </a:endParaRPr>
@@ -6943,7 +6819,6 @@
                   <a:schemeClr val="tx1"/>
                 </a:solidFill>
                 <a:effectLst/>
-                <a:latin typeface="+mn-lt"/>
                 <a:ea typeface="+mn-ea"/>
                 <a:cs typeface="+mn-cs"/>
               </a:rPr>
@@ -6955,7 +6830,6 @@
                   <a:schemeClr val="tx1"/>
                 </a:solidFill>
                 <a:effectLst/>
-                <a:latin typeface="+mn-lt"/>
                 <a:ea typeface="+mn-ea"/>
                 <a:cs typeface="+mn-cs"/>
               </a:rPr>
@@ -7051,7 +6925,6 @@
                   <a:schemeClr val="tx1"/>
                 </a:solidFill>
                 <a:effectLst/>
-                <a:latin typeface="+mn-lt"/>
                 <a:ea typeface="+mn-ea"/>
                 <a:cs typeface="+mn-cs"/>
               </a:rPr>
@@ -7065,7 +6938,6 @@
                   <a:schemeClr val="tx1"/>
                 </a:solidFill>
                 <a:effectLst/>
-                <a:latin typeface="+mn-lt"/>
                 <a:ea typeface="+mn-ea"/>
                 <a:cs typeface="+mn-cs"/>
               </a:rPr>
@@ -7160,7 +7032,6 @@
                 <a:schemeClr val="tx1"/>
               </a:solidFill>
               <a:effectLst/>
-              <a:latin typeface="+mn-lt"/>
               <a:ea typeface="+mn-ea"/>
               <a:cs typeface="+mn-cs"/>
             </a:endParaRPr>
@@ -7377,7 +7248,6 @@
                   <a:schemeClr val="tx1"/>
                 </a:solidFill>
                 <a:effectLst/>
-                <a:latin typeface="+mn-lt"/>
                 <a:ea typeface="+mn-ea"/>
                 <a:cs typeface="+mn-cs"/>
               </a:rPr>
@@ -7390,7 +7260,6 @@
                 <a:schemeClr val="tx1"/>
               </a:solidFill>
               <a:effectLst/>
-              <a:latin typeface="+mn-lt"/>
               <a:ea typeface="+mn-ea"/>
               <a:cs typeface="+mn-cs"/>
             </a:endParaRPr>
@@ -7483,7 +7352,6 @@
                   <a:schemeClr val="tx1"/>
                 </a:solidFill>
                 <a:effectLst/>
-                <a:latin typeface="+mn-lt"/>
                 <a:ea typeface="+mn-ea"/>
                 <a:cs typeface="+mn-cs"/>
               </a:rPr>
@@ -7495,7 +7363,6 @@
                   <a:schemeClr val="tx1"/>
                 </a:solidFill>
                 <a:effectLst/>
-                <a:latin typeface="+mn-lt"/>
                 <a:ea typeface="+mn-ea"/>
                 <a:cs typeface="+mn-cs"/>
               </a:rPr>
@@ -7506,7 +7373,6 @@
                 <a:schemeClr val="tx1"/>
               </a:solidFill>
               <a:effectLst/>
-              <a:latin typeface="+mn-lt"/>
               <a:ea typeface="+mn-ea"/>
               <a:cs typeface="+mn-cs"/>
             </a:endParaRPr>
@@ -7599,7 +7465,6 @@
                   <a:schemeClr val="tx1"/>
                 </a:solidFill>
                 <a:effectLst/>
-                <a:latin typeface="+mn-lt"/>
                 <a:ea typeface="+mn-ea"/>
                 <a:cs typeface="+mn-cs"/>
               </a:rPr>
@@ -7610,7 +7475,6 @@
                 <a:schemeClr val="tx1"/>
               </a:solidFill>
               <a:effectLst/>
-              <a:latin typeface="+mn-lt"/>
               <a:ea typeface="+mn-ea"/>
               <a:cs typeface="+mn-cs"/>
             </a:endParaRPr>
@@ -7718,7 +7582,6 @@
                   <a:schemeClr val="tx1"/>
                 </a:solidFill>
                 <a:effectLst/>
-                <a:latin typeface="+mn-lt"/>
                 <a:ea typeface="+mn-ea"/>
                 <a:cs typeface="+mn-cs"/>
               </a:rPr>
@@ -7814,7 +7677,6 @@
                   <a:schemeClr val="tx1"/>
                 </a:solidFill>
                 <a:effectLst/>
-                <a:latin typeface="+mn-lt"/>
                 <a:ea typeface="+mn-ea"/>
                 <a:cs typeface="+mn-cs"/>
               </a:rPr>
@@ -7826,7 +7688,6 @@
                   <a:schemeClr val="tx1"/>
                 </a:solidFill>
                 <a:effectLst/>
-                <a:latin typeface="+mn-lt"/>
                 <a:ea typeface="+mn-ea"/>
                 <a:cs typeface="+mn-cs"/>
               </a:rPr>
@@ -7840,7 +7701,6 @@
                   <a:schemeClr val="tx1"/>
                 </a:solidFill>
                 <a:effectLst/>
-                <a:latin typeface="+mn-lt"/>
                 <a:ea typeface="+mn-ea"/>
                 <a:cs typeface="+mn-cs"/>
               </a:rPr>
@@ -7852,7 +7712,6 @@
                   <a:schemeClr val="tx1"/>
                 </a:solidFill>
                 <a:effectLst/>
-                <a:latin typeface="+mn-lt"/>
                 <a:ea typeface="+mn-ea"/>
                 <a:cs typeface="+mn-cs"/>
               </a:rPr>
@@ -7864,7 +7723,6 @@
                   <a:schemeClr val="tx1"/>
                 </a:solidFill>
                 <a:effectLst/>
-                <a:latin typeface="+mn-lt"/>
                 <a:ea typeface="+mn-ea"/>
                 <a:cs typeface="+mn-cs"/>
               </a:rPr>
@@ -7876,7 +7734,6 @@
                   <a:schemeClr val="tx1"/>
                 </a:solidFill>
                 <a:effectLst/>
-                <a:latin typeface="+mn-lt"/>
                 <a:ea typeface="+mn-ea"/>
                 <a:cs typeface="+mn-cs"/>
               </a:rPr>
@@ -7888,7 +7745,6 @@
                   <a:schemeClr val="tx1"/>
                 </a:solidFill>
                 <a:effectLst/>
-                <a:latin typeface="+mn-lt"/>
                 <a:ea typeface="+mn-ea"/>
                 <a:cs typeface="+mn-cs"/>
               </a:rPr>
@@ -7983,7 +7839,6 @@
                   <a:schemeClr val="tx1"/>
                 </a:solidFill>
                 <a:effectLst/>
-                <a:latin typeface="+mn-lt"/>
                 <a:ea typeface="+mn-ea"/>
                 <a:cs typeface="+mn-cs"/>
               </a:rPr>
@@ -7994,7 +7849,6 @@
                 <a:schemeClr val="tx1"/>
               </a:solidFill>
               <a:effectLst/>
-              <a:latin typeface="+mn-lt"/>
               <a:ea typeface="+mn-ea"/>
               <a:cs typeface="+mn-cs"/>
             </a:endParaRPr>
@@ -8087,7 +7941,6 @@
                   <a:schemeClr val="tx1"/>
                 </a:solidFill>
                 <a:effectLst/>
-                <a:latin typeface="+mn-lt"/>
                 <a:ea typeface="+mn-ea"/>
                 <a:cs typeface="+mn-cs"/>
               </a:rPr>
@@ -8103,7 +7956,6 @@
                   <a:schemeClr val="tx1"/>
                 </a:solidFill>
                 <a:effectLst/>
-                <a:latin typeface="+mn-lt"/>
                 <a:ea typeface="+mn-ea"/>
                 <a:cs typeface="+mn-cs"/>
               </a:rPr>
@@ -8119,7 +7971,6 @@
                   <a:schemeClr val="tx1"/>
                 </a:solidFill>
                 <a:effectLst/>
-                <a:latin typeface="+mn-lt"/>
                 <a:ea typeface="+mn-ea"/>
                 <a:cs typeface="+mn-cs"/>
               </a:rPr>
@@ -8244,7 +8095,6 @@
                   <a:schemeClr val="tx1"/>
                 </a:solidFill>
                 <a:effectLst/>
-                <a:latin typeface="+mn-lt"/>
                 <a:ea typeface="+mn-ea"/>
                 <a:cs typeface="+mn-cs"/>
               </a:rPr>
@@ -8256,7 +8106,6 @@
                   <a:schemeClr val="tx1"/>
                 </a:solidFill>
                 <a:effectLst/>
-                <a:latin typeface="+mn-lt"/>
                 <a:ea typeface="+mn-ea"/>
                 <a:cs typeface="+mn-cs"/>
               </a:rPr>
@@ -8268,7 +8117,6 @@
                   <a:schemeClr val="tx1"/>
                 </a:solidFill>
                 <a:effectLst/>
-                <a:latin typeface="+mn-lt"/>
                 <a:ea typeface="+mn-ea"/>
                 <a:cs typeface="+mn-cs"/>
               </a:rPr>
@@ -8280,7 +8128,6 @@
                   <a:schemeClr val="tx1"/>
                 </a:solidFill>
                 <a:effectLst/>
-                <a:latin typeface="+mn-lt"/>
                 <a:ea typeface="+mn-ea"/>
                 <a:cs typeface="+mn-cs"/>
               </a:rPr>
@@ -8294,7 +8141,6 @@
                   <a:schemeClr val="tx1"/>
                 </a:solidFill>
                 <a:effectLst/>
-                <a:latin typeface="+mn-lt"/>
                 <a:ea typeface="+mn-ea"/>
                 <a:cs typeface="+mn-cs"/>
               </a:rPr>
@@ -8389,7 +8235,6 @@
                   <a:schemeClr val="tx1"/>
                 </a:solidFill>
                 <a:effectLst/>
-                <a:latin typeface="+mn-lt"/>
                 <a:ea typeface="+mn-ea"/>
                 <a:cs typeface="+mn-cs"/>
               </a:rPr>
@@ -8400,7 +8245,6 @@
                 <a:schemeClr val="tx1"/>
               </a:solidFill>
               <a:effectLst/>
-              <a:latin typeface="+mn-lt"/>
               <a:ea typeface="+mn-ea"/>
               <a:cs typeface="+mn-cs"/>
             </a:endParaRPr>
@@ -8411,7 +8255,6 @@
                 <a:schemeClr val="tx1"/>
               </a:solidFill>
               <a:effectLst/>
-              <a:latin typeface="+mn-lt"/>
               <a:ea typeface="+mn-ea"/>
               <a:cs typeface="+mn-cs"/>
             </a:endParaRPr>
@@ -8423,7 +8266,6 @@
                   <a:schemeClr val="tx1"/>
                 </a:solidFill>
                 <a:effectLst/>
-                <a:latin typeface="+mn-lt"/>
                 <a:ea typeface="+mn-ea"/>
                 <a:cs typeface="+mn-cs"/>
               </a:rPr>
@@ -8435,7 +8277,6 @@
                   <a:schemeClr val="tx1"/>
                 </a:solidFill>
                 <a:effectLst/>
-                <a:latin typeface="+mn-lt"/>
                 <a:ea typeface="+mn-ea"/>
                 <a:cs typeface="+mn-cs"/>
               </a:rPr>
@@ -8446,7 +8287,6 @@
                 <a:schemeClr val="tx1"/>
               </a:solidFill>
               <a:effectLst/>
-              <a:latin typeface="+mn-lt"/>
               <a:ea typeface="+mn-ea"/>
               <a:cs typeface="+mn-cs"/>
             </a:endParaRPr>
@@ -8539,7 +8379,6 @@
                   <a:schemeClr val="tx1"/>
                 </a:solidFill>
                 <a:effectLst/>
-                <a:latin typeface="+mn-lt"/>
                 <a:ea typeface="+mn-ea"/>
                 <a:cs typeface="+mn-cs"/>
               </a:rPr>
@@ -8551,7 +8390,6 @@
                   <a:schemeClr val="tx1"/>
                 </a:solidFill>
                 <a:effectLst/>
-                <a:latin typeface="+mn-lt"/>
                 <a:ea typeface="+mn-ea"/>
                 <a:cs typeface="+mn-cs"/>
               </a:rPr>
@@ -8563,7 +8401,6 @@
                   <a:schemeClr val="tx1"/>
                 </a:solidFill>
                 <a:effectLst/>
-                <a:latin typeface="+mn-lt"/>
                 <a:ea typeface="+mn-ea"/>
                 <a:cs typeface="+mn-cs"/>
               </a:rPr>
@@ -8575,7 +8412,6 @@
                   <a:schemeClr val="tx1"/>
                 </a:solidFill>
                 <a:effectLst/>
-                <a:latin typeface="+mn-lt"/>
                 <a:ea typeface="+mn-ea"/>
                 <a:cs typeface="+mn-cs"/>
               </a:rPr>
@@ -8587,7 +8423,6 @@
                   <a:schemeClr val="tx1"/>
                 </a:solidFill>
                 <a:effectLst/>
-                <a:latin typeface="+mn-lt"/>
                 <a:ea typeface="+mn-ea"/>
                 <a:cs typeface="+mn-cs"/>
               </a:rPr>
@@ -8601,7 +8436,6 @@
                   <a:schemeClr val="tx1"/>
                 </a:solidFill>
                 <a:effectLst/>
-                <a:latin typeface="+mn-lt"/>
                 <a:ea typeface="+mn-ea"/>
                 <a:cs typeface="+mn-cs"/>
               </a:rPr>
@@ -8613,7 +8447,6 @@
                   <a:schemeClr val="tx1"/>
                 </a:solidFill>
                 <a:effectLst/>
-                <a:latin typeface="+mn-lt"/>
                 <a:ea typeface="+mn-ea"/>
                 <a:cs typeface="+mn-cs"/>
               </a:rPr>
@@ -8624,7 +8457,6 @@
                 <a:schemeClr val="tx1"/>
               </a:solidFill>
               <a:effectLst/>
-              <a:latin typeface="+mn-lt"/>
               <a:ea typeface="+mn-ea"/>
               <a:cs typeface="+mn-cs"/>
             </a:endParaRPr>
@@ -8864,7 +8696,6 @@
                 <a:schemeClr val="tx1"/>
               </a:solidFill>
               <a:effectLst/>
-              <a:latin typeface="+mn-lt"/>
               <a:ea typeface="+mn-ea"/>
               <a:cs typeface="+mn-cs"/>
             </a:endParaRPr>
@@ -8956,7 +8787,6 @@
                 <a:schemeClr val="tx1"/>
               </a:solidFill>
               <a:effectLst/>
-              <a:latin typeface="+mn-lt"/>
               <a:ea typeface="+mn-ea"/>
               <a:cs typeface="+mn-cs"/>
             </a:endParaRPr>
@@ -9048,7 +8878,6 @@
                 <a:schemeClr val="tx1"/>
               </a:solidFill>
               <a:effectLst/>
-              <a:latin typeface="+mn-lt"/>
               <a:ea typeface="+mn-ea"/>
               <a:cs typeface="+mn-cs"/>
             </a:endParaRPr>
@@ -9140,7 +8969,6 @@
                 <a:schemeClr val="tx1"/>
               </a:solidFill>
               <a:effectLst/>
-              <a:latin typeface="+mn-lt"/>
               <a:ea typeface="+mn-ea"/>
               <a:cs typeface="+mn-cs"/>
             </a:endParaRPr>
@@ -9233,7 +9061,6 @@
                   <a:schemeClr val="tx1"/>
                 </a:solidFill>
                 <a:effectLst/>
-                <a:latin typeface="+mn-lt"/>
                 <a:ea typeface="+mn-ea"/>
                 <a:cs typeface="+mn-cs"/>
               </a:rPr>
@@ -9244,7 +9071,6 @@
                 <a:schemeClr val="tx1"/>
               </a:solidFill>
               <a:effectLst/>
-              <a:latin typeface="+mn-lt"/>
               <a:ea typeface="+mn-ea"/>
               <a:cs typeface="+mn-cs"/>
             </a:endParaRPr>
@@ -9256,7 +9082,6 @@
                   <a:schemeClr val="tx1"/>
                 </a:solidFill>
                 <a:effectLst/>
-                <a:latin typeface="+mn-lt"/>
                 <a:ea typeface="+mn-ea"/>
                 <a:cs typeface="+mn-cs"/>
               </a:rPr>
@@ -9268,7 +9093,6 @@
                   <a:schemeClr val="tx1"/>
                 </a:solidFill>
                 <a:effectLst/>
-                <a:latin typeface="+mn-lt"/>
                 <a:ea typeface="+mn-ea"/>
                 <a:cs typeface="+mn-cs"/>
               </a:rPr>
@@ -9280,7 +9104,6 @@
                   <a:schemeClr val="tx1"/>
                 </a:solidFill>
                 <a:effectLst/>
-                <a:latin typeface="+mn-lt"/>
                 <a:ea typeface="+mn-ea"/>
                 <a:cs typeface="+mn-cs"/>
               </a:rPr>
@@ -9293,7 +9116,6 @@
                 <a:schemeClr val="tx1"/>
               </a:solidFill>
               <a:effectLst/>
-              <a:latin typeface="+mn-lt"/>
               <a:ea typeface="+mn-ea"/>
               <a:cs typeface="+mn-cs"/>
             </a:endParaRPr>
@@ -9386,7 +9208,6 @@
                   <a:schemeClr val="tx1"/>
                 </a:solidFill>
                 <a:effectLst/>
-                <a:latin typeface="+mn-lt"/>
                 <a:ea typeface="+mn-ea"/>
                 <a:cs typeface="+mn-cs"/>
               </a:rPr>
@@ -9398,7 +9219,6 @@
                   <a:schemeClr val="tx1"/>
                 </a:solidFill>
                 <a:effectLst/>
-                <a:latin typeface="+mn-lt"/>
                 <a:ea typeface="+mn-ea"/>
                 <a:cs typeface="+mn-cs"/>
               </a:rPr>
@@ -9410,7 +9230,6 @@
                   <a:schemeClr val="tx1"/>
                 </a:solidFill>
                 <a:effectLst/>
-                <a:latin typeface="+mn-lt"/>
                 <a:ea typeface="+mn-ea"/>
                 <a:cs typeface="+mn-cs"/>
               </a:rPr>
@@ -9422,7 +9241,6 @@
                   <a:schemeClr val="tx1"/>
                 </a:solidFill>
                 <a:effectLst/>
-                <a:latin typeface="+mn-lt"/>
                 <a:ea typeface="+mn-ea"/>
                 <a:cs typeface="+mn-cs"/>
               </a:rPr>
@@ -9434,7 +9252,6 @@
                   <a:schemeClr val="tx1"/>
                 </a:solidFill>
                 <a:effectLst/>
-                <a:latin typeface="+mn-lt"/>
                 <a:ea typeface="+mn-ea"/>
                 <a:cs typeface="+mn-cs"/>
               </a:rPr>
@@ -9446,7 +9263,6 @@
                   <a:schemeClr val="tx1"/>
                 </a:solidFill>
                 <a:effectLst/>
-                <a:latin typeface="+mn-lt"/>
                 <a:ea typeface="+mn-ea"/>
                 <a:cs typeface="+mn-cs"/>
               </a:rPr>
@@ -9459,7 +9275,6 @@
                 <a:schemeClr val="tx1"/>
               </a:solidFill>
               <a:effectLst/>
-              <a:latin typeface="+mn-lt"/>
               <a:ea typeface="+mn-ea"/>
               <a:cs typeface="+mn-cs"/>
             </a:endParaRPr>
@@ -9471,7 +9286,6 @@
                   <a:schemeClr val="tx1"/>
                 </a:solidFill>
                 <a:effectLst/>
-                <a:latin typeface="+mn-lt"/>
                 <a:ea typeface="+mn-ea"/>
                 <a:cs typeface="+mn-cs"/>
               </a:rPr>
@@ -9566,7 +9380,6 @@
                   <a:schemeClr val="tx1"/>
                 </a:solidFill>
                 <a:effectLst/>
-                <a:latin typeface="+mn-lt"/>
                 <a:ea typeface="+mn-ea"/>
                 <a:cs typeface="+mn-cs"/>
               </a:rPr>
@@ -9678,7 +9491,6 @@
                   <a:schemeClr val="tx1"/>
                 </a:solidFill>
                 <a:effectLst/>
-                <a:latin typeface="+mn-lt"/>
                 <a:ea typeface="+mn-ea"/>
                 <a:cs typeface="+mn-cs"/>
               </a:rPr>
@@ -9691,7 +9503,6 @@
                 <a:schemeClr val="tx1"/>
               </a:solidFill>
               <a:effectLst/>
-              <a:latin typeface="+mn-lt"/>
               <a:ea typeface="+mn-ea"/>
               <a:cs typeface="+mn-cs"/>
             </a:endParaRPr>
@@ -9801,7 +9612,6 @@
                   <a:schemeClr val="tx1"/>
                 </a:solidFill>
                 <a:effectLst/>
-                <a:latin typeface="+mn-lt"/>
                 <a:ea typeface="+mn-ea"/>
                 <a:cs typeface="+mn-cs"/>
               </a:rPr>
@@ -9813,7 +9623,6 @@
                   <a:schemeClr val="tx1"/>
                 </a:solidFill>
                 <a:effectLst/>
-                <a:latin typeface="+mn-lt"/>
                 <a:ea typeface="+mn-ea"/>
                 <a:cs typeface="+mn-cs"/>
               </a:rPr>
@@ -9844,7 +9653,6 @@
                   <a:schemeClr val="tx1"/>
                 </a:solidFill>
                 <a:effectLst/>
-                <a:latin typeface="+mn-lt"/>
                 <a:ea typeface="+mn-ea"/>
                 <a:cs typeface="+mn-cs"/>
               </a:rPr>
@@ -9856,7 +9664,6 @@
                   <a:schemeClr val="tx1"/>
                 </a:solidFill>
                 <a:effectLst/>
-                <a:latin typeface="+mn-lt"/>
                 <a:ea typeface="+mn-ea"/>
                 <a:cs typeface="+mn-cs"/>
               </a:rPr>
@@ -9868,7 +9675,6 @@
                   <a:schemeClr val="tx1"/>
                 </a:solidFill>
                 <a:effectLst/>
-                <a:latin typeface="+mn-lt"/>
                 <a:ea typeface="+mn-ea"/>
                 <a:cs typeface="+mn-cs"/>
               </a:rPr>
@@ -9880,7 +9686,6 @@
                   <a:schemeClr val="tx1"/>
                 </a:solidFill>
                 <a:effectLst/>
-                <a:latin typeface="+mn-lt"/>
                 <a:ea typeface="+mn-ea"/>
                 <a:cs typeface="+mn-cs"/>
               </a:rPr>
@@ -9892,7 +9697,6 @@
                   <a:schemeClr val="tx1"/>
                 </a:solidFill>
                 <a:effectLst/>
-                <a:latin typeface="+mn-lt"/>
                 <a:ea typeface="+mn-ea"/>
                 <a:cs typeface="+mn-cs"/>
               </a:rPr>
@@ -9904,7 +9708,6 @@
                   <a:schemeClr val="tx1"/>
                 </a:solidFill>
                 <a:effectLst/>
-                <a:latin typeface="+mn-lt"/>
                 <a:ea typeface="+mn-ea"/>
                 <a:cs typeface="+mn-cs"/>
               </a:rPr>
@@ -9935,7 +9738,6 @@
                   <a:schemeClr val="tx1"/>
                 </a:solidFill>
                 <a:effectLst/>
-                <a:latin typeface="+mn-lt"/>
                 <a:ea typeface="+mn-ea"/>
                 <a:cs typeface="+mn-cs"/>
               </a:rPr>
@@ -9947,7 +9749,6 @@
                   <a:schemeClr val="tx1"/>
                 </a:solidFill>
                 <a:effectLst/>
-                <a:latin typeface="+mn-lt"/>
                 <a:ea typeface="+mn-ea"/>
                 <a:cs typeface="+mn-cs"/>
               </a:rPr>
@@ -9959,7 +9760,6 @@
                   <a:schemeClr val="tx1"/>
                 </a:solidFill>
                 <a:effectLst/>
-                <a:latin typeface="+mn-lt"/>
                 <a:ea typeface="+mn-ea"/>
                 <a:cs typeface="+mn-cs"/>
               </a:rPr>
@@ -9971,7 +9771,6 @@
                   <a:schemeClr val="tx1"/>
                 </a:solidFill>
                 <a:effectLst/>
-                <a:latin typeface="+mn-lt"/>
                 <a:ea typeface="+mn-ea"/>
                 <a:cs typeface="+mn-cs"/>
               </a:rPr>
@@ -9983,7 +9782,6 @@
                   <a:schemeClr val="tx1"/>
                 </a:solidFill>
                 <a:effectLst/>
-                <a:latin typeface="+mn-lt"/>
                 <a:ea typeface="+mn-ea"/>
                 <a:cs typeface="+mn-cs"/>
               </a:rPr>
@@ -9995,7 +9793,6 @@
                   <a:schemeClr val="tx1"/>
                 </a:solidFill>
                 <a:effectLst/>
-                <a:latin typeface="+mn-lt"/>
                 <a:ea typeface="+mn-ea"/>
                 <a:cs typeface="+mn-cs"/>
               </a:rPr>
@@ -10025,7 +9822,6 @@
                 <a:schemeClr val="tx1"/>
               </a:solidFill>
               <a:effectLst/>
-              <a:latin typeface="+mn-lt"/>
               <a:ea typeface="+mn-ea"/>
               <a:cs typeface="+mn-cs"/>
             </a:endParaRPr>
@@ -10135,7 +9931,6 @@
                   <a:schemeClr val="tx1"/>
                 </a:solidFill>
                 <a:effectLst/>
-                <a:latin typeface="+mn-lt"/>
                 <a:ea typeface="+mn-ea"/>
                 <a:cs typeface="+mn-cs"/>
               </a:rPr>
@@ -10367,7 +10162,6 @@
                   <a:schemeClr val="tx1"/>
                 </a:solidFill>
                 <a:effectLst/>
-                <a:latin typeface="+mn-lt"/>
                 <a:ea typeface="+mn-ea"/>
                 <a:cs typeface="+mn-cs"/>
               </a:rPr>
@@ -10379,7 +10173,6 @@
                   <a:schemeClr val="tx1"/>
                 </a:solidFill>
                 <a:effectLst/>
-                <a:latin typeface="+mn-lt"/>
                 <a:ea typeface="+mn-ea"/>
                 <a:cs typeface="+mn-cs"/>
               </a:rPr>
@@ -10391,7 +10184,6 @@
                   <a:schemeClr val="tx1"/>
                 </a:solidFill>
                 <a:effectLst/>
-                <a:latin typeface="+mn-lt"/>
                 <a:ea typeface="+mn-ea"/>
                 <a:cs typeface="+mn-cs"/>
               </a:rPr>
@@ -10486,7 +10278,6 @@
                   <a:schemeClr val="tx1"/>
                 </a:solidFill>
                 <a:effectLst/>
-                <a:latin typeface="+mn-lt"/>
                 <a:ea typeface="+mn-ea"/>
                 <a:cs typeface="+mn-cs"/>
               </a:rPr>
@@ -10497,7 +10288,6 @@
                 <a:schemeClr val="tx1"/>
               </a:solidFill>
               <a:effectLst/>
-              <a:latin typeface="+mn-lt"/>
               <a:ea typeface="+mn-ea"/>
               <a:cs typeface="+mn-cs"/>
             </a:endParaRPr>
@@ -10526,7 +10316,6 @@
                   <a:schemeClr val="tx1"/>
                 </a:solidFill>
                 <a:effectLst/>
-                <a:latin typeface="+mn-lt"/>
                 <a:ea typeface="+mn-ea"/>
                 <a:cs typeface="+mn-cs"/>
               </a:rPr>
@@ -10557,7 +10346,6 @@
                   <a:schemeClr val="tx1"/>
                 </a:solidFill>
                 <a:effectLst/>
-                <a:latin typeface="+mn-lt"/>
                 <a:ea typeface="+mn-ea"/>
                 <a:cs typeface="+mn-cs"/>
               </a:rPr>
@@ -10568,7 +10356,6 @@
                 <a:schemeClr val="tx1"/>
               </a:solidFill>
               <a:effectLst/>
-              <a:latin typeface="+mn-lt"/>
               <a:ea typeface="+mn-ea"/>
               <a:cs typeface="+mn-cs"/>
             </a:endParaRPr>
@@ -10596,7 +10383,6 @@
                 <a:schemeClr val="tx1"/>
               </a:solidFill>
               <a:effectLst/>
-              <a:latin typeface="+mn-lt"/>
               <a:ea typeface="+mn-ea"/>
               <a:cs typeface="+mn-cs"/>
             </a:endParaRPr>
@@ -10625,7 +10411,6 @@
                   <a:schemeClr val="tx1"/>
                 </a:solidFill>
                 <a:effectLst/>
-                <a:latin typeface="+mn-lt"/>
                 <a:ea typeface="+mn-ea"/>
                 <a:cs typeface="+mn-cs"/>
               </a:rPr>
@@ -10637,7 +10422,6 @@
                   <a:schemeClr val="tx1"/>
                 </a:solidFill>
                 <a:effectLst/>
-                <a:latin typeface="+mn-lt"/>
                 <a:ea typeface="+mn-ea"/>
                 <a:cs typeface="+mn-cs"/>
               </a:rPr>
@@ -10648,7 +10432,6 @@
                 <a:schemeClr val="tx1"/>
               </a:solidFill>
               <a:effectLst/>
-              <a:latin typeface="+mn-lt"/>
               <a:ea typeface="+mn-ea"/>
               <a:cs typeface="+mn-cs"/>
             </a:endParaRPr>
@@ -10758,7 +10541,6 @@
                   <a:schemeClr val="tx1"/>
                 </a:solidFill>
                 <a:effectLst/>
-                <a:latin typeface="+mn-lt"/>
                 <a:ea typeface="+mn-ea"/>
                 <a:cs typeface="+mn-cs"/>
               </a:rPr>
@@ -10788,7 +10570,6 @@
                 <a:schemeClr val="tx1"/>
               </a:solidFill>
               <a:effectLst/>
-              <a:latin typeface="+mn-lt"/>
               <a:ea typeface="+mn-ea"/>
               <a:cs typeface="+mn-cs"/>
             </a:endParaRPr>
@@ -10817,7 +10598,6 @@
                   <a:schemeClr val="tx1"/>
                 </a:solidFill>
                 <a:effectLst/>
-                <a:latin typeface="+mn-lt"/>
                 <a:ea typeface="+mn-ea"/>
                 <a:cs typeface="+mn-cs"/>
               </a:rPr>
@@ -10929,7 +10709,6 @@
                   <a:schemeClr val="tx1"/>
                 </a:solidFill>
                 <a:effectLst/>
-                <a:latin typeface="+mn-lt"/>
                 <a:ea typeface="+mn-ea"/>
                 <a:cs typeface="+mn-cs"/>
               </a:rPr>
@@ -10960,7 +10739,6 @@
                   <a:schemeClr val="tx1"/>
                 </a:solidFill>
                 <a:effectLst/>
-                <a:latin typeface="+mn-lt"/>
                 <a:ea typeface="+mn-ea"/>
                 <a:cs typeface="+mn-cs"/>
               </a:rPr>
@@ -10972,7 +10750,6 @@
                   <a:schemeClr val="tx1"/>
                 </a:solidFill>
                 <a:effectLst/>
-                <a:latin typeface="+mn-lt"/>
                 <a:ea typeface="+mn-ea"/>
                 <a:cs typeface="+mn-cs"/>
               </a:rPr>
@@ -10984,7 +10761,6 @@
                   <a:schemeClr val="tx1"/>
                 </a:solidFill>
                 <a:effectLst/>
-                <a:latin typeface="+mn-lt"/>
                 <a:ea typeface="+mn-ea"/>
                 <a:cs typeface="+mn-cs"/>
               </a:rPr>
@@ -10996,7 +10772,6 @@
                   <a:schemeClr val="tx1"/>
                 </a:solidFill>
                 <a:effectLst/>
-                <a:latin typeface="+mn-lt"/>
                 <a:ea typeface="+mn-ea"/>
                 <a:cs typeface="+mn-cs"/>
               </a:rPr>
@@ -11008,7 +10783,6 @@
                   <a:schemeClr val="tx1"/>
                 </a:solidFill>
                 <a:effectLst/>
-                <a:latin typeface="+mn-lt"/>
                 <a:ea typeface="+mn-ea"/>
                 <a:cs typeface="+mn-cs"/>
               </a:rPr>
@@ -11038,7 +10812,6 @@
                 <a:schemeClr val="tx1"/>
               </a:solidFill>
               <a:effectLst/>
-              <a:latin typeface="+mn-lt"/>
               <a:ea typeface="+mn-ea"/>
               <a:cs typeface="+mn-cs"/>
             </a:endParaRPr>
@@ -11067,7 +10840,6 @@
                   <a:schemeClr val="tx1"/>
                 </a:solidFill>
                 <a:effectLst/>
-                <a:latin typeface="+mn-lt"/>
                 <a:ea typeface="+mn-ea"/>
                 <a:cs typeface="+mn-cs"/>
               </a:rPr>
@@ -11079,7 +10851,6 @@
                   <a:schemeClr val="tx1"/>
                 </a:solidFill>
                 <a:effectLst/>
-                <a:latin typeface="+mn-lt"/>
                 <a:ea typeface="+mn-ea"/>
                 <a:cs typeface="+mn-cs"/>
               </a:rPr>
@@ -11091,7 +10862,6 @@
                   <a:schemeClr val="tx1"/>
                 </a:solidFill>
                 <a:effectLst/>
-                <a:latin typeface="+mn-lt"/>
                 <a:ea typeface="+mn-ea"/>
                 <a:cs typeface="+mn-cs"/>
               </a:rPr>
@@ -11103,7 +10873,6 @@
                   <a:schemeClr val="tx1"/>
                 </a:solidFill>
                 <a:effectLst/>
-                <a:latin typeface="+mn-lt"/>
                 <a:ea typeface="+mn-ea"/>
                 <a:cs typeface="+mn-cs"/>
               </a:rPr>
@@ -11115,7 +10884,6 @@
                   <a:schemeClr val="tx1"/>
                 </a:solidFill>
                 <a:effectLst/>
-                <a:latin typeface="+mn-lt"/>
                 <a:ea typeface="+mn-ea"/>
                 <a:cs typeface="+mn-cs"/>
               </a:rPr>
@@ -11227,7 +10995,6 @@
                   <a:schemeClr val="tx1"/>
                 </a:solidFill>
                 <a:effectLst/>
-                <a:latin typeface="+mn-lt"/>
                 <a:ea typeface="+mn-ea"/>
                 <a:cs typeface="+mn-cs"/>
               </a:rPr>
@@ -11239,7 +11006,6 @@
                   <a:schemeClr val="tx1"/>
                 </a:solidFill>
                 <a:effectLst/>
-                <a:latin typeface="+mn-lt"/>
                 <a:ea typeface="+mn-ea"/>
                 <a:cs typeface="+mn-cs"/>
               </a:rPr>
@@ -11250,7 +11016,6 @@
                 <a:schemeClr val="tx1"/>
               </a:solidFill>
               <a:effectLst/>
-              <a:latin typeface="+mn-lt"/>
               <a:ea typeface="+mn-ea"/>
               <a:cs typeface="+mn-cs"/>
             </a:endParaRPr>
@@ -11279,7 +11044,6 @@
                   <a:schemeClr val="tx1"/>
                 </a:solidFill>
                 <a:effectLst/>
-                <a:latin typeface="+mn-lt"/>
                 <a:ea typeface="+mn-ea"/>
                 <a:cs typeface="+mn-cs"/>
               </a:rPr>
@@ -11291,7 +11055,6 @@
                   <a:schemeClr val="tx1"/>
                 </a:solidFill>
                 <a:effectLst/>
-                <a:latin typeface="+mn-lt"/>
                 <a:ea typeface="+mn-ea"/>
                 <a:cs typeface="+mn-cs"/>
               </a:rPr>
@@ -11303,7 +11066,6 @@
                   <a:schemeClr val="tx1"/>
                 </a:solidFill>
                 <a:effectLst/>
-                <a:latin typeface="+mn-lt"/>
                 <a:ea typeface="+mn-ea"/>
                 <a:cs typeface="+mn-cs"/>
               </a:rPr>
@@ -11315,7 +11077,6 @@
                   <a:schemeClr val="tx1"/>
                 </a:solidFill>
                 <a:effectLst/>
-                <a:latin typeface="+mn-lt"/>
                 <a:ea typeface="+mn-ea"/>
                 <a:cs typeface="+mn-cs"/>
               </a:rPr>
@@ -11410,7 +11171,6 @@
                   <a:schemeClr val="tx1"/>
                 </a:solidFill>
                 <a:effectLst/>
-                <a:latin typeface="+mn-lt"/>
                 <a:ea typeface="+mn-ea"/>
                 <a:cs typeface="+mn-cs"/>
               </a:rPr>
@@ -11424,7 +11184,6 @@
                   <a:schemeClr val="tx1"/>
                 </a:solidFill>
                 <a:effectLst/>
-                <a:latin typeface="+mn-lt"/>
                 <a:ea typeface="+mn-ea"/>
                 <a:cs typeface="+mn-cs"/>
               </a:rPr>
@@ -11438,7 +11197,6 @@
                   <a:schemeClr val="tx1"/>
                 </a:solidFill>
                 <a:effectLst/>
-                <a:latin typeface="+mn-lt"/>
                 <a:ea typeface="+mn-ea"/>
                 <a:cs typeface="+mn-cs"/>
               </a:rPr>
@@ -11452,7 +11210,6 @@
                   <a:schemeClr val="tx1"/>
                 </a:solidFill>
                 <a:effectLst/>
-                <a:latin typeface="+mn-lt"/>
                 <a:ea typeface="+mn-ea"/>
                 <a:cs typeface="+mn-cs"/>
               </a:rPr>
@@ -11464,7 +11221,6 @@
                   <a:schemeClr val="tx1"/>
                 </a:solidFill>
                 <a:effectLst/>
-                <a:latin typeface="+mn-lt"/>
                 <a:ea typeface="+mn-ea"/>
                 <a:cs typeface="+mn-cs"/>
               </a:rPr>
@@ -11476,7 +11232,6 @@
                   <a:schemeClr val="tx1"/>
                 </a:solidFill>
                 <a:effectLst/>
-                <a:latin typeface="+mn-lt"/>
                 <a:ea typeface="+mn-ea"/>
                 <a:cs typeface="+mn-cs"/>
               </a:rPr>
@@ -11487,7 +11242,6 @@
                 <a:schemeClr val="tx1"/>
               </a:solidFill>
               <a:effectLst/>
-              <a:latin typeface="+mn-lt"/>
               <a:ea typeface="+mn-ea"/>
               <a:cs typeface="+mn-cs"/>
             </a:endParaRPr>
@@ -16317,35 +16071,35 @@
           <a:p>
             <a:pPr lvl="0"/>
             <a:r>
-              <a:rPr lang="ru-RU"/>
+              <a:rPr lang="ru-RU" dirty="0"/>
               <a:t>Образец текста</a:t>
             </a:r>
           </a:p>
           <a:p>
             <a:pPr lvl="1"/>
             <a:r>
-              <a:rPr lang="ru-RU"/>
+              <a:rPr lang="ru-RU" dirty="0"/>
               <a:t>Второй уровень</a:t>
             </a:r>
           </a:p>
           <a:p>
             <a:pPr lvl="2"/>
             <a:r>
-              <a:rPr lang="ru-RU"/>
+              <a:rPr lang="ru-RU" dirty="0"/>
               <a:t>Третий уровень</a:t>
             </a:r>
           </a:p>
           <a:p>
             <a:pPr lvl="3"/>
             <a:r>
-              <a:rPr lang="ru-RU"/>
+              <a:rPr lang="ru-RU" dirty="0"/>
               <a:t>Четвертый уровень</a:t>
             </a:r>
           </a:p>
           <a:p>
             <a:pPr lvl="4"/>
             <a:r>
-              <a:rPr lang="ru-RU"/>
+              <a:rPr lang="ru-RU" dirty="0"/>
               <a:t>Пятый уровень</a:t>
             </a:r>
           </a:p>
@@ -16380,15 +16134,17 @@
                     <a:tint val="75000"/>
                   </a:schemeClr>
                 </a:solidFill>
+                <a:latin typeface="Roboto" panose="02000000000000000000" pitchFamily="2" charset="0"/>
               </a:defRPr>
             </a:lvl1pPr>
           </a:lstStyle>
           <a:p>
             <a:fld id="{F2FFB779-270B-4192-84BA-A697F48306DC}" type="datetimeFigureOut">
               <a:rPr lang="ru-RU" smtClean="0"/>
+              <a:pPr/>
               <a:t>13.10.2022</a:t>
             </a:fld>
-            <a:endParaRPr lang="ru-RU"/>
+            <a:endParaRPr lang="ru-RU" dirty="0"/>
           </a:p>
         </p:txBody>
       </p:sp>
@@ -16421,11 +16177,12 @@
                     <a:tint val="75000"/>
                   </a:schemeClr>
                 </a:solidFill>
+                <a:latin typeface="Roboto" panose="02000000000000000000" pitchFamily="2" charset="0"/>
               </a:defRPr>
             </a:lvl1pPr>
           </a:lstStyle>
           <a:p>
-            <a:endParaRPr lang="ru-RU"/>
+            <a:endParaRPr lang="ru-RU" dirty="0"/>
           </a:p>
         </p:txBody>
       </p:sp>
@@ -16458,15 +16215,17 @@
                     <a:tint val="75000"/>
                   </a:schemeClr>
                 </a:solidFill>
+                <a:latin typeface="Roboto" panose="02000000000000000000" pitchFamily="2" charset="0"/>
               </a:defRPr>
             </a:lvl1pPr>
           </a:lstStyle>
           <a:p>
             <a:fld id="{285DC19C-03DA-4066-9FF7-D0BF1BC6D6F6}" type="slidenum">
               <a:rPr lang="ru-RU" smtClean="0"/>
+              <a:pPr/>
               <a:t>‹#›</a:t>
             </a:fld>
-            <a:endParaRPr lang="ru-RU"/>
+            <a:endParaRPr lang="ru-RU" dirty="0"/>
           </a:p>
         </p:txBody>
       </p:sp>
@@ -16525,7 +16284,7 @@
           <a:solidFill>
             <a:schemeClr val="tx1"/>
           </a:solidFill>
-          <a:latin typeface="+mn-lt"/>
+          <a:latin typeface="Roboto" panose="02000000000000000000" pitchFamily="2" charset="0"/>
           <a:ea typeface="+mn-ea"/>
           <a:cs typeface="+mn-cs"/>
         </a:defRPr>
@@ -16543,7 +16302,7 @@
           <a:solidFill>
             <a:schemeClr val="tx1"/>
           </a:solidFill>
-          <a:latin typeface="+mn-lt"/>
+          <a:latin typeface="Roboto" panose="02000000000000000000" pitchFamily="2" charset="0"/>
           <a:ea typeface="+mn-ea"/>
           <a:cs typeface="+mn-cs"/>
         </a:defRPr>
@@ -16561,7 +16320,7 @@
           <a:solidFill>
             <a:schemeClr val="tx1"/>
           </a:solidFill>
-          <a:latin typeface="+mn-lt"/>
+          <a:latin typeface="Roboto" panose="02000000000000000000" pitchFamily="2" charset="0"/>
           <a:ea typeface="+mn-ea"/>
           <a:cs typeface="+mn-cs"/>
         </a:defRPr>
@@ -16579,7 +16338,7 @@
           <a:solidFill>
             <a:schemeClr val="tx1"/>
           </a:solidFill>
-          <a:latin typeface="+mn-lt"/>
+          <a:latin typeface="Roboto" panose="02000000000000000000" pitchFamily="2" charset="0"/>
           <a:ea typeface="+mn-ea"/>
           <a:cs typeface="+mn-cs"/>
         </a:defRPr>
@@ -16597,7 +16356,7 @@
           <a:solidFill>
             <a:schemeClr val="tx1"/>
           </a:solidFill>
-          <a:latin typeface="+mn-lt"/>
+          <a:latin typeface="Roboto" panose="02000000000000000000" pitchFamily="2" charset="0"/>
           <a:ea typeface="+mn-ea"/>
           <a:cs typeface="+mn-cs"/>
         </a:defRPr>
@@ -16855,35 +16614,35 @@
           <a:p>
             <a:pPr lvl="0"/>
             <a:r>
-              <a:rPr lang="ru-RU"/>
+              <a:rPr lang="ru-RU" dirty="0"/>
               <a:t>Образец текста</a:t>
             </a:r>
           </a:p>
           <a:p>
             <a:pPr lvl="1"/>
             <a:r>
-              <a:rPr lang="ru-RU"/>
+              <a:rPr lang="ru-RU" dirty="0"/>
               <a:t>Второй уровень</a:t>
             </a:r>
           </a:p>
           <a:p>
             <a:pPr lvl="2"/>
             <a:r>
-              <a:rPr lang="ru-RU"/>
+              <a:rPr lang="ru-RU" dirty="0"/>
               <a:t>Третий уровень</a:t>
             </a:r>
           </a:p>
           <a:p>
             <a:pPr lvl="3"/>
             <a:r>
-              <a:rPr lang="ru-RU"/>
+              <a:rPr lang="ru-RU" dirty="0"/>
               <a:t>Четвертый уровень</a:t>
             </a:r>
           </a:p>
           <a:p>
             <a:pPr lvl="4"/>
             <a:r>
-              <a:rPr lang="ru-RU"/>
+              <a:rPr lang="ru-RU" dirty="0"/>
               <a:t>Пятый уровень</a:t>
             </a:r>
           </a:p>
@@ -16918,15 +16677,17 @@
                     <a:tint val="75000"/>
                   </a:schemeClr>
                 </a:solidFill>
+                <a:latin typeface="Roboto" panose="02000000000000000000" pitchFamily="2" charset="0"/>
               </a:defRPr>
             </a:lvl1pPr>
           </a:lstStyle>
           <a:p>
             <a:fld id="{1F35D9CA-06A7-4D30-9DBC-838DE5B537A2}" type="datetimeFigureOut">
               <a:rPr lang="ru-RU" smtClean="0"/>
+              <a:pPr/>
               <a:t>13.10.2022</a:t>
             </a:fld>
-            <a:endParaRPr lang="ru-RU"/>
+            <a:endParaRPr lang="ru-RU" dirty="0"/>
           </a:p>
         </p:txBody>
       </p:sp>
@@ -16959,11 +16720,12 @@
                     <a:tint val="75000"/>
                   </a:schemeClr>
                 </a:solidFill>
+                <a:latin typeface="Roboto" panose="02000000000000000000" pitchFamily="2" charset="0"/>
               </a:defRPr>
             </a:lvl1pPr>
           </a:lstStyle>
           <a:p>
-            <a:endParaRPr lang="ru-RU"/>
+            <a:endParaRPr lang="ru-RU" dirty="0"/>
           </a:p>
         </p:txBody>
       </p:sp>
@@ -16996,15 +16758,17 @@
                     <a:tint val="75000"/>
                   </a:schemeClr>
                 </a:solidFill>
+                <a:latin typeface="Roboto" panose="02000000000000000000" pitchFamily="2" charset="0"/>
               </a:defRPr>
             </a:lvl1pPr>
           </a:lstStyle>
           <a:p>
             <a:fld id="{F47649BC-9EFC-46EF-AD69-7AE8AFB13A21}" type="slidenum">
               <a:rPr lang="ru-RU" smtClean="0"/>
+              <a:pPr/>
               <a:t>‹#›</a:t>
             </a:fld>
-            <a:endParaRPr lang="ru-RU"/>
+            <a:endParaRPr lang="ru-RU" dirty="0"/>
           </a:p>
         </p:txBody>
       </p:sp>
@@ -17063,7 +16827,7 @@
           <a:solidFill>
             <a:schemeClr val="tx1"/>
           </a:solidFill>
-          <a:latin typeface="+mn-lt"/>
+          <a:latin typeface="Roboto" panose="02000000000000000000" pitchFamily="2" charset="0"/>
           <a:ea typeface="+mn-ea"/>
           <a:cs typeface="+mn-cs"/>
         </a:defRPr>
@@ -17081,7 +16845,7 @@
           <a:solidFill>
             <a:schemeClr val="tx1"/>
           </a:solidFill>
-          <a:latin typeface="+mn-lt"/>
+          <a:latin typeface="Roboto" panose="02000000000000000000" pitchFamily="2" charset="0"/>
           <a:ea typeface="+mn-ea"/>
           <a:cs typeface="+mn-cs"/>
         </a:defRPr>
@@ -17099,7 +16863,7 @@
           <a:solidFill>
             <a:schemeClr val="tx1"/>
           </a:solidFill>
-          <a:latin typeface="+mn-lt"/>
+          <a:latin typeface="Roboto" panose="02000000000000000000" pitchFamily="2" charset="0"/>
           <a:ea typeface="+mn-ea"/>
           <a:cs typeface="+mn-cs"/>
         </a:defRPr>
@@ -17117,7 +16881,7 @@
           <a:solidFill>
             <a:schemeClr val="tx1"/>
           </a:solidFill>
-          <a:latin typeface="+mn-lt"/>
+          <a:latin typeface="Roboto" panose="02000000000000000000" pitchFamily="2" charset="0"/>
           <a:ea typeface="+mn-ea"/>
           <a:cs typeface="+mn-cs"/>
         </a:defRPr>
@@ -17135,7 +16899,7 @@
           <a:solidFill>
             <a:schemeClr val="tx1"/>
           </a:solidFill>
-          <a:latin typeface="+mn-lt"/>
+          <a:latin typeface="Roboto" panose="02000000000000000000" pitchFamily="2" charset="0"/>
           <a:ea typeface="+mn-ea"/>
           <a:cs typeface="+mn-cs"/>
         </a:defRPr>
@@ -17784,15 +17548,15 @@
             </a:pPr>
             <a:r>
               <a:rPr lang="ru-RU" sz="4800" dirty="0" smtClean="0">
-                <a:latin typeface="Open Sans SemiBold" panose="020B0706030804020204" pitchFamily="34" charset="0"/>
-                <a:ea typeface="Open Sans SemiBold" panose="020B0706030804020204" pitchFamily="34" charset="0"/>
+                <a:latin typeface="Roboto" panose="02000000000000000000" pitchFamily="2" charset="0"/>
+                <a:ea typeface="Roboto" panose="02000000000000000000" pitchFamily="2" charset="0"/>
                 <a:cs typeface="Open Sans SemiBold" panose="020B0706030804020204" pitchFamily="34" charset="0"/>
               </a:rPr>
               <a:t>ЭФФЕКТ</a:t>
             </a:r>
             <a:endParaRPr lang="ru-RU" sz="4800" dirty="0">
-              <a:latin typeface="Open Sans SemiBold" panose="020B0706030804020204" pitchFamily="34" charset="0"/>
-              <a:ea typeface="Open Sans SemiBold" panose="020B0706030804020204" pitchFamily="34" charset="0"/>
+              <a:latin typeface="Roboto" panose="02000000000000000000" pitchFamily="2" charset="0"/>
+              <a:ea typeface="Roboto" panose="02000000000000000000" pitchFamily="2" charset="0"/>
               <a:cs typeface="Open Sans SemiBold" panose="020B0706030804020204" pitchFamily="34" charset="0"/>
             </a:endParaRPr>
           </a:p>
@@ -17955,8 +17719,8 @@
         </p:nvSpPr>
         <p:spPr>
           <a:xfrm>
-            <a:off x="4288462" y="786859"/>
-            <a:ext cx="3615093" cy="1082284"/>
+            <a:off x="4262814" y="786859"/>
+            <a:ext cx="3666389" cy="1074718"/>
           </a:xfrm>
           <a:prstGeom prst="rect">
             <a:avLst/>
@@ -17976,15 +17740,15 @@
             </a:pPr>
             <a:r>
               <a:rPr lang="ru-RU" sz="4800" dirty="0" smtClean="0">
-                <a:latin typeface="Open Sans SemiBold" panose="020B0706030804020204" pitchFamily="34" charset="0"/>
-                <a:ea typeface="Open Sans SemiBold" panose="020B0706030804020204" pitchFamily="34" charset="0"/>
+                <a:latin typeface="Roboto" panose="02000000000000000000" pitchFamily="2" charset="0"/>
+                <a:ea typeface="Roboto" panose="02000000000000000000" pitchFamily="2" charset="0"/>
                 <a:cs typeface="Open Sans SemiBold" panose="020B0706030804020204" pitchFamily="34" charset="0"/>
               </a:rPr>
               <a:t>СТРУКТУРА</a:t>
             </a:r>
             <a:endParaRPr lang="ru-RU" sz="4800" dirty="0">
-              <a:latin typeface="Open Sans SemiBold" panose="020B0706030804020204" pitchFamily="34" charset="0"/>
-              <a:ea typeface="Open Sans SemiBold" panose="020B0706030804020204" pitchFamily="34" charset="0"/>
+              <a:latin typeface="Roboto" panose="02000000000000000000" pitchFamily="2" charset="0"/>
+              <a:ea typeface="Roboto" panose="02000000000000000000" pitchFamily="2" charset="0"/>
               <a:cs typeface="Open Sans SemiBold" panose="020B0706030804020204" pitchFamily="34" charset="0"/>
             </a:endParaRPr>
           </a:p>
@@ -18259,8 +18023,8 @@
         </p:nvSpPr>
         <p:spPr>
           <a:xfrm>
-            <a:off x="7624516" y="2717818"/>
-            <a:ext cx="3615093" cy="1082284"/>
+            <a:off x="7598868" y="2717818"/>
+            <a:ext cx="3666389" cy="1074718"/>
           </a:xfrm>
           <a:prstGeom prst="rect">
             <a:avLst/>
@@ -18280,15 +18044,15 @@
             </a:pPr>
             <a:r>
               <a:rPr lang="ru-RU" sz="4800" dirty="0" smtClean="0">
-                <a:latin typeface="Open Sans SemiBold" panose="020B0706030804020204" pitchFamily="34" charset="0"/>
-                <a:ea typeface="Open Sans SemiBold" panose="020B0706030804020204" pitchFamily="34" charset="0"/>
+                <a:latin typeface="Roboto" panose="02000000000000000000" pitchFamily="2" charset="0"/>
+                <a:ea typeface="Roboto" panose="02000000000000000000" pitchFamily="2" charset="0"/>
                 <a:cs typeface="Open Sans SemiBold" panose="020B0706030804020204" pitchFamily="34" charset="0"/>
               </a:rPr>
               <a:t>СТРУКТУРА</a:t>
             </a:r>
             <a:endParaRPr lang="ru-RU" sz="4800" dirty="0">
-              <a:latin typeface="Open Sans SemiBold" panose="020B0706030804020204" pitchFamily="34" charset="0"/>
-              <a:ea typeface="Open Sans SemiBold" panose="020B0706030804020204" pitchFamily="34" charset="0"/>
+              <a:latin typeface="Roboto" panose="02000000000000000000" pitchFamily="2" charset="0"/>
+              <a:ea typeface="Roboto" panose="02000000000000000000" pitchFamily="2" charset="0"/>
               <a:cs typeface="Open Sans SemiBold" panose="020B0706030804020204" pitchFamily="34" charset="0"/>
             </a:endParaRPr>
           </a:p>
@@ -18323,15 +18087,15 @@
             </a:pPr>
             <a:r>
               <a:rPr lang="ru-RU" sz="4800" dirty="0" smtClean="0">
-                <a:latin typeface="Open Sans SemiBold" panose="020B0706030804020204" pitchFamily="34" charset="0"/>
-                <a:ea typeface="Open Sans SemiBold" panose="020B0706030804020204" pitchFamily="34" charset="0"/>
+                <a:latin typeface="Roboto" panose="02000000000000000000" pitchFamily="2" charset="0"/>
+                <a:ea typeface="Roboto" panose="02000000000000000000" pitchFamily="2" charset="0"/>
                 <a:cs typeface="Open Sans SemiBold" panose="020B0706030804020204" pitchFamily="34" charset="0"/>
               </a:rPr>
               <a:t>ПОВЕДЕНИЕ</a:t>
             </a:r>
             <a:endParaRPr lang="ru-RU" sz="4800" dirty="0">
-              <a:latin typeface="Open Sans SemiBold" panose="020B0706030804020204" pitchFamily="34" charset="0"/>
-              <a:ea typeface="Open Sans SemiBold" panose="020B0706030804020204" pitchFamily="34" charset="0"/>
+              <a:latin typeface="Roboto" panose="02000000000000000000" pitchFamily="2" charset="0"/>
+              <a:ea typeface="Roboto" panose="02000000000000000000" pitchFamily="2" charset="0"/>
               <a:cs typeface="Open Sans SemiBold" panose="020B0706030804020204" pitchFamily="34" charset="0"/>
             </a:endParaRPr>
           </a:p>
@@ -18426,8 +18190,8 @@
         </p:nvSpPr>
         <p:spPr>
           <a:xfrm>
-            <a:off x="7075581" y="637809"/>
-            <a:ext cx="4230645" cy="1082284"/>
+            <a:off x="7045926" y="637809"/>
+            <a:ext cx="4289957" cy="1077218"/>
           </a:xfrm>
           <a:prstGeom prst="rect">
             <a:avLst/>
@@ -18446,24 +18210,24 @@
               </a:lnSpc>
             </a:pPr>
             <a:r>
-              <a:rPr lang="ru-RU" sz="4800" smtClean="0">
-                <a:latin typeface="Open Sans SemiBold" panose="020B0706030804020204" pitchFamily="34" charset="0"/>
-                <a:ea typeface="Open Sans SemiBold" panose="020B0706030804020204" pitchFamily="34" charset="0"/>
+              <a:rPr lang="ru-RU" sz="4800" dirty="0" smtClean="0">
+                <a:latin typeface="Roboto" panose="02000000000000000000" pitchFamily="2" charset="0"/>
+                <a:ea typeface="Roboto" panose="02000000000000000000" pitchFamily="2" charset="0"/>
                 <a:cs typeface="Open Sans SemiBold" panose="020B0706030804020204" pitchFamily="34" charset="0"/>
               </a:rPr>
               <a:t>СТРУКТУРА</a:t>
             </a:r>
             <a:r>
               <a:rPr lang="en-US" sz="4800" dirty="0" smtClean="0">
-                <a:latin typeface="Open Sans SemiBold" panose="020B0706030804020204" pitchFamily="34" charset="0"/>
-                <a:ea typeface="Open Sans SemiBold" panose="020B0706030804020204" pitchFamily="34" charset="0"/>
+                <a:latin typeface="Roboto" panose="02000000000000000000" pitchFamily="2" charset="0"/>
+                <a:ea typeface="Roboto" panose="02000000000000000000" pitchFamily="2" charset="0"/>
                 <a:cs typeface="Open Sans SemiBold" panose="020B0706030804020204" pitchFamily="34" charset="0"/>
               </a:rPr>
               <a:t>_0</a:t>
             </a:r>
             <a:endParaRPr lang="ru-RU" sz="4800" dirty="0">
-              <a:latin typeface="Open Sans SemiBold" panose="020B0706030804020204" pitchFamily="34" charset="0"/>
-              <a:ea typeface="Open Sans SemiBold" panose="020B0706030804020204" pitchFamily="34" charset="0"/>
+              <a:latin typeface="Roboto" panose="02000000000000000000" pitchFamily="2" charset="0"/>
+              <a:ea typeface="Roboto" panose="02000000000000000000" pitchFamily="2" charset="0"/>
               <a:cs typeface="Open Sans SemiBold" panose="020B0706030804020204" pitchFamily="34" charset="0"/>
             </a:endParaRPr>
           </a:p>
@@ -18498,15 +18262,15 @@
             </a:pPr>
             <a:r>
               <a:rPr lang="ru-RU" sz="4800" dirty="0" smtClean="0">
-                <a:latin typeface="Open Sans SemiBold" panose="020B0706030804020204" pitchFamily="34" charset="0"/>
-                <a:ea typeface="Open Sans SemiBold" panose="020B0706030804020204" pitchFamily="34" charset="0"/>
+                <a:latin typeface="Roboto" panose="02000000000000000000" pitchFamily="2" charset="0"/>
+                <a:ea typeface="Roboto" panose="02000000000000000000" pitchFamily="2" charset="0"/>
                 <a:cs typeface="Open Sans SemiBold" panose="020B0706030804020204" pitchFamily="34" charset="0"/>
               </a:rPr>
               <a:t>ПОВЕДЕНИЕ</a:t>
             </a:r>
             <a:endParaRPr lang="ru-RU" sz="4800" dirty="0">
-              <a:latin typeface="Open Sans SemiBold" panose="020B0706030804020204" pitchFamily="34" charset="0"/>
-              <a:ea typeface="Open Sans SemiBold" panose="020B0706030804020204" pitchFamily="34" charset="0"/>
+              <a:latin typeface="Roboto" panose="02000000000000000000" pitchFamily="2" charset="0"/>
+              <a:ea typeface="Roboto" panose="02000000000000000000" pitchFamily="2" charset="0"/>
               <a:cs typeface="Open Sans SemiBold" panose="020B0706030804020204" pitchFamily="34" charset="0"/>
             </a:endParaRPr>
           </a:p>
@@ -18550,8 +18314,8 @@
         </p:nvSpPr>
         <p:spPr>
           <a:xfrm>
-            <a:off x="7075580" y="2717818"/>
-            <a:ext cx="4230645" cy="1082284"/>
+            <a:off x="7045925" y="2717818"/>
+            <a:ext cx="4289957" cy="1077218"/>
           </a:xfrm>
           <a:prstGeom prst="rect">
             <a:avLst/>
@@ -18571,23 +18335,23 @@
             </a:pPr>
             <a:r>
               <a:rPr lang="ru-RU" sz="4800" dirty="0" smtClean="0">
-                <a:latin typeface="Open Sans SemiBold" panose="020B0706030804020204" pitchFamily="34" charset="0"/>
-                <a:ea typeface="Open Sans SemiBold" panose="020B0706030804020204" pitchFamily="34" charset="0"/>
+                <a:latin typeface="Roboto" panose="02000000000000000000" pitchFamily="2" charset="0"/>
+                <a:ea typeface="Roboto" panose="02000000000000000000" pitchFamily="2" charset="0"/>
                 <a:cs typeface="Open Sans SemiBold" panose="020B0706030804020204" pitchFamily="34" charset="0"/>
               </a:rPr>
               <a:t>СТРУКТУРА</a:t>
             </a:r>
             <a:r>
               <a:rPr lang="en-US" sz="4800" dirty="0" smtClean="0">
-                <a:latin typeface="Open Sans SemiBold" panose="020B0706030804020204" pitchFamily="34" charset="0"/>
-                <a:ea typeface="Open Sans SemiBold" panose="020B0706030804020204" pitchFamily="34" charset="0"/>
+                <a:latin typeface="Roboto" panose="02000000000000000000" pitchFamily="2" charset="0"/>
+                <a:ea typeface="Roboto" panose="02000000000000000000" pitchFamily="2" charset="0"/>
                 <a:cs typeface="Open Sans SemiBold" panose="020B0706030804020204" pitchFamily="34" charset="0"/>
               </a:rPr>
               <a:t>_1</a:t>
             </a:r>
             <a:endParaRPr lang="ru-RU" sz="4800" dirty="0">
-              <a:latin typeface="Open Sans SemiBold" panose="020B0706030804020204" pitchFamily="34" charset="0"/>
-              <a:ea typeface="Open Sans SemiBold" panose="020B0706030804020204" pitchFamily="34" charset="0"/>
+              <a:latin typeface="Roboto" panose="02000000000000000000" pitchFamily="2" charset="0"/>
+              <a:ea typeface="Roboto" panose="02000000000000000000" pitchFamily="2" charset="0"/>
               <a:cs typeface="Open Sans SemiBold" panose="020B0706030804020204" pitchFamily="34" charset="0"/>
             </a:endParaRPr>
           </a:p>
@@ -18601,8 +18365,8 @@
         </p:nvSpPr>
         <p:spPr>
           <a:xfrm>
-            <a:off x="7075579" y="4797827"/>
-            <a:ext cx="4230645" cy="1082284"/>
+            <a:off x="7045924" y="4797827"/>
+            <a:ext cx="4289957" cy="1077218"/>
           </a:xfrm>
           <a:prstGeom prst="rect">
             <a:avLst/>
@@ -18622,23 +18386,23 @@
             </a:pPr>
             <a:r>
               <a:rPr lang="ru-RU" sz="4800" dirty="0" smtClean="0">
-                <a:latin typeface="Open Sans SemiBold" panose="020B0706030804020204" pitchFamily="34" charset="0"/>
-                <a:ea typeface="Open Sans SemiBold" panose="020B0706030804020204" pitchFamily="34" charset="0"/>
+                <a:latin typeface="Roboto" panose="02000000000000000000" pitchFamily="2" charset="0"/>
+                <a:ea typeface="Roboto" panose="02000000000000000000" pitchFamily="2" charset="0"/>
                 <a:cs typeface="Open Sans SemiBold" panose="020B0706030804020204" pitchFamily="34" charset="0"/>
               </a:rPr>
               <a:t>СТРУКТУРА</a:t>
             </a:r>
             <a:r>
               <a:rPr lang="en-US" sz="4800" dirty="0" smtClean="0">
-                <a:latin typeface="Open Sans SemiBold" panose="020B0706030804020204" pitchFamily="34" charset="0"/>
-                <a:ea typeface="Open Sans SemiBold" panose="020B0706030804020204" pitchFamily="34" charset="0"/>
+                <a:latin typeface="Roboto" panose="02000000000000000000" pitchFamily="2" charset="0"/>
+                <a:ea typeface="Roboto" panose="02000000000000000000" pitchFamily="2" charset="0"/>
                 <a:cs typeface="Open Sans SemiBold" panose="020B0706030804020204" pitchFamily="34" charset="0"/>
               </a:rPr>
               <a:t>_2</a:t>
             </a:r>
             <a:endParaRPr lang="ru-RU" sz="4800" dirty="0">
-              <a:latin typeface="Open Sans SemiBold" panose="020B0706030804020204" pitchFamily="34" charset="0"/>
-              <a:ea typeface="Open Sans SemiBold" panose="020B0706030804020204" pitchFamily="34" charset="0"/>
+              <a:latin typeface="Roboto" panose="02000000000000000000" pitchFamily="2" charset="0"/>
+              <a:ea typeface="Roboto" panose="02000000000000000000" pitchFamily="2" charset="0"/>
               <a:cs typeface="Open Sans SemiBold" panose="020B0706030804020204" pitchFamily="34" charset="0"/>
             </a:endParaRPr>
           </a:p>
@@ -18763,8 +18527,8 @@
         </p:nvSpPr>
         <p:spPr>
           <a:xfrm>
-            <a:off x="7075581" y="637809"/>
-            <a:ext cx="4230645" cy="1082284"/>
+            <a:off x="7045926" y="637809"/>
+            <a:ext cx="4289957" cy="1077218"/>
           </a:xfrm>
           <a:prstGeom prst="rect">
             <a:avLst/>
@@ -18783,24 +18547,24 @@
               </a:lnSpc>
             </a:pPr>
             <a:r>
-              <a:rPr lang="ru-RU" sz="4800" smtClean="0">
-                <a:latin typeface="Open Sans SemiBold" panose="020B0706030804020204" pitchFamily="34" charset="0"/>
-                <a:ea typeface="Open Sans SemiBold" panose="020B0706030804020204" pitchFamily="34" charset="0"/>
+              <a:rPr lang="ru-RU" sz="4800" dirty="0" smtClean="0">
+                <a:latin typeface="Roboto" panose="02000000000000000000" pitchFamily="2" charset="0"/>
+                <a:ea typeface="Roboto" panose="02000000000000000000" pitchFamily="2" charset="0"/>
                 <a:cs typeface="Open Sans SemiBold" panose="020B0706030804020204" pitchFamily="34" charset="0"/>
               </a:rPr>
               <a:t>СТРУКТУРА</a:t>
             </a:r>
             <a:r>
               <a:rPr lang="en-US" sz="4800" dirty="0" smtClean="0">
-                <a:latin typeface="Open Sans SemiBold" panose="020B0706030804020204" pitchFamily="34" charset="0"/>
-                <a:ea typeface="Open Sans SemiBold" panose="020B0706030804020204" pitchFamily="34" charset="0"/>
+                <a:latin typeface="Roboto" panose="02000000000000000000" pitchFamily="2" charset="0"/>
+                <a:ea typeface="Roboto" panose="02000000000000000000" pitchFamily="2" charset="0"/>
                 <a:cs typeface="Open Sans SemiBold" panose="020B0706030804020204" pitchFamily="34" charset="0"/>
               </a:rPr>
               <a:t>_0</a:t>
             </a:r>
             <a:endParaRPr lang="ru-RU" sz="4800" dirty="0">
-              <a:latin typeface="Open Sans SemiBold" panose="020B0706030804020204" pitchFamily="34" charset="0"/>
-              <a:ea typeface="Open Sans SemiBold" panose="020B0706030804020204" pitchFamily="34" charset="0"/>
+              <a:latin typeface="Roboto" panose="02000000000000000000" pitchFamily="2" charset="0"/>
+              <a:ea typeface="Roboto" panose="02000000000000000000" pitchFamily="2" charset="0"/>
               <a:cs typeface="Open Sans SemiBold" panose="020B0706030804020204" pitchFamily="34" charset="0"/>
             </a:endParaRPr>
           </a:p>
@@ -18835,15 +18599,15 @@
             </a:pPr>
             <a:r>
               <a:rPr lang="ru-RU" sz="4800" dirty="0" smtClean="0">
-                <a:latin typeface="Open Sans SemiBold" panose="020B0706030804020204" pitchFamily="34" charset="0"/>
-                <a:ea typeface="Open Sans SemiBold" panose="020B0706030804020204" pitchFamily="34" charset="0"/>
+                <a:latin typeface="Roboto" panose="02000000000000000000" pitchFamily="2" charset="0"/>
+                <a:ea typeface="Roboto" panose="02000000000000000000" pitchFamily="2" charset="0"/>
                 <a:cs typeface="Open Sans SemiBold" panose="020B0706030804020204" pitchFamily="34" charset="0"/>
               </a:rPr>
               <a:t>ПОВЕДЕНИЕ</a:t>
             </a:r>
             <a:endParaRPr lang="ru-RU" sz="4800" dirty="0">
-              <a:latin typeface="Open Sans SemiBold" panose="020B0706030804020204" pitchFamily="34" charset="0"/>
-              <a:ea typeface="Open Sans SemiBold" panose="020B0706030804020204" pitchFamily="34" charset="0"/>
+              <a:latin typeface="Roboto" panose="02000000000000000000" pitchFamily="2" charset="0"/>
+              <a:ea typeface="Roboto" panose="02000000000000000000" pitchFamily="2" charset="0"/>
               <a:cs typeface="Open Sans SemiBold" panose="020B0706030804020204" pitchFamily="34" charset="0"/>
             </a:endParaRPr>
           </a:p>
@@ -18887,8 +18651,8 @@
         </p:nvSpPr>
         <p:spPr>
           <a:xfrm>
-            <a:off x="7075580" y="2717818"/>
-            <a:ext cx="4230645" cy="1082284"/>
+            <a:off x="7045925" y="2717818"/>
+            <a:ext cx="4289957" cy="1077218"/>
           </a:xfrm>
           <a:prstGeom prst="rect">
             <a:avLst/>
@@ -18911,8 +18675,8 @@
                 <a:solidFill>
                   <a:srgbClr val="FF0000"/>
                 </a:solidFill>
-                <a:latin typeface="Open Sans SemiBold" panose="020B0706030804020204" pitchFamily="34" charset="0"/>
-                <a:ea typeface="Open Sans SemiBold" panose="020B0706030804020204" pitchFamily="34" charset="0"/>
+                <a:latin typeface="Roboto" panose="02000000000000000000" pitchFamily="2" charset="0"/>
+                <a:ea typeface="Roboto" panose="02000000000000000000" pitchFamily="2" charset="0"/>
                 <a:cs typeface="Open Sans SemiBold" panose="020B0706030804020204" pitchFamily="34" charset="0"/>
               </a:rPr>
               <a:t>СТРУКТУРА</a:t>
@@ -18922,8 +18686,8 @@
                 <a:solidFill>
                   <a:srgbClr val="FF0000"/>
                 </a:solidFill>
-                <a:latin typeface="Open Sans SemiBold" panose="020B0706030804020204" pitchFamily="34" charset="0"/>
-                <a:ea typeface="Open Sans SemiBold" panose="020B0706030804020204" pitchFamily="34" charset="0"/>
+                <a:latin typeface="Roboto" panose="02000000000000000000" pitchFamily="2" charset="0"/>
+                <a:ea typeface="Roboto" panose="02000000000000000000" pitchFamily="2" charset="0"/>
                 <a:cs typeface="Open Sans SemiBold" panose="020B0706030804020204" pitchFamily="34" charset="0"/>
               </a:rPr>
               <a:t>_1</a:t>
@@ -18932,8 +18696,8 @@
               <a:solidFill>
                 <a:srgbClr val="FF0000"/>
               </a:solidFill>
-              <a:latin typeface="Open Sans SemiBold" panose="020B0706030804020204" pitchFamily="34" charset="0"/>
-              <a:ea typeface="Open Sans SemiBold" panose="020B0706030804020204" pitchFamily="34" charset="0"/>
+              <a:latin typeface="Roboto" panose="02000000000000000000" pitchFamily="2" charset="0"/>
+              <a:ea typeface="Roboto" panose="02000000000000000000" pitchFamily="2" charset="0"/>
               <a:cs typeface="Open Sans SemiBold" panose="020B0706030804020204" pitchFamily="34" charset="0"/>
             </a:endParaRPr>
           </a:p>
@@ -18947,8 +18711,8 @@
         </p:nvSpPr>
         <p:spPr>
           <a:xfrm>
-            <a:off x="7075579" y="4797827"/>
-            <a:ext cx="4230645" cy="1082284"/>
+            <a:off x="7045924" y="4797827"/>
+            <a:ext cx="4289957" cy="1077218"/>
           </a:xfrm>
           <a:prstGeom prst="rect">
             <a:avLst/>
@@ -18968,23 +18732,23 @@
             </a:pPr>
             <a:r>
               <a:rPr lang="ru-RU" sz="4800" dirty="0" smtClean="0">
-                <a:latin typeface="Open Sans SemiBold" panose="020B0706030804020204" pitchFamily="34" charset="0"/>
-                <a:ea typeface="Open Sans SemiBold" panose="020B0706030804020204" pitchFamily="34" charset="0"/>
+                <a:latin typeface="Roboto" panose="02000000000000000000" pitchFamily="2" charset="0"/>
+                <a:ea typeface="Roboto" panose="02000000000000000000" pitchFamily="2" charset="0"/>
                 <a:cs typeface="Open Sans SemiBold" panose="020B0706030804020204" pitchFamily="34" charset="0"/>
               </a:rPr>
               <a:t>СТРУКТУРА</a:t>
             </a:r>
             <a:r>
               <a:rPr lang="en-US" sz="4800" dirty="0" smtClean="0">
-                <a:latin typeface="Open Sans SemiBold" panose="020B0706030804020204" pitchFamily="34" charset="0"/>
-                <a:ea typeface="Open Sans SemiBold" panose="020B0706030804020204" pitchFamily="34" charset="0"/>
+                <a:latin typeface="Roboto" panose="02000000000000000000" pitchFamily="2" charset="0"/>
+                <a:ea typeface="Roboto" panose="02000000000000000000" pitchFamily="2" charset="0"/>
                 <a:cs typeface="Open Sans SemiBold" panose="020B0706030804020204" pitchFamily="34" charset="0"/>
               </a:rPr>
               <a:t>_2</a:t>
             </a:r>
             <a:endParaRPr lang="ru-RU" sz="4800" dirty="0">
-              <a:latin typeface="Open Sans SemiBold" panose="020B0706030804020204" pitchFamily="34" charset="0"/>
-              <a:ea typeface="Open Sans SemiBold" panose="020B0706030804020204" pitchFamily="34" charset="0"/>
+              <a:latin typeface="Roboto" panose="02000000000000000000" pitchFamily="2" charset="0"/>
+              <a:ea typeface="Roboto" panose="02000000000000000000" pitchFamily="2" charset="0"/>
               <a:cs typeface="Open Sans SemiBold" panose="020B0706030804020204" pitchFamily="34" charset="0"/>
             </a:endParaRPr>
           </a:p>
@@ -19130,15 +18894,15 @@
             </a:pPr>
             <a:r>
               <a:rPr lang="ru-RU" sz="4800" dirty="0" smtClean="0">
-                <a:latin typeface="Open Sans SemiBold" panose="020B0706030804020204" pitchFamily="34" charset="0"/>
-                <a:ea typeface="Open Sans SemiBold" panose="020B0706030804020204" pitchFamily="34" charset="0"/>
+                <a:latin typeface="Roboto" panose="02000000000000000000" pitchFamily="2" charset="0"/>
+                <a:ea typeface="Roboto" panose="02000000000000000000" pitchFamily="2" charset="0"/>
                 <a:cs typeface="Open Sans SemiBold" panose="020B0706030804020204" pitchFamily="34" charset="0"/>
               </a:rPr>
               <a:t>ЭФФЕКТ</a:t>
             </a:r>
             <a:endParaRPr lang="ru-RU" sz="4800" dirty="0">
-              <a:latin typeface="Open Sans SemiBold" panose="020B0706030804020204" pitchFamily="34" charset="0"/>
-              <a:ea typeface="Open Sans SemiBold" panose="020B0706030804020204" pitchFamily="34" charset="0"/>
+              <a:latin typeface="Roboto" panose="02000000000000000000" pitchFamily="2" charset="0"/>
+              <a:ea typeface="Roboto" panose="02000000000000000000" pitchFamily="2" charset="0"/>
               <a:cs typeface="Open Sans SemiBold" panose="020B0706030804020204" pitchFamily="34" charset="0"/>
             </a:endParaRPr>
           </a:p>
@@ -19152,8 +18916,8 @@
         </p:nvSpPr>
         <p:spPr>
           <a:xfrm>
-            <a:off x="1703634" y="3051281"/>
-            <a:ext cx="8784777" cy="1085041"/>
+            <a:off x="2004999" y="3051281"/>
+            <a:ext cx="8182048" cy="1077218"/>
           </a:xfrm>
           <a:prstGeom prst="rect">
             <a:avLst/>
@@ -19176,21 +18940,23 @@
                 <a:solidFill>
                   <a:srgbClr val="FF0000"/>
                 </a:solidFill>
-                <a:latin typeface="Open Sans SemiBold"/>
-                <a:ea typeface="Open Sans SemiBold"/>
+                <a:latin typeface="Roboto" panose="02000000000000000000" pitchFamily="2" charset="0"/>
+                <a:ea typeface="Roboto" panose="02000000000000000000" pitchFamily="2" charset="0"/>
                 <a:cs typeface="Open Sans SemiBold"/>
               </a:rPr>
               <a:t>Производительность </a:t>
             </a:r>
             <a:r>
               <a:rPr lang="ru-RU" sz="4800" dirty="0" smtClean="0">
-                <a:latin typeface="Open Sans SemiBold"/>
-                <a:ea typeface="Open Sans SemiBold"/>
+                <a:latin typeface="Roboto" panose="02000000000000000000" pitchFamily="2" charset="0"/>
+                <a:ea typeface="Roboto" panose="02000000000000000000" pitchFamily="2" charset="0"/>
                 <a:cs typeface="Open Sans SemiBold"/>
               </a:rPr>
               <a:t>труда</a:t>
             </a:r>
-            <a:endParaRPr lang="ru-RU" dirty="0"/>
+            <a:endParaRPr lang="ru-RU" dirty="0">
+              <a:latin typeface="Roboto" panose="02000000000000000000" pitchFamily="2" charset="0"/>
+            </a:endParaRPr>
           </a:p>
         </p:txBody>
       </p:sp>
@@ -19261,8 +19027,8 @@
         </p:nvSpPr>
         <p:spPr>
           <a:xfrm>
-            <a:off x="2086741" y="786859"/>
-            <a:ext cx="8018542" cy="1082284"/>
+            <a:off x="2132426" y="786859"/>
+            <a:ext cx="7927170" cy="1077218"/>
           </a:xfrm>
           <a:prstGeom prst="rect">
             <a:avLst/>
@@ -19285,23 +19051,23 @@
                 <a:solidFill>
                   <a:srgbClr val="FF0000"/>
                 </a:solidFill>
-                <a:latin typeface="Open Sans SemiBold" panose="020B0706030804020204" pitchFamily="34" charset="0"/>
-                <a:ea typeface="Open Sans SemiBold" panose="020B0706030804020204" pitchFamily="34" charset="0"/>
+                <a:latin typeface="Roboto" panose="02000000000000000000" pitchFamily="2" charset="0"/>
+                <a:ea typeface="Roboto" panose="02000000000000000000" pitchFamily="2" charset="0"/>
                 <a:cs typeface="Open Sans SemiBold" panose="020B0706030804020204" pitchFamily="34" charset="0"/>
               </a:rPr>
               <a:t>ПРАВИЛЬНАЯ</a:t>
             </a:r>
             <a:r>
               <a:rPr lang="ru-RU" sz="4800" dirty="0" smtClean="0">
-                <a:latin typeface="Open Sans SemiBold" panose="020B0706030804020204" pitchFamily="34" charset="0"/>
-                <a:ea typeface="Open Sans SemiBold" panose="020B0706030804020204" pitchFamily="34" charset="0"/>
+                <a:latin typeface="Roboto" panose="02000000000000000000" pitchFamily="2" charset="0"/>
+                <a:ea typeface="Roboto" panose="02000000000000000000" pitchFamily="2" charset="0"/>
                 <a:cs typeface="Open Sans SemiBold" panose="020B0706030804020204" pitchFamily="34" charset="0"/>
               </a:rPr>
               <a:t> СТРУКТУРА</a:t>
             </a:r>
             <a:endParaRPr lang="ru-RU" sz="4800" dirty="0">
-              <a:latin typeface="Open Sans SemiBold" panose="020B0706030804020204" pitchFamily="34" charset="0"/>
-              <a:ea typeface="Open Sans SemiBold" panose="020B0706030804020204" pitchFamily="34" charset="0"/>
+              <a:latin typeface="Roboto" panose="02000000000000000000" pitchFamily="2" charset="0"/>
+              <a:ea typeface="Roboto" panose="02000000000000000000" pitchFamily="2" charset="0"/>
               <a:cs typeface="Open Sans SemiBold" panose="020B0706030804020204" pitchFamily="34" charset="0"/>
             </a:endParaRPr>
           </a:p>
@@ -19315,8 +19081,8 @@
         </p:nvSpPr>
         <p:spPr>
           <a:xfrm>
-            <a:off x="1324525" y="3051281"/>
-            <a:ext cx="9542997" cy="1200329"/>
+            <a:off x="1705238" y="3051281"/>
+            <a:ext cx="8781571" cy="1083951"/>
           </a:xfrm>
           <a:prstGeom prst="rect">
             <a:avLst/>
@@ -19336,13 +19102,15 @@
             </a:pPr>
             <a:r>
               <a:rPr lang="ru-RU" sz="4800" dirty="0" smtClean="0">
-                <a:latin typeface="Open Sans SemiBold"/>
-                <a:ea typeface="Open Sans SemiBold"/>
+                <a:latin typeface="Roboto" panose="02000000000000000000" pitchFamily="2" charset="0"/>
+                <a:ea typeface="Roboto" panose="02000000000000000000" pitchFamily="2" charset="0"/>
                 <a:cs typeface="Open Sans SemiBold"/>
               </a:rPr>
               <a:t>Ускорять и не противоречить</a:t>
             </a:r>
-            <a:endParaRPr lang="ru-RU" dirty="0"/>
+            <a:endParaRPr lang="ru-RU" dirty="0">
+              <a:latin typeface="Roboto" panose="02000000000000000000" pitchFamily="2" charset="0"/>
+            </a:endParaRPr>
           </a:p>
         </p:txBody>
       </p:sp>
@@ -19413,8 +19181,8 @@
         </p:nvSpPr>
         <p:spPr>
           <a:xfrm>
-            <a:off x="1684391" y="786859"/>
-            <a:ext cx="8823249" cy="1200329"/>
+            <a:off x="1738091" y="786859"/>
+            <a:ext cx="8715848" cy="1077218"/>
           </a:xfrm>
           <a:prstGeom prst="rect">
             <a:avLst/>
@@ -19437,23 +19205,23 @@
                 <a:solidFill>
                   <a:srgbClr val="FF0000"/>
                 </a:solidFill>
-                <a:latin typeface="Open Sans SemiBold" panose="020B0706030804020204" pitchFamily="34" charset="0"/>
-                <a:ea typeface="Open Sans SemiBold" panose="020B0706030804020204" pitchFamily="34" charset="0"/>
+                <a:latin typeface="Roboto" panose="02000000000000000000" pitchFamily="2" charset="0"/>
+                <a:ea typeface="Roboto" panose="02000000000000000000" pitchFamily="2" charset="0"/>
                 <a:cs typeface="Open Sans SemiBold" panose="020B0706030804020204" pitchFamily="34" charset="0"/>
               </a:rPr>
               <a:t>НЕПРАВИЛЬНАЯ</a:t>
             </a:r>
             <a:r>
               <a:rPr lang="ru-RU" sz="4800" dirty="0" smtClean="0">
-                <a:latin typeface="Open Sans SemiBold" panose="020B0706030804020204" pitchFamily="34" charset="0"/>
-                <a:ea typeface="Open Sans SemiBold" panose="020B0706030804020204" pitchFamily="34" charset="0"/>
+                <a:latin typeface="Roboto" panose="02000000000000000000" pitchFamily="2" charset="0"/>
+                <a:ea typeface="Roboto" panose="02000000000000000000" pitchFamily="2" charset="0"/>
                 <a:cs typeface="Open Sans SemiBold" panose="020B0706030804020204" pitchFamily="34" charset="0"/>
               </a:rPr>
               <a:t> СТРУКТУРА</a:t>
             </a:r>
             <a:endParaRPr lang="ru-RU" sz="4800" dirty="0">
-              <a:latin typeface="Open Sans SemiBold" panose="020B0706030804020204" pitchFamily="34" charset="0"/>
-              <a:ea typeface="Open Sans SemiBold" panose="020B0706030804020204" pitchFamily="34" charset="0"/>
+              <a:latin typeface="Roboto" panose="02000000000000000000" pitchFamily="2" charset="0"/>
+              <a:ea typeface="Roboto" panose="02000000000000000000" pitchFamily="2" charset="0"/>
               <a:cs typeface="Open Sans SemiBold" panose="020B0706030804020204" pitchFamily="34" charset="0"/>
             </a:endParaRPr>
           </a:p>
@@ -19467,8 +19235,8 @@
         </p:nvSpPr>
         <p:spPr>
           <a:xfrm>
-            <a:off x="1916838" y="3051281"/>
-            <a:ext cx="8358378" cy="1085041"/>
+            <a:off x="2209386" y="3051281"/>
+            <a:ext cx="7773282" cy="1083951"/>
           </a:xfrm>
           <a:prstGeom prst="rect">
             <a:avLst/>
@@ -19488,13 +19256,15 @@
             </a:pPr>
             <a:r>
               <a:rPr lang="ru-RU" sz="4800" dirty="0" smtClean="0">
-                <a:latin typeface="Open Sans SemiBold"/>
-                <a:ea typeface="Open Sans SemiBold"/>
+                <a:latin typeface="Roboto" panose="02000000000000000000" pitchFamily="2" charset="0"/>
+                <a:ea typeface="Roboto" panose="02000000000000000000" pitchFamily="2" charset="0"/>
                 <a:cs typeface="Open Sans SemiBold"/>
               </a:rPr>
               <a:t>Замедлять и блокировать</a:t>
             </a:r>
-            <a:endParaRPr lang="ru-RU" dirty="0"/>
+            <a:endParaRPr lang="ru-RU" dirty="0">
+              <a:latin typeface="Roboto" panose="02000000000000000000" pitchFamily="2" charset="0"/>
+            </a:endParaRPr>
           </a:p>
         </p:txBody>
       </p:sp>
@@ -19586,13 +19356,15 @@
             </a:pPr>
             <a:r>
               <a:rPr lang="ru-RU" sz="4800" dirty="0" smtClean="0">
-                <a:latin typeface="Open Sans SemiBold"/>
-                <a:ea typeface="Open Sans SemiBold"/>
+                <a:latin typeface="Roboto" panose="02000000000000000000" pitchFamily="2" charset="0"/>
+                <a:ea typeface="Roboto" panose="02000000000000000000" pitchFamily="2" charset="0"/>
                 <a:cs typeface="Open Sans SemiBold"/>
               </a:rPr>
               <a:t>ПРОИЗВОДИТЕЛЬНОСТЬ</a:t>
             </a:r>
-            <a:endParaRPr lang="ru-RU" dirty="0"/>
+            <a:endParaRPr lang="ru-RU" dirty="0">
+              <a:latin typeface="Roboto" panose="02000000000000000000" pitchFamily="2" charset="0"/>
+            </a:endParaRPr>
           </a:p>
         </p:txBody>
       </p:sp>
@@ -19625,13 +19397,15 @@
             </a:pPr>
             <a:r>
               <a:rPr lang="ru-RU" sz="4800" dirty="0" smtClean="0">
-                <a:latin typeface="Open Sans SemiBold"/>
-                <a:ea typeface="Open Sans SemiBold"/>
+                <a:latin typeface="Roboto" panose="02000000000000000000" pitchFamily="2" charset="0"/>
+                <a:ea typeface="Roboto" panose="02000000000000000000" pitchFamily="2" charset="0"/>
                 <a:cs typeface="Open Sans SemiBold"/>
               </a:rPr>
               <a:t>АРХИТЕКТУРА</a:t>
             </a:r>
-            <a:endParaRPr lang="ru-RU" dirty="0"/>
+            <a:endParaRPr lang="ru-RU" dirty="0">
+              <a:latin typeface="Roboto" panose="02000000000000000000" pitchFamily="2" charset="0"/>
+            </a:endParaRPr>
           </a:p>
         </p:txBody>
       </p:sp>
@@ -19673,8 +19447,8 @@
         </p:nvSpPr>
         <p:spPr>
           <a:xfrm>
-            <a:off x="6458733" y="2826285"/>
-            <a:ext cx="463588" cy="1085041"/>
+            <a:off x="6453122" y="2826285"/>
+            <a:ext cx="474810" cy="1083951"/>
           </a:xfrm>
           <a:prstGeom prst="rect">
             <a:avLst/>
@@ -19694,13 +19468,15 @@
             </a:pPr>
             <a:r>
               <a:rPr lang="ru-RU" sz="4800" dirty="0">
-                <a:latin typeface="Open Sans SemiBold"/>
-                <a:ea typeface="Open Sans SemiBold"/>
+                <a:latin typeface="Roboto" panose="02000000000000000000" pitchFamily="2" charset="0"/>
+                <a:ea typeface="Roboto" panose="02000000000000000000" pitchFamily="2" charset="0"/>
                 <a:cs typeface="Open Sans SemiBold"/>
               </a:rPr>
               <a:t>?</a:t>
             </a:r>
-            <a:endParaRPr lang="ru-RU" dirty="0"/>
+            <a:endParaRPr lang="ru-RU" dirty="0">
+              <a:latin typeface="Roboto" panose="02000000000000000000" pitchFamily="2" charset="0"/>
+            </a:endParaRPr>
           </a:p>
         </p:txBody>
       </p:sp>
@@ -19763,8 +19539,8 @@
         </p:nvSpPr>
         <p:spPr>
           <a:xfrm>
-            <a:off x="2164494" y="2887858"/>
-            <a:ext cx="7863050" cy="1082284"/>
+            <a:off x="2342427" y="2887858"/>
+            <a:ext cx="7507183" cy="1074718"/>
           </a:xfrm>
           <a:prstGeom prst="rect">
             <a:avLst/>
@@ -19784,15 +19560,15 @@
             </a:pPr>
             <a:r>
               <a:rPr lang="ru-RU" sz="4800" dirty="0" smtClean="0">
-                <a:latin typeface="Open Sans SemiBold" panose="020B0706030804020204" pitchFamily="34" charset="0"/>
-                <a:ea typeface="Open Sans SemiBold" panose="020B0706030804020204" pitchFamily="34" charset="0"/>
+                <a:latin typeface="Roboto" panose="02000000000000000000" pitchFamily="2" charset="0"/>
+                <a:ea typeface="Roboto" panose="02000000000000000000" pitchFamily="2" charset="0"/>
                 <a:cs typeface="Open Sans SemiBold" panose="020B0706030804020204" pitchFamily="34" charset="0"/>
               </a:rPr>
               <a:t>ПРИЗНАКИ НАРУШЕНИЙ</a:t>
             </a:r>
             <a:endParaRPr lang="ru-RU" sz="4800" dirty="0">
-              <a:latin typeface="Open Sans SemiBold" panose="020B0706030804020204" pitchFamily="34" charset="0"/>
-              <a:ea typeface="Open Sans SemiBold" panose="020B0706030804020204" pitchFamily="34" charset="0"/>
+              <a:latin typeface="Roboto" panose="02000000000000000000" pitchFamily="2" charset="0"/>
+              <a:ea typeface="Roboto" panose="02000000000000000000" pitchFamily="2" charset="0"/>
               <a:cs typeface="Open Sans SemiBold" panose="020B0706030804020204" pitchFamily="34" charset="0"/>
             </a:endParaRPr>
           </a:p>
@@ -19865,8 +19641,8 @@
         </p:nvSpPr>
         <p:spPr>
           <a:xfrm>
-            <a:off x="3790486" y="2886326"/>
-            <a:ext cx="4410503" cy="1085041"/>
+            <a:off x="3767403" y="2890237"/>
+            <a:ext cx="4456669" cy="1077218"/>
           </a:xfrm>
           <a:prstGeom prst="rect">
             <a:avLst/>
@@ -19886,13 +19662,16 @@
             </a:pPr>
             <a:r>
               <a:rPr lang="en-US" sz="4800" dirty="0">
-                <a:latin typeface="Open Sans SemiBold"/>
-                <a:ea typeface="Open Sans SemiBold"/>
+                <a:latin typeface="Roboto" panose="02000000000000000000" pitchFamily="2" charset="0"/>
+                <a:ea typeface="Roboto" panose="02000000000000000000" pitchFamily="2" charset="0"/>
                 <a:cs typeface="Open Sans SemiBold"/>
               </a:rPr>
               <a:t>АРХИТЕКТУРА</a:t>
             </a:r>
-            <a:endParaRPr lang="ru-RU" dirty="0"/>
+            <a:endParaRPr lang="ru-RU" dirty="0">
+              <a:latin typeface="Roboto" panose="02000000000000000000" pitchFamily="2" charset="0"/>
+              <a:ea typeface="Roboto" panose="02000000000000000000" pitchFamily="2" charset="0"/>
+            </a:endParaRPr>
           </a:p>
         </p:txBody>
       </p:sp>
@@ -19976,15 +19755,15 @@
             </a:pPr>
             <a:r>
               <a:rPr lang="ru-RU" sz="4800" dirty="0" smtClean="0">
-                <a:latin typeface="Open Sans SemiBold" panose="020B0706030804020204" pitchFamily="34" charset="0"/>
-                <a:ea typeface="Open Sans SemiBold" panose="020B0706030804020204" pitchFamily="34" charset="0"/>
+                <a:latin typeface="Roboto" panose="02000000000000000000" pitchFamily="2" charset="0"/>
+                <a:ea typeface="Roboto" panose="02000000000000000000" pitchFamily="2" charset="0"/>
                 <a:cs typeface="Open Sans SemiBold" panose="020B0706030804020204" pitchFamily="34" charset="0"/>
               </a:rPr>
               <a:t>ЖЕСТКОСТЬ</a:t>
             </a:r>
             <a:endParaRPr lang="ru-RU" sz="4800" dirty="0">
-              <a:latin typeface="Open Sans SemiBold" panose="020B0706030804020204" pitchFamily="34" charset="0"/>
-              <a:ea typeface="Open Sans SemiBold" panose="020B0706030804020204" pitchFamily="34" charset="0"/>
+              <a:latin typeface="Roboto" panose="02000000000000000000" pitchFamily="2" charset="0"/>
+              <a:ea typeface="Roboto" panose="02000000000000000000" pitchFamily="2" charset="0"/>
               <a:cs typeface="Open Sans SemiBold" panose="020B0706030804020204" pitchFamily="34" charset="0"/>
             </a:endParaRPr>
           </a:p>
@@ -20078,15 +19857,15 @@
             </a:pPr>
             <a:r>
               <a:rPr lang="ru-RU" sz="4800" dirty="0" smtClean="0">
-                <a:latin typeface="Open Sans SemiBold" panose="020B0706030804020204" pitchFamily="34" charset="0"/>
-                <a:ea typeface="Open Sans SemiBold" panose="020B0706030804020204" pitchFamily="34" charset="0"/>
+                <a:latin typeface="Roboto" panose="02000000000000000000" pitchFamily="2" charset="0"/>
+                <a:ea typeface="Roboto" panose="02000000000000000000" pitchFamily="2" charset="0"/>
                 <a:cs typeface="Open Sans SemiBold" panose="020B0706030804020204" pitchFamily="34" charset="0"/>
               </a:rPr>
               <a:t>ПРОБЛЕМА</a:t>
             </a:r>
             <a:endParaRPr lang="ru-RU" sz="4800" dirty="0">
-              <a:latin typeface="Open Sans SemiBold" panose="020B0706030804020204" pitchFamily="34" charset="0"/>
-              <a:ea typeface="Open Sans SemiBold" panose="020B0706030804020204" pitchFamily="34" charset="0"/>
+              <a:latin typeface="Roboto" panose="02000000000000000000" pitchFamily="2" charset="0"/>
+              <a:ea typeface="Roboto" panose="02000000000000000000" pitchFamily="2" charset="0"/>
               <a:cs typeface="Open Sans SemiBold" panose="020B0706030804020204" pitchFamily="34" charset="0"/>
             </a:endParaRPr>
           </a:p>
@@ -20141,6 +19920,7 @@
                 <a:solidFill>
                   <a:schemeClr val="tx1"/>
                 </a:solidFill>
+                <a:latin typeface="Roboto" panose="02000000000000000000" pitchFamily="2" charset="0"/>
               </a:rPr>
               <a:t>Редактирование пользователя</a:t>
             </a:r>
@@ -20148,6 +19928,7 @@
               <a:solidFill>
                 <a:schemeClr val="tx1"/>
               </a:solidFill>
+              <a:latin typeface="Roboto" panose="02000000000000000000" pitchFamily="2" charset="0"/>
             </a:endParaRPr>
           </a:p>
         </p:txBody>
@@ -20201,6 +19982,7 @@
                 <a:solidFill>
                   <a:schemeClr val="tx1"/>
                 </a:solidFill>
+                <a:latin typeface="Roboto" panose="02000000000000000000" pitchFamily="2" charset="0"/>
               </a:rPr>
               <a:t>Список ролей</a:t>
             </a:r>
@@ -20208,6 +19990,7 @@
               <a:solidFill>
                 <a:schemeClr val="tx1"/>
               </a:solidFill>
+              <a:latin typeface="Roboto" panose="02000000000000000000" pitchFamily="2" charset="0"/>
             </a:endParaRPr>
           </a:p>
         </p:txBody>
@@ -20261,6 +20044,7 @@
                 <a:solidFill>
                   <a:schemeClr val="tx1"/>
                 </a:solidFill>
+                <a:latin typeface="Roboto" panose="02000000000000000000" pitchFamily="2" charset="0"/>
               </a:rPr>
               <a:t>Создание продукта</a:t>
             </a:r>
@@ -20268,6 +20052,7 @@
               <a:solidFill>
                 <a:schemeClr val="tx1"/>
               </a:solidFill>
+              <a:latin typeface="Roboto" panose="02000000000000000000" pitchFamily="2" charset="0"/>
             </a:endParaRPr>
           </a:p>
         </p:txBody>
@@ -20321,6 +20106,7 @@
                 <a:solidFill>
                   <a:schemeClr val="tx1"/>
                 </a:solidFill>
+                <a:latin typeface="Roboto" panose="02000000000000000000" pitchFamily="2" charset="0"/>
               </a:rPr>
               <a:t>Button</a:t>
             </a:r>
@@ -20328,6 +20114,7 @@
               <a:solidFill>
                 <a:schemeClr val="tx1"/>
               </a:solidFill>
+              <a:latin typeface="Roboto" panose="02000000000000000000" pitchFamily="2" charset="0"/>
             </a:endParaRPr>
           </a:p>
         </p:txBody>
@@ -20537,8 +20324,8 @@
             </a:pPr>
             <a:r>
               <a:rPr lang="ru-RU" sz="4800" dirty="0">
-                <a:latin typeface="Open Sans SemiBold" panose="020B0706030804020204" pitchFamily="34" charset="0"/>
-                <a:ea typeface="Open Sans SemiBold" panose="020B0706030804020204" pitchFamily="34" charset="0"/>
+                <a:latin typeface="Roboto" panose="02000000000000000000" pitchFamily="2" charset="0"/>
+                <a:ea typeface="Roboto" panose="02000000000000000000" pitchFamily="2" charset="0"/>
                 <a:cs typeface="Open Sans SemiBold" panose="020B0706030804020204" pitchFamily="34" charset="0"/>
               </a:rPr>
               <a:t>ПРОБЛЕМА</a:t>
@@ -20598,6 +20385,7 @@
                 <a:solidFill>
                   <a:schemeClr val="tx1"/>
                 </a:solidFill>
+                <a:latin typeface="Roboto" panose="02000000000000000000" pitchFamily="2" charset="0"/>
               </a:rPr>
               <a:t>Редактирование пользователя</a:t>
             </a:r>
@@ -20605,6 +20393,7 @@
               <a:solidFill>
                 <a:schemeClr val="tx1"/>
               </a:solidFill>
+              <a:latin typeface="Roboto" panose="02000000000000000000" pitchFamily="2" charset="0"/>
             </a:endParaRPr>
           </a:p>
         </p:txBody>
@@ -20658,6 +20447,7 @@
                 <a:solidFill>
                   <a:schemeClr val="tx1"/>
                 </a:solidFill>
+                <a:latin typeface="Roboto" panose="02000000000000000000" pitchFamily="2" charset="0"/>
               </a:rPr>
               <a:t>Список ролей</a:t>
             </a:r>
@@ -20665,6 +20455,7 @@
               <a:solidFill>
                 <a:schemeClr val="tx1"/>
               </a:solidFill>
+              <a:latin typeface="Roboto" panose="02000000000000000000" pitchFamily="2" charset="0"/>
             </a:endParaRPr>
           </a:p>
         </p:txBody>
@@ -20718,6 +20509,7 @@
                 <a:solidFill>
                   <a:schemeClr val="tx1"/>
                 </a:solidFill>
+                <a:latin typeface="Roboto" panose="02000000000000000000" pitchFamily="2" charset="0"/>
               </a:rPr>
               <a:t>Создание продукта</a:t>
             </a:r>
@@ -20725,6 +20517,7 @@
               <a:solidFill>
                 <a:schemeClr val="tx1"/>
               </a:solidFill>
+              <a:latin typeface="Roboto" panose="02000000000000000000" pitchFamily="2" charset="0"/>
             </a:endParaRPr>
           </a:p>
         </p:txBody>
@@ -20778,6 +20571,7 @@
                 <a:solidFill>
                   <a:schemeClr val="tx1"/>
                 </a:solidFill>
+                <a:latin typeface="Roboto" panose="02000000000000000000" pitchFamily="2" charset="0"/>
               </a:rPr>
               <a:t>Button</a:t>
             </a:r>
@@ -20785,6 +20579,7 @@
               <a:solidFill>
                 <a:schemeClr val="tx1"/>
               </a:solidFill>
+              <a:latin typeface="Roboto" panose="02000000000000000000" pitchFamily="2" charset="0"/>
             </a:endParaRPr>
           </a:p>
         </p:txBody>
@@ -20994,8 +20789,8 @@
             </a:pPr>
             <a:r>
               <a:rPr lang="ru-RU" sz="4800" dirty="0">
-                <a:latin typeface="Open Sans SemiBold" panose="020B0706030804020204" pitchFamily="34" charset="0"/>
-                <a:ea typeface="Open Sans SemiBold" panose="020B0706030804020204" pitchFamily="34" charset="0"/>
+                <a:latin typeface="Roboto" panose="02000000000000000000" pitchFamily="2" charset="0"/>
+                <a:ea typeface="Roboto" panose="02000000000000000000" pitchFamily="2" charset="0"/>
                 <a:cs typeface="Open Sans SemiBold" panose="020B0706030804020204" pitchFamily="34" charset="0"/>
               </a:rPr>
               <a:t>ПРОБЛЕМА</a:t>
@@ -21055,6 +20850,8 @@
                 <a:solidFill>
                   <a:schemeClr val="tx1"/>
                 </a:solidFill>
+                <a:latin typeface="Roboto" panose="02000000000000000000" pitchFamily="2" charset="0"/>
+                <a:ea typeface="Roboto" panose="02000000000000000000" pitchFamily="2" charset="0"/>
               </a:rPr>
               <a:t>Редактирование пользователя</a:t>
             </a:r>
@@ -21062,6 +20859,8 @@
               <a:solidFill>
                 <a:schemeClr val="tx1"/>
               </a:solidFill>
+              <a:latin typeface="Roboto" panose="02000000000000000000" pitchFamily="2" charset="0"/>
+              <a:ea typeface="Roboto" panose="02000000000000000000" pitchFamily="2" charset="0"/>
             </a:endParaRPr>
           </a:p>
         </p:txBody>
@@ -21115,6 +20914,7 @@
                 <a:solidFill>
                   <a:schemeClr val="tx1"/>
                 </a:solidFill>
+                <a:latin typeface="Roboto" panose="02000000000000000000" pitchFamily="2" charset="0"/>
               </a:rPr>
               <a:t>Список ролей</a:t>
             </a:r>
@@ -21122,6 +20922,7 @@
               <a:solidFill>
                 <a:schemeClr val="tx1"/>
               </a:solidFill>
+              <a:latin typeface="Roboto" panose="02000000000000000000" pitchFamily="2" charset="0"/>
             </a:endParaRPr>
           </a:p>
         </p:txBody>
@@ -21175,6 +20976,7 @@
                 <a:solidFill>
                   <a:schemeClr val="tx1"/>
                 </a:solidFill>
+                <a:latin typeface="Roboto" panose="02000000000000000000" pitchFamily="2" charset="0"/>
               </a:rPr>
               <a:t>Создание продукта</a:t>
             </a:r>
@@ -21182,6 +20984,7 @@
               <a:solidFill>
                 <a:schemeClr val="tx1"/>
               </a:solidFill>
+              <a:latin typeface="Roboto" panose="02000000000000000000" pitchFamily="2" charset="0"/>
             </a:endParaRPr>
           </a:p>
         </p:txBody>
@@ -21235,6 +21038,7 @@
                 <a:solidFill>
                   <a:schemeClr val="tx1"/>
                 </a:solidFill>
+                <a:latin typeface="Roboto" panose="02000000000000000000" pitchFamily="2" charset="0"/>
               </a:rPr>
               <a:t>Button</a:t>
             </a:r>
@@ -21242,6 +21046,7 @@
               <a:solidFill>
                 <a:schemeClr val="tx1"/>
               </a:solidFill>
+              <a:latin typeface="Roboto" panose="02000000000000000000" pitchFamily="2" charset="0"/>
             </a:endParaRPr>
           </a:p>
         </p:txBody>
@@ -21415,6 +21220,7 @@
                 <a:solidFill>
                   <a:schemeClr val="tx1"/>
                 </a:solidFill>
+                <a:latin typeface="Roboto" panose="02000000000000000000" pitchFamily="2" charset="0"/>
               </a:rPr>
               <a:t>guard</a:t>
             </a:r>
@@ -21422,6 +21228,7 @@
               <a:solidFill>
                 <a:schemeClr val="tx1"/>
               </a:solidFill>
+              <a:latin typeface="Roboto" panose="02000000000000000000" pitchFamily="2" charset="0"/>
             </a:endParaRPr>
           </a:p>
         </p:txBody>
@@ -21553,8 +21360,8 @@
             </a:pPr>
             <a:r>
               <a:rPr lang="ru-RU" sz="4800" dirty="0">
-                <a:latin typeface="Open Sans SemiBold" panose="020B0706030804020204" pitchFamily="34" charset="0"/>
-                <a:ea typeface="Open Sans SemiBold" panose="020B0706030804020204" pitchFamily="34" charset="0"/>
+                <a:latin typeface="Roboto" panose="02000000000000000000" pitchFamily="2" charset="0"/>
+                <a:ea typeface="Roboto" panose="02000000000000000000" pitchFamily="2" charset="0"/>
                 <a:cs typeface="Open Sans SemiBold" panose="020B0706030804020204" pitchFamily="34" charset="0"/>
               </a:rPr>
               <a:t>ПРОБЛЕМА</a:t>
@@ -21614,6 +21421,7 @@
                 <a:solidFill>
                   <a:schemeClr val="tx1"/>
                 </a:solidFill>
+                <a:latin typeface="Roboto" panose="02000000000000000000" pitchFamily="2" charset="0"/>
               </a:rPr>
               <a:t>Редактирование пользователя</a:t>
             </a:r>
@@ -21621,6 +21429,7 @@
               <a:solidFill>
                 <a:schemeClr val="tx1"/>
               </a:solidFill>
+              <a:latin typeface="Roboto" panose="02000000000000000000" pitchFamily="2" charset="0"/>
             </a:endParaRPr>
           </a:p>
         </p:txBody>
@@ -21677,6 +21486,7 @@
                 <a:solidFill>
                   <a:schemeClr val="tx1"/>
                 </a:solidFill>
+                <a:latin typeface="Roboto" panose="02000000000000000000" pitchFamily="2" charset="0"/>
               </a:rPr>
               <a:t>Список ролей</a:t>
             </a:r>
@@ -21684,6 +21494,7 @@
               <a:solidFill>
                 <a:schemeClr val="tx1"/>
               </a:solidFill>
+              <a:latin typeface="Roboto" panose="02000000000000000000" pitchFamily="2" charset="0"/>
             </a:endParaRPr>
           </a:p>
         </p:txBody>
@@ -21740,6 +21551,7 @@
                 <a:solidFill>
                   <a:schemeClr val="tx1"/>
                 </a:solidFill>
+                <a:latin typeface="Roboto" panose="02000000000000000000" pitchFamily="2" charset="0"/>
               </a:rPr>
               <a:t>Создание продукта</a:t>
             </a:r>
@@ -21747,6 +21559,7 @@
               <a:solidFill>
                 <a:schemeClr val="tx1"/>
               </a:solidFill>
+              <a:latin typeface="Roboto" panose="02000000000000000000" pitchFamily="2" charset="0"/>
             </a:endParaRPr>
           </a:p>
         </p:txBody>
@@ -21803,6 +21616,7 @@
                 <a:solidFill>
                   <a:schemeClr val="tx1"/>
                 </a:solidFill>
+                <a:latin typeface="Roboto" panose="02000000000000000000" pitchFamily="2" charset="0"/>
               </a:rPr>
               <a:t>Button</a:t>
             </a:r>
@@ -21810,6 +21624,7 @@
               <a:solidFill>
                 <a:schemeClr val="tx1"/>
               </a:solidFill>
+              <a:latin typeface="Roboto" panose="02000000000000000000" pitchFamily="2" charset="0"/>
             </a:endParaRPr>
           </a:p>
         </p:txBody>
@@ -21983,6 +21798,7 @@
                 <a:solidFill>
                   <a:schemeClr val="tx1"/>
                 </a:solidFill>
+                <a:latin typeface="Roboto" panose="02000000000000000000" pitchFamily="2" charset="0"/>
               </a:rPr>
               <a:t>guard</a:t>
             </a:r>
@@ -21990,6 +21806,7 @@
               <a:solidFill>
                 <a:schemeClr val="tx1"/>
               </a:solidFill>
+              <a:latin typeface="Roboto" panose="02000000000000000000" pitchFamily="2" charset="0"/>
             </a:endParaRPr>
           </a:p>
         </p:txBody>
@@ -22121,15 +21938,15 @@
             </a:pPr>
             <a:r>
               <a:rPr lang="ru-RU" sz="4800" dirty="0" smtClean="0">
-                <a:latin typeface="Open Sans SemiBold" panose="020B0706030804020204" pitchFamily="34" charset="0"/>
-                <a:ea typeface="Open Sans SemiBold" panose="020B0706030804020204" pitchFamily="34" charset="0"/>
+                <a:latin typeface="Roboto" panose="02000000000000000000" pitchFamily="2" charset="0"/>
+                <a:ea typeface="Roboto" panose="02000000000000000000" pitchFamily="2" charset="0"/>
                 <a:cs typeface="Open Sans SemiBold" panose="020B0706030804020204" pitchFamily="34" charset="0"/>
               </a:rPr>
               <a:t>РЕШЕНИЕ</a:t>
             </a:r>
             <a:endParaRPr lang="ru-RU" sz="4800" dirty="0">
-              <a:latin typeface="Open Sans SemiBold" panose="020B0706030804020204" pitchFamily="34" charset="0"/>
-              <a:ea typeface="Open Sans SemiBold" panose="020B0706030804020204" pitchFamily="34" charset="0"/>
+              <a:latin typeface="Roboto" panose="02000000000000000000" pitchFamily="2" charset="0"/>
+              <a:ea typeface="Roboto" panose="02000000000000000000" pitchFamily="2" charset="0"/>
               <a:cs typeface="Open Sans SemiBold" panose="020B0706030804020204" pitchFamily="34" charset="0"/>
             </a:endParaRPr>
           </a:p>
@@ -22187,6 +22004,7 @@
                 <a:solidFill>
                   <a:schemeClr val="tx1"/>
                 </a:solidFill>
+                <a:latin typeface="Roboto" panose="02000000000000000000" pitchFamily="2" charset="0"/>
               </a:rPr>
               <a:t>Редактирование пользователя</a:t>
             </a:r>
@@ -22194,6 +22012,7 @@
               <a:solidFill>
                 <a:schemeClr val="tx1"/>
               </a:solidFill>
+              <a:latin typeface="Roboto" panose="02000000000000000000" pitchFamily="2" charset="0"/>
             </a:endParaRPr>
           </a:p>
         </p:txBody>
@@ -22247,6 +22066,7 @@
                 <a:solidFill>
                   <a:schemeClr val="tx1"/>
                 </a:solidFill>
+                <a:latin typeface="Roboto" panose="02000000000000000000" pitchFamily="2" charset="0"/>
               </a:rPr>
               <a:t>Список ролей</a:t>
             </a:r>
@@ -22254,6 +22074,7 @@
               <a:solidFill>
                 <a:schemeClr val="tx1"/>
               </a:solidFill>
+              <a:latin typeface="Roboto" panose="02000000000000000000" pitchFamily="2" charset="0"/>
             </a:endParaRPr>
           </a:p>
         </p:txBody>
@@ -22307,6 +22128,7 @@
                 <a:solidFill>
                   <a:schemeClr val="tx1"/>
                 </a:solidFill>
+                <a:latin typeface="Roboto" panose="02000000000000000000" pitchFamily="2" charset="0"/>
               </a:rPr>
               <a:t>Создание продукта</a:t>
             </a:r>
@@ -22314,6 +22136,7 @@
               <a:solidFill>
                 <a:schemeClr val="tx1"/>
               </a:solidFill>
+              <a:latin typeface="Roboto" panose="02000000000000000000" pitchFamily="2" charset="0"/>
             </a:endParaRPr>
           </a:p>
         </p:txBody>
@@ -22367,6 +22190,7 @@
                 <a:solidFill>
                   <a:schemeClr val="tx1"/>
                 </a:solidFill>
+                <a:latin typeface="Roboto" panose="02000000000000000000" pitchFamily="2" charset="0"/>
               </a:rPr>
               <a:t>Button</a:t>
             </a:r>
@@ -22374,6 +22198,7 @@
               <a:solidFill>
                 <a:schemeClr val="tx1"/>
               </a:solidFill>
+              <a:latin typeface="Roboto" panose="02000000000000000000" pitchFamily="2" charset="0"/>
             </a:endParaRPr>
           </a:p>
         </p:txBody>
@@ -22508,6 +22333,7 @@
                 <a:solidFill>
                   <a:schemeClr val="tx1"/>
                 </a:solidFill>
+                <a:latin typeface="Roboto" panose="02000000000000000000" pitchFamily="2" charset="0"/>
               </a:rPr>
               <a:t>RoleGuardButton</a:t>
             </a:r>
@@ -22515,6 +22341,7 @@
               <a:solidFill>
                 <a:schemeClr val="tx1"/>
               </a:solidFill>
+              <a:latin typeface="Roboto" panose="02000000000000000000" pitchFamily="2" charset="0"/>
             </a:endParaRPr>
           </a:p>
         </p:txBody>
@@ -22685,15 +22512,15 @@
             </a:pPr>
             <a:r>
               <a:rPr lang="ru-RU" sz="4800" dirty="0" smtClean="0">
-                <a:latin typeface="Open Sans SemiBold" panose="020B0706030804020204" pitchFamily="34" charset="0"/>
-                <a:ea typeface="Open Sans SemiBold" panose="020B0706030804020204" pitchFamily="34" charset="0"/>
+                <a:latin typeface="Roboto" panose="02000000000000000000" pitchFamily="2" charset="0"/>
+                <a:ea typeface="Roboto" panose="02000000000000000000" pitchFamily="2" charset="0"/>
                 <a:cs typeface="Open Sans SemiBold" panose="020B0706030804020204" pitchFamily="34" charset="0"/>
               </a:rPr>
               <a:t>РЕШЕНИЕ</a:t>
             </a:r>
             <a:endParaRPr lang="ru-RU" sz="4800" dirty="0">
-              <a:latin typeface="Open Sans SemiBold" panose="020B0706030804020204" pitchFamily="34" charset="0"/>
-              <a:ea typeface="Open Sans SemiBold" panose="020B0706030804020204" pitchFamily="34" charset="0"/>
+              <a:latin typeface="Roboto" panose="02000000000000000000" pitchFamily="2" charset="0"/>
+              <a:ea typeface="Roboto" panose="02000000000000000000" pitchFamily="2" charset="0"/>
               <a:cs typeface="Open Sans SemiBold" panose="020B0706030804020204" pitchFamily="34" charset="0"/>
             </a:endParaRPr>
           </a:p>
@@ -22751,6 +22578,7 @@
                 <a:solidFill>
                   <a:schemeClr val="tx1"/>
                 </a:solidFill>
+                <a:latin typeface="Roboto" panose="02000000000000000000" pitchFamily="2" charset="0"/>
               </a:rPr>
               <a:t>Редактирование пользователя</a:t>
             </a:r>
@@ -22758,6 +22586,7 @@
               <a:solidFill>
                 <a:schemeClr val="tx1"/>
               </a:solidFill>
+              <a:latin typeface="Roboto" panose="02000000000000000000" pitchFamily="2" charset="0"/>
             </a:endParaRPr>
           </a:p>
         </p:txBody>
@@ -22811,6 +22640,7 @@
                 <a:solidFill>
                   <a:schemeClr val="tx1"/>
                 </a:solidFill>
+                <a:latin typeface="Roboto" panose="02000000000000000000" pitchFamily="2" charset="0"/>
               </a:rPr>
               <a:t>Список ролей</a:t>
             </a:r>
@@ -22818,6 +22648,7 @@
               <a:solidFill>
                 <a:schemeClr val="tx1"/>
               </a:solidFill>
+              <a:latin typeface="Roboto" panose="02000000000000000000" pitchFamily="2" charset="0"/>
             </a:endParaRPr>
           </a:p>
         </p:txBody>
@@ -22871,6 +22702,7 @@
                 <a:solidFill>
                   <a:schemeClr val="tx1"/>
                 </a:solidFill>
+                <a:latin typeface="Roboto" panose="02000000000000000000" pitchFamily="2" charset="0"/>
               </a:rPr>
               <a:t>Создание продукта</a:t>
             </a:r>
@@ -22878,6 +22710,7 @@
               <a:solidFill>
                 <a:schemeClr val="tx1"/>
               </a:solidFill>
+              <a:latin typeface="Roboto" panose="02000000000000000000" pitchFamily="2" charset="0"/>
             </a:endParaRPr>
           </a:p>
         </p:txBody>
@@ -22934,6 +22767,7 @@
                 <a:solidFill>
                   <a:schemeClr val="tx1"/>
                 </a:solidFill>
+                <a:latin typeface="Roboto" panose="02000000000000000000" pitchFamily="2" charset="0"/>
               </a:rPr>
               <a:t>Button</a:t>
             </a:r>
@@ -22941,6 +22775,7 @@
               <a:solidFill>
                 <a:schemeClr val="tx1"/>
               </a:solidFill>
+              <a:latin typeface="Roboto" panose="02000000000000000000" pitchFamily="2" charset="0"/>
             </a:endParaRPr>
           </a:p>
         </p:txBody>
@@ -23114,6 +22949,7 @@
                 <a:solidFill>
                   <a:schemeClr val="tx1"/>
                 </a:solidFill>
+                <a:latin typeface="Roboto" panose="02000000000000000000" pitchFamily="2" charset="0"/>
               </a:rPr>
               <a:t>g</a:t>
             </a:r>
@@ -23122,6 +22958,7 @@
                 <a:solidFill>
                   <a:schemeClr val="tx1"/>
                 </a:solidFill>
+                <a:latin typeface="Roboto" panose="02000000000000000000" pitchFamily="2" charset="0"/>
               </a:rPr>
               <a:t>uard</a:t>
             </a:r>
@@ -23130,6 +22967,7 @@
                 <a:solidFill>
                   <a:srgbClr val="FF0000"/>
                 </a:solidFill>
+                <a:latin typeface="Roboto" panose="02000000000000000000" pitchFamily="2" charset="0"/>
               </a:rPr>
               <a:t>?</a:t>
             </a:r>
@@ -23137,6 +22975,7 @@
               <a:solidFill>
                 <a:srgbClr val="FF0000"/>
               </a:solidFill>
+              <a:latin typeface="Roboto" panose="02000000000000000000" pitchFamily="2" charset="0"/>
             </a:endParaRPr>
           </a:p>
         </p:txBody>
@@ -23268,15 +23107,15 @@
             </a:pPr>
             <a:r>
               <a:rPr lang="ru-RU" sz="4800" dirty="0" smtClean="0">
-                <a:latin typeface="Open Sans SemiBold" panose="020B0706030804020204" pitchFamily="34" charset="0"/>
-                <a:ea typeface="Open Sans SemiBold" panose="020B0706030804020204" pitchFamily="34" charset="0"/>
+                <a:latin typeface="Roboto" panose="02000000000000000000" pitchFamily="2" charset="0"/>
+                <a:ea typeface="Roboto" panose="02000000000000000000" pitchFamily="2" charset="0"/>
                 <a:cs typeface="Open Sans SemiBold" panose="020B0706030804020204" pitchFamily="34" charset="0"/>
               </a:rPr>
               <a:t>ХРУПКОСТЬ</a:t>
             </a:r>
             <a:endParaRPr lang="ru-RU" sz="4800" dirty="0">
-              <a:latin typeface="Open Sans SemiBold" panose="020B0706030804020204" pitchFamily="34" charset="0"/>
-              <a:ea typeface="Open Sans SemiBold" panose="020B0706030804020204" pitchFamily="34" charset="0"/>
+              <a:latin typeface="Roboto" panose="02000000000000000000" pitchFamily="2" charset="0"/>
+              <a:ea typeface="Roboto" panose="02000000000000000000" pitchFamily="2" charset="0"/>
               <a:cs typeface="Open Sans SemiBold" panose="020B0706030804020204" pitchFamily="34" charset="0"/>
             </a:endParaRPr>
           </a:p>
@@ -23370,15 +23209,15 @@
             </a:pPr>
             <a:r>
               <a:rPr lang="ru-RU" sz="4800" dirty="0" smtClean="0">
-                <a:latin typeface="Open Sans SemiBold" panose="020B0706030804020204" pitchFamily="34" charset="0"/>
-                <a:ea typeface="Open Sans SemiBold" panose="020B0706030804020204" pitchFamily="34" charset="0"/>
+                <a:latin typeface="Roboto" panose="02000000000000000000" pitchFamily="2" charset="0"/>
+                <a:ea typeface="Roboto" panose="02000000000000000000" pitchFamily="2" charset="0"/>
                 <a:cs typeface="Open Sans SemiBold" panose="020B0706030804020204" pitchFamily="34" charset="0"/>
               </a:rPr>
               <a:t>ПРОБЛЕМА</a:t>
             </a:r>
             <a:endParaRPr lang="ru-RU" sz="4800" dirty="0">
-              <a:latin typeface="Open Sans SemiBold" panose="020B0706030804020204" pitchFamily="34" charset="0"/>
-              <a:ea typeface="Open Sans SemiBold" panose="020B0706030804020204" pitchFamily="34" charset="0"/>
+              <a:latin typeface="Roboto" panose="02000000000000000000" pitchFamily="2" charset="0"/>
+              <a:ea typeface="Roboto" panose="02000000000000000000" pitchFamily="2" charset="0"/>
               <a:cs typeface="Open Sans SemiBold" panose="020B0706030804020204" pitchFamily="34" charset="0"/>
             </a:endParaRPr>
           </a:p>
@@ -23436,6 +23275,7 @@
                 <a:solidFill>
                   <a:schemeClr val="tx1"/>
                 </a:solidFill>
+                <a:latin typeface="Roboto" panose="02000000000000000000" pitchFamily="2" charset="0"/>
               </a:rPr>
               <a:t>Редактирование пользователя</a:t>
             </a:r>
@@ -23443,6 +23283,7 @@
               <a:solidFill>
                 <a:schemeClr val="tx1"/>
               </a:solidFill>
+              <a:latin typeface="Roboto" panose="02000000000000000000" pitchFamily="2" charset="0"/>
             </a:endParaRPr>
           </a:p>
         </p:txBody>
@@ -23496,6 +23337,7 @@
                 <a:solidFill>
                   <a:schemeClr val="tx1"/>
                 </a:solidFill>
+                <a:latin typeface="Roboto" panose="02000000000000000000" pitchFamily="2" charset="0"/>
               </a:rPr>
               <a:t>Список ролей</a:t>
             </a:r>
@@ -23503,6 +23345,7 @@
               <a:solidFill>
                 <a:schemeClr val="tx1"/>
               </a:solidFill>
+              <a:latin typeface="Roboto" panose="02000000000000000000" pitchFamily="2" charset="0"/>
             </a:endParaRPr>
           </a:p>
         </p:txBody>
@@ -23556,6 +23399,7 @@
                 <a:solidFill>
                   <a:schemeClr val="tx1"/>
                 </a:solidFill>
+                <a:latin typeface="Roboto" panose="02000000000000000000" pitchFamily="2" charset="0"/>
               </a:rPr>
               <a:t>Создание продукта</a:t>
             </a:r>
@@ -23563,6 +23407,7 @@
               <a:solidFill>
                 <a:schemeClr val="tx1"/>
               </a:solidFill>
+              <a:latin typeface="Roboto" panose="02000000000000000000" pitchFamily="2" charset="0"/>
             </a:endParaRPr>
           </a:p>
         </p:txBody>
@@ -23619,6 +23464,7 @@
                 <a:solidFill>
                   <a:schemeClr val="tx1"/>
                 </a:solidFill>
+                <a:latin typeface="Roboto" panose="02000000000000000000" pitchFamily="2" charset="0"/>
               </a:rPr>
               <a:t>Button</a:t>
             </a:r>
@@ -23626,6 +23472,7 @@
               <a:solidFill>
                 <a:schemeClr val="tx1"/>
               </a:solidFill>
+              <a:latin typeface="Roboto" panose="02000000000000000000" pitchFamily="2" charset="0"/>
             </a:endParaRPr>
           </a:p>
         </p:txBody>
@@ -23799,6 +23646,7 @@
                 <a:solidFill>
                   <a:schemeClr val="tx1"/>
                 </a:solidFill>
+                <a:latin typeface="Roboto" panose="02000000000000000000" pitchFamily="2" charset="0"/>
               </a:rPr>
               <a:t>g</a:t>
             </a:r>
@@ -23807,6 +23655,7 @@
                 <a:solidFill>
                   <a:schemeClr val="tx1"/>
                 </a:solidFill>
+                <a:latin typeface="Roboto" panose="02000000000000000000" pitchFamily="2" charset="0"/>
               </a:rPr>
               <a:t>uard</a:t>
             </a:r>
@@ -23815,6 +23664,7 @@
                 <a:solidFill>
                   <a:srgbClr val="FF0000"/>
                 </a:solidFill>
+                <a:latin typeface="Roboto" panose="02000000000000000000" pitchFamily="2" charset="0"/>
               </a:rPr>
               <a:t>?</a:t>
             </a:r>
@@ -23822,6 +23672,7 @@
               <a:solidFill>
                 <a:srgbClr val="FF0000"/>
               </a:solidFill>
+              <a:latin typeface="Roboto" panose="02000000000000000000" pitchFamily="2" charset="0"/>
             </a:endParaRPr>
           </a:p>
         </p:txBody>
@@ -23953,15 +23804,15 @@
             </a:pPr>
             <a:r>
               <a:rPr lang="ru-RU" sz="4800" dirty="0" smtClean="0">
-                <a:latin typeface="Open Sans SemiBold" panose="020B0706030804020204" pitchFamily="34" charset="0"/>
-                <a:ea typeface="Open Sans SemiBold" panose="020B0706030804020204" pitchFamily="34" charset="0"/>
+                <a:latin typeface="Roboto" panose="02000000000000000000" pitchFamily="2" charset="0"/>
+                <a:ea typeface="Roboto" panose="02000000000000000000" pitchFamily="2" charset="0"/>
                 <a:cs typeface="Open Sans SemiBold" panose="020B0706030804020204" pitchFamily="34" charset="0"/>
               </a:rPr>
               <a:t>ПРОБЛЕМА</a:t>
             </a:r>
             <a:endParaRPr lang="ru-RU" sz="4800" dirty="0">
-              <a:latin typeface="Open Sans SemiBold" panose="020B0706030804020204" pitchFamily="34" charset="0"/>
-              <a:ea typeface="Open Sans SemiBold" panose="020B0706030804020204" pitchFamily="34" charset="0"/>
+              <a:latin typeface="Roboto" panose="02000000000000000000" pitchFamily="2" charset="0"/>
+              <a:ea typeface="Roboto" panose="02000000000000000000" pitchFamily="2" charset="0"/>
               <a:cs typeface="Open Sans SemiBold" panose="020B0706030804020204" pitchFamily="34" charset="0"/>
             </a:endParaRPr>
           </a:p>
@@ -24019,6 +23870,7 @@
                 <a:solidFill>
                   <a:schemeClr val="tx1"/>
                 </a:solidFill>
+                <a:latin typeface="Roboto" panose="02000000000000000000" pitchFamily="2" charset="0"/>
               </a:rPr>
               <a:t>Редактирование пользователя</a:t>
             </a:r>
@@ -24026,6 +23878,7 @@
               <a:solidFill>
                 <a:schemeClr val="tx1"/>
               </a:solidFill>
+              <a:latin typeface="Roboto" panose="02000000000000000000" pitchFamily="2" charset="0"/>
             </a:endParaRPr>
           </a:p>
         </p:txBody>
@@ -24079,6 +23932,7 @@
                 <a:solidFill>
                   <a:schemeClr val="tx1"/>
                 </a:solidFill>
+                <a:latin typeface="Roboto" panose="02000000000000000000" pitchFamily="2" charset="0"/>
               </a:rPr>
               <a:t>Список ролей</a:t>
             </a:r>
@@ -24086,6 +23940,7 @@
               <a:solidFill>
                 <a:schemeClr val="tx1"/>
               </a:solidFill>
+              <a:latin typeface="Roboto" panose="02000000000000000000" pitchFamily="2" charset="0"/>
             </a:endParaRPr>
           </a:p>
         </p:txBody>
@@ -24139,6 +23994,7 @@
                 <a:solidFill>
                   <a:schemeClr val="tx1"/>
                 </a:solidFill>
+                <a:latin typeface="Roboto" panose="02000000000000000000" pitchFamily="2" charset="0"/>
               </a:rPr>
               <a:t>Создание продукта</a:t>
             </a:r>
@@ -24146,6 +24002,7 @@
               <a:solidFill>
                 <a:schemeClr val="tx1"/>
               </a:solidFill>
+              <a:latin typeface="Roboto" panose="02000000000000000000" pitchFamily="2" charset="0"/>
             </a:endParaRPr>
           </a:p>
         </p:txBody>
@@ -24202,6 +24059,7 @@
                 <a:solidFill>
                   <a:schemeClr val="tx1"/>
                 </a:solidFill>
+                <a:latin typeface="Roboto" panose="02000000000000000000" pitchFamily="2" charset="0"/>
               </a:rPr>
               <a:t>Button</a:t>
             </a:r>
@@ -24209,6 +24067,7 @@
               <a:solidFill>
                 <a:schemeClr val="tx1"/>
               </a:solidFill>
+              <a:latin typeface="Roboto" panose="02000000000000000000" pitchFamily="2" charset="0"/>
             </a:endParaRPr>
           </a:p>
         </p:txBody>
@@ -24382,6 +24241,7 @@
                 <a:solidFill>
                   <a:schemeClr val="tx1"/>
                 </a:solidFill>
+                <a:latin typeface="Roboto" panose="02000000000000000000" pitchFamily="2" charset="0"/>
               </a:rPr>
               <a:t>g</a:t>
             </a:r>
@@ -24390,6 +24250,7 @@
                 <a:solidFill>
                   <a:schemeClr val="tx1"/>
                 </a:solidFill>
+                <a:latin typeface="Roboto" panose="02000000000000000000" pitchFamily="2" charset="0"/>
               </a:rPr>
               <a:t>uard</a:t>
             </a:r>
@@ -24398,6 +24259,7 @@
                 <a:solidFill>
                   <a:srgbClr val="FF0000"/>
                 </a:solidFill>
+                <a:latin typeface="Roboto" panose="02000000000000000000" pitchFamily="2" charset="0"/>
               </a:rPr>
               <a:t>?</a:t>
             </a:r>
@@ -24405,6 +24267,7 @@
               <a:solidFill>
                 <a:srgbClr val="FF0000"/>
               </a:solidFill>
+              <a:latin typeface="Roboto" panose="02000000000000000000" pitchFamily="2" charset="0"/>
             </a:endParaRPr>
           </a:p>
         </p:txBody>
@@ -24536,13 +24399,15 @@
             </a:pPr>
             <a:r>
               <a:rPr lang="en-US" sz="4800" dirty="0">
-                <a:latin typeface="Open Sans SemiBold"/>
-                <a:ea typeface="Open Sans SemiBold"/>
+                <a:latin typeface="Roboto" panose="02000000000000000000" pitchFamily="2" charset="0"/>
+                <a:ea typeface="Roboto" panose="02000000000000000000" pitchFamily="2" charset="0"/>
                 <a:cs typeface="Open Sans SemiBold"/>
               </a:rPr>
               <a:t>АРХИТЕКТУРА</a:t>
             </a:r>
-            <a:endParaRPr lang="ru-RU" dirty="0"/>
+            <a:endParaRPr lang="ru-RU" dirty="0">
+              <a:latin typeface="Roboto" panose="02000000000000000000" pitchFamily="2" charset="0"/>
+            </a:endParaRPr>
           </a:p>
         </p:txBody>
       </p:sp>
@@ -24935,8 +24800,8 @@
         </p:nvSpPr>
         <p:spPr>
           <a:xfrm>
-            <a:off x="2150780" y="2887858"/>
-            <a:ext cx="7869463" cy="1082284"/>
+            <a:off x="2287036" y="2887858"/>
+            <a:ext cx="7596951" cy="1077218"/>
           </a:xfrm>
           <a:prstGeom prst="rect">
             <a:avLst/>
@@ -24959,23 +24824,23 @@
                 <a:solidFill>
                   <a:srgbClr val="FF0000"/>
                 </a:solidFill>
-                <a:latin typeface="Open Sans SemiBold" panose="020B0706030804020204" pitchFamily="34" charset="0"/>
-                <a:ea typeface="Open Sans SemiBold" panose="020B0706030804020204" pitchFamily="34" charset="0"/>
+                <a:latin typeface="Roboto" panose="02000000000000000000" pitchFamily="2" charset="0"/>
+                <a:ea typeface="Roboto" panose="02000000000000000000" pitchFamily="2" charset="0"/>
                 <a:cs typeface="Open Sans SemiBold" panose="020B0706030804020204" pitchFamily="34" charset="0"/>
               </a:rPr>
               <a:t>ЧЕЛОВЕЧЕСКИЙ</a:t>
             </a:r>
             <a:r>
               <a:rPr lang="ru-RU" sz="4800" dirty="0" smtClean="0">
-                <a:latin typeface="Open Sans SemiBold" panose="020B0706030804020204" pitchFamily="34" charset="0"/>
-                <a:ea typeface="Open Sans SemiBold" panose="020B0706030804020204" pitchFamily="34" charset="0"/>
+                <a:latin typeface="Roboto" panose="02000000000000000000" pitchFamily="2" charset="0"/>
+                <a:ea typeface="Roboto" panose="02000000000000000000" pitchFamily="2" charset="0"/>
                 <a:cs typeface="Open Sans SemiBold" panose="020B0706030804020204" pitchFamily="34" charset="0"/>
               </a:rPr>
               <a:t> ФАКТОР</a:t>
             </a:r>
             <a:endParaRPr lang="ru-RU" sz="4800" dirty="0">
-              <a:latin typeface="Open Sans SemiBold" panose="020B0706030804020204" pitchFamily="34" charset="0"/>
-              <a:ea typeface="Open Sans SemiBold" panose="020B0706030804020204" pitchFamily="34" charset="0"/>
+              <a:latin typeface="Roboto" panose="02000000000000000000" pitchFamily="2" charset="0"/>
+              <a:ea typeface="Roboto" panose="02000000000000000000" pitchFamily="2" charset="0"/>
               <a:cs typeface="Open Sans SemiBold" panose="020B0706030804020204" pitchFamily="34" charset="0"/>
             </a:endParaRPr>
           </a:p>
@@ -25048,8 +24913,8 @@
         </p:nvSpPr>
         <p:spPr>
           <a:xfrm>
-            <a:off x="1854230" y="2887858"/>
-            <a:ext cx="8462573" cy="1082284"/>
+            <a:off x="1973654" y="2887858"/>
+            <a:ext cx="8223725" cy="1077218"/>
           </a:xfrm>
           <a:prstGeom prst="rect">
             <a:avLst/>
@@ -25072,23 +24937,23 @@
                 <a:solidFill>
                   <a:srgbClr val="FF0000"/>
                 </a:solidFill>
-                <a:latin typeface="Open Sans SemiBold" panose="020B0706030804020204" pitchFamily="34" charset="0"/>
-                <a:ea typeface="Open Sans SemiBold" panose="020B0706030804020204" pitchFamily="34" charset="0"/>
+                <a:latin typeface="Roboto" panose="02000000000000000000" pitchFamily="2" charset="0"/>
+                <a:ea typeface="Roboto" panose="02000000000000000000" pitchFamily="2" charset="0"/>
                 <a:cs typeface="Open Sans SemiBold" panose="020B0706030804020204" pitchFamily="34" charset="0"/>
               </a:rPr>
               <a:t>НОВАЯ </a:t>
             </a:r>
             <a:r>
               <a:rPr lang="ru-RU" sz="4800" dirty="0" smtClean="0">
-                <a:latin typeface="Open Sans SemiBold" panose="020B0706030804020204" pitchFamily="34" charset="0"/>
-                <a:ea typeface="Open Sans SemiBold" panose="020B0706030804020204" pitchFamily="34" charset="0"/>
+                <a:latin typeface="Roboto" panose="02000000000000000000" pitchFamily="2" charset="0"/>
+                <a:ea typeface="Roboto" panose="02000000000000000000" pitchFamily="2" charset="0"/>
                 <a:cs typeface="Open Sans SemiBold" panose="020B0706030804020204" pitchFamily="34" charset="0"/>
               </a:rPr>
               <a:t>ОТВЕТСТВЕННОСТЬ</a:t>
             </a:r>
             <a:endParaRPr lang="ru-RU" sz="4800" dirty="0">
-              <a:latin typeface="Open Sans SemiBold" panose="020B0706030804020204" pitchFamily="34" charset="0"/>
-              <a:ea typeface="Open Sans SemiBold" panose="020B0706030804020204" pitchFamily="34" charset="0"/>
+              <a:latin typeface="Roboto" panose="02000000000000000000" pitchFamily="2" charset="0"/>
+              <a:ea typeface="Roboto" panose="02000000000000000000" pitchFamily="2" charset="0"/>
               <a:cs typeface="Open Sans SemiBold" panose="020B0706030804020204" pitchFamily="34" charset="0"/>
             </a:endParaRPr>
           </a:p>
@@ -25182,15 +25047,15 @@
             </a:pPr>
             <a:r>
               <a:rPr lang="ru-RU" sz="4800" dirty="0" smtClean="0">
-                <a:latin typeface="Open Sans SemiBold" panose="020B0706030804020204" pitchFamily="34" charset="0"/>
-                <a:ea typeface="Open Sans SemiBold" panose="020B0706030804020204" pitchFamily="34" charset="0"/>
+                <a:latin typeface="Roboto" panose="02000000000000000000" pitchFamily="2" charset="0"/>
+                <a:ea typeface="Roboto" panose="02000000000000000000" pitchFamily="2" charset="0"/>
                 <a:cs typeface="Open Sans SemiBold" panose="020B0706030804020204" pitchFamily="34" charset="0"/>
               </a:rPr>
               <a:t>РЕШЕНИЕ</a:t>
             </a:r>
             <a:endParaRPr lang="ru-RU" sz="4800" dirty="0">
-              <a:latin typeface="Open Sans SemiBold" panose="020B0706030804020204" pitchFamily="34" charset="0"/>
-              <a:ea typeface="Open Sans SemiBold" panose="020B0706030804020204" pitchFamily="34" charset="0"/>
+              <a:latin typeface="Roboto" panose="02000000000000000000" pitchFamily="2" charset="0"/>
+              <a:ea typeface="Roboto" panose="02000000000000000000" pitchFamily="2" charset="0"/>
               <a:cs typeface="Open Sans SemiBold" panose="020B0706030804020204" pitchFamily="34" charset="0"/>
             </a:endParaRPr>
           </a:p>
@@ -25248,6 +25113,7 @@
                 <a:solidFill>
                   <a:schemeClr val="tx1"/>
                 </a:solidFill>
+                <a:latin typeface="Roboto" panose="02000000000000000000" pitchFamily="2" charset="0"/>
               </a:rPr>
               <a:t>Редактирование пользователя</a:t>
             </a:r>
@@ -25255,6 +25121,7 @@
               <a:solidFill>
                 <a:schemeClr val="tx1"/>
               </a:solidFill>
+              <a:latin typeface="Roboto" panose="02000000000000000000" pitchFamily="2" charset="0"/>
             </a:endParaRPr>
           </a:p>
         </p:txBody>
@@ -25308,6 +25175,7 @@
                 <a:solidFill>
                   <a:schemeClr val="tx1"/>
                 </a:solidFill>
+                <a:latin typeface="Roboto" panose="02000000000000000000" pitchFamily="2" charset="0"/>
               </a:rPr>
               <a:t>Список ролей</a:t>
             </a:r>
@@ -25315,6 +25183,7 @@
               <a:solidFill>
                 <a:schemeClr val="tx1"/>
               </a:solidFill>
+              <a:latin typeface="Roboto" panose="02000000000000000000" pitchFamily="2" charset="0"/>
             </a:endParaRPr>
           </a:p>
         </p:txBody>
@@ -25368,6 +25237,7 @@
                 <a:solidFill>
                   <a:schemeClr val="tx1"/>
                 </a:solidFill>
+                <a:latin typeface="Roboto" panose="02000000000000000000" pitchFamily="2" charset="0"/>
               </a:rPr>
               <a:t>Создание продукта</a:t>
             </a:r>
@@ -25375,6 +25245,7 @@
               <a:solidFill>
                 <a:schemeClr val="tx1"/>
               </a:solidFill>
+              <a:latin typeface="Roboto" panose="02000000000000000000" pitchFamily="2" charset="0"/>
             </a:endParaRPr>
           </a:p>
         </p:txBody>
@@ -25428,6 +25299,7 @@
                 <a:solidFill>
                   <a:schemeClr val="tx1"/>
                 </a:solidFill>
+                <a:latin typeface="Roboto" panose="02000000000000000000" pitchFamily="2" charset="0"/>
               </a:rPr>
               <a:t>Button</a:t>
             </a:r>
@@ -25435,6 +25307,7 @@
               <a:solidFill>
                 <a:schemeClr val="tx1"/>
               </a:solidFill>
+              <a:latin typeface="Roboto" panose="02000000000000000000" pitchFamily="2" charset="0"/>
             </a:endParaRPr>
           </a:p>
         </p:txBody>
@@ -25569,6 +25442,7 @@
                 <a:solidFill>
                   <a:schemeClr val="tx1"/>
                 </a:solidFill>
+                <a:latin typeface="Roboto" panose="02000000000000000000" pitchFamily="2" charset="0"/>
               </a:rPr>
               <a:t>RoleGuardButton</a:t>
             </a:r>
@@ -25576,6 +25450,7 @@
               <a:solidFill>
                 <a:schemeClr val="tx1"/>
               </a:solidFill>
+              <a:latin typeface="Roboto" panose="02000000000000000000" pitchFamily="2" charset="0"/>
             </a:endParaRPr>
           </a:p>
         </p:txBody>
@@ -25746,15 +25621,15 @@
             </a:pPr>
             <a:r>
               <a:rPr lang="ru-RU" sz="4800" dirty="0" smtClean="0">
-                <a:latin typeface="Open Sans SemiBold" panose="020B0706030804020204" pitchFamily="34" charset="0"/>
-                <a:ea typeface="Open Sans SemiBold" panose="020B0706030804020204" pitchFamily="34" charset="0"/>
+                <a:latin typeface="Roboto" panose="02000000000000000000" pitchFamily="2" charset="0"/>
+                <a:ea typeface="Roboto" panose="02000000000000000000" pitchFamily="2" charset="0"/>
                 <a:cs typeface="Open Sans SemiBold" panose="020B0706030804020204" pitchFamily="34" charset="0"/>
               </a:rPr>
               <a:t>РЕШЕНИЕ</a:t>
             </a:r>
             <a:endParaRPr lang="ru-RU" sz="4800" dirty="0">
-              <a:latin typeface="Open Sans SemiBold" panose="020B0706030804020204" pitchFamily="34" charset="0"/>
-              <a:ea typeface="Open Sans SemiBold" panose="020B0706030804020204" pitchFamily="34" charset="0"/>
+              <a:latin typeface="Roboto" panose="02000000000000000000" pitchFamily="2" charset="0"/>
+              <a:ea typeface="Roboto" panose="02000000000000000000" pitchFamily="2" charset="0"/>
               <a:cs typeface="Open Sans SemiBold" panose="020B0706030804020204" pitchFamily="34" charset="0"/>
             </a:endParaRPr>
           </a:p>
@@ -25809,6 +25684,7 @@
                 <a:solidFill>
                   <a:schemeClr val="tx1"/>
                 </a:solidFill>
+                <a:latin typeface="Roboto" panose="02000000000000000000" pitchFamily="2" charset="0"/>
               </a:rPr>
               <a:t>Редактирование пользователя</a:t>
             </a:r>
@@ -25816,6 +25692,7 @@
               <a:solidFill>
                 <a:schemeClr val="tx1"/>
               </a:solidFill>
+              <a:latin typeface="Roboto" panose="02000000000000000000" pitchFamily="2" charset="0"/>
             </a:endParaRPr>
           </a:p>
         </p:txBody>
@@ -25872,6 +25749,7 @@
                 <a:solidFill>
                   <a:schemeClr val="tx1"/>
                 </a:solidFill>
+                <a:latin typeface="Roboto" panose="02000000000000000000" pitchFamily="2" charset="0"/>
               </a:rPr>
               <a:t>UI </a:t>
             </a:r>
@@ -25880,6 +25758,7 @@
                 <a:solidFill>
                   <a:schemeClr val="tx1"/>
                 </a:solidFill>
+                <a:latin typeface="Roboto" panose="02000000000000000000" pitchFamily="2" charset="0"/>
               </a:rPr>
               <a:t>тесты</a:t>
             </a:r>
@@ -25887,6 +25766,7 @@
               <a:solidFill>
                 <a:schemeClr val="tx1"/>
               </a:solidFill>
+              <a:latin typeface="Roboto" panose="02000000000000000000" pitchFamily="2" charset="0"/>
             </a:endParaRPr>
           </a:p>
         </p:txBody>
@@ -25940,6 +25820,7 @@
                 <a:solidFill>
                   <a:schemeClr val="tx1"/>
                 </a:solidFill>
+                <a:latin typeface="Roboto" panose="02000000000000000000" pitchFamily="2" charset="0"/>
               </a:rPr>
               <a:t>Button</a:t>
             </a:r>
@@ -25947,6 +25828,7 @@
               <a:solidFill>
                 <a:schemeClr val="tx1"/>
               </a:solidFill>
+              <a:latin typeface="Roboto" panose="02000000000000000000" pitchFamily="2" charset="0"/>
             </a:endParaRPr>
           </a:p>
         </p:txBody>
@@ -26117,15 +25999,15 @@
             </a:pPr>
             <a:r>
               <a:rPr lang="ru-RU" sz="4800" dirty="0" smtClean="0">
-                <a:latin typeface="Open Sans SemiBold" panose="020B0706030804020204" pitchFamily="34" charset="0"/>
-                <a:ea typeface="Open Sans SemiBold" panose="020B0706030804020204" pitchFamily="34" charset="0"/>
+                <a:latin typeface="Roboto" panose="02000000000000000000" pitchFamily="2" charset="0"/>
+                <a:ea typeface="Roboto" panose="02000000000000000000" pitchFamily="2" charset="0"/>
                 <a:cs typeface="Open Sans SemiBold" panose="020B0706030804020204" pitchFamily="34" charset="0"/>
               </a:rPr>
               <a:t>НЕПОДВИЖНОСТЬ</a:t>
             </a:r>
             <a:endParaRPr lang="ru-RU" sz="4800" dirty="0">
-              <a:latin typeface="Open Sans SemiBold" panose="020B0706030804020204" pitchFamily="34" charset="0"/>
-              <a:ea typeface="Open Sans SemiBold" panose="020B0706030804020204" pitchFamily="34" charset="0"/>
+              <a:latin typeface="Roboto" panose="02000000000000000000" pitchFamily="2" charset="0"/>
+              <a:ea typeface="Roboto" panose="02000000000000000000" pitchFamily="2" charset="0"/>
               <a:cs typeface="Open Sans SemiBold" panose="020B0706030804020204" pitchFamily="34" charset="0"/>
             </a:endParaRPr>
           </a:p>
@@ -26219,15 +26101,15 @@
             </a:pPr>
             <a:r>
               <a:rPr lang="ru-RU" sz="4800" dirty="0" smtClean="0">
-                <a:latin typeface="Open Sans SemiBold" panose="020B0706030804020204" pitchFamily="34" charset="0"/>
-                <a:ea typeface="Open Sans SemiBold" panose="020B0706030804020204" pitchFamily="34" charset="0"/>
+                <a:latin typeface="Roboto" panose="02000000000000000000" pitchFamily="2" charset="0"/>
+                <a:ea typeface="Roboto" panose="02000000000000000000" pitchFamily="2" charset="0"/>
                 <a:cs typeface="Open Sans SemiBold" panose="020B0706030804020204" pitchFamily="34" charset="0"/>
               </a:rPr>
               <a:t>ПРОБЛЕМА</a:t>
             </a:r>
             <a:endParaRPr lang="ru-RU" sz="4800" dirty="0">
-              <a:latin typeface="Open Sans SemiBold" panose="020B0706030804020204" pitchFamily="34" charset="0"/>
-              <a:ea typeface="Open Sans SemiBold" panose="020B0706030804020204" pitchFamily="34" charset="0"/>
+              <a:latin typeface="Roboto" panose="02000000000000000000" pitchFamily="2" charset="0"/>
+              <a:ea typeface="Roboto" panose="02000000000000000000" pitchFamily="2" charset="0"/>
               <a:cs typeface="Open Sans SemiBold" panose="020B0706030804020204" pitchFamily="34" charset="0"/>
             </a:endParaRPr>
           </a:p>
@@ -26282,6 +26164,7 @@
                 <a:solidFill>
                   <a:schemeClr val="tx1"/>
                 </a:solidFill>
+                <a:latin typeface="Roboto" panose="02000000000000000000" pitchFamily="2" charset="0"/>
               </a:rPr>
               <a:t>Список композиций</a:t>
             </a:r>
@@ -26289,6 +26172,7 @@
               <a:solidFill>
                 <a:schemeClr val="tx1"/>
               </a:solidFill>
+              <a:latin typeface="Roboto" panose="02000000000000000000" pitchFamily="2" charset="0"/>
             </a:endParaRPr>
           </a:p>
         </p:txBody>
@@ -26342,6 +26226,7 @@
                 <a:solidFill>
                   <a:schemeClr val="tx1"/>
                 </a:solidFill>
+                <a:latin typeface="Roboto" panose="02000000000000000000" pitchFamily="2" charset="0"/>
               </a:rPr>
               <a:t>Радио</a:t>
             </a:r>
@@ -26349,6 +26234,7 @@
               <a:solidFill>
                 <a:schemeClr val="tx1"/>
               </a:solidFill>
+              <a:latin typeface="Roboto" panose="02000000000000000000" pitchFamily="2" charset="0"/>
             </a:endParaRPr>
           </a:p>
         </p:txBody>
@@ -26402,6 +26288,7 @@
                 <a:solidFill>
                   <a:schemeClr val="tx1"/>
                 </a:solidFill>
+                <a:latin typeface="Roboto" panose="02000000000000000000" pitchFamily="2" charset="0"/>
               </a:rPr>
               <a:t>Страница автора</a:t>
             </a:r>
@@ -26409,6 +26296,7 @@
               <a:solidFill>
                 <a:schemeClr val="tx1"/>
               </a:solidFill>
+              <a:latin typeface="Roboto" panose="02000000000000000000" pitchFamily="2" charset="0"/>
             </a:endParaRPr>
           </a:p>
         </p:txBody>
@@ -26462,6 +26350,7 @@
                 <a:solidFill>
                   <a:schemeClr val="tx1"/>
                 </a:solidFill>
+                <a:latin typeface="Roboto" panose="02000000000000000000" pitchFamily="2" charset="0"/>
               </a:rPr>
               <a:t>SingletonPlayer</a:t>
             </a:r>
@@ -26469,6 +26358,7 @@
               <a:solidFill>
                 <a:schemeClr val="tx1"/>
               </a:solidFill>
+              <a:latin typeface="Roboto" panose="02000000000000000000" pitchFamily="2" charset="0"/>
             </a:endParaRPr>
           </a:p>
         </p:txBody>
@@ -26678,15 +26568,15 @@
             </a:pPr>
             <a:r>
               <a:rPr lang="ru-RU" sz="4800" dirty="0" smtClean="0">
-                <a:latin typeface="Open Sans SemiBold" panose="020B0706030804020204" pitchFamily="34" charset="0"/>
-                <a:ea typeface="Open Sans SemiBold" panose="020B0706030804020204" pitchFamily="34" charset="0"/>
+                <a:latin typeface="Roboto" panose="02000000000000000000" pitchFamily="2" charset="0"/>
+                <a:ea typeface="Roboto" panose="02000000000000000000" pitchFamily="2" charset="0"/>
                 <a:cs typeface="Open Sans SemiBold" panose="020B0706030804020204" pitchFamily="34" charset="0"/>
               </a:rPr>
               <a:t>ПРОБЛЕМА</a:t>
             </a:r>
             <a:endParaRPr lang="ru-RU" sz="4800" dirty="0">
-              <a:latin typeface="Open Sans SemiBold" panose="020B0706030804020204" pitchFamily="34" charset="0"/>
-              <a:ea typeface="Open Sans SemiBold" panose="020B0706030804020204" pitchFamily="34" charset="0"/>
+              <a:latin typeface="Roboto" panose="02000000000000000000" pitchFamily="2" charset="0"/>
+              <a:ea typeface="Roboto" panose="02000000000000000000" pitchFamily="2" charset="0"/>
               <a:cs typeface="Open Sans SemiBold" panose="020B0706030804020204" pitchFamily="34" charset="0"/>
             </a:endParaRPr>
           </a:p>
@@ -26741,6 +26631,7 @@
                 <a:solidFill>
                   <a:schemeClr val="tx1"/>
                 </a:solidFill>
+                <a:latin typeface="Roboto" panose="02000000000000000000" pitchFamily="2" charset="0"/>
               </a:rPr>
               <a:t>Список композиций</a:t>
             </a:r>
@@ -26748,6 +26639,7 @@
               <a:solidFill>
                 <a:schemeClr val="tx1"/>
               </a:solidFill>
+              <a:latin typeface="Roboto" panose="02000000000000000000" pitchFamily="2" charset="0"/>
             </a:endParaRPr>
           </a:p>
         </p:txBody>
@@ -26801,6 +26693,7 @@
                 <a:solidFill>
                   <a:schemeClr val="tx1"/>
                 </a:solidFill>
+                <a:latin typeface="Roboto" panose="02000000000000000000" pitchFamily="2" charset="0"/>
               </a:rPr>
               <a:t>Радио</a:t>
             </a:r>
@@ -26808,6 +26701,7 @@
               <a:solidFill>
                 <a:schemeClr val="tx1"/>
               </a:solidFill>
+              <a:latin typeface="Roboto" panose="02000000000000000000" pitchFamily="2" charset="0"/>
             </a:endParaRPr>
           </a:p>
         </p:txBody>
@@ -26861,6 +26755,7 @@
                 <a:solidFill>
                   <a:schemeClr val="tx1"/>
                 </a:solidFill>
+                <a:latin typeface="Roboto" panose="02000000000000000000" pitchFamily="2" charset="0"/>
               </a:rPr>
               <a:t>Страница автора</a:t>
             </a:r>
@@ -26868,6 +26763,7 @@
               <a:solidFill>
                 <a:schemeClr val="tx1"/>
               </a:solidFill>
+              <a:latin typeface="Roboto" panose="02000000000000000000" pitchFamily="2" charset="0"/>
             </a:endParaRPr>
           </a:p>
         </p:txBody>
@@ -26921,6 +26817,7 @@
                 <a:solidFill>
                   <a:schemeClr val="tx1"/>
                 </a:solidFill>
+                <a:latin typeface="Roboto" panose="02000000000000000000" pitchFamily="2" charset="0"/>
               </a:rPr>
               <a:t>Player</a:t>
             </a:r>
@@ -26928,6 +26825,7 @@
               <a:solidFill>
                 <a:schemeClr val="tx1"/>
               </a:solidFill>
+              <a:latin typeface="Roboto" panose="02000000000000000000" pitchFamily="2" charset="0"/>
             </a:endParaRPr>
           </a:p>
         </p:txBody>
@@ -27102,6 +27000,7 @@
                 <a:solidFill>
                   <a:schemeClr val="tx1"/>
                 </a:solidFill>
+                <a:latin typeface="Roboto" panose="02000000000000000000" pitchFamily="2" charset="0"/>
               </a:rPr>
               <a:t>Player</a:t>
             </a:r>
@@ -27109,6 +27008,7 @@
               <a:solidFill>
                 <a:schemeClr val="tx1"/>
               </a:solidFill>
+              <a:latin typeface="Roboto" panose="02000000000000000000" pitchFamily="2" charset="0"/>
             </a:endParaRPr>
           </a:p>
         </p:txBody>
@@ -27162,6 +27062,7 @@
                 <a:solidFill>
                   <a:schemeClr val="tx1"/>
                 </a:solidFill>
+                <a:latin typeface="Roboto" panose="02000000000000000000" pitchFamily="2" charset="0"/>
               </a:rPr>
               <a:t>Player</a:t>
             </a:r>
@@ -27169,6 +27070,7 @@
               <a:solidFill>
                 <a:schemeClr val="tx1"/>
               </a:solidFill>
+              <a:latin typeface="Roboto" panose="02000000000000000000" pitchFamily="2" charset="0"/>
             </a:endParaRPr>
           </a:p>
         </p:txBody>
@@ -27222,6 +27124,7 @@
                 <a:solidFill>
                   <a:schemeClr val="tx1"/>
                 </a:solidFill>
+                <a:latin typeface="Roboto" panose="02000000000000000000" pitchFamily="2" charset="0"/>
               </a:rPr>
               <a:t>Player</a:t>
             </a:r>
@@ -27229,6 +27132,7 @@
               <a:solidFill>
                 <a:schemeClr val="tx1"/>
               </a:solidFill>
+              <a:latin typeface="Roboto" panose="02000000000000000000" pitchFamily="2" charset="0"/>
             </a:endParaRPr>
           </a:p>
         </p:txBody>
@@ -27321,15 +27225,15 @@
             </a:pPr>
             <a:r>
               <a:rPr lang="ru-RU" sz="4800" dirty="0" smtClean="0">
-                <a:latin typeface="Open Sans SemiBold" panose="020B0706030804020204" pitchFamily="34" charset="0"/>
-                <a:ea typeface="Open Sans SemiBold" panose="020B0706030804020204" pitchFamily="34" charset="0"/>
+                <a:latin typeface="Roboto" panose="02000000000000000000" pitchFamily="2" charset="0"/>
+                <a:ea typeface="Roboto" panose="02000000000000000000" pitchFamily="2" charset="0"/>
                 <a:cs typeface="Open Sans SemiBold" panose="020B0706030804020204" pitchFamily="34" charset="0"/>
               </a:rPr>
               <a:t>ПРОБЛЕМА</a:t>
             </a:r>
             <a:endParaRPr lang="ru-RU" sz="4800" dirty="0">
-              <a:latin typeface="Open Sans SemiBold" panose="020B0706030804020204" pitchFamily="34" charset="0"/>
-              <a:ea typeface="Open Sans SemiBold" panose="020B0706030804020204" pitchFamily="34" charset="0"/>
+              <a:latin typeface="Roboto" panose="02000000000000000000" pitchFamily="2" charset="0"/>
+              <a:ea typeface="Roboto" panose="02000000000000000000" pitchFamily="2" charset="0"/>
               <a:cs typeface="Open Sans SemiBold" panose="020B0706030804020204" pitchFamily="34" charset="0"/>
             </a:endParaRPr>
           </a:p>
@@ -27387,6 +27291,7 @@
                 <a:solidFill>
                   <a:schemeClr val="tx1"/>
                 </a:solidFill>
+                <a:latin typeface="Roboto" panose="02000000000000000000" pitchFamily="2" charset="0"/>
               </a:rPr>
               <a:t>Список композиций</a:t>
             </a:r>
@@ -27394,6 +27299,7 @@
               <a:solidFill>
                 <a:schemeClr val="tx1"/>
               </a:solidFill>
+              <a:latin typeface="Roboto" panose="02000000000000000000" pitchFamily="2" charset="0"/>
             </a:endParaRPr>
           </a:p>
         </p:txBody>
@@ -27450,6 +27356,7 @@
                 <a:solidFill>
                   <a:schemeClr val="tx1"/>
                 </a:solidFill>
+                <a:latin typeface="Roboto" panose="02000000000000000000" pitchFamily="2" charset="0"/>
               </a:rPr>
               <a:t>Радио</a:t>
             </a:r>
@@ -27457,6 +27364,7 @@
               <a:solidFill>
                 <a:schemeClr val="tx1"/>
               </a:solidFill>
+              <a:latin typeface="Roboto" panose="02000000000000000000" pitchFamily="2" charset="0"/>
             </a:endParaRPr>
           </a:p>
         </p:txBody>
@@ -27513,6 +27421,7 @@
                 <a:solidFill>
                   <a:schemeClr val="tx1"/>
                 </a:solidFill>
+                <a:latin typeface="Roboto" panose="02000000000000000000" pitchFamily="2" charset="0"/>
               </a:rPr>
               <a:t>Страница автора</a:t>
             </a:r>
@@ -27520,6 +27429,7 @@
               <a:solidFill>
                 <a:schemeClr val="tx1"/>
               </a:solidFill>
+              <a:latin typeface="Roboto" panose="02000000000000000000" pitchFamily="2" charset="0"/>
             </a:endParaRPr>
           </a:p>
         </p:txBody>
@@ -27576,6 +27486,7 @@
                 <a:solidFill>
                   <a:schemeClr val="tx1"/>
                 </a:solidFill>
+                <a:latin typeface="Roboto" panose="02000000000000000000" pitchFamily="2" charset="0"/>
               </a:rPr>
               <a:t>Player</a:t>
             </a:r>
@@ -27583,6 +27494,7 @@
               <a:solidFill>
                 <a:schemeClr val="tx1"/>
               </a:solidFill>
+              <a:latin typeface="Roboto" panose="02000000000000000000" pitchFamily="2" charset="0"/>
             </a:endParaRPr>
           </a:p>
         </p:txBody>
@@ -27760,6 +27672,7 @@
                 <a:solidFill>
                   <a:schemeClr val="tx1"/>
                 </a:solidFill>
+                <a:latin typeface="Roboto" panose="02000000000000000000" pitchFamily="2" charset="0"/>
               </a:rPr>
               <a:t>Player</a:t>
             </a:r>
@@ -27767,6 +27680,7 @@
               <a:solidFill>
                 <a:schemeClr val="tx1"/>
               </a:solidFill>
+              <a:latin typeface="Roboto" panose="02000000000000000000" pitchFamily="2" charset="0"/>
             </a:endParaRPr>
           </a:p>
         </p:txBody>
@@ -27823,6 +27737,7 @@
                 <a:solidFill>
                   <a:schemeClr val="tx1"/>
                 </a:solidFill>
+                <a:latin typeface="Roboto" panose="02000000000000000000" pitchFamily="2" charset="0"/>
               </a:rPr>
               <a:t>Player</a:t>
             </a:r>
@@ -27830,6 +27745,7 @@
               <a:solidFill>
                 <a:schemeClr val="tx1"/>
               </a:solidFill>
+              <a:latin typeface="Roboto" panose="02000000000000000000" pitchFamily="2" charset="0"/>
             </a:endParaRPr>
           </a:p>
         </p:txBody>
@@ -27886,6 +27802,7 @@
                 <a:solidFill>
                   <a:schemeClr val="tx1"/>
                 </a:solidFill>
+                <a:latin typeface="Roboto" panose="02000000000000000000" pitchFamily="2" charset="0"/>
               </a:rPr>
               <a:t>Player</a:t>
             </a:r>
@@ -27893,6 +27810,7 @@
               <a:solidFill>
                 <a:schemeClr val="tx1"/>
               </a:solidFill>
+              <a:latin typeface="Roboto" panose="02000000000000000000" pitchFamily="2" charset="0"/>
             </a:endParaRPr>
           </a:p>
         </p:txBody>
@@ -27985,15 +27903,15 @@
             </a:pPr>
             <a:r>
               <a:rPr lang="ru-RU" sz="4800" dirty="0" smtClean="0">
-                <a:latin typeface="Open Sans SemiBold" panose="020B0706030804020204" pitchFamily="34" charset="0"/>
-                <a:ea typeface="Open Sans SemiBold" panose="020B0706030804020204" pitchFamily="34" charset="0"/>
+                <a:latin typeface="Roboto" panose="02000000000000000000" pitchFamily="2" charset="0"/>
+                <a:ea typeface="Roboto" panose="02000000000000000000" pitchFamily="2" charset="0"/>
                 <a:cs typeface="Open Sans SemiBold" panose="020B0706030804020204" pitchFamily="34" charset="0"/>
               </a:rPr>
               <a:t>РЕШЕНИЕ</a:t>
             </a:r>
             <a:endParaRPr lang="ru-RU" sz="4800" dirty="0">
-              <a:latin typeface="Open Sans SemiBold" panose="020B0706030804020204" pitchFamily="34" charset="0"/>
-              <a:ea typeface="Open Sans SemiBold" panose="020B0706030804020204" pitchFamily="34" charset="0"/>
+              <a:latin typeface="Roboto" panose="02000000000000000000" pitchFamily="2" charset="0"/>
+              <a:ea typeface="Roboto" panose="02000000000000000000" pitchFamily="2" charset="0"/>
               <a:cs typeface="Open Sans SemiBold" panose="020B0706030804020204" pitchFamily="34" charset="0"/>
             </a:endParaRPr>
           </a:p>
@@ -28048,6 +27966,7 @@
                 <a:solidFill>
                   <a:schemeClr val="tx1"/>
                 </a:solidFill>
+                <a:latin typeface="Roboto" panose="02000000000000000000" pitchFamily="2" charset="0"/>
               </a:rPr>
               <a:t>Список композиций</a:t>
             </a:r>
@@ -28055,6 +27974,7 @@
               <a:solidFill>
                 <a:schemeClr val="tx1"/>
               </a:solidFill>
+              <a:latin typeface="Roboto" panose="02000000000000000000" pitchFamily="2" charset="0"/>
             </a:endParaRPr>
           </a:p>
         </p:txBody>
@@ -28108,6 +28028,7 @@
                 <a:solidFill>
                   <a:schemeClr val="tx1"/>
                 </a:solidFill>
+                <a:latin typeface="Roboto" panose="02000000000000000000" pitchFamily="2" charset="0"/>
               </a:rPr>
               <a:t>Радио</a:t>
             </a:r>
@@ -28115,6 +28036,7 @@
               <a:solidFill>
                 <a:schemeClr val="tx1"/>
               </a:solidFill>
+              <a:latin typeface="Roboto" panose="02000000000000000000" pitchFamily="2" charset="0"/>
             </a:endParaRPr>
           </a:p>
         </p:txBody>
@@ -28168,6 +28090,7 @@
                 <a:solidFill>
                   <a:schemeClr val="tx1"/>
                 </a:solidFill>
+                <a:latin typeface="Roboto" panose="02000000000000000000" pitchFamily="2" charset="0"/>
               </a:rPr>
               <a:t>Страница автора</a:t>
             </a:r>
@@ -28175,6 +28098,7 @@
               <a:solidFill>
                 <a:schemeClr val="tx1"/>
               </a:solidFill>
+              <a:latin typeface="Roboto" panose="02000000000000000000" pitchFamily="2" charset="0"/>
             </a:endParaRPr>
           </a:p>
         </p:txBody>
@@ -28228,6 +28152,7 @@
                 <a:solidFill>
                   <a:schemeClr val="tx1"/>
                 </a:solidFill>
+                <a:latin typeface="Roboto" panose="02000000000000000000" pitchFamily="2" charset="0"/>
               </a:rPr>
               <a:t>SingletonPlayer</a:t>
             </a:r>
@@ -28235,6 +28160,7 @@
               <a:solidFill>
                 <a:schemeClr val="tx1"/>
               </a:solidFill>
+              <a:latin typeface="Roboto" panose="02000000000000000000" pitchFamily="2" charset="0"/>
             </a:endParaRPr>
           </a:p>
         </p:txBody>
@@ -28444,15 +28370,15 @@
             </a:pPr>
             <a:r>
               <a:rPr lang="ru-RU" sz="4800" dirty="0" smtClean="0">
-                <a:latin typeface="Open Sans SemiBold" panose="020B0706030804020204" pitchFamily="34" charset="0"/>
-                <a:ea typeface="Open Sans SemiBold" panose="020B0706030804020204" pitchFamily="34" charset="0"/>
+                <a:latin typeface="Roboto" panose="02000000000000000000" pitchFamily="2" charset="0"/>
+                <a:ea typeface="Roboto" panose="02000000000000000000" pitchFamily="2" charset="0"/>
                 <a:cs typeface="Open Sans SemiBold" panose="020B0706030804020204" pitchFamily="34" charset="0"/>
               </a:rPr>
               <a:t>РЕШЕНИЕ</a:t>
             </a:r>
             <a:endParaRPr lang="ru-RU" sz="4800" dirty="0">
-              <a:latin typeface="Open Sans SemiBold" panose="020B0706030804020204" pitchFamily="34" charset="0"/>
-              <a:ea typeface="Open Sans SemiBold" panose="020B0706030804020204" pitchFamily="34" charset="0"/>
+              <a:latin typeface="Roboto" panose="02000000000000000000" pitchFamily="2" charset="0"/>
+              <a:ea typeface="Roboto" panose="02000000000000000000" pitchFamily="2" charset="0"/>
               <a:cs typeface="Open Sans SemiBold" panose="020B0706030804020204" pitchFamily="34" charset="0"/>
             </a:endParaRPr>
           </a:p>
@@ -28510,6 +28436,7 @@
                 <a:solidFill>
                   <a:schemeClr val="tx1"/>
                 </a:solidFill>
+                <a:latin typeface="Roboto" panose="02000000000000000000" pitchFamily="2" charset="0"/>
               </a:rPr>
               <a:t>Список композиций</a:t>
             </a:r>
@@ -28517,6 +28444,7 @@
               <a:solidFill>
                 <a:schemeClr val="tx1"/>
               </a:solidFill>
+              <a:latin typeface="Roboto" panose="02000000000000000000" pitchFamily="2" charset="0"/>
             </a:endParaRPr>
           </a:p>
         </p:txBody>
@@ -28573,6 +28501,7 @@
                 <a:solidFill>
                   <a:schemeClr val="tx1"/>
                 </a:solidFill>
+                <a:latin typeface="Roboto" panose="02000000000000000000" pitchFamily="2" charset="0"/>
               </a:rPr>
               <a:t>Радио</a:t>
             </a:r>
@@ -28580,6 +28509,7 @@
               <a:solidFill>
                 <a:schemeClr val="tx1"/>
               </a:solidFill>
+              <a:latin typeface="Roboto" panose="02000000000000000000" pitchFamily="2" charset="0"/>
             </a:endParaRPr>
           </a:p>
         </p:txBody>
@@ -28636,6 +28566,7 @@
                 <a:solidFill>
                   <a:schemeClr val="tx1"/>
                 </a:solidFill>
+                <a:latin typeface="Roboto" panose="02000000000000000000" pitchFamily="2" charset="0"/>
               </a:rPr>
               <a:t>Страница автора</a:t>
             </a:r>
@@ -28643,6 +28574,7 @@
               <a:solidFill>
                 <a:schemeClr val="tx1"/>
               </a:solidFill>
+              <a:latin typeface="Roboto" panose="02000000000000000000" pitchFamily="2" charset="0"/>
             </a:endParaRPr>
           </a:p>
         </p:txBody>
@@ -28699,6 +28631,7 @@
                 <a:solidFill>
                   <a:schemeClr val="tx1"/>
                 </a:solidFill>
+                <a:latin typeface="Roboto" panose="02000000000000000000" pitchFamily="2" charset="0"/>
               </a:rPr>
               <a:t>createPlayer</a:t>
             </a:r>
@@ -28706,6 +28639,7 @@
               <a:solidFill>
                 <a:schemeClr val="tx1"/>
               </a:solidFill>
+              <a:latin typeface="Roboto" panose="02000000000000000000" pitchFamily="2" charset="0"/>
             </a:endParaRPr>
           </a:p>
         </p:txBody>
@@ -28876,6 +28810,7 @@
                 <a:solidFill>
                   <a:schemeClr val="tx1"/>
                 </a:solidFill>
+                <a:latin typeface="Roboto" panose="02000000000000000000" pitchFamily="2" charset="0"/>
               </a:rPr>
               <a:t>SingletonPlayer</a:t>
             </a:r>
@@ -28883,6 +28818,7 @@
               <a:solidFill>
                 <a:schemeClr val="tx1"/>
               </a:solidFill>
+              <a:latin typeface="Roboto" panose="02000000000000000000" pitchFamily="2" charset="0"/>
             </a:endParaRPr>
           </a:p>
         </p:txBody>
@@ -29014,13 +28950,15 @@
             </a:pPr>
             <a:r>
               <a:rPr lang="en-US" sz="4800" dirty="0">
-                <a:latin typeface="Open Sans SemiBold"/>
-                <a:ea typeface="Open Sans SemiBold"/>
+                <a:latin typeface="Roboto" panose="02000000000000000000" pitchFamily="2" charset="0"/>
+                <a:ea typeface="Roboto" panose="02000000000000000000" pitchFamily="2" charset="0"/>
                 <a:cs typeface="Open Sans SemiBold"/>
               </a:rPr>
               <a:t>АРХИТЕКТУРА</a:t>
             </a:r>
-            <a:endParaRPr lang="ru-RU" dirty="0"/>
+            <a:endParaRPr lang="ru-RU" dirty="0">
+              <a:latin typeface="Roboto" panose="02000000000000000000" pitchFamily="2" charset="0"/>
+            </a:endParaRPr>
           </a:p>
         </p:txBody>
       </p:sp>
@@ -29504,15 +29442,15 @@
             </a:pPr>
             <a:r>
               <a:rPr lang="ru-RU" sz="4800" dirty="0" smtClean="0">
-                <a:latin typeface="Open Sans SemiBold" panose="020B0706030804020204" pitchFamily="34" charset="0"/>
-                <a:ea typeface="Open Sans SemiBold" panose="020B0706030804020204" pitchFamily="34" charset="0"/>
+                <a:latin typeface="Roboto" panose="02000000000000000000" pitchFamily="2" charset="0"/>
+                <a:ea typeface="Roboto" panose="02000000000000000000" pitchFamily="2" charset="0"/>
                 <a:cs typeface="Open Sans SemiBold" panose="020B0706030804020204" pitchFamily="34" charset="0"/>
               </a:rPr>
               <a:t>РЕШЕНИЕ</a:t>
             </a:r>
             <a:endParaRPr lang="ru-RU" sz="4800" dirty="0">
-              <a:latin typeface="Open Sans SemiBold" panose="020B0706030804020204" pitchFamily="34" charset="0"/>
-              <a:ea typeface="Open Sans SemiBold" panose="020B0706030804020204" pitchFamily="34" charset="0"/>
+              <a:latin typeface="Roboto" panose="02000000000000000000" pitchFamily="2" charset="0"/>
+              <a:ea typeface="Roboto" panose="02000000000000000000" pitchFamily="2" charset="0"/>
               <a:cs typeface="Open Sans SemiBold" panose="020B0706030804020204" pitchFamily="34" charset="0"/>
             </a:endParaRPr>
           </a:p>
@@ -29567,6 +29505,7 @@
                 <a:solidFill>
                   <a:schemeClr val="tx1"/>
                 </a:solidFill>
+                <a:latin typeface="Roboto" panose="02000000000000000000" pitchFamily="2" charset="0"/>
               </a:rPr>
               <a:t>Список композиций</a:t>
             </a:r>
@@ -29574,6 +29513,7 @@
               <a:solidFill>
                 <a:schemeClr val="tx1"/>
               </a:solidFill>
+              <a:latin typeface="Roboto" panose="02000000000000000000" pitchFamily="2" charset="0"/>
             </a:endParaRPr>
           </a:p>
         </p:txBody>
@@ -29627,6 +29567,7 @@
                 <a:solidFill>
                   <a:schemeClr val="tx1"/>
                 </a:solidFill>
+                <a:latin typeface="Roboto" panose="02000000000000000000" pitchFamily="2" charset="0"/>
               </a:rPr>
               <a:t>Радио</a:t>
             </a:r>
@@ -29634,6 +29575,7 @@
               <a:solidFill>
                 <a:schemeClr val="tx1"/>
               </a:solidFill>
+              <a:latin typeface="Roboto" panose="02000000000000000000" pitchFamily="2" charset="0"/>
             </a:endParaRPr>
           </a:p>
         </p:txBody>
@@ -29687,6 +29629,7 @@
                 <a:solidFill>
                   <a:schemeClr val="tx1"/>
                 </a:solidFill>
+                <a:latin typeface="Roboto" panose="02000000000000000000" pitchFamily="2" charset="0"/>
               </a:rPr>
               <a:t>Страница автора</a:t>
             </a:r>
@@ -29694,6 +29637,7 @@
               <a:solidFill>
                 <a:schemeClr val="tx1"/>
               </a:solidFill>
+              <a:latin typeface="Roboto" panose="02000000000000000000" pitchFamily="2" charset="0"/>
             </a:endParaRPr>
           </a:p>
         </p:txBody>
@@ -29750,6 +29694,7 @@
                 <a:solidFill>
                   <a:schemeClr val="tx1"/>
                 </a:solidFill>
+                <a:latin typeface="Roboto" panose="02000000000000000000" pitchFamily="2" charset="0"/>
               </a:rPr>
               <a:t>createPlayer</a:t>
             </a:r>
@@ -29757,6 +29702,7 @@
               <a:solidFill>
                 <a:schemeClr val="tx1"/>
               </a:solidFill>
+              <a:latin typeface="Roboto" panose="02000000000000000000" pitchFamily="2" charset="0"/>
             </a:endParaRPr>
           </a:p>
         </p:txBody>
@@ -29930,6 +29876,7 @@
                 <a:solidFill>
                   <a:schemeClr val="tx1"/>
                 </a:solidFill>
+                <a:latin typeface="Roboto" panose="02000000000000000000" pitchFamily="2" charset="0"/>
               </a:rPr>
               <a:t>Player_1</a:t>
             </a:r>
@@ -29937,6 +29884,7 @@
               <a:solidFill>
                 <a:schemeClr val="tx1"/>
               </a:solidFill>
+              <a:latin typeface="Roboto" panose="02000000000000000000" pitchFamily="2" charset="0"/>
             </a:endParaRPr>
           </a:p>
         </p:txBody>
@@ -30032,6 +29980,7 @@
                 <a:solidFill>
                   <a:schemeClr val="tx1"/>
                 </a:solidFill>
+                <a:latin typeface="Roboto" panose="02000000000000000000" pitchFamily="2" charset="0"/>
               </a:rPr>
               <a:t>Player_0</a:t>
             </a:r>
@@ -30039,6 +29988,7 @@
               <a:solidFill>
                 <a:schemeClr val="tx1"/>
               </a:solidFill>
+              <a:latin typeface="Roboto" panose="02000000000000000000" pitchFamily="2" charset="0"/>
             </a:endParaRPr>
           </a:p>
         </p:txBody>
@@ -30095,6 +30045,7 @@
                 <a:solidFill>
                   <a:schemeClr val="tx1"/>
                 </a:solidFill>
+                <a:latin typeface="Roboto" panose="02000000000000000000" pitchFamily="2" charset="0"/>
               </a:rPr>
               <a:t>Player_2</a:t>
             </a:r>
@@ -30102,6 +30053,7 @@
               <a:solidFill>
                 <a:schemeClr val="tx1"/>
               </a:solidFill>
+              <a:latin typeface="Roboto" panose="02000000000000000000" pitchFamily="2" charset="0"/>
             </a:endParaRPr>
           </a:p>
         </p:txBody>
@@ -30276,15 +30228,15 @@
             </a:pPr>
             <a:r>
               <a:rPr lang="ru-RU" sz="4800" dirty="0" smtClean="0">
-                <a:latin typeface="Open Sans SemiBold" panose="020B0706030804020204" pitchFamily="34" charset="0"/>
-                <a:ea typeface="Open Sans SemiBold" panose="020B0706030804020204" pitchFamily="34" charset="0"/>
+                <a:latin typeface="Roboto" panose="02000000000000000000" pitchFamily="2" charset="0"/>
+                <a:ea typeface="Roboto" panose="02000000000000000000" pitchFamily="2" charset="0"/>
                 <a:cs typeface="Open Sans SemiBold" panose="020B0706030804020204" pitchFamily="34" charset="0"/>
               </a:rPr>
               <a:t>РЕШЕНИЕ</a:t>
             </a:r>
             <a:endParaRPr lang="ru-RU" sz="4800" dirty="0">
-              <a:latin typeface="Open Sans SemiBold" panose="020B0706030804020204" pitchFamily="34" charset="0"/>
-              <a:ea typeface="Open Sans SemiBold" panose="020B0706030804020204" pitchFamily="34" charset="0"/>
+              <a:latin typeface="Roboto" panose="02000000000000000000" pitchFamily="2" charset="0"/>
+              <a:ea typeface="Roboto" panose="02000000000000000000" pitchFamily="2" charset="0"/>
               <a:cs typeface="Open Sans SemiBold" panose="020B0706030804020204" pitchFamily="34" charset="0"/>
             </a:endParaRPr>
           </a:p>
@@ -30339,6 +30291,7 @@
                 <a:solidFill>
                   <a:schemeClr val="tx1"/>
                 </a:solidFill>
+                <a:latin typeface="Roboto" panose="02000000000000000000" pitchFamily="2" charset="0"/>
               </a:rPr>
               <a:t>Список композиций</a:t>
             </a:r>
@@ -30346,6 +30299,7 @@
               <a:solidFill>
                 <a:schemeClr val="tx1"/>
               </a:solidFill>
+              <a:latin typeface="Roboto" panose="02000000000000000000" pitchFamily="2" charset="0"/>
             </a:endParaRPr>
           </a:p>
         </p:txBody>
@@ -30399,6 +30353,7 @@
                 <a:solidFill>
                   <a:schemeClr val="tx1"/>
                 </a:solidFill>
+                <a:latin typeface="Roboto" panose="02000000000000000000" pitchFamily="2" charset="0"/>
               </a:rPr>
               <a:t>Радио</a:t>
             </a:r>
@@ -30406,6 +30361,7 @@
               <a:solidFill>
                 <a:schemeClr val="tx1"/>
               </a:solidFill>
+              <a:latin typeface="Roboto" panose="02000000000000000000" pitchFamily="2" charset="0"/>
             </a:endParaRPr>
           </a:p>
         </p:txBody>
@@ -30459,6 +30415,7 @@
                 <a:solidFill>
                   <a:schemeClr val="tx1"/>
                 </a:solidFill>
+                <a:latin typeface="Roboto" panose="02000000000000000000" pitchFamily="2" charset="0"/>
               </a:rPr>
               <a:t>Страница автора</a:t>
             </a:r>
@@ -30466,6 +30423,7 @@
               <a:solidFill>
                 <a:schemeClr val="tx1"/>
               </a:solidFill>
+              <a:latin typeface="Roboto" panose="02000000000000000000" pitchFamily="2" charset="0"/>
             </a:endParaRPr>
           </a:p>
         </p:txBody>
@@ -30522,6 +30480,7 @@
                 <a:solidFill>
                   <a:schemeClr val="tx1"/>
                 </a:solidFill>
+                <a:latin typeface="Roboto" panose="02000000000000000000" pitchFamily="2" charset="0"/>
               </a:rPr>
               <a:t>createPlayer</a:t>
             </a:r>
@@ -30529,6 +30488,7 @@
               <a:solidFill>
                 <a:schemeClr val="tx1"/>
               </a:solidFill>
+              <a:latin typeface="Roboto" panose="02000000000000000000" pitchFamily="2" charset="0"/>
             </a:endParaRPr>
           </a:p>
         </p:txBody>
@@ -30702,6 +30662,7 @@
                 <a:solidFill>
                   <a:schemeClr val="tx1"/>
                 </a:solidFill>
+                <a:latin typeface="Roboto" panose="02000000000000000000" pitchFamily="2" charset="0"/>
               </a:rPr>
               <a:t>Player_1</a:t>
             </a:r>
@@ -30709,6 +30670,7 @@
               <a:solidFill>
                 <a:schemeClr val="tx1"/>
               </a:solidFill>
+              <a:latin typeface="Roboto" panose="02000000000000000000" pitchFamily="2" charset="0"/>
             </a:endParaRPr>
           </a:p>
         </p:txBody>
@@ -30804,6 +30766,7 @@
                 <a:solidFill>
                   <a:schemeClr val="tx1"/>
                 </a:solidFill>
+                <a:latin typeface="Roboto" panose="02000000000000000000" pitchFamily="2" charset="0"/>
               </a:rPr>
               <a:t>Player_0</a:t>
             </a:r>
@@ -30811,6 +30774,7 @@
               <a:solidFill>
                 <a:schemeClr val="tx1"/>
               </a:solidFill>
+              <a:latin typeface="Roboto" panose="02000000000000000000" pitchFamily="2" charset="0"/>
             </a:endParaRPr>
           </a:p>
         </p:txBody>
@@ -30867,6 +30831,7 @@
                 <a:solidFill>
                   <a:schemeClr val="tx1"/>
                 </a:solidFill>
+                <a:latin typeface="Roboto" panose="02000000000000000000" pitchFamily="2" charset="0"/>
               </a:rPr>
               <a:t>Player_2</a:t>
             </a:r>
@@ -30874,6 +30839,7 @@
               <a:solidFill>
                 <a:schemeClr val="tx1"/>
               </a:solidFill>
+              <a:latin typeface="Roboto" panose="02000000000000000000" pitchFamily="2" charset="0"/>
             </a:endParaRPr>
           </a:p>
         </p:txBody>
@@ -31027,8 +30993,8 @@
         </p:nvSpPr>
         <p:spPr>
           <a:xfrm>
-            <a:off x="2989229" y="2887858"/>
-            <a:ext cx="6213560" cy="1082284"/>
+            <a:off x="3062166" y="2887858"/>
+            <a:ext cx="6067687" cy="1077218"/>
           </a:xfrm>
           <a:prstGeom prst="rect">
             <a:avLst/>
@@ -31048,8 +31014,8 @@
             </a:pPr>
             <a:r>
               <a:rPr lang="ru-RU" sz="4800" dirty="0" smtClean="0">
-                <a:latin typeface="Open Sans SemiBold" panose="020B0706030804020204" pitchFamily="34" charset="0"/>
-                <a:ea typeface="Open Sans SemiBold" panose="020B0706030804020204" pitchFamily="34" charset="0"/>
+                <a:latin typeface="Roboto" panose="02000000000000000000" pitchFamily="2" charset="0"/>
+                <a:ea typeface="Roboto" panose="02000000000000000000" pitchFamily="2" charset="0"/>
                 <a:cs typeface="Open Sans SemiBold" panose="020B0706030804020204" pitchFamily="34" charset="0"/>
               </a:rPr>
               <a:t>ПОЧЕМУ НЕ </a:t>
@@ -31059,23 +31025,23 @@
                 <a:solidFill>
                   <a:srgbClr val="FF0000"/>
                 </a:solidFill>
-                <a:latin typeface="Open Sans SemiBold" panose="020B0706030804020204" pitchFamily="34" charset="0"/>
-                <a:ea typeface="Open Sans SemiBold" panose="020B0706030804020204" pitchFamily="34" charset="0"/>
+                <a:latin typeface="Roboto" panose="02000000000000000000" pitchFamily="2" charset="0"/>
+                <a:ea typeface="Roboto" panose="02000000000000000000" pitchFamily="2" charset="0"/>
                 <a:cs typeface="Open Sans SemiBold" panose="020B0706030804020204" pitchFamily="34" charset="0"/>
               </a:rPr>
               <a:t>СРАЗУ</a:t>
             </a:r>
             <a:r>
               <a:rPr lang="ru-RU" sz="4800" dirty="0" smtClean="0">
-                <a:latin typeface="Open Sans SemiBold" panose="020B0706030804020204" pitchFamily="34" charset="0"/>
-                <a:ea typeface="Open Sans SemiBold" panose="020B0706030804020204" pitchFamily="34" charset="0"/>
+                <a:latin typeface="Roboto" panose="02000000000000000000" pitchFamily="2" charset="0"/>
+                <a:ea typeface="Roboto" panose="02000000000000000000" pitchFamily="2" charset="0"/>
                 <a:cs typeface="Open Sans SemiBold" panose="020B0706030804020204" pitchFamily="34" charset="0"/>
               </a:rPr>
               <a:t>?</a:t>
             </a:r>
             <a:endParaRPr lang="ru-RU" sz="4800" dirty="0">
-              <a:latin typeface="Open Sans SemiBold" panose="020B0706030804020204" pitchFamily="34" charset="0"/>
-              <a:ea typeface="Open Sans SemiBold" panose="020B0706030804020204" pitchFamily="34" charset="0"/>
+              <a:latin typeface="Roboto" panose="02000000000000000000" pitchFamily="2" charset="0"/>
+              <a:ea typeface="Roboto" panose="02000000000000000000" pitchFamily="2" charset="0"/>
               <a:cs typeface="Open Sans SemiBold" panose="020B0706030804020204" pitchFamily="34" charset="0"/>
             </a:endParaRPr>
           </a:p>
@@ -31148,8 +31114,8 @@
         </p:nvSpPr>
         <p:spPr>
           <a:xfrm>
-            <a:off x="3392385" y="2887858"/>
-            <a:ext cx="5407249" cy="1200329"/>
+            <a:off x="3466924" y="2887858"/>
+            <a:ext cx="5258170" cy="1077218"/>
           </a:xfrm>
           <a:prstGeom prst="rect">
             <a:avLst/>
@@ -31169,8 +31135,8 @@
             </a:pPr>
             <a:r>
               <a:rPr lang="ru-RU" sz="4800" dirty="0" smtClean="0">
-                <a:latin typeface="Open Sans SemiBold" panose="020B0706030804020204" pitchFamily="34" charset="0"/>
-                <a:ea typeface="Open Sans SemiBold" panose="020B0706030804020204" pitchFamily="34" charset="0"/>
+                <a:latin typeface="Roboto" panose="02000000000000000000" pitchFamily="2" charset="0"/>
+                <a:ea typeface="Roboto" panose="02000000000000000000" pitchFamily="2" charset="0"/>
                 <a:cs typeface="Open Sans SemiBold" panose="020B0706030804020204" pitchFamily="34" charset="0"/>
               </a:rPr>
               <a:t>ПОЧЕМУ НЕ </a:t>
@@ -31180,23 +31146,23 @@
                 <a:solidFill>
                   <a:srgbClr val="FF0000"/>
                 </a:solidFill>
-                <a:latin typeface="Open Sans SemiBold" panose="020B0706030804020204" pitchFamily="34" charset="0"/>
-                <a:ea typeface="Open Sans SemiBold" panose="020B0706030804020204" pitchFamily="34" charset="0"/>
+                <a:latin typeface="Roboto" panose="02000000000000000000" pitchFamily="2" charset="0"/>
+                <a:ea typeface="Roboto" panose="02000000000000000000" pitchFamily="2" charset="0"/>
                 <a:cs typeface="Open Sans SemiBold" panose="020B0706030804020204" pitchFamily="34" charset="0"/>
               </a:rPr>
               <a:t>ВСЁ</a:t>
             </a:r>
             <a:r>
               <a:rPr lang="ru-RU" sz="4800" dirty="0" smtClean="0">
-                <a:latin typeface="Open Sans SemiBold" panose="020B0706030804020204" pitchFamily="34" charset="0"/>
-                <a:ea typeface="Open Sans SemiBold" panose="020B0706030804020204" pitchFamily="34" charset="0"/>
+                <a:latin typeface="Roboto" panose="02000000000000000000" pitchFamily="2" charset="0"/>
+                <a:ea typeface="Roboto" panose="02000000000000000000" pitchFamily="2" charset="0"/>
                 <a:cs typeface="Open Sans SemiBold" panose="020B0706030804020204" pitchFamily="34" charset="0"/>
               </a:rPr>
               <a:t>?</a:t>
             </a:r>
             <a:endParaRPr lang="ru-RU" sz="4800" dirty="0">
-              <a:latin typeface="Open Sans SemiBold" panose="020B0706030804020204" pitchFamily="34" charset="0"/>
-              <a:ea typeface="Open Sans SemiBold" panose="020B0706030804020204" pitchFamily="34" charset="0"/>
+              <a:latin typeface="Roboto" panose="02000000000000000000" pitchFamily="2" charset="0"/>
+              <a:ea typeface="Roboto" panose="02000000000000000000" pitchFamily="2" charset="0"/>
               <a:cs typeface="Open Sans SemiBold" panose="020B0706030804020204" pitchFamily="34" charset="0"/>
             </a:endParaRPr>
           </a:p>
@@ -31290,15 +31256,15 @@
             </a:pPr>
             <a:r>
               <a:rPr lang="ru-RU" sz="4800" dirty="0" smtClean="0">
-                <a:latin typeface="Open Sans SemiBold" panose="020B0706030804020204" pitchFamily="34" charset="0"/>
-                <a:ea typeface="Open Sans SemiBold" panose="020B0706030804020204" pitchFamily="34" charset="0"/>
+                <a:latin typeface="Roboto" panose="02000000000000000000" pitchFamily="2" charset="0"/>
+                <a:ea typeface="Roboto" panose="02000000000000000000" pitchFamily="2" charset="0"/>
                 <a:cs typeface="Open Sans SemiBold" panose="020B0706030804020204" pitchFamily="34" charset="0"/>
               </a:rPr>
               <a:t>ИЗБЫТОЧНАЯ СЛОЖНОСТЬ</a:t>
             </a:r>
             <a:endParaRPr lang="ru-RU" sz="4800" dirty="0">
-              <a:latin typeface="Open Sans SemiBold" panose="020B0706030804020204" pitchFamily="34" charset="0"/>
-              <a:ea typeface="Open Sans SemiBold" panose="020B0706030804020204" pitchFamily="34" charset="0"/>
+              <a:latin typeface="Roboto" panose="02000000000000000000" pitchFamily="2" charset="0"/>
+              <a:ea typeface="Roboto" panose="02000000000000000000" pitchFamily="2" charset="0"/>
               <a:cs typeface="Open Sans SemiBold" panose="020B0706030804020204" pitchFamily="34" charset="0"/>
             </a:endParaRPr>
           </a:p>
@@ -31392,15 +31358,15 @@
             </a:pPr>
             <a:r>
               <a:rPr lang="ru-RU" sz="4800" dirty="0" smtClean="0">
-                <a:latin typeface="Open Sans SemiBold" panose="020B0706030804020204" pitchFamily="34" charset="0"/>
-                <a:ea typeface="Open Sans SemiBold" panose="020B0706030804020204" pitchFamily="34" charset="0"/>
+                <a:latin typeface="Roboto" panose="02000000000000000000" pitchFamily="2" charset="0"/>
+                <a:ea typeface="Roboto" panose="02000000000000000000" pitchFamily="2" charset="0"/>
                 <a:cs typeface="Open Sans SemiBold" panose="020B0706030804020204" pitchFamily="34" charset="0"/>
               </a:rPr>
               <a:t>ПРОБЛЕМА</a:t>
             </a:r>
             <a:endParaRPr lang="ru-RU" sz="4800" dirty="0">
-              <a:latin typeface="Open Sans SemiBold" panose="020B0706030804020204" pitchFamily="34" charset="0"/>
-              <a:ea typeface="Open Sans SemiBold" panose="020B0706030804020204" pitchFamily="34" charset="0"/>
+              <a:latin typeface="Roboto" panose="02000000000000000000" pitchFamily="2" charset="0"/>
+              <a:ea typeface="Roboto" panose="02000000000000000000" pitchFamily="2" charset="0"/>
               <a:cs typeface="Open Sans SemiBold" panose="020B0706030804020204" pitchFamily="34" charset="0"/>
             </a:endParaRPr>
           </a:p>
@@ -31455,6 +31421,7 @@
                 <a:solidFill>
                   <a:schemeClr val="tx1"/>
                 </a:solidFill>
+                <a:latin typeface="Roboto" panose="02000000000000000000" pitchFamily="2" charset="0"/>
               </a:rPr>
               <a:t>Список композиций</a:t>
             </a:r>
@@ -31462,6 +31429,7 @@
               <a:solidFill>
                 <a:schemeClr val="tx1"/>
               </a:solidFill>
+              <a:latin typeface="Roboto" panose="02000000000000000000" pitchFamily="2" charset="0"/>
             </a:endParaRPr>
           </a:p>
         </p:txBody>
@@ -31515,6 +31483,7 @@
                 <a:solidFill>
                   <a:schemeClr val="tx1"/>
                 </a:solidFill>
+                <a:latin typeface="Roboto" panose="02000000000000000000" pitchFamily="2" charset="0"/>
               </a:rPr>
               <a:t>Радио</a:t>
             </a:r>
@@ -31522,6 +31491,7 @@
               <a:solidFill>
                 <a:schemeClr val="tx1"/>
               </a:solidFill>
+              <a:latin typeface="Roboto" panose="02000000000000000000" pitchFamily="2" charset="0"/>
             </a:endParaRPr>
           </a:p>
         </p:txBody>
@@ -31575,6 +31545,7 @@
                 <a:solidFill>
                   <a:schemeClr val="tx1"/>
                 </a:solidFill>
+                <a:latin typeface="Roboto" panose="02000000000000000000" pitchFamily="2" charset="0"/>
               </a:rPr>
               <a:t>Страница автора</a:t>
             </a:r>
@@ -31582,6 +31553,7 @@
               <a:solidFill>
                 <a:schemeClr val="tx1"/>
               </a:solidFill>
+              <a:latin typeface="Roboto" panose="02000000000000000000" pitchFamily="2" charset="0"/>
             </a:endParaRPr>
           </a:p>
         </p:txBody>
@@ -31635,6 +31607,7 @@
                 <a:solidFill>
                   <a:schemeClr val="tx1"/>
                 </a:solidFill>
+                <a:latin typeface="Roboto" panose="02000000000000000000" pitchFamily="2" charset="0"/>
               </a:rPr>
               <a:t>createPlayer</a:t>
             </a:r>
@@ -31642,6 +31615,7 @@
               <a:solidFill>
                 <a:schemeClr val="tx1"/>
               </a:solidFill>
+              <a:latin typeface="Roboto" panose="02000000000000000000" pitchFamily="2" charset="0"/>
             </a:endParaRPr>
           </a:p>
         </p:txBody>
@@ -31812,6 +31786,7 @@
                 <a:solidFill>
                   <a:schemeClr val="tx1"/>
                 </a:solidFill>
+                <a:latin typeface="Roboto" panose="02000000000000000000" pitchFamily="2" charset="0"/>
               </a:rPr>
               <a:t>SingletonPlayer</a:t>
             </a:r>
@@ -31819,6 +31794,7 @@
               <a:solidFill>
                 <a:schemeClr val="tx1"/>
               </a:solidFill>
+              <a:latin typeface="Roboto" panose="02000000000000000000" pitchFamily="2" charset="0"/>
             </a:endParaRPr>
           </a:p>
         </p:txBody>
@@ -31950,15 +31926,15 @@
             </a:pPr>
             <a:r>
               <a:rPr lang="ru-RU" sz="4800" dirty="0" smtClean="0">
-                <a:latin typeface="Open Sans SemiBold" panose="020B0706030804020204" pitchFamily="34" charset="0"/>
-                <a:ea typeface="Open Sans SemiBold" panose="020B0706030804020204" pitchFamily="34" charset="0"/>
+                <a:latin typeface="Roboto" panose="02000000000000000000" pitchFamily="2" charset="0"/>
+                <a:ea typeface="Roboto" panose="02000000000000000000" pitchFamily="2" charset="0"/>
                 <a:cs typeface="Open Sans SemiBold" panose="020B0706030804020204" pitchFamily="34" charset="0"/>
               </a:rPr>
               <a:t>РЕШЕНИЕ</a:t>
             </a:r>
             <a:endParaRPr lang="ru-RU" sz="4800" dirty="0">
-              <a:latin typeface="Open Sans SemiBold" panose="020B0706030804020204" pitchFamily="34" charset="0"/>
-              <a:ea typeface="Open Sans SemiBold" panose="020B0706030804020204" pitchFamily="34" charset="0"/>
+              <a:latin typeface="Roboto" panose="02000000000000000000" pitchFamily="2" charset="0"/>
+              <a:ea typeface="Roboto" panose="02000000000000000000" pitchFamily="2" charset="0"/>
               <a:cs typeface="Open Sans SemiBold" panose="020B0706030804020204" pitchFamily="34" charset="0"/>
             </a:endParaRPr>
           </a:p>
@@ -32013,6 +31989,7 @@
                 <a:solidFill>
                   <a:schemeClr val="tx1"/>
                 </a:solidFill>
+                <a:latin typeface="Roboto" panose="02000000000000000000" pitchFamily="2" charset="0"/>
               </a:rPr>
               <a:t>Список композиций</a:t>
             </a:r>
@@ -32020,6 +31997,7 @@
               <a:solidFill>
                 <a:schemeClr val="tx1"/>
               </a:solidFill>
+              <a:latin typeface="Roboto" panose="02000000000000000000" pitchFamily="2" charset="0"/>
             </a:endParaRPr>
           </a:p>
         </p:txBody>
@@ -32073,6 +32051,7 @@
                 <a:solidFill>
                   <a:schemeClr val="tx1"/>
                 </a:solidFill>
+                <a:latin typeface="Roboto" panose="02000000000000000000" pitchFamily="2" charset="0"/>
               </a:rPr>
               <a:t>Радио</a:t>
             </a:r>
@@ -32080,6 +32059,7 @@
               <a:solidFill>
                 <a:schemeClr val="tx1"/>
               </a:solidFill>
+              <a:latin typeface="Roboto" panose="02000000000000000000" pitchFamily="2" charset="0"/>
             </a:endParaRPr>
           </a:p>
         </p:txBody>
@@ -32133,6 +32113,7 @@
                 <a:solidFill>
                   <a:schemeClr val="tx1"/>
                 </a:solidFill>
+                <a:latin typeface="Roboto" panose="02000000000000000000" pitchFamily="2" charset="0"/>
               </a:rPr>
               <a:t>Страница автора</a:t>
             </a:r>
@@ -32140,6 +32121,7 @@
               <a:solidFill>
                 <a:schemeClr val="tx1"/>
               </a:solidFill>
+              <a:latin typeface="Roboto" panose="02000000000000000000" pitchFamily="2" charset="0"/>
             </a:endParaRPr>
           </a:p>
         </p:txBody>
@@ -32193,6 +32175,7 @@
                 <a:solidFill>
                   <a:schemeClr val="tx1"/>
                 </a:solidFill>
+                <a:latin typeface="Roboto" panose="02000000000000000000" pitchFamily="2" charset="0"/>
               </a:rPr>
               <a:t>SingletonPlayer</a:t>
             </a:r>
@@ -32200,6 +32183,7 @@
               <a:solidFill>
                 <a:schemeClr val="tx1"/>
               </a:solidFill>
+              <a:latin typeface="Roboto" panose="02000000000000000000" pitchFamily="2" charset="0"/>
             </a:endParaRPr>
           </a:p>
         </p:txBody>
@@ -32409,15 +32393,15 @@
             </a:pPr>
             <a:r>
               <a:rPr lang="ru-RU" sz="4800" dirty="0" smtClean="0">
-                <a:latin typeface="Open Sans SemiBold" panose="020B0706030804020204" pitchFamily="34" charset="0"/>
-                <a:ea typeface="Open Sans SemiBold" panose="020B0706030804020204" pitchFamily="34" charset="0"/>
+                <a:latin typeface="Roboto" panose="02000000000000000000" pitchFamily="2" charset="0"/>
+                <a:ea typeface="Roboto" panose="02000000000000000000" pitchFamily="2" charset="0"/>
                 <a:cs typeface="Open Sans SemiBold" panose="020B0706030804020204" pitchFamily="34" charset="0"/>
               </a:rPr>
               <a:t>РЕШЕНИЕ</a:t>
             </a:r>
             <a:endParaRPr lang="ru-RU" sz="4800" dirty="0">
-              <a:latin typeface="Open Sans SemiBold" panose="020B0706030804020204" pitchFamily="34" charset="0"/>
-              <a:ea typeface="Open Sans SemiBold" panose="020B0706030804020204" pitchFamily="34" charset="0"/>
+              <a:latin typeface="Roboto" panose="02000000000000000000" pitchFamily="2" charset="0"/>
+              <a:ea typeface="Roboto" panose="02000000000000000000" pitchFamily="2" charset="0"/>
               <a:cs typeface="Open Sans SemiBold" panose="020B0706030804020204" pitchFamily="34" charset="0"/>
             </a:endParaRPr>
           </a:p>
@@ -32472,6 +32456,7 @@
                 <a:solidFill>
                   <a:schemeClr val="tx1"/>
                 </a:solidFill>
+                <a:latin typeface="Roboto" panose="02000000000000000000" pitchFamily="2" charset="0"/>
               </a:rPr>
               <a:t>Список композиций</a:t>
             </a:r>
@@ -32479,6 +32464,7 @@
               <a:solidFill>
                 <a:schemeClr val="tx1"/>
               </a:solidFill>
+              <a:latin typeface="Roboto" panose="02000000000000000000" pitchFamily="2" charset="0"/>
             </a:endParaRPr>
           </a:p>
         </p:txBody>
@@ -32532,6 +32518,7 @@
                 <a:solidFill>
                   <a:schemeClr val="tx1"/>
                 </a:solidFill>
+                <a:latin typeface="Roboto" panose="02000000000000000000" pitchFamily="2" charset="0"/>
               </a:rPr>
               <a:t>SingletonPlayer</a:t>
             </a:r>
@@ -32539,6 +32526,7 @@
               <a:solidFill>
                 <a:schemeClr val="tx1"/>
               </a:solidFill>
+              <a:latin typeface="Roboto" panose="02000000000000000000" pitchFamily="2" charset="0"/>
             </a:endParaRPr>
           </a:p>
         </p:txBody>
@@ -32670,15 +32658,15 @@
             </a:pPr>
             <a:r>
               <a:rPr lang="en-US" sz="4800" dirty="0" smtClean="0">
-                <a:latin typeface="Open Sans SemiBold" panose="020B0706030804020204" pitchFamily="34" charset="0"/>
-                <a:ea typeface="Open Sans SemiBold" panose="020B0706030804020204" pitchFamily="34" charset="0"/>
+                <a:latin typeface="Roboto" panose="02000000000000000000" pitchFamily="2" charset="0"/>
+                <a:ea typeface="Roboto" panose="02000000000000000000" pitchFamily="2" charset="0"/>
                 <a:cs typeface="Open Sans SemiBold" panose="020B0706030804020204" pitchFamily="34" charset="0"/>
               </a:rPr>
               <a:t>AGILE</a:t>
             </a:r>
             <a:endParaRPr lang="ru-RU" sz="4800" dirty="0">
-              <a:latin typeface="Open Sans SemiBold" panose="020B0706030804020204" pitchFamily="34" charset="0"/>
-              <a:ea typeface="Open Sans SemiBold" panose="020B0706030804020204" pitchFamily="34" charset="0"/>
+              <a:latin typeface="Roboto" panose="02000000000000000000" pitchFamily="2" charset="0"/>
+              <a:ea typeface="Roboto" panose="02000000000000000000" pitchFamily="2" charset="0"/>
               <a:cs typeface="Open Sans SemiBold" panose="020B0706030804020204" pitchFamily="34" charset="0"/>
             </a:endParaRPr>
           </a:p>
@@ -32772,15 +32760,15 @@
             </a:pPr>
             <a:r>
               <a:rPr lang="ru-RU" sz="4800" dirty="0" smtClean="0">
-                <a:latin typeface="Open Sans SemiBold" panose="020B0706030804020204" pitchFamily="34" charset="0"/>
-                <a:ea typeface="Open Sans SemiBold" panose="020B0706030804020204" pitchFamily="34" charset="0"/>
+                <a:latin typeface="Roboto" panose="02000000000000000000" pitchFamily="2" charset="0"/>
+                <a:ea typeface="Roboto" panose="02000000000000000000" pitchFamily="2" charset="0"/>
                 <a:cs typeface="Open Sans SemiBold" panose="020B0706030804020204" pitchFamily="34" charset="0"/>
               </a:rPr>
               <a:t>НЕПРОЗРАЧНОСТЬ</a:t>
             </a:r>
             <a:endParaRPr lang="ru-RU" sz="4800" dirty="0">
-              <a:latin typeface="Open Sans SemiBold" panose="020B0706030804020204" pitchFamily="34" charset="0"/>
-              <a:ea typeface="Open Sans SemiBold" panose="020B0706030804020204" pitchFamily="34" charset="0"/>
+              <a:latin typeface="Roboto" panose="02000000000000000000" pitchFamily="2" charset="0"/>
+              <a:ea typeface="Roboto" panose="02000000000000000000" pitchFamily="2" charset="0"/>
               <a:cs typeface="Open Sans SemiBold" panose="020B0706030804020204" pitchFamily="34" charset="0"/>
             </a:endParaRPr>
           </a:p>
@@ -32874,13 +32862,15 @@
             </a:pPr>
             <a:r>
               <a:rPr lang="en-US" sz="4800" dirty="0">
-                <a:latin typeface="Open Sans SemiBold"/>
-                <a:ea typeface="Open Sans SemiBold"/>
+                <a:latin typeface="Roboto" panose="02000000000000000000" pitchFamily="2" charset="0"/>
+                <a:ea typeface="Roboto" panose="02000000000000000000" pitchFamily="2" charset="0"/>
                 <a:cs typeface="Open Sans SemiBold"/>
               </a:rPr>
               <a:t>АРХИТЕКТУРА</a:t>
             </a:r>
-            <a:endParaRPr lang="ru-RU" dirty="0"/>
+            <a:endParaRPr lang="ru-RU" dirty="0">
+              <a:latin typeface="Roboto" panose="02000000000000000000" pitchFamily="2" charset="0"/>
+            </a:endParaRPr>
           </a:p>
         </p:txBody>
       </p:sp>
@@ -33356,6 +33346,7 @@
                 <a:solidFill>
                   <a:schemeClr val="tx1"/>
                 </a:solidFill>
+                <a:latin typeface="Roboto" panose="02000000000000000000" pitchFamily="2" charset="0"/>
               </a:rPr>
               <a:t>createPlayer</a:t>
             </a:r>
@@ -33363,6 +33354,7 @@
               <a:solidFill>
                 <a:schemeClr val="tx1"/>
               </a:solidFill>
+              <a:latin typeface="Roboto" panose="02000000000000000000" pitchFamily="2" charset="0"/>
             </a:endParaRPr>
           </a:p>
         </p:txBody>
@@ -33416,6 +33408,7 @@
                 <a:solidFill>
                   <a:schemeClr val="tx1"/>
                 </a:solidFill>
+                <a:latin typeface="Roboto" panose="02000000000000000000" pitchFamily="2" charset="0"/>
               </a:rPr>
               <a:t>SingletonPlayer</a:t>
             </a:r>
@@ -33423,6 +33416,7 @@
               <a:solidFill>
                 <a:schemeClr val="tx1"/>
               </a:solidFill>
+              <a:latin typeface="Roboto" panose="02000000000000000000" pitchFamily="2" charset="0"/>
             </a:endParaRPr>
           </a:p>
         </p:txBody>
@@ -33476,6 +33470,7 @@
                 <a:solidFill>
                   <a:schemeClr val="tx1"/>
                 </a:solidFill>
+                <a:latin typeface="Roboto" panose="02000000000000000000" pitchFamily="2" charset="0"/>
               </a:rPr>
               <a:t>fn_0</a:t>
             </a:r>
@@ -33483,6 +33478,7 @@
               <a:solidFill>
                 <a:schemeClr val="tx1"/>
               </a:solidFill>
+              <a:latin typeface="Roboto" panose="02000000000000000000" pitchFamily="2" charset="0"/>
             </a:endParaRPr>
           </a:p>
         </p:txBody>
@@ -33536,6 +33532,7 @@
                 <a:solidFill>
                   <a:schemeClr val="tx1"/>
                 </a:solidFill>
+                <a:latin typeface="Roboto" panose="02000000000000000000" pitchFamily="2" charset="0"/>
               </a:rPr>
               <a:t>class_0</a:t>
             </a:r>
@@ -33543,6 +33540,7 @@
               <a:solidFill>
                 <a:schemeClr val="tx1"/>
               </a:solidFill>
+              <a:latin typeface="Roboto" panose="02000000000000000000" pitchFamily="2" charset="0"/>
             </a:endParaRPr>
           </a:p>
         </p:txBody>
@@ -33596,6 +33594,7 @@
                 <a:solidFill>
                   <a:schemeClr val="tx1"/>
                 </a:solidFill>
+                <a:latin typeface="Roboto" panose="02000000000000000000" pitchFamily="2" charset="0"/>
               </a:rPr>
               <a:t>…</a:t>
             </a:r>
@@ -33603,6 +33602,7 @@
               <a:solidFill>
                 <a:schemeClr val="tx1"/>
               </a:solidFill>
+              <a:latin typeface="Roboto" panose="02000000000000000000" pitchFamily="2" charset="0"/>
             </a:endParaRPr>
           </a:p>
         </p:txBody>
@@ -33715,6 +33715,7 @@
                 <a:solidFill>
                   <a:schemeClr val="tx1"/>
                 </a:solidFill>
+                <a:latin typeface="Roboto" panose="02000000000000000000" pitchFamily="2" charset="0"/>
               </a:rPr>
               <a:t>createPlayer</a:t>
             </a:r>
@@ -33722,6 +33723,7 @@
               <a:solidFill>
                 <a:schemeClr val="tx1"/>
               </a:solidFill>
+              <a:latin typeface="Roboto" panose="02000000000000000000" pitchFamily="2" charset="0"/>
             </a:endParaRPr>
           </a:p>
         </p:txBody>
@@ -33775,6 +33777,7 @@
                 <a:solidFill>
                   <a:schemeClr val="tx1"/>
                 </a:solidFill>
+                <a:latin typeface="Roboto" panose="02000000000000000000" pitchFamily="2" charset="0"/>
               </a:rPr>
               <a:t>SingletonPlayer</a:t>
             </a:r>
@@ -33782,6 +33785,7 @@
               <a:solidFill>
                 <a:schemeClr val="tx1"/>
               </a:solidFill>
+              <a:latin typeface="Roboto" panose="02000000000000000000" pitchFamily="2" charset="0"/>
             </a:endParaRPr>
           </a:p>
         </p:txBody>
@@ -33835,6 +33839,7 @@
                 <a:solidFill>
                   <a:schemeClr val="tx1"/>
                 </a:solidFill>
+                <a:latin typeface="Roboto" panose="02000000000000000000" pitchFamily="2" charset="0"/>
               </a:rPr>
               <a:t>fn_0</a:t>
             </a:r>
@@ -33842,6 +33847,7 @@
               <a:solidFill>
                 <a:schemeClr val="tx1"/>
               </a:solidFill>
+              <a:latin typeface="Roboto" panose="02000000000000000000" pitchFamily="2" charset="0"/>
             </a:endParaRPr>
           </a:p>
         </p:txBody>
@@ -33895,6 +33901,7 @@
                 <a:solidFill>
                   <a:schemeClr val="tx1"/>
                 </a:solidFill>
+                <a:latin typeface="Roboto" panose="02000000000000000000" pitchFamily="2" charset="0"/>
               </a:rPr>
               <a:t>class_0</a:t>
             </a:r>
@@ -33902,6 +33909,7 @@
               <a:solidFill>
                 <a:schemeClr val="tx1"/>
               </a:solidFill>
+              <a:latin typeface="Roboto" panose="02000000000000000000" pitchFamily="2" charset="0"/>
             </a:endParaRPr>
           </a:p>
         </p:txBody>
@@ -33955,6 +33963,7 @@
                 <a:solidFill>
                   <a:schemeClr val="tx1"/>
                 </a:solidFill>
+                <a:latin typeface="Roboto" panose="02000000000000000000" pitchFamily="2" charset="0"/>
               </a:rPr>
               <a:t>…</a:t>
             </a:r>
@@ -33962,6 +33971,7 @@
               <a:solidFill>
                 <a:schemeClr val="tx1"/>
               </a:solidFill>
+              <a:latin typeface="Roboto" panose="02000000000000000000" pitchFamily="2" charset="0"/>
             </a:endParaRPr>
           </a:p>
         </p:txBody>
@@ -34104,6 +34114,7 @@
                 <a:solidFill>
                   <a:schemeClr val="tx1"/>
                 </a:solidFill>
+                <a:latin typeface="Roboto" panose="02000000000000000000" pitchFamily="2" charset="0"/>
               </a:rPr>
               <a:t>createPlayer</a:t>
             </a:r>
@@ -34111,6 +34122,7 @@
               <a:solidFill>
                 <a:schemeClr val="tx1"/>
               </a:solidFill>
+              <a:latin typeface="Roboto" panose="02000000000000000000" pitchFamily="2" charset="0"/>
             </a:endParaRPr>
           </a:p>
         </p:txBody>
@@ -34164,6 +34176,7 @@
                 <a:solidFill>
                   <a:schemeClr val="tx1"/>
                 </a:solidFill>
+                <a:latin typeface="Roboto" panose="02000000000000000000" pitchFamily="2" charset="0"/>
               </a:rPr>
               <a:t>SingletonPlayer</a:t>
             </a:r>
@@ -34171,6 +34184,7 @@
               <a:solidFill>
                 <a:schemeClr val="tx1"/>
               </a:solidFill>
+              <a:latin typeface="Roboto" panose="02000000000000000000" pitchFamily="2" charset="0"/>
             </a:endParaRPr>
           </a:p>
         </p:txBody>
@@ -34227,6 +34241,7 @@
                 <a:solidFill>
                   <a:schemeClr val="tx1"/>
                 </a:solidFill>
+                <a:latin typeface="Roboto" panose="02000000000000000000" pitchFamily="2" charset="0"/>
               </a:rPr>
               <a:t>fn_0</a:t>
             </a:r>
@@ -34234,6 +34249,7 @@
               <a:solidFill>
                 <a:schemeClr val="tx1"/>
               </a:solidFill>
+              <a:latin typeface="Roboto" panose="02000000000000000000" pitchFamily="2" charset="0"/>
             </a:endParaRPr>
           </a:p>
         </p:txBody>
@@ -34290,6 +34306,7 @@
                 <a:solidFill>
                   <a:schemeClr val="tx1"/>
                 </a:solidFill>
+                <a:latin typeface="Roboto" panose="02000000000000000000" pitchFamily="2" charset="0"/>
               </a:rPr>
               <a:t>class_0</a:t>
             </a:r>
@@ -34297,6 +34314,7 @@
               <a:solidFill>
                 <a:schemeClr val="tx1"/>
               </a:solidFill>
+              <a:latin typeface="Roboto" panose="02000000000000000000" pitchFamily="2" charset="0"/>
             </a:endParaRPr>
           </a:p>
         </p:txBody>
@@ -34350,6 +34368,7 @@
                 <a:solidFill>
                   <a:schemeClr val="tx1"/>
                 </a:solidFill>
+                <a:latin typeface="Roboto" panose="02000000000000000000" pitchFamily="2" charset="0"/>
               </a:rPr>
               <a:t>…</a:t>
             </a:r>
@@ -34357,6 +34376,7 @@
               <a:solidFill>
                 <a:schemeClr val="tx1"/>
               </a:solidFill>
+              <a:latin typeface="Roboto" panose="02000000000000000000" pitchFamily="2" charset="0"/>
             </a:endParaRPr>
           </a:p>
         </p:txBody>
@@ -34479,15 +34499,15 @@
             </a:pPr>
             <a:r>
               <a:rPr lang="ru-RU" sz="4800" dirty="0" smtClean="0">
-                <a:latin typeface="Open Sans SemiBold" panose="020B0706030804020204" pitchFamily="34" charset="0"/>
-                <a:ea typeface="Open Sans SemiBold" panose="020B0706030804020204" pitchFamily="34" charset="0"/>
+                <a:latin typeface="Roboto" panose="02000000000000000000" pitchFamily="2" charset="0"/>
+                <a:ea typeface="Roboto" panose="02000000000000000000" pitchFamily="2" charset="0"/>
                 <a:cs typeface="Open Sans SemiBold" panose="020B0706030804020204" pitchFamily="34" charset="0"/>
               </a:rPr>
               <a:t>ВЯЗКОСТЬ</a:t>
             </a:r>
             <a:endParaRPr lang="ru-RU" sz="4800" dirty="0">
-              <a:latin typeface="Open Sans SemiBold" panose="020B0706030804020204" pitchFamily="34" charset="0"/>
-              <a:ea typeface="Open Sans SemiBold" panose="020B0706030804020204" pitchFamily="34" charset="0"/>
+              <a:latin typeface="Roboto" panose="02000000000000000000" pitchFamily="2" charset="0"/>
+              <a:ea typeface="Roboto" panose="02000000000000000000" pitchFamily="2" charset="0"/>
               <a:cs typeface="Open Sans SemiBold" panose="020B0706030804020204" pitchFamily="34" charset="0"/>
             </a:endParaRPr>
           </a:p>
@@ -34581,15 +34601,15 @@
             </a:pPr>
             <a:r>
               <a:rPr lang="ru-RU" sz="4800" dirty="0" smtClean="0">
-                <a:latin typeface="Open Sans SemiBold" panose="020B0706030804020204" pitchFamily="34" charset="0"/>
-                <a:ea typeface="Open Sans SemiBold" panose="020B0706030804020204" pitchFamily="34" charset="0"/>
+                <a:latin typeface="Roboto" panose="02000000000000000000" pitchFamily="2" charset="0"/>
+                <a:ea typeface="Roboto" panose="02000000000000000000" pitchFamily="2" charset="0"/>
                 <a:cs typeface="Open Sans SemiBold" panose="020B0706030804020204" pitchFamily="34" charset="0"/>
               </a:rPr>
               <a:t>ПРОБЛЕМА</a:t>
             </a:r>
             <a:endParaRPr lang="ru-RU" sz="4800" dirty="0">
-              <a:latin typeface="Open Sans SemiBold" panose="020B0706030804020204" pitchFamily="34" charset="0"/>
-              <a:ea typeface="Open Sans SemiBold" panose="020B0706030804020204" pitchFamily="34" charset="0"/>
+              <a:latin typeface="Roboto" panose="02000000000000000000" pitchFamily="2" charset="0"/>
+              <a:ea typeface="Roboto" panose="02000000000000000000" pitchFamily="2" charset="0"/>
               <a:cs typeface="Open Sans SemiBold" panose="020B0706030804020204" pitchFamily="34" charset="0"/>
             </a:endParaRPr>
           </a:p>
@@ -34644,6 +34664,7 @@
                 <a:solidFill>
                   <a:schemeClr val="tx1"/>
                 </a:solidFill>
+                <a:latin typeface="Roboto" panose="02000000000000000000" pitchFamily="2" charset="0"/>
               </a:rPr>
               <a:t>Reducer</a:t>
             </a:r>
@@ -34651,6 +34672,7 @@
               <a:solidFill>
                 <a:schemeClr val="tx1"/>
               </a:solidFill>
+              <a:latin typeface="Roboto" panose="02000000000000000000" pitchFamily="2" charset="0"/>
             </a:endParaRPr>
           </a:p>
         </p:txBody>
@@ -34704,6 +34726,7 @@
                 <a:solidFill>
                   <a:schemeClr val="tx1"/>
                 </a:solidFill>
+                <a:latin typeface="Roboto" panose="02000000000000000000" pitchFamily="2" charset="0"/>
               </a:rPr>
               <a:t>Middleware</a:t>
             </a:r>
@@ -34711,6 +34734,7 @@
               <a:solidFill>
                 <a:schemeClr val="tx1"/>
               </a:solidFill>
+              <a:latin typeface="Roboto" panose="02000000000000000000" pitchFamily="2" charset="0"/>
             </a:endParaRPr>
           </a:p>
         </p:txBody>
@@ -34764,6 +34788,7 @@
                 <a:solidFill>
                   <a:schemeClr val="tx1"/>
                 </a:solidFill>
+                <a:latin typeface="Roboto" panose="02000000000000000000" pitchFamily="2" charset="0"/>
               </a:rPr>
               <a:t>Action</a:t>
             </a:r>
@@ -34771,6 +34796,7 @@
               <a:solidFill>
                 <a:schemeClr val="tx1"/>
               </a:solidFill>
+              <a:latin typeface="Roboto" panose="02000000000000000000" pitchFamily="2" charset="0"/>
             </a:endParaRPr>
           </a:p>
         </p:txBody>
@@ -34824,6 +34850,7 @@
                 <a:solidFill>
                   <a:schemeClr val="tx1"/>
                 </a:solidFill>
+                <a:latin typeface="Roboto" panose="02000000000000000000" pitchFamily="2" charset="0"/>
               </a:rPr>
               <a:t>Storage</a:t>
             </a:r>
@@ -34831,6 +34858,7 @@
               <a:solidFill>
                 <a:schemeClr val="tx1"/>
               </a:solidFill>
+              <a:latin typeface="Roboto" panose="02000000000000000000" pitchFamily="2" charset="0"/>
             </a:endParaRPr>
           </a:p>
         </p:txBody>
@@ -34884,6 +34912,7 @@
                 <a:solidFill>
                   <a:schemeClr val="tx1"/>
                 </a:solidFill>
+                <a:latin typeface="Roboto" panose="02000000000000000000" pitchFamily="2" charset="0"/>
               </a:rPr>
               <a:t>View</a:t>
             </a:r>
@@ -34891,6 +34920,7 @@
               <a:solidFill>
                 <a:schemeClr val="tx1"/>
               </a:solidFill>
+              <a:latin typeface="Roboto" panose="02000000000000000000" pitchFamily="2" charset="0"/>
             </a:endParaRPr>
           </a:p>
         </p:txBody>
@@ -34944,6 +34974,7 @@
                 <a:solidFill>
                   <a:schemeClr val="tx1"/>
                 </a:solidFill>
+                <a:latin typeface="Roboto" panose="02000000000000000000" pitchFamily="2" charset="0"/>
               </a:rPr>
               <a:t>Selector</a:t>
             </a:r>
@@ -34951,6 +34982,7 @@
               <a:solidFill>
                 <a:schemeClr val="tx1"/>
               </a:solidFill>
+              <a:latin typeface="Roboto" panose="02000000000000000000" pitchFamily="2" charset="0"/>
             </a:endParaRPr>
           </a:p>
         </p:txBody>
@@ -35277,15 +35309,15 @@
             </a:pPr>
             <a:r>
               <a:rPr lang="ru-RU" sz="4800" dirty="0" smtClean="0">
-                <a:latin typeface="Open Sans SemiBold" panose="020B0706030804020204" pitchFamily="34" charset="0"/>
-                <a:ea typeface="Open Sans SemiBold" panose="020B0706030804020204" pitchFamily="34" charset="0"/>
+                <a:latin typeface="Roboto" panose="02000000000000000000" pitchFamily="2" charset="0"/>
+                <a:ea typeface="Roboto" panose="02000000000000000000" pitchFamily="2" charset="0"/>
                 <a:cs typeface="Open Sans SemiBold" panose="020B0706030804020204" pitchFamily="34" charset="0"/>
               </a:rPr>
               <a:t>ПРОБЛЕМА</a:t>
             </a:r>
             <a:endParaRPr lang="ru-RU" sz="4800" dirty="0">
-              <a:latin typeface="Open Sans SemiBold" panose="020B0706030804020204" pitchFamily="34" charset="0"/>
-              <a:ea typeface="Open Sans SemiBold" panose="020B0706030804020204" pitchFamily="34" charset="0"/>
+              <a:latin typeface="Roboto" panose="02000000000000000000" pitchFamily="2" charset="0"/>
+              <a:ea typeface="Roboto" panose="02000000000000000000" pitchFamily="2" charset="0"/>
               <a:cs typeface="Open Sans SemiBold" panose="020B0706030804020204" pitchFamily="34" charset="0"/>
             </a:endParaRPr>
           </a:p>
@@ -35343,6 +35375,7 @@
                 <a:solidFill>
                   <a:schemeClr val="tx1"/>
                 </a:solidFill>
+                <a:latin typeface="Roboto" panose="02000000000000000000" pitchFamily="2" charset="0"/>
               </a:rPr>
               <a:t>Reducer</a:t>
             </a:r>
@@ -35350,6 +35383,7 @@
               <a:solidFill>
                 <a:schemeClr val="tx1"/>
               </a:solidFill>
+              <a:latin typeface="Roboto" panose="02000000000000000000" pitchFamily="2" charset="0"/>
             </a:endParaRPr>
           </a:p>
         </p:txBody>
@@ -35403,6 +35437,7 @@
                 <a:solidFill>
                   <a:schemeClr val="tx1"/>
                 </a:solidFill>
+                <a:latin typeface="Roboto" panose="02000000000000000000" pitchFamily="2" charset="0"/>
               </a:rPr>
               <a:t>Middleware</a:t>
             </a:r>
@@ -35410,6 +35445,7 @@
               <a:solidFill>
                 <a:schemeClr val="tx1"/>
               </a:solidFill>
+              <a:latin typeface="Roboto" panose="02000000000000000000" pitchFamily="2" charset="0"/>
             </a:endParaRPr>
           </a:p>
         </p:txBody>
@@ -35466,6 +35502,7 @@
                 <a:solidFill>
                   <a:schemeClr val="tx1"/>
                 </a:solidFill>
+                <a:latin typeface="Roboto" panose="02000000000000000000" pitchFamily="2" charset="0"/>
               </a:rPr>
               <a:t>Action</a:t>
             </a:r>
@@ -35473,6 +35510,7 @@
               <a:solidFill>
                 <a:schemeClr val="tx1"/>
               </a:solidFill>
+              <a:latin typeface="Roboto" panose="02000000000000000000" pitchFamily="2" charset="0"/>
             </a:endParaRPr>
           </a:p>
         </p:txBody>
@@ -35529,6 +35567,7 @@
                 <a:solidFill>
                   <a:schemeClr val="tx1"/>
                 </a:solidFill>
+                <a:latin typeface="Roboto" panose="02000000000000000000" pitchFamily="2" charset="0"/>
               </a:rPr>
               <a:t>Storage</a:t>
             </a:r>
@@ -35536,6 +35575,7 @@
               <a:solidFill>
                 <a:schemeClr val="tx1"/>
               </a:solidFill>
+              <a:latin typeface="Roboto" panose="02000000000000000000" pitchFamily="2" charset="0"/>
             </a:endParaRPr>
           </a:p>
         </p:txBody>
@@ -35592,6 +35632,7 @@
                 <a:solidFill>
                   <a:schemeClr val="tx1"/>
                 </a:solidFill>
+                <a:latin typeface="Roboto" panose="02000000000000000000" pitchFamily="2" charset="0"/>
               </a:rPr>
               <a:t>View</a:t>
             </a:r>
@@ -35599,6 +35640,7 @@
               <a:solidFill>
                 <a:schemeClr val="tx1"/>
               </a:solidFill>
+              <a:latin typeface="Roboto" panose="02000000000000000000" pitchFamily="2" charset="0"/>
             </a:endParaRPr>
           </a:p>
         </p:txBody>
@@ -35655,6 +35697,7 @@
                 <a:solidFill>
                   <a:schemeClr val="tx1"/>
                 </a:solidFill>
+                <a:latin typeface="Roboto" panose="02000000000000000000" pitchFamily="2" charset="0"/>
               </a:rPr>
               <a:t>Selector</a:t>
             </a:r>
@@ -35662,6 +35705,7 @@
               <a:solidFill>
                 <a:schemeClr val="tx1"/>
               </a:solidFill>
+              <a:latin typeface="Roboto" panose="02000000000000000000" pitchFamily="2" charset="0"/>
             </a:endParaRPr>
           </a:p>
         </p:txBody>
@@ -35988,15 +36032,15 @@
             </a:pPr>
             <a:r>
               <a:rPr lang="ru-RU" sz="4800" dirty="0" smtClean="0">
-                <a:latin typeface="Open Sans SemiBold" panose="020B0706030804020204" pitchFamily="34" charset="0"/>
-                <a:ea typeface="Open Sans SemiBold" panose="020B0706030804020204" pitchFamily="34" charset="0"/>
+                <a:latin typeface="Roboto" panose="02000000000000000000" pitchFamily="2" charset="0"/>
+                <a:ea typeface="Roboto" panose="02000000000000000000" pitchFamily="2" charset="0"/>
                 <a:cs typeface="Open Sans SemiBold" panose="020B0706030804020204" pitchFamily="34" charset="0"/>
               </a:rPr>
               <a:t>ПРОБЛЕМА</a:t>
             </a:r>
             <a:endParaRPr lang="ru-RU" sz="4800" dirty="0">
-              <a:latin typeface="Open Sans SemiBold" panose="020B0706030804020204" pitchFamily="34" charset="0"/>
-              <a:ea typeface="Open Sans SemiBold" panose="020B0706030804020204" pitchFamily="34" charset="0"/>
+              <a:latin typeface="Roboto" panose="02000000000000000000" pitchFamily="2" charset="0"/>
+              <a:ea typeface="Roboto" panose="02000000000000000000" pitchFamily="2" charset="0"/>
               <a:cs typeface="Open Sans SemiBold" panose="020B0706030804020204" pitchFamily="34" charset="0"/>
             </a:endParaRPr>
           </a:p>
@@ -36051,6 +36095,7 @@
                 <a:solidFill>
                   <a:schemeClr val="tx1"/>
                 </a:solidFill>
+                <a:latin typeface="Roboto" panose="02000000000000000000" pitchFamily="2" charset="0"/>
               </a:rPr>
               <a:t>State</a:t>
             </a:r>
@@ -36058,6 +36103,7 @@
               <a:solidFill>
                 <a:schemeClr val="tx1"/>
               </a:solidFill>
+              <a:latin typeface="Roboto" panose="02000000000000000000" pitchFamily="2" charset="0"/>
             </a:endParaRPr>
           </a:p>
         </p:txBody>
@@ -36111,6 +36157,7 @@
                 <a:solidFill>
                   <a:schemeClr val="tx1"/>
                 </a:solidFill>
+                <a:latin typeface="Roboto" panose="02000000000000000000" pitchFamily="2" charset="0"/>
               </a:rPr>
               <a:t>View</a:t>
             </a:r>
@@ -36118,6 +36165,7 @@
               <a:solidFill>
                 <a:schemeClr val="tx1"/>
               </a:solidFill>
+              <a:latin typeface="Roboto" panose="02000000000000000000" pitchFamily="2" charset="0"/>
             </a:endParaRPr>
           </a:p>
         </p:txBody>
@@ -36228,8 +36276,8 @@
         </p:nvSpPr>
         <p:spPr>
           <a:xfrm>
-            <a:off x="2727949" y="2887858"/>
-            <a:ext cx="6736139" cy="1082284"/>
+            <a:off x="2849777" y="2887858"/>
+            <a:ext cx="6492482" cy="1077218"/>
           </a:xfrm>
           <a:prstGeom prst="rect">
             <a:avLst/>
@@ -36252,23 +36300,23 @@
                 <a:solidFill>
                   <a:srgbClr val="FF0000"/>
                 </a:solidFill>
-                <a:latin typeface="Open Sans SemiBold" panose="020B0706030804020204" pitchFamily="34" charset="0"/>
-                <a:ea typeface="Open Sans SemiBold" panose="020B0706030804020204" pitchFamily="34" charset="0"/>
+                <a:latin typeface="Roboto" panose="02000000000000000000" pitchFamily="2" charset="0"/>
+                <a:ea typeface="Roboto" panose="02000000000000000000" pitchFamily="2" charset="0"/>
                 <a:cs typeface="Open Sans SemiBold" panose="020B0706030804020204" pitchFamily="34" charset="0"/>
               </a:rPr>
               <a:t>РАЗНОСТЬ</a:t>
             </a:r>
             <a:r>
               <a:rPr lang="ru-RU" sz="4800" dirty="0" smtClean="0">
-                <a:latin typeface="Open Sans SemiBold" panose="020B0706030804020204" pitchFamily="34" charset="0"/>
-                <a:ea typeface="Open Sans SemiBold" panose="020B0706030804020204" pitchFamily="34" charset="0"/>
+                <a:latin typeface="Roboto" panose="02000000000000000000" pitchFamily="2" charset="0"/>
+                <a:ea typeface="Roboto" panose="02000000000000000000" pitchFamily="2" charset="0"/>
                 <a:cs typeface="Open Sans SemiBold" panose="020B0706030804020204" pitchFamily="34" charset="0"/>
               </a:rPr>
               <a:t> РЕШЕНИЙ</a:t>
             </a:r>
             <a:endParaRPr lang="ru-RU" sz="4800" dirty="0">
-              <a:latin typeface="Open Sans SemiBold" panose="020B0706030804020204" pitchFamily="34" charset="0"/>
-              <a:ea typeface="Open Sans SemiBold" panose="020B0706030804020204" pitchFamily="34" charset="0"/>
+              <a:latin typeface="Roboto" panose="02000000000000000000" pitchFamily="2" charset="0"/>
+              <a:ea typeface="Roboto" panose="02000000000000000000" pitchFamily="2" charset="0"/>
               <a:cs typeface="Open Sans SemiBold" panose="020B0706030804020204" pitchFamily="34" charset="0"/>
             </a:endParaRPr>
           </a:p>
@@ -36341,8 +36389,8 @@
         </p:nvSpPr>
         <p:spPr>
           <a:xfrm>
-            <a:off x="2453145" y="3021258"/>
-            <a:ext cx="7590539" cy="1082284"/>
+            <a:off x="2809011" y="3021258"/>
+            <a:ext cx="6878806" cy="1077218"/>
           </a:xfrm>
           <a:prstGeom prst="rect">
             <a:avLst/>
@@ -36365,23 +36413,23 @@
                 <a:solidFill>
                   <a:srgbClr val="FF0000"/>
                 </a:solidFill>
-                <a:latin typeface="Open Sans SemiBold" panose="020B0706030804020204" pitchFamily="34" charset="0"/>
-                <a:ea typeface="Open Sans SemiBold" panose="020B0706030804020204" pitchFamily="34" charset="0"/>
+                <a:latin typeface="Roboto" panose="02000000000000000000" pitchFamily="2" charset="0"/>
+                <a:ea typeface="Roboto" panose="02000000000000000000" pitchFamily="2" charset="0"/>
                 <a:cs typeface="Open Sans SemiBold" panose="020B0706030804020204" pitchFamily="34" charset="0"/>
               </a:rPr>
               <a:t>Объективные</a:t>
             </a:r>
             <a:r>
               <a:rPr lang="ru-RU" sz="4800" dirty="0" smtClean="0">
-                <a:latin typeface="Open Sans SemiBold" panose="020B0706030804020204" pitchFamily="34" charset="0"/>
-                <a:ea typeface="Open Sans SemiBold" panose="020B0706030804020204" pitchFamily="34" charset="0"/>
+                <a:latin typeface="Roboto" panose="02000000000000000000" pitchFamily="2" charset="0"/>
+                <a:ea typeface="Roboto" panose="02000000000000000000" pitchFamily="2" charset="0"/>
                 <a:cs typeface="Open Sans SemiBold" panose="020B0706030804020204" pitchFamily="34" charset="0"/>
               </a:rPr>
               <a:t> причины</a:t>
             </a:r>
             <a:endParaRPr lang="ru-RU" sz="4800" dirty="0">
-              <a:latin typeface="Open Sans SemiBold" panose="020B0706030804020204" pitchFamily="34" charset="0"/>
-              <a:ea typeface="Open Sans SemiBold" panose="020B0706030804020204" pitchFamily="34" charset="0"/>
+              <a:latin typeface="Roboto" panose="02000000000000000000" pitchFamily="2" charset="0"/>
+              <a:ea typeface="Roboto" panose="02000000000000000000" pitchFamily="2" charset="0"/>
               <a:cs typeface="Open Sans SemiBold" panose="020B0706030804020204" pitchFamily="34" charset="0"/>
             </a:endParaRPr>
           </a:p>
@@ -36416,15 +36464,15 @@
             </a:pPr>
             <a:r>
               <a:rPr lang="ru-RU" sz="4800" dirty="0" smtClean="0">
-                <a:latin typeface="Open Sans SemiBold" panose="020B0706030804020204" pitchFamily="34" charset="0"/>
-                <a:ea typeface="Open Sans SemiBold" panose="020B0706030804020204" pitchFamily="34" charset="0"/>
+                <a:latin typeface="Roboto" panose="02000000000000000000" pitchFamily="2" charset="0"/>
+                <a:ea typeface="Roboto" panose="02000000000000000000" pitchFamily="2" charset="0"/>
                 <a:cs typeface="Open Sans SemiBold" panose="020B0706030804020204" pitchFamily="34" charset="0"/>
               </a:rPr>
               <a:t>РЕШЕНИЕ</a:t>
             </a:r>
             <a:endParaRPr lang="ru-RU" sz="4800" dirty="0">
-              <a:latin typeface="Open Sans SemiBold" panose="020B0706030804020204" pitchFamily="34" charset="0"/>
-              <a:ea typeface="Open Sans SemiBold" panose="020B0706030804020204" pitchFamily="34" charset="0"/>
+              <a:latin typeface="Roboto" panose="02000000000000000000" pitchFamily="2" charset="0"/>
+              <a:ea typeface="Roboto" panose="02000000000000000000" pitchFamily="2" charset="0"/>
               <a:cs typeface="Open Sans SemiBold" panose="020B0706030804020204" pitchFamily="34" charset="0"/>
             </a:endParaRPr>
           </a:p>
@@ -36497,8 +36545,8 @@
         </p:nvSpPr>
         <p:spPr>
           <a:xfrm>
-            <a:off x="2335324" y="3021258"/>
-            <a:ext cx="7826181" cy="1082284"/>
+            <a:off x="2674359" y="3021258"/>
+            <a:ext cx="7148111" cy="1077218"/>
           </a:xfrm>
           <a:prstGeom prst="rect">
             <a:avLst/>
@@ -36521,23 +36569,23 @@
                 <a:solidFill>
                   <a:srgbClr val="FF0000"/>
                 </a:solidFill>
-                <a:latin typeface="Open Sans SemiBold" panose="020B0706030804020204" pitchFamily="34" charset="0"/>
-                <a:ea typeface="Open Sans SemiBold" panose="020B0706030804020204" pitchFamily="34" charset="0"/>
+                <a:latin typeface="Roboto" panose="02000000000000000000" pitchFamily="2" charset="0"/>
+                <a:ea typeface="Roboto" panose="02000000000000000000" pitchFamily="2" charset="0"/>
                 <a:cs typeface="Open Sans SemiBold" panose="020B0706030804020204" pitchFamily="34" charset="0"/>
               </a:rPr>
               <a:t>Субъективные</a:t>
             </a:r>
             <a:r>
               <a:rPr lang="ru-RU" sz="4800" dirty="0" smtClean="0">
-                <a:latin typeface="Open Sans SemiBold" panose="020B0706030804020204" pitchFamily="34" charset="0"/>
-                <a:ea typeface="Open Sans SemiBold" panose="020B0706030804020204" pitchFamily="34" charset="0"/>
+                <a:latin typeface="Roboto" panose="02000000000000000000" pitchFamily="2" charset="0"/>
+                <a:ea typeface="Roboto" panose="02000000000000000000" pitchFamily="2" charset="0"/>
                 <a:cs typeface="Open Sans SemiBold" panose="020B0706030804020204" pitchFamily="34" charset="0"/>
               </a:rPr>
               <a:t> причины</a:t>
             </a:r>
             <a:endParaRPr lang="ru-RU" sz="4800" dirty="0">
-              <a:latin typeface="Open Sans SemiBold" panose="020B0706030804020204" pitchFamily="34" charset="0"/>
-              <a:ea typeface="Open Sans SemiBold" panose="020B0706030804020204" pitchFamily="34" charset="0"/>
+              <a:latin typeface="Roboto" panose="02000000000000000000" pitchFamily="2" charset="0"/>
+              <a:ea typeface="Roboto" panose="02000000000000000000" pitchFamily="2" charset="0"/>
               <a:cs typeface="Open Sans SemiBold" panose="020B0706030804020204" pitchFamily="34" charset="0"/>
             </a:endParaRPr>
           </a:p>
@@ -36572,15 +36620,15 @@
             </a:pPr>
             <a:r>
               <a:rPr lang="ru-RU" sz="4800" dirty="0" smtClean="0">
-                <a:latin typeface="Open Sans SemiBold" panose="020B0706030804020204" pitchFamily="34" charset="0"/>
-                <a:ea typeface="Open Sans SemiBold" panose="020B0706030804020204" pitchFamily="34" charset="0"/>
+                <a:latin typeface="Roboto" panose="02000000000000000000" pitchFamily="2" charset="0"/>
+                <a:ea typeface="Roboto" panose="02000000000000000000" pitchFamily="2" charset="0"/>
                 <a:cs typeface="Open Sans SemiBold" panose="020B0706030804020204" pitchFamily="34" charset="0"/>
               </a:rPr>
               <a:t>РЕШЕНИЕ</a:t>
             </a:r>
             <a:endParaRPr lang="ru-RU" sz="4800" dirty="0">
-              <a:latin typeface="Open Sans SemiBold" panose="020B0706030804020204" pitchFamily="34" charset="0"/>
-              <a:ea typeface="Open Sans SemiBold" panose="020B0706030804020204" pitchFamily="34" charset="0"/>
+              <a:latin typeface="Roboto" panose="02000000000000000000" pitchFamily="2" charset="0"/>
+              <a:ea typeface="Roboto" panose="02000000000000000000" pitchFamily="2" charset="0"/>
               <a:cs typeface="Open Sans SemiBold" panose="020B0706030804020204" pitchFamily="34" charset="0"/>
             </a:endParaRPr>
           </a:p>
@@ -36674,13 +36722,15 @@
             </a:pPr>
             <a:r>
               <a:rPr lang="ru-RU" sz="4800" dirty="0" smtClean="0">
-                <a:latin typeface="Open Sans SemiBold"/>
-                <a:ea typeface="Open Sans SemiBold"/>
+                <a:latin typeface="Roboto" panose="02000000000000000000" pitchFamily="2" charset="0"/>
+                <a:ea typeface="Roboto" panose="02000000000000000000" pitchFamily="2" charset="0"/>
                 <a:cs typeface="Open Sans SemiBold"/>
               </a:rPr>
               <a:t>РОЛЬ</a:t>
             </a:r>
-            <a:endParaRPr lang="ru-RU" dirty="0"/>
+            <a:endParaRPr lang="ru-RU" dirty="0">
+              <a:latin typeface="Roboto" panose="02000000000000000000" pitchFamily="2" charset="0"/>
+            </a:endParaRPr>
           </a:p>
         </p:txBody>
       </p:sp>
@@ -36764,8 +36814,8 @@
             </a:pPr>
             <a:r>
               <a:rPr lang="ru-RU" sz="4800" dirty="0">
-                <a:latin typeface="Open Sans SemiBold" panose="020B0706030804020204" pitchFamily="34" charset="0"/>
-                <a:ea typeface="Open Sans SemiBold" panose="020B0706030804020204" pitchFamily="34" charset="0"/>
+                <a:latin typeface="Roboto" panose="02000000000000000000" pitchFamily="2" charset="0"/>
+                <a:ea typeface="Roboto" panose="02000000000000000000" pitchFamily="2" charset="0"/>
                 <a:cs typeface="Open Sans SemiBold" panose="020B0706030804020204" pitchFamily="34" charset="0"/>
               </a:rPr>
               <a:t>РЕШЕНИЕ</a:t>
@@ -36822,6 +36872,7 @@
                 <a:solidFill>
                   <a:schemeClr val="tx1"/>
                 </a:solidFill>
+                <a:latin typeface="Roboto" panose="02000000000000000000" pitchFamily="2" charset="0"/>
               </a:rPr>
               <a:t>Reducer</a:t>
             </a:r>
@@ -36829,6 +36880,7 @@
               <a:solidFill>
                 <a:schemeClr val="tx1"/>
               </a:solidFill>
+              <a:latin typeface="Roboto" panose="02000000000000000000" pitchFamily="2" charset="0"/>
             </a:endParaRPr>
           </a:p>
         </p:txBody>
@@ -36882,6 +36934,7 @@
                 <a:solidFill>
                   <a:schemeClr val="tx1"/>
                 </a:solidFill>
+                <a:latin typeface="Roboto" panose="02000000000000000000" pitchFamily="2" charset="0"/>
               </a:rPr>
               <a:t>Middleware</a:t>
             </a:r>
@@ -36889,6 +36942,7 @@
               <a:solidFill>
                 <a:schemeClr val="tx1"/>
               </a:solidFill>
+              <a:latin typeface="Roboto" panose="02000000000000000000" pitchFamily="2" charset="0"/>
             </a:endParaRPr>
           </a:p>
         </p:txBody>
@@ -36942,6 +36996,7 @@
                 <a:solidFill>
                   <a:schemeClr val="tx1"/>
                 </a:solidFill>
+                <a:latin typeface="Roboto" panose="02000000000000000000" pitchFamily="2" charset="0"/>
               </a:rPr>
               <a:t>Action</a:t>
             </a:r>
@@ -36949,6 +37004,7 @@
               <a:solidFill>
                 <a:schemeClr val="tx1"/>
               </a:solidFill>
+              <a:latin typeface="Roboto" panose="02000000000000000000" pitchFamily="2" charset="0"/>
             </a:endParaRPr>
           </a:p>
         </p:txBody>
@@ -37002,6 +37058,7 @@
                 <a:solidFill>
                   <a:schemeClr val="tx1"/>
                 </a:solidFill>
+                <a:latin typeface="Roboto" panose="02000000000000000000" pitchFamily="2" charset="0"/>
               </a:rPr>
               <a:t>Storage</a:t>
             </a:r>
@@ -37009,6 +37066,7 @@
               <a:solidFill>
                 <a:schemeClr val="tx1"/>
               </a:solidFill>
+              <a:latin typeface="Roboto" panose="02000000000000000000" pitchFamily="2" charset="0"/>
             </a:endParaRPr>
           </a:p>
         </p:txBody>
@@ -37062,6 +37120,7 @@
                 <a:solidFill>
                   <a:schemeClr val="tx1"/>
                 </a:solidFill>
+                <a:latin typeface="Roboto" panose="02000000000000000000" pitchFamily="2" charset="0"/>
               </a:rPr>
               <a:t>View</a:t>
             </a:r>
@@ -37069,6 +37128,7 @@
               <a:solidFill>
                 <a:schemeClr val="tx1"/>
               </a:solidFill>
+              <a:latin typeface="Roboto" panose="02000000000000000000" pitchFamily="2" charset="0"/>
             </a:endParaRPr>
           </a:p>
         </p:txBody>
@@ -37122,6 +37182,7 @@
                 <a:solidFill>
                   <a:schemeClr val="tx1"/>
                 </a:solidFill>
+                <a:latin typeface="Roboto" panose="02000000000000000000" pitchFamily="2" charset="0"/>
               </a:rPr>
               <a:t>Selector</a:t>
             </a:r>
@@ -37129,6 +37190,7 @@
               <a:solidFill>
                 <a:schemeClr val="tx1"/>
               </a:solidFill>
+              <a:latin typeface="Roboto" panose="02000000000000000000" pitchFamily="2" charset="0"/>
             </a:endParaRPr>
           </a:p>
         </p:txBody>
@@ -37455,8 +37517,8 @@
             </a:pPr>
             <a:r>
               <a:rPr lang="ru-RU" sz="4800" dirty="0">
-                <a:latin typeface="Open Sans SemiBold" panose="020B0706030804020204" pitchFamily="34" charset="0"/>
-                <a:ea typeface="Open Sans SemiBold" panose="020B0706030804020204" pitchFamily="34" charset="0"/>
+                <a:latin typeface="Roboto" panose="02000000000000000000" pitchFamily="2" charset="0"/>
+                <a:ea typeface="Roboto" panose="02000000000000000000" pitchFamily="2" charset="0"/>
                 <a:cs typeface="Open Sans SemiBold" panose="020B0706030804020204" pitchFamily="34" charset="0"/>
               </a:rPr>
               <a:t>РЕШЕНИЕ</a:t>
@@ -37513,6 +37575,7 @@
                 <a:solidFill>
                   <a:schemeClr val="tx1"/>
                 </a:solidFill>
+                <a:latin typeface="Roboto" panose="02000000000000000000" pitchFamily="2" charset="0"/>
               </a:rPr>
               <a:t>Action</a:t>
             </a:r>
@@ -37520,6 +37583,7 @@
               <a:solidFill>
                 <a:schemeClr val="tx1"/>
               </a:solidFill>
+              <a:latin typeface="Roboto" panose="02000000000000000000" pitchFamily="2" charset="0"/>
             </a:endParaRPr>
           </a:p>
         </p:txBody>
@@ -37573,6 +37637,7 @@
                 <a:solidFill>
                   <a:schemeClr val="tx1"/>
                 </a:solidFill>
+                <a:latin typeface="Roboto" panose="02000000000000000000" pitchFamily="2" charset="0"/>
               </a:rPr>
               <a:t>Storage</a:t>
             </a:r>
@@ -37580,6 +37645,7 @@
               <a:solidFill>
                 <a:schemeClr val="tx1"/>
               </a:solidFill>
+              <a:latin typeface="Roboto" panose="02000000000000000000" pitchFamily="2" charset="0"/>
             </a:endParaRPr>
           </a:p>
         </p:txBody>
@@ -37633,6 +37699,7 @@
                 <a:solidFill>
                   <a:schemeClr val="tx1"/>
                 </a:solidFill>
+                <a:latin typeface="Roboto" panose="02000000000000000000" pitchFamily="2" charset="0"/>
               </a:rPr>
               <a:t>View</a:t>
             </a:r>
@@ -37640,6 +37707,7 @@
               <a:solidFill>
                 <a:schemeClr val="tx1"/>
               </a:solidFill>
+              <a:latin typeface="Roboto" panose="02000000000000000000" pitchFamily="2" charset="0"/>
             </a:endParaRPr>
           </a:p>
         </p:txBody>
@@ -37828,8 +37896,8 @@
         </p:nvSpPr>
         <p:spPr>
           <a:xfrm>
-            <a:off x="1185865" y="2887858"/>
-            <a:ext cx="9820317" cy="1082284"/>
+            <a:off x="1384638" y="2887858"/>
+            <a:ext cx="9422771" cy="1074718"/>
           </a:xfrm>
           <a:prstGeom prst="rect">
             <a:avLst/>
@@ -37849,15 +37917,15 @@
             </a:pPr>
             <a:r>
               <a:rPr lang="ru-RU" sz="4800" dirty="0" smtClean="0">
-                <a:latin typeface="Open Sans SemiBold" panose="020B0706030804020204" pitchFamily="34" charset="0"/>
-                <a:ea typeface="Open Sans SemiBold" panose="020B0706030804020204" pitchFamily="34" charset="0"/>
+                <a:latin typeface="Roboto" panose="02000000000000000000" pitchFamily="2" charset="0"/>
+                <a:ea typeface="Roboto" panose="02000000000000000000" pitchFamily="2" charset="0"/>
                 <a:cs typeface="Open Sans SemiBold" panose="020B0706030804020204" pitchFamily="34" charset="0"/>
               </a:rPr>
               <a:t>ИЗБЫТОЧНОЕ ДУБЛИРОВАНИЕ</a:t>
             </a:r>
             <a:endParaRPr lang="ru-RU" sz="4800" dirty="0">
-              <a:latin typeface="Open Sans SemiBold" panose="020B0706030804020204" pitchFamily="34" charset="0"/>
-              <a:ea typeface="Open Sans SemiBold" panose="020B0706030804020204" pitchFamily="34" charset="0"/>
+              <a:latin typeface="Roboto" panose="02000000000000000000" pitchFamily="2" charset="0"/>
+              <a:ea typeface="Roboto" panose="02000000000000000000" pitchFamily="2" charset="0"/>
               <a:cs typeface="Open Sans SemiBold" panose="020B0706030804020204" pitchFamily="34" charset="0"/>
             </a:endParaRPr>
           </a:p>
@@ -37951,15 +38019,15 @@
             </a:pPr>
             <a:r>
               <a:rPr lang="ru-RU" sz="4800" dirty="0" smtClean="0">
-                <a:latin typeface="Open Sans SemiBold" panose="020B0706030804020204" pitchFamily="34" charset="0"/>
-                <a:ea typeface="Open Sans SemiBold" panose="020B0706030804020204" pitchFamily="34" charset="0"/>
+                <a:latin typeface="Roboto" panose="02000000000000000000" pitchFamily="2" charset="0"/>
+                <a:ea typeface="Roboto" panose="02000000000000000000" pitchFamily="2" charset="0"/>
                 <a:cs typeface="Open Sans SemiBold" panose="020B0706030804020204" pitchFamily="34" charset="0"/>
               </a:rPr>
               <a:t>ПРОБЛЕМА</a:t>
             </a:r>
             <a:endParaRPr lang="ru-RU" sz="4800" dirty="0">
-              <a:latin typeface="Open Sans SemiBold" panose="020B0706030804020204" pitchFamily="34" charset="0"/>
-              <a:ea typeface="Open Sans SemiBold" panose="020B0706030804020204" pitchFamily="34" charset="0"/>
+              <a:latin typeface="Roboto" panose="02000000000000000000" pitchFamily="2" charset="0"/>
+              <a:ea typeface="Roboto" panose="02000000000000000000" pitchFamily="2" charset="0"/>
               <a:cs typeface="Open Sans SemiBold" panose="020B0706030804020204" pitchFamily="34" charset="0"/>
             </a:endParaRPr>
           </a:p>
@@ -38014,6 +38082,7 @@
                 <a:solidFill>
                   <a:schemeClr val="tx1"/>
                 </a:solidFill>
+                <a:latin typeface="Roboto" panose="02000000000000000000" pitchFamily="2" charset="0"/>
               </a:rPr>
               <a:t>Создание пользователя</a:t>
             </a:r>
@@ -38021,6 +38090,7 @@
               <a:solidFill>
                 <a:schemeClr val="tx1"/>
               </a:solidFill>
+              <a:latin typeface="Roboto" panose="02000000000000000000" pitchFamily="2" charset="0"/>
             </a:endParaRPr>
           </a:p>
         </p:txBody>
@@ -38074,6 +38144,7 @@
                 <a:solidFill>
                   <a:schemeClr val="tx1"/>
                 </a:solidFill>
+                <a:latin typeface="Roboto" panose="02000000000000000000" pitchFamily="2" charset="0"/>
               </a:rPr>
               <a:t>Создание администратора</a:t>
             </a:r>
@@ -38081,6 +38152,7 @@
               <a:solidFill>
                 <a:schemeClr val="tx1"/>
               </a:solidFill>
+              <a:latin typeface="Roboto" panose="02000000000000000000" pitchFamily="2" charset="0"/>
             </a:endParaRPr>
           </a:p>
         </p:txBody>
@@ -38134,6 +38206,7 @@
                 <a:solidFill>
                   <a:schemeClr val="tx1"/>
                 </a:solidFill>
+                <a:latin typeface="Roboto" panose="02000000000000000000" pitchFamily="2" charset="0"/>
               </a:rPr>
               <a:t>SearchableSelect</a:t>
             </a:r>
@@ -38141,6 +38214,7 @@
               <a:solidFill>
                 <a:schemeClr val="tx1"/>
               </a:solidFill>
+              <a:latin typeface="Roboto" panose="02000000000000000000" pitchFamily="2" charset="0"/>
             </a:endParaRPr>
           </a:p>
         </p:txBody>
@@ -38232,6 +38306,7 @@
                 <a:solidFill>
                   <a:schemeClr val="tx1"/>
                 </a:solidFill>
+                <a:latin typeface="Roboto" panose="02000000000000000000" pitchFamily="2" charset="0"/>
               </a:rPr>
               <a:t>SearchableSelect</a:t>
             </a:r>
@@ -38239,6 +38314,7 @@
               <a:solidFill>
                 <a:schemeClr val="tx1"/>
               </a:solidFill>
+              <a:latin typeface="Roboto" panose="02000000000000000000" pitchFamily="2" charset="0"/>
             </a:endParaRPr>
           </a:p>
         </p:txBody>
@@ -38389,6 +38465,7 @@
                 <a:solidFill>
                   <a:schemeClr val="tx1"/>
                 </a:solidFill>
+                <a:latin typeface="Roboto" panose="02000000000000000000" pitchFamily="2" charset="0"/>
               </a:rPr>
               <a:t>Создание пользователя</a:t>
             </a:r>
@@ -38447,6 +38524,7 @@
                 <a:solidFill>
                   <a:schemeClr val="tx1"/>
                 </a:solidFill>
+                <a:latin typeface="Roboto" panose="02000000000000000000" pitchFamily="2" charset="0"/>
               </a:rPr>
               <a:t>SearchableSelect</a:t>
             </a:r>
@@ -38454,6 +38532,7 @@
               <a:solidFill>
                 <a:schemeClr val="tx1"/>
               </a:solidFill>
+              <a:latin typeface="Roboto" panose="02000000000000000000" pitchFamily="2" charset="0"/>
             </a:endParaRPr>
           </a:p>
         </p:txBody>
@@ -38507,6 +38586,7 @@
                 <a:solidFill>
                   <a:schemeClr val="tx1"/>
                 </a:solidFill>
+                <a:latin typeface="Roboto" panose="02000000000000000000" pitchFamily="2" charset="0"/>
               </a:rPr>
               <a:t>Создание администратора</a:t>
             </a:r>
@@ -38624,8 +38704,8 @@
             </a:pPr>
             <a:r>
               <a:rPr lang="ru-RU" sz="4800" dirty="0">
-                <a:latin typeface="Open Sans SemiBold" panose="020B0706030804020204" pitchFamily="34" charset="0"/>
-                <a:ea typeface="Open Sans SemiBold" panose="020B0706030804020204" pitchFamily="34" charset="0"/>
+                <a:latin typeface="Roboto" panose="02000000000000000000" pitchFamily="2" charset="0"/>
+                <a:ea typeface="Roboto" panose="02000000000000000000" pitchFamily="2" charset="0"/>
                 <a:cs typeface="Open Sans SemiBold" panose="020B0706030804020204" pitchFamily="34" charset="0"/>
               </a:rPr>
               <a:t>ПРОБЛЕМА</a:t>
@@ -38741,6 +38821,7 @@
                 <a:solidFill>
                   <a:schemeClr val="tx1"/>
                 </a:solidFill>
+                <a:latin typeface="Roboto" panose="02000000000000000000" pitchFamily="2" charset="0"/>
               </a:rPr>
               <a:t>Создание пользователя</a:t>
             </a:r>
@@ -38799,6 +38880,7 @@
                 <a:solidFill>
                   <a:schemeClr val="tx1"/>
                 </a:solidFill>
+                <a:latin typeface="Roboto" panose="02000000000000000000" pitchFamily="2" charset="0"/>
               </a:rPr>
               <a:t>SearchableSelect</a:t>
             </a:r>
@@ -38806,6 +38888,7 @@
               <a:solidFill>
                 <a:schemeClr val="tx1"/>
               </a:solidFill>
+              <a:latin typeface="Roboto" panose="02000000000000000000" pitchFamily="2" charset="0"/>
             </a:endParaRPr>
           </a:p>
         </p:txBody>
@@ -38859,6 +38942,7 @@
                 <a:solidFill>
                   <a:schemeClr val="tx1"/>
                 </a:solidFill>
+                <a:latin typeface="Roboto" panose="02000000000000000000" pitchFamily="2" charset="0"/>
               </a:rPr>
               <a:t>Создание администратора</a:t>
             </a:r>
@@ -38976,8 +39060,8 @@
             </a:pPr>
             <a:r>
               <a:rPr lang="ru-RU" sz="4800" dirty="0">
-                <a:latin typeface="Open Sans SemiBold" panose="020B0706030804020204" pitchFamily="34" charset="0"/>
-                <a:ea typeface="Open Sans SemiBold" panose="020B0706030804020204" pitchFamily="34" charset="0"/>
+                <a:latin typeface="Roboto" panose="02000000000000000000" pitchFamily="2" charset="0"/>
+                <a:ea typeface="Roboto" panose="02000000000000000000" pitchFamily="2" charset="0"/>
                 <a:cs typeface="Open Sans SemiBold" panose="020B0706030804020204" pitchFamily="34" charset="0"/>
               </a:rPr>
               <a:t>ПРОБЛЕМА</a:t>
@@ -39093,6 +39177,7 @@
                 <a:solidFill>
                   <a:schemeClr val="tx1"/>
                 </a:solidFill>
+                <a:latin typeface="Roboto" panose="02000000000000000000" pitchFamily="2" charset="0"/>
               </a:rPr>
               <a:t>Создание пользователя</a:t>
             </a:r>
@@ -39151,6 +39236,7 @@
                 <a:solidFill>
                   <a:schemeClr val="tx1"/>
                 </a:solidFill>
+                <a:latin typeface="Roboto" panose="02000000000000000000" pitchFamily="2" charset="0"/>
               </a:rPr>
               <a:t>SearchableSelect</a:t>
             </a:r>
@@ -39158,6 +39244,7 @@
               <a:solidFill>
                 <a:schemeClr val="tx1"/>
               </a:solidFill>
+              <a:latin typeface="Roboto" panose="02000000000000000000" pitchFamily="2" charset="0"/>
             </a:endParaRPr>
           </a:p>
         </p:txBody>
@@ -39214,6 +39301,7 @@
                 <a:solidFill>
                   <a:schemeClr val="tx1"/>
                 </a:solidFill>
+                <a:latin typeface="Roboto" panose="02000000000000000000" pitchFamily="2" charset="0"/>
               </a:rPr>
               <a:t>Создание администратора</a:t>
             </a:r>
@@ -39331,8 +39419,8 @@
             </a:pPr>
             <a:r>
               <a:rPr lang="ru-RU" sz="4800" dirty="0">
-                <a:latin typeface="Open Sans SemiBold" panose="020B0706030804020204" pitchFamily="34" charset="0"/>
-                <a:ea typeface="Open Sans SemiBold" panose="020B0706030804020204" pitchFamily="34" charset="0"/>
+                <a:latin typeface="Roboto" panose="02000000000000000000" pitchFamily="2" charset="0"/>
+                <a:ea typeface="Roboto" panose="02000000000000000000" pitchFamily="2" charset="0"/>
                 <a:cs typeface="Open Sans SemiBold" panose="020B0706030804020204" pitchFamily="34" charset="0"/>
               </a:rPr>
               <a:t>ПРОБЛЕМА</a:t>
@@ -39428,15 +39516,15 @@
             </a:pPr>
             <a:r>
               <a:rPr lang="ru-RU" sz="4800" dirty="0" smtClean="0">
-                <a:latin typeface="Open Sans SemiBold" panose="020B0706030804020204" pitchFamily="34" charset="0"/>
-                <a:ea typeface="Open Sans SemiBold" panose="020B0706030804020204" pitchFamily="34" charset="0"/>
+                <a:latin typeface="Roboto" panose="02000000000000000000" pitchFamily="2" charset="0"/>
+                <a:ea typeface="Roboto" panose="02000000000000000000" pitchFamily="2" charset="0"/>
                 <a:cs typeface="Open Sans SemiBold" panose="020B0706030804020204" pitchFamily="34" charset="0"/>
               </a:rPr>
               <a:t>РЕШЕНИЕ</a:t>
             </a:r>
             <a:endParaRPr lang="ru-RU" sz="4800" dirty="0">
-              <a:latin typeface="Open Sans SemiBold" panose="020B0706030804020204" pitchFamily="34" charset="0"/>
-              <a:ea typeface="Open Sans SemiBold" panose="020B0706030804020204" pitchFamily="34" charset="0"/>
+              <a:latin typeface="Roboto" panose="02000000000000000000" pitchFamily="2" charset="0"/>
+              <a:ea typeface="Roboto" panose="02000000000000000000" pitchFamily="2" charset="0"/>
               <a:cs typeface="Open Sans SemiBold" panose="020B0706030804020204" pitchFamily="34" charset="0"/>
             </a:endParaRPr>
           </a:p>
@@ -39491,6 +39579,7 @@
                 <a:solidFill>
                   <a:schemeClr val="tx1"/>
                 </a:solidFill>
+                <a:latin typeface="Roboto" panose="02000000000000000000" pitchFamily="2" charset="0"/>
               </a:rPr>
               <a:t>Создание пользователя</a:t>
             </a:r>
@@ -39498,6 +39587,7 @@
               <a:solidFill>
                 <a:schemeClr val="tx1"/>
               </a:solidFill>
+              <a:latin typeface="Roboto" panose="02000000000000000000" pitchFamily="2" charset="0"/>
             </a:endParaRPr>
           </a:p>
         </p:txBody>
@@ -39551,6 +39641,7 @@
                 <a:solidFill>
                   <a:schemeClr val="tx1"/>
                 </a:solidFill>
+                <a:latin typeface="Roboto" panose="02000000000000000000" pitchFamily="2" charset="0"/>
               </a:rPr>
               <a:t>Создание администратора</a:t>
             </a:r>
@@ -39558,6 +39649,7 @@
               <a:solidFill>
                 <a:schemeClr val="tx1"/>
               </a:solidFill>
+              <a:latin typeface="Roboto" panose="02000000000000000000" pitchFamily="2" charset="0"/>
             </a:endParaRPr>
           </a:p>
         </p:txBody>
@@ -39614,6 +39706,7 @@
                 <a:solidFill>
                   <a:schemeClr val="tx1"/>
                 </a:solidFill>
+                <a:latin typeface="Roboto" panose="02000000000000000000" pitchFamily="2" charset="0"/>
               </a:rPr>
               <a:t>OnlineSelect</a:t>
             </a:r>
@@ -39621,6 +39714,7 @@
               <a:solidFill>
                 <a:schemeClr val="tx1"/>
               </a:solidFill>
+              <a:latin typeface="Roboto" panose="02000000000000000000" pitchFamily="2" charset="0"/>
             </a:endParaRPr>
           </a:p>
         </p:txBody>
@@ -39716,6 +39810,7 @@
                 <a:solidFill>
                   <a:schemeClr val="tx1"/>
                 </a:solidFill>
+                <a:latin typeface="Roboto" panose="02000000000000000000" pitchFamily="2" charset="0"/>
               </a:rPr>
               <a:t>OfflineSelect</a:t>
             </a:r>
@@ -39723,6 +39818,7 @@
               <a:solidFill>
                 <a:schemeClr val="tx1"/>
               </a:solidFill>
+              <a:latin typeface="Roboto" panose="02000000000000000000" pitchFamily="2" charset="0"/>
             </a:endParaRPr>
           </a:p>
         </p:txBody>
@@ -39818,6 +39914,7 @@
                 <a:solidFill>
                   <a:schemeClr val="tx1"/>
                 </a:solidFill>
+                <a:latin typeface="Roboto" panose="02000000000000000000" pitchFamily="2" charset="0"/>
               </a:rPr>
               <a:t>Select</a:t>
             </a:r>
@@ -39825,6 +39922,7 @@
               <a:solidFill>
                 <a:schemeClr val="tx1"/>
               </a:solidFill>
+              <a:latin typeface="Roboto" panose="02000000000000000000" pitchFamily="2" charset="0"/>
             </a:endParaRPr>
           </a:p>
         </p:txBody>
@@ -39999,8 +40097,8 @@
             </a:pPr>
             <a:r>
               <a:rPr lang="ru-RU" sz="4800" dirty="0">
-                <a:latin typeface="Open Sans SemiBold" panose="020B0706030804020204" pitchFamily="34" charset="0"/>
-                <a:ea typeface="Open Sans SemiBold" panose="020B0706030804020204" pitchFamily="34" charset="0"/>
+                <a:latin typeface="Roboto" panose="02000000000000000000" pitchFamily="2" charset="0"/>
+                <a:ea typeface="Roboto" panose="02000000000000000000" pitchFamily="2" charset="0"/>
                 <a:cs typeface="Open Sans SemiBold" panose="020B0706030804020204" pitchFamily="34" charset="0"/>
               </a:rPr>
               <a:t>РЕШЕНИЕ</a:t>
@@ -40057,6 +40155,7 @@
                 <a:solidFill>
                   <a:schemeClr val="tx1"/>
                 </a:solidFill>
+                <a:latin typeface="Roboto" panose="02000000000000000000" pitchFamily="2" charset="0"/>
               </a:rPr>
               <a:t>Создание пользователя</a:t>
             </a:r>
@@ -40064,6 +40163,7 @@
               <a:solidFill>
                 <a:schemeClr val="tx1"/>
               </a:solidFill>
+              <a:latin typeface="Roboto" panose="02000000000000000000" pitchFamily="2" charset="0"/>
             </a:endParaRPr>
           </a:p>
         </p:txBody>
@@ -40117,6 +40217,7 @@
                 <a:solidFill>
                   <a:schemeClr val="tx1"/>
                 </a:solidFill>
+                <a:latin typeface="Roboto" panose="02000000000000000000" pitchFamily="2" charset="0"/>
               </a:rPr>
               <a:t>Создание администратора</a:t>
             </a:r>
@@ -40124,6 +40225,7 @@
               <a:solidFill>
                 <a:schemeClr val="tx1"/>
               </a:solidFill>
+              <a:latin typeface="Roboto" panose="02000000000000000000" pitchFamily="2" charset="0"/>
             </a:endParaRPr>
           </a:p>
         </p:txBody>
@@ -40180,6 +40282,7 @@
                 <a:solidFill>
                   <a:schemeClr val="tx1"/>
                 </a:solidFill>
+                <a:latin typeface="Roboto" panose="02000000000000000000" pitchFamily="2" charset="0"/>
               </a:rPr>
               <a:t>OnlineSelect</a:t>
             </a:r>
@@ -40187,6 +40290,7 @@
               <a:solidFill>
                 <a:schemeClr val="tx1"/>
               </a:solidFill>
+              <a:latin typeface="Roboto" panose="02000000000000000000" pitchFamily="2" charset="0"/>
             </a:endParaRPr>
           </a:p>
         </p:txBody>
@@ -40281,6 +40385,7 @@
                 <a:solidFill>
                   <a:schemeClr val="tx1"/>
                 </a:solidFill>
+                <a:latin typeface="Roboto" panose="02000000000000000000" pitchFamily="2" charset="0"/>
               </a:rPr>
               <a:t>OfflineSelect</a:t>
             </a:r>
@@ -40288,6 +40393,7 @@
               <a:solidFill>
                 <a:schemeClr val="tx1"/>
               </a:solidFill>
+              <a:latin typeface="Roboto" panose="02000000000000000000" pitchFamily="2" charset="0"/>
             </a:endParaRPr>
           </a:p>
         </p:txBody>
@@ -40397,8 +40503,8 @@
         </p:nvSpPr>
         <p:spPr>
           <a:xfrm>
-            <a:off x="1629899" y="2887858"/>
-            <a:ext cx="8932252" cy="1082284"/>
+            <a:off x="1810236" y="2887858"/>
+            <a:ext cx="8571577" cy="1077218"/>
           </a:xfrm>
           <a:prstGeom prst="rect">
             <a:avLst/>
@@ -40421,23 +40527,23 @@
                 <a:solidFill>
                   <a:srgbClr val="FF0000"/>
                 </a:solidFill>
-                <a:latin typeface="Open Sans SemiBold" panose="020B0706030804020204" pitchFamily="34" charset="0"/>
-                <a:ea typeface="Open Sans SemiBold" panose="020B0706030804020204" pitchFamily="34" charset="0"/>
+                <a:latin typeface="Roboto" panose="02000000000000000000" pitchFamily="2" charset="0"/>
+                <a:ea typeface="Roboto" panose="02000000000000000000" pitchFamily="2" charset="0"/>
                 <a:cs typeface="Open Sans SemiBold" panose="020B0706030804020204" pitchFamily="34" charset="0"/>
               </a:rPr>
               <a:t>ИСТИННОЕ</a:t>
             </a:r>
             <a:r>
               <a:rPr lang="ru-RU" sz="4800" dirty="0" smtClean="0">
-                <a:latin typeface="Open Sans SemiBold" panose="020B0706030804020204" pitchFamily="34" charset="0"/>
-                <a:ea typeface="Open Sans SemiBold" panose="020B0706030804020204" pitchFamily="34" charset="0"/>
+                <a:latin typeface="Roboto" panose="02000000000000000000" pitchFamily="2" charset="0"/>
+                <a:ea typeface="Roboto" panose="02000000000000000000" pitchFamily="2" charset="0"/>
                 <a:cs typeface="Open Sans SemiBold" panose="020B0706030804020204" pitchFamily="34" charset="0"/>
               </a:rPr>
               <a:t> ДУБЛИРОВАНИЕ</a:t>
             </a:r>
             <a:endParaRPr lang="ru-RU" sz="4800" dirty="0">
-              <a:latin typeface="Open Sans SemiBold" panose="020B0706030804020204" pitchFamily="34" charset="0"/>
-              <a:ea typeface="Open Sans SemiBold" panose="020B0706030804020204" pitchFamily="34" charset="0"/>
+              <a:latin typeface="Roboto" panose="02000000000000000000" pitchFamily="2" charset="0"/>
+              <a:ea typeface="Roboto" panose="02000000000000000000" pitchFamily="2" charset="0"/>
               <a:cs typeface="Open Sans SemiBold" panose="020B0706030804020204" pitchFamily="34" charset="0"/>
             </a:endParaRPr>
           </a:p>
@@ -40531,13 +40637,15 @@
             </a:pPr>
             <a:r>
               <a:rPr lang="ru-RU" sz="4800" dirty="0" smtClean="0">
-                <a:latin typeface="Open Sans SemiBold"/>
-                <a:ea typeface="Open Sans SemiBold"/>
+                <a:latin typeface="Roboto" panose="02000000000000000000" pitchFamily="2" charset="0"/>
+                <a:ea typeface="Roboto" panose="02000000000000000000" pitchFamily="2" charset="0"/>
                 <a:cs typeface="Open Sans SemiBold"/>
               </a:rPr>
               <a:t>РОЛЬ</a:t>
             </a:r>
-            <a:endParaRPr lang="ru-RU" dirty="0"/>
+            <a:endParaRPr lang="ru-RU" dirty="0">
+              <a:latin typeface="Roboto" panose="02000000000000000000" pitchFamily="2" charset="0"/>
+            </a:endParaRPr>
           </a:p>
         </p:txBody>
       </p:sp>
@@ -40549,8 +40657,8 @@
         </p:nvSpPr>
         <p:spPr>
           <a:xfrm>
-            <a:off x="3276163" y="3051281"/>
-            <a:ext cx="5639685" cy="1085041"/>
+            <a:off x="3490965" y="3051281"/>
+            <a:ext cx="5210080" cy="1077218"/>
           </a:xfrm>
           <a:prstGeom prst="rect">
             <a:avLst/>
@@ -40573,21 +40681,23 @@
                 <a:solidFill>
                   <a:srgbClr val="FF0000"/>
                 </a:solidFill>
-                <a:latin typeface="Open Sans SemiBold"/>
-                <a:ea typeface="Open Sans SemiBold"/>
+                <a:latin typeface="Roboto" panose="02000000000000000000" pitchFamily="2" charset="0"/>
+                <a:ea typeface="Roboto" panose="02000000000000000000" pitchFamily="2" charset="0"/>
                 <a:cs typeface="Open Sans SemiBold"/>
               </a:rPr>
               <a:t>Трудно</a:t>
             </a:r>
             <a:r>
               <a:rPr lang="ru-RU" sz="4800" dirty="0" smtClean="0">
-                <a:latin typeface="Open Sans SemiBold"/>
-                <a:ea typeface="Open Sans SemiBold"/>
+                <a:latin typeface="Roboto" panose="02000000000000000000" pitchFamily="2" charset="0"/>
+                <a:ea typeface="Roboto" panose="02000000000000000000" pitchFamily="2" charset="0"/>
                 <a:cs typeface="Open Sans SemiBold"/>
               </a:rPr>
               <a:t> изменить</a:t>
             </a:r>
-            <a:endParaRPr lang="ru-RU" dirty="0"/>
+            <a:endParaRPr lang="ru-RU" dirty="0">
+              <a:latin typeface="Roboto" panose="02000000000000000000" pitchFamily="2" charset="0"/>
+            </a:endParaRPr>
           </a:p>
         </p:txBody>
       </p:sp>
@@ -41177,49 +41287,6 @@
           <a:chExt cx="0" cy="0"/>
         </a:xfrm>
       </p:grpSpPr>
-      <p:sp>
-        <p:nvSpPr>
-          <p:cNvPr id="4" name="TextBox 3"/>
-          <p:cNvSpPr txBox="1"/>
-          <p:nvPr/>
-        </p:nvSpPr>
-        <p:spPr>
-          <a:xfrm>
-            <a:off x="3074179" y="2887858"/>
-            <a:ext cx="6043642" cy="1082284"/>
-          </a:xfrm>
-          <a:prstGeom prst="rect">
-            <a:avLst/>
-          </a:prstGeom>
-          <a:noFill/>
-        </p:spPr>
-        <p:txBody>
-          <a:bodyPr wrap="none" rtlCol="0" anchor="t">
-            <a:spAutoFit/>
-          </a:bodyPr>
-          <a:lstStyle/>
-          <a:p>
-            <a:pPr algn="ctr">
-              <a:lnSpc>
-                <a:spcPct val="150000"/>
-              </a:lnSpc>
-            </a:pPr>
-            <a:r>
-              <a:rPr lang="ru-RU" sz="4800" dirty="0" smtClean="0">
-                <a:latin typeface="Open Sans SemiBold" panose="020B0706030804020204" pitchFamily="34" charset="0"/>
-                <a:ea typeface="Open Sans SemiBold" panose="020B0706030804020204" pitchFamily="34" charset="0"/>
-                <a:cs typeface="Open Sans SemiBold" panose="020B0706030804020204" pitchFamily="34" charset="0"/>
-              </a:rPr>
-              <a:t>ПРОЕКТИРОВАНИЕ</a:t>
-            </a:r>
-            <a:endParaRPr lang="ru-RU" sz="4800" dirty="0">
-              <a:latin typeface="Open Sans SemiBold" panose="020B0706030804020204" pitchFamily="34" charset="0"/>
-              <a:ea typeface="Open Sans SemiBold" panose="020B0706030804020204" pitchFamily="34" charset="0"/>
-              <a:cs typeface="Open Sans SemiBold" panose="020B0706030804020204" pitchFamily="34" charset="0"/>
-            </a:endParaRPr>
-          </a:p>
-        </p:txBody>
-      </p:sp>
       <p:pic>
         <p:nvPicPr>
           <p:cNvPr id="2" name="Рисунок 1"/>
@@ -41310,6 +41377,49 @@
           </a:prstGeom>
         </p:spPr>
       </p:pic>
+      <p:sp>
+        <p:nvSpPr>
+          <p:cNvPr id="6" name="TextBox 5"/>
+          <p:cNvSpPr txBox="1"/>
+          <p:nvPr/>
+        </p:nvSpPr>
+        <p:spPr>
+          <a:xfrm>
+            <a:off x="3148388" y="1321816"/>
+            <a:ext cx="5811206" cy="1074718"/>
+          </a:xfrm>
+          <a:prstGeom prst="rect">
+            <a:avLst/>
+          </a:prstGeom>
+          <a:noFill/>
+        </p:spPr>
+        <p:txBody>
+          <a:bodyPr wrap="none" rtlCol="0" anchor="t">
+            <a:spAutoFit/>
+          </a:bodyPr>
+          <a:lstStyle/>
+          <a:p>
+            <a:pPr algn="ctr">
+              <a:lnSpc>
+                <a:spcPct val="150000"/>
+              </a:lnSpc>
+            </a:pPr>
+            <a:r>
+              <a:rPr lang="ru-RU" sz="4800" dirty="0" smtClean="0">
+                <a:latin typeface="Roboto" panose="02000000000000000000" pitchFamily="2" charset="0"/>
+                <a:ea typeface="Roboto" panose="02000000000000000000" pitchFamily="2" charset="0"/>
+                <a:cs typeface="Open Sans SemiBold" panose="020B0706030804020204" pitchFamily="34" charset="0"/>
+              </a:rPr>
+              <a:t>ПРОЕКТИРОВАНИЕ</a:t>
+            </a:r>
+            <a:endParaRPr lang="ru-RU" sz="4800" dirty="0">
+              <a:latin typeface="Roboto" panose="02000000000000000000" pitchFamily="2" charset="0"/>
+              <a:ea typeface="Roboto" panose="02000000000000000000" pitchFamily="2" charset="0"/>
+              <a:cs typeface="Open Sans SemiBold" panose="020B0706030804020204" pitchFamily="34" charset="0"/>
+            </a:endParaRPr>
+          </a:p>
+        </p:txBody>
+      </p:sp>
     </p:spTree>
     <p:extLst>
       <p:ext uri="{BB962C8B-B14F-4D97-AF65-F5344CB8AC3E}">
@@ -41398,15 +41508,15 @@
             </a:pPr>
             <a:r>
               <a:rPr lang="ru-RU" sz="4800" dirty="0" smtClean="0">
-                <a:latin typeface="Open Sans SemiBold" panose="020B0706030804020204" pitchFamily="34" charset="0"/>
-                <a:ea typeface="Open Sans SemiBold" panose="020B0706030804020204" pitchFamily="34" charset="0"/>
+                <a:latin typeface="Roboto" panose="02000000000000000000" pitchFamily="2" charset="0"/>
+                <a:ea typeface="Roboto" panose="02000000000000000000" pitchFamily="2" charset="0"/>
                 <a:cs typeface="Open Sans SemiBold" panose="020B0706030804020204" pitchFamily="34" charset="0"/>
               </a:rPr>
               <a:t>АРХИТЕКТУРА</a:t>
             </a:r>
             <a:endParaRPr lang="ru-RU" sz="4800" dirty="0">
-              <a:latin typeface="Open Sans SemiBold" panose="020B0706030804020204" pitchFamily="34" charset="0"/>
-              <a:ea typeface="Open Sans SemiBold" panose="020B0706030804020204" pitchFamily="34" charset="0"/>
+              <a:latin typeface="Roboto" panose="02000000000000000000" pitchFamily="2" charset="0"/>
+              <a:ea typeface="Roboto" panose="02000000000000000000" pitchFamily="2" charset="0"/>
               <a:cs typeface="Open Sans SemiBold" panose="020B0706030804020204" pitchFamily="34" charset="0"/>
             </a:endParaRPr>
           </a:p>
@@ -41420,8 +41530,8 @@
         </p:nvSpPr>
         <p:spPr>
           <a:xfrm>
-            <a:off x="3032170" y="1321816"/>
-            <a:ext cx="6043642" cy="1082284"/>
+            <a:off x="3148388" y="1321816"/>
+            <a:ext cx="5811206" cy="1074718"/>
           </a:xfrm>
           <a:prstGeom prst="rect">
             <a:avLst/>
@@ -41441,15 +41551,15 @@
             </a:pPr>
             <a:r>
               <a:rPr lang="ru-RU" sz="4800" dirty="0" smtClean="0">
-                <a:latin typeface="Open Sans SemiBold" panose="020B0706030804020204" pitchFamily="34" charset="0"/>
-                <a:ea typeface="Open Sans SemiBold" panose="020B0706030804020204" pitchFamily="34" charset="0"/>
+                <a:latin typeface="Roboto" panose="02000000000000000000" pitchFamily="2" charset="0"/>
+                <a:ea typeface="Roboto" panose="02000000000000000000" pitchFamily="2" charset="0"/>
                 <a:cs typeface="Open Sans SemiBold" panose="020B0706030804020204" pitchFamily="34" charset="0"/>
               </a:rPr>
               <a:t>ПРОЕКТИРОВАНИЕ</a:t>
             </a:r>
             <a:endParaRPr lang="ru-RU" sz="4800" dirty="0">
-              <a:latin typeface="Open Sans SemiBold" panose="020B0706030804020204" pitchFamily="34" charset="0"/>
-              <a:ea typeface="Open Sans SemiBold" panose="020B0706030804020204" pitchFamily="34" charset="0"/>
+              <a:latin typeface="Roboto" panose="02000000000000000000" pitchFamily="2" charset="0"/>
+              <a:ea typeface="Roboto" panose="02000000000000000000" pitchFamily="2" charset="0"/>
               <a:cs typeface="Open Sans SemiBold" panose="020B0706030804020204" pitchFamily="34" charset="0"/>
             </a:endParaRPr>
           </a:p>
@@ -41552,8 +41662,8 @@
         </p:nvSpPr>
         <p:spPr>
           <a:xfrm>
-            <a:off x="4236832" y="1321816"/>
-            <a:ext cx="3634328" cy="1082284"/>
+            <a:off x="4307364" y="1321816"/>
+            <a:ext cx="3493264" cy="1074718"/>
           </a:xfrm>
           <a:prstGeom prst="rect">
             <a:avLst/>
@@ -41573,15 +41683,15 @@
             </a:pPr>
             <a:r>
               <a:rPr lang="ru-RU" sz="4800" dirty="0" smtClean="0">
-                <a:latin typeface="Open Sans SemiBold" panose="020B0706030804020204" pitchFamily="34" charset="0"/>
-                <a:ea typeface="Open Sans SemiBold" panose="020B0706030804020204" pitchFamily="34" charset="0"/>
+                <a:latin typeface="Roboto" panose="02000000000000000000" pitchFamily="2" charset="0"/>
+                <a:ea typeface="Roboto" panose="02000000000000000000" pitchFamily="2" charset="0"/>
                 <a:cs typeface="Open Sans SemiBold" panose="020B0706030804020204" pitchFamily="34" charset="0"/>
               </a:rPr>
               <a:t>ПРИЗНАКИ</a:t>
             </a:r>
             <a:endParaRPr lang="ru-RU" sz="4800" dirty="0">
-              <a:latin typeface="Open Sans SemiBold" panose="020B0706030804020204" pitchFamily="34" charset="0"/>
-              <a:ea typeface="Open Sans SemiBold" panose="020B0706030804020204" pitchFamily="34" charset="0"/>
+              <a:latin typeface="Roboto" panose="02000000000000000000" pitchFamily="2" charset="0"/>
+              <a:ea typeface="Roboto" panose="02000000000000000000" pitchFamily="2" charset="0"/>
               <a:cs typeface="Open Sans SemiBold" panose="020B0706030804020204" pitchFamily="34" charset="0"/>
             </a:endParaRPr>
           </a:p>
@@ -41675,15 +41785,15 @@
             </a:pPr>
             <a:r>
               <a:rPr lang="ru-RU" sz="4800" dirty="0" smtClean="0">
-                <a:latin typeface="Open Sans SemiBold" panose="020B0706030804020204" pitchFamily="34" charset="0"/>
-                <a:ea typeface="Open Sans SemiBold" panose="020B0706030804020204" pitchFamily="34" charset="0"/>
+                <a:latin typeface="Roboto" panose="02000000000000000000" pitchFamily="2" charset="0"/>
+                <a:ea typeface="Roboto" panose="02000000000000000000" pitchFamily="2" charset="0"/>
                 <a:cs typeface="Open Sans SemiBold" panose="020B0706030804020204" pitchFamily="34" charset="0"/>
               </a:rPr>
               <a:t>ПРОИЗВОДИТЕЛЬНОСТЬ</a:t>
             </a:r>
             <a:endParaRPr lang="ru-RU" sz="4800" dirty="0">
-              <a:latin typeface="Open Sans SemiBold" panose="020B0706030804020204" pitchFamily="34" charset="0"/>
-              <a:ea typeface="Open Sans SemiBold" panose="020B0706030804020204" pitchFamily="34" charset="0"/>
+              <a:latin typeface="Roboto" panose="02000000000000000000" pitchFamily="2" charset="0"/>
+              <a:ea typeface="Roboto" panose="02000000000000000000" pitchFamily="2" charset="0"/>
               <a:cs typeface="Open Sans SemiBold" panose="020B0706030804020204" pitchFamily="34" charset="0"/>
             </a:endParaRPr>
           </a:p>
@@ -41697,8 +41807,8 @@
         </p:nvSpPr>
         <p:spPr>
           <a:xfrm>
-            <a:off x="4236832" y="1321816"/>
-            <a:ext cx="3634328" cy="1082284"/>
+            <a:off x="4307364" y="1321816"/>
+            <a:ext cx="3493264" cy="1074718"/>
           </a:xfrm>
           <a:prstGeom prst="rect">
             <a:avLst/>
@@ -41718,15 +41828,15 @@
             </a:pPr>
             <a:r>
               <a:rPr lang="ru-RU" sz="4800" dirty="0" smtClean="0">
-                <a:latin typeface="Open Sans SemiBold" panose="020B0706030804020204" pitchFamily="34" charset="0"/>
-                <a:ea typeface="Open Sans SemiBold" panose="020B0706030804020204" pitchFamily="34" charset="0"/>
+                <a:latin typeface="Roboto" panose="02000000000000000000" pitchFamily="2" charset="0"/>
+                <a:ea typeface="Roboto" panose="02000000000000000000" pitchFamily="2" charset="0"/>
                 <a:cs typeface="Open Sans SemiBold" panose="020B0706030804020204" pitchFamily="34" charset="0"/>
               </a:rPr>
               <a:t>ПРИЗНАКИ</a:t>
             </a:r>
             <a:endParaRPr lang="ru-RU" sz="4800" dirty="0">
-              <a:latin typeface="Open Sans SemiBold" panose="020B0706030804020204" pitchFamily="34" charset="0"/>
-              <a:ea typeface="Open Sans SemiBold" panose="020B0706030804020204" pitchFamily="34" charset="0"/>
+              <a:latin typeface="Roboto" panose="02000000000000000000" pitchFamily="2" charset="0"/>
+              <a:ea typeface="Roboto" panose="02000000000000000000" pitchFamily="2" charset="0"/>
               <a:cs typeface="Open Sans SemiBold" panose="020B0706030804020204" pitchFamily="34" charset="0"/>
             </a:endParaRPr>
           </a:p>
@@ -41850,15 +41960,15 @@
             </a:pPr>
             <a:r>
               <a:rPr lang="ru-RU" sz="4800" dirty="0" smtClean="0">
-                <a:latin typeface="Open Sans SemiBold" panose="020B0706030804020204" pitchFamily="34" charset="0"/>
-                <a:ea typeface="Open Sans SemiBold" panose="020B0706030804020204" pitchFamily="34" charset="0"/>
+                <a:latin typeface="Roboto" panose="02000000000000000000" pitchFamily="2" charset="0"/>
+                <a:ea typeface="Roboto" panose="02000000000000000000" pitchFamily="2" charset="0"/>
                 <a:cs typeface="Open Sans SemiBold" panose="020B0706030804020204" pitchFamily="34" charset="0"/>
               </a:rPr>
               <a:t>РОЛЬ АРХИТЕКТУРЫ</a:t>
             </a:r>
             <a:endParaRPr lang="ru-RU" sz="4800" dirty="0">
-              <a:latin typeface="Open Sans SemiBold" panose="020B0706030804020204" pitchFamily="34" charset="0"/>
-              <a:ea typeface="Open Sans SemiBold" panose="020B0706030804020204" pitchFamily="34" charset="0"/>
+              <a:latin typeface="Roboto" panose="02000000000000000000" pitchFamily="2" charset="0"/>
+              <a:ea typeface="Roboto" panose="02000000000000000000" pitchFamily="2" charset="0"/>
               <a:cs typeface="Open Sans SemiBold" panose="020B0706030804020204" pitchFamily="34" charset="0"/>
             </a:endParaRPr>
           </a:p>
@@ -41952,15 +42062,15 @@
             </a:pPr>
             <a:r>
               <a:rPr lang="ru-RU" sz="4800" dirty="0" smtClean="0">
-                <a:latin typeface="Open Sans SemiBold" panose="020B0706030804020204" pitchFamily="34" charset="0"/>
-                <a:ea typeface="Open Sans SemiBold" panose="020B0706030804020204" pitchFamily="34" charset="0"/>
+                <a:latin typeface="Roboto" panose="02000000000000000000" pitchFamily="2" charset="0"/>
+                <a:ea typeface="Roboto" panose="02000000000000000000" pitchFamily="2" charset="0"/>
                 <a:cs typeface="Open Sans SemiBold" panose="020B0706030804020204" pitchFamily="34" charset="0"/>
               </a:rPr>
               <a:t>ПОВЕДЕНИЕ</a:t>
             </a:r>
             <a:endParaRPr lang="ru-RU" sz="4800" dirty="0">
-              <a:latin typeface="Open Sans SemiBold" panose="020B0706030804020204" pitchFamily="34" charset="0"/>
-              <a:ea typeface="Open Sans SemiBold" panose="020B0706030804020204" pitchFamily="34" charset="0"/>
+              <a:latin typeface="Roboto" panose="02000000000000000000" pitchFamily="2" charset="0"/>
+              <a:ea typeface="Roboto" panose="02000000000000000000" pitchFamily="2" charset="0"/>
               <a:cs typeface="Open Sans SemiBold" panose="020B0706030804020204" pitchFamily="34" charset="0"/>
             </a:endParaRPr>
           </a:p>
@@ -42153,8 +42263,8 @@
         </p:nvSpPr>
         <p:spPr>
           <a:xfrm>
-            <a:off x="3537923" y="2887858"/>
-            <a:ext cx="5032147" cy="1082284"/>
+            <a:off x="3566777" y="2887858"/>
+            <a:ext cx="4974439" cy="1077218"/>
           </a:xfrm>
           <a:prstGeom prst="rect">
             <a:avLst/>
@@ -42177,31 +42287,31 @@
                 <a:solidFill>
                   <a:srgbClr val="FF0000"/>
                 </a:solidFill>
-                <a:latin typeface="Open Sans SemiBold" panose="020B0706030804020204" pitchFamily="34" charset="0"/>
-                <a:ea typeface="Open Sans SemiBold" panose="020B0706030804020204" pitchFamily="34" charset="0"/>
+                <a:latin typeface="Roboto" panose="02000000000000000000" pitchFamily="2" charset="0"/>
+                <a:ea typeface="Roboto" panose="02000000000000000000" pitchFamily="2" charset="0"/>
                 <a:cs typeface="Open Sans SemiBold" panose="020B0706030804020204" pitchFamily="34" charset="0"/>
               </a:rPr>
               <a:t>LEGACY</a:t>
             </a:r>
             <a:r>
               <a:rPr lang="en-US" sz="4800" dirty="0" smtClean="0">
-                <a:latin typeface="Open Sans SemiBold" panose="020B0706030804020204" pitchFamily="34" charset="0"/>
-                <a:ea typeface="Open Sans SemiBold" panose="020B0706030804020204" pitchFamily="34" charset="0"/>
+                <a:latin typeface="Roboto" panose="02000000000000000000" pitchFamily="2" charset="0"/>
+                <a:ea typeface="Roboto" panose="02000000000000000000" pitchFamily="2" charset="0"/>
                 <a:cs typeface="Open Sans SemiBold" panose="020B0706030804020204" pitchFamily="34" charset="0"/>
               </a:rPr>
               <a:t> </a:t>
             </a:r>
             <a:r>
               <a:rPr lang="ru-RU" sz="4800" dirty="0" smtClean="0">
-                <a:latin typeface="Open Sans SemiBold" panose="020B0706030804020204" pitchFamily="34" charset="0"/>
-                <a:ea typeface="Open Sans SemiBold" panose="020B0706030804020204" pitchFamily="34" charset="0"/>
+                <a:latin typeface="Roboto" panose="02000000000000000000" pitchFamily="2" charset="0"/>
+                <a:ea typeface="Roboto" panose="02000000000000000000" pitchFamily="2" charset="0"/>
                 <a:cs typeface="Open Sans SemiBold" panose="020B0706030804020204" pitchFamily="34" charset="0"/>
               </a:rPr>
               <a:t>ПРОЕКТ</a:t>
             </a:r>
             <a:endParaRPr lang="ru-RU" sz="4800" dirty="0">
-              <a:latin typeface="Open Sans SemiBold" panose="020B0706030804020204" pitchFamily="34" charset="0"/>
-              <a:ea typeface="Open Sans SemiBold" panose="020B0706030804020204" pitchFamily="34" charset="0"/>
+              <a:latin typeface="Roboto" panose="02000000000000000000" pitchFamily="2" charset="0"/>
+              <a:ea typeface="Roboto" panose="02000000000000000000" pitchFamily="2" charset="0"/>
               <a:cs typeface="Open Sans SemiBold" panose="020B0706030804020204" pitchFamily="34" charset="0"/>
             </a:endParaRPr>
           </a:p>
@@ -42295,15 +42405,15 @@
             </a:pPr>
             <a:r>
               <a:rPr lang="ru-RU" sz="4800" dirty="0" smtClean="0">
-                <a:latin typeface="Open Sans SemiBold" panose="020B0706030804020204" pitchFamily="34" charset="0"/>
-                <a:ea typeface="Open Sans SemiBold" panose="020B0706030804020204" pitchFamily="34" charset="0"/>
+                <a:latin typeface="Roboto" panose="02000000000000000000" pitchFamily="2" charset="0"/>
+                <a:ea typeface="Roboto" panose="02000000000000000000" pitchFamily="2" charset="0"/>
                 <a:cs typeface="Open Sans SemiBold" panose="020B0706030804020204" pitchFamily="34" charset="0"/>
               </a:rPr>
               <a:t>УСЛОВИЯ ПРОЕКТА</a:t>
             </a:r>
             <a:endParaRPr lang="ru-RU" sz="4800" dirty="0">
-              <a:latin typeface="Open Sans SemiBold" panose="020B0706030804020204" pitchFamily="34" charset="0"/>
-              <a:ea typeface="Open Sans SemiBold" panose="020B0706030804020204" pitchFamily="34" charset="0"/>
+              <a:latin typeface="Roboto" panose="02000000000000000000" pitchFamily="2" charset="0"/>
+              <a:ea typeface="Roboto" panose="02000000000000000000" pitchFamily="2" charset="0"/>
               <a:cs typeface="Open Sans SemiBold" panose="020B0706030804020204" pitchFamily="34" charset="0"/>
             </a:endParaRPr>
           </a:p>
@@ -42397,15 +42507,15 @@
             </a:pPr>
             <a:r>
               <a:rPr lang="ru-RU" sz="4800" dirty="0" smtClean="0">
-                <a:latin typeface="Open Sans SemiBold" panose="020B0706030804020204" pitchFamily="34" charset="0"/>
-                <a:ea typeface="Open Sans SemiBold" panose="020B0706030804020204" pitchFamily="34" charset="0"/>
+                <a:latin typeface="Roboto" panose="02000000000000000000" pitchFamily="2" charset="0"/>
+                <a:ea typeface="Roboto" panose="02000000000000000000" pitchFamily="2" charset="0"/>
                 <a:cs typeface="Open Sans SemiBold" panose="020B0706030804020204" pitchFamily="34" charset="0"/>
               </a:rPr>
               <a:t>УСЛОВИЯ ПРОЕКТА</a:t>
             </a:r>
             <a:endParaRPr lang="ru-RU" sz="4800" dirty="0">
-              <a:latin typeface="Open Sans SemiBold" panose="020B0706030804020204" pitchFamily="34" charset="0"/>
-              <a:ea typeface="Open Sans SemiBold" panose="020B0706030804020204" pitchFamily="34" charset="0"/>
+              <a:latin typeface="Roboto" panose="02000000000000000000" pitchFamily="2" charset="0"/>
+              <a:ea typeface="Roboto" panose="02000000000000000000" pitchFamily="2" charset="0"/>
               <a:cs typeface="Open Sans SemiBold" panose="020B0706030804020204" pitchFamily="34" charset="0"/>
             </a:endParaRPr>
           </a:p>
@@ -42589,15 +42699,15 @@
             </a:pPr>
             <a:r>
               <a:rPr lang="ru-RU" sz="4800" dirty="0" smtClean="0">
-                <a:latin typeface="Open Sans SemiBold" panose="020B0706030804020204" pitchFamily="34" charset="0"/>
-                <a:ea typeface="Open Sans SemiBold" panose="020B0706030804020204" pitchFamily="34" charset="0"/>
+                <a:latin typeface="Roboto" panose="02000000000000000000" pitchFamily="2" charset="0"/>
+                <a:ea typeface="Roboto" panose="02000000000000000000" pitchFamily="2" charset="0"/>
                 <a:cs typeface="Open Sans SemiBold" panose="020B0706030804020204" pitchFamily="34" charset="0"/>
               </a:rPr>
               <a:t>УСЛОВИЯ ПРОЕКТА</a:t>
             </a:r>
             <a:endParaRPr lang="ru-RU" sz="4800" dirty="0">
-              <a:latin typeface="Open Sans SemiBold" panose="020B0706030804020204" pitchFamily="34" charset="0"/>
-              <a:ea typeface="Open Sans SemiBold" panose="020B0706030804020204" pitchFamily="34" charset="0"/>
+              <a:latin typeface="Roboto" panose="02000000000000000000" pitchFamily="2" charset="0"/>
+              <a:ea typeface="Roboto" panose="02000000000000000000" pitchFamily="2" charset="0"/>
               <a:cs typeface="Open Sans SemiBold" panose="020B0706030804020204" pitchFamily="34" charset="0"/>
             </a:endParaRPr>
           </a:p>
@@ -42611,8 +42721,8 @@
         </p:nvSpPr>
         <p:spPr>
           <a:xfrm>
-            <a:off x="3032178" y="4474920"/>
-            <a:ext cx="6043642" cy="1082284"/>
+            <a:off x="3148396" y="4474920"/>
+            <a:ext cx="5811206" cy="1074718"/>
           </a:xfrm>
           <a:prstGeom prst="rect">
             <a:avLst/>
@@ -42632,15 +42742,15 @@
             </a:pPr>
             <a:r>
               <a:rPr lang="ru-RU" sz="4800" dirty="0" smtClean="0">
-                <a:latin typeface="Open Sans SemiBold" panose="020B0706030804020204" pitchFamily="34" charset="0"/>
-                <a:ea typeface="Open Sans SemiBold" panose="020B0706030804020204" pitchFamily="34" charset="0"/>
+                <a:latin typeface="Roboto" panose="02000000000000000000" pitchFamily="2" charset="0"/>
+                <a:ea typeface="Roboto" panose="02000000000000000000" pitchFamily="2" charset="0"/>
                 <a:cs typeface="Open Sans SemiBold" panose="020B0706030804020204" pitchFamily="34" charset="0"/>
               </a:rPr>
               <a:t>ПРОЕКТИРОВАНИЕ</a:t>
             </a:r>
             <a:endParaRPr lang="ru-RU" sz="4800" dirty="0">
-              <a:latin typeface="Open Sans SemiBold" panose="020B0706030804020204" pitchFamily="34" charset="0"/>
-              <a:ea typeface="Open Sans SemiBold" panose="020B0706030804020204" pitchFamily="34" charset="0"/>
+              <a:latin typeface="Roboto" panose="02000000000000000000" pitchFamily="2" charset="0"/>
+              <a:ea typeface="Roboto" panose="02000000000000000000" pitchFamily="2" charset="0"/>
               <a:cs typeface="Open Sans SemiBold" panose="020B0706030804020204" pitchFamily="34" charset="0"/>
             </a:endParaRPr>
           </a:p>
@@ -42764,15 +42874,15 @@
             </a:pPr>
             <a:r>
               <a:rPr lang="ru-RU" sz="4800" dirty="0" smtClean="0">
-                <a:latin typeface="Open Sans SemiBold" panose="020B0706030804020204" pitchFamily="34" charset="0"/>
-                <a:ea typeface="Open Sans SemiBold" panose="020B0706030804020204" pitchFamily="34" charset="0"/>
+                <a:latin typeface="Roboto" panose="02000000000000000000" pitchFamily="2" charset="0"/>
+                <a:ea typeface="Roboto" panose="02000000000000000000" pitchFamily="2" charset="0"/>
                 <a:cs typeface="Open Sans SemiBold" panose="020B0706030804020204" pitchFamily="34" charset="0"/>
               </a:rPr>
               <a:t>ПАТТЕРНЫ</a:t>
             </a:r>
             <a:endParaRPr lang="ru-RU" sz="4800" dirty="0">
-              <a:latin typeface="Open Sans SemiBold" panose="020B0706030804020204" pitchFamily="34" charset="0"/>
-              <a:ea typeface="Open Sans SemiBold" panose="020B0706030804020204" pitchFamily="34" charset="0"/>
+              <a:latin typeface="Roboto" panose="02000000000000000000" pitchFamily="2" charset="0"/>
+              <a:ea typeface="Roboto" panose="02000000000000000000" pitchFamily="2" charset="0"/>
               <a:cs typeface="Open Sans SemiBold" panose="020B0706030804020204" pitchFamily="34" charset="0"/>
             </a:endParaRPr>
           </a:p>
@@ -42845,8 +42955,8 @@
         </p:nvSpPr>
         <p:spPr>
           <a:xfrm>
-            <a:off x="408873" y="2887858"/>
-            <a:ext cx="11290270" cy="1200329"/>
+            <a:off x="2511525" y="2336393"/>
+            <a:ext cx="7168950" cy="2185214"/>
           </a:xfrm>
           <a:prstGeom prst="rect">
             <a:avLst/>
@@ -42866,19 +42976,31 @@
             </a:pPr>
             <a:r>
               <a:rPr lang="ru-RU" sz="4800" dirty="0" smtClean="0">
-                <a:latin typeface="Open Sans SemiBold" panose="020B0706030804020204" pitchFamily="34" charset="0"/>
-                <a:ea typeface="Open Sans SemiBold" panose="020B0706030804020204" pitchFamily="34" charset="0"/>
+                <a:latin typeface="Roboto" panose="02000000000000000000" pitchFamily="2" charset="0"/>
+                <a:ea typeface="Roboto" panose="02000000000000000000" pitchFamily="2" charset="0"/>
                 <a:cs typeface="Open Sans SemiBold" panose="020B0706030804020204" pitchFamily="34" charset="0"/>
               </a:rPr>
-              <a:t>ПРОЕКТИРОВАНИЕ ЭТО </a:t>
-            </a:r>
+              <a:t>ПРОЕКТИРОВАНИЕ ЭТО</a:t>
+            </a:r>
+            <a:endParaRPr lang="en-US" sz="4800" dirty="0" smtClean="0">
+              <a:latin typeface="Roboto" panose="02000000000000000000" pitchFamily="2" charset="0"/>
+              <a:ea typeface="Roboto" panose="02000000000000000000" pitchFamily="2" charset="0"/>
+              <a:cs typeface="Open Sans SemiBold" panose="020B0706030804020204" pitchFamily="34" charset="0"/>
+            </a:endParaRPr>
+          </a:p>
+          <a:p>
+            <a:pPr algn="ctr">
+              <a:lnSpc>
+                <a:spcPct val="150000"/>
+              </a:lnSpc>
+            </a:pPr>
             <a:r>
               <a:rPr lang="ru-RU" sz="4800" dirty="0" smtClean="0">
                 <a:solidFill>
                   <a:srgbClr val="FF0000"/>
                 </a:solidFill>
-                <a:latin typeface="Open Sans SemiBold" panose="020B0706030804020204" pitchFamily="34" charset="0"/>
-                <a:ea typeface="Open Sans SemiBold" panose="020B0706030804020204" pitchFamily="34" charset="0"/>
+                <a:latin typeface="Roboto" panose="02000000000000000000" pitchFamily="2" charset="0"/>
+                <a:ea typeface="Roboto" panose="02000000000000000000" pitchFamily="2" charset="0"/>
                 <a:cs typeface="Open Sans SemiBold" panose="020B0706030804020204" pitchFamily="34" charset="0"/>
               </a:rPr>
               <a:t>ИНТЕРЕСНО</a:t>
@@ -42887,8 +43009,8 @@
               <a:solidFill>
                 <a:srgbClr val="FF0000"/>
               </a:solidFill>
-              <a:latin typeface="Open Sans SemiBold" panose="020B0706030804020204" pitchFamily="34" charset="0"/>
-              <a:ea typeface="Open Sans SemiBold" panose="020B0706030804020204" pitchFamily="34" charset="0"/>
+              <a:latin typeface="Roboto" panose="02000000000000000000" pitchFamily="2" charset="0"/>
+              <a:ea typeface="Roboto" panose="02000000000000000000" pitchFamily="2" charset="0"/>
               <a:cs typeface="Open Sans SemiBold" panose="020B0706030804020204" pitchFamily="34" charset="0"/>
             </a:endParaRPr>
           </a:p>
@@ -43105,31 +43227,43 @@
       </p:sp>
       <p:pic>
         <p:nvPicPr>
-          <p:cNvPr id="85" name="Image" descr="Image"/>
+          <p:cNvPr id="1026" name="Picture 2" descr="http://qrcoder.ru/code/?https%3A%2F%2Fconf.ontico.ru%2Fonline%2Ffc2022%2Fdetails%2F4532093&amp;10&amp;0"/>
           <p:cNvPicPr>
-            <a:picLocks noChangeAspect="1"/>
+            <a:picLocks noChangeAspect="1" noChangeArrowheads="1"/>
           </p:cNvPicPr>
           <p:nvPr/>
         </p:nvPicPr>
         <p:blipFill>
           <a:blip r:embed="rId3">
-            <a:extLst/>
+            <a:extLst>
+              <a:ext uri="{28A0092B-C50C-407E-A947-70E740481C1C}">
+                <a14:useLocalDpi xmlns:a14="http://schemas.microsoft.com/office/drawing/2010/main" val="0"/>
+              </a:ext>
+            </a:extLst>
           </a:blip>
+          <a:srcRect/>
           <a:stretch>
             <a:fillRect/>
           </a:stretch>
         </p:blipFill>
-        <p:spPr>
+        <p:spPr bwMode="auto">
           <a:xfrm>
-            <a:off x="6865503" y="681518"/>
-            <a:ext cx="4560014" cy="4560014"/>
+            <a:off x="7188873" y="773217"/>
+            <a:ext cx="4376612" cy="4376613"/>
           </a:xfrm>
           <a:prstGeom prst="rect">
             <a:avLst/>
           </a:prstGeom>
-          <a:ln w="12700">
-            <a:miter lim="400000"/>
-          </a:ln>
+          <a:noFill/>
+          <a:extLst>
+            <a:ext uri="{909E8E84-426E-40DD-AFC4-6F175D3DCCD1}">
+              <a14:hiddenFill xmlns:a14="http://schemas.microsoft.com/office/drawing/2010/main">
+                <a:solidFill>
+                  <a:srgbClr val="FFFFFF"/>
+                </a:solidFill>
+              </a14:hiddenFill>
+            </a:ext>
+          </a:extLst>
         </p:spPr>
       </p:pic>
     </p:spTree>
@@ -43142,11 +43276,11 @@
   <p:clrMapOvr>
     <a:masterClrMapping/>
   </p:clrMapOvr>
-  <mc:AlternateContent xmlns:mc="http://schemas.openxmlformats.org/markup-compatibility/2006">
-    <mc:Choice xmlns:p14="http://schemas.microsoft.com/office/powerpoint/2010/main" Requires="p14">
+  <mc:AlternateContent xmlns:mc="http://schemas.openxmlformats.org/markup-compatibility/2006" xmlns:p14="http://schemas.microsoft.com/office/powerpoint/2010/main">
+    <mc:Choice Requires="p14">
       <p:transition spd="slow" p14:dur="2000"/>
     </mc:Choice>
-    <mc:Fallback>
+    <mc:Fallback xmlns="">
       <p:transition spd="slow"/>
     </mc:Fallback>
   </mc:AlternateContent>
@@ -43213,15 +43347,15 @@
             </a:pPr>
             <a:r>
               <a:rPr lang="ru-RU" sz="4800" dirty="0" smtClean="0">
-                <a:latin typeface="Open Sans SemiBold" panose="020B0706030804020204" pitchFamily="34" charset="0"/>
-                <a:ea typeface="Open Sans SemiBold" panose="020B0706030804020204" pitchFamily="34" charset="0"/>
+                <a:latin typeface="Roboto" panose="02000000000000000000" pitchFamily="2" charset="0"/>
+                <a:ea typeface="Roboto" panose="02000000000000000000" pitchFamily="2" charset="0"/>
                 <a:cs typeface="Open Sans SemiBold" panose="020B0706030804020204" pitchFamily="34" charset="0"/>
               </a:rPr>
               <a:t>ЭФФЕКТ</a:t>
             </a:r>
             <a:endParaRPr lang="ru-RU" sz="4800" dirty="0">
-              <a:latin typeface="Open Sans SemiBold" panose="020B0706030804020204" pitchFamily="34" charset="0"/>
-              <a:ea typeface="Open Sans SemiBold" panose="020B0706030804020204" pitchFamily="34" charset="0"/>
+              <a:latin typeface="Roboto" panose="02000000000000000000" pitchFamily="2" charset="0"/>
+              <a:ea typeface="Roboto" panose="02000000000000000000" pitchFamily="2" charset="0"/>
               <a:cs typeface="Open Sans SemiBold" panose="020B0706030804020204" pitchFamily="34" charset="0"/>
             </a:endParaRPr>
           </a:p>

--- a/Презентация.pptx
+++ b/Презентация.pptx
@@ -61,6 +61,15 @@
     <p:sldId id="313" r:id="rId55"/>
     <p:sldId id="311" r:id="rId56"/>
     <p:sldId id="312" r:id="rId57"/>
+    <p:sldId id="317" r:id="rId58"/>
+    <p:sldId id="318" r:id="rId59"/>
+    <p:sldId id="322" r:id="rId60"/>
+    <p:sldId id="321" r:id="rId61"/>
+    <p:sldId id="319" r:id="rId62"/>
+    <p:sldId id="320" r:id="rId63"/>
+    <p:sldId id="324" r:id="rId64"/>
+    <p:sldId id="325" r:id="rId65"/>
+    <p:sldId id="326" r:id="rId66"/>
   </p:sldIdLst>
   <p:sldSz cx="12192000" cy="6858000"/>
   <p:notesSz cx="6858000" cy="9144000"/>
@@ -298,7 +307,7 @@
           <a:p>
             <a:fld id="{FB0F9C91-61B1-43BC-AD78-8CB0959C93C0}" type="datetimeFigureOut">
               <a:rPr lang="en-US" smtClean="0"/>
-              <a:t>2/25/2023</a:t>
+              <a:t>3/4/2023</a:t>
             </a:fld>
             <a:endParaRPr lang="en-US"/>
           </a:p>
@@ -468,7 +477,7 @@
           <a:p>
             <a:fld id="{FB0F9C91-61B1-43BC-AD78-8CB0959C93C0}" type="datetimeFigureOut">
               <a:rPr lang="en-US" smtClean="0"/>
-              <a:t>2/25/2023</a:t>
+              <a:t>3/4/2023</a:t>
             </a:fld>
             <a:endParaRPr lang="en-US"/>
           </a:p>
@@ -648,7 +657,7 @@
           <a:p>
             <a:fld id="{FB0F9C91-61B1-43BC-AD78-8CB0959C93C0}" type="datetimeFigureOut">
               <a:rPr lang="en-US" smtClean="0"/>
-              <a:t>2/25/2023</a:t>
+              <a:t>3/4/2023</a:t>
             </a:fld>
             <a:endParaRPr lang="en-US"/>
           </a:p>
@@ -818,7 +827,7 @@
           <a:p>
             <a:fld id="{FB0F9C91-61B1-43BC-AD78-8CB0959C93C0}" type="datetimeFigureOut">
               <a:rPr lang="en-US" smtClean="0"/>
-              <a:t>2/25/2023</a:t>
+              <a:t>3/4/2023</a:t>
             </a:fld>
             <a:endParaRPr lang="en-US"/>
           </a:p>
@@ -1064,7 +1073,7 @@
           <a:p>
             <a:fld id="{FB0F9C91-61B1-43BC-AD78-8CB0959C93C0}" type="datetimeFigureOut">
               <a:rPr lang="en-US" smtClean="0"/>
-              <a:t>2/25/2023</a:t>
+              <a:t>3/4/2023</a:t>
             </a:fld>
             <a:endParaRPr lang="en-US"/>
           </a:p>
@@ -1296,7 +1305,7 @@
           <a:p>
             <a:fld id="{FB0F9C91-61B1-43BC-AD78-8CB0959C93C0}" type="datetimeFigureOut">
               <a:rPr lang="en-US" smtClean="0"/>
-              <a:t>2/25/2023</a:t>
+              <a:t>3/4/2023</a:t>
             </a:fld>
             <a:endParaRPr lang="en-US"/>
           </a:p>
@@ -1663,7 +1672,7 @@
           <a:p>
             <a:fld id="{FB0F9C91-61B1-43BC-AD78-8CB0959C93C0}" type="datetimeFigureOut">
               <a:rPr lang="en-US" smtClean="0"/>
-              <a:t>2/25/2023</a:t>
+              <a:t>3/4/2023</a:t>
             </a:fld>
             <a:endParaRPr lang="en-US"/>
           </a:p>
@@ -1781,7 +1790,7 @@
           <a:p>
             <a:fld id="{FB0F9C91-61B1-43BC-AD78-8CB0959C93C0}" type="datetimeFigureOut">
               <a:rPr lang="en-US" smtClean="0"/>
-              <a:t>2/25/2023</a:t>
+              <a:t>3/4/2023</a:t>
             </a:fld>
             <a:endParaRPr lang="en-US"/>
           </a:p>
@@ -1876,7 +1885,7 @@
           <a:p>
             <a:fld id="{FB0F9C91-61B1-43BC-AD78-8CB0959C93C0}" type="datetimeFigureOut">
               <a:rPr lang="en-US" smtClean="0"/>
-              <a:t>2/25/2023</a:t>
+              <a:t>3/4/2023</a:t>
             </a:fld>
             <a:endParaRPr lang="en-US"/>
           </a:p>
@@ -2153,7 +2162,7 @@
           <a:p>
             <a:fld id="{FB0F9C91-61B1-43BC-AD78-8CB0959C93C0}" type="datetimeFigureOut">
               <a:rPr lang="en-US" smtClean="0"/>
-              <a:t>2/25/2023</a:t>
+              <a:t>3/4/2023</a:t>
             </a:fld>
             <a:endParaRPr lang="en-US"/>
           </a:p>
@@ -2406,7 +2415,7 @@
           <a:p>
             <a:fld id="{FB0F9C91-61B1-43BC-AD78-8CB0959C93C0}" type="datetimeFigureOut">
               <a:rPr lang="en-US" smtClean="0"/>
-              <a:t>2/25/2023</a:t>
+              <a:t>3/4/2023</a:t>
             </a:fld>
             <a:endParaRPr lang="en-US"/>
           </a:p>
@@ -2619,7 +2628,7 @@
           <a:p>
             <a:fld id="{FB0F9C91-61B1-43BC-AD78-8CB0959C93C0}" type="datetimeFigureOut">
               <a:rPr lang="en-US" smtClean="0"/>
-              <a:t>2/25/2023</a:t>
+              <a:t>3/4/2023</a:t>
             </a:fld>
             <a:endParaRPr lang="en-US"/>
           </a:p>
@@ -14935,19 +14944,7 @@
                 <a:latin typeface="Roboto" panose="02000000000000000000" pitchFamily="2" charset="0"/>
                 <a:ea typeface="Roboto" panose="02000000000000000000" pitchFamily="2" charset="0"/>
               </a:rPr>
-              <a:t> </a:t>
-            </a:r>
-            <a:r>
-              <a:rPr lang="en-US" sz="2800" dirty="0" smtClean="0">
-                <a:solidFill>
-                  <a:schemeClr val="accent1">
-                    <a:lumMod val="75000"/>
-                  </a:schemeClr>
-                </a:solidFill>
-                <a:latin typeface="Roboto" panose="02000000000000000000" pitchFamily="2" charset="0"/>
-                <a:ea typeface="Roboto" panose="02000000000000000000" pitchFamily="2" charset="0"/>
-              </a:rPr>
-              <a:t>a:</a:t>
+              <a:t> a:</a:t>
             </a:r>
             <a:r>
               <a:rPr lang="en-US" sz="2800" dirty="0" smtClean="0">
@@ -16638,19 +16635,7 @@
                 <a:latin typeface="Roboto" panose="02000000000000000000" pitchFamily="2" charset="0"/>
                 <a:ea typeface="Roboto" panose="02000000000000000000" pitchFamily="2" charset="0"/>
               </a:rPr>
-              <a:t> </a:t>
-            </a:r>
-            <a:r>
-              <a:rPr lang="en-US" sz="2800" dirty="0" smtClean="0">
-                <a:solidFill>
-                  <a:schemeClr val="accent1">
-                    <a:lumMod val="75000"/>
-                  </a:schemeClr>
-                </a:solidFill>
-                <a:latin typeface="Roboto" panose="02000000000000000000" pitchFamily="2" charset="0"/>
-                <a:ea typeface="Roboto" panose="02000000000000000000" pitchFamily="2" charset="0"/>
-              </a:rPr>
-              <a:t>a:</a:t>
+              <a:t> a:</a:t>
             </a:r>
             <a:r>
               <a:rPr lang="en-US" sz="2800" dirty="0" smtClean="0">
@@ -17855,19 +17840,7 @@
                 <a:latin typeface="Roboto" panose="02000000000000000000" pitchFamily="2" charset="0"/>
                 <a:ea typeface="Roboto" panose="02000000000000000000" pitchFamily="2" charset="0"/>
               </a:rPr>
-              <a:t> </a:t>
-            </a:r>
-            <a:r>
-              <a:rPr lang="en-US" sz="2800" dirty="0" smtClean="0">
-                <a:solidFill>
-                  <a:schemeClr val="accent1">
-                    <a:lumMod val="75000"/>
-                  </a:schemeClr>
-                </a:solidFill>
-                <a:latin typeface="Roboto" panose="02000000000000000000" pitchFamily="2" charset="0"/>
-                <a:ea typeface="Roboto" panose="02000000000000000000" pitchFamily="2" charset="0"/>
-              </a:rPr>
-              <a:t>a:</a:t>
+              <a:t> a:</a:t>
             </a:r>
             <a:r>
               <a:rPr lang="en-US" sz="2800" dirty="0" smtClean="0">
@@ -18894,19 +18867,7 @@
                 <a:latin typeface="Roboto" panose="02000000000000000000" pitchFamily="2" charset="0"/>
                 <a:ea typeface="Roboto" panose="02000000000000000000" pitchFamily="2" charset="0"/>
               </a:rPr>
-              <a:t> </a:t>
-            </a:r>
-            <a:r>
-              <a:rPr lang="en-US" sz="2800" dirty="0" smtClean="0">
-                <a:solidFill>
-                  <a:schemeClr val="accent1">
-                    <a:lumMod val="75000"/>
-                  </a:schemeClr>
-                </a:solidFill>
-                <a:latin typeface="Roboto" panose="02000000000000000000" pitchFamily="2" charset="0"/>
-                <a:ea typeface="Roboto" panose="02000000000000000000" pitchFamily="2" charset="0"/>
-              </a:rPr>
-              <a:t>a:</a:t>
+              <a:t> a:</a:t>
             </a:r>
             <a:r>
               <a:rPr lang="en-US" sz="2800" dirty="0" smtClean="0">
@@ -19457,19 +19418,7 @@
                 <a:latin typeface="Roboto" panose="02000000000000000000" pitchFamily="2" charset="0"/>
                 <a:ea typeface="Roboto" panose="02000000000000000000" pitchFamily="2" charset="0"/>
               </a:rPr>
-              <a:t> </a:t>
-            </a:r>
-            <a:r>
-              <a:rPr lang="en-US" sz="2800" dirty="0" smtClean="0">
-                <a:solidFill>
-                  <a:schemeClr val="accent1">
-                    <a:lumMod val="75000"/>
-                  </a:schemeClr>
-                </a:solidFill>
-                <a:latin typeface="Roboto" panose="02000000000000000000" pitchFamily="2" charset="0"/>
-                <a:ea typeface="Roboto" panose="02000000000000000000" pitchFamily="2" charset="0"/>
-              </a:rPr>
-              <a:t>a:</a:t>
+              <a:t> a:</a:t>
             </a:r>
             <a:r>
               <a:rPr lang="en-US" sz="2800" dirty="0" smtClean="0">
@@ -19609,19 +19558,7 @@
                 <a:latin typeface="Roboto" panose="02000000000000000000" pitchFamily="2" charset="0"/>
                 <a:ea typeface="Roboto" panose="02000000000000000000" pitchFamily="2" charset="0"/>
               </a:rPr>
-              <a:t> b</a:t>
-            </a:r>
-            <a:r>
-              <a:rPr lang="en-US" sz="2800" dirty="0" smtClean="0">
-                <a:solidFill>
-                  <a:schemeClr val="accent1">
-                    <a:lumMod val="75000"/>
-                  </a:schemeClr>
-                </a:solidFill>
-                <a:latin typeface="Roboto" panose="02000000000000000000" pitchFamily="2" charset="0"/>
-                <a:ea typeface="Roboto" panose="02000000000000000000" pitchFamily="2" charset="0"/>
-              </a:rPr>
-              <a:t>:</a:t>
+              <a:t> b:</a:t>
             </a:r>
             <a:r>
               <a:rPr lang="en-US" sz="2800" dirty="0" smtClean="0">
@@ -20172,19 +20109,7 @@
                 <a:latin typeface="Roboto" panose="02000000000000000000" pitchFamily="2" charset="0"/>
                 <a:ea typeface="Roboto" panose="02000000000000000000" pitchFamily="2" charset="0"/>
               </a:rPr>
-              <a:t> </a:t>
-            </a:r>
-            <a:r>
-              <a:rPr lang="en-US" sz="2800" dirty="0" smtClean="0">
-                <a:solidFill>
-                  <a:schemeClr val="accent1">
-                    <a:lumMod val="75000"/>
-                  </a:schemeClr>
-                </a:solidFill>
-                <a:latin typeface="Roboto" panose="02000000000000000000" pitchFamily="2" charset="0"/>
-                <a:ea typeface="Roboto" panose="02000000000000000000" pitchFamily="2" charset="0"/>
-              </a:rPr>
-              <a:t>a:</a:t>
+              <a:t> a:</a:t>
             </a:r>
             <a:r>
               <a:rPr lang="en-US" sz="2800" dirty="0" smtClean="0">
@@ -20324,19 +20249,7 @@
                 <a:latin typeface="Roboto" panose="02000000000000000000" pitchFamily="2" charset="0"/>
                 <a:ea typeface="Roboto" panose="02000000000000000000" pitchFamily="2" charset="0"/>
               </a:rPr>
-              <a:t> b</a:t>
-            </a:r>
-            <a:r>
-              <a:rPr lang="en-US" sz="2800" dirty="0" smtClean="0">
-                <a:solidFill>
-                  <a:schemeClr val="accent1">
-                    <a:lumMod val="75000"/>
-                  </a:schemeClr>
-                </a:solidFill>
-                <a:latin typeface="Roboto" panose="02000000000000000000" pitchFamily="2" charset="0"/>
-                <a:ea typeface="Roboto" panose="02000000000000000000" pitchFamily="2" charset="0"/>
-              </a:rPr>
-              <a:t>:</a:t>
+              <a:t> b:</a:t>
             </a:r>
             <a:r>
               <a:rPr lang="en-US" sz="2800" dirty="0" smtClean="0">
@@ -20476,22 +20389,32 @@
                 <a:latin typeface="Roboto" panose="02000000000000000000" pitchFamily="2" charset="0"/>
                 <a:ea typeface="Roboto" panose="02000000000000000000" pitchFamily="2" charset="0"/>
               </a:rPr>
+              <a:t> a:</a:t>
+            </a:r>
+            <a:r>
+              <a:rPr lang="en-US" sz="2800" dirty="0" smtClean="0">
+                <a:latin typeface="Roboto" panose="02000000000000000000" pitchFamily="2" charset="0"/>
+                <a:ea typeface="Roboto" panose="02000000000000000000" pitchFamily="2" charset="0"/>
+              </a:rPr>
               <a:t> </a:t>
             </a:r>
             <a:r>
               <a:rPr lang="en-US" sz="2800" dirty="0" smtClean="0">
                 <a:solidFill>
-                  <a:schemeClr val="accent1">
-                    <a:lumMod val="75000"/>
-                  </a:schemeClr>
-                </a:solidFill>
-                <a:latin typeface="Roboto" panose="02000000000000000000" pitchFamily="2" charset="0"/>
-                <a:ea typeface="Roboto" panose="02000000000000000000" pitchFamily="2" charset="0"/>
-              </a:rPr>
-              <a:t>a:</a:t>
-            </a:r>
-            <a:r>
-              <a:rPr lang="en-US" sz="2800" dirty="0" smtClean="0">
+                  <a:srgbClr val="C00000"/>
+                </a:solidFill>
+                <a:latin typeface="Roboto" panose="02000000000000000000" pitchFamily="2" charset="0"/>
+                <a:ea typeface="Roboto" panose="02000000000000000000" pitchFamily="2" charset="0"/>
+              </a:rPr>
+              <a:t>12,</a:t>
+            </a:r>
+          </a:p>
+          <a:p>
+            <a:r>
+              <a:rPr lang="en-US" sz="2800" dirty="0">
+                <a:solidFill>
+                  <a:srgbClr val="C00000"/>
+                </a:solidFill>
                 <a:latin typeface="Roboto" panose="02000000000000000000" pitchFamily="2" charset="0"/>
                 <a:ea typeface="Roboto" panose="02000000000000000000" pitchFamily="2" charset="0"/>
               </a:rPr>
@@ -20505,57 +20428,28 @@
                 <a:latin typeface="Roboto" panose="02000000000000000000" pitchFamily="2" charset="0"/>
                 <a:ea typeface="Roboto" panose="02000000000000000000" pitchFamily="2" charset="0"/>
               </a:rPr>
-              <a:t>12,</a:t>
-            </a:r>
-          </a:p>
-          <a:p>
-            <a:r>
-              <a:rPr lang="en-US" sz="2800" dirty="0">
+              <a:t> </a:t>
+            </a:r>
+            <a:r>
+              <a:rPr lang="en-US" sz="2800" dirty="0" smtClean="0">
+                <a:solidFill>
+                  <a:srgbClr val="0070C0"/>
+                </a:solidFill>
+                <a:latin typeface="Roboto" panose="02000000000000000000" pitchFamily="2" charset="0"/>
+                <a:ea typeface="Roboto" panose="02000000000000000000" pitchFamily="2" charset="0"/>
+              </a:rPr>
+              <a:t>b:</a:t>
+            </a:r>
+            <a:r>
+              <a:rPr lang="en-US" sz="2800" dirty="0" smtClean="0">
                 <a:solidFill>
                   <a:srgbClr val="C00000"/>
                 </a:solidFill>
                 <a:latin typeface="Roboto" panose="02000000000000000000" pitchFamily="2" charset="0"/>
                 <a:ea typeface="Roboto" panose="02000000000000000000" pitchFamily="2" charset="0"/>
               </a:rPr>
-              <a:t> </a:t>
-            </a:r>
-            <a:r>
-              <a:rPr lang="en-US" sz="2800" dirty="0" smtClean="0">
-                <a:solidFill>
-                  <a:srgbClr val="C00000"/>
-                </a:solidFill>
-                <a:latin typeface="Roboto" panose="02000000000000000000" pitchFamily="2" charset="0"/>
-                <a:ea typeface="Roboto" panose="02000000000000000000" pitchFamily="2" charset="0"/>
-              </a:rPr>
-              <a:t> </a:t>
-            </a:r>
-            <a:r>
-              <a:rPr lang="en-US" sz="2800" dirty="0" smtClean="0">
-                <a:solidFill>
-                  <a:srgbClr val="0070C0"/>
-                </a:solidFill>
-                <a:latin typeface="Roboto" panose="02000000000000000000" pitchFamily="2" charset="0"/>
-                <a:ea typeface="Roboto" panose="02000000000000000000" pitchFamily="2" charset="0"/>
-              </a:rPr>
-              <a:t>b:</a:t>
-            </a:r>
-            <a:r>
-              <a:rPr lang="en-US" sz="2800" dirty="0" smtClean="0">
-                <a:solidFill>
-                  <a:srgbClr val="C00000"/>
-                </a:solidFill>
-                <a:latin typeface="Roboto" panose="02000000000000000000" pitchFamily="2" charset="0"/>
-                <a:ea typeface="Roboto" panose="02000000000000000000" pitchFamily="2" charset="0"/>
-              </a:rPr>
               <a:t> 42,</a:t>
             </a:r>
-            <a:endParaRPr lang="en-US" sz="2800" dirty="0" smtClean="0">
-              <a:solidFill>
-                <a:srgbClr val="C00000"/>
-              </a:solidFill>
-              <a:latin typeface="Roboto" panose="02000000000000000000" pitchFamily="2" charset="0"/>
-              <a:ea typeface="Roboto" panose="02000000000000000000" pitchFamily="2" charset="0"/>
-            </a:endParaRPr>
           </a:p>
           <a:p>
             <a:r>
@@ -21108,19 +21002,7 @@
                 <a:latin typeface="Roboto" panose="02000000000000000000" pitchFamily="2" charset="0"/>
                 <a:ea typeface="Roboto" panose="02000000000000000000" pitchFamily="2" charset="0"/>
               </a:rPr>
-              <a:t> </a:t>
-            </a:r>
-            <a:r>
-              <a:rPr lang="en-US" sz="2800" dirty="0" smtClean="0">
-                <a:solidFill>
-                  <a:schemeClr val="accent1">
-                    <a:lumMod val="75000"/>
-                  </a:schemeClr>
-                </a:solidFill>
-                <a:latin typeface="Roboto" panose="02000000000000000000" pitchFamily="2" charset="0"/>
-                <a:ea typeface="Roboto" panose="02000000000000000000" pitchFamily="2" charset="0"/>
-              </a:rPr>
-              <a:t>a:</a:t>
+              <a:t> a:</a:t>
             </a:r>
             <a:r>
               <a:rPr lang="en-US" sz="2800" dirty="0" smtClean="0">
@@ -21260,19 +21142,7 @@
                 <a:latin typeface="Roboto" panose="02000000000000000000" pitchFamily="2" charset="0"/>
                 <a:ea typeface="Roboto" panose="02000000000000000000" pitchFamily="2" charset="0"/>
               </a:rPr>
-              <a:t> b</a:t>
-            </a:r>
-            <a:r>
-              <a:rPr lang="en-US" sz="2800" dirty="0" smtClean="0">
-                <a:solidFill>
-                  <a:schemeClr val="accent1">
-                    <a:lumMod val="75000"/>
-                  </a:schemeClr>
-                </a:solidFill>
-                <a:latin typeface="Roboto" panose="02000000000000000000" pitchFamily="2" charset="0"/>
-                <a:ea typeface="Roboto" panose="02000000000000000000" pitchFamily="2" charset="0"/>
-              </a:rPr>
-              <a:t>:</a:t>
+              <a:t> b:</a:t>
             </a:r>
             <a:r>
               <a:rPr lang="en-US" sz="2800" dirty="0" smtClean="0">
@@ -21412,22 +21282,32 @@
                 <a:latin typeface="Roboto" panose="02000000000000000000" pitchFamily="2" charset="0"/>
                 <a:ea typeface="Roboto" panose="02000000000000000000" pitchFamily="2" charset="0"/>
               </a:rPr>
+              <a:t> a:</a:t>
+            </a:r>
+            <a:r>
+              <a:rPr lang="en-US" sz="2800" dirty="0" smtClean="0">
+                <a:latin typeface="Roboto" panose="02000000000000000000" pitchFamily="2" charset="0"/>
+                <a:ea typeface="Roboto" panose="02000000000000000000" pitchFamily="2" charset="0"/>
+              </a:rPr>
               <a:t> </a:t>
             </a:r>
             <a:r>
               <a:rPr lang="en-US" sz="2800" dirty="0" smtClean="0">
                 <a:solidFill>
-                  <a:schemeClr val="accent1">
-                    <a:lumMod val="75000"/>
-                  </a:schemeClr>
-                </a:solidFill>
-                <a:latin typeface="Roboto" panose="02000000000000000000" pitchFamily="2" charset="0"/>
-                <a:ea typeface="Roboto" panose="02000000000000000000" pitchFamily="2" charset="0"/>
-              </a:rPr>
-              <a:t>a:</a:t>
-            </a:r>
-            <a:r>
-              <a:rPr lang="en-US" sz="2800" dirty="0" smtClean="0">
+                  <a:srgbClr val="C00000"/>
+                </a:solidFill>
+                <a:latin typeface="Roboto" panose="02000000000000000000" pitchFamily="2" charset="0"/>
+                <a:ea typeface="Roboto" panose="02000000000000000000" pitchFamily="2" charset="0"/>
+              </a:rPr>
+              <a:t>12,</a:t>
+            </a:r>
+          </a:p>
+          <a:p>
+            <a:r>
+              <a:rPr lang="en-US" sz="2800" dirty="0">
+                <a:solidFill>
+                  <a:srgbClr val="C00000"/>
+                </a:solidFill>
                 <a:latin typeface="Roboto" panose="02000000000000000000" pitchFamily="2" charset="0"/>
                 <a:ea typeface="Roboto" panose="02000000000000000000" pitchFamily="2" charset="0"/>
               </a:rPr>
@@ -21441,57 +21321,28 @@
                 <a:latin typeface="Roboto" panose="02000000000000000000" pitchFamily="2" charset="0"/>
                 <a:ea typeface="Roboto" panose="02000000000000000000" pitchFamily="2" charset="0"/>
               </a:rPr>
-              <a:t>12,</a:t>
-            </a:r>
-          </a:p>
-          <a:p>
-            <a:r>
-              <a:rPr lang="en-US" sz="2800" dirty="0">
+              <a:t> </a:t>
+            </a:r>
+            <a:r>
+              <a:rPr lang="en-US" sz="2800" dirty="0" smtClean="0">
+                <a:solidFill>
+                  <a:srgbClr val="0070C0"/>
+                </a:solidFill>
+                <a:latin typeface="Roboto" panose="02000000000000000000" pitchFamily="2" charset="0"/>
+                <a:ea typeface="Roboto" panose="02000000000000000000" pitchFamily="2" charset="0"/>
+              </a:rPr>
+              <a:t>b:</a:t>
+            </a:r>
+            <a:r>
+              <a:rPr lang="en-US" sz="2800" dirty="0" smtClean="0">
                 <a:solidFill>
                   <a:srgbClr val="C00000"/>
                 </a:solidFill>
                 <a:latin typeface="Roboto" panose="02000000000000000000" pitchFamily="2" charset="0"/>
                 <a:ea typeface="Roboto" panose="02000000000000000000" pitchFamily="2" charset="0"/>
               </a:rPr>
-              <a:t> </a:t>
-            </a:r>
-            <a:r>
-              <a:rPr lang="en-US" sz="2800" dirty="0" smtClean="0">
-                <a:solidFill>
-                  <a:srgbClr val="C00000"/>
-                </a:solidFill>
-                <a:latin typeface="Roboto" panose="02000000000000000000" pitchFamily="2" charset="0"/>
-                <a:ea typeface="Roboto" panose="02000000000000000000" pitchFamily="2" charset="0"/>
-              </a:rPr>
-              <a:t> </a:t>
-            </a:r>
-            <a:r>
-              <a:rPr lang="en-US" sz="2800" dirty="0" smtClean="0">
-                <a:solidFill>
-                  <a:srgbClr val="0070C0"/>
-                </a:solidFill>
-                <a:latin typeface="Roboto" panose="02000000000000000000" pitchFamily="2" charset="0"/>
-                <a:ea typeface="Roboto" panose="02000000000000000000" pitchFamily="2" charset="0"/>
-              </a:rPr>
-              <a:t>b:</a:t>
-            </a:r>
-            <a:r>
-              <a:rPr lang="en-US" sz="2800" dirty="0" smtClean="0">
-                <a:solidFill>
-                  <a:srgbClr val="C00000"/>
-                </a:solidFill>
-                <a:latin typeface="Roboto" panose="02000000000000000000" pitchFamily="2" charset="0"/>
-                <a:ea typeface="Roboto" panose="02000000000000000000" pitchFamily="2" charset="0"/>
-              </a:rPr>
               <a:t> 42,</a:t>
             </a:r>
-            <a:endParaRPr lang="en-US" sz="2800" dirty="0" smtClean="0">
-              <a:solidFill>
-                <a:srgbClr val="C00000"/>
-              </a:solidFill>
-              <a:latin typeface="Roboto" panose="02000000000000000000" pitchFamily="2" charset="0"/>
-              <a:ea typeface="Roboto" panose="02000000000000000000" pitchFamily="2" charset="0"/>
-            </a:endParaRPr>
           </a:p>
           <a:p>
             <a:r>
@@ -22026,19 +21877,7 @@
                 <a:latin typeface="Roboto" panose="02000000000000000000" pitchFamily="2" charset="0"/>
                 <a:ea typeface="Roboto" panose="02000000000000000000" pitchFamily="2" charset="0"/>
               </a:rPr>
-              <a:t> </a:t>
-            </a:r>
-            <a:r>
-              <a:rPr lang="en-US" sz="2800" dirty="0" smtClean="0">
-                <a:solidFill>
-                  <a:schemeClr val="accent1">
-                    <a:lumMod val="75000"/>
-                  </a:schemeClr>
-                </a:solidFill>
-                <a:latin typeface="Roboto" panose="02000000000000000000" pitchFamily="2" charset="0"/>
-                <a:ea typeface="Roboto" panose="02000000000000000000" pitchFamily="2" charset="0"/>
-              </a:rPr>
-              <a:t>a:</a:t>
+              <a:t> a:</a:t>
             </a:r>
             <a:r>
               <a:rPr lang="en-US" sz="2800" dirty="0" smtClean="0">
@@ -22178,19 +22017,7 @@
                 <a:latin typeface="Roboto" panose="02000000000000000000" pitchFamily="2" charset="0"/>
                 <a:ea typeface="Roboto" panose="02000000000000000000" pitchFamily="2" charset="0"/>
               </a:rPr>
-              <a:t> b</a:t>
-            </a:r>
-            <a:r>
-              <a:rPr lang="en-US" sz="2800" dirty="0" smtClean="0">
-                <a:solidFill>
-                  <a:schemeClr val="accent1">
-                    <a:lumMod val="75000"/>
-                  </a:schemeClr>
-                </a:solidFill>
-                <a:latin typeface="Roboto" panose="02000000000000000000" pitchFamily="2" charset="0"/>
-                <a:ea typeface="Roboto" panose="02000000000000000000" pitchFamily="2" charset="0"/>
-              </a:rPr>
-              <a:t>:</a:t>
+              <a:t> b:</a:t>
             </a:r>
             <a:r>
               <a:rPr lang="en-US" sz="2800" dirty="0" smtClean="0">
@@ -22281,6 +22108,527 @@
     <p:extLst>
       <p:ext uri="{BB962C8B-B14F-4D97-AF65-F5344CB8AC3E}">
         <p14:creationId xmlns:p14="http://schemas.microsoft.com/office/powerpoint/2010/main" val="1595389227"/>
+      </p:ext>
+    </p:extLst>
+  </p:cSld>
+  <p:clrMapOvr>
+    <a:masterClrMapping/>
+  </p:clrMapOvr>
+  <p:timing>
+    <p:tnLst>
+      <p:par>
+        <p:cTn id="1" dur="indefinite" restart="never" nodeType="tmRoot"/>
+      </p:par>
+    </p:tnLst>
+  </p:timing>
+</p:sld>
+</file>
+
+<file path=ppt/slides/slide57.xml><?xml version="1.0" encoding="utf-8"?>
+<p:sld xmlns:a="http://schemas.openxmlformats.org/drawingml/2006/main" xmlns:r="http://schemas.openxmlformats.org/officeDocument/2006/relationships" xmlns:p="http://schemas.openxmlformats.org/presentationml/2006/main">
+  <p:cSld>
+    <p:spTree>
+      <p:nvGrpSpPr>
+        <p:cNvPr id="1" name=""/>
+        <p:cNvGrpSpPr/>
+        <p:nvPr/>
+      </p:nvGrpSpPr>
+      <p:grpSpPr>
+        <a:xfrm>
+          <a:off x="0" y="0"/>
+          <a:ext cx="0" cy="0"/>
+          <a:chOff x="0" y="0"/>
+          <a:chExt cx="0" cy="0"/>
+        </a:xfrm>
+      </p:grpSpPr>
+      <p:sp>
+        <p:nvSpPr>
+          <p:cNvPr id="4" name="TextBox 3"/>
+          <p:cNvSpPr txBox="1"/>
+          <p:nvPr/>
+        </p:nvSpPr>
+        <p:spPr>
+          <a:xfrm>
+            <a:off x="3837362" y="2933289"/>
+            <a:ext cx="4517276" cy="830997"/>
+          </a:xfrm>
+          <a:prstGeom prst="rect">
+            <a:avLst/>
+          </a:prstGeom>
+          <a:noFill/>
+        </p:spPr>
+        <p:txBody>
+          <a:bodyPr wrap="square" rtlCol="0">
+            <a:spAutoFit/>
+          </a:bodyPr>
+          <a:lstStyle/>
+          <a:p>
+            <a:r>
+              <a:rPr lang="en-US" sz="4800" dirty="0" smtClean="0">
+                <a:latin typeface="Roboto" panose="02000000000000000000" pitchFamily="2" charset="0"/>
+                <a:ea typeface="Roboto" panose="02000000000000000000" pitchFamily="2" charset="0"/>
+              </a:rPr>
+              <a:t>CONDITIONALS</a:t>
+            </a:r>
+            <a:endParaRPr lang="en-US" sz="4800" dirty="0">
+              <a:latin typeface="Roboto" panose="02000000000000000000" pitchFamily="2" charset="0"/>
+              <a:ea typeface="Roboto" panose="02000000000000000000" pitchFamily="2" charset="0"/>
+            </a:endParaRPr>
+          </a:p>
+        </p:txBody>
+      </p:sp>
+    </p:spTree>
+    <p:extLst>
+      <p:ext uri="{BB962C8B-B14F-4D97-AF65-F5344CB8AC3E}">
+        <p14:creationId xmlns:p14="http://schemas.microsoft.com/office/powerpoint/2010/main" val="4108644219"/>
+      </p:ext>
+    </p:extLst>
+  </p:cSld>
+  <p:clrMapOvr>
+    <a:masterClrMapping/>
+  </p:clrMapOvr>
+  <p:timing>
+    <p:tnLst>
+      <p:par>
+        <p:cTn id="1" dur="indefinite" restart="never" nodeType="tmRoot"/>
+      </p:par>
+    </p:tnLst>
+  </p:timing>
+</p:sld>
+</file>
+
+<file path=ppt/slides/slide58.xml><?xml version="1.0" encoding="utf-8"?>
+<p:sld xmlns:a="http://schemas.openxmlformats.org/drawingml/2006/main" xmlns:r="http://schemas.openxmlformats.org/officeDocument/2006/relationships" xmlns:p="http://schemas.openxmlformats.org/presentationml/2006/main">
+  <p:cSld>
+    <p:spTree>
+      <p:nvGrpSpPr>
+        <p:cNvPr id="1" name=""/>
+        <p:cNvGrpSpPr/>
+        <p:nvPr/>
+      </p:nvGrpSpPr>
+      <p:grpSpPr>
+        <a:xfrm>
+          <a:off x="0" y="0"/>
+          <a:ext cx="0" cy="0"/>
+          <a:chOff x="0" y="0"/>
+          <a:chExt cx="0" cy="0"/>
+        </a:xfrm>
+      </p:grpSpPr>
+      <p:sp>
+        <p:nvSpPr>
+          <p:cNvPr id="3" name="Овал 2"/>
+          <p:cNvSpPr/>
+          <p:nvPr/>
+        </p:nvSpPr>
+        <p:spPr>
+          <a:xfrm>
+            <a:off x="3351712" y="1271451"/>
+            <a:ext cx="4755968" cy="4755968"/>
+          </a:xfrm>
+          <a:prstGeom prst="ellipse">
+            <a:avLst/>
+          </a:prstGeom>
+          <a:solidFill>
+            <a:srgbClr val="F0B4AE">
+              <a:alpha val="20000"/>
+            </a:srgbClr>
+          </a:solidFill>
+          <a:ln w="3175">
+            <a:solidFill>
+              <a:srgbClr val="C00000"/>
+            </a:solidFill>
+          </a:ln>
+        </p:spPr>
+        <p:style>
+          <a:lnRef idx="2">
+            <a:schemeClr val="accent1">
+              <a:shade val="50000"/>
+            </a:schemeClr>
+          </a:lnRef>
+          <a:fillRef idx="1">
+            <a:schemeClr val="accent1"/>
+          </a:fillRef>
+          <a:effectRef idx="0">
+            <a:schemeClr val="accent1"/>
+          </a:effectRef>
+          <a:fontRef idx="minor">
+            <a:schemeClr val="lt1"/>
+          </a:fontRef>
+        </p:style>
+        <p:txBody>
+          <a:bodyPr rtlCol="0" anchor="ctr"/>
+          <a:lstStyle/>
+          <a:p>
+            <a:pPr algn="ctr"/>
+            <a:endParaRPr lang="en-US"/>
+          </a:p>
+        </p:txBody>
+      </p:sp>
+      <p:sp>
+        <p:nvSpPr>
+          <p:cNvPr id="6" name="TextBox 5"/>
+          <p:cNvSpPr txBox="1"/>
+          <p:nvPr/>
+        </p:nvSpPr>
+        <p:spPr>
+          <a:xfrm>
+            <a:off x="5487419" y="2456911"/>
+            <a:ext cx="545866" cy="830997"/>
+          </a:xfrm>
+          <a:prstGeom prst="rect">
+            <a:avLst/>
+          </a:prstGeom>
+          <a:noFill/>
+        </p:spPr>
+        <p:txBody>
+          <a:bodyPr wrap="square" rtlCol="0">
+            <a:spAutoFit/>
+          </a:bodyPr>
+          <a:lstStyle/>
+          <a:p>
+            <a:r>
+              <a:rPr lang="en-US" sz="4800" dirty="0" smtClean="0">
+                <a:solidFill>
+                  <a:srgbClr val="C00000"/>
+                </a:solidFill>
+                <a:latin typeface="Roboto" panose="02000000000000000000" pitchFamily="2" charset="0"/>
+                <a:ea typeface="Roboto" panose="02000000000000000000" pitchFamily="2" charset="0"/>
+              </a:rPr>
+              <a:t>1</a:t>
+            </a:r>
+            <a:endParaRPr lang="en-US" sz="4800" dirty="0">
+              <a:solidFill>
+                <a:srgbClr val="C00000"/>
+              </a:solidFill>
+              <a:latin typeface="Roboto" panose="02000000000000000000" pitchFamily="2" charset="0"/>
+              <a:ea typeface="Roboto" panose="02000000000000000000" pitchFamily="2" charset="0"/>
+            </a:endParaRPr>
+          </a:p>
+        </p:txBody>
+      </p:sp>
+      <p:sp>
+        <p:nvSpPr>
+          <p:cNvPr id="7" name="TextBox 6"/>
+          <p:cNvSpPr txBox="1"/>
+          <p:nvPr/>
+        </p:nvSpPr>
+        <p:spPr>
+          <a:xfrm>
+            <a:off x="4708002" y="3518538"/>
+            <a:ext cx="545866" cy="830997"/>
+          </a:xfrm>
+          <a:prstGeom prst="rect">
+            <a:avLst/>
+          </a:prstGeom>
+          <a:noFill/>
+        </p:spPr>
+        <p:txBody>
+          <a:bodyPr wrap="square" rtlCol="0">
+            <a:spAutoFit/>
+          </a:bodyPr>
+          <a:lstStyle/>
+          <a:p>
+            <a:r>
+              <a:rPr lang="en-US" sz="4800" dirty="0">
+                <a:solidFill>
+                  <a:srgbClr val="C00000"/>
+                </a:solidFill>
+                <a:latin typeface="Roboto" panose="02000000000000000000" pitchFamily="2" charset="0"/>
+                <a:ea typeface="Roboto" panose="02000000000000000000" pitchFamily="2" charset="0"/>
+              </a:rPr>
+              <a:t>2</a:t>
+            </a:r>
+          </a:p>
+        </p:txBody>
+      </p:sp>
+      <p:sp>
+        <p:nvSpPr>
+          <p:cNvPr id="8" name="TextBox 7"/>
+          <p:cNvSpPr txBox="1"/>
+          <p:nvPr/>
+        </p:nvSpPr>
+        <p:spPr>
+          <a:xfrm>
+            <a:off x="6105728" y="3801567"/>
+            <a:ext cx="545866" cy="830997"/>
+          </a:xfrm>
+          <a:prstGeom prst="rect">
+            <a:avLst/>
+          </a:prstGeom>
+          <a:noFill/>
+        </p:spPr>
+        <p:txBody>
+          <a:bodyPr wrap="square" rtlCol="0">
+            <a:spAutoFit/>
+          </a:bodyPr>
+          <a:lstStyle/>
+          <a:p>
+            <a:r>
+              <a:rPr lang="en-US" sz="4800" dirty="0" smtClean="0">
+                <a:solidFill>
+                  <a:srgbClr val="C00000"/>
+                </a:solidFill>
+                <a:latin typeface="Roboto" panose="02000000000000000000" pitchFamily="2" charset="0"/>
+                <a:ea typeface="Roboto" panose="02000000000000000000" pitchFamily="2" charset="0"/>
+              </a:rPr>
+              <a:t>3</a:t>
+            </a:r>
+            <a:endParaRPr lang="en-US" sz="4800" dirty="0">
+              <a:solidFill>
+                <a:srgbClr val="C00000"/>
+              </a:solidFill>
+              <a:latin typeface="Roboto" panose="02000000000000000000" pitchFamily="2" charset="0"/>
+              <a:ea typeface="Roboto" panose="02000000000000000000" pitchFamily="2" charset="0"/>
+            </a:endParaRPr>
+          </a:p>
+        </p:txBody>
+      </p:sp>
+    </p:spTree>
+    <p:extLst>
+      <p:ext uri="{BB962C8B-B14F-4D97-AF65-F5344CB8AC3E}">
+        <p14:creationId xmlns:p14="http://schemas.microsoft.com/office/powerpoint/2010/main" val="3022594444"/>
+      </p:ext>
+    </p:extLst>
+  </p:cSld>
+  <p:clrMapOvr>
+    <a:masterClrMapping/>
+  </p:clrMapOvr>
+  <p:timing>
+    <p:tnLst>
+      <p:par>
+        <p:cTn id="1" dur="indefinite" restart="never" nodeType="tmRoot"/>
+      </p:par>
+    </p:tnLst>
+  </p:timing>
+</p:sld>
+</file>
+
+<file path=ppt/slides/slide59.xml><?xml version="1.0" encoding="utf-8"?>
+<p:sld xmlns:a="http://schemas.openxmlformats.org/drawingml/2006/main" xmlns:r="http://schemas.openxmlformats.org/officeDocument/2006/relationships" xmlns:p="http://schemas.openxmlformats.org/presentationml/2006/main">
+  <p:cSld>
+    <p:spTree>
+      <p:nvGrpSpPr>
+        <p:cNvPr id="1" name=""/>
+        <p:cNvGrpSpPr/>
+        <p:nvPr/>
+      </p:nvGrpSpPr>
+      <p:grpSpPr>
+        <a:xfrm>
+          <a:off x="0" y="0"/>
+          <a:ext cx="0" cy="0"/>
+          <a:chOff x="0" y="0"/>
+          <a:chExt cx="0" cy="0"/>
+        </a:xfrm>
+      </p:grpSpPr>
+      <p:sp>
+        <p:nvSpPr>
+          <p:cNvPr id="3" name="Овал 2"/>
+          <p:cNvSpPr/>
+          <p:nvPr/>
+        </p:nvSpPr>
+        <p:spPr>
+          <a:xfrm>
+            <a:off x="3351712" y="1271451"/>
+            <a:ext cx="4755968" cy="4755968"/>
+          </a:xfrm>
+          <a:prstGeom prst="ellipse">
+            <a:avLst/>
+          </a:prstGeom>
+          <a:solidFill>
+            <a:srgbClr val="F0B4AE">
+              <a:alpha val="20000"/>
+            </a:srgbClr>
+          </a:solidFill>
+          <a:ln w="3175">
+            <a:solidFill>
+              <a:srgbClr val="C00000"/>
+            </a:solidFill>
+          </a:ln>
+        </p:spPr>
+        <p:style>
+          <a:lnRef idx="2">
+            <a:schemeClr val="accent1">
+              <a:shade val="50000"/>
+            </a:schemeClr>
+          </a:lnRef>
+          <a:fillRef idx="1">
+            <a:schemeClr val="accent1"/>
+          </a:fillRef>
+          <a:effectRef idx="0">
+            <a:schemeClr val="accent1"/>
+          </a:effectRef>
+          <a:fontRef idx="minor">
+            <a:schemeClr val="lt1"/>
+          </a:fontRef>
+        </p:style>
+        <p:txBody>
+          <a:bodyPr rtlCol="0" anchor="ctr"/>
+          <a:lstStyle/>
+          <a:p>
+            <a:pPr algn="ctr"/>
+            <a:endParaRPr lang="en-US"/>
+          </a:p>
+        </p:txBody>
+      </p:sp>
+      <p:sp>
+        <p:nvSpPr>
+          <p:cNvPr id="6" name="TextBox 5"/>
+          <p:cNvSpPr txBox="1"/>
+          <p:nvPr/>
+        </p:nvSpPr>
+        <p:spPr>
+          <a:xfrm>
+            <a:off x="5487419" y="2456911"/>
+            <a:ext cx="545866" cy="830997"/>
+          </a:xfrm>
+          <a:prstGeom prst="rect">
+            <a:avLst/>
+          </a:prstGeom>
+          <a:noFill/>
+        </p:spPr>
+        <p:txBody>
+          <a:bodyPr wrap="square" rtlCol="0">
+            <a:spAutoFit/>
+          </a:bodyPr>
+          <a:lstStyle/>
+          <a:p>
+            <a:r>
+              <a:rPr lang="en-US" sz="4800" dirty="0" smtClean="0">
+                <a:solidFill>
+                  <a:srgbClr val="C00000"/>
+                </a:solidFill>
+                <a:latin typeface="Roboto" panose="02000000000000000000" pitchFamily="2" charset="0"/>
+                <a:ea typeface="Roboto" panose="02000000000000000000" pitchFamily="2" charset="0"/>
+              </a:rPr>
+              <a:t>1</a:t>
+            </a:r>
+            <a:endParaRPr lang="en-US" sz="4800" dirty="0">
+              <a:solidFill>
+                <a:srgbClr val="C00000"/>
+              </a:solidFill>
+              <a:latin typeface="Roboto" panose="02000000000000000000" pitchFamily="2" charset="0"/>
+              <a:ea typeface="Roboto" panose="02000000000000000000" pitchFamily="2" charset="0"/>
+            </a:endParaRPr>
+          </a:p>
+        </p:txBody>
+      </p:sp>
+      <p:sp>
+        <p:nvSpPr>
+          <p:cNvPr id="7" name="TextBox 6"/>
+          <p:cNvSpPr txBox="1"/>
+          <p:nvPr/>
+        </p:nvSpPr>
+        <p:spPr>
+          <a:xfrm>
+            <a:off x="4708002" y="3518538"/>
+            <a:ext cx="545866" cy="830997"/>
+          </a:xfrm>
+          <a:prstGeom prst="rect">
+            <a:avLst/>
+          </a:prstGeom>
+          <a:noFill/>
+        </p:spPr>
+        <p:txBody>
+          <a:bodyPr wrap="square" rtlCol="0">
+            <a:spAutoFit/>
+          </a:bodyPr>
+          <a:lstStyle/>
+          <a:p>
+            <a:r>
+              <a:rPr lang="en-US" sz="4800" dirty="0">
+                <a:solidFill>
+                  <a:srgbClr val="C00000"/>
+                </a:solidFill>
+                <a:latin typeface="Roboto" panose="02000000000000000000" pitchFamily="2" charset="0"/>
+                <a:ea typeface="Roboto" panose="02000000000000000000" pitchFamily="2" charset="0"/>
+              </a:rPr>
+              <a:t>2</a:t>
+            </a:r>
+          </a:p>
+        </p:txBody>
+      </p:sp>
+      <p:sp>
+        <p:nvSpPr>
+          <p:cNvPr id="8" name="TextBox 7"/>
+          <p:cNvSpPr txBox="1"/>
+          <p:nvPr/>
+        </p:nvSpPr>
+        <p:spPr>
+          <a:xfrm>
+            <a:off x="6105728" y="3801567"/>
+            <a:ext cx="545866" cy="830997"/>
+          </a:xfrm>
+          <a:prstGeom prst="rect">
+            <a:avLst/>
+          </a:prstGeom>
+          <a:noFill/>
+        </p:spPr>
+        <p:txBody>
+          <a:bodyPr wrap="square" rtlCol="0">
+            <a:spAutoFit/>
+          </a:bodyPr>
+          <a:lstStyle/>
+          <a:p>
+            <a:r>
+              <a:rPr lang="en-US" sz="4800" dirty="0" smtClean="0">
+                <a:solidFill>
+                  <a:srgbClr val="C00000"/>
+                </a:solidFill>
+                <a:latin typeface="Roboto" panose="02000000000000000000" pitchFamily="2" charset="0"/>
+                <a:ea typeface="Roboto" panose="02000000000000000000" pitchFamily="2" charset="0"/>
+              </a:rPr>
+              <a:t>3</a:t>
+            </a:r>
+            <a:endParaRPr lang="en-US" sz="4800" dirty="0">
+              <a:solidFill>
+                <a:srgbClr val="C00000"/>
+              </a:solidFill>
+              <a:latin typeface="Roboto" panose="02000000000000000000" pitchFamily="2" charset="0"/>
+              <a:ea typeface="Roboto" panose="02000000000000000000" pitchFamily="2" charset="0"/>
+            </a:endParaRPr>
+          </a:p>
+        </p:txBody>
+      </p:sp>
+      <p:sp>
+        <p:nvSpPr>
+          <p:cNvPr id="10" name="TextBox 9"/>
+          <p:cNvSpPr txBox="1"/>
+          <p:nvPr/>
+        </p:nvSpPr>
+        <p:spPr>
+          <a:xfrm>
+            <a:off x="5519307" y="263223"/>
+            <a:ext cx="482089" cy="830997"/>
+          </a:xfrm>
+          <a:prstGeom prst="rect">
+            <a:avLst/>
+          </a:prstGeom>
+          <a:noFill/>
+        </p:spPr>
+        <p:txBody>
+          <a:bodyPr wrap="square" rtlCol="0">
+            <a:spAutoFit/>
+          </a:bodyPr>
+          <a:lstStyle/>
+          <a:p>
+            <a:r>
+              <a:rPr lang="en-US" sz="4800" dirty="0" smtClean="0">
+                <a:latin typeface="Roboto" panose="02000000000000000000" pitchFamily="2" charset="0"/>
+                <a:ea typeface="Roboto" panose="02000000000000000000" pitchFamily="2" charset="0"/>
+              </a:rPr>
+              <a:t>?</a:t>
+            </a:r>
+            <a:endParaRPr lang="en-US" sz="4800" dirty="0">
+              <a:latin typeface="Roboto" panose="02000000000000000000" pitchFamily="2" charset="0"/>
+              <a:ea typeface="Roboto" panose="02000000000000000000" pitchFamily="2" charset="0"/>
+            </a:endParaRPr>
+          </a:p>
+        </p:txBody>
+      </p:sp>
+    </p:spTree>
+    <p:extLst>
+      <p:ext uri="{BB962C8B-B14F-4D97-AF65-F5344CB8AC3E}">
+        <p14:creationId xmlns:p14="http://schemas.microsoft.com/office/powerpoint/2010/main" val="82270601"/>
       </p:ext>
     </p:extLst>
   </p:cSld>
@@ -22658,6 +23006,1440 @@
     <p:extLst>
       <p:ext uri="{BB962C8B-B14F-4D97-AF65-F5344CB8AC3E}">
         <p14:creationId xmlns:p14="http://schemas.microsoft.com/office/powerpoint/2010/main" val="2156573793"/>
+      </p:ext>
+    </p:extLst>
+  </p:cSld>
+  <p:clrMapOvr>
+    <a:masterClrMapping/>
+  </p:clrMapOvr>
+  <p:timing>
+    <p:tnLst>
+      <p:par>
+        <p:cTn id="1" dur="indefinite" restart="never" nodeType="tmRoot"/>
+      </p:par>
+    </p:tnLst>
+  </p:timing>
+</p:sld>
+</file>
+
+<file path=ppt/slides/slide60.xml><?xml version="1.0" encoding="utf-8"?>
+<p:sld xmlns:a="http://schemas.openxmlformats.org/drawingml/2006/main" xmlns:r="http://schemas.openxmlformats.org/officeDocument/2006/relationships" xmlns:p="http://schemas.openxmlformats.org/presentationml/2006/main">
+  <p:cSld>
+    <p:spTree>
+      <p:nvGrpSpPr>
+        <p:cNvPr id="1" name=""/>
+        <p:cNvGrpSpPr/>
+        <p:nvPr/>
+      </p:nvGrpSpPr>
+      <p:grpSpPr>
+        <a:xfrm>
+          <a:off x="0" y="0"/>
+          <a:ext cx="0" cy="0"/>
+          <a:chOff x="0" y="0"/>
+          <a:chExt cx="0" cy="0"/>
+        </a:xfrm>
+      </p:grpSpPr>
+      <p:sp>
+        <p:nvSpPr>
+          <p:cNvPr id="3" name="Овал 2"/>
+          <p:cNvSpPr/>
+          <p:nvPr/>
+        </p:nvSpPr>
+        <p:spPr>
+          <a:xfrm>
+            <a:off x="3351712" y="1271451"/>
+            <a:ext cx="4755968" cy="4755968"/>
+          </a:xfrm>
+          <a:prstGeom prst="ellipse">
+            <a:avLst/>
+          </a:prstGeom>
+          <a:solidFill>
+            <a:srgbClr val="F0B4AE">
+              <a:alpha val="20000"/>
+            </a:srgbClr>
+          </a:solidFill>
+          <a:ln w="3175">
+            <a:solidFill>
+              <a:srgbClr val="C00000"/>
+            </a:solidFill>
+          </a:ln>
+        </p:spPr>
+        <p:style>
+          <a:lnRef idx="2">
+            <a:schemeClr val="accent1">
+              <a:shade val="50000"/>
+            </a:schemeClr>
+          </a:lnRef>
+          <a:fillRef idx="1">
+            <a:schemeClr val="accent1"/>
+          </a:fillRef>
+          <a:effectRef idx="0">
+            <a:schemeClr val="accent1"/>
+          </a:effectRef>
+          <a:fontRef idx="minor">
+            <a:schemeClr val="lt1"/>
+          </a:fontRef>
+        </p:style>
+        <p:txBody>
+          <a:bodyPr rtlCol="0" anchor="ctr"/>
+          <a:lstStyle/>
+          <a:p>
+            <a:pPr algn="ctr"/>
+            <a:endParaRPr lang="en-US"/>
+          </a:p>
+        </p:txBody>
+      </p:sp>
+      <p:sp>
+        <p:nvSpPr>
+          <p:cNvPr id="5" name="Овал 4"/>
+          <p:cNvSpPr/>
+          <p:nvPr/>
+        </p:nvSpPr>
+        <p:spPr>
+          <a:xfrm>
+            <a:off x="9126585" y="1271451"/>
+            <a:ext cx="2248986" cy="2248986"/>
+          </a:xfrm>
+          <a:prstGeom prst="ellipse">
+            <a:avLst/>
+          </a:prstGeom>
+          <a:solidFill>
+            <a:schemeClr val="accent6">
+              <a:lumMod val="60000"/>
+              <a:lumOff val="40000"/>
+              <a:alpha val="20000"/>
+            </a:schemeClr>
+          </a:solidFill>
+          <a:ln w="3175">
+            <a:solidFill>
+              <a:schemeClr val="accent6">
+                <a:lumMod val="75000"/>
+              </a:schemeClr>
+            </a:solidFill>
+          </a:ln>
+        </p:spPr>
+        <p:style>
+          <a:lnRef idx="2">
+            <a:schemeClr val="accent1">
+              <a:shade val="50000"/>
+            </a:schemeClr>
+          </a:lnRef>
+          <a:fillRef idx="1">
+            <a:schemeClr val="accent1"/>
+          </a:fillRef>
+          <a:effectRef idx="0">
+            <a:schemeClr val="accent1"/>
+          </a:effectRef>
+          <a:fontRef idx="minor">
+            <a:schemeClr val="lt1"/>
+          </a:fontRef>
+        </p:style>
+        <p:txBody>
+          <a:bodyPr rtlCol="0" anchor="ctr"/>
+          <a:lstStyle/>
+          <a:p>
+            <a:pPr algn="ctr"/>
+            <a:endParaRPr lang="en-US"/>
+          </a:p>
+        </p:txBody>
+      </p:sp>
+      <p:sp>
+        <p:nvSpPr>
+          <p:cNvPr id="9" name="TextBox 8"/>
+          <p:cNvSpPr txBox="1"/>
+          <p:nvPr/>
+        </p:nvSpPr>
+        <p:spPr>
+          <a:xfrm>
+            <a:off x="9970454" y="1980445"/>
+            <a:ext cx="545866" cy="830997"/>
+          </a:xfrm>
+          <a:prstGeom prst="rect">
+            <a:avLst/>
+          </a:prstGeom>
+          <a:noFill/>
+        </p:spPr>
+        <p:txBody>
+          <a:bodyPr wrap="square" rtlCol="0">
+            <a:spAutoFit/>
+          </a:bodyPr>
+          <a:lstStyle/>
+          <a:p>
+            <a:r>
+              <a:rPr lang="en-US" sz="4800" dirty="0">
+                <a:solidFill>
+                  <a:srgbClr val="C00000"/>
+                </a:solidFill>
+                <a:latin typeface="Roboto" panose="02000000000000000000" pitchFamily="2" charset="0"/>
+                <a:ea typeface="Roboto" panose="02000000000000000000" pitchFamily="2" charset="0"/>
+              </a:rPr>
+              <a:t>2</a:t>
+            </a:r>
+          </a:p>
+        </p:txBody>
+      </p:sp>
+      <p:sp>
+        <p:nvSpPr>
+          <p:cNvPr id="10" name="TextBox 9"/>
+          <p:cNvSpPr txBox="1"/>
+          <p:nvPr/>
+        </p:nvSpPr>
+        <p:spPr>
+          <a:xfrm>
+            <a:off x="5519307" y="263223"/>
+            <a:ext cx="482089" cy="830997"/>
+          </a:xfrm>
+          <a:prstGeom prst="rect">
+            <a:avLst/>
+          </a:prstGeom>
+          <a:noFill/>
+        </p:spPr>
+        <p:txBody>
+          <a:bodyPr wrap="square" rtlCol="0">
+            <a:spAutoFit/>
+          </a:bodyPr>
+          <a:lstStyle/>
+          <a:p>
+            <a:r>
+              <a:rPr lang="en-US" sz="4800" dirty="0" smtClean="0">
+                <a:latin typeface="Roboto" panose="02000000000000000000" pitchFamily="2" charset="0"/>
+                <a:ea typeface="Roboto" panose="02000000000000000000" pitchFamily="2" charset="0"/>
+              </a:rPr>
+              <a:t>?</a:t>
+            </a:r>
+            <a:endParaRPr lang="en-US" sz="4800" dirty="0">
+              <a:latin typeface="Roboto" panose="02000000000000000000" pitchFamily="2" charset="0"/>
+              <a:ea typeface="Roboto" panose="02000000000000000000" pitchFamily="2" charset="0"/>
+            </a:endParaRPr>
+          </a:p>
+        </p:txBody>
+      </p:sp>
+      <p:sp>
+        <p:nvSpPr>
+          <p:cNvPr id="8" name="TextBox 7"/>
+          <p:cNvSpPr txBox="1"/>
+          <p:nvPr/>
+        </p:nvSpPr>
+        <p:spPr>
+          <a:xfrm>
+            <a:off x="5487419" y="2456911"/>
+            <a:ext cx="545866" cy="830997"/>
+          </a:xfrm>
+          <a:prstGeom prst="rect">
+            <a:avLst/>
+          </a:prstGeom>
+          <a:noFill/>
+        </p:spPr>
+        <p:txBody>
+          <a:bodyPr wrap="square" rtlCol="0">
+            <a:spAutoFit/>
+          </a:bodyPr>
+          <a:lstStyle/>
+          <a:p>
+            <a:r>
+              <a:rPr lang="en-US" sz="4800" dirty="0" smtClean="0">
+                <a:solidFill>
+                  <a:srgbClr val="C00000"/>
+                </a:solidFill>
+                <a:latin typeface="Roboto" panose="02000000000000000000" pitchFamily="2" charset="0"/>
+                <a:ea typeface="Roboto" panose="02000000000000000000" pitchFamily="2" charset="0"/>
+              </a:rPr>
+              <a:t>1</a:t>
+            </a:r>
+            <a:endParaRPr lang="en-US" sz="4800" dirty="0">
+              <a:solidFill>
+                <a:srgbClr val="C00000"/>
+              </a:solidFill>
+              <a:latin typeface="Roboto" panose="02000000000000000000" pitchFamily="2" charset="0"/>
+              <a:ea typeface="Roboto" panose="02000000000000000000" pitchFamily="2" charset="0"/>
+            </a:endParaRPr>
+          </a:p>
+        </p:txBody>
+      </p:sp>
+      <p:sp>
+        <p:nvSpPr>
+          <p:cNvPr id="11" name="TextBox 10"/>
+          <p:cNvSpPr txBox="1"/>
+          <p:nvPr/>
+        </p:nvSpPr>
+        <p:spPr>
+          <a:xfrm>
+            <a:off x="4708002" y="3518538"/>
+            <a:ext cx="545866" cy="830997"/>
+          </a:xfrm>
+          <a:prstGeom prst="rect">
+            <a:avLst/>
+          </a:prstGeom>
+          <a:noFill/>
+        </p:spPr>
+        <p:txBody>
+          <a:bodyPr wrap="square" rtlCol="0">
+            <a:spAutoFit/>
+          </a:bodyPr>
+          <a:lstStyle/>
+          <a:p>
+            <a:r>
+              <a:rPr lang="en-US" sz="4800" dirty="0">
+                <a:solidFill>
+                  <a:srgbClr val="C00000"/>
+                </a:solidFill>
+                <a:latin typeface="Roboto" panose="02000000000000000000" pitchFamily="2" charset="0"/>
+                <a:ea typeface="Roboto" panose="02000000000000000000" pitchFamily="2" charset="0"/>
+              </a:rPr>
+              <a:t>2</a:t>
+            </a:r>
+          </a:p>
+        </p:txBody>
+      </p:sp>
+      <p:sp>
+        <p:nvSpPr>
+          <p:cNvPr id="12" name="TextBox 11"/>
+          <p:cNvSpPr txBox="1"/>
+          <p:nvPr/>
+        </p:nvSpPr>
+        <p:spPr>
+          <a:xfrm>
+            <a:off x="6105728" y="3801567"/>
+            <a:ext cx="545866" cy="830997"/>
+          </a:xfrm>
+          <a:prstGeom prst="rect">
+            <a:avLst/>
+          </a:prstGeom>
+          <a:noFill/>
+        </p:spPr>
+        <p:txBody>
+          <a:bodyPr wrap="square" rtlCol="0">
+            <a:spAutoFit/>
+          </a:bodyPr>
+          <a:lstStyle/>
+          <a:p>
+            <a:r>
+              <a:rPr lang="en-US" sz="4800" dirty="0" smtClean="0">
+                <a:solidFill>
+                  <a:srgbClr val="C00000"/>
+                </a:solidFill>
+                <a:latin typeface="Roboto" panose="02000000000000000000" pitchFamily="2" charset="0"/>
+                <a:ea typeface="Roboto" panose="02000000000000000000" pitchFamily="2" charset="0"/>
+              </a:rPr>
+              <a:t>3</a:t>
+            </a:r>
+            <a:endParaRPr lang="en-US" sz="4800" dirty="0">
+              <a:solidFill>
+                <a:srgbClr val="C00000"/>
+              </a:solidFill>
+              <a:latin typeface="Roboto" panose="02000000000000000000" pitchFamily="2" charset="0"/>
+              <a:ea typeface="Roboto" panose="02000000000000000000" pitchFamily="2" charset="0"/>
+            </a:endParaRPr>
+          </a:p>
+        </p:txBody>
+      </p:sp>
+    </p:spTree>
+    <p:extLst>
+      <p:ext uri="{BB962C8B-B14F-4D97-AF65-F5344CB8AC3E}">
+        <p14:creationId xmlns:p14="http://schemas.microsoft.com/office/powerpoint/2010/main" val="3494041039"/>
+      </p:ext>
+    </p:extLst>
+  </p:cSld>
+  <p:clrMapOvr>
+    <a:masterClrMapping/>
+  </p:clrMapOvr>
+  <p:timing>
+    <p:tnLst>
+      <p:par>
+        <p:cTn id="1" dur="indefinite" restart="never" nodeType="tmRoot"/>
+      </p:par>
+    </p:tnLst>
+  </p:timing>
+</p:sld>
+</file>
+
+<file path=ppt/slides/slide61.xml><?xml version="1.0" encoding="utf-8"?>
+<p:sld xmlns:a="http://schemas.openxmlformats.org/drawingml/2006/main" xmlns:r="http://schemas.openxmlformats.org/officeDocument/2006/relationships" xmlns:p="http://schemas.openxmlformats.org/presentationml/2006/main">
+  <p:cSld>
+    <p:spTree>
+      <p:nvGrpSpPr>
+        <p:cNvPr id="1" name=""/>
+        <p:cNvGrpSpPr/>
+        <p:nvPr/>
+      </p:nvGrpSpPr>
+      <p:grpSpPr>
+        <a:xfrm>
+          <a:off x="0" y="0"/>
+          <a:ext cx="0" cy="0"/>
+          <a:chOff x="0" y="0"/>
+          <a:chExt cx="0" cy="0"/>
+        </a:xfrm>
+      </p:grpSpPr>
+      <p:sp>
+        <p:nvSpPr>
+          <p:cNvPr id="3" name="Овал 2"/>
+          <p:cNvSpPr/>
+          <p:nvPr/>
+        </p:nvSpPr>
+        <p:spPr>
+          <a:xfrm>
+            <a:off x="3351712" y="1271451"/>
+            <a:ext cx="4755968" cy="4755968"/>
+          </a:xfrm>
+          <a:prstGeom prst="ellipse">
+            <a:avLst/>
+          </a:prstGeom>
+          <a:solidFill>
+            <a:srgbClr val="F0B4AE">
+              <a:alpha val="20000"/>
+            </a:srgbClr>
+          </a:solidFill>
+          <a:ln w="3175">
+            <a:solidFill>
+              <a:srgbClr val="C00000"/>
+            </a:solidFill>
+          </a:ln>
+        </p:spPr>
+        <p:style>
+          <a:lnRef idx="2">
+            <a:schemeClr val="accent1">
+              <a:shade val="50000"/>
+            </a:schemeClr>
+          </a:lnRef>
+          <a:fillRef idx="1">
+            <a:schemeClr val="accent1"/>
+          </a:fillRef>
+          <a:effectRef idx="0">
+            <a:schemeClr val="accent1"/>
+          </a:effectRef>
+          <a:fontRef idx="minor">
+            <a:schemeClr val="lt1"/>
+          </a:fontRef>
+        </p:style>
+        <p:txBody>
+          <a:bodyPr rtlCol="0" anchor="ctr"/>
+          <a:lstStyle/>
+          <a:p>
+            <a:pPr algn="ctr"/>
+            <a:endParaRPr lang="en-US"/>
+          </a:p>
+        </p:txBody>
+      </p:sp>
+      <p:sp>
+        <p:nvSpPr>
+          <p:cNvPr id="5" name="Овал 4"/>
+          <p:cNvSpPr/>
+          <p:nvPr/>
+        </p:nvSpPr>
+        <p:spPr>
+          <a:xfrm>
+            <a:off x="9126585" y="1271451"/>
+            <a:ext cx="2248986" cy="2248986"/>
+          </a:xfrm>
+          <a:prstGeom prst="ellipse">
+            <a:avLst/>
+          </a:prstGeom>
+          <a:solidFill>
+            <a:schemeClr val="accent6">
+              <a:lumMod val="60000"/>
+              <a:lumOff val="40000"/>
+              <a:alpha val="20000"/>
+            </a:schemeClr>
+          </a:solidFill>
+          <a:ln w="3175">
+            <a:solidFill>
+              <a:schemeClr val="accent6">
+                <a:lumMod val="75000"/>
+              </a:schemeClr>
+            </a:solidFill>
+          </a:ln>
+        </p:spPr>
+        <p:style>
+          <a:lnRef idx="2">
+            <a:schemeClr val="accent1">
+              <a:shade val="50000"/>
+            </a:schemeClr>
+          </a:lnRef>
+          <a:fillRef idx="1">
+            <a:schemeClr val="accent1"/>
+          </a:fillRef>
+          <a:effectRef idx="0">
+            <a:schemeClr val="accent1"/>
+          </a:effectRef>
+          <a:fontRef idx="minor">
+            <a:schemeClr val="lt1"/>
+          </a:fontRef>
+        </p:style>
+        <p:txBody>
+          <a:bodyPr rtlCol="0" anchor="ctr"/>
+          <a:lstStyle/>
+          <a:p>
+            <a:pPr algn="ctr"/>
+            <a:endParaRPr lang="en-US"/>
+          </a:p>
+        </p:txBody>
+      </p:sp>
+      <p:sp>
+        <p:nvSpPr>
+          <p:cNvPr id="7" name="TextBox 6"/>
+          <p:cNvSpPr txBox="1"/>
+          <p:nvPr/>
+        </p:nvSpPr>
+        <p:spPr>
+          <a:xfrm>
+            <a:off x="4708002" y="3518538"/>
+            <a:ext cx="545866" cy="830997"/>
+          </a:xfrm>
+          <a:prstGeom prst="rect">
+            <a:avLst/>
+          </a:prstGeom>
+          <a:noFill/>
+        </p:spPr>
+        <p:txBody>
+          <a:bodyPr wrap="square" rtlCol="0">
+            <a:spAutoFit/>
+          </a:bodyPr>
+          <a:lstStyle/>
+          <a:p>
+            <a:r>
+              <a:rPr lang="en-US" sz="4800" dirty="0">
+                <a:solidFill>
+                  <a:srgbClr val="C00000"/>
+                </a:solidFill>
+                <a:latin typeface="Roboto" panose="02000000000000000000" pitchFamily="2" charset="0"/>
+                <a:ea typeface="Roboto" panose="02000000000000000000" pitchFamily="2" charset="0"/>
+              </a:rPr>
+              <a:t>2</a:t>
+            </a:r>
+          </a:p>
+        </p:txBody>
+      </p:sp>
+      <p:sp>
+        <p:nvSpPr>
+          <p:cNvPr id="8" name="TextBox 7"/>
+          <p:cNvSpPr txBox="1"/>
+          <p:nvPr/>
+        </p:nvSpPr>
+        <p:spPr>
+          <a:xfrm>
+            <a:off x="6105728" y="3801567"/>
+            <a:ext cx="545866" cy="830997"/>
+          </a:xfrm>
+          <a:prstGeom prst="rect">
+            <a:avLst/>
+          </a:prstGeom>
+          <a:noFill/>
+        </p:spPr>
+        <p:txBody>
+          <a:bodyPr wrap="square" rtlCol="0">
+            <a:spAutoFit/>
+          </a:bodyPr>
+          <a:lstStyle/>
+          <a:p>
+            <a:r>
+              <a:rPr lang="en-US" sz="4800" dirty="0" smtClean="0">
+                <a:solidFill>
+                  <a:srgbClr val="C00000"/>
+                </a:solidFill>
+                <a:latin typeface="Roboto" panose="02000000000000000000" pitchFamily="2" charset="0"/>
+                <a:ea typeface="Roboto" panose="02000000000000000000" pitchFamily="2" charset="0"/>
+              </a:rPr>
+              <a:t>3</a:t>
+            </a:r>
+            <a:endParaRPr lang="en-US" sz="4800" dirty="0">
+              <a:solidFill>
+                <a:srgbClr val="C00000"/>
+              </a:solidFill>
+              <a:latin typeface="Roboto" panose="02000000000000000000" pitchFamily="2" charset="0"/>
+              <a:ea typeface="Roboto" panose="02000000000000000000" pitchFamily="2" charset="0"/>
+            </a:endParaRPr>
+          </a:p>
+        </p:txBody>
+      </p:sp>
+      <p:sp>
+        <p:nvSpPr>
+          <p:cNvPr id="9" name="TextBox 8"/>
+          <p:cNvSpPr txBox="1"/>
+          <p:nvPr/>
+        </p:nvSpPr>
+        <p:spPr>
+          <a:xfrm>
+            <a:off x="9970454" y="1980445"/>
+            <a:ext cx="545866" cy="830997"/>
+          </a:xfrm>
+          <a:prstGeom prst="rect">
+            <a:avLst/>
+          </a:prstGeom>
+          <a:noFill/>
+        </p:spPr>
+        <p:txBody>
+          <a:bodyPr wrap="square" rtlCol="0">
+            <a:spAutoFit/>
+          </a:bodyPr>
+          <a:lstStyle/>
+          <a:p>
+            <a:r>
+              <a:rPr lang="en-US" sz="4800" dirty="0">
+                <a:solidFill>
+                  <a:srgbClr val="C00000"/>
+                </a:solidFill>
+                <a:latin typeface="Roboto" panose="02000000000000000000" pitchFamily="2" charset="0"/>
+                <a:ea typeface="Roboto" panose="02000000000000000000" pitchFamily="2" charset="0"/>
+              </a:rPr>
+              <a:t>2</a:t>
+            </a:r>
+          </a:p>
+        </p:txBody>
+      </p:sp>
+      <p:sp>
+        <p:nvSpPr>
+          <p:cNvPr id="10" name="TextBox 9"/>
+          <p:cNvSpPr txBox="1"/>
+          <p:nvPr/>
+        </p:nvSpPr>
+        <p:spPr>
+          <a:xfrm>
+            <a:off x="5519307" y="263223"/>
+            <a:ext cx="482089" cy="830997"/>
+          </a:xfrm>
+          <a:prstGeom prst="rect">
+            <a:avLst/>
+          </a:prstGeom>
+          <a:noFill/>
+        </p:spPr>
+        <p:txBody>
+          <a:bodyPr wrap="square" rtlCol="0">
+            <a:spAutoFit/>
+          </a:bodyPr>
+          <a:lstStyle/>
+          <a:p>
+            <a:r>
+              <a:rPr lang="en-US" sz="4800" dirty="0" smtClean="0">
+                <a:latin typeface="Roboto" panose="02000000000000000000" pitchFamily="2" charset="0"/>
+                <a:ea typeface="Roboto" panose="02000000000000000000" pitchFamily="2" charset="0"/>
+              </a:rPr>
+              <a:t>?</a:t>
+            </a:r>
+            <a:endParaRPr lang="en-US" sz="4800" dirty="0">
+              <a:latin typeface="Roboto" panose="02000000000000000000" pitchFamily="2" charset="0"/>
+              <a:ea typeface="Roboto" panose="02000000000000000000" pitchFamily="2" charset="0"/>
+            </a:endParaRPr>
+          </a:p>
+        </p:txBody>
+      </p:sp>
+    </p:spTree>
+    <p:extLst>
+      <p:ext uri="{BB962C8B-B14F-4D97-AF65-F5344CB8AC3E}">
+        <p14:creationId xmlns:p14="http://schemas.microsoft.com/office/powerpoint/2010/main" val="3026042107"/>
+      </p:ext>
+    </p:extLst>
+  </p:cSld>
+  <p:clrMapOvr>
+    <a:masterClrMapping/>
+  </p:clrMapOvr>
+  <p:timing>
+    <p:tnLst>
+      <p:par>
+        <p:cTn id="1" dur="indefinite" restart="never" nodeType="tmRoot"/>
+      </p:par>
+    </p:tnLst>
+  </p:timing>
+</p:sld>
+</file>
+
+<file path=ppt/slides/slide62.xml><?xml version="1.0" encoding="utf-8"?>
+<p:sld xmlns:a="http://schemas.openxmlformats.org/drawingml/2006/main" xmlns:r="http://schemas.openxmlformats.org/officeDocument/2006/relationships" xmlns:p="http://schemas.openxmlformats.org/presentationml/2006/main">
+  <p:cSld>
+    <p:spTree>
+      <p:nvGrpSpPr>
+        <p:cNvPr id="1" name=""/>
+        <p:cNvGrpSpPr/>
+        <p:nvPr/>
+      </p:nvGrpSpPr>
+      <p:grpSpPr>
+        <a:xfrm>
+          <a:off x="0" y="0"/>
+          <a:ext cx="0" cy="0"/>
+          <a:chOff x="0" y="0"/>
+          <a:chExt cx="0" cy="0"/>
+        </a:xfrm>
+      </p:grpSpPr>
+      <p:sp>
+        <p:nvSpPr>
+          <p:cNvPr id="3" name="Овал 2"/>
+          <p:cNvSpPr/>
+          <p:nvPr/>
+        </p:nvSpPr>
+        <p:spPr>
+          <a:xfrm>
+            <a:off x="3351712" y="1271451"/>
+            <a:ext cx="4755968" cy="4755968"/>
+          </a:xfrm>
+          <a:prstGeom prst="ellipse">
+            <a:avLst/>
+          </a:prstGeom>
+          <a:solidFill>
+            <a:srgbClr val="F0B4AE">
+              <a:alpha val="20000"/>
+            </a:srgbClr>
+          </a:solidFill>
+          <a:ln w="3175">
+            <a:solidFill>
+              <a:srgbClr val="C00000"/>
+            </a:solidFill>
+          </a:ln>
+        </p:spPr>
+        <p:style>
+          <a:lnRef idx="2">
+            <a:schemeClr val="accent1">
+              <a:shade val="50000"/>
+            </a:schemeClr>
+          </a:lnRef>
+          <a:fillRef idx="1">
+            <a:schemeClr val="accent1"/>
+          </a:fillRef>
+          <a:effectRef idx="0">
+            <a:schemeClr val="accent1"/>
+          </a:effectRef>
+          <a:fontRef idx="minor">
+            <a:schemeClr val="lt1"/>
+          </a:fontRef>
+        </p:style>
+        <p:txBody>
+          <a:bodyPr rtlCol="0" anchor="ctr"/>
+          <a:lstStyle/>
+          <a:p>
+            <a:pPr algn="ctr"/>
+            <a:endParaRPr lang="en-US"/>
+          </a:p>
+        </p:txBody>
+      </p:sp>
+      <p:sp>
+        <p:nvSpPr>
+          <p:cNvPr id="5" name="Овал 4"/>
+          <p:cNvSpPr/>
+          <p:nvPr/>
+        </p:nvSpPr>
+        <p:spPr>
+          <a:xfrm>
+            <a:off x="9126585" y="1271451"/>
+            <a:ext cx="2248986" cy="2248986"/>
+          </a:xfrm>
+          <a:prstGeom prst="ellipse">
+            <a:avLst/>
+          </a:prstGeom>
+          <a:solidFill>
+            <a:schemeClr val="accent6">
+              <a:lumMod val="60000"/>
+              <a:lumOff val="40000"/>
+              <a:alpha val="20000"/>
+            </a:schemeClr>
+          </a:solidFill>
+          <a:ln w="3175">
+            <a:solidFill>
+              <a:schemeClr val="accent6">
+                <a:lumMod val="75000"/>
+              </a:schemeClr>
+            </a:solidFill>
+          </a:ln>
+        </p:spPr>
+        <p:style>
+          <a:lnRef idx="2">
+            <a:schemeClr val="accent1">
+              <a:shade val="50000"/>
+            </a:schemeClr>
+          </a:lnRef>
+          <a:fillRef idx="1">
+            <a:schemeClr val="accent1"/>
+          </a:fillRef>
+          <a:effectRef idx="0">
+            <a:schemeClr val="accent1"/>
+          </a:effectRef>
+          <a:fontRef idx="minor">
+            <a:schemeClr val="lt1"/>
+          </a:fontRef>
+        </p:style>
+        <p:txBody>
+          <a:bodyPr rtlCol="0" anchor="ctr"/>
+          <a:lstStyle/>
+          <a:p>
+            <a:pPr algn="ctr"/>
+            <a:endParaRPr lang="en-US"/>
+          </a:p>
+        </p:txBody>
+      </p:sp>
+      <p:sp>
+        <p:nvSpPr>
+          <p:cNvPr id="7" name="TextBox 6"/>
+          <p:cNvSpPr txBox="1"/>
+          <p:nvPr/>
+        </p:nvSpPr>
+        <p:spPr>
+          <a:xfrm>
+            <a:off x="4708002" y="3518538"/>
+            <a:ext cx="545866" cy="830997"/>
+          </a:xfrm>
+          <a:prstGeom prst="rect">
+            <a:avLst/>
+          </a:prstGeom>
+          <a:noFill/>
+        </p:spPr>
+        <p:txBody>
+          <a:bodyPr wrap="square" rtlCol="0">
+            <a:spAutoFit/>
+          </a:bodyPr>
+          <a:lstStyle/>
+          <a:p>
+            <a:r>
+              <a:rPr lang="en-US" sz="4800" dirty="0">
+                <a:solidFill>
+                  <a:srgbClr val="C00000"/>
+                </a:solidFill>
+                <a:latin typeface="Roboto" panose="02000000000000000000" pitchFamily="2" charset="0"/>
+                <a:ea typeface="Roboto" panose="02000000000000000000" pitchFamily="2" charset="0"/>
+              </a:rPr>
+              <a:t>2</a:t>
+            </a:r>
+          </a:p>
+        </p:txBody>
+      </p:sp>
+      <p:sp>
+        <p:nvSpPr>
+          <p:cNvPr id="9" name="TextBox 8"/>
+          <p:cNvSpPr txBox="1"/>
+          <p:nvPr/>
+        </p:nvSpPr>
+        <p:spPr>
+          <a:xfrm>
+            <a:off x="9970454" y="1980445"/>
+            <a:ext cx="545866" cy="830997"/>
+          </a:xfrm>
+          <a:prstGeom prst="rect">
+            <a:avLst/>
+          </a:prstGeom>
+          <a:noFill/>
+        </p:spPr>
+        <p:txBody>
+          <a:bodyPr wrap="square" rtlCol="0">
+            <a:spAutoFit/>
+          </a:bodyPr>
+          <a:lstStyle/>
+          <a:p>
+            <a:r>
+              <a:rPr lang="en-US" sz="4800" dirty="0">
+                <a:solidFill>
+                  <a:srgbClr val="C00000"/>
+                </a:solidFill>
+                <a:latin typeface="Roboto" panose="02000000000000000000" pitchFamily="2" charset="0"/>
+                <a:ea typeface="Roboto" panose="02000000000000000000" pitchFamily="2" charset="0"/>
+              </a:rPr>
+              <a:t>2</a:t>
+            </a:r>
+          </a:p>
+        </p:txBody>
+      </p:sp>
+      <p:sp>
+        <p:nvSpPr>
+          <p:cNvPr id="10" name="TextBox 9"/>
+          <p:cNvSpPr txBox="1"/>
+          <p:nvPr/>
+        </p:nvSpPr>
+        <p:spPr>
+          <a:xfrm>
+            <a:off x="5519307" y="263223"/>
+            <a:ext cx="482089" cy="830997"/>
+          </a:xfrm>
+          <a:prstGeom prst="rect">
+            <a:avLst/>
+          </a:prstGeom>
+          <a:noFill/>
+        </p:spPr>
+        <p:txBody>
+          <a:bodyPr wrap="square" rtlCol="0">
+            <a:spAutoFit/>
+          </a:bodyPr>
+          <a:lstStyle/>
+          <a:p>
+            <a:r>
+              <a:rPr lang="en-US" sz="4800" dirty="0" smtClean="0">
+                <a:latin typeface="Roboto" panose="02000000000000000000" pitchFamily="2" charset="0"/>
+                <a:ea typeface="Roboto" panose="02000000000000000000" pitchFamily="2" charset="0"/>
+              </a:rPr>
+              <a:t>?</a:t>
+            </a:r>
+            <a:endParaRPr lang="en-US" sz="4800" dirty="0">
+              <a:latin typeface="Roboto" panose="02000000000000000000" pitchFamily="2" charset="0"/>
+              <a:ea typeface="Roboto" panose="02000000000000000000" pitchFamily="2" charset="0"/>
+            </a:endParaRPr>
+          </a:p>
+        </p:txBody>
+      </p:sp>
+    </p:spTree>
+    <p:extLst>
+      <p:ext uri="{BB962C8B-B14F-4D97-AF65-F5344CB8AC3E}">
+        <p14:creationId xmlns:p14="http://schemas.microsoft.com/office/powerpoint/2010/main" val="2779212385"/>
+      </p:ext>
+    </p:extLst>
+  </p:cSld>
+  <p:clrMapOvr>
+    <a:masterClrMapping/>
+  </p:clrMapOvr>
+  <p:timing>
+    <p:tnLst>
+      <p:par>
+        <p:cTn id="1" dur="indefinite" restart="never" nodeType="tmRoot"/>
+      </p:par>
+    </p:tnLst>
+  </p:timing>
+</p:sld>
+</file>
+
+<file path=ppt/slides/slide63.xml><?xml version="1.0" encoding="utf-8"?>
+<p:sld xmlns:a="http://schemas.openxmlformats.org/drawingml/2006/main" xmlns:r="http://schemas.openxmlformats.org/officeDocument/2006/relationships" xmlns:p="http://schemas.openxmlformats.org/presentationml/2006/main">
+  <p:cSld>
+    <p:spTree>
+      <p:nvGrpSpPr>
+        <p:cNvPr id="1" name=""/>
+        <p:cNvGrpSpPr/>
+        <p:nvPr/>
+      </p:nvGrpSpPr>
+      <p:grpSpPr>
+        <a:xfrm>
+          <a:off x="0" y="0"/>
+          <a:ext cx="0" cy="0"/>
+          <a:chOff x="0" y="0"/>
+          <a:chExt cx="0" cy="0"/>
+        </a:xfrm>
+      </p:grpSpPr>
+      <p:sp>
+        <p:nvSpPr>
+          <p:cNvPr id="3" name="Овал 2"/>
+          <p:cNvSpPr/>
+          <p:nvPr/>
+        </p:nvSpPr>
+        <p:spPr>
+          <a:xfrm>
+            <a:off x="3351712" y="1271451"/>
+            <a:ext cx="4755968" cy="4755968"/>
+          </a:xfrm>
+          <a:prstGeom prst="ellipse">
+            <a:avLst/>
+          </a:prstGeom>
+          <a:solidFill>
+            <a:srgbClr val="F0B4AE">
+              <a:alpha val="20000"/>
+            </a:srgbClr>
+          </a:solidFill>
+          <a:ln w="3175">
+            <a:solidFill>
+              <a:srgbClr val="C00000"/>
+            </a:solidFill>
+          </a:ln>
+        </p:spPr>
+        <p:style>
+          <a:lnRef idx="2">
+            <a:schemeClr val="accent1">
+              <a:shade val="50000"/>
+            </a:schemeClr>
+          </a:lnRef>
+          <a:fillRef idx="1">
+            <a:schemeClr val="accent1"/>
+          </a:fillRef>
+          <a:effectRef idx="0">
+            <a:schemeClr val="accent1"/>
+          </a:effectRef>
+          <a:fontRef idx="minor">
+            <a:schemeClr val="lt1"/>
+          </a:fontRef>
+        </p:style>
+        <p:txBody>
+          <a:bodyPr rtlCol="0" anchor="ctr"/>
+          <a:lstStyle/>
+          <a:p>
+            <a:pPr algn="ctr"/>
+            <a:endParaRPr lang="en-US"/>
+          </a:p>
+        </p:txBody>
+      </p:sp>
+      <p:sp>
+        <p:nvSpPr>
+          <p:cNvPr id="5" name="Овал 4"/>
+          <p:cNvSpPr/>
+          <p:nvPr/>
+        </p:nvSpPr>
+        <p:spPr>
+          <a:xfrm>
+            <a:off x="6895892" y="2524942"/>
+            <a:ext cx="2248986" cy="2248986"/>
+          </a:xfrm>
+          <a:prstGeom prst="ellipse">
+            <a:avLst/>
+          </a:prstGeom>
+          <a:solidFill>
+            <a:schemeClr val="accent6">
+              <a:lumMod val="60000"/>
+              <a:lumOff val="40000"/>
+              <a:alpha val="20000"/>
+            </a:schemeClr>
+          </a:solidFill>
+          <a:ln w="3175">
+            <a:solidFill>
+              <a:schemeClr val="accent6">
+                <a:lumMod val="75000"/>
+              </a:schemeClr>
+            </a:solidFill>
+          </a:ln>
+        </p:spPr>
+        <p:style>
+          <a:lnRef idx="2">
+            <a:schemeClr val="accent1">
+              <a:shade val="50000"/>
+            </a:schemeClr>
+          </a:lnRef>
+          <a:fillRef idx="1">
+            <a:schemeClr val="accent1"/>
+          </a:fillRef>
+          <a:effectRef idx="0">
+            <a:schemeClr val="accent1"/>
+          </a:effectRef>
+          <a:fontRef idx="minor">
+            <a:schemeClr val="lt1"/>
+          </a:fontRef>
+        </p:style>
+        <p:txBody>
+          <a:bodyPr rtlCol="0" anchor="ctr"/>
+          <a:lstStyle/>
+          <a:p>
+            <a:pPr algn="ctr"/>
+            <a:endParaRPr lang="en-US"/>
+          </a:p>
+        </p:txBody>
+      </p:sp>
+      <p:sp>
+        <p:nvSpPr>
+          <p:cNvPr id="10" name="TextBox 9"/>
+          <p:cNvSpPr txBox="1"/>
+          <p:nvPr/>
+        </p:nvSpPr>
+        <p:spPr>
+          <a:xfrm>
+            <a:off x="5519307" y="263223"/>
+            <a:ext cx="482089" cy="830997"/>
+          </a:xfrm>
+          <a:prstGeom prst="rect">
+            <a:avLst/>
+          </a:prstGeom>
+          <a:noFill/>
+        </p:spPr>
+        <p:txBody>
+          <a:bodyPr wrap="square" rtlCol="0">
+            <a:spAutoFit/>
+          </a:bodyPr>
+          <a:lstStyle/>
+          <a:p>
+            <a:r>
+              <a:rPr lang="en-US" sz="4800" dirty="0" smtClean="0">
+                <a:latin typeface="Roboto" panose="02000000000000000000" pitchFamily="2" charset="0"/>
+                <a:ea typeface="Roboto" panose="02000000000000000000" pitchFamily="2" charset="0"/>
+              </a:rPr>
+              <a:t>?</a:t>
+            </a:r>
+            <a:endParaRPr lang="en-US" sz="4800" dirty="0">
+              <a:latin typeface="Roboto" panose="02000000000000000000" pitchFamily="2" charset="0"/>
+              <a:ea typeface="Roboto" panose="02000000000000000000" pitchFamily="2" charset="0"/>
+            </a:endParaRPr>
+          </a:p>
+        </p:txBody>
+      </p:sp>
+      <p:sp>
+        <p:nvSpPr>
+          <p:cNvPr id="8" name="TextBox 7"/>
+          <p:cNvSpPr txBox="1"/>
+          <p:nvPr/>
+        </p:nvSpPr>
+        <p:spPr>
+          <a:xfrm>
+            <a:off x="5487419" y="2456911"/>
+            <a:ext cx="545866" cy="830997"/>
+          </a:xfrm>
+          <a:prstGeom prst="rect">
+            <a:avLst/>
+          </a:prstGeom>
+          <a:noFill/>
+        </p:spPr>
+        <p:txBody>
+          <a:bodyPr wrap="square" rtlCol="0">
+            <a:spAutoFit/>
+          </a:bodyPr>
+          <a:lstStyle/>
+          <a:p>
+            <a:r>
+              <a:rPr lang="en-US" sz="4800" dirty="0" smtClean="0">
+                <a:solidFill>
+                  <a:srgbClr val="C00000"/>
+                </a:solidFill>
+                <a:latin typeface="Roboto" panose="02000000000000000000" pitchFamily="2" charset="0"/>
+                <a:ea typeface="Roboto" panose="02000000000000000000" pitchFamily="2" charset="0"/>
+              </a:rPr>
+              <a:t>1</a:t>
+            </a:r>
+            <a:endParaRPr lang="en-US" sz="4800" dirty="0">
+              <a:solidFill>
+                <a:srgbClr val="C00000"/>
+              </a:solidFill>
+              <a:latin typeface="Roboto" panose="02000000000000000000" pitchFamily="2" charset="0"/>
+              <a:ea typeface="Roboto" panose="02000000000000000000" pitchFamily="2" charset="0"/>
+            </a:endParaRPr>
+          </a:p>
+        </p:txBody>
+      </p:sp>
+      <p:sp>
+        <p:nvSpPr>
+          <p:cNvPr id="11" name="TextBox 10"/>
+          <p:cNvSpPr txBox="1"/>
+          <p:nvPr/>
+        </p:nvSpPr>
+        <p:spPr>
+          <a:xfrm>
+            <a:off x="7310048" y="3233936"/>
+            <a:ext cx="545866" cy="830997"/>
+          </a:xfrm>
+          <a:prstGeom prst="rect">
+            <a:avLst/>
+          </a:prstGeom>
+          <a:noFill/>
+        </p:spPr>
+        <p:txBody>
+          <a:bodyPr wrap="square" rtlCol="0">
+            <a:spAutoFit/>
+          </a:bodyPr>
+          <a:lstStyle/>
+          <a:p>
+            <a:r>
+              <a:rPr lang="en-US" sz="4800" dirty="0">
+                <a:solidFill>
+                  <a:srgbClr val="C00000"/>
+                </a:solidFill>
+                <a:latin typeface="Roboto" panose="02000000000000000000" pitchFamily="2" charset="0"/>
+                <a:ea typeface="Roboto" panose="02000000000000000000" pitchFamily="2" charset="0"/>
+              </a:rPr>
+              <a:t>2</a:t>
+            </a:r>
+          </a:p>
+        </p:txBody>
+      </p:sp>
+      <p:sp>
+        <p:nvSpPr>
+          <p:cNvPr id="12" name="TextBox 11"/>
+          <p:cNvSpPr txBox="1"/>
+          <p:nvPr/>
+        </p:nvSpPr>
+        <p:spPr>
+          <a:xfrm>
+            <a:off x="6105728" y="3801567"/>
+            <a:ext cx="545866" cy="830997"/>
+          </a:xfrm>
+          <a:prstGeom prst="rect">
+            <a:avLst/>
+          </a:prstGeom>
+          <a:noFill/>
+        </p:spPr>
+        <p:txBody>
+          <a:bodyPr wrap="square" rtlCol="0">
+            <a:spAutoFit/>
+          </a:bodyPr>
+          <a:lstStyle/>
+          <a:p>
+            <a:r>
+              <a:rPr lang="en-US" sz="4800" dirty="0" smtClean="0">
+                <a:solidFill>
+                  <a:srgbClr val="C00000"/>
+                </a:solidFill>
+                <a:latin typeface="Roboto" panose="02000000000000000000" pitchFamily="2" charset="0"/>
+                <a:ea typeface="Roboto" panose="02000000000000000000" pitchFamily="2" charset="0"/>
+              </a:rPr>
+              <a:t>3</a:t>
+            </a:r>
+            <a:endParaRPr lang="en-US" sz="4800" dirty="0">
+              <a:solidFill>
+                <a:srgbClr val="C00000"/>
+              </a:solidFill>
+              <a:latin typeface="Roboto" panose="02000000000000000000" pitchFamily="2" charset="0"/>
+              <a:ea typeface="Roboto" panose="02000000000000000000" pitchFamily="2" charset="0"/>
+            </a:endParaRPr>
+          </a:p>
+        </p:txBody>
+      </p:sp>
+    </p:spTree>
+    <p:extLst>
+      <p:ext uri="{BB962C8B-B14F-4D97-AF65-F5344CB8AC3E}">
+        <p14:creationId xmlns:p14="http://schemas.microsoft.com/office/powerpoint/2010/main" val="3637168747"/>
+      </p:ext>
+    </p:extLst>
+  </p:cSld>
+  <p:clrMapOvr>
+    <a:masterClrMapping/>
+  </p:clrMapOvr>
+  <p:timing>
+    <p:tnLst>
+      <p:par>
+        <p:cTn id="1" dur="indefinite" restart="never" nodeType="tmRoot"/>
+      </p:par>
+    </p:tnLst>
+  </p:timing>
+</p:sld>
+</file>
+
+<file path=ppt/slides/slide64.xml><?xml version="1.0" encoding="utf-8"?>
+<p:sld xmlns:a="http://schemas.openxmlformats.org/drawingml/2006/main" xmlns:r="http://schemas.openxmlformats.org/officeDocument/2006/relationships" xmlns:p="http://schemas.openxmlformats.org/presentationml/2006/main">
+  <p:cSld>
+    <p:spTree>
+      <p:nvGrpSpPr>
+        <p:cNvPr id="1" name=""/>
+        <p:cNvGrpSpPr/>
+        <p:nvPr/>
+      </p:nvGrpSpPr>
+      <p:grpSpPr>
+        <a:xfrm>
+          <a:off x="0" y="0"/>
+          <a:ext cx="0" cy="0"/>
+          <a:chOff x="0" y="0"/>
+          <a:chExt cx="0" cy="0"/>
+        </a:xfrm>
+      </p:grpSpPr>
+      <p:sp>
+        <p:nvSpPr>
+          <p:cNvPr id="9" name="TextBox 8"/>
+          <p:cNvSpPr txBox="1"/>
+          <p:nvPr/>
+        </p:nvSpPr>
+        <p:spPr>
+          <a:xfrm>
+            <a:off x="3685124" y="2933289"/>
+            <a:ext cx="4821753" cy="830997"/>
+          </a:xfrm>
+          <a:prstGeom prst="rect">
+            <a:avLst/>
+          </a:prstGeom>
+          <a:noFill/>
+        </p:spPr>
+        <p:txBody>
+          <a:bodyPr wrap="square" rtlCol="0">
+            <a:spAutoFit/>
+          </a:bodyPr>
+          <a:lstStyle/>
+          <a:p>
+            <a:r>
+              <a:rPr lang="en-US" sz="4800" dirty="0" smtClean="0">
+                <a:latin typeface="Roboto" panose="02000000000000000000" pitchFamily="2" charset="0"/>
+                <a:ea typeface="Roboto" panose="02000000000000000000" pitchFamily="2" charset="0"/>
+              </a:rPr>
+              <a:t>Extract&lt;</a:t>
+            </a:r>
+            <a:r>
+              <a:rPr lang="en-US" sz="4800" dirty="0" smtClean="0">
+                <a:solidFill>
+                  <a:srgbClr val="C00000"/>
+                </a:solidFill>
+                <a:latin typeface="Roboto" panose="02000000000000000000" pitchFamily="2" charset="0"/>
+                <a:ea typeface="Roboto" panose="02000000000000000000" pitchFamily="2" charset="0"/>
+              </a:rPr>
+              <a:t>A</a:t>
+            </a:r>
+            <a:r>
+              <a:rPr lang="en-US" sz="4800" dirty="0" smtClean="0">
+                <a:latin typeface="Roboto" panose="02000000000000000000" pitchFamily="2" charset="0"/>
+                <a:ea typeface="Roboto" panose="02000000000000000000" pitchFamily="2" charset="0"/>
+              </a:rPr>
+              <a:t> | </a:t>
+            </a:r>
+            <a:r>
+              <a:rPr lang="en-US" sz="4800" dirty="0" smtClean="0">
+                <a:solidFill>
+                  <a:srgbClr val="92D050"/>
+                </a:solidFill>
+                <a:latin typeface="Roboto" panose="02000000000000000000" pitchFamily="2" charset="0"/>
+                <a:ea typeface="Roboto" panose="02000000000000000000" pitchFamily="2" charset="0"/>
+              </a:rPr>
+              <a:t>B, </a:t>
+            </a:r>
+            <a:r>
+              <a:rPr lang="en-US" sz="4800" dirty="0" smtClean="0">
+                <a:solidFill>
+                  <a:srgbClr val="FFC000"/>
+                </a:solidFill>
+                <a:latin typeface="Roboto" panose="02000000000000000000" pitchFamily="2" charset="0"/>
+                <a:ea typeface="Roboto" panose="02000000000000000000" pitchFamily="2" charset="0"/>
+              </a:rPr>
+              <a:t>C</a:t>
+            </a:r>
+            <a:r>
+              <a:rPr lang="en-US" sz="4800" dirty="0" smtClean="0">
+                <a:latin typeface="Roboto" panose="02000000000000000000" pitchFamily="2" charset="0"/>
+                <a:ea typeface="Roboto" panose="02000000000000000000" pitchFamily="2" charset="0"/>
+              </a:rPr>
+              <a:t>&gt;</a:t>
+            </a:r>
+            <a:endParaRPr lang="en-US" sz="4800" dirty="0">
+              <a:latin typeface="Roboto" panose="02000000000000000000" pitchFamily="2" charset="0"/>
+              <a:ea typeface="Roboto" panose="02000000000000000000" pitchFamily="2" charset="0"/>
+            </a:endParaRPr>
+          </a:p>
+        </p:txBody>
+      </p:sp>
+    </p:spTree>
+    <p:extLst>
+      <p:ext uri="{BB962C8B-B14F-4D97-AF65-F5344CB8AC3E}">
+        <p14:creationId xmlns:p14="http://schemas.microsoft.com/office/powerpoint/2010/main" val="1260316853"/>
+      </p:ext>
+    </p:extLst>
+  </p:cSld>
+  <p:clrMapOvr>
+    <a:masterClrMapping/>
+  </p:clrMapOvr>
+  <p:timing>
+    <p:tnLst>
+      <p:par>
+        <p:cTn id="1" dur="indefinite" restart="never" nodeType="tmRoot"/>
+      </p:par>
+    </p:tnLst>
+  </p:timing>
+</p:sld>
+</file>
+
+<file path=ppt/slides/slide65.xml><?xml version="1.0" encoding="utf-8"?>
+<p:sld xmlns:a="http://schemas.openxmlformats.org/drawingml/2006/main" xmlns:r="http://schemas.openxmlformats.org/officeDocument/2006/relationships" xmlns:p="http://schemas.openxmlformats.org/presentationml/2006/main">
+  <p:cSld>
+    <p:spTree>
+      <p:nvGrpSpPr>
+        <p:cNvPr id="1" name=""/>
+        <p:cNvGrpSpPr/>
+        <p:nvPr/>
+      </p:nvGrpSpPr>
+      <p:grpSpPr>
+        <a:xfrm>
+          <a:off x="0" y="0"/>
+          <a:ext cx="0" cy="0"/>
+          <a:chOff x="0" y="0"/>
+          <a:chExt cx="0" cy="0"/>
+        </a:xfrm>
+      </p:grpSpPr>
+      <p:sp>
+        <p:nvSpPr>
+          <p:cNvPr id="9" name="TextBox 8"/>
+          <p:cNvSpPr txBox="1"/>
+          <p:nvPr/>
+        </p:nvSpPr>
+        <p:spPr>
+          <a:xfrm>
+            <a:off x="2170961" y="2933289"/>
+            <a:ext cx="7850078" cy="830997"/>
+          </a:xfrm>
+          <a:prstGeom prst="rect">
+            <a:avLst/>
+          </a:prstGeom>
+          <a:noFill/>
+        </p:spPr>
+        <p:txBody>
+          <a:bodyPr wrap="square" rtlCol="0">
+            <a:spAutoFit/>
+          </a:bodyPr>
+          <a:lstStyle/>
+          <a:p>
+            <a:r>
+              <a:rPr lang="en-US" sz="4800" dirty="0" smtClean="0">
+                <a:latin typeface="Roboto" panose="02000000000000000000" pitchFamily="2" charset="0"/>
+                <a:ea typeface="Roboto" panose="02000000000000000000" pitchFamily="2" charset="0"/>
+              </a:rPr>
+              <a:t>Extract&lt;</a:t>
+            </a:r>
+            <a:r>
+              <a:rPr lang="en-US" sz="4800" dirty="0" smtClean="0">
+                <a:solidFill>
+                  <a:srgbClr val="C00000"/>
+                </a:solidFill>
+                <a:latin typeface="Roboto" panose="02000000000000000000" pitchFamily="2" charset="0"/>
+                <a:ea typeface="Roboto" panose="02000000000000000000" pitchFamily="2" charset="0"/>
+              </a:rPr>
+              <a:t>A</a:t>
+            </a:r>
+            <a:r>
+              <a:rPr lang="en-US" sz="4800" dirty="0" smtClean="0">
+                <a:solidFill>
+                  <a:srgbClr val="92D050"/>
+                </a:solidFill>
+                <a:latin typeface="Roboto" panose="02000000000000000000" pitchFamily="2" charset="0"/>
+                <a:ea typeface="Roboto" panose="02000000000000000000" pitchFamily="2" charset="0"/>
+              </a:rPr>
+              <a:t>, </a:t>
+            </a:r>
+            <a:r>
+              <a:rPr lang="en-US" sz="4800" dirty="0" smtClean="0">
+                <a:solidFill>
+                  <a:srgbClr val="FFC000"/>
+                </a:solidFill>
+                <a:latin typeface="Roboto" panose="02000000000000000000" pitchFamily="2" charset="0"/>
+                <a:ea typeface="Roboto" panose="02000000000000000000" pitchFamily="2" charset="0"/>
+              </a:rPr>
+              <a:t>C</a:t>
+            </a:r>
+            <a:r>
+              <a:rPr lang="en-US" sz="4800" dirty="0">
+                <a:latin typeface="Roboto" panose="02000000000000000000" pitchFamily="2" charset="0"/>
+                <a:ea typeface="Roboto" panose="02000000000000000000" pitchFamily="2" charset="0"/>
+              </a:rPr>
+              <a:t>&gt; | </a:t>
+            </a:r>
+            <a:r>
+              <a:rPr lang="en-US" sz="4800" dirty="0" smtClean="0">
+                <a:latin typeface="Roboto" panose="02000000000000000000" pitchFamily="2" charset="0"/>
+                <a:ea typeface="Roboto" panose="02000000000000000000" pitchFamily="2" charset="0"/>
+              </a:rPr>
+              <a:t>Extract&lt;</a:t>
+            </a:r>
+            <a:r>
+              <a:rPr lang="en-US" sz="4800" dirty="0" smtClean="0">
+                <a:solidFill>
+                  <a:srgbClr val="92D050"/>
+                </a:solidFill>
+                <a:latin typeface="Roboto" panose="02000000000000000000" pitchFamily="2" charset="0"/>
+                <a:ea typeface="Roboto" panose="02000000000000000000" pitchFamily="2" charset="0"/>
+              </a:rPr>
+              <a:t>B</a:t>
+            </a:r>
+            <a:r>
+              <a:rPr lang="en-US" sz="4800" dirty="0">
+                <a:solidFill>
+                  <a:srgbClr val="92D050"/>
+                </a:solidFill>
+                <a:latin typeface="Roboto" panose="02000000000000000000" pitchFamily="2" charset="0"/>
+                <a:ea typeface="Roboto" panose="02000000000000000000" pitchFamily="2" charset="0"/>
+              </a:rPr>
+              <a:t>, </a:t>
+            </a:r>
+            <a:r>
+              <a:rPr lang="en-US" sz="4800" dirty="0">
+                <a:solidFill>
+                  <a:srgbClr val="FFC000"/>
+                </a:solidFill>
+                <a:latin typeface="Roboto" panose="02000000000000000000" pitchFamily="2" charset="0"/>
+                <a:ea typeface="Roboto" panose="02000000000000000000" pitchFamily="2" charset="0"/>
+              </a:rPr>
+              <a:t>C</a:t>
+            </a:r>
+            <a:r>
+              <a:rPr lang="en-US" sz="4800" dirty="0" smtClean="0">
+                <a:latin typeface="Roboto" panose="02000000000000000000" pitchFamily="2" charset="0"/>
+                <a:ea typeface="Roboto" panose="02000000000000000000" pitchFamily="2" charset="0"/>
+              </a:rPr>
+              <a:t>&gt;</a:t>
+            </a:r>
+            <a:endParaRPr lang="en-US" sz="4800" dirty="0">
+              <a:latin typeface="Roboto" panose="02000000000000000000" pitchFamily="2" charset="0"/>
+              <a:ea typeface="Roboto" panose="02000000000000000000" pitchFamily="2" charset="0"/>
+            </a:endParaRPr>
+          </a:p>
+        </p:txBody>
+      </p:sp>
+    </p:spTree>
+    <p:extLst>
+      <p:ext uri="{BB962C8B-B14F-4D97-AF65-F5344CB8AC3E}">
+        <p14:creationId xmlns:p14="http://schemas.microsoft.com/office/powerpoint/2010/main" val="4233054426"/>
       </p:ext>
     </p:extLst>
   </p:cSld>

--- a/Презентация.pptx
+++ b/Презентация.pptx
@@ -70,6 +70,24 @@
     <p:sldId id="324" r:id="rId64"/>
     <p:sldId id="325" r:id="rId65"/>
     <p:sldId id="326" r:id="rId66"/>
+    <p:sldId id="327" r:id="rId67"/>
+    <p:sldId id="332" r:id="rId68"/>
+    <p:sldId id="328" r:id="rId69"/>
+    <p:sldId id="329" r:id="rId70"/>
+    <p:sldId id="330" r:id="rId71"/>
+    <p:sldId id="331" r:id="rId72"/>
+    <p:sldId id="333" r:id="rId73"/>
+    <p:sldId id="334" r:id="rId74"/>
+    <p:sldId id="335" r:id="rId75"/>
+    <p:sldId id="336" r:id="rId76"/>
+    <p:sldId id="337" r:id="rId77"/>
+    <p:sldId id="338" r:id="rId78"/>
+    <p:sldId id="339" r:id="rId79"/>
+    <p:sldId id="340" r:id="rId80"/>
+    <p:sldId id="341" r:id="rId81"/>
+    <p:sldId id="342" r:id="rId82"/>
+    <p:sldId id="343" r:id="rId83"/>
+    <p:sldId id="344" r:id="rId84"/>
   </p:sldIdLst>
   <p:sldSz cx="12192000" cy="6858000"/>
   <p:notesSz cx="6858000" cy="9144000"/>
@@ -307,7 +325,7 @@
           <a:p>
             <a:fld id="{FB0F9C91-61B1-43BC-AD78-8CB0959C93C0}" type="datetimeFigureOut">
               <a:rPr lang="en-US" smtClean="0"/>
-              <a:t>3/4/2023</a:t>
+              <a:t>3/26/2023</a:t>
             </a:fld>
             <a:endParaRPr lang="en-US"/>
           </a:p>
@@ -477,7 +495,7 @@
           <a:p>
             <a:fld id="{FB0F9C91-61B1-43BC-AD78-8CB0959C93C0}" type="datetimeFigureOut">
               <a:rPr lang="en-US" smtClean="0"/>
-              <a:t>3/4/2023</a:t>
+              <a:t>3/26/2023</a:t>
             </a:fld>
             <a:endParaRPr lang="en-US"/>
           </a:p>
@@ -657,7 +675,7 @@
           <a:p>
             <a:fld id="{FB0F9C91-61B1-43BC-AD78-8CB0959C93C0}" type="datetimeFigureOut">
               <a:rPr lang="en-US" smtClean="0"/>
-              <a:t>3/4/2023</a:t>
+              <a:t>3/26/2023</a:t>
             </a:fld>
             <a:endParaRPr lang="en-US"/>
           </a:p>
@@ -827,7 +845,7 @@
           <a:p>
             <a:fld id="{FB0F9C91-61B1-43BC-AD78-8CB0959C93C0}" type="datetimeFigureOut">
               <a:rPr lang="en-US" smtClean="0"/>
-              <a:t>3/4/2023</a:t>
+              <a:t>3/26/2023</a:t>
             </a:fld>
             <a:endParaRPr lang="en-US"/>
           </a:p>
@@ -1073,7 +1091,7 @@
           <a:p>
             <a:fld id="{FB0F9C91-61B1-43BC-AD78-8CB0959C93C0}" type="datetimeFigureOut">
               <a:rPr lang="en-US" smtClean="0"/>
-              <a:t>3/4/2023</a:t>
+              <a:t>3/26/2023</a:t>
             </a:fld>
             <a:endParaRPr lang="en-US"/>
           </a:p>
@@ -1305,7 +1323,7 @@
           <a:p>
             <a:fld id="{FB0F9C91-61B1-43BC-AD78-8CB0959C93C0}" type="datetimeFigureOut">
               <a:rPr lang="en-US" smtClean="0"/>
-              <a:t>3/4/2023</a:t>
+              <a:t>3/26/2023</a:t>
             </a:fld>
             <a:endParaRPr lang="en-US"/>
           </a:p>
@@ -1672,7 +1690,7 @@
           <a:p>
             <a:fld id="{FB0F9C91-61B1-43BC-AD78-8CB0959C93C0}" type="datetimeFigureOut">
               <a:rPr lang="en-US" smtClean="0"/>
-              <a:t>3/4/2023</a:t>
+              <a:t>3/26/2023</a:t>
             </a:fld>
             <a:endParaRPr lang="en-US"/>
           </a:p>
@@ -1790,7 +1808,7 @@
           <a:p>
             <a:fld id="{FB0F9C91-61B1-43BC-AD78-8CB0959C93C0}" type="datetimeFigureOut">
               <a:rPr lang="en-US" smtClean="0"/>
-              <a:t>3/4/2023</a:t>
+              <a:t>3/26/2023</a:t>
             </a:fld>
             <a:endParaRPr lang="en-US"/>
           </a:p>
@@ -1885,7 +1903,7 @@
           <a:p>
             <a:fld id="{FB0F9C91-61B1-43BC-AD78-8CB0959C93C0}" type="datetimeFigureOut">
               <a:rPr lang="en-US" smtClean="0"/>
-              <a:t>3/4/2023</a:t>
+              <a:t>3/26/2023</a:t>
             </a:fld>
             <a:endParaRPr lang="en-US"/>
           </a:p>
@@ -2162,7 +2180,7 @@
           <a:p>
             <a:fld id="{FB0F9C91-61B1-43BC-AD78-8CB0959C93C0}" type="datetimeFigureOut">
               <a:rPr lang="en-US" smtClean="0"/>
-              <a:t>3/4/2023</a:t>
+              <a:t>3/26/2023</a:t>
             </a:fld>
             <a:endParaRPr lang="en-US"/>
           </a:p>
@@ -2415,7 +2433,7 @@
           <a:p>
             <a:fld id="{FB0F9C91-61B1-43BC-AD78-8CB0959C93C0}" type="datetimeFigureOut">
               <a:rPr lang="en-US" smtClean="0"/>
-              <a:t>3/4/2023</a:t>
+              <a:t>3/26/2023</a:t>
             </a:fld>
             <a:endParaRPr lang="en-US"/>
           </a:p>
@@ -2628,7 +2646,7 @@
           <a:p>
             <a:fld id="{FB0F9C91-61B1-43BC-AD78-8CB0959C93C0}" type="datetimeFigureOut">
               <a:rPr lang="en-US" smtClean="0"/>
-              <a:t>3/4/2023</a:t>
+              <a:t>3/26/2023</a:t>
             </a:fld>
             <a:endParaRPr lang="en-US"/>
           </a:p>
@@ -24456,6 +24474,291 @@
 </p:sld>
 </file>
 
+<file path=ppt/slides/slide66.xml><?xml version="1.0" encoding="utf-8"?>
+<p:sld xmlns:a="http://schemas.openxmlformats.org/drawingml/2006/main" xmlns:r="http://schemas.openxmlformats.org/officeDocument/2006/relationships" xmlns:p="http://schemas.openxmlformats.org/presentationml/2006/main">
+  <p:cSld>
+    <p:spTree>
+      <p:nvGrpSpPr>
+        <p:cNvPr id="1" name=""/>
+        <p:cNvGrpSpPr/>
+        <p:nvPr/>
+      </p:nvGrpSpPr>
+      <p:grpSpPr>
+        <a:xfrm>
+          <a:off x="0" y="0"/>
+          <a:ext cx="0" cy="0"/>
+          <a:chOff x="0" y="0"/>
+          <a:chExt cx="0" cy="0"/>
+        </a:xfrm>
+      </p:grpSpPr>
+      <p:sp>
+        <p:nvSpPr>
+          <p:cNvPr id="2" name="Прямоугольник 1"/>
+          <p:cNvSpPr/>
+          <p:nvPr/>
+        </p:nvSpPr>
+        <p:spPr>
+          <a:xfrm>
+            <a:off x="5083544" y="3013502"/>
+            <a:ext cx="2024913" cy="830997"/>
+          </a:xfrm>
+          <a:prstGeom prst="rect">
+            <a:avLst/>
+          </a:prstGeom>
+        </p:spPr>
+        <p:txBody>
+          <a:bodyPr wrap="none">
+            <a:spAutoFit/>
+          </a:bodyPr>
+          <a:lstStyle/>
+          <a:p>
+            <a:r>
+              <a:rPr lang="en-US" sz="4800" dirty="0">
+                <a:latin typeface="Roboto" panose="02000000000000000000" pitchFamily="2" charset="0"/>
+                <a:ea typeface="Roboto" panose="02000000000000000000" pitchFamily="2" charset="0"/>
+              </a:rPr>
+              <a:t>TYPES</a:t>
+            </a:r>
+            <a:endParaRPr lang="en-US" sz="4800" dirty="0"/>
+          </a:p>
+        </p:txBody>
+      </p:sp>
+    </p:spTree>
+    <p:extLst>
+      <p:ext uri="{BB962C8B-B14F-4D97-AF65-F5344CB8AC3E}">
+        <p14:creationId xmlns:p14="http://schemas.microsoft.com/office/powerpoint/2010/main" val="3917671073"/>
+      </p:ext>
+    </p:extLst>
+  </p:cSld>
+  <p:clrMapOvr>
+    <a:masterClrMapping/>
+  </p:clrMapOvr>
+  <p:timing>
+    <p:tnLst>
+      <p:par>
+        <p:cTn id="1" dur="indefinite" restart="never" nodeType="tmRoot"/>
+      </p:par>
+    </p:tnLst>
+  </p:timing>
+</p:sld>
+</file>
+
+<file path=ppt/slides/slide67.xml><?xml version="1.0" encoding="utf-8"?>
+<p:sld xmlns:a="http://schemas.openxmlformats.org/drawingml/2006/main" xmlns:r="http://schemas.openxmlformats.org/officeDocument/2006/relationships" xmlns:p="http://schemas.openxmlformats.org/presentationml/2006/main">
+  <p:cSld>
+    <p:spTree>
+      <p:nvGrpSpPr>
+        <p:cNvPr id="1" name=""/>
+        <p:cNvGrpSpPr/>
+        <p:nvPr/>
+      </p:nvGrpSpPr>
+      <p:grpSpPr>
+        <a:xfrm>
+          <a:off x="0" y="0"/>
+          <a:ext cx="0" cy="0"/>
+          <a:chOff x="0" y="0"/>
+          <a:chExt cx="0" cy="0"/>
+        </a:xfrm>
+      </p:grpSpPr>
+      <p:pic>
+        <p:nvPicPr>
+          <p:cNvPr id="3" name="Рисунок 2"/>
+          <p:cNvPicPr>
+            <a:picLocks noChangeAspect="1"/>
+          </p:cNvPicPr>
+          <p:nvPr/>
+        </p:nvPicPr>
+        <p:blipFill rotWithShape="1">
+          <a:blip r:embed="rId2"/>
+          <a:srcRect t="16295" b="277"/>
+          <a:stretch/>
+        </p:blipFill>
+        <p:spPr>
+          <a:xfrm>
+            <a:off x="3049650" y="40324"/>
+            <a:ext cx="6092700" cy="6777352"/>
+          </a:xfrm>
+          <a:prstGeom prst="rect">
+            <a:avLst/>
+          </a:prstGeom>
+        </p:spPr>
+      </p:pic>
+    </p:spTree>
+    <p:extLst>
+      <p:ext uri="{BB962C8B-B14F-4D97-AF65-F5344CB8AC3E}">
+        <p14:creationId xmlns:p14="http://schemas.microsoft.com/office/powerpoint/2010/main" val="1989368414"/>
+      </p:ext>
+    </p:extLst>
+  </p:cSld>
+  <p:clrMapOvr>
+    <a:masterClrMapping/>
+  </p:clrMapOvr>
+  <p:timing>
+    <p:tnLst>
+      <p:par>
+        <p:cTn id="1" dur="indefinite" restart="never" nodeType="tmRoot"/>
+      </p:par>
+    </p:tnLst>
+  </p:timing>
+</p:sld>
+</file>
+
+<file path=ppt/slides/slide68.xml><?xml version="1.0" encoding="utf-8"?>
+<p:sld xmlns:a="http://schemas.openxmlformats.org/drawingml/2006/main" xmlns:r="http://schemas.openxmlformats.org/officeDocument/2006/relationships" xmlns:p="http://schemas.openxmlformats.org/presentationml/2006/main">
+  <p:cSld>
+    <p:spTree>
+      <p:nvGrpSpPr>
+        <p:cNvPr id="1" name=""/>
+        <p:cNvGrpSpPr/>
+        <p:nvPr/>
+      </p:nvGrpSpPr>
+      <p:grpSpPr>
+        <a:xfrm>
+          <a:off x="0" y="0"/>
+          <a:ext cx="0" cy="0"/>
+          <a:chOff x="0" y="0"/>
+          <a:chExt cx="0" cy="0"/>
+        </a:xfrm>
+      </p:grpSpPr>
+      <p:pic>
+        <p:nvPicPr>
+          <p:cNvPr id="1026" name="Picture 2" descr="https://img.freepik.com/free-vector/kids-playing-seesaw-cartoon_1308-109875.jpg?w=2000"/>
+          <p:cNvPicPr>
+            <a:picLocks noChangeAspect="1" noChangeArrowheads="1"/>
+          </p:cNvPicPr>
+          <p:nvPr/>
+        </p:nvPicPr>
+        <p:blipFill>
+          <a:blip r:embed="rId2" cstate="print">
+            <a:extLst>
+              <a:ext uri="{28A0092B-C50C-407E-A947-70E740481C1C}">
+                <a14:useLocalDpi xmlns:a14="http://schemas.microsoft.com/office/drawing/2010/main" val="0"/>
+              </a:ext>
+            </a:extLst>
+          </a:blip>
+          <a:srcRect/>
+          <a:stretch>
+            <a:fillRect/>
+          </a:stretch>
+        </p:blipFill>
+        <p:spPr bwMode="auto">
+          <a:xfrm>
+            <a:off x="2451170" y="1400652"/>
+            <a:ext cx="7289661" cy="4056697"/>
+          </a:xfrm>
+          <a:prstGeom prst="rect">
+            <a:avLst/>
+          </a:prstGeom>
+          <a:noFill/>
+          <a:extLst>
+            <a:ext uri="{909E8E84-426E-40DD-AFC4-6F175D3DCCD1}">
+              <a14:hiddenFill xmlns:a14="http://schemas.microsoft.com/office/drawing/2010/main">
+                <a:solidFill>
+                  <a:srgbClr val="FFFFFF"/>
+                </a:solidFill>
+              </a14:hiddenFill>
+            </a:ext>
+          </a:extLst>
+        </p:spPr>
+      </p:pic>
+    </p:spTree>
+    <p:extLst>
+      <p:ext uri="{BB962C8B-B14F-4D97-AF65-F5344CB8AC3E}">
+        <p14:creationId xmlns:p14="http://schemas.microsoft.com/office/powerpoint/2010/main" val="3536756070"/>
+      </p:ext>
+    </p:extLst>
+  </p:cSld>
+  <p:clrMapOvr>
+    <a:masterClrMapping/>
+  </p:clrMapOvr>
+  <p:timing>
+    <p:tnLst>
+      <p:par>
+        <p:cTn id="1" dur="indefinite" restart="never" nodeType="tmRoot"/>
+      </p:par>
+    </p:tnLst>
+  </p:timing>
+</p:sld>
+</file>
+
+<file path=ppt/slides/slide69.xml><?xml version="1.0" encoding="utf-8"?>
+<p:sld xmlns:a="http://schemas.openxmlformats.org/drawingml/2006/main" xmlns:r="http://schemas.openxmlformats.org/officeDocument/2006/relationships" xmlns:p="http://schemas.openxmlformats.org/presentationml/2006/main">
+  <p:cSld>
+    <p:spTree>
+      <p:nvGrpSpPr>
+        <p:cNvPr id="1" name=""/>
+        <p:cNvGrpSpPr/>
+        <p:nvPr/>
+      </p:nvGrpSpPr>
+      <p:grpSpPr>
+        <a:xfrm>
+          <a:off x="0" y="0"/>
+          <a:ext cx="0" cy="0"/>
+          <a:chOff x="0" y="0"/>
+          <a:chExt cx="0" cy="0"/>
+        </a:xfrm>
+      </p:grpSpPr>
+      <p:pic>
+        <p:nvPicPr>
+          <p:cNvPr id="5" name="Picture 4" descr="https://img.freepik.com/free-vector/kids-playing-seesaw-cartoon_1308-110621.jpg?w=2000"/>
+          <p:cNvPicPr>
+            <a:picLocks noChangeAspect="1" noChangeArrowheads="1"/>
+          </p:cNvPicPr>
+          <p:nvPr/>
+        </p:nvPicPr>
+        <p:blipFill>
+          <a:blip r:embed="rId2" cstate="print">
+            <a:extLst>
+              <a:ext uri="{28A0092B-C50C-407E-A947-70E740481C1C}">
+                <a14:useLocalDpi xmlns:a14="http://schemas.microsoft.com/office/drawing/2010/main" val="0"/>
+              </a:ext>
+            </a:extLst>
+          </a:blip>
+          <a:srcRect/>
+          <a:stretch>
+            <a:fillRect/>
+          </a:stretch>
+        </p:blipFill>
+        <p:spPr bwMode="auto">
+          <a:xfrm flipH="1">
+            <a:off x="2711598" y="1489737"/>
+            <a:ext cx="6768805" cy="3878526"/>
+          </a:xfrm>
+          <a:prstGeom prst="rect">
+            <a:avLst/>
+          </a:prstGeom>
+          <a:noFill/>
+          <a:extLst>
+            <a:ext uri="{909E8E84-426E-40DD-AFC4-6F175D3DCCD1}">
+              <a14:hiddenFill xmlns:a14="http://schemas.microsoft.com/office/drawing/2010/main">
+                <a:solidFill>
+                  <a:srgbClr val="FFFFFF"/>
+                </a:solidFill>
+              </a14:hiddenFill>
+            </a:ext>
+          </a:extLst>
+        </p:spPr>
+      </p:pic>
+    </p:spTree>
+    <p:extLst>
+      <p:ext uri="{BB962C8B-B14F-4D97-AF65-F5344CB8AC3E}">
+        <p14:creationId xmlns:p14="http://schemas.microsoft.com/office/powerpoint/2010/main" val="4037248230"/>
+      </p:ext>
+    </p:extLst>
+  </p:cSld>
+  <p:clrMapOvr>
+    <a:masterClrMapping/>
+  </p:clrMapOvr>
+  <p:timing>
+    <p:tnLst>
+      <p:par>
+        <p:cTn id="1" dur="indefinite" restart="never" nodeType="tmRoot"/>
+      </p:par>
+    </p:tnLst>
+  </p:timing>
+</p:sld>
+</file>
+
 <file path=ppt/slides/slide7.xml><?xml version="1.0" encoding="utf-8"?>
 <p:sld xmlns:a="http://schemas.openxmlformats.org/drawingml/2006/main" xmlns:r="http://schemas.openxmlformats.org/officeDocument/2006/relationships" xmlns:p="http://schemas.openxmlformats.org/presentationml/2006/main">
   <p:cSld>
@@ -24859,6 +25162,781 @@
     <p:extLst>
       <p:ext uri="{BB962C8B-B14F-4D97-AF65-F5344CB8AC3E}">
         <p14:creationId xmlns:p14="http://schemas.microsoft.com/office/powerpoint/2010/main" val="1230964532"/>
+      </p:ext>
+    </p:extLst>
+  </p:cSld>
+  <p:clrMapOvr>
+    <a:masterClrMapping/>
+  </p:clrMapOvr>
+  <p:timing>
+    <p:tnLst>
+      <p:par>
+        <p:cTn id="1" dur="indefinite" restart="never" nodeType="tmRoot"/>
+      </p:par>
+    </p:tnLst>
+  </p:timing>
+</p:sld>
+</file>
+
+<file path=ppt/slides/slide70.xml><?xml version="1.0" encoding="utf-8"?>
+<p:sld xmlns:a="http://schemas.openxmlformats.org/drawingml/2006/main" xmlns:r="http://schemas.openxmlformats.org/officeDocument/2006/relationships" xmlns:p="http://schemas.openxmlformats.org/presentationml/2006/main">
+  <p:cSld>
+    <p:spTree>
+      <p:nvGrpSpPr>
+        <p:cNvPr id="1" name=""/>
+        <p:cNvGrpSpPr/>
+        <p:nvPr/>
+      </p:nvGrpSpPr>
+      <p:grpSpPr>
+        <a:xfrm>
+          <a:off x="0" y="0"/>
+          <a:ext cx="0" cy="0"/>
+          <a:chOff x="0" y="0"/>
+          <a:chExt cx="0" cy="0"/>
+        </a:xfrm>
+      </p:grpSpPr>
+      <p:pic>
+        <p:nvPicPr>
+          <p:cNvPr id="5" name="Picture 4" descr="https://img.freepik.com/free-vector/kids-playing-seesaw-cartoon_1308-110621.jpg?w=2000"/>
+          <p:cNvPicPr>
+            <a:picLocks noChangeAspect="1" noChangeArrowheads="1"/>
+          </p:cNvPicPr>
+          <p:nvPr/>
+        </p:nvPicPr>
+        <p:blipFill rotWithShape="1">
+          <a:blip r:embed="rId2" cstate="print">
+            <a:extLst>
+              <a:ext uri="{28A0092B-C50C-407E-A947-70E740481C1C}">
+                <a14:useLocalDpi xmlns:a14="http://schemas.microsoft.com/office/drawing/2010/main" val="0"/>
+              </a:ext>
+            </a:extLst>
+          </a:blip>
+          <a:srcRect r="53055"/>
+          <a:stretch/>
+        </p:blipFill>
+        <p:spPr bwMode="auto">
+          <a:xfrm flipH="1">
+            <a:off x="6296296" y="1324265"/>
+            <a:ext cx="3387633" cy="4134872"/>
+          </a:xfrm>
+          <a:prstGeom prst="rect">
+            <a:avLst/>
+          </a:prstGeom>
+          <a:noFill/>
+          <a:extLst>
+            <a:ext uri="{909E8E84-426E-40DD-AFC4-6F175D3DCCD1}">
+              <a14:hiddenFill xmlns:a14="http://schemas.microsoft.com/office/drawing/2010/main">
+                <a:solidFill>
+                  <a:srgbClr val="FFFFFF"/>
+                </a:solidFill>
+              </a14:hiddenFill>
+            </a:ext>
+          </a:extLst>
+        </p:spPr>
+      </p:pic>
+      <p:pic>
+        <p:nvPicPr>
+          <p:cNvPr id="3" name="Picture 2" descr="https://img.freepik.com/free-vector/kids-playing-seesaw-cartoon_1308-109875.jpg?w=2000"/>
+          <p:cNvPicPr>
+            <a:picLocks noChangeAspect="1" noChangeArrowheads="1"/>
+          </p:cNvPicPr>
+          <p:nvPr/>
+        </p:nvPicPr>
+        <p:blipFill rotWithShape="1">
+          <a:blip r:embed="rId3" cstate="print">
+            <a:extLst>
+              <a:ext uri="{28A0092B-C50C-407E-A947-70E740481C1C}">
+                <a14:useLocalDpi xmlns:a14="http://schemas.microsoft.com/office/drawing/2010/main" val="0"/>
+              </a:ext>
+            </a:extLst>
+          </a:blip>
+          <a:srcRect r="53703"/>
+          <a:stretch/>
+        </p:blipFill>
+        <p:spPr bwMode="auto">
+          <a:xfrm>
+            <a:off x="2973685" y="1409361"/>
+            <a:ext cx="3374864" cy="4056697"/>
+          </a:xfrm>
+          <a:prstGeom prst="rect">
+            <a:avLst/>
+          </a:prstGeom>
+          <a:noFill/>
+          <a:extLst>
+            <a:ext uri="{909E8E84-426E-40DD-AFC4-6F175D3DCCD1}">
+              <a14:hiddenFill xmlns:a14="http://schemas.microsoft.com/office/drawing/2010/main">
+                <a:solidFill>
+                  <a:srgbClr val="FFFFFF"/>
+                </a:solidFill>
+              </a14:hiddenFill>
+            </a:ext>
+          </a:extLst>
+        </p:spPr>
+      </p:pic>
+    </p:spTree>
+    <p:extLst>
+      <p:ext uri="{BB962C8B-B14F-4D97-AF65-F5344CB8AC3E}">
+        <p14:creationId xmlns:p14="http://schemas.microsoft.com/office/powerpoint/2010/main" val="1741911447"/>
+      </p:ext>
+    </p:extLst>
+  </p:cSld>
+  <p:clrMapOvr>
+    <a:masterClrMapping/>
+  </p:clrMapOvr>
+  <p:timing>
+    <p:tnLst>
+      <p:par>
+        <p:cTn id="1" dur="indefinite" restart="never" nodeType="tmRoot"/>
+      </p:par>
+    </p:tnLst>
+  </p:timing>
+</p:sld>
+</file>
+
+<file path=ppt/slides/slide71.xml><?xml version="1.0" encoding="utf-8"?>
+<p:sld xmlns:a="http://schemas.openxmlformats.org/drawingml/2006/main" xmlns:r="http://schemas.openxmlformats.org/officeDocument/2006/relationships" xmlns:p="http://schemas.openxmlformats.org/presentationml/2006/main">
+  <p:cSld>
+    <p:spTree>
+      <p:nvGrpSpPr>
+        <p:cNvPr id="1" name=""/>
+        <p:cNvGrpSpPr/>
+        <p:nvPr/>
+      </p:nvGrpSpPr>
+      <p:grpSpPr>
+        <a:xfrm>
+          <a:off x="0" y="0"/>
+          <a:ext cx="0" cy="0"/>
+          <a:chOff x="0" y="0"/>
+          <a:chExt cx="0" cy="0"/>
+        </a:xfrm>
+      </p:grpSpPr>
+      <p:pic>
+        <p:nvPicPr>
+          <p:cNvPr id="5" name="Picture 4" descr="https://img.freepik.com/free-vector/kids-playing-seesaw-cartoon_1308-110621.jpg?w=2000"/>
+          <p:cNvPicPr>
+            <a:picLocks noChangeAspect="1" noChangeArrowheads="1"/>
+          </p:cNvPicPr>
+          <p:nvPr/>
+        </p:nvPicPr>
+        <p:blipFill rotWithShape="1">
+          <a:blip r:embed="rId2" cstate="print">
+            <a:extLst>
+              <a:ext uri="{28A0092B-C50C-407E-A947-70E740481C1C}">
+                <a14:useLocalDpi xmlns:a14="http://schemas.microsoft.com/office/drawing/2010/main" val="0"/>
+              </a:ext>
+            </a:extLst>
+          </a:blip>
+          <a:srcRect l="46100" r="197"/>
+          <a:stretch/>
+        </p:blipFill>
+        <p:spPr bwMode="auto">
+          <a:xfrm flipH="1">
+            <a:off x="2481943" y="1324265"/>
+            <a:ext cx="3875314" cy="4134872"/>
+          </a:xfrm>
+          <a:prstGeom prst="rect">
+            <a:avLst/>
+          </a:prstGeom>
+          <a:noFill/>
+          <a:extLst>
+            <a:ext uri="{909E8E84-426E-40DD-AFC4-6F175D3DCCD1}">
+              <a14:hiddenFill xmlns:a14="http://schemas.microsoft.com/office/drawing/2010/main">
+                <a:solidFill>
+                  <a:srgbClr val="FFFFFF"/>
+                </a:solidFill>
+              </a14:hiddenFill>
+            </a:ext>
+          </a:extLst>
+        </p:spPr>
+      </p:pic>
+      <p:pic>
+        <p:nvPicPr>
+          <p:cNvPr id="3" name="Picture 2" descr="https://img.freepik.com/free-vector/kids-playing-seesaw-cartoon_1308-109875.jpg?w=2000"/>
+          <p:cNvPicPr>
+            <a:picLocks noChangeAspect="1" noChangeArrowheads="1"/>
+          </p:cNvPicPr>
+          <p:nvPr/>
+        </p:nvPicPr>
+        <p:blipFill rotWithShape="1">
+          <a:blip r:embed="rId3" cstate="print">
+            <a:extLst>
+              <a:ext uri="{28A0092B-C50C-407E-A947-70E740481C1C}">
+                <a14:useLocalDpi xmlns:a14="http://schemas.microsoft.com/office/drawing/2010/main" val="0"/>
+              </a:ext>
+            </a:extLst>
+          </a:blip>
+          <a:srcRect l="45938" r="183"/>
+          <a:stretch/>
+        </p:blipFill>
+        <p:spPr bwMode="auto">
+          <a:xfrm>
+            <a:off x="6322423" y="1409361"/>
+            <a:ext cx="3927566" cy="4056697"/>
+          </a:xfrm>
+          <a:prstGeom prst="rect">
+            <a:avLst/>
+          </a:prstGeom>
+          <a:noFill/>
+          <a:extLst>
+            <a:ext uri="{909E8E84-426E-40DD-AFC4-6F175D3DCCD1}">
+              <a14:hiddenFill xmlns:a14="http://schemas.microsoft.com/office/drawing/2010/main">
+                <a:solidFill>
+                  <a:srgbClr val="FFFFFF"/>
+                </a:solidFill>
+              </a14:hiddenFill>
+            </a:ext>
+          </a:extLst>
+        </p:spPr>
+      </p:pic>
+    </p:spTree>
+    <p:extLst>
+      <p:ext uri="{BB962C8B-B14F-4D97-AF65-F5344CB8AC3E}">
+        <p14:creationId xmlns:p14="http://schemas.microsoft.com/office/powerpoint/2010/main" val="295928892"/>
+      </p:ext>
+    </p:extLst>
+  </p:cSld>
+  <p:clrMapOvr>
+    <a:masterClrMapping/>
+  </p:clrMapOvr>
+  <p:timing>
+    <p:tnLst>
+      <p:par>
+        <p:cTn id="1" dur="indefinite" restart="never" nodeType="tmRoot"/>
+      </p:par>
+    </p:tnLst>
+  </p:timing>
+</p:sld>
+</file>
+
+<file path=ppt/slides/slide72.xml><?xml version="1.0" encoding="utf-8"?>
+<p:sld xmlns:a="http://schemas.openxmlformats.org/drawingml/2006/main" xmlns:r="http://schemas.openxmlformats.org/officeDocument/2006/relationships" xmlns:p="http://schemas.openxmlformats.org/presentationml/2006/main">
+  <p:cSld>
+    <p:spTree>
+      <p:nvGrpSpPr>
+        <p:cNvPr id="1" name=""/>
+        <p:cNvGrpSpPr/>
+        <p:nvPr/>
+      </p:nvGrpSpPr>
+      <p:grpSpPr>
+        <a:xfrm>
+          <a:off x="0" y="0"/>
+          <a:ext cx="0" cy="0"/>
+          <a:chOff x="0" y="0"/>
+          <a:chExt cx="0" cy="0"/>
+        </a:xfrm>
+      </p:grpSpPr>
+      <p:pic>
+        <p:nvPicPr>
+          <p:cNvPr id="6" name="Рисунок 5"/>
+          <p:cNvPicPr>
+            <a:picLocks noChangeAspect="1"/>
+          </p:cNvPicPr>
+          <p:nvPr/>
+        </p:nvPicPr>
+        <p:blipFill>
+          <a:blip r:embed="rId2"/>
+          <a:stretch>
+            <a:fillRect/>
+          </a:stretch>
+        </p:blipFill>
+        <p:spPr>
+          <a:xfrm>
+            <a:off x="2014538" y="490347"/>
+            <a:ext cx="8162925" cy="5877306"/>
+          </a:xfrm>
+          <a:prstGeom prst="rect">
+            <a:avLst/>
+          </a:prstGeom>
+        </p:spPr>
+      </p:pic>
+    </p:spTree>
+    <p:extLst>
+      <p:ext uri="{BB962C8B-B14F-4D97-AF65-F5344CB8AC3E}">
+        <p14:creationId xmlns:p14="http://schemas.microsoft.com/office/powerpoint/2010/main" val="3633619997"/>
+      </p:ext>
+    </p:extLst>
+  </p:cSld>
+  <p:clrMapOvr>
+    <a:masterClrMapping/>
+  </p:clrMapOvr>
+  <p:timing>
+    <p:tnLst>
+      <p:par>
+        <p:cTn id="1" dur="indefinite" restart="never" nodeType="tmRoot"/>
+      </p:par>
+    </p:tnLst>
+  </p:timing>
+</p:sld>
+</file>
+
+<file path=ppt/slides/slide73.xml><?xml version="1.0" encoding="utf-8"?>
+<p:sld xmlns:a="http://schemas.openxmlformats.org/drawingml/2006/main" xmlns:r="http://schemas.openxmlformats.org/officeDocument/2006/relationships" xmlns:p="http://schemas.openxmlformats.org/presentationml/2006/main">
+  <p:cSld>
+    <p:spTree>
+      <p:nvGrpSpPr>
+        <p:cNvPr id="1" name=""/>
+        <p:cNvGrpSpPr/>
+        <p:nvPr/>
+      </p:nvGrpSpPr>
+      <p:grpSpPr>
+        <a:xfrm>
+          <a:off x="0" y="0"/>
+          <a:ext cx="0" cy="0"/>
+          <a:chOff x="0" y="0"/>
+          <a:chExt cx="0" cy="0"/>
+        </a:xfrm>
+      </p:grpSpPr>
+      <p:pic>
+        <p:nvPicPr>
+          <p:cNvPr id="3" name="Рисунок 2"/>
+          <p:cNvPicPr>
+            <a:picLocks noChangeAspect="1"/>
+          </p:cNvPicPr>
+          <p:nvPr/>
+        </p:nvPicPr>
+        <p:blipFill>
+          <a:blip r:embed="rId2"/>
+          <a:stretch>
+            <a:fillRect/>
+          </a:stretch>
+        </p:blipFill>
+        <p:spPr>
+          <a:xfrm>
+            <a:off x="2416969" y="472636"/>
+            <a:ext cx="7358062" cy="5912728"/>
+          </a:xfrm>
+          <a:prstGeom prst="rect">
+            <a:avLst/>
+          </a:prstGeom>
+        </p:spPr>
+      </p:pic>
+    </p:spTree>
+    <p:extLst>
+      <p:ext uri="{BB962C8B-B14F-4D97-AF65-F5344CB8AC3E}">
+        <p14:creationId xmlns:p14="http://schemas.microsoft.com/office/powerpoint/2010/main" val="366228891"/>
+      </p:ext>
+    </p:extLst>
+  </p:cSld>
+  <p:clrMapOvr>
+    <a:masterClrMapping/>
+  </p:clrMapOvr>
+  <p:timing>
+    <p:tnLst>
+      <p:par>
+        <p:cTn id="1" dur="indefinite" restart="never" nodeType="tmRoot"/>
+      </p:par>
+    </p:tnLst>
+  </p:timing>
+</p:sld>
+</file>
+
+<file path=ppt/slides/slide74.xml><?xml version="1.0" encoding="utf-8"?>
+<p:sld xmlns:a="http://schemas.openxmlformats.org/drawingml/2006/main" xmlns:r="http://schemas.openxmlformats.org/officeDocument/2006/relationships" xmlns:p="http://schemas.openxmlformats.org/presentationml/2006/main">
+  <p:cSld>
+    <p:spTree>
+      <p:nvGrpSpPr>
+        <p:cNvPr id="1" name=""/>
+        <p:cNvGrpSpPr/>
+        <p:nvPr/>
+      </p:nvGrpSpPr>
+      <p:grpSpPr>
+        <a:xfrm>
+          <a:off x="0" y="0"/>
+          <a:ext cx="0" cy="0"/>
+          <a:chOff x="0" y="0"/>
+          <a:chExt cx="0" cy="0"/>
+        </a:xfrm>
+      </p:grpSpPr>
+      <p:pic>
+        <p:nvPicPr>
+          <p:cNvPr id="2" name="Рисунок 1"/>
+          <p:cNvPicPr>
+            <a:picLocks noChangeAspect="1"/>
+          </p:cNvPicPr>
+          <p:nvPr/>
+        </p:nvPicPr>
+        <p:blipFill>
+          <a:blip r:embed="rId2"/>
+          <a:stretch>
+            <a:fillRect/>
+          </a:stretch>
+        </p:blipFill>
+        <p:spPr>
+          <a:xfrm>
+            <a:off x="2416969" y="472636"/>
+            <a:ext cx="7358062" cy="5912729"/>
+          </a:xfrm>
+          <a:prstGeom prst="rect">
+            <a:avLst/>
+          </a:prstGeom>
+        </p:spPr>
+      </p:pic>
+    </p:spTree>
+    <p:extLst>
+      <p:ext uri="{BB962C8B-B14F-4D97-AF65-F5344CB8AC3E}">
+        <p14:creationId xmlns:p14="http://schemas.microsoft.com/office/powerpoint/2010/main" val="2915222066"/>
+      </p:ext>
+    </p:extLst>
+  </p:cSld>
+  <p:clrMapOvr>
+    <a:masterClrMapping/>
+  </p:clrMapOvr>
+  <p:timing>
+    <p:tnLst>
+      <p:par>
+        <p:cTn id="1" dur="indefinite" restart="never" nodeType="tmRoot"/>
+      </p:par>
+    </p:tnLst>
+  </p:timing>
+</p:sld>
+</file>
+
+<file path=ppt/slides/slide75.xml><?xml version="1.0" encoding="utf-8"?>
+<p:sld xmlns:a="http://schemas.openxmlformats.org/drawingml/2006/main" xmlns:r="http://schemas.openxmlformats.org/officeDocument/2006/relationships" xmlns:p="http://schemas.openxmlformats.org/presentationml/2006/main">
+  <p:cSld>
+    <p:spTree>
+      <p:nvGrpSpPr>
+        <p:cNvPr id="1" name=""/>
+        <p:cNvGrpSpPr/>
+        <p:nvPr/>
+      </p:nvGrpSpPr>
+      <p:grpSpPr>
+        <a:xfrm>
+          <a:off x="0" y="0"/>
+          <a:ext cx="0" cy="0"/>
+          <a:chOff x="0" y="0"/>
+          <a:chExt cx="0" cy="0"/>
+        </a:xfrm>
+      </p:grpSpPr>
+      <p:pic>
+        <p:nvPicPr>
+          <p:cNvPr id="3" name="Рисунок 2"/>
+          <p:cNvPicPr>
+            <a:picLocks noChangeAspect="1"/>
+          </p:cNvPicPr>
+          <p:nvPr/>
+        </p:nvPicPr>
+        <p:blipFill>
+          <a:blip r:embed="rId2"/>
+          <a:stretch>
+            <a:fillRect/>
+          </a:stretch>
+        </p:blipFill>
+        <p:spPr>
+          <a:xfrm>
+            <a:off x="2633425" y="475145"/>
+            <a:ext cx="6925151" cy="5907711"/>
+          </a:xfrm>
+          <a:prstGeom prst="rect">
+            <a:avLst/>
+          </a:prstGeom>
+        </p:spPr>
+      </p:pic>
+    </p:spTree>
+    <p:extLst>
+      <p:ext uri="{BB962C8B-B14F-4D97-AF65-F5344CB8AC3E}">
+        <p14:creationId xmlns:p14="http://schemas.microsoft.com/office/powerpoint/2010/main" val="2180503672"/>
+      </p:ext>
+    </p:extLst>
+  </p:cSld>
+  <p:clrMapOvr>
+    <a:masterClrMapping/>
+  </p:clrMapOvr>
+  <p:timing>
+    <p:tnLst>
+      <p:par>
+        <p:cTn id="1" dur="indefinite" restart="never" nodeType="tmRoot"/>
+      </p:par>
+    </p:tnLst>
+  </p:timing>
+</p:sld>
+</file>
+
+<file path=ppt/slides/slide76.xml><?xml version="1.0" encoding="utf-8"?>
+<p:sld xmlns:a="http://schemas.openxmlformats.org/drawingml/2006/main" xmlns:r="http://schemas.openxmlformats.org/officeDocument/2006/relationships" xmlns:p="http://schemas.openxmlformats.org/presentationml/2006/main">
+  <p:cSld>
+    <p:spTree>
+      <p:nvGrpSpPr>
+        <p:cNvPr id="1" name=""/>
+        <p:cNvGrpSpPr/>
+        <p:nvPr/>
+      </p:nvGrpSpPr>
+      <p:grpSpPr>
+        <a:xfrm>
+          <a:off x="0" y="0"/>
+          <a:ext cx="0" cy="0"/>
+          <a:chOff x="0" y="0"/>
+          <a:chExt cx="0" cy="0"/>
+        </a:xfrm>
+      </p:grpSpPr>
+      <p:sp>
+        <p:nvSpPr>
+          <p:cNvPr id="2" name="Прямоугольник 1"/>
+          <p:cNvSpPr/>
+          <p:nvPr/>
+        </p:nvSpPr>
+        <p:spPr>
+          <a:xfrm>
+            <a:off x="3627215" y="3013502"/>
+            <a:ext cx="4937570" cy="830997"/>
+          </a:xfrm>
+          <a:prstGeom prst="rect">
+            <a:avLst/>
+          </a:prstGeom>
+        </p:spPr>
+        <p:txBody>
+          <a:bodyPr wrap="none">
+            <a:spAutoFit/>
+          </a:bodyPr>
+          <a:lstStyle/>
+          <a:p>
+            <a:r>
+              <a:rPr lang="en-US" sz="4800" dirty="0" smtClean="0">
+                <a:latin typeface="Roboto" panose="02000000000000000000" pitchFamily="2" charset="0"/>
+                <a:ea typeface="Roboto" panose="02000000000000000000" pitchFamily="2" charset="0"/>
+              </a:rPr>
+              <a:t>PRODUCT TYPES</a:t>
+            </a:r>
+            <a:endParaRPr lang="en-US" sz="4800" dirty="0"/>
+          </a:p>
+        </p:txBody>
+      </p:sp>
+    </p:spTree>
+    <p:extLst>
+      <p:ext uri="{BB962C8B-B14F-4D97-AF65-F5344CB8AC3E}">
+        <p14:creationId xmlns:p14="http://schemas.microsoft.com/office/powerpoint/2010/main" val="2000674705"/>
+      </p:ext>
+    </p:extLst>
+  </p:cSld>
+  <p:clrMapOvr>
+    <a:masterClrMapping/>
+  </p:clrMapOvr>
+  <p:timing>
+    <p:tnLst>
+      <p:par>
+        <p:cTn id="1" dur="indefinite" restart="never" nodeType="tmRoot"/>
+      </p:par>
+    </p:tnLst>
+  </p:timing>
+</p:sld>
+</file>
+
+<file path=ppt/slides/slide77.xml><?xml version="1.0" encoding="utf-8"?>
+<p:sld xmlns:a="http://schemas.openxmlformats.org/drawingml/2006/main" xmlns:r="http://schemas.openxmlformats.org/officeDocument/2006/relationships" xmlns:p="http://schemas.openxmlformats.org/presentationml/2006/main">
+  <p:cSld>
+    <p:spTree>
+      <p:nvGrpSpPr>
+        <p:cNvPr id="1" name=""/>
+        <p:cNvGrpSpPr/>
+        <p:nvPr/>
+      </p:nvGrpSpPr>
+      <p:grpSpPr>
+        <a:xfrm>
+          <a:off x="0" y="0"/>
+          <a:ext cx="0" cy="0"/>
+          <a:chOff x="0" y="0"/>
+          <a:chExt cx="0" cy="0"/>
+        </a:xfrm>
+      </p:grpSpPr>
+      <p:pic>
+        <p:nvPicPr>
+          <p:cNvPr id="3" name="Рисунок 2"/>
+          <p:cNvPicPr>
+            <a:picLocks noChangeAspect="1"/>
+          </p:cNvPicPr>
+          <p:nvPr/>
+        </p:nvPicPr>
+        <p:blipFill>
+          <a:blip r:embed="rId2"/>
+          <a:stretch>
+            <a:fillRect/>
+          </a:stretch>
+        </p:blipFill>
+        <p:spPr>
+          <a:xfrm>
+            <a:off x="962666" y="3121819"/>
+            <a:ext cx="10266669" cy="614362"/>
+          </a:xfrm>
+          <a:prstGeom prst="rect">
+            <a:avLst/>
+          </a:prstGeom>
+        </p:spPr>
+      </p:pic>
+    </p:spTree>
+    <p:extLst>
+      <p:ext uri="{BB962C8B-B14F-4D97-AF65-F5344CB8AC3E}">
+        <p14:creationId xmlns:p14="http://schemas.microsoft.com/office/powerpoint/2010/main" val="2256252235"/>
+      </p:ext>
+    </p:extLst>
+  </p:cSld>
+  <p:clrMapOvr>
+    <a:masterClrMapping/>
+  </p:clrMapOvr>
+  <p:timing>
+    <p:tnLst>
+      <p:par>
+        <p:cTn id="1" dur="indefinite" restart="never" nodeType="tmRoot"/>
+      </p:par>
+    </p:tnLst>
+  </p:timing>
+</p:sld>
+</file>
+
+<file path=ppt/slides/slide78.xml><?xml version="1.0" encoding="utf-8"?>
+<p:sld xmlns:a="http://schemas.openxmlformats.org/drawingml/2006/main" xmlns:r="http://schemas.openxmlformats.org/officeDocument/2006/relationships" xmlns:p="http://schemas.openxmlformats.org/presentationml/2006/main">
+  <p:cSld>
+    <p:spTree>
+      <p:nvGrpSpPr>
+        <p:cNvPr id="1" name=""/>
+        <p:cNvGrpSpPr/>
+        <p:nvPr/>
+      </p:nvGrpSpPr>
+      <p:grpSpPr>
+        <a:xfrm>
+          <a:off x="0" y="0"/>
+          <a:ext cx="0" cy="0"/>
+          <a:chOff x="0" y="0"/>
+          <a:chExt cx="0" cy="0"/>
+        </a:xfrm>
+      </p:grpSpPr>
+      <p:pic>
+        <p:nvPicPr>
+          <p:cNvPr id="2" name="Рисунок 1"/>
+          <p:cNvPicPr>
+            <a:picLocks noChangeAspect="1"/>
+          </p:cNvPicPr>
+          <p:nvPr/>
+        </p:nvPicPr>
+        <p:blipFill>
+          <a:blip r:embed="rId2"/>
+          <a:stretch>
+            <a:fillRect/>
+          </a:stretch>
+        </p:blipFill>
+        <p:spPr>
+          <a:xfrm>
+            <a:off x="1300887" y="2864131"/>
+            <a:ext cx="9590227" cy="1129739"/>
+          </a:xfrm>
+          <a:prstGeom prst="rect">
+            <a:avLst/>
+          </a:prstGeom>
+        </p:spPr>
+      </p:pic>
+    </p:spTree>
+    <p:extLst>
+      <p:ext uri="{BB962C8B-B14F-4D97-AF65-F5344CB8AC3E}">
+        <p14:creationId xmlns:p14="http://schemas.microsoft.com/office/powerpoint/2010/main" val="3694948384"/>
+      </p:ext>
+    </p:extLst>
+  </p:cSld>
+  <p:clrMapOvr>
+    <a:masterClrMapping/>
+  </p:clrMapOvr>
+  <p:timing>
+    <p:tnLst>
+      <p:par>
+        <p:cTn id="1" dur="indefinite" restart="never" nodeType="tmRoot"/>
+      </p:par>
+    </p:tnLst>
+  </p:timing>
+</p:sld>
+</file>
+
+<file path=ppt/slides/slide79.xml><?xml version="1.0" encoding="utf-8"?>
+<p:sld xmlns:a="http://schemas.openxmlformats.org/drawingml/2006/main" xmlns:r="http://schemas.openxmlformats.org/officeDocument/2006/relationships" xmlns:p="http://schemas.openxmlformats.org/presentationml/2006/main">
+  <p:cSld>
+    <p:spTree>
+      <p:nvGrpSpPr>
+        <p:cNvPr id="1" name=""/>
+        <p:cNvGrpSpPr/>
+        <p:nvPr/>
+      </p:nvGrpSpPr>
+      <p:grpSpPr>
+        <a:xfrm>
+          <a:off x="0" y="0"/>
+          <a:ext cx="0" cy="0"/>
+          <a:chOff x="0" y="0"/>
+          <a:chExt cx="0" cy="0"/>
+        </a:xfrm>
+      </p:grpSpPr>
+      <p:sp>
+        <p:nvSpPr>
+          <p:cNvPr id="2" name="Прямоугольник 1"/>
+          <p:cNvSpPr/>
+          <p:nvPr/>
+        </p:nvSpPr>
+        <p:spPr>
+          <a:xfrm>
+            <a:off x="3458900" y="3013502"/>
+            <a:ext cx="5274201" cy="830997"/>
+          </a:xfrm>
+          <a:prstGeom prst="rect">
+            <a:avLst/>
+          </a:prstGeom>
+        </p:spPr>
+        <p:txBody>
+          <a:bodyPr wrap="none">
+            <a:spAutoFit/>
+          </a:bodyPr>
+          <a:lstStyle/>
+          <a:p>
+            <a:r>
+              <a:rPr lang="en-US" sz="4800" dirty="0" smtClean="0">
+                <a:latin typeface="Roboto" panose="02000000000000000000" pitchFamily="2" charset="0"/>
+                <a:ea typeface="Roboto" panose="02000000000000000000" pitchFamily="2" charset="0"/>
+              </a:rPr>
+              <a:t>(</a:t>
+            </a:r>
+            <a:r>
+              <a:rPr lang="en-US" sz="4800" dirty="0" err="1" smtClean="0">
+                <a:solidFill>
+                  <a:schemeClr val="accent2">
+                    <a:lumMod val="75000"/>
+                  </a:schemeClr>
+                </a:solidFill>
+                <a:latin typeface="Roboto" panose="02000000000000000000" pitchFamily="2" charset="0"/>
+                <a:ea typeface="Roboto" panose="02000000000000000000" pitchFamily="2" charset="0"/>
+              </a:rPr>
+              <a:t>boolean</a:t>
+            </a:r>
+            <a:r>
+              <a:rPr lang="en-US" sz="4800" dirty="0" smtClean="0">
+                <a:latin typeface="Roboto" panose="02000000000000000000" pitchFamily="2" charset="0"/>
+                <a:ea typeface="Roboto" panose="02000000000000000000" pitchFamily="2" charset="0"/>
+              </a:rPr>
+              <a:t>, </a:t>
+            </a:r>
+            <a:r>
+              <a:rPr lang="en-US" sz="4800" dirty="0" err="1" smtClean="0">
+                <a:solidFill>
+                  <a:schemeClr val="accent2">
+                    <a:lumMod val="75000"/>
+                  </a:schemeClr>
+                </a:solidFill>
+                <a:latin typeface="Roboto" panose="02000000000000000000" pitchFamily="2" charset="0"/>
+                <a:ea typeface="Roboto" panose="02000000000000000000" pitchFamily="2" charset="0"/>
+              </a:rPr>
+              <a:t>boolean</a:t>
+            </a:r>
+            <a:r>
+              <a:rPr lang="en-US" sz="4800" dirty="0" smtClean="0">
+                <a:latin typeface="Roboto" panose="02000000000000000000" pitchFamily="2" charset="0"/>
+                <a:ea typeface="Roboto" panose="02000000000000000000" pitchFamily="2" charset="0"/>
+              </a:rPr>
+              <a:t>)</a:t>
+            </a:r>
+            <a:endParaRPr lang="en-US" sz="4800" dirty="0">
+              <a:latin typeface="Roboto" panose="02000000000000000000" pitchFamily="2" charset="0"/>
+              <a:ea typeface="Roboto" panose="02000000000000000000" pitchFamily="2" charset="0"/>
+            </a:endParaRPr>
+          </a:p>
+        </p:txBody>
+      </p:sp>
+    </p:spTree>
+    <p:extLst>
+      <p:ext uri="{BB962C8B-B14F-4D97-AF65-F5344CB8AC3E}">
+        <p14:creationId xmlns:p14="http://schemas.microsoft.com/office/powerpoint/2010/main" val="2041054617"/>
       </p:ext>
     </p:extLst>
   </p:cSld>
@@ -25284,6 +26362,752 @@
     <p:extLst>
       <p:ext uri="{BB962C8B-B14F-4D97-AF65-F5344CB8AC3E}">
         <p14:creationId xmlns:p14="http://schemas.microsoft.com/office/powerpoint/2010/main" val="1665813879"/>
+      </p:ext>
+    </p:extLst>
+  </p:cSld>
+  <p:clrMapOvr>
+    <a:masterClrMapping/>
+  </p:clrMapOvr>
+  <p:timing>
+    <p:tnLst>
+      <p:par>
+        <p:cTn id="1" dur="indefinite" restart="never" nodeType="tmRoot"/>
+      </p:par>
+    </p:tnLst>
+  </p:timing>
+</p:sld>
+</file>
+
+<file path=ppt/slides/slide80.xml><?xml version="1.0" encoding="utf-8"?>
+<p:sld xmlns:a="http://schemas.openxmlformats.org/drawingml/2006/main" xmlns:r="http://schemas.openxmlformats.org/officeDocument/2006/relationships" xmlns:p="http://schemas.openxmlformats.org/presentationml/2006/main">
+  <p:cSld>
+    <p:spTree>
+      <p:nvGrpSpPr>
+        <p:cNvPr id="1" name=""/>
+        <p:cNvGrpSpPr/>
+        <p:nvPr/>
+      </p:nvGrpSpPr>
+      <p:grpSpPr>
+        <a:xfrm>
+          <a:off x="0" y="0"/>
+          <a:ext cx="0" cy="0"/>
+          <a:chOff x="0" y="0"/>
+          <a:chExt cx="0" cy="0"/>
+        </a:xfrm>
+      </p:grpSpPr>
+      <p:sp>
+        <p:nvSpPr>
+          <p:cNvPr id="2" name="Прямоугольник 1"/>
+          <p:cNvSpPr/>
+          <p:nvPr/>
+        </p:nvSpPr>
+        <p:spPr>
+          <a:xfrm>
+            <a:off x="3462106" y="3013502"/>
+            <a:ext cx="5267789" cy="830997"/>
+          </a:xfrm>
+          <a:prstGeom prst="rect">
+            <a:avLst/>
+          </a:prstGeom>
+        </p:spPr>
+        <p:txBody>
+          <a:bodyPr wrap="none">
+            <a:spAutoFit/>
+          </a:bodyPr>
+          <a:lstStyle/>
+          <a:p>
+            <a:r>
+              <a:rPr lang="en-US" sz="4800" dirty="0" err="1" smtClean="0">
+                <a:solidFill>
+                  <a:schemeClr val="accent2">
+                    <a:lumMod val="75000"/>
+                  </a:schemeClr>
+                </a:solidFill>
+                <a:latin typeface="Roboto" panose="02000000000000000000" pitchFamily="2" charset="0"/>
+                <a:ea typeface="Roboto" panose="02000000000000000000" pitchFamily="2" charset="0"/>
+              </a:rPr>
+              <a:t>boolean</a:t>
+            </a:r>
+            <a:r>
+              <a:rPr lang="en-US" sz="4800" dirty="0" smtClean="0">
+                <a:latin typeface="Roboto" panose="02000000000000000000" pitchFamily="2" charset="0"/>
+                <a:ea typeface="Roboto" panose="02000000000000000000" pitchFamily="2" charset="0"/>
+              </a:rPr>
+              <a:t> X </a:t>
+            </a:r>
+            <a:r>
+              <a:rPr lang="en-US" sz="4800" dirty="0" err="1" smtClean="0">
+                <a:solidFill>
+                  <a:schemeClr val="accent2">
+                    <a:lumMod val="75000"/>
+                  </a:schemeClr>
+                </a:solidFill>
+                <a:latin typeface="Roboto" panose="02000000000000000000" pitchFamily="2" charset="0"/>
+                <a:ea typeface="Roboto" panose="02000000000000000000" pitchFamily="2" charset="0"/>
+              </a:rPr>
+              <a:t>boolean</a:t>
+            </a:r>
+            <a:endParaRPr lang="en-US" sz="4800" dirty="0">
+              <a:latin typeface="Roboto" panose="02000000000000000000" pitchFamily="2" charset="0"/>
+              <a:ea typeface="Roboto" panose="02000000000000000000" pitchFamily="2" charset="0"/>
+            </a:endParaRPr>
+          </a:p>
+        </p:txBody>
+      </p:sp>
+    </p:spTree>
+    <p:extLst>
+      <p:ext uri="{BB962C8B-B14F-4D97-AF65-F5344CB8AC3E}">
+        <p14:creationId xmlns:p14="http://schemas.microsoft.com/office/powerpoint/2010/main" val="3212571947"/>
+      </p:ext>
+    </p:extLst>
+  </p:cSld>
+  <p:clrMapOvr>
+    <a:masterClrMapping/>
+  </p:clrMapOvr>
+  <p:timing>
+    <p:tnLst>
+      <p:par>
+        <p:cTn id="1" dur="indefinite" restart="never" nodeType="tmRoot"/>
+      </p:par>
+    </p:tnLst>
+  </p:timing>
+</p:sld>
+</file>
+
+<file path=ppt/slides/slide81.xml><?xml version="1.0" encoding="utf-8"?>
+<p:sld xmlns:a="http://schemas.openxmlformats.org/drawingml/2006/main" xmlns:r="http://schemas.openxmlformats.org/officeDocument/2006/relationships" xmlns:p="http://schemas.openxmlformats.org/presentationml/2006/main">
+  <p:cSld>
+    <p:spTree>
+      <p:nvGrpSpPr>
+        <p:cNvPr id="1" name=""/>
+        <p:cNvGrpSpPr/>
+        <p:nvPr/>
+      </p:nvGrpSpPr>
+      <p:grpSpPr>
+        <a:xfrm>
+          <a:off x="0" y="0"/>
+          <a:ext cx="0" cy="0"/>
+          <a:chOff x="0" y="0"/>
+          <a:chExt cx="0" cy="0"/>
+        </a:xfrm>
+      </p:grpSpPr>
+      <p:sp>
+        <p:nvSpPr>
+          <p:cNvPr id="2" name="Прямоугольник 1"/>
+          <p:cNvSpPr/>
+          <p:nvPr/>
+        </p:nvSpPr>
+        <p:spPr>
+          <a:xfrm>
+            <a:off x="2554806" y="3013502"/>
+            <a:ext cx="7082388" cy="830997"/>
+          </a:xfrm>
+          <a:prstGeom prst="rect">
+            <a:avLst/>
+          </a:prstGeom>
+        </p:spPr>
+        <p:txBody>
+          <a:bodyPr wrap="none">
+            <a:spAutoFit/>
+          </a:bodyPr>
+          <a:lstStyle/>
+          <a:p>
+            <a:r>
+              <a:rPr lang="en-US" sz="4800" dirty="0" smtClean="0">
+                <a:latin typeface="Roboto" panose="02000000000000000000" pitchFamily="2" charset="0"/>
+                <a:ea typeface="Roboto" panose="02000000000000000000" pitchFamily="2" charset="0"/>
+              </a:rPr>
+              <a:t>{</a:t>
+            </a:r>
+            <a:r>
+              <a:rPr lang="en-US" sz="4800" dirty="0" smtClean="0">
+                <a:solidFill>
+                  <a:schemeClr val="accent2">
+                    <a:lumMod val="75000"/>
+                  </a:schemeClr>
+                </a:solidFill>
+                <a:latin typeface="Roboto" panose="02000000000000000000" pitchFamily="2" charset="0"/>
+                <a:ea typeface="Roboto" panose="02000000000000000000" pitchFamily="2" charset="0"/>
+              </a:rPr>
+              <a:t>true</a:t>
+            </a:r>
+            <a:r>
+              <a:rPr lang="en-US" sz="4800" dirty="0" smtClean="0">
+                <a:latin typeface="Roboto" panose="02000000000000000000" pitchFamily="2" charset="0"/>
+                <a:ea typeface="Roboto" panose="02000000000000000000" pitchFamily="2" charset="0"/>
+              </a:rPr>
+              <a:t>, </a:t>
+            </a:r>
+            <a:r>
+              <a:rPr lang="en-US" sz="4800" dirty="0" smtClean="0">
+                <a:solidFill>
+                  <a:schemeClr val="accent2">
+                    <a:lumMod val="75000"/>
+                  </a:schemeClr>
+                </a:solidFill>
+                <a:latin typeface="Roboto" panose="02000000000000000000" pitchFamily="2" charset="0"/>
+                <a:ea typeface="Roboto" panose="02000000000000000000" pitchFamily="2" charset="0"/>
+              </a:rPr>
+              <a:t>false</a:t>
+            </a:r>
+            <a:r>
+              <a:rPr lang="en-US" sz="4800" dirty="0" smtClean="0">
+                <a:latin typeface="Roboto" panose="02000000000000000000" pitchFamily="2" charset="0"/>
+                <a:ea typeface="Roboto" panose="02000000000000000000" pitchFamily="2" charset="0"/>
+              </a:rPr>
+              <a:t>} X {</a:t>
+            </a:r>
+            <a:r>
+              <a:rPr lang="en-US" sz="4800" dirty="0" smtClean="0">
+                <a:solidFill>
+                  <a:schemeClr val="accent2">
+                    <a:lumMod val="75000"/>
+                  </a:schemeClr>
+                </a:solidFill>
+                <a:latin typeface="Roboto" panose="02000000000000000000" pitchFamily="2" charset="0"/>
+                <a:ea typeface="Roboto" panose="02000000000000000000" pitchFamily="2" charset="0"/>
+              </a:rPr>
+              <a:t>true</a:t>
+            </a:r>
+            <a:r>
+              <a:rPr lang="en-US" sz="4800" dirty="0" smtClean="0">
+                <a:latin typeface="Roboto" panose="02000000000000000000" pitchFamily="2" charset="0"/>
+                <a:ea typeface="Roboto" panose="02000000000000000000" pitchFamily="2" charset="0"/>
+              </a:rPr>
+              <a:t>, </a:t>
+            </a:r>
+            <a:r>
+              <a:rPr lang="en-US" sz="4800" dirty="0" smtClean="0">
+                <a:solidFill>
+                  <a:schemeClr val="accent2">
+                    <a:lumMod val="75000"/>
+                  </a:schemeClr>
+                </a:solidFill>
+                <a:latin typeface="Roboto" panose="02000000000000000000" pitchFamily="2" charset="0"/>
+                <a:ea typeface="Roboto" panose="02000000000000000000" pitchFamily="2" charset="0"/>
+              </a:rPr>
+              <a:t>false</a:t>
+            </a:r>
+            <a:r>
+              <a:rPr lang="en-US" sz="4800" dirty="0" smtClean="0">
+                <a:latin typeface="Roboto" panose="02000000000000000000" pitchFamily="2" charset="0"/>
+                <a:ea typeface="Roboto" panose="02000000000000000000" pitchFamily="2" charset="0"/>
+              </a:rPr>
+              <a:t>}</a:t>
+            </a:r>
+            <a:endParaRPr lang="en-US" sz="4800" dirty="0">
+              <a:latin typeface="Roboto" panose="02000000000000000000" pitchFamily="2" charset="0"/>
+              <a:ea typeface="Roboto" panose="02000000000000000000" pitchFamily="2" charset="0"/>
+            </a:endParaRPr>
+          </a:p>
+        </p:txBody>
+      </p:sp>
+    </p:spTree>
+    <p:extLst>
+      <p:ext uri="{BB962C8B-B14F-4D97-AF65-F5344CB8AC3E}">
+        <p14:creationId xmlns:p14="http://schemas.microsoft.com/office/powerpoint/2010/main" val="2308889100"/>
+      </p:ext>
+    </p:extLst>
+  </p:cSld>
+  <p:clrMapOvr>
+    <a:masterClrMapping/>
+  </p:clrMapOvr>
+  <p:timing>
+    <p:tnLst>
+      <p:par>
+        <p:cTn id="1" dur="indefinite" restart="never" nodeType="tmRoot"/>
+      </p:par>
+    </p:tnLst>
+  </p:timing>
+</p:sld>
+</file>
+
+<file path=ppt/slides/slide82.xml><?xml version="1.0" encoding="utf-8"?>
+<p:sld xmlns:a="http://schemas.openxmlformats.org/drawingml/2006/main" xmlns:r="http://schemas.openxmlformats.org/officeDocument/2006/relationships" xmlns:p="http://schemas.openxmlformats.org/presentationml/2006/main">
+  <p:cSld>
+    <p:spTree>
+      <p:nvGrpSpPr>
+        <p:cNvPr id="1" name=""/>
+        <p:cNvGrpSpPr/>
+        <p:nvPr/>
+      </p:nvGrpSpPr>
+      <p:grpSpPr>
+        <a:xfrm>
+          <a:off x="0" y="0"/>
+          <a:ext cx="0" cy="0"/>
+          <a:chOff x="0" y="0"/>
+          <a:chExt cx="0" cy="0"/>
+        </a:xfrm>
+      </p:grpSpPr>
+      <p:sp>
+        <p:nvSpPr>
+          <p:cNvPr id="2" name="Прямоугольник 1"/>
+          <p:cNvSpPr/>
+          <p:nvPr/>
+        </p:nvSpPr>
+        <p:spPr>
+          <a:xfrm>
+            <a:off x="4318911" y="1905506"/>
+            <a:ext cx="3592650" cy="3046988"/>
+          </a:xfrm>
+          <a:prstGeom prst="rect">
+            <a:avLst/>
+          </a:prstGeom>
+        </p:spPr>
+        <p:txBody>
+          <a:bodyPr wrap="none">
+            <a:spAutoFit/>
+          </a:bodyPr>
+          <a:lstStyle/>
+          <a:p>
+            <a:r>
+              <a:rPr lang="en-US" sz="4800" dirty="0" smtClean="0">
+                <a:latin typeface="Roboto" panose="02000000000000000000" pitchFamily="2" charset="0"/>
+                <a:ea typeface="Roboto" panose="02000000000000000000" pitchFamily="2" charset="0"/>
+              </a:rPr>
+              <a:t>{</a:t>
+            </a:r>
+            <a:r>
+              <a:rPr lang="en-US" sz="4800" dirty="0" smtClean="0">
+                <a:solidFill>
+                  <a:schemeClr val="accent2">
+                    <a:lumMod val="75000"/>
+                  </a:schemeClr>
+                </a:solidFill>
+                <a:latin typeface="Roboto" panose="02000000000000000000" pitchFamily="2" charset="0"/>
+                <a:ea typeface="Roboto" panose="02000000000000000000" pitchFamily="2" charset="0"/>
+              </a:rPr>
+              <a:t>true</a:t>
+            </a:r>
+            <a:r>
+              <a:rPr lang="en-US" sz="4800" dirty="0" smtClean="0">
+                <a:latin typeface="Roboto" panose="02000000000000000000" pitchFamily="2" charset="0"/>
+                <a:ea typeface="Roboto" panose="02000000000000000000" pitchFamily="2" charset="0"/>
+              </a:rPr>
+              <a:t>, </a:t>
+            </a:r>
+            <a:r>
+              <a:rPr lang="en-US" sz="4800" dirty="0" smtClean="0">
+                <a:solidFill>
+                  <a:schemeClr val="accent2">
+                    <a:lumMod val="75000"/>
+                  </a:schemeClr>
+                </a:solidFill>
+                <a:latin typeface="Roboto" panose="02000000000000000000" pitchFamily="2" charset="0"/>
+                <a:ea typeface="Roboto" panose="02000000000000000000" pitchFamily="2" charset="0"/>
+              </a:rPr>
+              <a:t>true</a:t>
+            </a:r>
+            <a:r>
+              <a:rPr lang="en-US" sz="4800" dirty="0" smtClean="0">
+                <a:latin typeface="Roboto" panose="02000000000000000000" pitchFamily="2" charset="0"/>
+                <a:ea typeface="Roboto" panose="02000000000000000000" pitchFamily="2" charset="0"/>
+              </a:rPr>
+              <a:t>}</a:t>
+            </a:r>
+          </a:p>
+          <a:p>
+            <a:r>
+              <a:rPr lang="en-US" sz="4800" dirty="0" smtClean="0">
+                <a:latin typeface="Roboto" panose="02000000000000000000" pitchFamily="2" charset="0"/>
+                <a:ea typeface="Roboto" panose="02000000000000000000" pitchFamily="2" charset="0"/>
+              </a:rPr>
+              <a:t>{</a:t>
+            </a:r>
+            <a:r>
+              <a:rPr lang="en-US" sz="4800" dirty="0" smtClean="0">
+                <a:solidFill>
+                  <a:schemeClr val="accent2">
+                    <a:lumMod val="75000"/>
+                  </a:schemeClr>
+                </a:solidFill>
+                <a:latin typeface="Roboto" panose="02000000000000000000" pitchFamily="2" charset="0"/>
+                <a:ea typeface="Roboto" panose="02000000000000000000" pitchFamily="2" charset="0"/>
+              </a:rPr>
+              <a:t>false</a:t>
+            </a:r>
+            <a:r>
+              <a:rPr lang="en-US" sz="4800" dirty="0" smtClean="0">
+                <a:latin typeface="Roboto" panose="02000000000000000000" pitchFamily="2" charset="0"/>
+                <a:ea typeface="Roboto" panose="02000000000000000000" pitchFamily="2" charset="0"/>
+              </a:rPr>
+              <a:t>, </a:t>
+            </a:r>
+            <a:r>
+              <a:rPr lang="en-US" sz="4800" dirty="0">
+                <a:solidFill>
+                  <a:schemeClr val="accent2">
+                    <a:lumMod val="75000"/>
+                  </a:schemeClr>
+                </a:solidFill>
+                <a:latin typeface="Roboto" panose="02000000000000000000" pitchFamily="2" charset="0"/>
+                <a:ea typeface="Roboto" panose="02000000000000000000" pitchFamily="2" charset="0"/>
+              </a:rPr>
+              <a:t>false</a:t>
+            </a:r>
+            <a:r>
+              <a:rPr lang="en-US" sz="4800" dirty="0" smtClean="0">
+                <a:latin typeface="Roboto" panose="02000000000000000000" pitchFamily="2" charset="0"/>
+                <a:ea typeface="Roboto" panose="02000000000000000000" pitchFamily="2" charset="0"/>
+              </a:rPr>
+              <a:t>}</a:t>
+            </a:r>
+          </a:p>
+          <a:p>
+            <a:r>
+              <a:rPr lang="en-US" sz="4800" dirty="0">
+                <a:latin typeface="Roboto" panose="02000000000000000000" pitchFamily="2" charset="0"/>
+                <a:ea typeface="Roboto" panose="02000000000000000000" pitchFamily="2" charset="0"/>
+              </a:rPr>
+              <a:t>{</a:t>
+            </a:r>
+            <a:r>
+              <a:rPr lang="en-US" sz="4800" dirty="0" smtClean="0">
+                <a:solidFill>
+                  <a:schemeClr val="accent2">
+                    <a:lumMod val="75000"/>
+                  </a:schemeClr>
+                </a:solidFill>
+                <a:latin typeface="Roboto" panose="02000000000000000000" pitchFamily="2" charset="0"/>
+                <a:ea typeface="Roboto" panose="02000000000000000000" pitchFamily="2" charset="0"/>
+              </a:rPr>
+              <a:t>true</a:t>
+            </a:r>
+            <a:r>
+              <a:rPr lang="en-US" sz="4800" dirty="0" smtClean="0">
+                <a:latin typeface="Roboto" panose="02000000000000000000" pitchFamily="2" charset="0"/>
+                <a:ea typeface="Roboto" panose="02000000000000000000" pitchFamily="2" charset="0"/>
+              </a:rPr>
+              <a:t>, </a:t>
+            </a:r>
+            <a:r>
+              <a:rPr lang="en-US" sz="4800" dirty="0">
+                <a:solidFill>
+                  <a:schemeClr val="accent2">
+                    <a:lumMod val="75000"/>
+                  </a:schemeClr>
+                </a:solidFill>
+                <a:latin typeface="Roboto" panose="02000000000000000000" pitchFamily="2" charset="0"/>
+                <a:ea typeface="Roboto" panose="02000000000000000000" pitchFamily="2" charset="0"/>
+              </a:rPr>
+              <a:t>false</a:t>
+            </a:r>
+            <a:r>
+              <a:rPr lang="en-US" sz="4800" dirty="0" smtClean="0">
+                <a:latin typeface="Roboto" panose="02000000000000000000" pitchFamily="2" charset="0"/>
+                <a:ea typeface="Roboto" panose="02000000000000000000" pitchFamily="2" charset="0"/>
+              </a:rPr>
+              <a:t>}</a:t>
+            </a:r>
+          </a:p>
+          <a:p>
+            <a:r>
+              <a:rPr lang="en-US" sz="4800" dirty="0" smtClean="0">
+                <a:latin typeface="Roboto" panose="02000000000000000000" pitchFamily="2" charset="0"/>
+                <a:ea typeface="Roboto" panose="02000000000000000000" pitchFamily="2" charset="0"/>
+              </a:rPr>
+              <a:t>{</a:t>
+            </a:r>
+            <a:r>
+              <a:rPr lang="en-US" sz="4800" dirty="0" smtClean="0">
+                <a:solidFill>
+                  <a:schemeClr val="accent2">
+                    <a:lumMod val="75000"/>
+                  </a:schemeClr>
+                </a:solidFill>
+                <a:latin typeface="Roboto" panose="02000000000000000000" pitchFamily="2" charset="0"/>
+                <a:ea typeface="Roboto" panose="02000000000000000000" pitchFamily="2" charset="0"/>
+              </a:rPr>
+              <a:t>false</a:t>
+            </a:r>
+            <a:r>
+              <a:rPr lang="en-US" sz="4800" dirty="0" smtClean="0">
+                <a:latin typeface="Roboto" panose="02000000000000000000" pitchFamily="2" charset="0"/>
+                <a:ea typeface="Roboto" panose="02000000000000000000" pitchFamily="2" charset="0"/>
+              </a:rPr>
+              <a:t>, </a:t>
+            </a:r>
+            <a:r>
+              <a:rPr lang="en-US" sz="4800" dirty="0" smtClean="0">
+                <a:solidFill>
+                  <a:schemeClr val="accent2">
+                    <a:lumMod val="75000"/>
+                  </a:schemeClr>
+                </a:solidFill>
+                <a:latin typeface="Roboto" panose="02000000000000000000" pitchFamily="2" charset="0"/>
+                <a:ea typeface="Roboto" panose="02000000000000000000" pitchFamily="2" charset="0"/>
+              </a:rPr>
+              <a:t>true</a:t>
+            </a:r>
+            <a:r>
+              <a:rPr lang="en-US" sz="4800" dirty="0" smtClean="0">
+                <a:latin typeface="Roboto" panose="02000000000000000000" pitchFamily="2" charset="0"/>
+                <a:ea typeface="Roboto" panose="02000000000000000000" pitchFamily="2" charset="0"/>
+              </a:rPr>
+              <a:t>}</a:t>
+            </a:r>
+            <a:endParaRPr lang="en-US" sz="4800" dirty="0">
+              <a:latin typeface="Roboto" panose="02000000000000000000" pitchFamily="2" charset="0"/>
+              <a:ea typeface="Roboto" panose="02000000000000000000" pitchFamily="2" charset="0"/>
+            </a:endParaRPr>
+          </a:p>
+        </p:txBody>
+      </p:sp>
+    </p:spTree>
+    <p:extLst>
+      <p:ext uri="{BB962C8B-B14F-4D97-AF65-F5344CB8AC3E}">
+        <p14:creationId xmlns:p14="http://schemas.microsoft.com/office/powerpoint/2010/main" val="4237715865"/>
+      </p:ext>
+    </p:extLst>
+  </p:cSld>
+  <p:clrMapOvr>
+    <a:masterClrMapping/>
+  </p:clrMapOvr>
+  <p:timing>
+    <p:tnLst>
+      <p:par>
+        <p:cTn id="1" dur="indefinite" restart="never" nodeType="tmRoot"/>
+      </p:par>
+    </p:tnLst>
+  </p:timing>
+</p:sld>
+</file>
+
+<file path=ppt/slides/slide83.xml><?xml version="1.0" encoding="utf-8"?>
+<p:sld xmlns:a="http://schemas.openxmlformats.org/drawingml/2006/main" xmlns:r="http://schemas.openxmlformats.org/officeDocument/2006/relationships" xmlns:p="http://schemas.openxmlformats.org/presentationml/2006/main">
+  <p:cSld>
+    <p:spTree>
+      <p:nvGrpSpPr>
+        <p:cNvPr id="1" name=""/>
+        <p:cNvGrpSpPr/>
+        <p:nvPr/>
+      </p:nvGrpSpPr>
+      <p:grpSpPr>
+        <a:xfrm>
+          <a:off x="0" y="0"/>
+          <a:ext cx="0" cy="0"/>
+          <a:chOff x="0" y="0"/>
+          <a:chExt cx="0" cy="0"/>
+        </a:xfrm>
+      </p:grpSpPr>
+      <p:sp>
+        <p:nvSpPr>
+          <p:cNvPr id="2" name="Прямоугольник 1"/>
+          <p:cNvSpPr/>
+          <p:nvPr/>
+        </p:nvSpPr>
+        <p:spPr>
+          <a:xfrm>
+            <a:off x="4318911" y="1905506"/>
+            <a:ext cx="3592650" cy="3046988"/>
+          </a:xfrm>
+          <a:prstGeom prst="rect">
+            <a:avLst/>
+          </a:prstGeom>
+        </p:spPr>
+        <p:txBody>
+          <a:bodyPr wrap="none">
+            <a:spAutoFit/>
+          </a:bodyPr>
+          <a:lstStyle/>
+          <a:p>
+            <a:r>
+              <a:rPr lang="en-US" sz="4800" strike="sngStrike" dirty="0" smtClean="0">
+                <a:latin typeface="Roboto" panose="02000000000000000000" pitchFamily="2" charset="0"/>
+                <a:ea typeface="Roboto" panose="02000000000000000000" pitchFamily="2" charset="0"/>
+              </a:rPr>
+              <a:t>{</a:t>
+            </a:r>
+            <a:r>
+              <a:rPr lang="en-US" sz="4800" strike="sngStrike" dirty="0" smtClean="0">
+                <a:solidFill>
+                  <a:schemeClr val="accent2">
+                    <a:lumMod val="75000"/>
+                  </a:schemeClr>
+                </a:solidFill>
+                <a:latin typeface="Roboto" panose="02000000000000000000" pitchFamily="2" charset="0"/>
+                <a:ea typeface="Roboto" panose="02000000000000000000" pitchFamily="2" charset="0"/>
+              </a:rPr>
+              <a:t>true</a:t>
+            </a:r>
+            <a:r>
+              <a:rPr lang="en-US" sz="4800" strike="sngStrike" dirty="0" smtClean="0">
+                <a:latin typeface="Roboto" panose="02000000000000000000" pitchFamily="2" charset="0"/>
+                <a:ea typeface="Roboto" panose="02000000000000000000" pitchFamily="2" charset="0"/>
+              </a:rPr>
+              <a:t>, </a:t>
+            </a:r>
+            <a:r>
+              <a:rPr lang="en-US" sz="4800" strike="sngStrike" dirty="0" smtClean="0">
+                <a:solidFill>
+                  <a:schemeClr val="accent2">
+                    <a:lumMod val="75000"/>
+                  </a:schemeClr>
+                </a:solidFill>
+                <a:latin typeface="Roboto" panose="02000000000000000000" pitchFamily="2" charset="0"/>
+                <a:ea typeface="Roboto" panose="02000000000000000000" pitchFamily="2" charset="0"/>
+              </a:rPr>
+              <a:t>true</a:t>
+            </a:r>
+            <a:r>
+              <a:rPr lang="en-US" sz="4800" strike="sngStrike" dirty="0" smtClean="0">
+                <a:latin typeface="Roboto" panose="02000000000000000000" pitchFamily="2" charset="0"/>
+                <a:ea typeface="Roboto" panose="02000000000000000000" pitchFamily="2" charset="0"/>
+              </a:rPr>
+              <a:t>}</a:t>
+            </a:r>
+          </a:p>
+          <a:p>
+            <a:r>
+              <a:rPr lang="en-US" sz="4800" strike="sngStrike" dirty="0" smtClean="0">
+                <a:latin typeface="Roboto" panose="02000000000000000000" pitchFamily="2" charset="0"/>
+                <a:ea typeface="Roboto" panose="02000000000000000000" pitchFamily="2" charset="0"/>
+              </a:rPr>
+              <a:t>{</a:t>
+            </a:r>
+            <a:r>
+              <a:rPr lang="en-US" sz="4800" strike="sngStrike" dirty="0" smtClean="0">
+                <a:solidFill>
+                  <a:schemeClr val="accent2">
+                    <a:lumMod val="75000"/>
+                  </a:schemeClr>
+                </a:solidFill>
+                <a:latin typeface="Roboto" panose="02000000000000000000" pitchFamily="2" charset="0"/>
+                <a:ea typeface="Roboto" panose="02000000000000000000" pitchFamily="2" charset="0"/>
+              </a:rPr>
+              <a:t>false</a:t>
+            </a:r>
+            <a:r>
+              <a:rPr lang="en-US" sz="4800" strike="sngStrike" dirty="0" smtClean="0">
+                <a:latin typeface="Roboto" panose="02000000000000000000" pitchFamily="2" charset="0"/>
+                <a:ea typeface="Roboto" panose="02000000000000000000" pitchFamily="2" charset="0"/>
+              </a:rPr>
+              <a:t>, </a:t>
+            </a:r>
+            <a:r>
+              <a:rPr lang="en-US" sz="4800" strike="sngStrike" dirty="0">
+                <a:solidFill>
+                  <a:schemeClr val="accent2">
+                    <a:lumMod val="75000"/>
+                  </a:schemeClr>
+                </a:solidFill>
+                <a:latin typeface="Roboto" panose="02000000000000000000" pitchFamily="2" charset="0"/>
+                <a:ea typeface="Roboto" panose="02000000000000000000" pitchFamily="2" charset="0"/>
+              </a:rPr>
+              <a:t>false</a:t>
+            </a:r>
+            <a:r>
+              <a:rPr lang="en-US" sz="4800" strike="sngStrike" dirty="0" smtClean="0">
+                <a:latin typeface="Roboto" panose="02000000000000000000" pitchFamily="2" charset="0"/>
+                <a:ea typeface="Roboto" panose="02000000000000000000" pitchFamily="2" charset="0"/>
+              </a:rPr>
+              <a:t>}</a:t>
+            </a:r>
+          </a:p>
+          <a:p>
+            <a:r>
+              <a:rPr lang="en-US" sz="4800" dirty="0">
+                <a:latin typeface="Roboto" panose="02000000000000000000" pitchFamily="2" charset="0"/>
+                <a:ea typeface="Roboto" panose="02000000000000000000" pitchFamily="2" charset="0"/>
+              </a:rPr>
+              <a:t>{</a:t>
+            </a:r>
+            <a:r>
+              <a:rPr lang="en-US" sz="4800" dirty="0" smtClean="0">
+                <a:solidFill>
+                  <a:schemeClr val="accent2">
+                    <a:lumMod val="75000"/>
+                  </a:schemeClr>
+                </a:solidFill>
+                <a:latin typeface="Roboto" panose="02000000000000000000" pitchFamily="2" charset="0"/>
+                <a:ea typeface="Roboto" panose="02000000000000000000" pitchFamily="2" charset="0"/>
+              </a:rPr>
+              <a:t>true</a:t>
+            </a:r>
+            <a:r>
+              <a:rPr lang="en-US" sz="4800" dirty="0" smtClean="0">
+                <a:latin typeface="Roboto" panose="02000000000000000000" pitchFamily="2" charset="0"/>
+                <a:ea typeface="Roboto" panose="02000000000000000000" pitchFamily="2" charset="0"/>
+              </a:rPr>
+              <a:t>, </a:t>
+            </a:r>
+            <a:r>
+              <a:rPr lang="en-US" sz="4800" dirty="0">
+                <a:solidFill>
+                  <a:schemeClr val="accent2">
+                    <a:lumMod val="75000"/>
+                  </a:schemeClr>
+                </a:solidFill>
+                <a:latin typeface="Roboto" panose="02000000000000000000" pitchFamily="2" charset="0"/>
+                <a:ea typeface="Roboto" panose="02000000000000000000" pitchFamily="2" charset="0"/>
+              </a:rPr>
+              <a:t>false</a:t>
+            </a:r>
+            <a:r>
+              <a:rPr lang="en-US" sz="4800" dirty="0" smtClean="0">
+                <a:latin typeface="Roboto" panose="02000000000000000000" pitchFamily="2" charset="0"/>
+                <a:ea typeface="Roboto" panose="02000000000000000000" pitchFamily="2" charset="0"/>
+              </a:rPr>
+              <a:t>}</a:t>
+            </a:r>
+          </a:p>
+          <a:p>
+            <a:r>
+              <a:rPr lang="en-US" sz="4800" dirty="0" smtClean="0">
+                <a:latin typeface="Roboto" panose="02000000000000000000" pitchFamily="2" charset="0"/>
+                <a:ea typeface="Roboto" panose="02000000000000000000" pitchFamily="2" charset="0"/>
+              </a:rPr>
+              <a:t>{</a:t>
+            </a:r>
+            <a:r>
+              <a:rPr lang="en-US" sz="4800" dirty="0" smtClean="0">
+                <a:solidFill>
+                  <a:schemeClr val="accent2">
+                    <a:lumMod val="75000"/>
+                  </a:schemeClr>
+                </a:solidFill>
+                <a:latin typeface="Roboto" panose="02000000000000000000" pitchFamily="2" charset="0"/>
+                <a:ea typeface="Roboto" panose="02000000000000000000" pitchFamily="2" charset="0"/>
+              </a:rPr>
+              <a:t>false</a:t>
+            </a:r>
+            <a:r>
+              <a:rPr lang="en-US" sz="4800" dirty="0" smtClean="0">
+                <a:latin typeface="Roboto" panose="02000000000000000000" pitchFamily="2" charset="0"/>
+                <a:ea typeface="Roboto" panose="02000000000000000000" pitchFamily="2" charset="0"/>
+              </a:rPr>
+              <a:t>, </a:t>
+            </a:r>
+            <a:r>
+              <a:rPr lang="en-US" sz="4800" dirty="0" smtClean="0">
+                <a:solidFill>
+                  <a:schemeClr val="accent2">
+                    <a:lumMod val="75000"/>
+                  </a:schemeClr>
+                </a:solidFill>
+                <a:latin typeface="Roboto" panose="02000000000000000000" pitchFamily="2" charset="0"/>
+                <a:ea typeface="Roboto" panose="02000000000000000000" pitchFamily="2" charset="0"/>
+              </a:rPr>
+              <a:t>true</a:t>
+            </a:r>
+            <a:r>
+              <a:rPr lang="en-US" sz="4800" dirty="0" smtClean="0">
+                <a:latin typeface="Roboto" panose="02000000000000000000" pitchFamily="2" charset="0"/>
+                <a:ea typeface="Roboto" panose="02000000000000000000" pitchFamily="2" charset="0"/>
+              </a:rPr>
+              <a:t>}</a:t>
+            </a:r>
+            <a:endParaRPr lang="en-US" sz="4800" dirty="0">
+              <a:latin typeface="Roboto" panose="02000000000000000000" pitchFamily="2" charset="0"/>
+              <a:ea typeface="Roboto" panose="02000000000000000000" pitchFamily="2" charset="0"/>
+            </a:endParaRPr>
+          </a:p>
+        </p:txBody>
+      </p:sp>
+    </p:spTree>
+    <p:extLst>
+      <p:ext uri="{BB962C8B-B14F-4D97-AF65-F5344CB8AC3E}">
+        <p14:creationId xmlns:p14="http://schemas.microsoft.com/office/powerpoint/2010/main" val="1573940309"/>
       </p:ext>
     </p:extLst>
   </p:cSld>

--- a/Презентация.pptx
+++ b/Презентация.pptx
@@ -4,6 +4,9 @@
   <p:sldMasterIdLst>
     <p:sldMasterId id="2147483648" r:id="rId1"/>
   </p:sldMasterIdLst>
+  <p:notesMasterIdLst>
+    <p:notesMasterId r:id="rId96"/>
+  </p:notesMasterIdLst>
   <p:sldIdLst>
     <p:sldId id="256" r:id="rId2"/>
     <p:sldId id="258" r:id="rId3"/>
@@ -76,18 +79,29 @@
     <p:sldId id="329" r:id="rId70"/>
     <p:sldId id="330" r:id="rId71"/>
     <p:sldId id="331" r:id="rId72"/>
-    <p:sldId id="333" r:id="rId73"/>
-    <p:sldId id="334" r:id="rId74"/>
-    <p:sldId id="335" r:id="rId75"/>
-    <p:sldId id="336" r:id="rId76"/>
-    <p:sldId id="337" r:id="rId77"/>
-    <p:sldId id="338" r:id="rId78"/>
-    <p:sldId id="339" r:id="rId79"/>
-    <p:sldId id="340" r:id="rId80"/>
-    <p:sldId id="341" r:id="rId81"/>
+    <p:sldId id="345" r:id="rId73"/>
+    <p:sldId id="346" r:id="rId74"/>
+    <p:sldId id="350" r:id="rId75"/>
+    <p:sldId id="351" r:id="rId76"/>
+    <p:sldId id="349" r:id="rId77"/>
+    <p:sldId id="353" r:id="rId78"/>
+    <p:sldId id="338" r:id="rId79"/>
+    <p:sldId id="339" r:id="rId80"/>
+    <p:sldId id="340" r:id="rId81"/>
     <p:sldId id="342" r:id="rId82"/>
-    <p:sldId id="343" r:id="rId83"/>
-    <p:sldId id="344" r:id="rId84"/>
+    <p:sldId id="352" r:id="rId83"/>
+    <p:sldId id="354" r:id="rId84"/>
+    <p:sldId id="355" r:id="rId85"/>
+    <p:sldId id="365" r:id="rId86"/>
+    <p:sldId id="356" r:id="rId87"/>
+    <p:sldId id="357" r:id="rId88"/>
+    <p:sldId id="360" r:id="rId89"/>
+    <p:sldId id="358" r:id="rId90"/>
+    <p:sldId id="359" r:id="rId91"/>
+    <p:sldId id="361" r:id="rId92"/>
+    <p:sldId id="362" r:id="rId93"/>
+    <p:sldId id="363" r:id="rId94"/>
+    <p:sldId id="364" r:id="rId95"/>
   </p:sldIdLst>
   <p:sldSz cx="12192000" cy="6858000"/>
   <p:notesSz cx="6858000" cy="9144000"/>
@@ -194,6 +208,1528 @@
 </p:presentation>
 </file>
 
+<file path=ppt/notesMasters/notesMaster1.xml><?xml version="1.0" encoding="utf-8"?>
+<p:notesMaster xmlns:a="http://schemas.openxmlformats.org/drawingml/2006/main" xmlns:r="http://schemas.openxmlformats.org/officeDocument/2006/relationships" xmlns:p="http://schemas.openxmlformats.org/presentationml/2006/main">
+  <p:cSld>
+    <p:bg>
+      <p:bgRef idx="1001">
+        <a:schemeClr val="bg1"/>
+      </p:bgRef>
+    </p:bg>
+    <p:spTree>
+      <p:nvGrpSpPr>
+        <p:cNvPr id="1" name=""/>
+        <p:cNvGrpSpPr/>
+        <p:nvPr/>
+      </p:nvGrpSpPr>
+      <p:grpSpPr>
+        <a:xfrm>
+          <a:off x="0" y="0"/>
+          <a:ext cx="0" cy="0"/>
+          <a:chOff x="0" y="0"/>
+          <a:chExt cx="0" cy="0"/>
+        </a:xfrm>
+      </p:grpSpPr>
+      <p:sp>
+        <p:nvSpPr>
+          <p:cNvPr id="2" name="Верхний колонтитул 1"/>
+          <p:cNvSpPr>
+            <a:spLocks noGrp="1"/>
+          </p:cNvSpPr>
+          <p:nvPr>
+            <p:ph type="hdr" sz="quarter"/>
+          </p:nvPr>
+        </p:nvSpPr>
+        <p:spPr>
+          <a:xfrm>
+            <a:off x="0" y="0"/>
+            <a:ext cx="2971800" cy="458788"/>
+          </a:xfrm>
+          <a:prstGeom prst="rect">
+            <a:avLst/>
+          </a:prstGeom>
+        </p:spPr>
+        <p:txBody>
+          <a:bodyPr vert="horz" lIns="91440" tIns="45720" rIns="91440" bIns="45720" rtlCol="0"/>
+          <a:lstStyle>
+            <a:lvl1pPr algn="l">
+              <a:defRPr sz="1200"/>
+            </a:lvl1pPr>
+          </a:lstStyle>
+          <a:p>
+            <a:endParaRPr lang="en-US"/>
+          </a:p>
+        </p:txBody>
+      </p:sp>
+      <p:sp>
+        <p:nvSpPr>
+          <p:cNvPr id="3" name="Дата 2"/>
+          <p:cNvSpPr>
+            <a:spLocks noGrp="1"/>
+          </p:cNvSpPr>
+          <p:nvPr>
+            <p:ph type="dt" idx="1"/>
+          </p:nvPr>
+        </p:nvSpPr>
+        <p:spPr>
+          <a:xfrm>
+            <a:off x="3884613" y="0"/>
+            <a:ext cx="2971800" cy="458788"/>
+          </a:xfrm>
+          <a:prstGeom prst="rect">
+            <a:avLst/>
+          </a:prstGeom>
+        </p:spPr>
+        <p:txBody>
+          <a:bodyPr vert="horz" lIns="91440" tIns="45720" rIns="91440" bIns="45720" rtlCol="0"/>
+          <a:lstStyle>
+            <a:lvl1pPr algn="r">
+              <a:defRPr sz="1200"/>
+            </a:lvl1pPr>
+          </a:lstStyle>
+          <a:p>
+            <a:fld id="{C1FA9F6D-4C0A-4D32-A6E0-938378AE6520}" type="datetimeFigureOut">
+              <a:rPr lang="en-US" smtClean="0"/>
+              <a:t>4/5/2023</a:t>
+            </a:fld>
+            <a:endParaRPr lang="en-US"/>
+          </a:p>
+        </p:txBody>
+      </p:sp>
+      <p:sp>
+        <p:nvSpPr>
+          <p:cNvPr id="4" name="Образ слайда 3"/>
+          <p:cNvSpPr>
+            <a:spLocks noGrp="1" noRot="1" noChangeAspect="1"/>
+          </p:cNvSpPr>
+          <p:nvPr>
+            <p:ph type="sldImg" idx="2"/>
+          </p:nvPr>
+        </p:nvSpPr>
+        <p:spPr>
+          <a:xfrm>
+            <a:off x="685800" y="1143000"/>
+            <a:ext cx="5486400" cy="3086100"/>
+          </a:xfrm>
+          <a:prstGeom prst="rect">
+            <a:avLst/>
+          </a:prstGeom>
+          <a:noFill/>
+          <a:ln w="12700">
+            <a:solidFill>
+              <a:prstClr val="black"/>
+            </a:solidFill>
+          </a:ln>
+        </p:spPr>
+        <p:txBody>
+          <a:bodyPr vert="horz" lIns="91440" tIns="45720" rIns="91440" bIns="45720" rtlCol="0" anchor="ctr"/>
+          <a:lstStyle/>
+          <a:p>
+            <a:endParaRPr lang="en-US"/>
+          </a:p>
+        </p:txBody>
+      </p:sp>
+      <p:sp>
+        <p:nvSpPr>
+          <p:cNvPr id="5" name="Заметки 4"/>
+          <p:cNvSpPr>
+            <a:spLocks noGrp="1"/>
+          </p:cNvSpPr>
+          <p:nvPr>
+            <p:ph type="body" sz="quarter" idx="3"/>
+          </p:nvPr>
+        </p:nvSpPr>
+        <p:spPr>
+          <a:xfrm>
+            <a:off x="685800" y="4400550"/>
+            <a:ext cx="5486400" cy="3600450"/>
+          </a:xfrm>
+          <a:prstGeom prst="rect">
+            <a:avLst/>
+          </a:prstGeom>
+        </p:spPr>
+        <p:txBody>
+          <a:bodyPr vert="horz" lIns="91440" tIns="45720" rIns="91440" bIns="45720" rtlCol="0"/>
+          <a:lstStyle/>
+          <a:p>
+            <a:pPr lvl="0"/>
+            <a:r>
+              <a:rPr lang="ru-RU" smtClean="0"/>
+              <a:t>Образец текста</a:t>
+            </a:r>
+          </a:p>
+          <a:p>
+            <a:pPr lvl="1"/>
+            <a:r>
+              <a:rPr lang="ru-RU" smtClean="0"/>
+              <a:t>Второй уровень</a:t>
+            </a:r>
+          </a:p>
+          <a:p>
+            <a:pPr lvl="2"/>
+            <a:r>
+              <a:rPr lang="ru-RU" smtClean="0"/>
+              <a:t>Третий уровень</a:t>
+            </a:r>
+          </a:p>
+          <a:p>
+            <a:pPr lvl="3"/>
+            <a:r>
+              <a:rPr lang="ru-RU" smtClean="0"/>
+              <a:t>Четвертый уровень</a:t>
+            </a:r>
+          </a:p>
+          <a:p>
+            <a:pPr lvl="4"/>
+            <a:r>
+              <a:rPr lang="ru-RU" smtClean="0"/>
+              <a:t>Пятый уровень</a:t>
+            </a:r>
+            <a:endParaRPr lang="en-US"/>
+          </a:p>
+        </p:txBody>
+      </p:sp>
+      <p:sp>
+        <p:nvSpPr>
+          <p:cNvPr id="6" name="Нижний колонтитул 5"/>
+          <p:cNvSpPr>
+            <a:spLocks noGrp="1"/>
+          </p:cNvSpPr>
+          <p:nvPr>
+            <p:ph type="ftr" sz="quarter" idx="4"/>
+          </p:nvPr>
+        </p:nvSpPr>
+        <p:spPr>
+          <a:xfrm>
+            <a:off x="0" y="8685213"/>
+            <a:ext cx="2971800" cy="458787"/>
+          </a:xfrm>
+          <a:prstGeom prst="rect">
+            <a:avLst/>
+          </a:prstGeom>
+        </p:spPr>
+        <p:txBody>
+          <a:bodyPr vert="horz" lIns="91440" tIns="45720" rIns="91440" bIns="45720" rtlCol="0" anchor="b"/>
+          <a:lstStyle>
+            <a:lvl1pPr algn="l">
+              <a:defRPr sz="1200"/>
+            </a:lvl1pPr>
+          </a:lstStyle>
+          <a:p>
+            <a:endParaRPr lang="en-US"/>
+          </a:p>
+        </p:txBody>
+      </p:sp>
+      <p:sp>
+        <p:nvSpPr>
+          <p:cNvPr id="7" name="Номер слайда 6"/>
+          <p:cNvSpPr>
+            <a:spLocks noGrp="1"/>
+          </p:cNvSpPr>
+          <p:nvPr>
+            <p:ph type="sldNum" sz="quarter" idx="5"/>
+          </p:nvPr>
+        </p:nvSpPr>
+        <p:spPr>
+          <a:xfrm>
+            <a:off x="3884613" y="8685213"/>
+            <a:ext cx="2971800" cy="458787"/>
+          </a:xfrm>
+          <a:prstGeom prst="rect">
+            <a:avLst/>
+          </a:prstGeom>
+        </p:spPr>
+        <p:txBody>
+          <a:bodyPr vert="horz" lIns="91440" tIns="45720" rIns="91440" bIns="45720" rtlCol="0" anchor="b"/>
+          <a:lstStyle>
+            <a:lvl1pPr algn="r">
+              <a:defRPr sz="1200"/>
+            </a:lvl1pPr>
+          </a:lstStyle>
+          <a:p>
+            <a:fld id="{D54409A1-088C-44D9-A8D7-99583A7259E8}" type="slidenum">
+              <a:rPr lang="en-US" smtClean="0"/>
+              <a:t>‹#›</a:t>
+            </a:fld>
+            <a:endParaRPr lang="en-US"/>
+          </a:p>
+        </p:txBody>
+      </p:sp>
+    </p:spTree>
+    <p:extLst>
+      <p:ext uri="{BB962C8B-B14F-4D97-AF65-F5344CB8AC3E}">
+        <p14:creationId xmlns:p14="http://schemas.microsoft.com/office/powerpoint/2010/main" val="2360826446"/>
+      </p:ext>
+    </p:extLst>
+  </p:cSld>
+  <p:clrMap bg1="lt1" tx1="dk1" bg2="lt2" tx2="dk2" accent1="accent1" accent2="accent2" accent3="accent3" accent4="accent4" accent5="accent5" accent6="accent6" hlink="hlink" folHlink="folHlink"/>
+  <p:notesStyle>
+    <a:lvl1pPr marL="0" algn="l" defTabSz="914400" rtl="0" eaLnBrk="1" latinLnBrk="0" hangingPunct="1">
+      <a:defRPr sz="1200" kern="1200">
+        <a:solidFill>
+          <a:schemeClr val="tx1"/>
+        </a:solidFill>
+        <a:latin typeface="+mn-lt"/>
+        <a:ea typeface="+mn-ea"/>
+        <a:cs typeface="+mn-cs"/>
+      </a:defRPr>
+    </a:lvl1pPr>
+    <a:lvl2pPr marL="457200" algn="l" defTabSz="914400" rtl="0" eaLnBrk="1" latinLnBrk="0" hangingPunct="1">
+      <a:defRPr sz="1200" kern="1200">
+        <a:solidFill>
+          <a:schemeClr val="tx1"/>
+        </a:solidFill>
+        <a:latin typeface="+mn-lt"/>
+        <a:ea typeface="+mn-ea"/>
+        <a:cs typeface="+mn-cs"/>
+      </a:defRPr>
+    </a:lvl2pPr>
+    <a:lvl3pPr marL="914400" algn="l" defTabSz="914400" rtl="0" eaLnBrk="1" latinLnBrk="0" hangingPunct="1">
+      <a:defRPr sz="1200" kern="1200">
+        <a:solidFill>
+          <a:schemeClr val="tx1"/>
+        </a:solidFill>
+        <a:latin typeface="+mn-lt"/>
+        <a:ea typeface="+mn-ea"/>
+        <a:cs typeface="+mn-cs"/>
+      </a:defRPr>
+    </a:lvl3pPr>
+    <a:lvl4pPr marL="1371600" algn="l" defTabSz="914400" rtl="0" eaLnBrk="1" latinLnBrk="0" hangingPunct="1">
+      <a:defRPr sz="1200" kern="1200">
+        <a:solidFill>
+          <a:schemeClr val="tx1"/>
+        </a:solidFill>
+        <a:latin typeface="+mn-lt"/>
+        <a:ea typeface="+mn-ea"/>
+        <a:cs typeface="+mn-cs"/>
+      </a:defRPr>
+    </a:lvl4pPr>
+    <a:lvl5pPr marL="1828800" algn="l" defTabSz="914400" rtl="0" eaLnBrk="1" latinLnBrk="0" hangingPunct="1">
+      <a:defRPr sz="1200" kern="1200">
+        <a:solidFill>
+          <a:schemeClr val="tx1"/>
+        </a:solidFill>
+        <a:latin typeface="+mn-lt"/>
+        <a:ea typeface="+mn-ea"/>
+        <a:cs typeface="+mn-cs"/>
+      </a:defRPr>
+    </a:lvl5pPr>
+    <a:lvl6pPr marL="2286000" algn="l" defTabSz="914400" rtl="0" eaLnBrk="1" latinLnBrk="0" hangingPunct="1">
+      <a:defRPr sz="1200" kern="1200">
+        <a:solidFill>
+          <a:schemeClr val="tx1"/>
+        </a:solidFill>
+        <a:latin typeface="+mn-lt"/>
+        <a:ea typeface="+mn-ea"/>
+        <a:cs typeface="+mn-cs"/>
+      </a:defRPr>
+    </a:lvl6pPr>
+    <a:lvl7pPr marL="2743200" algn="l" defTabSz="914400" rtl="0" eaLnBrk="1" latinLnBrk="0" hangingPunct="1">
+      <a:defRPr sz="1200" kern="1200">
+        <a:solidFill>
+          <a:schemeClr val="tx1"/>
+        </a:solidFill>
+        <a:latin typeface="+mn-lt"/>
+        <a:ea typeface="+mn-ea"/>
+        <a:cs typeface="+mn-cs"/>
+      </a:defRPr>
+    </a:lvl7pPr>
+    <a:lvl8pPr marL="3200400" algn="l" defTabSz="914400" rtl="0" eaLnBrk="1" latinLnBrk="0" hangingPunct="1">
+      <a:defRPr sz="1200" kern="1200">
+        <a:solidFill>
+          <a:schemeClr val="tx1"/>
+        </a:solidFill>
+        <a:latin typeface="+mn-lt"/>
+        <a:ea typeface="+mn-ea"/>
+        <a:cs typeface="+mn-cs"/>
+      </a:defRPr>
+    </a:lvl8pPr>
+    <a:lvl9pPr marL="3657600" algn="l" defTabSz="914400" rtl="0" eaLnBrk="1" latinLnBrk="0" hangingPunct="1">
+      <a:defRPr sz="1200" kern="1200">
+        <a:solidFill>
+          <a:schemeClr val="tx1"/>
+        </a:solidFill>
+        <a:latin typeface="+mn-lt"/>
+        <a:ea typeface="+mn-ea"/>
+        <a:cs typeface="+mn-cs"/>
+      </a:defRPr>
+    </a:lvl9pPr>
+  </p:notesStyle>
+</p:notesMaster>
+</file>
+
+<file path=ppt/notesSlides/notesSlide1.xml><?xml version="1.0" encoding="utf-8"?>
+<p:notes xmlns:a="http://schemas.openxmlformats.org/drawingml/2006/main" xmlns:r="http://schemas.openxmlformats.org/officeDocument/2006/relationships" xmlns:p="http://schemas.openxmlformats.org/presentationml/2006/main">
+  <p:cSld>
+    <p:spTree>
+      <p:nvGrpSpPr>
+        <p:cNvPr id="1" name=""/>
+        <p:cNvGrpSpPr/>
+        <p:nvPr/>
+      </p:nvGrpSpPr>
+      <p:grpSpPr>
+        <a:xfrm>
+          <a:off x="0" y="0"/>
+          <a:ext cx="0" cy="0"/>
+          <a:chOff x="0" y="0"/>
+          <a:chExt cx="0" cy="0"/>
+        </a:xfrm>
+      </p:grpSpPr>
+      <p:sp>
+        <p:nvSpPr>
+          <p:cNvPr id="2" name="Образ слайда 1"/>
+          <p:cNvSpPr>
+            <a:spLocks noGrp="1" noRot="1" noChangeAspect="1"/>
+          </p:cNvSpPr>
+          <p:nvPr>
+            <p:ph type="sldImg"/>
+          </p:nvPr>
+        </p:nvSpPr>
+        <p:spPr/>
+      </p:sp>
+      <p:sp>
+        <p:nvSpPr>
+          <p:cNvPr id="3" name="Заметки 2"/>
+          <p:cNvSpPr>
+            <a:spLocks noGrp="1"/>
+          </p:cNvSpPr>
+          <p:nvPr>
+            <p:ph type="body" idx="1"/>
+          </p:nvPr>
+        </p:nvSpPr>
+        <p:spPr/>
+        <p:txBody>
+          <a:bodyPr/>
+          <a:lstStyle/>
+          <a:p>
+            <a:endParaRPr lang="en-US" dirty="0"/>
+          </a:p>
+        </p:txBody>
+      </p:sp>
+      <p:sp>
+        <p:nvSpPr>
+          <p:cNvPr id="4" name="Номер слайда 3"/>
+          <p:cNvSpPr>
+            <a:spLocks noGrp="1"/>
+          </p:cNvSpPr>
+          <p:nvPr>
+            <p:ph type="sldNum" sz="quarter" idx="10"/>
+          </p:nvPr>
+        </p:nvSpPr>
+        <p:spPr/>
+        <p:txBody>
+          <a:bodyPr/>
+          <a:lstStyle/>
+          <a:p>
+            <a:fld id="{D54409A1-088C-44D9-A8D7-99583A7259E8}" type="slidenum">
+              <a:rPr lang="en-US" smtClean="0"/>
+              <a:t>75</a:t>
+            </a:fld>
+            <a:endParaRPr lang="en-US"/>
+          </a:p>
+        </p:txBody>
+      </p:sp>
+    </p:spTree>
+    <p:extLst>
+      <p:ext uri="{BB962C8B-B14F-4D97-AF65-F5344CB8AC3E}">
+        <p14:creationId xmlns:p14="http://schemas.microsoft.com/office/powerpoint/2010/main" val="4241770245"/>
+      </p:ext>
+    </p:extLst>
+  </p:cSld>
+  <p:clrMapOvr>
+    <a:masterClrMapping/>
+  </p:clrMapOvr>
+</p:notes>
+</file>
+
+<file path=ppt/notesSlides/notesSlide10.xml><?xml version="1.0" encoding="utf-8"?>
+<p:notes xmlns:a="http://schemas.openxmlformats.org/drawingml/2006/main" xmlns:r="http://schemas.openxmlformats.org/officeDocument/2006/relationships" xmlns:p="http://schemas.openxmlformats.org/presentationml/2006/main">
+  <p:cSld>
+    <p:spTree>
+      <p:nvGrpSpPr>
+        <p:cNvPr id="1" name=""/>
+        <p:cNvGrpSpPr/>
+        <p:nvPr/>
+      </p:nvGrpSpPr>
+      <p:grpSpPr>
+        <a:xfrm>
+          <a:off x="0" y="0"/>
+          <a:ext cx="0" cy="0"/>
+          <a:chOff x="0" y="0"/>
+          <a:chExt cx="0" cy="0"/>
+        </a:xfrm>
+      </p:grpSpPr>
+      <p:sp>
+        <p:nvSpPr>
+          <p:cNvPr id="2" name="Образ слайда 1"/>
+          <p:cNvSpPr>
+            <a:spLocks noGrp="1" noRot="1" noChangeAspect="1"/>
+          </p:cNvSpPr>
+          <p:nvPr>
+            <p:ph type="sldImg"/>
+          </p:nvPr>
+        </p:nvSpPr>
+        <p:spPr/>
+      </p:sp>
+      <p:sp>
+        <p:nvSpPr>
+          <p:cNvPr id="3" name="Заметки 2"/>
+          <p:cNvSpPr>
+            <a:spLocks noGrp="1"/>
+          </p:cNvSpPr>
+          <p:nvPr>
+            <p:ph type="body" idx="1"/>
+          </p:nvPr>
+        </p:nvSpPr>
+        <p:spPr/>
+        <p:txBody>
+          <a:bodyPr/>
+          <a:lstStyle/>
+          <a:p>
+            <a:endParaRPr lang="en-US" dirty="0"/>
+          </a:p>
+        </p:txBody>
+      </p:sp>
+      <p:sp>
+        <p:nvSpPr>
+          <p:cNvPr id="4" name="Номер слайда 3"/>
+          <p:cNvSpPr>
+            <a:spLocks noGrp="1"/>
+          </p:cNvSpPr>
+          <p:nvPr>
+            <p:ph type="sldNum" sz="quarter" idx="10"/>
+          </p:nvPr>
+        </p:nvSpPr>
+        <p:spPr/>
+        <p:txBody>
+          <a:bodyPr/>
+          <a:lstStyle/>
+          <a:p>
+            <a:fld id="{D54409A1-088C-44D9-A8D7-99583A7259E8}" type="slidenum">
+              <a:rPr lang="en-US" smtClean="0"/>
+              <a:t>93</a:t>
+            </a:fld>
+            <a:endParaRPr lang="en-US"/>
+          </a:p>
+        </p:txBody>
+      </p:sp>
+    </p:spTree>
+    <p:extLst>
+      <p:ext uri="{BB962C8B-B14F-4D97-AF65-F5344CB8AC3E}">
+        <p14:creationId xmlns:p14="http://schemas.microsoft.com/office/powerpoint/2010/main" val="2377153859"/>
+      </p:ext>
+    </p:extLst>
+  </p:cSld>
+  <p:clrMapOvr>
+    <a:masterClrMapping/>
+  </p:clrMapOvr>
+</p:notes>
+</file>
+
+<file path=ppt/notesSlides/notesSlide11.xml><?xml version="1.0" encoding="utf-8"?>
+<p:notes xmlns:a="http://schemas.openxmlformats.org/drawingml/2006/main" xmlns:r="http://schemas.openxmlformats.org/officeDocument/2006/relationships" xmlns:p="http://schemas.openxmlformats.org/presentationml/2006/main">
+  <p:cSld>
+    <p:spTree>
+      <p:nvGrpSpPr>
+        <p:cNvPr id="1" name=""/>
+        <p:cNvGrpSpPr/>
+        <p:nvPr/>
+      </p:nvGrpSpPr>
+      <p:grpSpPr>
+        <a:xfrm>
+          <a:off x="0" y="0"/>
+          <a:ext cx="0" cy="0"/>
+          <a:chOff x="0" y="0"/>
+          <a:chExt cx="0" cy="0"/>
+        </a:xfrm>
+      </p:grpSpPr>
+      <p:sp>
+        <p:nvSpPr>
+          <p:cNvPr id="2" name="Образ слайда 1"/>
+          <p:cNvSpPr>
+            <a:spLocks noGrp="1" noRot="1" noChangeAspect="1"/>
+          </p:cNvSpPr>
+          <p:nvPr>
+            <p:ph type="sldImg"/>
+          </p:nvPr>
+        </p:nvSpPr>
+        <p:spPr/>
+      </p:sp>
+      <p:sp>
+        <p:nvSpPr>
+          <p:cNvPr id="3" name="Заметки 2"/>
+          <p:cNvSpPr>
+            <a:spLocks noGrp="1"/>
+          </p:cNvSpPr>
+          <p:nvPr>
+            <p:ph type="body" idx="1"/>
+          </p:nvPr>
+        </p:nvSpPr>
+        <p:spPr/>
+        <p:txBody>
+          <a:bodyPr/>
+          <a:lstStyle/>
+          <a:p>
+            <a:pPr marL="0" marR="0" indent="0" algn="l" defTabSz="914400" rtl="0" eaLnBrk="1" fontAlgn="auto" latinLnBrk="0" hangingPunct="1">
+              <a:lnSpc>
+                <a:spcPct val="100000"/>
+              </a:lnSpc>
+              <a:spcBef>
+                <a:spcPts val="0"/>
+              </a:spcBef>
+              <a:spcAft>
+                <a:spcPts val="0"/>
+              </a:spcAft>
+              <a:buClrTx/>
+              <a:buSzTx/>
+              <a:buFontTx/>
+              <a:buNone/>
+              <a:tabLst/>
+              <a:defRPr/>
+            </a:pPr>
+            <a:r>
+              <a:rPr lang="en-US" dirty="0" smtClean="0"/>
+              <a:t>Void</a:t>
+            </a:r>
+          </a:p>
+          <a:p>
+            <a:pPr marL="0" marR="0" indent="0" algn="l" defTabSz="914400" rtl="0" eaLnBrk="1" fontAlgn="auto" latinLnBrk="0" hangingPunct="1">
+              <a:lnSpc>
+                <a:spcPct val="100000"/>
+              </a:lnSpc>
+              <a:spcBef>
+                <a:spcPts val="0"/>
+              </a:spcBef>
+              <a:spcAft>
+                <a:spcPts val="0"/>
+              </a:spcAft>
+              <a:buClrTx/>
+              <a:buSzTx/>
+              <a:buFontTx/>
+              <a:buNone/>
+              <a:tabLst/>
+              <a:defRPr/>
+            </a:pPr>
+            <a:r>
+              <a:rPr lang="en-US" dirty="0" smtClean="0"/>
+              <a:t>Never</a:t>
+            </a:r>
+          </a:p>
+          <a:p>
+            <a:pPr marL="0" marR="0" indent="0" algn="l" defTabSz="914400" rtl="0" eaLnBrk="1" fontAlgn="auto" latinLnBrk="0" hangingPunct="1">
+              <a:lnSpc>
+                <a:spcPct val="100000"/>
+              </a:lnSpc>
+              <a:spcBef>
+                <a:spcPts val="0"/>
+              </a:spcBef>
+              <a:spcAft>
+                <a:spcPts val="0"/>
+              </a:spcAft>
+              <a:buClrTx/>
+              <a:buSzTx/>
+              <a:buFontTx/>
+              <a:buNone/>
+              <a:tabLst/>
+              <a:defRPr/>
+            </a:pPr>
+            <a:r>
+              <a:rPr lang="en-US" dirty="0" smtClean="0"/>
+              <a:t>List </a:t>
+            </a:r>
+            <a:r>
+              <a:rPr lang="ru-RU" dirty="0" smtClean="0"/>
+              <a:t>тип </a:t>
+            </a:r>
+            <a:r>
+              <a:rPr lang="en-US" sz="1200" dirty="0" smtClean="0">
+                <a:latin typeface="Roboto" panose="02000000000000000000" pitchFamily="2" charset="0"/>
+                <a:ea typeface="Roboto" panose="02000000000000000000" pitchFamily="2" charset="0"/>
+              </a:rPr>
+              <a:t>l(</a:t>
+            </a:r>
+            <a:r>
+              <a:rPr lang="en-US" sz="1200" dirty="0" smtClean="0">
+                <a:solidFill>
+                  <a:schemeClr val="accent2">
+                    <a:lumMod val="75000"/>
+                  </a:schemeClr>
+                </a:solidFill>
+                <a:latin typeface="Roboto" panose="02000000000000000000" pitchFamily="2" charset="0"/>
+                <a:ea typeface="Roboto" panose="02000000000000000000" pitchFamily="2" charset="0"/>
+              </a:rPr>
+              <a:t>a</a:t>
+            </a:r>
+            <a:r>
+              <a:rPr lang="en-US" sz="1200" dirty="0" smtClean="0">
+                <a:latin typeface="Roboto" panose="02000000000000000000" pitchFamily="2" charset="0"/>
+                <a:ea typeface="Roboto" panose="02000000000000000000" pitchFamily="2" charset="0"/>
+              </a:rPr>
+              <a:t>) = </a:t>
+            </a:r>
+            <a:r>
+              <a:rPr lang="en-US" sz="1200" dirty="0" smtClean="0">
+                <a:solidFill>
+                  <a:schemeClr val="accent2">
+                    <a:lumMod val="75000"/>
+                  </a:schemeClr>
+                </a:solidFill>
+                <a:latin typeface="Roboto" panose="02000000000000000000" pitchFamily="2" charset="0"/>
+                <a:ea typeface="Roboto" panose="02000000000000000000" pitchFamily="2" charset="0"/>
+              </a:rPr>
+              <a:t>1</a:t>
+            </a:r>
+            <a:r>
+              <a:rPr lang="en-US" sz="1200" dirty="0" smtClean="0">
+                <a:latin typeface="Roboto" panose="02000000000000000000" pitchFamily="2" charset="0"/>
+                <a:ea typeface="Roboto" panose="02000000000000000000" pitchFamily="2" charset="0"/>
+              </a:rPr>
+              <a:t> + </a:t>
+            </a:r>
+            <a:r>
+              <a:rPr lang="en-US" sz="1200" dirty="0" smtClean="0">
+                <a:solidFill>
+                  <a:schemeClr val="accent2">
+                    <a:lumMod val="75000"/>
+                  </a:schemeClr>
+                </a:solidFill>
+                <a:latin typeface="Roboto" panose="02000000000000000000" pitchFamily="2" charset="0"/>
+                <a:ea typeface="Roboto" panose="02000000000000000000" pitchFamily="2" charset="0"/>
+              </a:rPr>
+              <a:t>a</a:t>
+            </a:r>
+            <a:r>
+              <a:rPr lang="en-US" sz="1200" dirty="0" smtClean="0">
+                <a:latin typeface="Roboto" panose="02000000000000000000" pitchFamily="2" charset="0"/>
+                <a:ea typeface="Roboto" panose="02000000000000000000" pitchFamily="2" charset="0"/>
+              </a:rPr>
+              <a:t> * l(</a:t>
+            </a:r>
+            <a:r>
+              <a:rPr lang="en-US" sz="1200" dirty="0" smtClean="0">
+                <a:solidFill>
+                  <a:schemeClr val="accent2">
+                    <a:lumMod val="75000"/>
+                  </a:schemeClr>
+                </a:solidFill>
+                <a:latin typeface="Roboto" panose="02000000000000000000" pitchFamily="2" charset="0"/>
+                <a:ea typeface="Roboto" panose="02000000000000000000" pitchFamily="2" charset="0"/>
+              </a:rPr>
+              <a:t>a</a:t>
+            </a:r>
+            <a:r>
+              <a:rPr lang="en-US" sz="1200" dirty="0" smtClean="0">
+                <a:latin typeface="Roboto" panose="02000000000000000000" pitchFamily="2" charset="0"/>
+                <a:ea typeface="Roboto" panose="02000000000000000000" pitchFamily="2" charset="0"/>
+              </a:rPr>
+              <a:t>)</a:t>
+            </a:r>
+          </a:p>
+          <a:p>
+            <a:r>
+              <a:rPr lang="en-US" smtClean="0"/>
+              <a:t>Not Empty </a:t>
+            </a:r>
+            <a:r>
+              <a:rPr lang="en-US" baseline="0" smtClean="0"/>
+              <a:t>List</a:t>
+            </a:r>
+            <a:endParaRPr lang="en-US" dirty="0"/>
+          </a:p>
+        </p:txBody>
+      </p:sp>
+      <p:sp>
+        <p:nvSpPr>
+          <p:cNvPr id="4" name="Номер слайда 3"/>
+          <p:cNvSpPr>
+            <a:spLocks noGrp="1"/>
+          </p:cNvSpPr>
+          <p:nvPr>
+            <p:ph type="sldNum" sz="quarter" idx="10"/>
+          </p:nvPr>
+        </p:nvSpPr>
+        <p:spPr/>
+        <p:txBody>
+          <a:bodyPr/>
+          <a:lstStyle/>
+          <a:p>
+            <a:fld id="{D54409A1-088C-44D9-A8D7-99583A7259E8}" type="slidenum">
+              <a:rPr lang="en-US" smtClean="0"/>
+              <a:t>94</a:t>
+            </a:fld>
+            <a:endParaRPr lang="en-US"/>
+          </a:p>
+        </p:txBody>
+      </p:sp>
+    </p:spTree>
+    <p:extLst>
+      <p:ext uri="{BB962C8B-B14F-4D97-AF65-F5344CB8AC3E}">
+        <p14:creationId xmlns:p14="http://schemas.microsoft.com/office/powerpoint/2010/main" val="3720592439"/>
+      </p:ext>
+    </p:extLst>
+  </p:cSld>
+  <p:clrMapOvr>
+    <a:masterClrMapping/>
+  </p:clrMapOvr>
+</p:notes>
+</file>
+
+<file path=ppt/notesSlides/notesSlide2.xml><?xml version="1.0" encoding="utf-8"?>
+<p:notes xmlns:a="http://schemas.openxmlformats.org/drawingml/2006/main" xmlns:r="http://schemas.openxmlformats.org/officeDocument/2006/relationships" xmlns:p="http://schemas.openxmlformats.org/presentationml/2006/main">
+  <p:cSld>
+    <p:spTree>
+      <p:nvGrpSpPr>
+        <p:cNvPr id="1" name=""/>
+        <p:cNvGrpSpPr/>
+        <p:nvPr/>
+      </p:nvGrpSpPr>
+      <p:grpSpPr>
+        <a:xfrm>
+          <a:off x="0" y="0"/>
+          <a:ext cx="0" cy="0"/>
+          <a:chOff x="0" y="0"/>
+          <a:chExt cx="0" cy="0"/>
+        </a:xfrm>
+      </p:grpSpPr>
+      <p:sp>
+        <p:nvSpPr>
+          <p:cNvPr id="2" name="Образ слайда 1"/>
+          <p:cNvSpPr>
+            <a:spLocks noGrp="1" noRot="1" noChangeAspect="1"/>
+          </p:cNvSpPr>
+          <p:nvPr>
+            <p:ph type="sldImg"/>
+          </p:nvPr>
+        </p:nvSpPr>
+        <p:spPr/>
+      </p:sp>
+      <p:sp>
+        <p:nvSpPr>
+          <p:cNvPr id="3" name="Заметки 2"/>
+          <p:cNvSpPr>
+            <a:spLocks noGrp="1"/>
+          </p:cNvSpPr>
+          <p:nvPr>
+            <p:ph type="body" idx="1"/>
+          </p:nvPr>
+        </p:nvSpPr>
+        <p:spPr/>
+        <p:txBody>
+          <a:bodyPr/>
+          <a:lstStyle/>
+          <a:p>
+            <a:r>
+              <a:rPr lang="ru-RU" dirty="0" smtClean="0"/>
+              <a:t>Привести пример изоморфных</a:t>
+            </a:r>
+            <a:r>
+              <a:rPr lang="ru-RU" baseline="0" dirty="0" smtClean="0"/>
+              <a:t> функций</a:t>
+            </a:r>
+            <a:endParaRPr lang="en-US" dirty="0"/>
+          </a:p>
+        </p:txBody>
+      </p:sp>
+      <p:sp>
+        <p:nvSpPr>
+          <p:cNvPr id="4" name="Номер слайда 3"/>
+          <p:cNvSpPr>
+            <a:spLocks noGrp="1"/>
+          </p:cNvSpPr>
+          <p:nvPr>
+            <p:ph type="sldNum" sz="quarter" idx="10"/>
+          </p:nvPr>
+        </p:nvSpPr>
+        <p:spPr/>
+        <p:txBody>
+          <a:bodyPr/>
+          <a:lstStyle/>
+          <a:p>
+            <a:fld id="{D54409A1-088C-44D9-A8D7-99583A7259E8}" type="slidenum">
+              <a:rPr lang="en-US" smtClean="0"/>
+              <a:t>77</a:t>
+            </a:fld>
+            <a:endParaRPr lang="en-US"/>
+          </a:p>
+        </p:txBody>
+      </p:sp>
+    </p:spTree>
+    <p:extLst>
+      <p:ext uri="{BB962C8B-B14F-4D97-AF65-F5344CB8AC3E}">
+        <p14:creationId xmlns:p14="http://schemas.microsoft.com/office/powerpoint/2010/main" val="237979066"/>
+      </p:ext>
+    </p:extLst>
+  </p:cSld>
+  <p:clrMapOvr>
+    <a:masterClrMapping/>
+  </p:clrMapOvr>
+</p:notes>
+</file>
+
+<file path=ppt/notesSlides/notesSlide3.xml><?xml version="1.0" encoding="utf-8"?>
+<p:notes xmlns:a="http://schemas.openxmlformats.org/drawingml/2006/main" xmlns:r="http://schemas.openxmlformats.org/officeDocument/2006/relationships" xmlns:p="http://schemas.openxmlformats.org/presentationml/2006/main">
+  <p:cSld>
+    <p:spTree>
+      <p:nvGrpSpPr>
+        <p:cNvPr id="1" name=""/>
+        <p:cNvGrpSpPr/>
+        <p:nvPr/>
+      </p:nvGrpSpPr>
+      <p:grpSpPr>
+        <a:xfrm>
+          <a:off x="0" y="0"/>
+          <a:ext cx="0" cy="0"/>
+          <a:chOff x="0" y="0"/>
+          <a:chExt cx="0" cy="0"/>
+        </a:xfrm>
+      </p:grpSpPr>
+      <p:sp>
+        <p:nvSpPr>
+          <p:cNvPr id="2" name="Образ слайда 1"/>
+          <p:cNvSpPr>
+            <a:spLocks noGrp="1" noRot="1" noChangeAspect="1"/>
+          </p:cNvSpPr>
+          <p:nvPr>
+            <p:ph type="sldImg"/>
+          </p:nvPr>
+        </p:nvSpPr>
+        <p:spPr/>
+      </p:sp>
+      <p:sp>
+        <p:nvSpPr>
+          <p:cNvPr id="3" name="Заметки 2"/>
+          <p:cNvSpPr>
+            <a:spLocks noGrp="1"/>
+          </p:cNvSpPr>
+          <p:nvPr>
+            <p:ph type="body" idx="1"/>
+          </p:nvPr>
+        </p:nvSpPr>
+        <p:spPr/>
+        <p:txBody>
+          <a:bodyPr/>
+          <a:lstStyle/>
+          <a:p>
+            <a:r>
+              <a:rPr lang="ru-RU" dirty="0" smtClean="0"/>
+              <a:t>Вернуть</a:t>
+            </a:r>
+            <a:r>
+              <a:rPr lang="ru-RU" baseline="0" dirty="0" smtClean="0"/>
+              <a:t>ся назад и показать что сами множества не важны</a:t>
+            </a:r>
+            <a:r>
+              <a:rPr lang="en-US" baseline="0" dirty="0" smtClean="0"/>
+              <a:t>, </a:t>
+            </a:r>
+            <a:r>
+              <a:rPr lang="ru-RU" baseline="0" dirty="0" smtClean="0"/>
+              <a:t>важна их размерность (для изоморфной)</a:t>
+            </a:r>
+            <a:endParaRPr lang="en-US" dirty="0"/>
+          </a:p>
+        </p:txBody>
+      </p:sp>
+      <p:sp>
+        <p:nvSpPr>
+          <p:cNvPr id="4" name="Номер слайда 3"/>
+          <p:cNvSpPr>
+            <a:spLocks noGrp="1"/>
+          </p:cNvSpPr>
+          <p:nvPr>
+            <p:ph type="sldNum" sz="quarter" idx="10"/>
+          </p:nvPr>
+        </p:nvSpPr>
+        <p:spPr/>
+        <p:txBody>
+          <a:bodyPr/>
+          <a:lstStyle/>
+          <a:p>
+            <a:fld id="{D54409A1-088C-44D9-A8D7-99583A7259E8}" type="slidenum">
+              <a:rPr lang="en-US" smtClean="0"/>
+              <a:t>81</a:t>
+            </a:fld>
+            <a:endParaRPr lang="en-US"/>
+          </a:p>
+        </p:txBody>
+      </p:sp>
+    </p:spTree>
+    <p:extLst>
+      <p:ext uri="{BB962C8B-B14F-4D97-AF65-F5344CB8AC3E}">
+        <p14:creationId xmlns:p14="http://schemas.microsoft.com/office/powerpoint/2010/main" val="782077495"/>
+      </p:ext>
+    </p:extLst>
+  </p:cSld>
+  <p:clrMapOvr>
+    <a:masterClrMapping/>
+  </p:clrMapOvr>
+</p:notes>
+</file>
+
+<file path=ppt/notesSlides/notesSlide4.xml><?xml version="1.0" encoding="utf-8"?>
+<p:notes xmlns:a="http://schemas.openxmlformats.org/drawingml/2006/main" xmlns:r="http://schemas.openxmlformats.org/officeDocument/2006/relationships" xmlns:p="http://schemas.openxmlformats.org/presentationml/2006/main">
+  <p:cSld>
+    <p:spTree>
+      <p:nvGrpSpPr>
+        <p:cNvPr id="1" name=""/>
+        <p:cNvGrpSpPr/>
+        <p:nvPr/>
+      </p:nvGrpSpPr>
+      <p:grpSpPr>
+        <a:xfrm>
+          <a:off x="0" y="0"/>
+          <a:ext cx="0" cy="0"/>
+          <a:chOff x="0" y="0"/>
+          <a:chExt cx="0" cy="0"/>
+        </a:xfrm>
+      </p:grpSpPr>
+      <p:sp>
+        <p:nvSpPr>
+          <p:cNvPr id="2" name="Образ слайда 1"/>
+          <p:cNvSpPr>
+            <a:spLocks noGrp="1" noRot="1" noChangeAspect="1"/>
+          </p:cNvSpPr>
+          <p:nvPr>
+            <p:ph type="sldImg"/>
+          </p:nvPr>
+        </p:nvSpPr>
+        <p:spPr/>
+      </p:sp>
+      <p:sp>
+        <p:nvSpPr>
+          <p:cNvPr id="3" name="Заметки 2"/>
+          <p:cNvSpPr>
+            <a:spLocks noGrp="1"/>
+          </p:cNvSpPr>
+          <p:nvPr>
+            <p:ph type="body" idx="1"/>
+          </p:nvPr>
+        </p:nvSpPr>
+        <p:spPr/>
+        <p:txBody>
+          <a:bodyPr/>
+          <a:lstStyle/>
+          <a:p>
+            <a:r>
+              <a:rPr lang="en-US" dirty="0" err="1" smtClean="0"/>
+              <a:t>boolean</a:t>
+            </a:r>
+            <a:endParaRPr lang="en-US" dirty="0"/>
+          </a:p>
+        </p:txBody>
+      </p:sp>
+      <p:sp>
+        <p:nvSpPr>
+          <p:cNvPr id="4" name="Номер слайда 3"/>
+          <p:cNvSpPr>
+            <a:spLocks noGrp="1"/>
+          </p:cNvSpPr>
+          <p:nvPr>
+            <p:ph type="sldNum" sz="quarter" idx="10"/>
+          </p:nvPr>
+        </p:nvSpPr>
+        <p:spPr/>
+        <p:txBody>
+          <a:bodyPr/>
+          <a:lstStyle/>
+          <a:p>
+            <a:fld id="{D54409A1-088C-44D9-A8D7-99583A7259E8}" type="slidenum">
+              <a:rPr lang="en-US" smtClean="0"/>
+              <a:t>87</a:t>
+            </a:fld>
+            <a:endParaRPr lang="en-US"/>
+          </a:p>
+        </p:txBody>
+      </p:sp>
+    </p:spTree>
+    <p:extLst>
+      <p:ext uri="{BB962C8B-B14F-4D97-AF65-F5344CB8AC3E}">
+        <p14:creationId xmlns:p14="http://schemas.microsoft.com/office/powerpoint/2010/main" val="2428754502"/>
+      </p:ext>
+    </p:extLst>
+  </p:cSld>
+  <p:clrMapOvr>
+    <a:masterClrMapping/>
+  </p:clrMapOvr>
+</p:notes>
+</file>
+
+<file path=ppt/notesSlides/notesSlide5.xml><?xml version="1.0" encoding="utf-8"?>
+<p:notes xmlns:a="http://schemas.openxmlformats.org/drawingml/2006/main" xmlns:r="http://schemas.openxmlformats.org/officeDocument/2006/relationships" xmlns:p="http://schemas.openxmlformats.org/presentationml/2006/main">
+  <p:cSld>
+    <p:spTree>
+      <p:nvGrpSpPr>
+        <p:cNvPr id="1" name=""/>
+        <p:cNvGrpSpPr/>
+        <p:nvPr/>
+      </p:nvGrpSpPr>
+      <p:grpSpPr>
+        <a:xfrm>
+          <a:off x="0" y="0"/>
+          <a:ext cx="0" cy="0"/>
+          <a:chOff x="0" y="0"/>
+          <a:chExt cx="0" cy="0"/>
+        </a:xfrm>
+      </p:grpSpPr>
+      <p:sp>
+        <p:nvSpPr>
+          <p:cNvPr id="2" name="Образ слайда 1"/>
+          <p:cNvSpPr>
+            <a:spLocks noGrp="1" noRot="1" noChangeAspect="1"/>
+          </p:cNvSpPr>
+          <p:nvPr>
+            <p:ph type="sldImg"/>
+          </p:nvPr>
+        </p:nvSpPr>
+        <p:spPr/>
+      </p:sp>
+      <p:sp>
+        <p:nvSpPr>
+          <p:cNvPr id="3" name="Заметки 2"/>
+          <p:cNvSpPr>
+            <a:spLocks noGrp="1"/>
+          </p:cNvSpPr>
+          <p:nvPr>
+            <p:ph type="body" idx="1"/>
+          </p:nvPr>
+        </p:nvSpPr>
+        <p:spPr/>
+        <p:txBody>
+          <a:bodyPr/>
+          <a:lstStyle/>
+          <a:p>
+            <a:r>
+              <a:rPr lang="ru-RU" dirty="0" smtClean="0"/>
+              <a:t>Функция</a:t>
+            </a:r>
+            <a:r>
+              <a:rPr lang="ru-RU" baseline="0" dirty="0" smtClean="0"/>
+              <a:t> принимающая </a:t>
+            </a:r>
+            <a:r>
+              <a:rPr lang="ru-RU" baseline="0" dirty="0" err="1" smtClean="0"/>
+              <a:t>опцианальный</a:t>
+            </a:r>
+            <a:r>
+              <a:rPr lang="ru-RU" baseline="0" dirty="0" smtClean="0"/>
+              <a:t> аргумент</a:t>
+            </a:r>
+            <a:endParaRPr lang="en-US" dirty="0"/>
+          </a:p>
+        </p:txBody>
+      </p:sp>
+      <p:sp>
+        <p:nvSpPr>
+          <p:cNvPr id="4" name="Номер слайда 3"/>
+          <p:cNvSpPr>
+            <a:spLocks noGrp="1"/>
+          </p:cNvSpPr>
+          <p:nvPr>
+            <p:ph type="sldNum" sz="quarter" idx="10"/>
+          </p:nvPr>
+        </p:nvSpPr>
+        <p:spPr/>
+        <p:txBody>
+          <a:bodyPr/>
+          <a:lstStyle/>
+          <a:p>
+            <a:fld id="{D54409A1-088C-44D9-A8D7-99583A7259E8}" type="slidenum">
+              <a:rPr lang="en-US" smtClean="0"/>
+              <a:t>88</a:t>
+            </a:fld>
+            <a:endParaRPr lang="en-US"/>
+          </a:p>
+        </p:txBody>
+      </p:sp>
+    </p:spTree>
+    <p:extLst>
+      <p:ext uri="{BB962C8B-B14F-4D97-AF65-F5344CB8AC3E}">
+        <p14:creationId xmlns:p14="http://schemas.microsoft.com/office/powerpoint/2010/main" val="2604684796"/>
+      </p:ext>
+    </p:extLst>
+  </p:cSld>
+  <p:clrMapOvr>
+    <a:masterClrMapping/>
+  </p:clrMapOvr>
+</p:notes>
+</file>
+
+<file path=ppt/notesSlides/notesSlide6.xml><?xml version="1.0" encoding="utf-8"?>
+<p:notes xmlns:a="http://schemas.openxmlformats.org/drawingml/2006/main" xmlns:r="http://schemas.openxmlformats.org/officeDocument/2006/relationships" xmlns:p="http://schemas.openxmlformats.org/presentationml/2006/main">
+  <p:cSld>
+    <p:spTree>
+      <p:nvGrpSpPr>
+        <p:cNvPr id="1" name=""/>
+        <p:cNvGrpSpPr/>
+        <p:nvPr/>
+      </p:nvGrpSpPr>
+      <p:grpSpPr>
+        <a:xfrm>
+          <a:off x="0" y="0"/>
+          <a:ext cx="0" cy="0"/>
+          <a:chOff x="0" y="0"/>
+          <a:chExt cx="0" cy="0"/>
+        </a:xfrm>
+      </p:grpSpPr>
+      <p:sp>
+        <p:nvSpPr>
+          <p:cNvPr id="2" name="Образ слайда 1"/>
+          <p:cNvSpPr>
+            <a:spLocks noGrp="1" noRot="1" noChangeAspect="1"/>
+          </p:cNvSpPr>
+          <p:nvPr>
+            <p:ph type="sldImg"/>
+          </p:nvPr>
+        </p:nvSpPr>
+        <p:spPr/>
+      </p:sp>
+      <p:sp>
+        <p:nvSpPr>
+          <p:cNvPr id="3" name="Заметки 2"/>
+          <p:cNvSpPr>
+            <a:spLocks noGrp="1"/>
+          </p:cNvSpPr>
+          <p:nvPr>
+            <p:ph type="body" idx="1"/>
+          </p:nvPr>
+        </p:nvSpPr>
+        <p:spPr/>
+        <p:txBody>
+          <a:bodyPr/>
+          <a:lstStyle/>
+          <a:p>
+            <a:r>
+              <a:rPr lang="ru-RU" dirty="0" smtClean="0"/>
+              <a:t>Светофор</a:t>
+            </a:r>
+            <a:r>
+              <a:rPr lang="ru-RU" baseline="0" dirty="0" smtClean="0"/>
+              <a:t> с таймером</a:t>
+            </a:r>
+            <a:endParaRPr lang="en-US" dirty="0"/>
+          </a:p>
+        </p:txBody>
+      </p:sp>
+      <p:sp>
+        <p:nvSpPr>
+          <p:cNvPr id="4" name="Номер слайда 3"/>
+          <p:cNvSpPr>
+            <a:spLocks noGrp="1"/>
+          </p:cNvSpPr>
+          <p:nvPr>
+            <p:ph type="sldNum" sz="quarter" idx="10"/>
+          </p:nvPr>
+        </p:nvSpPr>
+        <p:spPr/>
+        <p:txBody>
+          <a:bodyPr/>
+          <a:lstStyle/>
+          <a:p>
+            <a:fld id="{D54409A1-088C-44D9-A8D7-99583A7259E8}" type="slidenum">
+              <a:rPr lang="en-US" smtClean="0"/>
+              <a:t>89</a:t>
+            </a:fld>
+            <a:endParaRPr lang="en-US"/>
+          </a:p>
+        </p:txBody>
+      </p:sp>
+    </p:spTree>
+    <p:extLst>
+      <p:ext uri="{BB962C8B-B14F-4D97-AF65-F5344CB8AC3E}">
+        <p14:creationId xmlns:p14="http://schemas.microsoft.com/office/powerpoint/2010/main" val="3025417058"/>
+      </p:ext>
+    </p:extLst>
+  </p:cSld>
+  <p:clrMapOvr>
+    <a:masterClrMapping/>
+  </p:clrMapOvr>
+</p:notes>
+</file>
+
+<file path=ppt/notesSlides/notesSlide7.xml><?xml version="1.0" encoding="utf-8"?>
+<p:notes xmlns:a="http://schemas.openxmlformats.org/drawingml/2006/main" xmlns:r="http://schemas.openxmlformats.org/officeDocument/2006/relationships" xmlns:p="http://schemas.openxmlformats.org/presentationml/2006/main">
+  <p:cSld>
+    <p:spTree>
+      <p:nvGrpSpPr>
+        <p:cNvPr id="1" name=""/>
+        <p:cNvGrpSpPr/>
+        <p:nvPr/>
+      </p:nvGrpSpPr>
+      <p:grpSpPr>
+        <a:xfrm>
+          <a:off x="0" y="0"/>
+          <a:ext cx="0" cy="0"/>
+          <a:chOff x="0" y="0"/>
+          <a:chExt cx="0" cy="0"/>
+        </a:xfrm>
+      </p:grpSpPr>
+      <p:sp>
+        <p:nvSpPr>
+          <p:cNvPr id="2" name="Образ слайда 1"/>
+          <p:cNvSpPr>
+            <a:spLocks noGrp="1" noRot="1" noChangeAspect="1"/>
+          </p:cNvSpPr>
+          <p:nvPr>
+            <p:ph type="sldImg"/>
+          </p:nvPr>
+        </p:nvSpPr>
+        <p:spPr/>
+      </p:sp>
+      <p:sp>
+        <p:nvSpPr>
+          <p:cNvPr id="3" name="Заметки 2"/>
+          <p:cNvSpPr>
+            <a:spLocks noGrp="1"/>
+          </p:cNvSpPr>
+          <p:nvPr>
+            <p:ph type="body" idx="1"/>
+          </p:nvPr>
+        </p:nvSpPr>
+        <p:spPr/>
+        <p:txBody>
+          <a:bodyPr/>
+          <a:lstStyle/>
+          <a:p>
+            <a:r>
+              <a:rPr lang="ru-RU" dirty="0" smtClean="0"/>
+              <a:t>Так</a:t>
+            </a:r>
+            <a:r>
+              <a:rPr lang="ru-RU" baseline="0" dirty="0" smtClean="0"/>
+              <a:t> это же </a:t>
+            </a:r>
+            <a:r>
+              <a:rPr lang="en-US" baseline="0" dirty="0" smtClean="0"/>
+              <a:t>Maybe</a:t>
+            </a:r>
+            <a:endParaRPr lang="en-US" dirty="0"/>
+          </a:p>
+        </p:txBody>
+      </p:sp>
+      <p:sp>
+        <p:nvSpPr>
+          <p:cNvPr id="4" name="Номер слайда 3"/>
+          <p:cNvSpPr>
+            <a:spLocks noGrp="1"/>
+          </p:cNvSpPr>
+          <p:nvPr>
+            <p:ph type="sldNum" sz="quarter" idx="10"/>
+          </p:nvPr>
+        </p:nvSpPr>
+        <p:spPr/>
+        <p:txBody>
+          <a:bodyPr/>
+          <a:lstStyle/>
+          <a:p>
+            <a:fld id="{D54409A1-088C-44D9-A8D7-99583A7259E8}" type="slidenum">
+              <a:rPr lang="en-US" smtClean="0"/>
+              <a:t>90</a:t>
+            </a:fld>
+            <a:endParaRPr lang="en-US"/>
+          </a:p>
+        </p:txBody>
+      </p:sp>
+    </p:spTree>
+    <p:extLst>
+      <p:ext uri="{BB962C8B-B14F-4D97-AF65-F5344CB8AC3E}">
+        <p14:creationId xmlns:p14="http://schemas.microsoft.com/office/powerpoint/2010/main" val="2042690275"/>
+      </p:ext>
+    </p:extLst>
+  </p:cSld>
+  <p:clrMapOvr>
+    <a:masterClrMapping/>
+  </p:clrMapOvr>
+</p:notes>
+</file>
+
+<file path=ppt/notesSlides/notesSlide8.xml><?xml version="1.0" encoding="utf-8"?>
+<p:notes xmlns:a="http://schemas.openxmlformats.org/drawingml/2006/main" xmlns:r="http://schemas.openxmlformats.org/officeDocument/2006/relationships" xmlns:p="http://schemas.openxmlformats.org/presentationml/2006/main">
+  <p:cSld>
+    <p:spTree>
+      <p:nvGrpSpPr>
+        <p:cNvPr id="1" name=""/>
+        <p:cNvGrpSpPr/>
+        <p:nvPr/>
+      </p:nvGrpSpPr>
+      <p:grpSpPr>
+        <a:xfrm>
+          <a:off x="0" y="0"/>
+          <a:ext cx="0" cy="0"/>
+          <a:chOff x="0" y="0"/>
+          <a:chExt cx="0" cy="0"/>
+        </a:xfrm>
+      </p:grpSpPr>
+      <p:sp>
+        <p:nvSpPr>
+          <p:cNvPr id="2" name="Образ слайда 1"/>
+          <p:cNvSpPr>
+            <a:spLocks noGrp="1" noRot="1" noChangeAspect="1"/>
+          </p:cNvSpPr>
+          <p:nvPr>
+            <p:ph type="sldImg"/>
+          </p:nvPr>
+        </p:nvSpPr>
+        <p:spPr/>
+      </p:sp>
+      <p:sp>
+        <p:nvSpPr>
+          <p:cNvPr id="3" name="Заметки 2"/>
+          <p:cNvSpPr>
+            <a:spLocks noGrp="1"/>
+          </p:cNvSpPr>
+          <p:nvPr>
+            <p:ph type="body" idx="1"/>
+          </p:nvPr>
+        </p:nvSpPr>
+        <p:spPr/>
+        <p:txBody>
+          <a:bodyPr/>
+          <a:lstStyle/>
+          <a:p>
+            <a:r>
+              <a:rPr lang="ru-RU" dirty="0" smtClean="0"/>
+              <a:t>Светофор</a:t>
+            </a:r>
+            <a:r>
+              <a:rPr lang="en-US" baseline="0" dirty="0" smtClean="0"/>
+              <a:t>, </a:t>
+            </a:r>
+            <a:r>
+              <a:rPr lang="ru-RU" baseline="0" dirty="0" smtClean="0"/>
+              <a:t>у каждого </a:t>
+            </a:r>
+            <a:r>
+              <a:rPr lang="ru-RU" baseline="0" dirty="0" err="1" smtClean="0"/>
+              <a:t>стейта</a:t>
+            </a:r>
+            <a:r>
+              <a:rPr lang="ru-RU" baseline="0" dirty="0" smtClean="0"/>
+              <a:t> есть признак улыбки</a:t>
+            </a:r>
+            <a:endParaRPr lang="en-US" dirty="0"/>
+          </a:p>
+        </p:txBody>
+      </p:sp>
+      <p:sp>
+        <p:nvSpPr>
+          <p:cNvPr id="4" name="Номер слайда 3"/>
+          <p:cNvSpPr>
+            <a:spLocks noGrp="1"/>
+          </p:cNvSpPr>
+          <p:nvPr>
+            <p:ph type="sldNum" sz="quarter" idx="10"/>
+          </p:nvPr>
+        </p:nvSpPr>
+        <p:spPr/>
+        <p:txBody>
+          <a:bodyPr/>
+          <a:lstStyle/>
+          <a:p>
+            <a:fld id="{D54409A1-088C-44D9-A8D7-99583A7259E8}" type="slidenum">
+              <a:rPr lang="en-US" smtClean="0"/>
+              <a:t>91</a:t>
+            </a:fld>
+            <a:endParaRPr lang="en-US"/>
+          </a:p>
+        </p:txBody>
+      </p:sp>
+    </p:spTree>
+    <p:extLst>
+      <p:ext uri="{BB962C8B-B14F-4D97-AF65-F5344CB8AC3E}">
+        <p14:creationId xmlns:p14="http://schemas.microsoft.com/office/powerpoint/2010/main" val="1716347200"/>
+      </p:ext>
+    </p:extLst>
+  </p:cSld>
+  <p:clrMapOvr>
+    <a:masterClrMapping/>
+  </p:clrMapOvr>
+</p:notes>
+</file>
+
+<file path=ppt/notesSlides/notesSlide9.xml><?xml version="1.0" encoding="utf-8"?>
+<p:notes xmlns:a="http://schemas.openxmlformats.org/drawingml/2006/main" xmlns:r="http://schemas.openxmlformats.org/officeDocument/2006/relationships" xmlns:p="http://schemas.openxmlformats.org/presentationml/2006/main">
+  <p:cSld>
+    <p:spTree>
+      <p:nvGrpSpPr>
+        <p:cNvPr id="1" name=""/>
+        <p:cNvGrpSpPr/>
+        <p:nvPr/>
+      </p:nvGrpSpPr>
+      <p:grpSpPr>
+        <a:xfrm>
+          <a:off x="0" y="0"/>
+          <a:ext cx="0" cy="0"/>
+          <a:chOff x="0" y="0"/>
+          <a:chExt cx="0" cy="0"/>
+        </a:xfrm>
+      </p:grpSpPr>
+      <p:sp>
+        <p:nvSpPr>
+          <p:cNvPr id="2" name="Образ слайда 1"/>
+          <p:cNvSpPr>
+            <a:spLocks noGrp="1" noRot="1" noChangeAspect="1"/>
+          </p:cNvSpPr>
+          <p:nvPr>
+            <p:ph type="sldImg"/>
+          </p:nvPr>
+        </p:nvSpPr>
+        <p:spPr/>
+      </p:sp>
+      <p:sp>
+        <p:nvSpPr>
+          <p:cNvPr id="3" name="Заметки 2"/>
+          <p:cNvSpPr>
+            <a:spLocks noGrp="1"/>
+          </p:cNvSpPr>
+          <p:nvPr>
+            <p:ph type="body" idx="1"/>
+          </p:nvPr>
+        </p:nvSpPr>
+        <p:spPr/>
+        <p:txBody>
+          <a:bodyPr/>
+          <a:lstStyle/>
+          <a:p>
+            <a:endParaRPr lang="en-US" dirty="0"/>
+          </a:p>
+        </p:txBody>
+      </p:sp>
+      <p:sp>
+        <p:nvSpPr>
+          <p:cNvPr id="4" name="Номер слайда 3"/>
+          <p:cNvSpPr>
+            <a:spLocks noGrp="1"/>
+          </p:cNvSpPr>
+          <p:nvPr>
+            <p:ph type="sldNum" sz="quarter" idx="10"/>
+          </p:nvPr>
+        </p:nvSpPr>
+        <p:spPr/>
+        <p:txBody>
+          <a:bodyPr/>
+          <a:lstStyle/>
+          <a:p>
+            <a:fld id="{D54409A1-088C-44D9-A8D7-99583A7259E8}" type="slidenum">
+              <a:rPr lang="en-US" smtClean="0"/>
+              <a:t>92</a:t>
+            </a:fld>
+            <a:endParaRPr lang="en-US"/>
+          </a:p>
+        </p:txBody>
+      </p:sp>
+    </p:spTree>
+    <p:extLst>
+      <p:ext uri="{BB962C8B-B14F-4D97-AF65-F5344CB8AC3E}">
+        <p14:creationId xmlns:p14="http://schemas.microsoft.com/office/powerpoint/2010/main" val="2512082478"/>
+      </p:ext>
+    </p:extLst>
+  </p:cSld>
+  <p:clrMapOvr>
+    <a:masterClrMapping/>
+  </p:clrMapOvr>
+</p:notes>
+</file>
+
 <file path=ppt/slideLayouts/slideLayout1.xml><?xml version="1.0" encoding="utf-8"?>
 <p:sldLayout xmlns:a="http://schemas.openxmlformats.org/drawingml/2006/main" xmlns:r="http://schemas.openxmlformats.org/officeDocument/2006/relationships" xmlns:p="http://schemas.openxmlformats.org/presentationml/2006/main" type="title" preserve="1">
   <p:cSld name="Титульный слайд">
@@ -325,7 +1861,7 @@
           <a:p>
             <a:fld id="{FB0F9C91-61B1-43BC-AD78-8CB0959C93C0}" type="datetimeFigureOut">
               <a:rPr lang="en-US" smtClean="0"/>
-              <a:t>3/26/2023</a:t>
+              <a:t>4/5/2023</a:t>
             </a:fld>
             <a:endParaRPr lang="en-US"/>
           </a:p>
@@ -495,7 +2031,7 @@
           <a:p>
             <a:fld id="{FB0F9C91-61B1-43BC-AD78-8CB0959C93C0}" type="datetimeFigureOut">
               <a:rPr lang="en-US" smtClean="0"/>
-              <a:t>3/26/2023</a:t>
+              <a:t>4/5/2023</a:t>
             </a:fld>
             <a:endParaRPr lang="en-US"/>
           </a:p>
@@ -675,7 +2211,7 @@
           <a:p>
             <a:fld id="{FB0F9C91-61B1-43BC-AD78-8CB0959C93C0}" type="datetimeFigureOut">
               <a:rPr lang="en-US" smtClean="0"/>
-              <a:t>3/26/2023</a:t>
+              <a:t>4/5/2023</a:t>
             </a:fld>
             <a:endParaRPr lang="en-US"/>
           </a:p>
@@ -845,7 +2381,7 @@
           <a:p>
             <a:fld id="{FB0F9C91-61B1-43BC-AD78-8CB0959C93C0}" type="datetimeFigureOut">
               <a:rPr lang="en-US" smtClean="0"/>
-              <a:t>3/26/2023</a:t>
+              <a:t>4/5/2023</a:t>
             </a:fld>
             <a:endParaRPr lang="en-US"/>
           </a:p>
@@ -1091,7 +2627,7 @@
           <a:p>
             <a:fld id="{FB0F9C91-61B1-43BC-AD78-8CB0959C93C0}" type="datetimeFigureOut">
               <a:rPr lang="en-US" smtClean="0"/>
-              <a:t>3/26/2023</a:t>
+              <a:t>4/5/2023</a:t>
             </a:fld>
             <a:endParaRPr lang="en-US"/>
           </a:p>
@@ -1323,7 +2859,7 @@
           <a:p>
             <a:fld id="{FB0F9C91-61B1-43BC-AD78-8CB0959C93C0}" type="datetimeFigureOut">
               <a:rPr lang="en-US" smtClean="0"/>
-              <a:t>3/26/2023</a:t>
+              <a:t>4/5/2023</a:t>
             </a:fld>
             <a:endParaRPr lang="en-US"/>
           </a:p>
@@ -1690,7 +3226,7 @@
           <a:p>
             <a:fld id="{FB0F9C91-61B1-43BC-AD78-8CB0959C93C0}" type="datetimeFigureOut">
               <a:rPr lang="en-US" smtClean="0"/>
-              <a:t>3/26/2023</a:t>
+              <a:t>4/5/2023</a:t>
             </a:fld>
             <a:endParaRPr lang="en-US"/>
           </a:p>
@@ -1808,7 +3344,7 @@
           <a:p>
             <a:fld id="{FB0F9C91-61B1-43BC-AD78-8CB0959C93C0}" type="datetimeFigureOut">
               <a:rPr lang="en-US" smtClean="0"/>
-              <a:t>3/26/2023</a:t>
+              <a:t>4/5/2023</a:t>
             </a:fld>
             <a:endParaRPr lang="en-US"/>
           </a:p>
@@ -1903,7 +3439,7 @@
           <a:p>
             <a:fld id="{FB0F9C91-61B1-43BC-AD78-8CB0959C93C0}" type="datetimeFigureOut">
               <a:rPr lang="en-US" smtClean="0"/>
-              <a:t>3/26/2023</a:t>
+              <a:t>4/5/2023</a:t>
             </a:fld>
             <a:endParaRPr lang="en-US"/>
           </a:p>
@@ -2180,7 +3716,7 @@
           <a:p>
             <a:fld id="{FB0F9C91-61B1-43BC-AD78-8CB0959C93C0}" type="datetimeFigureOut">
               <a:rPr lang="en-US" smtClean="0"/>
-              <a:t>3/26/2023</a:t>
+              <a:t>4/5/2023</a:t>
             </a:fld>
             <a:endParaRPr lang="en-US"/>
           </a:p>
@@ -2433,7 +3969,7 @@
           <a:p>
             <a:fld id="{FB0F9C91-61B1-43BC-AD78-8CB0959C93C0}" type="datetimeFigureOut">
               <a:rPr lang="en-US" smtClean="0"/>
-              <a:t>3/26/2023</a:t>
+              <a:t>4/5/2023</a:t>
             </a:fld>
             <a:endParaRPr lang="en-US"/>
           </a:p>
@@ -2646,7 +4182,7 @@
           <a:p>
             <a:fld id="{FB0F9C91-61B1-43BC-AD78-8CB0959C93C0}" type="datetimeFigureOut">
               <a:rPr lang="en-US" smtClean="0"/>
-              <a:t>3/26/2023</a:t>
+              <a:t>4/5/2023</a:t>
             </a:fld>
             <a:endParaRPr lang="en-US"/>
           </a:p>
@@ -24499,8 +26035,8 @@
         </p:nvSpPr>
         <p:spPr>
           <a:xfrm>
-            <a:off x="5083544" y="3013502"/>
-            <a:ext cx="2024913" cy="830997"/>
+            <a:off x="5416968" y="3013502"/>
+            <a:ext cx="1358064" cy="830997"/>
           </a:xfrm>
           <a:prstGeom prst="rect">
             <a:avLst/>
@@ -24513,11 +26049,11 @@
           <a:lstStyle/>
           <a:p>
             <a:r>
-              <a:rPr lang="en-US" sz="4800" dirty="0">
-                <a:latin typeface="Roboto" panose="02000000000000000000" pitchFamily="2" charset="0"/>
-                <a:ea typeface="Roboto" panose="02000000000000000000" pitchFamily="2" charset="0"/>
-              </a:rPr>
-              <a:t>TYPES</a:t>
+              <a:rPr lang="en-US" sz="4800" dirty="0" smtClean="0">
+                <a:latin typeface="Roboto" panose="02000000000000000000" pitchFamily="2" charset="0"/>
+                <a:ea typeface="Roboto" panose="02000000000000000000" pitchFamily="2" charset="0"/>
+              </a:rPr>
+              <a:t>ADT</a:t>
             </a:r>
             <a:endParaRPr lang="en-US" sz="4800" dirty="0"/>
           </a:p>
@@ -25452,7 +26988,7 @@
     </p:spTree>
     <p:extLst>
       <p:ext uri="{BB962C8B-B14F-4D97-AF65-F5344CB8AC3E}">
-        <p14:creationId xmlns:p14="http://schemas.microsoft.com/office/powerpoint/2010/main" val="3633619997"/>
+        <p14:creationId xmlns:p14="http://schemas.microsoft.com/office/powerpoint/2010/main" val="2507614117"/>
       </p:ext>
     </p:extLst>
   </p:cSld>
@@ -25502,18 +27038,504 @@
         </p:blipFill>
         <p:spPr>
           <a:xfrm>
-            <a:off x="2416969" y="472636"/>
-            <a:ext cx="7358062" cy="5912728"/>
+            <a:off x="999951" y="292088"/>
+            <a:ext cx="3463406" cy="2783094"/>
           </a:xfrm>
           <a:prstGeom prst="rect">
             <a:avLst/>
           </a:prstGeom>
         </p:spPr>
       </p:pic>
+      <p:pic>
+        <p:nvPicPr>
+          <p:cNvPr id="5" name="Рисунок 4"/>
+          <p:cNvPicPr>
+            <a:picLocks noChangeAspect="1"/>
+          </p:cNvPicPr>
+          <p:nvPr/>
+        </p:nvPicPr>
+        <p:blipFill>
+          <a:blip r:embed="rId3"/>
+          <a:stretch>
+            <a:fillRect/>
+          </a:stretch>
+        </p:blipFill>
+        <p:spPr>
+          <a:xfrm>
+            <a:off x="7092067" y="175604"/>
+            <a:ext cx="3676791" cy="2954564"/>
+          </a:xfrm>
+          <a:prstGeom prst="rect">
+            <a:avLst/>
+          </a:prstGeom>
+        </p:spPr>
+      </p:pic>
+      <p:pic>
+        <p:nvPicPr>
+          <p:cNvPr id="6" name="Рисунок 5"/>
+          <p:cNvPicPr>
+            <a:picLocks noChangeAspect="1"/>
+          </p:cNvPicPr>
+          <p:nvPr/>
+        </p:nvPicPr>
+        <p:blipFill>
+          <a:blip r:embed="rId4"/>
+          <a:stretch>
+            <a:fillRect/>
+          </a:stretch>
+        </p:blipFill>
+        <p:spPr>
+          <a:xfrm>
+            <a:off x="999951" y="3597108"/>
+            <a:ext cx="3463406" cy="2954564"/>
+          </a:xfrm>
+          <a:prstGeom prst="rect">
+            <a:avLst/>
+          </a:prstGeom>
+        </p:spPr>
+      </p:pic>
+      <p:grpSp>
+        <p:nvGrpSpPr>
+          <p:cNvPr id="7" name="Группа 6"/>
+          <p:cNvGrpSpPr/>
+          <p:nvPr/>
+        </p:nvGrpSpPr>
+        <p:grpSpPr>
+          <a:xfrm>
+            <a:off x="7092067" y="3597108"/>
+            <a:ext cx="3676791" cy="2954564"/>
+            <a:chOff x="2416969" y="472636"/>
+            <a:chExt cx="7358062" cy="5912729"/>
+          </a:xfrm>
+        </p:grpSpPr>
+        <p:pic>
+          <p:nvPicPr>
+            <p:cNvPr id="8" name="Рисунок 7"/>
+            <p:cNvPicPr>
+              <a:picLocks noChangeAspect="1"/>
+            </p:cNvPicPr>
+            <p:nvPr/>
+          </p:nvPicPr>
+          <p:blipFill>
+            <a:blip r:embed="rId3"/>
+            <a:stretch>
+              <a:fillRect/>
+            </a:stretch>
+          </p:blipFill>
+          <p:spPr>
+            <a:xfrm>
+              <a:off x="2416969" y="472636"/>
+              <a:ext cx="7358062" cy="5912729"/>
+            </a:xfrm>
+            <a:prstGeom prst="rect">
+              <a:avLst/>
+            </a:prstGeom>
+          </p:spPr>
+        </p:pic>
+        <p:pic>
+          <p:nvPicPr>
+            <p:cNvPr id="9" name="Рисунок 8"/>
+            <p:cNvPicPr>
+              <a:picLocks noChangeAspect="1"/>
+            </p:cNvPicPr>
+            <p:nvPr/>
+          </p:nvPicPr>
+          <p:blipFill rotWithShape="1">
+            <a:blip r:embed="rId2"/>
+            <a:srcRect t="50418"/>
+            <a:stretch/>
+          </p:blipFill>
+          <p:spPr>
+            <a:xfrm>
+              <a:off x="2416969" y="3453752"/>
+              <a:ext cx="7358062" cy="2931611"/>
+            </a:xfrm>
+            <a:prstGeom prst="rect">
+              <a:avLst/>
+            </a:prstGeom>
+          </p:spPr>
+        </p:pic>
+      </p:grpSp>
+      <p:sp>
+        <p:nvSpPr>
+          <p:cNvPr id="10" name="Овал 9"/>
+          <p:cNvSpPr/>
+          <p:nvPr/>
+        </p:nvSpPr>
+        <p:spPr>
+          <a:xfrm>
+            <a:off x="4659364" y="1911310"/>
+            <a:ext cx="425167" cy="425167"/>
+          </a:xfrm>
+          <a:prstGeom prst="ellipse">
+            <a:avLst/>
+          </a:prstGeom>
+          <a:solidFill>
+            <a:srgbClr val="92D050"/>
+          </a:solidFill>
+          <a:ln>
+            <a:noFill/>
+          </a:ln>
+        </p:spPr>
+        <p:style>
+          <a:lnRef idx="2">
+            <a:schemeClr val="accent1">
+              <a:shade val="50000"/>
+            </a:schemeClr>
+          </a:lnRef>
+          <a:fillRef idx="1">
+            <a:schemeClr val="accent1"/>
+          </a:fillRef>
+          <a:effectRef idx="0">
+            <a:schemeClr val="accent1"/>
+          </a:effectRef>
+          <a:fontRef idx="minor">
+            <a:schemeClr val="lt1"/>
+          </a:fontRef>
+        </p:style>
+        <p:txBody>
+          <a:bodyPr rtlCol="0" anchor="ctr"/>
+          <a:lstStyle/>
+          <a:p>
+            <a:pPr algn="ctr"/>
+            <a:endParaRPr lang="en-US"/>
+          </a:p>
+        </p:txBody>
+      </p:sp>
+      <p:sp>
+        <p:nvSpPr>
+          <p:cNvPr id="11" name="Овал 10"/>
+          <p:cNvSpPr/>
+          <p:nvPr/>
+        </p:nvSpPr>
+        <p:spPr>
+          <a:xfrm>
+            <a:off x="4659363" y="1324036"/>
+            <a:ext cx="425167" cy="425167"/>
+          </a:xfrm>
+          <a:prstGeom prst="ellipse">
+            <a:avLst/>
+          </a:prstGeom>
+          <a:solidFill>
+            <a:schemeClr val="bg1">
+              <a:lumMod val="75000"/>
+            </a:schemeClr>
+          </a:solidFill>
+          <a:ln>
+            <a:noFill/>
+          </a:ln>
+        </p:spPr>
+        <p:style>
+          <a:lnRef idx="2">
+            <a:schemeClr val="accent1">
+              <a:shade val="50000"/>
+            </a:schemeClr>
+          </a:lnRef>
+          <a:fillRef idx="1">
+            <a:schemeClr val="accent1"/>
+          </a:fillRef>
+          <a:effectRef idx="0">
+            <a:schemeClr val="accent1"/>
+          </a:effectRef>
+          <a:fontRef idx="minor">
+            <a:schemeClr val="lt1"/>
+          </a:fontRef>
+        </p:style>
+        <p:txBody>
+          <a:bodyPr rtlCol="0" anchor="ctr"/>
+          <a:lstStyle/>
+          <a:p>
+            <a:pPr algn="ctr"/>
+            <a:endParaRPr lang="en-US"/>
+          </a:p>
+        </p:txBody>
+      </p:sp>
+      <p:sp>
+        <p:nvSpPr>
+          <p:cNvPr id="12" name="Овал 11"/>
+          <p:cNvSpPr/>
+          <p:nvPr/>
+        </p:nvSpPr>
+        <p:spPr>
+          <a:xfrm>
+            <a:off x="4659364" y="5248865"/>
+            <a:ext cx="425167" cy="425167"/>
+          </a:xfrm>
+          <a:prstGeom prst="ellipse">
+            <a:avLst/>
+          </a:prstGeom>
+          <a:solidFill>
+            <a:srgbClr val="92D050"/>
+          </a:solidFill>
+          <a:ln>
+            <a:noFill/>
+          </a:ln>
+        </p:spPr>
+        <p:style>
+          <a:lnRef idx="2">
+            <a:schemeClr val="accent1">
+              <a:shade val="50000"/>
+            </a:schemeClr>
+          </a:lnRef>
+          <a:fillRef idx="1">
+            <a:schemeClr val="accent1"/>
+          </a:fillRef>
+          <a:effectRef idx="0">
+            <a:schemeClr val="accent1"/>
+          </a:effectRef>
+          <a:fontRef idx="minor">
+            <a:schemeClr val="lt1"/>
+          </a:fontRef>
+        </p:style>
+        <p:txBody>
+          <a:bodyPr rtlCol="0" anchor="ctr"/>
+          <a:lstStyle/>
+          <a:p>
+            <a:pPr algn="ctr"/>
+            <a:endParaRPr lang="en-US"/>
+          </a:p>
+        </p:txBody>
+      </p:sp>
+      <p:sp>
+        <p:nvSpPr>
+          <p:cNvPr id="13" name="Овал 12"/>
+          <p:cNvSpPr/>
+          <p:nvPr/>
+        </p:nvSpPr>
+        <p:spPr>
+          <a:xfrm>
+            <a:off x="4659363" y="4661591"/>
+            <a:ext cx="425167" cy="425167"/>
+          </a:xfrm>
+          <a:prstGeom prst="ellipse">
+            <a:avLst/>
+          </a:prstGeom>
+          <a:solidFill>
+            <a:srgbClr val="FF0000"/>
+          </a:solidFill>
+          <a:ln>
+            <a:noFill/>
+          </a:ln>
+        </p:spPr>
+        <p:style>
+          <a:lnRef idx="2">
+            <a:schemeClr val="accent1">
+              <a:shade val="50000"/>
+            </a:schemeClr>
+          </a:lnRef>
+          <a:fillRef idx="1">
+            <a:schemeClr val="accent1"/>
+          </a:fillRef>
+          <a:effectRef idx="0">
+            <a:schemeClr val="accent1"/>
+          </a:effectRef>
+          <a:fontRef idx="minor">
+            <a:schemeClr val="lt1"/>
+          </a:fontRef>
+        </p:style>
+        <p:txBody>
+          <a:bodyPr rtlCol="0" anchor="ctr"/>
+          <a:lstStyle/>
+          <a:p>
+            <a:pPr algn="ctr"/>
+            <a:endParaRPr lang="en-US"/>
+          </a:p>
+        </p:txBody>
+      </p:sp>
+      <p:sp>
+        <p:nvSpPr>
+          <p:cNvPr id="14" name="Овал 13"/>
+          <p:cNvSpPr/>
+          <p:nvPr/>
+        </p:nvSpPr>
+        <p:spPr>
+          <a:xfrm>
+            <a:off x="11026189" y="1842676"/>
+            <a:ext cx="425167" cy="425167"/>
+          </a:xfrm>
+          <a:prstGeom prst="ellipse">
+            <a:avLst/>
+          </a:prstGeom>
+          <a:solidFill>
+            <a:schemeClr val="bg1">
+              <a:lumMod val="75000"/>
+            </a:schemeClr>
+          </a:solidFill>
+          <a:ln>
+            <a:noFill/>
+          </a:ln>
+        </p:spPr>
+        <p:style>
+          <a:lnRef idx="2">
+            <a:schemeClr val="accent1">
+              <a:shade val="50000"/>
+            </a:schemeClr>
+          </a:lnRef>
+          <a:fillRef idx="1">
+            <a:schemeClr val="accent1"/>
+          </a:fillRef>
+          <a:effectRef idx="0">
+            <a:schemeClr val="accent1"/>
+          </a:effectRef>
+          <a:fontRef idx="minor">
+            <a:schemeClr val="lt1"/>
+          </a:fontRef>
+        </p:style>
+        <p:txBody>
+          <a:bodyPr rtlCol="0" anchor="ctr"/>
+          <a:lstStyle/>
+          <a:p>
+            <a:pPr algn="ctr"/>
+            <a:endParaRPr lang="en-US"/>
+          </a:p>
+        </p:txBody>
+      </p:sp>
+      <p:sp>
+        <p:nvSpPr>
+          <p:cNvPr id="15" name="Овал 14"/>
+          <p:cNvSpPr/>
+          <p:nvPr/>
+        </p:nvSpPr>
+        <p:spPr>
+          <a:xfrm>
+            <a:off x="11026188" y="1255402"/>
+            <a:ext cx="425167" cy="425167"/>
+          </a:xfrm>
+          <a:prstGeom prst="ellipse">
+            <a:avLst/>
+          </a:prstGeom>
+          <a:solidFill>
+            <a:srgbClr val="FF0000"/>
+          </a:solidFill>
+          <a:ln>
+            <a:noFill/>
+          </a:ln>
+        </p:spPr>
+        <p:style>
+          <a:lnRef idx="2">
+            <a:schemeClr val="accent1">
+              <a:shade val="50000"/>
+            </a:schemeClr>
+          </a:lnRef>
+          <a:fillRef idx="1">
+            <a:schemeClr val="accent1"/>
+          </a:fillRef>
+          <a:effectRef idx="0">
+            <a:schemeClr val="accent1"/>
+          </a:effectRef>
+          <a:fontRef idx="minor">
+            <a:schemeClr val="lt1"/>
+          </a:fontRef>
+        </p:style>
+        <p:txBody>
+          <a:bodyPr rtlCol="0" anchor="ctr"/>
+          <a:lstStyle/>
+          <a:p>
+            <a:pPr algn="ctr"/>
+            <a:endParaRPr lang="en-US"/>
+          </a:p>
+        </p:txBody>
+      </p:sp>
+      <p:sp>
+        <p:nvSpPr>
+          <p:cNvPr id="16" name="Овал 15"/>
+          <p:cNvSpPr/>
+          <p:nvPr/>
+        </p:nvSpPr>
+        <p:spPr>
+          <a:xfrm>
+            <a:off x="11067929" y="5248865"/>
+            <a:ext cx="425167" cy="425167"/>
+          </a:xfrm>
+          <a:prstGeom prst="ellipse">
+            <a:avLst/>
+          </a:prstGeom>
+          <a:solidFill>
+            <a:schemeClr val="bg1">
+              <a:lumMod val="75000"/>
+            </a:schemeClr>
+          </a:solidFill>
+          <a:ln>
+            <a:noFill/>
+          </a:ln>
+        </p:spPr>
+        <p:style>
+          <a:lnRef idx="2">
+            <a:schemeClr val="accent1">
+              <a:shade val="50000"/>
+            </a:schemeClr>
+          </a:lnRef>
+          <a:fillRef idx="1">
+            <a:schemeClr val="accent1"/>
+          </a:fillRef>
+          <a:effectRef idx="0">
+            <a:schemeClr val="accent1"/>
+          </a:effectRef>
+          <a:fontRef idx="minor">
+            <a:schemeClr val="lt1"/>
+          </a:fontRef>
+        </p:style>
+        <p:txBody>
+          <a:bodyPr rtlCol="0" anchor="ctr"/>
+          <a:lstStyle/>
+          <a:p>
+            <a:pPr algn="ctr"/>
+            <a:endParaRPr lang="en-US"/>
+          </a:p>
+        </p:txBody>
+      </p:sp>
+      <p:sp>
+        <p:nvSpPr>
+          <p:cNvPr id="17" name="Овал 16"/>
+          <p:cNvSpPr/>
+          <p:nvPr/>
+        </p:nvSpPr>
+        <p:spPr>
+          <a:xfrm>
+            <a:off x="11067928" y="4661591"/>
+            <a:ext cx="425167" cy="425167"/>
+          </a:xfrm>
+          <a:prstGeom prst="ellipse">
+            <a:avLst/>
+          </a:prstGeom>
+          <a:solidFill>
+            <a:schemeClr val="bg1">
+              <a:lumMod val="75000"/>
+            </a:schemeClr>
+          </a:solidFill>
+          <a:ln>
+            <a:noFill/>
+          </a:ln>
+        </p:spPr>
+        <p:style>
+          <a:lnRef idx="2">
+            <a:schemeClr val="accent1">
+              <a:shade val="50000"/>
+            </a:schemeClr>
+          </a:lnRef>
+          <a:fillRef idx="1">
+            <a:schemeClr val="accent1"/>
+          </a:fillRef>
+          <a:effectRef idx="0">
+            <a:schemeClr val="accent1"/>
+          </a:effectRef>
+          <a:fontRef idx="minor">
+            <a:schemeClr val="lt1"/>
+          </a:fontRef>
+        </p:style>
+        <p:txBody>
+          <a:bodyPr rtlCol="0" anchor="ctr"/>
+          <a:lstStyle/>
+          <a:p>
+            <a:pPr algn="ctr"/>
+            <a:endParaRPr lang="en-US"/>
+          </a:p>
+        </p:txBody>
+      </p:sp>
     </p:spTree>
     <p:extLst>
       <p:ext uri="{BB962C8B-B14F-4D97-AF65-F5344CB8AC3E}">
-        <p14:creationId xmlns:p14="http://schemas.microsoft.com/office/powerpoint/2010/main" val="366228891"/>
+        <p14:creationId xmlns:p14="http://schemas.microsoft.com/office/powerpoint/2010/main" val="4244971079"/>
       </p:ext>
     </p:extLst>
   </p:cSld>
@@ -25549,7 +27571,7 @@
       </p:grpSpPr>
       <p:pic>
         <p:nvPicPr>
-          <p:cNvPr id="2" name="Рисунок 1"/>
+          <p:cNvPr id="3" name="Рисунок 2"/>
           <p:cNvPicPr>
             <a:picLocks noChangeAspect="1"/>
           </p:cNvPicPr>
@@ -25563,18 +27585,532 @@
         </p:blipFill>
         <p:spPr>
           <a:xfrm>
-            <a:off x="2416969" y="472636"/>
-            <a:ext cx="7358062" cy="5912729"/>
+            <a:off x="999951" y="292088"/>
+            <a:ext cx="3463406" cy="2783094"/>
           </a:xfrm>
           <a:prstGeom prst="rect">
             <a:avLst/>
           </a:prstGeom>
         </p:spPr>
       </p:pic>
+      <p:pic>
+        <p:nvPicPr>
+          <p:cNvPr id="5" name="Рисунок 4"/>
+          <p:cNvPicPr>
+            <a:picLocks noChangeAspect="1"/>
+          </p:cNvPicPr>
+          <p:nvPr/>
+        </p:nvPicPr>
+        <p:blipFill>
+          <a:blip r:embed="rId3"/>
+          <a:stretch>
+            <a:fillRect/>
+          </a:stretch>
+        </p:blipFill>
+        <p:spPr>
+          <a:xfrm>
+            <a:off x="7092067" y="175604"/>
+            <a:ext cx="3676791" cy="2954564"/>
+          </a:xfrm>
+          <a:prstGeom prst="rect">
+            <a:avLst/>
+          </a:prstGeom>
+        </p:spPr>
+      </p:pic>
+      <p:pic>
+        <p:nvPicPr>
+          <p:cNvPr id="6" name="Рисунок 5"/>
+          <p:cNvPicPr>
+            <a:picLocks noChangeAspect="1"/>
+          </p:cNvPicPr>
+          <p:nvPr/>
+        </p:nvPicPr>
+        <p:blipFill>
+          <a:blip r:embed="rId4">
+            <a:duotone>
+              <a:schemeClr val="bg2">
+                <a:shade val="45000"/>
+                <a:satMod val="135000"/>
+              </a:schemeClr>
+              <a:prstClr val="white"/>
+            </a:duotone>
+          </a:blip>
+          <a:stretch>
+            <a:fillRect/>
+          </a:stretch>
+        </p:blipFill>
+        <p:spPr>
+          <a:xfrm>
+            <a:off x="999951" y="3597108"/>
+            <a:ext cx="3463406" cy="2954564"/>
+          </a:xfrm>
+          <a:prstGeom prst="rect">
+            <a:avLst/>
+          </a:prstGeom>
+        </p:spPr>
+      </p:pic>
+      <p:grpSp>
+        <p:nvGrpSpPr>
+          <p:cNvPr id="7" name="Группа 6"/>
+          <p:cNvGrpSpPr/>
+          <p:nvPr/>
+        </p:nvGrpSpPr>
+        <p:grpSpPr>
+          <a:xfrm>
+            <a:off x="7092067" y="3597108"/>
+            <a:ext cx="3676791" cy="2954564"/>
+            <a:chOff x="2416969" y="472636"/>
+            <a:chExt cx="7358062" cy="5912729"/>
+          </a:xfrm>
+        </p:grpSpPr>
+        <p:pic>
+          <p:nvPicPr>
+            <p:cNvPr id="8" name="Рисунок 7"/>
+            <p:cNvPicPr>
+              <a:picLocks noChangeAspect="1"/>
+            </p:cNvPicPr>
+            <p:nvPr/>
+          </p:nvPicPr>
+          <p:blipFill>
+            <a:blip r:embed="rId3">
+              <a:duotone>
+                <a:schemeClr val="bg2">
+                  <a:shade val="45000"/>
+                  <a:satMod val="135000"/>
+                </a:schemeClr>
+                <a:prstClr val="white"/>
+              </a:duotone>
+            </a:blip>
+            <a:stretch>
+              <a:fillRect/>
+            </a:stretch>
+          </p:blipFill>
+          <p:spPr>
+            <a:xfrm>
+              <a:off x="2416969" y="472636"/>
+              <a:ext cx="7358062" cy="5912729"/>
+            </a:xfrm>
+            <a:prstGeom prst="rect">
+              <a:avLst/>
+            </a:prstGeom>
+          </p:spPr>
+        </p:pic>
+        <p:pic>
+          <p:nvPicPr>
+            <p:cNvPr id="9" name="Рисунок 8"/>
+            <p:cNvPicPr>
+              <a:picLocks noChangeAspect="1"/>
+            </p:cNvPicPr>
+            <p:nvPr/>
+          </p:nvPicPr>
+          <p:blipFill rotWithShape="1">
+            <a:blip r:embed="rId2">
+              <a:duotone>
+                <a:schemeClr val="bg2">
+                  <a:shade val="45000"/>
+                  <a:satMod val="135000"/>
+                </a:schemeClr>
+                <a:prstClr val="white"/>
+              </a:duotone>
+            </a:blip>
+            <a:srcRect t="50418"/>
+            <a:stretch/>
+          </p:blipFill>
+          <p:spPr>
+            <a:xfrm>
+              <a:off x="2416969" y="3453752"/>
+              <a:ext cx="7358062" cy="2931611"/>
+            </a:xfrm>
+            <a:prstGeom prst="rect">
+              <a:avLst/>
+            </a:prstGeom>
+          </p:spPr>
+        </p:pic>
+      </p:grpSp>
+      <p:sp>
+        <p:nvSpPr>
+          <p:cNvPr id="10" name="Овал 9"/>
+          <p:cNvSpPr/>
+          <p:nvPr/>
+        </p:nvSpPr>
+        <p:spPr>
+          <a:xfrm>
+            <a:off x="4659364" y="1911310"/>
+            <a:ext cx="425167" cy="425167"/>
+          </a:xfrm>
+          <a:prstGeom prst="ellipse">
+            <a:avLst/>
+          </a:prstGeom>
+          <a:solidFill>
+            <a:srgbClr val="92D050"/>
+          </a:solidFill>
+          <a:ln>
+            <a:noFill/>
+          </a:ln>
+        </p:spPr>
+        <p:style>
+          <a:lnRef idx="2">
+            <a:schemeClr val="accent1">
+              <a:shade val="50000"/>
+            </a:schemeClr>
+          </a:lnRef>
+          <a:fillRef idx="1">
+            <a:schemeClr val="accent1"/>
+          </a:fillRef>
+          <a:effectRef idx="0">
+            <a:schemeClr val="accent1"/>
+          </a:effectRef>
+          <a:fontRef idx="minor">
+            <a:schemeClr val="lt1"/>
+          </a:fontRef>
+        </p:style>
+        <p:txBody>
+          <a:bodyPr rtlCol="0" anchor="ctr"/>
+          <a:lstStyle/>
+          <a:p>
+            <a:pPr algn="ctr"/>
+            <a:endParaRPr lang="en-US"/>
+          </a:p>
+        </p:txBody>
+      </p:sp>
+      <p:sp>
+        <p:nvSpPr>
+          <p:cNvPr id="11" name="Овал 10"/>
+          <p:cNvSpPr/>
+          <p:nvPr/>
+        </p:nvSpPr>
+        <p:spPr>
+          <a:xfrm>
+            <a:off x="4659363" y="1324036"/>
+            <a:ext cx="425167" cy="425167"/>
+          </a:xfrm>
+          <a:prstGeom prst="ellipse">
+            <a:avLst/>
+          </a:prstGeom>
+          <a:solidFill>
+            <a:schemeClr val="bg1">
+              <a:lumMod val="75000"/>
+            </a:schemeClr>
+          </a:solidFill>
+          <a:ln>
+            <a:noFill/>
+          </a:ln>
+        </p:spPr>
+        <p:style>
+          <a:lnRef idx="2">
+            <a:schemeClr val="accent1">
+              <a:shade val="50000"/>
+            </a:schemeClr>
+          </a:lnRef>
+          <a:fillRef idx="1">
+            <a:schemeClr val="accent1"/>
+          </a:fillRef>
+          <a:effectRef idx="0">
+            <a:schemeClr val="accent1"/>
+          </a:effectRef>
+          <a:fontRef idx="minor">
+            <a:schemeClr val="lt1"/>
+          </a:fontRef>
+        </p:style>
+        <p:txBody>
+          <a:bodyPr rtlCol="0" anchor="ctr"/>
+          <a:lstStyle/>
+          <a:p>
+            <a:pPr algn="ctr"/>
+            <a:endParaRPr lang="en-US"/>
+          </a:p>
+        </p:txBody>
+      </p:sp>
+      <p:sp>
+        <p:nvSpPr>
+          <p:cNvPr id="12" name="Овал 11"/>
+          <p:cNvSpPr/>
+          <p:nvPr/>
+        </p:nvSpPr>
+        <p:spPr>
+          <a:xfrm>
+            <a:off x="4659364" y="5248865"/>
+            <a:ext cx="425167" cy="425167"/>
+          </a:xfrm>
+          <a:prstGeom prst="ellipse">
+            <a:avLst/>
+          </a:prstGeom>
+          <a:solidFill>
+            <a:schemeClr val="bg1">
+              <a:lumMod val="75000"/>
+            </a:schemeClr>
+          </a:solidFill>
+          <a:ln>
+            <a:noFill/>
+          </a:ln>
+        </p:spPr>
+        <p:style>
+          <a:lnRef idx="2">
+            <a:schemeClr val="accent1">
+              <a:shade val="50000"/>
+            </a:schemeClr>
+          </a:lnRef>
+          <a:fillRef idx="1">
+            <a:schemeClr val="accent1"/>
+          </a:fillRef>
+          <a:effectRef idx="0">
+            <a:schemeClr val="accent1"/>
+          </a:effectRef>
+          <a:fontRef idx="minor">
+            <a:schemeClr val="lt1"/>
+          </a:fontRef>
+        </p:style>
+        <p:txBody>
+          <a:bodyPr rtlCol="0" anchor="ctr"/>
+          <a:lstStyle/>
+          <a:p>
+            <a:pPr algn="ctr"/>
+            <a:endParaRPr lang="en-US"/>
+          </a:p>
+        </p:txBody>
+      </p:sp>
+      <p:sp>
+        <p:nvSpPr>
+          <p:cNvPr id="13" name="Овал 12"/>
+          <p:cNvSpPr/>
+          <p:nvPr/>
+        </p:nvSpPr>
+        <p:spPr>
+          <a:xfrm>
+            <a:off x="4659363" y="4661591"/>
+            <a:ext cx="425167" cy="425167"/>
+          </a:xfrm>
+          <a:prstGeom prst="ellipse">
+            <a:avLst/>
+          </a:prstGeom>
+          <a:solidFill>
+            <a:schemeClr val="bg1">
+              <a:lumMod val="75000"/>
+            </a:schemeClr>
+          </a:solidFill>
+          <a:ln>
+            <a:noFill/>
+          </a:ln>
+        </p:spPr>
+        <p:style>
+          <a:lnRef idx="2">
+            <a:schemeClr val="accent1">
+              <a:shade val="50000"/>
+            </a:schemeClr>
+          </a:lnRef>
+          <a:fillRef idx="1">
+            <a:schemeClr val="accent1"/>
+          </a:fillRef>
+          <a:effectRef idx="0">
+            <a:schemeClr val="accent1"/>
+          </a:effectRef>
+          <a:fontRef idx="minor">
+            <a:schemeClr val="lt1"/>
+          </a:fontRef>
+        </p:style>
+        <p:txBody>
+          <a:bodyPr rtlCol="0" anchor="ctr"/>
+          <a:lstStyle/>
+          <a:p>
+            <a:pPr algn="ctr"/>
+            <a:endParaRPr lang="en-US"/>
+          </a:p>
+        </p:txBody>
+      </p:sp>
+      <p:sp>
+        <p:nvSpPr>
+          <p:cNvPr id="14" name="Овал 13"/>
+          <p:cNvSpPr/>
+          <p:nvPr/>
+        </p:nvSpPr>
+        <p:spPr>
+          <a:xfrm>
+            <a:off x="11026189" y="1842676"/>
+            <a:ext cx="425167" cy="425167"/>
+          </a:xfrm>
+          <a:prstGeom prst="ellipse">
+            <a:avLst/>
+          </a:prstGeom>
+          <a:solidFill>
+            <a:schemeClr val="bg1">
+              <a:lumMod val="75000"/>
+            </a:schemeClr>
+          </a:solidFill>
+          <a:ln>
+            <a:noFill/>
+          </a:ln>
+        </p:spPr>
+        <p:style>
+          <a:lnRef idx="2">
+            <a:schemeClr val="accent1">
+              <a:shade val="50000"/>
+            </a:schemeClr>
+          </a:lnRef>
+          <a:fillRef idx="1">
+            <a:schemeClr val="accent1"/>
+          </a:fillRef>
+          <a:effectRef idx="0">
+            <a:schemeClr val="accent1"/>
+          </a:effectRef>
+          <a:fontRef idx="minor">
+            <a:schemeClr val="lt1"/>
+          </a:fontRef>
+        </p:style>
+        <p:txBody>
+          <a:bodyPr rtlCol="0" anchor="ctr"/>
+          <a:lstStyle/>
+          <a:p>
+            <a:pPr algn="ctr"/>
+            <a:endParaRPr lang="en-US"/>
+          </a:p>
+        </p:txBody>
+      </p:sp>
+      <p:sp>
+        <p:nvSpPr>
+          <p:cNvPr id="15" name="Овал 14"/>
+          <p:cNvSpPr/>
+          <p:nvPr/>
+        </p:nvSpPr>
+        <p:spPr>
+          <a:xfrm>
+            <a:off x="11026188" y="1255402"/>
+            <a:ext cx="425167" cy="425167"/>
+          </a:xfrm>
+          <a:prstGeom prst="ellipse">
+            <a:avLst/>
+          </a:prstGeom>
+          <a:solidFill>
+            <a:srgbClr val="FF0000"/>
+          </a:solidFill>
+          <a:ln>
+            <a:noFill/>
+          </a:ln>
+        </p:spPr>
+        <p:style>
+          <a:lnRef idx="2">
+            <a:schemeClr val="accent1">
+              <a:shade val="50000"/>
+            </a:schemeClr>
+          </a:lnRef>
+          <a:fillRef idx="1">
+            <a:schemeClr val="accent1"/>
+          </a:fillRef>
+          <a:effectRef idx="0">
+            <a:schemeClr val="accent1"/>
+          </a:effectRef>
+          <a:fontRef idx="minor">
+            <a:schemeClr val="lt1"/>
+          </a:fontRef>
+        </p:style>
+        <p:txBody>
+          <a:bodyPr rtlCol="0" anchor="ctr"/>
+          <a:lstStyle/>
+          <a:p>
+            <a:pPr algn="ctr"/>
+            <a:endParaRPr lang="en-US"/>
+          </a:p>
+        </p:txBody>
+      </p:sp>
+      <p:sp>
+        <p:nvSpPr>
+          <p:cNvPr id="16" name="Овал 15"/>
+          <p:cNvSpPr/>
+          <p:nvPr/>
+        </p:nvSpPr>
+        <p:spPr>
+          <a:xfrm>
+            <a:off x="11067929" y="5248865"/>
+            <a:ext cx="425167" cy="425167"/>
+          </a:xfrm>
+          <a:prstGeom prst="ellipse">
+            <a:avLst/>
+          </a:prstGeom>
+          <a:solidFill>
+            <a:schemeClr val="bg1">
+              <a:lumMod val="75000"/>
+            </a:schemeClr>
+          </a:solidFill>
+          <a:ln>
+            <a:noFill/>
+          </a:ln>
+        </p:spPr>
+        <p:style>
+          <a:lnRef idx="2">
+            <a:schemeClr val="accent1">
+              <a:shade val="50000"/>
+            </a:schemeClr>
+          </a:lnRef>
+          <a:fillRef idx="1">
+            <a:schemeClr val="accent1"/>
+          </a:fillRef>
+          <a:effectRef idx="0">
+            <a:schemeClr val="accent1"/>
+          </a:effectRef>
+          <a:fontRef idx="minor">
+            <a:schemeClr val="lt1"/>
+          </a:fontRef>
+        </p:style>
+        <p:txBody>
+          <a:bodyPr rtlCol="0" anchor="ctr"/>
+          <a:lstStyle/>
+          <a:p>
+            <a:pPr algn="ctr"/>
+            <a:endParaRPr lang="en-US"/>
+          </a:p>
+        </p:txBody>
+      </p:sp>
+      <p:sp>
+        <p:nvSpPr>
+          <p:cNvPr id="17" name="Овал 16"/>
+          <p:cNvSpPr/>
+          <p:nvPr/>
+        </p:nvSpPr>
+        <p:spPr>
+          <a:xfrm>
+            <a:off x="11067928" y="4661591"/>
+            <a:ext cx="425167" cy="425167"/>
+          </a:xfrm>
+          <a:prstGeom prst="ellipse">
+            <a:avLst/>
+          </a:prstGeom>
+          <a:solidFill>
+            <a:schemeClr val="bg1">
+              <a:lumMod val="75000"/>
+            </a:schemeClr>
+          </a:solidFill>
+          <a:ln>
+            <a:noFill/>
+          </a:ln>
+        </p:spPr>
+        <p:style>
+          <a:lnRef idx="2">
+            <a:schemeClr val="accent1">
+              <a:shade val="50000"/>
+            </a:schemeClr>
+          </a:lnRef>
+          <a:fillRef idx="1">
+            <a:schemeClr val="accent1"/>
+          </a:fillRef>
+          <a:effectRef idx="0">
+            <a:schemeClr val="accent1"/>
+          </a:effectRef>
+          <a:fontRef idx="minor">
+            <a:schemeClr val="lt1"/>
+          </a:fontRef>
+        </p:style>
+        <p:txBody>
+          <a:bodyPr rtlCol="0" anchor="ctr"/>
+          <a:lstStyle/>
+          <a:p>
+            <a:pPr algn="ctr"/>
+            <a:endParaRPr lang="en-US"/>
+          </a:p>
+        </p:txBody>
+      </p:sp>
     </p:spTree>
     <p:extLst>
       <p:ext uri="{BB962C8B-B14F-4D97-AF65-F5344CB8AC3E}">
-        <p14:creationId xmlns:p14="http://schemas.microsoft.com/office/powerpoint/2010/main" val="2915222066"/>
+        <p14:creationId xmlns:p14="http://schemas.microsoft.com/office/powerpoint/2010/main" val="869048106"/>
       </p:ext>
     </p:extLst>
   </p:cSld>
@@ -25610,22 +28146,22 @@
       </p:grpSpPr>
       <p:pic>
         <p:nvPicPr>
-          <p:cNvPr id="3" name="Рисунок 2"/>
+          <p:cNvPr id="6" name="Рисунок 5"/>
           <p:cNvPicPr>
             <a:picLocks noChangeAspect="1"/>
           </p:cNvPicPr>
           <p:nvPr/>
         </p:nvPicPr>
         <p:blipFill>
-          <a:blip r:embed="rId2"/>
+          <a:blip r:embed="rId3"/>
           <a:stretch>
             <a:fillRect/>
           </a:stretch>
         </p:blipFill>
         <p:spPr>
           <a:xfrm>
-            <a:off x="2633425" y="475145"/>
-            <a:ext cx="6925151" cy="5907711"/>
+            <a:off x="2014538" y="490347"/>
+            <a:ext cx="8162925" cy="5877306"/>
           </a:xfrm>
           <a:prstGeom prst="rect">
             <a:avLst/>
@@ -25635,7 +28171,7 @@
     </p:spTree>
     <p:extLst>
       <p:ext uri="{BB962C8B-B14F-4D97-AF65-F5344CB8AC3E}">
-        <p14:creationId xmlns:p14="http://schemas.microsoft.com/office/powerpoint/2010/main" val="2180503672"/>
+        <p14:creationId xmlns:p14="http://schemas.microsoft.com/office/powerpoint/2010/main" val="1845455525"/>
       </p:ext>
     </p:extLst>
   </p:cSld>
@@ -25669,42 +28205,58 @@
           <a:chExt cx="0" cy="0"/>
         </a:xfrm>
       </p:grpSpPr>
-      <p:sp>
-        <p:nvSpPr>
-          <p:cNvPr id="2" name="Прямоугольник 1"/>
-          <p:cNvSpPr/>
-          <p:nvPr/>
-        </p:nvSpPr>
-        <p:spPr>
-          <a:xfrm>
-            <a:off x="3627215" y="3013502"/>
-            <a:ext cx="4937570" cy="830997"/>
+      <p:pic>
+        <p:nvPicPr>
+          <p:cNvPr id="3" name="Рисунок 2"/>
+          <p:cNvPicPr>
+            <a:picLocks noChangeAspect="1"/>
+          </p:cNvPicPr>
+          <p:nvPr/>
+        </p:nvPicPr>
+        <p:blipFill>
+          <a:blip r:embed="rId2"/>
+          <a:stretch>
+            <a:fillRect/>
+          </a:stretch>
+        </p:blipFill>
+        <p:spPr>
+          <a:xfrm>
+            <a:off x="1114907" y="2137482"/>
+            <a:ext cx="2887379" cy="2463167"/>
           </a:xfrm>
           <a:prstGeom prst="rect">
             <a:avLst/>
           </a:prstGeom>
         </p:spPr>
-        <p:txBody>
-          <a:bodyPr wrap="none">
-            <a:spAutoFit/>
-          </a:bodyPr>
-          <a:lstStyle/>
-          <a:p>
-            <a:r>
-              <a:rPr lang="en-US" sz="4800" dirty="0" smtClean="0">
-                <a:latin typeface="Roboto" panose="02000000000000000000" pitchFamily="2" charset="0"/>
-                <a:ea typeface="Roboto" panose="02000000000000000000" pitchFamily="2" charset="0"/>
-              </a:rPr>
-              <a:t>PRODUCT TYPES</a:t>
-            </a:r>
-            <a:endParaRPr lang="en-US" sz="4800" dirty="0"/>
-          </a:p>
-        </p:txBody>
-      </p:sp>
+      </p:pic>
+      <p:pic>
+        <p:nvPicPr>
+          <p:cNvPr id="4" name="Рисунок 3"/>
+          <p:cNvPicPr>
+            <a:picLocks noChangeAspect="1"/>
+          </p:cNvPicPr>
+          <p:nvPr/>
+        </p:nvPicPr>
+        <p:blipFill>
+          <a:blip r:embed="rId3"/>
+          <a:stretch>
+            <a:fillRect/>
+          </a:stretch>
+        </p:blipFill>
+        <p:spPr>
+          <a:xfrm>
+            <a:off x="5143808" y="3172522"/>
+            <a:ext cx="6568936" cy="393088"/>
+          </a:xfrm>
+          <a:prstGeom prst="rect">
+            <a:avLst/>
+          </a:prstGeom>
+        </p:spPr>
+      </p:pic>
     </p:spTree>
     <p:extLst>
       <p:ext uri="{BB962C8B-B14F-4D97-AF65-F5344CB8AC3E}">
-        <p14:creationId xmlns:p14="http://schemas.microsoft.com/office/powerpoint/2010/main" val="2000674705"/>
+        <p14:creationId xmlns:p14="http://schemas.microsoft.com/office/powerpoint/2010/main" val="2934874932"/>
       </p:ext>
     </p:extLst>
   </p:cSld>
@@ -25747,25 +28299,81 @@
           <p:nvPr/>
         </p:nvPicPr>
         <p:blipFill>
-          <a:blip r:embed="rId2"/>
+          <a:blip r:embed="rId3"/>
           <a:stretch>
             <a:fillRect/>
           </a:stretch>
         </p:blipFill>
         <p:spPr>
           <a:xfrm>
-            <a:off x="962666" y="3121819"/>
-            <a:ext cx="10266669" cy="614362"/>
+            <a:off x="1114907" y="2137482"/>
+            <a:ext cx="2887379" cy="2463167"/>
           </a:xfrm>
           <a:prstGeom prst="rect">
             <a:avLst/>
           </a:prstGeom>
         </p:spPr>
       </p:pic>
+      <p:pic>
+        <p:nvPicPr>
+          <p:cNvPr id="4" name="Рисунок 3"/>
+          <p:cNvPicPr>
+            <a:picLocks noChangeAspect="1"/>
+          </p:cNvPicPr>
+          <p:nvPr/>
+        </p:nvPicPr>
+        <p:blipFill>
+          <a:blip r:embed="rId4"/>
+          <a:stretch>
+            <a:fillRect/>
+          </a:stretch>
+        </p:blipFill>
+        <p:spPr>
+          <a:xfrm>
+            <a:off x="5143808" y="3172522"/>
+            <a:ext cx="6568936" cy="393088"/>
+          </a:xfrm>
+          <a:prstGeom prst="rect">
+            <a:avLst/>
+          </a:prstGeom>
+        </p:spPr>
+      </p:pic>
+      <p:sp>
+        <p:nvSpPr>
+          <p:cNvPr id="5" name="Прямоугольник 4"/>
+          <p:cNvSpPr/>
+          <p:nvPr/>
+        </p:nvSpPr>
+        <p:spPr>
+          <a:xfrm>
+            <a:off x="4159412" y="742063"/>
+            <a:ext cx="3873176" cy="830997"/>
+          </a:xfrm>
+          <a:prstGeom prst="rect">
+            <a:avLst/>
+          </a:prstGeom>
+        </p:spPr>
+        <p:txBody>
+          <a:bodyPr wrap="none">
+            <a:spAutoFit/>
+          </a:bodyPr>
+          <a:lstStyle/>
+          <a:p>
+            <a:r>
+              <a:rPr lang="en-US" sz="4800" dirty="0">
+                <a:latin typeface="Roboto" panose="02000000000000000000" pitchFamily="2" charset="0"/>
+                <a:ea typeface="Roboto" panose="02000000000000000000" pitchFamily="2" charset="0"/>
+              </a:rPr>
+              <a:t>ISOMORPHIC</a:t>
+            </a:r>
+            <a:endParaRPr lang="en-US" sz="4800" dirty="0"/>
+          </a:p>
+        </p:txBody>
+      </p:sp>
     </p:spTree>
     <p:extLst>
       <p:ext uri="{BB962C8B-B14F-4D97-AF65-F5344CB8AC3E}">
-        <p14:creationId xmlns:p14="http://schemas.microsoft.com/office/powerpoint/2010/main" val="2256252235"/>
+        <p14:creationId xmlns:p14="http://schemas.microsoft.com/office/powerpoint/2010/main" val="3126644539"/>
       </p:ext>
     </p:extLst>
   </p:cSld>
@@ -25801,7 +28409,7 @@
       </p:grpSpPr>
       <p:pic>
         <p:nvPicPr>
-          <p:cNvPr id="2" name="Рисунок 1"/>
+          <p:cNvPr id="3" name="Рисунок 2"/>
           <p:cNvPicPr>
             <a:picLocks noChangeAspect="1"/>
           </p:cNvPicPr>
@@ -25815,8 +28423,8 @@
         </p:blipFill>
         <p:spPr>
           <a:xfrm>
-            <a:off x="1300887" y="2864131"/>
-            <a:ext cx="9590227" cy="1129739"/>
+            <a:off x="962666" y="3121819"/>
+            <a:ext cx="10266669" cy="614362"/>
           </a:xfrm>
           <a:prstGeom prst="rect">
             <a:avLst/>
@@ -25826,7 +28434,7 @@
     </p:spTree>
     <p:extLst>
       <p:ext uri="{BB962C8B-B14F-4D97-AF65-F5344CB8AC3E}">
-        <p14:creationId xmlns:p14="http://schemas.microsoft.com/office/powerpoint/2010/main" val="3694948384"/>
+        <p14:creationId xmlns:p14="http://schemas.microsoft.com/office/powerpoint/2010/main" val="2256252235"/>
       </p:ext>
     </p:extLst>
   </p:cSld>
@@ -25860,83 +28468,34 @@
           <a:chExt cx="0" cy="0"/>
         </a:xfrm>
       </p:grpSpPr>
-      <p:sp>
-        <p:nvSpPr>
-          <p:cNvPr id="2" name="Прямоугольник 1"/>
-          <p:cNvSpPr/>
-          <p:nvPr/>
-        </p:nvSpPr>
-        <p:spPr>
-          <a:xfrm>
-            <a:off x="3458900" y="3013502"/>
-            <a:ext cx="5274201" cy="830997"/>
+      <p:pic>
+        <p:nvPicPr>
+          <p:cNvPr id="2" name="Рисунок 1"/>
+          <p:cNvPicPr>
+            <a:picLocks noChangeAspect="1"/>
+          </p:cNvPicPr>
+          <p:nvPr/>
+        </p:nvPicPr>
+        <p:blipFill>
+          <a:blip r:embed="rId2"/>
+          <a:stretch>
+            <a:fillRect/>
+          </a:stretch>
+        </p:blipFill>
+        <p:spPr>
+          <a:xfrm>
+            <a:off x="1300887" y="2864131"/>
+            <a:ext cx="9590227" cy="1129739"/>
           </a:xfrm>
           <a:prstGeom prst="rect">
             <a:avLst/>
           </a:prstGeom>
         </p:spPr>
-        <p:txBody>
-          <a:bodyPr wrap="none">
-            <a:spAutoFit/>
-          </a:bodyPr>
-          <a:lstStyle/>
-          <a:p>
-            <a:r>
-              <a:rPr lang="en-US" sz="4800" dirty="0" smtClean="0">
-                <a:latin typeface="Roboto" panose="02000000000000000000" pitchFamily="2" charset="0"/>
-                <a:ea typeface="Roboto" panose="02000000000000000000" pitchFamily="2" charset="0"/>
-              </a:rPr>
-              <a:t>(</a:t>
-            </a:r>
-            <a:r>
-              <a:rPr lang="en-US" sz="4800" dirty="0" err="1" smtClean="0">
-                <a:solidFill>
-                  <a:schemeClr val="accent2">
-                    <a:lumMod val="75000"/>
-                  </a:schemeClr>
-                </a:solidFill>
-                <a:latin typeface="Roboto" panose="02000000000000000000" pitchFamily="2" charset="0"/>
-                <a:ea typeface="Roboto" panose="02000000000000000000" pitchFamily="2" charset="0"/>
-              </a:rPr>
-              <a:t>boolean</a:t>
-            </a:r>
-            <a:r>
-              <a:rPr lang="en-US" sz="4800" dirty="0" smtClean="0">
-                <a:latin typeface="Roboto" panose="02000000000000000000" pitchFamily="2" charset="0"/>
-                <a:ea typeface="Roboto" panose="02000000000000000000" pitchFamily="2" charset="0"/>
-              </a:rPr>
-              <a:t>, </a:t>
-            </a:r>
-            <a:r>
-              <a:rPr lang="en-US" sz="4800" dirty="0" err="1" smtClean="0">
-                <a:solidFill>
-                  <a:schemeClr val="accent2">
-                    <a:lumMod val="75000"/>
-                  </a:schemeClr>
-                </a:solidFill>
-                <a:latin typeface="Roboto" panose="02000000000000000000" pitchFamily="2" charset="0"/>
-                <a:ea typeface="Roboto" panose="02000000000000000000" pitchFamily="2" charset="0"/>
-              </a:rPr>
-              <a:t>boolean</a:t>
-            </a:r>
-            <a:r>
-              <a:rPr lang="en-US" sz="4800" dirty="0" smtClean="0">
-                <a:latin typeface="Roboto" panose="02000000000000000000" pitchFamily="2" charset="0"/>
-                <a:ea typeface="Roboto" panose="02000000000000000000" pitchFamily="2" charset="0"/>
-              </a:rPr>
-              <a:t>)</a:t>
-            </a:r>
-            <a:endParaRPr lang="en-US" sz="4800" dirty="0">
-              <a:latin typeface="Roboto" panose="02000000000000000000" pitchFamily="2" charset="0"/>
-              <a:ea typeface="Roboto" panose="02000000000000000000" pitchFamily="2" charset="0"/>
-            </a:endParaRPr>
-          </a:p>
-        </p:txBody>
-      </p:sp>
+      </p:pic>
     </p:spTree>
     <p:extLst>
       <p:ext uri="{BB962C8B-B14F-4D97-AF65-F5344CB8AC3E}">
-        <p14:creationId xmlns:p14="http://schemas.microsoft.com/office/powerpoint/2010/main" val="2041054617"/>
+        <p14:creationId xmlns:p14="http://schemas.microsoft.com/office/powerpoint/2010/main" val="3694948384"/>
       </p:ext>
     </p:extLst>
   </p:cSld>
@@ -26403,8 +28962,8 @@
         </p:nvSpPr>
         <p:spPr>
           <a:xfrm>
-            <a:off x="3462106" y="3013502"/>
-            <a:ext cx="5267789" cy="830997"/>
+            <a:off x="3458900" y="3013502"/>
+            <a:ext cx="5274201" cy="830997"/>
           </a:xfrm>
           <a:prstGeom prst="rect">
             <a:avLst/>
@@ -26417,6 +28976,13 @@
           <a:lstStyle/>
           <a:p>
             <a:r>
+              <a:rPr lang="en-US" sz="4800" dirty="0" smtClean="0">
+                <a:latin typeface="Roboto" panose="02000000000000000000" pitchFamily="2" charset="0"/>
+                <a:ea typeface="Roboto" panose="02000000000000000000" pitchFamily="2" charset="0"/>
+              </a:rPr>
+              <a:t>(</a:t>
+            </a:r>
+            <a:r>
               <a:rPr lang="en-US" sz="4800" dirty="0" err="1" smtClean="0">
                 <a:solidFill>
                   <a:schemeClr val="accent2">
@@ -26433,7 +28999,7 @@
                 <a:latin typeface="Roboto" panose="02000000000000000000" pitchFamily="2" charset="0"/>
                 <a:ea typeface="Roboto" panose="02000000000000000000" pitchFamily="2" charset="0"/>
               </a:rPr>
-              <a:t> X </a:t>
+              <a:t>, </a:t>
             </a:r>
             <a:r>
               <a:rPr lang="en-US" sz="4800" dirty="0" err="1" smtClean="0">
@@ -26446,6 +29012,13 @@
                 <a:ea typeface="Roboto" panose="02000000000000000000" pitchFamily="2" charset="0"/>
               </a:rPr>
               <a:t>boolean</a:t>
+            </a:r>
+            <a:r>
+              <a:rPr lang="en-US" sz="4800" dirty="0" smtClean="0">
+                <a:latin typeface="Roboto" panose="02000000000000000000" pitchFamily="2" charset="0"/>
+                <a:ea typeface="Roboto" panose="02000000000000000000" pitchFamily="2" charset="0"/>
+              </a:rPr>
+              <a:t>)</a:t>
             </a:r>
             <a:endParaRPr lang="en-US" sz="4800" dirty="0">
               <a:latin typeface="Roboto" panose="02000000000000000000" pitchFamily="2" charset="0"/>
@@ -26457,7 +29030,7 @@
     </p:spTree>
     <p:extLst>
       <p:ext uri="{BB962C8B-B14F-4D97-AF65-F5344CB8AC3E}">
-        <p14:creationId xmlns:p14="http://schemas.microsoft.com/office/powerpoint/2010/main" val="3212571947"/>
+        <p14:creationId xmlns:p14="http://schemas.microsoft.com/office/powerpoint/2010/main" val="2041054617"/>
       </p:ext>
     </p:extLst>
   </p:cSld>
@@ -26500,7 +29073,7 @@
         <p:spPr>
           <a:xfrm>
             <a:off x="2554806" y="3013502"/>
-            <a:ext cx="7082388" cy="830997"/>
+            <a:ext cx="7088800" cy="830997"/>
           </a:xfrm>
           <a:prstGeom prst="rect">
             <a:avLst/>
@@ -26513,6 +29086,13 @@
           <a:lstStyle/>
           <a:p>
             <a:r>
+              <a:rPr lang="en-US" sz="4800" dirty="0">
+                <a:latin typeface="Roboto" panose="02000000000000000000" pitchFamily="2" charset="0"/>
+                <a:ea typeface="Roboto" panose="02000000000000000000" pitchFamily="2" charset="0"/>
+              </a:rPr>
+              <a:t>(</a:t>
+            </a:r>
+            <a:r>
               <a:rPr lang="en-US" sz="4800" dirty="0" smtClean="0">
                 <a:latin typeface="Roboto" panose="02000000000000000000" pitchFamily="2" charset="0"/>
                 <a:ea typeface="Roboto" panose="02000000000000000000" pitchFamily="2" charset="0"/>
@@ -26555,7 +29135,7 @@
                 <a:latin typeface="Roboto" panose="02000000000000000000" pitchFamily="2" charset="0"/>
                 <a:ea typeface="Roboto" panose="02000000000000000000" pitchFamily="2" charset="0"/>
               </a:rPr>
-              <a:t>} X {</a:t>
+              <a:t>}, {</a:t>
             </a:r>
             <a:r>
               <a:rPr lang="en-US" sz="4800" dirty="0" smtClean="0">
@@ -26593,7 +29173,7 @@
                 <a:latin typeface="Roboto" panose="02000000000000000000" pitchFamily="2" charset="0"/>
                 <a:ea typeface="Roboto" panose="02000000000000000000" pitchFamily="2" charset="0"/>
               </a:rPr>
-              <a:t>}</a:t>
+              <a:t>})</a:t>
             </a:r>
             <a:endParaRPr lang="en-US" sz="4800" dirty="0">
               <a:latin typeface="Roboto" panose="02000000000000000000" pitchFamily="2" charset="0"/>
@@ -26647,8 +29227,8 @@
         </p:nvSpPr>
         <p:spPr>
           <a:xfrm>
-            <a:off x="4318911" y="1905506"/>
-            <a:ext cx="3592650" cy="3046988"/>
+            <a:off x="5308765" y="3013502"/>
+            <a:ext cx="1574470" cy="830997"/>
           </a:xfrm>
           <a:prstGeom prst="rect">
             <a:avLst/>
@@ -26665,7 +29245,7 @@
                 <a:latin typeface="Roboto" panose="02000000000000000000" pitchFamily="2" charset="0"/>
                 <a:ea typeface="Roboto" panose="02000000000000000000" pitchFamily="2" charset="0"/>
               </a:rPr>
-              <a:t>{</a:t>
+              <a:t>(</a:t>
             </a:r>
             <a:r>
               <a:rPr lang="en-US" sz="4800" dirty="0" smtClean="0">
@@ -26677,7 +29257,7 @@
                 <a:latin typeface="Roboto" panose="02000000000000000000" pitchFamily="2" charset="0"/>
                 <a:ea typeface="Roboto" panose="02000000000000000000" pitchFamily="2" charset="0"/>
               </a:rPr>
-              <a:t>true</a:t>
+              <a:t>2</a:t>
             </a:r>
             <a:r>
               <a:rPr lang="en-US" sz="4800" dirty="0" smtClean="0">
@@ -26687,7 +29267,7 @@
               <a:t>, </a:t>
             </a:r>
             <a:r>
-              <a:rPr lang="en-US" sz="4800" dirty="0" smtClean="0">
+              <a:rPr lang="en-US" sz="4800" dirty="0">
                 <a:solidFill>
                   <a:schemeClr val="accent2">
                     <a:lumMod val="75000"/>
@@ -26696,155 +29276,14 @@
                 <a:latin typeface="Roboto" panose="02000000000000000000" pitchFamily="2" charset="0"/>
                 <a:ea typeface="Roboto" panose="02000000000000000000" pitchFamily="2" charset="0"/>
               </a:rPr>
-              <a:t>true</a:t>
+              <a:t>2</a:t>
             </a:r>
             <a:r>
               <a:rPr lang="en-US" sz="4800" dirty="0" smtClean="0">
                 <a:latin typeface="Roboto" panose="02000000000000000000" pitchFamily="2" charset="0"/>
                 <a:ea typeface="Roboto" panose="02000000000000000000" pitchFamily="2" charset="0"/>
               </a:rPr>
-              <a:t>}</a:t>
-            </a:r>
-          </a:p>
-          <a:p>
-            <a:r>
-              <a:rPr lang="en-US" sz="4800" dirty="0" smtClean="0">
-                <a:latin typeface="Roboto" panose="02000000000000000000" pitchFamily="2" charset="0"/>
-                <a:ea typeface="Roboto" panose="02000000000000000000" pitchFamily="2" charset="0"/>
-              </a:rPr>
-              <a:t>{</a:t>
-            </a:r>
-            <a:r>
-              <a:rPr lang="en-US" sz="4800" dirty="0" smtClean="0">
-                <a:solidFill>
-                  <a:schemeClr val="accent2">
-                    <a:lumMod val="75000"/>
-                  </a:schemeClr>
-                </a:solidFill>
-                <a:latin typeface="Roboto" panose="02000000000000000000" pitchFamily="2" charset="0"/>
-                <a:ea typeface="Roboto" panose="02000000000000000000" pitchFamily="2" charset="0"/>
-              </a:rPr>
-              <a:t>false</a:t>
-            </a:r>
-            <a:r>
-              <a:rPr lang="en-US" sz="4800" dirty="0" smtClean="0">
-                <a:latin typeface="Roboto" panose="02000000000000000000" pitchFamily="2" charset="0"/>
-                <a:ea typeface="Roboto" panose="02000000000000000000" pitchFamily="2" charset="0"/>
-              </a:rPr>
-              <a:t>, </a:t>
-            </a:r>
-            <a:r>
-              <a:rPr lang="en-US" sz="4800" dirty="0">
-                <a:solidFill>
-                  <a:schemeClr val="accent2">
-                    <a:lumMod val="75000"/>
-                  </a:schemeClr>
-                </a:solidFill>
-                <a:latin typeface="Roboto" panose="02000000000000000000" pitchFamily="2" charset="0"/>
-                <a:ea typeface="Roboto" panose="02000000000000000000" pitchFamily="2" charset="0"/>
-              </a:rPr>
-              <a:t>false</a:t>
-            </a:r>
-            <a:r>
-              <a:rPr lang="en-US" sz="4800" dirty="0" smtClean="0">
-                <a:latin typeface="Roboto" panose="02000000000000000000" pitchFamily="2" charset="0"/>
-                <a:ea typeface="Roboto" panose="02000000000000000000" pitchFamily="2" charset="0"/>
-              </a:rPr>
-              <a:t>}</a:t>
-            </a:r>
-          </a:p>
-          <a:p>
-            <a:r>
-              <a:rPr lang="en-US" sz="4800" dirty="0">
-                <a:latin typeface="Roboto" panose="02000000000000000000" pitchFamily="2" charset="0"/>
-                <a:ea typeface="Roboto" panose="02000000000000000000" pitchFamily="2" charset="0"/>
-              </a:rPr>
-              <a:t>{</a:t>
-            </a:r>
-            <a:r>
-              <a:rPr lang="en-US" sz="4800" dirty="0" smtClean="0">
-                <a:solidFill>
-                  <a:schemeClr val="accent2">
-                    <a:lumMod val="75000"/>
-                  </a:schemeClr>
-                </a:solidFill>
-                <a:latin typeface="Roboto" panose="02000000000000000000" pitchFamily="2" charset="0"/>
-                <a:ea typeface="Roboto" panose="02000000000000000000" pitchFamily="2" charset="0"/>
-              </a:rPr>
-              <a:t>true</a:t>
-            </a:r>
-            <a:r>
-              <a:rPr lang="en-US" sz="4800" dirty="0" smtClean="0">
-                <a:latin typeface="Roboto" panose="02000000000000000000" pitchFamily="2" charset="0"/>
-                <a:ea typeface="Roboto" panose="02000000000000000000" pitchFamily="2" charset="0"/>
-              </a:rPr>
-              <a:t>, </a:t>
-            </a:r>
-            <a:r>
-              <a:rPr lang="en-US" sz="4800" dirty="0">
-                <a:solidFill>
-                  <a:schemeClr val="accent2">
-                    <a:lumMod val="75000"/>
-                  </a:schemeClr>
-                </a:solidFill>
-                <a:latin typeface="Roboto" panose="02000000000000000000" pitchFamily="2" charset="0"/>
-                <a:ea typeface="Roboto" panose="02000000000000000000" pitchFamily="2" charset="0"/>
-              </a:rPr>
-              <a:t>false</a:t>
-            </a:r>
-            <a:r>
-              <a:rPr lang="en-US" sz="4800" dirty="0" smtClean="0">
-                <a:latin typeface="Roboto" panose="02000000000000000000" pitchFamily="2" charset="0"/>
-                <a:ea typeface="Roboto" panose="02000000000000000000" pitchFamily="2" charset="0"/>
-              </a:rPr>
-              <a:t>}</a:t>
-            </a:r>
-          </a:p>
-          <a:p>
-            <a:r>
-              <a:rPr lang="en-US" sz="4800" dirty="0" smtClean="0">
-                <a:latin typeface="Roboto" panose="02000000000000000000" pitchFamily="2" charset="0"/>
-                <a:ea typeface="Roboto" panose="02000000000000000000" pitchFamily="2" charset="0"/>
-              </a:rPr>
-              <a:t>{</a:t>
-            </a:r>
-            <a:r>
-              <a:rPr lang="en-US" sz="4800" dirty="0" smtClean="0">
-                <a:solidFill>
-                  <a:schemeClr val="accent2">
-                    <a:lumMod val="75000"/>
-                  </a:schemeClr>
-                </a:solidFill>
-                <a:latin typeface="Roboto" panose="02000000000000000000" pitchFamily="2" charset="0"/>
-                <a:ea typeface="Roboto" panose="02000000000000000000" pitchFamily="2" charset="0"/>
-              </a:rPr>
-              <a:t>false</a:t>
-            </a:r>
-            <a:r>
-              <a:rPr lang="en-US" sz="4800" dirty="0" smtClean="0">
-                <a:latin typeface="Roboto" panose="02000000000000000000" pitchFamily="2" charset="0"/>
-                <a:ea typeface="Roboto" panose="02000000000000000000" pitchFamily="2" charset="0"/>
-              </a:rPr>
-              <a:t>, </a:t>
-            </a:r>
-            <a:r>
-              <a:rPr lang="en-US" sz="4800" dirty="0" smtClean="0">
-                <a:solidFill>
-                  <a:schemeClr val="accent2">
-                    <a:lumMod val="75000"/>
-                  </a:schemeClr>
-                </a:solidFill>
-                <a:latin typeface="Roboto" panose="02000000000000000000" pitchFamily="2" charset="0"/>
-                <a:ea typeface="Roboto" panose="02000000000000000000" pitchFamily="2" charset="0"/>
-              </a:rPr>
-              <a:t>true</a:t>
-            </a:r>
-            <a:r>
-              <a:rPr lang="en-US" sz="4800" dirty="0" smtClean="0">
-                <a:latin typeface="Roboto" panose="02000000000000000000" pitchFamily="2" charset="0"/>
-                <a:ea typeface="Roboto" panose="02000000000000000000" pitchFamily="2" charset="0"/>
-              </a:rPr>
-              <a:t>}</a:t>
+              <a:t>)</a:t>
             </a:r>
             <a:endParaRPr lang="en-US" sz="4800" dirty="0">
               <a:latin typeface="Roboto" panose="02000000000000000000" pitchFamily="2" charset="0"/>
@@ -26856,7 +29295,7 @@
     </p:spTree>
     <p:extLst>
       <p:ext uri="{BB962C8B-B14F-4D97-AF65-F5344CB8AC3E}">
-        <p14:creationId xmlns:p14="http://schemas.microsoft.com/office/powerpoint/2010/main" val="4237715865"/>
+        <p14:creationId xmlns:p14="http://schemas.microsoft.com/office/powerpoint/2010/main" val="936430798"/>
       </p:ext>
     </p:extLst>
   </p:cSld>
@@ -26898,8 +29337,8 @@
         </p:nvSpPr>
         <p:spPr>
           <a:xfrm>
-            <a:off x="4318911" y="1905506"/>
-            <a:ext cx="3592650" cy="3046988"/>
+            <a:off x="5372885" y="3013502"/>
+            <a:ext cx="1446230" cy="830997"/>
           </a:xfrm>
           <a:prstGeom prst="rect">
             <a:avLst/>
@@ -26912,14 +29351,7 @@
           <a:lstStyle/>
           <a:p>
             <a:r>
-              <a:rPr lang="en-US" sz="4800" strike="sngStrike" dirty="0" smtClean="0">
-                <a:latin typeface="Roboto" panose="02000000000000000000" pitchFamily="2" charset="0"/>
-                <a:ea typeface="Roboto" panose="02000000000000000000" pitchFamily="2" charset="0"/>
-              </a:rPr>
-              <a:t>{</a:t>
-            </a:r>
-            <a:r>
-              <a:rPr lang="en-US" sz="4800" strike="sngStrike" dirty="0" smtClean="0">
+              <a:rPr lang="en-US" sz="4800" dirty="0" smtClean="0">
                 <a:solidFill>
                   <a:schemeClr val="accent2">
                     <a:lumMod val="75000"/>
@@ -26928,17 +29360,24 @@
                 <a:latin typeface="Roboto" panose="02000000000000000000" pitchFamily="2" charset="0"/>
                 <a:ea typeface="Roboto" panose="02000000000000000000" pitchFamily="2" charset="0"/>
               </a:rPr>
-              <a:t>true</a:t>
-            </a:r>
-            <a:r>
-              <a:rPr lang="en-US" sz="4800" strike="sngStrike" dirty="0" smtClean="0">
-                <a:latin typeface="Roboto" panose="02000000000000000000" pitchFamily="2" charset="0"/>
-                <a:ea typeface="Roboto" panose="02000000000000000000" pitchFamily="2" charset="0"/>
-              </a:rPr>
-              <a:t>, </a:t>
-            </a:r>
-            <a:r>
-              <a:rPr lang="en-US" sz="4800" strike="sngStrike" dirty="0" smtClean="0">
+              <a:t>2</a:t>
+            </a:r>
+            <a:r>
+              <a:rPr lang="ru-RU" sz="4800" dirty="0" smtClean="0">
+                <a:latin typeface="Roboto" panose="02000000000000000000" pitchFamily="2" charset="0"/>
+                <a:ea typeface="Roboto" panose="02000000000000000000" pitchFamily="2" charset="0"/>
+              </a:rPr>
+              <a:t> *</a:t>
+            </a:r>
+            <a:r>
+              <a:rPr lang="en-US" sz="4800" dirty="0" smtClean="0">
+                <a:latin typeface="Roboto" panose="02000000000000000000" pitchFamily="2" charset="0"/>
+                <a:ea typeface="Roboto" panose="02000000000000000000" pitchFamily="2" charset="0"/>
+              </a:rPr>
+              <a:t> </a:t>
+            </a:r>
+            <a:r>
+              <a:rPr lang="en-US" sz="4800" dirty="0" smtClean="0">
                 <a:solidFill>
                   <a:schemeClr val="accent2">
                     <a:lumMod val="75000"/>
@@ -26947,155 +29386,7 @@
                 <a:latin typeface="Roboto" panose="02000000000000000000" pitchFamily="2" charset="0"/>
                 <a:ea typeface="Roboto" panose="02000000000000000000" pitchFamily="2" charset="0"/>
               </a:rPr>
-              <a:t>true</a:t>
-            </a:r>
-            <a:r>
-              <a:rPr lang="en-US" sz="4800" strike="sngStrike" dirty="0" smtClean="0">
-                <a:latin typeface="Roboto" panose="02000000000000000000" pitchFamily="2" charset="0"/>
-                <a:ea typeface="Roboto" panose="02000000000000000000" pitchFamily="2" charset="0"/>
-              </a:rPr>
-              <a:t>}</a:t>
-            </a:r>
-          </a:p>
-          <a:p>
-            <a:r>
-              <a:rPr lang="en-US" sz="4800" strike="sngStrike" dirty="0" smtClean="0">
-                <a:latin typeface="Roboto" panose="02000000000000000000" pitchFamily="2" charset="0"/>
-                <a:ea typeface="Roboto" panose="02000000000000000000" pitchFamily="2" charset="0"/>
-              </a:rPr>
-              <a:t>{</a:t>
-            </a:r>
-            <a:r>
-              <a:rPr lang="en-US" sz="4800" strike="sngStrike" dirty="0" smtClean="0">
-                <a:solidFill>
-                  <a:schemeClr val="accent2">
-                    <a:lumMod val="75000"/>
-                  </a:schemeClr>
-                </a:solidFill>
-                <a:latin typeface="Roboto" panose="02000000000000000000" pitchFamily="2" charset="0"/>
-                <a:ea typeface="Roboto" panose="02000000000000000000" pitchFamily="2" charset="0"/>
-              </a:rPr>
-              <a:t>false</a:t>
-            </a:r>
-            <a:r>
-              <a:rPr lang="en-US" sz="4800" strike="sngStrike" dirty="0" smtClean="0">
-                <a:latin typeface="Roboto" panose="02000000000000000000" pitchFamily="2" charset="0"/>
-                <a:ea typeface="Roboto" panose="02000000000000000000" pitchFamily="2" charset="0"/>
-              </a:rPr>
-              <a:t>, </a:t>
-            </a:r>
-            <a:r>
-              <a:rPr lang="en-US" sz="4800" strike="sngStrike" dirty="0">
-                <a:solidFill>
-                  <a:schemeClr val="accent2">
-                    <a:lumMod val="75000"/>
-                  </a:schemeClr>
-                </a:solidFill>
-                <a:latin typeface="Roboto" panose="02000000000000000000" pitchFamily="2" charset="0"/>
-                <a:ea typeface="Roboto" panose="02000000000000000000" pitchFamily="2" charset="0"/>
-              </a:rPr>
-              <a:t>false</a:t>
-            </a:r>
-            <a:r>
-              <a:rPr lang="en-US" sz="4800" strike="sngStrike" dirty="0" smtClean="0">
-                <a:latin typeface="Roboto" panose="02000000000000000000" pitchFamily="2" charset="0"/>
-                <a:ea typeface="Roboto" panose="02000000000000000000" pitchFamily="2" charset="0"/>
-              </a:rPr>
-              <a:t>}</a:t>
-            </a:r>
-          </a:p>
-          <a:p>
-            <a:r>
-              <a:rPr lang="en-US" sz="4800" dirty="0">
-                <a:latin typeface="Roboto" panose="02000000000000000000" pitchFamily="2" charset="0"/>
-                <a:ea typeface="Roboto" panose="02000000000000000000" pitchFamily="2" charset="0"/>
-              </a:rPr>
-              <a:t>{</a:t>
-            </a:r>
-            <a:r>
-              <a:rPr lang="en-US" sz="4800" dirty="0" smtClean="0">
-                <a:solidFill>
-                  <a:schemeClr val="accent2">
-                    <a:lumMod val="75000"/>
-                  </a:schemeClr>
-                </a:solidFill>
-                <a:latin typeface="Roboto" panose="02000000000000000000" pitchFamily="2" charset="0"/>
-                <a:ea typeface="Roboto" panose="02000000000000000000" pitchFamily="2" charset="0"/>
-              </a:rPr>
-              <a:t>true</a:t>
-            </a:r>
-            <a:r>
-              <a:rPr lang="en-US" sz="4800" dirty="0" smtClean="0">
-                <a:latin typeface="Roboto" panose="02000000000000000000" pitchFamily="2" charset="0"/>
-                <a:ea typeface="Roboto" panose="02000000000000000000" pitchFamily="2" charset="0"/>
-              </a:rPr>
-              <a:t>, </a:t>
-            </a:r>
-            <a:r>
-              <a:rPr lang="en-US" sz="4800" dirty="0">
-                <a:solidFill>
-                  <a:schemeClr val="accent2">
-                    <a:lumMod val="75000"/>
-                  </a:schemeClr>
-                </a:solidFill>
-                <a:latin typeface="Roboto" panose="02000000000000000000" pitchFamily="2" charset="0"/>
-                <a:ea typeface="Roboto" panose="02000000000000000000" pitchFamily="2" charset="0"/>
-              </a:rPr>
-              <a:t>false</a:t>
-            </a:r>
-            <a:r>
-              <a:rPr lang="en-US" sz="4800" dirty="0" smtClean="0">
-                <a:latin typeface="Roboto" panose="02000000000000000000" pitchFamily="2" charset="0"/>
-                <a:ea typeface="Roboto" panose="02000000000000000000" pitchFamily="2" charset="0"/>
-              </a:rPr>
-              <a:t>}</a:t>
-            </a:r>
-          </a:p>
-          <a:p>
-            <a:r>
-              <a:rPr lang="en-US" sz="4800" dirty="0" smtClean="0">
-                <a:latin typeface="Roboto" panose="02000000000000000000" pitchFamily="2" charset="0"/>
-                <a:ea typeface="Roboto" panose="02000000000000000000" pitchFamily="2" charset="0"/>
-              </a:rPr>
-              <a:t>{</a:t>
-            </a:r>
-            <a:r>
-              <a:rPr lang="en-US" sz="4800" dirty="0" smtClean="0">
-                <a:solidFill>
-                  <a:schemeClr val="accent2">
-                    <a:lumMod val="75000"/>
-                  </a:schemeClr>
-                </a:solidFill>
-                <a:latin typeface="Roboto" panose="02000000000000000000" pitchFamily="2" charset="0"/>
-                <a:ea typeface="Roboto" panose="02000000000000000000" pitchFamily="2" charset="0"/>
-              </a:rPr>
-              <a:t>false</a:t>
-            </a:r>
-            <a:r>
-              <a:rPr lang="en-US" sz="4800" dirty="0" smtClean="0">
-                <a:latin typeface="Roboto" panose="02000000000000000000" pitchFamily="2" charset="0"/>
-                <a:ea typeface="Roboto" panose="02000000000000000000" pitchFamily="2" charset="0"/>
-              </a:rPr>
-              <a:t>, </a:t>
-            </a:r>
-            <a:r>
-              <a:rPr lang="en-US" sz="4800" dirty="0" smtClean="0">
-                <a:solidFill>
-                  <a:schemeClr val="accent2">
-                    <a:lumMod val="75000"/>
-                  </a:schemeClr>
-                </a:solidFill>
-                <a:latin typeface="Roboto" panose="02000000000000000000" pitchFamily="2" charset="0"/>
-                <a:ea typeface="Roboto" panose="02000000000000000000" pitchFamily="2" charset="0"/>
-              </a:rPr>
-              <a:t>true</a:t>
-            </a:r>
-            <a:r>
-              <a:rPr lang="en-US" sz="4800" dirty="0" smtClean="0">
-                <a:latin typeface="Roboto" panose="02000000000000000000" pitchFamily="2" charset="0"/>
-                <a:ea typeface="Roboto" panose="02000000000000000000" pitchFamily="2" charset="0"/>
-              </a:rPr>
-              <a:t>}</a:t>
+              <a:t>2</a:t>
             </a:r>
             <a:endParaRPr lang="en-US" sz="4800" dirty="0">
               <a:latin typeface="Roboto" panose="02000000000000000000" pitchFamily="2" charset="0"/>
@@ -27104,10 +29395,683 @@
           </a:p>
         </p:txBody>
       </p:sp>
+      <p:sp>
+        <p:nvSpPr>
+          <p:cNvPr id="3" name="Прямоугольник 2"/>
+          <p:cNvSpPr/>
+          <p:nvPr/>
+        </p:nvSpPr>
+        <p:spPr>
+          <a:xfrm>
+            <a:off x="3809958" y="742063"/>
+            <a:ext cx="4572085" cy="830997"/>
+          </a:xfrm>
+          <a:prstGeom prst="rect">
+            <a:avLst/>
+          </a:prstGeom>
+        </p:spPr>
+        <p:txBody>
+          <a:bodyPr wrap="none">
+            <a:spAutoFit/>
+          </a:bodyPr>
+          <a:lstStyle/>
+          <a:p>
+            <a:r>
+              <a:rPr lang="en-US" sz="4800" dirty="0" smtClean="0">
+                <a:latin typeface="Roboto" panose="02000000000000000000" pitchFamily="2" charset="0"/>
+                <a:ea typeface="Roboto" panose="02000000000000000000" pitchFamily="2" charset="0"/>
+              </a:rPr>
+              <a:t>PRODUCT TYPE</a:t>
+            </a:r>
+            <a:endParaRPr lang="en-US" sz="4800" dirty="0"/>
+          </a:p>
+        </p:txBody>
+      </p:sp>
     </p:spTree>
     <p:extLst>
       <p:ext uri="{BB962C8B-B14F-4D97-AF65-F5344CB8AC3E}">
-        <p14:creationId xmlns:p14="http://schemas.microsoft.com/office/powerpoint/2010/main" val="1573940309"/>
+        <p14:creationId xmlns:p14="http://schemas.microsoft.com/office/powerpoint/2010/main" val="3489909302"/>
+      </p:ext>
+    </p:extLst>
+  </p:cSld>
+  <p:clrMapOvr>
+    <a:masterClrMapping/>
+  </p:clrMapOvr>
+  <p:timing>
+    <p:tnLst>
+      <p:par>
+        <p:cTn id="1" dur="indefinite" restart="never" nodeType="tmRoot"/>
+      </p:par>
+    </p:tnLst>
+  </p:timing>
+</p:sld>
+</file>
+
+<file path=ppt/slides/slide84.xml><?xml version="1.0" encoding="utf-8"?>
+<p:sld xmlns:a="http://schemas.openxmlformats.org/drawingml/2006/main" xmlns:r="http://schemas.openxmlformats.org/officeDocument/2006/relationships" xmlns:p="http://schemas.openxmlformats.org/presentationml/2006/main">
+  <p:cSld>
+    <p:spTree>
+      <p:nvGrpSpPr>
+        <p:cNvPr id="1" name=""/>
+        <p:cNvGrpSpPr/>
+        <p:nvPr/>
+      </p:nvGrpSpPr>
+      <p:grpSpPr>
+        <a:xfrm>
+          <a:off x="0" y="0"/>
+          <a:ext cx="0" cy="0"/>
+          <a:chOff x="0" y="0"/>
+          <a:chExt cx="0" cy="0"/>
+        </a:xfrm>
+      </p:grpSpPr>
+      <p:sp>
+        <p:nvSpPr>
+          <p:cNvPr id="2" name="Прямоугольник 1"/>
+          <p:cNvSpPr/>
+          <p:nvPr/>
+        </p:nvSpPr>
+        <p:spPr>
+          <a:xfrm>
+            <a:off x="4905610" y="3013502"/>
+            <a:ext cx="2380780" cy="830997"/>
+          </a:xfrm>
+          <a:prstGeom prst="rect">
+            <a:avLst/>
+          </a:prstGeom>
+        </p:spPr>
+        <p:txBody>
+          <a:bodyPr wrap="none">
+            <a:spAutoFit/>
+          </a:bodyPr>
+          <a:lstStyle/>
+          <a:p>
+            <a:r>
+              <a:rPr lang="en-US" sz="4800" dirty="0" err="1" smtClean="0">
+                <a:solidFill>
+                  <a:schemeClr val="accent2">
+                    <a:lumMod val="75000"/>
+                  </a:schemeClr>
+                </a:solidFill>
+                <a:latin typeface="Roboto" panose="02000000000000000000" pitchFamily="2" charset="0"/>
+                <a:ea typeface="Roboto" panose="02000000000000000000" pitchFamily="2" charset="0"/>
+              </a:rPr>
+              <a:t>boolean</a:t>
+            </a:r>
+            <a:endParaRPr lang="en-US" sz="4800" dirty="0">
+              <a:latin typeface="Roboto" panose="02000000000000000000" pitchFamily="2" charset="0"/>
+              <a:ea typeface="Roboto" panose="02000000000000000000" pitchFamily="2" charset="0"/>
+            </a:endParaRPr>
+          </a:p>
+        </p:txBody>
+      </p:sp>
+    </p:spTree>
+    <p:extLst>
+      <p:ext uri="{BB962C8B-B14F-4D97-AF65-F5344CB8AC3E}">
+        <p14:creationId xmlns:p14="http://schemas.microsoft.com/office/powerpoint/2010/main" val="2876450575"/>
+      </p:ext>
+    </p:extLst>
+  </p:cSld>
+  <p:clrMapOvr>
+    <a:masterClrMapping/>
+  </p:clrMapOvr>
+  <p:timing>
+    <p:tnLst>
+      <p:par>
+        <p:cTn id="1" dur="indefinite" restart="never" nodeType="tmRoot"/>
+      </p:par>
+    </p:tnLst>
+  </p:timing>
+</p:sld>
+</file>
+
+<file path=ppt/slides/slide85.xml><?xml version="1.0" encoding="utf-8"?>
+<p:sld xmlns:a="http://schemas.openxmlformats.org/drawingml/2006/main" xmlns:r="http://schemas.openxmlformats.org/officeDocument/2006/relationships" xmlns:p="http://schemas.openxmlformats.org/presentationml/2006/main">
+  <p:cSld>
+    <p:spTree>
+      <p:nvGrpSpPr>
+        <p:cNvPr id="1" name=""/>
+        <p:cNvGrpSpPr/>
+        <p:nvPr/>
+      </p:nvGrpSpPr>
+      <p:grpSpPr>
+        <a:xfrm>
+          <a:off x="0" y="0"/>
+          <a:ext cx="0" cy="0"/>
+          <a:chOff x="0" y="0"/>
+          <a:chExt cx="0" cy="0"/>
+        </a:xfrm>
+      </p:grpSpPr>
+      <p:sp>
+        <p:nvSpPr>
+          <p:cNvPr id="2" name="Прямоугольник 1"/>
+          <p:cNvSpPr/>
+          <p:nvPr/>
+        </p:nvSpPr>
+        <p:spPr>
+          <a:xfrm>
+            <a:off x="4568980" y="3013502"/>
+            <a:ext cx="3054041" cy="830997"/>
+          </a:xfrm>
+          <a:prstGeom prst="rect">
+            <a:avLst/>
+          </a:prstGeom>
+        </p:spPr>
+        <p:txBody>
+          <a:bodyPr wrap="none">
+            <a:spAutoFit/>
+          </a:bodyPr>
+          <a:lstStyle/>
+          <a:p>
+            <a:r>
+              <a:rPr lang="en-US" sz="4800" dirty="0" smtClean="0">
+                <a:solidFill>
+                  <a:schemeClr val="accent2">
+                    <a:lumMod val="75000"/>
+                  </a:schemeClr>
+                </a:solidFill>
+                <a:latin typeface="Roboto" panose="02000000000000000000" pitchFamily="2" charset="0"/>
+                <a:ea typeface="Roboto" panose="02000000000000000000" pitchFamily="2" charset="0"/>
+              </a:rPr>
+              <a:t>true </a:t>
+            </a:r>
+            <a:r>
+              <a:rPr lang="en-US" sz="4800" dirty="0" smtClean="0">
+                <a:latin typeface="Roboto" panose="02000000000000000000" pitchFamily="2" charset="0"/>
+                <a:ea typeface="Roboto" panose="02000000000000000000" pitchFamily="2" charset="0"/>
+              </a:rPr>
+              <a:t>|</a:t>
+            </a:r>
+            <a:r>
+              <a:rPr lang="en-US" sz="4800" dirty="0" smtClean="0">
+                <a:solidFill>
+                  <a:schemeClr val="accent2">
+                    <a:lumMod val="75000"/>
+                  </a:schemeClr>
+                </a:solidFill>
+                <a:latin typeface="Roboto" panose="02000000000000000000" pitchFamily="2" charset="0"/>
+                <a:ea typeface="Roboto" panose="02000000000000000000" pitchFamily="2" charset="0"/>
+              </a:rPr>
+              <a:t> false</a:t>
+            </a:r>
+            <a:endParaRPr lang="en-US" sz="4800" dirty="0">
+              <a:latin typeface="Roboto" panose="02000000000000000000" pitchFamily="2" charset="0"/>
+              <a:ea typeface="Roboto" panose="02000000000000000000" pitchFamily="2" charset="0"/>
+            </a:endParaRPr>
+          </a:p>
+        </p:txBody>
+      </p:sp>
+    </p:spTree>
+    <p:extLst>
+      <p:ext uri="{BB962C8B-B14F-4D97-AF65-F5344CB8AC3E}">
+        <p14:creationId xmlns:p14="http://schemas.microsoft.com/office/powerpoint/2010/main" val="1891315864"/>
+      </p:ext>
+    </p:extLst>
+  </p:cSld>
+  <p:clrMapOvr>
+    <a:masterClrMapping/>
+  </p:clrMapOvr>
+  <p:timing>
+    <p:tnLst>
+      <p:par>
+        <p:cTn id="1" dur="indefinite" restart="never" nodeType="tmRoot"/>
+      </p:par>
+    </p:tnLst>
+  </p:timing>
+</p:sld>
+</file>
+
+<file path=ppt/slides/slide86.xml><?xml version="1.0" encoding="utf-8"?>
+<p:sld xmlns:a="http://schemas.openxmlformats.org/drawingml/2006/main" xmlns:r="http://schemas.openxmlformats.org/officeDocument/2006/relationships" xmlns:p="http://schemas.openxmlformats.org/presentationml/2006/main">
+  <p:cSld>
+    <p:spTree>
+      <p:nvGrpSpPr>
+        <p:cNvPr id="1" name=""/>
+        <p:cNvGrpSpPr/>
+        <p:nvPr/>
+      </p:nvGrpSpPr>
+      <p:grpSpPr>
+        <a:xfrm>
+          <a:off x="0" y="0"/>
+          <a:ext cx="0" cy="0"/>
+          <a:chOff x="0" y="0"/>
+          <a:chExt cx="0" cy="0"/>
+        </a:xfrm>
+      </p:grpSpPr>
+      <p:sp>
+        <p:nvSpPr>
+          <p:cNvPr id="2" name="Прямоугольник 1"/>
+          <p:cNvSpPr/>
+          <p:nvPr/>
+        </p:nvSpPr>
+        <p:spPr>
+          <a:xfrm>
+            <a:off x="5429792" y="3013502"/>
+            <a:ext cx="1332416" cy="830997"/>
+          </a:xfrm>
+          <a:prstGeom prst="rect">
+            <a:avLst/>
+          </a:prstGeom>
+        </p:spPr>
+        <p:txBody>
+          <a:bodyPr wrap="none">
+            <a:spAutoFit/>
+          </a:bodyPr>
+          <a:lstStyle/>
+          <a:p>
+            <a:r>
+              <a:rPr lang="en-US" sz="4800" dirty="0" smtClean="0">
+                <a:solidFill>
+                  <a:schemeClr val="accent2">
+                    <a:lumMod val="75000"/>
+                  </a:schemeClr>
+                </a:solidFill>
+                <a:latin typeface="Roboto" panose="02000000000000000000" pitchFamily="2" charset="0"/>
+                <a:ea typeface="Roboto" panose="02000000000000000000" pitchFamily="2" charset="0"/>
+              </a:rPr>
+              <a:t>1 </a:t>
+            </a:r>
+            <a:r>
+              <a:rPr lang="en-US" sz="4800" dirty="0" smtClean="0">
+                <a:latin typeface="Roboto" panose="02000000000000000000" pitchFamily="2" charset="0"/>
+                <a:ea typeface="Roboto" panose="02000000000000000000" pitchFamily="2" charset="0"/>
+              </a:rPr>
+              <a:t>|</a:t>
+            </a:r>
+            <a:r>
+              <a:rPr lang="en-US" sz="4800" dirty="0" smtClean="0">
+                <a:solidFill>
+                  <a:schemeClr val="accent2">
+                    <a:lumMod val="75000"/>
+                  </a:schemeClr>
+                </a:solidFill>
+                <a:latin typeface="Roboto" panose="02000000000000000000" pitchFamily="2" charset="0"/>
+                <a:ea typeface="Roboto" panose="02000000000000000000" pitchFamily="2" charset="0"/>
+              </a:rPr>
+              <a:t> 1</a:t>
+            </a:r>
+            <a:endParaRPr lang="en-US" sz="4800" dirty="0">
+              <a:latin typeface="Roboto" panose="02000000000000000000" pitchFamily="2" charset="0"/>
+              <a:ea typeface="Roboto" panose="02000000000000000000" pitchFamily="2" charset="0"/>
+            </a:endParaRPr>
+          </a:p>
+        </p:txBody>
+      </p:sp>
+    </p:spTree>
+    <p:extLst>
+      <p:ext uri="{BB962C8B-B14F-4D97-AF65-F5344CB8AC3E}">
+        <p14:creationId xmlns:p14="http://schemas.microsoft.com/office/powerpoint/2010/main" val="1813069052"/>
+      </p:ext>
+    </p:extLst>
+  </p:cSld>
+  <p:clrMapOvr>
+    <a:masterClrMapping/>
+  </p:clrMapOvr>
+  <p:timing>
+    <p:tnLst>
+      <p:par>
+        <p:cTn id="1" dur="indefinite" restart="never" nodeType="tmRoot"/>
+      </p:par>
+    </p:tnLst>
+  </p:timing>
+</p:sld>
+</file>
+
+<file path=ppt/slides/slide87.xml><?xml version="1.0" encoding="utf-8"?>
+<p:sld xmlns:a="http://schemas.openxmlformats.org/drawingml/2006/main" xmlns:r="http://schemas.openxmlformats.org/officeDocument/2006/relationships" xmlns:p="http://schemas.openxmlformats.org/presentationml/2006/main">
+  <p:cSld>
+    <p:spTree>
+      <p:nvGrpSpPr>
+        <p:cNvPr id="1" name=""/>
+        <p:cNvGrpSpPr/>
+        <p:nvPr/>
+      </p:nvGrpSpPr>
+      <p:grpSpPr>
+        <a:xfrm>
+          <a:off x="0" y="0"/>
+          <a:ext cx="0" cy="0"/>
+          <a:chOff x="0" y="0"/>
+          <a:chExt cx="0" cy="0"/>
+        </a:xfrm>
+      </p:grpSpPr>
+      <p:sp>
+        <p:nvSpPr>
+          <p:cNvPr id="2" name="Прямоугольник 1"/>
+          <p:cNvSpPr/>
+          <p:nvPr/>
+        </p:nvSpPr>
+        <p:spPr>
+          <a:xfrm>
+            <a:off x="5330406" y="3013502"/>
+            <a:ext cx="1531188" cy="830997"/>
+          </a:xfrm>
+          <a:prstGeom prst="rect">
+            <a:avLst/>
+          </a:prstGeom>
+        </p:spPr>
+        <p:txBody>
+          <a:bodyPr wrap="none">
+            <a:spAutoFit/>
+          </a:bodyPr>
+          <a:lstStyle/>
+          <a:p>
+            <a:r>
+              <a:rPr lang="en-US" sz="4800" dirty="0" smtClean="0">
+                <a:solidFill>
+                  <a:schemeClr val="accent2">
+                    <a:lumMod val="75000"/>
+                  </a:schemeClr>
+                </a:solidFill>
+                <a:latin typeface="Roboto" panose="02000000000000000000" pitchFamily="2" charset="0"/>
+                <a:ea typeface="Roboto" panose="02000000000000000000" pitchFamily="2" charset="0"/>
+              </a:rPr>
+              <a:t>1 </a:t>
+            </a:r>
+            <a:r>
+              <a:rPr lang="en-US" sz="4800" dirty="0" smtClean="0">
+                <a:latin typeface="Roboto" panose="02000000000000000000" pitchFamily="2" charset="0"/>
+                <a:ea typeface="Roboto" panose="02000000000000000000" pitchFamily="2" charset="0"/>
+              </a:rPr>
+              <a:t>+</a:t>
+            </a:r>
+            <a:r>
+              <a:rPr lang="en-US" sz="4800" dirty="0" smtClean="0">
+                <a:solidFill>
+                  <a:schemeClr val="accent2">
+                    <a:lumMod val="75000"/>
+                  </a:schemeClr>
+                </a:solidFill>
+                <a:latin typeface="Roboto" panose="02000000000000000000" pitchFamily="2" charset="0"/>
+                <a:ea typeface="Roboto" panose="02000000000000000000" pitchFamily="2" charset="0"/>
+              </a:rPr>
+              <a:t> 1</a:t>
+            </a:r>
+            <a:endParaRPr lang="en-US" sz="4800" dirty="0">
+              <a:latin typeface="Roboto" panose="02000000000000000000" pitchFamily="2" charset="0"/>
+              <a:ea typeface="Roboto" panose="02000000000000000000" pitchFamily="2" charset="0"/>
+            </a:endParaRPr>
+          </a:p>
+        </p:txBody>
+      </p:sp>
+      <p:sp>
+        <p:nvSpPr>
+          <p:cNvPr id="3" name="Прямоугольник 2"/>
+          <p:cNvSpPr/>
+          <p:nvPr/>
+        </p:nvSpPr>
+        <p:spPr>
+          <a:xfrm>
+            <a:off x="4539324" y="742063"/>
+            <a:ext cx="3113353" cy="830997"/>
+          </a:xfrm>
+          <a:prstGeom prst="rect">
+            <a:avLst/>
+          </a:prstGeom>
+        </p:spPr>
+        <p:txBody>
+          <a:bodyPr wrap="none">
+            <a:spAutoFit/>
+          </a:bodyPr>
+          <a:lstStyle/>
+          <a:p>
+            <a:r>
+              <a:rPr lang="en-US" sz="4800" dirty="0" smtClean="0">
+                <a:latin typeface="Roboto" panose="02000000000000000000" pitchFamily="2" charset="0"/>
+                <a:ea typeface="Roboto" panose="02000000000000000000" pitchFamily="2" charset="0"/>
+              </a:rPr>
+              <a:t>SUM TYPE</a:t>
+            </a:r>
+            <a:endParaRPr lang="en-US" sz="4800" dirty="0"/>
+          </a:p>
+        </p:txBody>
+      </p:sp>
+    </p:spTree>
+    <p:extLst>
+      <p:ext uri="{BB962C8B-B14F-4D97-AF65-F5344CB8AC3E}">
+        <p14:creationId xmlns:p14="http://schemas.microsoft.com/office/powerpoint/2010/main" val="976509211"/>
+      </p:ext>
+    </p:extLst>
+  </p:cSld>
+  <p:clrMapOvr>
+    <a:masterClrMapping/>
+  </p:clrMapOvr>
+  <p:timing>
+    <p:tnLst>
+      <p:par>
+        <p:cTn id="1" dur="indefinite" restart="never" nodeType="tmRoot"/>
+      </p:par>
+    </p:tnLst>
+  </p:timing>
+</p:sld>
+</file>
+
+<file path=ppt/slides/slide88.xml><?xml version="1.0" encoding="utf-8"?>
+<p:sld xmlns:a="http://schemas.openxmlformats.org/drawingml/2006/main" xmlns:r="http://schemas.openxmlformats.org/officeDocument/2006/relationships" xmlns:p="http://schemas.openxmlformats.org/presentationml/2006/main">
+  <p:cSld>
+    <p:spTree>
+      <p:nvGrpSpPr>
+        <p:cNvPr id="1" name=""/>
+        <p:cNvGrpSpPr/>
+        <p:nvPr/>
+      </p:nvGrpSpPr>
+      <p:grpSpPr>
+        <a:xfrm>
+          <a:off x="0" y="0"/>
+          <a:ext cx="0" cy="0"/>
+          <a:chOff x="0" y="0"/>
+          <a:chExt cx="0" cy="0"/>
+        </a:xfrm>
+      </p:grpSpPr>
+      <p:sp>
+        <p:nvSpPr>
+          <p:cNvPr id="2" name="Прямоугольник 1"/>
+          <p:cNvSpPr/>
+          <p:nvPr/>
+        </p:nvSpPr>
+        <p:spPr>
+          <a:xfrm>
+            <a:off x="3612788" y="3013502"/>
+            <a:ext cx="4966424" cy="830997"/>
+          </a:xfrm>
+          <a:prstGeom prst="rect">
+            <a:avLst/>
+          </a:prstGeom>
+        </p:spPr>
+        <p:txBody>
+          <a:bodyPr wrap="none">
+            <a:spAutoFit/>
+          </a:bodyPr>
+          <a:lstStyle/>
+          <a:p>
+            <a:r>
+              <a:rPr lang="en-US" sz="4800" dirty="0" smtClean="0">
+                <a:latin typeface="Roboto" panose="02000000000000000000" pitchFamily="2" charset="0"/>
+                <a:ea typeface="Roboto" panose="02000000000000000000" pitchFamily="2" charset="0"/>
+              </a:rPr>
+              <a:t>Maybe&lt;</a:t>
+            </a:r>
+            <a:r>
+              <a:rPr lang="en-US" sz="4800" dirty="0" smtClean="0">
+                <a:solidFill>
+                  <a:schemeClr val="accent2">
+                    <a:lumMod val="75000"/>
+                  </a:schemeClr>
+                </a:solidFill>
+                <a:latin typeface="Roboto" panose="02000000000000000000" pitchFamily="2" charset="0"/>
+                <a:ea typeface="Roboto" panose="02000000000000000000" pitchFamily="2" charset="0"/>
+              </a:rPr>
+              <a:t>a</a:t>
+            </a:r>
+            <a:r>
+              <a:rPr lang="en-US" sz="4800" dirty="0" smtClean="0">
+                <a:latin typeface="Roboto" panose="02000000000000000000" pitchFamily="2" charset="0"/>
+                <a:ea typeface="Roboto" panose="02000000000000000000" pitchFamily="2" charset="0"/>
+              </a:rPr>
+              <a:t>&gt;</a:t>
+            </a:r>
+            <a:r>
+              <a:rPr lang="en-US" sz="4800" dirty="0" smtClean="0">
+                <a:solidFill>
+                  <a:schemeClr val="accent2">
+                    <a:lumMod val="75000"/>
+                  </a:schemeClr>
+                </a:solidFill>
+                <a:latin typeface="Roboto" panose="02000000000000000000" pitchFamily="2" charset="0"/>
+                <a:ea typeface="Roboto" panose="02000000000000000000" pitchFamily="2" charset="0"/>
+              </a:rPr>
+              <a:t> = 1 </a:t>
+            </a:r>
+            <a:r>
+              <a:rPr lang="en-US" sz="4800" dirty="0" smtClean="0">
+                <a:latin typeface="Roboto" panose="02000000000000000000" pitchFamily="2" charset="0"/>
+                <a:ea typeface="Roboto" panose="02000000000000000000" pitchFamily="2" charset="0"/>
+              </a:rPr>
+              <a:t>+ </a:t>
+            </a:r>
+            <a:r>
+              <a:rPr lang="en-US" sz="4800" dirty="0" smtClean="0">
+                <a:solidFill>
+                  <a:schemeClr val="accent2">
+                    <a:lumMod val="75000"/>
+                  </a:schemeClr>
+                </a:solidFill>
+                <a:latin typeface="Roboto" panose="02000000000000000000" pitchFamily="2" charset="0"/>
+                <a:ea typeface="Roboto" panose="02000000000000000000" pitchFamily="2" charset="0"/>
+              </a:rPr>
+              <a:t>a</a:t>
+            </a:r>
+            <a:endParaRPr lang="en-US" sz="4800" dirty="0">
+              <a:latin typeface="Roboto" panose="02000000000000000000" pitchFamily="2" charset="0"/>
+              <a:ea typeface="Roboto" panose="02000000000000000000" pitchFamily="2" charset="0"/>
+            </a:endParaRPr>
+          </a:p>
+        </p:txBody>
+      </p:sp>
+    </p:spTree>
+    <p:extLst>
+      <p:ext uri="{BB962C8B-B14F-4D97-AF65-F5344CB8AC3E}">
+        <p14:creationId xmlns:p14="http://schemas.microsoft.com/office/powerpoint/2010/main" val="2452991763"/>
+      </p:ext>
+    </p:extLst>
+  </p:cSld>
+  <p:clrMapOvr>
+    <a:masterClrMapping/>
+  </p:clrMapOvr>
+  <p:timing>
+    <p:tnLst>
+      <p:par>
+        <p:cTn id="1" dur="indefinite" restart="never" nodeType="tmRoot"/>
+      </p:par>
+    </p:tnLst>
+  </p:timing>
+</p:sld>
+</file>
+
+<file path=ppt/slides/slide89.xml><?xml version="1.0" encoding="utf-8"?>
+<p:sld xmlns:a="http://schemas.openxmlformats.org/drawingml/2006/main" xmlns:r="http://schemas.openxmlformats.org/officeDocument/2006/relationships" xmlns:p="http://schemas.openxmlformats.org/presentationml/2006/main">
+  <p:cSld>
+    <p:spTree>
+      <p:nvGrpSpPr>
+        <p:cNvPr id="1" name=""/>
+        <p:cNvGrpSpPr/>
+        <p:nvPr/>
+      </p:nvGrpSpPr>
+      <p:grpSpPr>
+        <a:xfrm>
+          <a:off x="0" y="0"/>
+          <a:ext cx="0" cy="0"/>
+          <a:chOff x="0" y="0"/>
+          <a:chExt cx="0" cy="0"/>
+        </a:xfrm>
+      </p:grpSpPr>
+      <p:sp>
+        <p:nvSpPr>
+          <p:cNvPr id="2" name="Прямоугольник 1"/>
+          <p:cNvSpPr/>
+          <p:nvPr/>
+        </p:nvSpPr>
+        <p:spPr>
+          <a:xfrm>
+            <a:off x="4665961" y="3013502"/>
+            <a:ext cx="2860078" cy="830997"/>
+          </a:xfrm>
+          <a:prstGeom prst="rect">
+            <a:avLst/>
+          </a:prstGeom>
+        </p:spPr>
+        <p:txBody>
+          <a:bodyPr wrap="none">
+            <a:spAutoFit/>
+          </a:bodyPr>
+          <a:lstStyle/>
+          <a:p>
+            <a:r>
+              <a:rPr lang="en-US" sz="4800" dirty="0" smtClean="0">
+                <a:solidFill>
+                  <a:schemeClr val="accent2">
+                    <a:lumMod val="75000"/>
+                  </a:schemeClr>
+                </a:solidFill>
+                <a:latin typeface="Roboto" panose="02000000000000000000" pitchFamily="2" charset="0"/>
+                <a:ea typeface="Roboto" panose="02000000000000000000" pitchFamily="2" charset="0"/>
+              </a:rPr>
+              <a:t>1 </a:t>
+            </a:r>
+            <a:r>
+              <a:rPr lang="en-US" sz="4800" dirty="0" smtClean="0">
+                <a:latin typeface="Roboto" panose="02000000000000000000" pitchFamily="2" charset="0"/>
+                <a:ea typeface="Roboto" panose="02000000000000000000" pitchFamily="2" charset="0"/>
+              </a:rPr>
+              <a:t>+ (</a:t>
+            </a:r>
+            <a:r>
+              <a:rPr lang="en-US" sz="4800" dirty="0">
+                <a:solidFill>
+                  <a:schemeClr val="accent2">
+                    <a:lumMod val="75000"/>
+                  </a:schemeClr>
+                </a:solidFill>
+                <a:latin typeface="Roboto" panose="02000000000000000000" pitchFamily="2" charset="0"/>
+                <a:ea typeface="Roboto" panose="02000000000000000000" pitchFamily="2" charset="0"/>
+              </a:rPr>
+              <a:t>1</a:t>
+            </a:r>
+            <a:r>
+              <a:rPr lang="en-US" sz="4800" dirty="0" smtClean="0">
+                <a:latin typeface="Roboto" panose="02000000000000000000" pitchFamily="2" charset="0"/>
+                <a:ea typeface="Roboto" panose="02000000000000000000" pitchFamily="2" charset="0"/>
+              </a:rPr>
+              <a:t> * </a:t>
+            </a:r>
+            <a:r>
+              <a:rPr lang="en-US" sz="4800" dirty="0" smtClean="0">
+                <a:solidFill>
+                  <a:schemeClr val="accent2">
+                    <a:lumMod val="75000"/>
+                  </a:schemeClr>
+                </a:solidFill>
+                <a:latin typeface="Roboto" panose="02000000000000000000" pitchFamily="2" charset="0"/>
+                <a:ea typeface="Roboto" panose="02000000000000000000" pitchFamily="2" charset="0"/>
+              </a:rPr>
+              <a:t>a</a:t>
+            </a:r>
+            <a:r>
+              <a:rPr lang="en-US" sz="4800" dirty="0" smtClean="0">
+                <a:latin typeface="Roboto" panose="02000000000000000000" pitchFamily="2" charset="0"/>
+                <a:ea typeface="Roboto" panose="02000000000000000000" pitchFamily="2" charset="0"/>
+              </a:rPr>
+              <a:t>)</a:t>
+            </a:r>
+            <a:endParaRPr lang="en-US" sz="4800" dirty="0">
+              <a:latin typeface="Roboto" panose="02000000000000000000" pitchFamily="2" charset="0"/>
+              <a:ea typeface="Roboto" panose="02000000000000000000" pitchFamily="2" charset="0"/>
+            </a:endParaRPr>
+          </a:p>
+        </p:txBody>
+      </p:sp>
+    </p:spTree>
+    <p:extLst>
+      <p:ext uri="{BB962C8B-B14F-4D97-AF65-F5344CB8AC3E}">
+        <p14:creationId xmlns:p14="http://schemas.microsoft.com/office/powerpoint/2010/main" val="352242249"/>
       </p:ext>
     </p:extLst>
   </p:cSld>
@@ -27542,6 +30506,718 @@
     <p:extLst>
       <p:ext uri="{BB962C8B-B14F-4D97-AF65-F5344CB8AC3E}">
         <p14:creationId xmlns:p14="http://schemas.microsoft.com/office/powerpoint/2010/main" val="387794108"/>
+      </p:ext>
+    </p:extLst>
+  </p:cSld>
+  <p:clrMapOvr>
+    <a:masterClrMapping/>
+  </p:clrMapOvr>
+  <p:timing>
+    <p:tnLst>
+      <p:par>
+        <p:cTn id="1" dur="indefinite" restart="never" nodeType="tmRoot"/>
+      </p:par>
+    </p:tnLst>
+  </p:timing>
+</p:sld>
+</file>
+
+<file path=ppt/slides/slide90.xml><?xml version="1.0" encoding="utf-8"?>
+<p:sld xmlns:a="http://schemas.openxmlformats.org/drawingml/2006/main" xmlns:r="http://schemas.openxmlformats.org/officeDocument/2006/relationships" xmlns:p="http://schemas.openxmlformats.org/presentationml/2006/main">
+  <p:cSld>
+    <p:spTree>
+      <p:nvGrpSpPr>
+        <p:cNvPr id="1" name=""/>
+        <p:cNvGrpSpPr/>
+        <p:nvPr/>
+      </p:nvGrpSpPr>
+      <p:grpSpPr>
+        <a:xfrm>
+          <a:off x="0" y="0"/>
+          <a:ext cx="0" cy="0"/>
+          <a:chOff x="0" y="0"/>
+          <a:chExt cx="0" cy="0"/>
+        </a:xfrm>
+      </p:grpSpPr>
+      <p:sp>
+        <p:nvSpPr>
+          <p:cNvPr id="2" name="Прямоугольник 1"/>
+          <p:cNvSpPr/>
+          <p:nvPr/>
+        </p:nvSpPr>
+        <p:spPr>
+          <a:xfrm>
+            <a:off x="5336016" y="3013502"/>
+            <a:ext cx="1519968" cy="830997"/>
+          </a:xfrm>
+          <a:prstGeom prst="rect">
+            <a:avLst/>
+          </a:prstGeom>
+        </p:spPr>
+        <p:txBody>
+          <a:bodyPr wrap="none">
+            <a:spAutoFit/>
+          </a:bodyPr>
+          <a:lstStyle/>
+          <a:p>
+            <a:r>
+              <a:rPr lang="en-US" sz="4800" dirty="0" smtClean="0">
+                <a:solidFill>
+                  <a:schemeClr val="accent2">
+                    <a:lumMod val="75000"/>
+                  </a:schemeClr>
+                </a:solidFill>
+                <a:latin typeface="Roboto" panose="02000000000000000000" pitchFamily="2" charset="0"/>
+                <a:ea typeface="Roboto" panose="02000000000000000000" pitchFamily="2" charset="0"/>
+              </a:rPr>
+              <a:t>1 </a:t>
+            </a:r>
+            <a:r>
+              <a:rPr lang="en-US" sz="4800" dirty="0" smtClean="0">
+                <a:latin typeface="Roboto" panose="02000000000000000000" pitchFamily="2" charset="0"/>
+                <a:ea typeface="Roboto" panose="02000000000000000000" pitchFamily="2" charset="0"/>
+              </a:rPr>
+              <a:t>+ </a:t>
+            </a:r>
+            <a:r>
+              <a:rPr lang="en-US" sz="4800" dirty="0" smtClean="0">
+                <a:solidFill>
+                  <a:schemeClr val="accent2">
+                    <a:lumMod val="75000"/>
+                  </a:schemeClr>
+                </a:solidFill>
+                <a:latin typeface="Roboto" panose="02000000000000000000" pitchFamily="2" charset="0"/>
+                <a:ea typeface="Roboto" panose="02000000000000000000" pitchFamily="2" charset="0"/>
+              </a:rPr>
+              <a:t>a</a:t>
+            </a:r>
+            <a:endParaRPr lang="en-US" sz="4800" dirty="0">
+              <a:latin typeface="Roboto" panose="02000000000000000000" pitchFamily="2" charset="0"/>
+              <a:ea typeface="Roboto" panose="02000000000000000000" pitchFamily="2" charset="0"/>
+            </a:endParaRPr>
+          </a:p>
+        </p:txBody>
+      </p:sp>
+    </p:spTree>
+    <p:extLst>
+      <p:ext uri="{BB962C8B-B14F-4D97-AF65-F5344CB8AC3E}">
+        <p14:creationId xmlns:p14="http://schemas.microsoft.com/office/powerpoint/2010/main" val="3052695253"/>
+      </p:ext>
+    </p:extLst>
+  </p:cSld>
+  <p:clrMapOvr>
+    <a:masterClrMapping/>
+  </p:clrMapOvr>
+  <p:timing>
+    <p:tnLst>
+      <p:par>
+        <p:cTn id="1" dur="indefinite" restart="never" nodeType="tmRoot"/>
+      </p:par>
+    </p:tnLst>
+  </p:timing>
+</p:sld>
+</file>
+
+<file path=ppt/slides/slide91.xml><?xml version="1.0" encoding="utf-8"?>
+<p:sld xmlns:a="http://schemas.openxmlformats.org/drawingml/2006/main" xmlns:r="http://schemas.openxmlformats.org/officeDocument/2006/relationships" xmlns:p="http://schemas.openxmlformats.org/presentationml/2006/main">
+  <p:cSld>
+    <p:spTree>
+      <p:nvGrpSpPr>
+        <p:cNvPr id="1" name=""/>
+        <p:cNvGrpSpPr/>
+        <p:nvPr/>
+      </p:nvGrpSpPr>
+      <p:grpSpPr>
+        <a:xfrm>
+          <a:off x="0" y="0"/>
+          <a:ext cx="0" cy="0"/>
+          <a:chOff x="0" y="0"/>
+          <a:chExt cx="0" cy="0"/>
+        </a:xfrm>
+      </p:grpSpPr>
+      <p:sp>
+        <p:nvSpPr>
+          <p:cNvPr id="2" name="Прямоугольник 1"/>
+          <p:cNvSpPr/>
+          <p:nvPr/>
+        </p:nvSpPr>
+        <p:spPr>
+          <a:xfrm>
+            <a:off x="4665961" y="3013502"/>
+            <a:ext cx="3361818" cy="830997"/>
+          </a:xfrm>
+          <a:prstGeom prst="rect">
+            <a:avLst/>
+          </a:prstGeom>
+        </p:spPr>
+        <p:txBody>
+          <a:bodyPr wrap="none">
+            <a:spAutoFit/>
+          </a:bodyPr>
+          <a:lstStyle/>
+          <a:p>
+            <a:r>
+              <a:rPr lang="en-US" sz="4800" dirty="0" smtClean="0">
+                <a:solidFill>
+                  <a:schemeClr val="accent2">
+                    <a:lumMod val="75000"/>
+                  </a:schemeClr>
+                </a:solidFill>
+                <a:latin typeface="Roboto" panose="02000000000000000000" pitchFamily="2" charset="0"/>
+                <a:ea typeface="Roboto" panose="02000000000000000000" pitchFamily="2" charset="0"/>
+              </a:rPr>
+              <a:t>1 </a:t>
+            </a:r>
+            <a:r>
+              <a:rPr lang="en-US" sz="4800" dirty="0" smtClean="0">
+                <a:latin typeface="Roboto" panose="02000000000000000000" pitchFamily="2" charset="0"/>
+                <a:ea typeface="Roboto" panose="02000000000000000000" pitchFamily="2" charset="0"/>
+              </a:rPr>
+              <a:t>*</a:t>
+            </a:r>
+            <a:r>
+              <a:rPr lang="en-US" sz="4800" dirty="0" smtClean="0">
+                <a:solidFill>
+                  <a:schemeClr val="accent2">
+                    <a:lumMod val="75000"/>
+                  </a:schemeClr>
+                </a:solidFill>
+                <a:latin typeface="Roboto" panose="02000000000000000000" pitchFamily="2" charset="0"/>
+                <a:ea typeface="Roboto" panose="02000000000000000000" pitchFamily="2" charset="0"/>
+              </a:rPr>
+              <a:t> 2 </a:t>
+            </a:r>
+            <a:r>
+              <a:rPr lang="en-US" sz="4800" dirty="0" smtClean="0">
+                <a:latin typeface="Roboto" panose="02000000000000000000" pitchFamily="2" charset="0"/>
+                <a:ea typeface="Roboto" panose="02000000000000000000" pitchFamily="2" charset="0"/>
+              </a:rPr>
+              <a:t>+</a:t>
+            </a:r>
+            <a:r>
+              <a:rPr lang="en-US" sz="4800" dirty="0" smtClean="0">
+                <a:solidFill>
+                  <a:schemeClr val="accent2">
+                    <a:lumMod val="75000"/>
+                  </a:schemeClr>
+                </a:solidFill>
+                <a:latin typeface="Roboto" panose="02000000000000000000" pitchFamily="2" charset="0"/>
+                <a:ea typeface="Roboto" panose="02000000000000000000" pitchFamily="2" charset="0"/>
+              </a:rPr>
+              <a:t> 1 </a:t>
+            </a:r>
+            <a:r>
+              <a:rPr lang="en-US" sz="4800" dirty="0" smtClean="0">
+                <a:latin typeface="Roboto" panose="02000000000000000000" pitchFamily="2" charset="0"/>
+                <a:ea typeface="Roboto" panose="02000000000000000000" pitchFamily="2" charset="0"/>
+              </a:rPr>
+              <a:t>*</a:t>
+            </a:r>
+            <a:r>
+              <a:rPr lang="en-US" sz="4800" dirty="0" smtClean="0">
+                <a:solidFill>
+                  <a:schemeClr val="accent2">
+                    <a:lumMod val="75000"/>
+                  </a:schemeClr>
+                </a:solidFill>
+                <a:latin typeface="Roboto" panose="02000000000000000000" pitchFamily="2" charset="0"/>
+                <a:ea typeface="Roboto" panose="02000000000000000000" pitchFamily="2" charset="0"/>
+              </a:rPr>
+              <a:t> 2</a:t>
+            </a:r>
+            <a:endParaRPr lang="en-US" sz="4800" dirty="0">
+              <a:latin typeface="Roboto" panose="02000000000000000000" pitchFamily="2" charset="0"/>
+              <a:ea typeface="Roboto" panose="02000000000000000000" pitchFamily="2" charset="0"/>
+            </a:endParaRPr>
+          </a:p>
+        </p:txBody>
+      </p:sp>
+    </p:spTree>
+    <p:extLst>
+      <p:ext uri="{BB962C8B-B14F-4D97-AF65-F5344CB8AC3E}">
+        <p14:creationId xmlns:p14="http://schemas.microsoft.com/office/powerpoint/2010/main" val="2067345356"/>
+      </p:ext>
+    </p:extLst>
+  </p:cSld>
+  <p:clrMapOvr>
+    <a:masterClrMapping/>
+  </p:clrMapOvr>
+  <p:timing>
+    <p:tnLst>
+      <p:par>
+        <p:cTn id="1" dur="indefinite" restart="never" nodeType="tmRoot"/>
+      </p:par>
+    </p:tnLst>
+  </p:timing>
+</p:sld>
+</file>
+
+<file path=ppt/slides/slide92.xml><?xml version="1.0" encoding="utf-8"?>
+<p:sld xmlns:a="http://schemas.openxmlformats.org/drawingml/2006/main" xmlns:r="http://schemas.openxmlformats.org/officeDocument/2006/relationships" xmlns:p="http://schemas.openxmlformats.org/presentationml/2006/main">
+  <p:cSld>
+    <p:spTree>
+      <p:nvGrpSpPr>
+        <p:cNvPr id="1" name=""/>
+        <p:cNvGrpSpPr/>
+        <p:nvPr/>
+      </p:nvGrpSpPr>
+      <p:grpSpPr>
+        <a:xfrm>
+          <a:off x="0" y="0"/>
+          <a:ext cx="0" cy="0"/>
+          <a:chOff x="0" y="0"/>
+          <a:chExt cx="0" cy="0"/>
+        </a:xfrm>
+      </p:grpSpPr>
+      <p:sp>
+        <p:nvSpPr>
+          <p:cNvPr id="2" name="Прямоугольник 1"/>
+          <p:cNvSpPr/>
+          <p:nvPr/>
+        </p:nvSpPr>
+        <p:spPr>
+          <a:xfrm>
+            <a:off x="4660351" y="3013502"/>
+            <a:ext cx="2871299" cy="830997"/>
+          </a:xfrm>
+          <a:prstGeom prst="rect">
+            <a:avLst/>
+          </a:prstGeom>
+        </p:spPr>
+        <p:txBody>
+          <a:bodyPr wrap="none">
+            <a:spAutoFit/>
+          </a:bodyPr>
+          <a:lstStyle/>
+          <a:p>
+            <a:r>
+              <a:rPr lang="ru-RU" sz="4800" dirty="0" smtClean="0">
+                <a:solidFill>
+                  <a:schemeClr val="accent2">
+                    <a:lumMod val="75000"/>
+                  </a:schemeClr>
+                </a:solidFill>
+                <a:latin typeface="Roboto" panose="02000000000000000000" pitchFamily="2" charset="0"/>
+                <a:ea typeface="Roboto" panose="02000000000000000000" pitchFamily="2" charset="0"/>
+              </a:rPr>
+              <a:t>2 </a:t>
+            </a:r>
+            <a:r>
+              <a:rPr lang="ru-RU" sz="4800" dirty="0" smtClean="0">
+                <a:latin typeface="Roboto" panose="02000000000000000000" pitchFamily="2" charset="0"/>
+                <a:ea typeface="Roboto" panose="02000000000000000000" pitchFamily="2" charset="0"/>
+              </a:rPr>
+              <a:t>*</a:t>
+            </a:r>
+            <a:r>
+              <a:rPr lang="ru-RU" sz="4800" dirty="0" smtClean="0">
+                <a:solidFill>
+                  <a:schemeClr val="accent2">
+                    <a:lumMod val="75000"/>
+                  </a:schemeClr>
+                </a:solidFill>
+                <a:latin typeface="Roboto" panose="02000000000000000000" pitchFamily="2" charset="0"/>
+                <a:ea typeface="Roboto" panose="02000000000000000000" pitchFamily="2" charset="0"/>
+              </a:rPr>
+              <a:t> </a:t>
+            </a:r>
+            <a:r>
+              <a:rPr lang="ru-RU" sz="4800" dirty="0" smtClean="0">
+                <a:latin typeface="Roboto" panose="02000000000000000000" pitchFamily="2" charset="0"/>
+                <a:ea typeface="Roboto" panose="02000000000000000000" pitchFamily="2" charset="0"/>
+              </a:rPr>
+              <a:t>(</a:t>
+            </a:r>
+            <a:r>
+              <a:rPr lang="en-US" sz="4800" dirty="0" smtClean="0">
+                <a:solidFill>
+                  <a:schemeClr val="accent2">
+                    <a:lumMod val="75000"/>
+                  </a:schemeClr>
+                </a:solidFill>
+                <a:latin typeface="Roboto" panose="02000000000000000000" pitchFamily="2" charset="0"/>
+                <a:ea typeface="Roboto" panose="02000000000000000000" pitchFamily="2" charset="0"/>
+              </a:rPr>
+              <a:t>1 </a:t>
+            </a:r>
+            <a:r>
+              <a:rPr lang="en-US" sz="4800" dirty="0" smtClean="0">
+                <a:latin typeface="Roboto" panose="02000000000000000000" pitchFamily="2" charset="0"/>
+                <a:ea typeface="Roboto" panose="02000000000000000000" pitchFamily="2" charset="0"/>
+              </a:rPr>
+              <a:t>+</a:t>
+            </a:r>
+            <a:r>
+              <a:rPr lang="en-US" sz="4800" dirty="0" smtClean="0">
+                <a:solidFill>
+                  <a:schemeClr val="accent2">
+                    <a:lumMod val="75000"/>
+                  </a:schemeClr>
+                </a:solidFill>
+                <a:latin typeface="Roboto" panose="02000000000000000000" pitchFamily="2" charset="0"/>
+                <a:ea typeface="Roboto" panose="02000000000000000000" pitchFamily="2" charset="0"/>
+              </a:rPr>
+              <a:t> 1</a:t>
+            </a:r>
+            <a:r>
+              <a:rPr lang="ru-RU" sz="4800" dirty="0" smtClean="0">
+                <a:latin typeface="Roboto" panose="02000000000000000000" pitchFamily="2" charset="0"/>
+                <a:ea typeface="Roboto" panose="02000000000000000000" pitchFamily="2" charset="0"/>
+              </a:rPr>
+              <a:t>)</a:t>
+            </a:r>
+            <a:endParaRPr lang="en-US" sz="4800" dirty="0">
+              <a:latin typeface="Roboto" panose="02000000000000000000" pitchFamily="2" charset="0"/>
+              <a:ea typeface="Roboto" panose="02000000000000000000" pitchFamily="2" charset="0"/>
+            </a:endParaRPr>
+          </a:p>
+        </p:txBody>
+      </p:sp>
+    </p:spTree>
+    <p:extLst>
+      <p:ext uri="{BB962C8B-B14F-4D97-AF65-F5344CB8AC3E}">
+        <p14:creationId xmlns:p14="http://schemas.microsoft.com/office/powerpoint/2010/main" val="1327080993"/>
+      </p:ext>
+    </p:extLst>
+  </p:cSld>
+  <p:clrMapOvr>
+    <a:masterClrMapping/>
+  </p:clrMapOvr>
+  <p:timing>
+    <p:tnLst>
+      <p:par>
+        <p:cTn id="1" dur="indefinite" restart="never" nodeType="tmRoot"/>
+      </p:par>
+    </p:tnLst>
+  </p:timing>
+</p:sld>
+</file>
+
+<file path=ppt/slides/slide93.xml><?xml version="1.0" encoding="utf-8"?>
+<p:sld xmlns:a="http://schemas.openxmlformats.org/drawingml/2006/main" xmlns:r="http://schemas.openxmlformats.org/officeDocument/2006/relationships" xmlns:p="http://schemas.openxmlformats.org/presentationml/2006/main">
+  <p:cSld>
+    <p:spTree>
+      <p:nvGrpSpPr>
+        <p:cNvPr id="1" name=""/>
+        <p:cNvGrpSpPr/>
+        <p:nvPr/>
+      </p:nvGrpSpPr>
+      <p:grpSpPr>
+        <a:xfrm>
+          <a:off x="0" y="0"/>
+          <a:ext cx="0" cy="0"/>
+          <a:chOff x="0" y="0"/>
+          <a:chExt cx="0" cy="0"/>
+        </a:xfrm>
+      </p:grpSpPr>
+      <p:grpSp>
+        <p:nvGrpSpPr>
+          <p:cNvPr id="4" name="Группа 3"/>
+          <p:cNvGrpSpPr/>
+          <p:nvPr/>
+        </p:nvGrpSpPr>
+        <p:grpSpPr>
+          <a:xfrm>
+            <a:off x="2734182" y="3013502"/>
+            <a:ext cx="6723636" cy="830997"/>
+            <a:chOff x="4660351" y="3013502"/>
+            <a:chExt cx="6723636" cy="830997"/>
+          </a:xfrm>
+        </p:grpSpPr>
+        <p:sp>
+          <p:nvSpPr>
+            <p:cNvPr id="2" name="Прямоугольник 1"/>
+            <p:cNvSpPr/>
+            <p:nvPr/>
+          </p:nvSpPr>
+          <p:spPr>
+            <a:xfrm>
+              <a:off x="4660351" y="3013502"/>
+              <a:ext cx="2871299" cy="830997"/>
+            </a:xfrm>
+            <a:prstGeom prst="rect">
+              <a:avLst/>
+            </a:prstGeom>
+          </p:spPr>
+          <p:txBody>
+            <a:bodyPr wrap="none">
+              <a:spAutoFit/>
+            </a:bodyPr>
+            <a:lstStyle/>
+            <a:p>
+              <a:r>
+                <a:rPr lang="ru-RU" sz="4800" dirty="0" smtClean="0">
+                  <a:solidFill>
+                    <a:schemeClr val="accent2">
+                      <a:lumMod val="75000"/>
+                    </a:schemeClr>
+                  </a:solidFill>
+                  <a:latin typeface="Roboto" panose="02000000000000000000" pitchFamily="2" charset="0"/>
+                  <a:ea typeface="Roboto" panose="02000000000000000000" pitchFamily="2" charset="0"/>
+                </a:rPr>
+                <a:t>2 </a:t>
+              </a:r>
+              <a:r>
+                <a:rPr lang="ru-RU" sz="4800" dirty="0" smtClean="0">
+                  <a:latin typeface="Roboto" panose="02000000000000000000" pitchFamily="2" charset="0"/>
+                  <a:ea typeface="Roboto" panose="02000000000000000000" pitchFamily="2" charset="0"/>
+                </a:rPr>
+                <a:t>*</a:t>
+              </a:r>
+              <a:r>
+                <a:rPr lang="ru-RU" sz="4800" dirty="0" smtClean="0">
+                  <a:solidFill>
+                    <a:schemeClr val="accent2">
+                      <a:lumMod val="75000"/>
+                    </a:schemeClr>
+                  </a:solidFill>
+                  <a:latin typeface="Roboto" panose="02000000000000000000" pitchFamily="2" charset="0"/>
+                  <a:ea typeface="Roboto" panose="02000000000000000000" pitchFamily="2" charset="0"/>
+                </a:rPr>
+                <a:t> </a:t>
+              </a:r>
+              <a:r>
+                <a:rPr lang="ru-RU" sz="4800" dirty="0" smtClean="0">
+                  <a:latin typeface="Roboto" panose="02000000000000000000" pitchFamily="2" charset="0"/>
+                  <a:ea typeface="Roboto" panose="02000000000000000000" pitchFamily="2" charset="0"/>
+                </a:rPr>
+                <a:t>(</a:t>
+              </a:r>
+              <a:r>
+                <a:rPr lang="en-US" sz="4800" dirty="0" smtClean="0">
+                  <a:solidFill>
+                    <a:schemeClr val="accent2">
+                      <a:lumMod val="75000"/>
+                    </a:schemeClr>
+                  </a:solidFill>
+                  <a:latin typeface="Roboto" panose="02000000000000000000" pitchFamily="2" charset="0"/>
+                  <a:ea typeface="Roboto" panose="02000000000000000000" pitchFamily="2" charset="0"/>
+                </a:rPr>
+                <a:t>1 </a:t>
+              </a:r>
+              <a:r>
+                <a:rPr lang="en-US" sz="4800" dirty="0" smtClean="0">
+                  <a:latin typeface="Roboto" panose="02000000000000000000" pitchFamily="2" charset="0"/>
+                  <a:ea typeface="Roboto" panose="02000000000000000000" pitchFamily="2" charset="0"/>
+                </a:rPr>
+                <a:t>+</a:t>
+              </a:r>
+              <a:r>
+                <a:rPr lang="en-US" sz="4800" dirty="0" smtClean="0">
+                  <a:solidFill>
+                    <a:schemeClr val="accent2">
+                      <a:lumMod val="75000"/>
+                    </a:schemeClr>
+                  </a:solidFill>
+                  <a:latin typeface="Roboto" panose="02000000000000000000" pitchFamily="2" charset="0"/>
+                  <a:ea typeface="Roboto" panose="02000000000000000000" pitchFamily="2" charset="0"/>
+                </a:rPr>
+                <a:t> 1</a:t>
+              </a:r>
+              <a:r>
+                <a:rPr lang="ru-RU" sz="4800" dirty="0" smtClean="0">
+                  <a:latin typeface="Roboto" panose="02000000000000000000" pitchFamily="2" charset="0"/>
+                  <a:ea typeface="Roboto" panose="02000000000000000000" pitchFamily="2" charset="0"/>
+                </a:rPr>
+                <a:t>)</a:t>
+              </a:r>
+              <a:endParaRPr lang="en-US" sz="4800" dirty="0">
+                <a:latin typeface="Roboto" panose="02000000000000000000" pitchFamily="2" charset="0"/>
+                <a:ea typeface="Roboto" panose="02000000000000000000" pitchFamily="2" charset="0"/>
+              </a:endParaRPr>
+            </a:p>
+          </p:txBody>
+        </p:sp>
+        <p:sp>
+          <p:nvSpPr>
+            <p:cNvPr id="3" name="Прямоугольник 2"/>
+            <p:cNvSpPr/>
+            <p:nvPr/>
+          </p:nvSpPr>
+          <p:spPr>
+            <a:xfrm>
+              <a:off x="7531650" y="3013502"/>
+              <a:ext cx="3852337" cy="830997"/>
+            </a:xfrm>
+            <a:prstGeom prst="rect">
+              <a:avLst/>
+            </a:prstGeom>
+          </p:spPr>
+          <p:txBody>
+            <a:bodyPr wrap="none">
+              <a:spAutoFit/>
+            </a:bodyPr>
+            <a:lstStyle/>
+            <a:p>
+              <a:r>
+                <a:rPr lang="ru-RU" sz="4800" dirty="0" smtClean="0">
+                  <a:latin typeface="Roboto" panose="02000000000000000000" pitchFamily="2" charset="0"/>
+                  <a:ea typeface="Roboto" panose="02000000000000000000" pitchFamily="2" charset="0"/>
+                </a:rPr>
+                <a:t>=</a:t>
+              </a:r>
+              <a:r>
+                <a:rPr lang="ru-RU" sz="4800" dirty="0" smtClean="0">
+                  <a:solidFill>
+                    <a:schemeClr val="accent2">
+                      <a:lumMod val="75000"/>
+                    </a:schemeClr>
+                  </a:solidFill>
+                  <a:latin typeface="Roboto" panose="02000000000000000000" pitchFamily="2" charset="0"/>
+                  <a:ea typeface="Roboto" panose="02000000000000000000" pitchFamily="2" charset="0"/>
+                </a:rPr>
+                <a:t> </a:t>
+              </a:r>
+              <a:r>
+                <a:rPr lang="en-US" sz="4800" dirty="0" smtClean="0">
+                  <a:solidFill>
+                    <a:schemeClr val="accent2">
+                      <a:lumMod val="75000"/>
+                    </a:schemeClr>
+                  </a:solidFill>
+                  <a:latin typeface="Roboto" panose="02000000000000000000" pitchFamily="2" charset="0"/>
+                  <a:ea typeface="Roboto" panose="02000000000000000000" pitchFamily="2" charset="0"/>
+                </a:rPr>
+                <a:t>1 </a:t>
+              </a:r>
+              <a:r>
+                <a:rPr lang="en-US" sz="4800" dirty="0" smtClean="0">
+                  <a:latin typeface="Roboto" panose="02000000000000000000" pitchFamily="2" charset="0"/>
+                  <a:ea typeface="Roboto" panose="02000000000000000000" pitchFamily="2" charset="0"/>
+                </a:rPr>
+                <a:t>*</a:t>
+              </a:r>
+              <a:r>
+                <a:rPr lang="en-US" sz="4800" dirty="0" smtClean="0">
+                  <a:solidFill>
+                    <a:schemeClr val="accent2">
+                      <a:lumMod val="75000"/>
+                    </a:schemeClr>
+                  </a:solidFill>
+                  <a:latin typeface="Roboto" panose="02000000000000000000" pitchFamily="2" charset="0"/>
+                  <a:ea typeface="Roboto" panose="02000000000000000000" pitchFamily="2" charset="0"/>
+                </a:rPr>
+                <a:t> 2 </a:t>
+              </a:r>
+              <a:r>
+                <a:rPr lang="en-US" sz="4800" dirty="0" smtClean="0">
+                  <a:latin typeface="Roboto" panose="02000000000000000000" pitchFamily="2" charset="0"/>
+                  <a:ea typeface="Roboto" panose="02000000000000000000" pitchFamily="2" charset="0"/>
+                </a:rPr>
+                <a:t>+</a:t>
+              </a:r>
+              <a:r>
+                <a:rPr lang="en-US" sz="4800" dirty="0" smtClean="0">
+                  <a:solidFill>
+                    <a:schemeClr val="accent2">
+                      <a:lumMod val="75000"/>
+                    </a:schemeClr>
+                  </a:solidFill>
+                  <a:latin typeface="Roboto" panose="02000000000000000000" pitchFamily="2" charset="0"/>
+                  <a:ea typeface="Roboto" panose="02000000000000000000" pitchFamily="2" charset="0"/>
+                </a:rPr>
+                <a:t> 1 </a:t>
+              </a:r>
+              <a:r>
+                <a:rPr lang="en-US" sz="4800" dirty="0" smtClean="0">
+                  <a:latin typeface="Roboto" panose="02000000000000000000" pitchFamily="2" charset="0"/>
+                  <a:ea typeface="Roboto" panose="02000000000000000000" pitchFamily="2" charset="0"/>
+                </a:rPr>
+                <a:t>*</a:t>
+              </a:r>
+              <a:r>
+                <a:rPr lang="en-US" sz="4800" dirty="0" smtClean="0">
+                  <a:solidFill>
+                    <a:schemeClr val="accent2">
+                      <a:lumMod val="75000"/>
+                    </a:schemeClr>
+                  </a:solidFill>
+                  <a:latin typeface="Roboto" panose="02000000000000000000" pitchFamily="2" charset="0"/>
+                  <a:ea typeface="Roboto" panose="02000000000000000000" pitchFamily="2" charset="0"/>
+                </a:rPr>
+                <a:t> 2</a:t>
+              </a:r>
+              <a:endParaRPr lang="en-US" sz="4800" dirty="0">
+                <a:latin typeface="Roboto" panose="02000000000000000000" pitchFamily="2" charset="0"/>
+                <a:ea typeface="Roboto" panose="02000000000000000000" pitchFamily="2" charset="0"/>
+              </a:endParaRPr>
+            </a:p>
+          </p:txBody>
+        </p:sp>
+      </p:grpSp>
+    </p:spTree>
+    <p:extLst>
+      <p:ext uri="{BB962C8B-B14F-4D97-AF65-F5344CB8AC3E}">
+        <p14:creationId xmlns:p14="http://schemas.microsoft.com/office/powerpoint/2010/main" val="152037463"/>
+      </p:ext>
+    </p:extLst>
+  </p:cSld>
+  <p:clrMapOvr>
+    <a:masterClrMapping/>
+  </p:clrMapOvr>
+  <p:timing>
+    <p:tnLst>
+      <p:par>
+        <p:cTn id="1" dur="indefinite" restart="never" nodeType="tmRoot"/>
+      </p:par>
+    </p:tnLst>
+  </p:timing>
+</p:sld>
+</file>
+
+<file path=ppt/slides/slide94.xml><?xml version="1.0" encoding="utf-8"?>
+<p:sld xmlns:a="http://schemas.openxmlformats.org/drawingml/2006/main" xmlns:r="http://schemas.openxmlformats.org/officeDocument/2006/relationships" xmlns:p="http://schemas.openxmlformats.org/presentationml/2006/main">
+  <p:cSld>
+    <p:spTree>
+      <p:nvGrpSpPr>
+        <p:cNvPr id="1" name=""/>
+        <p:cNvGrpSpPr/>
+        <p:nvPr/>
+      </p:nvGrpSpPr>
+      <p:grpSpPr>
+        <a:xfrm>
+          <a:off x="0" y="0"/>
+          <a:ext cx="0" cy="0"/>
+          <a:chOff x="0" y="0"/>
+          <a:chExt cx="0" cy="0"/>
+        </a:xfrm>
+      </p:grpSpPr>
+      <p:sp>
+        <p:nvSpPr>
+          <p:cNvPr id="4" name="Прямоугольник 3"/>
+          <p:cNvSpPr/>
+          <p:nvPr/>
+        </p:nvSpPr>
+        <p:spPr>
+          <a:xfrm>
+            <a:off x="4028768" y="3013502"/>
+            <a:ext cx="4134465" cy="830997"/>
+          </a:xfrm>
+          <a:prstGeom prst="rect">
+            <a:avLst/>
+          </a:prstGeom>
+        </p:spPr>
+        <p:txBody>
+          <a:bodyPr wrap="none">
+            <a:spAutoFit/>
+          </a:bodyPr>
+          <a:lstStyle/>
+          <a:p>
+            <a:r>
+              <a:rPr lang="en-US" sz="4800" dirty="0" smtClean="0">
+                <a:latin typeface="Roboto" panose="02000000000000000000" pitchFamily="2" charset="0"/>
+                <a:ea typeface="Roboto" panose="02000000000000000000" pitchFamily="2" charset="0"/>
+              </a:rPr>
+              <a:t>OTHER TYPES</a:t>
+            </a:r>
+            <a:endParaRPr lang="en-US" sz="4800" dirty="0"/>
+          </a:p>
+        </p:txBody>
+      </p:sp>
+    </p:spTree>
+    <p:extLst>
+      <p:ext uri="{BB962C8B-B14F-4D97-AF65-F5344CB8AC3E}">
+        <p14:creationId xmlns:p14="http://schemas.microsoft.com/office/powerpoint/2010/main" val="256963384"/>
       </p:ext>
     </p:extLst>
   </p:cSld>
@@ -27817,4 +31493,265 @@
     </a:ext>
   </a:extLst>
 </a:theme>
+</file>
+
+<file path=ppt/theme/theme2.xml><?xml version="1.0" encoding="utf-8"?>
+<a:theme xmlns:a="http://schemas.openxmlformats.org/drawingml/2006/main" name="Тема Office">
+  <a:themeElements>
+    <a:clrScheme name="Стандартная">
+      <a:dk1>
+        <a:sysClr val="windowText" lastClr="000000"/>
+      </a:dk1>
+      <a:lt1>
+        <a:sysClr val="window" lastClr="FFFFFF"/>
+      </a:lt1>
+      <a:dk2>
+        <a:srgbClr val="44546A"/>
+      </a:dk2>
+      <a:lt2>
+        <a:srgbClr val="E7E6E6"/>
+      </a:lt2>
+      <a:accent1>
+        <a:srgbClr val="5B9BD5"/>
+      </a:accent1>
+      <a:accent2>
+        <a:srgbClr val="ED7D31"/>
+      </a:accent2>
+      <a:accent3>
+        <a:srgbClr val="A5A5A5"/>
+      </a:accent3>
+      <a:accent4>
+        <a:srgbClr val="FFC000"/>
+      </a:accent4>
+      <a:accent5>
+        <a:srgbClr val="4472C4"/>
+      </a:accent5>
+      <a:accent6>
+        <a:srgbClr val="70AD47"/>
+      </a:accent6>
+      <a:hlink>
+        <a:srgbClr val="0563C1"/>
+      </a:hlink>
+      <a:folHlink>
+        <a:srgbClr val="954F72"/>
+      </a:folHlink>
+    </a:clrScheme>
+    <a:fontScheme name="Стандартная">
+      <a:majorFont>
+        <a:latin typeface="Calibri Light" panose="020F0302020204030204"/>
+        <a:ea typeface=""/>
+        <a:cs typeface=""/>
+        <a:font script="Jpan" typeface="游ゴシック Light"/>
+        <a:font script="Hang" typeface="맑은 고딕"/>
+        <a:font script="Hans" typeface="等线 Light"/>
+        <a:font script="Hant" typeface="新細明體"/>
+        <a:font script="Arab" typeface="Times New Roman"/>
+        <a:font script="Hebr" typeface="Times New Roman"/>
+        <a:font script="Thai" typeface="Angsana New"/>
+        <a:font script="Ethi" typeface="Nyala"/>
+        <a:font script="Beng" typeface="Vrinda"/>
+        <a:font script="Gujr" typeface="Shruti"/>
+        <a:font script="Khmr" typeface="MoolBoran"/>
+        <a:font script="Knda" typeface="Tunga"/>
+        <a:font script="Guru" typeface="Raavi"/>
+        <a:font script="Cans" typeface="Euphemia"/>
+        <a:font script="Cher" typeface="Plantagenet Cherokee"/>
+        <a:font script="Yiii" typeface="Microsoft Yi Baiti"/>
+        <a:font script="Tibt" typeface="Microsoft Himalaya"/>
+        <a:font script="Thaa" typeface="MV Boli"/>
+        <a:font script="Deva" typeface="Mangal"/>
+        <a:font script="Telu" typeface="Gautami"/>
+        <a:font script="Taml" typeface="Latha"/>
+        <a:font script="Syrc" typeface="Estrangelo Edessa"/>
+        <a:font script="Orya" typeface="Kalinga"/>
+        <a:font script="Mlym" typeface="Kartika"/>
+        <a:font script="Laoo" typeface="DokChampa"/>
+        <a:font script="Sinh" typeface="Iskoola Pota"/>
+        <a:font script="Mong" typeface="Mongolian Baiti"/>
+        <a:font script="Viet" typeface="Times New Roman"/>
+        <a:font script="Uigh" typeface="Microsoft Uighur"/>
+        <a:font script="Geor" typeface="Sylfaen"/>
+      </a:majorFont>
+      <a:minorFont>
+        <a:latin typeface="Calibri" panose="020F0502020204030204"/>
+        <a:ea typeface=""/>
+        <a:cs typeface=""/>
+        <a:font script="Jpan" typeface="游ゴシック"/>
+        <a:font script="Hang" typeface="맑은 고딕"/>
+        <a:font script="Hans" typeface="等线"/>
+        <a:font script="Hant" typeface="新細明體"/>
+        <a:font script="Arab" typeface="Arial"/>
+        <a:font script="Hebr" typeface="Arial"/>
+        <a:font script="Thai" typeface="Cordia New"/>
+        <a:font script="Ethi" typeface="Nyala"/>
+        <a:font script="Beng" typeface="Vrinda"/>
+        <a:font script="Gujr" typeface="Shruti"/>
+        <a:font script="Khmr" typeface="DaunPenh"/>
+        <a:font script="Knda" typeface="Tunga"/>
+        <a:font script="Guru" typeface="Raavi"/>
+        <a:font script="Cans" typeface="Euphemia"/>
+        <a:font script="Cher" typeface="Plantagenet Cherokee"/>
+        <a:font script="Yiii" typeface="Microsoft Yi Baiti"/>
+        <a:font script="Tibt" typeface="Microsoft Himalaya"/>
+        <a:font script="Thaa" typeface="MV Boli"/>
+        <a:font script="Deva" typeface="Mangal"/>
+        <a:font script="Telu" typeface="Gautami"/>
+        <a:font script="Taml" typeface="Latha"/>
+        <a:font script="Syrc" typeface="Estrangelo Edessa"/>
+        <a:font script="Orya" typeface="Kalinga"/>
+        <a:font script="Mlym" typeface="Kartika"/>
+        <a:font script="Laoo" typeface="DokChampa"/>
+        <a:font script="Sinh" typeface="Iskoola Pota"/>
+        <a:font script="Mong" typeface="Mongolian Baiti"/>
+        <a:font script="Viet" typeface="Arial"/>
+        <a:font script="Uigh" typeface="Microsoft Uighur"/>
+        <a:font script="Geor" typeface="Sylfaen"/>
+      </a:minorFont>
+    </a:fontScheme>
+    <a:fmtScheme name="Стандартная">
+      <a:fillStyleLst>
+        <a:solidFill>
+          <a:schemeClr val="phClr"/>
+        </a:solidFill>
+        <a:gradFill rotWithShape="1">
+          <a:gsLst>
+            <a:gs pos="0">
+              <a:schemeClr val="phClr">
+                <a:lumMod val="110000"/>
+                <a:satMod val="105000"/>
+                <a:tint val="67000"/>
+              </a:schemeClr>
+            </a:gs>
+            <a:gs pos="50000">
+              <a:schemeClr val="phClr">
+                <a:lumMod val="105000"/>
+                <a:satMod val="103000"/>
+                <a:tint val="73000"/>
+              </a:schemeClr>
+            </a:gs>
+            <a:gs pos="100000">
+              <a:schemeClr val="phClr">
+                <a:lumMod val="105000"/>
+                <a:satMod val="109000"/>
+                <a:tint val="81000"/>
+              </a:schemeClr>
+            </a:gs>
+          </a:gsLst>
+          <a:lin ang="5400000" scaled="0"/>
+        </a:gradFill>
+        <a:gradFill rotWithShape="1">
+          <a:gsLst>
+            <a:gs pos="0">
+              <a:schemeClr val="phClr">
+                <a:satMod val="103000"/>
+                <a:lumMod val="102000"/>
+                <a:tint val="94000"/>
+              </a:schemeClr>
+            </a:gs>
+            <a:gs pos="50000">
+              <a:schemeClr val="phClr">
+                <a:satMod val="110000"/>
+                <a:lumMod val="100000"/>
+                <a:shade val="100000"/>
+              </a:schemeClr>
+            </a:gs>
+            <a:gs pos="100000">
+              <a:schemeClr val="phClr">
+                <a:lumMod val="99000"/>
+                <a:satMod val="120000"/>
+                <a:shade val="78000"/>
+              </a:schemeClr>
+            </a:gs>
+          </a:gsLst>
+          <a:lin ang="5400000" scaled="0"/>
+        </a:gradFill>
+      </a:fillStyleLst>
+      <a:lnStyleLst>
+        <a:ln w="6350" cap="flat" cmpd="sng" algn="ctr">
+          <a:solidFill>
+            <a:schemeClr val="phClr"/>
+          </a:solidFill>
+          <a:prstDash val="solid"/>
+          <a:miter lim="800000"/>
+        </a:ln>
+        <a:ln w="12700" cap="flat" cmpd="sng" algn="ctr">
+          <a:solidFill>
+            <a:schemeClr val="phClr"/>
+          </a:solidFill>
+          <a:prstDash val="solid"/>
+          <a:miter lim="800000"/>
+        </a:ln>
+        <a:ln w="19050" cap="flat" cmpd="sng" algn="ctr">
+          <a:solidFill>
+            <a:schemeClr val="phClr"/>
+          </a:solidFill>
+          <a:prstDash val="solid"/>
+          <a:miter lim="800000"/>
+        </a:ln>
+      </a:lnStyleLst>
+      <a:effectStyleLst>
+        <a:effectStyle>
+          <a:effectLst/>
+        </a:effectStyle>
+        <a:effectStyle>
+          <a:effectLst/>
+        </a:effectStyle>
+        <a:effectStyle>
+          <a:effectLst>
+            <a:outerShdw blurRad="57150" dist="19050" dir="5400000" algn="ctr" rotWithShape="0">
+              <a:srgbClr val="000000">
+                <a:alpha val="63000"/>
+              </a:srgbClr>
+            </a:outerShdw>
+          </a:effectLst>
+        </a:effectStyle>
+      </a:effectStyleLst>
+      <a:bgFillStyleLst>
+        <a:solidFill>
+          <a:schemeClr val="phClr"/>
+        </a:solidFill>
+        <a:solidFill>
+          <a:schemeClr val="phClr">
+            <a:tint val="95000"/>
+            <a:satMod val="170000"/>
+          </a:schemeClr>
+        </a:solidFill>
+        <a:gradFill rotWithShape="1">
+          <a:gsLst>
+            <a:gs pos="0">
+              <a:schemeClr val="phClr">
+                <a:tint val="93000"/>
+                <a:satMod val="150000"/>
+                <a:shade val="98000"/>
+                <a:lumMod val="102000"/>
+              </a:schemeClr>
+            </a:gs>
+            <a:gs pos="50000">
+              <a:schemeClr val="phClr">
+                <a:tint val="98000"/>
+                <a:satMod val="130000"/>
+                <a:shade val="90000"/>
+                <a:lumMod val="103000"/>
+              </a:schemeClr>
+            </a:gs>
+            <a:gs pos="100000">
+              <a:schemeClr val="phClr">
+                <a:shade val="63000"/>
+                <a:satMod val="120000"/>
+              </a:schemeClr>
+            </a:gs>
+          </a:gsLst>
+          <a:lin ang="5400000" scaled="0"/>
+        </a:gradFill>
+      </a:bgFillStyleLst>
+    </a:fmtScheme>
+  </a:themeElements>
+  <a:objectDefaults/>
+  <a:extraClrSchemeLst/>
+  <a:extLst>
+    <a:ext uri="{05A4C25C-085E-4340-85A3-A5531E510DB2}">
+      <thm15:themeFamily xmlns:thm15="http://schemas.microsoft.com/office/thememl/2012/main" name="Office Theme" id="{62F939B6-93AF-4DB8-9C6B-D6C7DFDC589F}" vid="{4A3C46E8-61CC-4603-A589-7422A47A8E4A}"/>
+    </a:ext>
+  </a:extLst>
+</a:theme>
 </file>
--- a/Презентация.pptx
+++ b/Презентация.pptx
@@ -5,7 +5,7 @@
     <p:sldMasterId id="2147483648" r:id="rId1"/>
   </p:sldMasterIdLst>
   <p:notesMasterIdLst>
-    <p:notesMasterId r:id="rId96"/>
+    <p:notesMasterId r:id="rId97"/>
   </p:notesMasterIdLst>
   <p:sldIdLst>
     <p:sldId id="256" r:id="rId2"/>
@@ -102,6 +102,7 @@
     <p:sldId id="362" r:id="rId93"/>
     <p:sldId id="363" r:id="rId94"/>
     <p:sldId id="364" r:id="rId95"/>
+    <p:sldId id="366" r:id="rId96"/>
   </p:sldIdLst>
   <p:sldSz cx="12192000" cy="6858000"/>
   <p:notesSz cx="6858000" cy="9144000"/>
@@ -290,7 +291,7 @@
           <a:p>
             <a:fld id="{C1FA9F6D-4C0A-4D32-A6E0-938378AE6520}" type="datetimeFigureOut">
               <a:rPr lang="en-US" smtClean="0"/>
-              <a:t>4/5/2023</a:t>
+              <a:t>4/6/2023</a:t>
             </a:fld>
             <a:endParaRPr lang="en-US"/>
           </a:p>
@@ -974,6 +975,119 @@
 </p:notes>
 </file>
 
+<file path=ppt/notesSlides/notesSlide12.xml><?xml version="1.0" encoding="utf-8"?>
+<p:notes xmlns:a="http://schemas.openxmlformats.org/drawingml/2006/main" xmlns:r="http://schemas.openxmlformats.org/officeDocument/2006/relationships" xmlns:p="http://schemas.openxmlformats.org/presentationml/2006/main">
+  <p:cSld>
+    <p:spTree>
+      <p:nvGrpSpPr>
+        <p:cNvPr id="1" name=""/>
+        <p:cNvGrpSpPr/>
+        <p:nvPr/>
+      </p:nvGrpSpPr>
+      <p:grpSpPr>
+        <a:xfrm>
+          <a:off x="0" y="0"/>
+          <a:ext cx="0" cy="0"/>
+          <a:chOff x="0" y="0"/>
+          <a:chExt cx="0" cy="0"/>
+        </a:xfrm>
+      </p:grpSpPr>
+      <p:sp>
+        <p:nvSpPr>
+          <p:cNvPr id="2" name="Образ слайда 1"/>
+          <p:cNvSpPr>
+            <a:spLocks noGrp="1" noRot="1" noChangeAspect="1"/>
+          </p:cNvSpPr>
+          <p:nvPr>
+            <p:ph type="sldImg"/>
+          </p:nvPr>
+        </p:nvSpPr>
+        <p:spPr/>
+      </p:sp>
+      <p:sp>
+        <p:nvSpPr>
+          <p:cNvPr id="3" name="Заметки 2"/>
+          <p:cNvSpPr>
+            <a:spLocks noGrp="1"/>
+          </p:cNvSpPr>
+          <p:nvPr>
+            <p:ph type="body" idx="1"/>
+          </p:nvPr>
+        </p:nvSpPr>
+        <p:spPr/>
+        <p:txBody>
+          <a:bodyPr/>
+          <a:lstStyle/>
+          <a:p>
+            <a:pPr marL="0" marR="0" indent="0" algn="l" defTabSz="914400" rtl="0" eaLnBrk="1" fontAlgn="auto" latinLnBrk="0" hangingPunct="1">
+              <a:lnSpc>
+                <a:spcPct val="100000"/>
+              </a:lnSpc>
+              <a:spcBef>
+                <a:spcPts val="0"/>
+              </a:spcBef>
+              <a:spcAft>
+                <a:spcPts val="0"/>
+              </a:spcAft>
+              <a:buClrTx/>
+              <a:buSzTx/>
+              <a:buFontTx/>
+              <a:buNone/>
+              <a:tabLst/>
+              <a:defRPr/>
+            </a:pPr>
+            <a:r>
+              <a:rPr lang="ru-RU" dirty="0" smtClean="0"/>
+              <a:t>Создание ПО – сложный процесс.</a:t>
+            </a:r>
+            <a:r>
+              <a:rPr lang="ru-RU" baseline="0" dirty="0" smtClean="0"/>
+              <a:t> Каким образом можно бороться </a:t>
+            </a:r>
+            <a:r>
+              <a:rPr lang="ru-RU" baseline="0" smtClean="0"/>
+              <a:t>со сложностью?</a:t>
+            </a:r>
+            <a:endParaRPr lang="en-US" dirty="0"/>
+          </a:p>
+        </p:txBody>
+      </p:sp>
+      <p:sp>
+        <p:nvSpPr>
+          <p:cNvPr id="4" name="Номер слайда 3"/>
+          <p:cNvSpPr>
+            <a:spLocks noGrp="1"/>
+          </p:cNvSpPr>
+          <p:nvPr>
+            <p:ph type="sldNum" sz="quarter" idx="10"/>
+          </p:nvPr>
+        </p:nvSpPr>
+        <p:spPr/>
+        <p:txBody>
+          <a:bodyPr/>
+          <a:lstStyle/>
+          <a:p>
+            <a:fld id="{D54409A1-088C-44D9-A8D7-99583A7259E8}" type="slidenum">
+              <a:rPr lang="en-US" smtClean="0"/>
+              <a:t>95</a:t>
+            </a:fld>
+            <a:endParaRPr lang="en-US"/>
+          </a:p>
+        </p:txBody>
+      </p:sp>
+    </p:spTree>
+    <p:extLst>
+      <p:ext uri="{BB962C8B-B14F-4D97-AF65-F5344CB8AC3E}">
+        <p14:creationId xmlns:p14="http://schemas.microsoft.com/office/powerpoint/2010/main" val="2556679898"/>
+      </p:ext>
+    </p:extLst>
+  </p:cSld>
+  <p:clrMapOvr>
+    <a:masterClrMapping/>
+  </p:clrMapOvr>
+</p:notes>
+</file>
+
 <file path=ppt/notesSlides/notesSlide2.xml><?xml version="1.0" encoding="utf-8"?>
 <p:notes xmlns:a="http://schemas.openxmlformats.org/drawingml/2006/main" xmlns:r="http://schemas.openxmlformats.org/officeDocument/2006/relationships" xmlns:p="http://schemas.openxmlformats.org/presentationml/2006/main">
   <p:cSld>
@@ -1861,7 +1975,7 @@
           <a:p>
             <a:fld id="{FB0F9C91-61B1-43BC-AD78-8CB0959C93C0}" type="datetimeFigureOut">
               <a:rPr lang="en-US" smtClean="0"/>
-              <a:t>4/5/2023</a:t>
+              <a:t>4/6/2023</a:t>
             </a:fld>
             <a:endParaRPr lang="en-US"/>
           </a:p>
@@ -2031,7 +2145,7 @@
           <a:p>
             <a:fld id="{FB0F9C91-61B1-43BC-AD78-8CB0959C93C0}" type="datetimeFigureOut">
               <a:rPr lang="en-US" smtClean="0"/>
-              <a:t>4/5/2023</a:t>
+              <a:t>4/6/2023</a:t>
             </a:fld>
             <a:endParaRPr lang="en-US"/>
           </a:p>
@@ -2211,7 +2325,7 @@
           <a:p>
             <a:fld id="{FB0F9C91-61B1-43BC-AD78-8CB0959C93C0}" type="datetimeFigureOut">
               <a:rPr lang="en-US" smtClean="0"/>
-              <a:t>4/5/2023</a:t>
+              <a:t>4/6/2023</a:t>
             </a:fld>
             <a:endParaRPr lang="en-US"/>
           </a:p>
@@ -2381,7 +2495,7 @@
           <a:p>
             <a:fld id="{FB0F9C91-61B1-43BC-AD78-8CB0959C93C0}" type="datetimeFigureOut">
               <a:rPr lang="en-US" smtClean="0"/>
-              <a:t>4/5/2023</a:t>
+              <a:t>4/6/2023</a:t>
             </a:fld>
             <a:endParaRPr lang="en-US"/>
           </a:p>
@@ -2627,7 +2741,7 @@
           <a:p>
             <a:fld id="{FB0F9C91-61B1-43BC-AD78-8CB0959C93C0}" type="datetimeFigureOut">
               <a:rPr lang="en-US" smtClean="0"/>
-              <a:t>4/5/2023</a:t>
+              <a:t>4/6/2023</a:t>
             </a:fld>
             <a:endParaRPr lang="en-US"/>
           </a:p>
@@ -2859,7 +2973,7 @@
           <a:p>
             <a:fld id="{FB0F9C91-61B1-43BC-AD78-8CB0959C93C0}" type="datetimeFigureOut">
               <a:rPr lang="en-US" smtClean="0"/>
-              <a:t>4/5/2023</a:t>
+              <a:t>4/6/2023</a:t>
             </a:fld>
             <a:endParaRPr lang="en-US"/>
           </a:p>
@@ -3226,7 +3340,7 @@
           <a:p>
             <a:fld id="{FB0F9C91-61B1-43BC-AD78-8CB0959C93C0}" type="datetimeFigureOut">
               <a:rPr lang="en-US" smtClean="0"/>
-              <a:t>4/5/2023</a:t>
+              <a:t>4/6/2023</a:t>
             </a:fld>
             <a:endParaRPr lang="en-US"/>
           </a:p>
@@ -3344,7 +3458,7 @@
           <a:p>
             <a:fld id="{FB0F9C91-61B1-43BC-AD78-8CB0959C93C0}" type="datetimeFigureOut">
               <a:rPr lang="en-US" smtClean="0"/>
-              <a:t>4/5/2023</a:t>
+              <a:t>4/6/2023</a:t>
             </a:fld>
             <a:endParaRPr lang="en-US"/>
           </a:p>
@@ -3439,7 +3553,7 @@
           <a:p>
             <a:fld id="{FB0F9C91-61B1-43BC-AD78-8CB0959C93C0}" type="datetimeFigureOut">
               <a:rPr lang="en-US" smtClean="0"/>
-              <a:t>4/5/2023</a:t>
+              <a:t>4/6/2023</a:t>
             </a:fld>
             <a:endParaRPr lang="en-US"/>
           </a:p>
@@ -3716,7 +3830,7 @@
           <a:p>
             <a:fld id="{FB0F9C91-61B1-43BC-AD78-8CB0959C93C0}" type="datetimeFigureOut">
               <a:rPr lang="en-US" smtClean="0"/>
-              <a:t>4/5/2023</a:t>
+              <a:t>4/6/2023</a:t>
             </a:fld>
             <a:endParaRPr lang="en-US"/>
           </a:p>
@@ -3969,7 +4083,7 @@
           <a:p>
             <a:fld id="{FB0F9C91-61B1-43BC-AD78-8CB0959C93C0}" type="datetimeFigureOut">
               <a:rPr lang="en-US" smtClean="0"/>
-              <a:t>4/5/2023</a:t>
+              <a:t>4/6/2023</a:t>
             </a:fld>
             <a:endParaRPr lang="en-US"/>
           </a:p>
@@ -4182,7 +4296,7 @@
           <a:p>
             <a:fld id="{FB0F9C91-61B1-43BC-AD78-8CB0959C93C0}" type="datetimeFigureOut">
               <a:rPr lang="en-US" smtClean="0"/>
-              <a:t>4/5/2023</a:t>
+              <a:t>4/6/2023</a:t>
             </a:fld>
             <a:endParaRPr lang="en-US"/>
           </a:p>
@@ -31218,6 +31332,75 @@
     <p:extLst>
       <p:ext uri="{BB962C8B-B14F-4D97-AF65-F5344CB8AC3E}">
         <p14:creationId xmlns:p14="http://schemas.microsoft.com/office/powerpoint/2010/main" val="256963384"/>
+      </p:ext>
+    </p:extLst>
+  </p:cSld>
+  <p:clrMapOvr>
+    <a:masterClrMapping/>
+  </p:clrMapOvr>
+  <p:timing>
+    <p:tnLst>
+      <p:par>
+        <p:cTn id="1" dur="indefinite" restart="never" nodeType="tmRoot"/>
+      </p:par>
+    </p:tnLst>
+  </p:timing>
+</p:sld>
+</file>
+
+<file path=ppt/slides/slide95.xml><?xml version="1.0" encoding="utf-8"?>
+<p:sld xmlns:a="http://schemas.openxmlformats.org/drawingml/2006/main" xmlns:r="http://schemas.openxmlformats.org/officeDocument/2006/relationships" xmlns:p="http://schemas.openxmlformats.org/presentationml/2006/main">
+  <p:cSld>
+    <p:spTree>
+      <p:nvGrpSpPr>
+        <p:cNvPr id="1" name=""/>
+        <p:cNvGrpSpPr/>
+        <p:nvPr/>
+      </p:nvGrpSpPr>
+      <p:grpSpPr>
+        <a:xfrm>
+          <a:off x="0" y="0"/>
+          <a:ext cx="0" cy="0"/>
+          <a:chOff x="0" y="0"/>
+          <a:chExt cx="0" cy="0"/>
+        </a:xfrm>
+      </p:grpSpPr>
+      <p:sp>
+        <p:nvSpPr>
+          <p:cNvPr id="4" name="Прямоугольник 3"/>
+          <p:cNvSpPr/>
+          <p:nvPr/>
+        </p:nvSpPr>
+        <p:spPr>
+          <a:xfrm>
+            <a:off x="4169832" y="3013502"/>
+            <a:ext cx="3852337" cy="830997"/>
+          </a:xfrm>
+          <a:prstGeom prst="rect">
+            <a:avLst/>
+          </a:prstGeom>
+        </p:spPr>
+        <p:txBody>
+          <a:bodyPr wrap="none">
+            <a:spAutoFit/>
+          </a:bodyPr>
+          <a:lstStyle/>
+          <a:p>
+            <a:r>
+              <a:rPr lang="en-US" sz="4800" dirty="0" smtClean="0">
+                <a:latin typeface="Roboto" panose="02000000000000000000" pitchFamily="2" charset="0"/>
+                <a:ea typeface="Roboto" panose="02000000000000000000" pitchFamily="2" charset="0"/>
+              </a:rPr>
+              <a:t>COMPLEXITY</a:t>
+            </a:r>
+            <a:endParaRPr lang="en-US" sz="4800" dirty="0"/>
+          </a:p>
+        </p:txBody>
+      </p:sp>
+    </p:spTree>
+    <p:extLst>
+      <p:ext uri="{BB962C8B-B14F-4D97-AF65-F5344CB8AC3E}">
+        <p14:creationId xmlns:p14="http://schemas.microsoft.com/office/powerpoint/2010/main" val="3809605946"/>
       </p:ext>
     </p:extLst>
   </p:cSld>

--- a/Презентация.pptx
+++ b/Презентация.pptx
@@ -1042,11 +1042,15 @@
             </a:r>
             <a:r>
               <a:rPr lang="ru-RU" baseline="0" dirty="0" smtClean="0"/>
-              <a:t> Каким образом можно бороться </a:t>
+              <a:t> Каким образом можно бороться со сложностью?</a:t>
+            </a:r>
+            <a:r>
+              <a:rPr lang="en-US" baseline="0" dirty="0" smtClean="0"/>
+              <a:t> </a:t>
             </a:r>
             <a:r>
               <a:rPr lang="ru-RU" baseline="0" smtClean="0"/>
-              <a:t>со сложностью?</a:t>
+              <a:t>Привести пример.</a:t>
             </a:r>
             <a:endParaRPr lang="en-US" dirty="0"/>
           </a:p>

--- a/Презентация.pptx
+++ b/Презентация.pptx
@@ -5,7 +5,7 @@
     <p:sldMasterId id="2147483648" r:id="rId1"/>
   </p:sldMasterIdLst>
   <p:notesMasterIdLst>
-    <p:notesMasterId r:id="rId127"/>
+    <p:notesMasterId r:id="rId133"/>
   </p:notesMasterIdLst>
   <p:sldIdLst>
     <p:sldId id="256" r:id="rId2"/>
@@ -128,11 +128,17 @@
     <p:sldId id="392" r:id="rId119"/>
     <p:sldId id="393" r:id="rId120"/>
     <p:sldId id="394" r:id="rId121"/>
-    <p:sldId id="395" r:id="rId122"/>
-    <p:sldId id="396" r:id="rId123"/>
+    <p:sldId id="396" r:id="rId122"/>
+    <p:sldId id="400" r:id="rId123"/>
     <p:sldId id="397" r:id="rId124"/>
     <p:sldId id="398" r:id="rId125"/>
     <p:sldId id="399" r:id="rId126"/>
+    <p:sldId id="402" r:id="rId127"/>
+    <p:sldId id="403" r:id="rId128"/>
+    <p:sldId id="404" r:id="rId129"/>
+    <p:sldId id="405" r:id="rId130"/>
+    <p:sldId id="406" r:id="rId131"/>
+    <p:sldId id="407" r:id="rId132"/>
   </p:sldIdLst>
   <p:sldSz cx="12192000" cy="6858000"/>
   <p:notesSz cx="6858000" cy="9144000"/>
@@ -3654,22 +3660,6 @@
           <a:bodyPr/>
           <a:lstStyle/>
           <a:p>
-            <a:r>
-              <a:rPr lang="ru-RU" dirty="0" smtClean="0"/>
-              <a:t>Реплика</a:t>
-            </a:r>
-            <a:r>
-              <a:rPr lang="en-US" dirty="0" smtClean="0"/>
-              <a:t>, </a:t>
-            </a:r>
-            <a:r>
-              <a:rPr lang="ru-RU" dirty="0" err="1" smtClean="0"/>
-              <a:t>распознование</a:t>
-            </a:r>
-            <a:r>
-              <a:rPr lang="ru-RU" baseline="0" dirty="0" smtClean="0"/>
-              <a:t> определенных паттернов</a:t>
-            </a:r>
             <a:endParaRPr lang="ru-RU" dirty="0"/>
           </a:p>
         </p:txBody>
@@ -3700,7 +3690,7 @@
     </p:spTree>
     <p:extLst>
       <p:ext uri="{BB962C8B-B14F-4D97-AF65-F5344CB8AC3E}">
-        <p14:creationId xmlns:p14="http://schemas.microsoft.com/office/powerpoint/2010/main" val="1057022067"/>
+        <p14:creationId xmlns:p14="http://schemas.microsoft.com/office/powerpoint/2010/main" val="3659542417"/>
       </p:ext>
     </p:extLst>
   </p:cSld>
@@ -3784,7 +3774,7 @@
     </p:spTree>
     <p:extLst>
       <p:ext uri="{BB962C8B-B14F-4D97-AF65-F5344CB8AC3E}">
-        <p14:creationId xmlns:p14="http://schemas.microsoft.com/office/powerpoint/2010/main" val="3659542417"/>
+        <p14:creationId xmlns:p14="http://schemas.microsoft.com/office/powerpoint/2010/main" val="2718789189"/>
       </p:ext>
     </p:extLst>
   </p:cSld>
@@ -4094,6 +4084,24 @@
           <a:bodyPr/>
           <a:lstStyle/>
           <a:p>
+            <a:r>
+              <a:rPr lang="ru-RU" dirty="0" smtClean="0"/>
+              <a:t>Это может быть полезно при </a:t>
+            </a:r>
+            <a:r>
+              <a:rPr lang="ru-RU" dirty="0" err="1" smtClean="0"/>
+              <a:t>рефакторинге</a:t>
+            </a:r>
+            <a:r>
+              <a:rPr lang="ru-RU" baseline="0" dirty="0" smtClean="0"/>
+              <a:t> (когда менее понятное заменяется более понятным)</a:t>
+            </a:r>
+          </a:p>
+          <a:p>
+            <a:r>
+              <a:rPr lang="ru-RU" baseline="0" dirty="0" smtClean="0"/>
+              <a:t>Это может быть полезно при моделировании реальных объектов и требований</a:t>
+            </a:r>
             <a:endParaRPr lang="ru-RU" dirty="0"/>
           </a:p>
         </p:txBody>
@@ -4125,6 +4133,963 @@
     <p:extLst>
       <p:ext uri="{BB962C8B-B14F-4D97-AF65-F5344CB8AC3E}">
         <p14:creationId xmlns:p14="http://schemas.microsoft.com/office/powerpoint/2010/main" val="893144709"/>
+      </p:ext>
+    </p:extLst>
+  </p:cSld>
+  <p:clrMapOvr>
+    <a:masterClrMapping/>
+  </p:clrMapOvr>
+</p:notes>
+</file>
+
+<file path=ppt/notesSlides/notesSlide43.xml><?xml version="1.0" encoding="utf-8"?>
+<p:notes xmlns:a="http://schemas.openxmlformats.org/drawingml/2006/main" xmlns:r="http://schemas.openxmlformats.org/officeDocument/2006/relationships" xmlns:p="http://schemas.openxmlformats.org/presentationml/2006/main">
+  <p:cSld>
+    <p:spTree>
+      <p:nvGrpSpPr>
+        <p:cNvPr id="1" name=""/>
+        <p:cNvGrpSpPr/>
+        <p:nvPr/>
+      </p:nvGrpSpPr>
+      <p:grpSpPr>
+        <a:xfrm>
+          <a:off x="0" y="0"/>
+          <a:ext cx="0" cy="0"/>
+          <a:chOff x="0" y="0"/>
+          <a:chExt cx="0" cy="0"/>
+        </a:xfrm>
+      </p:grpSpPr>
+      <p:sp>
+        <p:nvSpPr>
+          <p:cNvPr id="2" name="Образ слайда 1"/>
+          <p:cNvSpPr>
+            <a:spLocks noGrp="1" noRot="1" noChangeAspect="1"/>
+          </p:cNvSpPr>
+          <p:nvPr>
+            <p:ph type="sldImg"/>
+          </p:nvPr>
+        </p:nvSpPr>
+        <p:spPr/>
+      </p:sp>
+      <p:sp>
+        <p:nvSpPr>
+          <p:cNvPr id="3" name="Заметки 2"/>
+          <p:cNvSpPr>
+            <a:spLocks noGrp="1"/>
+          </p:cNvSpPr>
+          <p:nvPr>
+            <p:ph type="body" idx="1"/>
+          </p:nvPr>
+        </p:nvSpPr>
+        <p:spPr/>
+        <p:txBody>
+          <a:bodyPr/>
+          <a:lstStyle/>
+          <a:p>
+            <a:pPr marL="0" marR="0" indent="0" algn="l" defTabSz="914400" rtl="0" eaLnBrk="1" fontAlgn="auto" latinLnBrk="0" hangingPunct="1">
+              <a:lnSpc>
+                <a:spcPct val="100000"/>
+              </a:lnSpc>
+              <a:spcBef>
+                <a:spcPts val="0"/>
+              </a:spcBef>
+              <a:spcAft>
+                <a:spcPts val="0"/>
+              </a:spcAft>
+              <a:buClrTx/>
+              <a:buSzTx/>
+              <a:buFontTx/>
+              <a:buNone/>
+              <a:tabLst/>
+              <a:defRPr/>
+            </a:pPr>
+            <a:endParaRPr lang="en-US" dirty="0"/>
+          </a:p>
+        </p:txBody>
+      </p:sp>
+      <p:sp>
+        <p:nvSpPr>
+          <p:cNvPr id="4" name="Номер слайда 3"/>
+          <p:cNvSpPr>
+            <a:spLocks noGrp="1"/>
+          </p:cNvSpPr>
+          <p:nvPr>
+            <p:ph type="sldNum" sz="quarter" idx="10"/>
+          </p:nvPr>
+        </p:nvSpPr>
+        <p:spPr/>
+        <p:txBody>
+          <a:bodyPr/>
+          <a:lstStyle/>
+          <a:p>
+            <a:fld id="{D54409A1-088C-44D9-A8D7-99583A7259E8}" type="slidenum">
+              <a:rPr lang="en-US" smtClean="0"/>
+              <a:t>126</a:t>
+            </a:fld>
+            <a:endParaRPr lang="en-US"/>
+          </a:p>
+        </p:txBody>
+      </p:sp>
+    </p:spTree>
+    <p:extLst>
+      <p:ext uri="{BB962C8B-B14F-4D97-AF65-F5344CB8AC3E}">
+        <p14:creationId xmlns:p14="http://schemas.microsoft.com/office/powerpoint/2010/main" val="35524613"/>
+      </p:ext>
+    </p:extLst>
+  </p:cSld>
+  <p:clrMapOvr>
+    <a:masterClrMapping/>
+  </p:clrMapOvr>
+</p:notes>
+</file>
+
+<file path=ppt/notesSlides/notesSlide44.xml><?xml version="1.0" encoding="utf-8"?>
+<p:notes xmlns:a="http://schemas.openxmlformats.org/drawingml/2006/main" xmlns:r="http://schemas.openxmlformats.org/officeDocument/2006/relationships" xmlns:p="http://schemas.openxmlformats.org/presentationml/2006/main">
+  <p:cSld>
+    <p:spTree>
+      <p:nvGrpSpPr>
+        <p:cNvPr id="1" name=""/>
+        <p:cNvGrpSpPr/>
+        <p:nvPr/>
+      </p:nvGrpSpPr>
+      <p:grpSpPr>
+        <a:xfrm>
+          <a:off x="0" y="0"/>
+          <a:ext cx="0" cy="0"/>
+          <a:chOff x="0" y="0"/>
+          <a:chExt cx="0" cy="0"/>
+        </a:xfrm>
+      </p:grpSpPr>
+      <p:sp>
+        <p:nvSpPr>
+          <p:cNvPr id="2" name="Образ слайда 1"/>
+          <p:cNvSpPr>
+            <a:spLocks noGrp="1" noRot="1" noChangeAspect="1"/>
+          </p:cNvSpPr>
+          <p:nvPr>
+            <p:ph type="sldImg"/>
+          </p:nvPr>
+        </p:nvSpPr>
+        <p:spPr/>
+      </p:sp>
+      <p:sp>
+        <p:nvSpPr>
+          <p:cNvPr id="3" name="Заметки 2"/>
+          <p:cNvSpPr>
+            <a:spLocks noGrp="1"/>
+          </p:cNvSpPr>
+          <p:nvPr>
+            <p:ph type="body" idx="1"/>
+          </p:nvPr>
+        </p:nvSpPr>
+        <p:spPr/>
+        <p:txBody>
+          <a:bodyPr/>
+          <a:lstStyle/>
+          <a:p>
+            <a:pPr marL="0" marR="0" indent="0" algn="l" defTabSz="914400" rtl="0" eaLnBrk="1" fontAlgn="auto" latinLnBrk="0" hangingPunct="1">
+              <a:lnSpc>
+                <a:spcPct val="100000"/>
+              </a:lnSpc>
+              <a:spcBef>
+                <a:spcPts val="0"/>
+              </a:spcBef>
+              <a:spcAft>
+                <a:spcPts val="0"/>
+              </a:spcAft>
+              <a:buClrTx/>
+              <a:buSzTx/>
+              <a:buFontTx/>
+              <a:buNone/>
+              <a:tabLst/>
+              <a:defRPr/>
+            </a:pPr>
+            <a:r>
+              <a:rPr lang="ru-RU" dirty="0" smtClean="0"/>
+              <a:t>Пример</a:t>
+            </a:r>
+            <a:r>
+              <a:rPr lang="ru-RU" baseline="0" dirty="0" smtClean="0"/>
+              <a:t> неточного моделирования с </a:t>
+            </a:r>
+            <a:r>
+              <a:rPr lang="en-US" sz="1200" kern="1200" dirty="0" err="1" smtClean="0">
+                <a:solidFill>
+                  <a:schemeClr val="tx1"/>
+                </a:solidFill>
+                <a:effectLst/>
+                <a:latin typeface="+mn-lt"/>
+                <a:ea typeface="+mn-ea"/>
+                <a:cs typeface="+mn-cs"/>
+              </a:rPr>
+              <a:t>getFromApi</a:t>
+            </a:r>
+            <a:r>
+              <a:rPr lang="en-US" sz="1200" kern="1200" dirty="0" smtClean="0">
+                <a:solidFill>
+                  <a:schemeClr val="tx1"/>
+                </a:solidFill>
+                <a:effectLst/>
+                <a:latin typeface="+mn-lt"/>
+                <a:ea typeface="+mn-ea"/>
+                <a:cs typeface="+mn-cs"/>
+              </a:rPr>
+              <a:t>('/users‘</a:t>
+            </a:r>
+            <a:r>
+              <a:rPr lang="ru-RU" sz="1200" kern="1200" dirty="0" smtClean="0">
+                <a:solidFill>
+                  <a:schemeClr val="tx1"/>
+                </a:solidFill>
+                <a:effectLst/>
+                <a:latin typeface="+mn-lt"/>
+                <a:ea typeface="+mn-ea"/>
+                <a:cs typeface="+mn-cs"/>
+              </a:rPr>
+              <a:t>)</a:t>
+            </a:r>
+            <a:endParaRPr lang="en-US" sz="1200" kern="1200" dirty="0" smtClean="0">
+              <a:solidFill>
+                <a:schemeClr val="tx1"/>
+              </a:solidFill>
+              <a:effectLst/>
+              <a:latin typeface="+mn-lt"/>
+              <a:ea typeface="+mn-ea"/>
+              <a:cs typeface="+mn-cs"/>
+            </a:endParaRPr>
+          </a:p>
+        </p:txBody>
+      </p:sp>
+      <p:sp>
+        <p:nvSpPr>
+          <p:cNvPr id="4" name="Номер слайда 3"/>
+          <p:cNvSpPr>
+            <a:spLocks noGrp="1"/>
+          </p:cNvSpPr>
+          <p:nvPr>
+            <p:ph type="sldNum" sz="quarter" idx="10"/>
+          </p:nvPr>
+        </p:nvSpPr>
+        <p:spPr/>
+        <p:txBody>
+          <a:bodyPr/>
+          <a:lstStyle/>
+          <a:p>
+            <a:fld id="{D54409A1-088C-44D9-A8D7-99583A7259E8}" type="slidenum">
+              <a:rPr lang="en-US" smtClean="0"/>
+              <a:t>127</a:t>
+            </a:fld>
+            <a:endParaRPr lang="en-US"/>
+          </a:p>
+        </p:txBody>
+      </p:sp>
+    </p:spTree>
+    <p:extLst>
+      <p:ext uri="{BB962C8B-B14F-4D97-AF65-F5344CB8AC3E}">
+        <p14:creationId xmlns:p14="http://schemas.microsoft.com/office/powerpoint/2010/main" val="3740588331"/>
+      </p:ext>
+    </p:extLst>
+  </p:cSld>
+  <p:clrMapOvr>
+    <a:masterClrMapping/>
+  </p:clrMapOvr>
+</p:notes>
+</file>
+
+<file path=ppt/notesSlides/notesSlide45.xml><?xml version="1.0" encoding="utf-8"?>
+<p:notes xmlns:a="http://schemas.openxmlformats.org/drawingml/2006/main" xmlns:r="http://schemas.openxmlformats.org/officeDocument/2006/relationships" xmlns:p="http://schemas.openxmlformats.org/presentationml/2006/main">
+  <p:cSld>
+    <p:spTree>
+      <p:nvGrpSpPr>
+        <p:cNvPr id="1" name=""/>
+        <p:cNvGrpSpPr/>
+        <p:nvPr/>
+      </p:nvGrpSpPr>
+      <p:grpSpPr>
+        <a:xfrm>
+          <a:off x="0" y="0"/>
+          <a:ext cx="0" cy="0"/>
+          <a:chOff x="0" y="0"/>
+          <a:chExt cx="0" cy="0"/>
+        </a:xfrm>
+      </p:grpSpPr>
+      <p:sp>
+        <p:nvSpPr>
+          <p:cNvPr id="2" name="Образ слайда 1"/>
+          <p:cNvSpPr>
+            <a:spLocks noGrp="1" noRot="1" noChangeAspect="1"/>
+          </p:cNvSpPr>
+          <p:nvPr>
+            <p:ph type="sldImg"/>
+          </p:nvPr>
+        </p:nvSpPr>
+        <p:spPr/>
+      </p:sp>
+      <p:sp>
+        <p:nvSpPr>
+          <p:cNvPr id="3" name="Заметки 2"/>
+          <p:cNvSpPr>
+            <a:spLocks noGrp="1"/>
+          </p:cNvSpPr>
+          <p:nvPr>
+            <p:ph type="body" idx="1"/>
+          </p:nvPr>
+        </p:nvSpPr>
+        <p:spPr/>
+        <p:txBody>
+          <a:bodyPr/>
+          <a:lstStyle/>
+          <a:p>
+            <a:pPr marL="0" marR="0" indent="0" algn="l" defTabSz="914400" rtl="0" eaLnBrk="1" fontAlgn="auto" latinLnBrk="0" hangingPunct="1">
+              <a:lnSpc>
+                <a:spcPct val="100000"/>
+              </a:lnSpc>
+              <a:spcBef>
+                <a:spcPts val="0"/>
+              </a:spcBef>
+              <a:spcAft>
+                <a:spcPts val="0"/>
+              </a:spcAft>
+              <a:buClrTx/>
+              <a:buSzTx/>
+              <a:buFontTx/>
+              <a:buNone/>
+              <a:tabLst/>
+              <a:defRPr/>
+            </a:pPr>
+            <a:r>
+              <a:rPr lang="ru-RU" sz="1200" kern="1200" dirty="0" smtClean="0">
+                <a:solidFill>
+                  <a:schemeClr val="tx1"/>
+                </a:solidFill>
+                <a:effectLst/>
+                <a:latin typeface="+mn-lt"/>
+                <a:ea typeface="+mn-ea"/>
+                <a:cs typeface="+mn-cs"/>
+              </a:rPr>
+              <a:t>Придется</a:t>
+            </a:r>
+            <a:r>
+              <a:rPr lang="ru-RU" sz="1200" kern="1200" baseline="0" dirty="0" smtClean="0">
+                <a:solidFill>
+                  <a:schemeClr val="tx1"/>
+                </a:solidFill>
+                <a:effectLst/>
+                <a:latin typeface="+mn-lt"/>
+                <a:ea typeface="+mn-ea"/>
+                <a:cs typeface="+mn-cs"/>
+              </a:rPr>
+              <a:t> использовать либо </a:t>
+            </a:r>
+            <a:r>
+              <a:rPr lang="en-US" sz="1200" kern="1200" baseline="0" dirty="0" smtClean="0">
+                <a:solidFill>
+                  <a:schemeClr val="tx1"/>
+                </a:solidFill>
+                <a:effectLst/>
+                <a:latin typeface="+mn-lt"/>
+                <a:ea typeface="+mn-ea"/>
+                <a:cs typeface="+mn-cs"/>
+              </a:rPr>
+              <a:t>partial function (assertion)</a:t>
+            </a:r>
+            <a:endParaRPr lang="en-US" sz="1200" kern="1200" dirty="0" smtClean="0">
+              <a:solidFill>
+                <a:schemeClr val="tx1"/>
+              </a:solidFill>
+              <a:effectLst/>
+              <a:latin typeface="+mn-lt"/>
+              <a:ea typeface="+mn-ea"/>
+              <a:cs typeface="+mn-cs"/>
+            </a:endParaRPr>
+          </a:p>
+        </p:txBody>
+      </p:sp>
+      <p:sp>
+        <p:nvSpPr>
+          <p:cNvPr id="4" name="Номер слайда 3"/>
+          <p:cNvSpPr>
+            <a:spLocks noGrp="1"/>
+          </p:cNvSpPr>
+          <p:nvPr>
+            <p:ph type="sldNum" sz="quarter" idx="10"/>
+          </p:nvPr>
+        </p:nvSpPr>
+        <p:spPr/>
+        <p:txBody>
+          <a:bodyPr/>
+          <a:lstStyle/>
+          <a:p>
+            <a:fld id="{D54409A1-088C-44D9-A8D7-99583A7259E8}" type="slidenum">
+              <a:rPr lang="en-US" smtClean="0"/>
+              <a:t>128</a:t>
+            </a:fld>
+            <a:endParaRPr lang="en-US"/>
+          </a:p>
+        </p:txBody>
+      </p:sp>
+    </p:spTree>
+    <p:extLst>
+      <p:ext uri="{BB962C8B-B14F-4D97-AF65-F5344CB8AC3E}">
+        <p14:creationId xmlns:p14="http://schemas.microsoft.com/office/powerpoint/2010/main" val="1413018757"/>
+      </p:ext>
+    </p:extLst>
+  </p:cSld>
+  <p:clrMapOvr>
+    <a:masterClrMapping/>
+  </p:clrMapOvr>
+</p:notes>
+</file>
+
+<file path=ppt/notesSlides/notesSlide46.xml><?xml version="1.0" encoding="utf-8"?>
+<p:notes xmlns:a="http://schemas.openxmlformats.org/drawingml/2006/main" xmlns:r="http://schemas.openxmlformats.org/officeDocument/2006/relationships" xmlns:p="http://schemas.openxmlformats.org/presentationml/2006/main">
+  <p:cSld>
+    <p:spTree>
+      <p:nvGrpSpPr>
+        <p:cNvPr id="1" name=""/>
+        <p:cNvGrpSpPr/>
+        <p:nvPr/>
+      </p:nvGrpSpPr>
+      <p:grpSpPr>
+        <a:xfrm>
+          <a:off x="0" y="0"/>
+          <a:ext cx="0" cy="0"/>
+          <a:chOff x="0" y="0"/>
+          <a:chExt cx="0" cy="0"/>
+        </a:xfrm>
+      </p:grpSpPr>
+      <p:sp>
+        <p:nvSpPr>
+          <p:cNvPr id="2" name="Образ слайда 1"/>
+          <p:cNvSpPr>
+            <a:spLocks noGrp="1" noRot="1" noChangeAspect="1"/>
+          </p:cNvSpPr>
+          <p:nvPr>
+            <p:ph type="sldImg"/>
+          </p:nvPr>
+        </p:nvSpPr>
+        <p:spPr/>
+      </p:sp>
+      <p:sp>
+        <p:nvSpPr>
+          <p:cNvPr id="3" name="Заметки 2"/>
+          <p:cNvSpPr>
+            <a:spLocks noGrp="1"/>
+          </p:cNvSpPr>
+          <p:nvPr>
+            <p:ph type="body" idx="1"/>
+          </p:nvPr>
+        </p:nvSpPr>
+        <p:spPr/>
+        <p:txBody>
+          <a:bodyPr/>
+          <a:lstStyle/>
+          <a:p>
+            <a:pPr marL="0" marR="0" indent="0" algn="l" defTabSz="914400" rtl="0" eaLnBrk="1" fontAlgn="auto" latinLnBrk="0" hangingPunct="1">
+              <a:lnSpc>
+                <a:spcPct val="100000"/>
+              </a:lnSpc>
+              <a:spcBef>
+                <a:spcPts val="0"/>
+              </a:spcBef>
+              <a:spcAft>
+                <a:spcPts val="0"/>
+              </a:spcAft>
+              <a:buClrTx/>
+              <a:buSzTx/>
+              <a:buFontTx/>
+              <a:buNone/>
+              <a:tabLst/>
+              <a:defRPr/>
+            </a:pPr>
+            <a:r>
+              <a:rPr lang="ru-RU" sz="1200" kern="1200" dirty="0" smtClean="0">
+                <a:solidFill>
+                  <a:schemeClr val="tx1"/>
+                </a:solidFill>
+                <a:effectLst/>
+                <a:latin typeface="+mn-lt"/>
+                <a:ea typeface="+mn-ea"/>
+                <a:cs typeface="+mn-cs"/>
+              </a:rPr>
+              <a:t>Либо явно или неявно приводить к одним</a:t>
+            </a:r>
+            <a:r>
+              <a:rPr lang="ru-RU" sz="1200" kern="1200" baseline="0" dirty="0" smtClean="0">
+                <a:solidFill>
+                  <a:schemeClr val="tx1"/>
+                </a:solidFill>
+                <a:effectLst/>
+                <a:latin typeface="+mn-lt"/>
+                <a:ea typeface="+mn-ea"/>
+                <a:cs typeface="+mn-cs"/>
+              </a:rPr>
+              <a:t> и тем же сценариям</a:t>
+            </a:r>
+            <a:endParaRPr lang="en-US" sz="1200" kern="1200" baseline="0" dirty="0" smtClean="0">
+              <a:solidFill>
+                <a:schemeClr val="tx1"/>
+              </a:solidFill>
+              <a:effectLst/>
+              <a:latin typeface="+mn-lt"/>
+              <a:ea typeface="+mn-ea"/>
+              <a:cs typeface="+mn-cs"/>
+            </a:endParaRPr>
+          </a:p>
+          <a:p>
+            <a:pPr marL="0" marR="0" indent="0" algn="l" defTabSz="914400" rtl="0" eaLnBrk="1" fontAlgn="auto" latinLnBrk="0" hangingPunct="1">
+              <a:lnSpc>
+                <a:spcPct val="100000"/>
+              </a:lnSpc>
+              <a:spcBef>
+                <a:spcPts val="0"/>
+              </a:spcBef>
+              <a:spcAft>
+                <a:spcPts val="0"/>
+              </a:spcAft>
+              <a:buClrTx/>
+              <a:buSzTx/>
+              <a:buFontTx/>
+              <a:buNone/>
+              <a:tabLst/>
+              <a:defRPr/>
+            </a:pPr>
+            <a:endParaRPr lang="en-US" sz="1200" kern="1200" baseline="0" dirty="0" smtClean="0">
+              <a:solidFill>
+                <a:schemeClr val="tx1"/>
+              </a:solidFill>
+              <a:effectLst/>
+              <a:latin typeface="+mn-lt"/>
+              <a:ea typeface="+mn-ea"/>
+              <a:cs typeface="+mn-cs"/>
+            </a:endParaRPr>
+          </a:p>
+          <a:p>
+            <a:pPr marL="228600" marR="0" indent="-228600" algn="l" defTabSz="914400" rtl="0" eaLnBrk="1" fontAlgn="auto" latinLnBrk="0" hangingPunct="1">
+              <a:lnSpc>
+                <a:spcPct val="100000"/>
+              </a:lnSpc>
+              <a:spcBef>
+                <a:spcPts val="0"/>
+              </a:spcBef>
+              <a:spcAft>
+                <a:spcPts val="0"/>
+              </a:spcAft>
+              <a:buClrTx/>
+              <a:buSzTx/>
+              <a:buFontTx/>
+              <a:buAutoNum type="arabicPeriod"/>
+              <a:tabLst/>
+              <a:defRPr/>
+            </a:pPr>
+            <a:r>
+              <a:rPr lang="ru-RU" sz="1200" kern="1200" baseline="0" dirty="0" smtClean="0">
+                <a:solidFill>
+                  <a:schemeClr val="tx1"/>
+                </a:solidFill>
+                <a:effectLst/>
+                <a:latin typeface="+mn-lt"/>
+                <a:ea typeface="+mn-ea"/>
+                <a:cs typeface="+mn-cs"/>
+              </a:rPr>
+              <a:t>Система будет игнорировать не консистентные состояния</a:t>
+            </a:r>
+            <a:endParaRPr lang="en-US" sz="1200" kern="1200" baseline="0" dirty="0" smtClean="0">
+              <a:solidFill>
+                <a:schemeClr val="tx1"/>
+              </a:solidFill>
+              <a:effectLst/>
+              <a:latin typeface="+mn-lt"/>
+              <a:ea typeface="+mn-ea"/>
+              <a:cs typeface="+mn-cs"/>
+            </a:endParaRPr>
+          </a:p>
+          <a:p>
+            <a:pPr marL="228600" marR="0" indent="-228600" algn="l" defTabSz="914400" rtl="0" eaLnBrk="1" fontAlgn="auto" latinLnBrk="0" hangingPunct="1">
+              <a:lnSpc>
+                <a:spcPct val="100000"/>
+              </a:lnSpc>
+              <a:spcBef>
+                <a:spcPts val="0"/>
+              </a:spcBef>
+              <a:spcAft>
+                <a:spcPts val="0"/>
+              </a:spcAft>
+              <a:buClrTx/>
+              <a:buSzTx/>
+              <a:buFontTx/>
+              <a:buAutoNum type="arabicPeriod"/>
+              <a:tabLst/>
+              <a:defRPr/>
+            </a:pPr>
+            <a:r>
+              <a:rPr lang="ru-RU" sz="1200" kern="1200" baseline="0" dirty="0" smtClean="0">
+                <a:solidFill>
+                  <a:schemeClr val="tx1"/>
+                </a:solidFill>
+                <a:effectLst/>
+                <a:latin typeface="+mn-lt"/>
+                <a:ea typeface="+mn-ea"/>
+                <a:cs typeface="+mn-cs"/>
+              </a:rPr>
+              <a:t>Увеличение тестовых сценариев</a:t>
+            </a:r>
+          </a:p>
+          <a:p>
+            <a:pPr marL="228600" marR="0" indent="-228600" algn="l" defTabSz="914400" rtl="0" eaLnBrk="1" fontAlgn="auto" latinLnBrk="0" hangingPunct="1">
+              <a:lnSpc>
+                <a:spcPct val="100000"/>
+              </a:lnSpc>
+              <a:spcBef>
+                <a:spcPts val="0"/>
+              </a:spcBef>
+              <a:spcAft>
+                <a:spcPts val="0"/>
+              </a:spcAft>
+              <a:buClrTx/>
+              <a:buSzTx/>
+              <a:buFontTx/>
+              <a:buAutoNum type="arabicPeriod"/>
+              <a:tabLst/>
+              <a:defRPr/>
+            </a:pPr>
+            <a:r>
+              <a:rPr lang="ru-RU" sz="1200" kern="1200" baseline="0" dirty="0" smtClean="0">
+                <a:solidFill>
+                  <a:schemeClr val="tx1"/>
+                </a:solidFill>
+                <a:effectLst/>
+                <a:latin typeface="+mn-lt"/>
+                <a:ea typeface="+mn-ea"/>
+                <a:cs typeface="+mn-cs"/>
+              </a:rPr>
+              <a:t>Пространство для </a:t>
+            </a:r>
+            <a:r>
+              <a:rPr lang="ru-RU" sz="1200" kern="1200" baseline="0" dirty="0" err="1" smtClean="0">
+                <a:solidFill>
+                  <a:schemeClr val="tx1"/>
+                </a:solidFill>
+                <a:effectLst/>
+                <a:latin typeface="+mn-lt"/>
+                <a:ea typeface="+mn-ea"/>
+                <a:cs typeface="+mn-cs"/>
+              </a:rPr>
+              <a:t>дефектых</a:t>
+            </a:r>
+            <a:r>
+              <a:rPr lang="ru-RU" sz="1200" kern="1200" baseline="0" dirty="0" smtClean="0">
+                <a:solidFill>
+                  <a:schemeClr val="tx1"/>
+                </a:solidFill>
+                <a:effectLst/>
+                <a:latin typeface="+mn-lt"/>
+                <a:ea typeface="+mn-ea"/>
+                <a:cs typeface="+mn-cs"/>
+              </a:rPr>
+              <a:t> состояний (след. слайд)</a:t>
+            </a:r>
+            <a:endParaRPr lang="en-US" sz="1200" kern="1200" dirty="0" smtClean="0">
+              <a:solidFill>
+                <a:schemeClr val="tx1"/>
+              </a:solidFill>
+              <a:effectLst/>
+              <a:latin typeface="+mn-lt"/>
+              <a:ea typeface="+mn-ea"/>
+              <a:cs typeface="+mn-cs"/>
+            </a:endParaRPr>
+          </a:p>
+        </p:txBody>
+      </p:sp>
+      <p:sp>
+        <p:nvSpPr>
+          <p:cNvPr id="4" name="Номер слайда 3"/>
+          <p:cNvSpPr>
+            <a:spLocks noGrp="1"/>
+          </p:cNvSpPr>
+          <p:nvPr>
+            <p:ph type="sldNum" sz="quarter" idx="10"/>
+          </p:nvPr>
+        </p:nvSpPr>
+        <p:spPr/>
+        <p:txBody>
+          <a:bodyPr/>
+          <a:lstStyle/>
+          <a:p>
+            <a:fld id="{D54409A1-088C-44D9-A8D7-99583A7259E8}" type="slidenum">
+              <a:rPr lang="en-US" smtClean="0"/>
+              <a:t>129</a:t>
+            </a:fld>
+            <a:endParaRPr lang="en-US"/>
+          </a:p>
+        </p:txBody>
+      </p:sp>
+    </p:spTree>
+    <p:extLst>
+      <p:ext uri="{BB962C8B-B14F-4D97-AF65-F5344CB8AC3E}">
+        <p14:creationId xmlns:p14="http://schemas.microsoft.com/office/powerpoint/2010/main" val="1231158043"/>
+      </p:ext>
+    </p:extLst>
+  </p:cSld>
+  <p:clrMapOvr>
+    <a:masterClrMapping/>
+  </p:clrMapOvr>
+</p:notes>
+</file>
+
+<file path=ppt/notesSlides/notesSlide47.xml><?xml version="1.0" encoding="utf-8"?>
+<p:notes xmlns:a="http://schemas.openxmlformats.org/drawingml/2006/main" xmlns:r="http://schemas.openxmlformats.org/officeDocument/2006/relationships" xmlns:p="http://schemas.openxmlformats.org/presentationml/2006/main">
+  <p:cSld>
+    <p:spTree>
+      <p:nvGrpSpPr>
+        <p:cNvPr id="1" name=""/>
+        <p:cNvGrpSpPr/>
+        <p:nvPr/>
+      </p:nvGrpSpPr>
+      <p:grpSpPr>
+        <a:xfrm>
+          <a:off x="0" y="0"/>
+          <a:ext cx="0" cy="0"/>
+          <a:chOff x="0" y="0"/>
+          <a:chExt cx="0" cy="0"/>
+        </a:xfrm>
+      </p:grpSpPr>
+      <p:sp>
+        <p:nvSpPr>
+          <p:cNvPr id="2" name="Образ слайда 1"/>
+          <p:cNvSpPr>
+            <a:spLocks noGrp="1" noRot="1" noChangeAspect="1"/>
+          </p:cNvSpPr>
+          <p:nvPr>
+            <p:ph type="sldImg"/>
+          </p:nvPr>
+        </p:nvSpPr>
+        <p:spPr/>
+      </p:sp>
+      <p:sp>
+        <p:nvSpPr>
+          <p:cNvPr id="3" name="Заметки 2"/>
+          <p:cNvSpPr>
+            <a:spLocks noGrp="1"/>
+          </p:cNvSpPr>
+          <p:nvPr>
+            <p:ph type="body" idx="1"/>
+          </p:nvPr>
+        </p:nvSpPr>
+        <p:spPr/>
+        <p:txBody>
+          <a:bodyPr/>
+          <a:lstStyle/>
+          <a:p>
+            <a:pPr marL="0" marR="0" indent="0" algn="l" defTabSz="914400" rtl="0" eaLnBrk="1" fontAlgn="auto" latinLnBrk="0" hangingPunct="1">
+              <a:lnSpc>
+                <a:spcPct val="100000"/>
+              </a:lnSpc>
+              <a:spcBef>
+                <a:spcPts val="0"/>
+              </a:spcBef>
+              <a:spcAft>
+                <a:spcPts val="0"/>
+              </a:spcAft>
+              <a:buClrTx/>
+              <a:buSzTx/>
+              <a:buFontTx/>
+              <a:buNone/>
+              <a:tabLst/>
+              <a:defRPr/>
+            </a:pPr>
+            <a:endParaRPr lang="en-US" sz="1200" kern="1200" dirty="0" smtClean="0">
+              <a:solidFill>
+                <a:schemeClr val="tx1"/>
+              </a:solidFill>
+              <a:effectLst/>
+              <a:latin typeface="+mn-lt"/>
+              <a:ea typeface="+mn-ea"/>
+              <a:cs typeface="+mn-cs"/>
+            </a:endParaRPr>
+          </a:p>
+        </p:txBody>
+      </p:sp>
+      <p:sp>
+        <p:nvSpPr>
+          <p:cNvPr id="4" name="Номер слайда 3"/>
+          <p:cNvSpPr>
+            <a:spLocks noGrp="1"/>
+          </p:cNvSpPr>
+          <p:nvPr>
+            <p:ph type="sldNum" sz="quarter" idx="10"/>
+          </p:nvPr>
+        </p:nvSpPr>
+        <p:spPr/>
+        <p:txBody>
+          <a:bodyPr/>
+          <a:lstStyle/>
+          <a:p>
+            <a:fld id="{D54409A1-088C-44D9-A8D7-99583A7259E8}" type="slidenum">
+              <a:rPr lang="en-US" smtClean="0"/>
+              <a:t>130</a:t>
+            </a:fld>
+            <a:endParaRPr lang="en-US"/>
+          </a:p>
+        </p:txBody>
+      </p:sp>
+    </p:spTree>
+    <p:extLst>
+      <p:ext uri="{BB962C8B-B14F-4D97-AF65-F5344CB8AC3E}">
+        <p14:creationId xmlns:p14="http://schemas.microsoft.com/office/powerpoint/2010/main" val="3648273716"/>
+      </p:ext>
+    </p:extLst>
+  </p:cSld>
+  <p:clrMapOvr>
+    <a:masterClrMapping/>
+  </p:clrMapOvr>
+</p:notes>
+</file>
+
+<file path=ppt/notesSlides/notesSlide48.xml><?xml version="1.0" encoding="utf-8"?>
+<p:notes xmlns:a="http://schemas.openxmlformats.org/drawingml/2006/main" xmlns:r="http://schemas.openxmlformats.org/officeDocument/2006/relationships" xmlns:p="http://schemas.openxmlformats.org/presentationml/2006/main">
+  <p:cSld>
+    <p:spTree>
+      <p:nvGrpSpPr>
+        <p:cNvPr id="1" name=""/>
+        <p:cNvGrpSpPr/>
+        <p:nvPr/>
+      </p:nvGrpSpPr>
+      <p:grpSpPr>
+        <a:xfrm>
+          <a:off x="0" y="0"/>
+          <a:ext cx="0" cy="0"/>
+          <a:chOff x="0" y="0"/>
+          <a:chExt cx="0" cy="0"/>
+        </a:xfrm>
+      </p:grpSpPr>
+      <p:sp>
+        <p:nvSpPr>
+          <p:cNvPr id="2" name="Образ слайда 1"/>
+          <p:cNvSpPr>
+            <a:spLocks noGrp="1" noRot="1" noChangeAspect="1"/>
+          </p:cNvSpPr>
+          <p:nvPr>
+            <p:ph type="sldImg"/>
+          </p:nvPr>
+        </p:nvSpPr>
+        <p:spPr/>
+      </p:sp>
+      <p:sp>
+        <p:nvSpPr>
+          <p:cNvPr id="3" name="Заметки 2"/>
+          <p:cNvSpPr>
+            <a:spLocks noGrp="1"/>
+          </p:cNvSpPr>
+          <p:nvPr>
+            <p:ph type="body" idx="1"/>
+          </p:nvPr>
+        </p:nvSpPr>
+        <p:spPr/>
+        <p:txBody>
+          <a:bodyPr/>
+          <a:lstStyle/>
+          <a:p>
+            <a:pPr marL="0" marR="0" indent="0" algn="l" defTabSz="914400" rtl="0" eaLnBrk="1" fontAlgn="auto" latinLnBrk="0" hangingPunct="1">
+              <a:lnSpc>
+                <a:spcPct val="100000"/>
+              </a:lnSpc>
+              <a:spcBef>
+                <a:spcPts val="0"/>
+              </a:spcBef>
+              <a:spcAft>
+                <a:spcPts val="0"/>
+              </a:spcAft>
+              <a:buClrTx/>
+              <a:buSzTx/>
+              <a:buFontTx/>
+              <a:buNone/>
+              <a:tabLst/>
+              <a:defRPr/>
+            </a:pPr>
+            <a:r>
+              <a:rPr lang="ru-RU" dirty="0" smtClean="0"/>
+              <a:t>Пример</a:t>
+            </a:r>
+            <a:r>
+              <a:rPr lang="ru-RU" baseline="0" dirty="0" smtClean="0"/>
+              <a:t> неточного моделирования с </a:t>
+            </a:r>
+            <a:r>
+              <a:rPr lang="en-US" sz="1200" kern="1200" dirty="0" err="1" smtClean="0">
+                <a:solidFill>
+                  <a:schemeClr val="tx1"/>
+                </a:solidFill>
+                <a:effectLst/>
+                <a:latin typeface="+mn-lt"/>
+                <a:ea typeface="+mn-ea"/>
+                <a:cs typeface="+mn-cs"/>
+              </a:rPr>
+              <a:t>getFromApi</a:t>
+            </a:r>
+            <a:r>
+              <a:rPr lang="en-US" sz="1200" kern="1200" dirty="0" smtClean="0">
+                <a:solidFill>
+                  <a:schemeClr val="tx1"/>
+                </a:solidFill>
+                <a:effectLst/>
+                <a:latin typeface="+mn-lt"/>
+                <a:ea typeface="+mn-ea"/>
+                <a:cs typeface="+mn-cs"/>
+              </a:rPr>
+              <a:t>('/users‘</a:t>
+            </a:r>
+            <a:r>
+              <a:rPr lang="ru-RU" sz="1200" kern="1200" dirty="0" smtClean="0">
+                <a:solidFill>
+                  <a:schemeClr val="tx1"/>
+                </a:solidFill>
+                <a:effectLst/>
+                <a:latin typeface="+mn-lt"/>
+                <a:ea typeface="+mn-ea"/>
+                <a:cs typeface="+mn-cs"/>
+              </a:rPr>
+              <a:t>)</a:t>
+            </a:r>
+            <a:endParaRPr lang="en-US" sz="1200" kern="1200" dirty="0" smtClean="0">
+              <a:solidFill>
+                <a:schemeClr val="tx1"/>
+              </a:solidFill>
+              <a:effectLst/>
+              <a:latin typeface="+mn-lt"/>
+              <a:ea typeface="+mn-ea"/>
+              <a:cs typeface="+mn-cs"/>
+            </a:endParaRPr>
+          </a:p>
+        </p:txBody>
+      </p:sp>
+      <p:sp>
+        <p:nvSpPr>
+          <p:cNvPr id="4" name="Номер слайда 3"/>
+          <p:cNvSpPr>
+            <a:spLocks noGrp="1"/>
+          </p:cNvSpPr>
+          <p:nvPr>
+            <p:ph type="sldNum" sz="quarter" idx="10"/>
+          </p:nvPr>
+        </p:nvSpPr>
+        <p:spPr/>
+        <p:txBody>
+          <a:bodyPr/>
+          <a:lstStyle/>
+          <a:p>
+            <a:fld id="{D54409A1-088C-44D9-A8D7-99583A7259E8}" type="slidenum">
+              <a:rPr lang="en-US" smtClean="0"/>
+              <a:t>131</a:t>
+            </a:fld>
+            <a:endParaRPr lang="en-US"/>
+          </a:p>
+        </p:txBody>
+      </p:sp>
+    </p:spTree>
+    <p:extLst>
+      <p:ext uri="{BB962C8B-B14F-4D97-AF65-F5344CB8AC3E}">
+        <p14:creationId xmlns:p14="http://schemas.microsoft.com/office/powerpoint/2010/main" val="3355044789"/>
       </p:ext>
     </p:extLst>
   </p:cSld>
@@ -21321,8 +22286,8 @@
         </p:nvSpPr>
         <p:spPr>
           <a:xfrm>
-            <a:off x="7612098" y="1550123"/>
-            <a:ext cx="3807688" cy="3807688"/>
+            <a:off x="7612098" y="1550124"/>
+            <a:ext cx="3790405" cy="3790405"/>
           </a:xfrm>
           <a:prstGeom prst="ellipse">
             <a:avLst/>
@@ -21381,7 +22346,7 @@
         </p:nvSpPr>
         <p:spPr>
           <a:xfrm>
-            <a:off x="4597834" y="448404"/>
+            <a:off x="4181662" y="448404"/>
             <a:ext cx="2996333" cy="830997"/>
           </a:xfrm>
           <a:prstGeom prst="rect">
@@ -21405,7 +22370,7 @@
     </p:spTree>
     <p:extLst>
       <p:ext uri="{BB962C8B-B14F-4D97-AF65-F5344CB8AC3E}">
-        <p14:creationId xmlns:p14="http://schemas.microsoft.com/office/powerpoint/2010/main" val="863305954"/>
+        <p14:creationId xmlns:p14="http://schemas.microsoft.com/office/powerpoint/2010/main" val="3982263248"/>
       </p:ext>
     </p:extLst>
   </p:cSld>
@@ -22046,7 +23011,7 @@
     </p:spTree>
     <p:extLst>
       <p:ext uri="{BB962C8B-B14F-4D97-AF65-F5344CB8AC3E}">
-        <p14:creationId xmlns:p14="http://schemas.microsoft.com/office/powerpoint/2010/main" val="3982263248"/>
+        <p14:creationId xmlns:p14="http://schemas.microsoft.com/office/powerpoint/2010/main" val="2982674828"/>
       </p:ext>
     </p:extLst>
   </p:cSld>
@@ -22678,6 +23643,2262 @@
     <p:extLst>
       <p:ext uri="{BB962C8B-B14F-4D97-AF65-F5344CB8AC3E}">
         <p14:creationId xmlns:p14="http://schemas.microsoft.com/office/powerpoint/2010/main" val="415852412"/>
+      </p:ext>
+    </p:extLst>
+  </p:cSld>
+  <p:clrMapOvr>
+    <a:masterClrMapping/>
+  </p:clrMapOvr>
+  <p:timing>
+    <p:tnLst>
+      <p:par>
+        <p:cTn id="1" dur="indefinite" restart="never" nodeType="tmRoot"/>
+      </p:par>
+    </p:tnLst>
+  </p:timing>
+</p:sld>
+</file>
+
+<file path=ppt/slides/slide126.xml><?xml version="1.0" encoding="utf-8"?>
+<p:sld xmlns:a="http://schemas.openxmlformats.org/drawingml/2006/main" xmlns:r="http://schemas.openxmlformats.org/officeDocument/2006/relationships" xmlns:p="http://schemas.openxmlformats.org/presentationml/2006/main">
+  <p:cSld>
+    <p:spTree>
+      <p:nvGrpSpPr>
+        <p:cNvPr id="1" name=""/>
+        <p:cNvGrpSpPr/>
+        <p:nvPr/>
+      </p:nvGrpSpPr>
+      <p:grpSpPr>
+        <a:xfrm>
+          <a:off x="0" y="0"/>
+          <a:ext cx="0" cy="0"/>
+          <a:chOff x="0" y="0"/>
+          <a:chExt cx="0" cy="0"/>
+        </a:xfrm>
+      </p:grpSpPr>
+      <p:sp>
+        <p:nvSpPr>
+          <p:cNvPr id="4" name="Прямоугольник 3"/>
+          <p:cNvSpPr/>
+          <p:nvPr/>
+        </p:nvSpPr>
+        <p:spPr>
+          <a:xfrm>
+            <a:off x="3890044" y="3013502"/>
+            <a:ext cx="4411913" cy="830997"/>
+          </a:xfrm>
+          <a:prstGeom prst="rect">
+            <a:avLst/>
+          </a:prstGeom>
+        </p:spPr>
+        <p:txBody>
+          <a:bodyPr wrap="none">
+            <a:spAutoFit/>
+          </a:bodyPr>
+          <a:lstStyle/>
+          <a:p>
+            <a:r>
+              <a:rPr lang="en-US" sz="4800" dirty="0" smtClean="0"/>
+              <a:t>PRACTICAL VIEW</a:t>
+            </a:r>
+            <a:endParaRPr lang="en-US" sz="4800" dirty="0"/>
+          </a:p>
+        </p:txBody>
+      </p:sp>
+    </p:spTree>
+    <p:extLst>
+      <p:ext uri="{BB962C8B-B14F-4D97-AF65-F5344CB8AC3E}">
+        <p14:creationId xmlns:p14="http://schemas.microsoft.com/office/powerpoint/2010/main" val="1623578432"/>
+      </p:ext>
+    </p:extLst>
+  </p:cSld>
+  <p:clrMapOvr>
+    <a:masterClrMapping/>
+  </p:clrMapOvr>
+  <p:timing>
+    <p:tnLst>
+      <p:par>
+        <p:cTn id="1" dur="indefinite" restart="never" nodeType="tmRoot"/>
+      </p:par>
+    </p:tnLst>
+  </p:timing>
+</p:sld>
+</file>
+
+<file path=ppt/slides/slide127.xml><?xml version="1.0" encoding="utf-8"?>
+<p:sld xmlns:a="http://schemas.openxmlformats.org/drawingml/2006/main" xmlns:r="http://schemas.openxmlformats.org/officeDocument/2006/relationships" xmlns:p="http://schemas.openxmlformats.org/presentationml/2006/main">
+  <p:cSld>
+    <p:spTree>
+      <p:nvGrpSpPr>
+        <p:cNvPr id="1" name=""/>
+        <p:cNvGrpSpPr/>
+        <p:nvPr/>
+      </p:nvGrpSpPr>
+      <p:grpSpPr>
+        <a:xfrm>
+          <a:off x="0" y="0"/>
+          <a:ext cx="0" cy="0"/>
+          <a:chOff x="0" y="0"/>
+          <a:chExt cx="0" cy="0"/>
+        </a:xfrm>
+      </p:grpSpPr>
+      <p:sp>
+        <p:nvSpPr>
+          <p:cNvPr id="2" name="Овал 1"/>
+          <p:cNvSpPr/>
+          <p:nvPr/>
+        </p:nvSpPr>
+        <p:spPr>
+          <a:xfrm>
+            <a:off x="7612098" y="1550124"/>
+            <a:ext cx="3790405" cy="3790405"/>
+          </a:xfrm>
+          <a:prstGeom prst="ellipse">
+            <a:avLst/>
+          </a:prstGeom>
+          <a:solidFill>
+            <a:srgbClr val="F0B4AE">
+              <a:alpha val="20000"/>
+            </a:srgbClr>
+          </a:solidFill>
+          <a:ln w="3175">
+            <a:solidFill>
+              <a:srgbClr val="C00000"/>
+            </a:solidFill>
+          </a:ln>
+        </p:spPr>
+        <p:style>
+          <a:lnRef idx="2">
+            <a:schemeClr val="accent1">
+              <a:shade val="50000"/>
+            </a:schemeClr>
+          </a:lnRef>
+          <a:fillRef idx="1">
+            <a:schemeClr val="accent1"/>
+          </a:fillRef>
+          <a:effectRef idx="0">
+            <a:schemeClr val="accent1"/>
+          </a:effectRef>
+          <a:fontRef idx="minor">
+            <a:schemeClr val="lt1"/>
+          </a:fontRef>
+        </p:style>
+        <p:txBody>
+          <a:bodyPr rtlCol="0" anchor="ctr"/>
+          <a:lstStyle/>
+          <a:p>
+            <a:pPr algn="ctr"/>
+            <a:endParaRPr lang="en-US"/>
+          </a:p>
+        </p:txBody>
+      </p:sp>
+      <p:sp>
+        <p:nvSpPr>
+          <p:cNvPr id="16" name="Овал 15"/>
+          <p:cNvSpPr/>
+          <p:nvPr/>
+        </p:nvSpPr>
+        <p:spPr>
+          <a:xfrm>
+            <a:off x="691659" y="1550124"/>
+            <a:ext cx="3790405" cy="3790405"/>
+          </a:xfrm>
+          <a:prstGeom prst="ellipse">
+            <a:avLst/>
+          </a:prstGeom>
+          <a:solidFill>
+            <a:schemeClr val="accent6">
+              <a:lumMod val="60000"/>
+              <a:lumOff val="40000"/>
+              <a:alpha val="20000"/>
+            </a:schemeClr>
+          </a:solidFill>
+          <a:ln w="3175">
+            <a:solidFill>
+              <a:schemeClr val="accent6">
+                <a:lumMod val="75000"/>
+              </a:schemeClr>
+            </a:solidFill>
+          </a:ln>
+        </p:spPr>
+        <p:style>
+          <a:lnRef idx="2">
+            <a:schemeClr val="accent1">
+              <a:shade val="50000"/>
+            </a:schemeClr>
+          </a:lnRef>
+          <a:fillRef idx="1">
+            <a:schemeClr val="accent1"/>
+          </a:fillRef>
+          <a:effectRef idx="0">
+            <a:schemeClr val="accent1"/>
+          </a:effectRef>
+          <a:fontRef idx="minor">
+            <a:schemeClr val="lt1"/>
+          </a:fontRef>
+        </p:style>
+        <p:txBody>
+          <a:bodyPr rtlCol="0" anchor="ctr"/>
+          <a:lstStyle/>
+          <a:p>
+            <a:pPr algn="ctr"/>
+            <a:endParaRPr lang="en-US"/>
+          </a:p>
+        </p:txBody>
+      </p:sp>
+      <p:sp>
+        <p:nvSpPr>
+          <p:cNvPr id="4" name="Овал 3"/>
+          <p:cNvSpPr/>
+          <p:nvPr/>
+        </p:nvSpPr>
+        <p:spPr>
+          <a:xfrm>
+            <a:off x="2860238" y="3063712"/>
+            <a:ext cx="150829" cy="150829"/>
+          </a:xfrm>
+          <a:prstGeom prst="ellipse">
+            <a:avLst/>
+          </a:prstGeom>
+          <a:solidFill>
+            <a:schemeClr val="accent6">
+              <a:lumMod val="75000"/>
+            </a:schemeClr>
+          </a:solidFill>
+          <a:ln>
+            <a:noFill/>
+          </a:ln>
+        </p:spPr>
+        <p:style>
+          <a:lnRef idx="2">
+            <a:schemeClr val="accent1">
+              <a:shade val="50000"/>
+            </a:schemeClr>
+          </a:lnRef>
+          <a:fillRef idx="1">
+            <a:schemeClr val="accent1"/>
+          </a:fillRef>
+          <a:effectRef idx="0">
+            <a:schemeClr val="accent1"/>
+          </a:effectRef>
+          <a:fontRef idx="minor">
+            <a:schemeClr val="lt1"/>
+          </a:fontRef>
+        </p:style>
+        <p:txBody>
+          <a:bodyPr rtlCol="0" anchor="ctr"/>
+          <a:lstStyle/>
+          <a:p>
+            <a:pPr algn="ctr"/>
+            <a:endParaRPr lang="ru-RU"/>
+          </a:p>
+        </p:txBody>
+      </p:sp>
+      <p:sp>
+        <p:nvSpPr>
+          <p:cNvPr id="8" name="Овал 7"/>
+          <p:cNvSpPr/>
+          <p:nvPr/>
+        </p:nvSpPr>
+        <p:spPr>
+          <a:xfrm>
+            <a:off x="8272795" y="3063711"/>
+            <a:ext cx="150829" cy="150829"/>
+          </a:xfrm>
+          <a:prstGeom prst="ellipse">
+            <a:avLst/>
+          </a:prstGeom>
+          <a:solidFill>
+            <a:schemeClr val="accent2">
+              <a:lumMod val="75000"/>
+            </a:schemeClr>
+          </a:solidFill>
+          <a:ln>
+            <a:noFill/>
+          </a:ln>
+        </p:spPr>
+        <p:style>
+          <a:lnRef idx="2">
+            <a:schemeClr val="accent1">
+              <a:shade val="50000"/>
+            </a:schemeClr>
+          </a:lnRef>
+          <a:fillRef idx="1">
+            <a:schemeClr val="accent1"/>
+          </a:fillRef>
+          <a:effectRef idx="0">
+            <a:schemeClr val="accent1"/>
+          </a:effectRef>
+          <a:fontRef idx="minor">
+            <a:schemeClr val="lt1"/>
+          </a:fontRef>
+        </p:style>
+        <p:txBody>
+          <a:bodyPr rtlCol="0" anchor="ctr"/>
+          <a:lstStyle/>
+          <a:p>
+            <a:pPr algn="ctr"/>
+            <a:endParaRPr lang="ru-RU"/>
+          </a:p>
+        </p:txBody>
+      </p:sp>
+      <p:cxnSp>
+        <p:nvCxnSpPr>
+          <p:cNvPr id="6" name="Прямая со стрелкой 5"/>
+          <p:cNvCxnSpPr>
+            <a:stCxn id="4" idx="6"/>
+            <a:endCxn id="8" idx="2"/>
+          </p:cNvCxnSpPr>
+          <p:nvPr/>
+        </p:nvCxnSpPr>
+        <p:spPr>
+          <a:xfrm flipV="1">
+            <a:off x="3011067" y="3139126"/>
+            <a:ext cx="5261728" cy="1"/>
+          </a:xfrm>
+          <a:prstGeom prst="straightConnector1">
+            <a:avLst/>
+          </a:prstGeom>
+          <a:ln w="38100">
+            <a:solidFill>
+              <a:schemeClr val="bg2">
+                <a:lumMod val="50000"/>
+              </a:schemeClr>
+            </a:solidFill>
+            <a:tailEnd type="triangle"/>
+          </a:ln>
+        </p:spPr>
+        <p:style>
+          <a:lnRef idx="1">
+            <a:schemeClr val="accent1"/>
+          </a:lnRef>
+          <a:fillRef idx="0">
+            <a:schemeClr val="accent1"/>
+          </a:fillRef>
+          <a:effectRef idx="0">
+            <a:schemeClr val="accent1"/>
+          </a:effectRef>
+          <a:fontRef idx="minor">
+            <a:schemeClr val="tx1"/>
+          </a:fontRef>
+        </p:style>
+      </p:cxnSp>
+      <p:sp>
+        <p:nvSpPr>
+          <p:cNvPr id="10" name="Овал 9"/>
+          <p:cNvSpPr/>
+          <p:nvPr/>
+        </p:nvSpPr>
+        <p:spPr>
+          <a:xfrm>
+            <a:off x="2586861" y="3932549"/>
+            <a:ext cx="150829" cy="150829"/>
+          </a:xfrm>
+          <a:prstGeom prst="ellipse">
+            <a:avLst/>
+          </a:prstGeom>
+          <a:solidFill>
+            <a:schemeClr val="accent6">
+              <a:lumMod val="75000"/>
+            </a:schemeClr>
+          </a:solidFill>
+          <a:ln>
+            <a:noFill/>
+          </a:ln>
+        </p:spPr>
+        <p:style>
+          <a:lnRef idx="2">
+            <a:schemeClr val="accent1">
+              <a:shade val="50000"/>
+            </a:schemeClr>
+          </a:lnRef>
+          <a:fillRef idx="1">
+            <a:schemeClr val="accent1"/>
+          </a:fillRef>
+          <a:effectRef idx="0">
+            <a:schemeClr val="accent1"/>
+          </a:effectRef>
+          <a:fontRef idx="minor">
+            <a:schemeClr val="lt1"/>
+          </a:fontRef>
+        </p:style>
+        <p:txBody>
+          <a:bodyPr rtlCol="0" anchor="ctr"/>
+          <a:lstStyle/>
+          <a:p>
+            <a:pPr algn="ctr"/>
+            <a:endParaRPr lang="ru-RU"/>
+          </a:p>
+        </p:txBody>
+      </p:sp>
+      <p:sp>
+        <p:nvSpPr>
+          <p:cNvPr id="11" name="Овал 10"/>
+          <p:cNvSpPr/>
+          <p:nvPr/>
+        </p:nvSpPr>
+        <p:spPr>
+          <a:xfrm>
+            <a:off x="8773987" y="4243633"/>
+            <a:ext cx="150829" cy="150829"/>
+          </a:xfrm>
+          <a:prstGeom prst="ellipse">
+            <a:avLst/>
+          </a:prstGeom>
+          <a:solidFill>
+            <a:schemeClr val="accent2">
+              <a:lumMod val="75000"/>
+            </a:schemeClr>
+          </a:solidFill>
+          <a:ln>
+            <a:noFill/>
+          </a:ln>
+        </p:spPr>
+        <p:style>
+          <a:lnRef idx="2">
+            <a:schemeClr val="accent1">
+              <a:shade val="50000"/>
+            </a:schemeClr>
+          </a:lnRef>
+          <a:fillRef idx="1">
+            <a:schemeClr val="accent1"/>
+          </a:fillRef>
+          <a:effectRef idx="0">
+            <a:schemeClr val="accent1"/>
+          </a:effectRef>
+          <a:fontRef idx="minor">
+            <a:schemeClr val="lt1"/>
+          </a:fontRef>
+        </p:style>
+        <p:txBody>
+          <a:bodyPr rtlCol="0" anchor="ctr"/>
+          <a:lstStyle/>
+          <a:p>
+            <a:pPr algn="ctr"/>
+            <a:endParaRPr lang="ru-RU"/>
+          </a:p>
+        </p:txBody>
+      </p:sp>
+      <p:cxnSp>
+        <p:nvCxnSpPr>
+          <p:cNvPr id="12" name="Прямая со стрелкой 11"/>
+          <p:cNvCxnSpPr>
+            <a:stCxn id="10" idx="6"/>
+            <a:endCxn id="11" idx="2"/>
+          </p:cNvCxnSpPr>
+          <p:nvPr/>
+        </p:nvCxnSpPr>
+        <p:spPr>
+          <a:xfrm>
+            <a:off x="2737690" y="4007964"/>
+            <a:ext cx="6036297" cy="311084"/>
+          </a:xfrm>
+          <a:prstGeom prst="straightConnector1">
+            <a:avLst/>
+          </a:prstGeom>
+          <a:ln w="38100">
+            <a:solidFill>
+              <a:schemeClr val="bg2">
+                <a:lumMod val="50000"/>
+              </a:schemeClr>
+            </a:solidFill>
+            <a:tailEnd type="triangle"/>
+          </a:ln>
+        </p:spPr>
+        <p:style>
+          <a:lnRef idx="1">
+            <a:schemeClr val="accent1"/>
+          </a:lnRef>
+          <a:fillRef idx="0">
+            <a:schemeClr val="accent1"/>
+          </a:fillRef>
+          <a:effectRef idx="0">
+            <a:schemeClr val="accent1"/>
+          </a:effectRef>
+          <a:fontRef idx="minor">
+            <a:schemeClr val="tx1"/>
+          </a:fontRef>
+        </p:style>
+      </p:cxnSp>
+      <p:sp>
+        <p:nvSpPr>
+          <p:cNvPr id="15" name="Овал 14"/>
+          <p:cNvSpPr/>
+          <p:nvPr/>
+        </p:nvSpPr>
+        <p:spPr>
+          <a:xfrm>
+            <a:off x="2737690" y="2270289"/>
+            <a:ext cx="150829" cy="150829"/>
+          </a:xfrm>
+          <a:prstGeom prst="ellipse">
+            <a:avLst/>
+          </a:prstGeom>
+          <a:solidFill>
+            <a:schemeClr val="accent6">
+              <a:lumMod val="75000"/>
+            </a:schemeClr>
+          </a:solidFill>
+          <a:ln>
+            <a:noFill/>
+          </a:ln>
+        </p:spPr>
+        <p:style>
+          <a:lnRef idx="2">
+            <a:schemeClr val="accent1">
+              <a:shade val="50000"/>
+            </a:schemeClr>
+          </a:lnRef>
+          <a:fillRef idx="1">
+            <a:schemeClr val="accent1"/>
+          </a:fillRef>
+          <a:effectRef idx="0">
+            <a:schemeClr val="accent1"/>
+          </a:effectRef>
+          <a:fontRef idx="minor">
+            <a:schemeClr val="lt1"/>
+          </a:fontRef>
+        </p:style>
+        <p:txBody>
+          <a:bodyPr rtlCol="0" anchor="ctr"/>
+          <a:lstStyle/>
+          <a:p>
+            <a:pPr algn="ctr"/>
+            <a:endParaRPr lang="ru-RU"/>
+          </a:p>
+        </p:txBody>
+      </p:sp>
+      <p:sp>
+        <p:nvSpPr>
+          <p:cNvPr id="19" name="Овал 18"/>
+          <p:cNvSpPr/>
+          <p:nvPr/>
+        </p:nvSpPr>
+        <p:spPr>
+          <a:xfrm>
+            <a:off x="8623158" y="2194874"/>
+            <a:ext cx="150829" cy="150829"/>
+          </a:xfrm>
+          <a:prstGeom prst="ellipse">
+            <a:avLst/>
+          </a:prstGeom>
+          <a:solidFill>
+            <a:schemeClr val="accent2">
+              <a:lumMod val="75000"/>
+            </a:schemeClr>
+          </a:solidFill>
+          <a:ln>
+            <a:noFill/>
+          </a:ln>
+        </p:spPr>
+        <p:style>
+          <a:lnRef idx="2">
+            <a:schemeClr val="accent1">
+              <a:shade val="50000"/>
+            </a:schemeClr>
+          </a:lnRef>
+          <a:fillRef idx="1">
+            <a:schemeClr val="accent1"/>
+          </a:fillRef>
+          <a:effectRef idx="0">
+            <a:schemeClr val="accent1"/>
+          </a:effectRef>
+          <a:fontRef idx="minor">
+            <a:schemeClr val="lt1"/>
+          </a:fontRef>
+        </p:style>
+        <p:txBody>
+          <a:bodyPr rtlCol="0" anchor="ctr"/>
+          <a:lstStyle/>
+          <a:p>
+            <a:pPr algn="ctr"/>
+            <a:endParaRPr lang="ru-RU"/>
+          </a:p>
+        </p:txBody>
+      </p:sp>
+      <p:cxnSp>
+        <p:nvCxnSpPr>
+          <p:cNvPr id="20" name="Прямая со стрелкой 19"/>
+          <p:cNvCxnSpPr>
+            <a:stCxn id="15" idx="6"/>
+            <a:endCxn id="19" idx="2"/>
+          </p:cNvCxnSpPr>
+          <p:nvPr/>
+        </p:nvCxnSpPr>
+        <p:spPr>
+          <a:xfrm flipV="1">
+            <a:off x="2888519" y="2270289"/>
+            <a:ext cx="5734639" cy="75415"/>
+          </a:xfrm>
+          <a:prstGeom prst="straightConnector1">
+            <a:avLst/>
+          </a:prstGeom>
+          <a:ln w="38100">
+            <a:solidFill>
+              <a:schemeClr val="bg2">
+                <a:lumMod val="50000"/>
+              </a:schemeClr>
+            </a:solidFill>
+            <a:tailEnd type="triangle"/>
+          </a:ln>
+        </p:spPr>
+        <p:style>
+          <a:lnRef idx="1">
+            <a:schemeClr val="accent1"/>
+          </a:lnRef>
+          <a:fillRef idx="0">
+            <a:schemeClr val="accent1"/>
+          </a:fillRef>
+          <a:effectRef idx="0">
+            <a:schemeClr val="accent1"/>
+          </a:effectRef>
+          <a:fontRef idx="minor">
+            <a:schemeClr val="tx1"/>
+          </a:fontRef>
+        </p:style>
+      </p:cxnSp>
+      <p:sp>
+        <p:nvSpPr>
+          <p:cNvPr id="21" name="Овал 20"/>
+          <p:cNvSpPr/>
+          <p:nvPr/>
+        </p:nvSpPr>
+        <p:spPr>
+          <a:xfrm>
+            <a:off x="7866622" y="2017335"/>
+            <a:ext cx="2567477" cy="2567477"/>
+          </a:xfrm>
+          <a:prstGeom prst="ellipse">
+            <a:avLst/>
+          </a:prstGeom>
+          <a:solidFill>
+            <a:srgbClr val="FF0000">
+              <a:alpha val="20000"/>
+            </a:srgbClr>
+          </a:solidFill>
+          <a:ln w="3175">
+            <a:solidFill>
+              <a:srgbClr val="C00000"/>
+            </a:solidFill>
+          </a:ln>
+        </p:spPr>
+        <p:style>
+          <a:lnRef idx="2">
+            <a:schemeClr val="accent1">
+              <a:shade val="50000"/>
+            </a:schemeClr>
+          </a:lnRef>
+          <a:fillRef idx="1">
+            <a:schemeClr val="accent1"/>
+          </a:fillRef>
+          <a:effectRef idx="0">
+            <a:schemeClr val="accent1"/>
+          </a:effectRef>
+          <a:fontRef idx="minor">
+            <a:schemeClr val="lt1"/>
+          </a:fontRef>
+        </p:style>
+        <p:txBody>
+          <a:bodyPr rtlCol="0" anchor="ctr"/>
+          <a:lstStyle/>
+          <a:p>
+            <a:pPr algn="ctr"/>
+            <a:endParaRPr lang="en-US" dirty="0"/>
+          </a:p>
+        </p:txBody>
+      </p:sp>
+      <p:sp>
+        <p:nvSpPr>
+          <p:cNvPr id="17" name="Овал 16"/>
+          <p:cNvSpPr/>
+          <p:nvPr/>
+        </p:nvSpPr>
+        <p:spPr>
+          <a:xfrm>
+            <a:off x="10283270" y="2157167"/>
+            <a:ext cx="150829" cy="150829"/>
+          </a:xfrm>
+          <a:prstGeom prst="ellipse">
+            <a:avLst/>
+          </a:prstGeom>
+          <a:solidFill>
+            <a:srgbClr val="FF0000"/>
+          </a:solidFill>
+          <a:ln>
+            <a:noFill/>
+          </a:ln>
+        </p:spPr>
+        <p:style>
+          <a:lnRef idx="2">
+            <a:schemeClr val="accent1">
+              <a:shade val="50000"/>
+            </a:schemeClr>
+          </a:lnRef>
+          <a:fillRef idx="1">
+            <a:schemeClr val="accent1"/>
+          </a:fillRef>
+          <a:effectRef idx="0">
+            <a:schemeClr val="accent1"/>
+          </a:effectRef>
+          <a:fontRef idx="minor">
+            <a:schemeClr val="lt1"/>
+          </a:fontRef>
+        </p:style>
+        <p:txBody>
+          <a:bodyPr rtlCol="0" anchor="ctr"/>
+          <a:lstStyle/>
+          <a:p>
+            <a:pPr algn="ctr"/>
+            <a:endParaRPr lang="ru-RU"/>
+          </a:p>
+        </p:txBody>
+      </p:sp>
+      <p:sp>
+        <p:nvSpPr>
+          <p:cNvPr id="3" name="Прямоугольник 2"/>
+          <p:cNvSpPr/>
+          <p:nvPr/>
+        </p:nvSpPr>
+        <p:spPr>
+          <a:xfrm>
+            <a:off x="1362881" y="865062"/>
+            <a:ext cx="2598788" cy="523220"/>
+          </a:xfrm>
+          <a:prstGeom prst="rect">
+            <a:avLst/>
+          </a:prstGeom>
+        </p:spPr>
+        <p:txBody>
+          <a:bodyPr wrap="none">
+            <a:spAutoFit/>
+          </a:bodyPr>
+          <a:lstStyle/>
+          <a:p>
+            <a:pPr algn="ctr"/>
+            <a:r>
+              <a:rPr lang="en-US" sz="2800" dirty="0" smtClean="0"/>
+              <a:t>(actual scenario)</a:t>
+            </a:r>
+            <a:endParaRPr lang="en-US" sz="2800" dirty="0"/>
+          </a:p>
+        </p:txBody>
+      </p:sp>
+      <p:sp>
+        <p:nvSpPr>
+          <p:cNvPr id="18" name="Прямоугольник 17"/>
+          <p:cNvSpPr/>
+          <p:nvPr/>
+        </p:nvSpPr>
+        <p:spPr>
+          <a:xfrm>
+            <a:off x="8466969" y="934808"/>
+            <a:ext cx="2390398" cy="523220"/>
+          </a:xfrm>
+          <a:prstGeom prst="rect">
+            <a:avLst/>
+          </a:prstGeom>
+        </p:spPr>
+        <p:txBody>
+          <a:bodyPr wrap="none">
+            <a:spAutoFit/>
+          </a:bodyPr>
+          <a:lstStyle/>
+          <a:p>
+            <a:pPr algn="ctr"/>
+            <a:r>
+              <a:rPr lang="en-US" sz="2800" dirty="0">
+                <a:solidFill>
+                  <a:prstClr val="black"/>
+                </a:solidFill>
+                <a:latin typeface="Roboto" panose="02000000000000000000" pitchFamily="2" charset="0"/>
+                <a:ea typeface="Roboto" panose="02000000000000000000" pitchFamily="2" charset="0"/>
+              </a:rPr>
+              <a:t>(result, error)</a:t>
+            </a:r>
+            <a:endParaRPr lang="en-US" sz="2800" dirty="0"/>
+          </a:p>
+        </p:txBody>
+      </p:sp>
+    </p:spTree>
+    <p:extLst>
+      <p:ext uri="{BB962C8B-B14F-4D97-AF65-F5344CB8AC3E}">
+        <p14:creationId xmlns:p14="http://schemas.microsoft.com/office/powerpoint/2010/main" val="3286543559"/>
+      </p:ext>
+    </p:extLst>
+  </p:cSld>
+  <p:clrMapOvr>
+    <a:masterClrMapping/>
+  </p:clrMapOvr>
+  <p:timing>
+    <p:tnLst>
+      <p:par>
+        <p:cTn id="1" dur="indefinite" restart="never" nodeType="tmRoot"/>
+      </p:par>
+    </p:tnLst>
+  </p:timing>
+</p:sld>
+</file>
+
+<file path=ppt/slides/slide128.xml><?xml version="1.0" encoding="utf-8"?>
+<p:sld xmlns:a="http://schemas.openxmlformats.org/drawingml/2006/main" xmlns:r="http://schemas.openxmlformats.org/officeDocument/2006/relationships" xmlns:p="http://schemas.openxmlformats.org/presentationml/2006/main">
+  <p:cSld>
+    <p:spTree>
+      <p:nvGrpSpPr>
+        <p:cNvPr id="1" name=""/>
+        <p:cNvGrpSpPr/>
+        <p:nvPr/>
+      </p:nvGrpSpPr>
+      <p:grpSpPr>
+        <a:xfrm>
+          <a:off x="0" y="0"/>
+          <a:ext cx="0" cy="0"/>
+          <a:chOff x="0" y="0"/>
+          <a:chExt cx="0" cy="0"/>
+        </a:xfrm>
+      </p:grpSpPr>
+      <p:sp>
+        <p:nvSpPr>
+          <p:cNvPr id="21" name="Овал 20"/>
+          <p:cNvSpPr/>
+          <p:nvPr/>
+        </p:nvSpPr>
+        <p:spPr>
+          <a:xfrm>
+            <a:off x="881360" y="2055042"/>
+            <a:ext cx="2567477" cy="2567477"/>
+          </a:xfrm>
+          <a:prstGeom prst="ellipse">
+            <a:avLst/>
+          </a:prstGeom>
+          <a:solidFill>
+            <a:srgbClr val="FF0000">
+              <a:alpha val="20000"/>
+            </a:srgbClr>
+          </a:solidFill>
+          <a:ln w="3175">
+            <a:solidFill>
+              <a:srgbClr val="C00000"/>
+            </a:solidFill>
+          </a:ln>
+        </p:spPr>
+        <p:style>
+          <a:lnRef idx="2">
+            <a:schemeClr val="accent1">
+              <a:shade val="50000"/>
+            </a:schemeClr>
+          </a:lnRef>
+          <a:fillRef idx="1">
+            <a:schemeClr val="accent1"/>
+          </a:fillRef>
+          <a:effectRef idx="0">
+            <a:schemeClr val="accent1"/>
+          </a:effectRef>
+          <a:fontRef idx="minor">
+            <a:schemeClr val="lt1"/>
+          </a:fontRef>
+        </p:style>
+        <p:txBody>
+          <a:bodyPr rtlCol="0" anchor="ctr"/>
+          <a:lstStyle/>
+          <a:p>
+            <a:pPr algn="ctr"/>
+            <a:endParaRPr lang="en-US" dirty="0"/>
+          </a:p>
+        </p:txBody>
+      </p:sp>
+      <p:sp>
+        <p:nvSpPr>
+          <p:cNvPr id="2" name="Овал 1"/>
+          <p:cNvSpPr/>
+          <p:nvPr/>
+        </p:nvSpPr>
+        <p:spPr>
+          <a:xfrm>
+            <a:off x="626836" y="1587831"/>
+            <a:ext cx="3790405" cy="3790405"/>
+          </a:xfrm>
+          <a:prstGeom prst="ellipse">
+            <a:avLst/>
+          </a:prstGeom>
+          <a:solidFill>
+            <a:srgbClr val="F0B4AE">
+              <a:alpha val="20000"/>
+            </a:srgbClr>
+          </a:solidFill>
+          <a:ln w="3175">
+            <a:solidFill>
+              <a:srgbClr val="C00000"/>
+            </a:solidFill>
+          </a:ln>
+        </p:spPr>
+        <p:style>
+          <a:lnRef idx="2">
+            <a:schemeClr val="accent1">
+              <a:shade val="50000"/>
+            </a:schemeClr>
+          </a:lnRef>
+          <a:fillRef idx="1">
+            <a:schemeClr val="accent1"/>
+          </a:fillRef>
+          <a:effectRef idx="0">
+            <a:schemeClr val="accent1"/>
+          </a:effectRef>
+          <a:fontRef idx="minor">
+            <a:schemeClr val="lt1"/>
+          </a:fontRef>
+        </p:style>
+        <p:txBody>
+          <a:bodyPr rtlCol="0" anchor="ctr"/>
+          <a:lstStyle/>
+          <a:p>
+            <a:pPr algn="ctr"/>
+            <a:endParaRPr lang="en-US"/>
+          </a:p>
+        </p:txBody>
+      </p:sp>
+      <p:sp>
+        <p:nvSpPr>
+          <p:cNvPr id="8" name="Овал 7"/>
+          <p:cNvSpPr/>
+          <p:nvPr/>
+        </p:nvSpPr>
+        <p:spPr>
+          <a:xfrm>
+            <a:off x="1287533" y="3101418"/>
+            <a:ext cx="150829" cy="150829"/>
+          </a:xfrm>
+          <a:prstGeom prst="ellipse">
+            <a:avLst/>
+          </a:prstGeom>
+          <a:solidFill>
+            <a:schemeClr val="accent2">
+              <a:lumMod val="75000"/>
+            </a:schemeClr>
+          </a:solidFill>
+          <a:ln>
+            <a:noFill/>
+          </a:ln>
+        </p:spPr>
+        <p:style>
+          <a:lnRef idx="2">
+            <a:schemeClr val="accent1">
+              <a:shade val="50000"/>
+            </a:schemeClr>
+          </a:lnRef>
+          <a:fillRef idx="1">
+            <a:schemeClr val="accent1"/>
+          </a:fillRef>
+          <a:effectRef idx="0">
+            <a:schemeClr val="accent1"/>
+          </a:effectRef>
+          <a:fontRef idx="minor">
+            <a:schemeClr val="lt1"/>
+          </a:fontRef>
+        </p:style>
+        <p:txBody>
+          <a:bodyPr rtlCol="0" anchor="ctr"/>
+          <a:lstStyle/>
+          <a:p>
+            <a:pPr algn="ctr"/>
+            <a:endParaRPr lang="ru-RU"/>
+          </a:p>
+        </p:txBody>
+      </p:sp>
+      <p:sp>
+        <p:nvSpPr>
+          <p:cNvPr id="11" name="Овал 10"/>
+          <p:cNvSpPr/>
+          <p:nvPr/>
+        </p:nvSpPr>
+        <p:spPr>
+          <a:xfrm>
+            <a:off x="1788725" y="4281340"/>
+            <a:ext cx="150829" cy="150829"/>
+          </a:xfrm>
+          <a:prstGeom prst="ellipse">
+            <a:avLst/>
+          </a:prstGeom>
+          <a:solidFill>
+            <a:schemeClr val="accent2">
+              <a:lumMod val="75000"/>
+            </a:schemeClr>
+          </a:solidFill>
+          <a:ln>
+            <a:noFill/>
+          </a:ln>
+        </p:spPr>
+        <p:style>
+          <a:lnRef idx="2">
+            <a:schemeClr val="accent1">
+              <a:shade val="50000"/>
+            </a:schemeClr>
+          </a:lnRef>
+          <a:fillRef idx="1">
+            <a:schemeClr val="accent1"/>
+          </a:fillRef>
+          <a:effectRef idx="0">
+            <a:schemeClr val="accent1"/>
+          </a:effectRef>
+          <a:fontRef idx="minor">
+            <a:schemeClr val="lt1"/>
+          </a:fontRef>
+        </p:style>
+        <p:txBody>
+          <a:bodyPr rtlCol="0" anchor="ctr"/>
+          <a:lstStyle/>
+          <a:p>
+            <a:pPr algn="ctr"/>
+            <a:endParaRPr lang="ru-RU"/>
+          </a:p>
+        </p:txBody>
+      </p:sp>
+      <p:sp>
+        <p:nvSpPr>
+          <p:cNvPr id="19" name="Овал 18"/>
+          <p:cNvSpPr/>
+          <p:nvPr/>
+        </p:nvSpPr>
+        <p:spPr>
+          <a:xfrm>
+            <a:off x="1637896" y="2232581"/>
+            <a:ext cx="150829" cy="150829"/>
+          </a:xfrm>
+          <a:prstGeom prst="ellipse">
+            <a:avLst/>
+          </a:prstGeom>
+          <a:solidFill>
+            <a:schemeClr val="accent2">
+              <a:lumMod val="75000"/>
+            </a:schemeClr>
+          </a:solidFill>
+          <a:ln>
+            <a:noFill/>
+          </a:ln>
+        </p:spPr>
+        <p:style>
+          <a:lnRef idx="2">
+            <a:schemeClr val="accent1">
+              <a:shade val="50000"/>
+            </a:schemeClr>
+          </a:lnRef>
+          <a:fillRef idx="1">
+            <a:schemeClr val="accent1"/>
+          </a:fillRef>
+          <a:effectRef idx="0">
+            <a:schemeClr val="accent1"/>
+          </a:effectRef>
+          <a:fontRef idx="minor">
+            <a:schemeClr val="lt1"/>
+          </a:fontRef>
+        </p:style>
+        <p:txBody>
+          <a:bodyPr rtlCol="0" anchor="ctr"/>
+          <a:lstStyle/>
+          <a:p>
+            <a:pPr algn="ctr"/>
+            <a:endParaRPr lang="ru-RU"/>
+          </a:p>
+        </p:txBody>
+      </p:sp>
+      <p:sp>
+        <p:nvSpPr>
+          <p:cNvPr id="17" name="Овал 16"/>
+          <p:cNvSpPr/>
+          <p:nvPr/>
+        </p:nvSpPr>
+        <p:spPr>
+          <a:xfrm>
+            <a:off x="3298008" y="2194874"/>
+            <a:ext cx="150829" cy="150829"/>
+          </a:xfrm>
+          <a:prstGeom prst="ellipse">
+            <a:avLst/>
+          </a:prstGeom>
+          <a:solidFill>
+            <a:srgbClr val="FF0000"/>
+          </a:solidFill>
+          <a:ln>
+            <a:noFill/>
+          </a:ln>
+        </p:spPr>
+        <p:style>
+          <a:lnRef idx="2">
+            <a:schemeClr val="accent1">
+              <a:shade val="50000"/>
+            </a:schemeClr>
+          </a:lnRef>
+          <a:fillRef idx="1">
+            <a:schemeClr val="accent1"/>
+          </a:fillRef>
+          <a:effectRef idx="0">
+            <a:schemeClr val="accent1"/>
+          </a:effectRef>
+          <a:fontRef idx="minor">
+            <a:schemeClr val="lt1"/>
+          </a:fontRef>
+        </p:style>
+        <p:txBody>
+          <a:bodyPr rtlCol="0" anchor="ctr"/>
+          <a:lstStyle/>
+          <a:p>
+            <a:pPr algn="ctr"/>
+            <a:endParaRPr lang="ru-RU"/>
+          </a:p>
+        </p:txBody>
+      </p:sp>
+      <p:sp>
+        <p:nvSpPr>
+          <p:cNvPr id="18" name="Прямоугольник 17"/>
+          <p:cNvSpPr/>
+          <p:nvPr/>
+        </p:nvSpPr>
+        <p:spPr>
+          <a:xfrm>
+            <a:off x="1287533" y="887599"/>
+            <a:ext cx="2390398" cy="523220"/>
+          </a:xfrm>
+          <a:prstGeom prst="rect">
+            <a:avLst/>
+          </a:prstGeom>
+        </p:spPr>
+        <p:txBody>
+          <a:bodyPr wrap="none">
+            <a:spAutoFit/>
+          </a:bodyPr>
+          <a:lstStyle/>
+          <a:p>
+            <a:pPr algn="ctr"/>
+            <a:r>
+              <a:rPr lang="en-US" sz="2800" dirty="0">
+                <a:solidFill>
+                  <a:prstClr val="black"/>
+                </a:solidFill>
+                <a:latin typeface="Roboto" panose="02000000000000000000" pitchFamily="2" charset="0"/>
+                <a:ea typeface="Roboto" panose="02000000000000000000" pitchFamily="2" charset="0"/>
+              </a:rPr>
+              <a:t>(result, error)</a:t>
+            </a:r>
+            <a:endParaRPr lang="en-US" sz="2800" dirty="0"/>
+          </a:p>
+        </p:txBody>
+      </p:sp>
+      <p:sp>
+        <p:nvSpPr>
+          <p:cNvPr id="22" name="Овал 21"/>
+          <p:cNvSpPr/>
+          <p:nvPr/>
+        </p:nvSpPr>
+        <p:spPr>
+          <a:xfrm>
+            <a:off x="7629787" y="1587831"/>
+            <a:ext cx="3790405" cy="3790405"/>
+          </a:xfrm>
+          <a:prstGeom prst="ellipse">
+            <a:avLst/>
+          </a:prstGeom>
+          <a:solidFill>
+            <a:schemeClr val="accent5">
+              <a:lumMod val="60000"/>
+              <a:lumOff val="40000"/>
+              <a:alpha val="20000"/>
+            </a:schemeClr>
+          </a:solidFill>
+          <a:ln w="3175">
+            <a:solidFill>
+              <a:schemeClr val="accent5">
+                <a:lumMod val="75000"/>
+              </a:schemeClr>
+            </a:solidFill>
+          </a:ln>
+        </p:spPr>
+        <p:style>
+          <a:lnRef idx="2">
+            <a:schemeClr val="accent1">
+              <a:shade val="50000"/>
+            </a:schemeClr>
+          </a:lnRef>
+          <a:fillRef idx="1">
+            <a:schemeClr val="accent1"/>
+          </a:fillRef>
+          <a:effectRef idx="0">
+            <a:schemeClr val="accent1"/>
+          </a:effectRef>
+          <a:fontRef idx="minor">
+            <a:schemeClr val="lt1"/>
+          </a:fontRef>
+        </p:style>
+        <p:txBody>
+          <a:bodyPr rtlCol="0" anchor="ctr"/>
+          <a:lstStyle/>
+          <a:p>
+            <a:pPr algn="ctr"/>
+            <a:endParaRPr lang="en-US">
+              <a:solidFill>
+                <a:schemeClr val="tx1"/>
+              </a:solidFill>
+            </a:endParaRPr>
+          </a:p>
+        </p:txBody>
+      </p:sp>
+      <p:sp>
+        <p:nvSpPr>
+          <p:cNvPr id="23" name="Овал 22"/>
+          <p:cNvSpPr/>
+          <p:nvPr/>
+        </p:nvSpPr>
+        <p:spPr>
+          <a:xfrm>
+            <a:off x="8625723" y="2582944"/>
+            <a:ext cx="150829" cy="150829"/>
+          </a:xfrm>
+          <a:prstGeom prst="ellipse">
+            <a:avLst/>
+          </a:prstGeom>
+          <a:solidFill>
+            <a:schemeClr val="accent1">
+              <a:lumMod val="75000"/>
+            </a:schemeClr>
+          </a:solidFill>
+          <a:ln>
+            <a:noFill/>
+          </a:ln>
+        </p:spPr>
+        <p:style>
+          <a:lnRef idx="2">
+            <a:schemeClr val="accent1">
+              <a:shade val="50000"/>
+            </a:schemeClr>
+          </a:lnRef>
+          <a:fillRef idx="1">
+            <a:schemeClr val="accent1"/>
+          </a:fillRef>
+          <a:effectRef idx="0">
+            <a:schemeClr val="accent1"/>
+          </a:effectRef>
+          <a:fontRef idx="minor">
+            <a:schemeClr val="lt1"/>
+          </a:fontRef>
+        </p:style>
+        <p:txBody>
+          <a:bodyPr rtlCol="0" anchor="ctr"/>
+          <a:lstStyle/>
+          <a:p>
+            <a:pPr algn="ctr"/>
+            <a:endParaRPr lang="ru-RU"/>
+          </a:p>
+        </p:txBody>
+      </p:sp>
+      <p:sp>
+        <p:nvSpPr>
+          <p:cNvPr id="24" name="Овал 23"/>
+          <p:cNvSpPr/>
+          <p:nvPr/>
+        </p:nvSpPr>
+        <p:spPr>
+          <a:xfrm>
+            <a:off x="8710762" y="3332204"/>
+            <a:ext cx="150829" cy="150829"/>
+          </a:xfrm>
+          <a:prstGeom prst="ellipse">
+            <a:avLst/>
+          </a:prstGeom>
+          <a:solidFill>
+            <a:schemeClr val="accent1">
+              <a:lumMod val="75000"/>
+            </a:schemeClr>
+          </a:solidFill>
+          <a:ln>
+            <a:noFill/>
+          </a:ln>
+        </p:spPr>
+        <p:style>
+          <a:lnRef idx="2">
+            <a:schemeClr val="accent1">
+              <a:shade val="50000"/>
+            </a:schemeClr>
+          </a:lnRef>
+          <a:fillRef idx="1">
+            <a:schemeClr val="accent1"/>
+          </a:fillRef>
+          <a:effectRef idx="0">
+            <a:schemeClr val="accent1"/>
+          </a:effectRef>
+          <a:fontRef idx="minor">
+            <a:schemeClr val="lt1"/>
+          </a:fontRef>
+        </p:style>
+        <p:txBody>
+          <a:bodyPr rtlCol="0" anchor="ctr"/>
+          <a:lstStyle/>
+          <a:p>
+            <a:pPr algn="ctr"/>
+            <a:endParaRPr lang="ru-RU"/>
+          </a:p>
+        </p:txBody>
+      </p:sp>
+      <p:sp>
+        <p:nvSpPr>
+          <p:cNvPr id="25" name="Овал 24"/>
+          <p:cNvSpPr/>
+          <p:nvPr/>
+        </p:nvSpPr>
+        <p:spPr>
+          <a:xfrm>
+            <a:off x="8578984" y="4081464"/>
+            <a:ext cx="150829" cy="150829"/>
+          </a:xfrm>
+          <a:prstGeom prst="ellipse">
+            <a:avLst/>
+          </a:prstGeom>
+          <a:solidFill>
+            <a:schemeClr val="accent1">
+              <a:lumMod val="75000"/>
+            </a:schemeClr>
+          </a:solidFill>
+          <a:ln>
+            <a:noFill/>
+          </a:ln>
+        </p:spPr>
+        <p:style>
+          <a:lnRef idx="2">
+            <a:schemeClr val="accent1">
+              <a:shade val="50000"/>
+            </a:schemeClr>
+          </a:lnRef>
+          <a:fillRef idx="1">
+            <a:schemeClr val="accent1"/>
+          </a:fillRef>
+          <a:effectRef idx="0">
+            <a:schemeClr val="accent1"/>
+          </a:effectRef>
+          <a:fontRef idx="minor">
+            <a:schemeClr val="lt1"/>
+          </a:fontRef>
+        </p:style>
+        <p:txBody>
+          <a:bodyPr rtlCol="0" anchor="ctr"/>
+          <a:lstStyle/>
+          <a:p>
+            <a:pPr algn="ctr"/>
+            <a:endParaRPr lang="ru-RU"/>
+          </a:p>
+        </p:txBody>
+      </p:sp>
+      <p:sp>
+        <p:nvSpPr>
+          <p:cNvPr id="26" name="Прямоугольник 25"/>
+          <p:cNvSpPr/>
+          <p:nvPr/>
+        </p:nvSpPr>
+        <p:spPr>
+          <a:xfrm>
+            <a:off x="8786176" y="913781"/>
+            <a:ext cx="1715984" cy="523220"/>
+          </a:xfrm>
+          <a:prstGeom prst="rect">
+            <a:avLst/>
+          </a:prstGeom>
+        </p:spPr>
+        <p:txBody>
+          <a:bodyPr wrap="none">
+            <a:spAutoFit/>
+          </a:bodyPr>
+          <a:lstStyle/>
+          <a:p>
+            <a:pPr algn="ctr"/>
+            <a:r>
+              <a:rPr lang="en-US" sz="2800" dirty="0" smtClean="0"/>
+              <a:t>side-effect</a:t>
+            </a:r>
+            <a:endParaRPr lang="en-US" sz="2800" dirty="0"/>
+          </a:p>
+        </p:txBody>
+      </p:sp>
+      <p:cxnSp>
+        <p:nvCxnSpPr>
+          <p:cNvPr id="27" name="Прямая со стрелкой 26"/>
+          <p:cNvCxnSpPr>
+            <a:stCxn id="19" idx="6"/>
+            <a:endCxn id="23" idx="2"/>
+          </p:cNvCxnSpPr>
+          <p:nvPr/>
+        </p:nvCxnSpPr>
+        <p:spPr>
+          <a:xfrm>
+            <a:off x="1788725" y="2307996"/>
+            <a:ext cx="6836998" cy="350363"/>
+          </a:xfrm>
+          <a:prstGeom prst="straightConnector1">
+            <a:avLst/>
+          </a:prstGeom>
+          <a:ln w="38100">
+            <a:solidFill>
+              <a:schemeClr val="bg2">
+                <a:lumMod val="50000"/>
+              </a:schemeClr>
+            </a:solidFill>
+            <a:tailEnd type="triangle"/>
+          </a:ln>
+        </p:spPr>
+        <p:style>
+          <a:lnRef idx="1">
+            <a:schemeClr val="accent1"/>
+          </a:lnRef>
+          <a:fillRef idx="0">
+            <a:schemeClr val="accent1"/>
+          </a:fillRef>
+          <a:effectRef idx="0">
+            <a:schemeClr val="accent1"/>
+          </a:effectRef>
+          <a:fontRef idx="minor">
+            <a:schemeClr val="tx1"/>
+          </a:fontRef>
+        </p:style>
+      </p:cxnSp>
+      <p:cxnSp>
+        <p:nvCxnSpPr>
+          <p:cNvPr id="28" name="Прямая со стрелкой 27"/>
+          <p:cNvCxnSpPr>
+            <a:stCxn id="8" idx="6"/>
+            <a:endCxn id="24" idx="2"/>
+          </p:cNvCxnSpPr>
+          <p:nvPr/>
+        </p:nvCxnSpPr>
+        <p:spPr>
+          <a:xfrm>
+            <a:off x="1438362" y="3176833"/>
+            <a:ext cx="7272400" cy="230786"/>
+          </a:xfrm>
+          <a:prstGeom prst="straightConnector1">
+            <a:avLst/>
+          </a:prstGeom>
+          <a:ln w="38100">
+            <a:solidFill>
+              <a:schemeClr val="bg2">
+                <a:lumMod val="50000"/>
+              </a:schemeClr>
+            </a:solidFill>
+            <a:tailEnd type="triangle"/>
+          </a:ln>
+        </p:spPr>
+        <p:style>
+          <a:lnRef idx="1">
+            <a:schemeClr val="accent1"/>
+          </a:lnRef>
+          <a:fillRef idx="0">
+            <a:schemeClr val="accent1"/>
+          </a:fillRef>
+          <a:effectRef idx="0">
+            <a:schemeClr val="accent1"/>
+          </a:effectRef>
+          <a:fontRef idx="minor">
+            <a:schemeClr val="tx1"/>
+          </a:fontRef>
+        </p:style>
+      </p:cxnSp>
+      <p:cxnSp>
+        <p:nvCxnSpPr>
+          <p:cNvPr id="31" name="Прямая со стрелкой 30"/>
+          <p:cNvCxnSpPr>
+            <a:stCxn id="11" idx="6"/>
+            <a:endCxn id="25" idx="2"/>
+          </p:cNvCxnSpPr>
+          <p:nvPr/>
+        </p:nvCxnSpPr>
+        <p:spPr>
+          <a:xfrm flipV="1">
+            <a:off x="1939554" y="4156879"/>
+            <a:ext cx="6639430" cy="199876"/>
+          </a:xfrm>
+          <a:prstGeom prst="straightConnector1">
+            <a:avLst/>
+          </a:prstGeom>
+          <a:ln w="38100">
+            <a:solidFill>
+              <a:schemeClr val="bg2">
+                <a:lumMod val="50000"/>
+              </a:schemeClr>
+            </a:solidFill>
+            <a:tailEnd type="triangle"/>
+          </a:ln>
+        </p:spPr>
+        <p:style>
+          <a:lnRef idx="1">
+            <a:schemeClr val="accent1"/>
+          </a:lnRef>
+          <a:fillRef idx="0">
+            <a:schemeClr val="accent1"/>
+          </a:fillRef>
+          <a:effectRef idx="0">
+            <a:schemeClr val="accent1"/>
+          </a:effectRef>
+          <a:fontRef idx="minor">
+            <a:schemeClr val="tx1"/>
+          </a:fontRef>
+        </p:style>
+      </p:cxnSp>
+    </p:spTree>
+    <p:extLst>
+      <p:ext uri="{BB962C8B-B14F-4D97-AF65-F5344CB8AC3E}">
+        <p14:creationId xmlns:p14="http://schemas.microsoft.com/office/powerpoint/2010/main" val="963367487"/>
+      </p:ext>
+    </p:extLst>
+  </p:cSld>
+  <p:clrMapOvr>
+    <a:masterClrMapping/>
+  </p:clrMapOvr>
+  <p:timing>
+    <p:tnLst>
+      <p:par>
+        <p:cTn id="1" dur="indefinite" restart="never" nodeType="tmRoot"/>
+      </p:par>
+    </p:tnLst>
+  </p:timing>
+</p:sld>
+</file>
+
+<file path=ppt/slides/slide129.xml><?xml version="1.0" encoding="utf-8"?>
+<p:sld xmlns:a="http://schemas.openxmlformats.org/drawingml/2006/main" xmlns:r="http://schemas.openxmlformats.org/officeDocument/2006/relationships" xmlns:p="http://schemas.openxmlformats.org/presentationml/2006/main">
+  <p:cSld>
+    <p:spTree>
+      <p:nvGrpSpPr>
+        <p:cNvPr id="1" name=""/>
+        <p:cNvGrpSpPr/>
+        <p:nvPr/>
+      </p:nvGrpSpPr>
+      <p:grpSpPr>
+        <a:xfrm>
+          <a:off x="0" y="0"/>
+          <a:ext cx="0" cy="0"/>
+          <a:chOff x="0" y="0"/>
+          <a:chExt cx="0" cy="0"/>
+        </a:xfrm>
+      </p:grpSpPr>
+      <p:sp>
+        <p:nvSpPr>
+          <p:cNvPr id="21" name="Овал 20"/>
+          <p:cNvSpPr/>
+          <p:nvPr/>
+        </p:nvSpPr>
+        <p:spPr>
+          <a:xfrm>
+            <a:off x="625039" y="1587830"/>
+            <a:ext cx="3792201" cy="3792201"/>
+          </a:xfrm>
+          <a:prstGeom prst="ellipse">
+            <a:avLst/>
+          </a:prstGeom>
+          <a:solidFill>
+            <a:srgbClr val="FF0000">
+              <a:alpha val="20000"/>
+            </a:srgbClr>
+          </a:solidFill>
+          <a:ln w="3175">
+            <a:solidFill>
+              <a:srgbClr val="C00000"/>
+            </a:solidFill>
+          </a:ln>
+        </p:spPr>
+        <p:style>
+          <a:lnRef idx="2">
+            <a:schemeClr val="accent1">
+              <a:shade val="50000"/>
+            </a:schemeClr>
+          </a:lnRef>
+          <a:fillRef idx="1">
+            <a:schemeClr val="accent1"/>
+          </a:fillRef>
+          <a:effectRef idx="0">
+            <a:schemeClr val="accent1"/>
+          </a:effectRef>
+          <a:fontRef idx="minor">
+            <a:schemeClr val="lt1"/>
+          </a:fontRef>
+        </p:style>
+        <p:txBody>
+          <a:bodyPr rtlCol="0" anchor="ctr"/>
+          <a:lstStyle/>
+          <a:p>
+            <a:pPr algn="ctr"/>
+            <a:endParaRPr lang="en-US" dirty="0"/>
+          </a:p>
+        </p:txBody>
+      </p:sp>
+      <p:sp>
+        <p:nvSpPr>
+          <p:cNvPr id="2" name="Овал 1"/>
+          <p:cNvSpPr/>
+          <p:nvPr/>
+        </p:nvSpPr>
+        <p:spPr>
+          <a:xfrm>
+            <a:off x="626836" y="1587831"/>
+            <a:ext cx="3790405" cy="3790405"/>
+          </a:xfrm>
+          <a:prstGeom prst="ellipse">
+            <a:avLst/>
+          </a:prstGeom>
+          <a:solidFill>
+            <a:srgbClr val="F0B4AE">
+              <a:alpha val="20000"/>
+            </a:srgbClr>
+          </a:solidFill>
+          <a:ln w="3175">
+            <a:solidFill>
+              <a:srgbClr val="C00000"/>
+            </a:solidFill>
+          </a:ln>
+        </p:spPr>
+        <p:style>
+          <a:lnRef idx="2">
+            <a:schemeClr val="accent1">
+              <a:shade val="50000"/>
+            </a:schemeClr>
+          </a:lnRef>
+          <a:fillRef idx="1">
+            <a:schemeClr val="accent1"/>
+          </a:fillRef>
+          <a:effectRef idx="0">
+            <a:schemeClr val="accent1"/>
+          </a:effectRef>
+          <a:fontRef idx="minor">
+            <a:schemeClr val="lt1"/>
+          </a:fontRef>
+        </p:style>
+        <p:txBody>
+          <a:bodyPr rtlCol="0" anchor="ctr"/>
+          <a:lstStyle/>
+          <a:p>
+            <a:pPr algn="ctr"/>
+            <a:endParaRPr lang="en-US"/>
+          </a:p>
+        </p:txBody>
+      </p:sp>
+      <p:sp>
+        <p:nvSpPr>
+          <p:cNvPr id="8" name="Овал 7"/>
+          <p:cNvSpPr/>
+          <p:nvPr/>
+        </p:nvSpPr>
+        <p:spPr>
+          <a:xfrm>
+            <a:off x="1287533" y="3101418"/>
+            <a:ext cx="150829" cy="150829"/>
+          </a:xfrm>
+          <a:prstGeom prst="ellipse">
+            <a:avLst/>
+          </a:prstGeom>
+          <a:solidFill>
+            <a:schemeClr val="accent2">
+              <a:lumMod val="75000"/>
+            </a:schemeClr>
+          </a:solidFill>
+          <a:ln>
+            <a:noFill/>
+          </a:ln>
+        </p:spPr>
+        <p:style>
+          <a:lnRef idx="2">
+            <a:schemeClr val="accent1">
+              <a:shade val="50000"/>
+            </a:schemeClr>
+          </a:lnRef>
+          <a:fillRef idx="1">
+            <a:schemeClr val="accent1"/>
+          </a:fillRef>
+          <a:effectRef idx="0">
+            <a:schemeClr val="accent1"/>
+          </a:effectRef>
+          <a:fontRef idx="minor">
+            <a:schemeClr val="lt1"/>
+          </a:fontRef>
+        </p:style>
+        <p:txBody>
+          <a:bodyPr rtlCol="0" anchor="ctr"/>
+          <a:lstStyle/>
+          <a:p>
+            <a:pPr algn="ctr"/>
+            <a:endParaRPr lang="ru-RU"/>
+          </a:p>
+        </p:txBody>
+      </p:sp>
+      <p:sp>
+        <p:nvSpPr>
+          <p:cNvPr id="11" name="Овал 10"/>
+          <p:cNvSpPr/>
+          <p:nvPr/>
+        </p:nvSpPr>
+        <p:spPr>
+          <a:xfrm>
+            <a:off x="1788725" y="4281340"/>
+            <a:ext cx="150829" cy="150829"/>
+          </a:xfrm>
+          <a:prstGeom prst="ellipse">
+            <a:avLst/>
+          </a:prstGeom>
+          <a:solidFill>
+            <a:schemeClr val="accent2">
+              <a:lumMod val="75000"/>
+            </a:schemeClr>
+          </a:solidFill>
+          <a:ln>
+            <a:noFill/>
+          </a:ln>
+        </p:spPr>
+        <p:style>
+          <a:lnRef idx="2">
+            <a:schemeClr val="accent1">
+              <a:shade val="50000"/>
+            </a:schemeClr>
+          </a:lnRef>
+          <a:fillRef idx="1">
+            <a:schemeClr val="accent1"/>
+          </a:fillRef>
+          <a:effectRef idx="0">
+            <a:schemeClr val="accent1"/>
+          </a:effectRef>
+          <a:fontRef idx="minor">
+            <a:schemeClr val="lt1"/>
+          </a:fontRef>
+        </p:style>
+        <p:txBody>
+          <a:bodyPr rtlCol="0" anchor="ctr"/>
+          <a:lstStyle/>
+          <a:p>
+            <a:pPr algn="ctr"/>
+            <a:endParaRPr lang="ru-RU"/>
+          </a:p>
+        </p:txBody>
+      </p:sp>
+      <p:sp>
+        <p:nvSpPr>
+          <p:cNvPr id="19" name="Овал 18"/>
+          <p:cNvSpPr/>
+          <p:nvPr/>
+        </p:nvSpPr>
+        <p:spPr>
+          <a:xfrm>
+            <a:off x="1637896" y="2232581"/>
+            <a:ext cx="150829" cy="150829"/>
+          </a:xfrm>
+          <a:prstGeom prst="ellipse">
+            <a:avLst/>
+          </a:prstGeom>
+          <a:solidFill>
+            <a:schemeClr val="accent2">
+              <a:lumMod val="75000"/>
+            </a:schemeClr>
+          </a:solidFill>
+          <a:ln>
+            <a:noFill/>
+          </a:ln>
+        </p:spPr>
+        <p:style>
+          <a:lnRef idx="2">
+            <a:schemeClr val="accent1">
+              <a:shade val="50000"/>
+            </a:schemeClr>
+          </a:lnRef>
+          <a:fillRef idx="1">
+            <a:schemeClr val="accent1"/>
+          </a:fillRef>
+          <a:effectRef idx="0">
+            <a:schemeClr val="accent1"/>
+          </a:effectRef>
+          <a:fontRef idx="minor">
+            <a:schemeClr val="lt1"/>
+          </a:fontRef>
+        </p:style>
+        <p:txBody>
+          <a:bodyPr rtlCol="0" anchor="ctr"/>
+          <a:lstStyle/>
+          <a:p>
+            <a:pPr algn="ctr"/>
+            <a:endParaRPr lang="ru-RU"/>
+          </a:p>
+        </p:txBody>
+      </p:sp>
+      <p:sp>
+        <p:nvSpPr>
+          <p:cNvPr id="17" name="Овал 16"/>
+          <p:cNvSpPr/>
+          <p:nvPr/>
+        </p:nvSpPr>
+        <p:spPr>
+          <a:xfrm>
+            <a:off x="3298008" y="2194874"/>
+            <a:ext cx="150829" cy="150829"/>
+          </a:xfrm>
+          <a:prstGeom prst="ellipse">
+            <a:avLst/>
+          </a:prstGeom>
+          <a:solidFill>
+            <a:srgbClr val="FF0000"/>
+          </a:solidFill>
+          <a:ln>
+            <a:noFill/>
+          </a:ln>
+        </p:spPr>
+        <p:style>
+          <a:lnRef idx="2">
+            <a:schemeClr val="accent1">
+              <a:shade val="50000"/>
+            </a:schemeClr>
+          </a:lnRef>
+          <a:fillRef idx="1">
+            <a:schemeClr val="accent1"/>
+          </a:fillRef>
+          <a:effectRef idx="0">
+            <a:schemeClr val="accent1"/>
+          </a:effectRef>
+          <a:fontRef idx="minor">
+            <a:schemeClr val="lt1"/>
+          </a:fontRef>
+        </p:style>
+        <p:txBody>
+          <a:bodyPr rtlCol="0" anchor="ctr"/>
+          <a:lstStyle/>
+          <a:p>
+            <a:pPr algn="ctr"/>
+            <a:endParaRPr lang="ru-RU"/>
+          </a:p>
+        </p:txBody>
+      </p:sp>
+      <p:sp>
+        <p:nvSpPr>
+          <p:cNvPr id="18" name="Прямоугольник 17"/>
+          <p:cNvSpPr/>
+          <p:nvPr/>
+        </p:nvSpPr>
+        <p:spPr>
+          <a:xfrm>
+            <a:off x="1287533" y="887599"/>
+            <a:ext cx="2390398" cy="523220"/>
+          </a:xfrm>
+          <a:prstGeom prst="rect">
+            <a:avLst/>
+          </a:prstGeom>
+        </p:spPr>
+        <p:txBody>
+          <a:bodyPr wrap="none">
+            <a:spAutoFit/>
+          </a:bodyPr>
+          <a:lstStyle/>
+          <a:p>
+            <a:pPr algn="ctr"/>
+            <a:r>
+              <a:rPr lang="en-US" sz="2800" dirty="0">
+                <a:solidFill>
+                  <a:prstClr val="black"/>
+                </a:solidFill>
+                <a:latin typeface="Roboto" panose="02000000000000000000" pitchFamily="2" charset="0"/>
+                <a:ea typeface="Roboto" panose="02000000000000000000" pitchFamily="2" charset="0"/>
+              </a:rPr>
+              <a:t>(result, error)</a:t>
+            </a:r>
+            <a:endParaRPr lang="en-US" sz="2800" dirty="0"/>
+          </a:p>
+        </p:txBody>
+      </p:sp>
+      <p:sp>
+        <p:nvSpPr>
+          <p:cNvPr id="22" name="Овал 21"/>
+          <p:cNvSpPr/>
+          <p:nvPr/>
+        </p:nvSpPr>
+        <p:spPr>
+          <a:xfrm>
+            <a:off x="7629787" y="1587831"/>
+            <a:ext cx="3790405" cy="3790405"/>
+          </a:xfrm>
+          <a:prstGeom prst="ellipse">
+            <a:avLst/>
+          </a:prstGeom>
+          <a:solidFill>
+            <a:schemeClr val="accent5">
+              <a:lumMod val="60000"/>
+              <a:lumOff val="40000"/>
+              <a:alpha val="20000"/>
+            </a:schemeClr>
+          </a:solidFill>
+          <a:ln w="3175">
+            <a:solidFill>
+              <a:schemeClr val="accent5">
+                <a:lumMod val="75000"/>
+              </a:schemeClr>
+            </a:solidFill>
+          </a:ln>
+        </p:spPr>
+        <p:style>
+          <a:lnRef idx="2">
+            <a:schemeClr val="accent1">
+              <a:shade val="50000"/>
+            </a:schemeClr>
+          </a:lnRef>
+          <a:fillRef idx="1">
+            <a:schemeClr val="accent1"/>
+          </a:fillRef>
+          <a:effectRef idx="0">
+            <a:schemeClr val="accent1"/>
+          </a:effectRef>
+          <a:fontRef idx="minor">
+            <a:schemeClr val="lt1"/>
+          </a:fontRef>
+        </p:style>
+        <p:txBody>
+          <a:bodyPr rtlCol="0" anchor="ctr"/>
+          <a:lstStyle/>
+          <a:p>
+            <a:pPr algn="ctr"/>
+            <a:endParaRPr lang="en-US">
+              <a:solidFill>
+                <a:schemeClr val="tx1"/>
+              </a:solidFill>
+            </a:endParaRPr>
+          </a:p>
+        </p:txBody>
+      </p:sp>
+      <p:sp>
+        <p:nvSpPr>
+          <p:cNvPr id="23" name="Овал 22"/>
+          <p:cNvSpPr/>
+          <p:nvPr/>
+        </p:nvSpPr>
+        <p:spPr>
+          <a:xfrm>
+            <a:off x="8625723" y="2582944"/>
+            <a:ext cx="150829" cy="150829"/>
+          </a:xfrm>
+          <a:prstGeom prst="ellipse">
+            <a:avLst/>
+          </a:prstGeom>
+          <a:solidFill>
+            <a:schemeClr val="accent1">
+              <a:lumMod val="75000"/>
+            </a:schemeClr>
+          </a:solidFill>
+          <a:ln>
+            <a:noFill/>
+          </a:ln>
+        </p:spPr>
+        <p:style>
+          <a:lnRef idx="2">
+            <a:schemeClr val="accent1">
+              <a:shade val="50000"/>
+            </a:schemeClr>
+          </a:lnRef>
+          <a:fillRef idx="1">
+            <a:schemeClr val="accent1"/>
+          </a:fillRef>
+          <a:effectRef idx="0">
+            <a:schemeClr val="accent1"/>
+          </a:effectRef>
+          <a:fontRef idx="minor">
+            <a:schemeClr val="lt1"/>
+          </a:fontRef>
+        </p:style>
+        <p:txBody>
+          <a:bodyPr rtlCol="0" anchor="ctr"/>
+          <a:lstStyle/>
+          <a:p>
+            <a:pPr algn="ctr"/>
+            <a:endParaRPr lang="ru-RU"/>
+          </a:p>
+        </p:txBody>
+      </p:sp>
+      <p:sp>
+        <p:nvSpPr>
+          <p:cNvPr id="24" name="Овал 23"/>
+          <p:cNvSpPr/>
+          <p:nvPr/>
+        </p:nvSpPr>
+        <p:spPr>
+          <a:xfrm>
+            <a:off x="8710762" y="3332204"/>
+            <a:ext cx="150829" cy="150829"/>
+          </a:xfrm>
+          <a:prstGeom prst="ellipse">
+            <a:avLst/>
+          </a:prstGeom>
+          <a:solidFill>
+            <a:schemeClr val="accent1">
+              <a:lumMod val="75000"/>
+            </a:schemeClr>
+          </a:solidFill>
+          <a:ln>
+            <a:noFill/>
+          </a:ln>
+        </p:spPr>
+        <p:style>
+          <a:lnRef idx="2">
+            <a:schemeClr val="accent1">
+              <a:shade val="50000"/>
+            </a:schemeClr>
+          </a:lnRef>
+          <a:fillRef idx="1">
+            <a:schemeClr val="accent1"/>
+          </a:fillRef>
+          <a:effectRef idx="0">
+            <a:schemeClr val="accent1"/>
+          </a:effectRef>
+          <a:fontRef idx="minor">
+            <a:schemeClr val="lt1"/>
+          </a:fontRef>
+        </p:style>
+        <p:txBody>
+          <a:bodyPr rtlCol="0" anchor="ctr"/>
+          <a:lstStyle/>
+          <a:p>
+            <a:pPr algn="ctr"/>
+            <a:endParaRPr lang="ru-RU"/>
+          </a:p>
+        </p:txBody>
+      </p:sp>
+      <p:sp>
+        <p:nvSpPr>
+          <p:cNvPr id="25" name="Овал 24"/>
+          <p:cNvSpPr/>
+          <p:nvPr/>
+        </p:nvSpPr>
+        <p:spPr>
+          <a:xfrm>
+            <a:off x="8578984" y="4081464"/>
+            <a:ext cx="150829" cy="150829"/>
+          </a:xfrm>
+          <a:prstGeom prst="ellipse">
+            <a:avLst/>
+          </a:prstGeom>
+          <a:solidFill>
+            <a:schemeClr val="accent1">
+              <a:lumMod val="75000"/>
+            </a:schemeClr>
+          </a:solidFill>
+          <a:ln>
+            <a:noFill/>
+          </a:ln>
+        </p:spPr>
+        <p:style>
+          <a:lnRef idx="2">
+            <a:schemeClr val="accent1">
+              <a:shade val="50000"/>
+            </a:schemeClr>
+          </a:lnRef>
+          <a:fillRef idx="1">
+            <a:schemeClr val="accent1"/>
+          </a:fillRef>
+          <a:effectRef idx="0">
+            <a:schemeClr val="accent1"/>
+          </a:effectRef>
+          <a:fontRef idx="minor">
+            <a:schemeClr val="lt1"/>
+          </a:fontRef>
+        </p:style>
+        <p:txBody>
+          <a:bodyPr rtlCol="0" anchor="ctr"/>
+          <a:lstStyle/>
+          <a:p>
+            <a:pPr algn="ctr"/>
+            <a:endParaRPr lang="ru-RU"/>
+          </a:p>
+        </p:txBody>
+      </p:sp>
+      <p:sp>
+        <p:nvSpPr>
+          <p:cNvPr id="26" name="Прямоугольник 25"/>
+          <p:cNvSpPr/>
+          <p:nvPr/>
+        </p:nvSpPr>
+        <p:spPr>
+          <a:xfrm>
+            <a:off x="8786176" y="913781"/>
+            <a:ext cx="1715984" cy="523220"/>
+          </a:xfrm>
+          <a:prstGeom prst="rect">
+            <a:avLst/>
+          </a:prstGeom>
+        </p:spPr>
+        <p:txBody>
+          <a:bodyPr wrap="none">
+            <a:spAutoFit/>
+          </a:bodyPr>
+          <a:lstStyle/>
+          <a:p>
+            <a:pPr algn="ctr"/>
+            <a:r>
+              <a:rPr lang="en-US" sz="2800" dirty="0" smtClean="0"/>
+              <a:t>side-effect</a:t>
+            </a:r>
+            <a:endParaRPr lang="en-US" sz="2800" dirty="0"/>
+          </a:p>
+        </p:txBody>
+      </p:sp>
+      <p:cxnSp>
+        <p:nvCxnSpPr>
+          <p:cNvPr id="27" name="Прямая со стрелкой 26"/>
+          <p:cNvCxnSpPr>
+            <a:stCxn id="19" idx="6"/>
+            <a:endCxn id="23" idx="2"/>
+          </p:cNvCxnSpPr>
+          <p:nvPr/>
+        </p:nvCxnSpPr>
+        <p:spPr>
+          <a:xfrm>
+            <a:off x="1788725" y="2307996"/>
+            <a:ext cx="6836998" cy="350363"/>
+          </a:xfrm>
+          <a:prstGeom prst="straightConnector1">
+            <a:avLst/>
+          </a:prstGeom>
+          <a:ln w="38100">
+            <a:solidFill>
+              <a:schemeClr val="bg2">
+                <a:lumMod val="50000"/>
+              </a:schemeClr>
+            </a:solidFill>
+            <a:tailEnd type="triangle"/>
+          </a:ln>
+        </p:spPr>
+        <p:style>
+          <a:lnRef idx="1">
+            <a:schemeClr val="accent1"/>
+          </a:lnRef>
+          <a:fillRef idx="0">
+            <a:schemeClr val="accent1"/>
+          </a:fillRef>
+          <a:effectRef idx="0">
+            <a:schemeClr val="accent1"/>
+          </a:effectRef>
+          <a:fontRef idx="minor">
+            <a:schemeClr val="tx1"/>
+          </a:fontRef>
+        </p:style>
+      </p:cxnSp>
+      <p:cxnSp>
+        <p:nvCxnSpPr>
+          <p:cNvPr id="28" name="Прямая со стрелкой 27"/>
+          <p:cNvCxnSpPr>
+            <a:stCxn id="8" idx="6"/>
+            <a:endCxn id="24" idx="2"/>
+          </p:cNvCxnSpPr>
+          <p:nvPr/>
+        </p:nvCxnSpPr>
+        <p:spPr>
+          <a:xfrm>
+            <a:off x="1438362" y="3176833"/>
+            <a:ext cx="7272400" cy="230786"/>
+          </a:xfrm>
+          <a:prstGeom prst="straightConnector1">
+            <a:avLst/>
+          </a:prstGeom>
+          <a:ln w="38100">
+            <a:solidFill>
+              <a:schemeClr val="bg2">
+                <a:lumMod val="50000"/>
+              </a:schemeClr>
+            </a:solidFill>
+            <a:tailEnd type="triangle"/>
+          </a:ln>
+        </p:spPr>
+        <p:style>
+          <a:lnRef idx="1">
+            <a:schemeClr val="accent1"/>
+          </a:lnRef>
+          <a:fillRef idx="0">
+            <a:schemeClr val="accent1"/>
+          </a:fillRef>
+          <a:effectRef idx="0">
+            <a:schemeClr val="accent1"/>
+          </a:effectRef>
+          <a:fontRef idx="minor">
+            <a:schemeClr val="tx1"/>
+          </a:fontRef>
+        </p:style>
+      </p:cxnSp>
+      <p:cxnSp>
+        <p:nvCxnSpPr>
+          <p:cNvPr id="31" name="Прямая со стрелкой 30"/>
+          <p:cNvCxnSpPr>
+            <a:stCxn id="11" idx="6"/>
+            <a:endCxn id="25" idx="2"/>
+          </p:cNvCxnSpPr>
+          <p:nvPr/>
+        </p:nvCxnSpPr>
+        <p:spPr>
+          <a:xfrm flipV="1">
+            <a:off x="1939554" y="4156879"/>
+            <a:ext cx="6639430" cy="199876"/>
+          </a:xfrm>
+          <a:prstGeom prst="straightConnector1">
+            <a:avLst/>
+          </a:prstGeom>
+          <a:ln w="38100">
+            <a:solidFill>
+              <a:schemeClr val="bg2">
+                <a:lumMod val="50000"/>
+              </a:schemeClr>
+            </a:solidFill>
+            <a:tailEnd type="triangle"/>
+          </a:ln>
+        </p:spPr>
+        <p:style>
+          <a:lnRef idx="1">
+            <a:schemeClr val="accent1"/>
+          </a:lnRef>
+          <a:fillRef idx="0">
+            <a:schemeClr val="accent1"/>
+          </a:fillRef>
+          <a:effectRef idx="0">
+            <a:schemeClr val="accent1"/>
+          </a:effectRef>
+          <a:fontRef idx="minor">
+            <a:schemeClr val="tx1"/>
+          </a:fontRef>
+        </p:style>
+      </p:cxnSp>
+      <p:cxnSp>
+        <p:nvCxnSpPr>
+          <p:cNvPr id="20" name="Прямая со стрелкой 19"/>
+          <p:cNvCxnSpPr>
+            <a:stCxn id="17" idx="6"/>
+          </p:cNvCxnSpPr>
+          <p:nvPr/>
+        </p:nvCxnSpPr>
+        <p:spPr>
+          <a:xfrm>
+            <a:off x="3448837" y="2270289"/>
+            <a:ext cx="5176886" cy="388070"/>
+          </a:xfrm>
+          <a:prstGeom prst="straightConnector1">
+            <a:avLst/>
+          </a:prstGeom>
+          <a:ln w="38100">
+            <a:solidFill>
+              <a:schemeClr val="bg2">
+                <a:lumMod val="50000"/>
+              </a:schemeClr>
+            </a:solidFill>
+            <a:tailEnd type="triangle"/>
+          </a:ln>
+        </p:spPr>
+        <p:style>
+          <a:lnRef idx="1">
+            <a:schemeClr val="accent1"/>
+          </a:lnRef>
+          <a:fillRef idx="0">
+            <a:schemeClr val="accent1"/>
+          </a:fillRef>
+          <a:effectRef idx="0">
+            <a:schemeClr val="accent1"/>
+          </a:effectRef>
+          <a:fontRef idx="minor">
+            <a:schemeClr val="tx1"/>
+          </a:fontRef>
+        </p:style>
+      </p:cxnSp>
+    </p:spTree>
+    <p:extLst>
+      <p:ext uri="{BB962C8B-B14F-4D97-AF65-F5344CB8AC3E}">
+        <p14:creationId xmlns:p14="http://schemas.microsoft.com/office/powerpoint/2010/main" val="1778972960"/>
       </p:ext>
     </p:extLst>
   </p:cSld>
@@ -23034,6 +26255,1429 @@
     <p:extLst>
       <p:ext uri="{BB962C8B-B14F-4D97-AF65-F5344CB8AC3E}">
         <p14:creationId xmlns:p14="http://schemas.microsoft.com/office/powerpoint/2010/main" val="1557373610"/>
+      </p:ext>
+    </p:extLst>
+  </p:cSld>
+  <p:clrMapOvr>
+    <a:masterClrMapping/>
+  </p:clrMapOvr>
+  <p:timing>
+    <p:tnLst>
+      <p:par>
+        <p:cTn id="1" dur="indefinite" restart="never" nodeType="tmRoot"/>
+      </p:par>
+    </p:tnLst>
+  </p:timing>
+</p:sld>
+</file>
+
+<file path=ppt/slides/slide130.xml><?xml version="1.0" encoding="utf-8"?>
+<p:sld xmlns:a="http://schemas.openxmlformats.org/drawingml/2006/main" xmlns:r="http://schemas.openxmlformats.org/officeDocument/2006/relationships" xmlns:p="http://schemas.openxmlformats.org/presentationml/2006/main">
+  <p:cSld>
+    <p:spTree>
+      <p:nvGrpSpPr>
+        <p:cNvPr id="1" name=""/>
+        <p:cNvGrpSpPr/>
+        <p:nvPr/>
+      </p:nvGrpSpPr>
+      <p:grpSpPr>
+        <a:xfrm>
+          <a:off x="0" y="0"/>
+          <a:ext cx="0" cy="0"/>
+          <a:chOff x="0" y="0"/>
+          <a:chExt cx="0" cy="0"/>
+        </a:xfrm>
+      </p:grpSpPr>
+      <p:sp>
+        <p:nvSpPr>
+          <p:cNvPr id="21" name="Овал 20"/>
+          <p:cNvSpPr/>
+          <p:nvPr/>
+        </p:nvSpPr>
+        <p:spPr>
+          <a:xfrm>
+            <a:off x="625039" y="1587830"/>
+            <a:ext cx="3792201" cy="3792201"/>
+          </a:xfrm>
+          <a:prstGeom prst="ellipse">
+            <a:avLst/>
+          </a:prstGeom>
+          <a:solidFill>
+            <a:srgbClr val="FF0000">
+              <a:alpha val="20000"/>
+            </a:srgbClr>
+          </a:solidFill>
+          <a:ln w="3175">
+            <a:solidFill>
+              <a:srgbClr val="C00000"/>
+            </a:solidFill>
+          </a:ln>
+        </p:spPr>
+        <p:style>
+          <a:lnRef idx="2">
+            <a:schemeClr val="accent1">
+              <a:shade val="50000"/>
+            </a:schemeClr>
+          </a:lnRef>
+          <a:fillRef idx="1">
+            <a:schemeClr val="accent1"/>
+          </a:fillRef>
+          <a:effectRef idx="0">
+            <a:schemeClr val="accent1"/>
+          </a:effectRef>
+          <a:fontRef idx="minor">
+            <a:schemeClr val="lt1"/>
+          </a:fontRef>
+        </p:style>
+        <p:txBody>
+          <a:bodyPr rtlCol="0" anchor="ctr"/>
+          <a:lstStyle/>
+          <a:p>
+            <a:pPr algn="ctr"/>
+            <a:endParaRPr lang="en-US" dirty="0"/>
+          </a:p>
+        </p:txBody>
+      </p:sp>
+      <p:sp>
+        <p:nvSpPr>
+          <p:cNvPr id="2" name="Овал 1"/>
+          <p:cNvSpPr/>
+          <p:nvPr/>
+        </p:nvSpPr>
+        <p:spPr>
+          <a:xfrm>
+            <a:off x="626836" y="1587831"/>
+            <a:ext cx="3790405" cy="3790405"/>
+          </a:xfrm>
+          <a:prstGeom prst="ellipse">
+            <a:avLst/>
+          </a:prstGeom>
+          <a:solidFill>
+            <a:srgbClr val="F0B4AE">
+              <a:alpha val="20000"/>
+            </a:srgbClr>
+          </a:solidFill>
+          <a:ln w="3175">
+            <a:solidFill>
+              <a:srgbClr val="C00000"/>
+            </a:solidFill>
+          </a:ln>
+        </p:spPr>
+        <p:style>
+          <a:lnRef idx="2">
+            <a:schemeClr val="accent1">
+              <a:shade val="50000"/>
+            </a:schemeClr>
+          </a:lnRef>
+          <a:fillRef idx="1">
+            <a:schemeClr val="accent1"/>
+          </a:fillRef>
+          <a:effectRef idx="0">
+            <a:schemeClr val="accent1"/>
+          </a:effectRef>
+          <a:fontRef idx="minor">
+            <a:schemeClr val="lt1"/>
+          </a:fontRef>
+        </p:style>
+        <p:txBody>
+          <a:bodyPr rtlCol="0" anchor="ctr"/>
+          <a:lstStyle/>
+          <a:p>
+            <a:pPr algn="ctr"/>
+            <a:endParaRPr lang="en-US"/>
+          </a:p>
+        </p:txBody>
+      </p:sp>
+      <p:sp>
+        <p:nvSpPr>
+          <p:cNvPr id="8" name="Овал 7"/>
+          <p:cNvSpPr/>
+          <p:nvPr/>
+        </p:nvSpPr>
+        <p:spPr>
+          <a:xfrm>
+            <a:off x="1287533" y="3101418"/>
+            <a:ext cx="150829" cy="150829"/>
+          </a:xfrm>
+          <a:prstGeom prst="ellipse">
+            <a:avLst/>
+          </a:prstGeom>
+          <a:solidFill>
+            <a:schemeClr val="accent2">
+              <a:lumMod val="75000"/>
+            </a:schemeClr>
+          </a:solidFill>
+          <a:ln>
+            <a:noFill/>
+          </a:ln>
+        </p:spPr>
+        <p:style>
+          <a:lnRef idx="2">
+            <a:schemeClr val="accent1">
+              <a:shade val="50000"/>
+            </a:schemeClr>
+          </a:lnRef>
+          <a:fillRef idx="1">
+            <a:schemeClr val="accent1"/>
+          </a:fillRef>
+          <a:effectRef idx="0">
+            <a:schemeClr val="accent1"/>
+          </a:effectRef>
+          <a:fontRef idx="minor">
+            <a:schemeClr val="lt1"/>
+          </a:fontRef>
+        </p:style>
+        <p:txBody>
+          <a:bodyPr rtlCol="0" anchor="ctr"/>
+          <a:lstStyle/>
+          <a:p>
+            <a:pPr algn="ctr"/>
+            <a:endParaRPr lang="ru-RU"/>
+          </a:p>
+        </p:txBody>
+      </p:sp>
+      <p:sp>
+        <p:nvSpPr>
+          <p:cNvPr id="11" name="Овал 10"/>
+          <p:cNvSpPr/>
+          <p:nvPr/>
+        </p:nvSpPr>
+        <p:spPr>
+          <a:xfrm>
+            <a:off x="1788725" y="4281340"/>
+            <a:ext cx="150829" cy="150829"/>
+          </a:xfrm>
+          <a:prstGeom prst="ellipse">
+            <a:avLst/>
+          </a:prstGeom>
+          <a:solidFill>
+            <a:schemeClr val="accent2">
+              <a:lumMod val="75000"/>
+            </a:schemeClr>
+          </a:solidFill>
+          <a:ln>
+            <a:noFill/>
+          </a:ln>
+        </p:spPr>
+        <p:style>
+          <a:lnRef idx="2">
+            <a:schemeClr val="accent1">
+              <a:shade val="50000"/>
+            </a:schemeClr>
+          </a:lnRef>
+          <a:fillRef idx="1">
+            <a:schemeClr val="accent1"/>
+          </a:fillRef>
+          <a:effectRef idx="0">
+            <a:schemeClr val="accent1"/>
+          </a:effectRef>
+          <a:fontRef idx="minor">
+            <a:schemeClr val="lt1"/>
+          </a:fontRef>
+        </p:style>
+        <p:txBody>
+          <a:bodyPr rtlCol="0" anchor="ctr"/>
+          <a:lstStyle/>
+          <a:p>
+            <a:pPr algn="ctr"/>
+            <a:endParaRPr lang="ru-RU"/>
+          </a:p>
+        </p:txBody>
+      </p:sp>
+      <p:sp>
+        <p:nvSpPr>
+          <p:cNvPr id="19" name="Овал 18"/>
+          <p:cNvSpPr/>
+          <p:nvPr/>
+        </p:nvSpPr>
+        <p:spPr>
+          <a:xfrm>
+            <a:off x="1637896" y="2232581"/>
+            <a:ext cx="150829" cy="150829"/>
+          </a:xfrm>
+          <a:prstGeom prst="ellipse">
+            <a:avLst/>
+          </a:prstGeom>
+          <a:solidFill>
+            <a:schemeClr val="accent2">
+              <a:lumMod val="75000"/>
+            </a:schemeClr>
+          </a:solidFill>
+          <a:ln>
+            <a:noFill/>
+          </a:ln>
+        </p:spPr>
+        <p:style>
+          <a:lnRef idx="2">
+            <a:schemeClr val="accent1">
+              <a:shade val="50000"/>
+            </a:schemeClr>
+          </a:lnRef>
+          <a:fillRef idx="1">
+            <a:schemeClr val="accent1"/>
+          </a:fillRef>
+          <a:effectRef idx="0">
+            <a:schemeClr val="accent1"/>
+          </a:effectRef>
+          <a:fontRef idx="minor">
+            <a:schemeClr val="lt1"/>
+          </a:fontRef>
+        </p:style>
+        <p:txBody>
+          <a:bodyPr rtlCol="0" anchor="ctr"/>
+          <a:lstStyle/>
+          <a:p>
+            <a:pPr algn="ctr"/>
+            <a:endParaRPr lang="ru-RU"/>
+          </a:p>
+        </p:txBody>
+      </p:sp>
+      <p:sp>
+        <p:nvSpPr>
+          <p:cNvPr id="17" name="Овал 16"/>
+          <p:cNvSpPr/>
+          <p:nvPr/>
+        </p:nvSpPr>
+        <p:spPr>
+          <a:xfrm>
+            <a:off x="3298008" y="2194874"/>
+            <a:ext cx="150829" cy="150829"/>
+          </a:xfrm>
+          <a:prstGeom prst="ellipse">
+            <a:avLst/>
+          </a:prstGeom>
+          <a:solidFill>
+            <a:srgbClr val="FF0000"/>
+          </a:solidFill>
+          <a:ln>
+            <a:noFill/>
+          </a:ln>
+        </p:spPr>
+        <p:style>
+          <a:lnRef idx="2">
+            <a:schemeClr val="accent1">
+              <a:shade val="50000"/>
+            </a:schemeClr>
+          </a:lnRef>
+          <a:fillRef idx="1">
+            <a:schemeClr val="accent1"/>
+          </a:fillRef>
+          <a:effectRef idx="0">
+            <a:schemeClr val="accent1"/>
+          </a:effectRef>
+          <a:fontRef idx="minor">
+            <a:schemeClr val="lt1"/>
+          </a:fontRef>
+        </p:style>
+        <p:txBody>
+          <a:bodyPr rtlCol="0" anchor="ctr"/>
+          <a:lstStyle/>
+          <a:p>
+            <a:pPr algn="ctr"/>
+            <a:endParaRPr lang="ru-RU"/>
+          </a:p>
+        </p:txBody>
+      </p:sp>
+      <p:sp>
+        <p:nvSpPr>
+          <p:cNvPr id="18" name="Прямоугольник 17"/>
+          <p:cNvSpPr/>
+          <p:nvPr/>
+        </p:nvSpPr>
+        <p:spPr>
+          <a:xfrm>
+            <a:off x="1287533" y="887599"/>
+            <a:ext cx="2390398" cy="523220"/>
+          </a:xfrm>
+          <a:prstGeom prst="rect">
+            <a:avLst/>
+          </a:prstGeom>
+        </p:spPr>
+        <p:txBody>
+          <a:bodyPr wrap="none">
+            <a:spAutoFit/>
+          </a:bodyPr>
+          <a:lstStyle/>
+          <a:p>
+            <a:pPr algn="ctr"/>
+            <a:r>
+              <a:rPr lang="en-US" sz="2800" dirty="0">
+                <a:solidFill>
+                  <a:prstClr val="black"/>
+                </a:solidFill>
+                <a:latin typeface="Roboto" panose="02000000000000000000" pitchFamily="2" charset="0"/>
+                <a:ea typeface="Roboto" panose="02000000000000000000" pitchFamily="2" charset="0"/>
+              </a:rPr>
+              <a:t>(result, error)</a:t>
+            </a:r>
+            <a:endParaRPr lang="en-US" sz="2800" dirty="0"/>
+          </a:p>
+        </p:txBody>
+      </p:sp>
+      <p:sp>
+        <p:nvSpPr>
+          <p:cNvPr id="22" name="Овал 21"/>
+          <p:cNvSpPr/>
+          <p:nvPr/>
+        </p:nvSpPr>
+        <p:spPr>
+          <a:xfrm>
+            <a:off x="7629787" y="1587831"/>
+            <a:ext cx="3790405" cy="3790405"/>
+          </a:xfrm>
+          <a:prstGeom prst="ellipse">
+            <a:avLst/>
+          </a:prstGeom>
+          <a:solidFill>
+            <a:schemeClr val="accent5">
+              <a:lumMod val="60000"/>
+              <a:lumOff val="40000"/>
+              <a:alpha val="20000"/>
+            </a:schemeClr>
+          </a:solidFill>
+          <a:ln w="3175">
+            <a:solidFill>
+              <a:schemeClr val="accent5">
+                <a:lumMod val="75000"/>
+              </a:schemeClr>
+            </a:solidFill>
+          </a:ln>
+        </p:spPr>
+        <p:style>
+          <a:lnRef idx="2">
+            <a:schemeClr val="accent1">
+              <a:shade val="50000"/>
+            </a:schemeClr>
+          </a:lnRef>
+          <a:fillRef idx="1">
+            <a:schemeClr val="accent1"/>
+          </a:fillRef>
+          <a:effectRef idx="0">
+            <a:schemeClr val="accent1"/>
+          </a:effectRef>
+          <a:fontRef idx="minor">
+            <a:schemeClr val="lt1"/>
+          </a:fontRef>
+        </p:style>
+        <p:txBody>
+          <a:bodyPr rtlCol="0" anchor="ctr"/>
+          <a:lstStyle/>
+          <a:p>
+            <a:pPr algn="ctr"/>
+            <a:endParaRPr lang="en-US">
+              <a:solidFill>
+                <a:schemeClr val="tx1"/>
+              </a:solidFill>
+            </a:endParaRPr>
+          </a:p>
+        </p:txBody>
+      </p:sp>
+      <p:sp>
+        <p:nvSpPr>
+          <p:cNvPr id="23" name="Овал 22"/>
+          <p:cNvSpPr/>
+          <p:nvPr/>
+        </p:nvSpPr>
+        <p:spPr>
+          <a:xfrm>
+            <a:off x="8625723" y="2582944"/>
+            <a:ext cx="150829" cy="150829"/>
+          </a:xfrm>
+          <a:prstGeom prst="ellipse">
+            <a:avLst/>
+          </a:prstGeom>
+          <a:solidFill>
+            <a:schemeClr val="accent1">
+              <a:lumMod val="75000"/>
+            </a:schemeClr>
+          </a:solidFill>
+          <a:ln>
+            <a:noFill/>
+          </a:ln>
+        </p:spPr>
+        <p:style>
+          <a:lnRef idx="2">
+            <a:schemeClr val="accent1">
+              <a:shade val="50000"/>
+            </a:schemeClr>
+          </a:lnRef>
+          <a:fillRef idx="1">
+            <a:schemeClr val="accent1"/>
+          </a:fillRef>
+          <a:effectRef idx="0">
+            <a:schemeClr val="accent1"/>
+          </a:effectRef>
+          <a:fontRef idx="minor">
+            <a:schemeClr val="lt1"/>
+          </a:fontRef>
+        </p:style>
+        <p:txBody>
+          <a:bodyPr rtlCol="0" anchor="ctr"/>
+          <a:lstStyle/>
+          <a:p>
+            <a:pPr algn="ctr"/>
+            <a:endParaRPr lang="ru-RU"/>
+          </a:p>
+        </p:txBody>
+      </p:sp>
+      <p:sp>
+        <p:nvSpPr>
+          <p:cNvPr id="24" name="Овал 23"/>
+          <p:cNvSpPr/>
+          <p:nvPr/>
+        </p:nvSpPr>
+        <p:spPr>
+          <a:xfrm>
+            <a:off x="8710762" y="3332204"/>
+            <a:ext cx="150829" cy="150829"/>
+          </a:xfrm>
+          <a:prstGeom prst="ellipse">
+            <a:avLst/>
+          </a:prstGeom>
+          <a:solidFill>
+            <a:schemeClr val="accent1">
+              <a:lumMod val="75000"/>
+            </a:schemeClr>
+          </a:solidFill>
+          <a:ln>
+            <a:noFill/>
+          </a:ln>
+        </p:spPr>
+        <p:style>
+          <a:lnRef idx="2">
+            <a:schemeClr val="accent1">
+              <a:shade val="50000"/>
+            </a:schemeClr>
+          </a:lnRef>
+          <a:fillRef idx="1">
+            <a:schemeClr val="accent1"/>
+          </a:fillRef>
+          <a:effectRef idx="0">
+            <a:schemeClr val="accent1"/>
+          </a:effectRef>
+          <a:fontRef idx="minor">
+            <a:schemeClr val="lt1"/>
+          </a:fontRef>
+        </p:style>
+        <p:txBody>
+          <a:bodyPr rtlCol="0" anchor="ctr"/>
+          <a:lstStyle/>
+          <a:p>
+            <a:pPr algn="ctr"/>
+            <a:endParaRPr lang="ru-RU"/>
+          </a:p>
+        </p:txBody>
+      </p:sp>
+      <p:sp>
+        <p:nvSpPr>
+          <p:cNvPr id="25" name="Овал 24"/>
+          <p:cNvSpPr/>
+          <p:nvPr/>
+        </p:nvSpPr>
+        <p:spPr>
+          <a:xfrm>
+            <a:off x="8578984" y="4081464"/>
+            <a:ext cx="150829" cy="150829"/>
+          </a:xfrm>
+          <a:prstGeom prst="ellipse">
+            <a:avLst/>
+          </a:prstGeom>
+          <a:solidFill>
+            <a:schemeClr val="accent1">
+              <a:lumMod val="75000"/>
+            </a:schemeClr>
+          </a:solidFill>
+          <a:ln>
+            <a:noFill/>
+          </a:ln>
+        </p:spPr>
+        <p:style>
+          <a:lnRef idx="2">
+            <a:schemeClr val="accent1">
+              <a:shade val="50000"/>
+            </a:schemeClr>
+          </a:lnRef>
+          <a:fillRef idx="1">
+            <a:schemeClr val="accent1"/>
+          </a:fillRef>
+          <a:effectRef idx="0">
+            <a:schemeClr val="accent1"/>
+          </a:effectRef>
+          <a:fontRef idx="minor">
+            <a:schemeClr val="lt1"/>
+          </a:fontRef>
+        </p:style>
+        <p:txBody>
+          <a:bodyPr rtlCol="0" anchor="ctr"/>
+          <a:lstStyle/>
+          <a:p>
+            <a:pPr algn="ctr"/>
+            <a:endParaRPr lang="ru-RU"/>
+          </a:p>
+        </p:txBody>
+      </p:sp>
+      <p:sp>
+        <p:nvSpPr>
+          <p:cNvPr id="26" name="Прямоугольник 25"/>
+          <p:cNvSpPr/>
+          <p:nvPr/>
+        </p:nvSpPr>
+        <p:spPr>
+          <a:xfrm>
+            <a:off x="8786176" y="913781"/>
+            <a:ext cx="1715984" cy="523220"/>
+          </a:xfrm>
+          <a:prstGeom prst="rect">
+            <a:avLst/>
+          </a:prstGeom>
+        </p:spPr>
+        <p:txBody>
+          <a:bodyPr wrap="none">
+            <a:spAutoFit/>
+          </a:bodyPr>
+          <a:lstStyle/>
+          <a:p>
+            <a:pPr algn="ctr"/>
+            <a:r>
+              <a:rPr lang="en-US" sz="2800" dirty="0" smtClean="0"/>
+              <a:t>side-effect</a:t>
+            </a:r>
+            <a:endParaRPr lang="en-US" sz="2800" dirty="0"/>
+          </a:p>
+        </p:txBody>
+      </p:sp>
+      <p:cxnSp>
+        <p:nvCxnSpPr>
+          <p:cNvPr id="27" name="Прямая со стрелкой 26"/>
+          <p:cNvCxnSpPr>
+            <a:stCxn id="19" idx="6"/>
+            <a:endCxn id="23" idx="2"/>
+          </p:cNvCxnSpPr>
+          <p:nvPr/>
+        </p:nvCxnSpPr>
+        <p:spPr>
+          <a:xfrm>
+            <a:off x="1788725" y="2307996"/>
+            <a:ext cx="6836998" cy="350363"/>
+          </a:xfrm>
+          <a:prstGeom prst="straightConnector1">
+            <a:avLst/>
+          </a:prstGeom>
+          <a:ln w="38100">
+            <a:solidFill>
+              <a:schemeClr val="bg2">
+                <a:lumMod val="50000"/>
+              </a:schemeClr>
+            </a:solidFill>
+            <a:tailEnd type="triangle"/>
+          </a:ln>
+        </p:spPr>
+        <p:style>
+          <a:lnRef idx="1">
+            <a:schemeClr val="accent1"/>
+          </a:lnRef>
+          <a:fillRef idx="0">
+            <a:schemeClr val="accent1"/>
+          </a:fillRef>
+          <a:effectRef idx="0">
+            <a:schemeClr val="accent1"/>
+          </a:effectRef>
+          <a:fontRef idx="minor">
+            <a:schemeClr val="tx1"/>
+          </a:fontRef>
+        </p:style>
+      </p:cxnSp>
+      <p:cxnSp>
+        <p:nvCxnSpPr>
+          <p:cNvPr id="28" name="Прямая со стрелкой 27"/>
+          <p:cNvCxnSpPr>
+            <a:stCxn id="8" idx="6"/>
+            <a:endCxn id="24" idx="2"/>
+          </p:cNvCxnSpPr>
+          <p:nvPr/>
+        </p:nvCxnSpPr>
+        <p:spPr>
+          <a:xfrm>
+            <a:off x="1438362" y="3176833"/>
+            <a:ext cx="7272400" cy="230786"/>
+          </a:xfrm>
+          <a:prstGeom prst="straightConnector1">
+            <a:avLst/>
+          </a:prstGeom>
+          <a:ln w="38100">
+            <a:solidFill>
+              <a:schemeClr val="bg2">
+                <a:lumMod val="50000"/>
+              </a:schemeClr>
+            </a:solidFill>
+            <a:tailEnd type="triangle"/>
+          </a:ln>
+        </p:spPr>
+        <p:style>
+          <a:lnRef idx="1">
+            <a:schemeClr val="accent1"/>
+          </a:lnRef>
+          <a:fillRef idx="0">
+            <a:schemeClr val="accent1"/>
+          </a:fillRef>
+          <a:effectRef idx="0">
+            <a:schemeClr val="accent1"/>
+          </a:effectRef>
+          <a:fontRef idx="minor">
+            <a:schemeClr val="tx1"/>
+          </a:fontRef>
+        </p:style>
+      </p:cxnSp>
+      <p:cxnSp>
+        <p:nvCxnSpPr>
+          <p:cNvPr id="31" name="Прямая со стрелкой 30"/>
+          <p:cNvCxnSpPr>
+            <a:stCxn id="11" idx="6"/>
+            <a:endCxn id="25" idx="2"/>
+          </p:cNvCxnSpPr>
+          <p:nvPr/>
+        </p:nvCxnSpPr>
+        <p:spPr>
+          <a:xfrm flipV="1">
+            <a:off x="1939554" y="4156879"/>
+            <a:ext cx="6639430" cy="199876"/>
+          </a:xfrm>
+          <a:prstGeom prst="straightConnector1">
+            <a:avLst/>
+          </a:prstGeom>
+          <a:ln w="38100">
+            <a:solidFill>
+              <a:schemeClr val="bg2">
+                <a:lumMod val="50000"/>
+              </a:schemeClr>
+            </a:solidFill>
+            <a:tailEnd type="triangle"/>
+          </a:ln>
+        </p:spPr>
+        <p:style>
+          <a:lnRef idx="1">
+            <a:schemeClr val="accent1"/>
+          </a:lnRef>
+          <a:fillRef idx="0">
+            <a:schemeClr val="accent1"/>
+          </a:fillRef>
+          <a:effectRef idx="0">
+            <a:schemeClr val="accent1"/>
+          </a:effectRef>
+          <a:fontRef idx="minor">
+            <a:schemeClr val="tx1"/>
+          </a:fontRef>
+        </p:style>
+      </p:cxnSp>
+      <p:cxnSp>
+        <p:nvCxnSpPr>
+          <p:cNvPr id="20" name="Прямая со стрелкой 19"/>
+          <p:cNvCxnSpPr>
+            <a:stCxn id="17" idx="6"/>
+            <a:endCxn id="29" idx="2"/>
+          </p:cNvCxnSpPr>
+          <p:nvPr/>
+        </p:nvCxnSpPr>
+        <p:spPr>
+          <a:xfrm flipV="1">
+            <a:off x="3448837" y="2232581"/>
+            <a:ext cx="5510258" cy="37708"/>
+          </a:xfrm>
+          <a:prstGeom prst="straightConnector1">
+            <a:avLst/>
+          </a:prstGeom>
+          <a:ln w="38100">
+            <a:solidFill>
+              <a:schemeClr val="bg2">
+                <a:lumMod val="50000"/>
+              </a:schemeClr>
+            </a:solidFill>
+            <a:tailEnd type="triangle"/>
+          </a:ln>
+        </p:spPr>
+        <p:style>
+          <a:lnRef idx="1">
+            <a:schemeClr val="accent1"/>
+          </a:lnRef>
+          <a:fillRef idx="0">
+            <a:schemeClr val="accent1"/>
+          </a:fillRef>
+          <a:effectRef idx="0">
+            <a:schemeClr val="accent1"/>
+          </a:effectRef>
+          <a:fontRef idx="minor">
+            <a:schemeClr val="tx1"/>
+          </a:fontRef>
+        </p:style>
+      </p:cxnSp>
+      <p:sp>
+        <p:nvSpPr>
+          <p:cNvPr id="29" name="Овал 28"/>
+          <p:cNvSpPr/>
+          <p:nvPr/>
+        </p:nvSpPr>
+        <p:spPr>
+          <a:xfrm>
+            <a:off x="8959095" y="2157166"/>
+            <a:ext cx="150829" cy="150829"/>
+          </a:xfrm>
+          <a:prstGeom prst="ellipse">
+            <a:avLst/>
+          </a:prstGeom>
+          <a:solidFill>
+            <a:srgbClr val="FF0000"/>
+          </a:solidFill>
+          <a:ln>
+            <a:noFill/>
+          </a:ln>
+        </p:spPr>
+        <p:style>
+          <a:lnRef idx="2">
+            <a:schemeClr val="accent1">
+              <a:shade val="50000"/>
+            </a:schemeClr>
+          </a:lnRef>
+          <a:fillRef idx="1">
+            <a:schemeClr val="accent1"/>
+          </a:fillRef>
+          <a:effectRef idx="0">
+            <a:schemeClr val="accent1"/>
+          </a:effectRef>
+          <a:fontRef idx="minor">
+            <a:schemeClr val="lt1"/>
+          </a:fontRef>
+        </p:style>
+        <p:txBody>
+          <a:bodyPr rtlCol="0" anchor="ctr"/>
+          <a:lstStyle/>
+          <a:p>
+            <a:pPr algn="ctr"/>
+            <a:endParaRPr lang="ru-RU"/>
+          </a:p>
+        </p:txBody>
+      </p:sp>
+    </p:spTree>
+    <p:extLst>
+      <p:ext uri="{BB962C8B-B14F-4D97-AF65-F5344CB8AC3E}">
+        <p14:creationId xmlns:p14="http://schemas.microsoft.com/office/powerpoint/2010/main" val="3266899261"/>
+      </p:ext>
+    </p:extLst>
+  </p:cSld>
+  <p:clrMapOvr>
+    <a:masterClrMapping/>
+  </p:clrMapOvr>
+  <p:timing>
+    <p:tnLst>
+      <p:par>
+        <p:cTn id="1" dur="indefinite" restart="never" nodeType="tmRoot"/>
+      </p:par>
+    </p:tnLst>
+  </p:timing>
+</p:sld>
+</file>
+
+<file path=ppt/slides/slide131.xml><?xml version="1.0" encoding="utf-8"?>
+<p:sld xmlns:a="http://schemas.openxmlformats.org/drawingml/2006/main" xmlns:r="http://schemas.openxmlformats.org/officeDocument/2006/relationships" xmlns:p="http://schemas.openxmlformats.org/presentationml/2006/main">
+  <p:cSld>
+    <p:spTree>
+      <p:nvGrpSpPr>
+        <p:cNvPr id="1" name=""/>
+        <p:cNvGrpSpPr/>
+        <p:nvPr/>
+      </p:nvGrpSpPr>
+      <p:grpSpPr>
+        <a:xfrm>
+          <a:off x="0" y="0"/>
+          <a:ext cx="0" cy="0"/>
+          <a:chOff x="0" y="0"/>
+          <a:chExt cx="0" cy="0"/>
+        </a:xfrm>
+      </p:grpSpPr>
+      <p:sp>
+        <p:nvSpPr>
+          <p:cNvPr id="2" name="Овал 1"/>
+          <p:cNvSpPr/>
+          <p:nvPr/>
+        </p:nvSpPr>
+        <p:spPr>
+          <a:xfrm>
+            <a:off x="7612098" y="1550124"/>
+            <a:ext cx="3790405" cy="3790405"/>
+          </a:xfrm>
+          <a:prstGeom prst="ellipse">
+            <a:avLst/>
+          </a:prstGeom>
+          <a:solidFill>
+            <a:srgbClr val="F0B4AE">
+              <a:alpha val="20000"/>
+            </a:srgbClr>
+          </a:solidFill>
+          <a:ln w="3175">
+            <a:solidFill>
+              <a:srgbClr val="C00000"/>
+            </a:solidFill>
+          </a:ln>
+        </p:spPr>
+        <p:style>
+          <a:lnRef idx="2">
+            <a:schemeClr val="accent1">
+              <a:shade val="50000"/>
+            </a:schemeClr>
+          </a:lnRef>
+          <a:fillRef idx="1">
+            <a:schemeClr val="accent1"/>
+          </a:fillRef>
+          <a:effectRef idx="0">
+            <a:schemeClr val="accent1"/>
+          </a:effectRef>
+          <a:fontRef idx="minor">
+            <a:schemeClr val="lt1"/>
+          </a:fontRef>
+        </p:style>
+        <p:txBody>
+          <a:bodyPr rtlCol="0" anchor="ctr"/>
+          <a:lstStyle/>
+          <a:p>
+            <a:pPr algn="ctr"/>
+            <a:endParaRPr lang="en-US"/>
+          </a:p>
+        </p:txBody>
+      </p:sp>
+      <p:sp>
+        <p:nvSpPr>
+          <p:cNvPr id="16" name="Овал 15"/>
+          <p:cNvSpPr/>
+          <p:nvPr/>
+        </p:nvSpPr>
+        <p:spPr>
+          <a:xfrm>
+            <a:off x="691659" y="1550124"/>
+            <a:ext cx="3790405" cy="3790405"/>
+          </a:xfrm>
+          <a:prstGeom prst="ellipse">
+            <a:avLst/>
+          </a:prstGeom>
+          <a:solidFill>
+            <a:schemeClr val="accent6">
+              <a:lumMod val="60000"/>
+              <a:lumOff val="40000"/>
+              <a:alpha val="20000"/>
+            </a:schemeClr>
+          </a:solidFill>
+          <a:ln w="3175">
+            <a:solidFill>
+              <a:schemeClr val="accent6">
+                <a:lumMod val="75000"/>
+              </a:schemeClr>
+            </a:solidFill>
+          </a:ln>
+        </p:spPr>
+        <p:style>
+          <a:lnRef idx="2">
+            <a:schemeClr val="accent1">
+              <a:shade val="50000"/>
+            </a:schemeClr>
+          </a:lnRef>
+          <a:fillRef idx="1">
+            <a:schemeClr val="accent1"/>
+          </a:fillRef>
+          <a:effectRef idx="0">
+            <a:schemeClr val="accent1"/>
+          </a:effectRef>
+          <a:fontRef idx="minor">
+            <a:schemeClr val="lt1"/>
+          </a:fontRef>
+        </p:style>
+        <p:txBody>
+          <a:bodyPr rtlCol="0" anchor="ctr"/>
+          <a:lstStyle/>
+          <a:p>
+            <a:pPr algn="ctr"/>
+            <a:endParaRPr lang="en-US"/>
+          </a:p>
+        </p:txBody>
+      </p:sp>
+      <p:sp>
+        <p:nvSpPr>
+          <p:cNvPr id="4" name="Овал 3"/>
+          <p:cNvSpPr/>
+          <p:nvPr/>
+        </p:nvSpPr>
+        <p:spPr>
+          <a:xfrm>
+            <a:off x="2860238" y="3063712"/>
+            <a:ext cx="150829" cy="150829"/>
+          </a:xfrm>
+          <a:prstGeom prst="ellipse">
+            <a:avLst/>
+          </a:prstGeom>
+          <a:solidFill>
+            <a:schemeClr val="accent6">
+              <a:lumMod val="75000"/>
+            </a:schemeClr>
+          </a:solidFill>
+          <a:ln>
+            <a:noFill/>
+          </a:ln>
+        </p:spPr>
+        <p:style>
+          <a:lnRef idx="2">
+            <a:schemeClr val="accent1">
+              <a:shade val="50000"/>
+            </a:schemeClr>
+          </a:lnRef>
+          <a:fillRef idx="1">
+            <a:schemeClr val="accent1"/>
+          </a:fillRef>
+          <a:effectRef idx="0">
+            <a:schemeClr val="accent1"/>
+          </a:effectRef>
+          <a:fontRef idx="minor">
+            <a:schemeClr val="lt1"/>
+          </a:fontRef>
+        </p:style>
+        <p:txBody>
+          <a:bodyPr rtlCol="0" anchor="ctr"/>
+          <a:lstStyle/>
+          <a:p>
+            <a:pPr algn="ctr"/>
+            <a:endParaRPr lang="ru-RU"/>
+          </a:p>
+        </p:txBody>
+      </p:sp>
+      <p:sp>
+        <p:nvSpPr>
+          <p:cNvPr id="8" name="Овал 7"/>
+          <p:cNvSpPr/>
+          <p:nvPr/>
+        </p:nvSpPr>
+        <p:spPr>
+          <a:xfrm>
+            <a:off x="8272795" y="3063711"/>
+            <a:ext cx="150829" cy="150829"/>
+          </a:xfrm>
+          <a:prstGeom prst="ellipse">
+            <a:avLst/>
+          </a:prstGeom>
+          <a:solidFill>
+            <a:schemeClr val="accent2">
+              <a:lumMod val="75000"/>
+            </a:schemeClr>
+          </a:solidFill>
+          <a:ln>
+            <a:noFill/>
+          </a:ln>
+        </p:spPr>
+        <p:style>
+          <a:lnRef idx="2">
+            <a:schemeClr val="accent1">
+              <a:shade val="50000"/>
+            </a:schemeClr>
+          </a:lnRef>
+          <a:fillRef idx="1">
+            <a:schemeClr val="accent1"/>
+          </a:fillRef>
+          <a:effectRef idx="0">
+            <a:schemeClr val="accent1"/>
+          </a:effectRef>
+          <a:fontRef idx="minor">
+            <a:schemeClr val="lt1"/>
+          </a:fontRef>
+        </p:style>
+        <p:txBody>
+          <a:bodyPr rtlCol="0" anchor="ctr"/>
+          <a:lstStyle/>
+          <a:p>
+            <a:pPr algn="ctr"/>
+            <a:endParaRPr lang="ru-RU"/>
+          </a:p>
+        </p:txBody>
+      </p:sp>
+      <p:cxnSp>
+        <p:nvCxnSpPr>
+          <p:cNvPr id="6" name="Прямая со стрелкой 5"/>
+          <p:cNvCxnSpPr>
+            <a:stCxn id="4" idx="6"/>
+            <a:endCxn id="8" idx="2"/>
+          </p:cNvCxnSpPr>
+          <p:nvPr/>
+        </p:nvCxnSpPr>
+        <p:spPr>
+          <a:xfrm flipV="1">
+            <a:off x="3011067" y="3139126"/>
+            <a:ext cx="5261728" cy="1"/>
+          </a:xfrm>
+          <a:prstGeom prst="straightConnector1">
+            <a:avLst/>
+          </a:prstGeom>
+          <a:ln w="38100">
+            <a:solidFill>
+              <a:schemeClr val="bg2">
+                <a:lumMod val="50000"/>
+              </a:schemeClr>
+            </a:solidFill>
+            <a:tailEnd type="triangle"/>
+          </a:ln>
+        </p:spPr>
+        <p:style>
+          <a:lnRef idx="1">
+            <a:schemeClr val="accent1"/>
+          </a:lnRef>
+          <a:fillRef idx="0">
+            <a:schemeClr val="accent1"/>
+          </a:fillRef>
+          <a:effectRef idx="0">
+            <a:schemeClr val="accent1"/>
+          </a:effectRef>
+          <a:fontRef idx="minor">
+            <a:schemeClr val="tx1"/>
+          </a:fontRef>
+        </p:style>
+      </p:cxnSp>
+      <p:sp>
+        <p:nvSpPr>
+          <p:cNvPr id="10" name="Овал 9"/>
+          <p:cNvSpPr/>
+          <p:nvPr/>
+        </p:nvSpPr>
+        <p:spPr>
+          <a:xfrm>
+            <a:off x="2586861" y="3932549"/>
+            <a:ext cx="150829" cy="150829"/>
+          </a:xfrm>
+          <a:prstGeom prst="ellipse">
+            <a:avLst/>
+          </a:prstGeom>
+          <a:solidFill>
+            <a:schemeClr val="accent6">
+              <a:lumMod val="75000"/>
+            </a:schemeClr>
+          </a:solidFill>
+          <a:ln>
+            <a:noFill/>
+          </a:ln>
+        </p:spPr>
+        <p:style>
+          <a:lnRef idx="2">
+            <a:schemeClr val="accent1">
+              <a:shade val="50000"/>
+            </a:schemeClr>
+          </a:lnRef>
+          <a:fillRef idx="1">
+            <a:schemeClr val="accent1"/>
+          </a:fillRef>
+          <a:effectRef idx="0">
+            <a:schemeClr val="accent1"/>
+          </a:effectRef>
+          <a:fontRef idx="minor">
+            <a:schemeClr val="lt1"/>
+          </a:fontRef>
+        </p:style>
+        <p:txBody>
+          <a:bodyPr rtlCol="0" anchor="ctr"/>
+          <a:lstStyle/>
+          <a:p>
+            <a:pPr algn="ctr"/>
+            <a:endParaRPr lang="ru-RU"/>
+          </a:p>
+        </p:txBody>
+      </p:sp>
+      <p:sp>
+        <p:nvSpPr>
+          <p:cNvPr id="11" name="Овал 10"/>
+          <p:cNvSpPr/>
+          <p:nvPr/>
+        </p:nvSpPr>
+        <p:spPr>
+          <a:xfrm>
+            <a:off x="8773987" y="4243633"/>
+            <a:ext cx="150829" cy="150829"/>
+          </a:xfrm>
+          <a:prstGeom prst="ellipse">
+            <a:avLst/>
+          </a:prstGeom>
+          <a:solidFill>
+            <a:schemeClr val="accent2">
+              <a:lumMod val="75000"/>
+            </a:schemeClr>
+          </a:solidFill>
+          <a:ln>
+            <a:noFill/>
+          </a:ln>
+        </p:spPr>
+        <p:style>
+          <a:lnRef idx="2">
+            <a:schemeClr val="accent1">
+              <a:shade val="50000"/>
+            </a:schemeClr>
+          </a:lnRef>
+          <a:fillRef idx="1">
+            <a:schemeClr val="accent1"/>
+          </a:fillRef>
+          <a:effectRef idx="0">
+            <a:schemeClr val="accent1"/>
+          </a:effectRef>
+          <a:fontRef idx="minor">
+            <a:schemeClr val="lt1"/>
+          </a:fontRef>
+        </p:style>
+        <p:txBody>
+          <a:bodyPr rtlCol="0" anchor="ctr"/>
+          <a:lstStyle/>
+          <a:p>
+            <a:pPr algn="ctr"/>
+            <a:endParaRPr lang="ru-RU"/>
+          </a:p>
+        </p:txBody>
+      </p:sp>
+      <p:cxnSp>
+        <p:nvCxnSpPr>
+          <p:cNvPr id="12" name="Прямая со стрелкой 11"/>
+          <p:cNvCxnSpPr>
+            <a:stCxn id="10" idx="6"/>
+            <a:endCxn id="11" idx="2"/>
+          </p:cNvCxnSpPr>
+          <p:nvPr/>
+        </p:nvCxnSpPr>
+        <p:spPr>
+          <a:xfrm>
+            <a:off x="2737690" y="4007964"/>
+            <a:ext cx="6036297" cy="311084"/>
+          </a:xfrm>
+          <a:prstGeom prst="straightConnector1">
+            <a:avLst/>
+          </a:prstGeom>
+          <a:ln w="38100">
+            <a:solidFill>
+              <a:schemeClr val="bg2">
+                <a:lumMod val="50000"/>
+              </a:schemeClr>
+            </a:solidFill>
+            <a:tailEnd type="triangle"/>
+          </a:ln>
+        </p:spPr>
+        <p:style>
+          <a:lnRef idx="1">
+            <a:schemeClr val="accent1"/>
+          </a:lnRef>
+          <a:fillRef idx="0">
+            <a:schemeClr val="accent1"/>
+          </a:fillRef>
+          <a:effectRef idx="0">
+            <a:schemeClr val="accent1"/>
+          </a:effectRef>
+          <a:fontRef idx="minor">
+            <a:schemeClr val="tx1"/>
+          </a:fontRef>
+        </p:style>
+      </p:cxnSp>
+      <p:sp>
+        <p:nvSpPr>
+          <p:cNvPr id="15" name="Овал 14"/>
+          <p:cNvSpPr/>
+          <p:nvPr/>
+        </p:nvSpPr>
+        <p:spPr>
+          <a:xfrm>
+            <a:off x="2737690" y="2270289"/>
+            <a:ext cx="150829" cy="150829"/>
+          </a:xfrm>
+          <a:prstGeom prst="ellipse">
+            <a:avLst/>
+          </a:prstGeom>
+          <a:solidFill>
+            <a:schemeClr val="accent6">
+              <a:lumMod val="75000"/>
+            </a:schemeClr>
+          </a:solidFill>
+          <a:ln>
+            <a:noFill/>
+          </a:ln>
+        </p:spPr>
+        <p:style>
+          <a:lnRef idx="2">
+            <a:schemeClr val="accent1">
+              <a:shade val="50000"/>
+            </a:schemeClr>
+          </a:lnRef>
+          <a:fillRef idx="1">
+            <a:schemeClr val="accent1"/>
+          </a:fillRef>
+          <a:effectRef idx="0">
+            <a:schemeClr val="accent1"/>
+          </a:effectRef>
+          <a:fontRef idx="minor">
+            <a:schemeClr val="lt1"/>
+          </a:fontRef>
+        </p:style>
+        <p:txBody>
+          <a:bodyPr rtlCol="0" anchor="ctr"/>
+          <a:lstStyle/>
+          <a:p>
+            <a:pPr algn="ctr"/>
+            <a:endParaRPr lang="ru-RU"/>
+          </a:p>
+        </p:txBody>
+      </p:sp>
+      <p:sp>
+        <p:nvSpPr>
+          <p:cNvPr id="19" name="Овал 18"/>
+          <p:cNvSpPr/>
+          <p:nvPr/>
+        </p:nvSpPr>
+        <p:spPr>
+          <a:xfrm>
+            <a:off x="8623158" y="2194874"/>
+            <a:ext cx="150829" cy="150829"/>
+          </a:xfrm>
+          <a:prstGeom prst="ellipse">
+            <a:avLst/>
+          </a:prstGeom>
+          <a:solidFill>
+            <a:schemeClr val="accent2">
+              <a:lumMod val="75000"/>
+            </a:schemeClr>
+          </a:solidFill>
+          <a:ln>
+            <a:noFill/>
+          </a:ln>
+        </p:spPr>
+        <p:style>
+          <a:lnRef idx="2">
+            <a:schemeClr val="accent1">
+              <a:shade val="50000"/>
+            </a:schemeClr>
+          </a:lnRef>
+          <a:fillRef idx="1">
+            <a:schemeClr val="accent1"/>
+          </a:fillRef>
+          <a:effectRef idx="0">
+            <a:schemeClr val="accent1"/>
+          </a:effectRef>
+          <a:fontRef idx="minor">
+            <a:schemeClr val="lt1"/>
+          </a:fontRef>
+        </p:style>
+        <p:txBody>
+          <a:bodyPr rtlCol="0" anchor="ctr"/>
+          <a:lstStyle/>
+          <a:p>
+            <a:pPr algn="ctr"/>
+            <a:endParaRPr lang="ru-RU"/>
+          </a:p>
+        </p:txBody>
+      </p:sp>
+      <p:cxnSp>
+        <p:nvCxnSpPr>
+          <p:cNvPr id="20" name="Прямая со стрелкой 19"/>
+          <p:cNvCxnSpPr>
+            <a:stCxn id="15" idx="6"/>
+            <a:endCxn id="19" idx="2"/>
+          </p:cNvCxnSpPr>
+          <p:nvPr/>
+        </p:nvCxnSpPr>
+        <p:spPr>
+          <a:xfrm flipV="1">
+            <a:off x="2888519" y="2270289"/>
+            <a:ext cx="5734639" cy="75415"/>
+          </a:xfrm>
+          <a:prstGeom prst="straightConnector1">
+            <a:avLst/>
+          </a:prstGeom>
+          <a:ln w="38100">
+            <a:solidFill>
+              <a:schemeClr val="bg2">
+                <a:lumMod val="50000"/>
+              </a:schemeClr>
+            </a:solidFill>
+            <a:tailEnd type="triangle"/>
+          </a:ln>
+        </p:spPr>
+        <p:style>
+          <a:lnRef idx="1">
+            <a:schemeClr val="accent1"/>
+          </a:lnRef>
+          <a:fillRef idx="0">
+            <a:schemeClr val="accent1"/>
+          </a:fillRef>
+          <a:effectRef idx="0">
+            <a:schemeClr val="accent1"/>
+          </a:effectRef>
+          <a:fontRef idx="minor">
+            <a:schemeClr val="tx1"/>
+          </a:fontRef>
+        </p:style>
+      </p:cxnSp>
+      <p:sp>
+        <p:nvSpPr>
+          <p:cNvPr id="3" name="Прямоугольник 2"/>
+          <p:cNvSpPr/>
+          <p:nvPr/>
+        </p:nvSpPr>
+        <p:spPr>
+          <a:xfrm>
+            <a:off x="1362881" y="865062"/>
+            <a:ext cx="2598788" cy="523220"/>
+          </a:xfrm>
+          <a:prstGeom prst="rect">
+            <a:avLst/>
+          </a:prstGeom>
+        </p:spPr>
+        <p:txBody>
+          <a:bodyPr wrap="none">
+            <a:spAutoFit/>
+          </a:bodyPr>
+          <a:lstStyle/>
+          <a:p>
+            <a:pPr algn="ctr"/>
+            <a:r>
+              <a:rPr lang="en-US" sz="2800" dirty="0" smtClean="0"/>
+              <a:t>(actual scenario)</a:t>
+            </a:r>
+            <a:endParaRPr lang="en-US" sz="2800" dirty="0"/>
+          </a:p>
+        </p:txBody>
+      </p:sp>
+      <p:sp>
+        <p:nvSpPr>
+          <p:cNvPr id="18" name="Прямоугольник 17"/>
+          <p:cNvSpPr/>
+          <p:nvPr/>
+        </p:nvSpPr>
+        <p:spPr>
+          <a:xfrm>
+            <a:off x="8467769" y="934808"/>
+            <a:ext cx="2388795" cy="523220"/>
+          </a:xfrm>
+          <a:prstGeom prst="rect">
+            <a:avLst/>
+          </a:prstGeom>
+        </p:spPr>
+        <p:txBody>
+          <a:bodyPr wrap="none">
+            <a:spAutoFit/>
+          </a:bodyPr>
+          <a:lstStyle/>
+          <a:p>
+            <a:pPr algn="ctr"/>
+            <a:r>
+              <a:rPr lang="en-US" sz="2800" dirty="0" smtClean="0">
+                <a:solidFill>
+                  <a:prstClr val="black"/>
+                </a:solidFill>
+                <a:latin typeface="Roboto" panose="02000000000000000000" pitchFamily="2" charset="0"/>
+                <a:ea typeface="Roboto" panose="02000000000000000000" pitchFamily="2" charset="0"/>
+              </a:rPr>
+              <a:t>result + error</a:t>
+            </a:r>
+            <a:endParaRPr lang="en-US" sz="2800" dirty="0"/>
+          </a:p>
+        </p:txBody>
+      </p:sp>
+    </p:spTree>
+    <p:extLst>
+      <p:ext uri="{BB962C8B-B14F-4D97-AF65-F5344CB8AC3E}">
+        <p14:creationId xmlns:p14="http://schemas.microsoft.com/office/powerpoint/2010/main" val="1602645745"/>
       </p:ext>
     </p:extLst>
   </p:cSld>

--- a/Презентация.pptx
+++ b/Презентация.pptx
@@ -5,7 +5,7 @@
     <p:sldMasterId id="2147483660" r:id="rId1"/>
   </p:sldMasterIdLst>
   <p:notesMasterIdLst>
-    <p:notesMasterId r:id="rId30"/>
+    <p:notesMasterId r:id="rId45"/>
   </p:notesMasterIdLst>
   <p:sldIdLst>
     <p:sldId id="375" r:id="rId2"/>
@@ -18,24 +18,39 @@
     <p:sldId id="275" r:id="rId9"/>
     <p:sldId id="379" r:id="rId10"/>
     <p:sldId id="380" r:id="rId11"/>
-    <p:sldId id="273" r:id="rId12"/>
-    <p:sldId id="276" r:id="rId13"/>
-    <p:sldId id="277" r:id="rId14"/>
-    <p:sldId id="278" r:id="rId15"/>
-    <p:sldId id="279" r:id="rId16"/>
-    <p:sldId id="281" r:id="rId17"/>
-    <p:sldId id="282" r:id="rId18"/>
-    <p:sldId id="381" r:id="rId19"/>
-    <p:sldId id="382" r:id="rId20"/>
-    <p:sldId id="384" r:id="rId21"/>
-    <p:sldId id="385" r:id="rId22"/>
-    <p:sldId id="388" r:id="rId23"/>
-    <p:sldId id="389" r:id="rId24"/>
-    <p:sldId id="386" r:id="rId25"/>
-    <p:sldId id="390" r:id="rId26"/>
-    <p:sldId id="391" r:id="rId27"/>
-    <p:sldId id="383" r:id="rId28"/>
-    <p:sldId id="316" r:id="rId29"/>
+    <p:sldId id="392" r:id="rId12"/>
+    <p:sldId id="393" r:id="rId13"/>
+    <p:sldId id="273" r:id="rId14"/>
+    <p:sldId id="276" r:id="rId15"/>
+    <p:sldId id="277" r:id="rId16"/>
+    <p:sldId id="278" r:id="rId17"/>
+    <p:sldId id="279" r:id="rId18"/>
+    <p:sldId id="394" r:id="rId19"/>
+    <p:sldId id="281" r:id="rId20"/>
+    <p:sldId id="282" r:id="rId21"/>
+    <p:sldId id="398" r:id="rId22"/>
+    <p:sldId id="397" r:id="rId23"/>
+    <p:sldId id="396" r:id="rId24"/>
+    <p:sldId id="384" r:id="rId25"/>
+    <p:sldId id="385" r:id="rId26"/>
+    <p:sldId id="388" r:id="rId27"/>
+    <p:sldId id="389" r:id="rId28"/>
+    <p:sldId id="399" r:id="rId29"/>
+    <p:sldId id="386" r:id="rId30"/>
+    <p:sldId id="390" r:id="rId31"/>
+    <p:sldId id="400" r:id="rId32"/>
+    <p:sldId id="391" r:id="rId33"/>
+    <p:sldId id="401" r:id="rId34"/>
+    <p:sldId id="402" r:id="rId35"/>
+    <p:sldId id="403" r:id="rId36"/>
+    <p:sldId id="404" r:id="rId37"/>
+    <p:sldId id="406" r:id="rId38"/>
+    <p:sldId id="407" r:id="rId39"/>
+    <p:sldId id="408" r:id="rId40"/>
+    <p:sldId id="409" r:id="rId41"/>
+    <p:sldId id="405" r:id="rId42"/>
+    <p:sldId id="383" r:id="rId43"/>
+    <p:sldId id="316" r:id="rId44"/>
   </p:sldIdLst>
   <p:sldSz cx="12192000" cy="6858000"/>
   <p:notesSz cx="6858000" cy="9144000"/>
@@ -237,7 +252,7 @@
             <a:fld id="{875DBB85-D788-41AB-9EA9-46E819F72DBE}" type="datetimeFigureOut">
               <a:rPr lang="en-US" smtClean="0"/>
               <a:pPr/>
-              <a:t>4/23/2023</a:t>
+              <a:t>4/26/2023</a:t>
             </a:fld>
             <a:endParaRPr lang="en-US" dirty="0"/>
           </a:p>
@@ -1305,7 +1320,590 @@
           <a:bodyPr/>
           <a:lstStyle/>
           <a:p>
-            <a:endParaRPr lang="ru-RU" dirty="0"/>
+            <a:r>
+              <a:rPr lang="en-US" sz="1200" kern="1200" dirty="0" smtClean="0">
+                <a:solidFill>
+                  <a:schemeClr val="tx1"/>
+                </a:solidFill>
+                <a:effectLst/>
+                <a:latin typeface="Roboto" panose="02000000000000000000" pitchFamily="2" charset="0"/>
+                <a:ea typeface="+mn-ea"/>
+                <a:cs typeface="+mn-cs"/>
+              </a:rPr>
+              <a:t>Software — a compound word composed of “soft” and “ware.” The word “ware” means “product”; the word “soft”… Well, that’s</a:t>
+            </a:r>
+            <a:br>
+              <a:rPr lang="en-US" sz="1200" kern="1200" dirty="0" smtClean="0">
+                <a:solidFill>
+                  <a:schemeClr val="tx1"/>
+                </a:solidFill>
+                <a:effectLst/>
+                <a:latin typeface="Roboto" panose="02000000000000000000" pitchFamily="2" charset="0"/>
+                <a:ea typeface="+mn-ea"/>
+                <a:cs typeface="+mn-cs"/>
+              </a:rPr>
+            </a:br>
+            <a:r>
+              <a:rPr lang="en-US" sz="1200" kern="1200" dirty="0" smtClean="0">
+                <a:solidFill>
+                  <a:schemeClr val="tx1"/>
+                </a:solidFill>
+                <a:effectLst/>
+                <a:latin typeface="Roboto" panose="02000000000000000000" pitchFamily="2" charset="0"/>
+                <a:ea typeface="+mn-ea"/>
+                <a:cs typeface="+mn-cs"/>
+              </a:rPr>
+              <a:t>where the second value lies.</a:t>
+            </a:r>
+            <a:br>
+              <a:rPr lang="en-US" sz="1200" kern="1200" dirty="0" smtClean="0">
+                <a:solidFill>
+                  <a:schemeClr val="tx1"/>
+                </a:solidFill>
+                <a:effectLst/>
+                <a:latin typeface="Roboto" panose="02000000000000000000" pitchFamily="2" charset="0"/>
+                <a:ea typeface="+mn-ea"/>
+                <a:cs typeface="+mn-cs"/>
+              </a:rPr>
+            </a:br>
+            <a:r>
+              <a:rPr lang="en-US" sz="1200" kern="1200" dirty="0" smtClean="0">
+                <a:solidFill>
+                  <a:schemeClr val="tx1"/>
+                </a:solidFill>
+                <a:effectLst/>
+                <a:latin typeface="Roboto" panose="02000000000000000000" pitchFamily="2" charset="0"/>
+                <a:ea typeface="+mn-ea"/>
+                <a:cs typeface="+mn-cs"/>
+              </a:rPr>
+              <a:t/>
+            </a:r>
+            <a:br>
+              <a:rPr lang="en-US" sz="1200" kern="1200" dirty="0" smtClean="0">
+                <a:solidFill>
+                  <a:schemeClr val="tx1"/>
+                </a:solidFill>
+                <a:effectLst/>
+                <a:latin typeface="Roboto" panose="02000000000000000000" pitchFamily="2" charset="0"/>
+                <a:ea typeface="+mn-ea"/>
+                <a:cs typeface="+mn-cs"/>
+              </a:rPr>
+            </a:br>
+            <a:r>
+              <a:rPr lang="en-US" sz="1200" kern="1200" dirty="0" smtClean="0">
+                <a:solidFill>
+                  <a:schemeClr val="tx1"/>
+                </a:solidFill>
+                <a:effectLst/>
+                <a:latin typeface="Roboto" panose="02000000000000000000" pitchFamily="2" charset="0"/>
+                <a:ea typeface="+mn-ea"/>
+                <a:cs typeface="+mn-cs"/>
+              </a:rPr>
+              <a:t>Software was invented to be “soft.” It was intended to be a way to easily change the</a:t>
+            </a:r>
+            <a:br>
+              <a:rPr lang="en-US" sz="1200" kern="1200" dirty="0" smtClean="0">
+                <a:solidFill>
+                  <a:schemeClr val="tx1"/>
+                </a:solidFill>
+                <a:effectLst/>
+                <a:latin typeface="Roboto" panose="02000000000000000000" pitchFamily="2" charset="0"/>
+                <a:ea typeface="+mn-ea"/>
+                <a:cs typeface="+mn-cs"/>
+              </a:rPr>
+            </a:br>
+            <a:r>
+              <a:rPr lang="en-US" sz="1200" kern="1200" dirty="0" smtClean="0">
+                <a:solidFill>
+                  <a:schemeClr val="tx1"/>
+                </a:solidFill>
+                <a:effectLst/>
+                <a:latin typeface="Roboto" panose="02000000000000000000" pitchFamily="2" charset="0"/>
+                <a:ea typeface="+mn-ea"/>
+                <a:cs typeface="+mn-cs"/>
+              </a:rPr>
+              <a:t>behavior of machines. If we’d wanted the behavior of machines to be hard to change, we would have called it hardware.</a:t>
+            </a:r>
+            <a:br>
+              <a:rPr lang="en-US" sz="1200" kern="1200" dirty="0" smtClean="0">
+                <a:solidFill>
+                  <a:schemeClr val="tx1"/>
+                </a:solidFill>
+                <a:effectLst/>
+                <a:latin typeface="Roboto" panose="02000000000000000000" pitchFamily="2" charset="0"/>
+                <a:ea typeface="+mn-ea"/>
+                <a:cs typeface="+mn-cs"/>
+              </a:rPr>
+            </a:br>
+            <a:r>
+              <a:rPr lang="en-US" sz="1200" kern="1200" dirty="0" smtClean="0">
+                <a:solidFill>
+                  <a:schemeClr val="tx1"/>
+                </a:solidFill>
+                <a:effectLst/>
+                <a:latin typeface="Roboto" panose="02000000000000000000" pitchFamily="2" charset="0"/>
+                <a:ea typeface="+mn-ea"/>
+                <a:cs typeface="+mn-cs"/>
+              </a:rPr>
+              <a:t/>
+            </a:r>
+            <a:br>
+              <a:rPr lang="en-US" sz="1200" kern="1200" dirty="0" smtClean="0">
+                <a:solidFill>
+                  <a:schemeClr val="tx1"/>
+                </a:solidFill>
+                <a:effectLst/>
+                <a:latin typeface="Roboto" panose="02000000000000000000" pitchFamily="2" charset="0"/>
+                <a:ea typeface="+mn-ea"/>
+                <a:cs typeface="+mn-cs"/>
+              </a:rPr>
+            </a:br>
+            <a:r>
+              <a:rPr lang="en-US" sz="1200" kern="1200" dirty="0" smtClean="0">
+                <a:solidFill>
+                  <a:schemeClr val="tx1"/>
+                </a:solidFill>
+                <a:effectLst/>
+                <a:latin typeface="Roboto" panose="02000000000000000000" pitchFamily="2" charset="0"/>
+                <a:ea typeface="+mn-ea"/>
+                <a:cs typeface="+mn-cs"/>
+              </a:rPr>
+              <a:t>To fulfill its purpose, software must be soft—that is, it must be easy to change. When the stakeholders change their</a:t>
+            </a:r>
+            <a:br>
+              <a:rPr lang="en-US" sz="1200" kern="1200" dirty="0" smtClean="0">
+                <a:solidFill>
+                  <a:schemeClr val="tx1"/>
+                </a:solidFill>
+                <a:effectLst/>
+                <a:latin typeface="Roboto" panose="02000000000000000000" pitchFamily="2" charset="0"/>
+                <a:ea typeface="+mn-ea"/>
+                <a:cs typeface="+mn-cs"/>
+              </a:rPr>
+            </a:br>
+            <a:r>
+              <a:rPr lang="en-US" sz="1200" kern="1200" dirty="0" smtClean="0">
+                <a:solidFill>
+                  <a:schemeClr val="tx1"/>
+                </a:solidFill>
+                <a:effectLst/>
+                <a:latin typeface="Roboto" panose="02000000000000000000" pitchFamily="2" charset="0"/>
+                <a:ea typeface="+mn-ea"/>
+                <a:cs typeface="+mn-cs"/>
+              </a:rPr>
+              <a:t>minds about a feature, that change should be simple and easy to make. The difficulty in making such a change should be</a:t>
+            </a:r>
+            <a:br>
+              <a:rPr lang="en-US" sz="1200" kern="1200" dirty="0" smtClean="0">
+                <a:solidFill>
+                  <a:schemeClr val="tx1"/>
+                </a:solidFill>
+                <a:effectLst/>
+                <a:latin typeface="Roboto" panose="02000000000000000000" pitchFamily="2" charset="0"/>
+                <a:ea typeface="+mn-ea"/>
+                <a:cs typeface="+mn-cs"/>
+              </a:rPr>
+            </a:br>
+            <a:r>
+              <a:rPr lang="en-US" sz="1200" kern="1200" dirty="0" smtClean="0">
+                <a:solidFill>
+                  <a:schemeClr val="tx1"/>
+                </a:solidFill>
+                <a:effectLst/>
+                <a:latin typeface="Roboto" panose="02000000000000000000" pitchFamily="2" charset="0"/>
+                <a:ea typeface="+mn-ea"/>
+                <a:cs typeface="+mn-cs"/>
+              </a:rPr>
+              <a:t>proportional only to the change itself, and not to the state of a program.</a:t>
+            </a:r>
+            <a:br>
+              <a:rPr lang="en-US" sz="1200" kern="1200" dirty="0" smtClean="0">
+                <a:solidFill>
+                  <a:schemeClr val="tx1"/>
+                </a:solidFill>
+                <a:effectLst/>
+                <a:latin typeface="Roboto" panose="02000000000000000000" pitchFamily="2" charset="0"/>
+                <a:ea typeface="+mn-ea"/>
+                <a:cs typeface="+mn-cs"/>
+              </a:rPr>
+            </a:br>
+            <a:r>
+              <a:rPr lang="en-US" sz="1200" kern="1200" dirty="0" smtClean="0">
+                <a:solidFill>
+                  <a:schemeClr val="tx1"/>
+                </a:solidFill>
+                <a:effectLst/>
+                <a:latin typeface="Roboto" panose="02000000000000000000" pitchFamily="2" charset="0"/>
+                <a:ea typeface="+mn-ea"/>
+                <a:cs typeface="+mn-cs"/>
+              </a:rPr>
+              <a:t/>
+            </a:r>
+            <a:br>
+              <a:rPr lang="en-US" sz="1200" kern="1200" dirty="0" smtClean="0">
+                <a:solidFill>
+                  <a:schemeClr val="tx1"/>
+                </a:solidFill>
+                <a:effectLst/>
+                <a:latin typeface="Roboto" panose="02000000000000000000" pitchFamily="2" charset="0"/>
+                <a:ea typeface="+mn-ea"/>
+                <a:cs typeface="+mn-cs"/>
+              </a:rPr>
+            </a:br>
+            <a:r>
+              <a:rPr lang="en-US" sz="1200" kern="1200" dirty="0" smtClean="0">
+                <a:solidFill>
+                  <a:schemeClr val="tx1"/>
+                </a:solidFill>
+                <a:effectLst/>
+                <a:latin typeface="Roboto" panose="02000000000000000000" pitchFamily="2" charset="0"/>
+                <a:ea typeface="+mn-ea"/>
+                <a:cs typeface="+mn-cs"/>
+              </a:rPr>
+              <a:t>It is the reason that costs grow out of proportion to the size of the requested changes.</a:t>
+            </a:r>
+            <a:br>
+              <a:rPr lang="en-US" sz="1200" kern="1200" dirty="0" smtClean="0">
+                <a:solidFill>
+                  <a:schemeClr val="tx1"/>
+                </a:solidFill>
+                <a:effectLst/>
+                <a:latin typeface="Roboto" panose="02000000000000000000" pitchFamily="2" charset="0"/>
+                <a:ea typeface="+mn-ea"/>
+                <a:cs typeface="+mn-cs"/>
+              </a:rPr>
+            </a:br>
+            <a:r>
+              <a:rPr lang="en-US" sz="1200" kern="1200" dirty="0" smtClean="0">
+                <a:solidFill>
+                  <a:schemeClr val="tx1"/>
+                </a:solidFill>
+                <a:effectLst/>
+                <a:latin typeface="Roboto" panose="02000000000000000000" pitchFamily="2" charset="0"/>
+                <a:ea typeface="+mn-ea"/>
+                <a:cs typeface="+mn-cs"/>
+              </a:rPr>
+              <a:t>It is the reason that the first year of development is much cheaper than the second, and the second year is much cheaper</a:t>
+            </a:r>
+            <a:br>
+              <a:rPr lang="en-US" sz="1200" kern="1200" dirty="0" smtClean="0">
+                <a:solidFill>
+                  <a:schemeClr val="tx1"/>
+                </a:solidFill>
+                <a:effectLst/>
+                <a:latin typeface="Roboto" panose="02000000000000000000" pitchFamily="2" charset="0"/>
+                <a:ea typeface="+mn-ea"/>
+                <a:cs typeface="+mn-cs"/>
+              </a:rPr>
+            </a:br>
+            <a:r>
+              <a:rPr lang="en-US" sz="1200" kern="1200" dirty="0" smtClean="0">
+                <a:solidFill>
+                  <a:schemeClr val="tx1"/>
+                </a:solidFill>
+                <a:effectLst/>
+                <a:latin typeface="Roboto" panose="02000000000000000000" pitchFamily="2" charset="0"/>
+                <a:ea typeface="+mn-ea"/>
+                <a:cs typeface="+mn-cs"/>
+              </a:rPr>
+              <a:t>than the third.</a:t>
+            </a:r>
+            <a:br>
+              <a:rPr lang="en-US" sz="1200" kern="1200" dirty="0" smtClean="0">
+                <a:solidFill>
+                  <a:schemeClr val="tx1"/>
+                </a:solidFill>
+                <a:effectLst/>
+                <a:latin typeface="Roboto" panose="02000000000000000000" pitchFamily="2" charset="0"/>
+                <a:ea typeface="+mn-ea"/>
+                <a:cs typeface="+mn-cs"/>
+              </a:rPr>
+            </a:br>
+            <a:r>
+              <a:rPr lang="en-US" sz="1200" kern="1200" dirty="0" smtClean="0">
+                <a:solidFill>
+                  <a:schemeClr val="tx1"/>
+                </a:solidFill>
+                <a:effectLst/>
+                <a:latin typeface="Roboto" panose="02000000000000000000" pitchFamily="2" charset="0"/>
+                <a:ea typeface="+mn-ea"/>
+                <a:cs typeface="+mn-cs"/>
+              </a:rPr>
+              <a:t/>
+            </a:r>
+            <a:br>
+              <a:rPr lang="en-US" sz="1200" kern="1200" dirty="0" smtClean="0">
+                <a:solidFill>
+                  <a:schemeClr val="tx1"/>
+                </a:solidFill>
+                <a:effectLst/>
+                <a:latin typeface="Roboto" panose="02000000000000000000" pitchFamily="2" charset="0"/>
+                <a:ea typeface="+mn-ea"/>
+                <a:cs typeface="+mn-cs"/>
+              </a:rPr>
+            </a:br>
+            <a:r>
+              <a:rPr lang="en-US" sz="1200" kern="1200" dirty="0" smtClean="0">
+                <a:solidFill>
+                  <a:schemeClr val="tx1"/>
+                </a:solidFill>
+                <a:effectLst/>
+                <a:latin typeface="Roboto" panose="02000000000000000000" pitchFamily="2" charset="0"/>
+                <a:ea typeface="+mn-ea"/>
+                <a:cs typeface="+mn-cs"/>
+              </a:rPr>
+              <a:t>From the stakeholders’ point of view, they are simply providing a stream of changes of roughly similar scope. From the</a:t>
+            </a:r>
+            <a:br>
+              <a:rPr lang="en-US" sz="1200" kern="1200" dirty="0" smtClean="0">
+                <a:solidFill>
+                  <a:schemeClr val="tx1"/>
+                </a:solidFill>
+                <a:effectLst/>
+                <a:latin typeface="Roboto" panose="02000000000000000000" pitchFamily="2" charset="0"/>
+                <a:ea typeface="+mn-ea"/>
+                <a:cs typeface="+mn-cs"/>
+              </a:rPr>
+            </a:br>
+            <a:r>
+              <a:rPr lang="en-US" sz="1200" kern="1200" dirty="0" smtClean="0">
+                <a:solidFill>
+                  <a:schemeClr val="tx1"/>
+                </a:solidFill>
+                <a:effectLst/>
+                <a:latin typeface="Roboto" panose="02000000000000000000" pitchFamily="2" charset="0"/>
+                <a:ea typeface="+mn-ea"/>
+                <a:cs typeface="+mn-cs"/>
+              </a:rPr>
+              <a:t>developers’ point of view, the stakeholders are giving them a stream of jigsaw puzzle pieces that they must fit into a</a:t>
+            </a:r>
+            <a:br>
+              <a:rPr lang="en-US" sz="1200" kern="1200" dirty="0" smtClean="0">
+                <a:solidFill>
+                  <a:schemeClr val="tx1"/>
+                </a:solidFill>
+                <a:effectLst/>
+                <a:latin typeface="Roboto" panose="02000000000000000000" pitchFamily="2" charset="0"/>
+                <a:ea typeface="+mn-ea"/>
+                <a:cs typeface="+mn-cs"/>
+              </a:rPr>
+            </a:br>
+            <a:r>
+              <a:rPr lang="en-US" sz="1200" kern="1200" dirty="0" smtClean="0">
+                <a:solidFill>
+                  <a:schemeClr val="tx1"/>
+                </a:solidFill>
+                <a:effectLst/>
+                <a:latin typeface="Roboto" panose="02000000000000000000" pitchFamily="2" charset="0"/>
+                <a:ea typeface="+mn-ea"/>
+                <a:cs typeface="+mn-cs"/>
+              </a:rPr>
+              <a:t>puzzle of ever-increasing complexity.</a:t>
+            </a:r>
+            <a:br>
+              <a:rPr lang="en-US" sz="1200" kern="1200" dirty="0" smtClean="0">
+                <a:solidFill>
+                  <a:schemeClr val="tx1"/>
+                </a:solidFill>
+                <a:effectLst/>
+                <a:latin typeface="Roboto" panose="02000000000000000000" pitchFamily="2" charset="0"/>
+                <a:ea typeface="+mn-ea"/>
+                <a:cs typeface="+mn-cs"/>
+              </a:rPr>
+            </a:br>
+            <a:r>
+              <a:rPr lang="en-US" sz="1200" kern="1200" dirty="0" smtClean="0">
+                <a:solidFill>
+                  <a:schemeClr val="tx1"/>
+                </a:solidFill>
+                <a:effectLst/>
+                <a:latin typeface="Roboto" panose="02000000000000000000" pitchFamily="2" charset="0"/>
+                <a:ea typeface="+mn-ea"/>
+                <a:cs typeface="+mn-cs"/>
+              </a:rPr>
+              <a:t/>
+            </a:r>
+            <a:br>
+              <a:rPr lang="en-US" sz="1200" kern="1200" dirty="0" smtClean="0">
+                <a:solidFill>
+                  <a:schemeClr val="tx1"/>
+                </a:solidFill>
+                <a:effectLst/>
+                <a:latin typeface="Roboto" panose="02000000000000000000" pitchFamily="2" charset="0"/>
+                <a:ea typeface="+mn-ea"/>
+                <a:cs typeface="+mn-cs"/>
+              </a:rPr>
+            </a:br>
+            <a:r>
+              <a:rPr lang="en-US" sz="1200" kern="1200" dirty="0" smtClean="0">
+                <a:solidFill>
+                  <a:schemeClr val="tx1"/>
+                </a:solidFill>
+                <a:effectLst/>
+                <a:latin typeface="Roboto" panose="02000000000000000000" pitchFamily="2" charset="0"/>
+                <a:ea typeface="+mn-ea"/>
+                <a:cs typeface="+mn-cs"/>
+              </a:rPr>
+              <a:t>Each new request</a:t>
+            </a:r>
+            <a:br>
+              <a:rPr lang="en-US" sz="1200" kern="1200" dirty="0" smtClean="0">
+                <a:solidFill>
+                  <a:schemeClr val="tx1"/>
+                </a:solidFill>
+                <a:effectLst/>
+                <a:latin typeface="Roboto" panose="02000000000000000000" pitchFamily="2" charset="0"/>
+                <a:ea typeface="+mn-ea"/>
+                <a:cs typeface="+mn-cs"/>
+              </a:rPr>
+            </a:br>
+            <a:r>
+              <a:rPr lang="en-US" sz="1200" kern="1200" dirty="0" smtClean="0">
+                <a:solidFill>
+                  <a:schemeClr val="tx1"/>
+                </a:solidFill>
+                <a:effectLst/>
+                <a:latin typeface="Roboto" panose="02000000000000000000" pitchFamily="2" charset="0"/>
+                <a:ea typeface="+mn-ea"/>
+                <a:cs typeface="+mn-cs"/>
+              </a:rPr>
+              <a:t>is harder to fit than the last, because the shape of the system does not match the shape of the request. Software</a:t>
+            </a:r>
+            <a:br>
+              <a:rPr lang="en-US" sz="1200" kern="1200" dirty="0" smtClean="0">
+                <a:solidFill>
+                  <a:schemeClr val="tx1"/>
+                </a:solidFill>
+                <a:effectLst/>
+                <a:latin typeface="Roboto" panose="02000000000000000000" pitchFamily="2" charset="0"/>
+                <a:ea typeface="+mn-ea"/>
+                <a:cs typeface="+mn-cs"/>
+              </a:rPr>
+            </a:br>
+            <a:r>
+              <a:rPr lang="en-US" sz="1200" kern="1200" dirty="0" smtClean="0">
+                <a:solidFill>
+                  <a:schemeClr val="tx1"/>
+                </a:solidFill>
+                <a:effectLst/>
+                <a:latin typeface="Roboto" panose="02000000000000000000" pitchFamily="2" charset="0"/>
+                <a:ea typeface="+mn-ea"/>
+                <a:cs typeface="+mn-cs"/>
+              </a:rPr>
+              <a:t>developers often feel as if they are forced to jam square pegs into round holes.</a:t>
+            </a:r>
+            <a:br>
+              <a:rPr lang="en-US" sz="1200" kern="1200" dirty="0" smtClean="0">
+                <a:solidFill>
+                  <a:schemeClr val="tx1"/>
+                </a:solidFill>
+                <a:effectLst/>
+                <a:latin typeface="Roboto" panose="02000000000000000000" pitchFamily="2" charset="0"/>
+                <a:ea typeface="+mn-ea"/>
+                <a:cs typeface="+mn-cs"/>
+              </a:rPr>
+            </a:br>
+            <a:r>
+              <a:rPr lang="en-US" sz="1200" kern="1200" dirty="0" smtClean="0">
+                <a:solidFill>
+                  <a:schemeClr val="tx1"/>
+                </a:solidFill>
+                <a:effectLst/>
+                <a:latin typeface="Roboto" panose="02000000000000000000" pitchFamily="2" charset="0"/>
+                <a:ea typeface="+mn-ea"/>
+                <a:cs typeface="+mn-cs"/>
+              </a:rPr>
+              <a:t/>
+            </a:r>
+            <a:br>
+              <a:rPr lang="en-US" sz="1200" kern="1200" dirty="0" smtClean="0">
+                <a:solidFill>
+                  <a:schemeClr val="tx1"/>
+                </a:solidFill>
+                <a:effectLst/>
+                <a:latin typeface="Roboto" panose="02000000000000000000" pitchFamily="2" charset="0"/>
+                <a:ea typeface="+mn-ea"/>
+                <a:cs typeface="+mn-cs"/>
+              </a:rPr>
+            </a:br>
+            <a:r>
+              <a:rPr lang="en-US" sz="1200" kern="1200" dirty="0" smtClean="0">
+                <a:solidFill>
+                  <a:schemeClr val="tx1"/>
+                </a:solidFill>
+                <a:effectLst/>
+                <a:latin typeface="Roboto" panose="02000000000000000000" pitchFamily="2" charset="0"/>
+                <a:ea typeface="+mn-ea"/>
+                <a:cs typeface="+mn-cs"/>
+              </a:rPr>
+              <a:t>The problem, of course, is the architecture of the system. The more this</a:t>
+            </a:r>
+            <a:br>
+              <a:rPr lang="en-US" sz="1200" kern="1200" dirty="0" smtClean="0">
+                <a:solidFill>
+                  <a:schemeClr val="tx1"/>
+                </a:solidFill>
+                <a:effectLst/>
+                <a:latin typeface="Roboto" panose="02000000000000000000" pitchFamily="2" charset="0"/>
+                <a:ea typeface="+mn-ea"/>
+                <a:cs typeface="+mn-cs"/>
+              </a:rPr>
+            </a:br>
+            <a:r>
+              <a:rPr lang="en-US" sz="1200" kern="1200" dirty="0" smtClean="0">
+                <a:solidFill>
+                  <a:schemeClr val="tx1"/>
+                </a:solidFill>
+                <a:effectLst/>
+                <a:latin typeface="Roboto" panose="02000000000000000000" pitchFamily="2" charset="0"/>
+                <a:ea typeface="+mn-ea"/>
+                <a:cs typeface="+mn-cs"/>
+              </a:rPr>
+              <a:t>architecture prefers one shape over another, the more likely new features will be harder and harder to fit into that</a:t>
+            </a:r>
+            <a:br>
+              <a:rPr lang="en-US" sz="1200" kern="1200" dirty="0" smtClean="0">
+                <a:solidFill>
+                  <a:schemeClr val="tx1"/>
+                </a:solidFill>
+                <a:effectLst/>
+                <a:latin typeface="Roboto" panose="02000000000000000000" pitchFamily="2" charset="0"/>
+                <a:ea typeface="+mn-ea"/>
+                <a:cs typeface="+mn-cs"/>
+              </a:rPr>
+            </a:br>
+            <a:r>
+              <a:rPr lang="en-US" sz="1200" kern="1200" dirty="0" smtClean="0">
+                <a:solidFill>
+                  <a:schemeClr val="tx1"/>
+                </a:solidFill>
+                <a:effectLst/>
+                <a:latin typeface="Roboto" panose="02000000000000000000" pitchFamily="2" charset="0"/>
+                <a:ea typeface="+mn-ea"/>
+                <a:cs typeface="+mn-cs"/>
+              </a:rPr>
+              <a:t>structure.</a:t>
+            </a:r>
+            <a:br>
+              <a:rPr lang="en-US" sz="1200" kern="1200" dirty="0" smtClean="0">
+                <a:solidFill>
+                  <a:schemeClr val="tx1"/>
+                </a:solidFill>
+                <a:effectLst/>
+                <a:latin typeface="Roboto" panose="02000000000000000000" pitchFamily="2" charset="0"/>
+                <a:ea typeface="+mn-ea"/>
+                <a:cs typeface="+mn-cs"/>
+              </a:rPr>
+            </a:br>
+            <a:endParaRPr lang="en-US" sz="1200" kern="1200" dirty="0">
+              <a:solidFill>
+                <a:schemeClr val="tx1"/>
+              </a:solidFill>
+              <a:effectLst/>
+              <a:latin typeface="Roboto" panose="02000000000000000000" pitchFamily="2" charset="0"/>
+              <a:ea typeface="+mn-ea"/>
+              <a:cs typeface="+mn-cs"/>
+            </a:endParaRPr>
           </a:p>
         </p:txBody>
       </p:sp>
@@ -1335,7 +1933,7 @@
     </p:spTree>
     <p:extLst>
       <p:ext uri="{BB962C8B-B14F-4D97-AF65-F5344CB8AC3E}">
-        <p14:creationId xmlns:p14="http://schemas.microsoft.com/office/powerpoint/2010/main" val="2355269421"/>
+        <p14:creationId xmlns:p14="http://schemas.microsoft.com/office/powerpoint/2010/main" val="1737623969"/>
       </p:ext>
     </p:extLst>
   </p:cSld>
@@ -1390,10 +1988,589 @@
           <a:lstStyle/>
           <a:p>
             <a:r>
-              <a:rPr lang="ru-RU" dirty="0" smtClean="0"/>
-              <a:t>любая программа обладающая поведением, также содержит в себе и структуру</a:t>
-            </a:r>
-            <a:endParaRPr lang="ru-RU" dirty="0"/>
+              <a:rPr lang="en-US" sz="1200" kern="1200" dirty="0" smtClean="0">
+                <a:solidFill>
+                  <a:schemeClr val="tx1"/>
+                </a:solidFill>
+                <a:effectLst/>
+                <a:latin typeface="Roboto" panose="02000000000000000000" pitchFamily="2" charset="0"/>
+                <a:ea typeface="+mn-ea"/>
+                <a:cs typeface="+mn-cs"/>
+              </a:rPr>
+              <a:t>Software — a compound word composed of “soft” and “ware.” The word “ware” means “product”; the word “soft”… Well, that’s</a:t>
+            </a:r>
+            <a:br>
+              <a:rPr lang="en-US" sz="1200" kern="1200" dirty="0" smtClean="0">
+                <a:solidFill>
+                  <a:schemeClr val="tx1"/>
+                </a:solidFill>
+                <a:effectLst/>
+                <a:latin typeface="Roboto" panose="02000000000000000000" pitchFamily="2" charset="0"/>
+                <a:ea typeface="+mn-ea"/>
+                <a:cs typeface="+mn-cs"/>
+              </a:rPr>
+            </a:br>
+            <a:r>
+              <a:rPr lang="en-US" sz="1200" kern="1200" dirty="0" smtClean="0">
+                <a:solidFill>
+                  <a:schemeClr val="tx1"/>
+                </a:solidFill>
+                <a:effectLst/>
+                <a:latin typeface="Roboto" panose="02000000000000000000" pitchFamily="2" charset="0"/>
+                <a:ea typeface="+mn-ea"/>
+                <a:cs typeface="+mn-cs"/>
+              </a:rPr>
+              <a:t>where the second value lies.</a:t>
+            </a:r>
+            <a:br>
+              <a:rPr lang="en-US" sz="1200" kern="1200" dirty="0" smtClean="0">
+                <a:solidFill>
+                  <a:schemeClr val="tx1"/>
+                </a:solidFill>
+                <a:effectLst/>
+                <a:latin typeface="Roboto" panose="02000000000000000000" pitchFamily="2" charset="0"/>
+                <a:ea typeface="+mn-ea"/>
+                <a:cs typeface="+mn-cs"/>
+              </a:rPr>
+            </a:br>
+            <a:r>
+              <a:rPr lang="en-US" sz="1200" kern="1200" dirty="0" smtClean="0">
+                <a:solidFill>
+                  <a:schemeClr val="tx1"/>
+                </a:solidFill>
+                <a:effectLst/>
+                <a:latin typeface="Roboto" panose="02000000000000000000" pitchFamily="2" charset="0"/>
+                <a:ea typeface="+mn-ea"/>
+                <a:cs typeface="+mn-cs"/>
+              </a:rPr>
+              <a:t/>
+            </a:r>
+            <a:br>
+              <a:rPr lang="en-US" sz="1200" kern="1200" dirty="0" smtClean="0">
+                <a:solidFill>
+                  <a:schemeClr val="tx1"/>
+                </a:solidFill>
+                <a:effectLst/>
+                <a:latin typeface="Roboto" panose="02000000000000000000" pitchFamily="2" charset="0"/>
+                <a:ea typeface="+mn-ea"/>
+                <a:cs typeface="+mn-cs"/>
+              </a:rPr>
+            </a:br>
+            <a:r>
+              <a:rPr lang="en-US" sz="1200" kern="1200" dirty="0" smtClean="0">
+                <a:solidFill>
+                  <a:schemeClr val="tx1"/>
+                </a:solidFill>
+                <a:effectLst/>
+                <a:latin typeface="Roboto" panose="02000000000000000000" pitchFamily="2" charset="0"/>
+                <a:ea typeface="+mn-ea"/>
+                <a:cs typeface="+mn-cs"/>
+              </a:rPr>
+              <a:t>Software was invented to be “soft.” It was intended to be a way to easily change the</a:t>
+            </a:r>
+            <a:br>
+              <a:rPr lang="en-US" sz="1200" kern="1200" dirty="0" smtClean="0">
+                <a:solidFill>
+                  <a:schemeClr val="tx1"/>
+                </a:solidFill>
+                <a:effectLst/>
+                <a:latin typeface="Roboto" panose="02000000000000000000" pitchFamily="2" charset="0"/>
+                <a:ea typeface="+mn-ea"/>
+                <a:cs typeface="+mn-cs"/>
+              </a:rPr>
+            </a:br>
+            <a:r>
+              <a:rPr lang="en-US" sz="1200" kern="1200" dirty="0" smtClean="0">
+                <a:solidFill>
+                  <a:schemeClr val="tx1"/>
+                </a:solidFill>
+                <a:effectLst/>
+                <a:latin typeface="Roboto" panose="02000000000000000000" pitchFamily="2" charset="0"/>
+                <a:ea typeface="+mn-ea"/>
+                <a:cs typeface="+mn-cs"/>
+              </a:rPr>
+              <a:t>behavior of machines. If we’d wanted the behavior of machines to be hard to change, we would have called it hardware.</a:t>
+            </a:r>
+            <a:br>
+              <a:rPr lang="en-US" sz="1200" kern="1200" dirty="0" smtClean="0">
+                <a:solidFill>
+                  <a:schemeClr val="tx1"/>
+                </a:solidFill>
+                <a:effectLst/>
+                <a:latin typeface="Roboto" panose="02000000000000000000" pitchFamily="2" charset="0"/>
+                <a:ea typeface="+mn-ea"/>
+                <a:cs typeface="+mn-cs"/>
+              </a:rPr>
+            </a:br>
+            <a:r>
+              <a:rPr lang="en-US" sz="1200" kern="1200" dirty="0" smtClean="0">
+                <a:solidFill>
+                  <a:schemeClr val="tx1"/>
+                </a:solidFill>
+                <a:effectLst/>
+                <a:latin typeface="Roboto" panose="02000000000000000000" pitchFamily="2" charset="0"/>
+                <a:ea typeface="+mn-ea"/>
+                <a:cs typeface="+mn-cs"/>
+              </a:rPr>
+              <a:t/>
+            </a:r>
+            <a:br>
+              <a:rPr lang="en-US" sz="1200" kern="1200" dirty="0" smtClean="0">
+                <a:solidFill>
+                  <a:schemeClr val="tx1"/>
+                </a:solidFill>
+                <a:effectLst/>
+                <a:latin typeface="Roboto" panose="02000000000000000000" pitchFamily="2" charset="0"/>
+                <a:ea typeface="+mn-ea"/>
+                <a:cs typeface="+mn-cs"/>
+              </a:rPr>
+            </a:br>
+            <a:r>
+              <a:rPr lang="en-US" sz="1200" kern="1200" dirty="0" smtClean="0">
+                <a:solidFill>
+                  <a:schemeClr val="tx1"/>
+                </a:solidFill>
+                <a:effectLst/>
+                <a:latin typeface="Roboto" panose="02000000000000000000" pitchFamily="2" charset="0"/>
+                <a:ea typeface="+mn-ea"/>
+                <a:cs typeface="+mn-cs"/>
+              </a:rPr>
+              <a:t>To fulfill its purpose, software must be soft—that is, it must be easy to change. When the stakeholders change their</a:t>
+            </a:r>
+            <a:br>
+              <a:rPr lang="en-US" sz="1200" kern="1200" dirty="0" smtClean="0">
+                <a:solidFill>
+                  <a:schemeClr val="tx1"/>
+                </a:solidFill>
+                <a:effectLst/>
+                <a:latin typeface="Roboto" panose="02000000000000000000" pitchFamily="2" charset="0"/>
+                <a:ea typeface="+mn-ea"/>
+                <a:cs typeface="+mn-cs"/>
+              </a:rPr>
+            </a:br>
+            <a:r>
+              <a:rPr lang="en-US" sz="1200" kern="1200" dirty="0" smtClean="0">
+                <a:solidFill>
+                  <a:schemeClr val="tx1"/>
+                </a:solidFill>
+                <a:effectLst/>
+                <a:latin typeface="Roboto" panose="02000000000000000000" pitchFamily="2" charset="0"/>
+                <a:ea typeface="+mn-ea"/>
+                <a:cs typeface="+mn-cs"/>
+              </a:rPr>
+              <a:t>minds about a feature, that change should be simple and easy to make. The difficulty in making such a change should be</a:t>
+            </a:r>
+            <a:br>
+              <a:rPr lang="en-US" sz="1200" kern="1200" dirty="0" smtClean="0">
+                <a:solidFill>
+                  <a:schemeClr val="tx1"/>
+                </a:solidFill>
+                <a:effectLst/>
+                <a:latin typeface="Roboto" panose="02000000000000000000" pitchFamily="2" charset="0"/>
+                <a:ea typeface="+mn-ea"/>
+                <a:cs typeface="+mn-cs"/>
+              </a:rPr>
+            </a:br>
+            <a:r>
+              <a:rPr lang="en-US" sz="1200" kern="1200" dirty="0" smtClean="0">
+                <a:solidFill>
+                  <a:schemeClr val="tx1"/>
+                </a:solidFill>
+                <a:effectLst/>
+                <a:latin typeface="Roboto" panose="02000000000000000000" pitchFamily="2" charset="0"/>
+                <a:ea typeface="+mn-ea"/>
+                <a:cs typeface="+mn-cs"/>
+              </a:rPr>
+              <a:t>proportional only to the change itself, and not to the state of a program.</a:t>
+            </a:r>
+            <a:br>
+              <a:rPr lang="en-US" sz="1200" kern="1200" dirty="0" smtClean="0">
+                <a:solidFill>
+                  <a:schemeClr val="tx1"/>
+                </a:solidFill>
+                <a:effectLst/>
+                <a:latin typeface="Roboto" panose="02000000000000000000" pitchFamily="2" charset="0"/>
+                <a:ea typeface="+mn-ea"/>
+                <a:cs typeface="+mn-cs"/>
+              </a:rPr>
+            </a:br>
+            <a:r>
+              <a:rPr lang="en-US" sz="1200" kern="1200" dirty="0" smtClean="0">
+                <a:solidFill>
+                  <a:schemeClr val="tx1"/>
+                </a:solidFill>
+                <a:effectLst/>
+                <a:latin typeface="Roboto" panose="02000000000000000000" pitchFamily="2" charset="0"/>
+                <a:ea typeface="+mn-ea"/>
+                <a:cs typeface="+mn-cs"/>
+              </a:rPr>
+              <a:t/>
+            </a:r>
+            <a:br>
+              <a:rPr lang="en-US" sz="1200" kern="1200" dirty="0" smtClean="0">
+                <a:solidFill>
+                  <a:schemeClr val="tx1"/>
+                </a:solidFill>
+                <a:effectLst/>
+                <a:latin typeface="Roboto" panose="02000000000000000000" pitchFamily="2" charset="0"/>
+                <a:ea typeface="+mn-ea"/>
+                <a:cs typeface="+mn-cs"/>
+              </a:rPr>
+            </a:br>
+            <a:r>
+              <a:rPr lang="en-US" sz="1200" kern="1200" dirty="0" smtClean="0">
+                <a:solidFill>
+                  <a:schemeClr val="tx1"/>
+                </a:solidFill>
+                <a:effectLst/>
+                <a:latin typeface="Roboto" panose="02000000000000000000" pitchFamily="2" charset="0"/>
+                <a:ea typeface="+mn-ea"/>
+                <a:cs typeface="+mn-cs"/>
+              </a:rPr>
+              <a:t>It is the reason that costs grow out of proportion to the size of the requested changes.</a:t>
+            </a:r>
+            <a:br>
+              <a:rPr lang="en-US" sz="1200" kern="1200" dirty="0" smtClean="0">
+                <a:solidFill>
+                  <a:schemeClr val="tx1"/>
+                </a:solidFill>
+                <a:effectLst/>
+                <a:latin typeface="Roboto" panose="02000000000000000000" pitchFamily="2" charset="0"/>
+                <a:ea typeface="+mn-ea"/>
+                <a:cs typeface="+mn-cs"/>
+              </a:rPr>
+            </a:br>
+            <a:r>
+              <a:rPr lang="en-US" sz="1200" kern="1200" dirty="0" smtClean="0">
+                <a:solidFill>
+                  <a:schemeClr val="tx1"/>
+                </a:solidFill>
+                <a:effectLst/>
+                <a:latin typeface="Roboto" panose="02000000000000000000" pitchFamily="2" charset="0"/>
+                <a:ea typeface="+mn-ea"/>
+                <a:cs typeface="+mn-cs"/>
+              </a:rPr>
+              <a:t>It is the reason that the first year of development is much cheaper than the second, and the second year is much cheaper</a:t>
+            </a:r>
+            <a:br>
+              <a:rPr lang="en-US" sz="1200" kern="1200" dirty="0" smtClean="0">
+                <a:solidFill>
+                  <a:schemeClr val="tx1"/>
+                </a:solidFill>
+                <a:effectLst/>
+                <a:latin typeface="Roboto" panose="02000000000000000000" pitchFamily="2" charset="0"/>
+                <a:ea typeface="+mn-ea"/>
+                <a:cs typeface="+mn-cs"/>
+              </a:rPr>
+            </a:br>
+            <a:r>
+              <a:rPr lang="en-US" sz="1200" kern="1200" dirty="0" smtClean="0">
+                <a:solidFill>
+                  <a:schemeClr val="tx1"/>
+                </a:solidFill>
+                <a:effectLst/>
+                <a:latin typeface="Roboto" panose="02000000000000000000" pitchFamily="2" charset="0"/>
+                <a:ea typeface="+mn-ea"/>
+                <a:cs typeface="+mn-cs"/>
+              </a:rPr>
+              <a:t>than the third.</a:t>
+            </a:r>
+            <a:br>
+              <a:rPr lang="en-US" sz="1200" kern="1200" dirty="0" smtClean="0">
+                <a:solidFill>
+                  <a:schemeClr val="tx1"/>
+                </a:solidFill>
+                <a:effectLst/>
+                <a:latin typeface="Roboto" panose="02000000000000000000" pitchFamily="2" charset="0"/>
+                <a:ea typeface="+mn-ea"/>
+                <a:cs typeface="+mn-cs"/>
+              </a:rPr>
+            </a:br>
+            <a:r>
+              <a:rPr lang="en-US" sz="1200" kern="1200" dirty="0" smtClean="0">
+                <a:solidFill>
+                  <a:schemeClr val="tx1"/>
+                </a:solidFill>
+                <a:effectLst/>
+                <a:latin typeface="Roboto" panose="02000000000000000000" pitchFamily="2" charset="0"/>
+                <a:ea typeface="+mn-ea"/>
+                <a:cs typeface="+mn-cs"/>
+              </a:rPr>
+              <a:t/>
+            </a:r>
+            <a:br>
+              <a:rPr lang="en-US" sz="1200" kern="1200" dirty="0" smtClean="0">
+                <a:solidFill>
+                  <a:schemeClr val="tx1"/>
+                </a:solidFill>
+                <a:effectLst/>
+                <a:latin typeface="Roboto" panose="02000000000000000000" pitchFamily="2" charset="0"/>
+                <a:ea typeface="+mn-ea"/>
+                <a:cs typeface="+mn-cs"/>
+              </a:rPr>
+            </a:br>
+            <a:r>
+              <a:rPr lang="en-US" sz="1200" kern="1200" dirty="0" smtClean="0">
+                <a:solidFill>
+                  <a:schemeClr val="tx1"/>
+                </a:solidFill>
+                <a:effectLst/>
+                <a:latin typeface="Roboto" panose="02000000000000000000" pitchFamily="2" charset="0"/>
+                <a:ea typeface="+mn-ea"/>
+                <a:cs typeface="+mn-cs"/>
+              </a:rPr>
+              <a:t>From the stakeholders’ point of view, they are simply providing a stream of changes of roughly similar scope. From the</a:t>
+            </a:r>
+            <a:br>
+              <a:rPr lang="en-US" sz="1200" kern="1200" dirty="0" smtClean="0">
+                <a:solidFill>
+                  <a:schemeClr val="tx1"/>
+                </a:solidFill>
+                <a:effectLst/>
+                <a:latin typeface="Roboto" panose="02000000000000000000" pitchFamily="2" charset="0"/>
+                <a:ea typeface="+mn-ea"/>
+                <a:cs typeface="+mn-cs"/>
+              </a:rPr>
+            </a:br>
+            <a:r>
+              <a:rPr lang="en-US" sz="1200" kern="1200" dirty="0" smtClean="0">
+                <a:solidFill>
+                  <a:schemeClr val="tx1"/>
+                </a:solidFill>
+                <a:effectLst/>
+                <a:latin typeface="Roboto" panose="02000000000000000000" pitchFamily="2" charset="0"/>
+                <a:ea typeface="+mn-ea"/>
+                <a:cs typeface="+mn-cs"/>
+              </a:rPr>
+              <a:t>developers’ point of view, the stakeholders are giving them a stream of jigsaw puzzle pieces that they must fit into a</a:t>
+            </a:r>
+            <a:br>
+              <a:rPr lang="en-US" sz="1200" kern="1200" dirty="0" smtClean="0">
+                <a:solidFill>
+                  <a:schemeClr val="tx1"/>
+                </a:solidFill>
+                <a:effectLst/>
+                <a:latin typeface="Roboto" panose="02000000000000000000" pitchFamily="2" charset="0"/>
+                <a:ea typeface="+mn-ea"/>
+                <a:cs typeface="+mn-cs"/>
+              </a:rPr>
+            </a:br>
+            <a:r>
+              <a:rPr lang="en-US" sz="1200" kern="1200" dirty="0" smtClean="0">
+                <a:solidFill>
+                  <a:schemeClr val="tx1"/>
+                </a:solidFill>
+                <a:effectLst/>
+                <a:latin typeface="Roboto" panose="02000000000000000000" pitchFamily="2" charset="0"/>
+                <a:ea typeface="+mn-ea"/>
+                <a:cs typeface="+mn-cs"/>
+              </a:rPr>
+              <a:t>puzzle of ever-increasing complexity.</a:t>
+            </a:r>
+            <a:br>
+              <a:rPr lang="en-US" sz="1200" kern="1200" dirty="0" smtClean="0">
+                <a:solidFill>
+                  <a:schemeClr val="tx1"/>
+                </a:solidFill>
+                <a:effectLst/>
+                <a:latin typeface="Roboto" panose="02000000000000000000" pitchFamily="2" charset="0"/>
+                <a:ea typeface="+mn-ea"/>
+                <a:cs typeface="+mn-cs"/>
+              </a:rPr>
+            </a:br>
+            <a:r>
+              <a:rPr lang="en-US" sz="1200" kern="1200" dirty="0" smtClean="0">
+                <a:solidFill>
+                  <a:schemeClr val="tx1"/>
+                </a:solidFill>
+                <a:effectLst/>
+                <a:latin typeface="Roboto" panose="02000000000000000000" pitchFamily="2" charset="0"/>
+                <a:ea typeface="+mn-ea"/>
+                <a:cs typeface="+mn-cs"/>
+              </a:rPr>
+              <a:t/>
+            </a:r>
+            <a:br>
+              <a:rPr lang="en-US" sz="1200" kern="1200" dirty="0" smtClean="0">
+                <a:solidFill>
+                  <a:schemeClr val="tx1"/>
+                </a:solidFill>
+                <a:effectLst/>
+                <a:latin typeface="Roboto" panose="02000000000000000000" pitchFamily="2" charset="0"/>
+                <a:ea typeface="+mn-ea"/>
+                <a:cs typeface="+mn-cs"/>
+              </a:rPr>
+            </a:br>
+            <a:r>
+              <a:rPr lang="en-US" sz="1200" kern="1200" dirty="0" smtClean="0">
+                <a:solidFill>
+                  <a:schemeClr val="tx1"/>
+                </a:solidFill>
+                <a:effectLst/>
+                <a:latin typeface="Roboto" panose="02000000000000000000" pitchFamily="2" charset="0"/>
+                <a:ea typeface="+mn-ea"/>
+                <a:cs typeface="+mn-cs"/>
+              </a:rPr>
+              <a:t>Each new request</a:t>
+            </a:r>
+            <a:br>
+              <a:rPr lang="en-US" sz="1200" kern="1200" dirty="0" smtClean="0">
+                <a:solidFill>
+                  <a:schemeClr val="tx1"/>
+                </a:solidFill>
+                <a:effectLst/>
+                <a:latin typeface="Roboto" panose="02000000000000000000" pitchFamily="2" charset="0"/>
+                <a:ea typeface="+mn-ea"/>
+                <a:cs typeface="+mn-cs"/>
+              </a:rPr>
+            </a:br>
+            <a:r>
+              <a:rPr lang="en-US" sz="1200" kern="1200" dirty="0" smtClean="0">
+                <a:solidFill>
+                  <a:schemeClr val="tx1"/>
+                </a:solidFill>
+                <a:effectLst/>
+                <a:latin typeface="Roboto" panose="02000000000000000000" pitchFamily="2" charset="0"/>
+                <a:ea typeface="+mn-ea"/>
+                <a:cs typeface="+mn-cs"/>
+              </a:rPr>
+              <a:t>is harder to fit than the last, because the shape of the system does not match the shape of the request. Software</a:t>
+            </a:r>
+            <a:br>
+              <a:rPr lang="en-US" sz="1200" kern="1200" dirty="0" smtClean="0">
+                <a:solidFill>
+                  <a:schemeClr val="tx1"/>
+                </a:solidFill>
+                <a:effectLst/>
+                <a:latin typeface="Roboto" panose="02000000000000000000" pitchFamily="2" charset="0"/>
+                <a:ea typeface="+mn-ea"/>
+                <a:cs typeface="+mn-cs"/>
+              </a:rPr>
+            </a:br>
+            <a:r>
+              <a:rPr lang="en-US" sz="1200" kern="1200" dirty="0" smtClean="0">
+                <a:solidFill>
+                  <a:schemeClr val="tx1"/>
+                </a:solidFill>
+                <a:effectLst/>
+                <a:latin typeface="Roboto" panose="02000000000000000000" pitchFamily="2" charset="0"/>
+                <a:ea typeface="+mn-ea"/>
+                <a:cs typeface="+mn-cs"/>
+              </a:rPr>
+              <a:t>developers often feel as if they are forced to jam square pegs into round holes.</a:t>
+            </a:r>
+            <a:br>
+              <a:rPr lang="en-US" sz="1200" kern="1200" dirty="0" smtClean="0">
+                <a:solidFill>
+                  <a:schemeClr val="tx1"/>
+                </a:solidFill>
+                <a:effectLst/>
+                <a:latin typeface="Roboto" panose="02000000000000000000" pitchFamily="2" charset="0"/>
+                <a:ea typeface="+mn-ea"/>
+                <a:cs typeface="+mn-cs"/>
+              </a:rPr>
+            </a:br>
+            <a:r>
+              <a:rPr lang="en-US" sz="1200" kern="1200" dirty="0" smtClean="0">
+                <a:solidFill>
+                  <a:schemeClr val="tx1"/>
+                </a:solidFill>
+                <a:effectLst/>
+                <a:latin typeface="Roboto" panose="02000000000000000000" pitchFamily="2" charset="0"/>
+                <a:ea typeface="+mn-ea"/>
+                <a:cs typeface="+mn-cs"/>
+              </a:rPr>
+              <a:t/>
+            </a:r>
+            <a:br>
+              <a:rPr lang="en-US" sz="1200" kern="1200" dirty="0" smtClean="0">
+                <a:solidFill>
+                  <a:schemeClr val="tx1"/>
+                </a:solidFill>
+                <a:effectLst/>
+                <a:latin typeface="Roboto" panose="02000000000000000000" pitchFamily="2" charset="0"/>
+                <a:ea typeface="+mn-ea"/>
+                <a:cs typeface="+mn-cs"/>
+              </a:rPr>
+            </a:br>
+            <a:r>
+              <a:rPr lang="en-US" sz="1200" kern="1200" dirty="0" smtClean="0">
+                <a:solidFill>
+                  <a:schemeClr val="tx1"/>
+                </a:solidFill>
+                <a:effectLst/>
+                <a:latin typeface="Roboto" panose="02000000000000000000" pitchFamily="2" charset="0"/>
+                <a:ea typeface="+mn-ea"/>
+                <a:cs typeface="+mn-cs"/>
+              </a:rPr>
+              <a:t>The problem, of course, is the architecture of the system. The more this</a:t>
+            </a:r>
+            <a:br>
+              <a:rPr lang="en-US" sz="1200" kern="1200" dirty="0" smtClean="0">
+                <a:solidFill>
+                  <a:schemeClr val="tx1"/>
+                </a:solidFill>
+                <a:effectLst/>
+                <a:latin typeface="Roboto" panose="02000000000000000000" pitchFamily="2" charset="0"/>
+                <a:ea typeface="+mn-ea"/>
+                <a:cs typeface="+mn-cs"/>
+              </a:rPr>
+            </a:br>
+            <a:r>
+              <a:rPr lang="en-US" sz="1200" kern="1200" dirty="0" smtClean="0">
+                <a:solidFill>
+                  <a:schemeClr val="tx1"/>
+                </a:solidFill>
+                <a:effectLst/>
+                <a:latin typeface="Roboto" panose="02000000000000000000" pitchFamily="2" charset="0"/>
+                <a:ea typeface="+mn-ea"/>
+                <a:cs typeface="+mn-cs"/>
+              </a:rPr>
+              <a:t>architecture prefers one shape over another, the more likely new features will be harder and harder to fit into that</a:t>
+            </a:r>
+            <a:br>
+              <a:rPr lang="en-US" sz="1200" kern="1200" dirty="0" smtClean="0">
+                <a:solidFill>
+                  <a:schemeClr val="tx1"/>
+                </a:solidFill>
+                <a:effectLst/>
+                <a:latin typeface="Roboto" panose="02000000000000000000" pitchFamily="2" charset="0"/>
+                <a:ea typeface="+mn-ea"/>
+                <a:cs typeface="+mn-cs"/>
+              </a:rPr>
+            </a:br>
+            <a:r>
+              <a:rPr lang="en-US" sz="1200" kern="1200" dirty="0" smtClean="0">
+                <a:solidFill>
+                  <a:schemeClr val="tx1"/>
+                </a:solidFill>
+                <a:effectLst/>
+                <a:latin typeface="Roboto" panose="02000000000000000000" pitchFamily="2" charset="0"/>
+                <a:ea typeface="+mn-ea"/>
+                <a:cs typeface="+mn-cs"/>
+              </a:rPr>
+              <a:t>structure.</a:t>
+            </a:r>
+            <a:br>
+              <a:rPr lang="en-US" sz="1200" kern="1200" dirty="0" smtClean="0">
+                <a:solidFill>
+                  <a:schemeClr val="tx1"/>
+                </a:solidFill>
+                <a:effectLst/>
+                <a:latin typeface="Roboto" panose="02000000000000000000" pitchFamily="2" charset="0"/>
+                <a:ea typeface="+mn-ea"/>
+                <a:cs typeface="+mn-cs"/>
+              </a:rPr>
+            </a:br>
+            <a:endParaRPr lang="en-US" sz="1200" kern="1200" dirty="0">
+              <a:solidFill>
+                <a:schemeClr val="tx1"/>
+              </a:solidFill>
+              <a:effectLst/>
+              <a:latin typeface="Roboto" panose="02000000000000000000" pitchFamily="2" charset="0"/>
+              <a:ea typeface="+mn-ea"/>
+              <a:cs typeface="+mn-cs"/>
+            </a:endParaRPr>
           </a:p>
         </p:txBody>
       </p:sp>
@@ -1423,7 +2600,7 @@
     </p:spTree>
     <p:extLst>
       <p:ext uri="{BB962C8B-B14F-4D97-AF65-F5344CB8AC3E}">
-        <p14:creationId xmlns:p14="http://schemas.microsoft.com/office/powerpoint/2010/main" val="1155717196"/>
+        <p14:creationId xmlns:p14="http://schemas.microsoft.com/office/powerpoint/2010/main" val="997054586"/>
       </p:ext>
     </p:extLst>
   </p:cSld>
@@ -1477,10 +2654,6 @@
           <a:bodyPr/>
           <a:lstStyle/>
           <a:p>
-            <a:r>
-              <a:rPr lang="ru-RU" dirty="0" smtClean="0"/>
-              <a:t>может быть реализовано с использованием совершено разных структур</a:t>
-            </a:r>
             <a:endParaRPr lang="ru-RU" dirty="0"/>
           </a:p>
         </p:txBody>
@@ -1511,7 +2684,7 @@
     </p:spTree>
     <p:extLst>
       <p:ext uri="{BB962C8B-B14F-4D97-AF65-F5344CB8AC3E}">
-        <p14:creationId xmlns:p14="http://schemas.microsoft.com/office/powerpoint/2010/main" val="2185625237"/>
+        <p14:creationId xmlns:p14="http://schemas.microsoft.com/office/powerpoint/2010/main" val="2355269421"/>
       </p:ext>
     </p:extLst>
   </p:cSld>
@@ -1567,9 +2740,9 @@
           <a:p>
             <a:r>
               <a:rPr lang="ru-RU" dirty="0" smtClean="0"/>
-              <a:t>Но что заставляет квалифицированных инженеров отдавать предпочтения одному дизайну, игнорируя другие?</a:t>
-            </a:r>
-            <a:endParaRPr lang="ru-RU" b="1" dirty="0"/>
+              <a:t>любая программа обладающая поведением, также содержит в себе и структуру</a:t>
+            </a:r>
+            <a:endParaRPr lang="ru-RU" dirty="0"/>
           </a:p>
         </p:txBody>
       </p:sp>
@@ -1599,7 +2772,7 @@
     </p:spTree>
     <p:extLst>
       <p:ext uri="{BB962C8B-B14F-4D97-AF65-F5344CB8AC3E}">
-        <p14:creationId xmlns:p14="http://schemas.microsoft.com/office/powerpoint/2010/main" val="756150607"/>
+        <p14:creationId xmlns:p14="http://schemas.microsoft.com/office/powerpoint/2010/main" val="1155717196"/>
       </p:ext>
     </p:extLst>
   </p:cSld>
@@ -1655,21 +2828,9 @@
           <a:p>
             <a:r>
               <a:rPr lang="ru-RU" dirty="0" smtClean="0"/>
-              <a:t>Эффект</a:t>
-            </a:r>
-            <a:r>
-              <a:rPr lang="ru-RU" baseline="0" dirty="0" smtClean="0"/>
-              <a:t> структуры</a:t>
-            </a:r>
-            <a:r>
-              <a:rPr lang="en-US" baseline="0" dirty="0" smtClean="0"/>
-              <a:t>, </a:t>
-            </a:r>
-            <a:r>
-              <a:rPr lang="ru-RU" baseline="0" dirty="0" smtClean="0"/>
-              <a:t>архитектуры или дизайна прямое влияние на производительность труда</a:t>
-            </a:r>
-            <a:endParaRPr lang="en-US" dirty="0" smtClean="0"/>
+              <a:t>может быть реализовано с использованием совершено разных структур</a:t>
+            </a:r>
+            <a:endParaRPr lang="ru-RU" dirty="0"/>
           </a:p>
         </p:txBody>
       </p:sp>
@@ -1699,7 +2860,7 @@
     </p:spTree>
     <p:extLst>
       <p:ext uri="{BB962C8B-B14F-4D97-AF65-F5344CB8AC3E}">
-        <p14:creationId xmlns:p14="http://schemas.microsoft.com/office/powerpoint/2010/main" val="1498933275"/>
+        <p14:creationId xmlns:p14="http://schemas.microsoft.com/office/powerpoint/2010/main" val="2185625237"/>
       </p:ext>
     </p:extLst>
   </p:cSld>
@@ -1755,9 +2916,9 @@
           <a:p>
             <a:r>
               <a:rPr lang="ru-RU" dirty="0" smtClean="0"/>
-              <a:t>поведения</a:t>
-            </a:r>
-            <a:endParaRPr lang="ru-RU" dirty="0"/>
+              <a:t>Но что заставляет квалифицированных инженеров отдавать предпочтения одному дизайну, игнорируя другие?</a:t>
+            </a:r>
+            <a:endParaRPr lang="ru-RU" b="1" dirty="0"/>
           </a:p>
         </p:txBody>
       </p:sp>
@@ -1787,7 +2948,7 @@
     </p:spTree>
     <p:extLst>
       <p:ext uri="{BB962C8B-B14F-4D97-AF65-F5344CB8AC3E}">
-        <p14:creationId xmlns:p14="http://schemas.microsoft.com/office/powerpoint/2010/main" val="1276588017"/>
+        <p14:creationId xmlns:p14="http://schemas.microsoft.com/office/powerpoint/2010/main" val="756150607"/>
       </p:ext>
     </p:extLst>
   </p:cSld>
@@ -1842,14 +3003,22 @@
           <a:lstStyle/>
           <a:p>
             <a:r>
-              <a:rPr lang="ru-RU" dirty="0" err="1" smtClean="0"/>
-              <a:t>Разщработку</a:t>
-            </a:r>
-            <a:r>
               <a:rPr lang="ru-RU" dirty="0" smtClean="0"/>
-              <a:t> и новые требования</a:t>
-            </a:r>
-            <a:endParaRPr lang="ru-RU" dirty="0"/>
+              <a:t>Эффект</a:t>
+            </a:r>
+            <a:r>
+              <a:rPr lang="ru-RU" baseline="0" dirty="0" smtClean="0"/>
+              <a:t> структуры</a:t>
+            </a:r>
+            <a:r>
+              <a:rPr lang="en-US" baseline="0" dirty="0" smtClean="0"/>
+              <a:t>, </a:t>
+            </a:r>
+            <a:r>
+              <a:rPr lang="ru-RU" baseline="0" dirty="0" smtClean="0"/>
+              <a:t>архитектуры или дизайна прямое влияние на производительность труда</a:t>
+            </a:r>
+            <a:endParaRPr lang="en-US" dirty="0" smtClean="0"/>
           </a:p>
         </p:txBody>
       </p:sp>
@@ -1879,7 +3048,7 @@
     </p:spTree>
     <p:extLst>
       <p:ext uri="{BB962C8B-B14F-4D97-AF65-F5344CB8AC3E}">
-        <p14:creationId xmlns:p14="http://schemas.microsoft.com/office/powerpoint/2010/main" val="3932465783"/>
+        <p14:creationId xmlns:p14="http://schemas.microsoft.com/office/powerpoint/2010/main" val="1498933275"/>
       </p:ext>
     </p:extLst>
   </p:cSld>
@@ -1934,152 +3103,22 @@
           <a:lstStyle/>
           <a:p>
             <a:r>
-              <a:rPr lang="en-US" sz="1200" kern="1200" dirty="0" smtClean="0">
-                <a:solidFill>
-                  <a:schemeClr val="tx1"/>
-                </a:solidFill>
-                <a:effectLst/>
-                <a:latin typeface="Roboto" panose="02000000000000000000" pitchFamily="2" charset="0"/>
-                <a:ea typeface="+mn-ea"/>
-                <a:cs typeface="+mn-cs"/>
-              </a:rPr>
-              <a:t>Software programs increase productivity.</a:t>
-            </a:r>
-            <a:br>
-              <a:rPr lang="en-US" sz="1200" kern="1200" dirty="0" smtClean="0">
-                <a:solidFill>
-                  <a:schemeClr val="tx1"/>
-                </a:solidFill>
-                <a:effectLst/>
-                <a:latin typeface="Roboto" panose="02000000000000000000" pitchFamily="2" charset="0"/>
-                <a:ea typeface="+mn-ea"/>
-                <a:cs typeface="+mn-cs"/>
-              </a:rPr>
-            </a:br>
-            <a:r>
-              <a:rPr lang="en-US" sz="1200" kern="1200" dirty="0" smtClean="0">
-                <a:solidFill>
-                  <a:schemeClr val="tx1"/>
-                </a:solidFill>
-                <a:effectLst/>
-                <a:latin typeface="Roboto" panose="02000000000000000000" pitchFamily="2" charset="0"/>
-                <a:ea typeface="+mn-ea"/>
-                <a:cs typeface="+mn-cs"/>
-              </a:rPr>
-              <a:t/>
-            </a:r>
-            <a:br>
-              <a:rPr lang="en-US" sz="1200" kern="1200" dirty="0" smtClean="0">
-                <a:solidFill>
-                  <a:schemeClr val="tx1"/>
-                </a:solidFill>
-                <a:effectLst/>
-                <a:latin typeface="Roboto" panose="02000000000000000000" pitchFamily="2" charset="0"/>
-                <a:ea typeface="+mn-ea"/>
-                <a:cs typeface="+mn-cs"/>
-              </a:rPr>
-            </a:br>
-            <a:r>
-              <a:rPr lang="en-US" sz="1200" kern="1200" dirty="0" smtClean="0">
-                <a:solidFill>
-                  <a:schemeClr val="tx1"/>
-                </a:solidFill>
-                <a:effectLst/>
-                <a:latin typeface="Roboto" panose="02000000000000000000" pitchFamily="2" charset="0"/>
-                <a:ea typeface="+mn-ea"/>
-                <a:cs typeface="+mn-cs"/>
-              </a:rPr>
-              <a:t>On the surface this leads for stakeholders to make more money, thus expanding their business allowing for more projects</a:t>
-            </a:r>
-            <a:br>
-              <a:rPr lang="en-US" sz="1200" kern="1200" dirty="0" smtClean="0">
-                <a:solidFill>
-                  <a:schemeClr val="tx1"/>
-                </a:solidFill>
-                <a:effectLst/>
-                <a:latin typeface="Roboto" panose="02000000000000000000" pitchFamily="2" charset="0"/>
-                <a:ea typeface="+mn-ea"/>
-                <a:cs typeface="+mn-cs"/>
-              </a:rPr>
-            </a:br>
-            <a:r>
-              <a:rPr lang="en-US" sz="1200" kern="1200" dirty="0" smtClean="0">
-                <a:solidFill>
-                  <a:schemeClr val="tx1"/>
-                </a:solidFill>
-                <a:effectLst/>
-                <a:latin typeface="Roboto" panose="02000000000000000000" pitchFamily="2" charset="0"/>
-                <a:ea typeface="+mn-ea"/>
-                <a:cs typeface="+mn-cs"/>
-              </a:rPr>
-              <a:t>to evolve and increasing demand for programmers.</a:t>
-            </a:r>
-            <a:br>
-              <a:rPr lang="en-US" sz="1200" kern="1200" dirty="0" smtClean="0">
-                <a:solidFill>
-                  <a:schemeClr val="tx1"/>
-                </a:solidFill>
-                <a:effectLst/>
-                <a:latin typeface="Roboto" panose="02000000000000000000" pitchFamily="2" charset="0"/>
-                <a:ea typeface="+mn-ea"/>
-                <a:cs typeface="+mn-cs"/>
-              </a:rPr>
-            </a:br>
-            <a:r>
-              <a:rPr lang="en-US" sz="1200" kern="1200" dirty="0" smtClean="0">
-                <a:solidFill>
-                  <a:schemeClr val="tx1"/>
-                </a:solidFill>
-                <a:effectLst/>
-                <a:latin typeface="Roboto" panose="02000000000000000000" pitchFamily="2" charset="0"/>
-                <a:ea typeface="+mn-ea"/>
-                <a:cs typeface="+mn-cs"/>
-              </a:rPr>
-              <a:t/>
-            </a:r>
-            <a:br>
-              <a:rPr lang="en-US" sz="1200" kern="1200" dirty="0" smtClean="0">
-                <a:solidFill>
-                  <a:schemeClr val="tx1"/>
-                </a:solidFill>
-                <a:effectLst/>
-                <a:latin typeface="Roboto" panose="02000000000000000000" pitchFamily="2" charset="0"/>
-                <a:ea typeface="+mn-ea"/>
-                <a:cs typeface="+mn-cs"/>
-              </a:rPr>
-            </a:br>
-            <a:r>
-              <a:rPr lang="en-US" sz="1200" kern="1200" dirty="0" smtClean="0">
-                <a:solidFill>
-                  <a:schemeClr val="tx1"/>
-                </a:solidFill>
-                <a:effectLst/>
-                <a:latin typeface="Roboto" panose="02000000000000000000" pitchFamily="2" charset="0"/>
-                <a:ea typeface="+mn-ea"/>
-                <a:cs typeface="+mn-cs"/>
-              </a:rPr>
-              <a:t>High demand and low experience turns out to be bad mixture.</a:t>
-            </a:r>
-            <a:br>
-              <a:rPr lang="en-US" sz="1200" kern="1200" dirty="0" smtClean="0">
-                <a:solidFill>
-                  <a:schemeClr val="tx1"/>
-                </a:solidFill>
-                <a:effectLst/>
-                <a:latin typeface="Roboto" panose="02000000000000000000" pitchFamily="2" charset="0"/>
-                <a:ea typeface="+mn-ea"/>
-                <a:cs typeface="+mn-cs"/>
-              </a:rPr>
-            </a:br>
-            <a:endParaRPr lang="en-US" sz="1200" kern="1200" dirty="0">
-              <a:solidFill>
-                <a:schemeClr val="tx1"/>
-              </a:solidFill>
-              <a:effectLst/>
-              <a:latin typeface="Roboto" panose="02000000000000000000" pitchFamily="2" charset="0"/>
-              <a:ea typeface="+mn-ea"/>
-              <a:cs typeface="+mn-cs"/>
-            </a:endParaRPr>
+              <a:rPr lang="ru-RU" dirty="0" smtClean="0"/>
+              <a:t>Эффект</a:t>
+            </a:r>
+            <a:r>
+              <a:rPr lang="ru-RU" baseline="0" dirty="0" smtClean="0"/>
+              <a:t> структуры</a:t>
+            </a:r>
+            <a:r>
+              <a:rPr lang="en-US" baseline="0" dirty="0" smtClean="0"/>
+              <a:t>, </a:t>
+            </a:r>
+            <a:r>
+              <a:rPr lang="ru-RU" baseline="0" dirty="0" smtClean="0"/>
+              <a:t>архитектуры или дизайна прямое влияние на производительность труда</a:t>
+            </a:r>
+            <a:endParaRPr lang="en-US" dirty="0" smtClean="0"/>
           </a:p>
         </p:txBody>
       </p:sp>
@@ -2109,7 +3148,7 @@
     </p:spTree>
     <p:extLst>
       <p:ext uri="{BB962C8B-B14F-4D97-AF65-F5344CB8AC3E}">
-        <p14:creationId xmlns:p14="http://schemas.microsoft.com/office/powerpoint/2010/main" val="1935241419"/>
+        <p14:creationId xmlns:p14="http://schemas.microsoft.com/office/powerpoint/2010/main" val="2040266335"/>
       </p:ext>
     </p:extLst>
   </p:cSld>
@@ -2164,152 +3203,10 @@
           <a:lstStyle/>
           <a:p>
             <a:r>
-              <a:rPr lang="en-US" sz="1200" kern="1200" dirty="0" smtClean="0">
-                <a:solidFill>
-                  <a:schemeClr val="tx1"/>
-                </a:solidFill>
-                <a:effectLst/>
-                <a:latin typeface="Roboto" panose="02000000000000000000" pitchFamily="2" charset="0"/>
-                <a:ea typeface="+mn-ea"/>
-                <a:cs typeface="+mn-cs"/>
-              </a:rPr>
-              <a:t>Software programs increase productivity.</a:t>
-            </a:r>
-            <a:br>
-              <a:rPr lang="en-US" sz="1200" kern="1200" dirty="0" smtClean="0">
-                <a:solidFill>
-                  <a:schemeClr val="tx1"/>
-                </a:solidFill>
-                <a:effectLst/>
-                <a:latin typeface="Roboto" panose="02000000000000000000" pitchFamily="2" charset="0"/>
-                <a:ea typeface="+mn-ea"/>
-                <a:cs typeface="+mn-cs"/>
-              </a:rPr>
-            </a:br>
-            <a:r>
-              <a:rPr lang="en-US" sz="1200" kern="1200" dirty="0" smtClean="0">
-                <a:solidFill>
-                  <a:schemeClr val="tx1"/>
-                </a:solidFill>
-                <a:effectLst/>
-                <a:latin typeface="Roboto" panose="02000000000000000000" pitchFamily="2" charset="0"/>
-                <a:ea typeface="+mn-ea"/>
-                <a:cs typeface="+mn-cs"/>
-              </a:rPr>
-              <a:t/>
-            </a:r>
-            <a:br>
-              <a:rPr lang="en-US" sz="1200" kern="1200" dirty="0" smtClean="0">
-                <a:solidFill>
-                  <a:schemeClr val="tx1"/>
-                </a:solidFill>
-                <a:effectLst/>
-                <a:latin typeface="Roboto" panose="02000000000000000000" pitchFamily="2" charset="0"/>
-                <a:ea typeface="+mn-ea"/>
-                <a:cs typeface="+mn-cs"/>
-              </a:rPr>
-            </a:br>
-            <a:r>
-              <a:rPr lang="en-US" sz="1200" kern="1200" dirty="0" smtClean="0">
-                <a:solidFill>
-                  <a:schemeClr val="tx1"/>
-                </a:solidFill>
-                <a:effectLst/>
-                <a:latin typeface="Roboto" panose="02000000000000000000" pitchFamily="2" charset="0"/>
-                <a:ea typeface="+mn-ea"/>
-                <a:cs typeface="+mn-cs"/>
-              </a:rPr>
-              <a:t>On the surface this leads for stakeholders to make more money, thus expanding their business allowing for more projects</a:t>
-            </a:r>
-            <a:br>
-              <a:rPr lang="en-US" sz="1200" kern="1200" dirty="0" smtClean="0">
-                <a:solidFill>
-                  <a:schemeClr val="tx1"/>
-                </a:solidFill>
-                <a:effectLst/>
-                <a:latin typeface="Roboto" panose="02000000000000000000" pitchFamily="2" charset="0"/>
-                <a:ea typeface="+mn-ea"/>
-                <a:cs typeface="+mn-cs"/>
-              </a:rPr>
-            </a:br>
-            <a:r>
-              <a:rPr lang="en-US" sz="1200" kern="1200" dirty="0" smtClean="0">
-                <a:solidFill>
-                  <a:schemeClr val="tx1"/>
-                </a:solidFill>
-                <a:effectLst/>
-                <a:latin typeface="Roboto" panose="02000000000000000000" pitchFamily="2" charset="0"/>
-                <a:ea typeface="+mn-ea"/>
-                <a:cs typeface="+mn-cs"/>
-              </a:rPr>
-              <a:t>to evolve and increasing demand for programmers.</a:t>
-            </a:r>
-            <a:br>
-              <a:rPr lang="en-US" sz="1200" kern="1200" dirty="0" smtClean="0">
-                <a:solidFill>
-                  <a:schemeClr val="tx1"/>
-                </a:solidFill>
-                <a:effectLst/>
-                <a:latin typeface="Roboto" panose="02000000000000000000" pitchFamily="2" charset="0"/>
-                <a:ea typeface="+mn-ea"/>
-                <a:cs typeface="+mn-cs"/>
-              </a:rPr>
-            </a:br>
-            <a:r>
-              <a:rPr lang="en-US" sz="1200" kern="1200" dirty="0" smtClean="0">
-                <a:solidFill>
-                  <a:schemeClr val="tx1"/>
-                </a:solidFill>
-                <a:effectLst/>
-                <a:latin typeface="Roboto" panose="02000000000000000000" pitchFamily="2" charset="0"/>
-                <a:ea typeface="+mn-ea"/>
-                <a:cs typeface="+mn-cs"/>
-              </a:rPr>
-              <a:t/>
-            </a:r>
-            <a:br>
-              <a:rPr lang="en-US" sz="1200" kern="1200" dirty="0" smtClean="0">
-                <a:solidFill>
-                  <a:schemeClr val="tx1"/>
-                </a:solidFill>
-                <a:effectLst/>
-                <a:latin typeface="Roboto" panose="02000000000000000000" pitchFamily="2" charset="0"/>
-                <a:ea typeface="+mn-ea"/>
-                <a:cs typeface="+mn-cs"/>
-              </a:rPr>
-            </a:br>
-            <a:r>
-              <a:rPr lang="en-US" sz="1200" kern="1200" dirty="0" smtClean="0">
-                <a:solidFill>
-                  <a:schemeClr val="tx1"/>
-                </a:solidFill>
-                <a:effectLst/>
-                <a:latin typeface="Roboto" panose="02000000000000000000" pitchFamily="2" charset="0"/>
-                <a:ea typeface="+mn-ea"/>
-                <a:cs typeface="+mn-cs"/>
-              </a:rPr>
-              <a:t>High demand and low experience turns out to be bad mixture.</a:t>
-            </a:r>
-            <a:br>
-              <a:rPr lang="en-US" sz="1200" kern="1200" dirty="0" smtClean="0">
-                <a:solidFill>
-                  <a:schemeClr val="tx1"/>
-                </a:solidFill>
-                <a:effectLst/>
-                <a:latin typeface="Roboto" panose="02000000000000000000" pitchFamily="2" charset="0"/>
-                <a:ea typeface="+mn-ea"/>
-                <a:cs typeface="+mn-cs"/>
-              </a:rPr>
-            </a:br>
-            <a:endParaRPr lang="en-US" sz="1200" kern="1200" dirty="0">
-              <a:solidFill>
-                <a:schemeClr val="tx1"/>
-              </a:solidFill>
-              <a:effectLst/>
-              <a:latin typeface="Roboto" panose="02000000000000000000" pitchFamily="2" charset="0"/>
-              <a:ea typeface="+mn-ea"/>
-              <a:cs typeface="+mn-cs"/>
-            </a:endParaRPr>
+              <a:rPr lang="ru-RU" dirty="0" smtClean="0"/>
+              <a:t>поведения</a:t>
+            </a:r>
+            <a:endParaRPr lang="ru-RU" dirty="0"/>
           </a:p>
         </p:txBody>
       </p:sp>
@@ -2339,7 +3236,7 @@
     </p:spTree>
     <p:extLst>
       <p:ext uri="{BB962C8B-B14F-4D97-AF65-F5344CB8AC3E}">
-        <p14:creationId xmlns:p14="http://schemas.microsoft.com/office/powerpoint/2010/main" val="3247380516"/>
+        <p14:creationId xmlns:p14="http://schemas.microsoft.com/office/powerpoint/2010/main" val="1276588017"/>
       </p:ext>
     </p:extLst>
   </p:cSld>
@@ -2520,31 +3417,15 @@
           <a:bodyPr/>
           <a:lstStyle/>
           <a:p>
-            <a:pPr marL="0" marR="0" indent="0" algn="l" defTabSz="914400" rtl="0" eaLnBrk="1" fontAlgn="auto" latinLnBrk="0" hangingPunct="1">
-              <a:lnSpc>
-                <a:spcPct val="100000"/>
-              </a:lnSpc>
-              <a:spcBef>
-                <a:spcPts val="0"/>
-              </a:spcBef>
-              <a:spcAft>
-                <a:spcPts val="0"/>
-              </a:spcAft>
-              <a:buClrTx/>
-              <a:buSzTx/>
-              <a:buFontTx/>
-              <a:buNone/>
-              <a:tabLst/>
-              <a:defRPr/>
-            </a:pPr>
-            <a:endParaRPr lang="ru-RU" sz="1200" b="0" i="0" kern="1200" dirty="0" smtClean="0">
-              <a:solidFill>
-                <a:schemeClr val="tx1"/>
-              </a:solidFill>
-              <a:effectLst/>
-              <a:ea typeface="+mn-ea"/>
-              <a:cs typeface="+mn-cs"/>
-            </a:endParaRPr>
+            <a:r>
+              <a:rPr lang="ru-RU" dirty="0" err="1" smtClean="0"/>
+              <a:t>Разщработку</a:t>
+            </a:r>
+            <a:r>
+              <a:rPr lang="ru-RU" dirty="0" smtClean="0"/>
+              <a:t> и новые требования</a:t>
+            </a:r>
+            <a:endParaRPr lang="ru-RU" dirty="0"/>
           </a:p>
         </p:txBody>
       </p:sp>
@@ -2574,7 +3455,7 @@
     </p:spTree>
     <p:extLst>
       <p:ext uri="{BB962C8B-B14F-4D97-AF65-F5344CB8AC3E}">
-        <p14:creationId xmlns:p14="http://schemas.microsoft.com/office/powerpoint/2010/main" val="2239774570"/>
+        <p14:creationId xmlns:p14="http://schemas.microsoft.com/office/powerpoint/2010/main" val="3932465783"/>
       </p:ext>
     </p:extLst>
   </p:cSld>
@@ -2628,34 +3509,41 @@
           <a:bodyPr/>
           <a:lstStyle/>
           <a:p>
-            <a:pPr marL="0" marR="0" indent="0" algn="l" defTabSz="914400" rtl="0" eaLnBrk="1" fontAlgn="auto" latinLnBrk="0" hangingPunct="1">
-              <a:lnSpc>
-                <a:spcPct val="100000"/>
-              </a:lnSpc>
-              <a:spcBef>
-                <a:spcPts val="0"/>
-              </a:spcBef>
-              <a:spcAft>
-                <a:spcPts val="0"/>
-              </a:spcAft>
-              <a:buClrTx/>
-              <a:buSzTx/>
-              <a:buFontTx/>
-              <a:buNone/>
-              <a:tabLst/>
-              <a:defRPr/>
-            </a:pPr>
-            <a:r>
-              <a:rPr lang="en-US" sz="1200" kern="1200" dirty="0" smtClean="0">
-                <a:solidFill>
-                  <a:schemeClr val="tx1"/>
-                </a:solidFill>
-                <a:effectLst/>
-                <a:latin typeface="Roboto" panose="02000000000000000000" pitchFamily="2" charset="0"/>
-                <a:ea typeface="+mn-ea"/>
-                <a:cs typeface="+mn-cs"/>
-              </a:rPr>
-              <a:t>Each, solve completely different tasks because the environment and purposes are different.</a:t>
+            <a:r>
+              <a:rPr lang="ru-RU" sz="1200" kern="1200" dirty="0" smtClean="0">
+                <a:solidFill>
+                  <a:schemeClr val="tx1"/>
+                </a:solidFill>
+                <a:effectLst/>
+                <a:latin typeface="Roboto" panose="02000000000000000000" pitchFamily="2" charset="0"/>
+                <a:ea typeface="+mn-ea"/>
+                <a:cs typeface="+mn-cs"/>
+              </a:rPr>
+              <a:t>Большинство</a:t>
+            </a:r>
+            <a:r>
+              <a:rPr lang="ru-RU" sz="1200" kern="1200" baseline="0" dirty="0" smtClean="0">
+                <a:solidFill>
+                  <a:schemeClr val="tx1"/>
+                </a:solidFill>
+                <a:effectLst/>
+                <a:latin typeface="Roboto" panose="02000000000000000000" pitchFamily="2" charset="0"/>
+                <a:ea typeface="+mn-ea"/>
+                <a:cs typeface="+mn-cs"/>
+              </a:rPr>
+              <a:t> продуктов призваны увеличивать производительность труда. Дать определение</a:t>
+            </a:r>
+            <a:r>
+              <a:rPr lang="en-US" sz="1200" kern="1200" dirty="0" smtClean="0">
+                <a:solidFill>
+                  <a:schemeClr val="tx1"/>
+                </a:solidFill>
+                <a:effectLst/>
+                <a:latin typeface="Roboto" panose="02000000000000000000" pitchFamily="2" charset="0"/>
+                <a:ea typeface="+mn-ea"/>
+                <a:cs typeface="+mn-cs"/>
+              </a:rPr>
+              <a:t/>
             </a:r>
             <a:br>
               <a:rPr lang="en-US" sz="1200" kern="1200" dirty="0" smtClean="0">
@@ -2668,7 +3556,7 @@
                 <a:cs typeface="+mn-cs"/>
               </a:rPr>
             </a:br>
-            <a:endParaRPr lang="en-US" sz="1200" kern="1200" dirty="0" smtClean="0">
+            <a:endParaRPr lang="en-US" sz="1200" kern="1200" dirty="0">
               <a:solidFill>
                 <a:schemeClr val="tx1"/>
               </a:solidFill>
@@ -2678,33 +3566,6 @@
               <a:cs typeface="+mn-cs"/>
             </a:endParaRPr>
           </a:p>
-          <a:p>
-            <a:pPr marL="0" marR="0" indent="0" algn="l" defTabSz="914400" rtl="0" eaLnBrk="1" fontAlgn="auto" latinLnBrk="0" hangingPunct="1">
-              <a:lnSpc>
-                <a:spcPct val="100000"/>
-              </a:lnSpc>
-              <a:spcBef>
-                <a:spcPts val="0"/>
-              </a:spcBef>
-              <a:spcAft>
-                <a:spcPts val="0"/>
-              </a:spcAft>
-              <a:buClrTx/>
-              <a:buSzTx/>
-              <a:buFontTx/>
-              <a:buNone/>
-              <a:tabLst/>
-              <a:defRPr/>
-            </a:pPr>
-            <a:endParaRPr lang="ru-RU" sz="1200" b="0" i="0" kern="1200" dirty="0" smtClean="0">
-              <a:solidFill>
-                <a:schemeClr val="tx1"/>
-              </a:solidFill>
-              <a:effectLst/>
-              <a:ea typeface="+mn-ea"/>
-              <a:cs typeface="+mn-cs"/>
-            </a:endParaRPr>
-          </a:p>
         </p:txBody>
       </p:sp>
       <p:sp>
@@ -2733,7 +3594,7 @@
     </p:spTree>
     <p:extLst>
       <p:ext uri="{BB962C8B-B14F-4D97-AF65-F5344CB8AC3E}">
-        <p14:creationId xmlns:p14="http://schemas.microsoft.com/office/powerpoint/2010/main" val="835924344"/>
+        <p14:creationId xmlns:p14="http://schemas.microsoft.com/office/powerpoint/2010/main" val="3731094382"/>
       </p:ext>
     </p:extLst>
   </p:cSld>
@@ -2797,7 +3658,19 @@
                 <a:ea typeface="+mn-ea"/>
                 <a:cs typeface="+mn-cs"/>
               </a:rPr>
-              <a:t>Server, solves other problems. For example by being stable and reliable. By providing different data constraints</a:t>
+              <a:t>On </a:t>
+            </a:r>
+            <a:r>
+              <a:rPr lang="en-US" sz="1200" kern="1200" dirty="0" smtClean="0">
+                <a:solidFill>
+                  <a:schemeClr val="tx1"/>
+                </a:solidFill>
+                <a:effectLst/>
+                <a:latin typeface="Roboto" panose="02000000000000000000" pitchFamily="2" charset="0"/>
+                <a:ea typeface="+mn-ea"/>
+                <a:cs typeface="+mn-cs"/>
+              </a:rPr>
+              <a:t>the surface this leads for stakeholders to make more money, thus expanding their business allowing for more projects</a:t>
             </a:r>
             <a:br>
               <a:rPr lang="en-US" sz="1200" kern="1200" dirty="0" smtClean="0">
@@ -2820,7 +3693,7 @@
                 <a:ea typeface="+mn-ea"/>
                 <a:cs typeface="+mn-cs"/>
               </a:rPr>
-              <a:t>maintaining integrity</a:t>
+              <a:t>to evolve and increasing demand for programmers.</a:t>
             </a:r>
             <a:br>
               <a:rPr lang="en-US" sz="1200" kern="1200" dirty="0" smtClean="0">
@@ -2871,7 +3744,7 @@
     </p:spTree>
     <p:extLst>
       <p:ext uri="{BB962C8B-B14F-4D97-AF65-F5344CB8AC3E}">
-        <p14:creationId xmlns:p14="http://schemas.microsoft.com/office/powerpoint/2010/main" val="5824926"/>
+        <p14:creationId xmlns:p14="http://schemas.microsoft.com/office/powerpoint/2010/main" val="4288234418"/>
       </p:ext>
     </p:extLst>
   </p:cSld>
@@ -2935,42 +3808,81 @@
                 <a:ea typeface="+mn-ea"/>
                 <a:cs typeface="+mn-cs"/>
               </a:rPr>
-              <a:t>Usually, there are more clients than servers, so different scaling strategies might be used,</a:t>
-            </a:r>
-            <a:br>
-              <a:rPr lang="en-US" sz="1200" kern="1200" dirty="0" smtClean="0">
-                <a:solidFill>
-                  <a:schemeClr val="tx1"/>
-                </a:solidFill>
-                <a:effectLst/>
-                <a:latin typeface="Roboto" panose="02000000000000000000" pitchFamily="2" charset="0"/>
-                <a:ea typeface="+mn-ea"/>
-                <a:cs typeface="+mn-cs"/>
-              </a:rPr>
-            </a:br>
-            <a:r>
-              <a:rPr lang="en-US" sz="1200" kern="1200" dirty="0" smtClean="0">
-                <a:solidFill>
-                  <a:schemeClr val="tx1"/>
-                </a:solidFill>
-                <a:effectLst/>
-                <a:latin typeface="Roboto" panose="02000000000000000000" pitchFamily="2" charset="0"/>
-                <a:ea typeface="+mn-ea"/>
-                <a:cs typeface="+mn-cs"/>
-              </a:rPr>
-              <a:t>which again, bring complexities in to the game.</a:t>
-            </a:r>
-            <a:br>
-              <a:rPr lang="en-US" sz="1200" kern="1200" dirty="0" smtClean="0">
-                <a:solidFill>
-                  <a:schemeClr val="tx1"/>
-                </a:solidFill>
-                <a:effectLst/>
-                <a:latin typeface="Roboto" panose="02000000000000000000" pitchFamily="2" charset="0"/>
-                <a:ea typeface="+mn-ea"/>
-                <a:cs typeface="+mn-cs"/>
-              </a:rPr>
-            </a:br>
+              <a:t>High demand and low experience turns out to be bad mixture.</a:t>
+            </a:r>
+            <a:endParaRPr lang="ru-RU" sz="1200" kern="1200" dirty="0" smtClean="0">
+              <a:solidFill>
+                <a:schemeClr val="tx1"/>
+              </a:solidFill>
+              <a:effectLst/>
+              <a:latin typeface="Roboto" panose="02000000000000000000" pitchFamily="2" charset="0"/>
+              <a:ea typeface="+mn-ea"/>
+              <a:cs typeface="+mn-cs"/>
+            </a:endParaRPr>
+          </a:p>
+          <a:p>
+            <a:r>
+              <a:rPr lang="ru-RU" sz="1200" kern="1200" dirty="0" smtClean="0">
+                <a:solidFill>
+                  <a:schemeClr val="tx1"/>
+                </a:solidFill>
+                <a:effectLst/>
+                <a:latin typeface="Roboto" panose="02000000000000000000" pitchFamily="2" charset="0"/>
+                <a:ea typeface="+mn-ea"/>
+                <a:cs typeface="+mn-cs"/>
+              </a:rPr>
+              <a:t>Высокий спрос</a:t>
+            </a:r>
+            <a:r>
+              <a:rPr lang="ru-RU" sz="1200" kern="1200" baseline="0" dirty="0" smtClean="0">
+                <a:solidFill>
+                  <a:schemeClr val="tx1"/>
+                </a:solidFill>
+                <a:effectLst/>
+                <a:latin typeface="Roboto" panose="02000000000000000000" pitchFamily="2" charset="0"/>
+                <a:ea typeface="+mn-ea"/>
+                <a:cs typeface="+mn-cs"/>
+              </a:rPr>
+              <a:t> не всегда получается удовлетворить</a:t>
+            </a:r>
+            <a:r>
+              <a:rPr lang="en-US" sz="1200" kern="1200" baseline="0" dirty="0" smtClean="0">
+                <a:solidFill>
+                  <a:schemeClr val="tx1"/>
+                </a:solidFill>
+                <a:effectLst/>
+                <a:latin typeface="Roboto" panose="02000000000000000000" pitchFamily="2" charset="0"/>
+                <a:ea typeface="+mn-ea"/>
+                <a:cs typeface="+mn-cs"/>
+              </a:rPr>
+              <a:t>, </a:t>
+            </a:r>
+            <a:r>
+              <a:rPr lang="ru-RU" sz="1200" kern="1200" baseline="0" dirty="0" smtClean="0">
+                <a:solidFill>
+                  <a:schemeClr val="tx1"/>
+                </a:solidFill>
+                <a:effectLst/>
+                <a:latin typeface="Roboto" panose="02000000000000000000" pitchFamily="2" charset="0"/>
+                <a:ea typeface="+mn-ea"/>
+                <a:cs typeface="+mn-cs"/>
+              </a:rPr>
+              <a:t>законы спроса и предложения по всей видимости работают не очень хорошо.</a:t>
+            </a:r>
+          </a:p>
+          <a:p>
+            <a:r>
+              <a:rPr lang="ru-RU" sz="1200" kern="1200" baseline="0" dirty="0" smtClean="0">
+                <a:solidFill>
+                  <a:schemeClr val="tx1"/>
+                </a:solidFill>
+                <a:effectLst/>
+                <a:latin typeface="Roboto" panose="02000000000000000000" pitchFamily="2" charset="0"/>
+                <a:ea typeface="+mn-ea"/>
+                <a:cs typeface="+mn-cs"/>
+              </a:rPr>
+              <a:t>Привести пример банковского проекта. Дурные деньги.</a:t>
+            </a:r>
             <a:endParaRPr lang="en-US" sz="1200" kern="1200" dirty="0">
               <a:solidFill>
                 <a:schemeClr val="tx1"/>
@@ -3009,7 +3921,7 @@
     </p:spTree>
     <p:extLst>
       <p:ext uri="{BB962C8B-B14F-4D97-AF65-F5344CB8AC3E}">
-        <p14:creationId xmlns:p14="http://schemas.microsoft.com/office/powerpoint/2010/main" val="1739341363"/>
+        <p14:creationId xmlns:p14="http://schemas.microsoft.com/office/powerpoint/2010/main" val="93412517"/>
       </p:ext>
     </p:extLst>
   </p:cSld>
@@ -3081,51 +3993,71 @@
               <a:defRPr/>
             </a:pPr>
             <a:r>
-              <a:rPr lang="en-US" sz="1200" kern="1200" dirty="0" smtClean="0">
-                <a:solidFill>
-                  <a:schemeClr val="tx1"/>
-                </a:solidFill>
-                <a:effectLst/>
-                <a:latin typeface="Roboto" panose="02000000000000000000" pitchFamily="2" charset="0"/>
-                <a:ea typeface="+mn-ea"/>
-                <a:cs typeface="+mn-cs"/>
-              </a:rPr>
-              <a:t>Client applications should provide smooth, responsive and adaptive experience. Often time restricted by hardware</a:t>
-            </a:r>
-            <a:br>
-              <a:rPr lang="en-US" sz="1200" kern="1200" dirty="0" smtClean="0">
-                <a:solidFill>
-                  <a:schemeClr val="tx1"/>
-                </a:solidFill>
-                <a:effectLst/>
-                <a:latin typeface="Roboto" panose="02000000000000000000" pitchFamily="2" charset="0"/>
-                <a:ea typeface="+mn-ea"/>
-                <a:cs typeface="+mn-cs"/>
-              </a:rPr>
-            </a:br>
-            <a:r>
-              <a:rPr lang="en-US" sz="1200" kern="1200" dirty="0" smtClean="0">
-                <a:solidFill>
-                  <a:schemeClr val="tx1"/>
-                </a:solidFill>
-                <a:effectLst/>
-                <a:latin typeface="Roboto" panose="02000000000000000000" pitchFamily="2" charset="0"/>
-                <a:ea typeface="+mn-ea"/>
-                <a:cs typeface="+mn-cs"/>
-              </a:rPr>
-              <a:t>capabilities (hard to update, low on recourses, battery restrictions)</a:t>
-            </a:r>
-            <a:br>
-              <a:rPr lang="en-US" sz="1200" kern="1200" dirty="0" smtClean="0">
-                <a:solidFill>
-                  <a:schemeClr val="tx1"/>
-                </a:solidFill>
-                <a:effectLst/>
-                <a:latin typeface="Roboto" panose="02000000000000000000" pitchFamily="2" charset="0"/>
-                <a:ea typeface="+mn-ea"/>
-                <a:cs typeface="+mn-cs"/>
-              </a:rPr>
-            </a:br>
+              <a:rPr lang="ru-RU" sz="1200" b="0" i="0" kern="1200" dirty="0" smtClean="0">
+                <a:solidFill>
+                  <a:schemeClr val="tx1"/>
+                </a:solidFill>
+                <a:effectLst/>
+                <a:ea typeface="+mn-ea"/>
+                <a:cs typeface="+mn-cs"/>
+              </a:rPr>
+              <a:t>Низкая квалификация</a:t>
+            </a:r>
+            <a:r>
+              <a:rPr lang="ru-RU" sz="1200" b="0" i="0" kern="1200" baseline="0" dirty="0" smtClean="0">
+                <a:solidFill>
+                  <a:schemeClr val="tx1"/>
+                </a:solidFill>
+                <a:effectLst/>
+                <a:ea typeface="+mn-ea"/>
+                <a:cs typeface="+mn-cs"/>
+              </a:rPr>
+              <a:t> и простота языковой технологии порождают огромное кол-во </a:t>
+            </a:r>
+            <a:r>
+              <a:rPr lang="ru-RU" sz="1200" b="0" i="0" kern="1200" baseline="0" dirty="0" err="1" smtClean="0">
+                <a:solidFill>
+                  <a:schemeClr val="tx1"/>
+                </a:solidFill>
+                <a:effectLst/>
+                <a:ea typeface="+mn-ea"/>
+                <a:cs typeface="+mn-cs"/>
+              </a:rPr>
+              <a:t>фреймворков</a:t>
+            </a:r>
+            <a:r>
+              <a:rPr lang="ru-RU" sz="1200" b="0" i="0" kern="1200" baseline="0" dirty="0" smtClean="0">
+                <a:solidFill>
+                  <a:schemeClr val="tx1"/>
+                </a:solidFill>
+                <a:effectLst/>
+                <a:ea typeface="+mn-ea"/>
+                <a:cs typeface="+mn-cs"/>
+              </a:rPr>
+              <a:t> и библиотек с не самой лучшей структурой</a:t>
+            </a:r>
+            <a:r>
+              <a:rPr lang="en-US" sz="1200" b="0" i="0" kern="1200" baseline="0" dirty="0" smtClean="0">
+                <a:solidFill>
+                  <a:schemeClr val="tx1"/>
+                </a:solidFill>
+                <a:effectLst/>
+                <a:ea typeface="+mn-ea"/>
+                <a:cs typeface="+mn-cs"/>
+              </a:rPr>
+              <a:t>, </a:t>
+            </a:r>
+            <a:r>
+              <a:rPr lang="ru-RU" sz="1200" b="0" i="0" kern="1200" baseline="0" dirty="0" smtClean="0">
+                <a:solidFill>
+                  <a:schemeClr val="tx1"/>
+                </a:solidFill>
+                <a:effectLst/>
+                <a:ea typeface="+mn-ea"/>
+                <a:cs typeface="+mn-cs"/>
+              </a:rPr>
+              <a:t>на примерах воспитывая разработчика в неверном русле.</a:t>
+            </a:r>
             <a:endParaRPr lang="ru-RU" sz="1200" b="0" i="0" kern="1200" dirty="0" smtClean="0">
               <a:solidFill>
                 <a:schemeClr val="tx1"/>
@@ -3163,7 +4095,7 @@
     </p:spTree>
     <p:extLst>
       <p:ext uri="{BB962C8B-B14F-4D97-AF65-F5344CB8AC3E}">
-        <p14:creationId xmlns:p14="http://schemas.microsoft.com/office/powerpoint/2010/main" val="336720840"/>
+        <p14:creationId xmlns:p14="http://schemas.microsoft.com/office/powerpoint/2010/main" val="2239774570"/>
       </p:ext>
     </p:extLst>
   </p:cSld>
@@ -3244,150 +4176,7 @@
                 <a:ea typeface="+mn-ea"/>
                 <a:cs typeface="+mn-cs"/>
               </a:rPr>
-              <a:t>There are two major groups of apps:</a:t>
-            </a:r>
-            <a:br>
-              <a:rPr lang="en-US" sz="1200" kern="1200" dirty="0" smtClean="0">
-                <a:solidFill>
-                  <a:schemeClr val="tx1"/>
-                </a:solidFill>
-                <a:effectLst/>
-                <a:latin typeface="Roboto" panose="02000000000000000000" pitchFamily="2" charset="0"/>
-                <a:ea typeface="+mn-ea"/>
-                <a:cs typeface="+mn-cs"/>
-              </a:rPr>
-            </a:br>
-            <a:r>
-              <a:rPr lang="en-US" sz="1200" kern="1200" dirty="0" smtClean="0">
-                <a:solidFill>
-                  <a:schemeClr val="tx1"/>
-                </a:solidFill>
-                <a:effectLst/>
-                <a:latin typeface="Roboto" panose="02000000000000000000" pitchFamily="2" charset="0"/>
-                <a:ea typeface="+mn-ea"/>
-                <a:cs typeface="+mn-cs"/>
-              </a:rPr>
-              <a:t/>
-            </a:r>
-            <a:br>
-              <a:rPr lang="en-US" sz="1200" kern="1200" dirty="0" smtClean="0">
-                <a:solidFill>
-                  <a:schemeClr val="tx1"/>
-                </a:solidFill>
-                <a:effectLst/>
-                <a:latin typeface="Roboto" panose="02000000000000000000" pitchFamily="2" charset="0"/>
-                <a:ea typeface="+mn-ea"/>
-                <a:cs typeface="+mn-cs"/>
-              </a:rPr>
-            </a:br>
-            <a:r>
-              <a:rPr lang="en-US" sz="1200" kern="1200" dirty="0" smtClean="0">
-                <a:solidFill>
-                  <a:schemeClr val="tx1"/>
-                </a:solidFill>
-                <a:effectLst/>
-                <a:latin typeface="Roboto" panose="02000000000000000000" pitchFamily="2" charset="0"/>
-                <a:ea typeface="+mn-ea"/>
-                <a:cs typeface="+mn-cs"/>
-              </a:rPr>
-              <a:t>* Native applications</a:t>
-            </a:r>
-            <a:br>
-              <a:rPr lang="en-US" sz="1200" kern="1200" dirty="0" smtClean="0">
-                <a:solidFill>
-                  <a:schemeClr val="tx1"/>
-                </a:solidFill>
-                <a:effectLst/>
-                <a:latin typeface="Roboto" panose="02000000000000000000" pitchFamily="2" charset="0"/>
-                <a:ea typeface="+mn-ea"/>
-                <a:cs typeface="+mn-cs"/>
-              </a:rPr>
-            </a:br>
-            <a:r>
-              <a:rPr lang="en-US" sz="1200" kern="1200" dirty="0" smtClean="0">
-                <a:solidFill>
-                  <a:schemeClr val="tx1"/>
-                </a:solidFill>
-                <a:effectLst/>
-                <a:latin typeface="Roboto" panose="02000000000000000000" pitchFamily="2" charset="0"/>
-                <a:ea typeface="+mn-ea"/>
-                <a:cs typeface="+mn-cs"/>
-              </a:rPr>
-              <a:t>* Web applications</a:t>
-            </a:r>
-            <a:br>
-              <a:rPr lang="en-US" sz="1200" kern="1200" dirty="0" smtClean="0">
-                <a:solidFill>
-                  <a:schemeClr val="tx1"/>
-                </a:solidFill>
-                <a:effectLst/>
-                <a:latin typeface="Roboto" panose="02000000000000000000" pitchFamily="2" charset="0"/>
-                <a:ea typeface="+mn-ea"/>
-                <a:cs typeface="+mn-cs"/>
-              </a:rPr>
-            </a:br>
-            <a:endParaRPr lang="en-US" sz="1200" kern="1200" dirty="0" smtClean="0">
-              <a:solidFill>
-                <a:schemeClr val="tx1"/>
-              </a:solidFill>
-              <a:effectLst/>
-              <a:latin typeface="Roboto" panose="02000000000000000000" pitchFamily="2" charset="0"/>
-              <a:ea typeface="+mn-ea"/>
-              <a:cs typeface="+mn-cs"/>
-            </a:endParaRPr>
-          </a:p>
-          <a:p>
-            <a:pPr marL="0" marR="0" indent="0" algn="l" defTabSz="914400" rtl="0" eaLnBrk="1" fontAlgn="auto" latinLnBrk="0" hangingPunct="1">
-              <a:lnSpc>
-                <a:spcPct val="100000"/>
-              </a:lnSpc>
-              <a:spcBef>
-                <a:spcPts val="0"/>
-              </a:spcBef>
-              <a:spcAft>
-                <a:spcPts val="0"/>
-              </a:spcAft>
-              <a:buClrTx/>
-              <a:buSzTx/>
-              <a:buFontTx/>
-              <a:buNone/>
-              <a:tabLst/>
-              <a:defRPr/>
-            </a:pPr>
-            <a:r>
-              <a:rPr lang="en-US" sz="1200" kern="1200" dirty="0" smtClean="0">
-                <a:solidFill>
-                  <a:schemeClr val="tx1"/>
-                </a:solidFill>
-                <a:effectLst/>
-                <a:latin typeface="Roboto" panose="02000000000000000000" pitchFamily="2" charset="0"/>
-                <a:ea typeface="+mn-ea"/>
-                <a:cs typeface="+mn-cs"/>
-              </a:rPr>
-              <a:t>There are a lot of platforms around us and we as developers must create software which is able to run on</a:t>
-            </a:r>
-            <a:br>
-              <a:rPr lang="en-US" sz="1200" kern="1200" dirty="0" smtClean="0">
-                <a:solidFill>
-                  <a:schemeClr val="tx1"/>
-                </a:solidFill>
-                <a:effectLst/>
-                <a:latin typeface="Roboto" panose="02000000000000000000" pitchFamily="2" charset="0"/>
-                <a:ea typeface="+mn-ea"/>
-                <a:cs typeface="+mn-cs"/>
-              </a:rPr>
-            </a:br>
-            <a:r>
-              <a:rPr lang="en-US" sz="1200" kern="1200" dirty="0" smtClean="0">
-                <a:solidFill>
-                  <a:schemeClr val="tx1"/>
-                </a:solidFill>
-                <a:effectLst/>
-                <a:latin typeface="Roboto" panose="02000000000000000000" pitchFamily="2" charset="0"/>
-                <a:ea typeface="+mn-ea"/>
-                <a:cs typeface="+mn-cs"/>
-              </a:rPr>
-              <a:t>most if not on all of them fluently. But it is usually hard to separately develop programs for each and every case.</a:t>
+              <a:t>Each, solve completely different tasks because the environment and purposes are different.</a:t>
             </a:r>
             <a:br>
               <a:rPr lang="en-US" sz="1200" kern="1200" dirty="0" smtClean="0">
@@ -3465,7 +4254,7 @@
     </p:spTree>
     <p:extLst>
       <p:ext uri="{BB962C8B-B14F-4D97-AF65-F5344CB8AC3E}">
-        <p14:creationId xmlns:p14="http://schemas.microsoft.com/office/powerpoint/2010/main" val="1489066025"/>
+        <p14:creationId xmlns:p14="http://schemas.microsoft.com/office/powerpoint/2010/main" val="835924344"/>
       </p:ext>
     </p:extLst>
   </p:cSld>
@@ -3519,6 +4308,1543 @@
           <a:bodyPr/>
           <a:lstStyle/>
           <a:p>
+            <a:r>
+              <a:rPr lang="en-US" sz="1200" kern="1200" dirty="0" smtClean="0">
+                <a:solidFill>
+                  <a:schemeClr val="tx1"/>
+                </a:solidFill>
+                <a:effectLst/>
+                <a:latin typeface="Roboto" panose="02000000000000000000" pitchFamily="2" charset="0"/>
+                <a:ea typeface="+mn-ea"/>
+                <a:cs typeface="+mn-cs"/>
+              </a:rPr>
+              <a:t>Server, solves other problems. For example by being stable and reliable. By providing different data constraints</a:t>
+            </a:r>
+            <a:br>
+              <a:rPr lang="en-US" sz="1200" kern="1200" dirty="0" smtClean="0">
+                <a:solidFill>
+                  <a:schemeClr val="tx1"/>
+                </a:solidFill>
+                <a:effectLst/>
+                <a:latin typeface="Roboto" panose="02000000000000000000" pitchFamily="2" charset="0"/>
+                <a:ea typeface="+mn-ea"/>
+                <a:cs typeface="+mn-cs"/>
+              </a:rPr>
+            </a:br>
+            <a:r>
+              <a:rPr lang="en-US" sz="1200" kern="1200" dirty="0" smtClean="0">
+                <a:solidFill>
+                  <a:schemeClr val="tx1"/>
+                </a:solidFill>
+                <a:effectLst/>
+                <a:latin typeface="Roboto" panose="02000000000000000000" pitchFamily="2" charset="0"/>
+                <a:ea typeface="+mn-ea"/>
+                <a:cs typeface="+mn-cs"/>
+              </a:rPr>
+              <a:t>maintaining integrity</a:t>
+            </a:r>
+            <a:br>
+              <a:rPr lang="en-US" sz="1200" kern="1200" dirty="0" smtClean="0">
+                <a:solidFill>
+                  <a:schemeClr val="tx1"/>
+                </a:solidFill>
+                <a:effectLst/>
+                <a:latin typeface="Roboto" panose="02000000000000000000" pitchFamily="2" charset="0"/>
+                <a:ea typeface="+mn-ea"/>
+                <a:cs typeface="+mn-cs"/>
+              </a:rPr>
+            </a:br>
+            <a:endParaRPr lang="en-US" sz="1200" kern="1200" dirty="0">
+              <a:solidFill>
+                <a:schemeClr val="tx1"/>
+              </a:solidFill>
+              <a:effectLst/>
+              <a:latin typeface="Roboto" panose="02000000000000000000" pitchFamily="2" charset="0"/>
+              <a:ea typeface="+mn-ea"/>
+              <a:cs typeface="+mn-cs"/>
+            </a:endParaRPr>
+          </a:p>
+        </p:txBody>
+      </p:sp>
+      <p:sp>
+        <p:nvSpPr>
+          <p:cNvPr id="4" name="Номер слайда 3"/>
+          <p:cNvSpPr>
+            <a:spLocks noGrp="1"/>
+          </p:cNvSpPr>
+          <p:nvPr>
+            <p:ph type="sldNum" sz="quarter" idx="10"/>
+          </p:nvPr>
+        </p:nvSpPr>
+        <p:spPr/>
+        <p:txBody>
+          <a:bodyPr/>
+          <a:lstStyle/>
+          <a:p>
+            <a:fld id="{158157BE-13C9-4B69-8B03-B7B56862D10D}" type="slidenum">
+              <a:rPr lang="ru-RU" smtClean="0"/>
+              <a:t>26</a:t>
+            </a:fld>
+            <a:endParaRPr lang="ru-RU"/>
+          </a:p>
+        </p:txBody>
+      </p:sp>
+    </p:spTree>
+    <p:extLst>
+      <p:ext uri="{BB962C8B-B14F-4D97-AF65-F5344CB8AC3E}">
+        <p14:creationId xmlns:p14="http://schemas.microsoft.com/office/powerpoint/2010/main" val="5824926"/>
+      </p:ext>
+    </p:extLst>
+  </p:cSld>
+  <p:clrMapOvr>
+    <a:masterClrMapping/>
+  </p:clrMapOvr>
+</p:notes>
+</file>
+
+<file path=ppt/notesSlides/notesSlide27.xml><?xml version="1.0" encoding="utf-8"?>
+<p:notes xmlns:a="http://schemas.openxmlformats.org/drawingml/2006/main" xmlns:r="http://schemas.openxmlformats.org/officeDocument/2006/relationships" xmlns:p="http://schemas.openxmlformats.org/presentationml/2006/main">
+  <p:cSld>
+    <p:spTree>
+      <p:nvGrpSpPr>
+        <p:cNvPr id="1" name=""/>
+        <p:cNvGrpSpPr/>
+        <p:nvPr/>
+      </p:nvGrpSpPr>
+      <p:grpSpPr>
+        <a:xfrm>
+          <a:off x="0" y="0"/>
+          <a:ext cx="0" cy="0"/>
+          <a:chOff x="0" y="0"/>
+          <a:chExt cx="0" cy="0"/>
+        </a:xfrm>
+      </p:grpSpPr>
+      <p:sp>
+        <p:nvSpPr>
+          <p:cNvPr id="2" name="Образ слайда 1"/>
+          <p:cNvSpPr>
+            <a:spLocks noGrp="1" noRot="1" noChangeAspect="1"/>
+          </p:cNvSpPr>
+          <p:nvPr>
+            <p:ph type="sldImg"/>
+          </p:nvPr>
+        </p:nvSpPr>
+        <p:spPr/>
+      </p:sp>
+      <p:sp>
+        <p:nvSpPr>
+          <p:cNvPr id="3" name="Заметки 2"/>
+          <p:cNvSpPr>
+            <a:spLocks noGrp="1"/>
+          </p:cNvSpPr>
+          <p:nvPr>
+            <p:ph type="body" idx="1"/>
+          </p:nvPr>
+        </p:nvSpPr>
+        <p:spPr/>
+        <p:txBody>
+          <a:bodyPr/>
+          <a:lstStyle/>
+          <a:p>
+            <a:r>
+              <a:rPr lang="en-US" sz="1200" kern="1200" dirty="0" smtClean="0">
+                <a:solidFill>
+                  <a:schemeClr val="tx1"/>
+                </a:solidFill>
+                <a:effectLst/>
+                <a:latin typeface="Roboto" panose="02000000000000000000" pitchFamily="2" charset="0"/>
+                <a:ea typeface="+mn-ea"/>
+                <a:cs typeface="+mn-cs"/>
+              </a:rPr>
+              <a:t>Usually, there are more clients than servers, so different scaling strategies might be used,</a:t>
+            </a:r>
+            <a:br>
+              <a:rPr lang="en-US" sz="1200" kern="1200" dirty="0" smtClean="0">
+                <a:solidFill>
+                  <a:schemeClr val="tx1"/>
+                </a:solidFill>
+                <a:effectLst/>
+                <a:latin typeface="Roboto" panose="02000000000000000000" pitchFamily="2" charset="0"/>
+                <a:ea typeface="+mn-ea"/>
+                <a:cs typeface="+mn-cs"/>
+              </a:rPr>
+            </a:br>
+            <a:r>
+              <a:rPr lang="en-US" sz="1200" kern="1200" dirty="0" smtClean="0">
+                <a:solidFill>
+                  <a:schemeClr val="tx1"/>
+                </a:solidFill>
+                <a:effectLst/>
+                <a:latin typeface="Roboto" panose="02000000000000000000" pitchFamily="2" charset="0"/>
+                <a:ea typeface="+mn-ea"/>
+                <a:cs typeface="+mn-cs"/>
+              </a:rPr>
+              <a:t>which again, bring complexities in to the game.</a:t>
+            </a:r>
+            <a:br>
+              <a:rPr lang="en-US" sz="1200" kern="1200" dirty="0" smtClean="0">
+                <a:solidFill>
+                  <a:schemeClr val="tx1"/>
+                </a:solidFill>
+                <a:effectLst/>
+                <a:latin typeface="Roboto" panose="02000000000000000000" pitchFamily="2" charset="0"/>
+                <a:ea typeface="+mn-ea"/>
+                <a:cs typeface="+mn-cs"/>
+              </a:rPr>
+            </a:br>
+            <a:endParaRPr lang="en-US" sz="1200" kern="1200" dirty="0">
+              <a:solidFill>
+                <a:schemeClr val="tx1"/>
+              </a:solidFill>
+              <a:effectLst/>
+              <a:latin typeface="Roboto" panose="02000000000000000000" pitchFamily="2" charset="0"/>
+              <a:ea typeface="+mn-ea"/>
+              <a:cs typeface="+mn-cs"/>
+            </a:endParaRPr>
+          </a:p>
+        </p:txBody>
+      </p:sp>
+      <p:sp>
+        <p:nvSpPr>
+          <p:cNvPr id="4" name="Номер слайда 3"/>
+          <p:cNvSpPr>
+            <a:spLocks noGrp="1"/>
+          </p:cNvSpPr>
+          <p:nvPr>
+            <p:ph type="sldNum" sz="quarter" idx="10"/>
+          </p:nvPr>
+        </p:nvSpPr>
+        <p:spPr/>
+        <p:txBody>
+          <a:bodyPr/>
+          <a:lstStyle/>
+          <a:p>
+            <a:fld id="{158157BE-13C9-4B69-8B03-B7B56862D10D}" type="slidenum">
+              <a:rPr lang="ru-RU" smtClean="0"/>
+              <a:t>27</a:t>
+            </a:fld>
+            <a:endParaRPr lang="ru-RU"/>
+          </a:p>
+        </p:txBody>
+      </p:sp>
+    </p:spTree>
+    <p:extLst>
+      <p:ext uri="{BB962C8B-B14F-4D97-AF65-F5344CB8AC3E}">
+        <p14:creationId xmlns:p14="http://schemas.microsoft.com/office/powerpoint/2010/main" val="1739341363"/>
+      </p:ext>
+    </p:extLst>
+  </p:cSld>
+  <p:clrMapOvr>
+    <a:masterClrMapping/>
+  </p:clrMapOvr>
+</p:notes>
+</file>
+
+<file path=ppt/notesSlides/notesSlide28.xml><?xml version="1.0" encoding="utf-8"?>
+<p:notes xmlns:a="http://schemas.openxmlformats.org/drawingml/2006/main" xmlns:r="http://schemas.openxmlformats.org/officeDocument/2006/relationships" xmlns:p="http://schemas.openxmlformats.org/presentationml/2006/main">
+  <p:cSld>
+    <p:spTree>
+      <p:nvGrpSpPr>
+        <p:cNvPr id="1" name=""/>
+        <p:cNvGrpSpPr/>
+        <p:nvPr/>
+      </p:nvGrpSpPr>
+      <p:grpSpPr>
+        <a:xfrm>
+          <a:off x="0" y="0"/>
+          <a:ext cx="0" cy="0"/>
+          <a:chOff x="0" y="0"/>
+          <a:chExt cx="0" cy="0"/>
+        </a:xfrm>
+      </p:grpSpPr>
+      <p:sp>
+        <p:nvSpPr>
+          <p:cNvPr id="2" name="Образ слайда 1"/>
+          <p:cNvSpPr>
+            <a:spLocks noGrp="1" noRot="1" noChangeAspect="1"/>
+          </p:cNvSpPr>
+          <p:nvPr>
+            <p:ph type="sldImg"/>
+          </p:nvPr>
+        </p:nvSpPr>
+        <p:spPr/>
+      </p:sp>
+      <p:sp>
+        <p:nvSpPr>
+          <p:cNvPr id="3" name="Заметки 2"/>
+          <p:cNvSpPr>
+            <a:spLocks noGrp="1"/>
+          </p:cNvSpPr>
+          <p:nvPr>
+            <p:ph type="body" idx="1"/>
+          </p:nvPr>
+        </p:nvSpPr>
+        <p:spPr/>
+        <p:txBody>
+          <a:bodyPr/>
+          <a:lstStyle/>
+          <a:p>
+            <a:pPr marL="0" marR="0" indent="0" algn="l" defTabSz="914400" rtl="0" eaLnBrk="1" fontAlgn="auto" latinLnBrk="0" hangingPunct="1">
+              <a:lnSpc>
+                <a:spcPct val="100000"/>
+              </a:lnSpc>
+              <a:spcBef>
+                <a:spcPts val="0"/>
+              </a:spcBef>
+              <a:spcAft>
+                <a:spcPts val="0"/>
+              </a:spcAft>
+              <a:buClrTx/>
+              <a:buSzTx/>
+              <a:buFontTx/>
+              <a:buNone/>
+              <a:tabLst/>
+              <a:defRPr/>
+            </a:pPr>
+            <a:r>
+              <a:rPr lang="ru-RU" sz="1200" b="0" i="0" kern="1200" dirty="0" smtClean="0">
+                <a:solidFill>
+                  <a:schemeClr val="tx1"/>
+                </a:solidFill>
+                <a:effectLst/>
+                <a:ea typeface="+mn-ea"/>
+                <a:cs typeface="+mn-cs"/>
+              </a:rPr>
+              <a:t>Это</a:t>
+            </a:r>
+            <a:r>
+              <a:rPr lang="ru-RU" sz="1200" b="0" i="0" kern="1200" baseline="0" dirty="0" smtClean="0">
+                <a:solidFill>
+                  <a:schemeClr val="tx1"/>
+                </a:solidFill>
+                <a:effectLst/>
+                <a:ea typeface="+mn-ea"/>
+                <a:cs typeface="+mn-cs"/>
+              </a:rPr>
+              <a:t> требует построение распределенных систем</a:t>
+            </a:r>
+            <a:r>
+              <a:rPr lang="en-US" sz="1200" b="0" i="0" kern="1200" baseline="0" dirty="0" smtClean="0">
+                <a:solidFill>
+                  <a:schemeClr val="tx1"/>
+                </a:solidFill>
+                <a:effectLst/>
+                <a:ea typeface="+mn-ea"/>
+                <a:cs typeface="+mn-cs"/>
+              </a:rPr>
+              <a:t>, </a:t>
+            </a:r>
+            <a:r>
+              <a:rPr lang="ru-RU" sz="1200" b="0" i="0" kern="1200" baseline="0" dirty="0" smtClean="0">
+                <a:solidFill>
+                  <a:schemeClr val="tx1"/>
+                </a:solidFill>
+                <a:effectLst/>
+                <a:ea typeface="+mn-ea"/>
+                <a:cs typeface="+mn-cs"/>
+              </a:rPr>
+              <a:t>дополнительной </a:t>
+            </a:r>
+            <a:r>
+              <a:rPr lang="ru-RU" sz="1200" b="0" i="0" kern="1200" baseline="0" dirty="0" err="1" smtClean="0">
+                <a:solidFill>
+                  <a:schemeClr val="tx1"/>
+                </a:solidFill>
+                <a:effectLst/>
+                <a:ea typeface="+mn-ea"/>
+                <a:cs typeface="+mn-cs"/>
+              </a:rPr>
+              <a:t>аркестрации</a:t>
+            </a:r>
+            <a:r>
+              <a:rPr lang="ru-RU" sz="1200" b="0" i="0" kern="1200" baseline="0" dirty="0" smtClean="0">
+                <a:solidFill>
+                  <a:schemeClr val="tx1"/>
+                </a:solidFill>
+                <a:effectLst/>
+                <a:ea typeface="+mn-ea"/>
+                <a:cs typeface="+mn-cs"/>
+              </a:rPr>
+              <a:t> и общего управления</a:t>
+            </a:r>
+            <a:r>
+              <a:rPr lang="en-US" sz="1200" b="0" i="0" kern="1200" baseline="0" dirty="0" smtClean="0">
+                <a:solidFill>
+                  <a:schemeClr val="tx1"/>
+                </a:solidFill>
+                <a:effectLst/>
+                <a:ea typeface="+mn-ea"/>
+                <a:cs typeface="+mn-cs"/>
+              </a:rPr>
+              <a:t>, </a:t>
+            </a:r>
+            <a:r>
+              <a:rPr lang="ru-RU" sz="1200" b="0" i="0" kern="1200" baseline="0" dirty="0" smtClean="0">
+                <a:solidFill>
+                  <a:schemeClr val="tx1"/>
+                </a:solidFill>
+                <a:effectLst/>
+                <a:ea typeface="+mn-ea"/>
+                <a:cs typeface="+mn-cs"/>
+              </a:rPr>
+              <a:t>балансировки нагрузки</a:t>
+            </a:r>
+            <a:r>
+              <a:rPr lang="en-US" sz="1200" b="0" i="0" kern="1200" baseline="0" dirty="0" smtClean="0">
+                <a:solidFill>
+                  <a:schemeClr val="tx1"/>
+                </a:solidFill>
+                <a:effectLst/>
+                <a:ea typeface="+mn-ea"/>
+                <a:cs typeface="+mn-cs"/>
+              </a:rPr>
+              <a:t>, </a:t>
+            </a:r>
+            <a:r>
+              <a:rPr lang="ru-RU" sz="1200" b="0" i="0" kern="1200" baseline="0" dirty="0" err="1" smtClean="0">
+                <a:solidFill>
+                  <a:schemeClr val="tx1"/>
+                </a:solidFill>
+                <a:effectLst/>
+                <a:ea typeface="+mn-ea"/>
+                <a:cs typeface="+mn-cs"/>
+              </a:rPr>
+              <a:t>импелементации</a:t>
+            </a:r>
+            <a:r>
+              <a:rPr lang="ru-RU" sz="1200" b="0" i="0" kern="1200" baseline="0" dirty="0" smtClean="0">
+                <a:solidFill>
+                  <a:schemeClr val="tx1"/>
+                </a:solidFill>
+                <a:effectLst/>
+                <a:ea typeface="+mn-ea"/>
+                <a:cs typeface="+mn-cs"/>
+              </a:rPr>
+              <a:t> стратегий разрешения сбоев как на аппаратном</a:t>
+            </a:r>
+            <a:r>
+              <a:rPr lang="en-US" sz="1200" b="0" i="0" kern="1200" baseline="0" dirty="0" smtClean="0">
+                <a:solidFill>
+                  <a:schemeClr val="tx1"/>
+                </a:solidFill>
+                <a:effectLst/>
+                <a:ea typeface="+mn-ea"/>
+                <a:cs typeface="+mn-cs"/>
+              </a:rPr>
+              <a:t>, </a:t>
+            </a:r>
+            <a:r>
+              <a:rPr lang="ru-RU" sz="1200" b="0" i="0" kern="1200" baseline="0" dirty="0" smtClean="0">
+                <a:solidFill>
+                  <a:schemeClr val="tx1"/>
+                </a:solidFill>
+                <a:effectLst/>
+                <a:ea typeface="+mn-ea"/>
+                <a:cs typeface="+mn-cs"/>
+              </a:rPr>
+              <a:t>так и на программных уровнях. Построения процессов непрерывной разработки</a:t>
+            </a:r>
+            <a:r>
+              <a:rPr lang="en-US" sz="1200" b="0" i="0" kern="1200" baseline="0" dirty="0" smtClean="0">
+                <a:solidFill>
+                  <a:schemeClr val="tx1"/>
+                </a:solidFill>
+                <a:effectLst/>
+                <a:ea typeface="+mn-ea"/>
+                <a:cs typeface="+mn-cs"/>
+              </a:rPr>
+              <a:t>, </a:t>
+            </a:r>
+            <a:r>
+              <a:rPr lang="ru-RU" sz="1200" b="0" i="0" kern="1200" baseline="0" dirty="0" smtClean="0">
+                <a:solidFill>
+                  <a:schemeClr val="tx1"/>
+                </a:solidFill>
+                <a:effectLst/>
+                <a:ea typeface="+mn-ea"/>
+                <a:cs typeface="+mn-cs"/>
+              </a:rPr>
+              <a:t>сборки и поставки артефактов сборки</a:t>
+            </a:r>
+            <a:r>
+              <a:rPr lang="en-US" sz="1200" b="0" i="0" kern="1200" baseline="0" dirty="0" smtClean="0">
+                <a:solidFill>
+                  <a:schemeClr val="tx1"/>
+                </a:solidFill>
+                <a:effectLst/>
+                <a:ea typeface="+mn-ea"/>
+                <a:cs typeface="+mn-cs"/>
+              </a:rPr>
+              <a:t>, </a:t>
+            </a:r>
+            <a:r>
+              <a:rPr lang="ru-RU" sz="1200" b="0" i="0" kern="1200" baseline="0" dirty="0" smtClean="0">
+                <a:solidFill>
+                  <a:schemeClr val="tx1"/>
+                </a:solidFill>
+                <a:effectLst/>
+                <a:ea typeface="+mn-ea"/>
+                <a:cs typeface="+mn-cs"/>
+              </a:rPr>
+              <a:t>профилирования нагрузки</a:t>
+            </a:r>
+            <a:endParaRPr lang="ru-RU" sz="1200" b="0" i="0" kern="1200" dirty="0" smtClean="0">
+              <a:solidFill>
+                <a:schemeClr val="tx1"/>
+              </a:solidFill>
+              <a:effectLst/>
+              <a:ea typeface="+mn-ea"/>
+              <a:cs typeface="+mn-cs"/>
+            </a:endParaRPr>
+          </a:p>
+        </p:txBody>
+      </p:sp>
+      <p:sp>
+        <p:nvSpPr>
+          <p:cNvPr id="4" name="Номер слайда 3"/>
+          <p:cNvSpPr>
+            <a:spLocks noGrp="1"/>
+          </p:cNvSpPr>
+          <p:nvPr>
+            <p:ph type="sldNum" sz="quarter" idx="10"/>
+          </p:nvPr>
+        </p:nvSpPr>
+        <p:spPr/>
+        <p:txBody>
+          <a:bodyPr/>
+          <a:lstStyle/>
+          <a:p>
+            <a:fld id="{158157BE-13C9-4B69-8B03-B7B56862D10D}" type="slidenum">
+              <a:rPr lang="ru-RU" smtClean="0"/>
+              <a:t>28</a:t>
+            </a:fld>
+            <a:endParaRPr lang="ru-RU"/>
+          </a:p>
+        </p:txBody>
+      </p:sp>
+    </p:spTree>
+    <p:extLst>
+      <p:ext uri="{BB962C8B-B14F-4D97-AF65-F5344CB8AC3E}">
+        <p14:creationId xmlns:p14="http://schemas.microsoft.com/office/powerpoint/2010/main" val="696488844"/>
+      </p:ext>
+    </p:extLst>
+  </p:cSld>
+  <p:clrMapOvr>
+    <a:masterClrMapping/>
+  </p:clrMapOvr>
+</p:notes>
+</file>
+
+<file path=ppt/notesSlides/notesSlide29.xml><?xml version="1.0" encoding="utf-8"?>
+<p:notes xmlns:a="http://schemas.openxmlformats.org/drawingml/2006/main" xmlns:r="http://schemas.openxmlformats.org/officeDocument/2006/relationships" xmlns:p="http://schemas.openxmlformats.org/presentationml/2006/main">
+  <p:cSld>
+    <p:spTree>
+      <p:nvGrpSpPr>
+        <p:cNvPr id="1" name=""/>
+        <p:cNvGrpSpPr/>
+        <p:nvPr/>
+      </p:nvGrpSpPr>
+      <p:grpSpPr>
+        <a:xfrm>
+          <a:off x="0" y="0"/>
+          <a:ext cx="0" cy="0"/>
+          <a:chOff x="0" y="0"/>
+          <a:chExt cx="0" cy="0"/>
+        </a:xfrm>
+      </p:grpSpPr>
+      <p:sp>
+        <p:nvSpPr>
+          <p:cNvPr id="2" name="Образ слайда 1"/>
+          <p:cNvSpPr>
+            <a:spLocks noGrp="1" noRot="1" noChangeAspect="1"/>
+          </p:cNvSpPr>
+          <p:nvPr>
+            <p:ph type="sldImg"/>
+          </p:nvPr>
+        </p:nvSpPr>
+        <p:spPr/>
+      </p:sp>
+      <p:sp>
+        <p:nvSpPr>
+          <p:cNvPr id="3" name="Заметки 2"/>
+          <p:cNvSpPr>
+            <a:spLocks noGrp="1"/>
+          </p:cNvSpPr>
+          <p:nvPr>
+            <p:ph type="body" idx="1"/>
+          </p:nvPr>
+        </p:nvSpPr>
+        <p:spPr/>
+        <p:txBody>
+          <a:bodyPr/>
+          <a:lstStyle/>
+          <a:p>
+            <a:pPr marL="0" marR="0" indent="0" algn="l" defTabSz="914400" rtl="0" eaLnBrk="1" fontAlgn="auto" latinLnBrk="0" hangingPunct="1">
+              <a:lnSpc>
+                <a:spcPct val="100000"/>
+              </a:lnSpc>
+              <a:spcBef>
+                <a:spcPts val="0"/>
+              </a:spcBef>
+              <a:spcAft>
+                <a:spcPts val="0"/>
+              </a:spcAft>
+              <a:buClrTx/>
+              <a:buSzTx/>
+              <a:buFontTx/>
+              <a:buNone/>
+              <a:tabLst/>
+              <a:defRPr/>
+            </a:pPr>
+            <a:r>
+              <a:rPr lang="en-US" sz="1200" kern="1200" dirty="0" smtClean="0">
+                <a:solidFill>
+                  <a:schemeClr val="tx1"/>
+                </a:solidFill>
+                <a:effectLst/>
+                <a:latin typeface="Roboto" panose="02000000000000000000" pitchFamily="2" charset="0"/>
+                <a:ea typeface="+mn-ea"/>
+                <a:cs typeface="+mn-cs"/>
+              </a:rPr>
+              <a:t>Client applications should provide smooth, responsive and adaptive experience. Often time restricted by hardware</a:t>
+            </a:r>
+            <a:br>
+              <a:rPr lang="en-US" sz="1200" kern="1200" dirty="0" smtClean="0">
+                <a:solidFill>
+                  <a:schemeClr val="tx1"/>
+                </a:solidFill>
+                <a:effectLst/>
+                <a:latin typeface="Roboto" panose="02000000000000000000" pitchFamily="2" charset="0"/>
+                <a:ea typeface="+mn-ea"/>
+                <a:cs typeface="+mn-cs"/>
+              </a:rPr>
+            </a:br>
+            <a:r>
+              <a:rPr lang="en-US" sz="1200" kern="1200" dirty="0" smtClean="0">
+                <a:solidFill>
+                  <a:schemeClr val="tx1"/>
+                </a:solidFill>
+                <a:effectLst/>
+                <a:latin typeface="Roboto" panose="02000000000000000000" pitchFamily="2" charset="0"/>
+                <a:ea typeface="+mn-ea"/>
+                <a:cs typeface="+mn-cs"/>
+              </a:rPr>
+              <a:t>capabilities (hard to update, low on recourses, battery restrictions)</a:t>
+            </a:r>
+            <a:br>
+              <a:rPr lang="en-US" sz="1200" kern="1200" dirty="0" smtClean="0">
+                <a:solidFill>
+                  <a:schemeClr val="tx1"/>
+                </a:solidFill>
+                <a:effectLst/>
+                <a:latin typeface="Roboto" panose="02000000000000000000" pitchFamily="2" charset="0"/>
+                <a:ea typeface="+mn-ea"/>
+                <a:cs typeface="+mn-cs"/>
+              </a:rPr>
+            </a:br>
+            <a:endParaRPr lang="ru-RU" sz="1200" b="0" i="0" kern="1200" dirty="0" smtClean="0">
+              <a:solidFill>
+                <a:schemeClr val="tx1"/>
+              </a:solidFill>
+              <a:effectLst/>
+              <a:ea typeface="+mn-ea"/>
+              <a:cs typeface="+mn-cs"/>
+            </a:endParaRPr>
+          </a:p>
+        </p:txBody>
+      </p:sp>
+      <p:sp>
+        <p:nvSpPr>
+          <p:cNvPr id="4" name="Номер слайда 3"/>
+          <p:cNvSpPr>
+            <a:spLocks noGrp="1"/>
+          </p:cNvSpPr>
+          <p:nvPr>
+            <p:ph type="sldNum" sz="quarter" idx="10"/>
+          </p:nvPr>
+        </p:nvSpPr>
+        <p:spPr/>
+        <p:txBody>
+          <a:bodyPr/>
+          <a:lstStyle/>
+          <a:p>
+            <a:fld id="{158157BE-13C9-4B69-8B03-B7B56862D10D}" type="slidenum">
+              <a:rPr lang="ru-RU" smtClean="0"/>
+              <a:t>29</a:t>
+            </a:fld>
+            <a:endParaRPr lang="ru-RU"/>
+          </a:p>
+        </p:txBody>
+      </p:sp>
+    </p:spTree>
+    <p:extLst>
+      <p:ext uri="{BB962C8B-B14F-4D97-AF65-F5344CB8AC3E}">
+        <p14:creationId xmlns:p14="http://schemas.microsoft.com/office/powerpoint/2010/main" val="336720840"/>
+      </p:ext>
+    </p:extLst>
+  </p:cSld>
+  <p:clrMapOvr>
+    <a:masterClrMapping/>
+  </p:clrMapOvr>
+</p:notes>
+</file>
+
+<file path=ppt/notesSlides/notesSlide3.xml><?xml version="1.0" encoding="utf-8"?>
+<p:notes xmlns:a="http://schemas.openxmlformats.org/drawingml/2006/main" xmlns:r="http://schemas.openxmlformats.org/officeDocument/2006/relationships" xmlns:p="http://schemas.openxmlformats.org/presentationml/2006/main">
+  <p:cSld>
+    <p:spTree>
+      <p:nvGrpSpPr>
+        <p:cNvPr id="1" name=""/>
+        <p:cNvGrpSpPr/>
+        <p:nvPr/>
+      </p:nvGrpSpPr>
+      <p:grpSpPr>
+        <a:xfrm>
+          <a:off x="0" y="0"/>
+          <a:ext cx="0" cy="0"/>
+          <a:chOff x="0" y="0"/>
+          <a:chExt cx="0" cy="0"/>
+        </a:xfrm>
+      </p:grpSpPr>
+      <p:sp>
+        <p:nvSpPr>
+          <p:cNvPr id="2" name="Образ слайда 1"/>
+          <p:cNvSpPr>
+            <a:spLocks noGrp="1" noRot="1" noChangeAspect="1"/>
+          </p:cNvSpPr>
+          <p:nvPr>
+            <p:ph type="sldImg"/>
+          </p:nvPr>
+        </p:nvSpPr>
+        <p:spPr/>
+      </p:sp>
+      <p:sp>
+        <p:nvSpPr>
+          <p:cNvPr id="3" name="Заметки 2"/>
+          <p:cNvSpPr>
+            <a:spLocks noGrp="1"/>
+          </p:cNvSpPr>
+          <p:nvPr>
+            <p:ph type="body" idx="1"/>
+          </p:nvPr>
+        </p:nvSpPr>
+        <p:spPr/>
+        <p:txBody>
+          <a:bodyPr/>
+          <a:lstStyle/>
+          <a:p>
+            <a:r>
+              <a:rPr lang="en-US" sz="1200" kern="1200" dirty="0" smtClean="0">
+                <a:solidFill>
+                  <a:schemeClr val="tx1"/>
+                </a:solidFill>
+                <a:effectLst/>
+                <a:latin typeface="Roboto" panose="02000000000000000000" pitchFamily="2" charset="0"/>
+                <a:ea typeface="+mn-ea"/>
+                <a:cs typeface="+mn-cs"/>
+              </a:rPr>
+              <a:t>In 1960 nobody knew what a programmer was. How many programmers were? A few thousand. What about 1950? A few hundred.</a:t>
+            </a:r>
+            <a:br>
+              <a:rPr lang="en-US" sz="1200" kern="1200" dirty="0" smtClean="0">
+                <a:solidFill>
+                  <a:schemeClr val="tx1"/>
+                </a:solidFill>
+                <a:effectLst/>
+                <a:latin typeface="Roboto" panose="02000000000000000000" pitchFamily="2" charset="0"/>
+                <a:ea typeface="+mn-ea"/>
+                <a:cs typeface="+mn-cs"/>
+              </a:rPr>
+            </a:br>
+            <a:r>
+              <a:rPr lang="en-US" sz="1200" kern="1200" dirty="0" smtClean="0">
+                <a:solidFill>
+                  <a:schemeClr val="tx1"/>
+                </a:solidFill>
+                <a:effectLst/>
+                <a:latin typeface="Roboto" panose="02000000000000000000" pitchFamily="2" charset="0"/>
+                <a:ea typeface="+mn-ea"/>
+                <a:cs typeface="+mn-cs"/>
+              </a:rPr>
+              <a:t>And when was there just one? 1946</a:t>
+            </a:r>
+            <a:endParaRPr lang="en-US" sz="1200" kern="1200" dirty="0">
+              <a:solidFill>
+                <a:schemeClr val="tx1"/>
+              </a:solidFill>
+              <a:effectLst/>
+              <a:latin typeface="Roboto" panose="02000000000000000000" pitchFamily="2" charset="0"/>
+              <a:ea typeface="+mn-ea"/>
+              <a:cs typeface="+mn-cs"/>
+            </a:endParaRPr>
+          </a:p>
+        </p:txBody>
+      </p:sp>
+      <p:sp>
+        <p:nvSpPr>
+          <p:cNvPr id="4" name="Номер слайда 3"/>
+          <p:cNvSpPr>
+            <a:spLocks noGrp="1"/>
+          </p:cNvSpPr>
+          <p:nvPr>
+            <p:ph type="sldNum" sz="quarter" idx="10"/>
+          </p:nvPr>
+        </p:nvSpPr>
+        <p:spPr/>
+        <p:txBody>
+          <a:bodyPr/>
+          <a:lstStyle/>
+          <a:p>
+            <a:fld id="{158157BE-13C9-4B69-8B03-B7B56862D10D}" type="slidenum">
+              <a:rPr lang="ru-RU" smtClean="0"/>
+              <a:t>3</a:t>
+            </a:fld>
+            <a:endParaRPr lang="ru-RU"/>
+          </a:p>
+        </p:txBody>
+      </p:sp>
+    </p:spTree>
+    <p:extLst>
+      <p:ext uri="{BB962C8B-B14F-4D97-AF65-F5344CB8AC3E}">
+        <p14:creationId xmlns:p14="http://schemas.microsoft.com/office/powerpoint/2010/main" val="918217740"/>
+      </p:ext>
+    </p:extLst>
+  </p:cSld>
+  <p:clrMapOvr>
+    <a:masterClrMapping/>
+  </p:clrMapOvr>
+</p:notes>
+</file>
+
+<file path=ppt/notesSlides/notesSlide30.xml><?xml version="1.0" encoding="utf-8"?>
+<p:notes xmlns:a="http://schemas.openxmlformats.org/drawingml/2006/main" xmlns:r="http://schemas.openxmlformats.org/officeDocument/2006/relationships" xmlns:p="http://schemas.openxmlformats.org/presentationml/2006/main">
+  <p:cSld>
+    <p:spTree>
+      <p:nvGrpSpPr>
+        <p:cNvPr id="1" name=""/>
+        <p:cNvGrpSpPr/>
+        <p:nvPr/>
+      </p:nvGrpSpPr>
+      <p:grpSpPr>
+        <a:xfrm>
+          <a:off x="0" y="0"/>
+          <a:ext cx="0" cy="0"/>
+          <a:chOff x="0" y="0"/>
+          <a:chExt cx="0" cy="0"/>
+        </a:xfrm>
+      </p:grpSpPr>
+      <p:sp>
+        <p:nvSpPr>
+          <p:cNvPr id="2" name="Образ слайда 1"/>
+          <p:cNvSpPr>
+            <a:spLocks noGrp="1" noRot="1" noChangeAspect="1"/>
+          </p:cNvSpPr>
+          <p:nvPr>
+            <p:ph type="sldImg"/>
+          </p:nvPr>
+        </p:nvSpPr>
+        <p:spPr/>
+      </p:sp>
+      <p:sp>
+        <p:nvSpPr>
+          <p:cNvPr id="3" name="Заметки 2"/>
+          <p:cNvSpPr>
+            <a:spLocks noGrp="1"/>
+          </p:cNvSpPr>
+          <p:nvPr>
+            <p:ph type="body" idx="1"/>
+          </p:nvPr>
+        </p:nvSpPr>
+        <p:spPr/>
+        <p:txBody>
+          <a:bodyPr/>
+          <a:lstStyle/>
+          <a:p>
+            <a:pPr marL="0" marR="0" indent="0" algn="l" defTabSz="914400" rtl="0" eaLnBrk="1" fontAlgn="auto" latinLnBrk="0" hangingPunct="1">
+              <a:lnSpc>
+                <a:spcPct val="100000"/>
+              </a:lnSpc>
+              <a:spcBef>
+                <a:spcPts val="0"/>
+              </a:spcBef>
+              <a:spcAft>
+                <a:spcPts val="0"/>
+              </a:spcAft>
+              <a:buClrTx/>
+              <a:buSzTx/>
+              <a:buFontTx/>
+              <a:buNone/>
+              <a:tabLst/>
+              <a:defRPr/>
+            </a:pPr>
+            <a:r>
+              <a:rPr lang="ru-RU" sz="1200" b="0" i="0" kern="1200" dirty="0" smtClean="0">
+                <a:solidFill>
+                  <a:schemeClr val="tx1"/>
+                </a:solidFill>
+                <a:effectLst/>
+                <a:ea typeface="+mn-ea"/>
+                <a:cs typeface="+mn-cs"/>
+              </a:rPr>
+              <a:t>Мы не имеем контроля над аппаратным обеспечением. Приходится работать в</a:t>
+            </a:r>
+            <a:r>
+              <a:rPr lang="ru-RU" sz="1200" b="0" i="0" kern="1200" baseline="0" dirty="0" smtClean="0">
+                <a:solidFill>
+                  <a:schemeClr val="tx1"/>
+                </a:solidFill>
+                <a:effectLst/>
+                <a:ea typeface="+mn-ea"/>
+                <a:cs typeface="+mn-cs"/>
+              </a:rPr>
+              <a:t> разрезе широкой выборки устройств</a:t>
+            </a:r>
+            <a:r>
+              <a:rPr lang="en-US" sz="1200" b="0" i="0" kern="1200" baseline="0" dirty="0" smtClean="0">
+                <a:solidFill>
+                  <a:schemeClr val="tx1"/>
+                </a:solidFill>
+                <a:effectLst/>
+                <a:ea typeface="+mn-ea"/>
+                <a:cs typeface="+mn-cs"/>
+              </a:rPr>
+              <a:t>, </a:t>
+            </a:r>
+            <a:r>
+              <a:rPr lang="ru-RU" sz="1200" b="0" i="0" kern="1200" baseline="0" dirty="0" smtClean="0">
+                <a:solidFill>
+                  <a:schemeClr val="tx1"/>
+                </a:solidFill>
+                <a:effectLst/>
+                <a:ea typeface="+mn-ea"/>
+                <a:cs typeface="+mn-cs"/>
+              </a:rPr>
+              <a:t>это </a:t>
+            </a:r>
+            <a:r>
+              <a:rPr lang="ru-RU" sz="1200" b="0" i="0" kern="1200" baseline="0" dirty="0" err="1" smtClean="0">
+                <a:solidFill>
+                  <a:schemeClr val="tx1"/>
+                </a:solidFill>
+                <a:effectLst/>
+                <a:ea typeface="+mn-ea"/>
+                <a:cs typeface="+mn-cs"/>
+              </a:rPr>
+              <a:t>застравляет</a:t>
+            </a:r>
+            <a:r>
+              <a:rPr lang="ru-RU" sz="1200" b="0" i="0" kern="1200" baseline="0" dirty="0" smtClean="0">
+                <a:solidFill>
+                  <a:schemeClr val="tx1"/>
+                </a:solidFill>
+                <a:effectLst/>
+                <a:ea typeface="+mn-ea"/>
+                <a:cs typeface="+mn-cs"/>
+              </a:rPr>
+              <a:t> более грамотно проектировать распределение нагрузки в системе. Не блокировать основной поток для предоставления гладкого</a:t>
+            </a:r>
+            <a:r>
+              <a:rPr lang="en-US" sz="1200" b="0" i="0" kern="1200" baseline="0" dirty="0" smtClean="0">
+                <a:solidFill>
+                  <a:schemeClr val="tx1"/>
+                </a:solidFill>
+                <a:effectLst/>
+                <a:ea typeface="+mn-ea"/>
+                <a:cs typeface="+mn-cs"/>
+              </a:rPr>
+              <a:t>, </a:t>
+            </a:r>
+            <a:r>
+              <a:rPr lang="ru-RU" sz="1200" b="0" i="0" kern="1200" baseline="0" dirty="0" smtClean="0">
+                <a:solidFill>
+                  <a:schemeClr val="tx1"/>
+                </a:solidFill>
+                <a:effectLst/>
+                <a:ea typeface="+mn-ea"/>
+                <a:cs typeface="+mn-cs"/>
+              </a:rPr>
+              <a:t>динамичного интерфейса. Адаптивность (разные форматы отображения</a:t>
+            </a:r>
+            <a:r>
+              <a:rPr lang="en-US" sz="1200" b="0" i="0" kern="1200" baseline="0" dirty="0" smtClean="0">
+                <a:solidFill>
+                  <a:schemeClr val="tx1"/>
+                </a:solidFill>
+                <a:effectLst/>
+                <a:ea typeface="+mn-ea"/>
+                <a:cs typeface="+mn-cs"/>
+              </a:rPr>
+              <a:t>, </a:t>
+            </a:r>
+            <a:r>
+              <a:rPr lang="ru-RU" sz="1200" b="0" i="0" kern="1200" baseline="0" dirty="0" smtClean="0">
+                <a:solidFill>
+                  <a:schemeClr val="tx1"/>
+                </a:solidFill>
+                <a:effectLst/>
+                <a:ea typeface="+mn-ea"/>
+                <a:cs typeface="+mn-cs"/>
+              </a:rPr>
+              <a:t>не только размер экрана</a:t>
+            </a:r>
+            <a:r>
+              <a:rPr lang="en-US" sz="1200" b="0" i="0" kern="1200" baseline="0" dirty="0" smtClean="0">
+                <a:solidFill>
+                  <a:schemeClr val="tx1"/>
+                </a:solidFill>
+                <a:effectLst/>
+                <a:ea typeface="+mn-ea"/>
+                <a:cs typeface="+mn-cs"/>
+              </a:rPr>
+              <a:t>, </a:t>
+            </a:r>
+            <a:r>
+              <a:rPr lang="ru-RU" sz="1200" b="0" i="0" kern="1200" baseline="0" dirty="0" smtClean="0">
+                <a:solidFill>
+                  <a:schemeClr val="tx1"/>
+                </a:solidFill>
+                <a:effectLst/>
+                <a:ea typeface="+mn-ea"/>
+                <a:cs typeface="+mn-cs"/>
+              </a:rPr>
+              <a:t>но и форма</a:t>
+            </a:r>
+            <a:r>
+              <a:rPr lang="en-US" sz="1200" b="0" i="0" kern="1200" baseline="0" dirty="0" smtClean="0">
+                <a:solidFill>
+                  <a:schemeClr val="tx1"/>
+                </a:solidFill>
+                <a:effectLst/>
+                <a:ea typeface="+mn-ea"/>
+                <a:cs typeface="+mn-cs"/>
+              </a:rPr>
+              <a:t>, </a:t>
+            </a:r>
+            <a:r>
+              <a:rPr lang="ru-RU" sz="1200" b="0" i="0" kern="1200" baseline="0" dirty="0" smtClean="0">
+                <a:solidFill>
+                  <a:schemeClr val="tx1"/>
+                </a:solidFill>
+                <a:effectLst/>
+                <a:ea typeface="+mn-ea"/>
+                <a:cs typeface="+mn-cs"/>
+              </a:rPr>
+              <a:t>цветопередача и плотность пикселей</a:t>
+            </a:r>
+            <a:r>
+              <a:rPr lang="en-US" sz="1200" b="0" i="0" kern="1200" baseline="0" dirty="0" smtClean="0">
+                <a:solidFill>
+                  <a:schemeClr val="tx1"/>
+                </a:solidFill>
+                <a:effectLst/>
+                <a:ea typeface="+mn-ea"/>
+                <a:cs typeface="+mn-cs"/>
+              </a:rPr>
+              <a:t>, </a:t>
+            </a:r>
+            <a:r>
+              <a:rPr lang="ru-RU" sz="1200" b="0" i="0" kern="1200" baseline="0" dirty="0" smtClean="0">
+                <a:solidFill>
+                  <a:schemeClr val="tx1"/>
+                </a:solidFill>
+                <a:effectLst/>
+                <a:ea typeface="+mn-ea"/>
+                <a:cs typeface="+mn-cs"/>
+              </a:rPr>
+              <a:t>разные парадигмы поведения в зависимости от выбранной платформы). Доступность. </a:t>
+            </a:r>
+            <a:r>
+              <a:rPr lang="en-US" sz="1200" b="0" i="0" kern="1200" baseline="0" dirty="0" smtClean="0">
+                <a:solidFill>
+                  <a:schemeClr val="tx1"/>
+                </a:solidFill>
+                <a:effectLst/>
+                <a:ea typeface="+mn-ea"/>
+                <a:cs typeface="+mn-cs"/>
+              </a:rPr>
+              <a:t>Web 3.0 </a:t>
+            </a:r>
+            <a:r>
+              <a:rPr lang="ru-RU" sz="1200" b="0" i="0" kern="1200" baseline="0" dirty="0" smtClean="0">
+                <a:solidFill>
+                  <a:schemeClr val="tx1"/>
+                </a:solidFill>
+                <a:effectLst/>
+                <a:ea typeface="+mn-ea"/>
+                <a:cs typeface="+mn-cs"/>
+              </a:rPr>
+              <a:t>интеграции с различными сенсорами</a:t>
+            </a:r>
+            <a:r>
+              <a:rPr lang="en-US" sz="1200" b="0" i="0" kern="1200" baseline="0" dirty="0" smtClean="0">
+                <a:solidFill>
+                  <a:schemeClr val="tx1"/>
+                </a:solidFill>
+                <a:effectLst/>
+                <a:ea typeface="+mn-ea"/>
+                <a:cs typeface="+mn-cs"/>
+              </a:rPr>
+              <a:t>, </a:t>
+            </a:r>
+            <a:r>
+              <a:rPr lang="ru-RU" sz="1200" b="0" i="0" kern="1200" baseline="0" dirty="0" err="1" smtClean="0">
+                <a:solidFill>
+                  <a:schemeClr val="tx1"/>
+                </a:solidFill>
+                <a:effectLst/>
+                <a:ea typeface="+mn-ea"/>
+                <a:cs typeface="+mn-cs"/>
+              </a:rPr>
+              <a:t>оффлайн</a:t>
+            </a:r>
+            <a:r>
+              <a:rPr lang="ru-RU" sz="1200" b="0" i="0" kern="1200" baseline="0" dirty="0" smtClean="0">
+                <a:solidFill>
+                  <a:schemeClr val="tx1"/>
+                </a:solidFill>
+                <a:effectLst/>
+                <a:ea typeface="+mn-ea"/>
+                <a:cs typeface="+mn-cs"/>
+              </a:rPr>
+              <a:t> режим. Оптимизация загрузки приложения</a:t>
+            </a:r>
+            <a:r>
+              <a:rPr lang="en-US" sz="1200" b="0" i="0" kern="1200" baseline="0" dirty="0" smtClean="0">
+                <a:solidFill>
+                  <a:schemeClr val="tx1"/>
+                </a:solidFill>
+                <a:effectLst/>
+                <a:ea typeface="+mn-ea"/>
+                <a:cs typeface="+mn-cs"/>
+              </a:rPr>
+              <a:t>, SEO </a:t>
+            </a:r>
+            <a:r>
+              <a:rPr lang="ru-RU" sz="1200" b="0" i="0" kern="1200" baseline="0" dirty="0" smtClean="0">
+                <a:solidFill>
+                  <a:schemeClr val="tx1"/>
+                </a:solidFill>
+                <a:effectLst/>
+                <a:ea typeface="+mn-ea"/>
+                <a:cs typeface="+mn-cs"/>
+              </a:rPr>
+              <a:t>оптимизации</a:t>
+            </a:r>
+            <a:r>
+              <a:rPr lang="en-US" sz="1200" b="0" i="0" kern="1200" baseline="0" dirty="0" smtClean="0">
+                <a:solidFill>
+                  <a:schemeClr val="tx1"/>
+                </a:solidFill>
+                <a:effectLst/>
+                <a:ea typeface="+mn-ea"/>
+                <a:cs typeface="+mn-cs"/>
+              </a:rPr>
+              <a:t>, </a:t>
+            </a:r>
+            <a:r>
+              <a:rPr lang="ru-RU" sz="1200" b="0" i="0" kern="1200" baseline="0" dirty="0" smtClean="0">
+                <a:solidFill>
+                  <a:schemeClr val="tx1"/>
+                </a:solidFill>
+                <a:effectLst/>
+                <a:ea typeface="+mn-ea"/>
+                <a:cs typeface="+mn-cs"/>
+              </a:rPr>
+              <a:t>аналитика. </a:t>
+            </a:r>
+            <a:endParaRPr lang="ru-RU" sz="1200" b="0" i="0" kern="1200" dirty="0" smtClean="0">
+              <a:solidFill>
+                <a:schemeClr val="tx1"/>
+              </a:solidFill>
+              <a:effectLst/>
+              <a:ea typeface="+mn-ea"/>
+              <a:cs typeface="+mn-cs"/>
+            </a:endParaRPr>
+          </a:p>
+        </p:txBody>
+      </p:sp>
+      <p:sp>
+        <p:nvSpPr>
+          <p:cNvPr id="4" name="Номер слайда 3"/>
+          <p:cNvSpPr>
+            <a:spLocks noGrp="1"/>
+          </p:cNvSpPr>
+          <p:nvPr>
+            <p:ph type="sldNum" sz="quarter" idx="10"/>
+          </p:nvPr>
+        </p:nvSpPr>
+        <p:spPr/>
+        <p:txBody>
+          <a:bodyPr/>
+          <a:lstStyle/>
+          <a:p>
+            <a:fld id="{158157BE-13C9-4B69-8B03-B7B56862D10D}" type="slidenum">
+              <a:rPr lang="ru-RU" smtClean="0"/>
+              <a:t>30</a:t>
+            </a:fld>
+            <a:endParaRPr lang="ru-RU"/>
+          </a:p>
+        </p:txBody>
+      </p:sp>
+    </p:spTree>
+    <p:extLst>
+      <p:ext uri="{BB962C8B-B14F-4D97-AF65-F5344CB8AC3E}">
+        <p14:creationId xmlns:p14="http://schemas.microsoft.com/office/powerpoint/2010/main" val="1489066025"/>
+      </p:ext>
+    </p:extLst>
+  </p:cSld>
+  <p:clrMapOvr>
+    <a:masterClrMapping/>
+  </p:clrMapOvr>
+</p:notes>
+</file>
+
+<file path=ppt/notesSlides/notesSlide31.xml><?xml version="1.0" encoding="utf-8"?>
+<p:notes xmlns:a="http://schemas.openxmlformats.org/drawingml/2006/main" xmlns:r="http://schemas.openxmlformats.org/officeDocument/2006/relationships" xmlns:p="http://schemas.openxmlformats.org/presentationml/2006/main">
+  <p:cSld>
+    <p:spTree>
+      <p:nvGrpSpPr>
+        <p:cNvPr id="1" name=""/>
+        <p:cNvGrpSpPr/>
+        <p:nvPr/>
+      </p:nvGrpSpPr>
+      <p:grpSpPr>
+        <a:xfrm>
+          <a:off x="0" y="0"/>
+          <a:ext cx="0" cy="0"/>
+          <a:chOff x="0" y="0"/>
+          <a:chExt cx="0" cy="0"/>
+        </a:xfrm>
+      </p:grpSpPr>
+      <p:sp>
+        <p:nvSpPr>
+          <p:cNvPr id="2" name="Образ слайда 1"/>
+          <p:cNvSpPr>
+            <a:spLocks noGrp="1" noRot="1" noChangeAspect="1"/>
+          </p:cNvSpPr>
+          <p:nvPr>
+            <p:ph type="sldImg"/>
+          </p:nvPr>
+        </p:nvSpPr>
+        <p:spPr/>
+      </p:sp>
+      <p:sp>
+        <p:nvSpPr>
+          <p:cNvPr id="3" name="Заметки 2"/>
+          <p:cNvSpPr>
+            <a:spLocks noGrp="1"/>
+          </p:cNvSpPr>
+          <p:nvPr>
+            <p:ph type="body" idx="1"/>
+          </p:nvPr>
+        </p:nvSpPr>
+        <p:spPr/>
+        <p:txBody>
+          <a:bodyPr/>
+          <a:lstStyle/>
+          <a:p>
+            <a:pPr marL="0" marR="0" indent="0" algn="l" defTabSz="914400" rtl="0" eaLnBrk="1" fontAlgn="auto" latinLnBrk="0" hangingPunct="1">
+              <a:lnSpc>
+                <a:spcPct val="100000"/>
+              </a:lnSpc>
+              <a:spcBef>
+                <a:spcPts val="0"/>
+              </a:spcBef>
+              <a:spcAft>
+                <a:spcPts val="0"/>
+              </a:spcAft>
+              <a:buClrTx/>
+              <a:buSzTx/>
+              <a:buFontTx/>
+              <a:buNone/>
+              <a:tabLst/>
+              <a:defRPr/>
+            </a:pPr>
+            <a:r>
+              <a:rPr lang="en-US" sz="1200" kern="1200" dirty="0" smtClean="0">
+                <a:solidFill>
+                  <a:schemeClr val="tx1"/>
+                </a:solidFill>
+                <a:effectLst/>
+                <a:latin typeface="Roboto" panose="02000000000000000000" pitchFamily="2" charset="0"/>
+                <a:ea typeface="+mn-ea"/>
+                <a:cs typeface="+mn-cs"/>
+              </a:rPr>
+              <a:t>There are two major groups of apps:</a:t>
+            </a:r>
+            <a:br>
+              <a:rPr lang="en-US" sz="1200" kern="1200" dirty="0" smtClean="0">
+                <a:solidFill>
+                  <a:schemeClr val="tx1"/>
+                </a:solidFill>
+                <a:effectLst/>
+                <a:latin typeface="Roboto" panose="02000000000000000000" pitchFamily="2" charset="0"/>
+                <a:ea typeface="+mn-ea"/>
+                <a:cs typeface="+mn-cs"/>
+              </a:rPr>
+            </a:br>
+            <a:r>
+              <a:rPr lang="en-US" sz="1200" kern="1200" dirty="0" smtClean="0">
+                <a:solidFill>
+                  <a:schemeClr val="tx1"/>
+                </a:solidFill>
+                <a:effectLst/>
+                <a:latin typeface="Roboto" panose="02000000000000000000" pitchFamily="2" charset="0"/>
+                <a:ea typeface="+mn-ea"/>
+                <a:cs typeface="+mn-cs"/>
+              </a:rPr>
+              <a:t/>
+            </a:r>
+            <a:br>
+              <a:rPr lang="en-US" sz="1200" kern="1200" dirty="0" smtClean="0">
+                <a:solidFill>
+                  <a:schemeClr val="tx1"/>
+                </a:solidFill>
+                <a:effectLst/>
+                <a:latin typeface="Roboto" panose="02000000000000000000" pitchFamily="2" charset="0"/>
+                <a:ea typeface="+mn-ea"/>
+                <a:cs typeface="+mn-cs"/>
+              </a:rPr>
+            </a:br>
+            <a:r>
+              <a:rPr lang="en-US" sz="1200" kern="1200" dirty="0" smtClean="0">
+                <a:solidFill>
+                  <a:schemeClr val="tx1"/>
+                </a:solidFill>
+                <a:effectLst/>
+                <a:latin typeface="Roboto" panose="02000000000000000000" pitchFamily="2" charset="0"/>
+                <a:ea typeface="+mn-ea"/>
+                <a:cs typeface="+mn-cs"/>
+              </a:rPr>
+              <a:t>* Native applications</a:t>
+            </a:r>
+            <a:br>
+              <a:rPr lang="en-US" sz="1200" kern="1200" dirty="0" smtClean="0">
+                <a:solidFill>
+                  <a:schemeClr val="tx1"/>
+                </a:solidFill>
+                <a:effectLst/>
+                <a:latin typeface="Roboto" panose="02000000000000000000" pitchFamily="2" charset="0"/>
+                <a:ea typeface="+mn-ea"/>
+                <a:cs typeface="+mn-cs"/>
+              </a:rPr>
+            </a:br>
+            <a:r>
+              <a:rPr lang="en-US" sz="1200" kern="1200" dirty="0" smtClean="0">
+                <a:solidFill>
+                  <a:schemeClr val="tx1"/>
+                </a:solidFill>
+                <a:effectLst/>
+                <a:latin typeface="Roboto" panose="02000000000000000000" pitchFamily="2" charset="0"/>
+                <a:ea typeface="+mn-ea"/>
+                <a:cs typeface="+mn-cs"/>
+              </a:rPr>
+              <a:t>* Web applications</a:t>
+            </a:r>
+            <a:br>
+              <a:rPr lang="en-US" sz="1200" kern="1200" dirty="0" smtClean="0">
+                <a:solidFill>
+                  <a:schemeClr val="tx1"/>
+                </a:solidFill>
+                <a:effectLst/>
+                <a:latin typeface="Roboto" panose="02000000000000000000" pitchFamily="2" charset="0"/>
+                <a:ea typeface="+mn-ea"/>
+                <a:cs typeface="+mn-cs"/>
+              </a:rPr>
+            </a:br>
+            <a:endParaRPr lang="en-US" sz="1200" kern="1200" dirty="0" smtClean="0">
+              <a:solidFill>
+                <a:schemeClr val="tx1"/>
+              </a:solidFill>
+              <a:effectLst/>
+              <a:latin typeface="Roboto" panose="02000000000000000000" pitchFamily="2" charset="0"/>
+              <a:ea typeface="+mn-ea"/>
+              <a:cs typeface="+mn-cs"/>
+            </a:endParaRPr>
+          </a:p>
+          <a:p>
+            <a:pPr marL="0" marR="0" indent="0" algn="l" defTabSz="914400" rtl="0" eaLnBrk="1" fontAlgn="auto" latinLnBrk="0" hangingPunct="1">
+              <a:lnSpc>
+                <a:spcPct val="100000"/>
+              </a:lnSpc>
+              <a:spcBef>
+                <a:spcPts val="0"/>
+              </a:spcBef>
+              <a:spcAft>
+                <a:spcPts val="0"/>
+              </a:spcAft>
+              <a:buClrTx/>
+              <a:buSzTx/>
+              <a:buFontTx/>
+              <a:buNone/>
+              <a:tabLst/>
+              <a:defRPr/>
+            </a:pPr>
+            <a:r>
+              <a:rPr lang="en-US" sz="1200" kern="1200" dirty="0" smtClean="0">
+                <a:solidFill>
+                  <a:schemeClr val="tx1"/>
+                </a:solidFill>
+                <a:effectLst/>
+                <a:latin typeface="Roboto" panose="02000000000000000000" pitchFamily="2" charset="0"/>
+                <a:ea typeface="+mn-ea"/>
+                <a:cs typeface="+mn-cs"/>
+              </a:rPr>
+              <a:t>There are a lot of platforms around us and we as developers must create software which is able to run on</a:t>
+            </a:r>
+            <a:br>
+              <a:rPr lang="en-US" sz="1200" kern="1200" dirty="0" smtClean="0">
+                <a:solidFill>
+                  <a:schemeClr val="tx1"/>
+                </a:solidFill>
+                <a:effectLst/>
+                <a:latin typeface="Roboto" panose="02000000000000000000" pitchFamily="2" charset="0"/>
+                <a:ea typeface="+mn-ea"/>
+                <a:cs typeface="+mn-cs"/>
+              </a:rPr>
+            </a:br>
+            <a:r>
+              <a:rPr lang="en-US" sz="1200" kern="1200" dirty="0" smtClean="0">
+                <a:solidFill>
+                  <a:schemeClr val="tx1"/>
+                </a:solidFill>
+                <a:effectLst/>
+                <a:latin typeface="Roboto" panose="02000000000000000000" pitchFamily="2" charset="0"/>
+                <a:ea typeface="+mn-ea"/>
+                <a:cs typeface="+mn-cs"/>
+              </a:rPr>
+              <a:t>most if not on all of them fluently. But it is usually hard to separately develop programs for each and every case.</a:t>
+            </a:r>
+            <a:br>
+              <a:rPr lang="en-US" sz="1200" kern="1200" dirty="0" smtClean="0">
+                <a:solidFill>
+                  <a:schemeClr val="tx1"/>
+                </a:solidFill>
+                <a:effectLst/>
+                <a:latin typeface="Roboto" panose="02000000000000000000" pitchFamily="2" charset="0"/>
+                <a:ea typeface="+mn-ea"/>
+                <a:cs typeface="+mn-cs"/>
+              </a:rPr>
+            </a:br>
+            <a:endParaRPr lang="en-US" sz="1200" kern="1200" dirty="0" smtClean="0">
+              <a:solidFill>
+                <a:schemeClr val="tx1"/>
+              </a:solidFill>
+              <a:effectLst/>
+              <a:latin typeface="Roboto" panose="02000000000000000000" pitchFamily="2" charset="0"/>
+              <a:ea typeface="+mn-ea"/>
+              <a:cs typeface="+mn-cs"/>
+            </a:endParaRPr>
+          </a:p>
+          <a:p>
+            <a:pPr marL="0" marR="0" indent="0" algn="l" defTabSz="914400" rtl="0" eaLnBrk="1" fontAlgn="auto" latinLnBrk="0" hangingPunct="1">
+              <a:lnSpc>
+                <a:spcPct val="100000"/>
+              </a:lnSpc>
+              <a:spcBef>
+                <a:spcPts val="0"/>
+              </a:spcBef>
+              <a:spcAft>
+                <a:spcPts val="0"/>
+              </a:spcAft>
+              <a:buClrTx/>
+              <a:buSzTx/>
+              <a:buFontTx/>
+              <a:buNone/>
+              <a:tabLst/>
+              <a:defRPr/>
+            </a:pPr>
+            <a:endParaRPr lang="ru-RU" sz="1200" b="0" i="0" kern="1200" dirty="0" smtClean="0">
+              <a:solidFill>
+                <a:schemeClr val="tx1"/>
+              </a:solidFill>
+              <a:effectLst/>
+              <a:ea typeface="+mn-ea"/>
+              <a:cs typeface="+mn-cs"/>
+            </a:endParaRPr>
+          </a:p>
+        </p:txBody>
+      </p:sp>
+      <p:sp>
+        <p:nvSpPr>
+          <p:cNvPr id="4" name="Номер слайда 3"/>
+          <p:cNvSpPr>
+            <a:spLocks noGrp="1"/>
+          </p:cNvSpPr>
+          <p:nvPr>
+            <p:ph type="sldNum" sz="quarter" idx="10"/>
+          </p:nvPr>
+        </p:nvSpPr>
+        <p:spPr/>
+        <p:txBody>
+          <a:bodyPr/>
+          <a:lstStyle/>
+          <a:p>
+            <a:fld id="{158157BE-13C9-4B69-8B03-B7B56862D10D}" type="slidenum">
+              <a:rPr lang="ru-RU" smtClean="0"/>
+              <a:t>31</a:t>
+            </a:fld>
+            <a:endParaRPr lang="ru-RU"/>
+          </a:p>
+        </p:txBody>
+      </p:sp>
+    </p:spTree>
+    <p:extLst>
+      <p:ext uri="{BB962C8B-B14F-4D97-AF65-F5344CB8AC3E}">
+        <p14:creationId xmlns:p14="http://schemas.microsoft.com/office/powerpoint/2010/main" val="1641177128"/>
+      </p:ext>
+    </p:extLst>
+  </p:cSld>
+  <p:clrMapOvr>
+    <a:masterClrMapping/>
+  </p:clrMapOvr>
+</p:notes>
+</file>
+
+<file path=ppt/notesSlides/notesSlide32.xml><?xml version="1.0" encoding="utf-8"?>
+<p:notes xmlns:a="http://schemas.openxmlformats.org/drawingml/2006/main" xmlns:r="http://schemas.openxmlformats.org/officeDocument/2006/relationships" xmlns:p="http://schemas.openxmlformats.org/presentationml/2006/main">
+  <p:cSld>
+    <p:spTree>
+      <p:nvGrpSpPr>
+        <p:cNvPr id="1" name=""/>
+        <p:cNvGrpSpPr/>
+        <p:nvPr/>
+      </p:nvGrpSpPr>
+      <p:grpSpPr>
+        <a:xfrm>
+          <a:off x="0" y="0"/>
+          <a:ext cx="0" cy="0"/>
+          <a:chOff x="0" y="0"/>
+          <a:chExt cx="0" cy="0"/>
+        </a:xfrm>
+      </p:grpSpPr>
+      <p:sp>
+        <p:nvSpPr>
+          <p:cNvPr id="2" name="Образ слайда 1"/>
+          <p:cNvSpPr>
+            <a:spLocks noGrp="1" noRot="1" noChangeAspect="1"/>
+          </p:cNvSpPr>
+          <p:nvPr>
+            <p:ph type="sldImg"/>
+          </p:nvPr>
+        </p:nvSpPr>
+        <p:spPr/>
+      </p:sp>
+      <p:sp>
+        <p:nvSpPr>
+          <p:cNvPr id="3" name="Заметки 2"/>
+          <p:cNvSpPr>
+            <a:spLocks noGrp="1"/>
+          </p:cNvSpPr>
+          <p:nvPr>
+            <p:ph type="body" idx="1"/>
+          </p:nvPr>
+        </p:nvSpPr>
+        <p:spPr/>
+        <p:txBody>
+          <a:bodyPr/>
+          <a:lstStyle/>
+          <a:p>
             <a:pPr marL="0" marR="0" indent="0" algn="l" defTabSz="914400" rtl="0" eaLnBrk="1" fontAlgn="auto" latinLnBrk="0" hangingPunct="1">
               <a:lnSpc>
                 <a:spcPct val="100000"/>
@@ -3623,7 +5949,7 @@
           <a:p>
             <a:fld id="{158157BE-13C9-4B69-8B03-B7B56862D10D}" type="slidenum">
               <a:rPr lang="ru-RU" smtClean="0"/>
-              <a:t>26</a:t>
+              <a:t>32</a:t>
             </a:fld>
             <a:endParaRPr lang="ru-RU"/>
           </a:p>
@@ -3642,7 +5968,7 @@
 </p:notes>
 </file>
 
-<file path=ppt/notesSlides/notesSlide27.xml><?xml version="1.0" encoding="utf-8"?>
+<file path=ppt/notesSlides/notesSlide33.xml><?xml version="1.0" encoding="utf-8"?>
 <p:notes xmlns:a="http://schemas.openxmlformats.org/drawingml/2006/main" xmlns:r="http://schemas.openxmlformats.org/officeDocument/2006/relationships" xmlns:p="http://schemas.openxmlformats.org/presentationml/2006/main">
   <p:cSld>
     <p:spTree>
@@ -3704,245 +6030,37 @@
               <a:defRPr/>
             </a:pPr>
             <a:r>
-              <a:rPr lang="ru-RU" sz="1200" b="0" i="0" kern="1200" dirty="0" smtClean="0">
-                <a:solidFill>
-                  <a:schemeClr val="tx1"/>
-                </a:solidFill>
-                <a:effectLst/>
-                <a:ea typeface="+mn-ea"/>
-                <a:cs typeface="+mn-cs"/>
-              </a:rPr>
-              <a:t>есть проект с низкой </a:t>
-            </a:r>
-            <a:r>
-              <a:rPr lang="ru-RU" sz="1200" b="0" i="0" kern="1200" dirty="0" smtClean="0">
-                <a:solidFill>
-                  <a:schemeClr val="tx1"/>
-                </a:solidFill>
-                <a:effectLst/>
-                <a:ea typeface="+mn-ea"/>
-                <a:cs typeface="+mn-cs"/>
-              </a:rPr>
-              <a:t>производительностью</a:t>
-            </a:r>
-            <a:r>
-              <a:rPr lang="ru-RU" sz="1200" b="0" i="0" kern="1200" dirty="0" smtClean="0">
-                <a:solidFill>
-                  <a:schemeClr val="tx1"/>
-                </a:solidFill>
-                <a:effectLst/>
-                <a:ea typeface="+mn-ea"/>
-                <a:cs typeface="+mn-cs"/>
-              </a:rPr>
-              <a:t> труда, где она вызвана эффектами исходящими от плохой структуры ПО</a:t>
-            </a:r>
-            <a:r>
-              <a:rPr lang="ru-RU" sz="1200" b="0" i="0" kern="1200" dirty="0" smtClean="0">
-                <a:solidFill>
-                  <a:schemeClr val="tx1"/>
-                </a:solidFill>
-                <a:effectLst/>
-                <a:ea typeface="+mn-ea"/>
-                <a:cs typeface="+mn-cs"/>
-              </a:rPr>
-              <a:t>. Подавляющие</a:t>
-            </a:r>
-            <a:r>
-              <a:rPr lang="ru-RU" sz="1200" b="0" i="0" kern="1200" baseline="0" dirty="0" smtClean="0">
-                <a:solidFill>
-                  <a:schemeClr val="tx1"/>
-                </a:solidFill>
-                <a:effectLst/>
-                <a:ea typeface="+mn-ea"/>
-                <a:cs typeface="+mn-cs"/>
-              </a:rPr>
-              <a:t> кол-во времени придется работать именно с таким</a:t>
-            </a:r>
-            <a:endParaRPr lang="ru-RU" sz="1200" b="0" i="0" kern="1200" dirty="0" smtClean="0">
+              <a:rPr lang="en-US" sz="1200" kern="1200" dirty="0" smtClean="0">
+                <a:solidFill>
+                  <a:schemeClr val="tx1"/>
+                </a:solidFill>
+                <a:effectLst/>
+                <a:latin typeface="Roboto" panose="02000000000000000000" pitchFamily="2" charset="0"/>
+                <a:ea typeface="+mn-ea"/>
+                <a:cs typeface="+mn-cs"/>
+              </a:rPr>
+              <a:t/>
+            </a:r>
+            <a:br>
+              <a:rPr lang="en-US" sz="1200" kern="1200" dirty="0" smtClean="0">
+                <a:solidFill>
+                  <a:schemeClr val="tx1"/>
+                </a:solidFill>
+                <a:effectLst/>
+                <a:latin typeface="Roboto" panose="02000000000000000000" pitchFamily="2" charset="0"/>
+                <a:ea typeface="+mn-ea"/>
+                <a:cs typeface="+mn-cs"/>
+              </a:rPr>
+            </a:br>
+            <a:endParaRPr lang="en-US" sz="1200" kern="1200" dirty="0" smtClean="0">
               <a:solidFill>
                 <a:schemeClr val="tx1"/>
               </a:solidFill>
               <a:effectLst/>
+              <a:latin typeface="Roboto" panose="02000000000000000000" pitchFamily="2" charset="0"/>
               <a:ea typeface="+mn-ea"/>
               <a:cs typeface="+mn-cs"/>
             </a:endParaRPr>
-          </a:p>
-        </p:txBody>
-      </p:sp>
-      <p:sp>
-        <p:nvSpPr>
-          <p:cNvPr id="4" name="Номер слайда 3"/>
-          <p:cNvSpPr>
-            <a:spLocks noGrp="1"/>
-          </p:cNvSpPr>
-          <p:nvPr>
-            <p:ph type="sldNum" sz="quarter" idx="10"/>
-          </p:nvPr>
-        </p:nvSpPr>
-        <p:spPr/>
-        <p:txBody>
-          <a:bodyPr/>
-          <a:lstStyle/>
-          <a:p>
-            <a:fld id="{158157BE-13C9-4B69-8B03-B7B56862D10D}" type="slidenum">
-              <a:rPr lang="ru-RU" smtClean="0"/>
-              <a:t>27</a:t>
-            </a:fld>
-            <a:endParaRPr lang="ru-RU"/>
-          </a:p>
-        </p:txBody>
-      </p:sp>
-    </p:spTree>
-    <p:extLst>
-      <p:ext uri="{BB962C8B-B14F-4D97-AF65-F5344CB8AC3E}">
-        <p14:creationId xmlns:p14="http://schemas.microsoft.com/office/powerpoint/2010/main" val="468287456"/>
-      </p:ext>
-    </p:extLst>
-  </p:cSld>
-  <p:clrMapOvr>
-    <a:masterClrMapping/>
-  </p:clrMapOvr>
-</p:notes>
-</file>
-
-<file path=ppt/notesSlides/notesSlide28.xml><?xml version="1.0" encoding="utf-8"?>
-<p:notes xmlns:a="http://schemas.openxmlformats.org/drawingml/2006/main" xmlns:r="http://schemas.openxmlformats.org/officeDocument/2006/relationships" xmlns:p="http://schemas.openxmlformats.org/presentationml/2006/main">
-  <p:cSld>
-    <p:spTree>
-      <p:nvGrpSpPr>
-        <p:cNvPr id="1" name=""/>
-        <p:cNvGrpSpPr/>
-        <p:nvPr/>
-      </p:nvGrpSpPr>
-      <p:grpSpPr>
-        <a:xfrm>
-          <a:off x="0" y="0"/>
-          <a:ext cx="0" cy="0"/>
-          <a:chOff x="0" y="0"/>
-          <a:chExt cx="0" cy="0"/>
-        </a:xfrm>
-      </p:grpSpPr>
-      <p:sp>
-        <p:nvSpPr>
-          <p:cNvPr id="2" name="Образ слайда 1"/>
-          <p:cNvSpPr>
-            <a:spLocks noGrp="1" noRot="1" noChangeAspect="1"/>
-          </p:cNvSpPr>
-          <p:nvPr>
-            <p:ph type="sldImg"/>
-          </p:nvPr>
-        </p:nvSpPr>
-        <p:spPr/>
-      </p:sp>
-      <p:sp>
-        <p:nvSpPr>
-          <p:cNvPr id="3" name="Заметки 2"/>
-          <p:cNvSpPr>
-            <a:spLocks noGrp="1"/>
-          </p:cNvSpPr>
-          <p:nvPr>
-            <p:ph type="body" idx="1"/>
-          </p:nvPr>
-        </p:nvSpPr>
-        <p:spPr/>
-        <p:txBody>
-          <a:bodyPr/>
-          <a:lstStyle/>
-          <a:p>
-            <a:pPr marL="0" marR="0" indent="0" algn="l" defTabSz="914400" rtl="0" eaLnBrk="1" fontAlgn="auto" latinLnBrk="0" hangingPunct="1">
-              <a:lnSpc>
-                <a:spcPct val="100000"/>
-              </a:lnSpc>
-              <a:spcBef>
-                <a:spcPts val="0"/>
-              </a:spcBef>
-              <a:spcAft>
-                <a:spcPts val="0"/>
-              </a:spcAft>
-              <a:buClrTx/>
-              <a:buSzTx/>
-              <a:buFontTx/>
-              <a:buNone/>
-              <a:tabLst/>
-              <a:defRPr/>
-            </a:pPr>
-            <a:r>
-              <a:rPr lang="ru-RU" sz="1200" b="0" i="0" kern="1200" dirty="0" smtClean="0">
-                <a:solidFill>
-                  <a:schemeClr val="tx1"/>
-                </a:solidFill>
-                <a:effectLst/>
-                <a:ea typeface="+mn-ea"/>
-                <a:cs typeface="+mn-cs"/>
-              </a:rPr>
-              <a:t>Частые показы заказчику. Это требует построения итеративного плана разработки (</a:t>
-            </a:r>
-            <a:r>
-              <a:rPr lang="ru-RU" sz="1200" b="0" i="0" kern="1200" dirty="0" err="1" smtClean="0">
-                <a:solidFill>
-                  <a:schemeClr val="tx1"/>
-                </a:solidFill>
-                <a:effectLst/>
-                <a:ea typeface="+mn-ea"/>
-                <a:cs typeface="+mn-cs"/>
-              </a:rPr>
-              <a:t>Agile</a:t>
-            </a:r>
-            <a:r>
-              <a:rPr lang="ru-RU" sz="1200" b="0" i="0" kern="1200" dirty="0" smtClean="0">
-                <a:solidFill>
-                  <a:schemeClr val="tx1"/>
-                </a:solidFill>
-                <a:effectLst/>
-                <a:ea typeface="+mn-ea"/>
-                <a:cs typeface="+mn-cs"/>
-              </a:rPr>
-              <a:t>) и </a:t>
-            </a:r>
-            <a:r>
-              <a:rPr lang="ru-RU" sz="1200" b="0" i="0" kern="1200" dirty="0" err="1" smtClean="0">
-                <a:solidFill>
-                  <a:schemeClr val="tx1"/>
-                </a:solidFill>
-                <a:effectLst/>
-                <a:ea typeface="+mn-ea"/>
-                <a:cs typeface="+mn-cs"/>
-              </a:rPr>
-              <a:t>приоритизации</a:t>
-            </a:r>
-            <a:r>
-              <a:rPr lang="ru-RU" sz="1200" b="0" i="0" kern="1200" dirty="0" smtClean="0">
-                <a:solidFill>
-                  <a:schemeClr val="tx1"/>
-                </a:solidFill>
-                <a:effectLst/>
-                <a:ea typeface="+mn-ea"/>
-                <a:cs typeface="+mn-cs"/>
-              </a:rPr>
-              <a:t> в сторону </a:t>
-            </a:r>
-            <a:r>
-              <a:rPr lang="ru-RU" sz="1200" b="0" i="0" kern="1200" dirty="0" err="1" smtClean="0">
-                <a:solidFill>
-                  <a:schemeClr val="tx1"/>
-                </a:solidFill>
-                <a:effectLst/>
-                <a:ea typeface="+mn-ea"/>
-                <a:cs typeface="+mn-cs"/>
-              </a:rPr>
-              <a:t>функциональностей</a:t>
-            </a:r>
-            <a:r>
-              <a:rPr lang="ru-RU" sz="1200" b="0" i="0" kern="1200" dirty="0" smtClean="0">
-                <a:solidFill>
-                  <a:schemeClr val="tx1"/>
-                </a:solidFill>
-                <a:effectLst/>
-                <a:ea typeface="+mn-ea"/>
-                <a:cs typeface="+mn-cs"/>
-              </a:rPr>
-              <a:t>, а не инфраструктуры</a:t>
-            </a:r>
           </a:p>
           <a:p>
             <a:pPr marL="0" marR="0" indent="0" algn="l" defTabSz="914400" rtl="0" eaLnBrk="1" fontAlgn="auto" latinLnBrk="0" hangingPunct="1">
@@ -3971,6 +6089,87 @@
               <a:cs typeface="+mn-cs"/>
             </a:endParaRPr>
           </a:p>
+        </p:txBody>
+      </p:sp>
+      <p:sp>
+        <p:nvSpPr>
+          <p:cNvPr id="4" name="Номер слайда 3"/>
+          <p:cNvSpPr>
+            <a:spLocks noGrp="1"/>
+          </p:cNvSpPr>
+          <p:nvPr>
+            <p:ph type="sldNum" sz="quarter" idx="10"/>
+          </p:nvPr>
+        </p:nvSpPr>
+        <p:spPr/>
+        <p:txBody>
+          <a:bodyPr/>
+          <a:lstStyle/>
+          <a:p>
+            <a:fld id="{158157BE-13C9-4B69-8B03-B7B56862D10D}" type="slidenum">
+              <a:rPr lang="ru-RU" smtClean="0"/>
+              <a:t>33</a:t>
+            </a:fld>
+            <a:endParaRPr lang="ru-RU"/>
+          </a:p>
+        </p:txBody>
+      </p:sp>
+    </p:spTree>
+    <p:extLst>
+      <p:ext uri="{BB962C8B-B14F-4D97-AF65-F5344CB8AC3E}">
+        <p14:creationId xmlns:p14="http://schemas.microsoft.com/office/powerpoint/2010/main" val="3681449123"/>
+      </p:ext>
+    </p:extLst>
+  </p:cSld>
+  <p:clrMapOvr>
+    <a:masterClrMapping/>
+  </p:clrMapOvr>
+</p:notes>
+</file>
+
+<file path=ppt/notesSlides/notesSlide34.xml><?xml version="1.0" encoding="utf-8"?>
+<p:notes xmlns:a="http://schemas.openxmlformats.org/drawingml/2006/main" xmlns:r="http://schemas.openxmlformats.org/officeDocument/2006/relationships" xmlns:p="http://schemas.openxmlformats.org/presentationml/2006/main">
+  <p:cSld>
+    <p:spTree>
+      <p:nvGrpSpPr>
+        <p:cNvPr id="1" name=""/>
+        <p:cNvGrpSpPr/>
+        <p:nvPr/>
+      </p:nvGrpSpPr>
+      <p:grpSpPr>
+        <a:xfrm>
+          <a:off x="0" y="0"/>
+          <a:ext cx="0" cy="0"/>
+          <a:chOff x="0" y="0"/>
+          <a:chExt cx="0" cy="0"/>
+        </a:xfrm>
+      </p:grpSpPr>
+      <p:sp>
+        <p:nvSpPr>
+          <p:cNvPr id="2" name="Образ слайда 1"/>
+          <p:cNvSpPr>
+            <a:spLocks noGrp="1" noRot="1" noChangeAspect="1"/>
+          </p:cNvSpPr>
+          <p:nvPr>
+            <p:ph type="sldImg"/>
+          </p:nvPr>
+        </p:nvSpPr>
+        <p:spPr/>
+      </p:sp>
+      <p:sp>
+        <p:nvSpPr>
+          <p:cNvPr id="3" name="Заметки 2"/>
+          <p:cNvSpPr>
+            <a:spLocks noGrp="1"/>
+          </p:cNvSpPr>
+          <p:nvPr>
+            <p:ph type="body" idx="1"/>
+          </p:nvPr>
+        </p:nvSpPr>
+        <p:spPr/>
+        <p:txBody>
+          <a:bodyPr/>
+          <a:lstStyle/>
           <a:p>
             <a:pPr marL="0" marR="0" indent="0" algn="l" defTabSz="914400" rtl="0" eaLnBrk="1" fontAlgn="auto" latinLnBrk="0" hangingPunct="1">
               <a:lnSpc>
@@ -3990,16 +6189,64 @@
               <a:defRPr/>
             </a:pPr>
             <a:r>
-              <a:rPr lang="ru-RU" sz="1200" b="0" i="0" kern="1200" dirty="0" smtClean="0">
-                <a:solidFill>
-                  <a:schemeClr val="tx1"/>
-                </a:solidFill>
-                <a:effectLst/>
-                <a:ea typeface="+mn-ea"/>
-                <a:cs typeface="+mn-cs"/>
-              </a:rPr>
-              <a:t>Как вакцина</a:t>
-            </a:r>
+              <a:rPr lang="en-US" sz="1200" kern="1200" dirty="0" smtClean="0">
+                <a:solidFill>
+                  <a:schemeClr val="tx1"/>
+                </a:solidFill>
+                <a:effectLst/>
+                <a:latin typeface="Roboto" panose="02000000000000000000" pitchFamily="2" charset="0"/>
+                <a:ea typeface="+mn-ea"/>
+                <a:cs typeface="+mn-cs"/>
+              </a:rPr>
+              <a:t/>
+            </a:r>
+            <a:br>
+              <a:rPr lang="en-US" sz="1200" kern="1200" dirty="0" smtClean="0">
+                <a:solidFill>
+                  <a:schemeClr val="tx1"/>
+                </a:solidFill>
+                <a:effectLst/>
+                <a:latin typeface="Roboto" panose="02000000000000000000" pitchFamily="2" charset="0"/>
+                <a:ea typeface="+mn-ea"/>
+                <a:cs typeface="+mn-cs"/>
+              </a:rPr>
+            </a:br>
+            <a:endParaRPr lang="en-US" sz="1200" kern="1200" dirty="0" smtClean="0">
+              <a:solidFill>
+                <a:schemeClr val="tx1"/>
+              </a:solidFill>
+              <a:effectLst/>
+              <a:latin typeface="Roboto" panose="02000000000000000000" pitchFamily="2" charset="0"/>
+              <a:ea typeface="+mn-ea"/>
+              <a:cs typeface="+mn-cs"/>
+            </a:endParaRPr>
+          </a:p>
+          <a:p>
+            <a:pPr marL="0" marR="0" indent="0" algn="l" defTabSz="914400" rtl="0" eaLnBrk="1" fontAlgn="auto" latinLnBrk="0" hangingPunct="1">
+              <a:lnSpc>
+                <a:spcPct val="100000"/>
+              </a:lnSpc>
+              <a:spcBef>
+                <a:spcPts val="0"/>
+              </a:spcBef>
+              <a:spcAft>
+                <a:spcPts val="0"/>
+              </a:spcAft>
+              <a:buClrTx/>
+              <a:buSzTx/>
+              <a:buFontTx/>
+              <a:buNone/>
+              <a:tabLst/>
+              <a:defRPr/>
+            </a:pPr>
+            <a:endParaRPr lang="ru-RU" sz="1200" b="0" i="0" kern="1200" dirty="0" smtClean="0">
+              <a:solidFill>
+                <a:schemeClr val="tx1"/>
+              </a:solidFill>
+              <a:effectLst/>
+              <a:ea typeface="+mn-ea"/>
+              <a:cs typeface="+mn-cs"/>
+            </a:endParaRPr>
           </a:p>
         </p:txBody>
       </p:sp>
@@ -4020,7 +6267,7 @@
           <a:p>
             <a:fld id="{158157BE-13C9-4B69-8B03-B7B56862D10D}" type="slidenum">
               <a:rPr lang="ru-RU" smtClean="0"/>
-              <a:t>28</a:t>
+              <a:t>34</a:t>
             </a:fld>
             <a:endParaRPr lang="ru-RU"/>
           </a:p>
@@ -4029,7 +6276,7 @@
     </p:spTree>
     <p:extLst>
       <p:ext uri="{BB962C8B-B14F-4D97-AF65-F5344CB8AC3E}">
-        <p14:creationId xmlns:p14="http://schemas.microsoft.com/office/powerpoint/2010/main" val="1827194461"/>
+        <p14:creationId xmlns:p14="http://schemas.microsoft.com/office/powerpoint/2010/main" val="3872154895"/>
       </p:ext>
     </p:extLst>
   </p:cSld>
@@ -4039,7 +6286,7 @@
 </p:notes>
 </file>
 
-<file path=ppt/notesSlides/notesSlide3.xml><?xml version="1.0" encoding="utf-8"?>
+<file path=ppt/notesSlides/notesSlide35.xml><?xml version="1.0" encoding="utf-8"?>
 <p:notes xmlns:a="http://schemas.openxmlformats.org/drawingml/2006/main" xmlns:r="http://schemas.openxmlformats.org/officeDocument/2006/relationships" xmlns:p="http://schemas.openxmlformats.org/presentationml/2006/main">
   <p:cSld>
     <p:spTree>
@@ -4083,17 +6330,34 @@
           <a:bodyPr/>
           <a:lstStyle/>
           <a:p>
-            <a:r>
-              <a:rPr lang="en-US" sz="1200" kern="1200" dirty="0" smtClean="0">
-                <a:solidFill>
-                  <a:schemeClr val="tx1"/>
-                </a:solidFill>
-                <a:effectLst/>
-                <a:latin typeface="Roboto" panose="02000000000000000000" pitchFamily="2" charset="0"/>
-                <a:ea typeface="+mn-ea"/>
-                <a:cs typeface="+mn-cs"/>
-              </a:rPr>
-              <a:t>In 1960 nobody knew what a programmer was. How many programmers were? A few thousand. What about 1950? A few hundred.</a:t>
+            <a:pPr marL="0" marR="0" indent="0" algn="l" defTabSz="914400" rtl="0" eaLnBrk="1" fontAlgn="auto" latinLnBrk="0" hangingPunct="1">
+              <a:lnSpc>
+                <a:spcPct val="100000"/>
+              </a:lnSpc>
+              <a:spcBef>
+                <a:spcPts val="0"/>
+              </a:spcBef>
+              <a:spcAft>
+                <a:spcPts val="0"/>
+              </a:spcAft>
+              <a:buClrTx/>
+              <a:buSzTx/>
+              <a:buFontTx/>
+              <a:buNone/>
+              <a:tabLst/>
+              <a:defRPr/>
+            </a:pPr>
+            <a:r>
+              <a:rPr lang="en-US" sz="1200" kern="1200" dirty="0" smtClean="0">
+                <a:solidFill>
+                  <a:schemeClr val="tx1"/>
+                </a:solidFill>
+                <a:effectLst/>
+                <a:latin typeface="Roboto" panose="02000000000000000000" pitchFamily="2" charset="0"/>
+                <a:ea typeface="+mn-ea"/>
+                <a:cs typeface="+mn-cs"/>
+              </a:rPr>
+              <a:t/>
             </a:r>
             <a:br>
               <a:rPr lang="en-US" sz="1200" kern="1200" dirty="0" smtClean="0">
@@ -4106,17 +6370,318 @@
                 <a:cs typeface="+mn-cs"/>
               </a:rPr>
             </a:br>
-            <a:r>
-              <a:rPr lang="en-US" sz="1200" kern="1200" dirty="0" smtClean="0">
-                <a:solidFill>
-                  <a:schemeClr val="tx1"/>
-                </a:solidFill>
-                <a:effectLst/>
-                <a:latin typeface="Roboto" panose="02000000000000000000" pitchFamily="2" charset="0"/>
-                <a:ea typeface="+mn-ea"/>
-                <a:cs typeface="+mn-cs"/>
-              </a:rPr>
-              <a:t>And when was there just one? 1946</a:t>
+            <a:endParaRPr lang="en-US" sz="1200" kern="1200" dirty="0" smtClean="0">
+              <a:solidFill>
+                <a:schemeClr val="tx1"/>
+              </a:solidFill>
+              <a:effectLst/>
+              <a:latin typeface="Roboto" panose="02000000000000000000" pitchFamily="2" charset="0"/>
+              <a:ea typeface="+mn-ea"/>
+              <a:cs typeface="+mn-cs"/>
+            </a:endParaRPr>
+          </a:p>
+          <a:p>
+            <a:pPr marL="0" marR="0" indent="0" algn="l" defTabSz="914400" rtl="0" eaLnBrk="1" fontAlgn="auto" latinLnBrk="0" hangingPunct="1">
+              <a:lnSpc>
+                <a:spcPct val="100000"/>
+              </a:lnSpc>
+              <a:spcBef>
+                <a:spcPts val="0"/>
+              </a:spcBef>
+              <a:spcAft>
+                <a:spcPts val="0"/>
+              </a:spcAft>
+              <a:buClrTx/>
+              <a:buSzTx/>
+              <a:buFontTx/>
+              <a:buNone/>
+              <a:tabLst/>
+              <a:defRPr/>
+            </a:pPr>
+            <a:endParaRPr lang="ru-RU" sz="1200" b="0" i="0" kern="1200" dirty="0" smtClean="0">
+              <a:solidFill>
+                <a:schemeClr val="tx1"/>
+              </a:solidFill>
+              <a:effectLst/>
+              <a:ea typeface="+mn-ea"/>
+              <a:cs typeface="+mn-cs"/>
+            </a:endParaRPr>
+          </a:p>
+        </p:txBody>
+      </p:sp>
+      <p:sp>
+        <p:nvSpPr>
+          <p:cNvPr id="4" name="Номер слайда 3"/>
+          <p:cNvSpPr>
+            <a:spLocks noGrp="1"/>
+          </p:cNvSpPr>
+          <p:nvPr>
+            <p:ph type="sldNum" sz="quarter" idx="10"/>
+          </p:nvPr>
+        </p:nvSpPr>
+        <p:spPr/>
+        <p:txBody>
+          <a:bodyPr/>
+          <a:lstStyle/>
+          <a:p>
+            <a:fld id="{158157BE-13C9-4B69-8B03-B7B56862D10D}" type="slidenum">
+              <a:rPr lang="ru-RU" smtClean="0"/>
+              <a:t>35</a:t>
+            </a:fld>
+            <a:endParaRPr lang="ru-RU"/>
+          </a:p>
+        </p:txBody>
+      </p:sp>
+    </p:spTree>
+    <p:extLst>
+      <p:ext uri="{BB962C8B-B14F-4D97-AF65-F5344CB8AC3E}">
+        <p14:creationId xmlns:p14="http://schemas.microsoft.com/office/powerpoint/2010/main" val="937892860"/>
+      </p:ext>
+    </p:extLst>
+  </p:cSld>
+  <p:clrMapOvr>
+    <a:masterClrMapping/>
+  </p:clrMapOvr>
+</p:notes>
+</file>
+
+<file path=ppt/notesSlides/notesSlide36.xml><?xml version="1.0" encoding="utf-8"?>
+<p:notes xmlns:a="http://schemas.openxmlformats.org/drawingml/2006/main" xmlns:r="http://schemas.openxmlformats.org/officeDocument/2006/relationships" xmlns:p="http://schemas.openxmlformats.org/presentationml/2006/main">
+  <p:cSld>
+    <p:spTree>
+      <p:nvGrpSpPr>
+        <p:cNvPr id="1" name=""/>
+        <p:cNvGrpSpPr/>
+        <p:nvPr/>
+      </p:nvGrpSpPr>
+      <p:grpSpPr>
+        <a:xfrm>
+          <a:off x="0" y="0"/>
+          <a:ext cx="0" cy="0"/>
+          <a:chOff x="0" y="0"/>
+          <a:chExt cx="0" cy="0"/>
+        </a:xfrm>
+      </p:grpSpPr>
+      <p:sp>
+        <p:nvSpPr>
+          <p:cNvPr id="2" name="Образ слайда 1"/>
+          <p:cNvSpPr>
+            <a:spLocks noGrp="1" noRot="1" noChangeAspect="1"/>
+          </p:cNvSpPr>
+          <p:nvPr>
+            <p:ph type="sldImg"/>
+          </p:nvPr>
+        </p:nvSpPr>
+        <p:spPr/>
+      </p:sp>
+      <p:sp>
+        <p:nvSpPr>
+          <p:cNvPr id="3" name="Заметки 2"/>
+          <p:cNvSpPr>
+            <a:spLocks noGrp="1"/>
+          </p:cNvSpPr>
+          <p:nvPr>
+            <p:ph type="body" idx="1"/>
+          </p:nvPr>
+        </p:nvSpPr>
+        <p:spPr/>
+        <p:txBody>
+          <a:bodyPr/>
+          <a:lstStyle/>
+          <a:p>
+            <a:pPr marL="0" marR="0" indent="0" algn="l" defTabSz="914400" rtl="0" eaLnBrk="1" fontAlgn="auto" latinLnBrk="0" hangingPunct="1">
+              <a:lnSpc>
+                <a:spcPct val="100000"/>
+              </a:lnSpc>
+              <a:spcBef>
+                <a:spcPts val="0"/>
+              </a:spcBef>
+              <a:spcAft>
+                <a:spcPts val="0"/>
+              </a:spcAft>
+              <a:buClrTx/>
+              <a:buSzTx/>
+              <a:buFontTx/>
+              <a:buNone/>
+              <a:tabLst/>
+              <a:defRPr/>
+            </a:pPr>
+            <a:r>
+              <a:rPr lang="en-US" sz="1200" kern="1200" dirty="0" smtClean="0">
+                <a:solidFill>
+                  <a:schemeClr val="tx1"/>
+                </a:solidFill>
+                <a:effectLst/>
+                <a:latin typeface="Roboto" panose="02000000000000000000" pitchFamily="2" charset="0"/>
+                <a:ea typeface="+mn-ea"/>
+                <a:cs typeface="+mn-cs"/>
+              </a:rPr>
+              <a:t/>
+            </a:r>
+            <a:br>
+              <a:rPr lang="en-US" sz="1200" kern="1200" dirty="0" smtClean="0">
+                <a:solidFill>
+                  <a:schemeClr val="tx1"/>
+                </a:solidFill>
+                <a:effectLst/>
+                <a:latin typeface="Roboto" panose="02000000000000000000" pitchFamily="2" charset="0"/>
+                <a:ea typeface="+mn-ea"/>
+                <a:cs typeface="+mn-cs"/>
+              </a:rPr>
+            </a:br>
+            <a:endParaRPr lang="en-US" sz="1200" kern="1200" dirty="0" smtClean="0">
+              <a:solidFill>
+                <a:schemeClr val="tx1"/>
+              </a:solidFill>
+              <a:effectLst/>
+              <a:latin typeface="Roboto" panose="02000000000000000000" pitchFamily="2" charset="0"/>
+              <a:ea typeface="+mn-ea"/>
+              <a:cs typeface="+mn-cs"/>
+            </a:endParaRPr>
+          </a:p>
+          <a:p>
+            <a:pPr marL="0" marR="0" indent="0" algn="l" defTabSz="914400" rtl="0" eaLnBrk="1" fontAlgn="auto" latinLnBrk="0" hangingPunct="1">
+              <a:lnSpc>
+                <a:spcPct val="100000"/>
+              </a:lnSpc>
+              <a:spcBef>
+                <a:spcPts val="0"/>
+              </a:spcBef>
+              <a:spcAft>
+                <a:spcPts val="0"/>
+              </a:spcAft>
+              <a:buClrTx/>
+              <a:buSzTx/>
+              <a:buFontTx/>
+              <a:buNone/>
+              <a:tabLst/>
+              <a:defRPr/>
+            </a:pPr>
+            <a:endParaRPr lang="ru-RU" sz="1200" b="0" i="0" kern="1200" dirty="0" smtClean="0">
+              <a:solidFill>
+                <a:schemeClr val="tx1"/>
+              </a:solidFill>
+              <a:effectLst/>
+              <a:ea typeface="+mn-ea"/>
+              <a:cs typeface="+mn-cs"/>
+            </a:endParaRPr>
+          </a:p>
+        </p:txBody>
+      </p:sp>
+      <p:sp>
+        <p:nvSpPr>
+          <p:cNvPr id="4" name="Номер слайда 3"/>
+          <p:cNvSpPr>
+            <a:spLocks noGrp="1"/>
+          </p:cNvSpPr>
+          <p:nvPr>
+            <p:ph type="sldNum" sz="quarter" idx="10"/>
+          </p:nvPr>
+        </p:nvSpPr>
+        <p:spPr/>
+        <p:txBody>
+          <a:bodyPr/>
+          <a:lstStyle/>
+          <a:p>
+            <a:fld id="{158157BE-13C9-4B69-8B03-B7B56862D10D}" type="slidenum">
+              <a:rPr lang="ru-RU" smtClean="0"/>
+              <a:t>36</a:t>
+            </a:fld>
+            <a:endParaRPr lang="ru-RU"/>
+          </a:p>
+        </p:txBody>
+      </p:sp>
+    </p:spTree>
+    <p:extLst>
+      <p:ext uri="{BB962C8B-B14F-4D97-AF65-F5344CB8AC3E}">
+        <p14:creationId xmlns:p14="http://schemas.microsoft.com/office/powerpoint/2010/main" val="4278492082"/>
+      </p:ext>
+    </p:extLst>
+  </p:cSld>
+  <p:clrMapOvr>
+    <a:masterClrMapping/>
+  </p:clrMapOvr>
+</p:notes>
+</file>
+
+<file path=ppt/notesSlides/notesSlide37.xml><?xml version="1.0" encoding="utf-8"?>
+<p:notes xmlns:a="http://schemas.openxmlformats.org/drawingml/2006/main" xmlns:r="http://schemas.openxmlformats.org/officeDocument/2006/relationships" xmlns:p="http://schemas.openxmlformats.org/presentationml/2006/main">
+  <p:cSld>
+    <p:spTree>
+      <p:nvGrpSpPr>
+        <p:cNvPr id="1" name=""/>
+        <p:cNvGrpSpPr/>
+        <p:nvPr/>
+      </p:nvGrpSpPr>
+      <p:grpSpPr>
+        <a:xfrm>
+          <a:off x="0" y="0"/>
+          <a:ext cx="0" cy="0"/>
+          <a:chOff x="0" y="0"/>
+          <a:chExt cx="0" cy="0"/>
+        </a:xfrm>
+      </p:grpSpPr>
+      <p:sp>
+        <p:nvSpPr>
+          <p:cNvPr id="2" name="Образ слайда 1"/>
+          <p:cNvSpPr>
+            <a:spLocks noGrp="1" noRot="1" noChangeAspect="1"/>
+          </p:cNvSpPr>
+          <p:nvPr>
+            <p:ph type="sldImg"/>
+          </p:nvPr>
+        </p:nvSpPr>
+        <p:spPr/>
+      </p:sp>
+      <p:sp>
+        <p:nvSpPr>
+          <p:cNvPr id="3" name="Заметки 2"/>
+          <p:cNvSpPr>
+            <a:spLocks noGrp="1"/>
+          </p:cNvSpPr>
+          <p:nvPr>
+            <p:ph type="body" idx="1"/>
+          </p:nvPr>
+        </p:nvSpPr>
+        <p:spPr/>
+        <p:txBody>
+          <a:bodyPr/>
+          <a:lstStyle/>
+          <a:p>
+            <a:r>
+              <a:rPr lang="en-US" sz="1200" kern="1200" dirty="0" smtClean="0">
+                <a:solidFill>
+                  <a:schemeClr val="tx1"/>
+                </a:solidFill>
+                <a:effectLst/>
+                <a:latin typeface="Roboto" panose="02000000000000000000" pitchFamily="2" charset="0"/>
+                <a:ea typeface="+mn-ea"/>
+                <a:cs typeface="+mn-cs"/>
+              </a:rPr>
+              <a:t>There are a lot of languages. But historically, the most popular one's have similar C-like syntax, so it is not that</a:t>
+            </a:r>
+            <a:br>
+              <a:rPr lang="en-US" sz="1200" kern="1200" dirty="0" smtClean="0">
+                <a:solidFill>
+                  <a:schemeClr val="tx1"/>
+                </a:solidFill>
+                <a:effectLst/>
+                <a:latin typeface="Roboto" panose="02000000000000000000" pitchFamily="2" charset="0"/>
+                <a:ea typeface="+mn-ea"/>
+                <a:cs typeface="+mn-cs"/>
+              </a:rPr>
+            </a:br>
+            <a:r>
+              <a:rPr lang="en-US" sz="1200" kern="1200" dirty="0" smtClean="0">
+                <a:solidFill>
+                  <a:schemeClr val="tx1"/>
+                </a:solidFill>
+                <a:effectLst/>
+                <a:latin typeface="Roboto" panose="02000000000000000000" pitchFamily="2" charset="0"/>
+                <a:ea typeface="+mn-ea"/>
+                <a:cs typeface="+mn-cs"/>
+              </a:rPr>
+              <a:t>important. What is important is the type system.</a:t>
             </a:r>
             <a:endParaRPr lang="en-US" sz="1200" kern="1200" dirty="0">
               <a:solidFill>
@@ -4147,7 +6712,7 @@
           <a:p>
             <a:fld id="{158157BE-13C9-4B69-8B03-B7B56862D10D}" type="slidenum">
               <a:rPr lang="ru-RU" smtClean="0"/>
-              <a:t>3</a:t>
+              <a:t>37</a:t>
             </a:fld>
             <a:endParaRPr lang="ru-RU"/>
           </a:p>
@@ -4156,7 +6721,379 @@
     </p:spTree>
     <p:extLst>
       <p:ext uri="{BB962C8B-B14F-4D97-AF65-F5344CB8AC3E}">
-        <p14:creationId xmlns:p14="http://schemas.microsoft.com/office/powerpoint/2010/main" val="918217740"/>
+        <p14:creationId xmlns:p14="http://schemas.microsoft.com/office/powerpoint/2010/main" val="1819962722"/>
+      </p:ext>
+    </p:extLst>
+  </p:cSld>
+  <p:clrMapOvr>
+    <a:masterClrMapping/>
+  </p:clrMapOvr>
+</p:notes>
+</file>
+
+<file path=ppt/notesSlides/notesSlide38.xml><?xml version="1.0" encoding="utf-8"?>
+<p:notes xmlns:a="http://schemas.openxmlformats.org/drawingml/2006/main" xmlns:r="http://schemas.openxmlformats.org/officeDocument/2006/relationships" xmlns:p="http://schemas.openxmlformats.org/presentationml/2006/main">
+  <p:cSld>
+    <p:spTree>
+      <p:nvGrpSpPr>
+        <p:cNvPr id="1" name=""/>
+        <p:cNvGrpSpPr/>
+        <p:nvPr/>
+      </p:nvGrpSpPr>
+      <p:grpSpPr>
+        <a:xfrm>
+          <a:off x="0" y="0"/>
+          <a:ext cx="0" cy="0"/>
+          <a:chOff x="0" y="0"/>
+          <a:chExt cx="0" cy="0"/>
+        </a:xfrm>
+      </p:grpSpPr>
+      <p:sp>
+        <p:nvSpPr>
+          <p:cNvPr id="2" name="Образ слайда 1"/>
+          <p:cNvSpPr>
+            <a:spLocks noGrp="1" noRot="1" noChangeAspect="1"/>
+          </p:cNvSpPr>
+          <p:nvPr>
+            <p:ph type="sldImg"/>
+          </p:nvPr>
+        </p:nvSpPr>
+        <p:spPr/>
+      </p:sp>
+      <p:sp>
+        <p:nvSpPr>
+          <p:cNvPr id="3" name="Заметки 2"/>
+          <p:cNvSpPr>
+            <a:spLocks noGrp="1"/>
+          </p:cNvSpPr>
+          <p:nvPr>
+            <p:ph type="body" idx="1"/>
+          </p:nvPr>
+        </p:nvSpPr>
+        <p:spPr/>
+        <p:txBody>
+          <a:bodyPr/>
+          <a:lstStyle/>
+          <a:p>
+            <a:endParaRPr lang="en-US" sz="1200" kern="1200" dirty="0">
+              <a:solidFill>
+                <a:schemeClr val="tx1"/>
+              </a:solidFill>
+              <a:effectLst/>
+              <a:latin typeface="Roboto" panose="02000000000000000000" pitchFamily="2" charset="0"/>
+              <a:ea typeface="+mn-ea"/>
+              <a:cs typeface="+mn-cs"/>
+            </a:endParaRPr>
+          </a:p>
+        </p:txBody>
+      </p:sp>
+      <p:sp>
+        <p:nvSpPr>
+          <p:cNvPr id="4" name="Номер слайда 3"/>
+          <p:cNvSpPr>
+            <a:spLocks noGrp="1"/>
+          </p:cNvSpPr>
+          <p:nvPr>
+            <p:ph type="sldNum" sz="quarter" idx="10"/>
+          </p:nvPr>
+        </p:nvSpPr>
+        <p:spPr/>
+        <p:txBody>
+          <a:bodyPr/>
+          <a:lstStyle/>
+          <a:p>
+            <a:fld id="{158157BE-13C9-4B69-8B03-B7B56862D10D}" type="slidenum">
+              <a:rPr lang="ru-RU" smtClean="0"/>
+              <a:t>38</a:t>
+            </a:fld>
+            <a:endParaRPr lang="ru-RU"/>
+          </a:p>
+        </p:txBody>
+      </p:sp>
+    </p:spTree>
+    <p:extLst>
+      <p:ext uri="{BB962C8B-B14F-4D97-AF65-F5344CB8AC3E}">
+        <p14:creationId xmlns:p14="http://schemas.microsoft.com/office/powerpoint/2010/main" val="2599610361"/>
+      </p:ext>
+    </p:extLst>
+  </p:cSld>
+  <p:clrMapOvr>
+    <a:masterClrMapping/>
+  </p:clrMapOvr>
+</p:notes>
+</file>
+
+<file path=ppt/notesSlides/notesSlide39.xml><?xml version="1.0" encoding="utf-8"?>
+<p:notes xmlns:a="http://schemas.openxmlformats.org/drawingml/2006/main" xmlns:r="http://schemas.openxmlformats.org/officeDocument/2006/relationships" xmlns:p="http://schemas.openxmlformats.org/presentationml/2006/main">
+  <p:cSld>
+    <p:spTree>
+      <p:nvGrpSpPr>
+        <p:cNvPr id="1" name=""/>
+        <p:cNvGrpSpPr/>
+        <p:nvPr/>
+      </p:nvGrpSpPr>
+      <p:grpSpPr>
+        <a:xfrm>
+          <a:off x="0" y="0"/>
+          <a:ext cx="0" cy="0"/>
+          <a:chOff x="0" y="0"/>
+          <a:chExt cx="0" cy="0"/>
+        </a:xfrm>
+      </p:grpSpPr>
+      <p:sp>
+        <p:nvSpPr>
+          <p:cNvPr id="2" name="Образ слайда 1"/>
+          <p:cNvSpPr>
+            <a:spLocks noGrp="1" noRot="1" noChangeAspect="1"/>
+          </p:cNvSpPr>
+          <p:nvPr>
+            <p:ph type="sldImg"/>
+          </p:nvPr>
+        </p:nvSpPr>
+        <p:spPr/>
+      </p:sp>
+      <p:sp>
+        <p:nvSpPr>
+          <p:cNvPr id="3" name="Заметки 2"/>
+          <p:cNvSpPr>
+            <a:spLocks noGrp="1"/>
+          </p:cNvSpPr>
+          <p:nvPr>
+            <p:ph type="body" idx="1"/>
+          </p:nvPr>
+        </p:nvSpPr>
+        <p:spPr/>
+        <p:txBody>
+          <a:bodyPr/>
+          <a:lstStyle/>
+          <a:p>
+            <a:pPr marL="0" marR="0" indent="0" algn="l" defTabSz="914400" rtl="0" eaLnBrk="1" fontAlgn="auto" latinLnBrk="0" hangingPunct="1">
+              <a:lnSpc>
+                <a:spcPct val="100000"/>
+              </a:lnSpc>
+              <a:spcBef>
+                <a:spcPts val="0"/>
+              </a:spcBef>
+              <a:spcAft>
+                <a:spcPts val="0"/>
+              </a:spcAft>
+              <a:buClrTx/>
+              <a:buSzTx/>
+              <a:buFontTx/>
+              <a:buNone/>
+              <a:tabLst/>
+              <a:defRPr/>
+            </a:pPr>
+            <a:r>
+              <a:rPr lang="en-US" sz="1200" kern="1200" dirty="0" smtClean="0">
+                <a:solidFill>
+                  <a:schemeClr val="tx1"/>
+                </a:solidFill>
+                <a:effectLst/>
+                <a:latin typeface="Roboto" panose="02000000000000000000" pitchFamily="2" charset="0"/>
+                <a:ea typeface="+mn-ea"/>
+                <a:cs typeface="+mn-cs"/>
+              </a:rPr>
+              <a:t>* Static - types are determined on the phase of writing a program</a:t>
+            </a:r>
+            <a:br>
+              <a:rPr lang="en-US" sz="1200" kern="1200" dirty="0" smtClean="0">
+                <a:solidFill>
+                  <a:schemeClr val="tx1"/>
+                </a:solidFill>
+                <a:effectLst/>
+                <a:latin typeface="Roboto" panose="02000000000000000000" pitchFamily="2" charset="0"/>
+                <a:ea typeface="+mn-ea"/>
+                <a:cs typeface="+mn-cs"/>
+              </a:rPr>
+            </a:br>
+            <a:r>
+              <a:rPr lang="en-US" sz="1200" kern="1200" dirty="0" smtClean="0">
+                <a:solidFill>
+                  <a:schemeClr val="tx1"/>
+                </a:solidFill>
+                <a:effectLst/>
+                <a:latin typeface="Roboto" panose="02000000000000000000" pitchFamily="2" charset="0"/>
+                <a:ea typeface="+mn-ea"/>
+                <a:cs typeface="+mn-cs"/>
+              </a:rPr>
+              <a:t>* Dynamic - types are determined on runtime</a:t>
+            </a:r>
+            <a:br>
+              <a:rPr lang="en-US" sz="1200" kern="1200" dirty="0" smtClean="0">
+                <a:solidFill>
+                  <a:schemeClr val="tx1"/>
+                </a:solidFill>
+                <a:effectLst/>
+                <a:latin typeface="Roboto" panose="02000000000000000000" pitchFamily="2" charset="0"/>
+                <a:ea typeface="+mn-ea"/>
+                <a:cs typeface="+mn-cs"/>
+              </a:rPr>
+            </a:br>
+            <a:r>
+              <a:rPr lang="en-US" sz="1200" kern="1200" dirty="0" smtClean="0">
+                <a:solidFill>
+                  <a:schemeClr val="tx1"/>
+                </a:solidFill>
+                <a:effectLst/>
+                <a:latin typeface="Roboto" panose="02000000000000000000" pitchFamily="2" charset="0"/>
+                <a:ea typeface="+mn-ea"/>
+                <a:cs typeface="+mn-cs"/>
+              </a:rPr>
+              <a:t/>
+            </a:r>
+            <a:br>
+              <a:rPr lang="en-US" sz="1200" kern="1200" dirty="0" smtClean="0">
+                <a:solidFill>
+                  <a:schemeClr val="tx1"/>
+                </a:solidFill>
+                <a:effectLst/>
+                <a:latin typeface="Roboto" panose="02000000000000000000" pitchFamily="2" charset="0"/>
+                <a:ea typeface="+mn-ea"/>
+                <a:cs typeface="+mn-cs"/>
+              </a:rPr>
+            </a:br>
+            <a:r>
+              <a:rPr lang="en-US" sz="1200" kern="1200" dirty="0" smtClean="0">
+                <a:solidFill>
+                  <a:schemeClr val="tx1"/>
+                </a:solidFill>
+                <a:effectLst/>
+                <a:latin typeface="Roboto" panose="02000000000000000000" pitchFamily="2" charset="0"/>
+                <a:ea typeface="+mn-ea"/>
+                <a:cs typeface="+mn-cs"/>
+              </a:rPr>
+              <a:t>* Weak - values of unrelated types can be substituted</a:t>
+            </a:r>
+            <a:br>
+              <a:rPr lang="en-US" sz="1200" kern="1200" dirty="0" smtClean="0">
+                <a:solidFill>
+                  <a:schemeClr val="tx1"/>
+                </a:solidFill>
+                <a:effectLst/>
+                <a:latin typeface="Roboto" panose="02000000000000000000" pitchFamily="2" charset="0"/>
+                <a:ea typeface="+mn-ea"/>
+                <a:cs typeface="+mn-cs"/>
+              </a:rPr>
+            </a:br>
+            <a:r>
+              <a:rPr lang="en-US" sz="1200" kern="1200" dirty="0" smtClean="0">
+                <a:solidFill>
+                  <a:schemeClr val="tx1"/>
+                </a:solidFill>
+                <a:effectLst/>
+                <a:latin typeface="Roboto" panose="02000000000000000000" pitchFamily="2" charset="0"/>
+                <a:ea typeface="+mn-ea"/>
+                <a:cs typeface="+mn-cs"/>
+              </a:rPr>
+              <a:t>* Strong - only values of compatible types can be substituted</a:t>
+            </a:r>
+          </a:p>
+          <a:p>
+            <a:endParaRPr lang="en-US" sz="1200" kern="1200" dirty="0" smtClean="0">
+              <a:solidFill>
+                <a:schemeClr val="tx1"/>
+              </a:solidFill>
+              <a:effectLst/>
+              <a:latin typeface="Roboto" panose="02000000000000000000" pitchFamily="2" charset="0"/>
+              <a:ea typeface="+mn-ea"/>
+              <a:cs typeface="+mn-cs"/>
+            </a:endParaRPr>
+          </a:p>
+          <a:p>
+            <a:pPr marL="0" marR="0" indent="0" algn="l" defTabSz="914400" rtl="0" eaLnBrk="1" fontAlgn="auto" latinLnBrk="0" hangingPunct="1">
+              <a:lnSpc>
+                <a:spcPct val="100000"/>
+              </a:lnSpc>
+              <a:spcBef>
+                <a:spcPts val="0"/>
+              </a:spcBef>
+              <a:spcAft>
+                <a:spcPts val="0"/>
+              </a:spcAft>
+              <a:buClrTx/>
+              <a:buSzTx/>
+              <a:buFontTx/>
+              <a:buNone/>
+              <a:tabLst/>
+              <a:defRPr/>
+            </a:pPr>
+            <a:r>
+              <a:rPr lang="en-US" sz="1200" kern="1200" dirty="0" smtClean="0">
+                <a:solidFill>
+                  <a:schemeClr val="tx1"/>
+                </a:solidFill>
+                <a:effectLst/>
+                <a:latin typeface="Roboto" panose="02000000000000000000" pitchFamily="2" charset="0"/>
+                <a:ea typeface="+mn-ea"/>
+                <a:cs typeface="+mn-cs"/>
+              </a:rPr>
+              <a:t>There are of course other subgroups like (nominal or structural types, type variance support, soundness, algebraic</a:t>
+            </a:r>
+            <a:br>
+              <a:rPr lang="en-US" sz="1200" kern="1200" dirty="0" smtClean="0">
+                <a:solidFill>
+                  <a:schemeClr val="tx1"/>
+                </a:solidFill>
+                <a:effectLst/>
+                <a:latin typeface="Roboto" panose="02000000000000000000" pitchFamily="2" charset="0"/>
+                <a:ea typeface="+mn-ea"/>
+                <a:cs typeface="+mn-cs"/>
+              </a:rPr>
+            </a:br>
+            <a:r>
+              <a:rPr lang="en-US" sz="1200" kern="1200" dirty="0" smtClean="0">
+                <a:solidFill>
+                  <a:schemeClr val="tx1"/>
+                </a:solidFill>
+                <a:effectLst/>
+                <a:latin typeface="Roboto" panose="02000000000000000000" pitchFamily="2" charset="0"/>
+                <a:ea typeface="+mn-ea"/>
+                <a:cs typeface="+mn-cs"/>
+              </a:rPr>
+              <a:t>support etc.)</a:t>
+            </a:r>
+          </a:p>
+          <a:p>
+            <a:endParaRPr lang="en-US" sz="1200" kern="1200" dirty="0">
+              <a:solidFill>
+                <a:schemeClr val="tx1"/>
+              </a:solidFill>
+              <a:effectLst/>
+              <a:latin typeface="Roboto" panose="02000000000000000000" pitchFamily="2" charset="0"/>
+              <a:ea typeface="+mn-ea"/>
+              <a:cs typeface="+mn-cs"/>
+            </a:endParaRPr>
+          </a:p>
+        </p:txBody>
+      </p:sp>
+      <p:sp>
+        <p:nvSpPr>
+          <p:cNvPr id="4" name="Номер слайда 3"/>
+          <p:cNvSpPr>
+            <a:spLocks noGrp="1"/>
+          </p:cNvSpPr>
+          <p:nvPr>
+            <p:ph type="sldNum" sz="quarter" idx="10"/>
+          </p:nvPr>
+        </p:nvSpPr>
+        <p:spPr/>
+        <p:txBody>
+          <a:bodyPr/>
+          <a:lstStyle/>
+          <a:p>
+            <a:fld id="{158157BE-13C9-4B69-8B03-B7B56862D10D}" type="slidenum">
+              <a:rPr lang="ru-RU" smtClean="0"/>
+              <a:t>39</a:t>
+            </a:fld>
+            <a:endParaRPr lang="ru-RU"/>
+          </a:p>
+        </p:txBody>
+      </p:sp>
+    </p:spTree>
+    <p:extLst>
+      <p:ext uri="{BB962C8B-B14F-4D97-AF65-F5344CB8AC3E}">
+        <p14:creationId xmlns:p14="http://schemas.microsoft.com/office/powerpoint/2010/main" val="2513932449"/>
       </p:ext>
     </p:extLst>
   </p:cSld>
@@ -4637,6 +7574,717 @@
     <p:extLst>
       <p:ext uri="{BB962C8B-B14F-4D97-AF65-F5344CB8AC3E}">
         <p14:creationId xmlns:p14="http://schemas.microsoft.com/office/powerpoint/2010/main" val="3631090691"/>
+      </p:ext>
+    </p:extLst>
+  </p:cSld>
+  <p:clrMapOvr>
+    <a:masterClrMapping/>
+  </p:clrMapOvr>
+</p:notes>
+</file>
+
+<file path=ppt/notesSlides/notesSlide40.xml><?xml version="1.0" encoding="utf-8"?>
+<p:notes xmlns:a="http://schemas.openxmlformats.org/drawingml/2006/main" xmlns:r="http://schemas.openxmlformats.org/officeDocument/2006/relationships" xmlns:p="http://schemas.openxmlformats.org/presentationml/2006/main">
+  <p:cSld>
+    <p:spTree>
+      <p:nvGrpSpPr>
+        <p:cNvPr id="1" name=""/>
+        <p:cNvGrpSpPr/>
+        <p:nvPr/>
+      </p:nvGrpSpPr>
+      <p:grpSpPr>
+        <a:xfrm>
+          <a:off x="0" y="0"/>
+          <a:ext cx="0" cy="0"/>
+          <a:chOff x="0" y="0"/>
+          <a:chExt cx="0" cy="0"/>
+        </a:xfrm>
+      </p:grpSpPr>
+      <p:sp>
+        <p:nvSpPr>
+          <p:cNvPr id="2" name="Образ слайда 1"/>
+          <p:cNvSpPr>
+            <a:spLocks noGrp="1" noRot="1" noChangeAspect="1"/>
+          </p:cNvSpPr>
+          <p:nvPr>
+            <p:ph type="sldImg"/>
+          </p:nvPr>
+        </p:nvSpPr>
+        <p:spPr/>
+      </p:sp>
+      <p:sp>
+        <p:nvSpPr>
+          <p:cNvPr id="3" name="Заметки 2"/>
+          <p:cNvSpPr>
+            <a:spLocks noGrp="1"/>
+          </p:cNvSpPr>
+          <p:nvPr>
+            <p:ph type="body" idx="1"/>
+          </p:nvPr>
+        </p:nvSpPr>
+        <p:spPr/>
+        <p:txBody>
+          <a:bodyPr/>
+          <a:lstStyle/>
+          <a:p>
+            <a:pPr marL="0" marR="0" indent="0" algn="l" defTabSz="914400" rtl="0" eaLnBrk="1" fontAlgn="auto" latinLnBrk="0" hangingPunct="1">
+              <a:lnSpc>
+                <a:spcPct val="100000"/>
+              </a:lnSpc>
+              <a:spcBef>
+                <a:spcPts val="0"/>
+              </a:spcBef>
+              <a:spcAft>
+                <a:spcPts val="0"/>
+              </a:spcAft>
+              <a:buClrTx/>
+              <a:buSzTx/>
+              <a:buFontTx/>
+              <a:buNone/>
+              <a:tabLst/>
+              <a:defRPr/>
+            </a:pPr>
+            <a:r>
+              <a:rPr lang="en-US" sz="1200" kern="1200" dirty="0" smtClean="0">
+                <a:solidFill>
+                  <a:schemeClr val="tx1"/>
+                </a:solidFill>
+                <a:effectLst/>
+                <a:latin typeface="Roboto" panose="02000000000000000000" pitchFamily="2" charset="0"/>
+                <a:ea typeface="+mn-ea"/>
+                <a:cs typeface="+mn-cs"/>
+              </a:rPr>
+              <a:t>For a lot of purposes the most popular ones are languages with static strong type system. It provides the highest</a:t>
+            </a:r>
+            <a:br>
+              <a:rPr lang="en-US" sz="1200" kern="1200" dirty="0" smtClean="0">
+                <a:solidFill>
+                  <a:schemeClr val="tx1"/>
+                </a:solidFill>
+                <a:effectLst/>
+                <a:latin typeface="Roboto" panose="02000000000000000000" pitchFamily="2" charset="0"/>
+                <a:ea typeface="+mn-ea"/>
+                <a:cs typeface="+mn-cs"/>
+              </a:rPr>
+            </a:br>
+            <a:r>
+              <a:rPr lang="en-US" sz="1200" kern="1200" dirty="0" smtClean="0">
+                <a:solidFill>
+                  <a:schemeClr val="tx1"/>
+                </a:solidFill>
+                <a:effectLst/>
+                <a:latin typeface="Roboto" panose="02000000000000000000" pitchFamily="2" charset="0"/>
+                <a:ea typeface="+mn-ea"/>
+                <a:cs typeface="+mn-cs"/>
+              </a:rPr>
+              <a:t>protection against bugs and allows to model behavior in most precise way.</a:t>
+            </a:r>
+          </a:p>
+          <a:p>
+            <a:pPr marL="0" marR="0" indent="0" algn="l" defTabSz="914400" rtl="0" eaLnBrk="1" fontAlgn="auto" latinLnBrk="0" hangingPunct="1">
+              <a:lnSpc>
+                <a:spcPct val="100000"/>
+              </a:lnSpc>
+              <a:spcBef>
+                <a:spcPts val="0"/>
+              </a:spcBef>
+              <a:spcAft>
+                <a:spcPts val="0"/>
+              </a:spcAft>
+              <a:buClrTx/>
+              <a:buSzTx/>
+              <a:buFontTx/>
+              <a:buNone/>
+              <a:tabLst/>
+              <a:defRPr/>
+            </a:pPr>
+            <a:endParaRPr lang="ru-RU" sz="1200" b="0" i="0" kern="1200" dirty="0" smtClean="0">
+              <a:solidFill>
+                <a:schemeClr val="tx1"/>
+              </a:solidFill>
+              <a:effectLst/>
+              <a:ea typeface="+mn-ea"/>
+              <a:cs typeface="+mn-cs"/>
+            </a:endParaRPr>
+          </a:p>
+        </p:txBody>
+      </p:sp>
+      <p:sp>
+        <p:nvSpPr>
+          <p:cNvPr id="4" name="Номер слайда 3"/>
+          <p:cNvSpPr>
+            <a:spLocks noGrp="1"/>
+          </p:cNvSpPr>
+          <p:nvPr>
+            <p:ph type="sldNum" sz="quarter" idx="10"/>
+          </p:nvPr>
+        </p:nvSpPr>
+        <p:spPr/>
+        <p:txBody>
+          <a:bodyPr/>
+          <a:lstStyle/>
+          <a:p>
+            <a:fld id="{158157BE-13C9-4B69-8B03-B7B56862D10D}" type="slidenum">
+              <a:rPr lang="ru-RU" smtClean="0"/>
+              <a:t>40</a:t>
+            </a:fld>
+            <a:endParaRPr lang="ru-RU"/>
+          </a:p>
+        </p:txBody>
+      </p:sp>
+    </p:spTree>
+    <p:extLst>
+      <p:ext uri="{BB962C8B-B14F-4D97-AF65-F5344CB8AC3E}">
+        <p14:creationId xmlns:p14="http://schemas.microsoft.com/office/powerpoint/2010/main" val="2191121341"/>
+      </p:ext>
+    </p:extLst>
+  </p:cSld>
+  <p:clrMapOvr>
+    <a:masterClrMapping/>
+  </p:clrMapOvr>
+</p:notes>
+</file>
+
+<file path=ppt/notesSlides/notesSlide41.xml><?xml version="1.0" encoding="utf-8"?>
+<p:notes xmlns:a="http://schemas.openxmlformats.org/drawingml/2006/main" xmlns:r="http://schemas.openxmlformats.org/officeDocument/2006/relationships" xmlns:p="http://schemas.openxmlformats.org/presentationml/2006/main">
+  <p:cSld>
+    <p:spTree>
+      <p:nvGrpSpPr>
+        <p:cNvPr id="1" name=""/>
+        <p:cNvGrpSpPr/>
+        <p:nvPr/>
+      </p:nvGrpSpPr>
+      <p:grpSpPr>
+        <a:xfrm>
+          <a:off x="0" y="0"/>
+          <a:ext cx="0" cy="0"/>
+          <a:chOff x="0" y="0"/>
+          <a:chExt cx="0" cy="0"/>
+        </a:xfrm>
+      </p:grpSpPr>
+      <p:sp>
+        <p:nvSpPr>
+          <p:cNvPr id="2" name="Образ слайда 1"/>
+          <p:cNvSpPr>
+            <a:spLocks noGrp="1" noRot="1" noChangeAspect="1"/>
+          </p:cNvSpPr>
+          <p:nvPr>
+            <p:ph type="sldImg"/>
+          </p:nvPr>
+        </p:nvSpPr>
+        <p:spPr/>
+      </p:sp>
+      <p:sp>
+        <p:nvSpPr>
+          <p:cNvPr id="3" name="Заметки 2"/>
+          <p:cNvSpPr>
+            <a:spLocks noGrp="1"/>
+          </p:cNvSpPr>
+          <p:nvPr>
+            <p:ph type="body" idx="1"/>
+          </p:nvPr>
+        </p:nvSpPr>
+        <p:spPr/>
+        <p:txBody>
+          <a:bodyPr/>
+          <a:lstStyle/>
+          <a:p>
+            <a:pPr marL="0" marR="0" indent="0" algn="l" defTabSz="914400" rtl="0" eaLnBrk="1" fontAlgn="auto" latinLnBrk="0" hangingPunct="1">
+              <a:lnSpc>
+                <a:spcPct val="100000"/>
+              </a:lnSpc>
+              <a:spcBef>
+                <a:spcPts val="0"/>
+              </a:spcBef>
+              <a:spcAft>
+                <a:spcPts val="0"/>
+              </a:spcAft>
+              <a:buClrTx/>
+              <a:buSzTx/>
+              <a:buFontTx/>
+              <a:buNone/>
+              <a:tabLst/>
+              <a:defRPr/>
+            </a:pPr>
+            <a:r>
+              <a:rPr lang="ru-RU" sz="1200" b="0" i="0" kern="1200" dirty="0" smtClean="0">
+                <a:solidFill>
+                  <a:schemeClr val="tx1"/>
+                </a:solidFill>
+                <a:effectLst/>
+                <a:ea typeface="+mn-ea"/>
+                <a:cs typeface="+mn-cs"/>
+              </a:rPr>
+              <a:t>Можно</a:t>
+            </a:r>
+            <a:r>
+              <a:rPr lang="en-US" sz="1200" b="0" i="0" kern="1200" baseline="0" dirty="0" smtClean="0">
+                <a:solidFill>
+                  <a:schemeClr val="tx1"/>
+                </a:solidFill>
+                <a:effectLst/>
+                <a:ea typeface="+mn-ea"/>
+                <a:cs typeface="+mn-cs"/>
+              </a:rPr>
+              <a:t>, </a:t>
+            </a:r>
+            <a:r>
+              <a:rPr lang="ru-RU" sz="1200" b="0" i="0" kern="1200" baseline="0" dirty="0" smtClean="0">
+                <a:solidFill>
+                  <a:schemeClr val="tx1"/>
+                </a:solidFill>
+                <a:effectLst/>
+                <a:ea typeface="+mn-ea"/>
+                <a:cs typeface="+mn-cs"/>
+              </a:rPr>
+              <a:t>но сложность таких проектов минимальна</a:t>
+            </a:r>
+            <a:r>
+              <a:rPr lang="en-US" sz="1200" b="0" i="0" kern="1200" baseline="0" dirty="0" smtClean="0">
+                <a:solidFill>
+                  <a:schemeClr val="tx1"/>
+                </a:solidFill>
+                <a:effectLst/>
+                <a:ea typeface="+mn-ea"/>
+                <a:cs typeface="+mn-cs"/>
+              </a:rPr>
+              <a:t>, </a:t>
+            </a:r>
+            <a:r>
+              <a:rPr lang="ru-RU" sz="1200" b="0" i="0" kern="1200" baseline="0" dirty="0" smtClean="0">
+                <a:solidFill>
+                  <a:schemeClr val="tx1"/>
+                </a:solidFill>
+                <a:effectLst/>
+                <a:ea typeface="+mn-ea"/>
+                <a:cs typeface="+mn-cs"/>
+              </a:rPr>
+              <a:t>как и оплата </a:t>
+            </a:r>
+            <a:r>
+              <a:rPr lang="ru-RU" sz="1200" b="0" i="0" kern="1200" baseline="0" dirty="0" err="1" smtClean="0">
+                <a:solidFill>
+                  <a:schemeClr val="tx1"/>
+                </a:solidFill>
+                <a:effectLst/>
+                <a:ea typeface="+mn-ea"/>
+                <a:cs typeface="+mn-cs"/>
+              </a:rPr>
+              <a:t>вследствии</a:t>
+            </a:r>
+            <a:r>
+              <a:rPr lang="ru-RU" sz="1200" b="0" i="0" kern="1200" baseline="0" dirty="0" smtClean="0">
+                <a:solidFill>
+                  <a:schemeClr val="tx1"/>
+                </a:solidFill>
+                <a:effectLst/>
+                <a:ea typeface="+mn-ea"/>
+                <a:cs typeface="+mn-cs"/>
+              </a:rPr>
+              <a:t>. Компании обычно пытаются таким образом сэкономить на разработчике</a:t>
+            </a:r>
+            <a:endParaRPr lang="ru-RU" sz="1200" b="0" i="0" kern="1200" dirty="0" smtClean="0">
+              <a:solidFill>
+                <a:schemeClr val="tx1"/>
+              </a:solidFill>
+              <a:effectLst/>
+              <a:ea typeface="+mn-ea"/>
+              <a:cs typeface="+mn-cs"/>
+            </a:endParaRPr>
+          </a:p>
+        </p:txBody>
+      </p:sp>
+      <p:sp>
+        <p:nvSpPr>
+          <p:cNvPr id="4" name="Номер слайда 3"/>
+          <p:cNvSpPr>
+            <a:spLocks noGrp="1"/>
+          </p:cNvSpPr>
+          <p:nvPr>
+            <p:ph type="sldNum" sz="quarter" idx="10"/>
+          </p:nvPr>
+        </p:nvSpPr>
+        <p:spPr/>
+        <p:txBody>
+          <a:bodyPr/>
+          <a:lstStyle/>
+          <a:p>
+            <a:fld id="{158157BE-13C9-4B69-8B03-B7B56862D10D}" type="slidenum">
+              <a:rPr lang="ru-RU" smtClean="0"/>
+              <a:t>41</a:t>
+            </a:fld>
+            <a:endParaRPr lang="ru-RU"/>
+          </a:p>
+        </p:txBody>
+      </p:sp>
+    </p:spTree>
+    <p:extLst>
+      <p:ext uri="{BB962C8B-B14F-4D97-AF65-F5344CB8AC3E}">
+        <p14:creationId xmlns:p14="http://schemas.microsoft.com/office/powerpoint/2010/main" val="309637999"/>
+      </p:ext>
+    </p:extLst>
+  </p:cSld>
+  <p:clrMapOvr>
+    <a:masterClrMapping/>
+  </p:clrMapOvr>
+</p:notes>
+</file>
+
+<file path=ppt/notesSlides/notesSlide42.xml><?xml version="1.0" encoding="utf-8"?>
+<p:notes xmlns:a="http://schemas.openxmlformats.org/drawingml/2006/main" xmlns:r="http://schemas.openxmlformats.org/officeDocument/2006/relationships" xmlns:p="http://schemas.openxmlformats.org/presentationml/2006/main">
+  <p:cSld>
+    <p:spTree>
+      <p:nvGrpSpPr>
+        <p:cNvPr id="1" name=""/>
+        <p:cNvGrpSpPr/>
+        <p:nvPr/>
+      </p:nvGrpSpPr>
+      <p:grpSpPr>
+        <a:xfrm>
+          <a:off x="0" y="0"/>
+          <a:ext cx="0" cy="0"/>
+          <a:chOff x="0" y="0"/>
+          <a:chExt cx="0" cy="0"/>
+        </a:xfrm>
+      </p:grpSpPr>
+      <p:sp>
+        <p:nvSpPr>
+          <p:cNvPr id="2" name="Образ слайда 1"/>
+          <p:cNvSpPr>
+            <a:spLocks noGrp="1" noRot="1" noChangeAspect="1"/>
+          </p:cNvSpPr>
+          <p:nvPr>
+            <p:ph type="sldImg"/>
+          </p:nvPr>
+        </p:nvSpPr>
+        <p:spPr/>
+      </p:sp>
+      <p:sp>
+        <p:nvSpPr>
+          <p:cNvPr id="3" name="Заметки 2"/>
+          <p:cNvSpPr>
+            <a:spLocks noGrp="1"/>
+          </p:cNvSpPr>
+          <p:nvPr>
+            <p:ph type="body" idx="1"/>
+          </p:nvPr>
+        </p:nvSpPr>
+        <p:spPr/>
+        <p:txBody>
+          <a:bodyPr/>
+          <a:lstStyle/>
+          <a:p>
+            <a:pPr marL="0" marR="0" indent="0" algn="l" defTabSz="914400" rtl="0" eaLnBrk="1" fontAlgn="auto" latinLnBrk="0" hangingPunct="1">
+              <a:lnSpc>
+                <a:spcPct val="100000"/>
+              </a:lnSpc>
+              <a:spcBef>
+                <a:spcPts val="0"/>
+              </a:spcBef>
+              <a:spcAft>
+                <a:spcPts val="0"/>
+              </a:spcAft>
+              <a:buClrTx/>
+              <a:buSzTx/>
+              <a:buFontTx/>
+              <a:buNone/>
+              <a:tabLst/>
+              <a:defRPr/>
+            </a:pPr>
+            <a:r>
+              <a:rPr lang="ru-RU" sz="1200" b="0" i="0" kern="1200" dirty="0" smtClean="0">
+                <a:solidFill>
+                  <a:schemeClr val="tx1"/>
+                </a:solidFill>
+                <a:effectLst/>
+                <a:ea typeface="+mn-ea"/>
+                <a:cs typeface="+mn-cs"/>
+              </a:rPr>
+              <a:t>есть проект с низкой производительностью труда, где она вызвана эффектами исходящими от плохой структуры ПО. Подавляющие</a:t>
+            </a:r>
+            <a:r>
+              <a:rPr lang="ru-RU" sz="1200" b="0" i="0" kern="1200" baseline="0" dirty="0" smtClean="0">
+                <a:solidFill>
+                  <a:schemeClr val="tx1"/>
+                </a:solidFill>
+                <a:effectLst/>
+                <a:ea typeface="+mn-ea"/>
+                <a:cs typeface="+mn-cs"/>
+              </a:rPr>
+              <a:t> кол-во времени придется работать именно с таким</a:t>
+            </a:r>
+            <a:endParaRPr lang="ru-RU" sz="1200" b="0" i="0" kern="1200" dirty="0" smtClean="0">
+              <a:solidFill>
+                <a:schemeClr val="tx1"/>
+              </a:solidFill>
+              <a:effectLst/>
+              <a:ea typeface="+mn-ea"/>
+              <a:cs typeface="+mn-cs"/>
+            </a:endParaRPr>
+          </a:p>
+        </p:txBody>
+      </p:sp>
+      <p:sp>
+        <p:nvSpPr>
+          <p:cNvPr id="4" name="Номер слайда 3"/>
+          <p:cNvSpPr>
+            <a:spLocks noGrp="1"/>
+          </p:cNvSpPr>
+          <p:nvPr>
+            <p:ph type="sldNum" sz="quarter" idx="10"/>
+          </p:nvPr>
+        </p:nvSpPr>
+        <p:spPr/>
+        <p:txBody>
+          <a:bodyPr/>
+          <a:lstStyle/>
+          <a:p>
+            <a:fld id="{158157BE-13C9-4B69-8B03-B7B56862D10D}" type="slidenum">
+              <a:rPr lang="ru-RU" smtClean="0"/>
+              <a:t>42</a:t>
+            </a:fld>
+            <a:endParaRPr lang="ru-RU"/>
+          </a:p>
+        </p:txBody>
+      </p:sp>
+    </p:spTree>
+    <p:extLst>
+      <p:ext uri="{BB962C8B-B14F-4D97-AF65-F5344CB8AC3E}">
+        <p14:creationId xmlns:p14="http://schemas.microsoft.com/office/powerpoint/2010/main" val="468287456"/>
+      </p:ext>
+    </p:extLst>
+  </p:cSld>
+  <p:clrMapOvr>
+    <a:masterClrMapping/>
+  </p:clrMapOvr>
+</p:notes>
+</file>
+
+<file path=ppt/notesSlides/notesSlide43.xml><?xml version="1.0" encoding="utf-8"?>
+<p:notes xmlns:a="http://schemas.openxmlformats.org/drawingml/2006/main" xmlns:r="http://schemas.openxmlformats.org/officeDocument/2006/relationships" xmlns:p="http://schemas.openxmlformats.org/presentationml/2006/main">
+  <p:cSld>
+    <p:spTree>
+      <p:nvGrpSpPr>
+        <p:cNvPr id="1" name=""/>
+        <p:cNvGrpSpPr/>
+        <p:nvPr/>
+      </p:nvGrpSpPr>
+      <p:grpSpPr>
+        <a:xfrm>
+          <a:off x="0" y="0"/>
+          <a:ext cx="0" cy="0"/>
+          <a:chOff x="0" y="0"/>
+          <a:chExt cx="0" cy="0"/>
+        </a:xfrm>
+      </p:grpSpPr>
+      <p:sp>
+        <p:nvSpPr>
+          <p:cNvPr id="2" name="Образ слайда 1"/>
+          <p:cNvSpPr>
+            <a:spLocks noGrp="1" noRot="1" noChangeAspect="1"/>
+          </p:cNvSpPr>
+          <p:nvPr>
+            <p:ph type="sldImg"/>
+          </p:nvPr>
+        </p:nvSpPr>
+        <p:spPr/>
+      </p:sp>
+      <p:sp>
+        <p:nvSpPr>
+          <p:cNvPr id="3" name="Заметки 2"/>
+          <p:cNvSpPr>
+            <a:spLocks noGrp="1"/>
+          </p:cNvSpPr>
+          <p:nvPr>
+            <p:ph type="body" idx="1"/>
+          </p:nvPr>
+        </p:nvSpPr>
+        <p:spPr/>
+        <p:txBody>
+          <a:bodyPr/>
+          <a:lstStyle/>
+          <a:p>
+            <a:pPr marL="0" marR="0" indent="0" algn="l" defTabSz="914400" rtl="0" eaLnBrk="1" fontAlgn="auto" latinLnBrk="0" hangingPunct="1">
+              <a:lnSpc>
+                <a:spcPct val="100000"/>
+              </a:lnSpc>
+              <a:spcBef>
+                <a:spcPts val="0"/>
+              </a:spcBef>
+              <a:spcAft>
+                <a:spcPts val="0"/>
+              </a:spcAft>
+              <a:buClrTx/>
+              <a:buSzTx/>
+              <a:buFontTx/>
+              <a:buNone/>
+              <a:tabLst/>
+              <a:defRPr/>
+            </a:pPr>
+            <a:r>
+              <a:rPr lang="ru-RU" sz="1200" b="0" i="0" kern="1200" dirty="0" smtClean="0">
+                <a:solidFill>
+                  <a:schemeClr val="tx1"/>
+                </a:solidFill>
+                <a:effectLst/>
+                <a:ea typeface="+mn-ea"/>
+                <a:cs typeface="+mn-cs"/>
+              </a:rPr>
+              <a:t>Частые показы заказчику. Это требует построения итеративного плана разработки (</a:t>
+            </a:r>
+            <a:r>
+              <a:rPr lang="ru-RU" sz="1200" b="0" i="0" kern="1200" dirty="0" err="1" smtClean="0">
+                <a:solidFill>
+                  <a:schemeClr val="tx1"/>
+                </a:solidFill>
+                <a:effectLst/>
+                <a:ea typeface="+mn-ea"/>
+                <a:cs typeface="+mn-cs"/>
+              </a:rPr>
+              <a:t>Agile</a:t>
+            </a:r>
+            <a:r>
+              <a:rPr lang="ru-RU" sz="1200" b="0" i="0" kern="1200" dirty="0" smtClean="0">
+                <a:solidFill>
+                  <a:schemeClr val="tx1"/>
+                </a:solidFill>
+                <a:effectLst/>
+                <a:ea typeface="+mn-ea"/>
+                <a:cs typeface="+mn-cs"/>
+              </a:rPr>
+              <a:t>) и </a:t>
+            </a:r>
+            <a:r>
+              <a:rPr lang="ru-RU" sz="1200" b="0" i="0" kern="1200" dirty="0" err="1" smtClean="0">
+                <a:solidFill>
+                  <a:schemeClr val="tx1"/>
+                </a:solidFill>
+                <a:effectLst/>
+                <a:ea typeface="+mn-ea"/>
+                <a:cs typeface="+mn-cs"/>
+              </a:rPr>
+              <a:t>приоритизации</a:t>
+            </a:r>
+            <a:r>
+              <a:rPr lang="ru-RU" sz="1200" b="0" i="0" kern="1200" dirty="0" smtClean="0">
+                <a:solidFill>
+                  <a:schemeClr val="tx1"/>
+                </a:solidFill>
+                <a:effectLst/>
+                <a:ea typeface="+mn-ea"/>
+                <a:cs typeface="+mn-cs"/>
+              </a:rPr>
+              <a:t> в сторону </a:t>
+            </a:r>
+            <a:r>
+              <a:rPr lang="ru-RU" sz="1200" b="0" i="0" kern="1200" dirty="0" err="1" smtClean="0">
+                <a:solidFill>
+                  <a:schemeClr val="tx1"/>
+                </a:solidFill>
+                <a:effectLst/>
+                <a:ea typeface="+mn-ea"/>
+                <a:cs typeface="+mn-cs"/>
+              </a:rPr>
+              <a:t>функциональностей</a:t>
+            </a:r>
+            <a:r>
+              <a:rPr lang="ru-RU" sz="1200" b="0" i="0" kern="1200" dirty="0" smtClean="0">
+                <a:solidFill>
+                  <a:schemeClr val="tx1"/>
+                </a:solidFill>
+                <a:effectLst/>
+                <a:ea typeface="+mn-ea"/>
+                <a:cs typeface="+mn-cs"/>
+              </a:rPr>
+              <a:t>, а не инфраструктуры</a:t>
+            </a:r>
+          </a:p>
+          <a:p>
+            <a:pPr marL="0" marR="0" indent="0" algn="l" defTabSz="914400" rtl="0" eaLnBrk="1" fontAlgn="auto" latinLnBrk="0" hangingPunct="1">
+              <a:lnSpc>
+                <a:spcPct val="100000"/>
+              </a:lnSpc>
+              <a:spcBef>
+                <a:spcPts val="0"/>
+              </a:spcBef>
+              <a:spcAft>
+                <a:spcPts val="0"/>
+              </a:spcAft>
+              <a:buClrTx/>
+              <a:buSzTx/>
+              <a:buFontTx/>
+              <a:buNone/>
+              <a:tabLst/>
+              <a:defRPr/>
+            </a:pPr>
+            <a:endParaRPr lang="ru-RU" sz="1200" b="0" i="0" kern="1200" dirty="0" smtClean="0">
+              <a:solidFill>
+                <a:schemeClr val="tx1"/>
+              </a:solidFill>
+              <a:effectLst/>
+              <a:ea typeface="+mn-ea"/>
+              <a:cs typeface="+mn-cs"/>
+            </a:endParaRPr>
+          </a:p>
+          <a:p>
+            <a:pPr marL="0" marR="0" indent="0" algn="l" defTabSz="914400" rtl="0" eaLnBrk="1" fontAlgn="auto" latinLnBrk="0" hangingPunct="1">
+              <a:lnSpc>
+                <a:spcPct val="100000"/>
+              </a:lnSpc>
+              <a:spcBef>
+                <a:spcPts val="0"/>
+              </a:spcBef>
+              <a:spcAft>
+                <a:spcPts val="0"/>
+              </a:spcAft>
+              <a:buClrTx/>
+              <a:buSzTx/>
+              <a:buFontTx/>
+              <a:buNone/>
+              <a:tabLst/>
+              <a:defRPr/>
+            </a:pPr>
+            <a:r>
+              <a:rPr lang="ru-RU" sz="1200" b="0" i="0" kern="1200" dirty="0" smtClean="0">
+                <a:solidFill>
+                  <a:schemeClr val="tx1"/>
+                </a:solidFill>
+                <a:effectLst/>
+                <a:ea typeface="+mn-ea"/>
+                <a:cs typeface="+mn-cs"/>
+              </a:rPr>
+              <a:t>Как вакцина</a:t>
+            </a:r>
+          </a:p>
+        </p:txBody>
+      </p:sp>
+      <p:sp>
+        <p:nvSpPr>
+          <p:cNvPr id="4" name="Номер слайда 3"/>
+          <p:cNvSpPr>
+            <a:spLocks noGrp="1"/>
+          </p:cNvSpPr>
+          <p:nvPr>
+            <p:ph type="sldNum" sz="quarter" idx="10"/>
+          </p:nvPr>
+        </p:nvSpPr>
+        <p:spPr/>
+        <p:txBody>
+          <a:bodyPr/>
+          <a:lstStyle/>
+          <a:p>
+            <a:fld id="{158157BE-13C9-4B69-8B03-B7B56862D10D}" type="slidenum">
+              <a:rPr lang="ru-RU" smtClean="0"/>
+              <a:t>43</a:t>
+            </a:fld>
+            <a:endParaRPr lang="ru-RU"/>
+          </a:p>
+        </p:txBody>
+      </p:sp>
+    </p:spTree>
+    <p:extLst>
+      <p:ext uri="{BB962C8B-B14F-4D97-AF65-F5344CB8AC3E}">
+        <p14:creationId xmlns:p14="http://schemas.microsoft.com/office/powerpoint/2010/main" val="1827194461"/>
       </p:ext>
     </p:extLst>
   </p:cSld>
@@ -5670,16 +9318,16 @@
               <a:t> следует что любое </a:t>
             </a:r>
             <a:r>
-              <a:rPr lang="ru-RU" baseline="0" dirty="0" err="1" smtClean="0"/>
-              <a:t>отклоненние</a:t>
-            </a:r>
-            <a:r>
               <a:rPr lang="ru-RU" baseline="0" dirty="0" smtClean="0"/>
-              <a:t> от заданного курса приводит к нарушению указанной </a:t>
-            </a:r>
-            <a:r>
-              <a:rPr lang="ru-RU" baseline="0" dirty="0" err="1" smtClean="0"/>
-              <a:t>цености</a:t>
+              <a:t>отклонение </a:t>
+            </a:r>
+            <a:r>
+              <a:rPr lang="ru-RU" baseline="0" dirty="0" smtClean="0"/>
+              <a:t>от заданного курса приводит к нарушению указанной </a:t>
+            </a:r>
+            <a:r>
+              <a:rPr lang="ru-RU" baseline="0" dirty="0" smtClean="0"/>
+              <a:t>ценности</a:t>
             </a:r>
             <a:endParaRPr lang="ru-RU" baseline="0" dirty="0" smtClean="0"/>
           </a:p>
@@ -5703,8 +9351,8 @@
               <a:t>Часто забывают про вторую сторону ПО – </a:t>
             </a:r>
             <a:r>
-              <a:rPr lang="ru-RU" baseline="0" dirty="0" err="1" smtClean="0"/>
-              <a:t>структру</a:t>
+              <a:rPr lang="ru-RU" baseline="0" dirty="0" smtClean="0"/>
+              <a:t>структур</a:t>
             </a:r>
             <a:r>
               <a:rPr lang="en-US" baseline="0" dirty="0" smtClean="0"/>
@@ -5720,15 +9368,8 @@
             </a:r>
             <a:r>
               <a:rPr lang="ru-RU" baseline="0" dirty="0" smtClean="0"/>
-              <a:t>она же </a:t>
-            </a:r>
-            <a:r>
-              <a:rPr lang="ru-RU" baseline="0" dirty="0" smtClean="0"/>
-              <a:t>дизайн</a:t>
-            </a:r>
-          </a:p>
-          <a:p>
-            <a:endParaRPr lang="ru-RU" baseline="0" dirty="0" smtClean="0"/>
+              <a:t>она же дизайн</a:t>
+            </a:r>
           </a:p>
           <a:p>
             <a:endParaRPr lang="ru-RU" baseline="0" dirty="0" smtClean="0"/>
@@ -6150,7 +9791,7 @@
           <a:p>
             <a:fld id="{F2FFB779-270B-4192-84BA-A697F48306DC}" type="datetimeFigureOut">
               <a:rPr lang="ru-RU" smtClean="0"/>
-              <a:t>23.04.2023</a:t>
+              <a:t>26.04.2023</a:t>
             </a:fld>
             <a:endParaRPr lang="ru-RU"/>
           </a:p>
@@ -6318,7 +9959,7 @@
           <a:p>
             <a:fld id="{F2FFB779-270B-4192-84BA-A697F48306DC}" type="datetimeFigureOut">
               <a:rPr lang="ru-RU" smtClean="0"/>
-              <a:t>23.04.2023</a:t>
+              <a:t>26.04.2023</a:t>
             </a:fld>
             <a:endParaRPr lang="ru-RU"/>
           </a:p>
@@ -6496,7 +10137,7 @@
           <a:p>
             <a:fld id="{F2FFB779-270B-4192-84BA-A697F48306DC}" type="datetimeFigureOut">
               <a:rPr lang="ru-RU" smtClean="0"/>
-              <a:t>23.04.2023</a:t>
+              <a:t>26.04.2023</a:t>
             </a:fld>
             <a:endParaRPr lang="ru-RU"/>
           </a:p>
@@ -6664,7 +10305,7 @@
           <a:p>
             <a:fld id="{F2FFB779-270B-4192-84BA-A697F48306DC}" type="datetimeFigureOut">
               <a:rPr lang="ru-RU" smtClean="0"/>
-              <a:t>23.04.2023</a:t>
+              <a:t>26.04.2023</a:t>
             </a:fld>
             <a:endParaRPr lang="ru-RU"/>
           </a:p>
@@ -6909,7 +10550,7 @@
           <a:p>
             <a:fld id="{F2FFB779-270B-4192-84BA-A697F48306DC}" type="datetimeFigureOut">
               <a:rPr lang="ru-RU" smtClean="0"/>
-              <a:t>23.04.2023</a:t>
+              <a:t>26.04.2023</a:t>
             </a:fld>
             <a:endParaRPr lang="ru-RU"/>
           </a:p>
@@ -7138,7 +10779,7 @@
           <a:p>
             <a:fld id="{F2FFB779-270B-4192-84BA-A697F48306DC}" type="datetimeFigureOut">
               <a:rPr lang="ru-RU" smtClean="0"/>
-              <a:t>23.04.2023</a:t>
+              <a:t>26.04.2023</a:t>
             </a:fld>
             <a:endParaRPr lang="ru-RU"/>
           </a:p>
@@ -7502,7 +11143,7 @@
           <a:p>
             <a:fld id="{F2FFB779-270B-4192-84BA-A697F48306DC}" type="datetimeFigureOut">
               <a:rPr lang="ru-RU" smtClean="0"/>
-              <a:t>23.04.2023</a:t>
+              <a:t>26.04.2023</a:t>
             </a:fld>
             <a:endParaRPr lang="ru-RU"/>
           </a:p>
@@ -7619,7 +11260,7 @@
           <a:p>
             <a:fld id="{F2FFB779-270B-4192-84BA-A697F48306DC}" type="datetimeFigureOut">
               <a:rPr lang="ru-RU" smtClean="0"/>
-              <a:t>23.04.2023</a:t>
+              <a:t>26.04.2023</a:t>
             </a:fld>
             <a:endParaRPr lang="ru-RU"/>
           </a:p>
@@ -7714,7 +11355,7 @@
           <a:p>
             <a:fld id="{F2FFB779-270B-4192-84BA-A697F48306DC}" type="datetimeFigureOut">
               <a:rPr lang="ru-RU" smtClean="0"/>
-              <a:t>23.04.2023</a:t>
+              <a:t>26.04.2023</a:t>
             </a:fld>
             <a:endParaRPr lang="ru-RU"/>
           </a:p>
@@ -7989,7 +11630,7 @@
           <a:p>
             <a:fld id="{F2FFB779-270B-4192-84BA-A697F48306DC}" type="datetimeFigureOut">
               <a:rPr lang="ru-RU" smtClean="0"/>
-              <a:t>23.04.2023</a:t>
+              <a:t>26.04.2023</a:t>
             </a:fld>
             <a:endParaRPr lang="ru-RU"/>
           </a:p>
@@ -8241,7 +11882,7 @@
           <a:p>
             <a:fld id="{F2FFB779-270B-4192-84BA-A697F48306DC}" type="datetimeFigureOut">
               <a:rPr lang="ru-RU" smtClean="0"/>
-              <a:t>23.04.2023</a:t>
+              <a:t>26.04.2023</a:t>
             </a:fld>
             <a:endParaRPr lang="ru-RU"/>
           </a:p>
@@ -8454,7 +12095,7 @@
             <a:fld id="{F2FFB779-270B-4192-84BA-A697F48306DC}" type="datetimeFigureOut">
               <a:rPr lang="ru-RU" smtClean="0"/>
               <a:pPr/>
-              <a:t>23.04.2023</a:t>
+              <a:t>26.04.2023</a:t>
             </a:fld>
             <a:endParaRPr lang="ru-RU" dirty="0"/>
           </a:p>
@@ -8968,8 +12609,8 @@
         </p:nvSpPr>
         <p:spPr>
           <a:xfrm>
-            <a:off x="4375494" y="2515325"/>
-            <a:ext cx="3357009" cy="1077218"/>
+            <a:off x="4382707" y="2887858"/>
+            <a:ext cx="3342582" cy="1082284"/>
           </a:xfrm>
           <a:prstGeom prst="rect">
             <a:avLst/>
@@ -8989,76 +12630,11 @@
             </a:pPr>
             <a:r>
               <a:rPr lang="en-US" sz="4800" dirty="0" smtClean="0">
-                <a:solidFill>
-                  <a:srgbClr val="FF0000"/>
-                </a:solidFill>
                 <a:latin typeface="Roboto" panose="02000000000000000000" pitchFamily="2" charset="0"/>
                 <a:ea typeface="Roboto" panose="02000000000000000000" pitchFamily="2" charset="0"/>
                 <a:cs typeface="Open Sans SemiBold" panose="020B0706030804020204" pitchFamily="34" charset="0"/>
               </a:rPr>
-              <a:t>SOFT</a:t>
-            </a:r>
-            <a:r>
-              <a:rPr lang="en-US" sz="4800" dirty="0" smtClean="0">
-                <a:latin typeface="Roboto" panose="02000000000000000000" pitchFamily="2" charset="0"/>
-                <a:ea typeface="Roboto" panose="02000000000000000000" pitchFamily="2" charset="0"/>
-                <a:cs typeface="Open Sans SemiBold" panose="020B0706030804020204" pitchFamily="34" charset="0"/>
-              </a:rPr>
-              <a:t>WARE</a:t>
-            </a:r>
-            <a:endParaRPr lang="ru-RU" sz="4800" dirty="0">
-              <a:latin typeface="Roboto" panose="02000000000000000000" pitchFamily="2" charset="0"/>
-              <a:ea typeface="Roboto" panose="02000000000000000000" pitchFamily="2" charset="0"/>
-              <a:cs typeface="Open Sans SemiBold" panose="020B0706030804020204" pitchFamily="34" charset="0"/>
-            </a:endParaRPr>
-          </a:p>
-        </p:txBody>
-      </p:sp>
-      <p:sp>
-        <p:nvSpPr>
-          <p:cNvPr id="3" name="TextBox 2"/>
-          <p:cNvSpPr txBox="1"/>
-          <p:nvPr/>
-        </p:nvSpPr>
-        <p:spPr>
-          <a:xfrm>
-            <a:off x="4311373" y="3592543"/>
-            <a:ext cx="3485249" cy="1077218"/>
-          </a:xfrm>
-          <a:prstGeom prst="rect">
-            <a:avLst/>
-          </a:prstGeom>
-          <a:noFill/>
-        </p:spPr>
-        <p:txBody>
-          <a:bodyPr wrap="none" rtlCol="0" anchor="t">
-            <a:spAutoFit/>
-          </a:bodyPr>
-          <a:lstStyle/>
-          <a:p>
-            <a:pPr algn="ctr">
-              <a:lnSpc>
-                <a:spcPct val="150000"/>
-              </a:lnSpc>
-            </a:pPr>
-            <a:r>
-              <a:rPr lang="en-US" sz="4800" dirty="0" smtClean="0">
-                <a:solidFill>
-                  <a:srgbClr val="FF0000"/>
-                </a:solidFill>
-                <a:latin typeface="Roboto" panose="02000000000000000000" pitchFamily="2" charset="0"/>
-                <a:ea typeface="Roboto" panose="02000000000000000000" pitchFamily="2" charset="0"/>
-                <a:cs typeface="Open Sans SemiBold" panose="020B0706030804020204" pitchFamily="34" charset="0"/>
-              </a:rPr>
-              <a:t>HARD</a:t>
-            </a:r>
-            <a:r>
-              <a:rPr lang="en-US" sz="4800" dirty="0" smtClean="0">
-                <a:latin typeface="Roboto" panose="02000000000000000000" pitchFamily="2" charset="0"/>
-                <a:ea typeface="Roboto" panose="02000000000000000000" pitchFamily="2" charset="0"/>
-                <a:cs typeface="Open Sans SemiBold" panose="020B0706030804020204" pitchFamily="34" charset="0"/>
-              </a:rPr>
-              <a:t>WARE</a:t>
+              <a:t>SOFTWARE</a:t>
             </a:r>
             <a:endParaRPr lang="ru-RU" sz="4800" dirty="0">
               <a:latin typeface="Roboto" panose="02000000000000000000" pitchFamily="2" charset="0"/>
@@ -9097,6 +12673,290 @@
 </file>
 
 <file path=ppt/slides/slide11.xml><?xml version="1.0" encoding="utf-8"?>
+<p:sld xmlns:a="http://schemas.openxmlformats.org/drawingml/2006/main" xmlns:r="http://schemas.openxmlformats.org/officeDocument/2006/relationships" xmlns:p="http://schemas.openxmlformats.org/presentationml/2006/main">
+  <p:cSld>
+    <p:spTree>
+      <p:nvGrpSpPr>
+        <p:cNvPr id="1" name=""/>
+        <p:cNvGrpSpPr/>
+        <p:nvPr/>
+      </p:nvGrpSpPr>
+      <p:grpSpPr>
+        <a:xfrm>
+          <a:off x="0" y="0"/>
+          <a:ext cx="0" cy="0"/>
+          <a:chOff x="0" y="0"/>
+          <a:chExt cx="0" cy="0"/>
+        </a:xfrm>
+      </p:grpSpPr>
+      <p:sp>
+        <p:nvSpPr>
+          <p:cNvPr id="4" name="TextBox 3"/>
+          <p:cNvSpPr txBox="1"/>
+          <p:nvPr/>
+        </p:nvSpPr>
+        <p:spPr>
+          <a:xfrm>
+            <a:off x="4382707" y="2515325"/>
+            <a:ext cx="3342582" cy="1082284"/>
+          </a:xfrm>
+          <a:prstGeom prst="rect">
+            <a:avLst/>
+          </a:prstGeom>
+          <a:noFill/>
+        </p:spPr>
+        <p:txBody>
+          <a:bodyPr wrap="none" rtlCol="0" anchor="t">
+            <a:spAutoFit/>
+          </a:bodyPr>
+          <a:lstStyle/>
+          <a:p>
+            <a:pPr algn="ctr">
+              <a:lnSpc>
+                <a:spcPct val="150000"/>
+              </a:lnSpc>
+            </a:pPr>
+            <a:r>
+              <a:rPr lang="en-US" sz="4800" dirty="0" smtClean="0">
+                <a:latin typeface="Roboto" panose="02000000000000000000" pitchFamily="2" charset="0"/>
+                <a:ea typeface="Roboto" panose="02000000000000000000" pitchFamily="2" charset="0"/>
+                <a:cs typeface="Open Sans SemiBold" panose="020B0706030804020204" pitchFamily="34" charset="0"/>
+              </a:rPr>
+              <a:t>SOFTWARE</a:t>
+            </a:r>
+            <a:endParaRPr lang="ru-RU" sz="4800" dirty="0">
+              <a:latin typeface="Roboto" panose="02000000000000000000" pitchFamily="2" charset="0"/>
+              <a:ea typeface="Roboto" panose="02000000000000000000" pitchFamily="2" charset="0"/>
+              <a:cs typeface="Open Sans SemiBold" panose="020B0706030804020204" pitchFamily="34" charset="0"/>
+            </a:endParaRPr>
+          </a:p>
+        </p:txBody>
+      </p:sp>
+      <p:sp>
+        <p:nvSpPr>
+          <p:cNvPr id="3" name="TextBox 2"/>
+          <p:cNvSpPr txBox="1"/>
+          <p:nvPr/>
+        </p:nvSpPr>
+        <p:spPr>
+          <a:xfrm>
+            <a:off x="4284122" y="3592543"/>
+            <a:ext cx="3539752" cy="1082284"/>
+          </a:xfrm>
+          <a:prstGeom prst="rect">
+            <a:avLst/>
+          </a:prstGeom>
+          <a:noFill/>
+        </p:spPr>
+        <p:txBody>
+          <a:bodyPr wrap="none" rtlCol="0" anchor="t">
+            <a:spAutoFit/>
+          </a:bodyPr>
+          <a:lstStyle/>
+          <a:p>
+            <a:pPr algn="ctr">
+              <a:lnSpc>
+                <a:spcPct val="150000"/>
+              </a:lnSpc>
+            </a:pPr>
+            <a:r>
+              <a:rPr lang="en-US" sz="4800" dirty="0" smtClean="0">
+                <a:latin typeface="Roboto" panose="02000000000000000000" pitchFamily="2" charset="0"/>
+                <a:ea typeface="Roboto" panose="02000000000000000000" pitchFamily="2" charset="0"/>
+                <a:cs typeface="Open Sans SemiBold" panose="020B0706030804020204" pitchFamily="34" charset="0"/>
+              </a:rPr>
+              <a:t>HARDWARE</a:t>
+            </a:r>
+            <a:endParaRPr lang="ru-RU" sz="4800" dirty="0">
+              <a:latin typeface="Roboto" panose="02000000000000000000" pitchFamily="2" charset="0"/>
+              <a:ea typeface="Roboto" panose="02000000000000000000" pitchFamily="2" charset="0"/>
+              <a:cs typeface="Open Sans SemiBold" panose="020B0706030804020204" pitchFamily="34" charset="0"/>
+            </a:endParaRPr>
+          </a:p>
+        </p:txBody>
+      </p:sp>
+    </p:spTree>
+    <p:extLst>
+      <p:ext uri="{BB962C8B-B14F-4D97-AF65-F5344CB8AC3E}">
+        <p14:creationId xmlns:p14="http://schemas.microsoft.com/office/powerpoint/2010/main" val="1044881866"/>
+      </p:ext>
+    </p:extLst>
+  </p:cSld>
+  <p:clrMapOvr>
+    <a:masterClrMapping/>
+  </p:clrMapOvr>
+  <mc:AlternateContent xmlns:mc="http://schemas.openxmlformats.org/markup-compatibility/2006" xmlns:p14="http://schemas.microsoft.com/office/powerpoint/2010/main">
+    <mc:Choice Requires="p14">
+      <p:transition p14:dur="0"/>
+    </mc:Choice>
+    <mc:Fallback xmlns="">
+      <p:transition/>
+    </mc:Fallback>
+  </mc:AlternateContent>
+  <p:timing>
+    <p:tnLst>
+      <p:par>
+        <p:cTn id="1" dur="indefinite" restart="never" nodeType="tmRoot"/>
+      </p:par>
+    </p:tnLst>
+  </p:timing>
+</p:sld>
+</file>
+
+<file path=ppt/slides/slide12.xml><?xml version="1.0" encoding="utf-8"?>
+<p:sld xmlns:a="http://schemas.openxmlformats.org/drawingml/2006/main" xmlns:r="http://schemas.openxmlformats.org/officeDocument/2006/relationships" xmlns:p="http://schemas.openxmlformats.org/presentationml/2006/main">
+  <p:cSld>
+    <p:spTree>
+      <p:nvGrpSpPr>
+        <p:cNvPr id="1" name=""/>
+        <p:cNvGrpSpPr/>
+        <p:nvPr/>
+      </p:nvGrpSpPr>
+      <p:grpSpPr>
+        <a:xfrm>
+          <a:off x="0" y="0"/>
+          <a:ext cx="0" cy="0"/>
+          <a:chOff x="0" y="0"/>
+          <a:chExt cx="0" cy="0"/>
+        </a:xfrm>
+      </p:grpSpPr>
+      <p:sp>
+        <p:nvSpPr>
+          <p:cNvPr id="4" name="TextBox 3"/>
+          <p:cNvSpPr txBox="1"/>
+          <p:nvPr/>
+        </p:nvSpPr>
+        <p:spPr>
+          <a:xfrm>
+            <a:off x="4375494" y="2515325"/>
+            <a:ext cx="3357009" cy="1077218"/>
+          </a:xfrm>
+          <a:prstGeom prst="rect">
+            <a:avLst/>
+          </a:prstGeom>
+          <a:noFill/>
+        </p:spPr>
+        <p:txBody>
+          <a:bodyPr wrap="none" rtlCol="0" anchor="t">
+            <a:spAutoFit/>
+          </a:bodyPr>
+          <a:lstStyle/>
+          <a:p>
+            <a:pPr algn="ctr">
+              <a:lnSpc>
+                <a:spcPct val="150000"/>
+              </a:lnSpc>
+            </a:pPr>
+            <a:r>
+              <a:rPr lang="en-US" sz="4800" dirty="0" smtClean="0">
+                <a:solidFill>
+                  <a:srgbClr val="FF0000"/>
+                </a:solidFill>
+                <a:latin typeface="Roboto" panose="02000000000000000000" pitchFamily="2" charset="0"/>
+                <a:ea typeface="Roboto" panose="02000000000000000000" pitchFamily="2" charset="0"/>
+                <a:cs typeface="Open Sans SemiBold" panose="020B0706030804020204" pitchFamily="34" charset="0"/>
+              </a:rPr>
+              <a:t>SOFT</a:t>
+            </a:r>
+            <a:r>
+              <a:rPr lang="en-US" sz="4800" dirty="0" smtClean="0">
+                <a:latin typeface="Roboto" panose="02000000000000000000" pitchFamily="2" charset="0"/>
+                <a:ea typeface="Roboto" panose="02000000000000000000" pitchFamily="2" charset="0"/>
+                <a:cs typeface="Open Sans SemiBold" panose="020B0706030804020204" pitchFamily="34" charset="0"/>
+              </a:rPr>
+              <a:t>WARE</a:t>
+            </a:r>
+            <a:endParaRPr lang="ru-RU" sz="4800" dirty="0">
+              <a:latin typeface="Roboto" panose="02000000000000000000" pitchFamily="2" charset="0"/>
+              <a:ea typeface="Roboto" panose="02000000000000000000" pitchFamily="2" charset="0"/>
+              <a:cs typeface="Open Sans SemiBold" panose="020B0706030804020204" pitchFamily="34" charset="0"/>
+            </a:endParaRPr>
+          </a:p>
+        </p:txBody>
+      </p:sp>
+      <p:sp>
+        <p:nvSpPr>
+          <p:cNvPr id="3" name="TextBox 2"/>
+          <p:cNvSpPr txBox="1"/>
+          <p:nvPr/>
+        </p:nvSpPr>
+        <p:spPr>
+          <a:xfrm>
+            <a:off x="4311373" y="3592543"/>
+            <a:ext cx="3485249" cy="1077218"/>
+          </a:xfrm>
+          <a:prstGeom prst="rect">
+            <a:avLst/>
+          </a:prstGeom>
+          <a:noFill/>
+        </p:spPr>
+        <p:txBody>
+          <a:bodyPr wrap="none" rtlCol="0" anchor="t">
+            <a:spAutoFit/>
+          </a:bodyPr>
+          <a:lstStyle/>
+          <a:p>
+            <a:pPr algn="ctr">
+              <a:lnSpc>
+                <a:spcPct val="150000"/>
+              </a:lnSpc>
+            </a:pPr>
+            <a:r>
+              <a:rPr lang="en-US" sz="4800" dirty="0" smtClean="0">
+                <a:solidFill>
+                  <a:srgbClr val="FF0000"/>
+                </a:solidFill>
+                <a:latin typeface="Roboto" panose="02000000000000000000" pitchFamily="2" charset="0"/>
+                <a:ea typeface="Roboto" panose="02000000000000000000" pitchFamily="2" charset="0"/>
+                <a:cs typeface="Open Sans SemiBold" panose="020B0706030804020204" pitchFamily="34" charset="0"/>
+              </a:rPr>
+              <a:t>HARD</a:t>
+            </a:r>
+            <a:r>
+              <a:rPr lang="en-US" sz="4800" dirty="0" smtClean="0">
+                <a:latin typeface="Roboto" panose="02000000000000000000" pitchFamily="2" charset="0"/>
+                <a:ea typeface="Roboto" panose="02000000000000000000" pitchFamily="2" charset="0"/>
+                <a:cs typeface="Open Sans SemiBold" panose="020B0706030804020204" pitchFamily="34" charset="0"/>
+              </a:rPr>
+              <a:t>WARE</a:t>
+            </a:r>
+            <a:endParaRPr lang="ru-RU" sz="4800" dirty="0">
+              <a:latin typeface="Roboto" panose="02000000000000000000" pitchFamily="2" charset="0"/>
+              <a:ea typeface="Roboto" panose="02000000000000000000" pitchFamily="2" charset="0"/>
+              <a:cs typeface="Open Sans SemiBold" panose="020B0706030804020204" pitchFamily="34" charset="0"/>
+            </a:endParaRPr>
+          </a:p>
+        </p:txBody>
+      </p:sp>
+    </p:spTree>
+    <p:extLst>
+      <p:ext uri="{BB962C8B-B14F-4D97-AF65-F5344CB8AC3E}">
+        <p14:creationId xmlns:p14="http://schemas.microsoft.com/office/powerpoint/2010/main" val="3462466783"/>
+      </p:ext>
+    </p:extLst>
+  </p:cSld>
+  <p:clrMapOvr>
+    <a:masterClrMapping/>
+  </p:clrMapOvr>
+  <mc:AlternateContent xmlns:mc="http://schemas.openxmlformats.org/markup-compatibility/2006" xmlns:p14="http://schemas.microsoft.com/office/powerpoint/2010/main">
+    <mc:Choice Requires="p14">
+      <p:transition p14:dur="0"/>
+    </mc:Choice>
+    <mc:Fallback xmlns="">
+      <p:transition/>
+    </mc:Fallback>
+  </mc:AlternateContent>
+  <p:timing>
+    <p:tnLst>
+      <p:par>
+        <p:cTn id="1" dur="indefinite" restart="never" nodeType="tmRoot"/>
+      </p:par>
+    </p:tnLst>
+  </p:timing>
+</p:sld>
+</file>
+
+<file path=ppt/slides/slide13.xml><?xml version="1.0" encoding="utf-8"?>
 <p:sld xmlns:a="http://schemas.openxmlformats.org/drawingml/2006/main" xmlns:r="http://schemas.openxmlformats.org/officeDocument/2006/relationships" xmlns:p="http://schemas.openxmlformats.org/presentationml/2006/main">
   <p:cSld>
     <p:bg>
@@ -9394,7 +13254,7 @@
 </p:sld>
 </file>
 
-<file path=ppt/slides/slide12.xml><?xml version="1.0" encoding="utf-8"?>
+<file path=ppt/slides/slide14.xml><?xml version="1.0" encoding="utf-8"?>
 <p:sld xmlns:a="http://schemas.openxmlformats.org/drawingml/2006/main" xmlns:r="http://schemas.openxmlformats.org/officeDocument/2006/relationships" xmlns:p="http://schemas.openxmlformats.org/presentationml/2006/main">
   <p:cSld>
     <p:bg>
@@ -9555,7 +13415,7 @@
 </p:sld>
 </file>
 
-<file path=ppt/slides/slide13.xml><?xml version="1.0" encoding="utf-8"?>
+<file path=ppt/slides/slide15.xml><?xml version="1.0" encoding="utf-8"?>
 <p:sld xmlns:a="http://schemas.openxmlformats.org/drawingml/2006/main" xmlns:r="http://schemas.openxmlformats.org/officeDocument/2006/relationships" xmlns:p="http://schemas.openxmlformats.org/presentationml/2006/main">
   <p:cSld>
     <p:bg>
@@ -9886,7 +13746,7 @@
 </p:sld>
 </file>
 
-<file path=ppt/slides/slide14.xml><?xml version="1.0" encoding="utf-8"?>
+<file path=ppt/slides/slide16.xml><?xml version="1.0" encoding="utf-8"?>
 <p:sld xmlns:a="http://schemas.openxmlformats.org/drawingml/2006/main" xmlns:r="http://schemas.openxmlformats.org/officeDocument/2006/relationships" xmlns:p="http://schemas.openxmlformats.org/presentationml/2006/main">
   <p:cSld>
     <p:bg>
@@ -10226,302 +14086,6 @@
 </p:sld>
 </file>
 
-<file path=ppt/slides/slide15.xml><?xml version="1.0" encoding="utf-8"?>
-<p:sld xmlns:a="http://schemas.openxmlformats.org/drawingml/2006/main" xmlns:r="http://schemas.openxmlformats.org/officeDocument/2006/relationships" xmlns:p="http://schemas.openxmlformats.org/presentationml/2006/main">
-  <p:cSld>
-    <p:bg>
-      <p:bgPr>
-        <a:solidFill>
-          <a:schemeClr val="bg1"/>
-        </a:solidFill>
-        <a:effectLst/>
-      </p:bgPr>
-    </p:bg>
-    <p:spTree>
-      <p:nvGrpSpPr>
-        <p:cNvPr id="1" name=""/>
-        <p:cNvGrpSpPr/>
-        <p:nvPr/>
-      </p:nvGrpSpPr>
-      <p:grpSpPr>
-        <a:xfrm>
-          <a:off x="0" y="0"/>
-          <a:ext cx="0" cy="0"/>
-          <a:chOff x="0" y="0"/>
-          <a:chExt cx="0" cy="0"/>
-        </a:xfrm>
-      </p:grpSpPr>
-      <p:sp>
-        <p:nvSpPr>
-          <p:cNvPr id="4" name="TextBox 3"/>
-          <p:cNvSpPr txBox="1"/>
-          <p:nvPr/>
-        </p:nvSpPr>
-        <p:spPr>
-          <a:xfrm>
-            <a:off x="4751725" y="786859"/>
-            <a:ext cx="2688558" cy="1082284"/>
-          </a:xfrm>
-          <a:prstGeom prst="rect">
-            <a:avLst/>
-          </a:prstGeom>
-          <a:noFill/>
-        </p:spPr>
-        <p:txBody>
-          <a:bodyPr wrap="none" rtlCol="0" anchor="t">
-            <a:spAutoFit/>
-          </a:bodyPr>
-          <a:lstStyle/>
-          <a:p>
-            <a:pPr algn="ctr">
-              <a:lnSpc>
-                <a:spcPct val="150000"/>
-              </a:lnSpc>
-            </a:pPr>
-            <a:r>
-              <a:rPr lang="ru-RU" sz="4800" dirty="0" smtClean="0">
-                <a:latin typeface="Roboto" panose="02000000000000000000" pitchFamily="2" charset="0"/>
-                <a:ea typeface="Roboto" panose="02000000000000000000" pitchFamily="2" charset="0"/>
-                <a:cs typeface="Open Sans SemiBold" panose="020B0706030804020204" pitchFamily="34" charset="0"/>
-              </a:rPr>
-              <a:t>ЭФФЕКТ</a:t>
-            </a:r>
-            <a:endParaRPr lang="ru-RU" sz="4800" dirty="0">
-              <a:latin typeface="Roboto" panose="02000000000000000000" pitchFamily="2" charset="0"/>
-              <a:ea typeface="Roboto" panose="02000000000000000000" pitchFamily="2" charset="0"/>
-              <a:cs typeface="Open Sans SemiBold" panose="020B0706030804020204" pitchFamily="34" charset="0"/>
-            </a:endParaRPr>
-          </a:p>
-        </p:txBody>
-      </p:sp>
-      <p:sp>
-        <p:nvSpPr>
-          <p:cNvPr id="16" name="TextBox 15"/>
-          <p:cNvSpPr txBox="1"/>
-          <p:nvPr/>
-        </p:nvSpPr>
-        <p:spPr>
-          <a:xfrm>
-            <a:off x="2004999" y="3051281"/>
-            <a:ext cx="8182048" cy="1077218"/>
-          </a:xfrm>
-          <a:prstGeom prst="rect">
-            <a:avLst/>
-          </a:prstGeom>
-          <a:noFill/>
-        </p:spPr>
-        <p:txBody>
-          <a:bodyPr wrap="none" lIns="91440" tIns="45720" rIns="91440" bIns="45720" rtlCol="0" anchor="t">
-            <a:spAutoFit/>
-          </a:bodyPr>
-          <a:lstStyle/>
-          <a:p>
-            <a:pPr algn="ctr">
-              <a:lnSpc>
-                <a:spcPct val="150000"/>
-              </a:lnSpc>
-            </a:pPr>
-            <a:r>
-              <a:rPr lang="ru-RU" sz="4800" dirty="0" smtClean="0">
-                <a:solidFill>
-                  <a:srgbClr val="FF0000"/>
-                </a:solidFill>
-                <a:latin typeface="Roboto" panose="02000000000000000000" pitchFamily="2" charset="0"/>
-                <a:ea typeface="Roboto" panose="02000000000000000000" pitchFamily="2" charset="0"/>
-                <a:cs typeface="Open Sans SemiBold"/>
-              </a:rPr>
-              <a:t>Производительность </a:t>
-            </a:r>
-            <a:r>
-              <a:rPr lang="ru-RU" sz="4800" dirty="0" smtClean="0">
-                <a:latin typeface="Roboto" panose="02000000000000000000" pitchFamily="2" charset="0"/>
-                <a:ea typeface="Roboto" panose="02000000000000000000" pitchFamily="2" charset="0"/>
-                <a:cs typeface="Open Sans SemiBold"/>
-              </a:rPr>
-              <a:t>труда</a:t>
-            </a:r>
-            <a:endParaRPr lang="ru-RU" dirty="0">
-              <a:latin typeface="Roboto" panose="02000000000000000000" pitchFamily="2" charset="0"/>
-            </a:endParaRPr>
-          </a:p>
-        </p:txBody>
-      </p:sp>
-    </p:spTree>
-    <p:extLst>
-      <p:ext uri="{BB962C8B-B14F-4D97-AF65-F5344CB8AC3E}">
-        <p14:creationId xmlns:p14="http://schemas.microsoft.com/office/powerpoint/2010/main" val="110531513"/>
-      </p:ext>
-    </p:extLst>
-  </p:cSld>
-  <p:clrMapOvr>
-    <a:masterClrMapping/>
-  </p:clrMapOvr>
-  <mc:AlternateContent xmlns:mc="http://schemas.openxmlformats.org/markup-compatibility/2006" xmlns:p14="http://schemas.microsoft.com/office/powerpoint/2010/main">
-    <mc:Choice Requires="p14">
-      <p:transition p14:dur="0"/>
-    </mc:Choice>
-    <mc:Fallback xmlns="">
-      <p:transition/>
-    </mc:Fallback>
-  </mc:AlternateContent>
-  <p:timing>
-    <p:tnLst>
-      <p:par>
-        <p:cTn id="1" dur="indefinite" restart="never" nodeType="tmRoot"/>
-      </p:par>
-    </p:tnLst>
-  </p:timing>
-</p:sld>
-</file>
-
-<file path=ppt/slides/slide16.xml><?xml version="1.0" encoding="utf-8"?>
-<p:sld xmlns:a="http://schemas.openxmlformats.org/drawingml/2006/main" xmlns:r="http://schemas.openxmlformats.org/officeDocument/2006/relationships" xmlns:p="http://schemas.openxmlformats.org/presentationml/2006/main">
-  <p:cSld>
-    <p:bg>
-      <p:bgPr>
-        <a:solidFill>
-          <a:schemeClr val="bg1"/>
-        </a:solidFill>
-        <a:effectLst/>
-      </p:bgPr>
-    </p:bg>
-    <p:spTree>
-      <p:nvGrpSpPr>
-        <p:cNvPr id="1" name=""/>
-        <p:cNvGrpSpPr/>
-        <p:nvPr/>
-      </p:nvGrpSpPr>
-      <p:grpSpPr>
-        <a:xfrm>
-          <a:off x="0" y="0"/>
-          <a:ext cx="0" cy="0"/>
-          <a:chOff x="0" y="0"/>
-          <a:chExt cx="0" cy="0"/>
-        </a:xfrm>
-      </p:grpSpPr>
-      <p:sp>
-        <p:nvSpPr>
-          <p:cNvPr id="4" name="TextBox 3"/>
-          <p:cNvSpPr txBox="1"/>
-          <p:nvPr/>
-        </p:nvSpPr>
-        <p:spPr>
-          <a:xfrm>
-            <a:off x="2132426" y="786859"/>
-            <a:ext cx="7927170" cy="1077218"/>
-          </a:xfrm>
-          <a:prstGeom prst="rect">
-            <a:avLst/>
-          </a:prstGeom>
-          <a:noFill/>
-        </p:spPr>
-        <p:txBody>
-          <a:bodyPr wrap="none" rtlCol="0" anchor="t">
-            <a:spAutoFit/>
-          </a:bodyPr>
-          <a:lstStyle/>
-          <a:p>
-            <a:pPr algn="ctr">
-              <a:lnSpc>
-                <a:spcPct val="150000"/>
-              </a:lnSpc>
-            </a:pPr>
-            <a:r>
-              <a:rPr lang="ru-RU" sz="4800" dirty="0" smtClean="0">
-                <a:solidFill>
-                  <a:srgbClr val="FF0000"/>
-                </a:solidFill>
-                <a:latin typeface="Roboto" panose="02000000000000000000" pitchFamily="2" charset="0"/>
-                <a:ea typeface="Roboto" panose="02000000000000000000" pitchFamily="2" charset="0"/>
-                <a:cs typeface="Open Sans SemiBold" panose="020B0706030804020204" pitchFamily="34" charset="0"/>
-              </a:rPr>
-              <a:t>ПРАВИЛЬНАЯ</a:t>
-            </a:r>
-            <a:r>
-              <a:rPr lang="ru-RU" sz="4800" dirty="0" smtClean="0">
-                <a:latin typeface="Roboto" panose="02000000000000000000" pitchFamily="2" charset="0"/>
-                <a:ea typeface="Roboto" panose="02000000000000000000" pitchFamily="2" charset="0"/>
-                <a:cs typeface="Open Sans SemiBold" panose="020B0706030804020204" pitchFamily="34" charset="0"/>
-              </a:rPr>
-              <a:t> СТРУКТУРА</a:t>
-            </a:r>
-            <a:endParaRPr lang="ru-RU" sz="4800" dirty="0">
-              <a:latin typeface="Roboto" panose="02000000000000000000" pitchFamily="2" charset="0"/>
-              <a:ea typeface="Roboto" panose="02000000000000000000" pitchFamily="2" charset="0"/>
-              <a:cs typeface="Open Sans SemiBold" panose="020B0706030804020204" pitchFamily="34" charset="0"/>
-            </a:endParaRPr>
-          </a:p>
-        </p:txBody>
-      </p:sp>
-      <p:sp>
-        <p:nvSpPr>
-          <p:cNvPr id="5" name="TextBox 4"/>
-          <p:cNvSpPr txBox="1"/>
-          <p:nvPr/>
-        </p:nvSpPr>
-        <p:spPr>
-          <a:xfrm>
-            <a:off x="1705238" y="3051281"/>
-            <a:ext cx="8781571" cy="1083951"/>
-          </a:xfrm>
-          <a:prstGeom prst="rect">
-            <a:avLst/>
-          </a:prstGeom>
-          <a:noFill/>
-        </p:spPr>
-        <p:txBody>
-          <a:bodyPr wrap="none" lIns="91440" tIns="45720" rIns="91440" bIns="45720" rtlCol="0" anchor="t">
-            <a:spAutoFit/>
-          </a:bodyPr>
-          <a:lstStyle/>
-          <a:p>
-            <a:pPr algn="ctr">
-              <a:lnSpc>
-                <a:spcPct val="150000"/>
-              </a:lnSpc>
-            </a:pPr>
-            <a:r>
-              <a:rPr lang="ru-RU" sz="4800" dirty="0" smtClean="0">
-                <a:latin typeface="Roboto" panose="02000000000000000000" pitchFamily="2" charset="0"/>
-                <a:ea typeface="Roboto" panose="02000000000000000000" pitchFamily="2" charset="0"/>
-                <a:cs typeface="Open Sans SemiBold"/>
-              </a:rPr>
-              <a:t>Ускорять и не противоречить</a:t>
-            </a:r>
-            <a:endParaRPr lang="ru-RU" dirty="0">
-              <a:latin typeface="Roboto" panose="02000000000000000000" pitchFamily="2" charset="0"/>
-            </a:endParaRPr>
-          </a:p>
-        </p:txBody>
-      </p:sp>
-    </p:spTree>
-    <p:extLst>
-      <p:ext uri="{BB962C8B-B14F-4D97-AF65-F5344CB8AC3E}">
-        <p14:creationId xmlns:p14="http://schemas.microsoft.com/office/powerpoint/2010/main" val="914687673"/>
-      </p:ext>
-    </p:extLst>
-  </p:cSld>
-  <p:clrMapOvr>
-    <a:masterClrMapping/>
-  </p:clrMapOvr>
-  <mc:AlternateContent xmlns:mc="http://schemas.openxmlformats.org/markup-compatibility/2006" xmlns:p14="http://schemas.microsoft.com/office/powerpoint/2010/main">
-    <mc:Choice Requires="p14">
-      <p:transition p14:dur="0"/>
-    </mc:Choice>
-    <mc:Fallback xmlns="">
-      <p:transition/>
-    </mc:Fallback>
-  </mc:AlternateContent>
-  <p:timing>
-    <p:tnLst>
-      <p:par>
-        <p:cTn id="1" dur="indefinite" restart="never" nodeType="tmRoot"/>
-      </p:par>
-    </p:tnLst>
-  </p:timing>
-</p:sld>
-</file>
-
 <file path=ppt/slides/slide17.xml><?xml version="1.0" encoding="utf-8"?>
 <p:sld xmlns:a="http://schemas.openxmlformats.org/drawingml/2006/main" xmlns:r="http://schemas.openxmlformats.org/officeDocument/2006/relationships" xmlns:p="http://schemas.openxmlformats.org/presentationml/2006/main">
   <p:cSld>
@@ -10555,8 +14119,8 @@
         </p:nvSpPr>
         <p:spPr>
           <a:xfrm>
-            <a:off x="1738091" y="786859"/>
-            <a:ext cx="8715848" cy="1077218"/>
+            <a:off x="4751725" y="786859"/>
+            <a:ext cx="2688558" cy="1082284"/>
           </a:xfrm>
           <a:prstGeom prst="rect">
             <a:avLst/>
@@ -10576,22 +14140,11 @@
             </a:pPr>
             <a:r>
               <a:rPr lang="ru-RU" sz="4800" dirty="0" smtClean="0">
-                <a:solidFill>
-                  <a:srgbClr val="FF0000"/>
-                </a:solidFill>
                 <a:latin typeface="Roboto" panose="02000000000000000000" pitchFamily="2" charset="0"/>
                 <a:ea typeface="Roboto" panose="02000000000000000000" pitchFamily="2" charset="0"/>
                 <a:cs typeface="Open Sans SemiBold" panose="020B0706030804020204" pitchFamily="34" charset="0"/>
               </a:rPr>
-              <a:t>НЕПРАВИЛЬНАЯ</a:t>
-            </a:r>
-            <a:r>
-              <a:rPr lang="ru-RU" sz="4800" dirty="0" smtClean="0">
-                <a:latin typeface="Roboto" panose="02000000000000000000" pitchFamily="2" charset="0"/>
-                <a:ea typeface="Roboto" panose="02000000000000000000" pitchFamily="2" charset="0"/>
-                <a:cs typeface="Open Sans SemiBold" panose="020B0706030804020204" pitchFamily="34" charset="0"/>
-              </a:rPr>
-              <a:t> СТРУКТУРА</a:t>
+              <a:t>ЭФФЕКТ</a:t>
             </a:r>
             <a:endParaRPr lang="ru-RU" sz="4800" dirty="0">
               <a:latin typeface="Roboto" panose="02000000000000000000" pitchFamily="2" charset="0"/>
@@ -10603,14 +14156,14 @@
       </p:sp>
       <p:sp>
         <p:nvSpPr>
-          <p:cNvPr id="5" name="TextBox 4"/>
+          <p:cNvPr id="16" name="TextBox 15"/>
           <p:cNvSpPr txBox="1"/>
           <p:nvPr/>
         </p:nvSpPr>
         <p:spPr>
           <a:xfrm>
-            <a:off x="2209386" y="3051281"/>
-            <a:ext cx="7773282" cy="1083951"/>
+            <a:off x="2268703" y="3051281"/>
+            <a:ext cx="7654660" cy="1082284"/>
           </a:xfrm>
           <a:prstGeom prst="rect">
             <a:avLst/>
@@ -10630,11 +14183,22 @@
             </a:pPr>
             <a:r>
               <a:rPr lang="ru-RU" sz="4800" dirty="0" smtClean="0">
+                <a:solidFill>
+                  <a:srgbClr val="FF0000"/>
+                </a:solidFill>
                 <a:latin typeface="Roboto" panose="02000000000000000000" pitchFamily="2" charset="0"/>
                 <a:ea typeface="Roboto" panose="02000000000000000000" pitchFamily="2" charset="0"/>
                 <a:cs typeface="Open Sans SemiBold"/>
               </a:rPr>
-              <a:t>Замедлять и блокировать</a:t>
+              <a:t>Расширяемость</a:t>
+            </a:r>
+            <a:r>
+              <a:rPr lang="ru-RU" sz="4800" dirty="0" smtClean="0">
+                <a:latin typeface="Roboto" panose="02000000000000000000" pitchFamily="2" charset="0"/>
+                <a:ea typeface="Roboto" panose="02000000000000000000" pitchFamily="2" charset="0"/>
+                <a:cs typeface="Open Sans SemiBold"/>
+              </a:rPr>
+              <a:t> системы</a:t>
             </a:r>
             <a:endParaRPr lang="ru-RU" dirty="0">
               <a:latin typeface="Roboto" panose="02000000000000000000" pitchFamily="2" charset="0"/>
@@ -10645,7 +14209,7 @@
     </p:spTree>
     <p:extLst>
       <p:ext uri="{BB962C8B-B14F-4D97-AF65-F5344CB8AC3E}">
-        <p14:creationId xmlns:p14="http://schemas.microsoft.com/office/powerpoint/2010/main" val="1844505909"/>
+        <p14:creationId xmlns:p14="http://schemas.microsoft.com/office/powerpoint/2010/main" val="110531513"/>
       </p:ext>
     </p:extLst>
   </p:cSld>
@@ -10689,13 +14253,56 @@
       </p:grpSpPr>
       <p:sp>
         <p:nvSpPr>
-          <p:cNvPr id="5" name="TextBox 4"/>
+          <p:cNvPr id="4" name="TextBox 3"/>
           <p:cNvSpPr txBox="1"/>
           <p:nvPr/>
         </p:nvSpPr>
         <p:spPr>
           <a:xfrm>
-            <a:off x="2157402" y="2176654"/>
+            <a:off x="4751725" y="786859"/>
+            <a:ext cx="2688558" cy="1082284"/>
+          </a:xfrm>
+          <a:prstGeom prst="rect">
+            <a:avLst/>
+          </a:prstGeom>
+          <a:noFill/>
+        </p:spPr>
+        <p:txBody>
+          <a:bodyPr wrap="none" rtlCol="0" anchor="t">
+            <a:spAutoFit/>
+          </a:bodyPr>
+          <a:lstStyle/>
+          <a:p>
+            <a:pPr algn="ctr">
+              <a:lnSpc>
+                <a:spcPct val="150000"/>
+              </a:lnSpc>
+            </a:pPr>
+            <a:r>
+              <a:rPr lang="ru-RU" sz="4800" dirty="0" smtClean="0">
+                <a:latin typeface="Roboto" panose="02000000000000000000" pitchFamily="2" charset="0"/>
+                <a:ea typeface="Roboto" panose="02000000000000000000" pitchFamily="2" charset="0"/>
+                <a:cs typeface="Open Sans SemiBold" panose="020B0706030804020204" pitchFamily="34" charset="0"/>
+              </a:rPr>
+              <a:t>ЭФФЕКТ</a:t>
+            </a:r>
+            <a:endParaRPr lang="ru-RU" sz="4800" dirty="0">
+              <a:latin typeface="Roboto" panose="02000000000000000000" pitchFamily="2" charset="0"/>
+              <a:ea typeface="Roboto" panose="02000000000000000000" pitchFamily="2" charset="0"/>
+              <a:cs typeface="Open Sans SemiBold" panose="020B0706030804020204" pitchFamily="34" charset="0"/>
+            </a:endParaRPr>
+          </a:p>
+        </p:txBody>
+      </p:sp>
+      <p:sp>
+        <p:nvSpPr>
+          <p:cNvPr id="16" name="TextBox 15"/>
+          <p:cNvSpPr txBox="1"/>
+          <p:nvPr/>
+        </p:nvSpPr>
+        <p:spPr>
+          <a:xfrm>
+            <a:off x="2004999" y="3051281"/>
             <a:ext cx="8182048" cy="1077218"/>
           </a:xfrm>
           <a:prstGeom prst="rect">
@@ -10704,7 +14311,7 @@
           <a:noFill/>
         </p:spPr>
         <p:txBody>
-          <a:bodyPr wrap="none" rtlCol="0" anchor="t">
+          <a:bodyPr wrap="none" lIns="91440" tIns="45720" rIns="91440" bIns="45720" rtlCol="0" anchor="t">
             <a:spAutoFit/>
           </a:bodyPr>
           <a:lstStyle/>
@@ -10716,16 +14323,25 @@
             </a:pPr>
             <a:r>
               <a:rPr lang="ru-RU" sz="4800" dirty="0" smtClean="0">
+                <a:solidFill>
+                  <a:srgbClr val="FF0000"/>
+                </a:solidFill>
                 <a:latin typeface="Roboto" panose="02000000000000000000" pitchFamily="2" charset="0"/>
                 <a:ea typeface="Roboto" panose="02000000000000000000" pitchFamily="2" charset="0"/>
-                <a:cs typeface="Open Sans SemiBold" panose="020B0706030804020204" pitchFamily="34" charset="0"/>
-              </a:rPr>
-              <a:t>Производительность труда</a:t>
-            </a:r>
-            <a:endParaRPr lang="ru-RU" sz="4800" dirty="0">
+                <a:cs typeface="Open Sans SemiBold"/>
+              </a:rPr>
+              <a:t>Производительность </a:t>
+            </a:r>
+            <a:r>
+              <a:rPr lang="ru-RU" sz="4800" dirty="0" smtClean="0">
+                <a:latin typeface="Roboto" panose="02000000000000000000" pitchFamily="2" charset="0"/>
+                <a:ea typeface="Roboto" panose="02000000000000000000" pitchFamily="2" charset="0"/>
+                <a:cs typeface="Open Sans SemiBold"/>
+              </a:rPr>
+              <a:t>труда</a:t>
+            </a:r>
+            <a:endParaRPr lang="ru-RU" dirty="0">
               <a:latin typeface="Roboto" panose="02000000000000000000" pitchFamily="2" charset="0"/>
-              <a:ea typeface="Roboto" panose="02000000000000000000" pitchFamily="2" charset="0"/>
-              <a:cs typeface="Open Sans SemiBold" panose="020B0706030804020204" pitchFamily="34" charset="0"/>
             </a:endParaRPr>
           </a:p>
         </p:txBody>
@@ -10733,7 +14349,7 @@
     </p:spTree>
     <p:extLst>
       <p:ext uri="{BB962C8B-B14F-4D97-AF65-F5344CB8AC3E}">
-        <p14:creationId xmlns:p14="http://schemas.microsoft.com/office/powerpoint/2010/main" val="2519562931"/>
+        <p14:creationId xmlns:p14="http://schemas.microsoft.com/office/powerpoint/2010/main" val="3313581594"/>
       </p:ext>
     </p:extLst>
   </p:cSld>
@@ -10761,6 +14377,14 @@
 <file path=ppt/slides/slide19.xml><?xml version="1.0" encoding="utf-8"?>
 <p:sld xmlns:a="http://schemas.openxmlformats.org/drawingml/2006/main" xmlns:r="http://schemas.openxmlformats.org/officeDocument/2006/relationships" xmlns:p="http://schemas.openxmlformats.org/presentationml/2006/main">
   <p:cSld>
+    <p:bg>
+      <p:bgPr>
+        <a:solidFill>
+          <a:schemeClr val="bg1"/>
+        </a:solidFill>
+        <a:effectLst/>
+      </p:bgPr>
+    </p:bg>
     <p:spTree>
       <p:nvGrpSpPr>
         <p:cNvPr id="1" name=""/>
@@ -10777,14 +14401,14 @@
       </p:grpSpPr>
       <p:sp>
         <p:nvSpPr>
-          <p:cNvPr id="3" name="TextBox 2"/>
+          <p:cNvPr id="4" name="TextBox 3"/>
           <p:cNvSpPr txBox="1"/>
           <p:nvPr/>
         </p:nvSpPr>
         <p:spPr>
           <a:xfrm>
-            <a:off x="394900" y="3573655"/>
-            <a:ext cx="11707052" cy="1077218"/>
+            <a:off x="2132426" y="786859"/>
+            <a:ext cx="7927170" cy="1077218"/>
           </a:xfrm>
           <a:prstGeom prst="rect">
             <a:avLst/>
@@ -10804,11 +14428,22 @@
             </a:pPr>
             <a:r>
               <a:rPr lang="ru-RU" sz="4800" dirty="0" smtClean="0">
+                <a:solidFill>
+                  <a:srgbClr val="FF0000"/>
+                </a:solidFill>
                 <a:latin typeface="Roboto" panose="02000000000000000000" pitchFamily="2" charset="0"/>
                 <a:ea typeface="Roboto" panose="02000000000000000000" pitchFamily="2" charset="0"/>
                 <a:cs typeface="Open Sans SemiBold" panose="020B0706030804020204" pitchFamily="34" charset="0"/>
               </a:rPr>
-              <a:t>Высокий спрос и низкая квалификация</a:t>
+              <a:t>ПРАВИЛЬНАЯ</a:t>
+            </a:r>
+            <a:r>
+              <a:rPr lang="ru-RU" sz="4800" dirty="0" smtClean="0">
+                <a:latin typeface="Roboto" panose="02000000000000000000" pitchFamily="2" charset="0"/>
+                <a:ea typeface="Roboto" panose="02000000000000000000" pitchFamily="2" charset="0"/>
+                <a:cs typeface="Open Sans SemiBold" panose="020B0706030804020204" pitchFamily="34" charset="0"/>
+              </a:rPr>
+              <a:t> СТРУКТУРА</a:t>
             </a:r>
             <a:endParaRPr lang="ru-RU" sz="4800" dirty="0">
               <a:latin typeface="Roboto" panose="02000000000000000000" pitchFamily="2" charset="0"/>
@@ -10826,8 +14461,8 @@
         </p:nvSpPr>
         <p:spPr>
           <a:xfrm>
-            <a:off x="2157402" y="2176654"/>
-            <a:ext cx="8182048" cy="1077218"/>
+            <a:off x="1705238" y="3051281"/>
+            <a:ext cx="8781571" cy="1083951"/>
           </a:xfrm>
           <a:prstGeom prst="rect">
             <a:avLst/>
@@ -10835,7 +14470,7 @@
           <a:noFill/>
         </p:spPr>
         <p:txBody>
-          <a:bodyPr wrap="none" rtlCol="0" anchor="t">
+          <a:bodyPr wrap="none" lIns="91440" tIns="45720" rIns="91440" bIns="45720" rtlCol="0" anchor="t">
             <a:spAutoFit/>
           </a:bodyPr>
           <a:lstStyle/>
@@ -10849,14 +14484,12 @@
               <a:rPr lang="ru-RU" sz="4800" dirty="0" smtClean="0">
                 <a:latin typeface="Roboto" panose="02000000000000000000" pitchFamily="2" charset="0"/>
                 <a:ea typeface="Roboto" panose="02000000000000000000" pitchFamily="2" charset="0"/>
-                <a:cs typeface="Open Sans SemiBold" panose="020B0706030804020204" pitchFamily="34" charset="0"/>
-              </a:rPr>
-              <a:t>Производительность труда</a:t>
-            </a:r>
-            <a:endParaRPr lang="ru-RU" sz="4800" dirty="0">
+                <a:cs typeface="Open Sans SemiBold"/>
+              </a:rPr>
+              <a:t>Ускорять и не противоречить</a:t>
+            </a:r>
+            <a:endParaRPr lang="ru-RU" dirty="0">
               <a:latin typeface="Roboto" panose="02000000000000000000" pitchFamily="2" charset="0"/>
-              <a:ea typeface="Roboto" panose="02000000000000000000" pitchFamily="2" charset="0"/>
-              <a:cs typeface="Open Sans SemiBold" panose="020B0706030804020204" pitchFamily="34" charset="0"/>
             </a:endParaRPr>
           </a:p>
         </p:txBody>
@@ -10864,7 +14497,7 @@
     </p:spTree>
     <p:extLst>
       <p:ext uri="{BB962C8B-B14F-4D97-AF65-F5344CB8AC3E}">
-        <p14:creationId xmlns:p14="http://schemas.microsoft.com/office/powerpoint/2010/main" val="567570661"/>
+        <p14:creationId xmlns:p14="http://schemas.microsoft.com/office/powerpoint/2010/main" val="914687673"/>
       </p:ext>
     </p:extLst>
   </p:cSld>
@@ -10959,7 +14592,7 @@
           </a:ln>
           <a:extLst>
             <a:ext uri="{C572A759-6A51-4108-AA02-DFA0A04FC94B}">
-              <ma14:wrappingTextBoxFlag xmlns="" xmlns:m="http://schemas.openxmlformats.org/officeDocument/2006/math" xmlns:a14="http://schemas.microsoft.com/office/drawing/2010/main" xmlns:ma14="http://schemas.microsoft.com/office/mac/drawingml/2011/main" val="1"/>
+              <ma14:wrappingTextBoxFlag xmlns:ma14="http://schemas.microsoft.com/office/mac/drawingml/2011/main" xmlns:a14="http://schemas.microsoft.com/office/drawing/2010/main" xmlns:m="http://schemas.openxmlformats.org/officeDocument/2006/math" xmlns="" val="1"/>
             </a:ext>
           </a:extLst>
         </p:spPr>
@@ -11321,6 +14954,593 @@
 </file>
 
 <file path=ppt/slides/slide20.xml><?xml version="1.0" encoding="utf-8"?>
+<p:sld xmlns:a="http://schemas.openxmlformats.org/drawingml/2006/main" xmlns:r="http://schemas.openxmlformats.org/officeDocument/2006/relationships" xmlns:p="http://schemas.openxmlformats.org/presentationml/2006/main">
+  <p:cSld>
+    <p:bg>
+      <p:bgPr>
+        <a:solidFill>
+          <a:schemeClr val="bg1"/>
+        </a:solidFill>
+        <a:effectLst/>
+      </p:bgPr>
+    </p:bg>
+    <p:spTree>
+      <p:nvGrpSpPr>
+        <p:cNvPr id="1" name=""/>
+        <p:cNvGrpSpPr/>
+        <p:nvPr/>
+      </p:nvGrpSpPr>
+      <p:grpSpPr>
+        <a:xfrm>
+          <a:off x="0" y="0"/>
+          <a:ext cx="0" cy="0"/>
+          <a:chOff x="0" y="0"/>
+          <a:chExt cx="0" cy="0"/>
+        </a:xfrm>
+      </p:grpSpPr>
+      <p:sp>
+        <p:nvSpPr>
+          <p:cNvPr id="4" name="TextBox 3"/>
+          <p:cNvSpPr txBox="1"/>
+          <p:nvPr/>
+        </p:nvSpPr>
+        <p:spPr>
+          <a:xfrm>
+            <a:off x="1738091" y="786859"/>
+            <a:ext cx="8715848" cy="1077218"/>
+          </a:xfrm>
+          <a:prstGeom prst="rect">
+            <a:avLst/>
+          </a:prstGeom>
+          <a:noFill/>
+        </p:spPr>
+        <p:txBody>
+          <a:bodyPr wrap="none" rtlCol="0" anchor="t">
+            <a:spAutoFit/>
+          </a:bodyPr>
+          <a:lstStyle/>
+          <a:p>
+            <a:pPr algn="ctr">
+              <a:lnSpc>
+                <a:spcPct val="150000"/>
+              </a:lnSpc>
+            </a:pPr>
+            <a:r>
+              <a:rPr lang="ru-RU" sz="4800" dirty="0" smtClean="0">
+                <a:solidFill>
+                  <a:srgbClr val="FF0000"/>
+                </a:solidFill>
+                <a:latin typeface="Roboto" panose="02000000000000000000" pitchFamily="2" charset="0"/>
+                <a:ea typeface="Roboto" panose="02000000000000000000" pitchFamily="2" charset="0"/>
+                <a:cs typeface="Open Sans SemiBold" panose="020B0706030804020204" pitchFamily="34" charset="0"/>
+              </a:rPr>
+              <a:t>НЕПРАВИЛЬНАЯ</a:t>
+            </a:r>
+            <a:r>
+              <a:rPr lang="ru-RU" sz="4800" dirty="0" smtClean="0">
+                <a:latin typeface="Roboto" panose="02000000000000000000" pitchFamily="2" charset="0"/>
+                <a:ea typeface="Roboto" panose="02000000000000000000" pitchFamily="2" charset="0"/>
+                <a:cs typeface="Open Sans SemiBold" panose="020B0706030804020204" pitchFamily="34" charset="0"/>
+              </a:rPr>
+              <a:t> СТРУКТУРА</a:t>
+            </a:r>
+            <a:endParaRPr lang="ru-RU" sz="4800" dirty="0">
+              <a:latin typeface="Roboto" panose="02000000000000000000" pitchFamily="2" charset="0"/>
+              <a:ea typeface="Roboto" panose="02000000000000000000" pitchFamily="2" charset="0"/>
+              <a:cs typeface="Open Sans SemiBold" panose="020B0706030804020204" pitchFamily="34" charset="0"/>
+            </a:endParaRPr>
+          </a:p>
+        </p:txBody>
+      </p:sp>
+      <p:sp>
+        <p:nvSpPr>
+          <p:cNvPr id="5" name="TextBox 4"/>
+          <p:cNvSpPr txBox="1"/>
+          <p:nvPr/>
+        </p:nvSpPr>
+        <p:spPr>
+          <a:xfrm>
+            <a:off x="2209386" y="3051281"/>
+            <a:ext cx="7773282" cy="1083951"/>
+          </a:xfrm>
+          <a:prstGeom prst="rect">
+            <a:avLst/>
+          </a:prstGeom>
+          <a:noFill/>
+        </p:spPr>
+        <p:txBody>
+          <a:bodyPr wrap="none" lIns="91440" tIns="45720" rIns="91440" bIns="45720" rtlCol="0" anchor="t">
+            <a:spAutoFit/>
+          </a:bodyPr>
+          <a:lstStyle/>
+          <a:p>
+            <a:pPr algn="ctr">
+              <a:lnSpc>
+                <a:spcPct val="150000"/>
+              </a:lnSpc>
+            </a:pPr>
+            <a:r>
+              <a:rPr lang="ru-RU" sz="4800" dirty="0" smtClean="0">
+                <a:latin typeface="Roboto" panose="02000000000000000000" pitchFamily="2" charset="0"/>
+                <a:ea typeface="Roboto" panose="02000000000000000000" pitchFamily="2" charset="0"/>
+                <a:cs typeface="Open Sans SemiBold"/>
+              </a:rPr>
+              <a:t>Замедлять и блокировать</a:t>
+            </a:r>
+            <a:endParaRPr lang="ru-RU" dirty="0">
+              <a:latin typeface="Roboto" panose="02000000000000000000" pitchFamily="2" charset="0"/>
+            </a:endParaRPr>
+          </a:p>
+        </p:txBody>
+      </p:sp>
+    </p:spTree>
+    <p:extLst>
+      <p:ext uri="{BB962C8B-B14F-4D97-AF65-F5344CB8AC3E}">
+        <p14:creationId xmlns:p14="http://schemas.microsoft.com/office/powerpoint/2010/main" val="1844505909"/>
+      </p:ext>
+    </p:extLst>
+  </p:cSld>
+  <p:clrMapOvr>
+    <a:masterClrMapping/>
+  </p:clrMapOvr>
+  <mc:AlternateContent xmlns:mc="http://schemas.openxmlformats.org/markup-compatibility/2006" xmlns:p14="http://schemas.microsoft.com/office/powerpoint/2010/main">
+    <mc:Choice Requires="p14">
+      <p:transition p14:dur="0"/>
+    </mc:Choice>
+    <mc:Fallback xmlns="">
+      <p:transition/>
+    </mc:Fallback>
+  </mc:AlternateContent>
+  <p:timing>
+    <p:tnLst>
+      <p:par>
+        <p:cTn id="1" dur="indefinite" restart="never" nodeType="tmRoot"/>
+      </p:par>
+    </p:tnLst>
+  </p:timing>
+</p:sld>
+</file>
+
+<file path=ppt/slides/slide21.xml><?xml version="1.0" encoding="utf-8"?>
+<p:sld xmlns:a="http://schemas.openxmlformats.org/drawingml/2006/main" xmlns:r="http://schemas.openxmlformats.org/officeDocument/2006/relationships" xmlns:p="http://schemas.openxmlformats.org/presentationml/2006/main">
+  <p:cSld>
+    <p:spTree>
+      <p:nvGrpSpPr>
+        <p:cNvPr id="1" name=""/>
+        <p:cNvGrpSpPr/>
+        <p:nvPr/>
+      </p:nvGrpSpPr>
+      <p:grpSpPr>
+        <a:xfrm>
+          <a:off x="0" y="0"/>
+          <a:ext cx="0" cy="0"/>
+          <a:chOff x="0" y="0"/>
+          <a:chExt cx="0" cy="0"/>
+        </a:xfrm>
+      </p:grpSpPr>
+      <p:sp>
+        <p:nvSpPr>
+          <p:cNvPr id="5" name="TextBox 4"/>
+          <p:cNvSpPr txBox="1"/>
+          <p:nvPr/>
+        </p:nvSpPr>
+        <p:spPr>
+          <a:xfrm>
+            <a:off x="2004976" y="1490857"/>
+            <a:ext cx="8182048" cy="1077218"/>
+          </a:xfrm>
+          <a:prstGeom prst="rect">
+            <a:avLst/>
+          </a:prstGeom>
+          <a:noFill/>
+        </p:spPr>
+        <p:txBody>
+          <a:bodyPr wrap="none" rtlCol="0" anchor="t">
+            <a:spAutoFit/>
+          </a:bodyPr>
+          <a:lstStyle/>
+          <a:p>
+            <a:pPr algn="ctr">
+              <a:lnSpc>
+                <a:spcPct val="150000"/>
+              </a:lnSpc>
+            </a:pPr>
+            <a:r>
+              <a:rPr lang="ru-RU" sz="4800" dirty="0" smtClean="0">
+                <a:latin typeface="Roboto" panose="02000000000000000000" pitchFamily="2" charset="0"/>
+                <a:ea typeface="Roboto" panose="02000000000000000000" pitchFamily="2" charset="0"/>
+                <a:cs typeface="Open Sans SemiBold" panose="020B0706030804020204" pitchFamily="34" charset="0"/>
+              </a:rPr>
+              <a:t>Производительность труда</a:t>
+            </a:r>
+            <a:endParaRPr lang="ru-RU" sz="4800" dirty="0">
+              <a:latin typeface="Roboto" panose="02000000000000000000" pitchFamily="2" charset="0"/>
+              <a:ea typeface="Roboto" panose="02000000000000000000" pitchFamily="2" charset="0"/>
+              <a:cs typeface="Open Sans SemiBold" panose="020B0706030804020204" pitchFamily="34" charset="0"/>
+            </a:endParaRPr>
+          </a:p>
+        </p:txBody>
+      </p:sp>
+    </p:spTree>
+    <p:extLst>
+      <p:ext uri="{BB962C8B-B14F-4D97-AF65-F5344CB8AC3E}">
+        <p14:creationId xmlns:p14="http://schemas.microsoft.com/office/powerpoint/2010/main" val="250501601"/>
+      </p:ext>
+    </p:extLst>
+  </p:cSld>
+  <p:clrMapOvr>
+    <a:masterClrMapping/>
+  </p:clrMapOvr>
+  <mc:AlternateContent xmlns:mc="http://schemas.openxmlformats.org/markup-compatibility/2006" xmlns:p14="http://schemas.microsoft.com/office/powerpoint/2010/main">
+    <mc:Choice Requires="p14">
+      <p:transition p14:dur="0"/>
+    </mc:Choice>
+    <mc:Fallback xmlns="">
+      <p:transition/>
+    </mc:Fallback>
+  </mc:AlternateContent>
+  <p:timing>
+    <p:tnLst>
+      <p:par>
+        <p:cTn id="1" dur="indefinite" restart="never" nodeType="tmRoot"/>
+      </p:par>
+    </p:tnLst>
+  </p:timing>
+</p:sld>
+</file>
+
+<file path=ppt/slides/slide22.xml><?xml version="1.0" encoding="utf-8"?>
+<p:sld xmlns:a="http://schemas.openxmlformats.org/drawingml/2006/main" xmlns:r="http://schemas.openxmlformats.org/officeDocument/2006/relationships" xmlns:p="http://schemas.openxmlformats.org/presentationml/2006/main">
+  <p:cSld>
+    <p:spTree>
+      <p:nvGrpSpPr>
+        <p:cNvPr id="1" name=""/>
+        <p:cNvGrpSpPr/>
+        <p:nvPr/>
+      </p:nvGrpSpPr>
+      <p:grpSpPr>
+        <a:xfrm>
+          <a:off x="0" y="0"/>
+          <a:ext cx="0" cy="0"/>
+          <a:chOff x="0" y="0"/>
+          <a:chExt cx="0" cy="0"/>
+        </a:xfrm>
+      </p:grpSpPr>
+      <p:grpSp>
+        <p:nvGrpSpPr>
+          <p:cNvPr id="2" name="Группа 1"/>
+          <p:cNvGrpSpPr/>
+          <p:nvPr/>
+        </p:nvGrpSpPr>
+        <p:grpSpPr>
+          <a:xfrm>
+            <a:off x="2004976" y="1490857"/>
+            <a:ext cx="8182048" cy="2479285"/>
+            <a:chOff x="2005002" y="1325754"/>
+            <a:chExt cx="8182048" cy="2479285"/>
+          </a:xfrm>
+        </p:grpSpPr>
+        <p:sp>
+          <p:nvSpPr>
+            <p:cNvPr id="3" name="TextBox 2"/>
+            <p:cNvSpPr txBox="1"/>
+            <p:nvPr/>
+          </p:nvSpPr>
+          <p:spPr>
+            <a:xfrm>
+              <a:off x="3745863" y="2722755"/>
+              <a:ext cx="4700326" cy="1082284"/>
+            </a:xfrm>
+            <a:prstGeom prst="rect">
+              <a:avLst/>
+            </a:prstGeom>
+            <a:noFill/>
+          </p:spPr>
+          <p:txBody>
+            <a:bodyPr wrap="none" rtlCol="0" anchor="t">
+              <a:spAutoFit/>
+            </a:bodyPr>
+            <a:lstStyle/>
+            <a:p>
+              <a:pPr algn="ctr">
+                <a:lnSpc>
+                  <a:spcPct val="150000"/>
+                </a:lnSpc>
+              </a:pPr>
+              <a:r>
+                <a:rPr lang="ru-RU" sz="4800" dirty="0" smtClean="0">
+                  <a:latin typeface="Roboto" panose="02000000000000000000" pitchFamily="2" charset="0"/>
+                  <a:ea typeface="Roboto" panose="02000000000000000000" pitchFamily="2" charset="0"/>
+                  <a:cs typeface="Open Sans SemiBold" panose="020B0706030804020204" pitchFamily="34" charset="0"/>
+                </a:rPr>
+                <a:t>Высокий </a:t>
+              </a:r>
+              <a:r>
+                <a:rPr lang="ru-RU" sz="4800" dirty="0" smtClean="0">
+                  <a:latin typeface="Roboto" panose="02000000000000000000" pitchFamily="2" charset="0"/>
+                  <a:ea typeface="Roboto" panose="02000000000000000000" pitchFamily="2" charset="0"/>
+                  <a:cs typeface="Open Sans SemiBold" panose="020B0706030804020204" pitchFamily="34" charset="0"/>
+                </a:rPr>
+                <a:t>спрос</a:t>
+              </a:r>
+              <a:endParaRPr lang="ru-RU" sz="4800" dirty="0">
+                <a:latin typeface="Roboto" panose="02000000000000000000" pitchFamily="2" charset="0"/>
+                <a:ea typeface="Roboto" panose="02000000000000000000" pitchFamily="2" charset="0"/>
+                <a:cs typeface="Open Sans SemiBold" panose="020B0706030804020204" pitchFamily="34" charset="0"/>
+              </a:endParaRPr>
+            </a:p>
+          </p:txBody>
+        </p:sp>
+        <p:sp>
+          <p:nvSpPr>
+            <p:cNvPr id="5" name="TextBox 4"/>
+            <p:cNvSpPr txBox="1"/>
+            <p:nvPr/>
+          </p:nvSpPr>
+          <p:spPr>
+            <a:xfrm>
+              <a:off x="2005002" y="1325754"/>
+              <a:ext cx="8182048" cy="1077218"/>
+            </a:xfrm>
+            <a:prstGeom prst="rect">
+              <a:avLst/>
+            </a:prstGeom>
+            <a:noFill/>
+          </p:spPr>
+          <p:txBody>
+            <a:bodyPr wrap="none" rtlCol="0" anchor="t">
+              <a:spAutoFit/>
+            </a:bodyPr>
+            <a:lstStyle/>
+            <a:p>
+              <a:pPr algn="ctr">
+                <a:lnSpc>
+                  <a:spcPct val="150000"/>
+                </a:lnSpc>
+              </a:pPr>
+              <a:r>
+                <a:rPr lang="ru-RU" sz="4800" dirty="0" smtClean="0">
+                  <a:latin typeface="Roboto" panose="02000000000000000000" pitchFamily="2" charset="0"/>
+                  <a:ea typeface="Roboto" panose="02000000000000000000" pitchFamily="2" charset="0"/>
+                  <a:cs typeface="Open Sans SemiBold" panose="020B0706030804020204" pitchFamily="34" charset="0"/>
+                </a:rPr>
+                <a:t>Производительность труда</a:t>
+              </a:r>
+              <a:endParaRPr lang="ru-RU" sz="4800" dirty="0">
+                <a:latin typeface="Roboto" panose="02000000000000000000" pitchFamily="2" charset="0"/>
+                <a:ea typeface="Roboto" panose="02000000000000000000" pitchFamily="2" charset="0"/>
+                <a:cs typeface="Open Sans SemiBold" panose="020B0706030804020204" pitchFamily="34" charset="0"/>
+              </a:endParaRPr>
+            </a:p>
+          </p:txBody>
+        </p:sp>
+      </p:grpSp>
+    </p:spTree>
+    <p:extLst>
+      <p:ext uri="{BB962C8B-B14F-4D97-AF65-F5344CB8AC3E}">
+        <p14:creationId xmlns:p14="http://schemas.microsoft.com/office/powerpoint/2010/main" val="590741726"/>
+      </p:ext>
+    </p:extLst>
+  </p:cSld>
+  <p:clrMapOvr>
+    <a:masterClrMapping/>
+  </p:clrMapOvr>
+  <mc:AlternateContent xmlns:mc="http://schemas.openxmlformats.org/markup-compatibility/2006" xmlns:p14="http://schemas.microsoft.com/office/powerpoint/2010/main">
+    <mc:Choice Requires="p14">
+      <p:transition p14:dur="0"/>
+    </mc:Choice>
+    <mc:Fallback xmlns="">
+      <p:transition/>
+    </mc:Fallback>
+  </mc:AlternateContent>
+  <p:timing>
+    <p:tnLst>
+      <p:par>
+        <p:cTn id="1" dur="indefinite" restart="never" nodeType="tmRoot"/>
+      </p:par>
+    </p:tnLst>
+  </p:timing>
+</p:sld>
+</file>
+
+<file path=ppt/slides/slide23.xml><?xml version="1.0" encoding="utf-8"?>
+<p:sld xmlns:a="http://schemas.openxmlformats.org/drawingml/2006/main" xmlns:r="http://schemas.openxmlformats.org/officeDocument/2006/relationships" xmlns:p="http://schemas.openxmlformats.org/presentationml/2006/main">
+  <p:cSld>
+    <p:spTree>
+      <p:nvGrpSpPr>
+        <p:cNvPr id="1" name=""/>
+        <p:cNvGrpSpPr/>
+        <p:nvPr/>
+      </p:nvGrpSpPr>
+      <p:grpSpPr>
+        <a:xfrm>
+          <a:off x="0" y="0"/>
+          <a:ext cx="0" cy="0"/>
+          <a:chOff x="0" y="0"/>
+          <a:chExt cx="0" cy="0"/>
+        </a:xfrm>
+      </p:grpSpPr>
+      <p:grpSp>
+        <p:nvGrpSpPr>
+          <p:cNvPr id="2" name="Группа 1"/>
+          <p:cNvGrpSpPr/>
+          <p:nvPr/>
+        </p:nvGrpSpPr>
+        <p:grpSpPr>
+          <a:xfrm>
+            <a:off x="2004976" y="1490857"/>
+            <a:ext cx="8182048" cy="3876286"/>
+            <a:chOff x="2005002" y="1325754"/>
+            <a:chExt cx="8182048" cy="3876286"/>
+          </a:xfrm>
+        </p:grpSpPr>
+        <p:sp>
+          <p:nvSpPr>
+            <p:cNvPr id="3" name="TextBox 2"/>
+            <p:cNvSpPr txBox="1"/>
+            <p:nvPr/>
+          </p:nvSpPr>
+          <p:spPr>
+            <a:xfrm>
+              <a:off x="3745863" y="2722755"/>
+              <a:ext cx="4700326" cy="1082284"/>
+            </a:xfrm>
+            <a:prstGeom prst="rect">
+              <a:avLst/>
+            </a:prstGeom>
+            <a:noFill/>
+          </p:spPr>
+          <p:txBody>
+            <a:bodyPr wrap="none" rtlCol="0" anchor="t">
+              <a:spAutoFit/>
+            </a:bodyPr>
+            <a:lstStyle/>
+            <a:p>
+              <a:pPr algn="ctr">
+                <a:lnSpc>
+                  <a:spcPct val="150000"/>
+                </a:lnSpc>
+              </a:pPr>
+              <a:r>
+                <a:rPr lang="ru-RU" sz="4800" dirty="0" smtClean="0">
+                  <a:latin typeface="Roboto" panose="02000000000000000000" pitchFamily="2" charset="0"/>
+                  <a:ea typeface="Roboto" panose="02000000000000000000" pitchFamily="2" charset="0"/>
+                  <a:cs typeface="Open Sans SemiBold" panose="020B0706030804020204" pitchFamily="34" charset="0"/>
+                </a:rPr>
+                <a:t>Высокий </a:t>
+              </a:r>
+              <a:r>
+                <a:rPr lang="ru-RU" sz="4800" dirty="0" smtClean="0">
+                  <a:latin typeface="Roboto" panose="02000000000000000000" pitchFamily="2" charset="0"/>
+                  <a:ea typeface="Roboto" panose="02000000000000000000" pitchFamily="2" charset="0"/>
+                  <a:cs typeface="Open Sans SemiBold" panose="020B0706030804020204" pitchFamily="34" charset="0"/>
+                </a:rPr>
+                <a:t>спрос</a:t>
+              </a:r>
+              <a:endParaRPr lang="ru-RU" sz="4800" dirty="0">
+                <a:latin typeface="Roboto" panose="02000000000000000000" pitchFamily="2" charset="0"/>
+                <a:ea typeface="Roboto" panose="02000000000000000000" pitchFamily="2" charset="0"/>
+                <a:cs typeface="Open Sans SemiBold" panose="020B0706030804020204" pitchFamily="34" charset="0"/>
+              </a:endParaRPr>
+            </a:p>
+          </p:txBody>
+        </p:sp>
+        <p:sp>
+          <p:nvSpPr>
+            <p:cNvPr id="5" name="TextBox 4"/>
+            <p:cNvSpPr txBox="1"/>
+            <p:nvPr/>
+          </p:nvSpPr>
+          <p:spPr>
+            <a:xfrm>
+              <a:off x="2005002" y="1325754"/>
+              <a:ext cx="8182048" cy="1077218"/>
+            </a:xfrm>
+            <a:prstGeom prst="rect">
+              <a:avLst/>
+            </a:prstGeom>
+            <a:noFill/>
+          </p:spPr>
+          <p:txBody>
+            <a:bodyPr wrap="none" rtlCol="0" anchor="t">
+              <a:spAutoFit/>
+            </a:bodyPr>
+            <a:lstStyle/>
+            <a:p>
+              <a:pPr algn="ctr">
+                <a:lnSpc>
+                  <a:spcPct val="150000"/>
+                </a:lnSpc>
+              </a:pPr>
+              <a:r>
+                <a:rPr lang="ru-RU" sz="4800" dirty="0" smtClean="0">
+                  <a:latin typeface="Roboto" panose="02000000000000000000" pitchFamily="2" charset="0"/>
+                  <a:ea typeface="Roboto" panose="02000000000000000000" pitchFamily="2" charset="0"/>
+                  <a:cs typeface="Open Sans SemiBold" panose="020B0706030804020204" pitchFamily="34" charset="0"/>
+                </a:rPr>
+                <a:t>Производительность труда</a:t>
+              </a:r>
+              <a:endParaRPr lang="ru-RU" sz="4800" dirty="0">
+                <a:latin typeface="Roboto" panose="02000000000000000000" pitchFamily="2" charset="0"/>
+                <a:ea typeface="Roboto" panose="02000000000000000000" pitchFamily="2" charset="0"/>
+                <a:cs typeface="Open Sans SemiBold" panose="020B0706030804020204" pitchFamily="34" charset="0"/>
+              </a:endParaRPr>
+            </a:p>
+          </p:txBody>
+        </p:sp>
+        <p:sp>
+          <p:nvSpPr>
+            <p:cNvPr id="4" name="TextBox 3"/>
+            <p:cNvSpPr txBox="1"/>
+            <p:nvPr/>
+          </p:nvSpPr>
+          <p:spPr>
+            <a:xfrm>
+              <a:off x="2671851" y="4119756"/>
+              <a:ext cx="6848350" cy="1082284"/>
+            </a:xfrm>
+            <a:prstGeom prst="rect">
+              <a:avLst/>
+            </a:prstGeom>
+            <a:noFill/>
+          </p:spPr>
+          <p:txBody>
+            <a:bodyPr wrap="none" rtlCol="0" anchor="t">
+              <a:spAutoFit/>
+            </a:bodyPr>
+            <a:lstStyle/>
+            <a:p>
+              <a:pPr algn="ctr">
+                <a:lnSpc>
+                  <a:spcPct val="150000"/>
+                </a:lnSpc>
+              </a:pPr>
+              <a:r>
+                <a:rPr lang="ru-RU" sz="4800" dirty="0" smtClean="0">
+                  <a:latin typeface="Roboto" panose="02000000000000000000" pitchFamily="2" charset="0"/>
+                  <a:ea typeface="Roboto" panose="02000000000000000000" pitchFamily="2" charset="0"/>
+                  <a:cs typeface="Open Sans SemiBold" panose="020B0706030804020204" pitchFamily="34" charset="0"/>
+                </a:rPr>
+                <a:t>Низкая квалификация</a:t>
+              </a:r>
+              <a:endParaRPr lang="ru-RU" sz="4800" dirty="0">
+                <a:latin typeface="Roboto" panose="02000000000000000000" pitchFamily="2" charset="0"/>
+                <a:ea typeface="Roboto" panose="02000000000000000000" pitchFamily="2" charset="0"/>
+                <a:cs typeface="Open Sans SemiBold" panose="020B0706030804020204" pitchFamily="34" charset="0"/>
+              </a:endParaRPr>
+            </a:p>
+          </p:txBody>
+        </p:sp>
+      </p:grpSp>
+    </p:spTree>
+    <p:extLst>
+      <p:ext uri="{BB962C8B-B14F-4D97-AF65-F5344CB8AC3E}">
+        <p14:creationId xmlns:p14="http://schemas.microsoft.com/office/powerpoint/2010/main" val="848387883"/>
+      </p:ext>
+    </p:extLst>
+  </p:cSld>
+  <p:clrMapOvr>
+    <a:masterClrMapping/>
+  </p:clrMapOvr>
+  <mc:AlternateContent xmlns:mc="http://schemas.openxmlformats.org/markup-compatibility/2006" xmlns:p14="http://schemas.microsoft.com/office/powerpoint/2010/main">
+    <mc:Choice Requires="p14">
+      <p:transition p14:dur="0"/>
+    </mc:Choice>
+    <mc:Fallback xmlns="">
+      <p:transition/>
+    </mc:Fallback>
+  </mc:AlternateContent>
+  <p:timing>
+    <p:tnLst>
+      <p:par>
+        <p:cTn id="1" dur="indefinite" restart="never" nodeType="tmRoot"/>
+      </p:par>
+    </p:tnLst>
+  </p:timing>
+</p:sld>
+</file>
+
+<file path=ppt/slides/slide24.xml><?xml version="1.0" encoding="utf-8"?>
 <p:sld xmlns:a="http://schemas.openxmlformats.org/drawingml/2006/main" xmlns:r="http://schemas.openxmlformats.org/officeDocument/2006/relationships" xmlns:p="http://schemas.openxmlformats.org/presentationml/2006/main">
   <p:cSld>
     <p:spTree>
@@ -11408,7 +15628,7 @@
 </p:sld>
 </file>
 
-<file path=ppt/slides/slide21.xml><?xml version="1.0" encoding="utf-8"?>
+<file path=ppt/slides/slide25.xml><?xml version="1.0" encoding="utf-8"?>
 <p:sld xmlns:a="http://schemas.openxmlformats.org/drawingml/2006/main" xmlns:r="http://schemas.openxmlformats.org/officeDocument/2006/relationships" xmlns:p="http://schemas.openxmlformats.org/presentationml/2006/main">
   <p:cSld>
     <p:spTree>
@@ -11482,7 +15702,7 @@
 </p:sld>
 </file>
 
-<file path=ppt/slides/slide22.xml><?xml version="1.0" encoding="utf-8"?>
+<file path=ppt/slides/slide26.xml><?xml version="1.0" encoding="utf-8"?>
 <p:sld xmlns:a="http://schemas.openxmlformats.org/drawingml/2006/main" xmlns:r="http://schemas.openxmlformats.org/officeDocument/2006/relationships" xmlns:p="http://schemas.openxmlformats.org/presentationml/2006/main">
   <p:cSld>
     <p:spTree>
@@ -11556,7 +15776,7 @@
 </p:sld>
 </file>
 
-<file path=ppt/slides/slide23.xml><?xml version="1.0" encoding="utf-8"?>
+<file path=ppt/slides/slide27.xml><?xml version="1.0" encoding="utf-8"?>
 <p:sld xmlns:a="http://schemas.openxmlformats.org/drawingml/2006/main" xmlns:r="http://schemas.openxmlformats.org/officeDocument/2006/relationships" xmlns:p="http://schemas.openxmlformats.org/presentationml/2006/main">
   <p:cSld>
     <p:spTree>
@@ -11804,7 +16024,91 @@
 </p:sld>
 </file>
 
-<file path=ppt/slides/slide24.xml><?xml version="1.0" encoding="utf-8"?>
+<file path=ppt/slides/slide28.xml><?xml version="1.0" encoding="utf-8"?>
+<p:sld xmlns:a="http://schemas.openxmlformats.org/drawingml/2006/main" xmlns:r="http://schemas.openxmlformats.org/officeDocument/2006/relationships" xmlns:p="http://schemas.openxmlformats.org/presentationml/2006/main">
+  <p:cSld>
+    <p:spTree>
+      <p:nvGrpSpPr>
+        <p:cNvPr id="1" name=""/>
+        <p:cNvGrpSpPr/>
+        <p:nvPr/>
+      </p:nvGrpSpPr>
+      <p:grpSpPr>
+        <a:xfrm>
+          <a:off x="0" y="0"/>
+          <a:ext cx="0" cy="0"/>
+          <a:chOff x="0" y="0"/>
+          <a:chExt cx="0" cy="0"/>
+        </a:xfrm>
+      </p:grpSpPr>
+      <p:pic>
+        <p:nvPicPr>
+          <p:cNvPr id="3074" name="Picture 2" descr="https://higherlogicdownload.s3.amazonaws.com/IMWUC/UploadedImages/nVLnEqbbROK3MYpE6Q2i_Sample%20Open-source%20software%20for%20IBM%20Z%20and%20LinuxONE%20ecosystem-L.jpg"/>
+          <p:cNvPicPr>
+            <a:picLocks noChangeAspect="1" noChangeArrowheads="1"/>
+          </p:cNvPicPr>
+          <p:nvPr/>
+        </p:nvPicPr>
+        <p:blipFill rotWithShape="1">
+          <a:blip r:embed="rId3">
+            <a:extLst>
+              <a:ext uri="{28A0092B-C50C-407E-A947-70E740481C1C}">
+                <a14:useLocalDpi xmlns:a14="http://schemas.microsoft.com/office/drawing/2010/main" val="0"/>
+              </a:ext>
+            </a:extLst>
+          </a:blip>
+          <a:srcRect t="9276"/>
+          <a:stretch/>
+        </p:blipFill>
+        <p:spPr bwMode="auto">
+          <a:xfrm>
+            <a:off x="-265338" y="116114"/>
+            <a:ext cx="12762678" cy="6589486"/>
+          </a:xfrm>
+          <a:prstGeom prst="rect">
+            <a:avLst/>
+          </a:prstGeom>
+          <a:noFill/>
+          <a:extLst>
+            <a:ext uri="{909E8E84-426E-40DD-AFC4-6F175D3DCCD1}">
+              <a14:hiddenFill xmlns:a14="http://schemas.microsoft.com/office/drawing/2010/main">
+                <a:solidFill>
+                  <a:srgbClr val="FFFFFF"/>
+                </a:solidFill>
+              </a14:hiddenFill>
+            </a:ext>
+          </a:extLst>
+        </p:spPr>
+      </p:pic>
+    </p:spTree>
+    <p:extLst>
+      <p:ext uri="{BB962C8B-B14F-4D97-AF65-F5344CB8AC3E}">
+        <p14:creationId xmlns:p14="http://schemas.microsoft.com/office/powerpoint/2010/main" val="2883764747"/>
+      </p:ext>
+    </p:extLst>
+  </p:cSld>
+  <p:clrMapOvr>
+    <a:masterClrMapping/>
+  </p:clrMapOvr>
+  <mc:AlternateContent xmlns:mc="http://schemas.openxmlformats.org/markup-compatibility/2006" xmlns:p14="http://schemas.microsoft.com/office/powerpoint/2010/main">
+    <mc:Choice Requires="p14">
+      <p:transition p14:dur="0"/>
+    </mc:Choice>
+    <mc:Fallback xmlns="">
+      <p:transition/>
+    </mc:Fallback>
+  </mc:AlternateContent>
+  <p:timing>
+    <p:tnLst>
+      <p:par>
+        <p:cTn id="1" dur="indefinite" restart="never" nodeType="tmRoot"/>
+      </p:par>
+    </p:tnLst>
+  </p:timing>
+</p:sld>
+</file>
+
+<file path=ppt/slides/slide29.xml><?xml version="1.0" encoding="utf-8"?>
 <p:sld xmlns:a="http://schemas.openxmlformats.org/drawingml/2006/main" xmlns:r="http://schemas.openxmlformats.org/officeDocument/2006/relationships" xmlns:p="http://schemas.openxmlformats.org/presentationml/2006/main">
   <p:cSld>
     <p:spTree>
@@ -11878,7 +16182,7 @@
 </p:sld>
 </file>
 
-<file path=ppt/slides/slide25.xml><?xml version="1.0" encoding="utf-8"?>
+<file path=ppt/slides/slide3.xml><?xml version="1.0" encoding="utf-8"?>
 <p:sld xmlns:a="http://schemas.openxmlformats.org/drawingml/2006/main" xmlns:r="http://schemas.openxmlformats.org/officeDocument/2006/relationships" xmlns:p="http://schemas.openxmlformats.org/presentationml/2006/main">
   <p:cSld>
     <p:spTree>
@@ -11895,45 +16199,167 @@
           <a:chExt cx="0" cy="0"/>
         </a:xfrm>
       </p:grpSpPr>
-      <p:pic>
-        <p:nvPicPr>
-          <p:cNvPr id="3074" name="Picture 2" descr="https://d2ms8rpfqc4h24.cloudfront.net/best_for_mobile_app_development_f7e33a52d4.jpg"/>
-          <p:cNvPicPr>
-            <a:picLocks noChangeAspect="1" noChangeArrowheads="1"/>
-          </p:cNvPicPr>
+      <p:sp>
+        <p:nvSpPr>
+          <p:cNvPr id="4" name="TextBox 3"/>
+          <p:cNvSpPr txBox="1"/>
           <p:nvPr/>
-        </p:nvPicPr>
-        <p:blipFill rotWithShape="1">
-          <a:blip r:embed="rId3">
-            <a:extLst>
-              <a:ext uri="{28A0092B-C50C-407E-A947-70E740481C1C}">
-                <a14:useLocalDpi xmlns:a14="http://schemas.microsoft.com/office/drawing/2010/main" val="0"/>
-              </a:ext>
-            </a:extLst>
-          </a:blip>
-          <a:srcRect l="5214" t="24594" r="36249"/>
-          <a:stretch/>
-        </p:blipFill>
-        <p:spPr bwMode="auto">
+        </p:nvSpPr>
+        <p:spPr>
           <a:xfrm>
-            <a:off x="3469844" y="1651349"/>
-            <a:ext cx="5252313" cy="3555302"/>
+            <a:off x="5311191" y="2887858"/>
+            <a:ext cx="1569660" cy="1077218"/>
           </a:xfrm>
           <a:prstGeom prst="rect">
             <a:avLst/>
           </a:prstGeom>
           <a:noFill/>
-          <a:extLst>
-            <a:ext uri="{909E8E84-426E-40DD-AFC4-6F175D3DCCD1}">
-              <a14:hiddenFill xmlns:a14="http://schemas.microsoft.com/office/drawing/2010/main">
-                <a:solidFill>
-                  <a:srgbClr val="FFFFFF"/>
-                </a:solidFill>
-              </a14:hiddenFill>
-            </a:ext>
-          </a:extLst>
         </p:spPr>
-      </p:pic>
+        <p:txBody>
+          <a:bodyPr wrap="none" rtlCol="0" anchor="t">
+            <a:spAutoFit/>
+          </a:bodyPr>
+          <a:lstStyle/>
+          <a:p>
+            <a:pPr algn="ctr">
+              <a:lnSpc>
+                <a:spcPct val="150000"/>
+              </a:lnSpc>
+            </a:pPr>
+            <a:r>
+              <a:rPr lang="ru-RU" sz="4800" dirty="0" smtClean="0">
+                <a:latin typeface="Roboto" panose="02000000000000000000" pitchFamily="2" charset="0"/>
+                <a:ea typeface="Roboto" panose="02000000000000000000" pitchFamily="2" charset="0"/>
+                <a:cs typeface="Open Sans SemiBold" panose="020B0706030804020204" pitchFamily="34" charset="0"/>
+              </a:rPr>
+              <a:t>1960</a:t>
+            </a:r>
+            <a:endParaRPr lang="ru-RU" sz="4800" dirty="0">
+              <a:latin typeface="Roboto" panose="02000000000000000000" pitchFamily="2" charset="0"/>
+              <a:ea typeface="Roboto" panose="02000000000000000000" pitchFamily="2" charset="0"/>
+              <a:cs typeface="Open Sans SemiBold" panose="020B0706030804020204" pitchFamily="34" charset="0"/>
+            </a:endParaRPr>
+          </a:p>
+        </p:txBody>
+      </p:sp>
+    </p:spTree>
+    <p:extLst>
+      <p:ext uri="{BB962C8B-B14F-4D97-AF65-F5344CB8AC3E}">
+        <p14:creationId xmlns:p14="http://schemas.microsoft.com/office/powerpoint/2010/main" val="3904258276"/>
+      </p:ext>
+    </p:extLst>
+  </p:cSld>
+  <p:clrMapOvr>
+    <a:masterClrMapping/>
+  </p:clrMapOvr>
+  <mc:AlternateContent xmlns:mc="http://schemas.openxmlformats.org/markup-compatibility/2006" xmlns:p14="http://schemas.microsoft.com/office/powerpoint/2010/main">
+    <mc:Choice Requires="p14">
+      <p:transition p14:dur="0"/>
+    </mc:Choice>
+    <mc:Fallback xmlns="">
+      <p:transition/>
+    </mc:Fallback>
+  </mc:AlternateContent>
+  <p:timing>
+    <p:tnLst>
+      <p:par>
+        <p:cTn id="1" dur="indefinite" restart="never" nodeType="tmRoot"/>
+      </p:par>
+    </p:tnLst>
+  </p:timing>
+</p:sld>
+</file>
+
+<file path=ppt/slides/slide30.xml><?xml version="1.0" encoding="utf-8"?>
+<p:sld xmlns:a="http://schemas.openxmlformats.org/drawingml/2006/main" xmlns:r="http://schemas.openxmlformats.org/officeDocument/2006/relationships" xmlns:p="http://schemas.openxmlformats.org/presentationml/2006/main">
+  <p:cSld>
+    <p:spTree>
+      <p:nvGrpSpPr>
+        <p:cNvPr id="1" name=""/>
+        <p:cNvGrpSpPr/>
+        <p:nvPr/>
+      </p:nvGrpSpPr>
+      <p:grpSpPr>
+        <a:xfrm>
+          <a:off x="0" y="0"/>
+          <a:ext cx="0" cy="0"/>
+          <a:chOff x="0" y="0"/>
+          <a:chExt cx="0" cy="0"/>
+        </a:xfrm>
+      </p:grpSpPr>
+      <p:grpSp>
+        <p:nvGrpSpPr>
+          <p:cNvPr id="5" name="Группа 4"/>
+          <p:cNvGrpSpPr/>
+          <p:nvPr/>
+        </p:nvGrpSpPr>
+        <p:grpSpPr>
+          <a:xfrm>
+            <a:off x="-3251200" y="0"/>
+            <a:ext cx="15938355" cy="6858000"/>
+            <a:chOff x="0" y="0"/>
+            <a:chExt cx="15938355" cy="6858000"/>
+          </a:xfrm>
+        </p:grpSpPr>
+        <p:pic>
+          <p:nvPicPr>
+            <p:cNvPr id="4" name="Рисунок 3"/>
+            <p:cNvPicPr>
+              <a:picLocks noChangeAspect="1"/>
+            </p:cNvPicPr>
+            <p:nvPr/>
+          </p:nvPicPr>
+          <p:blipFill rotWithShape="1">
+            <a:blip r:embed="rId3">
+              <a:extLst>
+                <a:ext uri="{28A0092B-C50C-407E-A947-70E740481C1C}">
+                  <a14:useLocalDpi xmlns:a14="http://schemas.microsoft.com/office/drawing/2010/main" val="0"/>
+                </a:ext>
+              </a:extLst>
+            </a:blip>
+            <a:srcRect r="6256"/>
+            <a:stretch/>
+          </p:blipFill>
+          <p:spPr>
+            <a:xfrm>
+              <a:off x="0" y="0"/>
+              <a:ext cx="8032955" cy="6858000"/>
+            </a:xfrm>
+            <a:prstGeom prst="rect">
+              <a:avLst/>
+            </a:prstGeom>
+          </p:spPr>
+        </p:pic>
+        <p:pic>
+          <p:nvPicPr>
+            <p:cNvPr id="7" name="Рисунок 6"/>
+            <p:cNvPicPr>
+              <a:picLocks noChangeAspect="1"/>
+            </p:cNvPicPr>
+            <p:nvPr/>
+          </p:nvPicPr>
+          <p:blipFill rotWithShape="1">
+            <a:blip r:embed="rId3">
+              <a:extLst>
+                <a:ext uri="{28A0092B-C50C-407E-A947-70E740481C1C}">
+                  <a14:useLocalDpi xmlns:a14="http://schemas.microsoft.com/office/drawing/2010/main" val="0"/>
+                </a:ext>
+              </a:extLst>
+            </a:blip>
+            <a:srcRect l="7745"/>
+            <a:stretch/>
+          </p:blipFill>
+          <p:spPr>
+            <a:xfrm>
+              <a:off x="8032955" y="0"/>
+              <a:ext cx="7905400" cy="6858000"/>
+            </a:xfrm>
+            <a:prstGeom prst="rect">
+              <a:avLst/>
+            </a:prstGeom>
+          </p:spPr>
+        </p:pic>
+      </p:grpSp>
     </p:spTree>
     <p:extLst>
       <p:ext uri="{BB962C8B-B14F-4D97-AF65-F5344CB8AC3E}">
@@ -11962,7 +16388,95 @@
 </p:sld>
 </file>
 
-<file path=ppt/slides/slide26.xml><?xml version="1.0" encoding="utf-8"?>
+<file path=ppt/slides/slide31.xml><?xml version="1.0" encoding="utf-8"?>
+<p:sld xmlns:a="http://schemas.openxmlformats.org/drawingml/2006/main" xmlns:r="http://schemas.openxmlformats.org/officeDocument/2006/relationships" xmlns:p="http://schemas.openxmlformats.org/presentationml/2006/main">
+  <p:cSld>
+    <p:spTree>
+      <p:nvGrpSpPr>
+        <p:cNvPr id="1" name=""/>
+        <p:cNvGrpSpPr/>
+        <p:nvPr/>
+      </p:nvGrpSpPr>
+      <p:grpSpPr>
+        <a:xfrm>
+          <a:off x="0" y="0"/>
+          <a:ext cx="0" cy="0"/>
+          <a:chOff x="0" y="0"/>
+          <a:chExt cx="0" cy="0"/>
+        </a:xfrm>
+      </p:grpSpPr>
+      <p:sp>
+        <p:nvSpPr>
+          <p:cNvPr id="6" name="TextBox 5"/>
+          <p:cNvSpPr txBox="1"/>
+          <p:nvPr/>
+        </p:nvSpPr>
+        <p:spPr>
+          <a:xfrm>
+            <a:off x="3848430" y="2828836"/>
+            <a:ext cx="4495141" cy="1200329"/>
+          </a:xfrm>
+          <a:prstGeom prst="rect">
+            <a:avLst/>
+          </a:prstGeom>
+          <a:noFill/>
+        </p:spPr>
+        <p:txBody>
+          <a:bodyPr wrap="none" rtlCol="0" anchor="t">
+            <a:spAutoFit/>
+          </a:bodyPr>
+          <a:lstStyle/>
+          <a:p>
+            <a:pPr algn="ctr">
+              <a:lnSpc>
+                <a:spcPct val="150000"/>
+              </a:lnSpc>
+            </a:pPr>
+            <a:r>
+              <a:rPr lang="en-US" sz="4800" dirty="0" smtClean="0">
+                <a:latin typeface="Roboto" panose="02000000000000000000" pitchFamily="2" charset="0"/>
+                <a:ea typeface="Roboto" panose="02000000000000000000" pitchFamily="2" charset="0"/>
+                <a:cs typeface="Open Sans SemiBold" panose="020B0706030804020204" pitchFamily="34" charset="0"/>
+              </a:rPr>
+              <a:t>WEB vs NATIVE</a:t>
+            </a:r>
+            <a:endParaRPr lang="ru-RU" sz="4800" dirty="0">
+              <a:latin typeface="Roboto" panose="02000000000000000000" pitchFamily="2" charset="0"/>
+              <a:ea typeface="Roboto" panose="02000000000000000000" pitchFamily="2" charset="0"/>
+              <a:cs typeface="Open Sans SemiBold" panose="020B0706030804020204" pitchFamily="34" charset="0"/>
+            </a:endParaRPr>
+          </a:p>
+        </p:txBody>
+      </p:sp>
+    </p:spTree>
+    <p:extLst>
+      <p:ext uri="{BB962C8B-B14F-4D97-AF65-F5344CB8AC3E}">
+        <p14:creationId xmlns:p14="http://schemas.microsoft.com/office/powerpoint/2010/main" val="1528157341"/>
+      </p:ext>
+    </p:extLst>
+  </p:cSld>
+  <p:clrMapOvr>
+    <a:masterClrMapping/>
+  </p:clrMapOvr>
+  <mc:AlternateContent xmlns:mc="http://schemas.openxmlformats.org/markup-compatibility/2006" xmlns:p14="http://schemas.microsoft.com/office/powerpoint/2010/main">
+    <mc:Choice Requires="p14">
+      <p:transition p14:dur="0"/>
+    </mc:Choice>
+    <mc:Fallback xmlns="">
+      <p:transition/>
+    </mc:Fallback>
+  </mc:AlternateContent>
+  <p:timing>
+    <p:tnLst>
+      <p:par>
+        <p:cTn id="1" dur="indefinite" restart="never" nodeType="tmRoot"/>
+      </p:par>
+    </p:tnLst>
+  </p:timing>
+</p:sld>
+</file>
+
+<file path=ppt/slides/slide32.xml><?xml version="1.0" encoding="utf-8"?>
 <p:sld xmlns:a="http://schemas.openxmlformats.org/drawingml/2006/main" xmlns:r="http://schemas.openxmlformats.org/officeDocument/2006/relationships" xmlns:p="http://schemas.openxmlformats.org/presentationml/2006/main">
   <p:cSld>
     <p:spTree>
@@ -11981,27 +16495,29 @@
       </p:grpSpPr>
       <p:pic>
         <p:nvPicPr>
-          <p:cNvPr id="8194" name="Picture 2" descr="https://d2ms8rpfqc4h24.cloudfront.net/best_for_mobile_app_development_f7e33a52d4.jpg"/>
+          <p:cNvPr id="4098" name="Picture 2" descr="https://cdn.cleancommit.io/blog/2022/12/cross-app.png"/>
           <p:cNvPicPr>
             <a:picLocks noChangeAspect="1" noChangeArrowheads="1"/>
           </p:cNvPicPr>
           <p:nvPr/>
         </p:nvPicPr>
-        <p:blipFill rotWithShape="1">
-          <a:blip r:embed="rId3">
+        <p:blipFill>
+          <a:blip r:embed="rId3" cstate="print">
             <a:extLst>
               <a:ext uri="{28A0092B-C50C-407E-A947-70E740481C1C}">
                 <a14:useLocalDpi xmlns:a14="http://schemas.microsoft.com/office/drawing/2010/main" val="0"/>
               </a:ext>
             </a:extLst>
           </a:blip>
-          <a:srcRect l="67320" t="23310" r="4797" b="8889"/>
-          <a:stretch/>
+          <a:srcRect/>
+          <a:stretch>
+            <a:fillRect/>
+          </a:stretch>
         </p:blipFill>
         <p:spPr bwMode="auto">
           <a:xfrm>
-            <a:off x="4845101" y="1830629"/>
-            <a:ext cx="2501799" cy="3196742"/>
+            <a:off x="2082800" y="270038"/>
+            <a:ext cx="8026400" cy="6317924"/>
           </a:xfrm>
           <a:prstGeom prst="rect">
             <a:avLst/>
@@ -12046,7 +16562,7 @@
 </p:sld>
 </file>
 
-<file path=ppt/slides/slide27.xml><?xml version="1.0" encoding="utf-8"?>
+<file path=ppt/slides/slide33.xml><?xml version="1.0" encoding="utf-8"?>
 <p:sld xmlns:a="http://schemas.openxmlformats.org/drawingml/2006/main" xmlns:r="http://schemas.openxmlformats.org/officeDocument/2006/relationships" xmlns:p="http://schemas.openxmlformats.org/presentationml/2006/main">
   <p:cSld>
     <p:spTree>
@@ -12065,14 +16581,14 @@
       </p:grpSpPr>
       <p:sp>
         <p:nvSpPr>
-          <p:cNvPr id="4" name="TextBox 3"/>
+          <p:cNvPr id="3" name="TextBox 2"/>
           <p:cNvSpPr txBox="1"/>
           <p:nvPr/>
         </p:nvSpPr>
         <p:spPr>
           <a:xfrm>
-            <a:off x="4098173" y="2887858"/>
-            <a:ext cx="3911648" cy="1077218"/>
+            <a:off x="4119337" y="264345"/>
+            <a:ext cx="3953326" cy="1082284"/>
           </a:xfrm>
           <a:prstGeom prst="rect">
             <a:avLst/>
@@ -12091,31 +16607,12 @@
               </a:lnSpc>
             </a:pPr>
             <a:r>
-              <a:rPr lang="en-US" sz="4800" dirty="0" smtClean="0">
-                <a:solidFill>
-                  <a:srgbClr val="FF0000"/>
-                </a:solidFill>
+              <a:rPr lang="ru-RU" sz="4800" dirty="0" smtClean="0">
                 <a:latin typeface="Roboto" panose="02000000000000000000" pitchFamily="2" charset="0"/>
                 <a:ea typeface="Roboto" panose="02000000000000000000" pitchFamily="2" charset="0"/>
                 <a:cs typeface="Open Sans SemiBold" panose="020B0706030804020204" pitchFamily="34" charset="0"/>
               </a:rPr>
-              <a:t>LEGACY</a:t>
-            </a:r>
-            <a:r>
-              <a:rPr lang="en-US" sz="4800" dirty="0" smtClean="0">
-                <a:latin typeface="Roboto" panose="02000000000000000000" pitchFamily="2" charset="0"/>
-                <a:ea typeface="Roboto" panose="02000000000000000000" pitchFamily="2" charset="0"/>
-                <a:cs typeface="Open Sans SemiBold" panose="020B0706030804020204" pitchFamily="34" charset="0"/>
-              </a:rPr>
-              <a:t>-</a:t>
-            </a:r>
-            <a:r>
-              <a:rPr lang="ru-RU" sz="4800" dirty="0" smtClean="0">
-                <a:latin typeface="Roboto" panose="02000000000000000000" pitchFamily="2" charset="0"/>
-                <a:ea typeface="Roboto" panose="02000000000000000000" pitchFamily="2" charset="0"/>
-                <a:cs typeface="Open Sans SemiBold" panose="020B0706030804020204" pitchFamily="34" charset="0"/>
-              </a:rPr>
-              <a:t>КОД</a:t>
+              <a:t>ПОВЕДЕНИЕ</a:t>
             </a:r>
             <a:endParaRPr lang="ru-RU" sz="4800" dirty="0">
               <a:latin typeface="Roboto" panose="02000000000000000000" pitchFamily="2" charset="0"/>
@@ -12128,7 +16625,7 @@
     </p:spTree>
     <p:extLst>
       <p:ext uri="{BB962C8B-B14F-4D97-AF65-F5344CB8AC3E}">
-        <p14:creationId xmlns:p14="http://schemas.microsoft.com/office/powerpoint/2010/main" val="3533449925"/>
+        <p14:creationId xmlns:p14="http://schemas.microsoft.com/office/powerpoint/2010/main" val="2976865988"/>
       </p:ext>
     </p:extLst>
   </p:cSld>
@@ -12153,17 +16650,9 @@
 </p:sld>
 </file>
 
-<file path=ppt/slides/slide28.xml><?xml version="1.0" encoding="utf-8"?>
+<file path=ppt/slides/slide34.xml><?xml version="1.0" encoding="utf-8"?>
 <p:sld xmlns:a="http://schemas.openxmlformats.org/drawingml/2006/main" xmlns:r="http://schemas.openxmlformats.org/officeDocument/2006/relationships" xmlns:p="http://schemas.openxmlformats.org/presentationml/2006/main">
   <p:cSld>
-    <p:bg>
-      <p:bgPr>
-        <a:solidFill>
-          <a:schemeClr val="bg1"/>
-        </a:solidFill>
-        <a:effectLst/>
-      </p:bgPr>
-    </p:bg>
     <p:spTree>
       <p:nvGrpSpPr>
         <p:cNvPr id="1" name=""/>
@@ -12180,14 +16669,14 @@
       </p:grpSpPr>
       <p:sp>
         <p:nvSpPr>
-          <p:cNvPr id="4" name="TextBox 3"/>
+          <p:cNvPr id="3" name="TextBox 2"/>
           <p:cNvSpPr txBox="1"/>
           <p:nvPr/>
         </p:nvSpPr>
         <p:spPr>
           <a:xfrm>
-            <a:off x="5144478" y="2887858"/>
-            <a:ext cx="1903085" cy="1082284"/>
+            <a:off x="4119337" y="264345"/>
+            <a:ext cx="3953326" cy="1082284"/>
           </a:xfrm>
           <a:prstGeom prst="rect">
             <a:avLst/>
@@ -12206,12 +16695,12 @@
               </a:lnSpc>
             </a:pPr>
             <a:r>
-              <a:rPr lang="en-US" sz="4800" dirty="0" smtClean="0">
+              <a:rPr lang="ru-RU" sz="4800" dirty="0" smtClean="0">
                 <a:latin typeface="Roboto" panose="02000000000000000000" pitchFamily="2" charset="0"/>
                 <a:ea typeface="Roboto" panose="02000000000000000000" pitchFamily="2" charset="0"/>
                 <a:cs typeface="Open Sans SemiBold" panose="020B0706030804020204" pitchFamily="34" charset="0"/>
               </a:rPr>
-              <a:t>AGILE</a:t>
+              <a:t>ПОВЕДЕНИЕ</a:t>
             </a:r>
             <a:endParaRPr lang="ru-RU" sz="4800" dirty="0">
               <a:latin typeface="Roboto" panose="02000000000000000000" pitchFamily="2" charset="0"/>
@@ -12221,10 +16710,48 @@
           </a:p>
         </p:txBody>
       </p:sp>
+      <p:sp>
+        <p:nvSpPr>
+          <p:cNvPr id="4" name="TextBox 3"/>
+          <p:cNvSpPr txBox="1"/>
+          <p:nvPr/>
+        </p:nvSpPr>
+        <p:spPr>
+          <a:xfrm>
+            <a:off x="856432" y="2100402"/>
+            <a:ext cx="9932527" cy="1082284"/>
+          </a:xfrm>
+          <a:prstGeom prst="rect">
+            <a:avLst/>
+          </a:prstGeom>
+          <a:noFill/>
+        </p:spPr>
+        <p:txBody>
+          <a:bodyPr wrap="none" rtlCol="0" anchor="t">
+            <a:spAutoFit/>
+          </a:bodyPr>
+          <a:lstStyle/>
+          <a:p>
+            <a:pPr>
+              <a:lnSpc>
+                <a:spcPct val="150000"/>
+              </a:lnSpc>
+            </a:pPr>
+            <a:r>
+              <a:rPr lang="en-US" sz="4800" dirty="0" smtClean="0">
+                <a:latin typeface="Roboto" panose="02000000000000000000" pitchFamily="2" charset="0"/>
+                <a:ea typeface="Roboto" panose="02000000000000000000" pitchFamily="2" charset="0"/>
+                <a:cs typeface="Open Sans SemiBold" panose="020B0706030804020204" pitchFamily="34" charset="0"/>
+              </a:rPr>
+              <a:t>Client-side web framework/library</a:t>
+            </a:r>
+          </a:p>
+        </p:txBody>
+      </p:sp>
     </p:spTree>
     <p:extLst>
       <p:ext uri="{BB962C8B-B14F-4D97-AF65-F5344CB8AC3E}">
-        <p14:creationId xmlns:p14="http://schemas.microsoft.com/office/powerpoint/2010/main" val="767812744"/>
+        <p14:creationId xmlns:p14="http://schemas.microsoft.com/office/powerpoint/2010/main" val="3569539348"/>
       </p:ext>
     </p:extLst>
   </p:cSld>
@@ -12249,7 +16776,7 @@
 </p:sld>
 </file>
 
-<file path=ppt/slides/slide3.xml><?xml version="1.0" encoding="utf-8"?>
+<file path=ppt/slides/slide35.xml><?xml version="1.0" encoding="utf-8"?>
 <p:sld xmlns:a="http://schemas.openxmlformats.org/drawingml/2006/main" xmlns:r="http://schemas.openxmlformats.org/officeDocument/2006/relationships" xmlns:p="http://schemas.openxmlformats.org/presentationml/2006/main">
   <p:cSld>
     <p:spTree>
@@ -12268,14 +16795,14 @@
       </p:grpSpPr>
       <p:sp>
         <p:nvSpPr>
-          <p:cNvPr id="4" name="TextBox 3"/>
+          <p:cNvPr id="3" name="TextBox 2"/>
           <p:cNvSpPr txBox="1"/>
           <p:nvPr/>
         </p:nvSpPr>
         <p:spPr>
           <a:xfrm>
-            <a:off x="5311191" y="2887858"/>
-            <a:ext cx="1569660" cy="1077218"/>
+            <a:off x="4119337" y="264345"/>
+            <a:ext cx="3953326" cy="1082284"/>
           </a:xfrm>
           <a:prstGeom prst="rect">
             <a:avLst/>
@@ -12299,7 +16826,7 @@
                 <a:ea typeface="Roboto" panose="02000000000000000000" pitchFamily="2" charset="0"/>
                 <a:cs typeface="Open Sans SemiBold" panose="020B0706030804020204" pitchFamily="34" charset="0"/>
               </a:rPr>
-              <a:t>1960</a:t>
+              <a:t>ПОВЕДЕНИЕ</a:t>
             </a:r>
             <a:endParaRPr lang="ru-RU" sz="4800" dirty="0">
               <a:latin typeface="Roboto" panose="02000000000000000000" pitchFamily="2" charset="0"/>
@@ -12309,10 +16836,506 @@
           </a:p>
         </p:txBody>
       </p:sp>
+      <p:sp>
+        <p:nvSpPr>
+          <p:cNvPr id="4" name="TextBox 3"/>
+          <p:cNvSpPr txBox="1"/>
+          <p:nvPr/>
+        </p:nvSpPr>
+        <p:spPr>
+          <a:xfrm>
+            <a:off x="856432" y="2100402"/>
+            <a:ext cx="10479151" cy="2308324"/>
+          </a:xfrm>
+          <a:prstGeom prst="rect">
+            <a:avLst/>
+          </a:prstGeom>
+          <a:noFill/>
+        </p:spPr>
+        <p:txBody>
+          <a:bodyPr wrap="none" rtlCol="0" anchor="t">
+            <a:spAutoFit/>
+          </a:bodyPr>
+          <a:lstStyle/>
+          <a:p>
+            <a:pPr>
+              <a:lnSpc>
+                <a:spcPct val="150000"/>
+              </a:lnSpc>
+            </a:pPr>
+            <a:r>
+              <a:rPr lang="en-US" sz="4800" dirty="0" smtClean="0">
+                <a:latin typeface="Roboto" panose="02000000000000000000" pitchFamily="2" charset="0"/>
+                <a:ea typeface="Roboto" panose="02000000000000000000" pitchFamily="2" charset="0"/>
+                <a:cs typeface="Open Sans SemiBold" panose="020B0706030804020204" pitchFamily="34" charset="0"/>
+              </a:rPr>
+              <a:t>Client-side web framework/library</a:t>
+            </a:r>
+          </a:p>
+          <a:p>
+            <a:pPr>
+              <a:lnSpc>
+                <a:spcPct val="150000"/>
+              </a:lnSpc>
+            </a:pPr>
+            <a:r>
+              <a:rPr lang="en-US" sz="4800" dirty="0" smtClean="0">
+                <a:latin typeface="Roboto" panose="02000000000000000000" pitchFamily="2" charset="0"/>
+                <a:ea typeface="Roboto" panose="02000000000000000000" pitchFamily="2" charset="0"/>
+                <a:cs typeface="Open Sans SemiBold" panose="020B0706030804020204" pitchFamily="34" charset="0"/>
+              </a:rPr>
+              <a:t>Client-side native framework/library</a:t>
+            </a:r>
+          </a:p>
+        </p:txBody>
+      </p:sp>
     </p:spTree>
     <p:extLst>
       <p:ext uri="{BB962C8B-B14F-4D97-AF65-F5344CB8AC3E}">
-        <p14:creationId xmlns:p14="http://schemas.microsoft.com/office/powerpoint/2010/main" val="3904258276"/>
+        <p14:creationId xmlns:p14="http://schemas.microsoft.com/office/powerpoint/2010/main" val="2622648179"/>
+      </p:ext>
+    </p:extLst>
+  </p:cSld>
+  <p:clrMapOvr>
+    <a:masterClrMapping/>
+  </p:clrMapOvr>
+  <mc:AlternateContent xmlns:mc="http://schemas.openxmlformats.org/markup-compatibility/2006" xmlns:p14="http://schemas.microsoft.com/office/powerpoint/2010/main">
+    <mc:Choice Requires="p14">
+      <p:transition p14:dur="0"/>
+    </mc:Choice>
+    <mc:Fallback xmlns="">
+      <p:transition/>
+    </mc:Fallback>
+  </mc:AlternateContent>
+  <p:timing>
+    <p:tnLst>
+      <p:par>
+        <p:cTn id="1" dur="indefinite" restart="never" nodeType="tmRoot"/>
+      </p:par>
+    </p:tnLst>
+  </p:timing>
+</p:sld>
+</file>
+
+<file path=ppt/slides/slide36.xml><?xml version="1.0" encoding="utf-8"?>
+<p:sld xmlns:a="http://schemas.openxmlformats.org/drawingml/2006/main" xmlns:r="http://schemas.openxmlformats.org/officeDocument/2006/relationships" xmlns:p="http://schemas.openxmlformats.org/presentationml/2006/main">
+  <p:cSld>
+    <p:spTree>
+      <p:nvGrpSpPr>
+        <p:cNvPr id="1" name=""/>
+        <p:cNvGrpSpPr/>
+        <p:nvPr/>
+      </p:nvGrpSpPr>
+      <p:grpSpPr>
+        <a:xfrm>
+          <a:off x="0" y="0"/>
+          <a:ext cx="0" cy="0"/>
+          <a:chOff x="0" y="0"/>
+          <a:chExt cx="0" cy="0"/>
+        </a:xfrm>
+      </p:grpSpPr>
+      <p:sp>
+        <p:nvSpPr>
+          <p:cNvPr id="3" name="TextBox 2"/>
+          <p:cNvSpPr txBox="1"/>
+          <p:nvPr/>
+        </p:nvSpPr>
+        <p:spPr>
+          <a:xfrm>
+            <a:off x="4119337" y="264345"/>
+            <a:ext cx="3953326" cy="1082284"/>
+          </a:xfrm>
+          <a:prstGeom prst="rect">
+            <a:avLst/>
+          </a:prstGeom>
+          <a:noFill/>
+        </p:spPr>
+        <p:txBody>
+          <a:bodyPr wrap="none" rtlCol="0" anchor="t">
+            <a:spAutoFit/>
+          </a:bodyPr>
+          <a:lstStyle/>
+          <a:p>
+            <a:pPr algn="ctr">
+              <a:lnSpc>
+                <a:spcPct val="150000"/>
+              </a:lnSpc>
+            </a:pPr>
+            <a:r>
+              <a:rPr lang="ru-RU" sz="4800" dirty="0" smtClean="0">
+                <a:latin typeface="Roboto" panose="02000000000000000000" pitchFamily="2" charset="0"/>
+                <a:ea typeface="Roboto" panose="02000000000000000000" pitchFamily="2" charset="0"/>
+                <a:cs typeface="Open Sans SemiBold" panose="020B0706030804020204" pitchFamily="34" charset="0"/>
+              </a:rPr>
+              <a:t>ПОВЕДЕНИЕ</a:t>
+            </a:r>
+            <a:endParaRPr lang="ru-RU" sz="4800" dirty="0">
+              <a:latin typeface="Roboto" panose="02000000000000000000" pitchFamily="2" charset="0"/>
+              <a:ea typeface="Roboto" panose="02000000000000000000" pitchFamily="2" charset="0"/>
+              <a:cs typeface="Open Sans SemiBold" panose="020B0706030804020204" pitchFamily="34" charset="0"/>
+            </a:endParaRPr>
+          </a:p>
+        </p:txBody>
+      </p:sp>
+      <p:sp>
+        <p:nvSpPr>
+          <p:cNvPr id="4" name="TextBox 3"/>
+          <p:cNvSpPr txBox="1"/>
+          <p:nvPr/>
+        </p:nvSpPr>
+        <p:spPr>
+          <a:xfrm>
+            <a:off x="856432" y="2100402"/>
+            <a:ext cx="10479151" cy="3416320"/>
+          </a:xfrm>
+          <a:prstGeom prst="rect">
+            <a:avLst/>
+          </a:prstGeom>
+          <a:noFill/>
+        </p:spPr>
+        <p:txBody>
+          <a:bodyPr wrap="none" rtlCol="0" anchor="t">
+            <a:spAutoFit/>
+          </a:bodyPr>
+          <a:lstStyle/>
+          <a:p>
+            <a:pPr>
+              <a:lnSpc>
+                <a:spcPct val="150000"/>
+              </a:lnSpc>
+            </a:pPr>
+            <a:r>
+              <a:rPr lang="en-US" sz="4800" dirty="0" smtClean="0">
+                <a:latin typeface="Roboto" panose="02000000000000000000" pitchFamily="2" charset="0"/>
+                <a:ea typeface="Roboto" panose="02000000000000000000" pitchFamily="2" charset="0"/>
+                <a:cs typeface="Open Sans SemiBold" panose="020B0706030804020204" pitchFamily="34" charset="0"/>
+              </a:rPr>
+              <a:t>Client-side web framework/library</a:t>
+            </a:r>
+          </a:p>
+          <a:p>
+            <a:pPr>
+              <a:lnSpc>
+                <a:spcPct val="150000"/>
+              </a:lnSpc>
+            </a:pPr>
+            <a:r>
+              <a:rPr lang="en-US" sz="4800" dirty="0" smtClean="0">
+                <a:latin typeface="Roboto" panose="02000000000000000000" pitchFamily="2" charset="0"/>
+                <a:ea typeface="Roboto" panose="02000000000000000000" pitchFamily="2" charset="0"/>
+                <a:cs typeface="Open Sans SemiBold" panose="020B0706030804020204" pitchFamily="34" charset="0"/>
+              </a:rPr>
+              <a:t>Client-side native framework/library</a:t>
+            </a:r>
+          </a:p>
+          <a:p>
+            <a:pPr>
+              <a:lnSpc>
+                <a:spcPct val="150000"/>
+              </a:lnSpc>
+            </a:pPr>
+            <a:r>
+              <a:rPr lang="en-US" sz="4800" dirty="0" smtClean="0">
+                <a:latin typeface="Roboto" panose="02000000000000000000" pitchFamily="2" charset="0"/>
+                <a:ea typeface="Roboto" panose="02000000000000000000" pitchFamily="2" charset="0"/>
+                <a:cs typeface="Open Sans SemiBold" panose="020B0706030804020204" pitchFamily="34" charset="0"/>
+              </a:rPr>
+              <a:t>Server-side framework</a:t>
+            </a:r>
+            <a:endParaRPr lang="ru-RU" sz="4800" dirty="0">
+              <a:latin typeface="Roboto" panose="02000000000000000000" pitchFamily="2" charset="0"/>
+              <a:ea typeface="Roboto" panose="02000000000000000000" pitchFamily="2" charset="0"/>
+              <a:cs typeface="Open Sans SemiBold" panose="020B0706030804020204" pitchFamily="34" charset="0"/>
+            </a:endParaRPr>
+          </a:p>
+        </p:txBody>
+      </p:sp>
+    </p:spTree>
+    <p:extLst>
+      <p:ext uri="{BB962C8B-B14F-4D97-AF65-F5344CB8AC3E}">
+        <p14:creationId xmlns:p14="http://schemas.microsoft.com/office/powerpoint/2010/main" val="1708246020"/>
+      </p:ext>
+    </p:extLst>
+  </p:cSld>
+  <p:clrMapOvr>
+    <a:masterClrMapping/>
+  </p:clrMapOvr>
+  <mc:AlternateContent xmlns:mc="http://schemas.openxmlformats.org/markup-compatibility/2006" xmlns:p14="http://schemas.microsoft.com/office/powerpoint/2010/main">
+    <mc:Choice Requires="p14">
+      <p:transition p14:dur="0"/>
+    </mc:Choice>
+    <mc:Fallback xmlns="">
+      <p:transition/>
+    </mc:Fallback>
+  </mc:AlternateContent>
+  <p:timing>
+    <p:tnLst>
+      <p:par>
+        <p:cTn id="1" dur="indefinite" restart="never" nodeType="tmRoot"/>
+      </p:par>
+    </p:tnLst>
+  </p:timing>
+</p:sld>
+</file>
+
+<file path=ppt/slides/slide37.xml><?xml version="1.0" encoding="utf-8"?>
+<p:sld xmlns:a="http://schemas.openxmlformats.org/drawingml/2006/main" xmlns:r="http://schemas.openxmlformats.org/officeDocument/2006/relationships" xmlns:p="http://schemas.openxmlformats.org/presentationml/2006/main">
+  <p:cSld>
+    <p:spTree>
+      <p:nvGrpSpPr>
+        <p:cNvPr id="1" name=""/>
+        <p:cNvGrpSpPr/>
+        <p:nvPr/>
+      </p:nvGrpSpPr>
+      <p:grpSpPr>
+        <a:xfrm>
+          <a:off x="0" y="0"/>
+          <a:ext cx="0" cy="0"/>
+          <a:chOff x="0" y="0"/>
+          <a:chExt cx="0" cy="0"/>
+        </a:xfrm>
+      </p:grpSpPr>
+      <p:sp>
+        <p:nvSpPr>
+          <p:cNvPr id="6" name="TextBox 5"/>
+          <p:cNvSpPr txBox="1"/>
+          <p:nvPr/>
+        </p:nvSpPr>
+        <p:spPr>
+          <a:xfrm>
+            <a:off x="3278568" y="2828836"/>
+            <a:ext cx="5634877" cy="1082284"/>
+          </a:xfrm>
+          <a:prstGeom prst="rect">
+            <a:avLst/>
+          </a:prstGeom>
+          <a:noFill/>
+        </p:spPr>
+        <p:txBody>
+          <a:bodyPr wrap="none" rtlCol="0" anchor="t">
+            <a:spAutoFit/>
+          </a:bodyPr>
+          <a:lstStyle/>
+          <a:p>
+            <a:pPr algn="ctr">
+              <a:lnSpc>
+                <a:spcPct val="150000"/>
+              </a:lnSpc>
+            </a:pPr>
+            <a:r>
+              <a:rPr lang="en-US" sz="4800" dirty="0" smtClean="0">
+                <a:latin typeface="Roboto" panose="02000000000000000000" pitchFamily="2" charset="0"/>
+                <a:ea typeface="Roboto" panose="02000000000000000000" pitchFamily="2" charset="0"/>
+                <a:cs typeface="Open Sans SemiBold" panose="020B0706030804020204" pitchFamily="34" charset="0"/>
+              </a:rPr>
+              <a:t>LANGUAGE</a:t>
+            </a:r>
+            <a:r>
+              <a:rPr lang="ru-RU" sz="4800" dirty="0" smtClean="0">
+                <a:latin typeface="Roboto" panose="02000000000000000000" pitchFamily="2" charset="0"/>
+                <a:ea typeface="Roboto" panose="02000000000000000000" pitchFamily="2" charset="0"/>
+                <a:cs typeface="Open Sans SemiBold" panose="020B0706030804020204" pitchFamily="34" charset="0"/>
+              </a:rPr>
+              <a:t> </a:t>
+            </a:r>
+            <a:r>
+              <a:rPr lang="en-US" sz="4800" dirty="0" smtClean="0">
+                <a:latin typeface="Roboto" panose="02000000000000000000" pitchFamily="2" charset="0"/>
+                <a:ea typeface="Roboto" panose="02000000000000000000" pitchFamily="2" charset="0"/>
+                <a:cs typeface="Open Sans SemiBold" panose="020B0706030804020204" pitchFamily="34" charset="0"/>
+              </a:rPr>
+              <a:t>/</a:t>
+            </a:r>
+            <a:r>
+              <a:rPr lang="ru-RU" sz="4800" dirty="0" smtClean="0">
+                <a:latin typeface="Roboto" panose="02000000000000000000" pitchFamily="2" charset="0"/>
+                <a:ea typeface="Roboto" panose="02000000000000000000" pitchFamily="2" charset="0"/>
+                <a:cs typeface="Open Sans SemiBold" panose="020B0706030804020204" pitchFamily="34" charset="0"/>
+              </a:rPr>
+              <a:t> ЯЗЫК</a:t>
+            </a:r>
+            <a:endParaRPr lang="ru-RU" sz="4800" dirty="0">
+              <a:latin typeface="Roboto" panose="02000000000000000000" pitchFamily="2" charset="0"/>
+              <a:ea typeface="Roboto" panose="02000000000000000000" pitchFamily="2" charset="0"/>
+              <a:cs typeface="Open Sans SemiBold" panose="020B0706030804020204" pitchFamily="34" charset="0"/>
+            </a:endParaRPr>
+          </a:p>
+        </p:txBody>
+      </p:sp>
+    </p:spTree>
+    <p:extLst>
+      <p:ext uri="{BB962C8B-B14F-4D97-AF65-F5344CB8AC3E}">
+        <p14:creationId xmlns:p14="http://schemas.microsoft.com/office/powerpoint/2010/main" val="743617708"/>
+      </p:ext>
+    </p:extLst>
+  </p:cSld>
+  <p:clrMapOvr>
+    <a:masterClrMapping/>
+  </p:clrMapOvr>
+  <mc:AlternateContent xmlns:mc="http://schemas.openxmlformats.org/markup-compatibility/2006" xmlns:p14="http://schemas.microsoft.com/office/powerpoint/2010/main">
+    <mc:Choice Requires="p14">
+      <p:transition p14:dur="0"/>
+    </mc:Choice>
+    <mc:Fallback xmlns="">
+      <p:transition/>
+    </mc:Fallback>
+  </mc:AlternateContent>
+  <p:timing>
+    <p:tnLst>
+      <p:par>
+        <p:cTn id="1" dur="indefinite" restart="never" nodeType="tmRoot"/>
+      </p:par>
+    </p:tnLst>
+  </p:timing>
+</p:sld>
+</file>
+
+<file path=ppt/slides/slide38.xml><?xml version="1.0" encoding="utf-8"?>
+<p:sld xmlns:a="http://schemas.openxmlformats.org/drawingml/2006/main" xmlns:r="http://schemas.openxmlformats.org/officeDocument/2006/relationships" xmlns:p="http://schemas.openxmlformats.org/presentationml/2006/main">
+  <p:cSld>
+    <p:spTree>
+      <p:nvGrpSpPr>
+        <p:cNvPr id="1" name=""/>
+        <p:cNvGrpSpPr/>
+        <p:nvPr/>
+      </p:nvGrpSpPr>
+      <p:grpSpPr>
+        <a:xfrm>
+          <a:off x="0" y="0"/>
+          <a:ext cx="0" cy="0"/>
+          <a:chOff x="0" y="0"/>
+          <a:chExt cx="0" cy="0"/>
+        </a:xfrm>
+      </p:grpSpPr>
+      <p:pic>
+        <p:nvPicPr>
+          <p:cNvPr id="7170" name="Picture 2" descr="https://www.vcssl.org/en-us/image/c_like_600.png"/>
+          <p:cNvPicPr>
+            <a:picLocks noChangeAspect="1" noChangeArrowheads="1"/>
+          </p:cNvPicPr>
+          <p:nvPr/>
+        </p:nvPicPr>
+        <p:blipFill rotWithShape="1">
+          <a:blip r:embed="rId3">
+            <a:extLst>
+              <a:ext uri="{28A0092B-C50C-407E-A947-70E740481C1C}">
+                <a14:useLocalDpi xmlns:a14="http://schemas.microsoft.com/office/drawing/2010/main" val="0"/>
+              </a:ext>
+            </a:extLst>
+          </a:blip>
+          <a:srcRect r="50062"/>
+          <a:stretch/>
+        </p:blipFill>
+        <p:spPr bwMode="auto">
+          <a:xfrm>
+            <a:off x="3996644" y="857598"/>
+            <a:ext cx="4198712" cy="5142804"/>
+          </a:xfrm>
+          <a:prstGeom prst="rect">
+            <a:avLst/>
+          </a:prstGeom>
+          <a:noFill/>
+          <a:extLst>
+            <a:ext uri="{909E8E84-426E-40DD-AFC4-6F175D3DCCD1}">
+              <a14:hiddenFill xmlns:a14="http://schemas.microsoft.com/office/drawing/2010/main">
+                <a:solidFill>
+                  <a:srgbClr val="FFFFFF"/>
+                </a:solidFill>
+              </a14:hiddenFill>
+            </a:ext>
+          </a:extLst>
+        </p:spPr>
+      </p:pic>
+    </p:spTree>
+    <p:extLst>
+      <p:ext uri="{BB962C8B-B14F-4D97-AF65-F5344CB8AC3E}">
+        <p14:creationId xmlns:p14="http://schemas.microsoft.com/office/powerpoint/2010/main" val="2664526557"/>
+      </p:ext>
+    </p:extLst>
+  </p:cSld>
+  <p:clrMapOvr>
+    <a:masterClrMapping/>
+  </p:clrMapOvr>
+  <mc:AlternateContent xmlns:mc="http://schemas.openxmlformats.org/markup-compatibility/2006" xmlns:p14="http://schemas.microsoft.com/office/powerpoint/2010/main">
+    <mc:Choice Requires="p14">
+      <p:transition p14:dur="0"/>
+    </mc:Choice>
+    <mc:Fallback xmlns="">
+      <p:transition/>
+    </mc:Fallback>
+  </mc:AlternateContent>
+  <p:timing>
+    <p:tnLst>
+      <p:par>
+        <p:cTn id="1" dur="indefinite" restart="never" nodeType="tmRoot"/>
+      </p:par>
+    </p:tnLst>
+  </p:timing>
+</p:sld>
+</file>
+
+<file path=ppt/slides/slide39.xml><?xml version="1.0" encoding="utf-8"?>
+<p:sld xmlns:a="http://schemas.openxmlformats.org/drawingml/2006/main" xmlns:r="http://schemas.openxmlformats.org/officeDocument/2006/relationships" xmlns:p="http://schemas.openxmlformats.org/presentationml/2006/main">
+  <p:cSld>
+    <p:spTree>
+      <p:nvGrpSpPr>
+        <p:cNvPr id="1" name=""/>
+        <p:cNvGrpSpPr/>
+        <p:nvPr/>
+      </p:nvGrpSpPr>
+      <p:grpSpPr>
+        <a:xfrm>
+          <a:off x="0" y="0"/>
+          <a:ext cx="0" cy="0"/>
+          <a:chOff x="0" y="0"/>
+          <a:chExt cx="0" cy="0"/>
+        </a:xfrm>
+      </p:grpSpPr>
+      <p:pic>
+        <p:nvPicPr>
+          <p:cNvPr id="12290" name="Picture 2" descr="https://i.stack.imgur.com/Ipb9e.png"/>
+          <p:cNvPicPr>
+            <a:picLocks noChangeAspect="1" noChangeArrowheads="1"/>
+          </p:cNvPicPr>
+          <p:nvPr/>
+        </p:nvPicPr>
+        <p:blipFill>
+          <a:blip r:embed="rId3">
+            <a:extLst>
+              <a:ext uri="{28A0092B-C50C-407E-A947-70E740481C1C}">
+                <a14:useLocalDpi xmlns:a14="http://schemas.microsoft.com/office/drawing/2010/main" val="0"/>
+              </a:ext>
+            </a:extLst>
+          </a:blip>
+          <a:srcRect/>
+          <a:stretch>
+            <a:fillRect/>
+          </a:stretch>
+        </p:blipFill>
+        <p:spPr bwMode="auto">
+          <a:xfrm>
+            <a:off x="1877559" y="480324"/>
+            <a:ext cx="8436883" cy="5897353"/>
+          </a:xfrm>
+          <a:prstGeom prst="rect">
+            <a:avLst/>
+          </a:prstGeom>
+          <a:noFill/>
+          <a:extLst>
+            <a:ext uri="{909E8E84-426E-40DD-AFC4-6F175D3DCCD1}">
+              <a14:hiddenFill xmlns:a14="http://schemas.microsoft.com/office/drawing/2010/main">
+                <a:solidFill>
+                  <a:srgbClr val="FFFFFF"/>
+                </a:solidFill>
+              </a14:hiddenFill>
+            </a:ext>
+          </a:extLst>
+        </p:spPr>
+      </p:pic>
+    </p:spTree>
+    <p:extLst>
+      <p:ext uri="{BB962C8B-B14F-4D97-AF65-F5344CB8AC3E}">
+        <p14:creationId xmlns:p14="http://schemas.microsoft.com/office/powerpoint/2010/main" val="3102022434"/>
       </p:ext>
     </p:extLst>
   </p:cSld>
@@ -12457,6 +17480,414 @@
     <p:extLst>
       <p:ext uri="{BB962C8B-B14F-4D97-AF65-F5344CB8AC3E}">
         <p14:creationId xmlns:p14="http://schemas.microsoft.com/office/powerpoint/2010/main" val="1315293021"/>
+      </p:ext>
+    </p:extLst>
+  </p:cSld>
+  <p:clrMapOvr>
+    <a:masterClrMapping/>
+  </p:clrMapOvr>
+  <mc:AlternateContent xmlns:mc="http://schemas.openxmlformats.org/markup-compatibility/2006" xmlns:p14="http://schemas.microsoft.com/office/powerpoint/2010/main">
+    <mc:Choice Requires="p14">
+      <p:transition p14:dur="0"/>
+    </mc:Choice>
+    <mc:Fallback xmlns="">
+      <p:transition/>
+    </mc:Fallback>
+  </mc:AlternateContent>
+  <p:timing>
+    <p:tnLst>
+      <p:par>
+        <p:cTn id="1" dur="indefinite" restart="never" nodeType="tmRoot"/>
+      </p:par>
+    </p:tnLst>
+  </p:timing>
+</p:sld>
+</file>
+
+<file path=ppt/slides/slide40.xml><?xml version="1.0" encoding="utf-8"?>
+<p:sld xmlns:a="http://schemas.openxmlformats.org/drawingml/2006/main" xmlns:r="http://schemas.openxmlformats.org/officeDocument/2006/relationships" xmlns:p="http://schemas.openxmlformats.org/presentationml/2006/main">
+  <p:cSld>
+    <p:spTree>
+      <p:nvGrpSpPr>
+        <p:cNvPr id="1" name=""/>
+        <p:cNvGrpSpPr/>
+        <p:nvPr/>
+      </p:nvGrpSpPr>
+      <p:grpSpPr>
+        <a:xfrm>
+          <a:off x="0" y="0"/>
+          <a:ext cx="0" cy="0"/>
+          <a:chOff x="0" y="0"/>
+          <a:chExt cx="0" cy="0"/>
+        </a:xfrm>
+      </p:grpSpPr>
+      <p:sp>
+        <p:nvSpPr>
+          <p:cNvPr id="4" name="TextBox 3"/>
+          <p:cNvSpPr txBox="1"/>
+          <p:nvPr/>
+        </p:nvSpPr>
+        <p:spPr>
+          <a:xfrm>
+            <a:off x="3714579" y="2333860"/>
+            <a:ext cx="4762842" cy="2190280"/>
+          </a:xfrm>
+          <a:prstGeom prst="rect">
+            <a:avLst/>
+          </a:prstGeom>
+          <a:noFill/>
+        </p:spPr>
+        <p:txBody>
+          <a:bodyPr wrap="none" rtlCol="0" anchor="t">
+            <a:spAutoFit/>
+          </a:bodyPr>
+          <a:lstStyle/>
+          <a:p>
+            <a:pPr algn="ctr">
+              <a:lnSpc>
+                <a:spcPct val="150000"/>
+              </a:lnSpc>
+            </a:pPr>
+            <a:r>
+              <a:rPr lang="en-US" sz="4800" dirty="0" smtClean="0">
+                <a:solidFill>
+                  <a:srgbClr val="FF0000"/>
+                </a:solidFill>
+                <a:latin typeface="Roboto" panose="02000000000000000000" pitchFamily="2" charset="0"/>
+                <a:ea typeface="Roboto" panose="02000000000000000000" pitchFamily="2" charset="0"/>
+                <a:cs typeface="Open Sans SemiBold" panose="020B0706030804020204" pitchFamily="34" charset="0"/>
+              </a:rPr>
+              <a:t>STRONG STATIC</a:t>
+            </a:r>
+          </a:p>
+          <a:p>
+            <a:pPr algn="ctr">
+              <a:lnSpc>
+                <a:spcPct val="150000"/>
+              </a:lnSpc>
+            </a:pPr>
+            <a:r>
+              <a:rPr lang="en-US" sz="4800" dirty="0" smtClean="0">
+                <a:latin typeface="Roboto" panose="02000000000000000000" pitchFamily="2" charset="0"/>
+                <a:ea typeface="Roboto" panose="02000000000000000000" pitchFamily="2" charset="0"/>
+                <a:cs typeface="Open Sans SemiBold" panose="020B0706030804020204" pitchFamily="34" charset="0"/>
+              </a:rPr>
+              <a:t>type system</a:t>
+            </a:r>
+            <a:endParaRPr lang="ru-RU" sz="4800" dirty="0">
+              <a:latin typeface="Roboto" panose="02000000000000000000" pitchFamily="2" charset="0"/>
+              <a:ea typeface="Roboto" panose="02000000000000000000" pitchFamily="2" charset="0"/>
+              <a:cs typeface="Open Sans SemiBold" panose="020B0706030804020204" pitchFamily="34" charset="0"/>
+            </a:endParaRPr>
+          </a:p>
+        </p:txBody>
+      </p:sp>
+    </p:spTree>
+    <p:extLst>
+      <p:ext uri="{BB962C8B-B14F-4D97-AF65-F5344CB8AC3E}">
+        <p14:creationId xmlns:p14="http://schemas.microsoft.com/office/powerpoint/2010/main" val="3313045014"/>
+      </p:ext>
+    </p:extLst>
+  </p:cSld>
+  <p:clrMapOvr>
+    <a:masterClrMapping/>
+  </p:clrMapOvr>
+  <mc:AlternateContent xmlns:mc="http://schemas.openxmlformats.org/markup-compatibility/2006" xmlns:p14="http://schemas.microsoft.com/office/powerpoint/2010/main">
+    <mc:Choice Requires="p14">
+      <p:transition p14:dur="0"/>
+    </mc:Choice>
+    <mc:Fallback xmlns="">
+      <p:transition/>
+    </mc:Fallback>
+  </mc:AlternateContent>
+  <p:timing>
+    <p:tnLst>
+      <p:par>
+        <p:cTn id="1" dur="indefinite" restart="never" nodeType="tmRoot"/>
+      </p:par>
+    </p:tnLst>
+  </p:timing>
+</p:sld>
+</file>
+
+<file path=ppt/slides/slide41.xml><?xml version="1.0" encoding="utf-8"?>
+<p:sld xmlns:a="http://schemas.openxmlformats.org/drawingml/2006/main" xmlns:r="http://schemas.openxmlformats.org/officeDocument/2006/relationships" xmlns:p="http://schemas.openxmlformats.org/presentationml/2006/main">
+  <p:cSld>
+    <p:spTree>
+      <p:nvGrpSpPr>
+        <p:cNvPr id="1" name=""/>
+        <p:cNvGrpSpPr/>
+        <p:nvPr/>
+      </p:nvGrpSpPr>
+      <p:grpSpPr>
+        <a:xfrm>
+          <a:off x="0" y="0"/>
+          <a:ext cx="0" cy="0"/>
+          <a:chOff x="0" y="0"/>
+          <a:chExt cx="0" cy="0"/>
+        </a:xfrm>
+      </p:grpSpPr>
+      <p:sp>
+        <p:nvSpPr>
+          <p:cNvPr id="4" name="TextBox 3"/>
+          <p:cNvSpPr txBox="1"/>
+          <p:nvPr/>
+        </p:nvSpPr>
+        <p:spPr>
+          <a:xfrm>
+            <a:off x="4243247" y="2887858"/>
+            <a:ext cx="3621504" cy="1082284"/>
+          </a:xfrm>
+          <a:prstGeom prst="rect">
+            <a:avLst/>
+          </a:prstGeom>
+          <a:noFill/>
+        </p:spPr>
+        <p:txBody>
+          <a:bodyPr wrap="none" rtlCol="0" anchor="t">
+            <a:spAutoFit/>
+          </a:bodyPr>
+          <a:lstStyle/>
+          <a:p>
+            <a:pPr algn="ctr">
+              <a:lnSpc>
+                <a:spcPct val="150000"/>
+              </a:lnSpc>
+            </a:pPr>
+            <a:r>
+              <a:rPr lang="en-US" sz="4800" dirty="0" smtClean="0">
+                <a:solidFill>
+                  <a:srgbClr val="FF0000"/>
+                </a:solidFill>
+                <a:latin typeface="Roboto" panose="02000000000000000000" pitchFamily="2" charset="0"/>
+                <a:ea typeface="Roboto" panose="02000000000000000000" pitchFamily="2" charset="0"/>
+                <a:cs typeface="Open Sans SemiBold" panose="020B0706030804020204" pitchFamily="34" charset="0"/>
+              </a:rPr>
+              <a:t>FULL</a:t>
+            </a:r>
+            <a:r>
+              <a:rPr lang="en-US" sz="4800" dirty="0" smtClean="0">
+                <a:latin typeface="Roboto" panose="02000000000000000000" pitchFamily="2" charset="0"/>
+                <a:ea typeface="Roboto" panose="02000000000000000000" pitchFamily="2" charset="0"/>
+                <a:cs typeface="Open Sans SemiBold" panose="020B0706030804020204" pitchFamily="34" charset="0"/>
+              </a:rPr>
+              <a:t>-STACK</a:t>
+            </a:r>
+            <a:endParaRPr lang="ru-RU" sz="4800" dirty="0">
+              <a:latin typeface="Roboto" panose="02000000000000000000" pitchFamily="2" charset="0"/>
+              <a:ea typeface="Roboto" panose="02000000000000000000" pitchFamily="2" charset="0"/>
+              <a:cs typeface="Open Sans SemiBold" panose="020B0706030804020204" pitchFamily="34" charset="0"/>
+            </a:endParaRPr>
+          </a:p>
+        </p:txBody>
+      </p:sp>
+    </p:spTree>
+    <p:extLst>
+      <p:ext uri="{BB962C8B-B14F-4D97-AF65-F5344CB8AC3E}">
+        <p14:creationId xmlns:p14="http://schemas.microsoft.com/office/powerpoint/2010/main" val="2763357302"/>
+      </p:ext>
+    </p:extLst>
+  </p:cSld>
+  <p:clrMapOvr>
+    <a:masterClrMapping/>
+  </p:clrMapOvr>
+  <mc:AlternateContent xmlns:mc="http://schemas.openxmlformats.org/markup-compatibility/2006" xmlns:p14="http://schemas.microsoft.com/office/powerpoint/2010/main">
+    <mc:Choice Requires="p14">
+      <p:transition p14:dur="0"/>
+    </mc:Choice>
+    <mc:Fallback xmlns="">
+      <p:transition/>
+    </mc:Fallback>
+  </mc:AlternateContent>
+  <p:timing>
+    <p:tnLst>
+      <p:par>
+        <p:cTn id="1" dur="indefinite" restart="never" nodeType="tmRoot"/>
+      </p:par>
+    </p:tnLst>
+  </p:timing>
+</p:sld>
+</file>
+
+<file path=ppt/slides/slide42.xml><?xml version="1.0" encoding="utf-8"?>
+<p:sld xmlns:a="http://schemas.openxmlformats.org/drawingml/2006/main" xmlns:r="http://schemas.openxmlformats.org/officeDocument/2006/relationships" xmlns:p="http://schemas.openxmlformats.org/presentationml/2006/main">
+  <p:cSld>
+    <p:spTree>
+      <p:nvGrpSpPr>
+        <p:cNvPr id="1" name=""/>
+        <p:cNvGrpSpPr/>
+        <p:nvPr/>
+      </p:nvGrpSpPr>
+      <p:grpSpPr>
+        <a:xfrm>
+          <a:off x="0" y="0"/>
+          <a:ext cx="0" cy="0"/>
+          <a:chOff x="0" y="0"/>
+          <a:chExt cx="0" cy="0"/>
+        </a:xfrm>
+      </p:grpSpPr>
+      <p:sp>
+        <p:nvSpPr>
+          <p:cNvPr id="4" name="TextBox 3"/>
+          <p:cNvSpPr txBox="1"/>
+          <p:nvPr/>
+        </p:nvSpPr>
+        <p:spPr>
+          <a:xfrm>
+            <a:off x="4098173" y="2887858"/>
+            <a:ext cx="3911648" cy="1077218"/>
+          </a:xfrm>
+          <a:prstGeom prst="rect">
+            <a:avLst/>
+          </a:prstGeom>
+          <a:noFill/>
+        </p:spPr>
+        <p:txBody>
+          <a:bodyPr wrap="none" rtlCol="0" anchor="t">
+            <a:spAutoFit/>
+          </a:bodyPr>
+          <a:lstStyle/>
+          <a:p>
+            <a:pPr algn="ctr">
+              <a:lnSpc>
+                <a:spcPct val="150000"/>
+              </a:lnSpc>
+            </a:pPr>
+            <a:r>
+              <a:rPr lang="en-US" sz="4800" dirty="0" smtClean="0">
+                <a:solidFill>
+                  <a:srgbClr val="FF0000"/>
+                </a:solidFill>
+                <a:latin typeface="Roboto" panose="02000000000000000000" pitchFamily="2" charset="0"/>
+                <a:ea typeface="Roboto" panose="02000000000000000000" pitchFamily="2" charset="0"/>
+                <a:cs typeface="Open Sans SemiBold" panose="020B0706030804020204" pitchFamily="34" charset="0"/>
+              </a:rPr>
+              <a:t>LEGACY</a:t>
+            </a:r>
+            <a:r>
+              <a:rPr lang="en-US" sz="4800" dirty="0" smtClean="0">
+                <a:latin typeface="Roboto" panose="02000000000000000000" pitchFamily="2" charset="0"/>
+                <a:ea typeface="Roboto" panose="02000000000000000000" pitchFamily="2" charset="0"/>
+                <a:cs typeface="Open Sans SemiBold" panose="020B0706030804020204" pitchFamily="34" charset="0"/>
+              </a:rPr>
+              <a:t>-</a:t>
+            </a:r>
+            <a:r>
+              <a:rPr lang="ru-RU" sz="4800" dirty="0" smtClean="0">
+                <a:latin typeface="Roboto" panose="02000000000000000000" pitchFamily="2" charset="0"/>
+                <a:ea typeface="Roboto" panose="02000000000000000000" pitchFamily="2" charset="0"/>
+                <a:cs typeface="Open Sans SemiBold" panose="020B0706030804020204" pitchFamily="34" charset="0"/>
+              </a:rPr>
+              <a:t>КОД</a:t>
+            </a:r>
+            <a:endParaRPr lang="ru-RU" sz="4800" dirty="0">
+              <a:latin typeface="Roboto" panose="02000000000000000000" pitchFamily="2" charset="0"/>
+              <a:ea typeface="Roboto" panose="02000000000000000000" pitchFamily="2" charset="0"/>
+              <a:cs typeface="Open Sans SemiBold" panose="020B0706030804020204" pitchFamily="34" charset="0"/>
+            </a:endParaRPr>
+          </a:p>
+        </p:txBody>
+      </p:sp>
+    </p:spTree>
+    <p:extLst>
+      <p:ext uri="{BB962C8B-B14F-4D97-AF65-F5344CB8AC3E}">
+        <p14:creationId xmlns:p14="http://schemas.microsoft.com/office/powerpoint/2010/main" val="3533449925"/>
+      </p:ext>
+    </p:extLst>
+  </p:cSld>
+  <p:clrMapOvr>
+    <a:masterClrMapping/>
+  </p:clrMapOvr>
+  <mc:AlternateContent xmlns:mc="http://schemas.openxmlformats.org/markup-compatibility/2006" xmlns:p14="http://schemas.microsoft.com/office/powerpoint/2010/main">
+    <mc:Choice Requires="p14">
+      <p:transition p14:dur="0"/>
+    </mc:Choice>
+    <mc:Fallback xmlns="">
+      <p:transition/>
+    </mc:Fallback>
+  </mc:AlternateContent>
+  <p:timing>
+    <p:tnLst>
+      <p:par>
+        <p:cTn id="1" dur="indefinite" restart="never" nodeType="tmRoot"/>
+      </p:par>
+    </p:tnLst>
+  </p:timing>
+</p:sld>
+</file>
+
+<file path=ppt/slides/slide43.xml><?xml version="1.0" encoding="utf-8"?>
+<p:sld xmlns:a="http://schemas.openxmlformats.org/drawingml/2006/main" xmlns:r="http://schemas.openxmlformats.org/officeDocument/2006/relationships" xmlns:p="http://schemas.openxmlformats.org/presentationml/2006/main">
+  <p:cSld>
+    <p:bg>
+      <p:bgPr>
+        <a:solidFill>
+          <a:schemeClr val="bg1"/>
+        </a:solidFill>
+        <a:effectLst/>
+      </p:bgPr>
+    </p:bg>
+    <p:spTree>
+      <p:nvGrpSpPr>
+        <p:cNvPr id="1" name=""/>
+        <p:cNvGrpSpPr/>
+        <p:nvPr/>
+      </p:nvGrpSpPr>
+      <p:grpSpPr>
+        <a:xfrm>
+          <a:off x="0" y="0"/>
+          <a:ext cx="0" cy="0"/>
+          <a:chOff x="0" y="0"/>
+          <a:chExt cx="0" cy="0"/>
+        </a:xfrm>
+      </p:grpSpPr>
+      <p:sp>
+        <p:nvSpPr>
+          <p:cNvPr id="4" name="TextBox 3"/>
+          <p:cNvSpPr txBox="1"/>
+          <p:nvPr/>
+        </p:nvSpPr>
+        <p:spPr>
+          <a:xfrm>
+            <a:off x="5144478" y="2887858"/>
+            <a:ext cx="1903085" cy="1082284"/>
+          </a:xfrm>
+          <a:prstGeom prst="rect">
+            <a:avLst/>
+          </a:prstGeom>
+          <a:noFill/>
+        </p:spPr>
+        <p:txBody>
+          <a:bodyPr wrap="none" rtlCol="0" anchor="t">
+            <a:spAutoFit/>
+          </a:bodyPr>
+          <a:lstStyle/>
+          <a:p>
+            <a:pPr algn="ctr">
+              <a:lnSpc>
+                <a:spcPct val="150000"/>
+              </a:lnSpc>
+            </a:pPr>
+            <a:r>
+              <a:rPr lang="en-US" sz="4800" dirty="0" smtClean="0">
+                <a:latin typeface="Roboto" panose="02000000000000000000" pitchFamily="2" charset="0"/>
+                <a:ea typeface="Roboto" panose="02000000000000000000" pitchFamily="2" charset="0"/>
+                <a:cs typeface="Open Sans SemiBold" panose="020B0706030804020204" pitchFamily="34" charset="0"/>
+              </a:rPr>
+              <a:t>AGILE</a:t>
+            </a:r>
+            <a:endParaRPr lang="ru-RU" sz="4800" dirty="0">
+              <a:latin typeface="Roboto" panose="02000000000000000000" pitchFamily="2" charset="0"/>
+              <a:ea typeface="Roboto" panose="02000000000000000000" pitchFamily="2" charset="0"/>
+              <a:cs typeface="Open Sans SemiBold" panose="020B0706030804020204" pitchFamily="34" charset="0"/>
+            </a:endParaRPr>
+          </a:p>
+        </p:txBody>
+      </p:sp>
+    </p:spTree>
+    <p:extLst>
+      <p:ext uri="{BB962C8B-B14F-4D97-AF65-F5344CB8AC3E}">
+        <p14:creationId xmlns:p14="http://schemas.microsoft.com/office/powerpoint/2010/main" val="767812744"/>
       </p:ext>
     </p:extLst>
   </p:cSld>

--- a/Презентация.pptx
+++ b/Презентация.pptx
@@ -5,7 +5,7 @@
     <p:sldMasterId id="2147483648" r:id="rId1"/>
   </p:sldMasterIdLst>
   <p:notesMasterIdLst>
-    <p:notesMasterId r:id="rId11"/>
+    <p:notesMasterId r:id="rId36"/>
   </p:notesMasterIdLst>
   <p:sldIdLst>
     <p:sldId id="256" r:id="rId2"/>
@@ -17,6 +17,31 @@
     <p:sldId id="262" r:id="rId8"/>
     <p:sldId id="263" r:id="rId9"/>
     <p:sldId id="264" r:id="rId10"/>
+    <p:sldId id="265" r:id="rId11"/>
+    <p:sldId id="267" r:id="rId12"/>
+    <p:sldId id="268" r:id="rId13"/>
+    <p:sldId id="269" r:id="rId14"/>
+    <p:sldId id="270" r:id="rId15"/>
+    <p:sldId id="277" r:id="rId16"/>
+    <p:sldId id="274" r:id="rId17"/>
+    <p:sldId id="276" r:id="rId18"/>
+    <p:sldId id="271" r:id="rId19"/>
+    <p:sldId id="272" r:id="rId20"/>
+    <p:sldId id="273" r:id="rId21"/>
+    <p:sldId id="278" r:id="rId22"/>
+    <p:sldId id="280" r:id="rId23"/>
+    <p:sldId id="281" r:id="rId24"/>
+    <p:sldId id="282" r:id="rId25"/>
+    <p:sldId id="284" r:id="rId26"/>
+    <p:sldId id="283" r:id="rId27"/>
+    <p:sldId id="285" r:id="rId28"/>
+    <p:sldId id="286" r:id="rId29"/>
+    <p:sldId id="287" r:id="rId30"/>
+    <p:sldId id="288" r:id="rId31"/>
+    <p:sldId id="289" r:id="rId32"/>
+    <p:sldId id="290" r:id="rId33"/>
+    <p:sldId id="291" r:id="rId34"/>
+    <p:sldId id="292" r:id="rId35"/>
   </p:sldIdLst>
   <p:sldSz cx="12192000" cy="6858000"/>
   <p:notesSz cx="6858000" cy="9144000"/>
@@ -205,7 +230,7 @@
           <a:p>
             <a:fld id="{C1FA9F6D-4C0A-4D32-A6E0-938378AE6520}" type="datetimeFigureOut">
               <a:rPr lang="en-US" smtClean="0"/>
-              <a:t>7/14/2023</a:t>
+              <a:t>7/17/2023</a:t>
             </a:fld>
             <a:endParaRPr lang="en-US"/>
           </a:p>
@@ -587,6 +612,1716 @@
 </p:notes>
 </file>
 
+<file path=ppt/notesSlides/notesSlide10.xml><?xml version="1.0" encoding="utf-8"?>
+<p:notes xmlns:a="http://schemas.openxmlformats.org/drawingml/2006/main" xmlns:r="http://schemas.openxmlformats.org/officeDocument/2006/relationships" xmlns:p="http://schemas.openxmlformats.org/presentationml/2006/main">
+  <p:cSld>
+    <p:spTree>
+      <p:nvGrpSpPr>
+        <p:cNvPr id="1" name=""/>
+        <p:cNvGrpSpPr/>
+        <p:nvPr/>
+      </p:nvGrpSpPr>
+      <p:grpSpPr>
+        <a:xfrm>
+          <a:off x="0" y="0"/>
+          <a:ext cx="0" cy="0"/>
+          <a:chOff x="0" y="0"/>
+          <a:chExt cx="0" cy="0"/>
+        </a:xfrm>
+      </p:grpSpPr>
+      <p:sp>
+        <p:nvSpPr>
+          <p:cNvPr id="2" name="Образ слайда 1"/>
+          <p:cNvSpPr>
+            <a:spLocks noGrp="1" noRot="1" noChangeAspect="1"/>
+          </p:cNvSpPr>
+          <p:nvPr>
+            <p:ph type="sldImg"/>
+          </p:nvPr>
+        </p:nvSpPr>
+        <p:spPr/>
+      </p:sp>
+      <p:sp>
+        <p:nvSpPr>
+          <p:cNvPr id="3" name="Заметки 2"/>
+          <p:cNvSpPr>
+            <a:spLocks noGrp="1"/>
+          </p:cNvSpPr>
+          <p:nvPr>
+            <p:ph type="body" idx="1"/>
+          </p:nvPr>
+        </p:nvSpPr>
+        <p:spPr/>
+        <p:txBody>
+          <a:bodyPr/>
+          <a:lstStyle/>
+          <a:p>
+            <a:pPr marL="0" marR="0" indent="0" algn="l" defTabSz="914400" rtl="0" eaLnBrk="1" fontAlgn="auto" latinLnBrk="0" hangingPunct="1">
+              <a:lnSpc>
+                <a:spcPct val="100000"/>
+              </a:lnSpc>
+              <a:spcBef>
+                <a:spcPts val="0"/>
+              </a:spcBef>
+              <a:spcAft>
+                <a:spcPts val="0"/>
+              </a:spcAft>
+              <a:buClrTx/>
+              <a:buSzTx/>
+              <a:buFontTx/>
+              <a:buNone/>
+              <a:tabLst/>
+              <a:defRPr/>
+            </a:pPr>
+            <a:r>
+              <a:rPr lang="ru-RU" dirty="0" smtClean="0"/>
+              <a:t>Для того чтобы попытаться ответить на данный вопрос необходимо начать с основ</a:t>
+            </a:r>
+            <a:r>
+              <a:rPr lang="en-US" dirty="0" smtClean="0"/>
+              <a:t>, </a:t>
+            </a:r>
+            <a:r>
+              <a:rPr lang="ru-RU" dirty="0" smtClean="0"/>
+              <a:t>а именно со строения ПО</a:t>
+            </a:r>
+          </a:p>
+          <a:p>
+            <a:endParaRPr lang="ru-RU" dirty="0"/>
+          </a:p>
+        </p:txBody>
+      </p:sp>
+      <p:sp>
+        <p:nvSpPr>
+          <p:cNvPr id="4" name="Номер слайда 3"/>
+          <p:cNvSpPr>
+            <a:spLocks noGrp="1"/>
+          </p:cNvSpPr>
+          <p:nvPr>
+            <p:ph type="sldNum" sz="quarter" idx="10"/>
+          </p:nvPr>
+        </p:nvSpPr>
+        <p:spPr/>
+        <p:txBody>
+          <a:bodyPr/>
+          <a:lstStyle/>
+          <a:p>
+            <a:fld id="{D54409A1-088C-44D9-A8D7-99583A7259E8}" type="slidenum">
+              <a:rPr lang="en-US" smtClean="0"/>
+              <a:t>11</a:t>
+            </a:fld>
+            <a:endParaRPr lang="en-US"/>
+          </a:p>
+        </p:txBody>
+      </p:sp>
+    </p:spTree>
+    <p:extLst>
+      <p:ext uri="{BB962C8B-B14F-4D97-AF65-F5344CB8AC3E}">
+        <p14:creationId xmlns:p14="http://schemas.microsoft.com/office/powerpoint/2010/main" val="2177051601"/>
+      </p:ext>
+    </p:extLst>
+  </p:cSld>
+  <p:clrMapOvr>
+    <a:masterClrMapping/>
+  </p:clrMapOvr>
+</p:notes>
+</file>
+
+<file path=ppt/notesSlides/notesSlide11.xml><?xml version="1.0" encoding="utf-8"?>
+<p:notes xmlns:a="http://schemas.openxmlformats.org/drawingml/2006/main" xmlns:r="http://schemas.openxmlformats.org/officeDocument/2006/relationships" xmlns:p="http://schemas.openxmlformats.org/presentationml/2006/main">
+  <p:cSld>
+    <p:spTree>
+      <p:nvGrpSpPr>
+        <p:cNvPr id="1" name=""/>
+        <p:cNvGrpSpPr/>
+        <p:nvPr/>
+      </p:nvGrpSpPr>
+      <p:grpSpPr>
+        <a:xfrm>
+          <a:off x="0" y="0"/>
+          <a:ext cx="0" cy="0"/>
+          <a:chOff x="0" y="0"/>
+          <a:chExt cx="0" cy="0"/>
+        </a:xfrm>
+      </p:grpSpPr>
+      <p:sp>
+        <p:nvSpPr>
+          <p:cNvPr id="2" name="Образ слайда 1"/>
+          <p:cNvSpPr>
+            <a:spLocks noGrp="1" noRot="1" noChangeAspect="1"/>
+          </p:cNvSpPr>
+          <p:nvPr>
+            <p:ph type="sldImg"/>
+          </p:nvPr>
+        </p:nvSpPr>
+        <p:spPr/>
+      </p:sp>
+      <p:sp>
+        <p:nvSpPr>
+          <p:cNvPr id="3" name="Заметки 2"/>
+          <p:cNvSpPr>
+            <a:spLocks noGrp="1"/>
+          </p:cNvSpPr>
+          <p:nvPr>
+            <p:ph type="body" idx="1"/>
+          </p:nvPr>
+        </p:nvSpPr>
+        <p:spPr/>
+        <p:txBody>
+          <a:bodyPr/>
+          <a:lstStyle/>
+          <a:p>
+            <a:pPr marL="0" marR="0" indent="0" algn="l" defTabSz="914400" rtl="0" eaLnBrk="1" fontAlgn="auto" latinLnBrk="0" hangingPunct="1">
+              <a:lnSpc>
+                <a:spcPct val="100000"/>
+              </a:lnSpc>
+              <a:spcBef>
+                <a:spcPts val="0"/>
+              </a:spcBef>
+              <a:spcAft>
+                <a:spcPts val="0"/>
+              </a:spcAft>
+              <a:buClrTx/>
+              <a:buSzTx/>
+              <a:buFontTx/>
+              <a:buNone/>
+              <a:tabLst/>
+              <a:defRPr/>
+            </a:pPr>
+            <a:r>
+              <a:rPr lang="ru-RU" sz="1200" b="0" i="0" kern="1200" dirty="0" smtClean="0">
+                <a:solidFill>
+                  <a:schemeClr val="tx1"/>
+                </a:solidFill>
+                <a:effectLst/>
+                <a:latin typeface="+mn-lt"/>
+                <a:ea typeface="+mn-ea"/>
+                <a:cs typeface="+mn-cs"/>
+              </a:rPr>
+              <a:t>Любую программу можно разбить на две составляющие</a:t>
+            </a:r>
+            <a:endParaRPr lang="ru-RU" dirty="0"/>
+          </a:p>
+        </p:txBody>
+      </p:sp>
+      <p:sp>
+        <p:nvSpPr>
+          <p:cNvPr id="4" name="Номер слайда 3"/>
+          <p:cNvSpPr>
+            <a:spLocks noGrp="1"/>
+          </p:cNvSpPr>
+          <p:nvPr>
+            <p:ph type="sldNum" sz="quarter" idx="10"/>
+          </p:nvPr>
+        </p:nvSpPr>
+        <p:spPr/>
+        <p:txBody>
+          <a:bodyPr/>
+          <a:lstStyle/>
+          <a:p>
+            <a:fld id="{D54409A1-088C-44D9-A8D7-99583A7259E8}" type="slidenum">
+              <a:rPr lang="en-US" smtClean="0"/>
+              <a:t>12</a:t>
+            </a:fld>
+            <a:endParaRPr lang="en-US"/>
+          </a:p>
+        </p:txBody>
+      </p:sp>
+    </p:spTree>
+    <p:extLst>
+      <p:ext uri="{BB962C8B-B14F-4D97-AF65-F5344CB8AC3E}">
+        <p14:creationId xmlns:p14="http://schemas.microsoft.com/office/powerpoint/2010/main" val="1864511638"/>
+      </p:ext>
+    </p:extLst>
+  </p:cSld>
+  <p:clrMapOvr>
+    <a:masterClrMapping/>
+  </p:clrMapOvr>
+</p:notes>
+</file>
+
+<file path=ppt/notesSlides/notesSlide12.xml><?xml version="1.0" encoding="utf-8"?>
+<p:notes xmlns:a="http://schemas.openxmlformats.org/drawingml/2006/main" xmlns:r="http://schemas.openxmlformats.org/officeDocument/2006/relationships" xmlns:p="http://schemas.openxmlformats.org/presentationml/2006/main">
+  <p:cSld>
+    <p:spTree>
+      <p:nvGrpSpPr>
+        <p:cNvPr id="1" name=""/>
+        <p:cNvGrpSpPr/>
+        <p:nvPr/>
+      </p:nvGrpSpPr>
+      <p:grpSpPr>
+        <a:xfrm>
+          <a:off x="0" y="0"/>
+          <a:ext cx="0" cy="0"/>
+          <a:chOff x="0" y="0"/>
+          <a:chExt cx="0" cy="0"/>
+        </a:xfrm>
+      </p:grpSpPr>
+      <p:sp>
+        <p:nvSpPr>
+          <p:cNvPr id="2" name="Образ слайда 1"/>
+          <p:cNvSpPr>
+            <a:spLocks noGrp="1" noRot="1" noChangeAspect="1"/>
+          </p:cNvSpPr>
+          <p:nvPr>
+            <p:ph type="sldImg"/>
+          </p:nvPr>
+        </p:nvSpPr>
+        <p:spPr/>
+      </p:sp>
+      <p:sp>
+        <p:nvSpPr>
+          <p:cNvPr id="3" name="Заметки 2"/>
+          <p:cNvSpPr>
+            <a:spLocks noGrp="1"/>
+          </p:cNvSpPr>
+          <p:nvPr>
+            <p:ph type="body" idx="1"/>
+          </p:nvPr>
+        </p:nvSpPr>
+        <p:spPr/>
+        <p:txBody>
+          <a:bodyPr/>
+          <a:lstStyle/>
+          <a:p>
+            <a:pPr marL="0" marR="0" indent="0" algn="l" defTabSz="914400" rtl="0" eaLnBrk="1" fontAlgn="auto" latinLnBrk="0" hangingPunct="1">
+              <a:lnSpc>
+                <a:spcPct val="100000"/>
+              </a:lnSpc>
+              <a:spcBef>
+                <a:spcPts val="0"/>
+              </a:spcBef>
+              <a:spcAft>
+                <a:spcPts val="0"/>
+              </a:spcAft>
+              <a:buClrTx/>
+              <a:buSzTx/>
+              <a:buFontTx/>
+              <a:buNone/>
+              <a:tabLst/>
+              <a:defRPr/>
+            </a:pPr>
+            <a:r>
+              <a:rPr lang="ru-RU" sz="1200" b="0" i="0" kern="1200" dirty="0" smtClean="0">
+                <a:solidFill>
+                  <a:schemeClr val="tx1"/>
+                </a:solidFill>
+                <a:effectLst/>
+                <a:latin typeface="+mn-lt"/>
+                <a:ea typeface="+mn-ea"/>
+                <a:cs typeface="+mn-cs"/>
+              </a:rPr>
+              <a:t>Все то что формирует наблюдаемое, то за что прежде всего платит заказчик, то на что заводят дефекты тестирование и требует к реализации аналитика. С</a:t>
+            </a:r>
+            <a:r>
+              <a:rPr lang="ru-RU" sz="1200" b="0" i="0" kern="1200" baseline="0" dirty="0" smtClean="0">
+                <a:solidFill>
+                  <a:schemeClr val="tx1"/>
+                </a:solidFill>
+                <a:effectLst/>
+                <a:latin typeface="+mn-lt"/>
+                <a:ea typeface="+mn-ea"/>
+                <a:cs typeface="+mn-cs"/>
+              </a:rPr>
+              <a:t> точки зрения пользователя это то</a:t>
+            </a:r>
+            <a:r>
+              <a:rPr lang="en-US" sz="1200" b="0" i="0" kern="1200" baseline="0" dirty="0" smtClean="0">
+                <a:solidFill>
+                  <a:schemeClr val="tx1"/>
+                </a:solidFill>
+                <a:effectLst/>
+                <a:latin typeface="+mn-lt"/>
+                <a:ea typeface="+mn-ea"/>
+                <a:cs typeface="+mn-cs"/>
+              </a:rPr>
+              <a:t>, </a:t>
+            </a:r>
+            <a:r>
+              <a:rPr lang="ru-RU" sz="1200" b="0" i="0" kern="1200" baseline="0" dirty="0" smtClean="0">
+                <a:solidFill>
+                  <a:schemeClr val="tx1"/>
+                </a:solidFill>
+                <a:effectLst/>
+                <a:latin typeface="+mn-lt"/>
+                <a:ea typeface="+mn-ea"/>
+                <a:cs typeface="+mn-cs"/>
+              </a:rPr>
+              <a:t>зачем мы используем ПО</a:t>
+            </a:r>
+            <a:r>
+              <a:rPr lang="en-US" sz="1200" b="0" i="0" kern="1200" baseline="0" dirty="0" smtClean="0">
+                <a:solidFill>
+                  <a:schemeClr val="tx1"/>
+                </a:solidFill>
+                <a:effectLst/>
+                <a:latin typeface="+mn-lt"/>
+                <a:ea typeface="+mn-ea"/>
+                <a:cs typeface="+mn-cs"/>
+              </a:rPr>
+              <a:t>, </a:t>
+            </a:r>
+            <a:r>
+              <a:rPr lang="ru-RU" sz="1200" b="0" i="0" kern="1200" baseline="0" dirty="0" smtClean="0">
+                <a:solidFill>
+                  <a:schemeClr val="tx1"/>
+                </a:solidFill>
+                <a:effectLst/>
+                <a:latin typeface="+mn-lt"/>
+                <a:ea typeface="+mn-ea"/>
+                <a:cs typeface="+mn-cs"/>
+              </a:rPr>
+              <a:t>то</a:t>
+            </a:r>
+            <a:r>
+              <a:rPr lang="en-US" sz="1200" b="0" i="0" kern="1200" baseline="0" dirty="0" smtClean="0">
+                <a:solidFill>
+                  <a:schemeClr val="tx1"/>
+                </a:solidFill>
+                <a:effectLst/>
+                <a:latin typeface="+mn-lt"/>
+                <a:ea typeface="+mn-ea"/>
+                <a:cs typeface="+mn-cs"/>
+              </a:rPr>
+              <a:t>, </a:t>
+            </a:r>
+            <a:r>
+              <a:rPr lang="ru-RU" sz="1200" b="0" i="0" kern="1200" baseline="0" dirty="0" smtClean="0">
+                <a:solidFill>
+                  <a:schemeClr val="tx1"/>
+                </a:solidFill>
+                <a:effectLst/>
+                <a:latin typeface="+mn-lt"/>
+                <a:ea typeface="+mn-ea"/>
+                <a:cs typeface="+mn-cs"/>
+              </a:rPr>
+              <a:t>как мы его воспринимаем. Пользуясь например календарем нам не важно что там используется в качестве отступов (пробелы или </a:t>
+            </a:r>
+            <a:r>
+              <a:rPr lang="ru-RU" sz="1200" b="0" i="0" kern="1200" baseline="0" dirty="0" err="1" smtClean="0">
+                <a:solidFill>
+                  <a:schemeClr val="tx1"/>
+                </a:solidFill>
+                <a:effectLst/>
+                <a:latin typeface="+mn-lt"/>
+                <a:ea typeface="+mn-ea"/>
+                <a:cs typeface="+mn-cs"/>
+              </a:rPr>
+              <a:t>табы</a:t>
+            </a:r>
+            <a:r>
+              <a:rPr lang="ru-RU" sz="1200" b="0" i="0" kern="1200" baseline="0" dirty="0" smtClean="0">
+                <a:solidFill>
+                  <a:schemeClr val="tx1"/>
+                </a:solidFill>
+                <a:effectLst/>
+                <a:latin typeface="+mn-lt"/>
+                <a:ea typeface="+mn-ea"/>
+                <a:cs typeface="+mn-cs"/>
+              </a:rPr>
+              <a:t>)</a:t>
+            </a:r>
+            <a:endParaRPr lang="ru-RU" dirty="0"/>
+          </a:p>
+        </p:txBody>
+      </p:sp>
+      <p:sp>
+        <p:nvSpPr>
+          <p:cNvPr id="4" name="Номер слайда 3"/>
+          <p:cNvSpPr>
+            <a:spLocks noGrp="1"/>
+          </p:cNvSpPr>
+          <p:nvPr>
+            <p:ph type="sldNum" sz="quarter" idx="10"/>
+          </p:nvPr>
+        </p:nvSpPr>
+        <p:spPr/>
+        <p:txBody>
+          <a:bodyPr/>
+          <a:lstStyle/>
+          <a:p>
+            <a:fld id="{D54409A1-088C-44D9-A8D7-99583A7259E8}" type="slidenum">
+              <a:rPr lang="en-US" smtClean="0"/>
+              <a:t>13</a:t>
+            </a:fld>
+            <a:endParaRPr lang="en-US"/>
+          </a:p>
+        </p:txBody>
+      </p:sp>
+    </p:spTree>
+    <p:extLst>
+      <p:ext uri="{BB962C8B-B14F-4D97-AF65-F5344CB8AC3E}">
+        <p14:creationId xmlns:p14="http://schemas.microsoft.com/office/powerpoint/2010/main" val="269310341"/>
+      </p:ext>
+    </p:extLst>
+  </p:cSld>
+  <p:clrMapOvr>
+    <a:masterClrMapping/>
+  </p:clrMapOvr>
+</p:notes>
+</file>
+
+<file path=ppt/notesSlides/notesSlide13.xml><?xml version="1.0" encoding="utf-8"?>
+<p:notes xmlns:a="http://schemas.openxmlformats.org/drawingml/2006/main" xmlns:r="http://schemas.openxmlformats.org/officeDocument/2006/relationships" xmlns:p="http://schemas.openxmlformats.org/presentationml/2006/main">
+  <p:cSld>
+    <p:spTree>
+      <p:nvGrpSpPr>
+        <p:cNvPr id="1" name=""/>
+        <p:cNvGrpSpPr/>
+        <p:nvPr/>
+      </p:nvGrpSpPr>
+      <p:grpSpPr>
+        <a:xfrm>
+          <a:off x="0" y="0"/>
+          <a:ext cx="0" cy="0"/>
+          <a:chOff x="0" y="0"/>
+          <a:chExt cx="0" cy="0"/>
+        </a:xfrm>
+      </p:grpSpPr>
+      <p:sp>
+        <p:nvSpPr>
+          <p:cNvPr id="2" name="Образ слайда 1"/>
+          <p:cNvSpPr>
+            <a:spLocks noGrp="1" noRot="1" noChangeAspect="1"/>
+          </p:cNvSpPr>
+          <p:nvPr>
+            <p:ph type="sldImg"/>
+          </p:nvPr>
+        </p:nvSpPr>
+        <p:spPr/>
+      </p:sp>
+      <p:sp>
+        <p:nvSpPr>
+          <p:cNvPr id="3" name="Заметки 2"/>
+          <p:cNvSpPr>
+            <a:spLocks noGrp="1"/>
+          </p:cNvSpPr>
+          <p:nvPr>
+            <p:ph type="body" idx="1"/>
+          </p:nvPr>
+        </p:nvSpPr>
+        <p:spPr/>
+        <p:txBody>
+          <a:bodyPr/>
+          <a:lstStyle/>
+          <a:p>
+            <a:r>
+              <a:rPr lang="ru-RU" sz="1200" b="0" i="0" kern="1200" dirty="0" smtClean="0">
+                <a:solidFill>
+                  <a:schemeClr val="tx1"/>
+                </a:solidFill>
+                <a:effectLst/>
+                <a:latin typeface="+mn-lt"/>
+                <a:ea typeface="+mn-ea"/>
+                <a:cs typeface="+mn-cs"/>
+              </a:rPr>
+              <a:t>Структура - то что скрыто, детали реализации, паттерны, библиотеки, структуры данных, </a:t>
+            </a:r>
+            <a:r>
+              <a:rPr lang="ru-RU" sz="1200" b="0" i="0" kern="1200" dirty="0" err="1" smtClean="0">
+                <a:solidFill>
+                  <a:schemeClr val="tx1"/>
+                </a:solidFill>
+                <a:effectLst/>
+                <a:latin typeface="+mn-lt"/>
+                <a:ea typeface="+mn-ea"/>
+                <a:cs typeface="+mn-cs"/>
+              </a:rPr>
+              <a:t>фреймворки</a:t>
+            </a:r>
+            <a:r>
+              <a:rPr lang="ru-RU" sz="1200" b="0" i="0" kern="1200" dirty="0" smtClean="0">
+                <a:solidFill>
+                  <a:schemeClr val="tx1"/>
+                </a:solidFill>
+                <a:effectLst/>
+                <a:latin typeface="+mn-lt"/>
+                <a:ea typeface="+mn-ea"/>
+                <a:cs typeface="+mn-cs"/>
+              </a:rPr>
+              <a:t> и так далее. Можно</a:t>
+            </a:r>
+            <a:r>
+              <a:rPr lang="ru-RU" sz="1200" b="0" i="0" kern="1200" baseline="0" dirty="0" smtClean="0">
+                <a:solidFill>
+                  <a:schemeClr val="tx1"/>
+                </a:solidFill>
+                <a:effectLst/>
+                <a:latin typeface="+mn-lt"/>
+                <a:ea typeface="+mn-ea"/>
+                <a:cs typeface="+mn-cs"/>
+              </a:rPr>
+              <a:t> сказать что это все остальное</a:t>
+            </a:r>
+            <a:r>
+              <a:rPr lang="en-US" sz="1200" b="0" i="0" kern="1200" baseline="0" dirty="0" smtClean="0">
+                <a:solidFill>
+                  <a:schemeClr val="tx1"/>
+                </a:solidFill>
+                <a:effectLst/>
+                <a:latin typeface="+mn-lt"/>
+                <a:ea typeface="+mn-ea"/>
+                <a:cs typeface="+mn-cs"/>
+              </a:rPr>
+              <a:t>, </a:t>
+            </a:r>
+            <a:r>
+              <a:rPr lang="ru-RU" sz="1200" b="0" i="0" kern="1200" baseline="0" dirty="0" smtClean="0">
+                <a:solidFill>
+                  <a:schemeClr val="tx1"/>
+                </a:solidFill>
+                <a:effectLst/>
+                <a:latin typeface="+mn-lt"/>
+                <a:ea typeface="+mn-ea"/>
+                <a:cs typeface="+mn-cs"/>
+              </a:rPr>
+              <a:t>не являющееся наблюдаемым поведением.</a:t>
+            </a:r>
+            <a:endParaRPr lang="ru-RU" sz="1200" b="0" i="0" kern="1200" dirty="0">
+              <a:solidFill>
+                <a:schemeClr val="tx1"/>
+              </a:solidFill>
+              <a:effectLst/>
+              <a:latin typeface="+mn-lt"/>
+              <a:ea typeface="+mn-ea"/>
+              <a:cs typeface="+mn-cs"/>
+            </a:endParaRPr>
+          </a:p>
+        </p:txBody>
+      </p:sp>
+      <p:sp>
+        <p:nvSpPr>
+          <p:cNvPr id="4" name="Номер слайда 3"/>
+          <p:cNvSpPr>
+            <a:spLocks noGrp="1"/>
+          </p:cNvSpPr>
+          <p:nvPr>
+            <p:ph type="sldNum" sz="quarter" idx="10"/>
+          </p:nvPr>
+        </p:nvSpPr>
+        <p:spPr/>
+        <p:txBody>
+          <a:bodyPr/>
+          <a:lstStyle/>
+          <a:p>
+            <a:fld id="{D54409A1-088C-44D9-A8D7-99583A7259E8}" type="slidenum">
+              <a:rPr lang="en-US" smtClean="0"/>
+              <a:t>14</a:t>
+            </a:fld>
+            <a:endParaRPr lang="en-US"/>
+          </a:p>
+        </p:txBody>
+      </p:sp>
+    </p:spTree>
+    <p:extLst>
+      <p:ext uri="{BB962C8B-B14F-4D97-AF65-F5344CB8AC3E}">
+        <p14:creationId xmlns:p14="http://schemas.microsoft.com/office/powerpoint/2010/main" val="1637622604"/>
+      </p:ext>
+    </p:extLst>
+  </p:cSld>
+  <p:clrMapOvr>
+    <a:masterClrMapping/>
+  </p:clrMapOvr>
+</p:notes>
+</file>
+
+<file path=ppt/notesSlides/notesSlide14.xml><?xml version="1.0" encoding="utf-8"?>
+<p:notes xmlns:a="http://schemas.openxmlformats.org/drawingml/2006/main" xmlns:r="http://schemas.openxmlformats.org/officeDocument/2006/relationships" xmlns:p="http://schemas.openxmlformats.org/presentationml/2006/main">
+  <p:cSld>
+    <p:spTree>
+      <p:nvGrpSpPr>
+        <p:cNvPr id="1" name=""/>
+        <p:cNvGrpSpPr/>
+        <p:nvPr/>
+      </p:nvGrpSpPr>
+      <p:grpSpPr>
+        <a:xfrm>
+          <a:off x="0" y="0"/>
+          <a:ext cx="0" cy="0"/>
+          <a:chOff x="0" y="0"/>
+          <a:chExt cx="0" cy="0"/>
+        </a:xfrm>
+      </p:grpSpPr>
+      <p:sp>
+        <p:nvSpPr>
+          <p:cNvPr id="2" name="Образ слайда 1"/>
+          <p:cNvSpPr>
+            <a:spLocks noGrp="1" noRot="1" noChangeAspect="1"/>
+          </p:cNvSpPr>
+          <p:nvPr>
+            <p:ph type="sldImg"/>
+          </p:nvPr>
+        </p:nvSpPr>
+        <p:spPr/>
+      </p:sp>
+      <p:sp>
+        <p:nvSpPr>
+          <p:cNvPr id="3" name="Заметки 2"/>
+          <p:cNvSpPr>
+            <a:spLocks noGrp="1"/>
+          </p:cNvSpPr>
+          <p:nvPr>
+            <p:ph type="body" idx="1"/>
+          </p:nvPr>
+        </p:nvSpPr>
+        <p:spPr/>
+        <p:txBody>
+          <a:bodyPr/>
+          <a:lstStyle/>
+          <a:p>
+            <a:pPr marL="0" marR="0" indent="0" algn="l" defTabSz="914400" rtl="0" eaLnBrk="1" fontAlgn="auto" latinLnBrk="0" hangingPunct="1">
+              <a:lnSpc>
+                <a:spcPct val="100000"/>
+              </a:lnSpc>
+              <a:spcBef>
+                <a:spcPts val="0"/>
+              </a:spcBef>
+              <a:spcAft>
+                <a:spcPts val="0"/>
+              </a:spcAft>
+              <a:buClrTx/>
+              <a:buSzTx/>
+              <a:buFontTx/>
+              <a:buNone/>
+              <a:tabLst/>
+              <a:defRPr/>
+            </a:pPr>
+            <a:endParaRPr lang="ru-RU" dirty="0"/>
+          </a:p>
+        </p:txBody>
+      </p:sp>
+      <p:sp>
+        <p:nvSpPr>
+          <p:cNvPr id="4" name="Номер слайда 3"/>
+          <p:cNvSpPr>
+            <a:spLocks noGrp="1"/>
+          </p:cNvSpPr>
+          <p:nvPr>
+            <p:ph type="sldNum" sz="quarter" idx="10"/>
+          </p:nvPr>
+        </p:nvSpPr>
+        <p:spPr/>
+        <p:txBody>
+          <a:bodyPr/>
+          <a:lstStyle/>
+          <a:p>
+            <a:fld id="{D54409A1-088C-44D9-A8D7-99583A7259E8}" type="slidenum">
+              <a:rPr lang="en-US" smtClean="0"/>
+              <a:t>15</a:t>
+            </a:fld>
+            <a:endParaRPr lang="en-US"/>
+          </a:p>
+        </p:txBody>
+      </p:sp>
+    </p:spTree>
+    <p:extLst>
+      <p:ext uri="{BB962C8B-B14F-4D97-AF65-F5344CB8AC3E}">
+        <p14:creationId xmlns:p14="http://schemas.microsoft.com/office/powerpoint/2010/main" val="1977283823"/>
+      </p:ext>
+    </p:extLst>
+  </p:cSld>
+  <p:clrMapOvr>
+    <a:masterClrMapping/>
+  </p:clrMapOvr>
+</p:notes>
+</file>
+
+<file path=ppt/notesSlides/notesSlide15.xml><?xml version="1.0" encoding="utf-8"?>
+<p:notes xmlns:a="http://schemas.openxmlformats.org/drawingml/2006/main" xmlns:r="http://schemas.openxmlformats.org/officeDocument/2006/relationships" xmlns:p="http://schemas.openxmlformats.org/presentationml/2006/main">
+  <p:cSld>
+    <p:spTree>
+      <p:nvGrpSpPr>
+        <p:cNvPr id="1" name=""/>
+        <p:cNvGrpSpPr/>
+        <p:nvPr/>
+      </p:nvGrpSpPr>
+      <p:grpSpPr>
+        <a:xfrm>
+          <a:off x="0" y="0"/>
+          <a:ext cx="0" cy="0"/>
+          <a:chOff x="0" y="0"/>
+          <a:chExt cx="0" cy="0"/>
+        </a:xfrm>
+      </p:grpSpPr>
+      <p:sp>
+        <p:nvSpPr>
+          <p:cNvPr id="2" name="Образ слайда 1"/>
+          <p:cNvSpPr>
+            <a:spLocks noGrp="1" noRot="1" noChangeAspect="1"/>
+          </p:cNvSpPr>
+          <p:nvPr>
+            <p:ph type="sldImg"/>
+          </p:nvPr>
+        </p:nvSpPr>
+        <p:spPr/>
+      </p:sp>
+      <p:sp>
+        <p:nvSpPr>
+          <p:cNvPr id="3" name="Заметки 2"/>
+          <p:cNvSpPr>
+            <a:spLocks noGrp="1"/>
+          </p:cNvSpPr>
+          <p:nvPr>
+            <p:ph type="body" idx="1"/>
+          </p:nvPr>
+        </p:nvSpPr>
+        <p:spPr/>
+        <p:txBody>
+          <a:bodyPr/>
+          <a:lstStyle/>
+          <a:p>
+            <a:pPr marL="0" marR="0" indent="0" algn="l" defTabSz="914400" rtl="0" eaLnBrk="1" fontAlgn="auto" latinLnBrk="0" hangingPunct="1">
+              <a:lnSpc>
+                <a:spcPct val="100000"/>
+              </a:lnSpc>
+              <a:spcBef>
+                <a:spcPts val="0"/>
+              </a:spcBef>
+              <a:spcAft>
+                <a:spcPts val="0"/>
+              </a:spcAft>
+              <a:buClrTx/>
+              <a:buSzTx/>
+              <a:buFontTx/>
+              <a:buNone/>
+              <a:tabLst/>
+              <a:defRPr/>
+            </a:pPr>
+            <a:r>
+              <a:rPr lang="ru-RU" sz="1200" b="0" i="0" kern="1200" dirty="0" smtClean="0">
+                <a:solidFill>
+                  <a:schemeClr val="tx1"/>
+                </a:solidFill>
+                <a:effectLst/>
+                <a:latin typeface="+mn-lt"/>
+                <a:ea typeface="+mn-ea"/>
+                <a:cs typeface="+mn-cs"/>
+              </a:rPr>
+              <a:t>Отсюда можно выделить причины роста сложности программ. Первая</a:t>
+            </a:r>
+            <a:r>
+              <a:rPr lang="ru-RU" sz="1200" b="0" i="0" kern="1200" baseline="0" dirty="0" smtClean="0">
+                <a:solidFill>
+                  <a:schemeClr val="tx1"/>
+                </a:solidFill>
+                <a:effectLst/>
+                <a:latin typeface="+mn-lt"/>
+                <a:ea typeface="+mn-ea"/>
+                <a:cs typeface="+mn-cs"/>
+              </a:rPr>
+              <a:t> от поведения – доменная или как её еще называют </a:t>
+            </a:r>
+            <a:r>
+              <a:rPr lang="ru-RU" sz="1200" b="0" i="0" kern="1200" baseline="0" dirty="0" err="1" smtClean="0">
+                <a:solidFill>
+                  <a:schemeClr val="tx1"/>
+                </a:solidFill>
+                <a:effectLst/>
+                <a:latin typeface="+mn-lt"/>
+                <a:ea typeface="+mn-ea"/>
+                <a:cs typeface="+mn-cs"/>
+              </a:rPr>
+              <a:t>ествественная</a:t>
+            </a:r>
+            <a:r>
+              <a:rPr lang="ru-RU" sz="1200" b="0" i="0" kern="1200" baseline="0" dirty="0" smtClean="0">
+                <a:solidFill>
+                  <a:schemeClr val="tx1"/>
+                </a:solidFill>
+                <a:effectLst/>
+                <a:latin typeface="+mn-lt"/>
+                <a:ea typeface="+mn-ea"/>
+                <a:cs typeface="+mn-cs"/>
+              </a:rPr>
+              <a:t> сложность. </a:t>
+            </a:r>
+            <a:r>
+              <a:rPr lang="ru-RU" sz="1200" b="0" i="0" kern="1200" dirty="0" smtClean="0">
+                <a:solidFill>
+                  <a:schemeClr val="tx1"/>
+                </a:solidFill>
+                <a:effectLst/>
+                <a:latin typeface="+mn-lt"/>
+                <a:ea typeface="+mn-ea"/>
+                <a:cs typeface="+mn-cs"/>
+              </a:rPr>
+              <a:t>Если наша задача</a:t>
+            </a:r>
+            <a:r>
+              <a:rPr lang="ru-RU" sz="1200" b="0" i="0" kern="1200" baseline="0" dirty="0" smtClean="0">
+                <a:solidFill>
+                  <a:schemeClr val="tx1"/>
+                </a:solidFill>
+                <a:effectLst/>
+                <a:latin typeface="+mn-lt"/>
+                <a:ea typeface="+mn-ea"/>
+                <a:cs typeface="+mn-cs"/>
+              </a:rPr>
+              <a:t> сделать программу моделирующую самолеты</a:t>
+            </a:r>
+            <a:r>
+              <a:rPr lang="en-US" sz="1200" b="0" i="0" kern="1200" baseline="0" dirty="0" smtClean="0">
+                <a:solidFill>
+                  <a:schemeClr val="tx1"/>
+                </a:solidFill>
+                <a:effectLst/>
+                <a:latin typeface="+mn-lt"/>
+                <a:ea typeface="+mn-ea"/>
+                <a:cs typeface="+mn-cs"/>
+              </a:rPr>
+              <a:t>, </a:t>
+            </a:r>
+            <a:r>
+              <a:rPr lang="ru-RU" sz="1200" b="0" i="0" kern="1200" baseline="0" dirty="0" smtClean="0">
+                <a:solidFill>
+                  <a:schemeClr val="tx1"/>
+                </a:solidFill>
+                <a:effectLst/>
+                <a:latin typeface="+mn-lt"/>
+                <a:ea typeface="+mn-ea"/>
+                <a:cs typeface="+mn-cs"/>
+              </a:rPr>
+              <a:t>то тут никуда не отвертишься</a:t>
+            </a:r>
+            <a:r>
+              <a:rPr lang="en-US" sz="1200" b="0" i="0" kern="1200" baseline="0" dirty="0" smtClean="0">
+                <a:solidFill>
+                  <a:schemeClr val="tx1"/>
+                </a:solidFill>
+                <a:effectLst/>
+                <a:latin typeface="+mn-lt"/>
+                <a:ea typeface="+mn-ea"/>
+                <a:cs typeface="+mn-cs"/>
+              </a:rPr>
+              <a:t>, </a:t>
+            </a:r>
+            <a:r>
+              <a:rPr lang="ru-RU" sz="1200" b="0" i="0" kern="1200" baseline="0" dirty="0" smtClean="0">
+                <a:solidFill>
+                  <a:schemeClr val="tx1"/>
+                </a:solidFill>
+                <a:effectLst/>
+                <a:latin typeface="+mn-lt"/>
+                <a:ea typeface="+mn-ea"/>
+                <a:cs typeface="+mn-cs"/>
+              </a:rPr>
+              <a:t>доменная область сама по себе (</a:t>
+            </a:r>
+            <a:r>
+              <a:rPr lang="ru-RU" sz="1200" b="0" i="0" kern="1200" baseline="0" dirty="0" err="1" smtClean="0">
+                <a:solidFill>
+                  <a:schemeClr val="tx1"/>
+                </a:solidFill>
+                <a:effectLst/>
+                <a:latin typeface="+mn-lt"/>
+                <a:ea typeface="+mn-ea"/>
+                <a:cs typeface="+mn-cs"/>
+              </a:rPr>
+              <a:t>ествественным</a:t>
+            </a:r>
+            <a:r>
+              <a:rPr lang="ru-RU" sz="1200" b="0" i="0" kern="1200" baseline="0" dirty="0" smtClean="0">
+                <a:solidFill>
+                  <a:schemeClr val="tx1"/>
+                </a:solidFill>
+                <a:effectLst/>
+                <a:latin typeface="+mn-lt"/>
+                <a:ea typeface="+mn-ea"/>
+                <a:cs typeface="+mn-cs"/>
+              </a:rPr>
+              <a:t> образом) будет повышать планку для уровня экспертизы и ментальных способностей</a:t>
+            </a:r>
+            <a:endParaRPr lang="ru-RU" dirty="0"/>
+          </a:p>
+        </p:txBody>
+      </p:sp>
+      <p:sp>
+        <p:nvSpPr>
+          <p:cNvPr id="4" name="Номер слайда 3"/>
+          <p:cNvSpPr>
+            <a:spLocks noGrp="1"/>
+          </p:cNvSpPr>
+          <p:nvPr>
+            <p:ph type="sldNum" sz="quarter" idx="10"/>
+          </p:nvPr>
+        </p:nvSpPr>
+        <p:spPr/>
+        <p:txBody>
+          <a:bodyPr/>
+          <a:lstStyle/>
+          <a:p>
+            <a:fld id="{D54409A1-088C-44D9-A8D7-99583A7259E8}" type="slidenum">
+              <a:rPr lang="en-US" smtClean="0"/>
+              <a:t>16</a:t>
+            </a:fld>
+            <a:endParaRPr lang="en-US"/>
+          </a:p>
+        </p:txBody>
+      </p:sp>
+    </p:spTree>
+    <p:extLst>
+      <p:ext uri="{BB962C8B-B14F-4D97-AF65-F5344CB8AC3E}">
+        <p14:creationId xmlns:p14="http://schemas.microsoft.com/office/powerpoint/2010/main" val="324220189"/>
+      </p:ext>
+    </p:extLst>
+  </p:cSld>
+  <p:clrMapOvr>
+    <a:masterClrMapping/>
+  </p:clrMapOvr>
+</p:notes>
+</file>
+
+<file path=ppt/notesSlides/notesSlide16.xml><?xml version="1.0" encoding="utf-8"?>
+<p:notes xmlns:a="http://schemas.openxmlformats.org/drawingml/2006/main" xmlns:r="http://schemas.openxmlformats.org/officeDocument/2006/relationships" xmlns:p="http://schemas.openxmlformats.org/presentationml/2006/main">
+  <p:cSld>
+    <p:spTree>
+      <p:nvGrpSpPr>
+        <p:cNvPr id="1" name=""/>
+        <p:cNvGrpSpPr/>
+        <p:nvPr/>
+      </p:nvGrpSpPr>
+      <p:grpSpPr>
+        <a:xfrm>
+          <a:off x="0" y="0"/>
+          <a:ext cx="0" cy="0"/>
+          <a:chOff x="0" y="0"/>
+          <a:chExt cx="0" cy="0"/>
+        </a:xfrm>
+      </p:grpSpPr>
+      <p:sp>
+        <p:nvSpPr>
+          <p:cNvPr id="2" name="Образ слайда 1"/>
+          <p:cNvSpPr>
+            <a:spLocks noGrp="1" noRot="1" noChangeAspect="1"/>
+          </p:cNvSpPr>
+          <p:nvPr>
+            <p:ph type="sldImg"/>
+          </p:nvPr>
+        </p:nvSpPr>
+        <p:spPr/>
+      </p:sp>
+      <p:sp>
+        <p:nvSpPr>
+          <p:cNvPr id="3" name="Заметки 2"/>
+          <p:cNvSpPr>
+            <a:spLocks noGrp="1"/>
+          </p:cNvSpPr>
+          <p:nvPr>
+            <p:ph type="body" idx="1"/>
+          </p:nvPr>
+        </p:nvSpPr>
+        <p:spPr/>
+        <p:txBody>
+          <a:bodyPr/>
+          <a:lstStyle/>
+          <a:p>
+            <a:r>
+              <a:rPr lang="ru-RU" sz="1200" b="0" i="0" kern="1200" dirty="0" smtClean="0">
+                <a:solidFill>
+                  <a:schemeClr val="tx1"/>
+                </a:solidFill>
+                <a:effectLst/>
+                <a:latin typeface="+mn-lt"/>
+                <a:ea typeface="+mn-ea"/>
+                <a:cs typeface="+mn-cs"/>
+              </a:rPr>
+              <a:t>Структурная - или её еще</a:t>
+            </a:r>
+            <a:r>
+              <a:rPr lang="ru-RU" sz="1200" b="0" i="0" kern="1200" baseline="0" dirty="0" smtClean="0">
+                <a:solidFill>
+                  <a:schemeClr val="tx1"/>
+                </a:solidFill>
+                <a:effectLst/>
+                <a:latin typeface="+mn-lt"/>
+                <a:ea typeface="+mn-ea"/>
+                <a:cs typeface="+mn-cs"/>
+              </a:rPr>
+              <a:t> называют </a:t>
+            </a:r>
+            <a:r>
+              <a:rPr lang="ru-RU" sz="1200" b="0" i="1" kern="1200" dirty="0" smtClean="0">
+                <a:solidFill>
+                  <a:schemeClr val="tx1"/>
+                </a:solidFill>
+                <a:effectLst/>
+                <a:latin typeface="+mn-lt"/>
+                <a:ea typeface="+mn-ea"/>
+                <a:cs typeface="+mn-cs"/>
+              </a:rPr>
+              <a:t>искусственная</a:t>
+            </a:r>
+            <a:r>
+              <a:rPr lang="ru-RU" sz="1200" b="0" i="0" kern="1200" dirty="0" smtClean="0">
+                <a:solidFill>
+                  <a:schemeClr val="tx1"/>
+                </a:solidFill>
+                <a:effectLst/>
+                <a:latin typeface="+mn-lt"/>
+                <a:ea typeface="+mn-ea"/>
+                <a:cs typeface="+mn-cs"/>
+              </a:rPr>
+              <a:t> сложность, исходящая от выбранной структуры ПО. Выбранных</a:t>
+            </a:r>
+            <a:r>
+              <a:rPr lang="ru-RU" sz="1200" b="0" i="0" kern="1200" baseline="0" dirty="0" smtClean="0">
+                <a:solidFill>
+                  <a:schemeClr val="tx1"/>
+                </a:solidFill>
+                <a:effectLst/>
+                <a:latin typeface="+mn-lt"/>
+                <a:ea typeface="+mn-ea"/>
+                <a:cs typeface="+mn-cs"/>
+              </a:rPr>
+              <a:t> моделей</a:t>
+            </a:r>
+            <a:r>
+              <a:rPr lang="en-US" sz="1200" b="0" i="0" kern="1200" baseline="0" dirty="0" smtClean="0">
+                <a:solidFill>
+                  <a:schemeClr val="tx1"/>
+                </a:solidFill>
+                <a:effectLst/>
+                <a:latin typeface="+mn-lt"/>
+                <a:ea typeface="+mn-ea"/>
+                <a:cs typeface="+mn-cs"/>
+              </a:rPr>
+              <a:t>, </a:t>
+            </a:r>
+            <a:r>
+              <a:rPr lang="ru-RU" sz="1200" b="0" i="0" kern="1200" baseline="0" dirty="0" smtClean="0">
+                <a:solidFill>
+                  <a:schemeClr val="tx1"/>
+                </a:solidFill>
+                <a:effectLst/>
+                <a:latin typeface="+mn-lt"/>
+                <a:ea typeface="+mn-ea"/>
+                <a:cs typeface="+mn-cs"/>
+              </a:rPr>
+              <a:t>библиотек</a:t>
+            </a:r>
+            <a:r>
+              <a:rPr lang="en-US" sz="1200" b="0" i="0" kern="1200" baseline="0" dirty="0" smtClean="0">
+                <a:solidFill>
+                  <a:schemeClr val="tx1"/>
+                </a:solidFill>
+                <a:effectLst/>
+                <a:latin typeface="+mn-lt"/>
+                <a:ea typeface="+mn-ea"/>
+                <a:cs typeface="+mn-cs"/>
+              </a:rPr>
+              <a:t>, </a:t>
+            </a:r>
+            <a:r>
+              <a:rPr lang="ru-RU" sz="1200" b="0" i="0" kern="1200" baseline="0" dirty="0" smtClean="0">
+                <a:solidFill>
+                  <a:schemeClr val="tx1"/>
+                </a:solidFill>
+                <a:effectLst/>
+                <a:latin typeface="+mn-lt"/>
+                <a:ea typeface="+mn-ea"/>
+                <a:cs typeface="+mn-cs"/>
+              </a:rPr>
+              <a:t>процессов и методологий разработки. И именно она является доминирующей. И именно на неё мы обратим с вами внимание</a:t>
+            </a:r>
+            <a:endParaRPr lang="ru-RU" sz="1200" b="0" i="0" kern="1200" dirty="0">
+              <a:solidFill>
+                <a:schemeClr val="tx1"/>
+              </a:solidFill>
+              <a:effectLst/>
+              <a:latin typeface="+mn-lt"/>
+              <a:ea typeface="+mn-ea"/>
+              <a:cs typeface="+mn-cs"/>
+            </a:endParaRPr>
+          </a:p>
+        </p:txBody>
+      </p:sp>
+      <p:sp>
+        <p:nvSpPr>
+          <p:cNvPr id="4" name="Номер слайда 3"/>
+          <p:cNvSpPr>
+            <a:spLocks noGrp="1"/>
+          </p:cNvSpPr>
+          <p:nvPr>
+            <p:ph type="sldNum" sz="quarter" idx="10"/>
+          </p:nvPr>
+        </p:nvSpPr>
+        <p:spPr/>
+        <p:txBody>
+          <a:bodyPr/>
+          <a:lstStyle/>
+          <a:p>
+            <a:fld id="{D54409A1-088C-44D9-A8D7-99583A7259E8}" type="slidenum">
+              <a:rPr lang="en-US" smtClean="0"/>
+              <a:t>17</a:t>
+            </a:fld>
+            <a:endParaRPr lang="en-US"/>
+          </a:p>
+        </p:txBody>
+      </p:sp>
+    </p:spTree>
+    <p:extLst>
+      <p:ext uri="{BB962C8B-B14F-4D97-AF65-F5344CB8AC3E}">
+        <p14:creationId xmlns:p14="http://schemas.microsoft.com/office/powerpoint/2010/main" val="3628628763"/>
+      </p:ext>
+    </p:extLst>
+  </p:cSld>
+  <p:clrMapOvr>
+    <a:masterClrMapping/>
+  </p:clrMapOvr>
+</p:notes>
+</file>
+
+<file path=ppt/notesSlides/notesSlide17.xml><?xml version="1.0" encoding="utf-8"?>
+<p:notes xmlns:a="http://schemas.openxmlformats.org/drawingml/2006/main" xmlns:r="http://schemas.openxmlformats.org/officeDocument/2006/relationships" xmlns:p="http://schemas.openxmlformats.org/presentationml/2006/main">
+  <p:cSld>
+    <p:spTree>
+      <p:nvGrpSpPr>
+        <p:cNvPr id="1" name=""/>
+        <p:cNvGrpSpPr/>
+        <p:nvPr/>
+      </p:nvGrpSpPr>
+      <p:grpSpPr>
+        <a:xfrm>
+          <a:off x="0" y="0"/>
+          <a:ext cx="0" cy="0"/>
+          <a:chOff x="0" y="0"/>
+          <a:chExt cx="0" cy="0"/>
+        </a:xfrm>
+      </p:grpSpPr>
+      <p:sp>
+        <p:nvSpPr>
+          <p:cNvPr id="2" name="Образ слайда 1"/>
+          <p:cNvSpPr>
+            <a:spLocks noGrp="1" noRot="1" noChangeAspect="1"/>
+          </p:cNvSpPr>
+          <p:nvPr>
+            <p:ph type="sldImg"/>
+          </p:nvPr>
+        </p:nvSpPr>
+        <p:spPr/>
+      </p:sp>
+      <p:sp>
+        <p:nvSpPr>
+          <p:cNvPr id="3" name="Заметки 2"/>
+          <p:cNvSpPr>
+            <a:spLocks noGrp="1"/>
+          </p:cNvSpPr>
+          <p:nvPr>
+            <p:ph type="body" idx="1"/>
+          </p:nvPr>
+        </p:nvSpPr>
+        <p:spPr/>
+        <p:txBody>
+          <a:bodyPr/>
+          <a:lstStyle/>
+          <a:p>
+            <a:pPr marL="0" marR="0" indent="0" algn="l" defTabSz="914400" rtl="0" eaLnBrk="1" fontAlgn="auto" latinLnBrk="0" hangingPunct="1">
+              <a:lnSpc>
+                <a:spcPct val="100000"/>
+              </a:lnSpc>
+              <a:spcBef>
+                <a:spcPts val="0"/>
+              </a:spcBef>
+              <a:spcAft>
+                <a:spcPts val="0"/>
+              </a:spcAft>
+              <a:buClrTx/>
+              <a:buSzTx/>
+              <a:buFontTx/>
+              <a:buNone/>
+              <a:tabLst/>
+              <a:defRPr/>
+            </a:pPr>
+            <a:r>
+              <a:rPr lang="ru-RU" sz="1200" b="0" i="0" kern="1200" dirty="0" smtClean="0">
+                <a:solidFill>
+                  <a:schemeClr val="tx1"/>
+                </a:solidFill>
+                <a:effectLst/>
+                <a:latin typeface="+mn-lt"/>
+                <a:ea typeface="+mn-ea"/>
+                <a:cs typeface="+mn-cs"/>
+              </a:rPr>
+              <a:t>Поведение</a:t>
+            </a:r>
+            <a:r>
+              <a:rPr lang="ru-RU" sz="1200" b="0" i="0" kern="1200" baseline="0" dirty="0" smtClean="0">
+                <a:solidFill>
+                  <a:schemeClr val="tx1"/>
+                </a:solidFill>
+                <a:effectLst/>
+                <a:latin typeface="+mn-lt"/>
+                <a:ea typeface="+mn-ea"/>
+                <a:cs typeface="+mn-cs"/>
+              </a:rPr>
+              <a:t> (если его можно </a:t>
+            </a:r>
+            <a:r>
+              <a:rPr lang="ru-RU" sz="1200" b="0" i="0" kern="1200" baseline="0" dirty="0" err="1" smtClean="0">
+                <a:solidFill>
+                  <a:schemeClr val="tx1"/>
+                </a:solidFill>
+                <a:effectLst/>
+                <a:latin typeface="+mn-lt"/>
+                <a:ea typeface="+mn-ea"/>
+                <a:cs typeface="+mn-cs"/>
+              </a:rPr>
+              <a:t>изменирть</a:t>
+            </a:r>
+            <a:r>
+              <a:rPr lang="ru-RU" sz="1200" b="0" i="0" kern="1200" baseline="0" dirty="0" smtClean="0">
+                <a:solidFill>
+                  <a:schemeClr val="tx1"/>
+                </a:solidFill>
+                <a:effectLst/>
+                <a:latin typeface="+mn-lt"/>
+                <a:ea typeface="+mn-ea"/>
+                <a:cs typeface="+mn-cs"/>
+              </a:rPr>
+              <a:t>) растет когда ПО приобретает в наблюдаемом поведении</a:t>
+            </a:r>
+            <a:r>
+              <a:rPr lang="en-US" sz="1200" b="0" i="0" kern="1200" baseline="0" dirty="0" smtClean="0">
+                <a:solidFill>
+                  <a:schemeClr val="tx1"/>
+                </a:solidFill>
+                <a:effectLst/>
+                <a:latin typeface="+mn-lt"/>
+                <a:ea typeface="+mn-ea"/>
+                <a:cs typeface="+mn-cs"/>
+              </a:rPr>
+              <a:t>. </a:t>
+            </a:r>
+            <a:r>
+              <a:rPr lang="ru-RU" sz="1200" b="0" i="0" kern="1200" baseline="0" dirty="0" smtClean="0">
+                <a:solidFill>
+                  <a:schemeClr val="tx1"/>
+                </a:solidFill>
+                <a:effectLst/>
+                <a:latin typeface="+mn-lt"/>
+                <a:ea typeface="+mn-ea"/>
+                <a:cs typeface="+mn-cs"/>
+              </a:rPr>
+              <a:t>Когда исправляем дефект от </a:t>
+            </a:r>
+            <a:r>
+              <a:rPr lang="en-US" sz="1200" b="0" i="0" kern="1200" baseline="0" dirty="0" smtClean="0">
+                <a:solidFill>
+                  <a:schemeClr val="tx1"/>
+                </a:solidFill>
+                <a:effectLst/>
+                <a:latin typeface="+mn-lt"/>
+                <a:ea typeface="+mn-ea"/>
+                <a:cs typeface="+mn-cs"/>
+              </a:rPr>
+              <a:t>QA</a:t>
+            </a:r>
+            <a:r>
+              <a:rPr lang="ru-RU" sz="1200" b="0" i="0" kern="1200" baseline="0" dirty="0" smtClean="0">
+                <a:solidFill>
+                  <a:schemeClr val="tx1"/>
+                </a:solidFill>
+                <a:effectLst/>
+                <a:latin typeface="+mn-lt"/>
+                <a:ea typeface="+mn-ea"/>
+                <a:cs typeface="+mn-cs"/>
+              </a:rPr>
+              <a:t> или реализуем новое требование</a:t>
+            </a:r>
+            <a:endParaRPr lang="ru-RU" dirty="0"/>
+          </a:p>
+        </p:txBody>
+      </p:sp>
+      <p:sp>
+        <p:nvSpPr>
+          <p:cNvPr id="4" name="Номер слайда 3"/>
+          <p:cNvSpPr>
+            <a:spLocks noGrp="1"/>
+          </p:cNvSpPr>
+          <p:nvPr>
+            <p:ph type="sldNum" sz="quarter" idx="10"/>
+          </p:nvPr>
+        </p:nvSpPr>
+        <p:spPr/>
+        <p:txBody>
+          <a:bodyPr/>
+          <a:lstStyle/>
+          <a:p>
+            <a:fld id="{D54409A1-088C-44D9-A8D7-99583A7259E8}" type="slidenum">
+              <a:rPr lang="en-US" smtClean="0"/>
+              <a:t>18</a:t>
+            </a:fld>
+            <a:endParaRPr lang="en-US"/>
+          </a:p>
+        </p:txBody>
+      </p:sp>
+    </p:spTree>
+    <p:extLst>
+      <p:ext uri="{BB962C8B-B14F-4D97-AF65-F5344CB8AC3E}">
+        <p14:creationId xmlns:p14="http://schemas.microsoft.com/office/powerpoint/2010/main" val="1245198864"/>
+      </p:ext>
+    </p:extLst>
+  </p:cSld>
+  <p:clrMapOvr>
+    <a:masterClrMapping/>
+  </p:clrMapOvr>
+</p:notes>
+</file>
+
+<file path=ppt/notesSlides/notesSlide18.xml><?xml version="1.0" encoding="utf-8"?>
+<p:notes xmlns:a="http://schemas.openxmlformats.org/drawingml/2006/main" xmlns:r="http://schemas.openxmlformats.org/officeDocument/2006/relationships" xmlns:p="http://schemas.openxmlformats.org/presentationml/2006/main">
+  <p:cSld>
+    <p:spTree>
+      <p:nvGrpSpPr>
+        <p:cNvPr id="1" name=""/>
+        <p:cNvGrpSpPr/>
+        <p:nvPr/>
+      </p:nvGrpSpPr>
+      <p:grpSpPr>
+        <a:xfrm>
+          <a:off x="0" y="0"/>
+          <a:ext cx="0" cy="0"/>
+          <a:chOff x="0" y="0"/>
+          <a:chExt cx="0" cy="0"/>
+        </a:xfrm>
+      </p:grpSpPr>
+      <p:sp>
+        <p:nvSpPr>
+          <p:cNvPr id="2" name="Образ слайда 1"/>
+          <p:cNvSpPr>
+            <a:spLocks noGrp="1" noRot="1" noChangeAspect="1"/>
+          </p:cNvSpPr>
+          <p:nvPr>
+            <p:ph type="sldImg"/>
+          </p:nvPr>
+        </p:nvSpPr>
+        <p:spPr/>
+      </p:sp>
+      <p:sp>
+        <p:nvSpPr>
+          <p:cNvPr id="3" name="Заметки 2"/>
+          <p:cNvSpPr>
+            <a:spLocks noGrp="1"/>
+          </p:cNvSpPr>
+          <p:nvPr>
+            <p:ph type="body" idx="1"/>
+          </p:nvPr>
+        </p:nvSpPr>
+        <p:spPr/>
+        <p:txBody>
+          <a:bodyPr/>
+          <a:lstStyle/>
+          <a:p>
+            <a:pPr marL="0" marR="0" indent="0" algn="l" defTabSz="914400" rtl="0" eaLnBrk="1" fontAlgn="auto" latinLnBrk="0" hangingPunct="1">
+              <a:lnSpc>
+                <a:spcPct val="100000"/>
+              </a:lnSpc>
+              <a:spcBef>
+                <a:spcPts val="0"/>
+              </a:spcBef>
+              <a:spcAft>
+                <a:spcPts val="0"/>
+              </a:spcAft>
+              <a:buClrTx/>
+              <a:buSzTx/>
+              <a:buFontTx/>
+              <a:buNone/>
+              <a:tabLst/>
+              <a:defRPr/>
+            </a:pPr>
+            <a:r>
+              <a:rPr lang="ru-RU" sz="1200" b="0" i="0" kern="1200" dirty="0" err="1" smtClean="0">
+                <a:solidFill>
+                  <a:schemeClr val="tx1"/>
+                </a:solidFill>
+                <a:effectLst/>
+                <a:latin typeface="+mn-lt"/>
+                <a:ea typeface="+mn-ea"/>
+                <a:cs typeface="+mn-cs"/>
+              </a:rPr>
+              <a:t>Соответвествено</a:t>
+            </a:r>
+            <a:r>
+              <a:rPr lang="ru-RU" sz="1200" b="0" i="0" kern="1200" baseline="0" dirty="0" smtClean="0">
+                <a:solidFill>
+                  <a:schemeClr val="tx1"/>
+                </a:solidFill>
+                <a:effectLst/>
+                <a:latin typeface="+mn-lt"/>
+                <a:ea typeface="+mn-ea"/>
+                <a:cs typeface="+mn-cs"/>
+              </a:rPr>
+              <a:t> страдает данная ценность когда</a:t>
+            </a:r>
+            <a:r>
+              <a:rPr lang="en-US" sz="1200" b="0" i="0" kern="1200" baseline="0" dirty="0" smtClean="0">
+                <a:solidFill>
+                  <a:schemeClr val="tx1"/>
+                </a:solidFill>
+                <a:effectLst/>
+                <a:latin typeface="+mn-lt"/>
+                <a:ea typeface="+mn-ea"/>
+                <a:cs typeface="+mn-cs"/>
+              </a:rPr>
+              <a:t>, </a:t>
+            </a:r>
+            <a:r>
+              <a:rPr lang="ru-RU" sz="1200" b="0" i="0" kern="1200" baseline="0" dirty="0" smtClean="0">
+                <a:solidFill>
+                  <a:schemeClr val="tx1"/>
+                </a:solidFill>
+                <a:effectLst/>
+                <a:latin typeface="+mn-lt"/>
+                <a:ea typeface="+mn-ea"/>
+                <a:cs typeface="+mn-cs"/>
+              </a:rPr>
+              <a:t>то</a:t>
+            </a:r>
+            <a:r>
+              <a:rPr lang="en-US" sz="1200" b="0" i="0" kern="1200" baseline="0" dirty="0" smtClean="0">
+                <a:solidFill>
+                  <a:schemeClr val="tx1"/>
+                </a:solidFill>
+                <a:effectLst/>
+                <a:latin typeface="+mn-lt"/>
+                <a:ea typeface="+mn-ea"/>
+                <a:cs typeface="+mn-cs"/>
+              </a:rPr>
+              <a:t>, </a:t>
+            </a:r>
+            <a:r>
+              <a:rPr lang="ru-RU" sz="1200" b="0" i="0" kern="1200" baseline="0" dirty="0" smtClean="0">
+                <a:solidFill>
+                  <a:schemeClr val="tx1"/>
+                </a:solidFill>
+                <a:effectLst/>
+                <a:latin typeface="+mn-lt"/>
+                <a:ea typeface="+mn-ea"/>
+                <a:cs typeface="+mn-cs"/>
+              </a:rPr>
+              <a:t>что работало раньше</a:t>
+            </a:r>
+            <a:r>
+              <a:rPr lang="en-US" sz="1200" b="0" i="0" kern="1200" baseline="0" dirty="0" smtClean="0">
+                <a:solidFill>
+                  <a:schemeClr val="tx1"/>
+                </a:solidFill>
+                <a:effectLst/>
+                <a:latin typeface="+mn-lt"/>
+                <a:ea typeface="+mn-ea"/>
+                <a:cs typeface="+mn-cs"/>
+              </a:rPr>
+              <a:t>, </a:t>
+            </a:r>
+            <a:r>
+              <a:rPr lang="ru-RU" sz="1200" b="0" i="0" kern="1200" baseline="0" dirty="0" smtClean="0">
+                <a:solidFill>
+                  <a:schemeClr val="tx1"/>
+                </a:solidFill>
+                <a:effectLst/>
+                <a:latin typeface="+mn-lt"/>
+                <a:ea typeface="+mn-ea"/>
+                <a:cs typeface="+mn-cs"/>
+              </a:rPr>
+              <a:t>работает внезапно перестает. У этого феномена есть специальное название</a:t>
+            </a:r>
+            <a:endParaRPr lang="ru-RU" dirty="0"/>
+          </a:p>
+        </p:txBody>
+      </p:sp>
+      <p:sp>
+        <p:nvSpPr>
+          <p:cNvPr id="4" name="Номер слайда 3"/>
+          <p:cNvSpPr>
+            <a:spLocks noGrp="1"/>
+          </p:cNvSpPr>
+          <p:nvPr>
+            <p:ph type="sldNum" sz="quarter" idx="10"/>
+          </p:nvPr>
+        </p:nvSpPr>
+        <p:spPr/>
+        <p:txBody>
+          <a:bodyPr/>
+          <a:lstStyle/>
+          <a:p>
+            <a:fld id="{D54409A1-088C-44D9-A8D7-99583A7259E8}" type="slidenum">
+              <a:rPr lang="en-US" smtClean="0"/>
+              <a:t>19</a:t>
+            </a:fld>
+            <a:endParaRPr lang="en-US"/>
+          </a:p>
+        </p:txBody>
+      </p:sp>
+    </p:spTree>
+    <p:extLst>
+      <p:ext uri="{BB962C8B-B14F-4D97-AF65-F5344CB8AC3E}">
+        <p14:creationId xmlns:p14="http://schemas.microsoft.com/office/powerpoint/2010/main" val="3070503247"/>
+      </p:ext>
+    </p:extLst>
+  </p:cSld>
+  <p:clrMapOvr>
+    <a:masterClrMapping/>
+  </p:clrMapOvr>
+</p:notes>
+</file>
+
+<file path=ppt/notesSlides/notesSlide19.xml><?xml version="1.0" encoding="utf-8"?>
+<p:notes xmlns:a="http://schemas.openxmlformats.org/drawingml/2006/main" xmlns:r="http://schemas.openxmlformats.org/officeDocument/2006/relationships" xmlns:p="http://schemas.openxmlformats.org/presentationml/2006/main">
+  <p:cSld>
+    <p:spTree>
+      <p:nvGrpSpPr>
+        <p:cNvPr id="1" name=""/>
+        <p:cNvGrpSpPr/>
+        <p:nvPr/>
+      </p:nvGrpSpPr>
+      <p:grpSpPr>
+        <a:xfrm>
+          <a:off x="0" y="0"/>
+          <a:ext cx="0" cy="0"/>
+          <a:chOff x="0" y="0"/>
+          <a:chExt cx="0" cy="0"/>
+        </a:xfrm>
+      </p:grpSpPr>
+      <p:sp>
+        <p:nvSpPr>
+          <p:cNvPr id="2" name="Образ слайда 1"/>
+          <p:cNvSpPr>
+            <a:spLocks noGrp="1" noRot="1" noChangeAspect="1"/>
+          </p:cNvSpPr>
+          <p:nvPr>
+            <p:ph type="sldImg"/>
+          </p:nvPr>
+        </p:nvSpPr>
+        <p:spPr/>
+      </p:sp>
+      <p:sp>
+        <p:nvSpPr>
+          <p:cNvPr id="3" name="Заметки 2"/>
+          <p:cNvSpPr>
+            <a:spLocks noGrp="1"/>
+          </p:cNvSpPr>
+          <p:nvPr>
+            <p:ph type="body" idx="1"/>
+          </p:nvPr>
+        </p:nvSpPr>
+        <p:spPr/>
+        <p:txBody>
+          <a:bodyPr/>
+          <a:lstStyle/>
+          <a:p>
+            <a:r>
+              <a:rPr lang="ru-RU" sz="1200" dirty="0" smtClean="0">
+                <a:latin typeface="Roboto" panose="02000000000000000000" pitchFamily="2" charset="0"/>
+                <a:ea typeface="Roboto" panose="02000000000000000000" pitchFamily="2" charset="0"/>
+              </a:rPr>
+              <a:t>РЕГРЕСС. Это по сути</a:t>
+            </a:r>
+            <a:r>
+              <a:rPr lang="ru-RU" sz="1200" baseline="0" dirty="0" smtClean="0">
+                <a:latin typeface="Roboto" panose="02000000000000000000" pitchFamily="2" charset="0"/>
+                <a:ea typeface="Roboto" panose="02000000000000000000" pitchFamily="2" charset="0"/>
+              </a:rPr>
+              <a:t> то</a:t>
+            </a:r>
+            <a:r>
+              <a:rPr lang="en-US" sz="1200" baseline="0" dirty="0" smtClean="0">
+                <a:latin typeface="Roboto" panose="02000000000000000000" pitchFamily="2" charset="0"/>
+                <a:ea typeface="Roboto" panose="02000000000000000000" pitchFamily="2" charset="0"/>
+              </a:rPr>
+              <a:t>, </a:t>
+            </a:r>
+            <a:r>
+              <a:rPr lang="ru-RU" sz="1200" baseline="0" dirty="0" smtClean="0">
+                <a:latin typeface="Roboto" panose="02000000000000000000" pitchFamily="2" charset="0"/>
+                <a:ea typeface="Roboto" panose="02000000000000000000" pitchFamily="2" charset="0"/>
+              </a:rPr>
+              <a:t>на исключение чего </a:t>
+            </a:r>
+            <a:r>
+              <a:rPr lang="en-US" sz="1200" baseline="0" dirty="0" smtClean="0">
+                <a:latin typeface="Roboto" panose="02000000000000000000" pitchFamily="2" charset="0"/>
+                <a:ea typeface="Roboto" panose="02000000000000000000" pitchFamily="2" charset="0"/>
+              </a:rPr>
+              <a:t>QA </a:t>
+            </a:r>
+            <a:r>
+              <a:rPr lang="ru-RU" sz="1200" baseline="0" dirty="0" smtClean="0">
+                <a:latin typeface="Roboto" panose="02000000000000000000" pitchFamily="2" charset="0"/>
+                <a:ea typeface="Roboto" panose="02000000000000000000" pitchFamily="2" charset="0"/>
+              </a:rPr>
+              <a:t>инженеры </a:t>
+            </a:r>
+            <a:r>
+              <a:rPr lang="ru-RU" sz="1200" baseline="0" dirty="0" err="1" smtClean="0">
+                <a:latin typeface="Roboto" panose="02000000000000000000" pitchFamily="2" charset="0"/>
+                <a:ea typeface="Roboto" panose="02000000000000000000" pitchFamily="2" charset="0"/>
+              </a:rPr>
+              <a:t>тратять</a:t>
+            </a:r>
+            <a:r>
+              <a:rPr lang="ru-RU" sz="1200" baseline="0" dirty="0" smtClean="0">
+                <a:latin typeface="Roboto" panose="02000000000000000000" pitchFamily="2" charset="0"/>
+                <a:ea typeface="Roboto" panose="02000000000000000000" pitchFamily="2" charset="0"/>
+              </a:rPr>
+              <a:t> чуть ли ни большую часть своего рабочего времени</a:t>
+            </a:r>
+            <a:r>
+              <a:rPr lang="en-US" sz="1200" baseline="0" dirty="0" smtClean="0">
+                <a:latin typeface="Roboto" panose="02000000000000000000" pitchFamily="2" charset="0"/>
+                <a:ea typeface="Roboto" panose="02000000000000000000" pitchFamily="2" charset="0"/>
+              </a:rPr>
+              <a:t>, </a:t>
+            </a:r>
+            <a:r>
+              <a:rPr lang="ru-RU" sz="1200" baseline="0" dirty="0" smtClean="0">
+                <a:latin typeface="Roboto" panose="02000000000000000000" pitchFamily="2" charset="0"/>
+                <a:ea typeface="Roboto" panose="02000000000000000000" pitchFamily="2" charset="0"/>
+              </a:rPr>
+              <a:t>раз за разом проверяя программу после каждого релиза.</a:t>
+            </a:r>
+            <a:endParaRPr lang="en-US" sz="1200" dirty="0">
+              <a:latin typeface="Roboto" panose="02000000000000000000" pitchFamily="2" charset="0"/>
+              <a:ea typeface="Roboto" panose="02000000000000000000" pitchFamily="2" charset="0"/>
+            </a:endParaRPr>
+          </a:p>
+        </p:txBody>
+      </p:sp>
+      <p:sp>
+        <p:nvSpPr>
+          <p:cNvPr id="4" name="Номер слайда 3"/>
+          <p:cNvSpPr>
+            <a:spLocks noGrp="1"/>
+          </p:cNvSpPr>
+          <p:nvPr>
+            <p:ph type="sldNum" sz="quarter" idx="10"/>
+          </p:nvPr>
+        </p:nvSpPr>
+        <p:spPr/>
+        <p:txBody>
+          <a:bodyPr/>
+          <a:lstStyle/>
+          <a:p>
+            <a:fld id="{D54409A1-088C-44D9-A8D7-99583A7259E8}" type="slidenum">
+              <a:rPr lang="en-US" smtClean="0"/>
+              <a:t>20</a:t>
+            </a:fld>
+            <a:endParaRPr lang="en-US"/>
+          </a:p>
+        </p:txBody>
+      </p:sp>
+    </p:spTree>
+    <p:extLst>
+      <p:ext uri="{BB962C8B-B14F-4D97-AF65-F5344CB8AC3E}">
+        <p14:creationId xmlns:p14="http://schemas.microsoft.com/office/powerpoint/2010/main" val="955456355"/>
+      </p:ext>
+    </p:extLst>
+  </p:cSld>
+  <p:clrMapOvr>
+    <a:masterClrMapping/>
+  </p:clrMapOvr>
+</p:notes>
+</file>
+
 <file path=ppt/notesSlides/notesSlide2.xml><?xml version="1.0" encoding="utf-8"?>
 <p:notes xmlns:a="http://schemas.openxmlformats.org/drawingml/2006/main" xmlns:r="http://schemas.openxmlformats.org/officeDocument/2006/relationships" xmlns:p="http://schemas.openxmlformats.org/presentationml/2006/main">
   <p:cSld>
@@ -692,6 +2427,1264 @@
     <p:extLst>
       <p:ext uri="{BB962C8B-B14F-4D97-AF65-F5344CB8AC3E}">
         <p14:creationId xmlns:p14="http://schemas.microsoft.com/office/powerpoint/2010/main" val="1134581997"/>
+      </p:ext>
+    </p:extLst>
+  </p:cSld>
+  <p:clrMapOvr>
+    <a:masterClrMapping/>
+  </p:clrMapOvr>
+</p:notes>
+</file>
+
+<file path=ppt/notesSlides/notesSlide20.xml><?xml version="1.0" encoding="utf-8"?>
+<p:notes xmlns:a="http://schemas.openxmlformats.org/drawingml/2006/main" xmlns:r="http://schemas.openxmlformats.org/officeDocument/2006/relationships" xmlns:p="http://schemas.openxmlformats.org/presentationml/2006/main">
+  <p:cSld>
+    <p:spTree>
+      <p:nvGrpSpPr>
+        <p:cNvPr id="1" name=""/>
+        <p:cNvGrpSpPr/>
+        <p:nvPr/>
+      </p:nvGrpSpPr>
+      <p:grpSpPr>
+        <a:xfrm>
+          <a:off x="0" y="0"/>
+          <a:ext cx="0" cy="0"/>
+          <a:chOff x="0" y="0"/>
+          <a:chExt cx="0" cy="0"/>
+        </a:xfrm>
+      </p:grpSpPr>
+      <p:sp>
+        <p:nvSpPr>
+          <p:cNvPr id="2" name="Образ слайда 1"/>
+          <p:cNvSpPr>
+            <a:spLocks noGrp="1" noRot="1" noChangeAspect="1"/>
+          </p:cNvSpPr>
+          <p:nvPr>
+            <p:ph type="sldImg"/>
+          </p:nvPr>
+        </p:nvSpPr>
+        <p:spPr/>
+      </p:sp>
+      <p:sp>
+        <p:nvSpPr>
+          <p:cNvPr id="3" name="Заметки 2"/>
+          <p:cNvSpPr>
+            <a:spLocks noGrp="1"/>
+          </p:cNvSpPr>
+          <p:nvPr>
+            <p:ph type="body" idx="1"/>
+          </p:nvPr>
+        </p:nvSpPr>
+        <p:spPr/>
+        <p:txBody>
+          <a:bodyPr/>
+          <a:lstStyle/>
+          <a:p>
+            <a:r>
+              <a:rPr lang="ru-RU" sz="1200" dirty="0" smtClean="0">
+                <a:latin typeface="Roboto" panose="02000000000000000000" pitchFamily="2" charset="0"/>
+                <a:ea typeface="Roboto" panose="02000000000000000000" pitchFamily="2" charset="0"/>
+              </a:rPr>
+              <a:t>Как</a:t>
+            </a:r>
+            <a:r>
+              <a:rPr lang="ru-RU" sz="1200" baseline="0" dirty="0" smtClean="0">
+                <a:latin typeface="Roboto" panose="02000000000000000000" pitchFamily="2" charset="0"/>
+                <a:ea typeface="Roboto" panose="02000000000000000000" pitchFamily="2" charset="0"/>
+              </a:rPr>
+              <a:t> рождается регресс</a:t>
+            </a:r>
+            <a:r>
+              <a:rPr lang="en-US" sz="1200" baseline="0" dirty="0" smtClean="0">
+                <a:latin typeface="Roboto" panose="02000000000000000000" pitchFamily="2" charset="0"/>
+                <a:ea typeface="Roboto" panose="02000000000000000000" pitchFamily="2" charset="0"/>
+              </a:rPr>
+              <a:t>, </a:t>
+            </a:r>
+            <a:r>
+              <a:rPr lang="ru-RU" sz="1200" baseline="0" dirty="0" smtClean="0">
+                <a:latin typeface="Roboto" panose="02000000000000000000" pitchFamily="2" charset="0"/>
+                <a:ea typeface="Roboto" panose="02000000000000000000" pitchFamily="2" charset="0"/>
+              </a:rPr>
+              <a:t>как он появляется на свет? Причин конечно может быть масса</a:t>
+            </a:r>
+            <a:r>
+              <a:rPr lang="en-US" sz="1200" baseline="0" dirty="0" smtClean="0">
+                <a:latin typeface="Roboto" panose="02000000000000000000" pitchFamily="2" charset="0"/>
+                <a:ea typeface="Roboto" panose="02000000000000000000" pitchFamily="2" charset="0"/>
+              </a:rPr>
+              <a:t>, </a:t>
+            </a:r>
+            <a:r>
+              <a:rPr lang="ru-RU" sz="1200" baseline="0" dirty="0" smtClean="0">
+                <a:latin typeface="Roboto" panose="02000000000000000000" pitchFamily="2" charset="0"/>
+                <a:ea typeface="Roboto" panose="02000000000000000000" pitchFamily="2" charset="0"/>
+              </a:rPr>
+              <a:t>но нас интересует одна конкретная – модификация кода.</a:t>
+            </a:r>
+            <a:endParaRPr lang="en-US" sz="1200" dirty="0">
+              <a:latin typeface="Roboto" panose="02000000000000000000" pitchFamily="2" charset="0"/>
+              <a:ea typeface="Roboto" panose="02000000000000000000" pitchFamily="2" charset="0"/>
+            </a:endParaRPr>
+          </a:p>
+        </p:txBody>
+      </p:sp>
+      <p:sp>
+        <p:nvSpPr>
+          <p:cNvPr id="4" name="Номер слайда 3"/>
+          <p:cNvSpPr>
+            <a:spLocks noGrp="1"/>
+          </p:cNvSpPr>
+          <p:nvPr>
+            <p:ph type="sldNum" sz="quarter" idx="10"/>
+          </p:nvPr>
+        </p:nvSpPr>
+        <p:spPr/>
+        <p:txBody>
+          <a:bodyPr/>
+          <a:lstStyle/>
+          <a:p>
+            <a:fld id="{D54409A1-088C-44D9-A8D7-99583A7259E8}" type="slidenum">
+              <a:rPr lang="en-US" smtClean="0"/>
+              <a:t>21</a:t>
+            </a:fld>
+            <a:endParaRPr lang="en-US"/>
+          </a:p>
+        </p:txBody>
+      </p:sp>
+    </p:spTree>
+    <p:extLst>
+      <p:ext uri="{BB962C8B-B14F-4D97-AF65-F5344CB8AC3E}">
+        <p14:creationId xmlns:p14="http://schemas.microsoft.com/office/powerpoint/2010/main" val="3485703419"/>
+      </p:ext>
+    </p:extLst>
+  </p:cSld>
+  <p:clrMapOvr>
+    <a:masterClrMapping/>
+  </p:clrMapOvr>
+</p:notes>
+</file>
+
+<file path=ppt/notesSlides/notesSlide21.xml><?xml version="1.0" encoding="utf-8"?>
+<p:notes xmlns:a="http://schemas.openxmlformats.org/drawingml/2006/main" xmlns:r="http://schemas.openxmlformats.org/officeDocument/2006/relationships" xmlns:p="http://schemas.openxmlformats.org/presentationml/2006/main">
+  <p:cSld>
+    <p:spTree>
+      <p:nvGrpSpPr>
+        <p:cNvPr id="1" name=""/>
+        <p:cNvGrpSpPr/>
+        <p:nvPr/>
+      </p:nvGrpSpPr>
+      <p:grpSpPr>
+        <a:xfrm>
+          <a:off x="0" y="0"/>
+          <a:ext cx="0" cy="0"/>
+          <a:chOff x="0" y="0"/>
+          <a:chExt cx="0" cy="0"/>
+        </a:xfrm>
+      </p:grpSpPr>
+      <p:sp>
+        <p:nvSpPr>
+          <p:cNvPr id="2" name="Образ слайда 1"/>
+          <p:cNvSpPr>
+            <a:spLocks noGrp="1" noRot="1" noChangeAspect="1"/>
+          </p:cNvSpPr>
+          <p:nvPr>
+            <p:ph type="sldImg"/>
+          </p:nvPr>
+        </p:nvSpPr>
+        <p:spPr/>
+      </p:sp>
+      <p:sp>
+        <p:nvSpPr>
+          <p:cNvPr id="3" name="Заметки 2"/>
+          <p:cNvSpPr>
+            <a:spLocks noGrp="1"/>
+          </p:cNvSpPr>
+          <p:nvPr>
+            <p:ph type="body" idx="1"/>
+          </p:nvPr>
+        </p:nvSpPr>
+        <p:spPr/>
+        <p:txBody>
+          <a:bodyPr/>
+          <a:lstStyle/>
+          <a:p>
+            <a:pPr marL="0" marR="0" indent="0" algn="l" defTabSz="914400" rtl="0" eaLnBrk="1" fontAlgn="auto" latinLnBrk="0" hangingPunct="1">
+              <a:lnSpc>
+                <a:spcPct val="100000"/>
+              </a:lnSpc>
+              <a:spcBef>
+                <a:spcPts val="0"/>
+              </a:spcBef>
+              <a:spcAft>
+                <a:spcPts val="0"/>
+              </a:spcAft>
+              <a:buClrTx/>
+              <a:buSzTx/>
+              <a:buFontTx/>
+              <a:buNone/>
+              <a:tabLst/>
+              <a:defRPr/>
+            </a:pPr>
+            <a:r>
+              <a:rPr lang="ru-RU" dirty="0" smtClean="0"/>
+              <a:t>Как и говорилось</a:t>
+            </a:r>
+            <a:r>
+              <a:rPr lang="ru-RU" baseline="0" dirty="0" smtClean="0"/>
+              <a:t> ранее</a:t>
+            </a:r>
+            <a:r>
+              <a:rPr lang="en-US" baseline="0" dirty="0" smtClean="0"/>
+              <a:t>, </a:t>
+            </a:r>
+            <a:r>
+              <a:rPr lang="ru-RU" baseline="0" dirty="0" smtClean="0"/>
+              <a:t>доминирующей причиной сложности в ПО является структура. Для того чтобы сложность уменьшить</a:t>
+            </a:r>
+            <a:r>
+              <a:rPr lang="en-US" baseline="0" dirty="0" smtClean="0"/>
+              <a:t>, </a:t>
+            </a:r>
+            <a:r>
+              <a:rPr lang="ru-RU" baseline="0" dirty="0" smtClean="0"/>
+              <a:t>необходимо эту структуру модифицировать</a:t>
+            </a:r>
+            <a:endParaRPr lang="ru-RU" dirty="0"/>
+          </a:p>
+        </p:txBody>
+      </p:sp>
+      <p:sp>
+        <p:nvSpPr>
+          <p:cNvPr id="4" name="Номер слайда 3"/>
+          <p:cNvSpPr>
+            <a:spLocks noGrp="1"/>
+          </p:cNvSpPr>
+          <p:nvPr>
+            <p:ph type="sldNum" sz="quarter" idx="10"/>
+          </p:nvPr>
+        </p:nvSpPr>
+        <p:spPr/>
+        <p:txBody>
+          <a:bodyPr/>
+          <a:lstStyle/>
+          <a:p>
+            <a:fld id="{D54409A1-088C-44D9-A8D7-99583A7259E8}" type="slidenum">
+              <a:rPr lang="en-US" smtClean="0"/>
+              <a:t>22</a:t>
+            </a:fld>
+            <a:endParaRPr lang="en-US"/>
+          </a:p>
+        </p:txBody>
+      </p:sp>
+    </p:spTree>
+    <p:extLst>
+      <p:ext uri="{BB962C8B-B14F-4D97-AF65-F5344CB8AC3E}">
+        <p14:creationId xmlns:p14="http://schemas.microsoft.com/office/powerpoint/2010/main" val="3537800175"/>
+      </p:ext>
+    </p:extLst>
+  </p:cSld>
+  <p:clrMapOvr>
+    <a:masterClrMapping/>
+  </p:clrMapOvr>
+</p:notes>
+</file>
+
+<file path=ppt/notesSlides/notesSlide22.xml><?xml version="1.0" encoding="utf-8"?>
+<p:notes xmlns:a="http://schemas.openxmlformats.org/drawingml/2006/main" xmlns:r="http://schemas.openxmlformats.org/officeDocument/2006/relationships" xmlns:p="http://schemas.openxmlformats.org/presentationml/2006/main">
+  <p:cSld>
+    <p:spTree>
+      <p:nvGrpSpPr>
+        <p:cNvPr id="1" name=""/>
+        <p:cNvGrpSpPr/>
+        <p:nvPr/>
+      </p:nvGrpSpPr>
+      <p:grpSpPr>
+        <a:xfrm>
+          <a:off x="0" y="0"/>
+          <a:ext cx="0" cy="0"/>
+          <a:chOff x="0" y="0"/>
+          <a:chExt cx="0" cy="0"/>
+        </a:xfrm>
+      </p:grpSpPr>
+      <p:sp>
+        <p:nvSpPr>
+          <p:cNvPr id="2" name="Образ слайда 1"/>
+          <p:cNvSpPr>
+            <a:spLocks noGrp="1" noRot="1" noChangeAspect="1"/>
+          </p:cNvSpPr>
+          <p:nvPr>
+            <p:ph type="sldImg"/>
+          </p:nvPr>
+        </p:nvSpPr>
+        <p:spPr/>
+      </p:sp>
+      <p:sp>
+        <p:nvSpPr>
+          <p:cNvPr id="3" name="Заметки 2"/>
+          <p:cNvSpPr>
+            <a:spLocks noGrp="1"/>
+          </p:cNvSpPr>
+          <p:nvPr>
+            <p:ph type="body" idx="1"/>
+          </p:nvPr>
+        </p:nvSpPr>
+        <p:spPr/>
+        <p:txBody>
+          <a:bodyPr/>
+          <a:lstStyle/>
+          <a:p>
+            <a:pPr marL="0" marR="0" indent="0" algn="l" defTabSz="914400" rtl="0" eaLnBrk="1" fontAlgn="auto" latinLnBrk="0" hangingPunct="1">
+              <a:lnSpc>
+                <a:spcPct val="100000"/>
+              </a:lnSpc>
+              <a:spcBef>
+                <a:spcPts val="0"/>
+              </a:spcBef>
+              <a:spcAft>
+                <a:spcPts val="0"/>
+              </a:spcAft>
+              <a:buClrTx/>
+              <a:buSzTx/>
+              <a:buFontTx/>
+              <a:buNone/>
+              <a:tabLst/>
+              <a:defRPr/>
+            </a:pPr>
+            <a:r>
+              <a:rPr lang="ru-RU" dirty="0" smtClean="0"/>
+              <a:t>Но</a:t>
+            </a:r>
+            <a:r>
+              <a:rPr lang="en-US" dirty="0" smtClean="0"/>
+              <a:t>, </a:t>
+            </a:r>
+            <a:r>
+              <a:rPr lang="ru-RU" dirty="0" smtClean="0"/>
+              <a:t>изменять</a:t>
+            </a:r>
+            <a:r>
+              <a:rPr lang="ru-RU" baseline="0" dirty="0" smtClean="0"/>
+              <a:t> мы её должны таким образом</a:t>
+            </a:r>
+            <a:r>
+              <a:rPr lang="en-US" baseline="0" dirty="0" smtClean="0"/>
+              <a:t>, </a:t>
+            </a:r>
+            <a:r>
+              <a:rPr lang="ru-RU" baseline="0" dirty="0" smtClean="0"/>
+              <a:t>чтобы при этом не затронуть поведенческий аспект приложения</a:t>
+            </a:r>
+            <a:r>
+              <a:rPr lang="en-US" baseline="0" dirty="0" smtClean="0"/>
+              <a:t>, </a:t>
+            </a:r>
+            <a:r>
+              <a:rPr lang="ru-RU" baseline="0" dirty="0" smtClean="0"/>
+              <a:t>т. е. не вызывать регресса. Процесс при котором происходит изменение структуры без влияния на поведения называется </a:t>
+            </a:r>
+            <a:r>
+              <a:rPr lang="ru-RU" baseline="0" dirty="0" err="1" smtClean="0"/>
+              <a:t>рефакторингом</a:t>
+            </a:r>
+            <a:endParaRPr lang="ru-RU" dirty="0"/>
+          </a:p>
+        </p:txBody>
+      </p:sp>
+      <p:sp>
+        <p:nvSpPr>
+          <p:cNvPr id="4" name="Номер слайда 3"/>
+          <p:cNvSpPr>
+            <a:spLocks noGrp="1"/>
+          </p:cNvSpPr>
+          <p:nvPr>
+            <p:ph type="sldNum" sz="quarter" idx="10"/>
+          </p:nvPr>
+        </p:nvSpPr>
+        <p:spPr/>
+        <p:txBody>
+          <a:bodyPr/>
+          <a:lstStyle/>
+          <a:p>
+            <a:fld id="{D54409A1-088C-44D9-A8D7-99583A7259E8}" type="slidenum">
+              <a:rPr lang="en-US" smtClean="0"/>
+              <a:t>23</a:t>
+            </a:fld>
+            <a:endParaRPr lang="en-US"/>
+          </a:p>
+        </p:txBody>
+      </p:sp>
+    </p:spTree>
+    <p:extLst>
+      <p:ext uri="{BB962C8B-B14F-4D97-AF65-F5344CB8AC3E}">
+        <p14:creationId xmlns:p14="http://schemas.microsoft.com/office/powerpoint/2010/main" val="2548584771"/>
+      </p:ext>
+    </p:extLst>
+  </p:cSld>
+  <p:clrMapOvr>
+    <a:masterClrMapping/>
+  </p:clrMapOvr>
+</p:notes>
+</file>
+
+<file path=ppt/notesSlides/notesSlide23.xml><?xml version="1.0" encoding="utf-8"?>
+<p:notes xmlns:a="http://schemas.openxmlformats.org/drawingml/2006/main" xmlns:r="http://schemas.openxmlformats.org/officeDocument/2006/relationships" xmlns:p="http://schemas.openxmlformats.org/presentationml/2006/main">
+  <p:cSld>
+    <p:spTree>
+      <p:nvGrpSpPr>
+        <p:cNvPr id="1" name=""/>
+        <p:cNvGrpSpPr/>
+        <p:nvPr/>
+      </p:nvGrpSpPr>
+      <p:grpSpPr>
+        <a:xfrm>
+          <a:off x="0" y="0"/>
+          <a:ext cx="0" cy="0"/>
+          <a:chOff x="0" y="0"/>
+          <a:chExt cx="0" cy="0"/>
+        </a:xfrm>
+      </p:grpSpPr>
+      <p:sp>
+        <p:nvSpPr>
+          <p:cNvPr id="2" name="Образ слайда 1"/>
+          <p:cNvSpPr>
+            <a:spLocks noGrp="1" noRot="1" noChangeAspect="1"/>
+          </p:cNvSpPr>
+          <p:nvPr>
+            <p:ph type="sldImg"/>
+          </p:nvPr>
+        </p:nvSpPr>
+        <p:spPr/>
+      </p:sp>
+      <p:sp>
+        <p:nvSpPr>
+          <p:cNvPr id="3" name="Заметки 2"/>
+          <p:cNvSpPr>
+            <a:spLocks noGrp="1"/>
+          </p:cNvSpPr>
+          <p:nvPr>
+            <p:ph type="body" idx="1"/>
+          </p:nvPr>
+        </p:nvSpPr>
+        <p:spPr/>
+        <p:txBody>
+          <a:bodyPr/>
+          <a:lstStyle/>
+          <a:p>
+            <a:pPr marL="0" marR="0" indent="0" algn="l" defTabSz="914400" rtl="0" eaLnBrk="1" fontAlgn="auto" latinLnBrk="0" hangingPunct="1">
+              <a:lnSpc>
+                <a:spcPct val="100000"/>
+              </a:lnSpc>
+              <a:spcBef>
+                <a:spcPts val="0"/>
+              </a:spcBef>
+              <a:spcAft>
+                <a:spcPts val="0"/>
+              </a:spcAft>
+              <a:buClrTx/>
+              <a:buSzTx/>
+              <a:buFontTx/>
+              <a:buNone/>
+              <a:tabLst/>
+              <a:defRPr/>
+            </a:pPr>
+            <a:r>
+              <a:rPr lang="ru-RU" dirty="0" smtClean="0"/>
+              <a:t>Это основной</a:t>
+            </a:r>
+            <a:r>
+              <a:rPr lang="en-US" dirty="0" smtClean="0"/>
+              <a:t> </a:t>
+            </a:r>
+            <a:r>
+              <a:rPr lang="ru-RU" dirty="0" smtClean="0"/>
+              <a:t>и в большинстве случаев единственный</a:t>
+            </a:r>
+            <a:r>
+              <a:rPr lang="ru-RU" baseline="0" dirty="0" smtClean="0"/>
+              <a:t> инструмент борьбы с </a:t>
+            </a:r>
+            <a:r>
+              <a:rPr lang="ru-RU" baseline="0" dirty="0" err="1" smtClean="0"/>
+              <a:t>растующей</a:t>
+            </a:r>
+            <a:r>
+              <a:rPr lang="ru-RU" baseline="0" dirty="0" smtClean="0"/>
+              <a:t> сложностью в ПО. Ну почему тогда все не занимаются </a:t>
+            </a:r>
+            <a:r>
+              <a:rPr lang="ru-RU" baseline="0" dirty="0" err="1" smtClean="0"/>
+              <a:t>рефакторингом</a:t>
+            </a:r>
+            <a:r>
+              <a:rPr lang="ru-RU" baseline="0" dirty="0" smtClean="0"/>
+              <a:t>? </a:t>
+            </a:r>
+            <a:r>
+              <a:rPr lang="ru-RU" baseline="0" dirty="0" smtClean="0"/>
+              <a:t>Почему все равно у большинство разработчиков продолжают работать в </a:t>
+            </a:r>
+            <a:r>
+              <a:rPr lang="ru-RU" baseline="0" dirty="0" err="1" smtClean="0"/>
+              <a:t>легаси</a:t>
+            </a:r>
+            <a:r>
+              <a:rPr lang="ru-RU" baseline="0" dirty="0" smtClean="0"/>
+              <a:t> проектах и ничего с этим не делают? </a:t>
+            </a:r>
+            <a:endParaRPr lang="ru-RU" dirty="0"/>
+          </a:p>
+        </p:txBody>
+      </p:sp>
+      <p:sp>
+        <p:nvSpPr>
+          <p:cNvPr id="4" name="Номер слайда 3"/>
+          <p:cNvSpPr>
+            <a:spLocks noGrp="1"/>
+          </p:cNvSpPr>
+          <p:nvPr>
+            <p:ph type="sldNum" sz="quarter" idx="10"/>
+          </p:nvPr>
+        </p:nvSpPr>
+        <p:spPr/>
+        <p:txBody>
+          <a:bodyPr/>
+          <a:lstStyle/>
+          <a:p>
+            <a:fld id="{D54409A1-088C-44D9-A8D7-99583A7259E8}" type="slidenum">
+              <a:rPr lang="en-US" smtClean="0"/>
+              <a:t>24</a:t>
+            </a:fld>
+            <a:endParaRPr lang="en-US"/>
+          </a:p>
+        </p:txBody>
+      </p:sp>
+    </p:spTree>
+    <p:extLst>
+      <p:ext uri="{BB962C8B-B14F-4D97-AF65-F5344CB8AC3E}">
+        <p14:creationId xmlns:p14="http://schemas.microsoft.com/office/powerpoint/2010/main" val="3767466323"/>
+      </p:ext>
+    </p:extLst>
+  </p:cSld>
+  <p:clrMapOvr>
+    <a:masterClrMapping/>
+  </p:clrMapOvr>
+</p:notes>
+</file>
+
+<file path=ppt/notesSlides/notesSlide24.xml><?xml version="1.0" encoding="utf-8"?>
+<p:notes xmlns:a="http://schemas.openxmlformats.org/drawingml/2006/main" xmlns:r="http://schemas.openxmlformats.org/officeDocument/2006/relationships" xmlns:p="http://schemas.openxmlformats.org/presentationml/2006/main">
+  <p:cSld>
+    <p:spTree>
+      <p:nvGrpSpPr>
+        <p:cNvPr id="1" name=""/>
+        <p:cNvGrpSpPr/>
+        <p:nvPr/>
+      </p:nvGrpSpPr>
+      <p:grpSpPr>
+        <a:xfrm>
+          <a:off x="0" y="0"/>
+          <a:ext cx="0" cy="0"/>
+          <a:chOff x="0" y="0"/>
+          <a:chExt cx="0" cy="0"/>
+        </a:xfrm>
+      </p:grpSpPr>
+      <p:sp>
+        <p:nvSpPr>
+          <p:cNvPr id="2" name="Образ слайда 1"/>
+          <p:cNvSpPr>
+            <a:spLocks noGrp="1" noRot="1" noChangeAspect="1"/>
+          </p:cNvSpPr>
+          <p:nvPr>
+            <p:ph type="sldImg"/>
+          </p:nvPr>
+        </p:nvSpPr>
+        <p:spPr/>
+      </p:sp>
+      <p:sp>
+        <p:nvSpPr>
+          <p:cNvPr id="3" name="Заметки 2"/>
+          <p:cNvSpPr>
+            <a:spLocks noGrp="1"/>
+          </p:cNvSpPr>
+          <p:nvPr>
+            <p:ph type="body" idx="1"/>
+          </p:nvPr>
+        </p:nvSpPr>
+        <p:spPr/>
+        <p:txBody>
+          <a:bodyPr/>
+          <a:lstStyle/>
+          <a:p>
+            <a:pPr marL="0" marR="0" indent="0" algn="l" defTabSz="914400" rtl="0" eaLnBrk="1" fontAlgn="auto" latinLnBrk="0" hangingPunct="1">
+              <a:lnSpc>
+                <a:spcPct val="100000"/>
+              </a:lnSpc>
+              <a:spcBef>
+                <a:spcPts val="0"/>
+              </a:spcBef>
+              <a:spcAft>
+                <a:spcPts val="0"/>
+              </a:spcAft>
+              <a:buClrTx/>
+              <a:buSzTx/>
+              <a:buFontTx/>
+              <a:buNone/>
+              <a:tabLst/>
+              <a:defRPr/>
+            </a:pPr>
+            <a:r>
+              <a:rPr lang="ru-RU" baseline="0" dirty="0" smtClean="0"/>
+              <a:t>Причина заключается в том что программу сложно изменять. Всегда </a:t>
+            </a:r>
+            <a:r>
+              <a:rPr lang="ru-RU" baseline="0" dirty="0" err="1" smtClean="0"/>
+              <a:t>присутсвует</a:t>
+            </a:r>
+            <a:r>
+              <a:rPr lang="ru-RU" baseline="0" dirty="0" smtClean="0"/>
+              <a:t> страх что </a:t>
+            </a:r>
+            <a:r>
+              <a:rPr lang="ru-RU" baseline="0" dirty="0" err="1" smtClean="0"/>
+              <a:t>нибудь</a:t>
+            </a:r>
+            <a:r>
+              <a:rPr lang="ru-RU" baseline="0" dirty="0" smtClean="0"/>
+              <a:t> сломать</a:t>
+            </a:r>
+            <a:r>
+              <a:rPr lang="en-US" baseline="0" dirty="0" smtClean="0"/>
+              <a:t>, </a:t>
+            </a:r>
+            <a:r>
+              <a:rPr lang="ru-RU" baseline="0" dirty="0" smtClean="0"/>
+              <a:t>другими словами вызвать регресс.</a:t>
+            </a:r>
+            <a:endParaRPr lang="ru-RU" dirty="0" smtClean="0"/>
+          </a:p>
+        </p:txBody>
+      </p:sp>
+      <p:sp>
+        <p:nvSpPr>
+          <p:cNvPr id="4" name="Номер слайда 3"/>
+          <p:cNvSpPr>
+            <a:spLocks noGrp="1"/>
+          </p:cNvSpPr>
+          <p:nvPr>
+            <p:ph type="sldNum" sz="quarter" idx="10"/>
+          </p:nvPr>
+        </p:nvSpPr>
+        <p:spPr/>
+        <p:txBody>
+          <a:bodyPr/>
+          <a:lstStyle/>
+          <a:p>
+            <a:fld id="{D54409A1-088C-44D9-A8D7-99583A7259E8}" type="slidenum">
+              <a:rPr lang="en-US" smtClean="0"/>
+              <a:t>25</a:t>
+            </a:fld>
+            <a:endParaRPr lang="en-US"/>
+          </a:p>
+        </p:txBody>
+      </p:sp>
+    </p:spTree>
+    <p:extLst>
+      <p:ext uri="{BB962C8B-B14F-4D97-AF65-F5344CB8AC3E}">
+        <p14:creationId xmlns:p14="http://schemas.microsoft.com/office/powerpoint/2010/main" val="3547603783"/>
+      </p:ext>
+    </p:extLst>
+  </p:cSld>
+  <p:clrMapOvr>
+    <a:masterClrMapping/>
+  </p:clrMapOvr>
+</p:notes>
+</file>
+
+<file path=ppt/notesSlides/notesSlide25.xml><?xml version="1.0" encoding="utf-8"?>
+<p:notes xmlns:a="http://schemas.openxmlformats.org/drawingml/2006/main" xmlns:r="http://schemas.openxmlformats.org/officeDocument/2006/relationships" xmlns:p="http://schemas.openxmlformats.org/presentationml/2006/main">
+  <p:cSld>
+    <p:spTree>
+      <p:nvGrpSpPr>
+        <p:cNvPr id="1" name=""/>
+        <p:cNvGrpSpPr/>
+        <p:nvPr/>
+      </p:nvGrpSpPr>
+      <p:grpSpPr>
+        <a:xfrm>
+          <a:off x="0" y="0"/>
+          <a:ext cx="0" cy="0"/>
+          <a:chOff x="0" y="0"/>
+          <a:chExt cx="0" cy="0"/>
+        </a:xfrm>
+      </p:grpSpPr>
+      <p:sp>
+        <p:nvSpPr>
+          <p:cNvPr id="2" name="Образ слайда 1"/>
+          <p:cNvSpPr>
+            <a:spLocks noGrp="1" noRot="1" noChangeAspect="1"/>
+          </p:cNvSpPr>
+          <p:nvPr>
+            <p:ph type="sldImg"/>
+          </p:nvPr>
+        </p:nvSpPr>
+        <p:spPr/>
+      </p:sp>
+      <p:sp>
+        <p:nvSpPr>
+          <p:cNvPr id="3" name="Заметки 2"/>
+          <p:cNvSpPr>
+            <a:spLocks noGrp="1"/>
+          </p:cNvSpPr>
+          <p:nvPr>
+            <p:ph type="body" idx="1"/>
+          </p:nvPr>
+        </p:nvSpPr>
+        <p:spPr/>
+        <p:txBody>
+          <a:bodyPr/>
+          <a:lstStyle/>
+          <a:p>
+            <a:pPr marL="0" marR="0" indent="0" algn="l" defTabSz="914400" rtl="0" eaLnBrk="1" fontAlgn="auto" latinLnBrk="0" hangingPunct="1">
+              <a:lnSpc>
+                <a:spcPct val="100000"/>
+              </a:lnSpc>
+              <a:spcBef>
+                <a:spcPts val="0"/>
+              </a:spcBef>
+              <a:spcAft>
+                <a:spcPts val="0"/>
+              </a:spcAft>
+              <a:buClrTx/>
+              <a:buSzTx/>
+              <a:buFontTx/>
+              <a:buNone/>
+              <a:tabLst/>
+              <a:defRPr/>
+            </a:pPr>
+            <a:r>
+              <a:rPr lang="ru-RU" baseline="0" dirty="0" smtClean="0"/>
+              <a:t>Процесс модификации программ с нарушенной структурой очень напоминает игру в </a:t>
+            </a:r>
+            <a:r>
+              <a:rPr lang="ru-RU" baseline="0" dirty="0" err="1" smtClean="0"/>
+              <a:t>дженгу</a:t>
+            </a:r>
+            <a:r>
+              <a:rPr lang="ru-RU" baseline="0" dirty="0" smtClean="0"/>
+              <a:t>. Где любая попытка вырастить башенку (т. е. улучшить в поведении или в структуре) требует от программиста использовать (т. е. изменять) компоненты</a:t>
+            </a:r>
+            <a:r>
+              <a:rPr lang="en-US" baseline="0" dirty="0" smtClean="0"/>
+              <a:t>, </a:t>
+            </a:r>
+            <a:r>
+              <a:rPr lang="ru-RU" baseline="0" dirty="0" smtClean="0"/>
+              <a:t>на которых держаться все остальные элементы системы. В самом низу башни находятся те самые файлы бегемоты этакие гниющие свалки которые каждый обходит стороной и боится тронуть лишний раз</a:t>
+            </a:r>
+            <a:endParaRPr lang="ru-RU" dirty="0" smtClean="0"/>
+          </a:p>
+        </p:txBody>
+      </p:sp>
+      <p:sp>
+        <p:nvSpPr>
+          <p:cNvPr id="4" name="Номер слайда 3"/>
+          <p:cNvSpPr>
+            <a:spLocks noGrp="1"/>
+          </p:cNvSpPr>
+          <p:nvPr>
+            <p:ph type="sldNum" sz="quarter" idx="10"/>
+          </p:nvPr>
+        </p:nvSpPr>
+        <p:spPr/>
+        <p:txBody>
+          <a:bodyPr/>
+          <a:lstStyle/>
+          <a:p>
+            <a:fld id="{D54409A1-088C-44D9-A8D7-99583A7259E8}" type="slidenum">
+              <a:rPr lang="en-US" smtClean="0"/>
+              <a:t>26</a:t>
+            </a:fld>
+            <a:endParaRPr lang="en-US"/>
+          </a:p>
+        </p:txBody>
+      </p:sp>
+    </p:spTree>
+    <p:extLst>
+      <p:ext uri="{BB962C8B-B14F-4D97-AF65-F5344CB8AC3E}">
+        <p14:creationId xmlns:p14="http://schemas.microsoft.com/office/powerpoint/2010/main" val="1554787532"/>
+      </p:ext>
+    </p:extLst>
+  </p:cSld>
+  <p:clrMapOvr>
+    <a:masterClrMapping/>
+  </p:clrMapOvr>
+</p:notes>
+</file>
+
+<file path=ppt/notesSlides/notesSlide26.xml><?xml version="1.0" encoding="utf-8"?>
+<p:notes xmlns:a="http://schemas.openxmlformats.org/drawingml/2006/main" xmlns:r="http://schemas.openxmlformats.org/officeDocument/2006/relationships" xmlns:p="http://schemas.openxmlformats.org/presentationml/2006/main">
+  <p:cSld>
+    <p:spTree>
+      <p:nvGrpSpPr>
+        <p:cNvPr id="1" name=""/>
+        <p:cNvGrpSpPr/>
+        <p:nvPr/>
+      </p:nvGrpSpPr>
+      <p:grpSpPr>
+        <a:xfrm>
+          <a:off x="0" y="0"/>
+          <a:ext cx="0" cy="0"/>
+          <a:chOff x="0" y="0"/>
+          <a:chExt cx="0" cy="0"/>
+        </a:xfrm>
+      </p:grpSpPr>
+      <p:sp>
+        <p:nvSpPr>
+          <p:cNvPr id="2" name="Образ слайда 1"/>
+          <p:cNvSpPr>
+            <a:spLocks noGrp="1" noRot="1" noChangeAspect="1"/>
+          </p:cNvSpPr>
+          <p:nvPr>
+            <p:ph type="sldImg"/>
+          </p:nvPr>
+        </p:nvSpPr>
+        <p:spPr/>
+      </p:sp>
+      <p:sp>
+        <p:nvSpPr>
+          <p:cNvPr id="3" name="Заметки 2"/>
+          <p:cNvSpPr>
+            <a:spLocks noGrp="1"/>
+          </p:cNvSpPr>
+          <p:nvPr>
+            <p:ph type="body" idx="1"/>
+          </p:nvPr>
+        </p:nvSpPr>
+        <p:spPr/>
+        <p:txBody>
+          <a:bodyPr/>
+          <a:lstStyle/>
+          <a:p>
+            <a:pPr marL="0" marR="0" indent="0" algn="l" defTabSz="914400" rtl="0" eaLnBrk="1" fontAlgn="auto" latinLnBrk="0" hangingPunct="1">
+              <a:lnSpc>
+                <a:spcPct val="100000"/>
+              </a:lnSpc>
+              <a:spcBef>
+                <a:spcPts val="0"/>
+              </a:spcBef>
+              <a:spcAft>
+                <a:spcPts val="0"/>
+              </a:spcAft>
+              <a:buClrTx/>
+              <a:buSzTx/>
+              <a:buFontTx/>
+              <a:buNone/>
+              <a:tabLst/>
+              <a:defRPr/>
+            </a:pPr>
+            <a:r>
+              <a:rPr lang="ru-RU" dirty="0" smtClean="0"/>
+              <a:t>Представим</a:t>
+            </a:r>
+            <a:r>
+              <a:rPr lang="ru-RU" baseline="0" dirty="0" smtClean="0"/>
+              <a:t> что у нас есть программа помощник с одной единственной кнопкой</a:t>
+            </a:r>
+            <a:r>
+              <a:rPr lang="en-US" baseline="0" dirty="0" smtClean="0"/>
+              <a:t> check. </a:t>
+            </a:r>
+            <a:r>
+              <a:rPr lang="ru-RU" baseline="0" dirty="0" smtClean="0"/>
+              <a:t>Нажав на неё у нас может быть один из двух результатов</a:t>
+            </a:r>
+            <a:endParaRPr lang="ru-RU" dirty="0"/>
+          </a:p>
+        </p:txBody>
+      </p:sp>
+      <p:sp>
+        <p:nvSpPr>
+          <p:cNvPr id="4" name="Номер слайда 3"/>
+          <p:cNvSpPr>
+            <a:spLocks noGrp="1"/>
+          </p:cNvSpPr>
+          <p:nvPr>
+            <p:ph type="sldNum" sz="quarter" idx="10"/>
+          </p:nvPr>
+        </p:nvSpPr>
+        <p:spPr/>
+        <p:txBody>
+          <a:bodyPr/>
+          <a:lstStyle/>
+          <a:p>
+            <a:fld id="{D54409A1-088C-44D9-A8D7-99583A7259E8}" type="slidenum">
+              <a:rPr lang="en-US" smtClean="0"/>
+              <a:t>27</a:t>
+            </a:fld>
+            <a:endParaRPr lang="en-US"/>
+          </a:p>
+        </p:txBody>
+      </p:sp>
+    </p:spTree>
+    <p:extLst>
+      <p:ext uri="{BB962C8B-B14F-4D97-AF65-F5344CB8AC3E}">
+        <p14:creationId xmlns:p14="http://schemas.microsoft.com/office/powerpoint/2010/main" val="1229578551"/>
+      </p:ext>
+    </p:extLst>
+  </p:cSld>
+  <p:clrMapOvr>
+    <a:masterClrMapping/>
+  </p:clrMapOvr>
+</p:notes>
+</file>
+
+<file path=ppt/notesSlides/notesSlide27.xml><?xml version="1.0" encoding="utf-8"?>
+<p:notes xmlns:a="http://schemas.openxmlformats.org/drawingml/2006/main" xmlns:r="http://schemas.openxmlformats.org/officeDocument/2006/relationships" xmlns:p="http://schemas.openxmlformats.org/presentationml/2006/main">
+  <p:cSld>
+    <p:spTree>
+      <p:nvGrpSpPr>
+        <p:cNvPr id="1" name=""/>
+        <p:cNvGrpSpPr/>
+        <p:nvPr/>
+      </p:nvGrpSpPr>
+      <p:grpSpPr>
+        <a:xfrm>
+          <a:off x="0" y="0"/>
+          <a:ext cx="0" cy="0"/>
+          <a:chOff x="0" y="0"/>
+          <a:chExt cx="0" cy="0"/>
+        </a:xfrm>
+      </p:grpSpPr>
+      <p:sp>
+        <p:nvSpPr>
+          <p:cNvPr id="2" name="Образ слайда 1"/>
+          <p:cNvSpPr>
+            <a:spLocks noGrp="1" noRot="1" noChangeAspect="1"/>
+          </p:cNvSpPr>
+          <p:nvPr>
+            <p:ph type="sldImg"/>
+          </p:nvPr>
+        </p:nvSpPr>
+        <p:spPr/>
+      </p:sp>
+      <p:sp>
+        <p:nvSpPr>
+          <p:cNvPr id="3" name="Заметки 2"/>
+          <p:cNvSpPr>
+            <a:spLocks noGrp="1"/>
+          </p:cNvSpPr>
+          <p:nvPr>
+            <p:ph type="body" idx="1"/>
+          </p:nvPr>
+        </p:nvSpPr>
+        <p:spPr/>
+        <p:txBody>
+          <a:bodyPr/>
+          <a:lstStyle/>
+          <a:p>
+            <a:pPr marL="0" marR="0" indent="0" algn="l" defTabSz="914400" rtl="0" eaLnBrk="1" fontAlgn="auto" latinLnBrk="0" hangingPunct="1">
+              <a:lnSpc>
+                <a:spcPct val="100000"/>
+              </a:lnSpc>
+              <a:spcBef>
+                <a:spcPts val="0"/>
+              </a:spcBef>
+              <a:spcAft>
+                <a:spcPts val="0"/>
+              </a:spcAft>
+              <a:buClrTx/>
+              <a:buSzTx/>
+              <a:buFontTx/>
+              <a:buNone/>
+              <a:tabLst/>
+              <a:defRPr/>
+            </a:pPr>
+            <a:r>
+              <a:rPr lang="ru-RU" dirty="0" smtClean="0"/>
+              <a:t>Зеленая</a:t>
+            </a:r>
+            <a:r>
+              <a:rPr lang="ru-RU" baseline="0" dirty="0" smtClean="0"/>
+              <a:t> галочка</a:t>
+            </a:r>
+            <a:r>
+              <a:rPr lang="en-US" baseline="0" dirty="0" smtClean="0"/>
+              <a:t>, </a:t>
+            </a:r>
+            <a:r>
+              <a:rPr lang="ru-RU" baseline="0" dirty="0" smtClean="0"/>
+              <a:t>которая будет означать что наша программа обладает корректным наблюдаемым поведением</a:t>
+            </a:r>
+            <a:endParaRPr lang="ru-RU" dirty="0"/>
+          </a:p>
+        </p:txBody>
+      </p:sp>
+      <p:sp>
+        <p:nvSpPr>
+          <p:cNvPr id="4" name="Номер слайда 3"/>
+          <p:cNvSpPr>
+            <a:spLocks noGrp="1"/>
+          </p:cNvSpPr>
+          <p:nvPr>
+            <p:ph type="sldNum" sz="quarter" idx="10"/>
+          </p:nvPr>
+        </p:nvSpPr>
+        <p:spPr/>
+        <p:txBody>
+          <a:bodyPr/>
+          <a:lstStyle/>
+          <a:p>
+            <a:fld id="{D54409A1-088C-44D9-A8D7-99583A7259E8}" type="slidenum">
+              <a:rPr lang="en-US" smtClean="0"/>
+              <a:t>28</a:t>
+            </a:fld>
+            <a:endParaRPr lang="en-US"/>
+          </a:p>
+        </p:txBody>
+      </p:sp>
+    </p:spTree>
+    <p:extLst>
+      <p:ext uri="{BB962C8B-B14F-4D97-AF65-F5344CB8AC3E}">
+        <p14:creationId xmlns:p14="http://schemas.microsoft.com/office/powerpoint/2010/main" val="2207661916"/>
+      </p:ext>
+    </p:extLst>
+  </p:cSld>
+  <p:clrMapOvr>
+    <a:masterClrMapping/>
+  </p:clrMapOvr>
+</p:notes>
+</file>
+
+<file path=ppt/notesSlides/notesSlide28.xml><?xml version="1.0" encoding="utf-8"?>
+<p:notes xmlns:a="http://schemas.openxmlformats.org/drawingml/2006/main" xmlns:r="http://schemas.openxmlformats.org/officeDocument/2006/relationships" xmlns:p="http://schemas.openxmlformats.org/presentationml/2006/main">
+  <p:cSld>
+    <p:spTree>
+      <p:nvGrpSpPr>
+        <p:cNvPr id="1" name=""/>
+        <p:cNvGrpSpPr/>
+        <p:nvPr/>
+      </p:nvGrpSpPr>
+      <p:grpSpPr>
+        <a:xfrm>
+          <a:off x="0" y="0"/>
+          <a:ext cx="0" cy="0"/>
+          <a:chOff x="0" y="0"/>
+          <a:chExt cx="0" cy="0"/>
+        </a:xfrm>
+      </p:grpSpPr>
+      <p:sp>
+        <p:nvSpPr>
+          <p:cNvPr id="2" name="Образ слайда 1"/>
+          <p:cNvSpPr>
+            <a:spLocks noGrp="1" noRot="1" noChangeAspect="1"/>
+          </p:cNvSpPr>
+          <p:nvPr>
+            <p:ph type="sldImg"/>
+          </p:nvPr>
+        </p:nvSpPr>
+        <p:spPr/>
+      </p:sp>
+      <p:sp>
+        <p:nvSpPr>
+          <p:cNvPr id="3" name="Заметки 2"/>
+          <p:cNvSpPr>
+            <a:spLocks noGrp="1"/>
+          </p:cNvSpPr>
+          <p:nvPr>
+            <p:ph type="body" idx="1"/>
+          </p:nvPr>
+        </p:nvSpPr>
+        <p:spPr/>
+        <p:txBody>
+          <a:bodyPr/>
+          <a:lstStyle/>
+          <a:p>
+            <a:pPr marL="0" marR="0" indent="0" algn="l" defTabSz="914400" rtl="0" eaLnBrk="1" fontAlgn="auto" latinLnBrk="0" hangingPunct="1">
+              <a:lnSpc>
+                <a:spcPct val="100000"/>
+              </a:lnSpc>
+              <a:spcBef>
+                <a:spcPts val="0"/>
+              </a:spcBef>
+              <a:spcAft>
+                <a:spcPts val="0"/>
+              </a:spcAft>
+              <a:buClrTx/>
+              <a:buSzTx/>
+              <a:buFontTx/>
+              <a:buNone/>
+              <a:tabLst/>
+              <a:defRPr/>
+            </a:pPr>
+            <a:r>
+              <a:rPr lang="ru-RU" dirty="0" smtClean="0"/>
+              <a:t>И красный крест</a:t>
+            </a:r>
+            <a:r>
+              <a:rPr lang="en-US" dirty="0" smtClean="0"/>
+              <a:t>, </a:t>
+            </a:r>
+            <a:r>
+              <a:rPr lang="ru-RU" dirty="0" smtClean="0"/>
+              <a:t>говорящий</a:t>
+            </a:r>
+            <a:r>
+              <a:rPr lang="ru-RU" baseline="0" dirty="0" smtClean="0"/>
+              <a:t> нам что что то в программе изменилось</a:t>
+            </a:r>
+            <a:r>
+              <a:rPr lang="en-US" baseline="0" dirty="0" smtClean="0"/>
+              <a:t>, </a:t>
+            </a:r>
+            <a:r>
+              <a:rPr lang="ru-RU" baseline="0" dirty="0" smtClean="0"/>
+              <a:t>она уже не ведет себя так как прежде. Я думаю что уже многие догадались что у помощника есть специальное имя – тесты. Тесты это просто программа которая проверяет другую программу.</a:t>
+            </a:r>
+            <a:endParaRPr lang="ru-RU" dirty="0"/>
+          </a:p>
+        </p:txBody>
+      </p:sp>
+      <p:sp>
+        <p:nvSpPr>
+          <p:cNvPr id="4" name="Номер слайда 3"/>
+          <p:cNvSpPr>
+            <a:spLocks noGrp="1"/>
+          </p:cNvSpPr>
+          <p:nvPr>
+            <p:ph type="sldNum" sz="quarter" idx="10"/>
+          </p:nvPr>
+        </p:nvSpPr>
+        <p:spPr/>
+        <p:txBody>
+          <a:bodyPr/>
+          <a:lstStyle/>
+          <a:p>
+            <a:fld id="{D54409A1-088C-44D9-A8D7-99583A7259E8}" type="slidenum">
+              <a:rPr lang="en-US" smtClean="0"/>
+              <a:t>29</a:t>
+            </a:fld>
+            <a:endParaRPr lang="en-US"/>
+          </a:p>
+        </p:txBody>
+      </p:sp>
+    </p:spTree>
+    <p:extLst>
+      <p:ext uri="{BB962C8B-B14F-4D97-AF65-F5344CB8AC3E}">
+        <p14:creationId xmlns:p14="http://schemas.microsoft.com/office/powerpoint/2010/main" val="20958121"/>
+      </p:ext>
+    </p:extLst>
+  </p:cSld>
+  <p:clrMapOvr>
+    <a:masterClrMapping/>
+  </p:clrMapOvr>
+</p:notes>
+</file>
+
+<file path=ppt/notesSlides/notesSlide29.xml><?xml version="1.0" encoding="utf-8"?>
+<p:notes xmlns:a="http://schemas.openxmlformats.org/drawingml/2006/main" xmlns:r="http://schemas.openxmlformats.org/officeDocument/2006/relationships" xmlns:p="http://schemas.openxmlformats.org/presentationml/2006/main">
+  <p:cSld>
+    <p:spTree>
+      <p:nvGrpSpPr>
+        <p:cNvPr id="1" name=""/>
+        <p:cNvGrpSpPr/>
+        <p:nvPr/>
+      </p:nvGrpSpPr>
+      <p:grpSpPr>
+        <a:xfrm>
+          <a:off x="0" y="0"/>
+          <a:ext cx="0" cy="0"/>
+          <a:chOff x="0" y="0"/>
+          <a:chExt cx="0" cy="0"/>
+        </a:xfrm>
+      </p:grpSpPr>
+      <p:sp>
+        <p:nvSpPr>
+          <p:cNvPr id="2" name="Образ слайда 1"/>
+          <p:cNvSpPr>
+            <a:spLocks noGrp="1" noRot="1" noChangeAspect="1"/>
+          </p:cNvSpPr>
+          <p:nvPr>
+            <p:ph type="sldImg"/>
+          </p:nvPr>
+        </p:nvSpPr>
+        <p:spPr/>
+      </p:sp>
+      <p:sp>
+        <p:nvSpPr>
+          <p:cNvPr id="3" name="Заметки 2"/>
+          <p:cNvSpPr>
+            <a:spLocks noGrp="1"/>
+          </p:cNvSpPr>
+          <p:nvPr>
+            <p:ph type="body" idx="1"/>
+          </p:nvPr>
+        </p:nvSpPr>
+        <p:spPr/>
+        <p:txBody>
+          <a:bodyPr/>
+          <a:lstStyle/>
+          <a:p>
+            <a:pPr marL="0" marR="0" indent="0" algn="l" defTabSz="914400" rtl="0" eaLnBrk="1" fontAlgn="auto" latinLnBrk="0" hangingPunct="1">
+              <a:lnSpc>
+                <a:spcPct val="100000"/>
+              </a:lnSpc>
+              <a:spcBef>
+                <a:spcPts val="0"/>
+              </a:spcBef>
+              <a:spcAft>
+                <a:spcPts val="0"/>
+              </a:spcAft>
+              <a:buClrTx/>
+              <a:buSzTx/>
+              <a:buFontTx/>
+              <a:buNone/>
+              <a:tabLst/>
+              <a:defRPr/>
+            </a:pPr>
+            <a:r>
+              <a:rPr lang="ru-RU" sz="1200" b="0" i="0" kern="1200" dirty="0" smtClean="0">
+                <a:solidFill>
+                  <a:schemeClr val="tx1"/>
+                </a:solidFill>
+                <a:effectLst/>
+                <a:latin typeface="+mn-lt"/>
+                <a:ea typeface="+mn-ea"/>
+                <a:cs typeface="+mn-cs"/>
+              </a:rPr>
+              <a:t>Давайте попробуем исследовать качества такой программы.</a:t>
+            </a:r>
+            <a:endParaRPr lang="ru-RU" dirty="0"/>
+          </a:p>
+        </p:txBody>
+      </p:sp>
+      <p:sp>
+        <p:nvSpPr>
+          <p:cNvPr id="4" name="Номер слайда 3"/>
+          <p:cNvSpPr>
+            <a:spLocks noGrp="1"/>
+          </p:cNvSpPr>
+          <p:nvPr>
+            <p:ph type="sldNum" sz="quarter" idx="10"/>
+          </p:nvPr>
+        </p:nvSpPr>
+        <p:spPr/>
+        <p:txBody>
+          <a:bodyPr/>
+          <a:lstStyle/>
+          <a:p>
+            <a:fld id="{D54409A1-088C-44D9-A8D7-99583A7259E8}" type="slidenum">
+              <a:rPr lang="en-US" smtClean="0"/>
+              <a:t>30</a:t>
+            </a:fld>
+            <a:endParaRPr lang="en-US"/>
+          </a:p>
+        </p:txBody>
+      </p:sp>
+    </p:spTree>
+    <p:extLst>
+      <p:ext uri="{BB962C8B-B14F-4D97-AF65-F5344CB8AC3E}">
+        <p14:creationId xmlns:p14="http://schemas.microsoft.com/office/powerpoint/2010/main" val="3651467549"/>
       </p:ext>
     </p:extLst>
   </p:cSld>
@@ -850,6 +3843,790 @@
     <p:extLst>
       <p:ext uri="{BB962C8B-B14F-4D97-AF65-F5344CB8AC3E}">
         <p14:creationId xmlns:p14="http://schemas.microsoft.com/office/powerpoint/2010/main" val="242558164"/>
+      </p:ext>
+    </p:extLst>
+  </p:cSld>
+  <p:clrMapOvr>
+    <a:masterClrMapping/>
+  </p:clrMapOvr>
+</p:notes>
+</file>
+
+<file path=ppt/notesSlides/notesSlide30.xml><?xml version="1.0" encoding="utf-8"?>
+<p:notes xmlns:a="http://schemas.openxmlformats.org/drawingml/2006/main" xmlns:r="http://schemas.openxmlformats.org/officeDocument/2006/relationships" xmlns:p="http://schemas.openxmlformats.org/presentationml/2006/main">
+  <p:cSld>
+    <p:spTree>
+      <p:nvGrpSpPr>
+        <p:cNvPr id="1" name=""/>
+        <p:cNvGrpSpPr/>
+        <p:nvPr/>
+      </p:nvGrpSpPr>
+      <p:grpSpPr>
+        <a:xfrm>
+          <a:off x="0" y="0"/>
+          <a:ext cx="0" cy="0"/>
+          <a:chOff x="0" y="0"/>
+          <a:chExt cx="0" cy="0"/>
+        </a:xfrm>
+      </p:grpSpPr>
+      <p:sp>
+        <p:nvSpPr>
+          <p:cNvPr id="2" name="Образ слайда 1"/>
+          <p:cNvSpPr>
+            <a:spLocks noGrp="1" noRot="1" noChangeAspect="1"/>
+          </p:cNvSpPr>
+          <p:nvPr>
+            <p:ph type="sldImg"/>
+          </p:nvPr>
+        </p:nvSpPr>
+        <p:spPr/>
+      </p:sp>
+      <p:sp>
+        <p:nvSpPr>
+          <p:cNvPr id="3" name="Заметки 2"/>
+          <p:cNvSpPr>
+            <a:spLocks noGrp="1"/>
+          </p:cNvSpPr>
+          <p:nvPr>
+            <p:ph type="body" idx="1"/>
+          </p:nvPr>
+        </p:nvSpPr>
+        <p:spPr/>
+        <p:txBody>
+          <a:bodyPr/>
+          <a:lstStyle/>
+          <a:p>
+            <a:pPr marL="0" marR="0" indent="0" algn="l" defTabSz="914400" rtl="0" eaLnBrk="1" fontAlgn="auto" latinLnBrk="0" hangingPunct="1">
+              <a:lnSpc>
+                <a:spcPct val="100000"/>
+              </a:lnSpc>
+              <a:spcBef>
+                <a:spcPts val="0"/>
+              </a:spcBef>
+              <a:spcAft>
+                <a:spcPts val="0"/>
+              </a:spcAft>
+              <a:buClrTx/>
+              <a:buSzTx/>
+              <a:buFontTx/>
+              <a:buNone/>
+              <a:tabLst/>
+              <a:defRPr/>
+            </a:pPr>
+            <a:r>
+              <a:rPr lang="ru-RU" sz="1200" b="0" i="0" kern="1200" dirty="0" smtClean="0">
+                <a:solidFill>
+                  <a:schemeClr val="tx1"/>
+                </a:solidFill>
+                <a:effectLst/>
+                <a:latin typeface="+mn-lt"/>
+                <a:ea typeface="+mn-ea"/>
+                <a:cs typeface="+mn-cs"/>
+              </a:rPr>
+              <a:t>одной из основных функций тестов должна быть защита от регресса. Именно эта защита</a:t>
+            </a:r>
+            <a:r>
+              <a:rPr lang="ru-RU" sz="1200" b="0" i="0" kern="1200" baseline="0" dirty="0" smtClean="0">
+                <a:solidFill>
+                  <a:schemeClr val="tx1"/>
+                </a:solidFill>
+                <a:effectLst/>
+                <a:latin typeface="+mn-lt"/>
+                <a:ea typeface="+mn-ea"/>
+                <a:cs typeface="+mn-cs"/>
+              </a:rPr>
+              <a:t> и избавляет нас от страха менять программу</a:t>
+            </a:r>
+            <a:endParaRPr lang="ru-RU" dirty="0"/>
+          </a:p>
+        </p:txBody>
+      </p:sp>
+      <p:sp>
+        <p:nvSpPr>
+          <p:cNvPr id="4" name="Номер слайда 3"/>
+          <p:cNvSpPr>
+            <a:spLocks noGrp="1"/>
+          </p:cNvSpPr>
+          <p:nvPr>
+            <p:ph type="sldNum" sz="quarter" idx="10"/>
+          </p:nvPr>
+        </p:nvSpPr>
+        <p:spPr/>
+        <p:txBody>
+          <a:bodyPr/>
+          <a:lstStyle/>
+          <a:p>
+            <a:fld id="{D54409A1-088C-44D9-A8D7-99583A7259E8}" type="slidenum">
+              <a:rPr lang="en-US" smtClean="0"/>
+              <a:t>31</a:t>
+            </a:fld>
+            <a:endParaRPr lang="en-US"/>
+          </a:p>
+        </p:txBody>
+      </p:sp>
+    </p:spTree>
+    <p:extLst>
+      <p:ext uri="{BB962C8B-B14F-4D97-AF65-F5344CB8AC3E}">
+        <p14:creationId xmlns:p14="http://schemas.microsoft.com/office/powerpoint/2010/main" val="3407633494"/>
+      </p:ext>
+    </p:extLst>
+  </p:cSld>
+  <p:clrMapOvr>
+    <a:masterClrMapping/>
+  </p:clrMapOvr>
+</p:notes>
+</file>
+
+<file path=ppt/notesSlides/notesSlide31.xml><?xml version="1.0" encoding="utf-8"?>
+<p:notes xmlns:a="http://schemas.openxmlformats.org/drawingml/2006/main" xmlns:r="http://schemas.openxmlformats.org/officeDocument/2006/relationships" xmlns:p="http://schemas.openxmlformats.org/presentationml/2006/main">
+  <p:cSld>
+    <p:spTree>
+      <p:nvGrpSpPr>
+        <p:cNvPr id="1" name=""/>
+        <p:cNvGrpSpPr/>
+        <p:nvPr/>
+      </p:nvGrpSpPr>
+      <p:grpSpPr>
+        <a:xfrm>
+          <a:off x="0" y="0"/>
+          <a:ext cx="0" cy="0"/>
+          <a:chOff x="0" y="0"/>
+          <a:chExt cx="0" cy="0"/>
+        </a:xfrm>
+      </p:grpSpPr>
+      <p:sp>
+        <p:nvSpPr>
+          <p:cNvPr id="2" name="Образ слайда 1"/>
+          <p:cNvSpPr>
+            <a:spLocks noGrp="1" noRot="1" noChangeAspect="1"/>
+          </p:cNvSpPr>
+          <p:nvPr>
+            <p:ph type="sldImg"/>
+          </p:nvPr>
+        </p:nvSpPr>
+        <p:spPr/>
+      </p:sp>
+      <p:sp>
+        <p:nvSpPr>
+          <p:cNvPr id="3" name="Заметки 2"/>
+          <p:cNvSpPr>
+            <a:spLocks noGrp="1"/>
+          </p:cNvSpPr>
+          <p:nvPr>
+            <p:ph type="body" idx="1"/>
+          </p:nvPr>
+        </p:nvSpPr>
+        <p:spPr/>
+        <p:txBody>
+          <a:bodyPr/>
+          <a:lstStyle/>
+          <a:p>
+            <a:pPr marL="0" marR="0" indent="0" algn="l" defTabSz="914400" rtl="0" eaLnBrk="1" fontAlgn="auto" latinLnBrk="0" hangingPunct="1">
+              <a:lnSpc>
+                <a:spcPct val="100000"/>
+              </a:lnSpc>
+              <a:spcBef>
+                <a:spcPts val="0"/>
+              </a:spcBef>
+              <a:spcAft>
+                <a:spcPts val="0"/>
+              </a:spcAft>
+              <a:buClrTx/>
+              <a:buSzTx/>
+              <a:buFontTx/>
+              <a:buNone/>
+              <a:tabLst/>
+              <a:defRPr/>
+            </a:pPr>
+            <a:r>
+              <a:rPr lang="ru-RU" sz="1200" b="0" i="0" kern="1200" dirty="0" smtClean="0">
+                <a:solidFill>
+                  <a:schemeClr val="tx1"/>
+                </a:solidFill>
+                <a:effectLst/>
+                <a:latin typeface="+mn-lt"/>
+                <a:ea typeface="+mn-ea"/>
+                <a:cs typeface="+mn-cs"/>
+              </a:rPr>
+              <a:t>Наш</a:t>
+            </a:r>
+            <a:r>
+              <a:rPr lang="ru-RU" sz="1200" b="0" i="0" kern="1200" baseline="0" dirty="0" smtClean="0">
+                <a:solidFill>
+                  <a:schemeClr val="tx1"/>
+                </a:solidFill>
+                <a:effectLst/>
+                <a:latin typeface="+mn-lt"/>
+                <a:ea typeface="+mn-ea"/>
+                <a:cs typeface="+mn-cs"/>
+              </a:rPr>
+              <a:t> п</a:t>
+            </a:r>
+            <a:r>
+              <a:rPr lang="ru-RU" sz="1200" b="0" i="0" kern="1200" dirty="0" smtClean="0">
+                <a:solidFill>
+                  <a:schemeClr val="tx1"/>
+                </a:solidFill>
+                <a:effectLst/>
+                <a:latin typeface="+mn-lt"/>
+                <a:ea typeface="+mn-ea"/>
+                <a:cs typeface="+mn-cs"/>
+              </a:rPr>
+              <a:t>омощник</a:t>
+            </a:r>
+            <a:r>
+              <a:rPr lang="ru-RU" sz="1200" b="0" i="0" kern="1200" baseline="0" dirty="0" smtClean="0">
+                <a:solidFill>
+                  <a:schemeClr val="tx1"/>
+                </a:solidFill>
+                <a:effectLst/>
+                <a:latin typeface="+mn-lt"/>
+                <a:ea typeface="+mn-ea"/>
+                <a:cs typeface="+mn-cs"/>
+              </a:rPr>
+              <a:t> не должен реагировать на изменения структуры (например падать). Так как наблюдаемое поведение остается прежним.</a:t>
+            </a:r>
+            <a:r>
+              <a:rPr lang="en-US" sz="1200" b="0" i="0" kern="1200" baseline="0" dirty="0" smtClean="0">
+                <a:solidFill>
+                  <a:schemeClr val="tx1"/>
+                </a:solidFill>
+                <a:effectLst/>
+                <a:latin typeface="+mn-lt"/>
+                <a:ea typeface="+mn-ea"/>
+                <a:cs typeface="+mn-cs"/>
+              </a:rPr>
+              <a:t> </a:t>
+            </a:r>
+            <a:r>
+              <a:rPr lang="ru-RU" sz="1200" b="0" i="0" kern="1200" baseline="0" dirty="0" err="1" smtClean="0">
+                <a:solidFill>
+                  <a:schemeClr val="tx1"/>
+                </a:solidFill>
+                <a:effectLst/>
+                <a:latin typeface="+mn-lt"/>
+                <a:ea typeface="+mn-ea"/>
+                <a:cs typeface="+mn-cs"/>
+              </a:rPr>
+              <a:t>Рефакторинг</a:t>
+            </a:r>
+            <a:r>
+              <a:rPr lang="ru-RU" sz="1200" b="0" i="0" kern="1200" baseline="0" dirty="0" smtClean="0">
+                <a:solidFill>
+                  <a:schemeClr val="tx1"/>
+                </a:solidFill>
+                <a:effectLst/>
+                <a:latin typeface="+mn-lt"/>
+                <a:ea typeface="+mn-ea"/>
+                <a:cs typeface="+mn-cs"/>
+              </a:rPr>
+              <a:t> для него</a:t>
+            </a:r>
+            <a:r>
+              <a:rPr lang="en-US" sz="1200" b="0" i="0" kern="1200" baseline="0" dirty="0" smtClean="0">
+                <a:solidFill>
+                  <a:schemeClr val="tx1"/>
+                </a:solidFill>
+                <a:effectLst/>
+                <a:latin typeface="+mn-lt"/>
+                <a:ea typeface="+mn-ea"/>
+                <a:cs typeface="+mn-cs"/>
+              </a:rPr>
+              <a:t> (</a:t>
+            </a:r>
+            <a:r>
+              <a:rPr lang="ru-RU" sz="1200" b="0" i="0" kern="1200" baseline="0" dirty="0" smtClean="0">
+                <a:solidFill>
+                  <a:schemeClr val="tx1"/>
+                </a:solidFill>
+                <a:effectLst/>
+                <a:latin typeface="+mn-lt"/>
+                <a:ea typeface="+mn-ea"/>
+                <a:cs typeface="+mn-cs"/>
+              </a:rPr>
+              <a:t>как и для обычного пользователя</a:t>
+            </a:r>
+            <a:r>
+              <a:rPr lang="en-US" sz="1200" b="0" i="0" kern="1200" baseline="0" dirty="0" smtClean="0">
+                <a:solidFill>
+                  <a:schemeClr val="tx1"/>
+                </a:solidFill>
+                <a:effectLst/>
+                <a:latin typeface="+mn-lt"/>
+                <a:ea typeface="+mn-ea"/>
+                <a:cs typeface="+mn-cs"/>
+              </a:rPr>
+              <a:t>)</a:t>
+            </a:r>
+            <a:r>
+              <a:rPr lang="ru-RU" sz="1200" b="0" i="0" kern="1200" baseline="0" dirty="0" smtClean="0">
+                <a:solidFill>
+                  <a:schemeClr val="tx1"/>
+                </a:solidFill>
+                <a:effectLst/>
+                <a:latin typeface="+mn-lt"/>
+                <a:ea typeface="+mn-ea"/>
+                <a:cs typeface="+mn-cs"/>
+              </a:rPr>
+              <a:t> должен быть незаметным. В противном случае тесты только усложнят борьбу со сложностью ПО</a:t>
+            </a:r>
+            <a:r>
+              <a:rPr lang="en-US" sz="1200" b="0" i="0" kern="1200" baseline="0" dirty="0" smtClean="0">
+                <a:solidFill>
+                  <a:schemeClr val="tx1"/>
+                </a:solidFill>
+                <a:effectLst/>
+                <a:latin typeface="+mn-lt"/>
+                <a:ea typeface="+mn-ea"/>
+                <a:cs typeface="+mn-cs"/>
+              </a:rPr>
+              <a:t>, </a:t>
+            </a:r>
+            <a:r>
+              <a:rPr lang="ru-RU" sz="1200" b="0" i="0" kern="1200" baseline="0" dirty="0" smtClean="0">
+                <a:solidFill>
+                  <a:schemeClr val="tx1"/>
+                </a:solidFill>
+                <a:effectLst/>
+                <a:latin typeface="+mn-lt"/>
+                <a:ea typeface="+mn-ea"/>
+                <a:cs typeface="+mn-cs"/>
+              </a:rPr>
+              <a:t>ведь вместо одной программы</a:t>
+            </a:r>
+            <a:r>
+              <a:rPr lang="en-US" sz="1200" b="0" i="0" kern="1200" baseline="0" dirty="0" smtClean="0">
+                <a:solidFill>
+                  <a:schemeClr val="tx1"/>
+                </a:solidFill>
+                <a:effectLst/>
+                <a:latin typeface="+mn-lt"/>
+                <a:ea typeface="+mn-ea"/>
+                <a:cs typeface="+mn-cs"/>
+              </a:rPr>
+              <a:t>, </a:t>
+            </a:r>
+            <a:r>
+              <a:rPr lang="ru-RU" sz="1200" b="0" i="0" kern="1200" baseline="0" dirty="0" smtClean="0">
+                <a:solidFill>
+                  <a:schemeClr val="tx1"/>
+                </a:solidFill>
+                <a:effectLst/>
+                <a:latin typeface="+mn-lt"/>
+                <a:ea typeface="+mn-ea"/>
+                <a:cs typeface="+mn-cs"/>
+              </a:rPr>
+              <a:t>править придётся уже две.</a:t>
+            </a:r>
+            <a:endParaRPr lang="ru-RU" sz="1200" b="0" i="0" kern="1200" dirty="0" smtClean="0">
+              <a:solidFill>
+                <a:schemeClr val="tx1"/>
+              </a:solidFill>
+              <a:effectLst/>
+              <a:latin typeface="+mn-lt"/>
+              <a:ea typeface="+mn-ea"/>
+              <a:cs typeface="+mn-cs"/>
+            </a:endParaRPr>
+          </a:p>
+        </p:txBody>
+      </p:sp>
+      <p:sp>
+        <p:nvSpPr>
+          <p:cNvPr id="4" name="Номер слайда 3"/>
+          <p:cNvSpPr>
+            <a:spLocks noGrp="1"/>
+          </p:cNvSpPr>
+          <p:nvPr>
+            <p:ph type="sldNum" sz="quarter" idx="10"/>
+          </p:nvPr>
+        </p:nvSpPr>
+        <p:spPr/>
+        <p:txBody>
+          <a:bodyPr/>
+          <a:lstStyle/>
+          <a:p>
+            <a:fld id="{D54409A1-088C-44D9-A8D7-99583A7259E8}" type="slidenum">
+              <a:rPr lang="en-US" smtClean="0"/>
+              <a:t>32</a:t>
+            </a:fld>
+            <a:endParaRPr lang="en-US"/>
+          </a:p>
+        </p:txBody>
+      </p:sp>
+    </p:spTree>
+    <p:extLst>
+      <p:ext uri="{BB962C8B-B14F-4D97-AF65-F5344CB8AC3E}">
+        <p14:creationId xmlns:p14="http://schemas.microsoft.com/office/powerpoint/2010/main" val="673983960"/>
+      </p:ext>
+    </p:extLst>
+  </p:cSld>
+  <p:clrMapOvr>
+    <a:masterClrMapping/>
+  </p:clrMapOvr>
+</p:notes>
+</file>
+
+<file path=ppt/notesSlides/notesSlide32.xml><?xml version="1.0" encoding="utf-8"?>
+<p:notes xmlns:a="http://schemas.openxmlformats.org/drawingml/2006/main" xmlns:r="http://schemas.openxmlformats.org/officeDocument/2006/relationships" xmlns:p="http://schemas.openxmlformats.org/presentationml/2006/main">
+  <p:cSld>
+    <p:spTree>
+      <p:nvGrpSpPr>
+        <p:cNvPr id="1" name=""/>
+        <p:cNvGrpSpPr/>
+        <p:nvPr/>
+      </p:nvGrpSpPr>
+      <p:grpSpPr>
+        <a:xfrm>
+          <a:off x="0" y="0"/>
+          <a:ext cx="0" cy="0"/>
+          <a:chOff x="0" y="0"/>
+          <a:chExt cx="0" cy="0"/>
+        </a:xfrm>
+      </p:grpSpPr>
+      <p:sp>
+        <p:nvSpPr>
+          <p:cNvPr id="2" name="Образ слайда 1"/>
+          <p:cNvSpPr>
+            <a:spLocks noGrp="1" noRot="1" noChangeAspect="1"/>
+          </p:cNvSpPr>
+          <p:nvPr>
+            <p:ph type="sldImg"/>
+          </p:nvPr>
+        </p:nvSpPr>
+        <p:spPr/>
+      </p:sp>
+      <p:sp>
+        <p:nvSpPr>
+          <p:cNvPr id="3" name="Заметки 2"/>
+          <p:cNvSpPr>
+            <a:spLocks noGrp="1"/>
+          </p:cNvSpPr>
+          <p:nvPr>
+            <p:ph type="body" idx="1"/>
+          </p:nvPr>
+        </p:nvSpPr>
+        <p:spPr/>
+        <p:txBody>
+          <a:bodyPr/>
+          <a:lstStyle/>
+          <a:p>
+            <a:pPr marL="0" marR="0" indent="0" algn="l" defTabSz="914400" rtl="0" eaLnBrk="1" fontAlgn="auto" latinLnBrk="0" hangingPunct="1">
+              <a:lnSpc>
+                <a:spcPct val="100000"/>
+              </a:lnSpc>
+              <a:spcBef>
+                <a:spcPts val="0"/>
+              </a:spcBef>
+              <a:spcAft>
+                <a:spcPts val="0"/>
+              </a:spcAft>
+              <a:buClrTx/>
+              <a:buSzTx/>
+              <a:buFontTx/>
+              <a:buNone/>
+              <a:tabLst/>
+              <a:defRPr/>
+            </a:pPr>
+            <a:r>
+              <a:rPr lang="ru-RU" sz="1200" b="0" i="0" kern="1200" baseline="0" dirty="0" smtClean="0">
+                <a:solidFill>
+                  <a:schemeClr val="tx1"/>
+                </a:solidFill>
+                <a:effectLst/>
+                <a:latin typeface="+mn-lt"/>
+                <a:ea typeface="+mn-ea"/>
+                <a:cs typeface="+mn-cs"/>
+              </a:rPr>
+              <a:t>Тесты </a:t>
+            </a:r>
+            <a:r>
+              <a:rPr lang="ru-RU" sz="1200" b="0" i="0" kern="1200" dirty="0" smtClean="0">
+                <a:solidFill>
+                  <a:schemeClr val="tx1"/>
+                </a:solidFill>
+                <a:effectLst/>
+                <a:latin typeface="+mn-lt"/>
+                <a:ea typeface="+mn-ea"/>
+                <a:cs typeface="+mn-cs"/>
+              </a:rPr>
+              <a:t>не должны требовать больших ресурсов на свою поддержку, ведь в противном случае они</a:t>
+            </a:r>
+            <a:r>
+              <a:rPr lang="ru-RU" sz="1200" b="0" i="0" kern="1200" baseline="0" dirty="0" smtClean="0">
+                <a:solidFill>
+                  <a:schemeClr val="tx1"/>
+                </a:solidFill>
+                <a:effectLst/>
+                <a:latin typeface="+mn-lt"/>
+                <a:ea typeface="+mn-ea"/>
+                <a:cs typeface="+mn-cs"/>
+              </a:rPr>
+              <a:t> станут только балластом для разработки и проще будет избавиться от них вовсе</a:t>
+            </a:r>
+            <a:r>
+              <a:rPr lang="en-US" sz="1200" b="0" i="0" kern="1200" baseline="0" dirty="0" smtClean="0">
+                <a:solidFill>
+                  <a:schemeClr val="tx1"/>
+                </a:solidFill>
+                <a:effectLst/>
+                <a:latin typeface="+mn-lt"/>
+                <a:ea typeface="+mn-ea"/>
+                <a:cs typeface="+mn-cs"/>
+              </a:rPr>
+              <a:t>, </a:t>
+            </a:r>
+            <a:r>
+              <a:rPr lang="ru-RU" sz="1200" b="0" i="0" kern="1200" baseline="0" dirty="0" smtClean="0">
+                <a:solidFill>
+                  <a:schemeClr val="tx1"/>
+                </a:solidFill>
+                <a:effectLst/>
+                <a:latin typeface="+mn-lt"/>
+                <a:ea typeface="+mn-ea"/>
+                <a:cs typeface="+mn-cs"/>
+              </a:rPr>
+              <a:t>чем пытаться что то там </a:t>
+            </a:r>
+            <a:r>
+              <a:rPr lang="ru-RU" sz="1200" b="0" i="0" kern="1200" baseline="0" dirty="0" err="1" smtClean="0">
+                <a:solidFill>
+                  <a:schemeClr val="tx1"/>
+                </a:solidFill>
+                <a:effectLst/>
+                <a:latin typeface="+mn-lt"/>
+                <a:ea typeface="+mn-ea"/>
+                <a:cs typeface="+mn-cs"/>
+              </a:rPr>
+              <a:t>рефакторить</a:t>
+            </a:r>
+            <a:r>
+              <a:rPr lang="ru-RU" sz="1200" b="0" i="0" kern="1200" baseline="0" dirty="0" smtClean="0">
+                <a:solidFill>
+                  <a:schemeClr val="tx1"/>
+                </a:solidFill>
+                <a:effectLst/>
+                <a:latin typeface="+mn-lt"/>
+                <a:ea typeface="+mn-ea"/>
+                <a:cs typeface="+mn-cs"/>
+              </a:rPr>
+              <a:t> в тестируемом ПО</a:t>
+            </a:r>
+            <a:endParaRPr lang="ru-RU" dirty="0"/>
+          </a:p>
+        </p:txBody>
+      </p:sp>
+      <p:sp>
+        <p:nvSpPr>
+          <p:cNvPr id="4" name="Номер слайда 3"/>
+          <p:cNvSpPr>
+            <a:spLocks noGrp="1"/>
+          </p:cNvSpPr>
+          <p:nvPr>
+            <p:ph type="sldNum" sz="quarter" idx="10"/>
+          </p:nvPr>
+        </p:nvSpPr>
+        <p:spPr/>
+        <p:txBody>
+          <a:bodyPr/>
+          <a:lstStyle/>
+          <a:p>
+            <a:fld id="{D54409A1-088C-44D9-A8D7-99583A7259E8}" type="slidenum">
+              <a:rPr lang="en-US" smtClean="0"/>
+              <a:t>33</a:t>
+            </a:fld>
+            <a:endParaRPr lang="en-US"/>
+          </a:p>
+        </p:txBody>
+      </p:sp>
+    </p:spTree>
+    <p:extLst>
+      <p:ext uri="{BB962C8B-B14F-4D97-AF65-F5344CB8AC3E}">
+        <p14:creationId xmlns:p14="http://schemas.microsoft.com/office/powerpoint/2010/main" val="2047813220"/>
+      </p:ext>
+    </p:extLst>
+  </p:cSld>
+  <p:clrMapOvr>
+    <a:masterClrMapping/>
+  </p:clrMapOvr>
+</p:notes>
+</file>
+
+<file path=ppt/notesSlides/notesSlide33.xml><?xml version="1.0" encoding="utf-8"?>
+<p:notes xmlns:a="http://schemas.openxmlformats.org/drawingml/2006/main" xmlns:r="http://schemas.openxmlformats.org/officeDocument/2006/relationships" xmlns:p="http://schemas.openxmlformats.org/presentationml/2006/main">
+  <p:cSld>
+    <p:spTree>
+      <p:nvGrpSpPr>
+        <p:cNvPr id="1" name=""/>
+        <p:cNvGrpSpPr/>
+        <p:nvPr/>
+      </p:nvGrpSpPr>
+      <p:grpSpPr>
+        <a:xfrm>
+          <a:off x="0" y="0"/>
+          <a:ext cx="0" cy="0"/>
+          <a:chOff x="0" y="0"/>
+          <a:chExt cx="0" cy="0"/>
+        </a:xfrm>
+      </p:grpSpPr>
+      <p:sp>
+        <p:nvSpPr>
+          <p:cNvPr id="2" name="Образ слайда 1"/>
+          <p:cNvSpPr>
+            <a:spLocks noGrp="1" noRot="1" noChangeAspect="1"/>
+          </p:cNvSpPr>
+          <p:nvPr>
+            <p:ph type="sldImg"/>
+          </p:nvPr>
+        </p:nvSpPr>
+        <p:spPr/>
+      </p:sp>
+      <p:sp>
+        <p:nvSpPr>
+          <p:cNvPr id="3" name="Заметки 2"/>
+          <p:cNvSpPr>
+            <a:spLocks noGrp="1"/>
+          </p:cNvSpPr>
+          <p:nvPr>
+            <p:ph type="body" idx="1"/>
+          </p:nvPr>
+        </p:nvSpPr>
+        <p:spPr/>
+        <p:txBody>
+          <a:bodyPr/>
+          <a:lstStyle/>
+          <a:p>
+            <a:pPr marL="0" marR="0" indent="0" algn="l" defTabSz="914400" rtl="0" eaLnBrk="1" fontAlgn="auto" latinLnBrk="0" hangingPunct="1">
+              <a:lnSpc>
+                <a:spcPct val="100000"/>
+              </a:lnSpc>
+              <a:spcBef>
+                <a:spcPts val="0"/>
+              </a:spcBef>
+              <a:spcAft>
+                <a:spcPts val="0"/>
+              </a:spcAft>
+              <a:buClrTx/>
+              <a:buSzTx/>
+              <a:buFontTx/>
+              <a:buNone/>
+              <a:tabLst/>
+              <a:defRPr/>
+            </a:pPr>
+            <a:r>
+              <a:rPr lang="ru-RU" sz="1200" b="0" i="0" kern="1200" dirty="0" smtClean="0">
+                <a:solidFill>
+                  <a:schemeClr val="tx1"/>
+                </a:solidFill>
+                <a:effectLst/>
+                <a:latin typeface="+mn-lt"/>
+                <a:ea typeface="+mn-ea"/>
+                <a:cs typeface="+mn-cs"/>
+              </a:rPr>
+              <a:t>Время</a:t>
+            </a:r>
+            <a:r>
+              <a:rPr lang="ru-RU" sz="1200" b="0" i="0" kern="1200" baseline="0" dirty="0" smtClean="0">
+                <a:solidFill>
+                  <a:schemeClr val="tx1"/>
+                </a:solidFill>
+                <a:effectLst/>
+                <a:latin typeface="+mn-lt"/>
+                <a:ea typeface="+mn-ea"/>
+                <a:cs typeface="+mn-cs"/>
+              </a:rPr>
+              <a:t> выполнения тестов влияют на время выполнения задачи. Например</a:t>
+            </a:r>
+            <a:r>
+              <a:rPr lang="en-US" sz="1200" b="0" i="0" kern="1200" baseline="0" dirty="0" smtClean="0">
+                <a:solidFill>
+                  <a:schemeClr val="tx1"/>
+                </a:solidFill>
+                <a:effectLst/>
+                <a:latin typeface="+mn-lt"/>
+                <a:ea typeface="+mn-ea"/>
+                <a:cs typeface="+mn-cs"/>
+              </a:rPr>
+              <a:t>,</a:t>
+            </a:r>
+            <a:r>
+              <a:rPr lang="ru-RU" sz="1200" b="0" i="0" kern="1200" baseline="0" dirty="0" smtClean="0">
+                <a:solidFill>
+                  <a:schemeClr val="tx1"/>
+                </a:solidFill>
+                <a:effectLst/>
+                <a:latin typeface="+mn-lt"/>
+                <a:ea typeface="+mn-ea"/>
+                <a:cs typeface="+mn-cs"/>
+              </a:rPr>
+              <a:t> если требуется срочно выдать релиз</a:t>
+            </a:r>
+            <a:r>
+              <a:rPr lang="en-US" sz="1200" b="0" i="0" kern="1200" baseline="0" dirty="0" smtClean="0">
+                <a:solidFill>
+                  <a:schemeClr val="tx1"/>
+                </a:solidFill>
+                <a:effectLst/>
+                <a:latin typeface="+mn-lt"/>
+                <a:ea typeface="+mn-ea"/>
+                <a:cs typeface="+mn-cs"/>
+              </a:rPr>
+              <a:t>, </a:t>
+            </a:r>
+            <a:r>
+              <a:rPr lang="ru-RU" sz="1200" b="0" i="0" kern="1200" baseline="0" dirty="0" smtClean="0">
+                <a:solidFill>
+                  <a:schemeClr val="tx1"/>
+                </a:solidFill>
+                <a:effectLst/>
+                <a:latin typeface="+mn-lt"/>
+                <a:ea typeface="+mn-ea"/>
+                <a:cs typeface="+mn-cs"/>
+              </a:rPr>
+              <a:t>то ждать пол часа пока пройдут тесты может захотеть далеко не каждый человек. Проверки (ввиду халатности) игнорируются сводя все усилия на нет. </a:t>
+            </a:r>
+            <a:r>
+              <a:rPr lang="ru-RU" sz="1200" b="0" i="0" kern="1200" dirty="0" smtClean="0">
+                <a:solidFill>
+                  <a:schemeClr val="tx1"/>
+                </a:solidFill>
+                <a:effectLst/>
+                <a:latin typeface="+mn-lt"/>
+                <a:ea typeface="+mn-ea"/>
+                <a:cs typeface="+mn-cs"/>
+              </a:rPr>
+              <a:t>Чем дольше проходят тесты, тем реже они запускаются. Чем реже запуск, тем больше пространства для дефекта к появлению и тем сложней его отыскать как следствие.</a:t>
+            </a:r>
+            <a:endParaRPr lang="ru-RU" dirty="0"/>
+          </a:p>
+        </p:txBody>
+      </p:sp>
+      <p:sp>
+        <p:nvSpPr>
+          <p:cNvPr id="4" name="Номер слайда 3"/>
+          <p:cNvSpPr>
+            <a:spLocks noGrp="1"/>
+          </p:cNvSpPr>
+          <p:nvPr>
+            <p:ph type="sldNum" sz="quarter" idx="10"/>
+          </p:nvPr>
+        </p:nvSpPr>
+        <p:spPr/>
+        <p:txBody>
+          <a:bodyPr/>
+          <a:lstStyle/>
+          <a:p>
+            <a:fld id="{D54409A1-088C-44D9-A8D7-99583A7259E8}" type="slidenum">
+              <a:rPr lang="en-US" smtClean="0"/>
+              <a:t>34</a:t>
+            </a:fld>
+            <a:endParaRPr lang="en-US"/>
+          </a:p>
+        </p:txBody>
+      </p:sp>
+    </p:spTree>
+    <p:extLst>
+      <p:ext uri="{BB962C8B-B14F-4D97-AF65-F5344CB8AC3E}">
+        <p14:creationId xmlns:p14="http://schemas.microsoft.com/office/powerpoint/2010/main" val="1765806328"/>
       </p:ext>
     </p:extLst>
   </p:cSld>
@@ -1037,7 +4814,31 @@
             </a:r>
             <a:r>
               <a:rPr lang="ru-RU" baseline="0" dirty="0" smtClean="0"/>
-              <a:t>где за горизонтом маячит либо его вторая версия (где будет все с нуля и все ошибки конечно же будут учтены)</a:t>
+              <a:t>где за горизонтом маячит либо его вторая версия (где будет все с нуля и все ошибки конечно же будут учтены</a:t>
+            </a:r>
+            <a:r>
+              <a:rPr lang="ru-RU" baseline="0" dirty="0" smtClean="0"/>
+              <a:t>)</a:t>
+            </a:r>
+            <a:r>
+              <a:rPr lang="en-US" baseline="0" dirty="0" smtClean="0"/>
+              <a:t>. </a:t>
+            </a:r>
+            <a:r>
+              <a:rPr lang="ru-RU" baseline="0" dirty="0" smtClean="0"/>
+              <a:t>Туда конечно модные библиотеки и технологии</a:t>
+            </a:r>
+            <a:r>
+              <a:rPr lang="en-US" baseline="0" dirty="0" smtClean="0"/>
+              <a:t>, </a:t>
+            </a:r>
+            <a:r>
+              <a:rPr lang="ru-RU" baseline="0" dirty="0" err="1" smtClean="0"/>
+              <a:t>микрофронтенды</a:t>
+            </a:r>
+            <a:r>
+              <a:rPr lang="ru-RU" baseline="0" dirty="0" smtClean="0"/>
+              <a:t> (команда из 3-х человек)</a:t>
             </a:r>
             <a:endParaRPr lang="ru-RU" dirty="0"/>
           </a:p>
@@ -1261,7 +5062,23 @@
             </a:r>
             <a:r>
               <a:rPr lang="ru-RU" baseline="0" dirty="0" smtClean="0"/>
-              <a:t>постоянный страх при правке 1 дефекта вызвать 3 новых. Большое ментальное напряжение</a:t>
+              <a:t>постоянный страх </a:t>
+            </a:r>
+            <a:r>
+              <a:rPr lang="ru-RU" baseline="0" dirty="0" smtClean="0"/>
+              <a:t>при</a:t>
+            </a:r>
+            <a:r>
+              <a:rPr lang="en-US" baseline="0" dirty="0" smtClean="0"/>
+              <a:t> </a:t>
+            </a:r>
+            <a:r>
+              <a:rPr lang="ru-RU" baseline="0" dirty="0" smtClean="0"/>
+              <a:t>правке </a:t>
+            </a:r>
+            <a:r>
+              <a:rPr lang="ru-RU" baseline="0" dirty="0" smtClean="0"/>
+              <a:t>1 дефекта вызвать 3 новых. Большое ментальное напряжение</a:t>
             </a:r>
             <a:r>
               <a:rPr lang="en-US" baseline="0" dirty="0" smtClean="0"/>
@@ -1269,7 +5086,11 @@
             </a:r>
             <a:r>
               <a:rPr lang="ru-RU" baseline="0" dirty="0" smtClean="0"/>
-              <a:t>постоянное желание уйти с проекта или сменить работу</a:t>
+              <a:t>постоянное желание уйти с проекта или сменить </a:t>
+            </a:r>
+            <a:r>
+              <a:rPr lang="ru-RU" baseline="0" dirty="0" smtClean="0"/>
+              <a:t>работу</a:t>
             </a:r>
             <a:endParaRPr lang="ru-RU" dirty="0"/>
           </a:p>
@@ -1372,8 +5193,8 @@
               <a:t>это большая статься расходов на само </a:t>
             </a:r>
             <a:r>
-              <a:rPr lang="ru-RU" baseline="0" dirty="0" err="1" smtClean="0"/>
-              <a:t>производтво</a:t>
+              <a:rPr lang="ru-RU" baseline="0" dirty="0" smtClean="0"/>
+              <a:t>производство</a:t>
             </a:r>
             <a:r>
               <a:rPr lang="en-US" baseline="0" dirty="0" smtClean="0"/>
@@ -1384,8 +5205,8 @@
               <a:t>что снижает прибыль от проекта для компании разработчика. Тем самым это косвенно препятствует например повышению зарплаты </a:t>
             </a:r>
             <a:r>
-              <a:rPr lang="ru-RU" baseline="0" dirty="0" err="1" smtClean="0"/>
-              <a:t>сотрдуникам</a:t>
+              <a:rPr lang="ru-RU" baseline="0" dirty="0" smtClean="0"/>
+              <a:t>сотрудникам</a:t>
             </a:r>
             <a:r>
               <a:rPr lang="en-US" baseline="0" dirty="0" smtClean="0"/>
@@ -1426,6 +5247,110 @@
     <p:extLst>
       <p:ext uri="{BB962C8B-B14F-4D97-AF65-F5344CB8AC3E}">
         <p14:creationId xmlns:p14="http://schemas.microsoft.com/office/powerpoint/2010/main" val="2885163317"/>
+      </p:ext>
+    </p:extLst>
+  </p:cSld>
+  <p:clrMapOvr>
+    <a:masterClrMapping/>
+  </p:clrMapOvr>
+</p:notes>
+</file>
+
+<file path=ppt/notesSlides/notesSlide9.xml><?xml version="1.0" encoding="utf-8"?>
+<p:notes xmlns:a="http://schemas.openxmlformats.org/drawingml/2006/main" xmlns:r="http://schemas.openxmlformats.org/officeDocument/2006/relationships" xmlns:p="http://schemas.openxmlformats.org/presentationml/2006/main">
+  <p:cSld>
+    <p:spTree>
+      <p:nvGrpSpPr>
+        <p:cNvPr id="1" name=""/>
+        <p:cNvGrpSpPr/>
+        <p:nvPr/>
+      </p:nvGrpSpPr>
+      <p:grpSpPr>
+        <a:xfrm>
+          <a:off x="0" y="0"/>
+          <a:ext cx="0" cy="0"/>
+          <a:chOff x="0" y="0"/>
+          <a:chExt cx="0" cy="0"/>
+        </a:xfrm>
+      </p:grpSpPr>
+      <p:sp>
+        <p:nvSpPr>
+          <p:cNvPr id="2" name="Образ слайда 1"/>
+          <p:cNvSpPr>
+            <a:spLocks noGrp="1" noRot="1" noChangeAspect="1"/>
+          </p:cNvSpPr>
+          <p:nvPr>
+            <p:ph type="sldImg"/>
+          </p:nvPr>
+        </p:nvSpPr>
+        <p:spPr/>
+      </p:sp>
+      <p:sp>
+        <p:nvSpPr>
+          <p:cNvPr id="3" name="Заметки 2"/>
+          <p:cNvSpPr>
+            <a:spLocks noGrp="1"/>
+          </p:cNvSpPr>
+          <p:nvPr>
+            <p:ph type="body" idx="1"/>
+          </p:nvPr>
+        </p:nvSpPr>
+        <p:spPr/>
+        <p:txBody>
+          <a:bodyPr/>
+          <a:lstStyle/>
+          <a:p>
+            <a:r>
+              <a:rPr lang="ru-RU" dirty="0" smtClean="0"/>
+              <a:t>Неужели</a:t>
+            </a:r>
+            <a:r>
+              <a:rPr lang="ru-RU" baseline="0" dirty="0" smtClean="0"/>
+              <a:t> такая ситуация является неотъемлемой частью нашей </a:t>
+            </a:r>
+            <a:r>
+              <a:rPr lang="ru-RU" baseline="0" dirty="0" err="1" smtClean="0"/>
+              <a:t>професии</a:t>
+            </a:r>
+            <a:r>
+              <a:rPr lang="ru-RU" baseline="0" dirty="0" smtClean="0"/>
+              <a:t>. Быть может мы обречены всю свою профессиональную карьеру наблюдать одну и ту же ситуацию из проекта в проект</a:t>
+            </a:r>
+            <a:r>
+              <a:rPr lang="en-US" baseline="0" dirty="0" smtClean="0"/>
+              <a:t>?</a:t>
+            </a:r>
+            <a:endParaRPr lang="ru-RU" dirty="0"/>
+          </a:p>
+        </p:txBody>
+      </p:sp>
+      <p:sp>
+        <p:nvSpPr>
+          <p:cNvPr id="4" name="Номер слайда 3"/>
+          <p:cNvSpPr>
+            <a:spLocks noGrp="1"/>
+          </p:cNvSpPr>
+          <p:nvPr>
+            <p:ph type="sldNum" sz="quarter" idx="10"/>
+          </p:nvPr>
+        </p:nvSpPr>
+        <p:spPr/>
+        <p:txBody>
+          <a:bodyPr/>
+          <a:lstStyle/>
+          <a:p>
+            <a:fld id="{D54409A1-088C-44D9-A8D7-99583A7259E8}" type="slidenum">
+              <a:rPr lang="en-US" smtClean="0"/>
+              <a:t>10</a:t>
+            </a:fld>
+            <a:endParaRPr lang="en-US"/>
+          </a:p>
+        </p:txBody>
+      </p:sp>
+    </p:spTree>
+    <p:extLst>
+      <p:ext uri="{BB962C8B-B14F-4D97-AF65-F5344CB8AC3E}">
+        <p14:creationId xmlns:p14="http://schemas.microsoft.com/office/powerpoint/2010/main" val="2195958444"/>
       </p:ext>
     </p:extLst>
   </p:cSld>
@@ -1566,7 +5491,7 @@
           <a:p>
             <a:fld id="{FB0F9C91-61B1-43BC-AD78-8CB0959C93C0}" type="datetimeFigureOut">
               <a:rPr lang="en-US" smtClean="0"/>
-              <a:t>7/14/2023</a:t>
+              <a:t>7/17/2023</a:t>
             </a:fld>
             <a:endParaRPr lang="en-US"/>
           </a:p>
@@ -1736,7 +5661,7 @@
           <a:p>
             <a:fld id="{FB0F9C91-61B1-43BC-AD78-8CB0959C93C0}" type="datetimeFigureOut">
               <a:rPr lang="en-US" smtClean="0"/>
-              <a:t>7/14/2023</a:t>
+              <a:t>7/17/2023</a:t>
             </a:fld>
             <a:endParaRPr lang="en-US"/>
           </a:p>
@@ -1916,7 +5841,7 @@
           <a:p>
             <a:fld id="{FB0F9C91-61B1-43BC-AD78-8CB0959C93C0}" type="datetimeFigureOut">
               <a:rPr lang="en-US" smtClean="0"/>
-              <a:t>7/14/2023</a:t>
+              <a:t>7/17/2023</a:t>
             </a:fld>
             <a:endParaRPr lang="en-US"/>
           </a:p>
@@ -2086,7 +6011,7 @@
           <a:p>
             <a:fld id="{FB0F9C91-61B1-43BC-AD78-8CB0959C93C0}" type="datetimeFigureOut">
               <a:rPr lang="en-US" smtClean="0"/>
-              <a:t>7/14/2023</a:t>
+              <a:t>7/17/2023</a:t>
             </a:fld>
             <a:endParaRPr lang="en-US"/>
           </a:p>
@@ -2332,7 +6257,7 @@
           <a:p>
             <a:fld id="{FB0F9C91-61B1-43BC-AD78-8CB0959C93C0}" type="datetimeFigureOut">
               <a:rPr lang="en-US" smtClean="0"/>
-              <a:t>7/14/2023</a:t>
+              <a:t>7/17/2023</a:t>
             </a:fld>
             <a:endParaRPr lang="en-US"/>
           </a:p>
@@ -2564,7 +6489,7 @@
           <a:p>
             <a:fld id="{FB0F9C91-61B1-43BC-AD78-8CB0959C93C0}" type="datetimeFigureOut">
               <a:rPr lang="en-US" smtClean="0"/>
-              <a:t>7/14/2023</a:t>
+              <a:t>7/17/2023</a:t>
             </a:fld>
             <a:endParaRPr lang="en-US"/>
           </a:p>
@@ -2931,7 +6856,7 @@
           <a:p>
             <a:fld id="{FB0F9C91-61B1-43BC-AD78-8CB0959C93C0}" type="datetimeFigureOut">
               <a:rPr lang="en-US" smtClean="0"/>
-              <a:t>7/14/2023</a:t>
+              <a:t>7/17/2023</a:t>
             </a:fld>
             <a:endParaRPr lang="en-US"/>
           </a:p>
@@ -3049,7 +6974,7 @@
           <a:p>
             <a:fld id="{FB0F9C91-61B1-43BC-AD78-8CB0959C93C0}" type="datetimeFigureOut">
               <a:rPr lang="en-US" smtClean="0"/>
-              <a:t>7/14/2023</a:t>
+              <a:t>7/17/2023</a:t>
             </a:fld>
             <a:endParaRPr lang="en-US"/>
           </a:p>
@@ -3144,7 +7069,7 @@
           <a:p>
             <a:fld id="{FB0F9C91-61B1-43BC-AD78-8CB0959C93C0}" type="datetimeFigureOut">
               <a:rPr lang="en-US" smtClean="0"/>
-              <a:t>7/14/2023</a:t>
+              <a:t>7/17/2023</a:t>
             </a:fld>
             <a:endParaRPr lang="en-US"/>
           </a:p>
@@ -3421,7 +7346,7 @@
           <a:p>
             <a:fld id="{FB0F9C91-61B1-43BC-AD78-8CB0959C93C0}" type="datetimeFigureOut">
               <a:rPr lang="en-US" smtClean="0"/>
-              <a:t>7/14/2023</a:t>
+              <a:t>7/17/2023</a:t>
             </a:fld>
             <a:endParaRPr lang="en-US"/>
           </a:p>
@@ -3674,7 +7599,7 @@
           <a:p>
             <a:fld id="{FB0F9C91-61B1-43BC-AD78-8CB0959C93C0}" type="datetimeFigureOut">
               <a:rPr lang="en-US" smtClean="0"/>
-              <a:t>7/14/2023</a:t>
+              <a:t>7/17/2023</a:t>
             </a:fld>
             <a:endParaRPr lang="en-US"/>
           </a:p>
@@ -3887,7 +7812,7 @@
           <a:p>
             <a:fld id="{FB0F9C91-61B1-43BC-AD78-8CB0959C93C0}" type="datetimeFigureOut">
               <a:rPr lang="en-US" smtClean="0"/>
-              <a:t>7/14/2023</a:t>
+              <a:t>7/17/2023</a:t>
             </a:fld>
             <a:endParaRPr lang="en-US"/>
           </a:p>
@@ -4348,6 +8273,2044 @@
 </p:sld>
 </file>
 
+<file path=ppt/slides/slide10.xml><?xml version="1.0" encoding="utf-8"?>
+<p:sld xmlns:a="http://schemas.openxmlformats.org/drawingml/2006/main" xmlns:r="http://schemas.openxmlformats.org/officeDocument/2006/relationships" xmlns:p="http://schemas.openxmlformats.org/presentationml/2006/main">
+  <p:cSld>
+    <p:spTree>
+      <p:nvGrpSpPr>
+        <p:cNvPr id="1" name=""/>
+        <p:cNvGrpSpPr/>
+        <p:nvPr/>
+      </p:nvGrpSpPr>
+      <p:grpSpPr>
+        <a:xfrm>
+          <a:off x="0" y="0"/>
+          <a:ext cx="0" cy="0"/>
+          <a:chOff x="0" y="0"/>
+          <a:chExt cx="0" cy="0"/>
+        </a:xfrm>
+      </p:grpSpPr>
+      <p:pic>
+        <p:nvPicPr>
+          <p:cNvPr id="2" name="Рисунок 1"/>
+          <p:cNvPicPr>
+            <a:picLocks noChangeAspect="1"/>
+          </p:cNvPicPr>
+          <p:nvPr/>
+        </p:nvPicPr>
+        <p:blipFill>
+          <a:blip r:embed="rId3">
+            <a:extLst>
+              <a:ext uri="{28A0092B-C50C-407E-A947-70E740481C1C}">
+                <a14:useLocalDpi xmlns:a14="http://schemas.microsoft.com/office/drawing/2010/main" val="0"/>
+              </a:ext>
+            </a:extLst>
+          </a:blip>
+          <a:stretch>
+            <a:fillRect/>
+          </a:stretch>
+        </p:blipFill>
+        <p:spPr>
+          <a:xfrm>
+            <a:off x="4234354" y="1567354"/>
+            <a:ext cx="3723293" cy="3723293"/>
+          </a:xfrm>
+          <a:prstGeom prst="rect">
+            <a:avLst/>
+          </a:prstGeom>
+        </p:spPr>
+      </p:pic>
+      <p:pic>
+        <p:nvPicPr>
+          <p:cNvPr id="11" name="Рисунок 10"/>
+          <p:cNvPicPr>
+            <a:picLocks noChangeAspect="1"/>
+          </p:cNvPicPr>
+          <p:nvPr/>
+        </p:nvPicPr>
+        <p:blipFill>
+          <a:blip r:embed="rId4" cstate="print">
+            <a:extLst>
+              <a:ext uri="{28A0092B-C50C-407E-A947-70E740481C1C}">
+                <a14:useLocalDpi xmlns:a14="http://schemas.microsoft.com/office/drawing/2010/main" val="0"/>
+              </a:ext>
+            </a:extLst>
+          </a:blip>
+          <a:stretch>
+            <a:fillRect/>
+          </a:stretch>
+        </p:blipFill>
+        <p:spPr>
+          <a:xfrm>
+            <a:off x="5164856" y="2115530"/>
+            <a:ext cx="1749163" cy="1749163"/>
+          </a:xfrm>
+          <a:prstGeom prst="rect">
+            <a:avLst/>
+          </a:prstGeom>
+        </p:spPr>
+      </p:pic>
+    </p:spTree>
+    <p:extLst>
+      <p:ext uri="{BB962C8B-B14F-4D97-AF65-F5344CB8AC3E}">
+        <p14:creationId xmlns:p14="http://schemas.microsoft.com/office/powerpoint/2010/main" val="2492961890"/>
+      </p:ext>
+    </p:extLst>
+  </p:cSld>
+  <p:clrMapOvr>
+    <a:masterClrMapping/>
+  </p:clrMapOvr>
+  <p:timing>
+    <p:tnLst>
+      <p:par>
+        <p:cTn id="1" dur="indefinite" restart="never" nodeType="tmRoot"/>
+      </p:par>
+    </p:tnLst>
+  </p:timing>
+</p:sld>
+</file>
+
+<file path=ppt/slides/slide11.xml><?xml version="1.0" encoding="utf-8"?>
+<p:sld xmlns:a="http://schemas.openxmlformats.org/drawingml/2006/main" xmlns:r="http://schemas.openxmlformats.org/officeDocument/2006/relationships" xmlns:p="http://schemas.openxmlformats.org/presentationml/2006/main">
+  <p:cSld>
+    <p:spTree>
+      <p:nvGrpSpPr>
+        <p:cNvPr id="1" name=""/>
+        <p:cNvGrpSpPr/>
+        <p:nvPr/>
+      </p:nvGrpSpPr>
+      <p:grpSpPr>
+        <a:xfrm>
+          <a:off x="0" y="0"/>
+          <a:ext cx="0" cy="0"/>
+          <a:chOff x="0" y="0"/>
+          <a:chExt cx="0" cy="0"/>
+        </a:xfrm>
+      </p:grpSpPr>
+      <p:sp>
+        <p:nvSpPr>
+          <p:cNvPr id="4" name="TextBox 3"/>
+          <p:cNvSpPr txBox="1"/>
+          <p:nvPr/>
+        </p:nvSpPr>
+        <p:spPr>
+          <a:xfrm>
+            <a:off x="4017660" y="3013502"/>
+            <a:ext cx="4156680" cy="830997"/>
+          </a:xfrm>
+          <a:prstGeom prst="rect">
+            <a:avLst/>
+          </a:prstGeom>
+          <a:noFill/>
+        </p:spPr>
+        <p:txBody>
+          <a:bodyPr wrap="square" rtlCol="0">
+            <a:spAutoFit/>
+          </a:bodyPr>
+          <a:lstStyle/>
+          <a:p>
+            <a:r>
+              <a:rPr lang="ru-RU" sz="4800" dirty="0" smtClean="0">
+                <a:latin typeface="Roboto" panose="02000000000000000000" pitchFamily="2" charset="0"/>
+                <a:ea typeface="Roboto" panose="02000000000000000000" pitchFamily="2" charset="0"/>
+              </a:rPr>
+              <a:t>Строение </a:t>
+            </a:r>
+            <a:r>
+              <a:rPr lang="ru-RU" sz="4800" dirty="0" smtClean="0">
+                <a:solidFill>
+                  <a:srgbClr val="C00000"/>
+                </a:solidFill>
+                <a:latin typeface="Roboto" panose="02000000000000000000" pitchFamily="2" charset="0"/>
+                <a:ea typeface="Roboto" panose="02000000000000000000" pitchFamily="2" charset="0"/>
+              </a:rPr>
+              <a:t>ПО</a:t>
+            </a:r>
+            <a:endParaRPr lang="en-US" sz="4800" dirty="0">
+              <a:solidFill>
+                <a:srgbClr val="C00000"/>
+              </a:solidFill>
+              <a:latin typeface="Roboto" panose="02000000000000000000" pitchFamily="2" charset="0"/>
+              <a:ea typeface="Roboto" panose="02000000000000000000" pitchFamily="2" charset="0"/>
+            </a:endParaRPr>
+          </a:p>
+        </p:txBody>
+      </p:sp>
+    </p:spTree>
+    <p:extLst>
+      <p:ext uri="{BB962C8B-B14F-4D97-AF65-F5344CB8AC3E}">
+        <p14:creationId xmlns:p14="http://schemas.microsoft.com/office/powerpoint/2010/main" val="3084420400"/>
+      </p:ext>
+    </p:extLst>
+  </p:cSld>
+  <p:clrMapOvr>
+    <a:masterClrMapping/>
+  </p:clrMapOvr>
+  <p:timing>
+    <p:tnLst>
+      <p:par>
+        <p:cTn id="1" dur="indefinite" restart="never" nodeType="tmRoot"/>
+      </p:par>
+    </p:tnLst>
+  </p:timing>
+</p:sld>
+</file>
+
+<file path=ppt/slides/slide12.xml><?xml version="1.0" encoding="utf-8"?>
+<p:sld xmlns:a="http://schemas.openxmlformats.org/drawingml/2006/main" xmlns:r="http://schemas.openxmlformats.org/officeDocument/2006/relationships" xmlns:p="http://schemas.openxmlformats.org/presentationml/2006/main">
+  <p:cSld>
+    <p:spTree>
+      <p:nvGrpSpPr>
+        <p:cNvPr id="1" name=""/>
+        <p:cNvGrpSpPr/>
+        <p:nvPr/>
+      </p:nvGrpSpPr>
+      <p:grpSpPr>
+        <a:xfrm>
+          <a:off x="0" y="0"/>
+          <a:ext cx="0" cy="0"/>
+          <a:chOff x="0" y="0"/>
+          <a:chExt cx="0" cy="0"/>
+        </a:xfrm>
+      </p:grpSpPr>
+      <p:pic>
+        <p:nvPicPr>
+          <p:cNvPr id="2" name="Рисунок 1"/>
+          <p:cNvPicPr>
+            <a:picLocks noChangeAspect="1"/>
+          </p:cNvPicPr>
+          <p:nvPr/>
+        </p:nvPicPr>
+        <p:blipFill>
+          <a:blip r:embed="rId3" cstate="print">
+            <a:extLst>
+              <a:ext uri="{28A0092B-C50C-407E-A947-70E740481C1C}">
+                <a14:useLocalDpi xmlns:a14="http://schemas.microsoft.com/office/drawing/2010/main" val="0"/>
+              </a:ext>
+            </a:extLst>
+          </a:blip>
+          <a:stretch>
+            <a:fillRect/>
+          </a:stretch>
+        </p:blipFill>
+        <p:spPr>
+          <a:xfrm>
+            <a:off x="2647559" y="3087572"/>
+            <a:ext cx="1427866" cy="1427866"/>
+          </a:xfrm>
+          <a:prstGeom prst="rect">
+            <a:avLst/>
+          </a:prstGeom>
+        </p:spPr>
+      </p:pic>
+      <p:pic>
+        <p:nvPicPr>
+          <p:cNvPr id="3" name="Рисунок 2"/>
+          <p:cNvPicPr>
+            <a:picLocks noChangeAspect="1"/>
+          </p:cNvPicPr>
+          <p:nvPr/>
+        </p:nvPicPr>
+        <p:blipFill>
+          <a:blip r:embed="rId4" cstate="print">
+            <a:extLst>
+              <a:ext uri="{28A0092B-C50C-407E-A947-70E740481C1C}">
+                <a14:useLocalDpi xmlns:a14="http://schemas.microsoft.com/office/drawing/2010/main" val="0"/>
+              </a:ext>
+            </a:extLst>
+          </a:blip>
+          <a:stretch>
+            <a:fillRect/>
+          </a:stretch>
+        </p:blipFill>
+        <p:spPr>
+          <a:xfrm>
+            <a:off x="4075425" y="2606807"/>
+            <a:ext cx="1329178" cy="1329178"/>
+          </a:xfrm>
+          <a:prstGeom prst="rect">
+            <a:avLst/>
+          </a:prstGeom>
+        </p:spPr>
+      </p:pic>
+      <p:pic>
+        <p:nvPicPr>
+          <p:cNvPr id="5" name="Рисунок 4"/>
+          <p:cNvPicPr>
+            <a:picLocks noChangeAspect="1"/>
+          </p:cNvPicPr>
+          <p:nvPr/>
+        </p:nvPicPr>
+        <p:blipFill>
+          <a:blip r:embed="rId5" cstate="print">
+            <a:extLst>
+              <a:ext uri="{28A0092B-C50C-407E-A947-70E740481C1C}">
+                <a14:useLocalDpi xmlns:a14="http://schemas.microsoft.com/office/drawing/2010/main" val="0"/>
+              </a:ext>
+            </a:extLst>
+          </a:blip>
+          <a:stretch>
+            <a:fillRect/>
+          </a:stretch>
+        </p:blipFill>
+        <p:spPr>
+          <a:xfrm>
+            <a:off x="3976737" y="3935985"/>
+            <a:ext cx="1427866" cy="1427866"/>
+          </a:xfrm>
+          <a:prstGeom prst="rect">
+            <a:avLst/>
+          </a:prstGeom>
+        </p:spPr>
+      </p:pic>
+      <p:pic>
+        <p:nvPicPr>
+          <p:cNvPr id="1026" name="Picture 2" descr="React — Википедия"/>
+          <p:cNvPicPr>
+            <a:picLocks noChangeAspect="1" noChangeArrowheads="1"/>
+          </p:cNvPicPr>
+          <p:nvPr/>
+        </p:nvPicPr>
+        <p:blipFill>
+          <a:blip r:embed="rId6" cstate="print">
+            <a:extLst>
+              <a:ext uri="{28A0092B-C50C-407E-A947-70E740481C1C}">
+                <a14:useLocalDpi xmlns:a14="http://schemas.microsoft.com/office/drawing/2010/main" val="0"/>
+              </a:ext>
+            </a:extLst>
+          </a:blip>
+          <a:srcRect/>
+          <a:stretch>
+            <a:fillRect/>
+          </a:stretch>
+        </p:blipFill>
+        <p:spPr bwMode="auto">
+          <a:xfrm>
+            <a:off x="6356376" y="2698275"/>
+            <a:ext cx="1269296" cy="1103230"/>
+          </a:xfrm>
+          <a:prstGeom prst="rect">
+            <a:avLst/>
+          </a:prstGeom>
+          <a:noFill/>
+          <a:extLst>
+            <a:ext uri="{909E8E84-426E-40DD-AFC4-6F175D3DCCD1}">
+              <a14:hiddenFill xmlns:a14="http://schemas.microsoft.com/office/drawing/2010/main">
+                <a:solidFill>
+                  <a:srgbClr val="FFFFFF"/>
+                </a:solidFill>
+              </a14:hiddenFill>
+            </a:ext>
+          </a:extLst>
+        </p:spPr>
+      </p:pic>
+      <p:pic>
+        <p:nvPicPr>
+          <p:cNvPr id="1028" name="Picture 4" descr="File:Typescript logo 2020.svg - Wikimedia Commons"/>
+          <p:cNvPicPr>
+            <a:picLocks noChangeAspect="1" noChangeArrowheads="1"/>
+          </p:cNvPicPr>
+          <p:nvPr/>
+        </p:nvPicPr>
+        <p:blipFill>
+          <a:blip r:embed="rId7" cstate="print">
+            <a:extLst>
+              <a:ext uri="{28A0092B-C50C-407E-A947-70E740481C1C}">
+                <a14:useLocalDpi xmlns:a14="http://schemas.microsoft.com/office/drawing/2010/main" val="0"/>
+              </a:ext>
+            </a:extLst>
+          </a:blip>
+          <a:srcRect/>
+          <a:stretch>
+            <a:fillRect/>
+          </a:stretch>
+        </p:blipFill>
+        <p:spPr bwMode="auto">
+          <a:xfrm>
+            <a:off x="6356376" y="4012186"/>
+            <a:ext cx="1156210" cy="1156210"/>
+          </a:xfrm>
+          <a:prstGeom prst="rect">
+            <a:avLst/>
+          </a:prstGeom>
+          <a:noFill/>
+          <a:extLst>
+            <a:ext uri="{909E8E84-426E-40DD-AFC4-6F175D3DCCD1}">
+              <a14:hiddenFill xmlns:a14="http://schemas.microsoft.com/office/drawing/2010/main">
+                <a:solidFill>
+                  <a:srgbClr val="FFFFFF"/>
+                </a:solidFill>
+              </a14:hiddenFill>
+            </a:ext>
+          </a:extLst>
+        </p:spPr>
+      </p:pic>
+      <p:pic>
+        <p:nvPicPr>
+          <p:cNvPr id="1030" name="Picture 6" descr="File:Haskell-Logo.svg - Wikimedia Commons"/>
+          <p:cNvPicPr>
+            <a:picLocks noChangeAspect="1" noChangeArrowheads="1"/>
+          </p:cNvPicPr>
+          <p:nvPr/>
+        </p:nvPicPr>
+        <p:blipFill>
+          <a:blip r:embed="rId8" cstate="print">
+            <a:extLst>
+              <a:ext uri="{28A0092B-C50C-407E-A947-70E740481C1C}">
+                <a14:useLocalDpi xmlns:a14="http://schemas.microsoft.com/office/drawing/2010/main" val="0"/>
+              </a:ext>
+            </a:extLst>
+          </a:blip>
+          <a:srcRect/>
+          <a:stretch>
+            <a:fillRect/>
+          </a:stretch>
+        </p:blipFill>
+        <p:spPr bwMode="auto">
+          <a:xfrm>
+            <a:off x="7809947" y="3394240"/>
+            <a:ext cx="1534995" cy="1083490"/>
+          </a:xfrm>
+          <a:prstGeom prst="rect">
+            <a:avLst/>
+          </a:prstGeom>
+          <a:noFill/>
+          <a:extLst>
+            <a:ext uri="{909E8E84-426E-40DD-AFC4-6F175D3DCCD1}">
+              <a14:hiddenFill xmlns:a14="http://schemas.microsoft.com/office/drawing/2010/main">
+                <a:solidFill>
+                  <a:srgbClr val="FFFFFF"/>
+                </a:solidFill>
+              </a14:hiddenFill>
+            </a:ext>
+          </a:extLst>
+        </p:spPr>
+      </p:pic>
+      <p:sp>
+        <p:nvSpPr>
+          <p:cNvPr id="9" name="TextBox 8"/>
+          <p:cNvSpPr txBox="1"/>
+          <p:nvPr/>
+        </p:nvSpPr>
+        <p:spPr>
+          <a:xfrm>
+            <a:off x="4017660" y="455338"/>
+            <a:ext cx="4156680" cy="830997"/>
+          </a:xfrm>
+          <a:prstGeom prst="rect">
+            <a:avLst/>
+          </a:prstGeom>
+          <a:noFill/>
+        </p:spPr>
+        <p:txBody>
+          <a:bodyPr wrap="square" rtlCol="0">
+            <a:spAutoFit/>
+          </a:bodyPr>
+          <a:lstStyle/>
+          <a:p>
+            <a:r>
+              <a:rPr lang="ru-RU" sz="4800" dirty="0" smtClean="0">
+                <a:latin typeface="Roboto" panose="02000000000000000000" pitchFamily="2" charset="0"/>
+                <a:ea typeface="Roboto" panose="02000000000000000000" pitchFamily="2" charset="0"/>
+              </a:rPr>
+              <a:t>ПРОГРАММА</a:t>
+            </a:r>
+            <a:endParaRPr lang="en-US" sz="4800" dirty="0">
+              <a:latin typeface="Roboto" panose="02000000000000000000" pitchFamily="2" charset="0"/>
+              <a:ea typeface="Roboto" panose="02000000000000000000" pitchFamily="2" charset="0"/>
+            </a:endParaRPr>
+          </a:p>
+        </p:txBody>
+      </p:sp>
+    </p:spTree>
+    <p:extLst>
+      <p:ext uri="{BB962C8B-B14F-4D97-AF65-F5344CB8AC3E}">
+        <p14:creationId xmlns:p14="http://schemas.microsoft.com/office/powerpoint/2010/main" val="3366458474"/>
+      </p:ext>
+    </p:extLst>
+  </p:cSld>
+  <p:clrMapOvr>
+    <a:masterClrMapping/>
+  </p:clrMapOvr>
+  <p:timing>
+    <p:tnLst>
+      <p:par>
+        <p:cTn id="1" dur="indefinite" restart="never" nodeType="tmRoot"/>
+      </p:par>
+    </p:tnLst>
+  </p:timing>
+</p:sld>
+</file>
+
+<file path=ppt/slides/slide13.xml><?xml version="1.0" encoding="utf-8"?>
+<p:sld xmlns:a="http://schemas.openxmlformats.org/drawingml/2006/main" xmlns:r="http://schemas.openxmlformats.org/officeDocument/2006/relationships" xmlns:p="http://schemas.openxmlformats.org/presentationml/2006/main">
+  <p:cSld>
+    <p:spTree>
+      <p:nvGrpSpPr>
+        <p:cNvPr id="1" name=""/>
+        <p:cNvGrpSpPr/>
+        <p:nvPr/>
+      </p:nvGrpSpPr>
+      <p:grpSpPr>
+        <a:xfrm>
+          <a:off x="0" y="0"/>
+          <a:ext cx="0" cy="0"/>
+          <a:chOff x="0" y="0"/>
+          <a:chExt cx="0" cy="0"/>
+        </a:xfrm>
+      </p:grpSpPr>
+      <p:pic>
+        <p:nvPicPr>
+          <p:cNvPr id="2" name="Рисунок 1"/>
+          <p:cNvPicPr>
+            <a:picLocks noChangeAspect="1"/>
+          </p:cNvPicPr>
+          <p:nvPr/>
+        </p:nvPicPr>
+        <p:blipFill>
+          <a:blip r:embed="rId3" cstate="print">
+            <a:extLst>
+              <a:ext uri="{28A0092B-C50C-407E-A947-70E740481C1C}">
+                <a14:useLocalDpi xmlns:a14="http://schemas.microsoft.com/office/drawing/2010/main" val="0"/>
+              </a:ext>
+            </a:extLst>
+          </a:blip>
+          <a:stretch>
+            <a:fillRect/>
+          </a:stretch>
+        </p:blipFill>
+        <p:spPr>
+          <a:xfrm>
+            <a:off x="2647559" y="3087572"/>
+            <a:ext cx="1427866" cy="1427866"/>
+          </a:xfrm>
+          <a:prstGeom prst="rect">
+            <a:avLst/>
+          </a:prstGeom>
+        </p:spPr>
+      </p:pic>
+      <p:pic>
+        <p:nvPicPr>
+          <p:cNvPr id="3" name="Рисунок 2"/>
+          <p:cNvPicPr>
+            <a:picLocks noChangeAspect="1"/>
+          </p:cNvPicPr>
+          <p:nvPr/>
+        </p:nvPicPr>
+        <p:blipFill>
+          <a:blip r:embed="rId4" cstate="print">
+            <a:extLst>
+              <a:ext uri="{28A0092B-C50C-407E-A947-70E740481C1C}">
+                <a14:useLocalDpi xmlns:a14="http://schemas.microsoft.com/office/drawing/2010/main" val="0"/>
+              </a:ext>
+            </a:extLst>
+          </a:blip>
+          <a:stretch>
+            <a:fillRect/>
+          </a:stretch>
+        </p:blipFill>
+        <p:spPr>
+          <a:xfrm>
+            <a:off x="4075425" y="2606807"/>
+            <a:ext cx="1329178" cy="1329178"/>
+          </a:xfrm>
+          <a:prstGeom prst="rect">
+            <a:avLst/>
+          </a:prstGeom>
+        </p:spPr>
+      </p:pic>
+      <p:pic>
+        <p:nvPicPr>
+          <p:cNvPr id="5" name="Рисунок 4"/>
+          <p:cNvPicPr>
+            <a:picLocks noChangeAspect="1"/>
+          </p:cNvPicPr>
+          <p:nvPr/>
+        </p:nvPicPr>
+        <p:blipFill>
+          <a:blip r:embed="rId5" cstate="print">
+            <a:extLst>
+              <a:ext uri="{28A0092B-C50C-407E-A947-70E740481C1C}">
+                <a14:useLocalDpi xmlns:a14="http://schemas.microsoft.com/office/drawing/2010/main" val="0"/>
+              </a:ext>
+            </a:extLst>
+          </a:blip>
+          <a:stretch>
+            <a:fillRect/>
+          </a:stretch>
+        </p:blipFill>
+        <p:spPr>
+          <a:xfrm>
+            <a:off x="3976737" y="3935985"/>
+            <a:ext cx="1427866" cy="1427866"/>
+          </a:xfrm>
+          <a:prstGeom prst="rect">
+            <a:avLst/>
+          </a:prstGeom>
+        </p:spPr>
+      </p:pic>
+      <p:pic>
+        <p:nvPicPr>
+          <p:cNvPr id="1026" name="Picture 2" descr="React — Википедия"/>
+          <p:cNvPicPr>
+            <a:picLocks noChangeAspect="1" noChangeArrowheads="1"/>
+          </p:cNvPicPr>
+          <p:nvPr/>
+        </p:nvPicPr>
+        <p:blipFill>
+          <a:blip r:embed="rId6" cstate="print">
+            <a:clrChange>
+              <a:clrFrom>
+                <a:srgbClr val="000000">
+                  <a:alpha val="0"/>
+                </a:srgbClr>
+              </a:clrFrom>
+              <a:clrTo>
+                <a:srgbClr val="000000">
+                  <a:alpha val="0"/>
+                </a:srgbClr>
+              </a:clrTo>
+            </a:clrChange>
+            <a:extLst>
+              <a:ext uri="{28A0092B-C50C-407E-A947-70E740481C1C}">
+                <a14:useLocalDpi xmlns:a14="http://schemas.microsoft.com/office/drawing/2010/main" val="0"/>
+              </a:ext>
+            </a:extLst>
+          </a:blip>
+          <a:srcRect/>
+          <a:stretch>
+            <a:fillRect/>
+          </a:stretch>
+        </p:blipFill>
+        <p:spPr bwMode="auto">
+          <a:xfrm>
+            <a:off x="6356376" y="2698275"/>
+            <a:ext cx="1269296" cy="1103230"/>
+          </a:xfrm>
+          <a:prstGeom prst="rect">
+            <a:avLst/>
+          </a:prstGeom>
+          <a:noFill/>
+          <a:extLst>
+            <a:ext uri="{909E8E84-426E-40DD-AFC4-6F175D3DCCD1}">
+              <a14:hiddenFill xmlns:a14="http://schemas.microsoft.com/office/drawing/2010/main">
+                <a:solidFill>
+                  <a:srgbClr val="FFFFFF"/>
+                </a:solidFill>
+              </a14:hiddenFill>
+            </a:ext>
+          </a:extLst>
+        </p:spPr>
+      </p:pic>
+      <p:pic>
+        <p:nvPicPr>
+          <p:cNvPr id="1028" name="Picture 4" descr="File:Typescript logo 2020.svg - Wikimedia Commons"/>
+          <p:cNvPicPr>
+            <a:picLocks noChangeAspect="1" noChangeArrowheads="1"/>
+          </p:cNvPicPr>
+          <p:nvPr/>
+        </p:nvPicPr>
+        <p:blipFill>
+          <a:blip r:embed="rId7" cstate="print">
+            <a:clrChange>
+              <a:clrFrom>
+                <a:srgbClr val="000000">
+                  <a:alpha val="0"/>
+                </a:srgbClr>
+              </a:clrFrom>
+              <a:clrTo>
+                <a:srgbClr val="000000">
+                  <a:alpha val="0"/>
+                </a:srgbClr>
+              </a:clrTo>
+            </a:clrChange>
+            <a:extLst>
+              <a:ext uri="{28A0092B-C50C-407E-A947-70E740481C1C}">
+                <a14:useLocalDpi xmlns:a14="http://schemas.microsoft.com/office/drawing/2010/main" val="0"/>
+              </a:ext>
+            </a:extLst>
+          </a:blip>
+          <a:srcRect/>
+          <a:stretch>
+            <a:fillRect/>
+          </a:stretch>
+        </p:blipFill>
+        <p:spPr bwMode="auto">
+          <a:xfrm>
+            <a:off x="6356376" y="4012186"/>
+            <a:ext cx="1156210" cy="1156210"/>
+          </a:xfrm>
+          <a:prstGeom prst="rect">
+            <a:avLst/>
+          </a:prstGeom>
+          <a:noFill/>
+          <a:extLst>
+            <a:ext uri="{909E8E84-426E-40DD-AFC4-6F175D3DCCD1}">
+              <a14:hiddenFill xmlns:a14="http://schemas.microsoft.com/office/drawing/2010/main">
+                <a:solidFill>
+                  <a:srgbClr val="FFFFFF"/>
+                </a:solidFill>
+              </a14:hiddenFill>
+            </a:ext>
+          </a:extLst>
+        </p:spPr>
+      </p:pic>
+      <p:pic>
+        <p:nvPicPr>
+          <p:cNvPr id="1030" name="Picture 6" descr="File:Haskell-Logo.svg - Wikimedia Commons"/>
+          <p:cNvPicPr>
+            <a:picLocks noChangeAspect="1" noChangeArrowheads="1"/>
+          </p:cNvPicPr>
+          <p:nvPr/>
+        </p:nvPicPr>
+        <p:blipFill>
+          <a:blip r:embed="rId8" cstate="print">
+            <a:clrChange>
+              <a:clrFrom>
+                <a:srgbClr val="000000">
+                  <a:alpha val="0"/>
+                </a:srgbClr>
+              </a:clrFrom>
+              <a:clrTo>
+                <a:srgbClr val="000000">
+                  <a:alpha val="0"/>
+                </a:srgbClr>
+              </a:clrTo>
+            </a:clrChange>
+            <a:extLst>
+              <a:ext uri="{28A0092B-C50C-407E-A947-70E740481C1C}">
+                <a14:useLocalDpi xmlns:a14="http://schemas.microsoft.com/office/drawing/2010/main" val="0"/>
+              </a:ext>
+            </a:extLst>
+          </a:blip>
+          <a:srcRect/>
+          <a:stretch>
+            <a:fillRect/>
+          </a:stretch>
+        </p:blipFill>
+        <p:spPr bwMode="auto">
+          <a:xfrm>
+            <a:off x="7809947" y="3394240"/>
+            <a:ext cx="1534995" cy="1083490"/>
+          </a:xfrm>
+          <a:prstGeom prst="rect">
+            <a:avLst/>
+          </a:prstGeom>
+          <a:noFill/>
+          <a:extLst>
+            <a:ext uri="{909E8E84-426E-40DD-AFC4-6F175D3DCCD1}">
+              <a14:hiddenFill xmlns:a14="http://schemas.microsoft.com/office/drawing/2010/main">
+                <a:solidFill>
+                  <a:srgbClr val="FFFFFF"/>
+                </a:solidFill>
+              </a14:hiddenFill>
+            </a:ext>
+          </a:extLst>
+        </p:spPr>
+      </p:pic>
+      <p:sp>
+        <p:nvSpPr>
+          <p:cNvPr id="9" name="TextBox 8"/>
+          <p:cNvSpPr txBox="1"/>
+          <p:nvPr/>
+        </p:nvSpPr>
+        <p:spPr>
+          <a:xfrm>
+            <a:off x="1466040" y="1082644"/>
+            <a:ext cx="3938563" cy="830997"/>
+          </a:xfrm>
+          <a:prstGeom prst="rect">
+            <a:avLst/>
+          </a:prstGeom>
+          <a:noFill/>
+        </p:spPr>
+        <p:txBody>
+          <a:bodyPr wrap="square" rtlCol="0">
+            <a:spAutoFit/>
+          </a:bodyPr>
+          <a:lstStyle/>
+          <a:p>
+            <a:r>
+              <a:rPr lang="ru-RU" sz="4800" dirty="0" smtClean="0">
+                <a:latin typeface="Roboto" panose="02000000000000000000" pitchFamily="2" charset="0"/>
+                <a:ea typeface="Roboto" panose="02000000000000000000" pitchFamily="2" charset="0"/>
+              </a:rPr>
+              <a:t>ПОВЕДЕНИЕ</a:t>
+            </a:r>
+            <a:endParaRPr lang="en-US" sz="4800" dirty="0">
+              <a:latin typeface="Roboto" panose="02000000000000000000" pitchFamily="2" charset="0"/>
+              <a:ea typeface="Roboto" panose="02000000000000000000" pitchFamily="2" charset="0"/>
+            </a:endParaRPr>
+          </a:p>
+        </p:txBody>
+      </p:sp>
+      <p:sp>
+        <p:nvSpPr>
+          <p:cNvPr id="4" name="Прямоугольник 3"/>
+          <p:cNvSpPr/>
+          <p:nvPr/>
+        </p:nvSpPr>
+        <p:spPr>
+          <a:xfrm>
+            <a:off x="5806911" y="1913641"/>
+            <a:ext cx="4119514" cy="4176074"/>
+          </a:xfrm>
+          <a:prstGeom prst="rect">
+            <a:avLst/>
+          </a:prstGeom>
+          <a:solidFill>
+            <a:srgbClr val="FFFFFF">
+              <a:alpha val="65098"/>
+            </a:srgbClr>
+          </a:solidFill>
+          <a:ln>
+            <a:noFill/>
+          </a:ln>
+        </p:spPr>
+        <p:style>
+          <a:lnRef idx="2">
+            <a:schemeClr val="accent1">
+              <a:shade val="50000"/>
+            </a:schemeClr>
+          </a:lnRef>
+          <a:fillRef idx="1">
+            <a:schemeClr val="accent1"/>
+          </a:fillRef>
+          <a:effectRef idx="0">
+            <a:schemeClr val="accent1"/>
+          </a:effectRef>
+          <a:fontRef idx="minor">
+            <a:schemeClr val="lt1"/>
+          </a:fontRef>
+        </p:style>
+        <p:txBody>
+          <a:bodyPr rtlCol="0" anchor="ctr"/>
+          <a:lstStyle/>
+          <a:p>
+            <a:pPr algn="ctr"/>
+            <a:endParaRPr lang="ru-RU"/>
+          </a:p>
+        </p:txBody>
+      </p:sp>
+    </p:spTree>
+    <p:extLst>
+      <p:ext uri="{BB962C8B-B14F-4D97-AF65-F5344CB8AC3E}">
+        <p14:creationId xmlns:p14="http://schemas.microsoft.com/office/powerpoint/2010/main" val="3869460515"/>
+      </p:ext>
+    </p:extLst>
+  </p:cSld>
+  <p:clrMapOvr>
+    <a:masterClrMapping/>
+  </p:clrMapOvr>
+  <p:timing>
+    <p:tnLst>
+      <p:par>
+        <p:cTn id="1" dur="indefinite" restart="never" nodeType="tmRoot"/>
+      </p:par>
+    </p:tnLst>
+  </p:timing>
+</p:sld>
+</file>
+
+<file path=ppt/slides/slide14.xml><?xml version="1.0" encoding="utf-8"?>
+<p:sld xmlns:a="http://schemas.openxmlformats.org/drawingml/2006/main" xmlns:r="http://schemas.openxmlformats.org/officeDocument/2006/relationships" xmlns:p="http://schemas.openxmlformats.org/presentationml/2006/main">
+  <p:cSld>
+    <p:spTree>
+      <p:nvGrpSpPr>
+        <p:cNvPr id="1" name=""/>
+        <p:cNvGrpSpPr/>
+        <p:nvPr/>
+      </p:nvGrpSpPr>
+      <p:grpSpPr>
+        <a:xfrm>
+          <a:off x="0" y="0"/>
+          <a:ext cx="0" cy="0"/>
+          <a:chOff x="0" y="0"/>
+          <a:chExt cx="0" cy="0"/>
+        </a:xfrm>
+      </p:grpSpPr>
+      <p:pic>
+        <p:nvPicPr>
+          <p:cNvPr id="2" name="Рисунок 1"/>
+          <p:cNvPicPr>
+            <a:picLocks noChangeAspect="1"/>
+          </p:cNvPicPr>
+          <p:nvPr/>
+        </p:nvPicPr>
+        <p:blipFill>
+          <a:blip r:embed="rId3" cstate="print">
+            <a:extLst>
+              <a:ext uri="{28A0092B-C50C-407E-A947-70E740481C1C}">
+                <a14:useLocalDpi xmlns:a14="http://schemas.microsoft.com/office/drawing/2010/main" val="0"/>
+              </a:ext>
+            </a:extLst>
+          </a:blip>
+          <a:stretch>
+            <a:fillRect/>
+          </a:stretch>
+        </p:blipFill>
+        <p:spPr>
+          <a:xfrm>
+            <a:off x="2647559" y="3087572"/>
+            <a:ext cx="1427866" cy="1427866"/>
+          </a:xfrm>
+          <a:prstGeom prst="rect">
+            <a:avLst/>
+          </a:prstGeom>
+        </p:spPr>
+      </p:pic>
+      <p:pic>
+        <p:nvPicPr>
+          <p:cNvPr id="3" name="Рисунок 2"/>
+          <p:cNvPicPr>
+            <a:picLocks noChangeAspect="1"/>
+          </p:cNvPicPr>
+          <p:nvPr/>
+        </p:nvPicPr>
+        <p:blipFill>
+          <a:blip r:embed="rId4" cstate="print">
+            <a:extLst>
+              <a:ext uri="{28A0092B-C50C-407E-A947-70E740481C1C}">
+                <a14:useLocalDpi xmlns:a14="http://schemas.microsoft.com/office/drawing/2010/main" val="0"/>
+              </a:ext>
+            </a:extLst>
+          </a:blip>
+          <a:stretch>
+            <a:fillRect/>
+          </a:stretch>
+        </p:blipFill>
+        <p:spPr>
+          <a:xfrm>
+            <a:off x="4075425" y="2606807"/>
+            <a:ext cx="1329178" cy="1329178"/>
+          </a:xfrm>
+          <a:prstGeom prst="rect">
+            <a:avLst/>
+          </a:prstGeom>
+        </p:spPr>
+      </p:pic>
+      <p:pic>
+        <p:nvPicPr>
+          <p:cNvPr id="5" name="Рисунок 4"/>
+          <p:cNvPicPr>
+            <a:picLocks noChangeAspect="1"/>
+          </p:cNvPicPr>
+          <p:nvPr/>
+        </p:nvPicPr>
+        <p:blipFill>
+          <a:blip r:embed="rId5" cstate="print">
+            <a:extLst>
+              <a:ext uri="{28A0092B-C50C-407E-A947-70E740481C1C}">
+                <a14:useLocalDpi xmlns:a14="http://schemas.microsoft.com/office/drawing/2010/main" val="0"/>
+              </a:ext>
+            </a:extLst>
+          </a:blip>
+          <a:stretch>
+            <a:fillRect/>
+          </a:stretch>
+        </p:blipFill>
+        <p:spPr>
+          <a:xfrm>
+            <a:off x="3976737" y="3935985"/>
+            <a:ext cx="1427866" cy="1427866"/>
+          </a:xfrm>
+          <a:prstGeom prst="rect">
+            <a:avLst/>
+          </a:prstGeom>
+        </p:spPr>
+      </p:pic>
+      <p:pic>
+        <p:nvPicPr>
+          <p:cNvPr id="1026" name="Picture 2" descr="React — Википедия"/>
+          <p:cNvPicPr>
+            <a:picLocks noChangeAspect="1" noChangeArrowheads="1"/>
+          </p:cNvPicPr>
+          <p:nvPr/>
+        </p:nvPicPr>
+        <p:blipFill>
+          <a:blip r:embed="rId6" cstate="print">
+            <a:clrChange>
+              <a:clrFrom>
+                <a:srgbClr val="000000">
+                  <a:alpha val="0"/>
+                </a:srgbClr>
+              </a:clrFrom>
+              <a:clrTo>
+                <a:srgbClr val="000000">
+                  <a:alpha val="0"/>
+                </a:srgbClr>
+              </a:clrTo>
+            </a:clrChange>
+            <a:extLst>
+              <a:ext uri="{28A0092B-C50C-407E-A947-70E740481C1C}">
+                <a14:useLocalDpi xmlns:a14="http://schemas.microsoft.com/office/drawing/2010/main" val="0"/>
+              </a:ext>
+            </a:extLst>
+          </a:blip>
+          <a:srcRect/>
+          <a:stretch>
+            <a:fillRect/>
+          </a:stretch>
+        </p:blipFill>
+        <p:spPr bwMode="auto">
+          <a:xfrm>
+            <a:off x="6356376" y="2698275"/>
+            <a:ext cx="1269296" cy="1103230"/>
+          </a:xfrm>
+          <a:prstGeom prst="rect">
+            <a:avLst/>
+          </a:prstGeom>
+          <a:noFill/>
+          <a:extLst>
+            <a:ext uri="{909E8E84-426E-40DD-AFC4-6F175D3DCCD1}">
+              <a14:hiddenFill xmlns:a14="http://schemas.microsoft.com/office/drawing/2010/main">
+                <a:solidFill>
+                  <a:srgbClr val="FFFFFF"/>
+                </a:solidFill>
+              </a14:hiddenFill>
+            </a:ext>
+          </a:extLst>
+        </p:spPr>
+      </p:pic>
+      <p:pic>
+        <p:nvPicPr>
+          <p:cNvPr id="1028" name="Picture 4" descr="File:Typescript logo 2020.svg - Wikimedia Commons"/>
+          <p:cNvPicPr>
+            <a:picLocks noChangeAspect="1" noChangeArrowheads="1"/>
+          </p:cNvPicPr>
+          <p:nvPr/>
+        </p:nvPicPr>
+        <p:blipFill>
+          <a:blip r:embed="rId7" cstate="print">
+            <a:clrChange>
+              <a:clrFrom>
+                <a:srgbClr val="000000">
+                  <a:alpha val="0"/>
+                </a:srgbClr>
+              </a:clrFrom>
+              <a:clrTo>
+                <a:srgbClr val="000000">
+                  <a:alpha val="0"/>
+                </a:srgbClr>
+              </a:clrTo>
+            </a:clrChange>
+            <a:extLst>
+              <a:ext uri="{28A0092B-C50C-407E-A947-70E740481C1C}">
+                <a14:useLocalDpi xmlns:a14="http://schemas.microsoft.com/office/drawing/2010/main" val="0"/>
+              </a:ext>
+            </a:extLst>
+          </a:blip>
+          <a:srcRect/>
+          <a:stretch>
+            <a:fillRect/>
+          </a:stretch>
+        </p:blipFill>
+        <p:spPr bwMode="auto">
+          <a:xfrm>
+            <a:off x="6356376" y="4012186"/>
+            <a:ext cx="1156210" cy="1156210"/>
+          </a:xfrm>
+          <a:prstGeom prst="rect">
+            <a:avLst/>
+          </a:prstGeom>
+          <a:noFill/>
+          <a:extLst>
+            <a:ext uri="{909E8E84-426E-40DD-AFC4-6F175D3DCCD1}">
+              <a14:hiddenFill xmlns:a14="http://schemas.microsoft.com/office/drawing/2010/main">
+                <a:solidFill>
+                  <a:srgbClr val="FFFFFF"/>
+                </a:solidFill>
+              </a14:hiddenFill>
+            </a:ext>
+          </a:extLst>
+        </p:spPr>
+      </p:pic>
+      <p:pic>
+        <p:nvPicPr>
+          <p:cNvPr id="1030" name="Picture 6" descr="File:Haskell-Logo.svg - Wikimedia Commons"/>
+          <p:cNvPicPr>
+            <a:picLocks noChangeAspect="1" noChangeArrowheads="1"/>
+          </p:cNvPicPr>
+          <p:nvPr/>
+        </p:nvPicPr>
+        <p:blipFill>
+          <a:blip r:embed="rId8" cstate="print">
+            <a:clrChange>
+              <a:clrFrom>
+                <a:srgbClr val="000000">
+                  <a:alpha val="0"/>
+                </a:srgbClr>
+              </a:clrFrom>
+              <a:clrTo>
+                <a:srgbClr val="000000">
+                  <a:alpha val="0"/>
+                </a:srgbClr>
+              </a:clrTo>
+            </a:clrChange>
+            <a:extLst>
+              <a:ext uri="{28A0092B-C50C-407E-A947-70E740481C1C}">
+                <a14:useLocalDpi xmlns:a14="http://schemas.microsoft.com/office/drawing/2010/main" val="0"/>
+              </a:ext>
+            </a:extLst>
+          </a:blip>
+          <a:srcRect/>
+          <a:stretch>
+            <a:fillRect/>
+          </a:stretch>
+        </p:blipFill>
+        <p:spPr bwMode="auto">
+          <a:xfrm>
+            <a:off x="7809947" y="3394240"/>
+            <a:ext cx="1534995" cy="1083490"/>
+          </a:xfrm>
+          <a:prstGeom prst="rect">
+            <a:avLst/>
+          </a:prstGeom>
+          <a:noFill/>
+          <a:extLst>
+            <a:ext uri="{909E8E84-426E-40DD-AFC4-6F175D3DCCD1}">
+              <a14:hiddenFill xmlns:a14="http://schemas.microsoft.com/office/drawing/2010/main">
+                <a:solidFill>
+                  <a:srgbClr val="FFFFFF"/>
+                </a:solidFill>
+              </a14:hiddenFill>
+            </a:ext>
+          </a:extLst>
+        </p:spPr>
+      </p:pic>
+      <p:sp>
+        <p:nvSpPr>
+          <p:cNvPr id="4" name="Прямоугольник 3"/>
+          <p:cNvSpPr/>
+          <p:nvPr/>
+        </p:nvSpPr>
+        <p:spPr>
+          <a:xfrm>
+            <a:off x="1838226" y="1952235"/>
+            <a:ext cx="4119514" cy="4176074"/>
+          </a:xfrm>
+          <a:prstGeom prst="rect">
+            <a:avLst/>
+          </a:prstGeom>
+          <a:solidFill>
+            <a:srgbClr val="FFFFFF">
+              <a:alpha val="65098"/>
+            </a:srgbClr>
+          </a:solidFill>
+          <a:ln>
+            <a:noFill/>
+          </a:ln>
+        </p:spPr>
+        <p:style>
+          <a:lnRef idx="2">
+            <a:schemeClr val="accent1">
+              <a:shade val="50000"/>
+            </a:schemeClr>
+          </a:lnRef>
+          <a:fillRef idx="1">
+            <a:schemeClr val="accent1"/>
+          </a:fillRef>
+          <a:effectRef idx="0">
+            <a:schemeClr val="accent1"/>
+          </a:effectRef>
+          <a:fontRef idx="minor">
+            <a:schemeClr val="lt1"/>
+          </a:fontRef>
+        </p:style>
+        <p:txBody>
+          <a:bodyPr rtlCol="0" anchor="ctr"/>
+          <a:lstStyle/>
+          <a:p>
+            <a:pPr algn="ctr"/>
+            <a:endParaRPr lang="ru-RU"/>
+          </a:p>
+        </p:txBody>
+      </p:sp>
+      <p:sp>
+        <p:nvSpPr>
+          <p:cNvPr id="10" name="TextBox 9"/>
+          <p:cNvSpPr txBox="1"/>
+          <p:nvPr/>
+        </p:nvSpPr>
+        <p:spPr>
+          <a:xfrm>
+            <a:off x="6301991" y="1082644"/>
+            <a:ext cx="3549019" cy="830997"/>
+          </a:xfrm>
+          <a:prstGeom prst="rect">
+            <a:avLst/>
+          </a:prstGeom>
+          <a:noFill/>
+        </p:spPr>
+        <p:txBody>
+          <a:bodyPr wrap="square" rtlCol="0">
+            <a:spAutoFit/>
+          </a:bodyPr>
+          <a:lstStyle/>
+          <a:p>
+            <a:r>
+              <a:rPr lang="ru-RU" sz="4800" dirty="0" smtClean="0">
+                <a:latin typeface="Roboto" panose="02000000000000000000" pitchFamily="2" charset="0"/>
+                <a:ea typeface="Roboto" panose="02000000000000000000" pitchFamily="2" charset="0"/>
+              </a:rPr>
+              <a:t>СТРУКТУРА</a:t>
+            </a:r>
+            <a:endParaRPr lang="en-US" sz="4800" dirty="0">
+              <a:latin typeface="Roboto" panose="02000000000000000000" pitchFamily="2" charset="0"/>
+              <a:ea typeface="Roboto" panose="02000000000000000000" pitchFamily="2" charset="0"/>
+            </a:endParaRPr>
+          </a:p>
+        </p:txBody>
+      </p:sp>
+    </p:spTree>
+    <p:extLst>
+      <p:ext uri="{BB962C8B-B14F-4D97-AF65-F5344CB8AC3E}">
+        <p14:creationId xmlns:p14="http://schemas.microsoft.com/office/powerpoint/2010/main" val="804979741"/>
+      </p:ext>
+    </p:extLst>
+  </p:cSld>
+  <p:clrMapOvr>
+    <a:masterClrMapping/>
+  </p:clrMapOvr>
+  <p:timing>
+    <p:tnLst>
+      <p:par>
+        <p:cTn id="1" dur="indefinite" restart="never" nodeType="tmRoot"/>
+      </p:par>
+    </p:tnLst>
+  </p:timing>
+</p:sld>
+</file>
+
+<file path=ppt/slides/slide15.xml><?xml version="1.0" encoding="utf-8"?>
+<p:sld xmlns:a="http://schemas.openxmlformats.org/drawingml/2006/main" xmlns:r="http://schemas.openxmlformats.org/officeDocument/2006/relationships" xmlns:p="http://schemas.openxmlformats.org/presentationml/2006/main">
+  <p:cSld>
+    <p:spTree>
+      <p:nvGrpSpPr>
+        <p:cNvPr id="1" name=""/>
+        <p:cNvGrpSpPr/>
+        <p:nvPr/>
+      </p:nvGrpSpPr>
+      <p:grpSpPr>
+        <a:xfrm>
+          <a:off x="0" y="0"/>
+          <a:ext cx="0" cy="0"/>
+          <a:chOff x="0" y="0"/>
+          <a:chExt cx="0" cy="0"/>
+        </a:xfrm>
+      </p:grpSpPr>
+      <p:sp>
+        <p:nvSpPr>
+          <p:cNvPr id="9" name="TextBox 8"/>
+          <p:cNvSpPr txBox="1"/>
+          <p:nvPr/>
+        </p:nvSpPr>
+        <p:spPr>
+          <a:xfrm>
+            <a:off x="4025950" y="3013502"/>
+            <a:ext cx="4140100" cy="830997"/>
+          </a:xfrm>
+          <a:prstGeom prst="rect">
+            <a:avLst/>
+          </a:prstGeom>
+          <a:noFill/>
+        </p:spPr>
+        <p:txBody>
+          <a:bodyPr wrap="square" rtlCol="0">
+            <a:spAutoFit/>
+          </a:bodyPr>
+          <a:lstStyle/>
+          <a:p>
+            <a:r>
+              <a:rPr lang="ru-RU" sz="4800" dirty="0" smtClean="0">
+                <a:latin typeface="Roboto" panose="02000000000000000000" pitchFamily="2" charset="0"/>
+                <a:ea typeface="Roboto" panose="02000000000000000000" pitchFamily="2" charset="0"/>
+              </a:rPr>
+              <a:t>ВИНОВНИКИ</a:t>
+            </a:r>
+            <a:endParaRPr lang="en-US" sz="4800" dirty="0">
+              <a:latin typeface="Roboto" panose="02000000000000000000" pitchFamily="2" charset="0"/>
+              <a:ea typeface="Roboto" panose="02000000000000000000" pitchFamily="2" charset="0"/>
+            </a:endParaRPr>
+          </a:p>
+        </p:txBody>
+      </p:sp>
+    </p:spTree>
+    <p:extLst>
+      <p:ext uri="{BB962C8B-B14F-4D97-AF65-F5344CB8AC3E}">
+        <p14:creationId xmlns:p14="http://schemas.microsoft.com/office/powerpoint/2010/main" val="747250730"/>
+      </p:ext>
+    </p:extLst>
+  </p:cSld>
+  <p:clrMapOvr>
+    <a:masterClrMapping/>
+  </p:clrMapOvr>
+  <p:timing>
+    <p:tnLst>
+      <p:par>
+        <p:cTn id="1" dur="indefinite" restart="never" nodeType="tmRoot"/>
+      </p:par>
+    </p:tnLst>
+  </p:timing>
+</p:sld>
+</file>
+
+<file path=ppt/slides/slide16.xml><?xml version="1.0" encoding="utf-8"?>
+<p:sld xmlns:a="http://schemas.openxmlformats.org/drawingml/2006/main" xmlns:r="http://schemas.openxmlformats.org/officeDocument/2006/relationships" xmlns:p="http://schemas.openxmlformats.org/presentationml/2006/main">
+  <p:cSld>
+    <p:spTree>
+      <p:nvGrpSpPr>
+        <p:cNvPr id="1" name=""/>
+        <p:cNvGrpSpPr/>
+        <p:nvPr/>
+      </p:nvGrpSpPr>
+      <p:grpSpPr>
+        <a:xfrm>
+          <a:off x="0" y="0"/>
+          <a:ext cx="0" cy="0"/>
+          <a:chOff x="0" y="0"/>
+          <a:chExt cx="0" cy="0"/>
+        </a:xfrm>
+      </p:grpSpPr>
+      <p:sp>
+        <p:nvSpPr>
+          <p:cNvPr id="9" name="TextBox 8"/>
+          <p:cNvSpPr txBox="1"/>
+          <p:nvPr/>
+        </p:nvSpPr>
+        <p:spPr>
+          <a:xfrm>
+            <a:off x="2365695" y="455338"/>
+            <a:ext cx="7460611" cy="830997"/>
+          </a:xfrm>
+          <a:prstGeom prst="rect">
+            <a:avLst/>
+          </a:prstGeom>
+          <a:noFill/>
+        </p:spPr>
+        <p:txBody>
+          <a:bodyPr wrap="square" rtlCol="0">
+            <a:spAutoFit/>
+          </a:bodyPr>
+          <a:lstStyle/>
+          <a:p>
+            <a:r>
+              <a:rPr lang="ru-RU" sz="4800" dirty="0" smtClean="0">
+                <a:solidFill>
+                  <a:srgbClr val="C00000"/>
+                </a:solidFill>
+                <a:latin typeface="Roboto" panose="02000000000000000000" pitchFamily="2" charset="0"/>
+                <a:ea typeface="Roboto" panose="02000000000000000000" pitchFamily="2" charset="0"/>
+              </a:rPr>
+              <a:t>Естественная</a:t>
+            </a:r>
+            <a:r>
+              <a:rPr lang="ru-RU" sz="4800" dirty="0" smtClean="0">
+                <a:latin typeface="Roboto" panose="02000000000000000000" pitchFamily="2" charset="0"/>
+                <a:ea typeface="Roboto" panose="02000000000000000000" pitchFamily="2" charset="0"/>
+              </a:rPr>
+              <a:t> сложность</a:t>
+            </a:r>
+            <a:endParaRPr lang="en-US" sz="4800" dirty="0">
+              <a:latin typeface="Roboto" panose="02000000000000000000" pitchFamily="2" charset="0"/>
+              <a:ea typeface="Roboto" panose="02000000000000000000" pitchFamily="2" charset="0"/>
+            </a:endParaRPr>
+          </a:p>
+        </p:txBody>
+      </p:sp>
+      <p:pic>
+        <p:nvPicPr>
+          <p:cNvPr id="3" name="Рисунок 2"/>
+          <p:cNvPicPr>
+            <a:picLocks noChangeAspect="1"/>
+          </p:cNvPicPr>
+          <p:nvPr/>
+        </p:nvPicPr>
+        <p:blipFill>
+          <a:blip r:embed="rId3">
+            <a:extLst>
+              <a:ext uri="{28A0092B-C50C-407E-A947-70E740481C1C}">
+                <a14:useLocalDpi xmlns:a14="http://schemas.microsoft.com/office/drawing/2010/main" val="0"/>
+              </a:ext>
+            </a:extLst>
+          </a:blip>
+          <a:stretch>
+            <a:fillRect/>
+          </a:stretch>
+        </p:blipFill>
+        <p:spPr>
+          <a:xfrm>
+            <a:off x="3199099" y="1064198"/>
+            <a:ext cx="5793802" cy="5793802"/>
+          </a:xfrm>
+          <a:prstGeom prst="rect">
+            <a:avLst/>
+          </a:prstGeom>
+        </p:spPr>
+      </p:pic>
+    </p:spTree>
+    <p:extLst>
+      <p:ext uri="{BB962C8B-B14F-4D97-AF65-F5344CB8AC3E}">
+        <p14:creationId xmlns:p14="http://schemas.microsoft.com/office/powerpoint/2010/main" val="1716310074"/>
+      </p:ext>
+    </p:extLst>
+  </p:cSld>
+  <p:clrMapOvr>
+    <a:masterClrMapping/>
+  </p:clrMapOvr>
+  <p:timing>
+    <p:tnLst>
+      <p:par>
+        <p:cTn id="1" dur="indefinite" restart="never" nodeType="tmRoot"/>
+      </p:par>
+    </p:tnLst>
+  </p:timing>
+</p:sld>
+</file>
+
+<file path=ppt/slides/slide17.xml><?xml version="1.0" encoding="utf-8"?>
+<p:sld xmlns:a="http://schemas.openxmlformats.org/drawingml/2006/main" xmlns:r="http://schemas.openxmlformats.org/officeDocument/2006/relationships" xmlns:p="http://schemas.openxmlformats.org/presentationml/2006/main">
+  <p:cSld>
+    <p:spTree>
+      <p:nvGrpSpPr>
+        <p:cNvPr id="1" name=""/>
+        <p:cNvGrpSpPr/>
+        <p:nvPr/>
+      </p:nvGrpSpPr>
+      <p:grpSpPr>
+        <a:xfrm>
+          <a:off x="0" y="0"/>
+          <a:ext cx="0" cy="0"/>
+          <a:chOff x="0" y="0"/>
+          <a:chExt cx="0" cy="0"/>
+        </a:xfrm>
+      </p:grpSpPr>
+      <p:pic>
+        <p:nvPicPr>
+          <p:cNvPr id="3" name="Рисунок 2"/>
+          <p:cNvPicPr>
+            <a:picLocks noChangeAspect="1"/>
+          </p:cNvPicPr>
+          <p:nvPr/>
+        </p:nvPicPr>
+        <p:blipFill>
+          <a:blip r:embed="rId3">
+            <a:extLst>
+              <a:ext uri="{28A0092B-C50C-407E-A947-70E740481C1C}">
+                <a14:useLocalDpi xmlns:a14="http://schemas.microsoft.com/office/drawing/2010/main" val="0"/>
+              </a:ext>
+            </a:extLst>
+          </a:blip>
+          <a:stretch>
+            <a:fillRect/>
+          </a:stretch>
+        </p:blipFill>
+        <p:spPr>
+          <a:xfrm>
+            <a:off x="3199099" y="1064198"/>
+            <a:ext cx="5793802" cy="5793802"/>
+          </a:xfrm>
+          <a:prstGeom prst="rect">
+            <a:avLst/>
+          </a:prstGeom>
+        </p:spPr>
+      </p:pic>
+      <p:sp>
+        <p:nvSpPr>
+          <p:cNvPr id="7" name="Прямоугольник 6"/>
+          <p:cNvSpPr/>
+          <p:nvPr/>
+        </p:nvSpPr>
+        <p:spPr>
+          <a:xfrm>
+            <a:off x="3913912" y="1483964"/>
+            <a:ext cx="4850243" cy="4916836"/>
+          </a:xfrm>
+          <a:prstGeom prst="rect">
+            <a:avLst/>
+          </a:prstGeom>
+          <a:solidFill>
+            <a:srgbClr val="FFFFFF">
+              <a:alpha val="92000"/>
+            </a:srgbClr>
+          </a:solidFill>
+          <a:ln>
+            <a:noFill/>
+          </a:ln>
+        </p:spPr>
+        <p:style>
+          <a:lnRef idx="2">
+            <a:schemeClr val="accent1">
+              <a:shade val="50000"/>
+            </a:schemeClr>
+          </a:lnRef>
+          <a:fillRef idx="1">
+            <a:schemeClr val="accent1"/>
+          </a:fillRef>
+          <a:effectRef idx="0">
+            <a:schemeClr val="accent1"/>
+          </a:effectRef>
+          <a:fontRef idx="minor">
+            <a:schemeClr val="lt1"/>
+          </a:fontRef>
+        </p:style>
+        <p:txBody>
+          <a:bodyPr rtlCol="0" anchor="ctr"/>
+          <a:lstStyle/>
+          <a:p>
+            <a:pPr algn="ctr"/>
+            <a:endParaRPr lang="ru-RU"/>
+          </a:p>
+        </p:txBody>
+      </p:sp>
+      <p:pic>
+        <p:nvPicPr>
+          <p:cNvPr id="2" name="Рисунок 1"/>
+          <p:cNvPicPr>
+            <a:picLocks noChangeAspect="1"/>
+          </p:cNvPicPr>
+          <p:nvPr/>
+        </p:nvPicPr>
+        <p:blipFill>
+          <a:blip r:embed="rId4" cstate="print">
+            <a:extLst>
+              <a:ext uri="{28A0092B-C50C-407E-A947-70E740481C1C}">
+                <a14:useLocalDpi xmlns:a14="http://schemas.microsoft.com/office/drawing/2010/main" val="0"/>
+              </a:ext>
+            </a:extLst>
+          </a:blip>
+          <a:stretch>
+            <a:fillRect/>
+          </a:stretch>
+        </p:blipFill>
+        <p:spPr>
+          <a:xfrm>
+            <a:off x="5434062" y="3101418"/>
+            <a:ext cx="1602262" cy="1602262"/>
+          </a:xfrm>
+          <a:prstGeom prst="rect">
+            <a:avLst/>
+          </a:prstGeom>
+        </p:spPr>
+      </p:pic>
+      <p:pic>
+        <p:nvPicPr>
+          <p:cNvPr id="4" name="Рисунок 3"/>
+          <p:cNvPicPr>
+            <a:picLocks noChangeAspect="1"/>
+          </p:cNvPicPr>
+          <p:nvPr/>
+        </p:nvPicPr>
+        <p:blipFill>
+          <a:blip r:embed="rId5" cstate="print">
+            <a:extLst>
+              <a:ext uri="{28A0092B-C50C-407E-A947-70E740481C1C}">
+                <a14:useLocalDpi xmlns:a14="http://schemas.microsoft.com/office/drawing/2010/main" val="0"/>
+              </a:ext>
+            </a:extLst>
+          </a:blip>
+          <a:stretch>
+            <a:fillRect/>
+          </a:stretch>
+        </p:blipFill>
+        <p:spPr>
+          <a:xfrm>
+            <a:off x="6339034" y="2253006"/>
+            <a:ext cx="1526848" cy="1526848"/>
+          </a:xfrm>
+          <a:prstGeom prst="rect">
+            <a:avLst/>
+          </a:prstGeom>
+        </p:spPr>
+      </p:pic>
+      <p:pic>
+        <p:nvPicPr>
+          <p:cNvPr id="5" name="Рисунок 4"/>
+          <p:cNvPicPr>
+            <a:picLocks noChangeAspect="1"/>
+          </p:cNvPicPr>
+          <p:nvPr/>
+        </p:nvPicPr>
+        <p:blipFill>
+          <a:blip r:embed="rId6" cstate="print">
+            <a:extLst>
+              <a:ext uri="{28A0092B-C50C-407E-A947-70E740481C1C}">
+                <a14:useLocalDpi xmlns:a14="http://schemas.microsoft.com/office/drawing/2010/main" val="0"/>
+              </a:ext>
+            </a:extLst>
+          </a:blip>
+          <a:stretch>
+            <a:fillRect/>
+          </a:stretch>
+        </p:blipFill>
+        <p:spPr>
+          <a:xfrm rot="18955738">
+            <a:off x="4328930" y="3509416"/>
+            <a:ext cx="2474217" cy="2474217"/>
+          </a:xfrm>
+          <a:prstGeom prst="rect">
+            <a:avLst/>
+          </a:prstGeom>
+        </p:spPr>
+      </p:pic>
+      <p:sp>
+        <p:nvSpPr>
+          <p:cNvPr id="8" name="TextBox 7"/>
+          <p:cNvSpPr txBox="1"/>
+          <p:nvPr/>
+        </p:nvSpPr>
+        <p:spPr>
+          <a:xfrm>
+            <a:off x="2160093" y="455338"/>
+            <a:ext cx="7871814" cy="830997"/>
+          </a:xfrm>
+          <a:prstGeom prst="rect">
+            <a:avLst/>
+          </a:prstGeom>
+          <a:noFill/>
+        </p:spPr>
+        <p:txBody>
+          <a:bodyPr wrap="square" rtlCol="0">
+            <a:spAutoFit/>
+          </a:bodyPr>
+          <a:lstStyle/>
+          <a:p>
+            <a:r>
+              <a:rPr lang="ru-RU" sz="4800" dirty="0" smtClean="0">
+                <a:solidFill>
+                  <a:srgbClr val="C00000"/>
+                </a:solidFill>
+                <a:latin typeface="Roboto" panose="02000000000000000000" pitchFamily="2" charset="0"/>
+                <a:ea typeface="Roboto" panose="02000000000000000000" pitchFamily="2" charset="0"/>
+              </a:rPr>
+              <a:t>Искусственная</a:t>
+            </a:r>
+            <a:r>
+              <a:rPr lang="ru-RU" sz="4800" dirty="0" smtClean="0">
+                <a:latin typeface="Roboto" panose="02000000000000000000" pitchFamily="2" charset="0"/>
+                <a:ea typeface="Roboto" panose="02000000000000000000" pitchFamily="2" charset="0"/>
+              </a:rPr>
+              <a:t> сложность</a:t>
+            </a:r>
+            <a:endParaRPr lang="en-US" sz="4800" dirty="0">
+              <a:latin typeface="Roboto" panose="02000000000000000000" pitchFamily="2" charset="0"/>
+              <a:ea typeface="Roboto" panose="02000000000000000000" pitchFamily="2" charset="0"/>
+            </a:endParaRPr>
+          </a:p>
+        </p:txBody>
+      </p:sp>
+    </p:spTree>
+    <p:extLst>
+      <p:ext uri="{BB962C8B-B14F-4D97-AF65-F5344CB8AC3E}">
+        <p14:creationId xmlns:p14="http://schemas.microsoft.com/office/powerpoint/2010/main" val="1042743788"/>
+      </p:ext>
+    </p:extLst>
+  </p:cSld>
+  <p:clrMapOvr>
+    <a:masterClrMapping/>
+  </p:clrMapOvr>
+  <p:timing>
+    <p:tnLst>
+      <p:par>
+        <p:cTn id="1" dur="indefinite" restart="never" nodeType="tmRoot"/>
+      </p:par>
+    </p:tnLst>
+  </p:timing>
+</p:sld>
+</file>
+
+<file path=ppt/slides/slide18.xml><?xml version="1.0" encoding="utf-8"?>
+<p:sld xmlns:a="http://schemas.openxmlformats.org/drawingml/2006/main" xmlns:r="http://schemas.openxmlformats.org/officeDocument/2006/relationships" xmlns:p="http://schemas.openxmlformats.org/presentationml/2006/main">
+  <p:cSld>
+    <p:spTree>
+      <p:nvGrpSpPr>
+        <p:cNvPr id="1" name=""/>
+        <p:cNvGrpSpPr/>
+        <p:nvPr/>
+      </p:nvGrpSpPr>
+      <p:grpSpPr>
+        <a:xfrm>
+          <a:off x="0" y="0"/>
+          <a:ext cx="0" cy="0"/>
+          <a:chOff x="0" y="0"/>
+          <a:chExt cx="0" cy="0"/>
+        </a:xfrm>
+      </p:grpSpPr>
+      <p:sp>
+        <p:nvSpPr>
+          <p:cNvPr id="9" name="TextBox 8"/>
+          <p:cNvSpPr txBox="1"/>
+          <p:nvPr/>
+        </p:nvSpPr>
+        <p:spPr>
+          <a:xfrm>
+            <a:off x="4140859" y="455338"/>
+            <a:ext cx="3910282" cy="830997"/>
+          </a:xfrm>
+          <a:prstGeom prst="rect">
+            <a:avLst/>
+          </a:prstGeom>
+          <a:noFill/>
+        </p:spPr>
+        <p:txBody>
+          <a:bodyPr wrap="square" rtlCol="0">
+            <a:spAutoFit/>
+          </a:bodyPr>
+          <a:lstStyle/>
+          <a:p>
+            <a:r>
+              <a:rPr lang="ru-RU" sz="4800" dirty="0" smtClean="0">
+                <a:latin typeface="Roboto" panose="02000000000000000000" pitchFamily="2" charset="0"/>
+                <a:ea typeface="Roboto" panose="02000000000000000000" pitchFamily="2" charset="0"/>
+              </a:rPr>
+              <a:t>ПОВЕДЕНИЕ</a:t>
+            </a:r>
+            <a:endParaRPr lang="en-US" sz="4800" dirty="0">
+              <a:latin typeface="Roboto" panose="02000000000000000000" pitchFamily="2" charset="0"/>
+              <a:ea typeface="Roboto" panose="02000000000000000000" pitchFamily="2" charset="0"/>
+            </a:endParaRPr>
+          </a:p>
+        </p:txBody>
+      </p:sp>
+      <p:grpSp>
+        <p:nvGrpSpPr>
+          <p:cNvPr id="10" name="Группа 9"/>
+          <p:cNvGrpSpPr/>
+          <p:nvPr/>
+        </p:nvGrpSpPr>
+        <p:grpSpPr>
+          <a:xfrm>
+            <a:off x="3004549" y="870836"/>
+            <a:ext cx="6182902" cy="5886450"/>
+            <a:chOff x="2422689" y="382080"/>
+            <a:chExt cx="6182902" cy="5886450"/>
+          </a:xfrm>
+        </p:grpSpPr>
+        <p:pic>
+          <p:nvPicPr>
+            <p:cNvPr id="11" name="Рисунок 10"/>
+            <p:cNvPicPr>
+              <a:picLocks noChangeAspect="1"/>
+            </p:cNvPicPr>
+            <p:nvPr/>
+          </p:nvPicPr>
+          <p:blipFill>
+            <a:blip r:embed="rId3">
+              <a:extLst>
+                <a:ext uri="{28A0092B-C50C-407E-A947-70E740481C1C}">
+                  <a14:useLocalDpi xmlns:a14="http://schemas.microsoft.com/office/drawing/2010/main" val="0"/>
+                </a:ext>
+              </a:extLst>
+            </a:blip>
+            <a:stretch>
+              <a:fillRect/>
+            </a:stretch>
+          </p:blipFill>
+          <p:spPr>
+            <a:xfrm>
+              <a:off x="2719141" y="382080"/>
+              <a:ext cx="5886450" cy="5886450"/>
+            </a:xfrm>
+            <a:prstGeom prst="rect">
+              <a:avLst/>
+            </a:prstGeom>
+          </p:spPr>
+        </p:pic>
+        <p:sp>
+          <p:nvSpPr>
+            <p:cNvPr id="12" name="Прямоугольник 11"/>
+            <p:cNvSpPr/>
+            <p:nvPr/>
+          </p:nvSpPr>
+          <p:spPr>
+            <a:xfrm>
+              <a:off x="2422689" y="886120"/>
+              <a:ext cx="2601798" cy="2533453"/>
+            </a:xfrm>
+            <a:prstGeom prst="rect">
+              <a:avLst/>
+            </a:prstGeom>
+            <a:solidFill>
+              <a:schemeClr val="bg1"/>
+            </a:solidFill>
+            <a:ln>
+              <a:solidFill>
+                <a:schemeClr val="bg1"/>
+              </a:solidFill>
+            </a:ln>
+          </p:spPr>
+          <p:style>
+            <a:lnRef idx="2">
+              <a:schemeClr val="accent1">
+                <a:shade val="50000"/>
+              </a:schemeClr>
+            </a:lnRef>
+            <a:fillRef idx="1">
+              <a:schemeClr val="accent1"/>
+            </a:fillRef>
+            <a:effectRef idx="0">
+              <a:schemeClr val="accent1"/>
+            </a:effectRef>
+            <a:fontRef idx="minor">
+              <a:schemeClr val="lt1"/>
+            </a:fontRef>
+          </p:style>
+          <p:txBody>
+            <a:bodyPr rtlCol="0" anchor="ctr"/>
+            <a:lstStyle/>
+            <a:p>
+              <a:pPr algn="ctr"/>
+              <a:endParaRPr lang="ru-RU"/>
+            </a:p>
+          </p:txBody>
+        </p:sp>
+      </p:grpSp>
+      <p:pic>
+        <p:nvPicPr>
+          <p:cNvPr id="4" name="Рисунок 3"/>
+          <p:cNvPicPr>
+            <a:picLocks noChangeAspect="1"/>
+          </p:cNvPicPr>
+          <p:nvPr/>
+        </p:nvPicPr>
+        <p:blipFill>
+          <a:blip r:embed="rId4" cstate="print">
+            <a:extLst>
+              <a:ext uri="{28A0092B-C50C-407E-A947-70E740481C1C}">
+                <a14:useLocalDpi xmlns:a14="http://schemas.microsoft.com/office/drawing/2010/main" val="0"/>
+              </a:ext>
+            </a:extLst>
+          </a:blip>
+          <a:stretch>
+            <a:fillRect/>
+          </a:stretch>
+        </p:blipFill>
+        <p:spPr>
+          <a:xfrm rot="1800000">
+            <a:off x="3784623" y="2170876"/>
+            <a:ext cx="2079101" cy="2079101"/>
+          </a:xfrm>
+          <a:prstGeom prst="rect">
+            <a:avLst/>
+          </a:prstGeom>
+        </p:spPr>
+      </p:pic>
+    </p:spTree>
+    <p:extLst>
+      <p:ext uri="{BB962C8B-B14F-4D97-AF65-F5344CB8AC3E}">
+        <p14:creationId xmlns:p14="http://schemas.microsoft.com/office/powerpoint/2010/main" val="1767484950"/>
+      </p:ext>
+    </p:extLst>
+  </p:cSld>
+  <p:clrMapOvr>
+    <a:masterClrMapping/>
+  </p:clrMapOvr>
+  <p:timing>
+    <p:tnLst>
+      <p:par>
+        <p:cTn id="1" dur="indefinite" restart="never" nodeType="tmRoot"/>
+      </p:par>
+    </p:tnLst>
+  </p:timing>
+</p:sld>
+</file>
+
+<file path=ppt/slides/slide19.xml><?xml version="1.0" encoding="utf-8"?>
+<p:sld xmlns:a="http://schemas.openxmlformats.org/drawingml/2006/main" xmlns:r="http://schemas.openxmlformats.org/officeDocument/2006/relationships" xmlns:p="http://schemas.openxmlformats.org/presentationml/2006/main">
+  <p:cSld>
+    <p:spTree>
+      <p:nvGrpSpPr>
+        <p:cNvPr id="1" name=""/>
+        <p:cNvGrpSpPr/>
+        <p:nvPr/>
+      </p:nvGrpSpPr>
+      <p:grpSpPr>
+        <a:xfrm>
+          <a:off x="0" y="0"/>
+          <a:ext cx="0" cy="0"/>
+          <a:chOff x="0" y="0"/>
+          <a:chExt cx="0" cy="0"/>
+        </a:xfrm>
+      </p:grpSpPr>
+      <p:sp>
+        <p:nvSpPr>
+          <p:cNvPr id="9" name="TextBox 8"/>
+          <p:cNvSpPr txBox="1"/>
+          <p:nvPr/>
+        </p:nvSpPr>
+        <p:spPr>
+          <a:xfrm>
+            <a:off x="4140859" y="455338"/>
+            <a:ext cx="3910282" cy="830997"/>
+          </a:xfrm>
+          <a:prstGeom prst="rect">
+            <a:avLst/>
+          </a:prstGeom>
+          <a:noFill/>
+        </p:spPr>
+        <p:txBody>
+          <a:bodyPr wrap="square" rtlCol="0">
+            <a:spAutoFit/>
+          </a:bodyPr>
+          <a:lstStyle/>
+          <a:p>
+            <a:r>
+              <a:rPr lang="ru-RU" sz="4800" dirty="0" smtClean="0">
+                <a:latin typeface="Roboto" panose="02000000000000000000" pitchFamily="2" charset="0"/>
+                <a:ea typeface="Roboto" panose="02000000000000000000" pitchFamily="2" charset="0"/>
+              </a:rPr>
+              <a:t>ПОВЕДЕНИЕ</a:t>
+            </a:r>
+            <a:endParaRPr lang="en-US" sz="4800" dirty="0">
+              <a:latin typeface="Roboto" panose="02000000000000000000" pitchFamily="2" charset="0"/>
+              <a:ea typeface="Roboto" panose="02000000000000000000" pitchFamily="2" charset="0"/>
+            </a:endParaRPr>
+          </a:p>
+        </p:txBody>
+      </p:sp>
+      <p:grpSp>
+        <p:nvGrpSpPr>
+          <p:cNvPr id="10" name="Группа 9"/>
+          <p:cNvGrpSpPr/>
+          <p:nvPr/>
+        </p:nvGrpSpPr>
+        <p:grpSpPr>
+          <a:xfrm flipH="1">
+            <a:off x="3004549" y="870836"/>
+            <a:ext cx="6182902" cy="5886450"/>
+            <a:chOff x="2422689" y="382080"/>
+            <a:chExt cx="6182902" cy="5886450"/>
+          </a:xfrm>
+        </p:grpSpPr>
+        <p:pic>
+          <p:nvPicPr>
+            <p:cNvPr id="11" name="Рисунок 10"/>
+            <p:cNvPicPr>
+              <a:picLocks noChangeAspect="1"/>
+            </p:cNvPicPr>
+            <p:nvPr/>
+          </p:nvPicPr>
+          <p:blipFill>
+            <a:blip r:embed="rId3">
+              <a:extLst>
+                <a:ext uri="{28A0092B-C50C-407E-A947-70E740481C1C}">
+                  <a14:useLocalDpi xmlns:a14="http://schemas.microsoft.com/office/drawing/2010/main" val="0"/>
+                </a:ext>
+              </a:extLst>
+            </a:blip>
+            <a:stretch>
+              <a:fillRect/>
+            </a:stretch>
+          </p:blipFill>
+          <p:spPr>
+            <a:xfrm>
+              <a:off x="2719141" y="382080"/>
+              <a:ext cx="5886450" cy="5886450"/>
+            </a:xfrm>
+            <a:prstGeom prst="rect">
+              <a:avLst/>
+            </a:prstGeom>
+          </p:spPr>
+        </p:pic>
+        <p:sp>
+          <p:nvSpPr>
+            <p:cNvPr id="12" name="Прямоугольник 11"/>
+            <p:cNvSpPr/>
+            <p:nvPr/>
+          </p:nvSpPr>
+          <p:spPr>
+            <a:xfrm>
+              <a:off x="2422689" y="886120"/>
+              <a:ext cx="2601798" cy="2533453"/>
+            </a:xfrm>
+            <a:prstGeom prst="rect">
+              <a:avLst/>
+            </a:prstGeom>
+            <a:solidFill>
+              <a:schemeClr val="bg1"/>
+            </a:solidFill>
+            <a:ln>
+              <a:solidFill>
+                <a:schemeClr val="bg1"/>
+              </a:solidFill>
+            </a:ln>
+          </p:spPr>
+          <p:style>
+            <a:lnRef idx="2">
+              <a:schemeClr val="accent1">
+                <a:shade val="50000"/>
+              </a:schemeClr>
+            </a:lnRef>
+            <a:fillRef idx="1">
+              <a:schemeClr val="accent1"/>
+            </a:fillRef>
+            <a:effectRef idx="0">
+              <a:schemeClr val="accent1"/>
+            </a:effectRef>
+            <a:fontRef idx="minor">
+              <a:schemeClr val="lt1"/>
+            </a:fontRef>
+          </p:style>
+          <p:txBody>
+            <a:bodyPr rtlCol="0" anchor="ctr"/>
+            <a:lstStyle/>
+            <a:p>
+              <a:pPr algn="ctr"/>
+              <a:endParaRPr lang="ru-RU"/>
+            </a:p>
+          </p:txBody>
+        </p:sp>
+      </p:grpSp>
+      <p:pic>
+        <p:nvPicPr>
+          <p:cNvPr id="4" name="Рисунок 3"/>
+          <p:cNvPicPr>
+            <a:picLocks noChangeAspect="1"/>
+          </p:cNvPicPr>
+          <p:nvPr/>
+        </p:nvPicPr>
+        <p:blipFill>
+          <a:blip r:embed="rId4" cstate="print">
+            <a:extLst>
+              <a:ext uri="{28A0092B-C50C-407E-A947-70E740481C1C}">
+                <a14:useLocalDpi xmlns:a14="http://schemas.microsoft.com/office/drawing/2010/main" val="0"/>
+              </a:ext>
+            </a:extLst>
+          </a:blip>
+          <a:stretch>
+            <a:fillRect/>
+          </a:stretch>
+        </p:blipFill>
+        <p:spPr>
+          <a:xfrm rot="9000000" flipH="1">
+            <a:off x="6200003" y="2082335"/>
+            <a:ext cx="2079101" cy="2079101"/>
+          </a:xfrm>
+          <a:prstGeom prst="rect">
+            <a:avLst/>
+          </a:prstGeom>
+        </p:spPr>
+      </p:pic>
+    </p:spTree>
+    <p:extLst>
+      <p:ext uri="{BB962C8B-B14F-4D97-AF65-F5344CB8AC3E}">
+        <p14:creationId xmlns:p14="http://schemas.microsoft.com/office/powerpoint/2010/main" val="1339611717"/>
+      </p:ext>
+    </p:extLst>
+  </p:cSld>
+  <p:clrMapOvr>
+    <a:masterClrMapping/>
+  </p:clrMapOvr>
+  <p:timing>
+    <p:tnLst>
+      <p:par>
+        <p:cTn id="1" dur="indefinite" restart="never" nodeType="tmRoot"/>
+      </p:par>
+    </p:tnLst>
+  </p:timing>
+</p:sld>
+</file>
+
 <file path=ppt/slides/slide2.xml><?xml version="1.0" encoding="utf-8"?>
 <p:sld xmlns:a="http://schemas.openxmlformats.org/drawingml/2006/main" xmlns:r="http://schemas.openxmlformats.org/officeDocument/2006/relationships" xmlns:p="http://schemas.openxmlformats.org/presentationml/2006/main">
   <p:cSld>
@@ -4459,6 +10422,1042 @@
     <p:extLst>
       <p:ext uri="{BB962C8B-B14F-4D97-AF65-F5344CB8AC3E}">
         <p14:creationId xmlns:p14="http://schemas.microsoft.com/office/powerpoint/2010/main" val="2086750440"/>
+      </p:ext>
+    </p:extLst>
+  </p:cSld>
+  <p:clrMapOvr>
+    <a:masterClrMapping/>
+  </p:clrMapOvr>
+  <p:timing>
+    <p:tnLst>
+      <p:par>
+        <p:cTn id="1" dur="indefinite" restart="never" nodeType="tmRoot"/>
+      </p:par>
+    </p:tnLst>
+  </p:timing>
+</p:sld>
+</file>
+
+<file path=ppt/slides/slide20.xml><?xml version="1.0" encoding="utf-8"?>
+<p:sld xmlns:a="http://schemas.openxmlformats.org/drawingml/2006/main" xmlns:r="http://schemas.openxmlformats.org/officeDocument/2006/relationships" xmlns:p="http://schemas.openxmlformats.org/presentationml/2006/main">
+  <p:cSld>
+    <p:spTree>
+      <p:nvGrpSpPr>
+        <p:cNvPr id="1" name=""/>
+        <p:cNvGrpSpPr/>
+        <p:nvPr/>
+      </p:nvGrpSpPr>
+      <p:grpSpPr>
+        <a:xfrm>
+          <a:off x="0" y="0"/>
+          <a:ext cx="0" cy="0"/>
+          <a:chOff x="0" y="0"/>
+          <a:chExt cx="0" cy="0"/>
+        </a:xfrm>
+      </p:grpSpPr>
+      <p:sp>
+        <p:nvSpPr>
+          <p:cNvPr id="9" name="TextBox 8"/>
+          <p:cNvSpPr txBox="1"/>
+          <p:nvPr/>
+        </p:nvSpPr>
+        <p:spPr>
+          <a:xfrm>
+            <a:off x="4716219" y="455338"/>
+            <a:ext cx="2759562" cy="830997"/>
+          </a:xfrm>
+          <a:prstGeom prst="rect">
+            <a:avLst/>
+          </a:prstGeom>
+          <a:noFill/>
+        </p:spPr>
+        <p:txBody>
+          <a:bodyPr wrap="square" rtlCol="0">
+            <a:spAutoFit/>
+          </a:bodyPr>
+          <a:lstStyle/>
+          <a:p>
+            <a:r>
+              <a:rPr lang="ru-RU" sz="4800" dirty="0" smtClean="0">
+                <a:latin typeface="Roboto" panose="02000000000000000000" pitchFamily="2" charset="0"/>
+                <a:ea typeface="Roboto" panose="02000000000000000000" pitchFamily="2" charset="0"/>
+              </a:rPr>
+              <a:t>РЕГРЕСС</a:t>
+            </a:r>
+            <a:endParaRPr lang="en-US" sz="4800" dirty="0">
+              <a:latin typeface="Roboto" panose="02000000000000000000" pitchFamily="2" charset="0"/>
+              <a:ea typeface="Roboto" panose="02000000000000000000" pitchFamily="2" charset="0"/>
+            </a:endParaRPr>
+          </a:p>
+        </p:txBody>
+      </p:sp>
+      <p:grpSp>
+        <p:nvGrpSpPr>
+          <p:cNvPr id="10" name="Группа 9"/>
+          <p:cNvGrpSpPr/>
+          <p:nvPr/>
+        </p:nvGrpSpPr>
+        <p:grpSpPr>
+          <a:xfrm flipH="1">
+            <a:off x="3004549" y="870836"/>
+            <a:ext cx="6182902" cy="5886450"/>
+            <a:chOff x="2422689" y="382080"/>
+            <a:chExt cx="6182902" cy="5886450"/>
+          </a:xfrm>
+        </p:grpSpPr>
+        <p:pic>
+          <p:nvPicPr>
+            <p:cNvPr id="11" name="Рисунок 10"/>
+            <p:cNvPicPr>
+              <a:picLocks noChangeAspect="1"/>
+            </p:cNvPicPr>
+            <p:nvPr/>
+          </p:nvPicPr>
+          <p:blipFill>
+            <a:blip r:embed="rId3">
+              <a:extLst>
+                <a:ext uri="{28A0092B-C50C-407E-A947-70E740481C1C}">
+                  <a14:useLocalDpi xmlns:a14="http://schemas.microsoft.com/office/drawing/2010/main" val="0"/>
+                </a:ext>
+              </a:extLst>
+            </a:blip>
+            <a:stretch>
+              <a:fillRect/>
+            </a:stretch>
+          </p:blipFill>
+          <p:spPr>
+            <a:xfrm>
+              <a:off x="2719141" y="382080"/>
+              <a:ext cx="5886450" cy="5886450"/>
+            </a:xfrm>
+            <a:prstGeom prst="rect">
+              <a:avLst/>
+            </a:prstGeom>
+          </p:spPr>
+        </p:pic>
+        <p:sp>
+          <p:nvSpPr>
+            <p:cNvPr id="12" name="Прямоугольник 11"/>
+            <p:cNvSpPr/>
+            <p:nvPr/>
+          </p:nvSpPr>
+          <p:spPr>
+            <a:xfrm>
+              <a:off x="2422689" y="886120"/>
+              <a:ext cx="2601798" cy="2533453"/>
+            </a:xfrm>
+            <a:prstGeom prst="rect">
+              <a:avLst/>
+            </a:prstGeom>
+            <a:solidFill>
+              <a:schemeClr val="bg1"/>
+            </a:solidFill>
+            <a:ln>
+              <a:solidFill>
+                <a:schemeClr val="bg1"/>
+              </a:solidFill>
+            </a:ln>
+          </p:spPr>
+          <p:style>
+            <a:lnRef idx="2">
+              <a:schemeClr val="accent1">
+                <a:shade val="50000"/>
+              </a:schemeClr>
+            </a:lnRef>
+            <a:fillRef idx="1">
+              <a:schemeClr val="accent1"/>
+            </a:fillRef>
+            <a:effectRef idx="0">
+              <a:schemeClr val="accent1"/>
+            </a:effectRef>
+            <a:fontRef idx="minor">
+              <a:schemeClr val="lt1"/>
+            </a:fontRef>
+          </p:style>
+          <p:txBody>
+            <a:bodyPr rtlCol="0" anchor="ctr"/>
+            <a:lstStyle/>
+            <a:p>
+              <a:pPr algn="ctr"/>
+              <a:endParaRPr lang="ru-RU"/>
+            </a:p>
+          </p:txBody>
+        </p:sp>
+      </p:grpSp>
+      <p:pic>
+        <p:nvPicPr>
+          <p:cNvPr id="4" name="Рисунок 3"/>
+          <p:cNvPicPr>
+            <a:picLocks noChangeAspect="1"/>
+          </p:cNvPicPr>
+          <p:nvPr/>
+        </p:nvPicPr>
+        <p:blipFill>
+          <a:blip r:embed="rId4" cstate="print">
+            <a:extLst>
+              <a:ext uri="{28A0092B-C50C-407E-A947-70E740481C1C}">
+                <a14:useLocalDpi xmlns:a14="http://schemas.microsoft.com/office/drawing/2010/main" val="0"/>
+              </a:ext>
+            </a:extLst>
+          </a:blip>
+          <a:stretch>
+            <a:fillRect/>
+          </a:stretch>
+        </p:blipFill>
+        <p:spPr>
+          <a:xfrm rot="9000000" flipH="1">
+            <a:off x="6200003" y="2082335"/>
+            <a:ext cx="2079101" cy="2079101"/>
+          </a:xfrm>
+          <a:prstGeom prst="rect">
+            <a:avLst/>
+          </a:prstGeom>
+        </p:spPr>
+      </p:pic>
+    </p:spTree>
+    <p:extLst>
+      <p:ext uri="{BB962C8B-B14F-4D97-AF65-F5344CB8AC3E}">
+        <p14:creationId xmlns:p14="http://schemas.microsoft.com/office/powerpoint/2010/main" val="3651972440"/>
+      </p:ext>
+    </p:extLst>
+  </p:cSld>
+  <p:clrMapOvr>
+    <a:masterClrMapping/>
+  </p:clrMapOvr>
+  <p:timing>
+    <p:tnLst>
+      <p:par>
+        <p:cTn id="1" dur="indefinite" restart="never" nodeType="tmRoot"/>
+      </p:par>
+    </p:tnLst>
+  </p:timing>
+</p:sld>
+</file>
+
+<file path=ppt/slides/slide21.xml><?xml version="1.0" encoding="utf-8"?>
+<p:sld xmlns:a="http://schemas.openxmlformats.org/drawingml/2006/main" xmlns:r="http://schemas.openxmlformats.org/officeDocument/2006/relationships" xmlns:p="http://schemas.openxmlformats.org/presentationml/2006/main">
+  <p:cSld>
+    <p:spTree>
+      <p:nvGrpSpPr>
+        <p:cNvPr id="1" name=""/>
+        <p:cNvGrpSpPr/>
+        <p:nvPr/>
+      </p:nvGrpSpPr>
+      <p:grpSpPr>
+        <a:xfrm>
+          <a:off x="0" y="0"/>
+          <a:ext cx="0" cy="0"/>
+          <a:chOff x="0" y="0"/>
+          <a:chExt cx="0" cy="0"/>
+        </a:xfrm>
+      </p:grpSpPr>
+      <p:pic>
+        <p:nvPicPr>
+          <p:cNvPr id="2056" name="Picture 8" descr="https://kartinkof.club/uploads/posts/2022-06/thumbs/1656068157_1-kartinkof-club-p-kartinki-s-nadpisyu-ya-prosnulsya-luntik-s-1.jpg"/>
+          <p:cNvPicPr>
+            <a:picLocks noChangeAspect="1" noChangeArrowheads="1"/>
+          </p:cNvPicPr>
+          <p:nvPr/>
+        </p:nvPicPr>
+        <p:blipFill>
+          <a:blip r:embed="rId3">
+            <a:extLst>
+              <a:ext uri="{28A0092B-C50C-407E-A947-70E740481C1C}">
+                <a14:useLocalDpi xmlns:a14="http://schemas.microsoft.com/office/drawing/2010/main" val="0"/>
+              </a:ext>
+            </a:extLst>
+          </a:blip>
+          <a:srcRect/>
+          <a:stretch>
+            <a:fillRect/>
+          </a:stretch>
+        </p:blipFill>
+        <p:spPr bwMode="auto">
+          <a:xfrm>
+            <a:off x="3238500" y="1328737"/>
+            <a:ext cx="5715000" cy="4200526"/>
+          </a:xfrm>
+          <a:prstGeom prst="rect">
+            <a:avLst/>
+          </a:prstGeom>
+          <a:noFill/>
+          <a:extLst>
+            <a:ext uri="{909E8E84-426E-40DD-AFC4-6F175D3DCCD1}">
+              <a14:hiddenFill xmlns:a14="http://schemas.microsoft.com/office/drawing/2010/main">
+                <a:solidFill>
+                  <a:srgbClr val="FFFFFF"/>
+                </a:solidFill>
+              </a14:hiddenFill>
+            </a:ext>
+          </a:extLst>
+        </p:spPr>
+      </p:pic>
+    </p:spTree>
+    <p:extLst>
+      <p:ext uri="{BB962C8B-B14F-4D97-AF65-F5344CB8AC3E}">
+        <p14:creationId xmlns:p14="http://schemas.microsoft.com/office/powerpoint/2010/main" val="1021856525"/>
+      </p:ext>
+    </p:extLst>
+  </p:cSld>
+  <p:clrMapOvr>
+    <a:masterClrMapping/>
+  </p:clrMapOvr>
+  <p:timing>
+    <p:tnLst>
+      <p:par>
+        <p:cTn id="1" dur="indefinite" restart="never" nodeType="tmRoot"/>
+      </p:par>
+    </p:tnLst>
+  </p:timing>
+</p:sld>
+</file>
+
+<file path=ppt/slides/slide22.xml><?xml version="1.0" encoding="utf-8"?>
+<p:sld xmlns:a="http://schemas.openxmlformats.org/drawingml/2006/main" xmlns:r="http://schemas.openxmlformats.org/officeDocument/2006/relationships" xmlns:p="http://schemas.openxmlformats.org/presentationml/2006/main">
+  <p:cSld>
+    <p:spTree>
+      <p:nvGrpSpPr>
+        <p:cNvPr id="1" name=""/>
+        <p:cNvGrpSpPr/>
+        <p:nvPr/>
+      </p:nvGrpSpPr>
+      <p:grpSpPr>
+        <a:xfrm>
+          <a:off x="0" y="0"/>
+          <a:ext cx="0" cy="0"/>
+          <a:chOff x="0" y="0"/>
+          <a:chExt cx="0" cy="0"/>
+        </a:xfrm>
+      </p:grpSpPr>
+      <p:sp>
+        <p:nvSpPr>
+          <p:cNvPr id="9" name="TextBox 8"/>
+          <p:cNvSpPr txBox="1"/>
+          <p:nvPr/>
+        </p:nvSpPr>
+        <p:spPr>
+          <a:xfrm>
+            <a:off x="1466040" y="3013502"/>
+            <a:ext cx="3938563" cy="830997"/>
+          </a:xfrm>
+          <a:prstGeom prst="rect">
+            <a:avLst/>
+          </a:prstGeom>
+          <a:noFill/>
+        </p:spPr>
+        <p:txBody>
+          <a:bodyPr wrap="square" rtlCol="0">
+            <a:spAutoFit/>
+          </a:bodyPr>
+          <a:lstStyle/>
+          <a:p>
+            <a:r>
+              <a:rPr lang="ru-RU" sz="4800" dirty="0" smtClean="0">
+                <a:latin typeface="Roboto" panose="02000000000000000000" pitchFamily="2" charset="0"/>
+                <a:ea typeface="Roboto" panose="02000000000000000000" pitchFamily="2" charset="0"/>
+              </a:rPr>
+              <a:t>ПОВЕДЕНИЕ</a:t>
+            </a:r>
+            <a:endParaRPr lang="en-US" sz="4800" dirty="0">
+              <a:latin typeface="Roboto" panose="02000000000000000000" pitchFamily="2" charset="0"/>
+              <a:ea typeface="Roboto" panose="02000000000000000000" pitchFamily="2" charset="0"/>
+            </a:endParaRPr>
+          </a:p>
+        </p:txBody>
+      </p:sp>
+      <p:sp>
+        <p:nvSpPr>
+          <p:cNvPr id="17" name="TextBox 16"/>
+          <p:cNvSpPr txBox="1"/>
+          <p:nvPr/>
+        </p:nvSpPr>
+        <p:spPr>
+          <a:xfrm>
+            <a:off x="6854441" y="3013501"/>
+            <a:ext cx="3549019" cy="830997"/>
+          </a:xfrm>
+          <a:prstGeom prst="rect">
+            <a:avLst/>
+          </a:prstGeom>
+          <a:noFill/>
+        </p:spPr>
+        <p:txBody>
+          <a:bodyPr wrap="square" rtlCol="0">
+            <a:spAutoFit/>
+          </a:bodyPr>
+          <a:lstStyle/>
+          <a:p>
+            <a:r>
+              <a:rPr lang="ru-RU" sz="4800" dirty="0" smtClean="0">
+                <a:latin typeface="Roboto" panose="02000000000000000000" pitchFamily="2" charset="0"/>
+                <a:ea typeface="Roboto" panose="02000000000000000000" pitchFamily="2" charset="0"/>
+              </a:rPr>
+              <a:t>СТРУКТУРА</a:t>
+            </a:r>
+            <a:endParaRPr lang="en-US" sz="4800" dirty="0">
+              <a:latin typeface="Roboto" panose="02000000000000000000" pitchFamily="2" charset="0"/>
+              <a:ea typeface="Roboto" panose="02000000000000000000" pitchFamily="2" charset="0"/>
+            </a:endParaRPr>
+          </a:p>
+        </p:txBody>
+      </p:sp>
+    </p:spTree>
+    <p:extLst>
+      <p:ext uri="{BB962C8B-B14F-4D97-AF65-F5344CB8AC3E}">
+        <p14:creationId xmlns:p14="http://schemas.microsoft.com/office/powerpoint/2010/main" val="1776816976"/>
+      </p:ext>
+    </p:extLst>
+  </p:cSld>
+  <p:clrMapOvr>
+    <a:masterClrMapping/>
+  </p:clrMapOvr>
+  <p:timing>
+    <p:tnLst>
+      <p:par>
+        <p:cTn id="1" dur="indefinite" restart="never" nodeType="tmRoot"/>
+      </p:par>
+    </p:tnLst>
+  </p:timing>
+</p:sld>
+</file>
+
+<file path=ppt/slides/slide23.xml><?xml version="1.0" encoding="utf-8"?>
+<p:sld xmlns:a="http://schemas.openxmlformats.org/drawingml/2006/main" xmlns:r="http://schemas.openxmlformats.org/officeDocument/2006/relationships" xmlns:p="http://schemas.openxmlformats.org/presentationml/2006/main">
+  <p:cSld>
+    <p:spTree>
+      <p:nvGrpSpPr>
+        <p:cNvPr id="1" name=""/>
+        <p:cNvGrpSpPr/>
+        <p:nvPr/>
+      </p:nvGrpSpPr>
+      <p:grpSpPr>
+        <a:xfrm>
+          <a:off x="0" y="0"/>
+          <a:ext cx="0" cy="0"/>
+          <a:chOff x="0" y="0"/>
+          <a:chExt cx="0" cy="0"/>
+        </a:xfrm>
+      </p:grpSpPr>
+      <p:sp>
+        <p:nvSpPr>
+          <p:cNvPr id="9" name="TextBox 8"/>
+          <p:cNvSpPr txBox="1"/>
+          <p:nvPr/>
+        </p:nvSpPr>
+        <p:spPr>
+          <a:xfrm>
+            <a:off x="1466040" y="3013502"/>
+            <a:ext cx="3938563" cy="830997"/>
+          </a:xfrm>
+          <a:prstGeom prst="rect">
+            <a:avLst/>
+          </a:prstGeom>
+          <a:noFill/>
+        </p:spPr>
+        <p:txBody>
+          <a:bodyPr wrap="square" rtlCol="0">
+            <a:spAutoFit/>
+          </a:bodyPr>
+          <a:lstStyle/>
+          <a:p>
+            <a:r>
+              <a:rPr lang="ru-RU" sz="4800" dirty="0" smtClean="0">
+                <a:latin typeface="Roboto" panose="02000000000000000000" pitchFamily="2" charset="0"/>
+                <a:ea typeface="Roboto" panose="02000000000000000000" pitchFamily="2" charset="0"/>
+              </a:rPr>
+              <a:t>ПОВЕДЕНИЕ</a:t>
+            </a:r>
+            <a:endParaRPr lang="en-US" sz="4800" dirty="0">
+              <a:latin typeface="Roboto" panose="02000000000000000000" pitchFamily="2" charset="0"/>
+              <a:ea typeface="Roboto" panose="02000000000000000000" pitchFamily="2" charset="0"/>
+            </a:endParaRPr>
+          </a:p>
+        </p:txBody>
+      </p:sp>
+      <p:sp>
+        <p:nvSpPr>
+          <p:cNvPr id="17" name="TextBox 16"/>
+          <p:cNvSpPr txBox="1"/>
+          <p:nvPr/>
+        </p:nvSpPr>
+        <p:spPr>
+          <a:xfrm>
+            <a:off x="6854441" y="3013501"/>
+            <a:ext cx="3549019" cy="830997"/>
+          </a:xfrm>
+          <a:prstGeom prst="rect">
+            <a:avLst/>
+          </a:prstGeom>
+          <a:noFill/>
+        </p:spPr>
+        <p:txBody>
+          <a:bodyPr wrap="square" rtlCol="0">
+            <a:spAutoFit/>
+          </a:bodyPr>
+          <a:lstStyle/>
+          <a:p>
+            <a:r>
+              <a:rPr lang="ru-RU" sz="4800" dirty="0" smtClean="0">
+                <a:solidFill>
+                  <a:srgbClr val="C00000"/>
+                </a:solidFill>
+                <a:latin typeface="Roboto" panose="02000000000000000000" pitchFamily="2" charset="0"/>
+                <a:ea typeface="Roboto" panose="02000000000000000000" pitchFamily="2" charset="0"/>
+              </a:rPr>
+              <a:t>СТРУКТУРА</a:t>
+            </a:r>
+            <a:endParaRPr lang="en-US" sz="4800" dirty="0">
+              <a:solidFill>
+                <a:srgbClr val="C00000"/>
+              </a:solidFill>
+              <a:latin typeface="Roboto" panose="02000000000000000000" pitchFamily="2" charset="0"/>
+              <a:ea typeface="Roboto" panose="02000000000000000000" pitchFamily="2" charset="0"/>
+            </a:endParaRPr>
+          </a:p>
+        </p:txBody>
+      </p:sp>
+    </p:spTree>
+    <p:extLst>
+      <p:ext uri="{BB962C8B-B14F-4D97-AF65-F5344CB8AC3E}">
+        <p14:creationId xmlns:p14="http://schemas.microsoft.com/office/powerpoint/2010/main" val="2991316622"/>
+      </p:ext>
+    </p:extLst>
+  </p:cSld>
+  <p:clrMapOvr>
+    <a:masterClrMapping/>
+  </p:clrMapOvr>
+  <p:timing>
+    <p:tnLst>
+      <p:par>
+        <p:cTn id="1" dur="indefinite" restart="never" nodeType="tmRoot"/>
+      </p:par>
+    </p:tnLst>
+  </p:timing>
+</p:sld>
+</file>
+
+<file path=ppt/slides/slide24.xml><?xml version="1.0" encoding="utf-8"?>
+<p:sld xmlns:a="http://schemas.openxmlformats.org/drawingml/2006/main" xmlns:r="http://schemas.openxmlformats.org/officeDocument/2006/relationships" xmlns:p="http://schemas.openxmlformats.org/presentationml/2006/main">
+  <p:cSld>
+    <p:spTree>
+      <p:nvGrpSpPr>
+        <p:cNvPr id="1" name=""/>
+        <p:cNvGrpSpPr/>
+        <p:nvPr/>
+      </p:nvGrpSpPr>
+      <p:grpSpPr>
+        <a:xfrm>
+          <a:off x="0" y="0"/>
+          <a:ext cx="0" cy="0"/>
+          <a:chOff x="0" y="0"/>
+          <a:chExt cx="0" cy="0"/>
+        </a:xfrm>
+      </p:grpSpPr>
+      <p:sp>
+        <p:nvSpPr>
+          <p:cNvPr id="9" name="TextBox 8"/>
+          <p:cNvSpPr txBox="1"/>
+          <p:nvPr/>
+        </p:nvSpPr>
+        <p:spPr>
+          <a:xfrm>
+            <a:off x="3765575" y="3013502"/>
+            <a:ext cx="4660850" cy="830997"/>
+          </a:xfrm>
+          <a:prstGeom prst="rect">
+            <a:avLst/>
+          </a:prstGeom>
+          <a:noFill/>
+        </p:spPr>
+        <p:txBody>
+          <a:bodyPr wrap="square" rtlCol="0">
+            <a:spAutoFit/>
+          </a:bodyPr>
+          <a:lstStyle/>
+          <a:p>
+            <a:r>
+              <a:rPr lang="ru-RU" sz="4800" dirty="0" smtClean="0">
+                <a:latin typeface="Roboto" panose="02000000000000000000" pitchFamily="2" charset="0"/>
+                <a:ea typeface="Roboto" panose="02000000000000000000" pitchFamily="2" charset="0"/>
+              </a:rPr>
+              <a:t>РЕФАКТОРИНГ</a:t>
+            </a:r>
+            <a:endParaRPr lang="en-US" sz="4800" dirty="0">
+              <a:latin typeface="Roboto" panose="02000000000000000000" pitchFamily="2" charset="0"/>
+              <a:ea typeface="Roboto" panose="02000000000000000000" pitchFamily="2" charset="0"/>
+            </a:endParaRPr>
+          </a:p>
+        </p:txBody>
+      </p:sp>
+    </p:spTree>
+    <p:extLst>
+      <p:ext uri="{BB962C8B-B14F-4D97-AF65-F5344CB8AC3E}">
+        <p14:creationId xmlns:p14="http://schemas.microsoft.com/office/powerpoint/2010/main" val="248750973"/>
+      </p:ext>
+    </p:extLst>
+  </p:cSld>
+  <p:clrMapOvr>
+    <a:masterClrMapping/>
+  </p:clrMapOvr>
+  <p:timing>
+    <p:tnLst>
+      <p:par>
+        <p:cTn id="1" dur="indefinite" restart="never" nodeType="tmRoot"/>
+      </p:par>
+    </p:tnLst>
+  </p:timing>
+</p:sld>
+</file>
+
+<file path=ppt/slides/slide25.xml><?xml version="1.0" encoding="utf-8"?>
+<p:sld xmlns:a="http://schemas.openxmlformats.org/drawingml/2006/main" xmlns:r="http://schemas.openxmlformats.org/officeDocument/2006/relationships" xmlns:p="http://schemas.openxmlformats.org/presentationml/2006/main">
+  <p:cSld>
+    <p:spTree>
+      <p:nvGrpSpPr>
+        <p:cNvPr id="1" name=""/>
+        <p:cNvGrpSpPr/>
+        <p:nvPr/>
+      </p:nvGrpSpPr>
+      <p:grpSpPr>
+        <a:xfrm>
+          <a:off x="0" y="0"/>
+          <a:ext cx="0" cy="0"/>
+          <a:chOff x="0" y="0"/>
+          <a:chExt cx="0" cy="0"/>
+        </a:xfrm>
+      </p:grpSpPr>
+      <p:sp>
+        <p:nvSpPr>
+          <p:cNvPr id="9" name="TextBox 8"/>
+          <p:cNvSpPr txBox="1"/>
+          <p:nvPr/>
+        </p:nvSpPr>
+        <p:spPr>
+          <a:xfrm>
+            <a:off x="3765575" y="2644170"/>
+            <a:ext cx="4660850" cy="1569660"/>
+          </a:xfrm>
+          <a:prstGeom prst="rect">
+            <a:avLst/>
+          </a:prstGeom>
+          <a:noFill/>
+        </p:spPr>
+        <p:txBody>
+          <a:bodyPr wrap="square" rtlCol="0">
+            <a:spAutoFit/>
+          </a:bodyPr>
+          <a:lstStyle/>
+          <a:p>
+            <a:pPr algn="ctr"/>
+            <a:r>
+              <a:rPr lang="ru-RU" sz="4800" dirty="0" smtClean="0">
+                <a:latin typeface="Roboto" panose="02000000000000000000" pitchFamily="2" charset="0"/>
+                <a:ea typeface="Roboto" panose="02000000000000000000" pitchFamily="2" charset="0"/>
+              </a:rPr>
+              <a:t>ПО сложно изменять</a:t>
+            </a:r>
+            <a:endParaRPr lang="en-US" sz="4800" dirty="0">
+              <a:latin typeface="Roboto" panose="02000000000000000000" pitchFamily="2" charset="0"/>
+              <a:ea typeface="Roboto" panose="02000000000000000000" pitchFamily="2" charset="0"/>
+            </a:endParaRPr>
+    